--- a/help/data-sheets/assets/BusinessSupportDatasheet.pptx
+++ b/help/data-sheets/assets/BusinessSupportDatasheet.pptx
@@ -144,10 +144,7 @@
 <p1510:revInfo xmlns:a="http://schemas.openxmlformats.org/drawingml/2006/main" xmlns:r="http://schemas.openxmlformats.org/officeDocument/2006/relationships" xmlns:p1510="http://schemas.microsoft.com/office/powerpoint/2015/10/main">
   <p1510:revLst>
     <p1510:client id="{06B13378-B080-7F0F-51A5-F9203CEE57ED}" v="370" dt="2021-08-25T22:26:24.850"/>
-    <p1510:client id="{4D8E0410-E0CE-85E2-0F84-C1BF4F647622}" v="27" dt="2021-09-22T22:57:14.395"/>
-    <p1510:client id="{71D6CFBF-0EA2-99B0-93F4-22F19EF0AE4E}" v="2" dt="2021-09-22T19:06:58.732"/>
     <p1510:client id="{9E385600-BF81-FC49-9ED0-E33BC37F7908}" v="55" dt="2021-08-04T08:16:13.478"/>
-    <p1510:client id="{AFB92C2B-405E-C597-0988-18F97C53104C}" v="37" dt="2021-09-22T18:53:28.028"/>
     <p1510:client id="{CA5D33DF-AE75-BCA1-B9BC-A7CD44D2F3C7}" v="2" dt="2021-08-25T22:38:18.624"/>
   </p1510:revLst>
 </p1510:revInfo>
@@ -155,54 +152,6 @@
 
 <file path=ppt/changesInfos/changesInfo1.xml><?xml version="1.0" encoding="utf-8"?>
 <pc:chgInfo xmlns:a="http://schemas.openxmlformats.org/drawingml/2006/main" xmlns:r="http://schemas.openxmlformats.org/officeDocument/2006/relationships" xmlns:ac="http://schemas.microsoft.com/office/drawing/2013/main/command" xmlns:pc="http://schemas.microsoft.com/office/powerpoint/2013/main/command">
-  <pc:docChgLst>
-    <pc:chgData name="Akilah Johnson" userId="S::akjohnso@adobe.com::2fa3aa60-0c9c-4d06-bae2-795983241227" providerId="AD" clId="Web-{4D8E0410-E0CE-85E2-0F84-C1BF4F647622}"/>
-    <pc:docChg chg="modSld">
-      <pc:chgData name="Akilah Johnson" userId="S::akjohnso@adobe.com::2fa3aa60-0c9c-4d06-bae2-795983241227" providerId="AD" clId="Web-{4D8E0410-E0CE-85E2-0F84-C1BF4F647622}" dt="2021-09-22T22:57:04.802" v="5"/>
-      <pc:docMkLst>
-        <pc:docMk/>
-      </pc:docMkLst>
-      <pc:sldChg chg="modSp">
-        <pc:chgData name="Akilah Johnson" userId="S::akjohnso@adobe.com::2fa3aa60-0c9c-4d06-bae2-795983241227" providerId="AD" clId="Web-{4D8E0410-E0CE-85E2-0F84-C1BF4F647622}" dt="2021-09-22T22:57:04.802" v="5"/>
-        <pc:sldMkLst>
-          <pc:docMk/>
-          <pc:sldMk cId="1050037809" sldId="261"/>
-        </pc:sldMkLst>
-        <pc:graphicFrameChg chg="mod modGraphic">
-          <ac:chgData name="Akilah Johnson" userId="S::akjohnso@adobe.com::2fa3aa60-0c9c-4d06-bae2-795983241227" providerId="AD" clId="Web-{4D8E0410-E0CE-85E2-0F84-C1BF4F647622}" dt="2021-09-22T22:57:04.802" v="5"/>
-          <ac:graphicFrameMkLst>
-            <pc:docMk/>
-            <pc:sldMk cId="1050037809" sldId="261"/>
-            <ac:graphicFrameMk id="25" creationId="{3A91F5B0-3974-A14D-A146-FB590F2AAD18}"/>
-          </ac:graphicFrameMkLst>
-        </pc:graphicFrameChg>
-      </pc:sldChg>
-    </pc:docChg>
-  </pc:docChgLst>
-  <pc:docChgLst>
-    <pc:chgData name="Akilah Johnson" userId="S::akjohnso@adobe.com::2fa3aa60-0c9c-4d06-bae2-795983241227" providerId="AD" clId="Web-{71D6CFBF-0EA2-99B0-93F4-22F19EF0AE4E}"/>
-    <pc:docChg chg="modSld">
-      <pc:chgData name="Akilah Johnson" userId="S::akjohnso@adobe.com::2fa3aa60-0c9c-4d06-bae2-795983241227" providerId="AD" clId="Web-{71D6CFBF-0EA2-99B0-93F4-22F19EF0AE4E}" dt="2021-09-22T19:06:58.732" v="1" actId="1076"/>
-      <pc:docMkLst>
-        <pc:docMk/>
-      </pc:docMkLst>
-      <pc:sldChg chg="modSp">
-        <pc:chgData name="Akilah Johnson" userId="S::akjohnso@adobe.com::2fa3aa60-0c9c-4d06-bae2-795983241227" providerId="AD" clId="Web-{71D6CFBF-0EA2-99B0-93F4-22F19EF0AE4E}" dt="2021-09-22T19:06:58.732" v="1" actId="1076"/>
-        <pc:sldMkLst>
-          <pc:docMk/>
-          <pc:sldMk cId="1050037809" sldId="261"/>
-        </pc:sldMkLst>
-        <pc:spChg chg="mod">
-          <ac:chgData name="Akilah Johnson" userId="S::akjohnso@adobe.com::2fa3aa60-0c9c-4d06-bae2-795983241227" providerId="AD" clId="Web-{71D6CFBF-0EA2-99B0-93F4-22F19EF0AE4E}" dt="2021-09-22T19:06:58.732" v="1" actId="1076"/>
-          <ac:spMkLst>
-            <pc:docMk/>
-            <pc:sldMk cId="1050037809" sldId="261"/>
-            <ac:spMk id="64" creationId="{41467BDC-3D83-D844-B922-CD07E94E5AAB}"/>
-          </ac:spMkLst>
-        </pc:spChg>
-      </pc:sldChg>
-    </pc:docChg>
-  </pc:docChgLst>
   <pc:docChgLst>
     <pc:chgData name="Andy Witt" userId="S::awitt@adobe.com::e9157bdf-53b2-40e4-9459-936793d75696" providerId="AD" clId="Web-{06B13378-B080-7F0F-51A5-F9203CEE57ED}"/>
     <pc:docChg chg="modSld">
@@ -218,38 +167,6 @@
         </pc:sldMkLst>
         <pc:graphicFrameChg chg="mod modGraphic">
           <ac:chgData name="Andy Witt" userId="S::awitt@adobe.com::e9157bdf-53b2-40e4-9459-936793d75696" providerId="AD" clId="Web-{06B13378-B080-7F0F-51A5-F9203CEE57ED}" dt="2021-08-25T22:25:13.647" v="363"/>
-          <ac:graphicFrameMkLst>
-            <pc:docMk/>
-            <pc:sldMk cId="1050037809" sldId="261"/>
-            <ac:graphicFrameMk id="25" creationId="{3A91F5B0-3974-A14D-A146-FB590F2AAD18}"/>
-          </ac:graphicFrameMkLst>
-        </pc:graphicFrameChg>
-      </pc:sldChg>
-    </pc:docChg>
-  </pc:docChgLst>
-  <pc:docChgLst>
-    <pc:chgData name="Akilah Johnson" userId="S::akjohnso@adobe.com::2fa3aa60-0c9c-4d06-bae2-795983241227" providerId="AD" clId="Web-{AFB92C2B-405E-C597-0988-18F97C53104C}"/>
-    <pc:docChg chg="modSld">
-      <pc:chgData name="Akilah Johnson" userId="S::akjohnso@adobe.com::2fa3aa60-0c9c-4d06-bae2-795983241227" providerId="AD" clId="Web-{AFB92C2B-405E-C597-0988-18F97C53104C}" dt="2021-09-22T18:53:26.184" v="29"/>
-      <pc:docMkLst>
-        <pc:docMk/>
-      </pc:docMkLst>
-      <pc:sldChg chg="modSp">
-        <pc:chgData name="Akilah Johnson" userId="S::akjohnso@adobe.com::2fa3aa60-0c9c-4d06-bae2-795983241227" providerId="AD" clId="Web-{AFB92C2B-405E-C597-0988-18F97C53104C}" dt="2021-09-22T18:53:26.184" v="29"/>
-        <pc:sldMkLst>
-          <pc:docMk/>
-          <pc:sldMk cId="1050037809" sldId="261"/>
-        </pc:sldMkLst>
-        <pc:spChg chg="mod">
-          <ac:chgData name="Akilah Johnson" userId="S::akjohnso@adobe.com::2fa3aa60-0c9c-4d06-bae2-795983241227" providerId="AD" clId="Web-{AFB92C2B-405E-C597-0988-18F97C53104C}" dt="2021-09-22T18:53:05.841" v="5" actId="20577"/>
-          <ac:spMkLst>
-            <pc:docMk/>
-            <pc:sldMk cId="1050037809" sldId="261"/>
-            <ac:spMk id="64" creationId="{41467BDC-3D83-D844-B922-CD07E94E5AAB}"/>
-          </ac:spMkLst>
-        </pc:spChg>
-        <pc:graphicFrameChg chg="mod modGraphic">
-          <ac:chgData name="Akilah Johnson" userId="S::akjohnso@adobe.com::2fa3aa60-0c9c-4d06-bae2-795983241227" providerId="AD" clId="Web-{AFB92C2B-405E-C597-0988-18F97C53104C}" dt="2021-09-22T18:53:26.184" v="29"/>
           <ac:graphicFrameMkLst>
             <pc:docMk/>
             <pc:sldMk cId="1050037809" sldId="261"/>
@@ -368,7 +285,7 @@
           <a:p>
             <a:fld id="{FB81873C-0B24-F04A-98A1-90E0A78F7E8A}" type="datetimeFigureOut">
               <a:rPr lang="en-US" smtClean="0"/>
-              <a:t>9/22/2021</a:t>
+              <a:t>10/11/21</a:t>
             </a:fld>
             <a:endParaRPr lang="en-US"/>
           </a:p>
@@ -679,7 +596,7 @@
           <a:bodyPr/>
           <a:lstStyle/>
           <a:p>
-            <a:endParaRPr lang="en-US"/>
+            <a:endParaRPr lang="en-US" dirty="0"/>
           </a:p>
         </p:txBody>
       </p:sp>
@@ -763,7 +680,7 @@
           <a:bodyPr/>
           <a:lstStyle/>
           <a:p>
-            <a:endParaRPr lang="en-US"/>
+            <a:endParaRPr lang="en-US" dirty="0"/>
           </a:p>
         </p:txBody>
       </p:sp>
@@ -847,7 +764,7 @@
           <a:bodyPr/>
           <a:lstStyle/>
           <a:p>
-            <a:endParaRPr lang="en-US"/>
+            <a:endParaRPr lang="en-US" dirty="0"/>
           </a:p>
         </p:txBody>
       </p:sp>
@@ -991,7 +908,7 @@
           <a:p>
             <a:fld id="{1D8BD707-D9CF-40AE-B4C6-C98DA3205C09}" type="datetimeFigureOut">
               <a:rPr lang="en-US"/>
-              <a:t>9/22/2021</a:t>
+              <a:t>10/11/21</a:t>
             </a:fld>
             <a:endParaRPr lang="en-US"/>
           </a:p>
@@ -1079,23 +996,23 @@
               </a:spcBef>
             </a:pPr>
             <a:r>
-              <a:rPr spc="-5"/>
+              <a:rPr spc="-5" dirty="0"/>
               <a:t>©202</a:t>
             </a:r>
             <a:r>
-              <a:rPr lang="en-US" spc="-5"/>
+              <a:rPr lang="en-US" spc="-5" dirty="0"/>
               <a:t>1 </a:t>
             </a:r>
             <a:r>
-              <a:rPr spc="-5"/>
+              <a:rPr spc="-5" dirty="0"/>
               <a:t>Adobe. All Rights Reserved. Adobe</a:t>
             </a:r>
             <a:r>
-              <a:rPr spc="60"/>
+              <a:rPr spc="60" dirty="0"/>
               <a:t> </a:t>
             </a:r>
             <a:r>
-              <a:rPr spc="-5"/>
+              <a:rPr spc="-5" dirty="0"/>
               <a:t>Confidential.</a:t>
             </a:r>
           </a:p>
@@ -1183,7 +1100,7 @@
           <a:p>
             <a:fld id="{1D8BD707-D9CF-40AE-B4C6-C98DA3205C09}" type="datetimeFigureOut">
               <a:rPr lang="en-US"/>
-              <a:t>9/22/2021</a:t>
+              <a:t>10/11/21</a:t>
             </a:fld>
             <a:endParaRPr lang="en-US"/>
           </a:p>
@@ -1271,23 +1188,23 @@
               </a:spcBef>
             </a:pPr>
             <a:r>
-              <a:rPr spc="-5"/>
+              <a:rPr spc="-5" dirty="0"/>
               <a:t>©202</a:t>
             </a:r>
             <a:r>
-              <a:rPr lang="en-US" spc="-5"/>
+              <a:rPr lang="en-US" spc="-5" dirty="0"/>
               <a:t>1</a:t>
             </a:r>
             <a:r>
-              <a:rPr spc="-5"/>
+              <a:rPr spc="-5" dirty="0"/>
               <a:t> Adobe. All Rights Reserved. Adobe</a:t>
             </a:r>
             <a:r>
-              <a:rPr spc="60"/>
+              <a:rPr spc="60" dirty="0"/>
               <a:t> </a:t>
             </a:r>
             <a:r>
-              <a:rPr spc="-5"/>
+              <a:rPr spc="-5" dirty="0"/>
               <a:t>Confidential.</a:t>
             </a:r>
           </a:p>
@@ -1442,23 +1359,23 @@
               </a:spcBef>
             </a:pPr>
             <a:r>
-              <a:rPr spc="-5"/>
+              <a:rPr spc="-5" dirty="0"/>
               <a:t>©202</a:t>
             </a:r>
             <a:r>
-              <a:rPr lang="en-US" spc="-5"/>
+              <a:rPr lang="en-US" spc="-5" dirty="0"/>
               <a:t>1</a:t>
             </a:r>
             <a:r>
-              <a:rPr spc="-5"/>
+              <a:rPr spc="-5" dirty="0"/>
               <a:t> Adobe. All Rights Reserved. Adobe</a:t>
             </a:r>
             <a:r>
-              <a:rPr spc="60"/>
+              <a:rPr spc="60" dirty="0"/>
               <a:t> </a:t>
             </a:r>
             <a:r>
-              <a:rPr spc="-5"/>
+              <a:rPr spc="-5" dirty="0"/>
               <a:t>Confidential.</a:t>
             </a:r>
           </a:p>
@@ -1501,7 +1418,7 @@
           <a:p>
             <a:fld id="{1D8BD707-D9CF-40AE-B4C6-C98DA3205C09}" type="datetimeFigureOut">
               <a:rPr lang="en-US"/>
-              <a:t>9/22/2021</a:t>
+              <a:t>10/11/21</a:t>
             </a:fld>
             <a:endParaRPr lang="en-US"/>
           </a:p>
@@ -1755,8 +1672,8 @@
         </p:nvSpPr>
         <p:spPr>
           <a:xfrm>
-            <a:off x="168565" y="7162363"/>
-            <a:ext cx="2800350" cy="238760"/>
+            <a:off x="168564" y="7162363"/>
+            <a:ext cx="3870035" cy="229037"/>
           </a:xfrm>
           <a:prstGeom prst="rect">
             <a:avLst/>
@@ -1777,7 +1694,7 @@
               </a:spcBef>
             </a:pPr>
             <a:r>
-              <a:rPr sz="1400" b="1" u="heavy" spc="10">
+              <a:rPr lang="de-de" sz="1400" b="1" u="heavy" spc="10" dirty="0">
                 <a:solidFill>
                   <a:srgbClr val="020302"/>
                 </a:solidFill>
@@ -1789,10 +1706,10 @@
                 <a:latin typeface="Adobe Clean"/>
                 <a:cs typeface="Adobe Clean"/>
               </a:rPr>
-              <a:t>Service </a:t>
-            </a:r>
-            <a:r>
-              <a:rPr sz="1400" b="1" u="heavy" spc="-10">
+              <a:t>서비스 </a:t>
+            </a:r>
+            <a:r>
+              <a:rPr lang="de-de" sz="1400" b="1" u="heavy" spc="-10" dirty="0">
                 <a:solidFill>
                   <a:srgbClr val="020302"/>
                 </a:solidFill>
@@ -1804,10 +1721,10 @@
                 <a:latin typeface="Adobe Clean"/>
                 <a:cs typeface="Adobe Clean"/>
               </a:rPr>
-              <a:t>Level </a:t>
-            </a:r>
-            <a:r>
-              <a:rPr sz="1400" b="1" u="heavy" spc="-45">
+              <a:t>수준 </a:t>
+            </a:r>
+            <a:r>
+              <a:rPr lang="de-de" sz="1400" b="1" u="heavy" spc="-45" dirty="0">
                 <a:solidFill>
                   <a:srgbClr val="020302"/>
                 </a:solidFill>
@@ -1819,10 +1736,10 @@
                 <a:latin typeface="Adobe Clean"/>
                 <a:cs typeface="Adobe Clean"/>
               </a:rPr>
-              <a:t>Targets: </a:t>
-            </a:r>
-            <a:r>
-              <a:rPr sz="1400" b="1" u="heavy" spc="-10">
+              <a:t>목표: </a:t>
+            </a:r>
+            <a:r>
+              <a:rPr lang="de-de" sz="1400" b="1" u="heavy" spc="-10" dirty="0">
                 <a:solidFill>
                   <a:srgbClr val="020302"/>
                 </a:solidFill>
@@ -1834,10 +1751,10 @@
                 <a:latin typeface="Adobe Clean"/>
                 <a:cs typeface="Adobe Clean"/>
               </a:rPr>
-              <a:t>Initial</a:t>
-            </a:r>
-            <a:r>
-              <a:rPr sz="1400" b="1" u="heavy" spc="-140">
+              <a:t>초기</a:t>
+            </a:r>
+            <a:r>
+              <a:rPr lang="de-de" sz="1400" b="1" u="heavy" spc="-140" dirty="0">
                 <a:solidFill>
                   <a:srgbClr val="020302"/>
                 </a:solidFill>
@@ -1852,7 +1769,7 @@
               <a:t> </a:t>
             </a:r>
             <a:r>
-              <a:rPr sz="1400" b="1" u="heavy" spc="-15">
+              <a:rPr lang="de-de" sz="1400" b="1" u="heavy" spc="-15" dirty="0">
                 <a:solidFill>
                   <a:srgbClr val="020302"/>
                 </a:solidFill>
@@ -1864,9 +1781,9 @@
                 <a:latin typeface="Adobe Clean"/>
                 <a:cs typeface="Adobe Clean"/>
               </a:rPr>
-              <a:t>Response</a:t>
-            </a:r>
-            <a:endParaRPr sz="1400">
+              <a:t>대응</a:t>
+            </a:r>
+            <a:endParaRPr sz="1400" dirty="0">
               <a:latin typeface="Adobe Clean"/>
               <a:cs typeface="Adobe Clean"/>
             </a:endParaRPr>
@@ -1936,18 +1853,12 @@
               </a:spcBef>
             </a:pPr>
             <a:r>
-              <a:rPr sz="2300">
+              <a:rPr lang="de-de" sz="2300" dirty="0">
                 <a:latin typeface="Adobe Clean" panose="020B0503020404020204" pitchFamily="34" charset="0"/>
               </a:rPr>
-              <a:t>ADOBE </a:t>
-            </a:r>
-            <a:r>
-              <a:rPr lang="en-US" sz="2300">
-                <a:latin typeface="Adobe Clean" panose="020B0503020404020204" pitchFamily="34" charset="0"/>
-              </a:rPr>
-              <a:t>SUPPORT OFFERINGS</a:t>
-            </a:r>
-            <a:endParaRPr sz="2300">
+              <a:t>Adobe 지원 서비스 제공 사항</a:t>
+            </a:r>
+            <a:endParaRPr sz="2300" dirty="0">
               <a:latin typeface="Adobe Clean" panose="020B0503020404020204" pitchFamily="34" charset="0"/>
             </a:endParaRPr>
           </a:p>
@@ -1983,31 +1894,31 @@
               </a:spcBef>
             </a:pPr>
             <a:r>
-              <a:rPr lang="en-US" sz="900">
+              <a:rPr lang="de-de" sz="900" dirty="0">
                 <a:solidFill>
                   <a:schemeClr val="bg1"/>
                 </a:solidFill>
                 <a:latin typeface="Adobe Clean Light" panose="020B0303020404020204" pitchFamily="34" charset="0"/>
               </a:rPr>
-              <a:t>Online | </a:t>
-            </a:r>
-            <a:r>
-              <a:rPr lang="en-US" sz="900" b="1">
+              <a:t>온라인 | </a:t>
+            </a:r>
+            <a:r>
+              <a:rPr lang="de-de" sz="900" b="1" dirty="0">
                 <a:solidFill>
                   <a:schemeClr val="bg1"/>
                 </a:solidFill>
                 <a:latin typeface="Adobe Clean" panose="020B0503020404020204" pitchFamily="34" charset="0"/>
               </a:rPr>
-              <a:t>Business</a:t>
-            </a:r>
-            <a:r>
-              <a:rPr lang="en-US" sz="900">
+              <a:t>비즈니스</a:t>
+            </a:r>
+            <a:r>
+              <a:rPr lang="de-de" sz="900" dirty="0">
                 <a:solidFill>
                   <a:schemeClr val="bg1"/>
                 </a:solidFill>
                 <a:latin typeface="Adobe Clean Light" panose="020B0303020404020204" pitchFamily="34" charset="0"/>
               </a:rPr>
-              <a:t> | Enterprise | Elite</a:t>
+              <a:t> | 엔터프라이즈 | 엘리트</a:t>
             </a:r>
           </a:p>
           <a:p>
@@ -2020,15 +1931,15 @@
               </a:spcBef>
             </a:pPr>
             <a:r>
-              <a:rPr lang="en-US" sz="900">
+              <a:rPr lang="de-de" sz="900" dirty="0">
                 <a:solidFill>
                   <a:schemeClr val="bg1"/>
                 </a:solidFill>
                 <a:latin typeface="Adobe Clean SemiLight" panose="020B0403020404020204" pitchFamily="34" charset="0"/>
               </a:rPr>
-              <a:t>Adobe provides a comprehensive range of technical resources to help support your business, included as part of your Experience Cloud license subscription and enhanced in the BUSINESS support package. BUSINESS support includes access to personalized learning paths and monitored community forums via the Adobe Experience League. You can also take advantage of our detailed and in-depth technical product documentation and current release notes. BUSINESS customers also benefit from access to our technical support teams for any product query via either the telephone or the support web portal, to help protect your business at the most critical times. BUSINESS customers will receive regular communications and updates from their Account Support Lead in addition to support case escalation management for your most critical of support requests. </a:t>
-            </a:r>
-            <a:endParaRPr lang="en-US" sz="900">
+              <a:t>Adobe는 비즈니스를 지원하는 데 도움이 되는 포괄적인 기술 리소스를 제공합니다. Experience Cloud 라이선스 구독의 일부로 포함되며 비즈니스 지원 패키지에서 더욱 향상되었습니다. 비즈니스 지원에는 Adobe Experience League를 통한 개인 맞춤형 학습 경로 및 모니터링되는 커뮤니티 포럼 액세스가 포함됩니다. 또한 상세한 심층적 기술 제품 설명서 및 최신 릴리스 정보를 활용할 수도 있습니다. 비즈니스 고객은 또한 전화나 지원 웹 포털을 통해 제품 쿼리에 대한 기술 지원 팀의 서비스를 이용하여 가장 중요한 시기에 비즈니스를 보호할 수 있습니다. BUSINESS 고객은 가장 중요한 지원 요청에 대한 지원 사례 에스컬레이션 관리 외에도 계정 지원 리드로부터 정기적인 커뮤니케이션 및 업데이트를 받게 됩니다. </a:t>
+            </a:r>
+            <a:endParaRPr lang="en-US" sz="900" dirty="0">
               <a:solidFill>
                 <a:schemeClr val="bg1"/>
               </a:solidFill>
@@ -2101,24 +2012,16 @@
               </a:spcBef>
             </a:pPr>
             <a:r>
-              <a:rPr spc="-5"/>
-              <a:t>©202</a:t>
-            </a:r>
-            <a:r>
-              <a:rPr lang="en-US" spc="-5"/>
-              <a:t>1</a:t>
-            </a:r>
-            <a:r>
-              <a:rPr spc="-5"/>
-              <a:t> Adobe. All Rights Reserved. Adobe</a:t>
-            </a:r>
-            <a:r>
-              <a:rPr spc="60"/>
+              <a:rPr lang="de-de" spc="-5" dirty="0"/>
+              <a:t>©2021 Adobe. All Rights Reserved. Adobe</a:t>
+            </a:r>
+            <a:r>
+              <a:rPr lang="de-de" spc="60" dirty="0"/>
               <a:t> </a:t>
             </a:r>
             <a:r>
-              <a:rPr spc="-5"/>
-              <a:t>Confidential.</a:t>
+              <a:rPr lang="de-de" spc="-5" dirty="0"/>
+              <a:t>기밀.</a:t>
             </a:r>
           </a:p>
         </p:txBody>
@@ -2132,14 +2035,14 @@
           <p:nvPr>
             <p:extLst>
               <p:ext uri="{D42A27DB-BD31-4B8C-83A1-F6EECF244321}">
-                <p14:modId xmlns:p14="http://schemas.microsoft.com/office/powerpoint/2010/main" val="2501956132"/>
+                <p14:modId xmlns:p14="http://schemas.microsoft.com/office/powerpoint/2010/main" val="1939579510"/>
               </p:ext>
             </p:extLst>
           </p:nvPr>
         </p:nvGraphicFramePr>
         <p:xfrm>
           <a:off x="121146" y="7475985"/>
-          <a:ext cx="7498852" cy="2207759"/>
+          <a:ext cx="7498852" cy="2119744"/>
         </p:xfrm>
         <a:graphic>
           <a:graphicData uri="http://schemas.openxmlformats.org/drawingml/2006/table">
@@ -2185,16 +2088,16 @@
                         </a:spcBef>
                       </a:pPr>
                       <a:r>
-                        <a:rPr sz="900" spc="0">
+                        <a:rPr lang="de-de" sz="900" spc="0" dirty="0">
                           <a:solidFill>
                             <a:srgbClr val="020302"/>
                           </a:solidFill>
                           <a:latin typeface="Adobe Clean"/>
                           <a:cs typeface="Adobe Clean"/>
                         </a:rPr>
-                        <a:t>Priority</a:t>
+                        <a:t>우선 순위</a:t>
                       </a:r>
-                      <a:endParaRPr sz="900" spc="0">
+                      <a:endParaRPr sz="900" spc="0" dirty="0">
                         <a:latin typeface="Adobe Clean"/>
                         <a:cs typeface="Adobe Clean"/>
                       </a:endParaRPr>
@@ -2244,16 +2147,16 @@
                         </a:spcBef>
                       </a:pPr>
                       <a:r>
-                        <a:rPr sz="900" spc="0">
+                        <a:rPr lang="de-de" sz="900" spc="0" dirty="0">
                           <a:solidFill>
                             <a:srgbClr val="020302"/>
                           </a:solidFill>
                           <a:latin typeface="Adobe Clean"/>
                           <a:cs typeface="Adobe Clean"/>
                         </a:rPr>
-                        <a:t>Online Support</a:t>
+                        <a:t>온라인 지원</a:t>
                       </a:r>
-                      <a:endParaRPr sz="900" spc="0">
+                      <a:endParaRPr sz="900" spc="0" dirty="0">
                         <a:latin typeface="Adobe Clean"/>
                         <a:cs typeface="Adobe Clean"/>
                       </a:endParaRPr>
@@ -2294,7 +2197,7 @@
                     <a:bodyPr/>
                     <a:lstStyle/>
                     <a:p>
-                      <a:pPr marL="92710">
+                      <a:pPr marL="92710" algn="ctr">
                         <a:lnSpc>
                           <a:spcPct val="100000"/>
                         </a:lnSpc>
@@ -2303,36 +2206,16 @@
                         </a:spcBef>
                       </a:pPr>
                       <a:r>
-                        <a:rPr sz="900" spc="0">
+                        <a:rPr lang="de-de" sz="900" spc="0" dirty="0">
                           <a:solidFill>
                             <a:srgbClr val="FFFFFF"/>
                           </a:solidFill>
                           <a:latin typeface="Adobe Clean"/>
                           <a:cs typeface="Adobe Clean"/>
                         </a:rPr>
-                        <a:t>Business</a:t>
+                        <a:t>비즈니스 지원</a:t>
                       </a:r>
-                      <a:r>
-                        <a:rPr lang="en-US" sz="900" spc="0">
-                          <a:solidFill>
-                            <a:srgbClr val="FFFFFF"/>
-                          </a:solidFill>
-                          <a:latin typeface="Adobe Clean"/>
-                          <a:cs typeface="Adobe Clean"/>
-                        </a:rPr>
-                        <a:t> </a:t>
-                      </a:r>
-                      <a:r>
-                        <a:rPr sz="900" spc="0">
-                          <a:solidFill>
-                            <a:srgbClr val="FFFFFF"/>
-                          </a:solidFill>
-                          <a:latin typeface="Adobe Clean"/>
-                          <a:cs typeface="Adobe Clean"/>
-                        </a:rPr>
-                        <a:t>Support</a:t>
-                      </a:r>
-                      <a:endParaRPr sz="900" spc="0">
+                      <a:endParaRPr sz="900" spc="0" dirty="0">
                         <a:latin typeface="Adobe Clean"/>
                         <a:cs typeface="Adobe Clean"/>
                       </a:endParaRPr>
@@ -2389,16 +2272,16 @@
                         </a:spcBef>
                       </a:pPr>
                       <a:r>
-                        <a:rPr sz="900" b="1" spc="0">
+                        <a:rPr lang="de-de" sz="900" b="1" spc="0" dirty="0">
                           <a:solidFill>
                             <a:srgbClr val="020302"/>
                           </a:solidFill>
                           <a:latin typeface="Adobe Clean"/>
                           <a:cs typeface="Adobe Clean"/>
                         </a:rPr>
-                        <a:t>PRIORITY 1</a:t>
+                        <a:t>우선 순위 1</a:t>
                       </a:r>
-                      <a:endParaRPr sz="900" spc="0">
+                      <a:endParaRPr sz="900" spc="0" dirty="0">
                         <a:latin typeface="Adobe Clean"/>
                         <a:cs typeface="Adobe Clean"/>
                       </a:endParaRPr>
@@ -2422,16 +2305,16 @@
                         <a:defRPr/>
                       </a:pPr>
                       <a:r>
-                        <a:rPr lang="en-US" sz="900" b="0" i="0" spc="0">
+                        <a:rPr lang="de-de" sz="900" b="0" i="0" spc="0" dirty="0">
                           <a:solidFill>
                             <a:srgbClr val="000000"/>
                           </a:solidFill>
                           <a:effectLst/>
                           <a:latin typeface="Adobe Clean Light" panose="020B0303020404020204" pitchFamily="34" charset="0"/>
                         </a:rPr>
-                        <a:t>Customer's production business functions are down or have significant data loss or service degradation and immediate attention is required to restore functionality and usability</a:t>
+                        <a:t>고객의 생산 비즈니스 기능이 다운되었거나 심각한 데이터 손실 또는 서비스 저하가 발생했으며 기능 및 사용성을 복원하기 위해 즉각적인 주의가 필요합니다.</a:t>
                       </a:r>
-                      <a:endParaRPr lang="en-US" sz="900" b="0" i="0" spc="0">
+                      <a:endParaRPr lang="en-US" sz="900" b="0" i="0" spc="0" dirty="0">
                         <a:latin typeface="Adobe Clean Light" panose="020B0303020404020204" pitchFamily="34" charset="0"/>
                         <a:cs typeface="AdobeClean-Light"/>
                       </a:endParaRPr>
@@ -2478,56 +2361,16 @@
                         </a:spcBef>
                       </a:pPr>
                       <a:r>
-                        <a:rPr sz="900" spc="0">
+                        <a:rPr lang="de-de" sz="900" spc="0" dirty="0">
                           <a:solidFill>
                             <a:srgbClr val="020302"/>
                           </a:solidFill>
                           <a:latin typeface="AdobeClean-Light"/>
                           <a:cs typeface="AdobeClean-Light"/>
                         </a:rPr>
-                        <a:t>24x7</a:t>
+                        <a:t>24x7 /           1시간</a:t>
                       </a:r>
-                      <a:r>
-                        <a:rPr lang="en-US" sz="900" spc="0">
-                          <a:solidFill>
-                            <a:srgbClr val="020302"/>
-                          </a:solidFill>
-                          <a:latin typeface="AdobeClean-Light"/>
-                          <a:cs typeface="AdobeClean-Light"/>
-                        </a:rPr>
-                        <a:t> </a:t>
-                      </a:r>
-                      <a:r>
-                        <a:rPr sz="900" spc="0">
-                          <a:solidFill>
-                            <a:srgbClr val="020302"/>
-                          </a:solidFill>
-                          <a:latin typeface="AdobeClean-Light"/>
-                          <a:cs typeface="AdobeClean-Light"/>
-                        </a:rPr>
-                        <a:t>/  </a:t>
-                      </a:r>
-                      <a:r>
-                        <a:rPr lang="en-US" sz="900" spc="0">
-                          <a:solidFill>
-                            <a:srgbClr val="020302"/>
-                          </a:solidFill>
-                          <a:latin typeface="AdobeClean-Light"/>
-                          <a:cs typeface="AdobeClean-Light"/>
-                        </a:rPr>
-                        <a:t>         </a:t>
-                      </a:r>
-                      <a:r>
-                        <a:rPr sz="900" spc="0">
-                          <a:solidFill>
-                            <a:srgbClr val="020302"/>
-                          </a:solidFill>
-                          <a:latin typeface="AdobeClean-Light"/>
-                          <a:cs typeface="AdobeClean-Light"/>
-                        </a:rPr>
-                        <a:t>1 hour</a:t>
-                      </a:r>
-                      <a:endParaRPr sz="900" spc="0">
+                      <a:endParaRPr sz="900" spc="0" dirty="0">
                         <a:latin typeface="AdobeClean-Light"/>
                         <a:cs typeface="AdobeClean-Light"/>
                       </a:endParaRPr>
@@ -2574,56 +2417,16 @@
                         </a:spcBef>
                       </a:pPr>
                       <a:r>
-                        <a:rPr sz="900" spc="0">
+                        <a:rPr lang="de-de" sz="900" spc="0" dirty="0">
                           <a:solidFill>
                             <a:srgbClr val="020302"/>
                           </a:solidFill>
                           <a:latin typeface="AdobeClean-Light"/>
                           <a:cs typeface="AdobeClean-Light"/>
                         </a:rPr>
-                        <a:t>24x7</a:t>
+                        <a:t>24x7 /          1시간</a:t>
                       </a:r>
-                      <a:r>
-                        <a:rPr lang="en-US" sz="900" spc="0">
-                          <a:solidFill>
-                            <a:srgbClr val="020302"/>
-                          </a:solidFill>
-                          <a:latin typeface="AdobeClean-Light"/>
-                          <a:cs typeface="AdobeClean-Light"/>
-                        </a:rPr>
-                        <a:t> </a:t>
-                      </a:r>
-                      <a:r>
-                        <a:rPr sz="900" spc="0">
-                          <a:solidFill>
-                            <a:srgbClr val="020302"/>
-                          </a:solidFill>
-                          <a:latin typeface="AdobeClean-Light"/>
-                          <a:cs typeface="AdobeClean-Light"/>
-                        </a:rPr>
-                        <a:t>/ </a:t>
-                      </a:r>
-                      <a:r>
-                        <a:rPr lang="en-US" sz="900" spc="0">
-                          <a:solidFill>
-                            <a:srgbClr val="020302"/>
-                          </a:solidFill>
-                          <a:latin typeface="AdobeClean-Light"/>
-                          <a:cs typeface="AdobeClean-Light"/>
-                        </a:rPr>
-                        <a:t>        </a:t>
-                      </a:r>
-                      <a:r>
-                        <a:rPr sz="900" spc="0">
-                          <a:solidFill>
-                            <a:srgbClr val="020302"/>
-                          </a:solidFill>
-                          <a:latin typeface="AdobeClean-Light"/>
-                          <a:cs typeface="AdobeClean-Light"/>
-                        </a:rPr>
-                        <a:t> 1 hour</a:t>
-                      </a:r>
-                      <a:endParaRPr sz="900" spc="0">
+                      <a:endParaRPr sz="900" spc="0" dirty="0">
                         <a:latin typeface="AdobeClean-Light"/>
                         <a:cs typeface="AdobeClean-Light"/>
                       </a:endParaRPr>
@@ -2682,16 +2485,16 @@
                         </a:spcBef>
                       </a:pPr>
                       <a:r>
-                        <a:rPr sz="900" b="1" spc="0">
+                        <a:rPr lang="de-de" sz="900" b="1" spc="0" dirty="0">
                           <a:solidFill>
                             <a:srgbClr val="020302"/>
                           </a:solidFill>
                           <a:latin typeface="Adobe Clean"/>
                           <a:cs typeface="Adobe Clean"/>
                         </a:rPr>
-                        <a:t>PRIORITY 2</a:t>
+                        <a:t>우선 순위 2</a:t>
                       </a:r>
-                      <a:endParaRPr sz="900" spc="0">
+                      <a:endParaRPr sz="900" spc="0" dirty="0">
                         <a:latin typeface="Adobe Clean"/>
                         <a:cs typeface="Adobe Clean"/>
                       </a:endParaRPr>
@@ -2706,16 +2509,16 @@
                         </a:spcBef>
                       </a:pPr>
                       <a:r>
-                        <a:rPr lang="en-US" sz="900" b="0" i="0" spc="0">
+                        <a:rPr lang="de-de" sz="900" b="0" i="0" spc="0" dirty="0">
                           <a:solidFill>
                             <a:srgbClr val="000000"/>
                           </a:solidFill>
                           <a:effectLst/>
                           <a:latin typeface="Adobe Clean Light" panose="020B0303020404020204" pitchFamily="34" charset="0"/>
                         </a:rPr>
-                        <a:t>Customer's business functions have major service degradation or potential data loss, or a major feature is impacted </a:t>
+                        <a:t>고객의 비즈니스 기능에 심각한 서비스 저하 또는 잠재적인 데이터 손실이 있거나 주요 기능이 영향을 받습니다. </a:t>
                       </a:r>
-                      <a:endParaRPr lang="en-US" sz="900" b="0" i="0" spc="0">
+                      <a:endParaRPr lang="en-US" sz="900" b="0" i="0" spc="0" dirty="0">
                         <a:latin typeface="Adobe Clean Light" panose="020B0303020404020204" pitchFamily="34" charset="0"/>
                         <a:cs typeface="AdobeClean-Light"/>
                       </a:endParaRPr>
@@ -2762,76 +2565,16 @@
                         </a:spcBef>
                       </a:pPr>
                       <a:r>
-                        <a:rPr sz="900" spc="0">
+                        <a:rPr lang="de-de" sz="900" spc="0" dirty="0">
                           <a:solidFill>
                             <a:srgbClr val="020302"/>
                           </a:solidFill>
                           <a:latin typeface="AdobeClean-Light"/>
                           <a:cs typeface="AdobeClean-Light"/>
                         </a:rPr>
-                        <a:t>Business</a:t>
+                        <a:t>업무 시간 /     4시간</a:t>
                       </a:r>
-                      <a:r>
-                        <a:rPr lang="en-US" sz="900" spc="0">
-                          <a:solidFill>
-                            <a:srgbClr val="020302"/>
-                          </a:solidFill>
-                          <a:latin typeface="AdobeClean-Light"/>
-                          <a:cs typeface="AdobeClean-Light"/>
-                        </a:rPr>
-                        <a:t> </a:t>
-                      </a:r>
-                      <a:r>
-                        <a:rPr sz="900" spc="0">
-                          <a:solidFill>
-                            <a:srgbClr val="020302"/>
-                          </a:solidFill>
-                          <a:latin typeface="AdobeClean-Light"/>
-                          <a:cs typeface="AdobeClean-Light"/>
-                        </a:rPr>
-                        <a:t>hours</a:t>
-                      </a:r>
-                      <a:r>
-                        <a:rPr lang="en-US" sz="900" spc="0">
-                          <a:solidFill>
-                            <a:srgbClr val="020302"/>
-                          </a:solidFill>
-                          <a:latin typeface="AdobeClean-Light"/>
-                          <a:cs typeface="AdobeClean-Light"/>
-                        </a:rPr>
-                        <a:t> </a:t>
-                      </a:r>
-                      <a:r>
-                        <a:rPr sz="900" spc="0">
-                          <a:solidFill>
-                            <a:srgbClr val="020302"/>
-                          </a:solidFill>
-                          <a:latin typeface="AdobeClean-Light"/>
-                          <a:cs typeface="AdobeClean-Light"/>
-                        </a:rPr>
-                        <a:t>/  </a:t>
-                      </a:r>
-                      <a:r>
-                        <a:rPr lang="en-US" sz="900" spc="0">
-                          <a:solidFill>
-                            <a:srgbClr val="020302"/>
-                          </a:solidFill>
-                          <a:latin typeface="AdobeClean-Light"/>
-                          <a:cs typeface="AdobeClean-Light"/>
-                        </a:rPr>
-                        <a:t>   </a:t>
-                      </a:r>
-                      <a:r>
-                        <a:rPr sz="900" spc="0">
-                          <a:solidFill>
-                            <a:srgbClr val="020302"/>
-                          </a:solidFill>
-                          <a:latin typeface="AdobeClean-Light"/>
-                          <a:cs typeface="AdobeClean-Light"/>
-                        </a:rPr>
-                        <a:t>4 hours</a:t>
-                      </a:r>
-                      <a:endParaRPr sz="900" spc="0">
+                      <a:endParaRPr sz="900" spc="0" dirty="0">
                         <a:latin typeface="AdobeClean-Light"/>
                         <a:cs typeface="AdobeClean-Light"/>
                       </a:endParaRPr>
@@ -2878,76 +2621,16 @@
                         </a:spcBef>
                       </a:pPr>
                       <a:r>
-                        <a:rPr sz="900" spc="0">
+                        <a:rPr lang="de-de" sz="900" spc="0" dirty="0">
                           <a:solidFill>
                             <a:srgbClr val="020302"/>
                           </a:solidFill>
                           <a:latin typeface="AdobeClean-Light"/>
                           <a:cs typeface="AdobeClean-Light"/>
                         </a:rPr>
-                        <a:t>Business</a:t>
+                        <a:t>업무 시간 /      2시간</a:t>
                       </a:r>
-                      <a:r>
-                        <a:rPr lang="en-US" sz="900" spc="0">
-                          <a:solidFill>
-                            <a:srgbClr val="020302"/>
-                          </a:solidFill>
-                          <a:latin typeface="AdobeClean-Light"/>
-                          <a:cs typeface="AdobeClean-Light"/>
-                        </a:rPr>
-                        <a:t> </a:t>
-                      </a:r>
-                      <a:r>
-                        <a:rPr sz="900" spc="0">
-                          <a:solidFill>
-                            <a:srgbClr val="020302"/>
-                          </a:solidFill>
-                          <a:latin typeface="AdobeClean-Light"/>
-                          <a:cs typeface="AdobeClean-Light"/>
-                        </a:rPr>
-                        <a:t>hours</a:t>
-                      </a:r>
-                      <a:r>
-                        <a:rPr lang="en-US" sz="900" spc="0">
-                          <a:solidFill>
-                            <a:srgbClr val="020302"/>
-                          </a:solidFill>
-                          <a:latin typeface="AdobeClean-Light"/>
-                          <a:cs typeface="AdobeClean-Light"/>
-                        </a:rPr>
-                        <a:t> </a:t>
-                      </a:r>
-                      <a:r>
-                        <a:rPr sz="900" spc="0">
-                          <a:solidFill>
-                            <a:srgbClr val="020302"/>
-                          </a:solidFill>
-                          <a:latin typeface="AdobeClean-Light"/>
-                          <a:cs typeface="AdobeClean-Light"/>
-                        </a:rPr>
-                        <a:t>/  </a:t>
-                      </a:r>
-                      <a:r>
-                        <a:rPr lang="en-US" sz="900" spc="0">
-                          <a:solidFill>
-                            <a:srgbClr val="020302"/>
-                          </a:solidFill>
-                          <a:latin typeface="AdobeClean-Light"/>
-                          <a:cs typeface="AdobeClean-Light"/>
-                        </a:rPr>
-                        <a:t>    </a:t>
-                      </a:r>
-                      <a:r>
-                        <a:rPr sz="900" spc="0">
-                          <a:solidFill>
-                            <a:srgbClr val="020302"/>
-                          </a:solidFill>
-                          <a:latin typeface="AdobeClean-Light"/>
-                          <a:cs typeface="AdobeClean-Light"/>
-                        </a:rPr>
-                        <a:t>2 hours</a:t>
-                      </a:r>
-                      <a:endParaRPr sz="900" spc="0">
+                      <a:endParaRPr sz="900" spc="0" dirty="0">
                         <a:latin typeface="AdobeClean-Light"/>
                         <a:cs typeface="AdobeClean-Light"/>
                       </a:endParaRPr>
@@ -3006,16 +2689,16 @@
                         </a:spcBef>
                       </a:pPr>
                       <a:r>
-                        <a:rPr sz="900" b="1" spc="0">
+                        <a:rPr lang="de-de" sz="900" b="1" spc="0" dirty="0">
                           <a:solidFill>
                             <a:srgbClr val="020302"/>
                           </a:solidFill>
                           <a:latin typeface="Adobe Clean"/>
                           <a:cs typeface="Adobe Clean"/>
                         </a:rPr>
-                        <a:t>PRIORITY 3</a:t>
+                        <a:t>우선 순위 3</a:t>
                       </a:r>
-                      <a:endParaRPr sz="900" spc="0">
+                      <a:endParaRPr sz="900" spc="0" dirty="0">
                         <a:latin typeface="Adobe Clean"/>
                         <a:cs typeface="Adobe Clean"/>
                       </a:endParaRPr>
@@ -3030,7 +2713,7 @@
                         </a:spcBef>
                       </a:pPr>
                       <a:r>
-                        <a:rPr kumimoji="0" lang="en-US" sz="900" b="0" i="0" u="none" strike="noStrike" kern="1200" cap="none" spc="0" normalizeH="0" baseline="0" noProof="0">
+                        <a:rPr kumimoji="0" lang="de-de" sz="900" b="0" i="0" u="none" strike="noStrike" kern="1200" cap="none" spc="0" normalizeH="0" baseline="0" noProof="0" dirty="0">
                           <a:ln>
                             <a:noFill/>
                           </a:ln>
@@ -3044,9 +2727,9 @@
                           <a:ea typeface="+mn-ea"/>
                           <a:cs typeface="+mn-cs"/>
                         </a:rPr>
-                        <a:t>Customer's business functions have minor service degradation but there exists a solution/workaround allowing business functions to continue </a:t>
+                        <a:t>고객의 비즈니스 기능에 약간의 서비스 저하가 있지만 비즈니스 기능을 계속할 수 있게 하는 솔루션/해결 방법이 있습니다. </a:t>
                       </a:r>
-                      <a:endParaRPr lang="en-US" sz="900" b="0" i="0" spc="0">
+                      <a:endParaRPr lang="en-US" sz="900" b="0" i="0" spc="0" dirty="0">
                         <a:latin typeface="Adobe Clean Light" panose="020B0303020404020204" pitchFamily="34" charset="0"/>
                         <a:cs typeface="AdobeClean-Light"/>
                       </a:endParaRPr>
@@ -3093,96 +2776,16 @@
                         </a:spcBef>
                       </a:pPr>
                       <a:r>
-                        <a:rPr sz="900" spc="0">
+                        <a:rPr lang="de-de" sz="900" spc="0" dirty="0">
                           <a:solidFill>
                             <a:srgbClr val="020302"/>
                           </a:solidFill>
                           <a:latin typeface="AdobeClean-Light"/>
                           <a:cs typeface="AdobeClean-Light"/>
                         </a:rPr>
-                        <a:t>Business</a:t>
+                        <a:t>업무 시간 /     6시간</a:t>
                       </a:r>
-                      <a:r>
-                        <a:rPr lang="en-US" sz="900" spc="0">
-                          <a:solidFill>
-                            <a:srgbClr val="020302"/>
-                          </a:solidFill>
-                          <a:latin typeface="AdobeClean-Light"/>
-                          <a:cs typeface="AdobeClean-Light"/>
-                        </a:rPr>
-                        <a:t> </a:t>
-                      </a:r>
-                      <a:r>
-                        <a:rPr sz="900" spc="0">
-                          <a:solidFill>
-                            <a:srgbClr val="020302"/>
-                          </a:solidFill>
-                          <a:latin typeface="AdobeClean-Light"/>
-                          <a:cs typeface="AdobeClean-Light"/>
-                        </a:rPr>
-                        <a:t>hours</a:t>
-                      </a:r>
-                      <a:r>
-                        <a:rPr lang="en-US" sz="900" spc="0">
-                          <a:solidFill>
-                            <a:srgbClr val="020302"/>
-                          </a:solidFill>
-                          <a:latin typeface="AdobeClean-Light"/>
-                          <a:cs typeface="AdobeClean-Light"/>
-                        </a:rPr>
-                        <a:t> </a:t>
-                      </a:r>
-                      <a:r>
-                        <a:rPr sz="900" spc="0">
-                          <a:solidFill>
-                            <a:srgbClr val="020302"/>
-                          </a:solidFill>
-                          <a:latin typeface="AdobeClean-Light"/>
-                          <a:cs typeface="AdobeClean-Light"/>
-                        </a:rPr>
-                        <a:t>/  </a:t>
-                      </a:r>
-                      <a:r>
-                        <a:rPr lang="en-US" sz="900" spc="0">
-                          <a:solidFill>
-                            <a:srgbClr val="020302"/>
-                          </a:solidFill>
-                          <a:latin typeface="AdobeClean-Light"/>
-                          <a:cs typeface="AdobeClean-Light"/>
-                        </a:rPr>
-                        <a:t>   </a:t>
-                      </a:r>
-                      <a:r>
-                        <a:rPr sz="900" spc="0">
-                          <a:solidFill>
-                            <a:srgbClr val="020302"/>
-                          </a:solidFill>
-                          <a:latin typeface="AdobeClean-Light"/>
-                          <a:cs typeface="AdobeClean-Light"/>
-                        </a:rPr>
-                        <a:t>6</a:t>
-                      </a:r>
-                      <a:r>
-                        <a:rPr lang="en-US" sz="900" spc="0">
-                          <a:solidFill>
-                            <a:srgbClr val="020302"/>
-                          </a:solidFill>
-                          <a:latin typeface="AdobeClean-Light"/>
-                          <a:cs typeface="AdobeClean-Light"/>
-                        </a:rPr>
-                        <a:t> </a:t>
-                      </a:r>
-                      <a:r>
-                        <a:rPr sz="900" spc="0">
-                          <a:solidFill>
-                            <a:srgbClr val="020302"/>
-                          </a:solidFill>
-                          <a:latin typeface="AdobeClean-Light"/>
-                          <a:cs typeface="AdobeClean-Light"/>
-                        </a:rPr>
-                        <a:t>hours</a:t>
-                      </a:r>
-                      <a:endParaRPr sz="900" spc="0">
+                      <a:endParaRPr sz="900" spc="0" dirty="0">
                         <a:latin typeface="AdobeClean-Light"/>
                         <a:cs typeface="AdobeClean-Light"/>
                       </a:endParaRPr>
@@ -3229,96 +2832,16 @@
                         </a:spcBef>
                       </a:pPr>
                       <a:r>
-                        <a:rPr sz="900" spc="0">
+                        <a:rPr lang="de-de" sz="900" spc="0" dirty="0">
                           <a:solidFill>
                             <a:srgbClr val="020302"/>
                           </a:solidFill>
                           <a:latin typeface="AdobeClean-Light"/>
                           <a:cs typeface="AdobeClean-Light"/>
                         </a:rPr>
-                        <a:t>Business</a:t>
+                        <a:t>업무 시간 /     4시간</a:t>
                       </a:r>
-                      <a:r>
-                        <a:rPr lang="en-US" sz="900" spc="0">
-                          <a:solidFill>
-                            <a:srgbClr val="020302"/>
-                          </a:solidFill>
-                          <a:latin typeface="AdobeClean-Light"/>
-                          <a:cs typeface="AdobeClean-Light"/>
-                        </a:rPr>
-                        <a:t> </a:t>
-                      </a:r>
-                      <a:r>
-                        <a:rPr sz="900" spc="0">
-                          <a:solidFill>
-                            <a:srgbClr val="020302"/>
-                          </a:solidFill>
-                          <a:latin typeface="AdobeClean-Light"/>
-                          <a:cs typeface="AdobeClean-Light"/>
-                        </a:rPr>
-                        <a:t>hours</a:t>
-                      </a:r>
-                      <a:r>
-                        <a:rPr lang="en-US" sz="900" spc="0">
-                          <a:solidFill>
-                            <a:srgbClr val="020302"/>
-                          </a:solidFill>
-                          <a:latin typeface="AdobeClean-Light"/>
-                          <a:cs typeface="AdobeClean-Light"/>
-                        </a:rPr>
-                        <a:t> </a:t>
-                      </a:r>
-                      <a:r>
-                        <a:rPr sz="900" spc="0">
-                          <a:solidFill>
-                            <a:srgbClr val="020302"/>
-                          </a:solidFill>
-                          <a:latin typeface="AdobeClean-Light"/>
-                          <a:cs typeface="AdobeClean-Light"/>
-                        </a:rPr>
-                        <a:t>/  </a:t>
-                      </a:r>
-                      <a:r>
-                        <a:rPr lang="en-US" sz="900" spc="0">
-                          <a:solidFill>
-                            <a:srgbClr val="020302"/>
-                          </a:solidFill>
-                          <a:latin typeface="AdobeClean-Light"/>
-                          <a:cs typeface="AdobeClean-Light"/>
-                        </a:rPr>
-                        <a:t>   </a:t>
-                      </a:r>
-                      <a:r>
-                        <a:rPr sz="900" spc="0">
-                          <a:solidFill>
-                            <a:srgbClr val="020302"/>
-                          </a:solidFill>
-                          <a:latin typeface="AdobeClean-Light"/>
-                          <a:cs typeface="AdobeClean-Light"/>
-                        </a:rPr>
-                        <a:t>4</a:t>
-                      </a:r>
-                      <a:r>
-                        <a:rPr lang="en-US" sz="900" spc="0">
-                          <a:solidFill>
-                            <a:srgbClr val="020302"/>
-                          </a:solidFill>
-                          <a:latin typeface="AdobeClean-Light"/>
-                          <a:cs typeface="AdobeClean-Light"/>
-                        </a:rPr>
-                        <a:t> </a:t>
-                      </a:r>
-                      <a:r>
-                        <a:rPr sz="900" spc="0">
-                          <a:solidFill>
-                            <a:srgbClr val="020302"/>
-                          </a:solidFill>
-                          <a:latin typeface="AdobeClean-Light"/>
-                          <a:cs typeface="AdobeClean-Light"/>
-                        </a:rPr>
-                        <a:t>hours</a:t>
-                      </a:r>
-                      <a:endParaRPr sz="900" spc="0">
+                      <a:endParaRPr sz="900" spc="0" dirty="0">
                         <a:latin typeface="AdobeClean-Light"/>
                         <a:cs typeface="AdobeClean-Light"/>
                       </a:endParaRPr>
@@ -3377,16 +2900,16 @@
                         </a:spcBef>
                       </a:pPr>
                       <a:r>
-                        <a:rPr sz="900" b="1" spc="0">
+                        <a:rPr lang="de-de" sz="900" b="1" spc="0" dirty="0">
                           <a:solidFill>
                             <a:srgbClr val="020302"/>
                           </a:solidFill>
                           <a:latin typeface="Adobe Clean"/>
                           <a:cs typeface="Adobe Clean"/>
                         </a:rPr>
-                        <a:t>PRIORITY 4</a:t>
+                        <a:t>우선 순위 4</a:t>
                       </a:r>
-                      <a:endParaRPr sz="900" spc="0">
+                      <a:endParaRPr sz="900" spc="0" dirty="0">
                         <a:latin typeface="Adobe Clean"/>
                         <a:cs typeface="Adobe Clean"/>
                       </a:endParaRPr>
@@ -3410,16 +2933,16 @@
                         <a:defRPr/>
                       </a:pPr>
                       <a:r>
-                        <a:rPr lang="en-US" sz="900" b="0" i="0" spc="0">
+                        <a:rPr lang="de-de" sz="900" b="0" i="0" spc="0" dirty="0">
                           <a:solidFill>
                             <a:srgbClr val="000000"/>
                           </a:solidFill>
                           <a:effectLst/>
                           <a:latin typeface="Adobe Clean Light" panose="020B0303020404020204" pitchFamily="34" charset="0"/>
                         </a:rPr>
-                        <a:t>General question regarding current product functionality or an enhancement request</a:t>
+                        <a:t>현재 제품 기능에 관한 일반적인 질문 또는 개선 요청입니다.</a:t>
                       </a:r>
-                      <a:endParaRPr lang="en-US" sz="900" b="0" i="0" spc="0">
+                      <a:endParaRPr lang="en-US" sz="900" b="0" i="0" spc="0" dirty="0">
                         <a:latin typeface="Adobe Clean Light" panose="020B0303020404020204" pitchFamily="34" charset="0"/>
                         <a:cs typeface="AdobeClean-Light"/>
                       </a:endParaRPr>
@@ -3466,76 +2989,16 @@
                         </a:spcBef>
                       </a:pPr>
                       <a:r>
-                        <a:rPr sz="900" spc="0">
+                        <a:rPr lang="de-de" sz="900" spc="0" dirty="0">
                           <a:solidFill>
                             <a:srgbClr val="020302"/>
                           </a:solidFill>
                           <a:latin typeface="AdobeClean-Light"/>
                           <a:cs typeface="AdobeClean-Light"/>
                         </a:rPr>
-                        <a:t>Business</a:t>
+                        <a:t>업무일 /      3일</a:t>
                       </a:r>
-                      <a:r>
-                        <a:rPr lang="en-US" sz="900" spc="0">
-                          <a:solidFill>
-                            <a:srgbClr val="020302"/>
-                          </a:solidFill>
-                          <a:latin typeface="AdobeClean-Light"/>
-                          <a:cs typeface="AdobeClean-Light"/>
-                        </a:rPr>
-                        <a:t> </a:t>
-                      </a:r>
-                      <a:r>
-                        <a:rPr sz="900" spc="0">
-                          <a:solidFill>
-                            <a:srgbClr val="020302"/>
-                          </a:solidFill>
-                          <a:latin typeface="AdobeClean-Light"/>
-                          <a:cs typeface="AdobeClean-Light"/>
-                        </a:rPr>
-                        <a:t>days</a:t>
-                      </a:r>
-                      <a:r>
-                        <a:rPr lang="en-US" sz="900" spc="0">
-                          <a:solidFill>
-                            <a:srgbClr val="020302"/>
-                          </a:solidFill>
-                          <a:latin typeface="AdobeClean-Light"/>
-                          <a:cs typeface="AdobeClean-Light"/>
-                        </a:rPr>
-                        <a:t> </a:t>
-                      </a:r>
-                      <a:r>
-                        <a:rPr sz="900" spc="0">
-                          <a:solidFill>
-                            <a:srgbClr val="020302"/>
-                          </a:solidFill>
-                          <a:latin typeface="AdobeClean-Light"/>
-                          <a:cs typeface="AdobeClean-Light"/>
-                        </a:rPr>
-                        <a:t>/  </a:t>
-                      </a:r>
-                      <a:r>
-                        <a:rPr lang="en-US" sz="900" spc="0">
-                          <a:solidFill>
-                            <a:srgbClr val="020302"/>
-                          </a:solidFill>
-                          <a:latin typeface="AdobeClean-Light"/>
-                          <a:cs typeface="AdobeClean-Light"/>
-                        </a:rPr>
-                        <a:t>    </a:t>
-                      </a:r>
-                      <a:r>
-                        <a:rPr sz="900" spc="0">
-                          <a:solidFill>
-                            <a:srgbClr val="020302"/>
-                          </a:solidFill>
-                          <a:latin typeface="AdobeClean-Light"/>
-                          <a:cs typeface="AdobeClean-Light"/>
-                        </a:rPr>
-                        <a:t>3 days</a:t>
-                      </a:r>
-                      <a:endParaRPr sz="900" spc="0">
+                      <a:endParaRPr sz="900" spc="0" dirty="0">
                         <a:latin typeface="AdobeClean-Light"/>
                         <a:cs typeface="AdobeClean-Light"/>
                       </a:endParaRPr>
@@ -3582,56 +3045,16 @@
                         </a:spcBef>
                       </a:pPr>
                       <a:r>
-                        <a:rPr sz="900" spc="0">
+                        <a:rPr lang="de-de" sz="900" spc="0" dirty="0">
                           <a:solidFill>
                             <a:srgbClr val="020302"/>
                           </a:solidFill>
                           <a:latin typeface="AdobeClean-Light"/>
                           <a:cs typeface="AdobeClean-Light"/>
                         </a:rPr>
-                        <a:t>Business</a:t>
+                        <a:t>업무일 / </a:t>
                       </a:r>
-                      <a:r>
-                        <a:rPr lang="en-US" sz="900" spc="0">
-                          <a:solidFill>
-                            <a:srgbClr val="020302"/>
-                          </a:solidFill>
-                          <a:latin typeface="AdobeClean-Light"/>
-                          <a:cs typeface="AdobeClean-Light"/>
-                        </a:rPr>
-                        <a:t> </a:t>
-                      </a:r>
-                      <a:r>
-                        <a:rPr sz="900" spc="0">
-                          <a:solidFill>
-                            <a:srgbClr val="020302"/>
-                          </a:solidFill>
-                          <a:latin typeface="AdobeClean-Light"/>
-                          <a:cs typeface="AdobeClean-Light"/>
-                        </a:rPr>
-                        <a:t>day</a:t>
-                      </a:r>
-                      <a:r>
-                        <a:rPr lang="en-US" sz="900" spc="0">
-                          <a:solidFill>
-                            <a:srgbClr val="020302"/>
-                          </a:solidFill>
-                          <a:latin typeface="AdobeClean-Light"/>
-                          <a:cs typeface="AdobeClean-Light"/>
-                        </a:rPr>
-                        <a:t>s </a:t>
-                      </a:r>
-                      <a:r>
-                        <a:rPr sz="900" spc="0">
-                          <a:solidFill>
-                            <a:srgbClr val="020302"/>
-                          </a:solidFill>
-                          <a:latin typeface="AdobeClean-Light"/>
-                          <a:cs typeface="AdobeClean-Light"/>
-                        </a:rPr>
-                        <a:t>/ </a:t>
-                      </a:r>
-                      <a:endParaRPr lang="en-US" sz="900" spc="0">
+                      <a:endParaRPr lang="en-US" sz="900" spc="0" dirty="0">
                         <a:solidFill>
                           <a:srgbClr val="020302"/>
                         </a:solidFill>
@@ -3649,36 +3072,16 @@
                         </a:spcBef>
                       </a:pPr>
                       <a:r>
-                        <a:rPr sz="900" spc="0">
+                        <a:rPr lang="de-de" sz="900" spc="0" dirty="0">
                           <a:solidFill>
                             <a:srgbClr val="020302"/>
                           </a:solidFill>
                           <a:latin typeface="AdobeClean-Light"/>
                           <a:cs typeface="AdobeClean-Light"/>
                         </a:rPr>
-                        <a:t> </a:t>
+                        <a:t>  1일</a:t>
                       </a:r>
-                      <a:r>
-                        <a:rPr lang="en-US" sz="900" spc="0">
-                          <a:solidFill>
-                            <a:srgbClr val="020302"/>
-                          </a:solidFill>
-                          <a:latin typeface="AdobeClean-Light"/>
-                          <a:cs typeface="AdobeClean-Light"/>
-                        </a:rPr>
-                        <a:t> </a:t>
-                      </a:r>
-                      <a:r>
-                        <a:rPr sz="900" spc="0">
-                          <a:solidFill>
-                            <a:srgbClr val="020302"/>
-                          </a:solidFill>
-                          <a:latin typeface="AdobeClean-Light"/>
-                          <a:cs typeface="AdobeClean-Light"/>
-                        </a:rPr>
-                        <a:t>1 day</a:t>
-                      </a:r>
-                      <a:endParaRPr sz="900" spc="0">
+                      <a:endParaRPr sz="900" spc="0" dirty="0">
                         <a:latin typeface="AdobeClean-Light"/>
                         <a:cs typeface="AdobeClean-Light"/>
                       </a:endParaRPr>
@@ -3792,7 +3195,7 @@
                     <a:bodyPr/>
                     <a:lstStyle/>
                     <a:p>
-                      <a:endParaRPr lang="en-US"/>
+                      <a:endParaRPr lang="en-US" dirty="0"/>
                     </a:p>
                   </a:txBody>
                   <a:tcPr/>
@@ -3830,17 +3233,17 @@
                         <a:defRPr/>
                       </a:pPr>
                       <a:r>
-                        <a:rPr lang="en-US" sz="900" spc="-20">
+                        <a:rPr lang="de-de" sz="900" spc="-20" dirty="0">
                           <a:solidFill>
                             <a:srgbClr val="404040"/>
                           </a:solidFill>
                           <a:latin typeface="Adobe Clean"/>
                           <a:cs typeface="Adobe Clean"/>
                         </a:rPr>
-                        <a:t>Online </a:t>
+                        <a:t>온라인 </a:t>
                       </a:r>
                       <a:r>
-                        <a:rPr lang="en-US" sz="900" spc="-135">
+                        <a:rPr lang="de-de" sz="900" spc="-135" dirty="0">
                           <a:solidFill>
                             <a:srgbClr val="404040"/>
                           </a:solidFill>
@@ -3850,16 +3253,16 @@
                         <a:t> </a:t>
                       </a:r>
                       <a:r>
-                        <a:rPr lang="en-US" sz="900" spc="-20">
+                        <a:rPr lang="de-de" sz="900" spc="-20" dirty="0">
                           <a:solidFill>
                             <a:srgbClr val="404040"/>
                           </a:solidFill>
                           <a:latin typeface="Adobe Clean"/>
                           <a:cs typeface="Adobe Clean"/>
                         </a:rPr>
-                        <a:t>Support</a:t>
+                        <a:t>지원</a:t>
                       </a:r>
-                      <a:endParaRPr lang="en-US" sz="900">
+                      <a:endParaRPr lang="en-US" sz="900" dirty="0">
                         <a:latin typeface="Adobe Clean"/>
                         <a:cs typeface="Adobe Clean"/>
                       </a:endParaRPr>
@@ -3903,36 +3306,16 @@
                         </a:spcBef>
                       </a:pPr>
                       <a:r>
-                        <a:rPr sz="900" spc="-20">
+                        <a:rPr lang="de-de" sz="900" spc="-20" dirty="0">
                           <a:solidFill>
                             <a:srgbClr val="FFFFFF"/>
                           </a:solidFill>
                           <a:latin typeface="Adobe Clean"/>
                           <a:cs typeface="Adobe Clean"/>
                         </a:rPr>
-                        <a:t>Business</a:t>
+                        <a:t>비즈니스 지원</a:t>
                       </a:r>
-                      <a:r>
-                        <a:rPr lang="en-US" sz="900" spc="-20">
-                          <a:solidFill>
-                            <a:srgbClr val="FFFFFF"/>
-                          </a:solidFill>
-                          <a:latin typeface="Adobe Clean"/>
-                          <a:cs typeface="Adobe Clean"/>
-                        </a:rPr>
-                        <a:t> </a:t>
-                      </a:r>
-                      <a:r>
-                        <a:rPr sz="900" spc="-20">
-                          <a:solidFill>
-                            <a:srgbClr val="FFFFFF"/>
-                          </a:solidFill>
-                          <a:latin typeface="Adobe Clean"/>
-                          <a:cs typeface="Adobe Clean"/>
-                        </a:rPr>
-                        <a:t>Support</a:t>
-                      </a:r>
-                      <a:endParaRPr sz="900">
+                      <a:endParaRPr sz="900" dirty="0">
                         <a:latin typeface="Adobe Clean"/>
                         <a:cs typeface="Adobe Clean"/>
                       </a:endParaRPr>
@@ -3980,7 +3363,7 @@
                     <a:bodyPr/>
                     <a:lstStyle/>
                     <a:p>
-                      <a:endParaRPr lang="en-US"/>
+                      <a:endParaRPr lang="en-US" dirty="0"/>
                     </a:p>
                   </a:txBody>
                   <a:tcPr/>
@@ -4017,7 +3400,7 @@
                         <a:tabLst/>
                         <a:defRPr/>
                       </a:pPr>
-                      <a:endParaRPr lang="en-US" sz="800" i="1">
+                      <a:endParaRPr lang="en-US" sz="800" i="1" dirty="0">
                         <a:solidFill>
                           <a:sysClr val="windowText" lastClr="000000"/>
                         </a:solidFill>
@@ -4081,13 +3464,13 @@
                         <a:defRPr/>
                       </a:pPr>
                       <a:r>
-                        <a:rPr lang="en-US" sz="800" i="1">
+                        <a:rPr lang="de-de" sz="800" i="1" dirty="0">
                           <a:solidFill>
                             <a:schemeClr val="bg1"/>
                           </a:solidFill>
                           <a:latin typeface="Adobe Clean Light" panose="020B0303020404020204" pitchFamily="34" charset="0"/>
                         </a:rPr>
-                        <a:t>Paid Support ($)</a:t>
+                        <a:t>유료 지원($)</a:t>
                       </a:r>
                     </a:p>
                   </a:txBody>
@@ -4151,16 +3534,16 @@
                         </a:spcBef>
                       </a:pPr>
                       <a:r>
-                        <a:rPr lang="en-US" sz="1000" b="1" i="0" spc="0">
+                        <a:rPr lang="de-de" sz="1000" b="1" i="0" spc="0" dirty="0">
                           <a:solidFill>
                             <a:schemeClr val="bg1"/>
                           </a:solidFill>
                           <a:latin typeface="Adobe Clean" panose="020B0503020404020204" pitchFamily="34" charset="0"/>
                           <a:cs typeface="AdobeClean-Light"/>
                         </a:rPr>
-                        <a:t>Assigned Experts</a:t>
+                        <a:t>할당된 전문가</a:t>
                       </a:r>
-                      <a:endParaRPr sz="1000" b="1" i="0" spc="0">
+                      <a:endParaRPr sz="1000" b="1" i="0" spc="0" dirty="0">
                         <a:solidFill>
                           <a:schemeClr val="bg1"/>
                         </a:solidFill>
@@ -4213,16 +3596,16 @@
                         </a:spcBef>
                       </a:pPr>
                       <a:r>
-                        <a:rPr sz="900" spc="0">
+                        <a:rPr lang="de-de" sz="900" spc="0" dirty="0">
                           <a:solidFill>
                             <a:srgbClr val="020302"/>
                           </a:solidFill>
                           <a:latin typeface="AdobeClean-Light"/>
                           <a:cs typeface="AdobeClean-Light"/>
                         </a:rPr>
-                        <a:t>Account Support Lead</a:t>
+                        <a:t>계정 지원 리드</a:t>
                       </a:r>
-                      <a:endParaRPr sz="900" spc="0">
+                      <a:endParaRPr sz="900" spc="0" dirty="0">
                         <a:latin typeface="AdobeClean-Light"/>
                         <a:cs typeface="AdobeClean-Light"/>
                       </a:endParaRPr>
@@ -4268,7 +3651,7 @@
                           <a:spcPts val="470"/>
                         </a:spcBef>
                       </a:pPr>
-                      <a:endParaRPr sz="900">
+                      <a:endParaRPr sz="900" dirty="0">
                         <a:latin typeface="Wingdings"/>
                         <a:cs typeface="Wingdings"/>
                       </a:endParaRPr>
@@ -4310,7 +3693,7 @@
                         </a:spcBef>
                       </a:pPr>
                       <a:r>
-                        <a:rPr sz="900">
+                        <a:rPr lang="de-de" sz="900" dirty="0">
                           <a:solidFill>
                             <a:srgbClr val="020302"/>
                           </a:solidFill>
@@ -4319,7 +3702,7 @@
                         </a:rPr>
                         <a:t></a:t>
                       </a:r>
-                      <a:endParaRPr sz="900">
+                      <a:endParaRPr sz="900" dirty="0">
                         <a:latin typeface="Wingdings"/>
                         <a:cs typeface="Wingdings"/>
                       </a:endParaRPr>
@@ -4362,7 +3745,7 @@
                           <a:spcPts val="459"/>
                         </a:spcBef>
                       </a:pPr>
-                      <a:endParaRPr sz="900">
+                      <a:endParaRPr sz="900" dirty="0">
                         <a:latin typeface="AdobeClean-Light"/>
                         <a:cs typeface="AdobeClean-Light"/>
                       </a:endParaRPr>
@@ -4400,16 +3783,16 @@
                         </a:spcBef>
                       </a:pPr>
                       <a:r>
-                        <a:rPr sz="900" spc="0">
+                        <a:rPr lang="de-de" sz="900" spc="0" dirty="0">
                           <a:solidFill>
                             <a:srgbClr val="020302"/>
                           </a:solidFill>
                           <a:latin typeface="AdobeClean-Light"/>
                           <a:cs typeface="AdobeClean-Light"/>
                         </a:rPr>
-                        <a:t>Named Support Engineer</a:t>
+                        <a:t>지정 지원 엔지니어</a:t>
                       </a:r>
-                      <a:endParaRPr sz="900" spc="0">
+                      <a:endParaRPr sz="900" spc="0" dirty="0">
                         <a:latin typeface="AdobeClean-Light"/>
                         <a:cs typeface="AdobeClean-Light"/>
                       </a:endParaRPr>
@@ -4440,7 +3823,7 @@
                           <a:spcPct val="100000"/>
                         </a:lnSpc>
                       </a:pPr>
-                      <a:endParaRPr sz="900">
+                      <a:endParaRPr sz="900" dirty="0">
                         <a:latin typeface="Times New Roman"/>
                         <a:cs typeface="Times New Roman"/>
                       </a:endParaRPr>
@@ -4469,7 +3852,7 @@
                           <a:spcPct val="100000"/>
                         </a:lnSpc>
                       </a:pPr>
-                      <a:endParaRPr sz="900">
+                      <a:endParaRPr sz="900" dirty="0">
                         <a:latin typeface="Times New Roman"/>
                         <a:cs typeface="Times New Roman"/>
                       </a:endParaRPr>
@@ -4503,7 +3886,7 @@
                           <a:spcPts val="500"/>
                         </a:spcBef>
                       </a:pPr>
-                      <a:endParaRPr sz="900">
+                      <a:endParaRPr sz="900" dirty="0">
                         <a:latin typeface="AdobeClean-Light"/>
                         <a:cs typeface="AdobeClean-Light"/>
                       </a:endParaRPr>
@@ -4553,16 +3936,16 @@
                         </a:spcBef>
                       </a:pPr>
                       <a:r>
-                        <a:rPr sz="900" spc="0">
+                        <a:rPr lang="de-de" sz="900" spc="0" dirty="0">
                           <a:solidFill>
                             <a:srgbClr val="020302"/>
                           </a:solidFill>
                           <a:latin typeface="AdobeClean-Light"/>
                           <a:cs typeface="AdobeClean-Light"/>
                         </a:rPr>
-                        <a:t>Technical Account Manager</a:t>
+                        <a:t>기술 계정 관리자</a:t>
                       </a:r>
-                      <a:endParaRPr sz="900" spc="0">
+                      <a:endParaRPr sz="900" spc="0" dirty="0">
                         <a:latin typeface="AdobeClean-Light"/>
                         <a:cs typeface="AdobeClean-Light"/>
                       </a:endParaRPr>
@@ -4599,7 +3982,7 @@
                           <a:spcPct val="100000"/>
                         </a:lnSpc>
                       </a:pPr>
-                      <a:endParaRPr sz="900">
+                      <a:endParaRPr sz="900" dirty="0">
                         <a:latin typeface="Times New Roman"/>
                         <a:cs typeface="Times New Roman"/>
                       </a:endParaRPr>
@@ -4637,7 +4020,7 @@
                           <a:spcPct val="100000"/>
                         </a:lnSpc>
                       </a:pPr>
-                      <a:endParaRPr sz="900">
+                      <a:endParaRPr sz="900" dirty="0">
                         <a:latin typeface="Times New Roman"/>
                         <a:cs typeface="Times New Roman"/>
                       </a:endParaRPr>
@@ -4681,16 +4064,16 @@
                         </a:spcBef>
                       </a:pPr>
                       <a:r>
-                        <a:rPr lang="en-US" sz="1000" b="1" i="0" spc="0">
+                        <a:rPr lang="de-de" sz="1000" b="1" i="0" spc="0" dirty="0">
                           <a:solidFill>
                             <a:schemeClr val="bg1"/>
                           </a:solidFill>
                           <a:latin typeface="Adobe Clean" panose="020B0503020404020204" pitchFamily="34" charset="0"/>
                           <a:cs typeface="AdobeClean-Light"/>
                         </a:rPr>
-                        <a:t>Support Services</a:t>
+                        <a:t>지원 서비스</a:t>
                       </a:r>
-                      <a:endParaRPr sz="1000" b="1" i="0" spc="0">
+                      <a:endParaRPr sz="1000" b="1" i="0" spc="0" dirty="0">
                         <a:solidFill>
                           <a:schemeClr val="bg1"/>
                         </a:solidFill>
@@ -4752,26 +4135,16 @@
                         </a:spcBef>
                       </a:pPr>
                       <a:r>
-                        <a:rPr lang="en-US" sz="900" spc="0">
+                        <a:rPr lang="de-de" sz="900" spc="0" dirty="0">
                           <a:solidFill>
                             <a:srgbClr val="020302"/>
                           </a:solidFill>
                           <a:latin typeface="AdobeClean-Light"/>
                           <a:cs typeface="AdobeClean-Light"/>
                         </a:rPr>
-                        <a:t>Online</a:t>
+                        <a:t>온라인 지원</a:t>
                       </a:r>
-                      <a:r>
-                        <a:rPr sz="900" spc="0">
-                          <a:solidFill>
-                            <a:srgbClr val="020302"/>
-                          </a:solidFill>
-                          <a:latin typeface="AdobeClean-Light"/>
-                          <a:cs typeface="AdobeClean-Light"/>
-                        </a:rPr>
-                        <a:t> Support</a:t>
-                      </a:r>
-                      <a:endParaRPr sz="900" spc="0">
+                      <a:endParaRPr sz="900" spc="0" dirty="0">
                         <a:latin typeface="AdobeClean-Light"/>
                         <a:cs typeface="AdobeClean-Light"/>
                       </a:endParaRPr>
@@ -4812,17 +4185,17 @@
                         </a:spcBef>
                       </a:pPr>
                       <a:r>
-                        <a:rPr sz="900" spc="-25">
+                        <a:rPr lang="de-de" sz="900" spc="-25" dirty="0">
                           <a:solidFill>
                             <a:srgbClr val="020302"/>
                           </a:solidFill>
                           <a:latin typeface="AdobeClean-Light"/>
                           <a:cs typeface="AdobeClean-Light"/>
                         </a:rPr>
-                        <a:t>Business</a:t>
+                        <a:t>업무</a:t>
                       </a:r>
                       <a:r>
-                        <a:rPr sz="900" spc="-15">
+                        <a:rPr lang="de-de" sz="900" spc="-15" dirty="0">
                           <a:solidFill>
                             <a:srgbClr val="020302"/>
                           </a:solidFill>
@@ -4832,16 +4205,16 @@
                         <a:t> </a:t>
                       </a:r>
                       <a:r>
-                        <a:rPr sz="900" spc="-30">
+                        <a:rPr lang="de-de" sz="900" spc="-30" dirty="0">
                           <a:solidFill>
                             <a:srgbClr val="020302"/>
                           </a:solidFill>
                           <a:latin typeface="AdobeClean-Light"/>
                           <a:cs typeface="AdobeClean-Light"/>
                         </a:rPr>
-                        <a:t>hours</a:t>
+                        <a:t>시간</a:t>
                       </a:r>
-                      <a:endParaRPr sz="900">
+                      <a:endParaRPr sz="900" dirty="0">
                         <a:latin typeface="AdobeClean-Light"/>
                         <a:cs typeface="AdobeClean-Light"/>
                       </a:endParaRPr>
@@ -4883,17 +4256,17 @@
                         </a:spcBef>
                       </a:pPr>
                       <a:r>
-                        <a:rPr sz="900" spc="-25">
+                        <a:rPr lang="de-de" sz="900" spc="-25" dirty="0">
                           <a:solidFill>
                             <a:srgbClr val="020302"/>
                           </a:solidFill>
                           <a:latin typeface="AdobeClean-Light"/>
                           <a:cs typeface="AdobeClean-Light"/>
                         </a:rPr>
-                        <a:t>Business</a:t>
+                        <a:t>업무</a:t>
                       </a:r>
                       <a:r>
-                        <a:rPr sz="900" spc="-15">
+                        <a:rPr lang="de-de" sz="900" spc="-15" dirty="0">
                           <a:solidFill>
                             <a:srgbClr val="020302"/>
                           </a:solidFill>
@@ -4903,16 +4276,16 @@
                         <a:t> </a:t>
                       </a:r>
                       <a:r>
-                        <a:rPr sz="900" spc="-30">
+                        <a:rPr lang="de-de" sz="900" spc="-30" dirty="0">
                           <a:solidFill>
                             <a:srgbClr val="020302"/>
                           </a:solidFill>
                           <a:latin typeface="AdobeClean-Light"/>
                           <a:cs typeface="AdobeClean-Light"/>
                         </a:rPr>
-                        <a:t>hours</a:t>
+                        <a:t>시간</a:t>
                       </a:r>
-                      <a:endParaRPr sz="900">
+                      <a:endParaRPr sz="900" dirty="0">
                         <a:latin typeface="AdobeClean-Light"/>
                         <a:cs typeface="AdobeClean-Light"/>
                       </a:endParaRPr>
@@ -4955,7 +4328,7 @@
                           <a:spcPts val="455"/>
                         </a:spcBef>
                       </a:pPr>
-                      <a:endParaRPr sz="900">
+                      <a:endParaRPr sz="900" dirty="0">
                         <a:latin typeface="AdobeClean-Light"/>
                         <a:cs typeface="AdobeClean-Light"/>
                       </a:endParaRPr>
@@ -4996,36 +4369,16 @@
                         </a:spcBef>
                       </a:pPr>
                       <a:r>
-                        <a:rPr sz="900" spc="0">
+                        <a:rPr lang="de-de" sz="900" spc="0" dirty="0">
                           <a:solidFill>
                             <a:srgbClr val="020302"/>
                           </a:solidFill>
                           <a:latin typeface="AdobeClean-Light"/>
                           <a:cs typeface="AdobeClean-Light"/>
                         </a:rPr>
-                        <a:t>24x7</a:t>
+                        <a:t>24x7x365 P1 문제 지원</a:t>
                       </a:r>
-                      <a:r>
-                        <a:rPr lang="en-US" sz="900" spc="0">
-                          <a:solidFill>
-                            <a:srgbClr val="020302"/>
-                          </a:solidFill>
-                          <a:latin typeface="AdobeClean-Light"/>
-                          <a:cs typeface="AdobeClean-Light"/>
-                        </a:rPr>
-                        <a:t>x365</a:t>
-                      </a:r>
-                      <a:r>
-                        <a:rPr sz="900" spc="0">
-                          <a:solidFill>
-                            <a:srgbClr val="020302"/>
-                          </a:solidFill>
-                          <a:latin typeface="AdobeClean-Light"/>
-                          <a:cs typeface="AdobeClean-Light"/>
-                        </a:rPr>
-                        <a:t> P1 Issue Support</a:t>
-                      </a:r>
-                      <a:endParaRPr sz="900" spc="0">
+                      <a:endParaRPr sz="900" spc="0" dirty="0">
                         <a:latin typeface="AdobeClean-Light"/>
                         <a:cs typeface="AdobeClean-Light"/>
                       </a:endParaRPr>
@@ -5060,7 +4413,7 @@
                         </a:spcBef>
                       </a:pPr>
                       <a:r>
-                        <a:rPr sz="900">
+                        <a:rPr lang="de-de" sz="900" dirty="0">
                           <a:solidFill>
                             <a:srgbClr val="020302"/>
                           </a:solidFill>
@@ -5069,7 +4422,7 @@
                         </a:rPr>
                         <a:t></a:t>
                       </a:r>
-                      <a:endParaRPr sz="900">
+                      <a:endParaRPr sz="900" dirty="0">
                         <a:latin typeface="Wingdings"/>
                         <a:cs typeface="Wingdings"/>
                       </a:endParaRPr>
@@ -5102,7 +4455,7 @@
                         </a:spcBef>
                       </a:pPr>
                       <a:r>
-                        <a:rPr sz="900">
+                        <a:rPr lang="de-de" sz="900" dirty="0">
                           <a:solidFill>
                             <a:srgbClr val="020302"/>
                           </a:solidFill>
@@ -5111,7 +4464,7 @@
                         </a:rPr>
                         <a:t></a:t>
                       </a:r>
-                      <a:endParaRPr sz="900">
+                      <a:endParaRPr sz="900" dirty="0">
                         <a:latin typeface="Wingdings"/>
                         <a:cs typeface="Wingdings"/>
                       </a:endParaRPr>
@@ -5145,7 +4498,7 @@
                           <a:spcPts val="455"/>
                         </a:spcBef>
                       </a:pPr>
-                      <a:endParaRPr sz="900">
+                      <a:endParaRPr sz="900" dirty="0">
                         <a:latin typeface="AdobeClean-Light"/>
                         <a:cs typeface="AdobeClean-Light"/>
                       </a:endParaRPr>
@@ -5195,16 +4548,16 @@
                         </a:spcBef>
                       </a:pPr>
                       <a:r>
-                        <a:rPr lang="en-US" sz="900" spc="0">
+                        <a:rPr lang="de-de" sz="900" spc="0" dirty="0">
                           <a:solidFill>
                             <a:srgbClr val="020302"/>
                           </a:solidFill>
                           <a:latin typeface="AdobeClean-Light"/>
                           <a:cs typeface="AdobeClean-Light"/>
                         </a:rPr>
-                        <a:t>Named Support Contacts (per product)</a:t>
+                        <a:t>지정된 지원 담당자(제품당)</a:t>
                       </a:r>
-                      <a:endParaRPr sz="900" spc="0">
+                      <a:endParaRPr sz="900" spc="0" dirty="0">
                         <a:latin typeface="AdobeClean-Light"/>
                         <a:cs typeface="AdobeClean-Light"/>
                       </a:endParaRPr>
@@ -5245,7 +4598,7 @@
                         </a:spcBef>
                       </a:pPr>
                       <a:r>
-                        <a:rPr sz="900">
+                        <a:rPr lang="de-de" sz="900" dirty="0">
                           <a:solidFill>
                             <a:srgbClr val="020302"/>
                           </a:solidFill>
@@ -5254,7 +4607,7 @@
                         </a:rPr>
                         <a:t>4</a:t>
                       </a:r>
-                      <a:endParaRPr sz="900">
+                      <a:endParaRPr sz="900" dirty="0">
                         <a:latin typeface="AdobeClean-Light"/>
                         <a:cs typeface="AdobeClean-Light"/>
                       </a:endParaRPr>
@@ -5287,7 +4640,7 @@
                         </a:spcBef>
                       </a:pPr>
                       <a:r>
-                        <a:rPr sz="900">
+                        <a:rPr lang="de-de" sz="900" dirty="0">
                           <a:solidFill>
                             <a:srgbClr val="020302"/>
                           </a:solidFill>
@@ -5296,7 +4649,7 @@
                         </a:rPr>
                         <a:t>6</a:t>
                       </a:r>
-                      <a:endParaRPr sz="900">
+                      <a:endParaRPr sz="900" dirty="0">
                         <a:latin typeface="AdobeClean-Light"/>
                         <a:cs typeface="AdobeClean-Light"/>
                       </a:endParaRPr>
@@ -5330,7 +4683,7 @@
                           <a:spcPts val="455"/>
                         </a:spcBef>
                       </a:pPr>
-                      <a:endParaRPr sz="900">
+                      <a:endParaRPr sz="900" dirty="0">
                         <a:latin typeface="AdobeClean-Light"/>
                         <a:cs typeface="AdobeClean-Light"/>
                       </a:endParaRPr>
@@ -5371,16 +4724,16 @@
                         </a:spcBef>
                       </a:pPr>
                       <a:r>
-                        <a:rPr lang="en-US" sz="900" spc="0">
+                        <a:rPr lang="de-de" sz="900" spc="0" dirty="0">
                           <a:solidFill>
                             <a:srgbClr val="020302"/>
                           </a:solidFill>
                           <a:latin typeface="AdobeClean-Light"/>
                           <a:cs typeface="AdobeClean-Light"/>
                         </a:rPr>
-                        <a:t>Live Telephone Support</a:t>
+                        <a:t>실시간 전화 지원</a:t>
                       </a:r>
-                      <a:endParaRPr sz="900" spc="0">
+                      <a:endParaRPr sz="900" spc="0" dirty="0">
                         <a:latin typeface="AdobeClean-Light"/>
                         <a:cs typeface="AdobeClean-Light"/>
                       </a:endParaRPr>
@@ -5414,7 +4767,7 @@
                           <a:spcPts val="464"/>
                         </a:spcBef>
                       </a:pPr>
-                      <a:endParaRPr sz="900">
+                      <a:endParaRPr sz="900" dirty="0">
                         <a:latin typeface="Wingdings"/>
                         <a:cs typeface="Wingdings"/>
                       </a:endParaRPr>
@@ -5447,7 +4800,7 @@
                         </a:spcBef>
                       </a:pPr>
                       <a:r>
-                        <a:rPr sz="900">
+                        <a:rPr lang="de-de" sz="900" dirty="0">
                           <a:solidFill>
                             <a:srgbClr val="020302"/>
                           </a:solidFill>
@@ -5456,7 +4809,7 @@
                         </a:rPr>
                         <a:t></a:t>
                       </a:r>
-                      <a:endParaRPr sz="900">
+                      <a:endParaRPr sz="900" dirty="0">
                         <a:latin typeface="Wingdings"/>
                         <a:cs typeface="Wingdings"/>
                       </a:endParaRPr>
@@ -5490,7 +4843,7 @@
                           <a:spcPts val="459"/>
                         </a:spcBef>
                       </a:pPr>
-                      <a:endParaRPr sz="900">
+                      <a:endParaRPr sz="900" dirty="0">
                         <a:latin typeface="AdobeClean-Light"/>
                         <a:cs typeface="AdobeClean-Light"/>
                       </a:endParaRPr>
@@ -5531,16 +4884,16 @@
                         </a:spcBef>
                       </a:pPr>
                       <a:r>
-                        <a:rPr sz="900" spc="0">
+                        <a:rPr lang="de-de" sz="900" spc="0" dirty="0">
                           <a:solidFill>
                             <a:srgbClr val="020302"/>
                           </a:solidFill>
                           <a:latin typeface="AdobeClean-Light"/>
                           <a:cs typeface="AdobeClean-Light"/>
                         </a:rPr>
-                        <a:t>Escalation Management</a:t>
+                        <a:t>에스컬레이션 관리</a:t>
                       </a:r>
-                      <a:endParaRPr sz="900" spc="0">
+                      <a:endParaRPr sz="900" spc="0" dirty="0">
                         <a:latin typeface="AdobeClean-Light"/>
                         <a:cs typeface="AdobeClean-Light"/>
                       </a:endParaRPr>
@@ -5574,7 +4927,7 @@
                           <a:spcPts val="470"/>
                         </a:spcBef>
                       </a:pPr>
-                      <a:endParaRPr sz="900">
+                      <a:endParaRPr sz="900" dirty="0">
                         <a:latin typeface="Wingdings"/>
                         <a:cs typeface="Wingdings"/>
                       </a:endParaRPr>
@@ -5607,7 +4960,7 @@
                         </a:spcBef>
                       </a:pPr>
                       <a:r>
-                        <a:rPr sz="900">
+                        <a:rPr lang="de-de" sz="900" dirty="0">
                           <a:solidFill>
                             <a:srgbClr val="020302"/>
                           </a:solidFill>
@@ -5616,7 +4969,7 @@
                         </a:rPr>
                         <a:t></a:t>
                       </a:r>
-                      <a:endParaRPr sz="900">
+                      <a:endParaRPr sz="900" dirty="0">
                         <a:latin typeface="Wingdings"/>
                         <a:cs typeface="Wingdings"/>
                       </a:endParaRPr>
@@ -5650,7 +5003,7 @@
                           <a:spcPts val="450"/>
                         </a:spcBef>
                       </a:pPr>
-                      <a:endParaRPr sz="900">
+                      <a:endParaRPr sz="900" dirty="0">
                         <a:latin typeface="AdobeClean-Light"/>
                         <a:cs typeface="AdobeClean-Light"/>
                       </a:endParaRPr>
@@ -5691,26 +5044,16 @@
                         </a:spcBef>
                       </a:pPr>
                       <a:r>
-                        <a:rPr sz="900" spc="0">
+                        <a:rPr lang="de-de" sz="900" spc="0" dirty="0">
                           <a:solidFill>
                             <a:srgbClr val="020302"/>
                           </a:solidFill>
                           <a:latin typeface="AdobeClean-Light"/>
                           <a:cs typeface="AdobeClean-Light"/>
                         </a:rPr>
-                        <a:t>Service Reviews </a:t>
+                        <a:t>연간 서비스 리뷰</a:t>
                       </a:r>
-                      <a:r>
-                        <a:rPr lang="en-US" sz="900" spc="0">
-                          <a:solidFill>
-                            <a:srgbClr val="020302"/>
-                          </a:solidFill>
-                          <a:latin typeface="AdobeClean-Light"/>
-                          <a:cs typeface="AdobeClean-Light"/>
-                        </a:rPr>
-                        <a:t>per Year</a:t>
-                      </a:r>
-                      <a:endParaRPr sz="900" spc="0">
+                      <a:endParaRPr sz="900" spc="0" dirty="0">
                         <a:latin typeface="AdobeClean-Light"/>
                         <a:cs typeface="AdobeClean-Light"/>
                       </a:endParaRPr>
@@ -5741,7 +5084,7 @@
                           <a:spcPct val="100000"/>
                         </a:lnSpc>
                       </a:pPr>
-                      <a:endParaRPr sz="900">
+                      <a:endParaRPr sz="900" dirty="0">
                         <a:latin typeface="Times New Roman"/>
                         <a:cs typeface="Times New Roman"/>
                       </a:endParaRPr>
@@ -5770,7 +5113,7 @@
                           <a:spcPct val="100000"/>
                         </a:lnSpc>
                       </a:pPr>
-                      <a:endParaRPr sz="900">
+                      <a:endParaRPr sz="900" dirty="0">
                         <a:latin typeface="Times New Roman"/>
                         <a:cs typeface="Times New Roman"/>
                       </a:endParaRPr>
@@ -5815,13 +5158,13 @@
                         </a:spcBef>
                       </a:pPr>
                       <a:r>
-                        <a:rPr lang="en-US" sz="900" spc="0">
+                        <a:rPr lang="de-de" sz="900" spc="0" dirty="0">
                           <a:latin typeface="AdobeClean-Light"/>
                           <a:cs typeface="AdobeClean-Light"/>
                         </a:rPr>
-                        <a:t>Expert Sessions per Year</a:t>
+                        <a:t>연간 전문가 세션</a:t>
                       </a:r>
-                      <a:endParaRPr sz="900" spc="0">
+                      <a:endParaRPr sz="900" spc="0" dirty="0">
                         <a:latin typeface="AdobeClean-Light"/>
                         <a:cs typeface="AdobeClean-Light"/>
                       </a:endParaRPr>
@@ -5858,7 +5201,7 @@
                           <a:spcPct val="100000"/>
                         </a:lnSpc>
                       </a:pPr>
-                      <a:endParaRPr sz="900">
+                      <a:endParaRPr sz="900" dirty="0">
                         <a:latin typeface="Times New Roman"/>
                         <a:cs typeface="Times New Roman"/>
                       </a:endParaRPr>
@@ -5887,7 +5230,7 @@
                           <a:spcPct val="100000"/>
                         </a:lnSpc>
                       </a:pPr>
-                      <a:endParaRPr sz="900">
+                      <a:endParaRPr sz="900" dirty="0">
                         <a:latin typeface="Times New Roman"/>
                         <a:cs typeface="Times New Roman"/>
                       </a:endParaRPr>
@@ -5932,13 +5275,13 @@
                         </a:spcBef>
                       </a:pPr>
                       <a:r>
-                        <a:rPr lang="en-US" sz="900" spc="0">
+                        <a:rPr lang="de-de" sz="900" spc="0" dirty="0">
                           <a:latin typeface="AdobeClean-Light"/>
                           <a:cs typeface="AdobeClean-Light"/>
                         </a:rPr>
-                        <a:t>Case Reviews</a:t>
+                        <a:t>사례 검토</a:t>
                       </a:r>
-                      <a:endParaRPr sz="900" spc="0">
+                      <a:endParaRPr sz="900" spc="0" dirty="0">
                         <a:latin typeface="AdobeClean-Light"/>
                         <a:cs typeface="AdobeClean-Light"/>
                       </a:endParaRPr>
@@ -5975,7 +5318,7 @@
                           <a:spcPct val="100000"/>
                         </a:lnSpc>
                       </a:pPr>
-                      <a:endParaRPr sz="900">
+                      <a:endParaRPr sz="900" dirty="0">
                         <a:latin typeface="Times New Roman"/>
                         <a:cs typeface="Times New Roman"/>
                       </a:endParaRPr>
@@ -6004,7 +5347,7 @@
                           <a:spcPct val="100000"/>
                         </a:lnSpc>
                       </a:pPr>
-                      <a:endParaRPr sz="900">
+                      <a:endParaRPr sz="900" dirty="0">
                         <a:latin typeface="Times New Roman"/>
                         <a:cs typeface="Times New Roman"/>
                       </a:endParaRPr>
@@ -6038,7 +5381,7 @@
                           <a:spcPts val="459"/>
                         </a:spcBef>
                       </a:pPr>
-                      <a:endParaRPr sz="900">
+                      <a:endParaRPr sz="900" dirty="0">
                         <a:latin typeface="AdobeClean-Light"/>
                         <a:cs typeface="AdobeClean-Light"/>
                       </a:endParaRPr>
@@ -6088,26 +5431,16 @@
                         </a:spcBef>
                       </a:pPr>
                       <a:r>
-                        <a:rPr sz="900" spc="0">
+                        <a:rPr lang="de-de" sz="900" spc="0" dirty="0">
                           <a:solidFill>
                             <a:srgbClr val="020302"/>
                           </a:solidFill>
                           <a:latin typeface="AdobeClean-Light"/>
                           <a:cs typeface="AdobeClean-Light"/>
                         </a:rPr>
-                        <a:t>Event </a:t>
+                        <a:t>이벤트 관리</a:t>
                       </a:r>
-                      <a:r>
-                        <a:rPr lang="en-US" sz="900" spc="0">
-                          <a:solidFill>
-                            <a:srgbClr val="020302"/>
-                          </a:solidFill>
-                          <a:latin typeface="AdobeClean-Light"/>
-                          <a:cs typeface="AdobeClean-Light"/>
-                        </a:rPr>
-                        <a:t>Management</a:t>
-                      </a:r>
-                      <a:endParaRPr sz="900" spc="0">
+                      <a:endParaRPr sz="900" spc="0" dirty="0">
                         <a:latin typeface="AdobeClean-Light"/>
                         <a:cs typeface="AdobeClean-Light"/>
                       </a:endParaRPr>
@@ -6144,7 +5477,7 @@
                           <a:spcPct val="100000"/>
                         </a:lnSpc>
                       </a:pPr>
-                      <a:endParaRPr sz="900">
+                      <a:endParaRPr sz="900" dirty="0">
                         <a:latin typeface="Times New Roman"/>
                         <a:cs typeface="Times New Roman"/>
                       </a:endParaRPr>
@@ -6173,7 +5506,7 @@
                           <a:spcPct val="100000"/>
                         </a:lnSpc>
                       </a:pPr>
-                      <a:endParaRPr sz="900">
+                      <a:endParaRPr sz="900" dirty="0">
                         <a:latin typeface="Times New Roman"/>
                         <a:cs typeface="Times New Roman"/>
                       </a:endParaRPr>
@@ -6207,7 +5540,7 @@
                           <a:spcPts val="465"/>
                         </a:spcBef>
                       </a:pPr>
-                      <a:endParaRPr sz="900">
+                      <a:endParaRPr sz="900" dirty="0">
                         <a:latin typeface="AdobeClean-Light"/>
                         <a:cs typeface="AdobeClean-Light"/>
                       </a:endParaRPr>
@@ -6248,36 +5581,16 @@
                         </a:spcBef>
                       </a:pPr>
                       <a:r>
-                        <a:rPr sz="900" spc="0">
+                        <a:rPr lang="de-de" sz="900" spc="0" dirty="0">
                           <a:solidFill>
                             <a:srgbClr val="020302"/>
                           </a:solidFill>
                           <a:latin typeface="AdobeClean-Light"/>
                           <a:cs typeface="AdobeClean-Light"/>
                         </a:rPr>
-                        <a:t>Environment</a:t>
+                        <a:t>환경 검토, 유지 관리 및 모니터링</a:t>
                       </a:r>
-                      <a:r>
-                        <a:rPr lang="en-US" sz="900" spc="0">
-                          <a:solidFill>
-                            <a:srgbClr val="020302"/>
-                          </a:solidFill>
-                          <a:latin typeface="AdobeClean-Light"/>
-                          <a:cs typeface="AdobeClean-Light"/>
-                        </a:rPr>
-                        <a:t> </a:t>
-                      </a:r>
-                      <a:r>
-                        <a:rPr sz="900" spc="0">
-                          <a:solidFill>
-                            <a:srgbClr val="020302"/>
-                          </a:solidFill>
-                          <a:latin typeface="AdobeClean-Light"/>
-                          <a:cs typeface="AdobeClean-Light"/>
-                        </a:rPr>
-                        <a:t>Review, Maintenance &amp; Monitoring</a:t>
-                      </a:r>
-                      <a:endParaRPr sz="900" spc="0">
+                      <a:endParaRPr sz="900" spc="0" dirty="0">
                         <a:latin typeface="AdobeClean-Light"/>
                         <a:cs typeface="AdobeClean-Light"/>
                       </a:endParaRPr>
@@ -6308,7 +5621,7 @@
                           <a:spcPct val="100000"/>
                         </a:lnSpc>
                       </a:pPr>
-                      <a:endParaRPr sz="900">
+                      <a:endParaRPr sz="900" dirty="0">
                         <a:latin typeface="Times New Roman"/>
                         <a:cs typeface="Times New Roman"/>
                       </a:endParaRPr>
@@ -6337,7 +5650,7 @@
                           <a:spcPct val="100000"/>
                         </a:lnSpc>
                       </a:pPr>
-                      <a:endParaRPr sz="900">
+                      <a:endParaRPr sz="900" dirty="0">
                         <a:latin typeface="Times New Roman"/>
                         <a:cs typeface="Times New Roman"/>
                       </a:endParaRPr>
@@ -6371,7 +5684,7 @@
                           <a:spcPts val="500"/>
                         </a:spcBef>
                       </a:pPr>
-                      <a:endParaRPr sz="900">
+                      <a:endParaRPr sz="900" dirty="0">
                         <a:latin typeface="AdobeClean-Light"/>
                         <a:cs typeface="AdobeClean-Light"/>
                       </a:endParaRPr>
@@ -6412,16 +5725,16 @@
                         </a:spcBef>
                       </a:pPr>
                       <a:r>
-                        <a:rPr sz="900" spc="0">
+                        <a:rPr lang="de-de" sz="900" spc="0" dirty="0">
                           <a:solidFill>
                             <a:srgbClr val="020302"/>
                           </a:solidFill>
                           <a:latin typeface="AdobeClean-Light"/>
                           <a:cs typeface="AdobeClean-Light"/>
                         </a:rPr>
-                        <a:t>Release, Migration, Upgrade &amp; Product Roadmap Review</a:t>
+                        <a:t>릴리스, 마이그레이션, 업그레이드 및 제품 로드맵 검토</a:t>
                       </a:r>
-                      <a:endParaRPr sz="900" spc="0">
+                      <a:endParaRPr sz="900" spc="0" dirty="0">
                         <a:latin typeface="AdobeClean-Light"/>
                         <a:cs typeface="AdobeClean-Light"/>
                       </a:endParaRPr>
@@ -6452,7 +5765,7 @@
                           <a:spcPct val="100000"/>
                         </a:lnSpc>
                       </a:pPr>
-                      <a:endParaRPr sz="900">
+                      <a:endParaRPr sz="900" dirty="0">
                         <a:latin typeface="Times New Roman"/>
                         <a:cs typeface="Times New Roman"/>
                       </a:endParaRPr>
@@ -6481,7 +5794,7 @@
                           <a:spcPct val="100000"/>
                         </a:lnSpc>
                       </a:pPr>
-                      <a:endParaRPr sz="900">
+                      <a:endParaRPr sz="900" dirty="0">
                         <a:latin typeface="Times New Roman"/>
                         <a:cs typeface="Times New Roman"/>
                       </a:endParaRPr>
@@ -6515,7 +5828,7 @@
                           <a:spcPts val="530"/>
                         </a:spcBef>
                       </a:pPr>
-                      <a:endParaRPr sz="900">
+                      <a:endParaRPr sz="900" dirty="0">
                         <a:latin typeface="AdobeClean-Light"/>
                         <a:cs typeface="AdobeClean-Light"/>
                       </a:endParaRPr>
@@ -6565,11 +5878,11 @@
                         </a:spcBef>
                       </a:pPr>
                       <a:r>
-                        <a:rPr sz="900" spc="0">
+                        <a:rPr lang="de-de" sz="900" spc="0" dirty="0">
                           <a:latin typeface="AdobeClean-Light"/>
                           <a:cs typeface="AdobeClean-Light"/>
                         </a:rPr>
-                        <a:t>Cloud Support Activities – Experience Manager as Cloud</a:t>
+                        <a:t>클라우드 지원 활동 – Experience Manager as Cloud</a:t>
                       </a:r>
                     </a:p>
                   </a:txBody>
@@ -6604,7 +5917,7 @@
                           <a:spcPct val="100000"/>
                         </a:lnSpc>
                       </a:pPr>
-                      <a:endParaRPr sz="900">
+                      <a:endParaRPr sz="900" dirty="0">
                         <a:latin typeface="Times New Roman"/>
                         <a:cs typeface="Times New Roman"/>
                       </a:endParaRPr>
@@ -6642,7 +5955,7 @@
                           <a:spcPct val="100000"/>
                         </a:lnSpc>
                       </a:pPr>
-                      <a:endParaRPr sz="900">
+                      <a:endParaRPr sz="900" dirty="0">
                         <a:latin typeface="Times New Roman"/>
                         <a:cs typeface="Times New Roman"/>
                       </a:endParaRPr>
@@ -6686,16 +5999,16 @@
                         </a:spcBef>
                       </a:pPr>
                       <a:r>
-                        <a:rPr lang="en-US" sz="1000" b="1" i="0" spc="0">
+                        <a:rPr lang="de-de" sz="1000" b="1" i="0" spc="0" dirty="0">
                           <a:solidFill>
                             <a:schemeClr val="bg1"/>
                           </a:solidFill>
                           <a:latin typeface="Adobe Clean" panose="020B0503020404020204" pitchFamily="34" charset="0"/>
                           <a:cs typeface="AdobeClean-Light"/>
                         </a:rPr>
-                        <a:t>Field Services</a:t>
+                        <a:t>현장 서비스</a:t>
                       </a:r>
-                      <a:endParaRPr sz="1000" b="1" i="0" spc="0">
+                      <a:endParaRPr sz="1000" b="1" i="0" spc="0" dirty="0">
                         <a:solidFill>
                           <a:schemeClr val="bg1"/>
                         </a:solidFill>
@@ -6754,16 +6067,16 @@
                         </a:spcBef>
                       </a:pPr>
                       <a:r>
-                        <a:rPr sz="900" spc="0">
+                        <a:rPr lang="de-de" sz="900" spc="0" dirty="0">
                           <a:solidFill>
                             <a:srgbClr val="020302"/>
                           </a:solidFill>
                           <a:latin typeface="AdobeClean-Light"/>
                           <a:cs typeface="AdobeClean-Light"/>
                         </a:rPr>
-                        <a:t>Launch Advisory Services – First Year of new solution</a:t>
+                        <a:t>출시 자문 서비스 – 새로운 솔루션의 첫 해</a:t>
                       </a:r>
-                      <a:endParaRPr sz="900" spc="0">
+                      <a:endParaRPr sz="900" spc="0" dirty="0">
                         <a:latin typeface="AdobeClean-Light"/>
                         <a:cs typeface="AdobeClean-Light"/>
                       </a:endParaRPr>
@@ -6778,11 +6091,11 @@
                         </a:spcBef>
                       </a:pPr>
                       <a:r>
-                        <a:rPr sz="900" spc="0">
+                        <a:rPr lang="de-de" sz="900" spc="0" dirty="0">
                           <a:latin typeface="AdobeClean-Light"/>
                           <a:cs typeface="AdobeClean-Light"/>
                         </a:rPr>
-                        <a:t>Field Service Activities </a:t>
+                        <a:t>현장 서비스 활동 </a:t>
                       </a:r>
                     </a:p>
                   </a:txBody>
@@ -6823,7 +6136,7 @@
                           <a:spcPct val="100000"/>
                         </a:lnSpc>
                       </a:pPr>
-                      <a:endParaRPr sz="900">
+                      <a:endParaRPr sz="900" dirty="0">
                         <a:latin typeface="Times New Roman"/>
                         <a:cs typeface="Times New Roman"/>
                       </a:endParaRPr>
@@ -6861,7 +6174,7 @@
                           <a:spcPct val="100000"/>
                         </a:lnSpc>
                       </a:pPr>
-                      <a:endParaRPr sz="900">
+                      <a:endParaRPr sz="900" dirty="0">
                         <a:latin typeface="Times New Roman"/>
                         <a:cs typeface="Times New Roman"/>
                       </a:endParaRPr>
@@ -6946,7 +6259,7 @@
                           <a:spcPct val="100000"/>
                         </a:lnSpc>
                       </a:pPr>
-                      <a:endParaRPr sz="900">
+                      <a:endParaRPr sz="900" dirty="0">
                         <a:latin typeface="Times New Roman"/>
                         <a:cs typeface="Times New Roman"/>
                       </a:endParaRPr>
@@ -6967,12 +6280,12 @@
                     <a:bodyPr/>
                     <a:lstStyle/>
                     <a:p>
-                      <a:pPr>
+                      <a:pPr marL="0" algn="l" rtl="0">
                         <a:lnSpc>
                           <a:spcPct val="100000"/>
                         </a:lnSpc>
                       </a:pPr>
-                      <a:endParaRPr sz="900">
+                      <a:endParaRPr sz="900" dirty="0">
                         <a:latin typeface="Times New Roman"/>
                         <a:cs typeface="Times New Roman"/>
                       </a:endParaRPr>
@@ -7031,7 +6344,7 @@
           <a:lstStyle/>
           <a:p>
             <a:r>
-              <a:rPr lang="en-US" sz="700" i="1">
+              <a:rPr lang="de-de" sz="700" i="1" dirty="0">
                 <a:solidFill>
                   <a:schemeClr val="bg1"/>
                 </a:solidFill>
@@ -7234,15 +6547,15 @@
               </a:spcBef>
             </a:pPr>
             <a:r>
-              <a:rPr lang="en-US" sz="1000">
+              <a:rPr lang="de-de" sz="1000" dirty="0">
                 <a:solidFill>
                   <a:srgbClr val="000000"/>
                 </a:solidFill>
                 <a:latin typeface="Adobe Clean Light" panose="020B0303020404020204" pitchFamily="34" charset="0"/>
               </a:rPr>
-              <a:t>A designated Account Support Lead to proactively monitor cases, drive cross-team collaboration, deliver onboarding webinars, run service reports, provide non-technical support assistance, and function as your escalation point and internal advocate within Adobe Support.</a:t>
-            </a:r>
-            <a:endParaRPr lang="en-US" sz="1000">
+              <a:t>사례를 사전에 모니터링하고, 팀 간의 공동 작업을 주도하고, 온보딩 웨비나를 제공하고, 서비스 보고를 실행하고, 비기술적 지원을 제공하고, Adobe 지원 내에서 에스컬레이션 지점 및 내부 지지 역할을 하는 지정된 계정 지원 리드입니다.</a:t>
+            </a:r>
+            <a:endParaRPr lang="en-US" sz="1000" dirty="0">
               <a:latin typeface="Adobe Clean Light" panose="020B0303020404020204" pitchFamily="34" charset="0"/>
               <a:cs typeface="AdobeClean-Light"/>
             </a:endParaRPr>
@@ -7282,36 +6595,16 @@
               </a:tabLst>
             </a:pPr>
             <a:r>
-              <a:rPr sz="1000">
+              <a:rPr lang="de-de" sz="1000" dirty="0">
                 <a:solidFill>
                   <a:srgbClr val="020302"/>
                 </a:solidFill>
                 <a:latin typeface="AdobeClean-Light"/>
                 <a:cs typeface="AdobeClean-Light"/>
               </a:rPr>
-              <a:t>Start a chat session to get answers</a:t>
-            </a:r>
-            <a:r>
-              <a:rPr lang="en-US" sz="1000">
-                <a:solidFill>
-                  <a:srgbClr val="020302"/>
-                </a:solidFill>
-                <a:latin typeface="AdobeClean-Light"/>
-                <a:cs typeface="AdobeClean-Light"/>
-              </a:rPr>
-              <a:t> &amp; </a:t>
-            </a:r>
-            <a:r>
-              <a:rPr sz="1000">
-                <a:solidFill>
-                  <a:srgbClr val="020302"/>
-                </a:solidFill>
-                <a:latin typeface="AdobeClean-Light"/>
-                <a:cs typeface="AdobeClean-Light"/>
-              </a:rPr>
-              <a:t>help with case submission</a:t>
-            </a:r>
-            <a:endParaRPr lang="en-US" sz="1000">
+              <a:t>답변을 얻고 사례 제출 관련 도움을 받을 수 있는</a:t>
+            </a:r>
+            <a:endParaRPr lang="en-US" sz="1000" dirty="0">
               <a:solidFill>
                 <a:srgbClr val="020302"/>
               </a:solidFill>
@@ -7332,17 +6625,27 @@
               </a:tabLst>
             </a:pPr>
             <a:r>
-              <a:rPr sz="1000" i="1">
+              <a:rPr lang="de-de" sz="1000" dirty="0">
+                <a:solidFill>
+                  <a:srgbClr val="020302"/>
+                </a:solidFill>
+                <a:latin typeface="AdobeClean-Light"/>
+                <a:cs typeface="AdobeClean-Light"/>
+              </a:rPr>
+              <a:t> 채팅 세션을 시작합니다.</a:t>
+            </a:r>
+            <a:r>
+              <a:rPr lang="de-de" sz="1000" i="1" dirty="0">
                 <a:solidFill>
                   <a:srgbClr val="7A7A7A"/>
                 </a:solidFill>
                 <a:latin typeface="AdobeClean-LightIt"/>
                 <a:cs typeface="AdobeClean-LightIt"/>
               </a:rPr>
-              <a:t>*Not all products have live chat support</a:t>
-            </a:r>
-            <a:r>
-              <a:rPr sz="900" i="1">
+              <a:t>*모든 제품에 라이브 채팅이 지원되는 것은 아닙니다</a:t>
+            </a:r>
+            <a:r>
+              <a:rPr lang="de-de" sz="900" i="1" dirty="0">
                 <a:solidFill>
                   <a:srgbClr val="7A7A7A"/>
                 </a:solidFill>
@@ -7351,7 +6654,7 @@
               </a:rPr>
               <a:t>.  </a:t>
             </a:r>
-            <a:endParaRPr sz="900">
+            <a:endParaRPr sz="900" dirty="0">
               <a:latin typeface="AdobeClean-Light"/>
               <a:cs typeface="AdobeClean-Light"/>
             </a:endParaRPr>
@@ -7430,12 +6733,12 @@
               <a:defRPr/>
             </a:pPr>
             <a:r>
-              <a:rPr lang="en-US" sz="1200">
+              <a:rPr lang="de-de" sz="1200" dirty="0">
                 <a:solidFill>
                   <a:srgbClr val="000000"/>
                 </a:solidFill>
               </a:rPr>
-              <a:t>Community Forums</a:t>
+              <a:t>커뮤니티 포럼</a:t>
             </a:r>
           </a:p>
         </p:txBody>
@@ -7478,12 +6781,12 @@
               </a:spcAft>
             </a:pPr>
             <a:r>
-              <a:rPr lang="en-US" sz="1200" b="1">
+              <a:rPr lang="de-de" sz="1200" b="1" dirty="0">
                 <a:latin typeface="+mj-lt"/>
                 <a:ea typeface="Open Sans" pitchFamily="34" charset="0"/>
                 <a:cs typeface="Open Sans" pitchFamily="34" charset="0"/>
               </a:rPr>
-              <a:t>Online Forums</a:t>
+              <a:t>온라인 포럼</a:t>
             </a:r>
           </a:p>
         </p:txBody>
@@ -7516,13 +6819,13 @@
           <a:lstStyle/>
           <a:p>
             <a:r>
-              <a:rPr lang="en-US" sz="1000">
+              <a:rPr lang="de-de" sz="1000" dirty="0">
                 <a:solidFill>
                   <a:srgbClr val="000000"/>
                 </a:solidFill>
                 <a:latin typeface="Adobe Clean Light" panose="020B0303020404020204" pitchFamily="34" charset="0"/>
               </a:rPr>
-              <a:t>Continuous online access to a growing database of technical solutions, product documentation, FAQs and more. Thousands of customers can connect to share best practices and lessons learned.</a:t>
+              <a:t>기술 솔루션, 제품 문서, FAQ 등 증가하는 데이터베이스에 대한 지속적인 온라인 액세스. 수천 명의 고객이 소통하여 모범 사례와 진행 중 얻은 개선 사항을 공유할 수 있습니다.</a:t>
             </a:r>
           </a:p>
         </p:txBody>
@@ -7565,12 +6868,12 @@
               </a:spcAft>
             </a:pPr>
             <a:r>
-              <a:rPr lang="en-US" sz="1200" b="1">
+              <a:rPr lang="de-de" sz="1200" b="1" dirty="0">
                 <a:latin typeface="+mj-lt"/>
                 <a:ea typeface="Open Sans" pitchFamily="34" charset="0"/>
                 <a:cs typeface="Open Sans" pitchFamily="34" charset="0"/>
               </a:rPr>
-              <a:t>Self-guided Journeys</a:t>
+              <a:t>셀프 가이드 여정</a:t>
             </a:r>
           </a:p>
         </p:txBody>
@@ -7603,13 +6906,13 @@
           <a:lstStyle/>
           <a:p>
             <a:r>
-              <a:rPr lang="en-US" sz="1000">
+              <a:rPr lang="de-de" sz="1000" dirty="0">
                 <a:solidFill>
                   <a:srgbClr val="000000"/>
                 </a:solidFill>
                 <a:latin typeface="Adobe Clean Light" panose="020B0303020404020204" pitchFamily="34" charset="0"/>
               </a:rPr>
-              <a:t>Experience Makers are made with Experience League. Customers can kickstart their Customer Experience Management abilities with personalized learning to develop skills, engage with a global community of peers, and earn career advancing recognition.</a:t>
+              <a:t>Experience 업체는 Experience League로 만들어집니다. 고객은 개인 맞춤형 학습을 통해 고객 경험 관리 능력에 시동을 걸어 기술을 개발하고 글로벌 동료 커뮤니티와 교류하며 경력 발전에 도움이 되는 인정을 얻을 수 있습니다.</a:t>
             </a:r>
           </a:p>
         </p:txBody>
@@ -7657,12 +6960,12 @@
               <a:defRPr/>
             </a:pPr>
             <a:r>
-              <a:rPr lang="en-US" sz="1200">
+              <a:rPr lang="de-de" sz="1200" dirty="0">
                 <a:solidFill>
                   <a:srgbClr val="000000"/>
                 </a:solidFill>
               </a:rPr>
-              <a:t>Live Chat  Support*</a:t>
+              <a:t>라이브 채팅 지원*</a:t>
             </a:r>
           </a:p>
         </p:txBody>
@@ -7705,12 +7008,12 @@
               </a:spcAft>
             </a:pPr>
             <a:r>
-              <a:rPr lang="en-US" sz="1200" b="1">
+              <a:rPr lang="de-de" sz="1200" b="1" dirty="0">
                 <a:latin typeface="+mj-lt"/>
                 <a:ea typeface="Open Sans" pitchFamily="34" charset="0"/>
                 <a:cs typeface="Open Sans" pitchFamily="34" charset="0"/>
               </a:rPr>
-              <a:t>Chat Support</a:t>
+              <a:t>채팅 지원</a:t>
             </a:r>
           </a:p>
         </p:txBody>
@@ -7758,7 +7061,7 @@
               <a:defRPr/>
             </a:pPr>
             <a:r>
-              <a:rPr lang="en-US" sz="1200">
+              <a:rPr lang="de-de" sz="1200" dirty="0">
                 <a:solidFill>
                   <a:srgbClr val="000000"/>
                 </a:solidFill>
@@ -7806,12 +7109,12 @@
               </a:spcAft>
             </a:pPr>
             <a:r>
-              <a:rPr lang="en-US" sz="1200" b="1">
+              <a:rPr lang="de-de" sz="1200" b="1" dirty="0">
                 <a:latin typeface="+mj-lt"/>
                 <a:ea typeface="Open Sans" pitchFamily="34" charset="0"/>
                 <a:cs typeface="Open Sans" pitchFamily="34" charset="0"/>
               </a:rPr>
-              <a:t>Phone Support</a:t>
+              <a:t>전화 지원</a:t>
             </a:r>
           </a:p>
         </p:txBody>
@@ -7844,21 +7147,21 @@
           <a:lstStyle/>
           <a:p>
             <a:r>
-              <a:rPr lang="en-US" sz="1000">
+              <a:rPr lang="de-de" sz="1000" dirty="0">
                 <a:solidFill>
                   <a:srgbClr val="020302"/>
                 </a:solidFill>
                 <a:latin typeface="AdobeClean-Light"/>
               </a:rPr>
-              <a:t>Authorized users or Named Support Contacts </a:t>
-            </a:r>
-            <a:r>
-              <a:rPr lang="en-US" sz="1000">
+              <a:t>승인된 사용자 또는 지정 지원 담당자</a:t>
+            </a:r>
+            <a:r>
+              <a:rPr lang="de-de" sz="1000" dirty="0">
                 <a:latin typeface="Adobe Clean Light" panose="020B0303020404020204" pitchFamily="34" charset="0"/>
               </a:rPr>
-              <a:t>can submit issues through all available  channels (including phone for P1) and interact with our technical support team on behalf of your company. </a:t>
-            </a:r>
-            <a:endParaRPr lang="en-US" sz="1000">
+              <a:t>는 사용 가능한 모든 채널(P1용 전화 포함)을 통해 문제를 제출하고 귀사를 대신하여 기술 지원 팀과 상호 작용할 수 있습니다. </a:t>
+            </a:r>
+            <a:endParaRPr lang="en-US" sz="1000" dirty="0">
               <a:solidFill>
                 <a:srgbClr val="000000"/>
               </a:solidFill>
@@ -7886,7 +7189,7 @@
         <p:spPr>
           <a:xfrm>
             <a:off x="5253416" y="9862966"/>
-            <a:ext cx="2270125" cy="132729"/>
+            <a:ext cx="2518984" cy="132729"/>
           </a:xfrm>
           <a:prstGeom prst="rect">
             <a:avLst/>
@@ -7907,24 +7210,16 @@
               </a:spcBef>
             </a:pPr>
             <a:r>
-              <a:rPr spc="-5"/>
-              <a:t>©202</a:t>
-            </a:r>
-            <a:r>
-              <a:rPr lang="en-US" spc="-5"/>
-              <a:t>1</a:t>
-            </a:r>
-            <a:r>
-              <a:rPr spc="-5"/>
-              <a:t> Adobe. All Rights Reserved. Adobe</a:t>
-            </a:r>
-            <a:r>
-              <a:rPr spc="60"/>
+              <a:rPr lang="de-de" spc="-5" dirty="0"/>
+              <a:t>©2021 Adobe. All Rights Reserved. Adobe</a:t>
+            </a:r>
+            <a:r>
+              <a:rPr lang="de-de" spc="60" dirty="0"/>
               <a:t> </a:t>
             </a:r>
             <a:r>
-              <a:rPr spc="-5"/>
-              <a:t>Confidential.</a:t>
+              <a:rPr lang="de-de" spc="-5" dirty="0"/>
+              <a:t>기밀.</a:t>
             </a:r>
           </a:p>
         </p:txBody>
@@ -7967,13 +7262,13 @@
               </a:spcAft>
             </a:pPr>
             <a:r>
-              <a:rPr lang="en-US" sz="1200" b="1" spc="-10">
+              <a:rPr lang="de-de" sz="1200" b="1" spc="-10" dirty="0">
                 <a:solidFill>
                   <a:srgbClr val="020302"/>
                 </a:solidFill>
                 <a:latin typeface="+mj-lt"/>
               </a:rPr>
-              <a:t>Account Support Lead</a:t>
+              <a:t>계정 지원 리드</a:t>
             </a:r>
           </a:p>
         </p:txBody>
@@ -8062,16 +7357,16 @@
               </a:spcBef>
             </a:pPr>
             <a:r>
-              <a:rPr lang="en-US" sz="1400" b="1" spc="-10">
+              <a:rPr lang="de-de" sz="1400" b="1" spc="-10" dirty="0">
                 <a:solidFill>
                   <a:srgbClr val="020302"/>
                 </a:solidFill>
                 <a:latin typeface="Adobe Clean"/>
                 <a:cs typeface="Adobe Clean"/>
               </a:rPr>
-              <a:t>Online Support Features</a:t>
-            </a:r>
-            <a:endParaRPr lang="en-US" sz="1400">
+              <a:t>온라인 지원 기능</a:t>
+            </a:r>
+            <a:endParaRPr lang="en-US" sz="1400" dirty="0">
               <a:latin typeface="Adobe Clean"/>
               <a:cs typeface="Adobe Clean"/>
             </a:endParaRPr>
@@ -8162,16 +7457,16 @@
               </a:spcBef>
             </a:pPr>
             <a:r>
-              <a:rPr lang="en-US" sz="1400" b="1" spc="-10">
+              <a:rPr lang="de-de" sz="1400" b="1" spc="-10" dirty="0">
                 <a:solidFill>
                   <a:srgbClr val="020302"/>
                 </a:solidFill>
                 <a:latin typeface="Adobe Clean"/>
                 <a:cs typeface="Adobe Clean"/>
               </a:rPr>
-              <a:t>Business  Support Features</a:t>
-            </a:r>
-            <a:endParaRPr lang="en-US" sz="1400">
+              <a:t>비즈니스 지원 기능</a:t>
+            </a:r>
+            <a:endParaRPr lang="en-US" sz="1400" dirty="0">
               <a:latin typeface="Adobe Clean"/>
               <a:cs typeface="Adobe Clean"/>
             </a:endParaRPr>
@@ -8214,12 +7509,12 @@
               </a:spcBef>
             </a:pPr>
             <a:r>
-              <a:rPr lang="en-US" sz="1000">
+              <a:rPr lang="de-de" sz="1000" dirty="0">
                 <a:latin typeface="Adobe Clean Light" panose="020B0303020404020204" pitchFamily="34" charset="0"/>
               </a:rPr>
-              <a:t>Customers can submit support cases via Phone for all P2, P3, P4 issues during regional support hours. There are no upper limits on the number of times you can call into support. Customers can also request a call back from support or request a meeting to demonstrate or work through an issue using a shared remote desktop session.</a:t>
-            </a:r>
-            <a:endParaRPr lang="en-US" sz="1000">
+              <a:t>고객은 지역별 지원 시간 동안 모든 P2, P3, P4 문제에 대해 전화를 통해 지원 사례를 제출할 수 있습니다. 지원을 요청할 수 있는 횟수에는 상한선이 없습니다. 고객은 또한 지원 팀에 콜백을 요청하거나 공유 원격 데스크탑 세션을 사용하여 문제를 시연하거나 해결하기 위한 회의를 요청할 수 있습니다.</a:t>
+            </a:r>
+            <a:endParaRPr lang="en-US" sz="1000" dirty="0">
               <a:latin typeface="Adobe Clean Light" panose="020B0303020404020204" pitchFamily="34" charset="0"/>
               <a:cs typeface="AdobeClean-Light"/>
             </a:endParaRPr>
@@ -8264,13 +7559,13 @@
               </a:spcAft>
             </a:pPr>
             <a:r>
-              <a:rPr lang="en-US" sz="1200" b="1" spc="-10">
+              <a:rPr lang="de-de" sz="1200" b="1" spc="-10" dirty="0">
                 <a:solidFill>
                   <a:srgbClr val="020302"/>
                 </a:solidFill>
                 <a:latin typeface="+mj-lt"/>
               </a:rPr>
-              <a:t>Live Telephone Support</a:t>
+              <a:t>실시간 전화 지원</a:t>
             </a:r>
           </a:p>
         </p:txBody>
@@ -8311,15 +7606,15 @@
               </a:spcBef>
             </a:pPr>
             <a:r>
-              <a:rPr lang="en-US" sz="1000">
+              <a:rPr lang="de-de" sz="1000" dirty="0">
                 <a:solidFill>
                   <a:srgbClr val="4B4B4B"/>
                 </a:solidFill>
                 <a:latin typeface="Adobe Clean Light" panose="020B0303020404020204" pitchFamily="34" charset="0"/>
               </a:rPr>
-              <a:t>A designated point of contact within Adobe who can provide escalation assistance, regular updates and ensure priority is given to your most critical open support requests.</a:t>
-            </a:r>
-            <a:endParaRPr lang="en-US" sz="1000">
+              <a:t>에스컬레이션 지원 및 정기 업데이트를 제공하고 진행 중인 지원 요청에서 가장 중요한 것에 우선 순위를 부여할 수 있는 Adobe 내의 지정된 담당자입니다.</a:t>
+            </a:r>
+            <a:endParaRPr lang="en-US" sz="1000" dirty="0">
               <a:latin typeface="Adobe Clean Light" panose="020B0303020404020204" pitchFamily="34" charset="0"/>
               <a:cs typeface="AdobeClean-Light"/>
             </a:endParaRPr>
@@ -8364,13 +7659,13 @@
               </a:spcAft>
             </a:pPr>
             <a:r>
-              <a:rPr lang="en-US" sz="1200" b="1" spc="-10">
+              <a:rPr lang="de-de" sz="1200" b="1" spc="-10" dirty="0">
                 <a:solidFill>
                   <a:srgbClr val="020302"/>
                 </a:solidFill>
                 <a:latin typeface="+mj-lt"/>
               </a:rPr>
-              <a:t>Escalation Management</a:t>
+              <a:t>에스컬레이션 관리</a:t>
             </a:r>
           </a:p>
         </p:txBody>
@@ -8418,12 +7713,12 @@
               <a:defRPr/>
             </a:pPr>
             <a:r>
-              <a:rPr lang="en-US" sz="1200">
+              <a:rPr lang="de-de" sz="1200" dirty="0">
                 <a:solidFill>
                   <a:srgbClr val="000000"/>
                 </a:solidFill>
               </a:rPr>
-              <a:t>Office Hours</a:t>
+              <a:t>오피스 아워</a:t>
             </a:r>
           </a:p>
         </p:txBody>
@@ -8466,12 +7761,12 @@
               </a:spcAft>
             </a:pPr>
             <a:r>
-              <a:rPr lang="en-US" sz="1200" b="1">
+              <a:rPr lang="de-de" sz="1200" b="1" dirty="0">
                 <a:latin typeface="+mj-lt"/>
                 <a:ea typeface="Open Sans" pitchFamily="34" charset="0"/>
                 <a:cs typeface="Open Sans" pitchFamily="34" charset="0"/>
               </a:rPr>
-              <a:t>Webinars</a:t>
+              <a:t>웨비나</a:t>
             </a:r>
           </a:p>
         </p:txBody>
@@ -8504,13 +7799,13 @@
           <a:lstStyle/>
           <a:p>
             <a:r>
-              <a:rPr lang="en-US" sz="1000">
+              <a:rPr lang="de-de" sz="1000" dirty="0">
                 <a:solidFill>
                   <a:srgbClr val="000000"/>
                 </a:solidFill>
                 <a:latin typeface="Adobe Clean Light" panose="020B0303020404020204" pitchFamily="34" charset="0"/>
               </a:rPr>
-              <a:t>Office Hours is an initiative led by the Adobe Customer Support team. These sessions are designed to inform as well as help participants troubleshoot problems and provide tips and tricks to be successful with Adobe Experience Cloud.</a:t>
+              <a:t>오피스 아워(Office Hours)는 Adobe 고객 지원 팀에서 진행하는 이니셔티브입니다. 이러한 세션은 참가자가 문제를 해결하도록 관련 정보를 제공하여 도움을 주고 Adobe Experience Cloud를 성공적으로 사용할 수 있는 팁과 요령을 제공하기 위해 설계되었습니다.</a:t>
             </a:r>
           </a:p>
         </p:txBody>
@@ -8553,12 +7848,12 @@
               </a:spcAft>
             </a:pPr>
             <a:r>
-              <a:rPr lang="en-US" sz="1200" b="1">
+              <a:rPr lang="de-de" sz="1200" b="1" dirty="0">
                 <a:latin typeface="+mj-lt"/>
                 <a:ea typeface="Open Sans" pitchFamily="34" charset="0"/>
                 <a:cs typeface="Open Sans" pitchFamily="34" charset="0"/>
               </a:rPr>
-              <a:t>24/7 Support Portal</a:t>
+              <a:t>24/7 지원 포털</a:t>
             </a:r>
           </a:p>
         </p:txBody>
@@ -8591,37 +7886,30 @@
           <a:lstStyle/>
           <a:p>
             <a:r>
-              <a:rPr lang="en-US" sz="1000">
+              <a:rPr lang="de-de" sz="1000" dirty="0">
                 <a:solidFill>
                   <a:srgbClr val="000000"/>
                 </a:solidFill>
                 <a:latin typeface="Adobe Clean Light" panose="020B0303020404020204" pitchFamily="34" charset="0"/>
               </a:rPr>
-              <a:t>On-demand access to the online </a:t>
-            </a:r>
-            <a:br>
-              <a:rPr lang="en-US" sz="1000">
+              <a:t>지원 요청을 제출하고 사례 상태를 검토하고 기술 자료, 뉴스 및 알림, 추천 팁 등과 같은 기타 리소스를 검색할 수 있는 온라인 </a:t>
+            </a:r>
+            <a:br/>
+            <a:r>
+              <a:rPr lang="de-de" sz="1000" dirty="0">
                 <a:solidFill>
                   <a:srgbClr val="000000"/>
                 </a:solidFill>
                 <a:latin typeface="Adobe Clean Light" panose="020B0303020404020204" pitchFamily="34" charset="0"/>
               </a:rPr>
-            </a:br>
-            <a:r>
-              <a:rPr lang="en-US" sz="1000">
-                <a:solidFill>
-                  <a:srgbClr val="000000"/>
-                </a:solidFill>
-                <a:latin typeface="Adobe Clean Light" panose="020B0303020404020204" pitchFamily="34" charset="0"/>
-              </a:rPr>
-              <a:t>Self-help Support Portal to submit support requests, review case status, and browse other resources, like our knowledgebase, news and alerts, featured tips, and more.</a:t>
+              <a:t>자가 진단 지원 포털에 대한 온디맨드 액세스입니다.</a:t>
             </a:r>
           </a:p>
         </p:txBody>
       </p:sp>
       <p:pic>
         <p:nvPicPr>
-          <p:cNvPr id="13" name="Graphic 12" descr="Playbook outline">
+          <p:cNvPr id="13" name="Graphic 12" descr="플레이북 개요">
             <a:extLst>
               <a:ext uri="{FF2B5EF4-FFF2-40B4-BE49-F238E27FC236}">
                 <a16:creationId xmlns:a16="http://schemas.microsoft.com/office/drawing/2014/main" id="{EA91EF06-4BFE-9B42-9A4B-1146BB3FDFD3}"/>
@@ -8660,7 +7948,7 @@
       </p:pic>
       <p:pic>
         <p:nvPicPr>
-          <p:cNvPr id="15" name="Graphic 14" descr="User outline">
+          <p:cNvPr id="15" name="Graphic 14" descr="사용자 개요">
             <a:extLst>
               <a:ext uri="{FF2B5EF4-FFF2-40B4-BE49-F238E27FC236}">
                 <a16:creationId xmlns:a16="http://schemas.microsoft.com/office/drawing/2014/main" id="{432C176A-FCAC-A645-A2E4-E6AD4A602868}"/>
@@ -8726,10 +8014,10 @@
           <a:lstStyle/>
           <a:p>
             <a:r>
-              <a:rPr lang="en-US" sz="1200" b="1">
+              <a:rPr lang="de-de" sz="1200" b="1" dirty="0">
                 <a:latin typeface="+mj-lt"/>
               </a:rPr>
-              <a:t>Business Services</a:t>
+              <a:t>비즈니스 서비스</a:t>
             </a:r>
           </a:p>
         </p:txBody>
@@ -8770,12 +8058,12 @@
               </a:spcBef>
             </a:pPr>
             <a:r>
-              <a:rPr lang="en-US" sz="1000">
+              <a:rPr lang="de-de" sz="1000" dirty="0">
                 <a:latin typeface="Adobe Clean Light" panose="020B0303020404020204" pitchFamily="34" charset="0"/>
               </a:rPr>
-              <a:t>An Account Support Lead will host webinars covering an overview of business support services.  </a:t>
-            </a:r>
-            <a:endParaRPr lang="en-US" sz="1000">
+              <a:t>계정 지원 리드가 비즈니스 지원 서비스의 개요를 다루는 웨비나를 진행합니다.  </a:t>
+            </a:r>
+            <a:endParaRPr lang="en-US" sz="1000" dirty="0">
               <a:latin typeface="Adobe Clean Light" panose="020B0303020404020204" pitchFamily="34" charset="0"/>
               <a:cs typeface="AdobeClean-Light"/>
             </a:endParaRPr>
@@ -8839,7 +8127,7 @@
       </p:sp>
       <p:pic>
         <p:nvPicPr>
-          <p:cNvPr id="8" name="Graphic 7" descr="Call center outline">
+          <p:cNvPr id="8" name="Graphic 7" descr="콜 센터 개요">
             <a:extLst>
               <a:ext uri="{FF2B5EF4-FFF2-40B4-BE49-F238E27FC236}">
                 <a16:creationId xmlns:a16="http://schemas.microsoft.com/office/drawing/2014/main" id="{76C5F4CC-9EB1-9A40-B7CD-9238D7CBD210}"/>
@@ -8878,7 +8166,7 @@
       </p:pic>
       <p:pic>
         <p:nvPicPr>
-          <p:cNvPr id="12" name="Graphic 11" descr="Chat bubble outline">
+          <p:cNvPr id="12" name="Graphic 11" descr="말풍선 개요">
             <a:extLst>
               <a:ext uri="{FF2B5EF4-FFF2-40B4-BE49-F238E27FC236}">
                 <a16:creationId xmlns:a16="http://schemas.microsoft.com/office/drawing/2014/main" id="{622BBF30-302E-BB48-9742-E046EB16E213}"/>
@@ -8917,7 +8205,7 @@
       </p:pic>
       <p:pic>
         <p:nvPicPr>
-          <p:cNvPr id="16" name="Graphic 15" descr="Compass outline">
+          <p:cNvPr id="16" name="Graphic 15" descr="나침반 개요">
             <a:extLst>
               <a:ext uri="{FF2B5EF4-FFF2-40B4-BE49-F238E27FC236}">
                 <a16:creationId xmlns:a16="http://schemas.microsoft.com/office/drawing/2014/main" id="{8D3635BD-68A2-174E-92F8-1EE608E3F409}"/>
@@ -8956,7 +8244,7 @@
       </p:pic>
       <p:pic>
         <p:nvPicPr>
-          <p:cNvPr id="18" name="Graphic 17" descr="Speaker phone outline">
+          <p:cNvPr id="18" name="Graphic 17" descr="스피커폰 개요">
             <a:extLst>
               <a:ext uri="{FF2B5EF4-FFF2-40B4-BE49-F238E27FC236}">
                 <a16:creationId xmlns:a16="http://schemas.microsoft.com/office/drawing/2014/main" id="{CD7C3546-DF6C-1748-9DE2-3DE0B393FD70}"/>
@@ -8995,7 +8283,7 @@
       </p:pic>
       <p:pic>
         <p:nvPicPr>
-          <p:cNvPr id="20" name="Graphic 19" descr="Customer review outline">
+          <p:cNvPr id="20" name="Graphic 19" descr="고객 리뷰 개요">
             <a:extLst>
               <a:ext uri="{FF2B5EF4-FFF2-40B4-BE49-F238E27FC236}">
                 <a16:creationId xmlns:a16="http://schemas.microsoft.com/office/drawing/2014/main" id="{88BA5AB9-C7BF-714C-B301-F3911BFCE82B}"/>
@@ -9034,7 +8322,7 @@
       </p:pic>
       <p:pic>
         <p:nvPicPr>
-          <p:cNvPr id="24" name="Graphic 23" descr="Signpost outline">
+          <p:cNvPr id="24" name="Graphic 23" descr="길잡이 개요">
             <a:extLst>
               <a:ext uri="{FF2B5EF4-FFF2-40B4-BE49-F238E27FC236}">
                 <a16:creationId xmlns:a16="http://schemas.microsoft.com/office/drawing/2014/main" id="{98A2CDD0-0973-5C41-9864-EAF96E20A224}"/>
@@ -9073,7 +8361,7 @@
       </p:pic>
       <p:pic>
         <p:nvPicPr>
-          <p:cNvPr id="26" name="Graphic 25" descr="Internet outline">
+          <p:cNvPr id="26" name="Graphic 25" descr="인터넷 개요">
             <a:extLst>
               <a:ext uri="{FF2B5EF4-FFF2-40B4-BE49-F238E27FC236}">
                 <a16:creationId xmlns:a16="http://schemas.microsoft.com/office/drawing/2014/main" id="{D97D0963-4E70-534E-A452-83995F1FACDE}"/>
@@ -9112,7 +8400,7 @@
       </p:pic>
       <p:pic>
         <p:nvPicPr>
-          <p:cNvPr id="28" name="Graphic 27" descr="Remote learning language outline">
+          <p:cNvPr id="28" name="Graphic 27" descr="원격 학습 언어 개요">
             <a:extLst>
               <a:ext uri="{FF2B5EF4-FFF2-40B4-BE49-F238E27FC236}">
                 <a16:creationId xmlns:a16="http://schemas.microsoft.com/office/drawing/2014/main" id="{5F425BA3-573C-1A4A-9418-FC3AB02B28C2}"/>
@@ -9247,12 +8535,12 @@
               <a:defRPr/>
             </a:pPr>
             <a:r>
-              <a:rPr lang="en-US" sz="1200">
+              <a:rPr lang="de-de" sz="1200" dirty="0">
                 <a:solidFill>
                   <a:srgbClr val="000000"/>
                 </a:solidFill>
               </a:rPr>
-              <a:t>Self– Help Portal</a:t>
+              <a:t>자가 진단 포털</a:t>
             </a:r>
           </a:p>
         </p:txBody>
@@ -9300,7 +8588,7 @@
               <a:defRPr/>
             </a:pPr>
             <a:r>
-              <a:rPr lang="en-US" sz="1200">
+              <a:rPr lang="de-de" sz="1200" dirty="0">
                 <a:solidFill>
                   <a:srgbClr val="000000"/>
                 </a:solidFill>
@@ -9362,17 +8650,17 @@
               </a:lnSpc>
             </a:pPr>
             <a:r>
-              <a:rPr sz="500" spc="-5">
+              <a:rPr lang="de-de" sz="500" spc="-5" dirty="0">
                 <a:solidFill>
                   <a:srgbClr val="6C6C6C"/>
                 </a:solidFill>
                 <a:latin typeface="Adobe Clean"/>
                 <a:cs typeface="Adobe Clean"/>
               </a:rPr>
-              <a:t>©2020 Adobe. All Rights Reserved. </a:t>
-            </a:r>
-            <a:r>
-              <a:rPr sz="500">
+              <a:t>© 2020 Adobe.  All Rights Reserved. </a:t>
+            </a:r>
+            <a:r>
+              <a:rPr lang="de-de" sz="500" dirty="0">
                 <a:solidFill>
                   <a:srgbClr val="6C6C6C"/>
                 </a:solidFill>
@@ -9382,7 +8670,7 @@
               <a:t>Adobe</a:t>
             </a:r>
             <a:r>
-              <a:rPr sz="500" spc="5">
+              <a:rPr lang="de-de" sz="500" spc="5" dirty="0">
                 <a:solidFill>
                   <a:srgbClr val="6C6C6C"/>
                 </a:solidFill>
@@ -9392,14 +8680,14 @@
               <a:t> </a:t>
             </a:r>
             <a:r>
-              <a:rPr sz="500" spc="-5">
+              <a:rPr lang="de-de" sz="500" spc="-5" dirty="0">
                 <a:solidFill>
                   <a:srgbClr val="6C6C6C"/>
                 </a:solidFill>
                 <a:latin typeface="Adobe Clean"/>
                 <a:cs typeface="Adobe Clean"/>
               </a:rPr>
-              <a:t>Confidential.</a:t>
+              <a:t>기밀.</a:t>
             </a:r>
             <a:endParaRPr sz="500">
               <a:latin typeface="Adobe Clean"/>
@@ -9430,17 +8718,17 @@
               </a:spcBef>
             </a:pPr>
             <a:r>
-              <a:rPr sz="800" spc="-5">
+              <a:rPr lang="de-de" sz="800" spc="-5" dirty="0">
                 <a:solidFill>
                   <a:srgbClr val="6D6D6D"/>
                 </a:solidFill>
                 <a:latin typeface="Adobe Clean"/>
                 <a:cs typeface="Adobe Clean"/>
               </a:rPr>
-              <a:t>©2020 Adobe. All Rights Reserved. Adobe</a:t>
-            </a:r>
-            <a:r>
-              <a:rPr sz="800" spc="75">
+              <a:t>© 2020 Adobe.  All Rights Reserved. Adobe</a:t>
+            </a:r>
+            <a:r>
+              <a:rPr lang="de-de" sz="800" spc="75" dirty="0">
                 <a:solidFill>
                   <a:srgbClr val="6D6D6D"/>
                 </a:solidFill>
@@ -9450,14 +8738,14 @@
               <a:t> </a:t>
             </a:r>
             <a:r>
-              <a:rPr sz="800" spc="-5">
+              <a:rPr lang="de-de" sz="800" spc="-5" dirty="0">
                 <a:solidFill>
                   <a:srgbClr val="6D6D6D"/>
                 </a:solidFill>
                 <a:latin typeface="Adobe Clean"/>
                 <a:cs typeface="Adobe Clean"/>
               </a:rPr>
-              <a:t>Confidential.</a:t>
+              <a:t>기밀.</a:t>
             </a:r>
             <a:endParaRPr sz="800">
               <a:latin typeface="Adobe Clean"/>
@@ -9546,16 +8834,16 @@
               </a:spcBef>
             </a:pPr>
             <a:r>
-              <a:rPr lang="en-US" sz="1400" b="1" spc="-15">
+              <a:rPr lang="de-de" sz="1400" b="1" spc="-15" dirty="0">
                 <a:solidFill>
                   <a:srgbClr val="020302"/>
                 </a:solidFill>
                 <a:latin typeface="Adobe Clean"/>
                 <a:cs typeface="Adobe Clean"/>
               </a:rPr>
-              <a:t>Resources</a:t>
-            </a:r>
-            <a:endParaRPr sz="1400">
+              <a:t>리소스</a:t>
+            </a:r>
+            <a:endParaRPr sz="1400" dirty="0">
               <a:latin typeface="Adobe Clean"/>
               <a:cs typeface="Adobe Clean"/>
             </a:endParaRPr>
@@ -9592,7 +8880,7 @@
               </a:spcBef>
             </a:pPr>
             <a:r>
-              <a:rPr sz="800" spc="-15">
+              <a:rPr lang="de-de" sz="800" spc="-15" dirty="0">
                 <a:solidFill>
                   <a:srgbClr val="777879"/>
                 </a:solidFill>
@@ -9613,7 +8901,7 @@
               </a:lnSpc>
             </a:pPr>
             <a:r>
-              <a:rPr sz="800" spc="-15">
+              <a:rPr lang="de-de" sz="800" spc="-15" dirty="0">
                 <a:solidFill>
                   <a:srgbClr val="777879"/>
                 </a:solidFill>
@@ -9623,7 +8911,7 @@
               <a:t>345 Park</a:t>
             </a:r>
             <a:r>
-              <a:rPr sz="800" spc="-100">
+              <a:rPr lang="de-de" sz="800" spc="-100" dirty="0">
                 <a:solidFill>
                   <a:srgbClr val="777879"/>
                 </a:solidFill>
@@ -9633,7 +8921,7 @@
               <a:t> </a:t>
             </a:r>
             <a:r>
-              <a:rPr sz="800" spc="-15">
+              <a:rPr lang="de-de" sz="800" spc="-15" dirty="0">
                 <a:solidFill>
                   <a:srgbClr val="777879"/>
                 </a:solidFill>
@@ -9654,7 +8942,7 @@
               </a:lnSpc>
             </a:pPr>
             <a:r>
-              <a:rPr sz="800" spc="-10">
+              <a:rPr lang="de-de" sz="800" spc="-10" dirty="0">
                 <a:solidFill>
                   <a:srgbClr val="777879"/>
                 </a:solidFill>
@@ -9664,7 +8952,7 @@
               <a:t>San </a:t>
             </a:r>
             <a:r>
-              <a:rPr sz="800" spc="-15">
+              <a:rPr lang="de-de" sz="800" spc="-15" dirty="0">
                 <a:solidFill>
                   <a:srgbClr val="777879"/>
                 </a:solidFill>
@@ -9674,7 +8962,7 @@
               <a:t>Jose,</a:t>
             </a:r>
             <a:r>
-              <a:rPr sz="800" spc="-140">
+              <a:rPr lang="de-de" sz="800" spc="-140" dirty="0">
                 <a:solidFill>
                   <a:srgbClr val="777879"/>
                 </a:solidFill>
@@ -9684,7 +8972,7 @@
               <a:t> </a:t>
             </a:r>
             <a:r>
-              <a:rPr sz="800" spc="-20">
+              <a:rPr lang="de-de" sz="800" spc="-20" dirty="0">
                 <a:solidFill>
                   <a:srgbClr val="777879"/>
                 </a:solidFill>
@@ -9708,7 +8996,7 @@
               </a:spcBef>
             </a:pPr>
             <a:r>
-              <a:rPr sz="800" spc="-10">
+              <a:rPr lang="de-de" sz="800" spc="-10" dirty="0">
                 <a:solidFill>
                   <a:srgbClr val="777879"/>
                 </a:solidFill>
@@ -9732,7 +9020,7 @@
               </a:spcBef>
             </a:pPr>
             <a:r>
-              <a:rPr sz="800" u="sng" spc="-25">
+              <a:rPr lang="de-de" sz="800" u="sng" spc="-25" dirty="0">
                 <a:solidFill>
                   <a:srgbClr val="5F5F5F"/>
                 </a:solidFill>
@@ -9745,7 +9033,7 @@
                 <a:cs typeface="Adobe Clean"/>
                 <a:hlinkClick r:id="rId3"/>
               </a:rPr>
-              <a:t>www.adobe.com</a:t>
+              <a:t>www.adobe.com/kr/</a:t>
             </a:r>
             <a:endParaRPr sz="800">
               <a:latin typeface="Adobe Clean"/>
@@ -9925,17 +9213,17 @@
               </a:spcBef>
             </a:pPr>
             <a:r>
-              <a:rPr sz="1100" i="1" spc="-10">
+              <a:rPr lang="de-de" sz="1100" i="1" spc="-10" dirty="0">
                 <a:solidFill>
                   <a:srgbClr val="777879"/>
                 </a:solidFill>
                 <a:latin typeface="AdobeClean-LightIt"/>
                 <a:cs typeface="AdobeClean-LightIt"/>
               </a:rPr>
-              <a:t>To</a:t>
-            </a:r>
-            <a:r>
-              <a:rPr sz="1100" i="1" spc="-50">
+              <a:t>Adobe</a:t>
+            </a:r>
+            <a:r>
+              <a:rPr lang="de-de" sz="1100" i="1" spc="-50" dirty="0">
                 <a:solidFill>
                   <a:srgbClr val="777879"/>
                 </a:solidFill>
@@ -9945,17 +9233,17 @@
               <a:t> </a:t>
             </a:r>
             <a:r>
-              <a:rPr sz="1100" i="1" spc="-15">
+              <a:rPr lang="de-de" sz="1100" i="1" spc="-15" dirty="0">
                 <a:solidFill>
                   <a:srgbClr val="777879"/>
                 </a:solidFill>
                 <a:latin typeface="AdobeClean-LightIt"/>
                 <a:cs typeface="AdobeClean-LightIt"/>
               </a:rPr>
-              <a:t>learn</a:t>
-            </a:r>
-            <a:r>
-              <a:rPr sz="1100" i="1" spc="-40">
+              <a:t>지원</a:t>
+            </a:r>
+            <a:r>
+              <a:rPr lang="de-de" sz="1100" i="1" spc="-40" dirty="0">
                 <a:solidFill>
                   <a:srgbClr val="777879"/>
                 </a:solidFill>
@@ -9965,17 +9253,17 @@
               <a:t> </a:t>
             </a:r>
             <a:r>
-              <a:rPr sz="1100" i="1" spc="-15">
+              <a:rPr lang="de-de" sz="1100" i="1" spc="-15" dirty="0">
                 <a:solidFill>
                   <a:srgbClr val="777879"/>
                 </a:solidFill>
                 <a:latin typeface="AdobeClean-LightIt"/>
                 <a:cs typeface="AdobeClean-LightIt"/>
               </a:rPr>
-              <a:t>more</a:t>
-            </a:r>
-            <a:r>
-              <a:rPr sz="1100" i="1" spc="-45">
+              <a:t>서비스</a:t>
+            </a:r>
+            <a:r>
+              <a:rPr lang="de-de" sz="1100" i="1" spc="-45" dirty="0">
                 <a:solidFill>
                   <a:srgbClr val="777879"/>
                 </a:solidFill>
@@ -9985,17 +9273,17 @@
               <a:t> </a:t>
             </a:r>
             <a:r>
-              <a:rPr sz="1100" i="1" spc="-15">
+              <a:rPr lang="de-de" sz="1100" i="1" spc="-15" dirty="0">
                 <a:solidFill>
                   <a:srgbClr val="777879"/>
                 </a:solidFill>
                 <a:latin typeface="AdobeClean-LightIt"/>
                 <a:cs typeface="AdobeClean-LightIt"/>
               </a:rPr>
-              <a:t>about</a:t>
-            </a:r>
-            <a:r>
-              <a:rPr sz="1100" i="1" spc="-45">
+              <a:t>제공</a:t>
+            </a:r>
+            <a:r>
+              <a:rPr lang="de-de" sz="1100" i="1" spc="-45" dirty="0">
                 <a:solidFill>
                   <a:srgbClr val="777879"/>
                 </a:solidFill>
@@ -10005,17 +9293,17 @@
               <a:t> </a:t>
             </a:r>
             <a:r>
-              <a:rPr sz="1100" i="1" spc="-15">
+              <a:rPr lang="de-de" sz="1100" i="1" spc="-15" dirty="0">
                 <a:solidFill>
                   <a:srgbClr val="777879"/>
                 </a:solidFill>
                 <a:latin typeface="AdobeClean-LightIt"/>
                 <a:cs typeface="AdobeClean-LightIt"/>
               </a:rPr>
-              <a:t>Adobe</a:t>
-            </a:r>
-            <a:r>
-              <a:rPr sz="1100" i="1" spc="-50">
+              <a:t>사항</a:t>
+            </a:r>
+            <a:r>
+              <a:rPr lang="de-de" sz="1100" i="1" spc="-50" dirty="0">
                 <a:solidFill>
                   <a:srgbClr val="777879"/>
                 </a:solidFill>
@@ -10025,27 +9313,27 @@
               <a:t> </a:t>
             </a:r>
             <a:r>
-              <a:rPr sz="1100" i="1" spc="-15">
+              <a:rPr lang="de-de" sz="1100" i="1" spc="-15" dirty="0">
                 <a:solidFill>
                   <a:srgbClr val="777879"/>
                 </a:solidFill>
                 <a:latin typeface="AdobeClean-LightIt"/>
                 <a:cs typeface="AdobeClean-LightIt"/>
               </a:rPr>
-              <a:t>Support</a:t>
-            </a:r>
-            <a:r>
-              <a:rPr lang="en-US" sz="1100" i="1" spc="-15">
+              <a:t>및 </a:t>
+            </a:r>
+            <a:r>
+              <a:rPr lang="de-de" sz="1100" i="1" spc="-75" dirty="0">
                 <a:solidFill>
                   <a:srgbClr val="777879"/>
                 </a:solidFill>
                 <a:latin typeface="AdobeClean-LightIt"/>
                 <a:cs typeface="AdobeClean-LightIt"/>
               </a:rPr>
-              <a:t> Offerings</a:t>
-            </a:r>
-            <a:r>
-              <a:rPr sz="1100" i="1" spc="-75">
+              <a:t>적합한</a:t>
+            </a:r>
+            <a:r>
+              <a:rPr lang="de-de" sz="1100" i="1" spc="-15" dirty="0">
                 <a:solidFill>
                   <a:srgbClr val="777879"/>
                 </a:solidFill>
@@ -10055,17 +9343,17 @@
               <a:t> </a:t>
             </a:r>
             <a:r>
-              <a:rPr sz="1100" i="1" spc="-15">
+              <a:rPr lang="de-de" sz="1100" i="1" spc="-50" dirty="0">
                 <a:solidFill>
                   <a:srgbClr val="777879"/>
                 </a:solidFill>
                 <a:latin typeface="AdobeClean-LightIt"/>
                 <a:cs typeface="AdobeClean-LightIt"/>
               </a:rPr>
-              <a:t>and</a:t>
-            </a:r>
-            <a:r>
-              <a:rPr sz="1100" i="1" spc="-50">
+              <a:t>지원</a:t>
+            </a:r>
+            <a:r>
+              <a:rPr lang="de-de" sz="1100" i="1" spc="-15" dirty="0">
                 <a:solidFill>
                   <a:srgbClr val="777879"/>
                 </a:solidFill>
@@ -10075,17 +9363,17 @@
               <a:t> </a:t>
             </a:r>
             <a:r>
-              <a:rPr sz="1100" i="1" spc="-15">
+              <a:rPr lang="de-de" sz="1100" i="1" spc="-55" dirty="0">
                 <a:solidFill>
                   <a:srgbClr val="777879"/>
                 </a:solidFill>
                 <a:latin typeface="AdobeClean-LightIt"/>
                 <a:cs typeface="AdobeClean-LightIt"/>
               </a:rPr>
-              <a:t>the</a:t>
-            </a:r>
-            <a:r>
-              <a:rPr sz="1100" i="1" spc="-55">
+              <a:t>수준에</a:t>
+            </a:r>
+            <a:r>
+              <a:rPr lang="de-de" sz="1100" i="1" spc="-15" dirty="0">
                 <a:solidFill>
                   <a:srgbClr val="777879"/>
                 </a:solidFill>
@@ -10095,17 +9383,17 @@
               <a:t> </a:t>
             </a:r>
             <a:r>
-              <a:rPr sz="1100" i="1" spc="-15">
+              <a:rPr lang="de-de" sz="1100" i="1" spc="-95" dirty="0">
                 <a:solidFill>
                   <a:srgbClr val="777879"/>
                 </a:solidFill>
                 <a:latin typeface="AdobeClean-LightIt"/>
                 <a:cs typeface="AdobeClean-LightIt"/>
               </a:rPr>
-              <a:t>right</a:t>
-            </a:r>
-            <a:r>
-              <a:rPr sz="1100" i="1" spc="-95">
+              <a:t>대해</a:t>
+            </a:r>
+            <a:r>
+              <a:rPr lang="de-de" sz="1100" i="1" spc="-15" dirty="0">
                 <a:solidFill>
                   <a:srgbClr val="777879"/>
                 </a:solidFill>
@@ -10115,17 +9403,17 @@
               <a:t> </a:t>
             </a:r>
             <a:r>
-              <a:rPr sz="1100" i="1" spc="-15">
+              <a:rPr lang="de-de" sz="1100" i="1" spc="-55" dirty="0">
                 <a:solidFill>
                   <a:srgbClr val="777879"/>
                 </a:solidFill>
                 <a:latin typeface="AdobeClean-LightIt"/>
                 <a:cs typeface="AdobeClean-LightIt"/>
               </a:rPr>
-              <a:t>level</a:t>
-            </a:r>
-            <a:r>
-              <a:rPr sz="1100" i="1" spc="-55">
+              <a:t>자세히</a:t>
+            </a:r>
+            <a:r>
+              <a:rPr lang="de-de" sz="1100" i="1" spc="-15" dirty="0">
                 <a:solidFill>
                   <a:srgbClr val="777879"/>
                 </a:solidFill>
@@ -10135,17 +9423,17 @@
               <a:t> </a:t>
             </a:r>
             <a:r>
-              <a:rPr sz="1100" i="1" spc="-15">
+              <a:rPr lang="de-de" sz="1100" i="1" spc="-85" dirty="0">
                 <a:solidFill>
                   <a:srgbClr val="777879"/>
                 </a:solidFill>
                 <a:latin typeface="AdobeClean-LightIt"/>
                 <a:cs typeface="AdobeClean-LightIt"/>
               </a:rPr>
-              <a:t>for</a:t>
-            </a:r>
-            <a:r>
-              <a:rPr sz="1100" i="1" spc="-85">
+              <a:t>알아보려면</a:t>
+            </a:r>
+            <a:r>
+              <a:rPr lang="de-de" sz="1100" i="1" spc="-15" dirty="0">
                 <a:solidFill>
                   <a:srgbClr val="777879"/>
                 </a:solidFill>
@@ -10155,17 +9443,17 @@
               <a:t> </a:t>
             </a:r>
             <a:r>
-              <a:rPr sz="1100" i="1" spc="-15">
+              <a:rPr lang="de-de" sz="1100" i="1" spc="-65" dirty="0">
                 <a:solidFill>
                   <a:srgbClr val="777879"/>
                 </a:solidFill>
                 <a:latin typeface="AdobeClean-LightIt"/>
                 <a:cs typeface="AdobeClean-LightIt"/>
               </a:rPr>
-              <a:t>you,</a:t>
-            </a:r>
-            <a:r>
-              <a:rPr sz="1100" i="1" spc="-65">
+              <a:t>지정</a:t>
+            </a:r>
+            <a:r>
+              <a:rPr lang="de-de" sz="1100" i="1" spc="-15" dirty="0">
                 <a:solidFill>
                   <a:srgbClr val="777879"/>
                 </a:solidFill>
@@ -10175,17 +9463,17 @@
               <a:t> </a:t>
             </a:r>
             <a:r>
-              <a:rPr sz="1100" i="1" spc="-15">
+              <a:rPr lang="de-de" sz="1100" i="1" spc="-85" dirty="0">
                 <a:solidFill>
                   <a:srgbClr val="777879"/>
                 </a:solidFill>
                 <a:latin typeface="AdobeClean-LightIt"/>
                 <a:cs typeface="AdobeClean-LightIt"/>
               </a:rPr>
-              <a:t>contact</a:t>
-            </a:r>
-            <a:r>
-              <a:rPr sz="1100" i="1" spc="-85">
+              <a:t>계정</a:t>
+            </a:r>
+            <a:r>
+              <a:rPr lang="de-de" sz="1100" i="1" spc="-15" dirty="0">
                 <a:solidFill>
                   <a:srgbClr val="777879"/>
                 </a:solidFill>
@@ -10195,17 +9483,17 @@
               <a:t> </a:t>
             </a:r>
             <a:r>
-              <a:rPr sz="1100" i="1" spc="-15">
+              <a:rPr lang="de-de" sz="1100" i="1" spc="-70" dirty="0">
                 <a:solidFill>
                   <a:srgbClr val="777879"/>
                 </a:solidFill>
                 <a:latin typeface="AdobeClean-LightIt"/>
                 <a:cs typeface="AdobeClean-LightIt"/>
               </a:rPr>
-              <a:t>your</a:t>
-            </a:r>
-            <a:r>
-              <a:rPr sz="1100" i="1" spc="-70">
+              <a:t>관리자(NAM)</a:t>
+            </a:r>
+            <a:r>
+              <a:rPr lang="de-de" sz="1100" i="1" spc="-15" dirty="0">
                 <a:solidFill>
                   <a:srgbClr val="777879"/>
                 </a:solidFill>
@@ -10215,17 +9503,17 @@
               <a:t> </a:t>
             </a:r>
             <a:r>
-              <a:rPr sz="1100" i="1" spc="-15">
+              <a:rPr lang="de-de" sz="1100" i="1" spc="-55" dirty="0">
                 <a:solidFill>
                   <a:srgbClr val="777879"/>
                 </a:solidFill>
                 <a:latin typeface="AdobeClean-LightIt"/>
                 <a:cs typeface="AdobeClean-LightIt"/>
               </a:rPr>
-              <a:t>Named</a:t>
-            </a:r>
-            <a:r>
-              <a:rPr sz="1100" i="1" spc="-55">
+              <a:t>또는</a:t>
+            </a:r>
+            <a:r>
+              <a:rPr lang="de-de" sz="1100" i="1" spc="-25" dirty="0">
                 <a:solidFill>
                   <a:srgbClr val="777879"/>
                 </a:solidFill>
@@ -10235,17 +9523,17 @@
               <a:t> </a:t>
             </a:r>
             <a:r>
-              <a:rPr sz="1100" i="1" spc="-25">
+              <a:rPr lang="de-de" sz="1100" i="1" spc="-120" dirty="0">
                 <a:solidFill>
                   <a:srgbClr val="777879"/>
                 </a:solidFill>
                 <a:latin typeface="AdobeClean-LightIt"/>
                 <a:cs typeface="AdobeClean-LightIt"/>
               </a:rPr>
-              <a:t>Account</a:t>
-            </a:r>
-            <a:r>
-              <a:rPr sz="1100" i="1" spc="-120">
+              <a:t>고객</a:t>
+            </a:r>
+            <a:r>
+              <a:rPr lang="de-de" sz="1100" i="1" spc="-20" dirty="0">
                 <a:solidFill>
                   <a:srgbClr val="777879"/>
                 </a:solidFill>
@@ -10255,57 +9543,17 @@
               <a:t> </a:t>
             </a:r>
             <a:r>
-              <a:rPr sz="1100" i="1" spc="-20">
+              <a:rPr lang="de-de" sz="1100" i="1" spc="-15" dirty="0">
                 <a:solidFill>
                   <a:srgbClr val="777879"/>
                 </a:solidFill>
                 <a:latin typeface="AdobeClean-LightIt"/>
                 <a:cs typeface="AdobeClean-LightIt"/>
               </a:rPr>
-              <a:t>Manager  </a:t>
-            </a:r>
-            <a:r>
-              <a:rPr sz="1100" i="1" spc="-15">
-                <a:solidFill>
-                  <a:srgbClr val="777879"/>
-                </a:solidFill>
-                <a:latin typeface="AdobeClean-LightIt"/>
-                <a:cs typeface="AdobeClean-LightIt"/>
-              </a:rPr>
-              <a:t>(NAM) </a:t>
-            </a:r>
-            <a:r>
-              <a:rPr sz="1100" i="1" spc="-10">
-                <a:solidFill>
-                  <a:srgbClr val="777879"/>
-                </a:solidFill>
-                <a:latin typeface="AdobeClean-LightIt"/>
-                <a:cs typeface="AdobeClean-LightIt"/>
-              </a:rPr>
-              <a:t>or </a:t>
-            </a:r>
-            <a:r>
-              <a:rPr sz="1100" i="1" spc="-15">
-                <a:solidFill>
-                  <a:srgbClr val="777879"/>
-                </a:solidFill>
-                <a:latin typeface="AdobeClean-LightIt"/>
-                <a:cs typeface="AdobeClean-LightIt"/>
-              </a:rPr>
-              <a:t>Customer </a:t>
-            </a:r>
-            <a:r>
-              <a:rPr sz="1100" i="1" spc="-20">
-                <a:solidFill>
-                  <a:srgbClr val="777879"/>
-                </a:solidFill>
-                <a:latin typeface="AdobeClean-LightIt"/>
-                <a:cs typeface="AdobeClean-LightIt"/>
-              </a:rPr>
-              <a:t>Success</a:t>
-            </a:r>
-            <a:r>
-              <a:rPr sz="1100" i="1" spc="-180">
+              <a:t>성공</a:t>
+            </a:r>
+            <a:r>
+              <a:rPr lang="de-de" sz="1100" i="1" spc="-10" dirty="0">
                 <a:solidFill>
                   <a:srgbClr val="777879"/>
                 </a:solidFill>
@@ -10315,16 +9563,36 @@
               <a:t> </a:t>
             </a:r>
             <a:r>
-              <a:rPr sz="1100" i="1" spc="-15">
+              <a:rPr lang="de-de" sz="1100" i="1" spc="-15" dirty="0">
                 <a:solidFill>
                   <a:srgbClr val="777879"/>
                 </a:solidFill>
                 <a:latin typeface="AdobeClean-LightIt"/>
                 <a:cs typeface="AdobeClean-LightIt"/>
               </a:rPr>
-              <a:t>Manager(CSM)</a:t>
-            </a:r>
-            <a:endParaRPr sz="1100">
+              <a:t>관리자(CSM)에게</a:t>
+            </a:r>
+            <a:r>
+              <a:rPr lang="de-de" sz="1100" i="1" spc="-20" dirty="0">
+                <a:solidFill>
+                  <a:srgbClr val="777879"/>
+                </a:solidFill>
+                <a:latin typeface="AdobeClean-LightIt"/>
+                <a:cs typeface="AdobeClean-LightIt"/>
+              </a:rPr>
+              <a:t> </a:t>
+            </a:r>
+            <a:r>
+              <a:rPr lang="de-de" sz="1100" i="1" spc="-180" dirty="0">
+                <a:solidFill>
+                  <a:srgbClr val="777879"/>
+                </a:solidFill>
+                <a:latin typeface="AdobeClean-LightIt"/>
+                <a:cs typeface="AdobeClean-LightIt"/>
+              </a:rPr>
+              <a:t>문의하십시오.</a:t>
+            </a:r>
+            <a:endParaRPr sz="1100" dirty="0">
               <a:latin typeface="AdobeClean-LightIt"/>
               <a:cs typeface="AdobeClean-LightIt"/>
             </a:endParaRPr>
@@ -10339,37 +9607,17 @@
               </a:spcBef>
             </a:pPr>
             <a:r>
-              <a:rPr sz="800" spc="-5">
+              <a:rPr lang="de-de" sz="800" spc="-5" dirty="0">
                 <a:solidFill>
                   <a:srgbClr val="6D6D6D"/>
                 </a:solidFill>
                 <a:latin typeface="Adobe Clean"/>
                 <a:cs typeface="Adobe Clean"/>
               </a:rPr>
-              <a:t>©202</a:t>
-            </a:r>
-            <a:r>
-              <a:rPr lang="en-US" sz="800" spc="-5">
-                <a:solidFill>
-                  <a:srgbClr val="6D6D6D"/>
-                </a:solidFill>
-                <a:latin typeface="Adobe Clean"/>
-                <a:cs typeface="Adobe Clean"/>
-              </a:rPr>
-              <a:t>1</a:t>
-            </a:r>
-            <a:r>
-              <a:rPr sz="800" spc="-5">
-                <a:solidFill>
-                  <a:srgbClr val="6D6D6D"/>
-                </a:solidFill>
-                <a:latin typeface="Adobe Clean"/>
-                <a:cs typeface="Adobe Clean"/>
-              </a:rPr>
-              <a:t> Adobe. All Rights Reserved. Adobe</a:t>
-            </a:r>
-            <a:r>
-              <a:rPr sz="800" spc="75">
+              <a:t>©2021 Adobe. All Rights Reserved. Adobe</a:t>
+            </a:r>
+            <a:r>
+              <a:rPr lang="de-de" sz="800" spc="75" dirty="0">
                 <a:solidFill>
                   <a:srgbClr val="6D6D6D"/>
                 </a:solidFill>
@@ -10379,16 +9627,16 @@
               <a:t> </a:t>
             </a:r>
             <a:r>
-              <a:rPr sz="800" spc="-5">
+              <a:rPr lang="de-de" sz="800" spc="-5" dirty="0">
                 <a:solidFill>
                   <a:srgbClr val="6D6D6D"/>
                 </a:solidFill>
                 <a:latin typeface="Adobe Clean"/>
                 <a:cs typeface="Adobe Clean"/>
               </a:rPr>
-              <a:t>Confidential.</a:t>
-            </a:r>
-            <a:endParaRPr sz="800">
+              <a:t>기밀.</a:t>
+            </a:r>
+            <a:endParaRPr sz="800" dirty="0">
               <a:latin typeface="Adobe Clean"/>
               <a:cs typeface="Adobe Clean"/>
             </a:endParaRPr>
@@ -10409,7 +9657,7 @@
         </p:nvSpPr>
         <p:spPr>
           <a:xfrm>
-            <a:off x="197233" y="5031270"/>
+            <a:off x="171129" y="5057379"/>
             <a:ext cx="6476646" cy="755976"/>
           </a:xfrm>
           <a:prstGeom prst="rect">
@@ -10417,47 +9665,157 @@
           </a:prstGeom>
         </p:spPr>
         <p:txBody>
-          <a:bodyPr vert="horz" wrap="square" lIns="0" tIns="116205" rIns="0" bIns="0" rtlCol="0" anchor="t">
+          <a:bodyPr vert="horz" wrap="square" lIns="0" tIns="116205" rIns="0" bIns="0" rtlCol="0">
             <a:spAutoFit/>
           </a:bodyPr>
           <a:lstStyle/>
           <a:p>
-            <a:pPr>
+            <a:pPr lvl="0">
               <a:spcBef>
                 <a:spcPts val="915"/>
               </a:spcBef>
             </a:pPr>
             <a:r>
-              <a:rPr lang="en-US" sz="1400" b="1" spc="-15">
+              <a:rPr lang="en-US" altLang="ko-KR" sz="1400" b="1" spc="-15" dirty="0">
                 <a:solidFill>
                   <a:srgbClr val="020302"/>
                 </a:solidFill>
                 <a:latin typeface="Adobe Clean"/>
                 <a:cs typeface="Adobe Clean"/>
               </a:rPr>
-              <a:t>Regional scope of Adobe Support, Local Hours Of Operation And Language Support</a:t>
-            </a:r>
-            <a:endParaRPr lang="en-US" sz="1400" spc="-15">
-              <a:ea typeface="+mn-lt"/>
-              <a:cs typeface="+mn-lt"/>
+              <a:t>Adobe </a:t>
+            </a:r>
+            <a:r>
+              <a:rPr lang="ko-KR" altLang="en-US" sz="1400" b="1" spc="-15" dirty="0">
+                <a:solidFill>
+                  <a:srgbClr val="020302"/>
+                </a:solidFill>
+                <a:latin typeface="Adobe Clean"/>
+                <a:cs typeface="Adobe Clean"/>
+              </a:rPr>
+              <a:t>지원의 지역적 범위</a:t>
+            </a:r>
+            <a:r>
+              <a:rPr lang="en-US" altLang="ko-KR" sz="1400" b="1" spc="-15" dirty="0">
+                <a:solidFill>
+                  <a:srgbClr val="020302"/>
+                </a:solidFill>
+                <a:latin typeface="Adobe Clean"/>
+                <a:cs typeface="Adobe Clean"/>
+              </a:rPr>
+              <a:t>, </a:t>
+            </a:r>
+            <a:r>
+              <a:rPr lang="ko-KR" altLang="en-US" sz="1400" b="1" spc="-15" dirty="0">
+                <a:solidFill>
+                  <a:srgbClr val="020302"/>
+                </a:solidFill>
+                <a:latin typeface="Adobe Clean"/>
+                <a:cs typeface="Adobe Clean"/>
+              </a:rPr>
+              <a:t>로컬 운영 시간 및 언어 지원</a:t>
+            </a:r>
+            <a:endParaRPr lang="pl-PL" altLang="ko-KR" sz="1400" b="1" spc="-15" dirty="0">
+              <a:solidFill>
+                <a:srgbClr val="020302"/>
+              </a:solidFill>
+              <a:latin typeface="Adobe Clean"/>
+              <a:cs typeface="Adobe Clean"/>
             </a:endParaRPr>
           </a:p>
           <a:p>
-            <a:pPr>
+            <a:pPr lvl="0">
               <a:spcBef>
                 <a:spcPts val="915"/>
               </a:spcBef>
             </a:pPr>
             <a:r>
-              <a:rPr lang="en-US" sz="1000" spc="-15">
+              <a:rPr lang="en-US" altLang="ko-KR" sz="1000" spc="-15" dirty="0">
                 <a:solidFill>
                   <a:srgbClr val="1F1F1F"/>
                 </a:solidFill>
                 <a:latin typeface="AdobeClean-Light"/>
               </a:rPr>
-              <a:t>The Regional scope of Adobe Support is established by aligning the customer's billing address (via the Sales Order or other Adobe Support purchasing document) to one of the following regions:</a:t>
-            </a:r>
-            <a:endParaRPr lang="en-US"/>
+              <a:t>Adobe </a:t>
+            </a:r>
+            <a:r>
+              <a:rPr lang="ko-KR" altLang="en-US" sz="1000" spc="-15" dirty="0">
+                <a:solidFill>
+                  <a:srgbClr val="1F1F1F"/>
+                </a:solidFill>
+                <a:latin typeface="AdobeClean-Light"/>
+              </a:rPr>
+              <a:t>지원의 지역적 범위는 </a:t>
+            </a:r>
+            <a:r>
+              <a:rPr lang="en-US" altLang="ko-KR" sz="1000" spc="-15" dirty="0">
+                <a:solidFill>
+                  <a:srgbClr val="1F1F1F"/>
+                </a:solidFill>
+                <a:latin typeface="AdobeClean-Light"/>
+              </a:rPr>
+              <a:t>(</a:t>
+            </a:r>
+            <a:r>
+              <a:rPr lang="ko-KR" altLang="en-US" sz="1000" spc="-15" dirty="0">
+                <a:solidFill>
+                  <a:srgbClr val="1F1F1F"/>
+                </a:solidFill>
+                <a:latin typeface="AdobeClean-Light"/>
+              </a:rPr>
+              <a:t>판매 주문서 또는 기타 </a:t>
+            </a:r>
+            <a:r>
+              <a:rPr lang="en-US" altLang="ko-KR" sz="1000" spc="-15" dirty="0">
+                <a:solidFill>
+                  <a:srgbClr val="1F1F1F"/>
+                </a:solidFill>
+                <a:latin typeface="AdobeClean-Light"/>
+              </a:rPr>
+              <a:t>Adobe </a:t>
+            </a:r>
+            <a:r>
+              <a:rPr lang="ko-KR" altLang="en-US" sz="1000" spc="-15" dirty="0">
+                <a:solidFill>
+                  <a:srgbClr val="1F1F1F"/>
+                </a:solidFill>
+                <a:latin typeface="AdobeClean-Light"/>
+              </a:rPr>
+              <a:t>지원 구매 문서를 통해</a:t>
+            </a:r>
+            <a:r>
+              <a:rPr lang="en-US" altLang="ko-KR" sz="1000" spc="-15" dirty="0">
+                <a:solidFill>
+                  <a:srgbClr val="1F1F1F"/>
+                </a:solidFill>
+                <a:latin typeface="AdobeClean-Light"/>
+              </a:rPr>
+              <a:t>) </a:t>
+            </a:r>
+            <a:r>
+              <a:rPr lang="ko-KR" altLang="en-US" sz="1000" spc="-15" dirty="0">
+                <a:solidFill>
+                  <a:srgbClr val="1F1F1F"/>
+                </a:solidFill>
+                <a:latin typeface="AdobeClean-Light"/>
+              </a:rPr>
+              <a:t>고객의 청구 주소를 다음 지역 중 하나에 맞춤으로써 설정됩니다</a:t>
+            </a:r>
+            <a:r>
+              <a:rPr lang="en-US" altLang="ko-KR" sz="1000" spc="-15" dirty="0">
+                <a:solidFill>
+                  <a:srgbClr val="1F1F1F"/>
+                </a:solidFill>
+                <a:latin typeface="AdobeClean-Light"/>
+              </a:rPr>
+              <a:t>.</a:t>
+            </a:r>
+            <a:endParaRPr lang="de-de" sz="1000" spc="-15" dirty="0">
+              <a:solidFill>
+                <a:srgbClr val="1F1F1F"/>
+              </a:solidFill>
+              <a:latin typeface="AdobeClean-Light"/>
+            </a:endParaRPr>
           </a:p>
         </p:txBody>
       </p:sp>
@@ -10476,14 +9834,14 @@
           <p:nvPr>
             <p:extLst>
               <p:ext uri="{D42A27DB-BD31-4B8C-83A1-F6EECF244321}">
-                <p14:modId xmlns:p14="http://schemas.microsoft.com/office/powerpoint/2010/main" val="2969235217"/>
+                <p14:modId xmlns:p14="http://schemas.microsoft.com/office/powerpoint/2010/main" val="1952712647"/>
               </p:ext>
             </p:extLst>
           </p:nvPr>
         </p:nvGraphicFramePr>
         <p:xfrm>
           <a:off x="171128" y="5907213"/>
-          <a:ext cx="7391400" cy="1503680"/>
+          <a:ext cx="7391400" cy="1559560"/>
         </p:xfrm>
         <a:graphic>
           <a:graphicData uri="http://schemas.openxmlformats.org/drawingml/2006/table">
@@ -10529,13 +9887,13 @@
                     <a:p>
                       <a:pPr algn="ctr"/>
                       <a:r>
-                        <a:rPr lang="en-US" sz="1100" dirty="0">
+                        <a:rPr lang="de-de" sz="1100" dirty="0">
                           <a:solidFill>
                             <a:schemeClr val="tx1"/>
                           </a:solidFill>
-                          <a:latin typeface="Adobe Clean"/>
+                          <a:latin typeface="Adobe Clean" panose="020B0503020404020204" pitchFamily="34" charset="0"/>
                         </a:rPr>
-                        <a:t>Americas</a:t>
+                        <a:t>미주</a:t>
                       </a:r>
                     </a:p>
                   </a:txBody>
@@ -10594,13 +9952,13 @@
                     <a:p>
                       <a:pPr algn="ctr"/>
                       <a:r>
-                        <a:rPr lang="en-US" sz="1100" dirty="0">
+                        <a:rPr lang="de-de" sz="1100" dirty="0">
                           <a:solidFill>
                             <a:schemeClr val="tx1"/>
                           </a:solidFill>
-                          <a:latin typeface="Adobe Clean"/>
+                          <a:latin typeface="Adobe Clean" panose="020B0503020404020204" pitchFamily="34" charset="0"/>
                         </a:rPr>
-                        <a:t>Europe, Middle East &amp; Africa</a:t>
+                        <a:t>유럽, 중동 및 아프리카</a:t>
                       </a:r>
                     </a:p>
                   </a:txBody>
@@ -10659,13 +10017,13 @@
                     <a:p>
                       <a:pPr algn="ctr"/>
                       <a:r>
-                        <a:rPr lang="en-US" sz="1100" dirty="0">
+                        <a:rPr lang="de-de" sz="1100" dirty="0">
                           <a:solidFill>
                             <a:schemeClr val="tx1"/>
                           </a:solidFill>
-                          <a:latin typeface="Adobe Clean"/>
+                          <a:latin typeface="Adobe Clean" panose="020B0503020404020204" pitchFamily="34" charset="0"/>
                         </a:rPr>
-                        <a:t>Asia Pacific</a:t>
+                        <a:t>아시아 태평양</a:t>
                       </a:r>
                     </a:p>
                   </a:txBody>
@@ -10724,24 +10082,24 @@
                     <a:p>
                       <a:pPr algn="ctr"/>
                       <a:r>
-                        <a:rPr lang="en-US" sz="1100" dirty="0">
+                        <a:rPr lang="de-de" sz="1100" dirty="0">
                           <a:solidFill>
                             <a:schemeClr val="tx1"/>
                           </a:solidFill>
-                          <a:latin typeface="Adobe Clean"/>
+                          <a:latin typeface="Adobe Clean" panose="020B0503020404020204" pitchFamily="34" charset="0"/>
                         </a:rPr>
-                        <a:t>Japan </a:t>
+                        <a:t>일본 </a:t>
                       </a:r>
                       <a:r>
-                        <a:rPr lang="en-US" sz="1100" baseline="30000" dirty="0">
+                        <a:rPr lang="de-de" sz="1100" baseline="30000" dirty="0">
                           <a:solidFill>
                             <a:schemeClr val="tx1"/>
                           </a:solidFill>
-                          <a:latin typeface="Adobe Clean"/>
+                          <a:latin typeface="Adobe Clean" panose="020B0503020404020204" pitchFamily="34" charset="0"/>
                         </a:rPr>
-                        <a:t>1 </a:t>
+                        <a:t>1 </a:t>
                       </a:r>
-                      <a:endParaRPr lang="en-US" sz="1100">
+                      <a:endParaRPr lang="en-US" sz="1100" dirty="0">
                         <a:solidFill>
                           <a:schemeClr val="tx1"/>
                         </a:solidFill>
@@ -10811,13 +10169,13 @@
                     <a:p>
                       <a:pPr algn="ctr"/>
                       <a:r>
-                        <a:rPr lang="en-US" sz="1100" dirty="0">
+                        <a:rPr lang="de-de" sz="1100" dirty="0">
                           <a:solidFill>
                             <a:schemeClr val="tx1"/>
                           </a:solidFill>
-                          <a:latin typeface="Adobe Clean"/>
+                          <a:latin typeface="Adobe Clean" panose="020B0503020404020204" pitchFamily="34" charset="0"/>
                         </a:rPr>
-                        <a:t>6 am – 5:30 pm</a:t>
+                        <a:t>오전 6시~오후 5시 30분</a:t>
                       </a:r>
                     </a:p>
                   </a:txBody>
@@ -10876,13 +10234,13 @@
                     <a:p>
                       <a:pPr algn="ctr"/>
                       <a:r>
-                        <a:rPr lang="en-US" sz="1100" dirty="0">
+                        <a:rPr lang="de-de" sz="1100" dirty="0">
                           <a:solidFill>
                             <a:schemeClr val="tx1"/>
                           </a:solidFill>
-                          <a:latin typeface="Adobe Clean"/>
+                          <a:latin typeface="Adobe Clean" panose="020B0503020404020204" pitchFamily="34" charset="0"/>
                         </a:rPr>
-                        <a:t>9 am – 5 pm</a:t>
+                        <a:t>오전 9시~오후 5시</a:t>
                       </a:r>
                     </a:p>
                   </a:txBody>
@@ -10941,13 +10299,13 @@
                     <a:p>
                       <a:pPr algn="ctr"/>
                       <a:r>
-                        <a:rPr lang="en-US" sz="1100" dirty="0">
+                        <a:rPr lang="de-de" sz="1100" dirty="0">
                           <a:solidFill>
                             <a:schemeClr val="tx1"/>
                           </a:solidFill>
-                          <a:latin typeface="Adobe Clean"/>
+                          <a:latin typeface="Adobe Clean" panose="020B0503020404020204" pitchFamily="34" charset="0"/>
                         </a:rPr>
-                        <a:t>9 am – 5 pm</a:t>
+                        <a:t>오전 9시~오후 5시</a:t>
                       </a:r>
                     </a:p>
                   </a:txBody>
@@ -11006,13 +10364,13 @@
                     <a:p>
                       <a:pPr algn="ctr"/>
                       <a:r>
-                        <a:rPr lang="en-US" sz="1100" dirty="0">
+                        <a:rPr lang="de-de" sz="1100" dirty="0">
                           <a:solidFill>
                             <a:schemeClr val="tx1"/>
                           </a:solidFill>
-                          <a:latin typeface="Adobe Clean"/>
+                          <a:latin typeface="Adobe Clean" panose="020B0503020404020204" pitchFamily="34" charset="0"/>
                         </a:rPr>
-                        <a:t>9 am – 5:30 pm</a:t>
+                        <a:t>오전 9시~오후 5시 30분</a:t>
                       </a:r>
                     </a:p>
                   </a:txBody>
@@ -11092,7 +10450,7 @@
                         <a:buNone/>
                       </a:pPr>
                       <a:r>
-                        <a:rPr lang="en-US" sz="1100" b="1" i="0" u="none" strike="noStrike" kern="0" cap="none" spc="0" normalizeH="0" baseline="30000" noProof="0" dirty="0">
+                        <a:rPr lang="de-de" sz="1100" b="1" i="0" u="none" strike="noStrike" kern="0" cap="none" spc="0" normalizeH="0" baseline="30000" noProof="0" dirty="0">
                           <a:ln>
                             <a:noFill/>
                           </a:ln>
@@ -11106,13 +10464,13 @@
                         <a:t> </a:t>
                       </a:r>
                       <a:r>
-                        <a:rPr lang="en-US" sz="1100" dirty="0">
+                        <a:rPr lang="de-de" sz="1100" dirty="0">
                           <a:solidFill>
                             <a:schemeClr val="tx1"/>
                           </a:solidFill>
                           <a:latin typeface="Adobe Clean"/>
                         </a:rPr>
-                        <a:t>Language support is only available in English and Japanese.</a:t>
+                        <a:t>언어 지원은 영어와 일본어로만 제공됩니다.</a:t>
                       </a:r>
                       <a:endParaRPr lang="en-US" dirty="0">
                         <a:latin typeface="Adobe Clean"/>
@@ -11135,18 +10493,18 @@
                         <a:buNone/>
                       </a:pPr>
                       <a:r>
-                        <a:rPr lang="en-US" sz="1100" i="1" dirty="0">
+                        <a:rPr lang="de-de" sz="1100" i="1" dirty="0">
                           <a:solidFill>
                             <a:schemeClr val="tx1"/>
                           </a:solidFill>
                           <a:latin typeface="Adobe Clean"/>
                         </a:rPr>
-                        <a:t>*Adobe Commerce excludes Japanese languages support.</a:t>
+                        <a:t>*Adobe Commerce에서는 일본어 지원이 제외됩니다.</a:t>
                       </a:r>
                     </a:p>
                     <a:p>
                       <a:pPr algn="ctr"/>
-                      <a:endParaRPr kumimoji="0" lang="en-US" sz="1100" b="1" i="0" u="none" strike="noStrike" kern="0" cap="none" spc="0" normalizeH="0" baseline="30000" noProof="0">
+                      <a:endParaRPr kumimoji="0" lang="en-US" sz="1100" b="1" i="0" u="none" strike="noStrike" kern="0" cap="none" spc="0" normalizeH="0" baseline="30000" noProof="0" dirty="0">
                         <a:ln>
                           <a:noFill/>
                         </a:ln>
@@ -11164,38 +10522,81 @@
                     <a:p>
                       <a:pPr algn="ctr"/>
                       <a:r>
-                        <a:rPr lang="en-US" sz="1100" i="0" dirty="0">
+                        <a:rPr lang="de-de" sz="1100" i="0" dirty="0">
                           <a:solidFill>
                             <a:schemeClr val="tx1"/>
                           </a:solidFill>
-                          <a:latin typeface="Adobe Clean"/>
+                          <a:latin typeface="Adobe Clean" panose="020B0503020404020204" pitchFamily="34" charset="0"/>
                         </a:rPr>
-                        <a:t> </a:t>
+                        <a:t> </a:t>
                       </a:r>
                       <a:r>
-                        <a:rPr lang="en-US" sz="1100" i="0" baseline="30000" dirty="0">
+                        <a:rPr lang="de-de" sz="1100" i="0" baseline="30000" dirty="0">
                           <a:solidFill>
                             <a:schemeClr val="tx1"/>
                           </a:solidFill>
-                          <a:latin typeface="Adobe Clean"/>
+                          <a:latin typeface="Adobe Clean" panose="020B0503020404020204" pitchFamily="34" charset="0"/>
                         </a:rPr>
                         <a:t>1 </a:t>
                       </a:r>
                       <a:r>
-                        <a:rPr lang="en-US" sz="1100" i="0" dirty="0">
+                        <a:rPr lang="ko-KR" altLang="en-US" sz="1100" i="0" dirty="0">
                           <a:solidFill>
                             <a:schemeClr val="tx1"/>
                           </a:solidFill>
-                          <a:latin typeface="Adobe Clean"/>
+                          <a:latin typeface="Adobe Clean" panose="020B0503020404020204" pitchFamily="34" charset="0"/>
                         </a:rPr>
-                        <a:t>P2, P3, P4 cases are limited to business hours only in Japan.</a:t>
+                        <a:t>일본에서 </a:t>
                       </a:r>
-                      <a:endParaRPr lang="en-US" sz="1100" b="1" i="0">
+                      <a:r>
+                        <a:rPr lang="en-US" altLang="ko-KR" sz="1100" i="0" dirty="0">
+                          <a:solidFill>
+                            <a:schemeClr val="tx1"/>
+                          </a:solidFill>
+                          <a:latin typeface="Adobe Clean" panose="020B0503020404020204" pitchFamily="34" charset="0"/>
+                        </a:rPr>
+                        <a:t>P2, P3, P4 </a:t>
+                      </a:r>
+                      <a:r>
+                        <a:rPr lang="ko-KR" altLang="en-US" sz="1100" i="0" dirty="0">
+                          <a:solidFill>
+                            <a:schemeClr val="tx1"/>
+                          </a:solidFill>
+                          <a:latin typeface="Adobe Clean" panose="020B0503020404020204" pitchFamily="34" charset="0"/>
+                        </a:rPr>
+                        <a:t>사례는 업무 시간으로만 제한됩니다</a:t>
+                      </a:r>
+                      <a:r>
+                        <a:rPr lang="en-US" altLang="ko-KR" sz="1100" i="0" dirty="0">
+                          <a:solidFill>
+                            <a:schemeClr val="tx1"/>
+                          </a:solidFill>
+                          <a:latin typeface="Adobe Clean" panose="020B0503020404020204" pitchFamily="34" charset="0"/>
+                        </a:rPr>
+                        <a:t>.</a:t>
+                      </a:r>
+                      <a:endParaRPr lang="de-de" sz="1100" b="1" i="0" dirty="0">
                         <a:solidFill>
                           <a:schemeClr val="tx1"/>
                         </a:solidFill>
-                        <a:latin typeface="Adobe Clean"/>
+                        <a:latin typeface="Adobe Clean" panose="020B0503020404020204" pitchFamily="34" charset="0"/>
                       </a:endParaRPr>
+                    </a:p>
+                    <a:p>
+                      <a:r>
+                        <a:rPr lang="de-de" sz="1100" b="1" i="0" u="none" strike="noStrike" kern="0" cap="none" spc="0" normalizeH="0" baseline="30000" noProof="0" dirty="0">
+                          <a:ln>
+                            <a:noFill/>
+                          </a:ln>
+                          <a:effectLst/>
+                          <a:uLnTx/>
+                          <a:uFillTx/>
+                          <a:latin typeface="Adobe Clean"/>
+                          <a:ea typeface="+mn-ea"/>
+                          <a:cs typeface="+mn-cs"/>
+                        </a:rPr>
+                        <a:t>.</a:t>
+                      </a:r>
                     </a:p>
                   </a:txBody>
                   <a:tcPr anchor="ctr">
@@ -11251,7 +10652,7 @@
                     <a:bodyPr/>
                     <a:lstStyle/>
                     <a:p>
-                      <a:endParaRPr lang="en-US" sz="1100">
+                      <a:endParaRPr lang="en-US" sz="1100" dirty="0">
                         <a:solidFill>
                           <a:schemeClr val="tx1"/>
                         </a:solidFill>
@@ -11312,7 +10713,7 @@
                     <a:bodyPr/>
                     <a:lstStyle/>
                     <a:p>
-                      <a:endParaRPr lang="en-US" sz="1100">
+                      <a:endParaRPr lang="en-US" sz="1100" dirty="0">
                         <a:solidFill>
                           <a:schemeClr val="tx1"/>
                         </a:solidFill>
@@ -11373,7 +10774,7 @@
                     <a:bodyPr/>
                     <a:lstStyle/>
                     <a:p>
-                      <a:endParaRPr lang="en-US" sz="1100">
+                      <a:endParaRPr lang="en-US" sz="1100" dirty="0">
                         <a:solidFill>
                           <a:schemeClr val="tx1"/>
                         </a:solidFill>
@@ -11537,8 +10938,8 @@
         </p:nvSpPr>
         <p:spPr>
           <a:xfrm>
-            <a:off x="2840871" y="8528519"/>
-            <a:ext cx="810895" cy="385445"/>
+            <a:off x="2743200" y="8528519"/>
+            <a:ext cx="1045329" cy="385445"/>
           </a:xfrm>
           <a:prstGeom prst="rect">
             <a:avLst/>
@@ -11550,7 +10951,7 @@
           </a:bodyPr>
           <a:lstStyle/>
           <a:p>
-            <a:pPr marL="139065" marR="5080" indent="-139065">
+            <a:pPr marL="14288" marR="5080" indent="-14288" algn="ctr">
               <a:lnSpc>
                 <a:spcPts val="1390"/>
               </a:lnSpc>
@@ -11559,126 +10960,36 @@
               </a:spcBef>
             </a:pPr>
             <a:r>
-              <a:rPr sz="1200" b="1" spc="-15">
+              <a:rPr lang="de-de" sz="1200" b="1" spc="-15" dirty="0">
                 <a:solidFill>
                   <a:srgbClr val="FFFFFF"/>
                 </a:solidFill>
                 <a:latin typeface="Adobe Clean"/>
                 <a:cs typeface="Adobe Clean"/>
               </a:rPr>
-              <a:t>U</a:t>
-            </a:r>
-            <a:r>
-              <a:rPr sz="1200" b="1" spc="-20">
+              <a:t>탁월한</a:t>
+            </a:r>
+            <a:r>
+              <a:rPr lang="de-de" sz="1200" b="1" dirty="0">
                 <a:solidFill>
                   <a:srgbClr val="FFFFFF"/>
                 </a:solidFill>
                 <a:latin typeface="Adobe Clean"/>
                 <a:cs typeface="Adobe Clean"/>
               </a:rPr>
-              <a:t>n</a:t>
-            </a:r>
-            <a:r>
-              <a:rPr sz="1200" b="1" spc="-25">
+              <a:t> </a:t>
+            </a:r>
+            <a:r>
+              <a:rPr lang="de-de" sz="1200" b="1" spc="-25" dirty="0">
                 <a:solidFill>
                   <a:srgbClr val="FFFFFF"/>
                 </a:solidFill>
                 <a:latin typeface="Adobe Clean"/>
                 <a:cs typeface="Adobe Clean"/>
               </a:rPr>
-              <a:t>p</a:t>
-            </a:r>
-            <a:r>
-              <a:rPr sz="1200" b="1" spc="-15">
-                <a:solidFill>
-                  <a:srgbClr val="FFFFFF"/>
-                </a:solidFill>
-                <a:latin typeface="Adobe Clean"/>
-                <a:cs typeface="Adobe Clean"/>
-              </a:rPr>
-              <a:t>a</a:t>
-            </a:r>
-            <a:r>
-              <a:rPr sz="1200" b="1" spc="-25">
-                <a:solidFill>
-                  <a:srgbClr val="FFFFFF"/>
-                </a:solidFill>
-                <a:latin typeface="Adobe Clean"/>
-                <a:cs typeface="Adobe Clean"/>
-              </a:rPr>
-              <a:t>r</a:t>
-            </a:r>
-            <a:r>
-              <a:rPr sz="1200" b="1" spc="-15">
-                <a:solidFill>
-                  <a:srgbClr val="FFFFFF"/>
-                </a:solidFill>
-                <a:latin typeface="Adobe Clean"/>
-                <a:cs typeface="Adobe Clean"/>
-              </a:rPr>
-              <a:t>a</a:t>
-            </a:r>
-            <a:r>
-              <a:rPr sz="1200" b="1" spc="-30">
-                <a:solidFill>
-                  <a:srgbClr val="FFFFFF"/>
-                </a:solidFill>
-                <a:latin typeface="Adobe Clean"/>
-                <a:cs typeface="Adobe Clean"/>
-              </a:rPr>
-              <a:t>ll</a:t>
-            </a:r>
-            <a:r>
-              <a:rPr sz="1200" b="1" spc="-25">
-                <a:solidFill>
-                  <a:srgbClr val="FFFFFF"/>
-                </a:solidFill>
-                <a:latin typeface="Adobe Clean"/>
-                <a:cs typeface="Adobe Clean"/>
-              </a:rPr>
-              <a:t>e</a:t>
-            </a:r>
-            <a:r>
-              <a:rPr sz="1200" b="1" spc="-30">
-                <a:solidFill>
-                  <a:srgbClr val="FFFFFF"/>
-                </a:solidFill>
-                <a:latin typeface="Adobe Clean"/>
-                <a:cs typeface="Adobe Clean"/>
-              </a:rPr>
-              <a:t>l</a:t>
-            </a:r>
-            <a:r>
-              <a:rPr sz="1200" b="1" spc="-25">
-                <a:solidFill>
-                  <a:srgbClr val="FFFFFF"/>
-                </a:solidFill>
-                <a:latin typeface="Adobe Clean"/>
-                <a:cs typeface="Adobe Clean"/>
-              </a:rPr>
-              <a:t>e</a:t>
-            </a:r>
-            <a:r>
-              <a:rPr sz="1200" b="1">
-                <a:solidFill>
-                  <a:srgbClr val="FFFFFF"/>
-                </a:solidFill>
-                <a:latin typeface="Adobe Clean"/>
-                <a:cs typeface="Adobe Clean"/>
-              </a:rPr>
-              <a:t>d  </a:t>
-            </a:r>
-            <a:r>
-              <a:rPr sz="1200" b="1" spc="-25">
-                <a:solidFill>
-                  <a:srgbClr val="FFFFFF"/>
-                </a:solidFill>
-                <a:latin typeface="Adobe Clean"/>
-                <a:cs typeface="Adobe Clean"/>
-              </a:rPr>
-              <a:t>Expertise</a:t>
-            </a:r>
-            <a:endParaRPr sz="1200">
+              <a:t>전문성</a:t>
+            </a:r>
+            <a:endParaRPr sz="1200" dirty="0">
               <a:latin typeface="Adobe Clean"/>
               <a:cs typeface="Adobe Clean"/>
             </a:endParaRPr>
@@ -11712,7 +11023,7 @@
           </a:bodyPr>
           <a:lstStyle/>
           <a:p>
-            <a:pPr marL="139065" marR="5080" indent="-139065">
+            <a:pPr marL="14288" marR="5080" indent="-14288" algn="ctr">
               <a:lnSpc>
                 <a:spcPts val="1390"/>
               </a:lnSpc>
@@ -11721,16 +11032,16 @@
               </a:spcBef>
             </a:pPr>
             <a:r>
-              <a:rPr lang="en-US" sz="1200" b="1" spc="-15">
+              <a:rPr lang="de-de" sz="1200" b="1" spc="-15" dirty="0">
                 <a:solidFill>
                   <a:srgbClr val="FFFFFF"/>
                 </a:solidFill>
                 <a:latin typeface="Adobe Clean"/>
                 <a:cs typeface="Adobe Clean"/>
               </a:rPr>
-              <a:t>Accelerated Support</a:t>
-            </a:r>
-            <a:endParaRPr sz="1200">
+              <a:t>신속한 지원</a:t>
+            </a:r>
+            <a:endParaRPr sz="1200" dirty="0">
               <a:latin typeface="Adobe Clean"/>
               <a:cs typeface="Adobe Clean"/>
             </a:endParaRPr>
@@ -11751,8 +11062,8 @@
         </p:nvSpPr>
         <p:spPr>
           <a:xfrm>
-            <a:off x="6624119" y="8543943"/>
-            <a:ext cx="510540" cy="385445"/>
+            <a:off x="6517939" y="8543943"/>
+            <a:ext cx="721061" cy="384080"/>
           </a:xfrm>
           <a:prstGeom prst="rect">
             <a:avLst/>
@@ -11764,7 +11075,7 @@
           </a:bodyPr>
           <a:lstStyle/>
           <a:p>
-            <a:pPr marL="50800" marR="5080" indent="-51435">
+            <a:pPr marL="14288" marR="5080" indent="-14288" algn="ctr">
               <a:lnSpc>
                 <a:spcPts val="1390"/>
               </a:lnSpc>
@@ -11773,106 +11084,36 @@
               </a:spcBef>
             </a:pPr>
             <a:r>
-              <a:rPr sz="1200" b="1" spc="-50">
+              <a:rPr lang="de-de" sz="1200" b="1" spc="-50" dirty="0">
                 <a:solidFill>
                   <a:srgbClr val="FFFFFF"/>
                 </a:solidFill>
                 <a:latin typeface="Adobe Clean"/>
                 <a:cs typeface="Adobe Clean"/>
               </a:rPr>
-              <a:t>S</a:t>
-            </a:r>
-            <a:r>
-              <a:rPr sz="1200" b="1" spc="-20">
+              <a:t>전략적</a:t>
+            </a:r>
+            <a:r>
+              <a:rPr lang="de-de" sz="1200" b="1" dirty="0">
                 <a:solidFill>
                   <a:srgbClr val="FFFFFF"/>
                 </a:solidFill>
                 <a:latin typeface="Adobe Clean"/>
                 <a:cs typeface="Adobe Clean"/>
               </a:rPr>
-              <a:t>t</a:t>
-            </a:r>
-            <a:r>
-              <a:rPr sz="1200" b="1" spc="-75">
+              <a:t> </a:t>
+            </a:r>
+            <a:r>
+              <a:rPr lang="de-de" sz="1200" b="1" spc="-45" dirty="0">
                 <a:solidFill>
                   <a:srgbClr val="FFFFFF"/>
                 </a:solidFill>
                 <a:latin typeface="Adobe Clean"/>
                 <a:cs typeface="Adobe Clean"/>
               </a:rPr>
-              <a:t>r</a:t>
-            </a:r>
-            <a:r>
-              <a:rPr sz="1200" b="1" spc="-90">
-                <a:solidFill>
-                  <a:srgbClr val="FFFFFF"/>
-                </a:solidFill>
-                <a:latin typeface="Adobe Clean"/>
-                <a:cs typeface="Adobe Clean"/>
-              </a:rPr>
-              <a:t>a</a:t>
-            </a:r>
-            <a:r>
-              <a:rPr sz="1200" b="1" spc="-55">
-                <a:solidFill>
-                  <a:srgbClr val="FFFFFF"/>
-                </a:solidFill>
-                <a:latin typeface="Adobe Clean"/>
-                <a:cs typeface="Adobe Clean"/>
-              </a:rPr>
-              <a:t>t</a:t>
-            </a:r>
-            <a:r>
-              <a:rPr sz="1200" b="1" spc="-100">
-                <a:solidFill>
-                  <a:srgbClr val="FFFFFF"/>
-                </a:solidFill>
-                <a:latin typeface="Adobe Clean"/>
-                <a:cs typeface="Adobe Clean"/>
-              </a:rPr>
-              <a:t>e</a:t>
-            </a:r>
-            <a:r>
-              <a:rPr sz="1200" b="1" spc="-80">
-                <a:solidFill>
-                  <a:srgbClr val="FFFFFF"/>
-                </a:solidFill>
-                <a:latin typeface="Adobe Clean"/>
-                <a:cs typeface="Adobe Clean"/>
-              </a:rPr>
-              <a:t>g</a:t>
-            </a:r>
-            <a:r>
-              <a:rPr sz="1200" b="1" spc="-35">
-                <a:solidFill>
-                  <a:srgbClr val="FFFFFF"/>
-                </a:solidFill>
-                <a:latin typeface="Adobe Clean"/>
-                <a:cs typeface="Adobe Clean"/>
-              </a:rPr>
-              <a:t>i</a:t>
-            </a:r>
-            <a:r>
-              <a:rPr sz="1200" b="1">
-                <a:solidFill>
-                  <a:srgbClr val="FFFFFF"/>
-                </a:solidFill>
-                <a:latin typeface="Adobe Clean"/>
-                <a:cs typeface="Adobe Clean"/>
-              </a:rPr>
-              <a:t>c  </a:t>
-            </a:r>
-            <a:r>
-              <a:rPr sz="1200" b="1" spc="-45">
-                <a:solidFill>
-                  <a:srgbClr val="FFFFFF"/>
-                </a:solidFill>
-                <a:latin typeface="Adobe Clean"/>
-                <a:cs typeface="Adobe Clean"/>
-              </a:rPr>
-              <a:t>Advice</a:t>
-            </a:r>
-            <a:endParaRPr sz="1200">
+              <a:t>조언</a:t>
+            </a:r>
+            <a:endParaRPr sz="1200" dirty="0">
               <a:latin typeface="Adobe Clean"/>
               <a:cs typeface="Adobe Clean"/>
             </a:endParaRPr>
@@ -11895,7 +11136,7 @@
         </p:nvGraphicFramePr>
         <p:xfrm>
           <a:off x="194236" y="1059345"/>
-          <a:ext cx="7368291" cy="3606800"/>
+          <a:ext cx="7368291" cy="3302000"/>
         </p:xfrm>
         <a:graphic>
           <a:graphicData uri="http://schemas.openxmlformats.org/drawingml/2006/table">
@@ -11926,7 +11167,7 @@
                     <a:lstStyle/>
                     <a:p>
                       <a:r>
-                        <a:rPr lang="en-US" sz="1100" b="0">
+                        <a:rPr lang="de-de" sz="1100" b="0" dirty="0">
                           <a:solidFill>
                             <a:schemeClr val="tx1"/>
                           </a:solidFill>
@@ -11937,7 +11178,7 @@
                         </a:rPr>
                         <a:t>Experience League</a:t>
                       </a:r>
-                      <a:endParaRPr lang="en-US" sz="1100" b="0">
+                      <a:endParaRPr lang="en-US" sz="1100" b="0" dirty="0">
                         <a:solidFill>
                           <a:schemeClr val="tx1"/>
                         </a:solidFill>
@@ -12018,7 +11259,7 @@
                         <a:defRPr/>
                       </a:pPr>
                       <a:r>
-                        <a:rPr lang="en-US" sz="1000" b="0" kern="1200">
+                        <a:rPr lang="de-de" sz="1000" b="0" kern="1200" dirty="0">
                           <a:solidFill>
                             <a:srgbClr val="000000"/>
                           </a:solidFill>
@@ -12026,7 +11267,7 @@
                           <a:ea typeface="+mn-ea"/>
                           <a:cs typeface="+mn-cs"/>
                         </a:rPr>
-                        <a:t>Experience League is how Adobe helps businesses achieve the value they expect from their Adobe investment. It’s the unified place where customers can learn, connect, and grow along a personalized path to success that includes self-help tutorials, product documentation, instructor-led training, community and technical support. </a:t>
+                        <a:t>Experience League를 통해 Adobe는 기업이 Adobe 투자에서 기대하는 가치를 달성하도록 지원합니다. 고객이 자기 주도 튜토리얼, 제품 설명서, 강의식 교육, 커뮤니티 및 기술 지원을 포함하는 개인 맞춤형 성공 경로를 따라가며 배우고, 교류하고, 성장할 수 있는 통합된 공간입니다. </a:t>
                       </a:r>
                     </a:p>
                   </a:txBody>
@@ -12108,7 +11349,7 @@
                         <a:defRPr/>
                       </a:pPr>
                       <a:r>
-                        <a:rPr lang="en-US" sz="1100">
+                        <a:rPr lang="de-de" sz="1100" dirty="0">
                           <a:solidFill>
                             <a:schemeClr val="dk1"/>
                           </a:solidFill>
@@ -12118,10 +11359,10 @@
                           <a:cs typeface="+mn-cs"/>
                           <a:hlinkClick r:id="rId8"/>
                         </a:rPr>
-                        <a:t>Training</a:t>
+                        <a:t>교육</a:t>
                       </a:r>
                       <a:r>
-                        <a:rPr lang="en-US" sz="1100">
+                        <a:rPr lang="de-de" sz="1100" dirty="0">
                           <a:solidFill>
                             <a:schemeClr val="dk1"/>
                           </a:solidFill>
@@ -12132,7 +11373,7 @@
                         </a:rPr>
                         <a:t> </a:t>
                       </a:r>
-                      <a:endParaRPr lang="en-US" sz="1100">
+                      <a:endParaRPr lang="en-US" sz="1100" dirty="0">
                         <a:solidFill>
                           <a:schemeClr val="tx1"/>
                         </a:solidFill>
@@ -12214,7 +11455,7 @@
                         <a:defRPr/>
                       </a:pPr>
                       <a:r>
-                        <a:rPr lang="en-US" sz="1000" kern="1200">
+                        <a:rPr lang="de-de" sz="1000" kern="1200" dirty="0">
                           <a:solidFill>
                             <a:srgbClr val="000000"/>
                           </a:solidFill>
@@ -12222,7 +11463,7 @@
                           <a:ea typeface="+mn-ea"/>
                           <a:cs typeface="+mn-cs"/>
                         </a:rPr>
-                        <a:t>Adobe Digital Learning Services courses are accessible from Experience League. Learning courses integrate both on-demand and instructor-led lessons.  Here you can accrue skills that have recognized market value and position them to drive success in your organizations.</a:t>
+                        <a:t>Adobe 디지털 학습 서비스 과정은 Experience League에서 액세스할 수 있습니다. 학습 과정은 주문형 수업과 강의식 수업을 모두 통합합니다. 여기에서 시장 가치를 인정받은 기술을 습득하고 조직에 포지셔닝하여 성공으로 이끌 수 있습니다.</a:t>
                       </a:r>
                     </a:p>
                   </a:txBody>
@@ -12304,7 +11545,7 @@
                         <a:defRPr/>
                       </a:pPr>
                       <a:r>
-                        <a:rPr lang="en-US" sz="1100">
+                        <a:rPr lang="de-de" sz="1100" dirty="0">
                           <a:solidFill>
                             <a:schemeClr val="tx1"/>
                           </a:solidFill>
@@ -12314,9 +11555,9 @@
                           <a:cs typeface="+mn-cs"/>
                           <a:hlinkClick r:id="rId9"/>
                         </a:rPr>
-                        <a:t>Production Issues &amp; System Outages</a:t>
+                        <a:t>생산 문제 및 시스템 중단</a:t>
                       </a:r>
-                      <a:endParaRPr lang="en-US" sz="1100">
+                      <a:endParaRPr lang="en-US" sz="1100" dirty="0">
                         <a:solidFill>
                           <a:schemeClr val="tx1"/>
                         </a:solidFill>
@@ -12398,7 +11639,7 @@
                         <a:defRPr/>
                       </a:pPr>
                       <a:r>
-                        <a:rPr lang="en-US" sz="1000" kern="1200">
+                        <a:rPr lang="de-de" sz="1000" kern="1200" dirty="0">
                           <a:solidFill>
                             <a:srgbClr val="000000"/>
                           </a:solidFill>
@@ -12406,7 +11647,7 @@
                           <a:ea typeface="+mn-ea"/>
                           <a:cs typeface="+mn-cs"/>
                         </a:rPr>
-                        <a:t>Status.adobe.com conveys the health information of all Adobe products and services that are deployed in multi-tenant environments. Customers can choose their subscription preferences to get email notifications whenever Adobe creates, updates or resolves a product event. This can include scheduled maintenance or service issues of varying levels of severity. </a:t>
+                        <a:t>Status.adobe.com은 다중 테넌트 환경에 배포된 모든 Adobe 제품 및 서비스의 상태 정보를 전달합니다. 고객은 구독 기본 설정을 선택하여 Adobe가 제품 이벤트를 생성 업데이트 또는 해결할 때마다 이메일 알림을 받을 수 있습니다. 여기에는 예정된 유지 관리 또는 다양한 심각도 수준의 서비스 문제가 포함될 수 있습니다. </a:t>
                       </a:r>
                     </a:p>
                   </a:txBody>
@@ -12488,7 +11729,7 @@
                         <a:defRPr/>
                       </a:pPr>
                       <a:r>
-                        <a:rPr lang="en-US" sz="1100" b="0" i="0">
+                        <a:rPr lang="de-de" sz="1100" b="0" i="0" dirty="0">
                           <a:solidFill>
                             <a:schemeClr val="dk1"/>
                           </a:solidFill>
@@ -12496,11 +11737,11 @@
                           <a:latin typeface="Adobe Clean" panose="020B0503020404020204" pitchFamily="34" charset="0"/>
                           <a:ea typeface="+mn-ea"/>
                           <a:cs typeface="+mn-cs"/>
-                          <a:hlinkClick r:id="rId10" tooltip="https://helpx.adobe.com/support/programs/enterprise-support-programs/premier-support-business.html"/>
+                          <a:hlinkClick r:id="rId10" tooltip="https://helpx.adobe.com/kr/support/programs/enterprise-support-programs/premier-support-business.html"/>
                         </a:rPr>
-                        <a:t>Business Support Website</a:t>
+                        <a:t>비즈니스 지원 웹 사이트</a:t>
                       </a:r>
-                      <a:endParaRPr lang="en-US" sz="1100" b="0" i="0">
+                      <a:endParaRPr lang="en-US" sz="1100" b="0" i="0" dirty="0">
                         <a:solidFill>
                           <a:schemeClr val="dk1"/>
                         </a:solidFill>
@@ -12565,7 +11806,7 @@
                     <a:lstStyle/>
                     <a:p>
                       <a:r>
-                        <a:rPr lang="en-US" sz="1000" kern="1200">
+                        <a:rPr lang="de-de" sz="1000" kern="1200" dirty="0">
                           <a:solidFill>
                             <a:srgbClr val="000000"/>
                           </a:solidFill>
@@ -12573,7 +11814,7 @@
                           <a:ea typeface="+mn-ea"/>
                           <a:cs typeface="+mn-cs"/>
                         </a:rPr>
-                        <a:t>Adobe Business Support website</a:t>
+                        <a:t>Adobe 비즈니스 지원 웹 사이트입니다.</a:t>
                       </a:r>
                     </a:p>
                   </a:txBody>
@@ -12655,7 +11896,7 @@
                         <a:defRPr/>
                       </a:pPr>
                       <a:r>
-                        <a:rPr lang="en-US" sz="1100">
+                        <a:rPr lang="de-de" sz="1100" dirty="0">
                           <a:solidFill>
                             <a:schemeClr val="tx1"/>
                           </a:solidFill>
@@ -12665,9 +11906,9 @@
                           <a:cs typeface="+mn-cs"/>
                           <a:hlinkClick r:id="rId11"/>
                         </a:rPr>
-                        <a:t>Terms and Conditions</a:t>
+                        <a:t>약관</a:t>
                       </a:r>
-                      <a:endParaRPr lang="en-US" sz="1100">
+                      <a:endParaRPr lang="en-US" sz="1100" dirty="0">
                         <a:solidFill>
                           <a:schemeClr val="tx1"/>
                         </a:solidFill>
@@ -12732,7 +11973,7 @@
                     <a:lstStyle/>
                     <a:p>
                       <a:r>
-                        <a:rPr lang="en-US" sz="1000" kern="1200">
+                        <a:rPr lang="de-de" sz="1000" kern="1200" dirty="0">
                           <a:solidFill>
                             <a:srgbClr val="000000"/>
                           </a:solidFill>
@@ -12740,7 +11981,7 @@
                           <a:ea typeface="+mn-ea"/>
                           <a:cs typeface="+mn-cs"/>
                         </a:rPr>
-                        <a:t>Terms and conditions detailing Support Services offerings</a:t>
+                        <a:t>지원 서비스 제공 사항을 자세히 설명하는 약관입니다.</a:t>
                       </a:r>
                     </a:p>
                   </a:txBody>
@@ -12804,7 +12045,7 @@
       </p:graphicFrame>
       <p:pic>
         <p:nvPicPr>
-          <p:cNvPr id="8" name="Graphic 7" descr="Target outline">
+          <p:cNvPr id="8" name="Graphic 7" descr="타겟 개요">
             <a:extLst>
               <a:ext uri="{FF2B5EF4-FFF2-40B4-BE49-F238E27FC236}">
                 <a16:creationId xmlns:a16="http://schemas.microsoft.com/office/drawing/2014/main" id="{1EAA263E-04A7-0D46-952E-EA3033B45116}"/>
@@ -12843,7 +12084,7 @@
       </p:pic>
       <p:pic>
         <p:nvPicPr>
-          <p:cNvPr id="10" name="Graphic 9" descr="Rocket outline">
+          <p:cNvPr id="10" name="Graphic 9" descr="로켓 개요">
             <a:extLst>
               <a:ext uri="{FF2B5EF4-FFF2-40B4-BE49-F238E27FC236}">
                 <a16:creationId xmlns:a16="http://schemas.microsoft.com/office/drawing/2014/main" id="{A068EBC3-B418-4E4A-A520-101CA4B39F23}"/>
@@ -12882,7 +12123,7 @@
       </p:pic>
       <p:pic>
         <p:nvPicPr>
-          <p:cNvPr id="12" name="Graphic 11" descr="Medal outline">
+          <p:cNvPr id="12" name="Graphic 11" descr="메달 개요">
             <a:extLst>
               <a:ext uri="{FF2B5EF4-FFF2-40B4-BE49-F238E27FC236}">
                 <a16:creationId xmlns:a16="http://schemas.microsoft.com/office/drawing/2014/main" id="{C7BEFC2D-0CA6-0448-B9FA-6E1581CA6D36}"/>
@@ -13511,6 +12752,21 @@
 </file>
 
 <file path=customXml/item1.xml><?xml version="1.0" encoding="utf-8"?>
+<p:properties xmlns:p="http://schemas.microsoft.com/office/2006/metadata/properties" xmlns:xsi="http://www.w3.org/2001/XMLSchema-instance" xmlns:pc="http://schemas.microsoft.com/office/infopath/2007/PartnerControls">
+  <documentManagement/>
+</p:properties>
+</file>
+
+<file path=customXml/item2.xml><?xml version="1.0" encoding="utf-8"?>
+<?mso-contentType ?>
+<FormTemplates xmlns="http://schemas.microsoft.com/sharepoint/v3/contenttype/forms">
+  <Display>DocumentLibraryForm</Display>
+  <Edit>DocumentLibraryForm</Edit>
+  <New>DocumentLibraryForm</New>
+</FormTemplates>
+</file>
+
+<file path=customXml/item3.xml><?xml version="1.0" encoding="utf-8"?>
 <ct:contentTypeSchema xmlns:ct="http://schemas.microsoft.com/office/2006/metadata/contentType" xmlns:ma="http://schemas.microsoft.com/office/2006/metadata/properties/metaAttributes" ct:_="" ma:_="" ma:contentTypeName="Document" ma:contentTypeID="0x010100E783BF6876BCC646A459363AF21A7736" ma:contentTypeVersion="10" ma:contentTypeDescription="Create a new document." ma:contentTypeScope="" ma:versionID="c4ffda7f4f415767600769e454c2ea87">
   <xsd:schema xmlns:xsd="http://www.w3.org/2001/XMLSchema" xmlns:xs="http://www.w3.org/2001/XMLSchema" xmlns:p="http://schemas.microsoft.com/office/2006/metadata/properties" xmlns:ns2="8a053bff-88be-49e4-9a87-e748e18b8b62" xmlns:ns3="6c8368ec-3776-49b5-a5bb-90648cf9530f" targetNamespace="http://schemas.microsoft.com/office/2006/metadata/properties" ma:root="true" ma:fieldsID="df3ec33bccc23e23bce7bc897fad43d1" ns2:_="" ns3:_="">
     <xsd:import namespace="8a053bff-88be-49e4-9a87-e748e18b8b62"/>
@@ -13715,41 +12971,7 @@
 </ct:contentTypeSchema>
 </file>
 
-<file path=customXml/item2.xml><?xml version="1.0" encoding="utf-8"?>
-<p:properties xmlns:p="http://schemas.microsoft.com/office/2006/metadata/properties" xmlns:xsi="http://www.w3.org/2001/XMLSchema-instance" xmlns:pc="http://schemas.microsoft.com/office/infopath/2007/PartnerControls">
-  <documentManagement/>
-</p:properties>
-</file>
-
-<file path=customXml/item3.xml><?xml version="1.0" encoding="utf-8"?>
-<?mso-contentType ?>
-<FormTemplates xmlns="http://schemas.microsoft.com/sharepoint/v3/contenttype/forms">
-  <Display>DocumentLibraryForm</Display>
-  <Edit>DocumentLibraryForm</Edit>
-  <New>DocumentLibraryForm</New>
-</FormTemplates>
-</file>
-
 <file path=customXml/itemProps1.xml><?xml version="1.0" encoding="utf-8"?>
-<ds:datastoreItem xmlns:ds="http://schemas.openxmlformats.org/officeDocument/2006/customXml" ds:itemID="{E0DB8BDF-6DA8-4ABC-A3CA-043AFD674CFC}">
-  <ds:schemaRefs>
-    <ds:schemaRef ds:uri="6c8368ec-3776-49b5-a5bb-90648cf9530f"/>
-    <ds:schemaRef ds:uri="8a053bff-88be-49e4-9a87-e748e18b8b62"/>
-    <ds:schemaRef ds:uri="http://purl.org/dc/elements/1.1/"/>
-    <ds:schemaRef ds:uri="http://purl.org/dc/terms/"/>
-    <ds:schemaRef ds:uri="http://schemas.microsoft.com/internal/obd"/>
-    <ds:schemaRef ds:uri="http://schemas.microsoft.com/office/2006/documentManagement/types"/>
-    <ds:schemaRef ds:uri="http://schemas.microsoft.com/office/2006/metadata/contentType"/>
-    <ds:schemaRef ds:uri="http://schemas.microsoft.com/office/2006/metadata/properties"/>
-    <ds:schemaRef ds:uri="http://schemas.microsoft.com/office/2006/metadata/properties/metaAttributes"/>
-    <ds:schemaRef ds:uri="http://schemas.microsoft.com/office/infopath/2007/PartnerControls"/>
-    <ds:schemaRef ds:uri="http://schemas.openxmlformats.org/package/2006/metadata/core-properties"/>
-    <ds:schemaRef ds:uri="http://www.w3.org/2001/XMLSchema"/>
-  </ds:schemaRefs>
-</ds:datastoreItem>
-</file>
-
-<file path=customXml/itemProps2.xml><?xml version="1.0" encoding="utf-8"?>
 <ds:datastoreItem xmlns:ds="http://schemas.openxmlformats.org/officeDocument/2006/customXml" ds:itemID="{10FC3CAF-E6F1-40E3-87D4-6B781C97D6B4}">
   <ds:schemaRefs>
     <ds:schemaRef ds:uri="http://schemas.microsoft.com/office/2006/metadata/properties"/>
@@ -13758,10 +12980,29 @@
 </ds:datastoreItem>
 </file>
 
-<file path=customXml/itemProps3.xml><?xml version="1.0" encoding="utf-8"?>
+<file path=customXml/itemProps2.xml><?xml version="1.0" encoding="utf-8"?>
 <ds:datastoreItem xmlns:ds="http://schemas.openxmlformats.org/officeDocument/2006/customXml" ds:itemID="{95AE3B0B-E909-400C-B0B3-909FB50E07DE}">
   <ds:schemaRefs>
     <ds:schemaRef ds:uri="http://schemas.microsoft.com/sharepoint/v3/contenttype/forms"/>
   </ds:schemaRefs>
 </ds:datastoreItem>
+</file>
+
+<file path=customXml/itemProps3.xml><?xml version="1.0" encoding="utf-8"?>
+<ds:datastoreItem xmlns:ds="http://schemas.openxmlformats.org/officeDocument/2006/customXml" ds:itemID="{E0DB8BDF-6DA8-4ABC-A3CA-043AFD674CFC}">
+  <ds:schemaRefs>
+    <ds:schemaRef ds:uri="http://schemas.microsoft.com/office/2006/metadata/contentType"/>
+    <ds:schemaRef ds:uri="http://schemas.microsoft.com/office/2006/metadata/properties/metaAttributes"/>
+    <ds:schemaRef ds:uri="http://www.w3.org/2001/XMLSchema"/>
+    <ds:schemaRef ds:uri="http://schemas.microsoft.com/office/2006/metadata/properties"/>
+    <ds:schemaRef ds:uri="8a053bff-88be-49e4-9a87-e748e18b8b62"/>
+    <ds:schemaRef ds:uri="6c8368ec-3776-49b5-a5bb-90648cf9530f"/>
+    <ds:schemaRef ds:uri="http://schemas.microsoft.com/office/2006/documentManagement/types"/>
+    <ds:schemaRef ds:uri="http://schemas.microsoft.com/office/infopath/2007/PartnerControls"/>
+    <ds:schemaRef ds:uri="http://schemas.openxmlformats.org/package/2006/metadata/core-properties"/>
+    <ds:schemaRef ds:uri="http://purl.org/dc/elements/1.1/"/>
+    <ds:schemaRef ds:uri="http://purl.org/dc/terms/"/>
+    <ds:schemaRef ds:uri="http://schemas.microsoft.com/internal/obd"/>
+  </ds:schemaRefs>
+</ds:datastoreItem>
 </file>
--- a/help/data-sheets/assets/BusinessSupportDatasheet.pptx
+++ b/help/data-sheets/assets/BusinessSupportDatasheet.pptx
@@ -143,15 +143,85 @@
 <file path=ppt/revisionInfo.xml><?xml version="1.0" encoding="utf-8"?>
 <p1510:revInfo xmlns:a="http://schemas.openxmlformats.org/drawingml/2006/main" xmlns:r="http://schemas.openxmlformats.org/officeDocument/2006/relationships" xmlns:p1510="http://schemas.microsoft.com/office/powerpoint/2015/10/main">
   <p1510:revLst>
-    <p1510:client id="{06B13378-B080-7F0F-51A5-F9203CEE57ED}" v="370" dt="2021-08-25T22:26:24.850"/>
-    <p1510:client id="{9E385600-BF81-FC49-9ED0-E33BC37F7908}" v="55" dt="2021-08-04T08:16:13.478"/>
-    <p1510:client id="{CA5D33DF-AE75-BCA1-B9BC-A7CD44D2F3C7}" v="2" dt="2021-08-25T22:38:18.624"/>
+    <p1510:client id="{61630BD6-9AE9-064C-B39F-AFA945B82B3E}" v="202" dt="2021-10-13T19:21:08.267"/>
+    <p1510:client id="{AC30C20D-1316-8ECC-DADD-39CCEC6A7FCF}" v="9" dt="2021-10-13T19:03:35.035"/>
   </p1510:revLst>
 </p1510:revInfo>
 </file>
 
 <file path=ppt/changesInfos/changesInfo1.xml><?xml version="1.0" encoding="utf-8"?>
 <pc:chgInfo xmlns:a="http://schemas.openxmlformats.org/drawingml/2006/main" xmlns:r="http://schemas.openxmlformats.org/officeDocument/2006/relationships" xmlns:ac="http://schemas.microsoft.com/office/drawing/2013/main/command" xmlns:pc="http://schemas.microsoft.com/office/powerpoint/2013/main/command">
+  <pc:docChgLst>
+    <pc:chgData name="Akilah Johnson" userId="S::akjohnso@adobe.com::2fa3aa60-0c9c-4d06-bae2-795983241227" providerId="AD" clId="Web-{4D8E0410-E0CE-85E2-0F84-C1BF4F647622}"/>
+    <pc:docChg chg="modSld">
+      <pc:chgData name="Akilah Johnson" userId="S::akjohnso@adobe.com::2fa3aa60-0c9c-4d06-bae2-795983241227" providerId="AD" clId="Web-{4D8E0410-E0CE-85E2-0F84-C1BF4F647622}" dt="2021-09-22T22:57:04.802" v="5"/>
+      <pc:docMkLst>
+        <pc:docMk/>
+      </pc:docMkLst>
+      <pc:sldChg chg="modSp">
+        <pc:chgData name="Akilah Johnson" userId="S::akjohnso@adobe.com::2fa3aa60-0c9c-4d06-bae2-795983241227" providerId="AD" clId="Web-{4D8E0410-E0CE-85E2-0F84-C1BF4F647622}" dt="2021-09-22T22:57:04.802" v="5"/>
+        <pc:sldMkLst>
+          <pc:docMk/>
+          <pc:sldMk cId="1050037809" sldId="261"/>
+        </pc:sldMkLst>
+        <pc:graphicFrameChg chg="mod modGraphic">
+          <ac:chgData name="Akilah Johnson" userId="S::akjohnso@adobe.com::2fa3aa60-0c9c-4d06-bae2-795983241227" providerId="AD" clId="Web-{4D8E0410-E0CE-85E2-0F84-C1BF4F647622}" dt="2021-09-22T22:57:04.802" v="5"/>
+          <ac:graphicFrameMkLst>
+            <pc:docMk/>
+            <pc:sldMk cId="1050037809" sldId="261"/>
+            <ac:graphicFrameMk id="25" creationId="{3A91F5B0-3974-A14D-A146-FB590F2AAD18}"/>
+          </ac:graphicFrameMkLst>
+        </pc:graphicFrameChg>
+      </pc:sldChg>
+    </pc:docChg>
+  </pc:docChgLst>
+  <pc:docChgLst>
+    <pc:chgData name="Akilah Johnson" userId="S::akjohnso@adobe.com::2fa3aa60-0c9c-4d06-bae2-795983241227" providerId="AD" clId="Web-{019F6A09-DCDA-BB53-9E3C-5BA3B13E26BB}"/>
+    <pc:docChg chg="modSld">
+      <pc:chgData name="Akilah Johnson" userId="S::akjohnso@adobe.com::2fa3aa60-0c9c-4d06-bae2-795983241227" providerId="AD" clId="Web-{019F6A09-DCDA-BB53-9E3C-5BA3B13E26BB}" dt="2021-10-12T17:10:36.752" v="17" actId="20577"/>
+      <pc:docMkLst>
+        <pc:docMk/>
+      </pc:docMkLst>
+      <pc:sldChg chg="modSp">
+        <pc:chgData name="Akilah Johnson" userId="S::akjohnso@adobe.com::2fa3aa60-0c9c-4d06-bae2-795983241227" providerId="AD" clId="Web-{019F6A09-DCDA-BB53-9E3C-5BA3B13E26BB}" dt="2021-10-12T17:09:32.112" v="2" actId="20577"/>
+        <pc:sldMkLst>
+          <pc:docMk/>
+          <pc:sldMk cId="0" sldId="257"/>
+        </pc:sldMkLst>
+        <pc:spChg chg="mod">
+          <ac:chgData name="Akilah Johnson" userId="S::akjohnso@adobe.com::2fa3aa60-0c9c-4d06-bae2-795983241227" providerId="AD" clId="Web-{019F6A09-DCDA-BB53-9E3C-5BA3B13E26BB}" dt="2021-10-12T17:09:32.112" v="2" actId="20577"/>
+          <ac:spMkLst>
+            <pc:docMk/>
+            <pc:sldMk cId="0" sldId="257"/>
+            <ac:spMk id="46" creationId="{00000000-0000-0000-0000-000000000000}"/>
+          </ac:spMkLst>
+        </pc:spChg>
+      </pc:sldChg>
+      <pc:sldChg chg="modSp">
+        <pc:chgData name="Akilah Johnson" userId="S::akjohnso@adobe.com::2fa3aa60-0c9c-4d06-bae2-795983241227" providerId="AD" clId="Web-{019F6A09-DCDA-BB53-9E3C-5BA3B13E26BB}" dt="2021-10-12T17:10:36.752" v="17" actId="20577"/>
+        <pc:sldMkLst>
+          <pc:docMk/>
+          <pc:sldMk cId="1050037809" sldId="261"/>
+        </pc:sldMkLst>
+        <pc:spChg chg="mod">
+          <ac:chgData name="Akilah Johnson" userId="S::akjohnso@adobe.com::2fa3aa60-0c9c-4d06-bae2-795983241227" providerId="AD" clId="Web-{019F6A09-DCDA-BB53-9E3C-5BA3B13E26BB}" dt="2021-10-12T17:10:36.752" v="17" actId="20577"/>
+          <ac:spMkLst>
+            <pc:docMk/>
+            <pc:sldMk cId="1050037809" sldId="261"/>
+            <ac:spMk id="56" creationId="{00000000-0000-0000-0000-000000000000}"/>
+          </ac:spMkLst>
+        </pc:spChg>
+        <pc:graphicFrameChg chg="mod modGraphic">
+          <ac:chgData name="Akilah Johnson" userId="S::akjohnso@adobe.com::2fa3aa60-0c9c-4d06-bae2-795983241227" providerId="AD" clId="Web-{019F6A09-DCDA-BB53-9E3C-5BA3B13E26BB}" dt="2021-10-12T17:09:41.471" v="6"/>
+          <ac:graphicFrameMkLst>
+            <pc:docMk/>
+            <pc:sldMk cId="1050037809" sldId="261"/>
+            <ac:graphicFrameMk id="111" creationId="{D8653CEC-4213-DE40-9BAF-D1E3318FF89C}"/>
+          </ac:graphicFrameMkLst>
+        </pc:graphicFrameChg>
+      </pc:sldChg>
+    </pc:docChg>
+  </pc:docChgLst>
   <pc:docChgLst>
     <pc:chgData name="Andy Witt" userId="S::awitt@adobe.com::e9157bdf-53b2-40e4-9459-936793d75696" providerId="AD" clId="Web-{06B13378-B080-7F0F-51A5-F9203CEE57ED}"/>
     <pc:docChg chg="modSld">
@@ -171,6 +241,150 @@
             <pc:docMk/>
             <pc:sldMk cId="1050037809" sldId="261"/>
             <ac:graphicFrameMk id="25" creationId="{3A91F5B0-3974-A14D-A146-FB590F2AAD18}"/>
+          </ac:graphicFrameMkLst>
+        </pc:graphicFrameChg>
+      </pc:sldChg>
+    </pc:docChg>
+  </pc:docChgLst>
+  <pc:docChgLst>
+    <pc:chgData name="Akilah Johnson" userId="S::akjohnso@adobe.com::2fa3aa60-0c9c-4d06-bae2-795983241227" providerId="AD" clId="Web-{71D6CFBF-0EA2-99B0-93F4-22F19EF0AE4E}"/>
+    <pc:docChg chg="modSld">
+      <pc:chgData name="Akilah Johnson" userId="S::akjohnso@adobe.com::2fa3aa60-0c9c-4d06-bae2-795983241227" providerId="AD" clId="Web-{71D6CFBF-0EA2-99B0-93F4-22F19EF0AE4E}" dt="2021-09-22T19:06:58.732" v="1" actId="1076"/>
+      <pc:docMkLst>
+        <pc:docMk/>
+      </pc:docMkLst>
+      <pc:sldChg chg="modSp">
+        <pc:chgData name="Akilah Johnson" userId="S::akjohnso@adobe.com::2fa3aa60-0c9c-4d06-bae2-795983241227" providerId="AD" clId="Web-{71D6CFBF-0EA2-99B0-93F4-22F19EF0AE4E}" dt="2021-09-22T19:06:58.732" v="1" actId="1076"/>
+        <pc:sldMkLst>
+          <pc:docMk/>
+          <pc:sldMk cId="1050037809" sldId="261"/>
+        </pc:sldMkLst>
+        <pc:spChg chg="mod">
+          <ac:chgData name="Akilah Johnson" userId="S::akjohnso@adobe.com::2fa3aa60-0c9c-4d06-bae2-795983241227" providerId="AD" clId="Web-{71D6CFBF-0EA2-99B0-93F4-22F19EF0AE4E}" dt="2021-09-22T19:06:58.732" v="1" actId="1076"/>
+          <ac:spMkLst>
+            <pc:docMk/>
+            <pc:sldMk cId="1050037809" sldId="261"/>
+            <ac:spMk id="64" creationId="{41467BDC-3D83-D844-B922-CD07E94E5AAB}"/>
+          </ac:spMkLst>
+        </pc:spChg>
+      </pc:sldChg>
+    </pc:docChg>
+  </pc:docChgLst>
+  <pc:docChgLst>
+    <pc:chgData name="Akilah Johnson" userId="S::akjohnso@adobe.com::2fa3aa60-0c9c-4d06-bae2-795983241227" providerId="AD" clId="Web-{D428A0AE-54E2-30D2-C574-7A0742876CCF}"/>
+    <pc:docChg chg="modSld">
+      <pc:chgData name="Akilah Johnson" userId="S::akjohnso@adobe.com::2fa3aa60-0c9c-4d06-bae2-795983241227" providerId="AD" clId="Web-{D428A0AE-54E2-30D2-C574-7A0742876CCF}" dt="2021-10-12T19:11:25.330" v="0" actId="20577"/>
+      <pc:docMkLst>
+        <pc:docMk/>
+      </pc:docMkLst>
+      <pc:sldChg chg="modSp">
+        <pc:chgData name="Akilah Johnson" userId="S::akjohnso@adobe.com::2fa3aa60-0c9c-4d06-bae2-795983241227" providerId="AD" clId="Web-{D428A0AE-54E2-30D2-C574-7A0742876CCF}" dt="2021-10-12T19:11:25.330" v="0" actId="20577"/>
+        <pc:sldMkLst>
+          <pc:docMk/>
+          <pc:sldMk cId="0" sldId="256"/>
+        </pc:sldMkLst>
+        <pc:spChg chg="mod">
+          <ac:chgData name="Akilah Johnson" userId="S::akjohnso@adobe.com::2fa3aa60-0c9c-4d06-bae2-795983241227" providerId="AD" clId="Web-{D428A0AE-54E2-30D2-C574-7A0742876CCF}" dt="2021-10-12T19:11:25.330" v="0" actId="20577"/>
+          <ac:spMkLst>
+            <pc:docMk/>
+            <pc:sldMk cId="0" sldId="256"/>
+            <ac:spMk id="4" creationId="{00000000-0000-0000-0000-000000000000}"/>
+          </ac:spMkLst>
+        </pc:spChg>
+      </pc:sldChg>
+    </pc:docChg>
+  </pc:docChgLst>
+  <pc:docChgLst>
+    <pc:chgData name="Lauren Schutte" userId="S::schutte@adobe.com::6e08b2d3-447a-4d66-86be-444d50df187f" providerId="AD" clId="Web-{AC30C20D-1316-8ECC-DADD-39CCEC6A7FCF}"/>
+    <pc:docChg chg="modSld">
+      <pc:chgData name="Lauren Schutte" userId="S::schutte@adobe.com::6e08b2d3-447a-4d66-86be-444d50df187f" providerId="AD" clId="Web-{AC30C20D-1316-8ECC-DADD-39CCEC6A7FCF}" dt="2021-10-13T19:03:35.035" v="8" actId="1076"/>
+      <pc:docMkLst>
+        <pc:docMk/>
+      </pc:docMkLst>
+      <pc:sldChg chg="modSp">
+        <pc:chgData name="Lauren Schutte" userId="S::schutte@adobe.com::6e08b2d3-447a-4d66-86be-444d50df187f" providerId="AD" clId="Web-{AC30C20D-1316-8ECC-DADD-39CCEC6A7FCF}" dt="2021-10-13T19:03:35.035" v="8" actId="1076"/>
+        <pc:sldMkLst>
+          <pc:docMk/>
+          <pc:sldMk cId="0" sldId="256"/>
+        </pc:sldMkLst>
+        <pc:spChg chg="mod">
+          <ac:chgData name="Lauren Schutte" userId="S::schutte@adobe.com::6e08b2d3-447a-4d66-86be-444d50df187f" providerId="AD" clId="Web-{AC30C20D-1316-8ECC-DADD-39CCEC6A7FCF}" dt="2021-10-13T19:03:27.878" v="7" actId="14100"/>
+          <ac:spMkLst>
+            <pc:docMk/>
+            <pc:sldMk cId="0" sldId="256"/>
+            <ac:spMk id="3" creationId="{00000000-0000-0000-0000-000000000000}"/>
+          </ac:spMkLst>
+        </pc:spChg>
+        <pc:spChg chg="mod">
+          <ac:chgData name="Lauren Schutte" userId="S::schutte@adobe.com::6e08b2d3-447a-4d66-86be-444d50df187f" providerId="AD" clId="Web-{AC30C20D-1316-8ECC-DADD-39CCEC6A7FCF}" dt="2021-10-13T19:03:35.035" v="8" actId="1076"/>
+          <ac:spMkLst>
+            <pc:docMk/>
+            <pc:sldMk cId="0" sldId="256"/>
+            <ac:spMk id="5" creationId="{00000000-0000-0000-0000-000000000000}"/>
+          </ac:spMkLst>
+        </pc:spChg>
+      </pc:sldChg>
+    </pc:docChg>
+  </pc:docChgLst>
+  <pc:docChgLst>
+    <pc:chgData name="Akilah Johnson" userId="S::akjohnso@adobe.com::2fa3aa60-0c9c-4d06-bae2-795983241227" providerId="AD" clId="Web-{AFB92C2B-405E-C597-0988-18F97C53104C}"/>
+    <pc:docChg chg="modSld">
+      <pc:chgData name="Akilah Johnson" userId="S::akjohnso@adobe.com::2fa3aa60-0c9c-4d06-bae2-795983241227" providerId="AD" clId="Web-{AFB92C2B-405E-C597-0988-18F97C53104C}" dt="2021-09-22T18:53:26.184" v="29"/>
+      <pc:docMkLst>
+        <pc:docMk/>
+      </pc:docMkLst>
+      <pc:sldChg chg="modSp">
+        <pc:chgData name="Akilah Johnson" userId="S::akjohnso@adobe.com::2fa3aa60-0c9c-4d06-bae2-795983241227" providerId="AD" clId="Web-{AFB92C2B-405E-C597-0988-18F97C53104C}" dt="2021-09-22T18:53:26.184" v="29"/>
+        <pc:sldMkLst>
+          <pc:docMk/>
+          <pc:sldMk cId="1050037809" sldId="261"/>
+        </pc:sldMkLst>
+        <pc:spChg chg="mod">
+          <ac:chgData name="Akilah Johnson" userId="S::akjohnso@adobe.com::2fa3aa60-0c9c-4d06-bae2-795983241227" providerId="AD" clId="Web-{AFB92C2B-405E-C597-0988-18F97C53104C}" dt="2021-09-22T18:53:05.841" v="5" actId="20577"/>
+          <ac:spMkLst>
+            <pc:docMk/>
+            <pc:sldMk cId="1050037809" sldId="261"/>
+            <ac:spMk id="64" creationId="{41467BDC-3D83-D844-B922-CD07E94E5AAB}"/>
+          </ac:spMkLst>
+        </pc:spChg>
+        <pc:graphicFrameChg chg="mod modGraphic">
+          <ac:chgData name="Akilah Johnson" userId="S::akjohnso@adobe.com::2fa3aa60-0c9c-4d06-bae2-795983241227" providerId="AD" clId="Web-{AFB92C2B-405E-C597-0988-18F97C53104C}" dt="2021-09-22T18:53:26.184" v="29"/>
+          <ac:graphicFrameMkLst>
+            <pc:docMk/>
+            <pc:sldMk cId="1050037809" sldId="261"/>
+            <ac:graphicFrameMk id="25" creationId="{3A91F5B0-3974-A14D-A146-FB590F2AAD18}"/>
+          </ac:graphicFrameMkLst>
+        </pc:graphicFrameChg>
+      </pc:sldChg>
+    </pc:docChg>
+  </pc:docChgLst>
+  <pc:docChgLst>
+    <pc:chgData name="Lauren Schutte" userId="6e08b2d3-447a-4d66-86be-444d50df187f" providerId="ADAL" clId="{61630BD6-9AE9-064C-B39F-AFA945B82B3E}"/>
+    <pc:docChg chg="undo custSel modSld">
+      <pc:chgData name="Lauren Schutte" userId="6e08b2d3-447a-4d66-86be-444d50df187f" providerId="ADAL" clId="{61630BD6-9AE9-064C-B39F-AFA945B82B3E}" dt="2021-10-13T19:21:08.267" v="201" actId="20577"/>
+      <pc:docMkLst>
+        <pc:docMk/>
+      </pc:docMkLst>
+      <pc:sldChg chg="modSp mod">
+        <pc:chgData name="Lauren Schutte" userId="6e08b2d3-447a-4d66-86be-444d50df187f" providerId="ADAL" clId="{61630BD6-9AE9-064C-B39F-AFA945B82B3E}" dt="2021-10-13T19:21:08.267" v="201" actId="20577"/>
+        <pc:sldMkLst>
+          <pc:docMk/>
+          <pc:sldMk cId="0" sldId="256"/>
+        </pc:sldMkLst>
+        <pc:spChg chg="mod">
+          <ac:chgData name="Lauren Schutte" userId="6e08b2d3-447a-4d66-86be-444d50df187f" providerId="ADAL" clId="{61630BD6-9AE9-064C-B39F-AFA945B82B3E}" dt="2021-10-13T19:03:44.344" v="3" actId="1076"/>
+          <ac:spMkLst>
+            <pc:docMk/>
+            <pc:sldMk cId="0" sldId="256"/>
+            <ac:spMk id="3" creationId="{00000000-0000-0000-0000-000000000000}"/>
+          </ac:spMkLst>
+        </pc:spChg>
+        <pc:graphicFrameChg chg="mod modGraphic">
+          <ac:chgData name="Lauren Schutte" userId="6e08b2d3-447a-4d66-86be-444d50df187f" providerId="ADAL" clId="{61630BD6-9AE9-064C-B39F-AFA945B82B3E}" dt="2021-10-13T19:21:08.267" v="201" actId="20577"/>
+          <ac:graphicFrameMkLst>
+            <pc:docMk/>
+            <pc:sldMk cId="0" sldId="256"/>
+            <ac:graphicFrameMk id="9" creationId="{00000000-0000-0000-0000-000000000000}"/>
           </ac:graphicFrameMkLst>
         </pc:graphicFrameChg>
       </pc:sldChg>
@@ -285,7 +499,7 @@
           <a:p>
             <a:fld id="{FB81873C-0B24-F04A-98A1-90E0A78F7E8A}" type="datetimeFigureOut">
               <a:rPr lang="en-US" smtClean="0"/>
-              <a:t>10/11/21</a:t>
+              <a:t>10/13/2021</a:t>
             </a:fld>
             <a:endParaRPr lang="en-US"/>
           </a:p>
@@ -596,7 +810,7 @@
           <a:bodyPr/>
           <a:lstStyle/>
           <a:p>
-            <a:endParaRPr lang="en-US" dirty="0"/>
+            <a:endParaRPr lang="en-US"/>
           </a:p>
         </p:txBody>
       </p:sp>
@@ -680,7 +894,7 @@
           <a:bodyPr/>
           <a:lstStyle/>
           <a:p>
-            <a:endParaRPr lang="en-US" dirty="0"/>
+            <a:endParaRPr lang="en-US"/>
           </a:p>
         </p:txBody>
       </p:sp>
@@ -764,7 +978,7 @@
           <a:bodyPr/>
           <a:lstStyle/>
           <a:p>
-            <a:endParaRPr lang="en-US" dirty="0"/>
+            <a:endParaRPr lang="en-US"/>
           </a:p>
         </p:txBody>
       </p:sp>
@@ -908,7 +1122,7 @@
           <a:p>
             <a:fld id="{1D8BD707-D9CF-40AE-B4C6-C98DA3205C09}" type="datetimeFigureOut">
               <a:rPr lang="en-US"/>
-              <a:t>10/11/21</a:t>
+              <a:t>10/13/2021</a:t>
             </a:fld>
             <a:endParaRPr lang="en-US"/>
           </a:p>
@@ -996,23 +1210,23 @@
               </a:spcBef>
             </a:pPr>
             <a:r>
-              <a:rPr spc="-5" dirty="0"/>
+              <a:rPr spc="-5"/>
               <a:t>©202</a:t>
             </a:r>
             <a:r>
-              <a:rPr lang="en-US" spc="-5" dirty="0"/>
+              <a:rPr lang="en-US" spc="-5"/>
               <a:t>1 </a:t>
             </a:r>
             <a:r>
-              <a:rPr spc="-5" dirty="0"/>
+              <a:rPr spc="-5"/>
               <a:t>Adobe. All Rights Reserved. Adobe</a:t>
             </a:r>
             <a:r>
-              <a:rPr spc="60" dirty="0"/>
+              <a:rPr spc="60"/>
               <a:t> </a:t>
             </a:r>
             <a:r>
-              <a:rPr spc="-5" dirty="0"/>
+              <a:rPr spc="-5"/>
               <a:t>Confidential.</a:t>
             </a:r>
           </a:p>
@@ -1100,7 +1314,7 @@
           <a:p>
             <a:fld id="{1D8BD707-D9CF-40AE-B4C6-C98DA3205C09}" type="datetimeFigureOut">
               <a:rPr lang="en-US"/>
-              <a:t>10/11/21</a:t>
+              <a:t>10/13/2021</a:t>
             </a:fld>
             <a:endParaRPr lang="en-US"/>
           </a:p>
@@ -1188,23 +1402,23 @@
               </a:spcBef>
             </a:pPr>
             <a:r>
-              <a:rPr spc="-5" dirty="0"/>
+              <a:rPr spc="-5"/>
               <a:t>©202</a:t>
             </a:r>
             <a:r>
-              <a:rPr lang="en-US" spc="-5" dirty="0"/>
+              <a:rPr lang="en-US" spc="-5"/>
               <a:t>1</a:t>
             </a:r>
             <a:r>
-              <a:rPr spc="-5" dirty="0"/>
+              <a:rPr spc="-5"/>
               <a:t> Adobe. All Rights Reserved. Adobe</a:t>
             </a:r>
             <a:r>
-              <a:rPr spc="60" dirty="0"/>
+              <a:rPr spc="60"/>
               <a:t> </a:t>
             </a:r>
             <a:r>
-              <a:rPr spc="-5" dirty="0"/>
+              <a:rPr spc="-5"/>
               <a:t>Confidential.</a:t>
             </a:r>
           </a:p>
@@ -1359,23 +1573,23 @@
               </a:spcBef>
             </a:pPr>
             <a:r>
-              <a:rPr spc="-5" dirty="0"/>
+              <a:rPr spc="-5"/>
               <a:t>©202</a:t>
             </a:r>
             <a:r>
-              <a:rPr lang="en-US" spc="-5" dirty="0"/>
+              <a:rPr lang="en-US" spc="-5"/>
               <a:t>1</a:t>
             </a:r>
             <a:r>
-              <a:rPr spc="-5" dirty="0"/>
+              <a:rPr spc="-5"/>
               <a:t> Adobe. All Rights Reserved. Adobe</a:t>
             </a:r>
             <a:r>
-              <a:rPr spc="60" dirty="0"/>
+              <a:rPr spc="60"/>
               <a:t> </a:t>
             </a:r>
             <a:r>
-              <a:rPr spc="-5" dirty="0"/>
+              <a:rPr spc="-5"/>
               <a:t>Confidential.</a:t>
             </a:r>
           </a:p>
@@ -1418,7 +1632,7 @@
           <a:p>
             <a:fld id="{1D8BD707-D9CF-40AE-B4C6-C98DA3205C09}" type="datetimeFigureOut">
               <a:rPr lang="en-US"/>
-              <a:t>10/11/21</a:t>
+              <a:t>10/13/2021</a:t>
             </a:fld>
             <a:endParaRPr lang="en-US"/>
           </a:p>
@@ -1672,8 +1886,8 @@
         </p:nvSpPr>
         <p:spPr>
           <a:xfrm>
-            <a:off x="168564" y="7162363"/>
-            <a:ext cx="3870035" cy="229037"/>
+            <a:off x="168565" y="7162363"/>
+            <a:ext cx="2800350" cy="238760"/>
           </a:xfrm>
           <a:prstGeom prst="rect">
             <a:avLst/>
@@ -1694,7 +1908,7 @@
               </a:spcBef>
             </a:pPr>
             <a:r>
-              <a:rPr lang="de-de" sz="1400" b="1" u="heavy" spc="10" dirty="0">
+              <a:rPr sz="1400" b="1" u="heavy" spc="10">
                 <a:solidFill>
                   <a:srgbClr val="020302"/>
                 </a:solidFill>
@@ -1706,10 +1920,10 @@
                 <a:latin typeface="Adobe Clean"/>
                 <a:cs typeface="Adobe Clean"/>
               </a:rPr>
-              <a:t>서비스 </a:t>
-            </a:r>
-            <a:r>
-              <a:rPr lang="de-de" sz="1400" b="1" u="heavy" spc="-10" dirty="0">
+              <a:t>Service </a:t>
+            </a:r>
+            <a:r>
+              <a:rPr sz="1400" b="1" u="heavy" spc="-10">
                 <a:solidFill>
                   <a:srgbClr val="020302"/>
                 </a:solidFill>
@@ -1721,10 +1935,10 @@
                 <a:latin typeface="Adobe Clean"/>
                 <a:cs typeface="Adobe Clean"/>
               </a:rPr>
-              <a:t>수준 </a:t>
-            </a:r>
-            <a:r>
-              <a:rPr lang="de-de" sz="1400" b="1" u="heavy" spc="-45" dirty="0">
+              <a:t>Level </a:t>
+            </a:r>
+            <a:r>
+              <a:rPr sz="1400" b="1" u="heavy" spc="-45">
                 <a:solidFill>
                   <a:srgbClr val="020302"/>
                 </a:solidFill>
@@ -1736,10 +1950,10 @@
                 <a:latin typeface="Adobe Clean"/>
                 <a:cs typeface="Adobe Clean"/>
               </a:rPr>
-              <a:t>목표: </a:t>
-            </a:r>
-            <a:r>
-              <a:rPr lang="de-de" sz="1400" b="1" u="heavy" spc="-10" dirty="0">
+              <a:t>Targets: </a:t>
+            </a:r>
+            <a:r>
+              <a:rPr sz="1400" b="1" u="heavy" spc="-10">
                 <a:solidFill>
                   <a:srgbClr val="020302"/>
                 </a:solidFill>
@@ -1751,10 +1965,10 @@
                 <a:latin typeface="Adobe Clean"/>
                 <a:cs typeface="Adobe Clean"/>
               </a:rPr>
-              <a:t>초기</a:t>
-            </a:r>
-            <a:r>
-              <a:rPr lang="de-de" sz="1400" b="1" u="heavy" spc="-140" dirty="0">
+              <a:t>Initial</a:t>
+            </a:r>
+            <a:r>
+              <a:rPr sz="1400" b="1" u="heavy" spc="-140">
                 <a:solidFill>
                   <a:srgbClr val="020302"/>
                 </a:solidFill>
@@ -1769,7 +1983,7 @@
               <a:t> </a:t>
             </a:r>
             <a:r>
-              <a:rPr lang="de-de" sz="1400" b="1" u="heavy" spc="-15" dirty="0">
+              <a:rPr sz="1400" b="1" u="heavy" spc="-15">
                 <a:solidFill>
                   <a:srgbClr val="020302"/>
                 </a:solidFill>
@@ -1781,9 +1995,9 @@
                 <a:latin typeface="Adobe Clean"/>
                 <a:cs typeface="Adobe Clean"/>
               </a:rPr>
-              <a:t>대응</a:t>
-            </a:r>
-            <a:endParaRPr sz="1400" dirty="0">
+              <a:t>Response</a:t>
+            </a:r>
+            <a:endParaRPr sz="1400">
               <a:latin typeface="Adobe Clean"/>
               <a:cs typeface="Adobe Clean"/>
             </a:endParaRPr>
@@ -1839,7 +2053,7 @@
           </a:prstGeom>
         </p:spPr>
         <p:txBody>
-          <a:bodyPr vert="horz" wrap="square" lIns="0" tIns="12700" rIns="0" bIns="0" rtlCol="0">
+          <a:bodyPr vert="horz" wrap="square" lIns="0" tIns="12700" rIns="0" bIns="0" rtlCol="0" anchor="t">
             <a:spAutoFit/>
           </a:bodyPr>
           <a:lstStyle/>
@@ -1853,12 +2067,18 @@
               </a:spcBef>
             </a:pPr>
             <a:r>
-              <a:rPr lang="de-de" sz="2300" dirty="0">
-                <a:latin typeface="Adobe Clean" panose="020B0503020404020204" pitchFamily="34" charset="0"/>
-              </a:rPr>
-              <a:t>Adobe 지원 서비스 제공 사항</a:t>
-            </a:r>
-            <a:endParaRPr sz="2300" dirty="0">
+              <a:rPr sz="2300">
+                <a:latin typeface="Adobe Clean"/>
+              </a:rPr>
+              <a:t>ADOBE </a:t>
+            </a:r>
+            <a:r>
+              <a:rPr lang="en-US" sz="2300">
+                <a:latin typeface="Adobe Clean"/>
+              </a:rPr>
+              <a:t>SUPPORT PLANS</a:t>
+            </a:r>
+            <a:endParaRPr sz="2300">
               <a:latin typeface="Adobe Clean" panose="020B0503020404020204" pitchFamily="34" charset="0"/>
             </a:endParaRPr>
           </a:p>
@@ -1872,7 +2092,7 @@
         </p:nvSpPr>
         <p:spPr>
           <a:xfrm>
-            <a:off x="121147" y="635935"/>
+            <a:off x="121147" y="531160"/>
             <a:ext cx="5865216" cy="1269065"/>
           </a:xfrm>
           <a:prstGeom prst="rect">
@@ -1894,31 +2114,31 @@
               </a:spcBef>
             </a:pPr>
             <a:r>
-              <a:rPr lang="de-de" sz="900" dirty="0">
+              <a:rPr lang="en-US" sz="900">
                 <a:solidFill>
                   <a:schemeClr val="bg1"/>
                 </a:solidFill>
                 <a:latin typeface="Adobe Clean Light" panose="020B0303020404020204" pitchFamily="34" charset="0"/>
               </a:rPr>
-              <a:t>온라인 | </a:t>
-            </a:r>
-            <a:r>
-              <a:rPr lang="de-de" sz="900" b="1" dirty="0">
+              <a:t>Online | </a:t>
+            </a:r>
+            <a:r>
+              <a:rPr lang="en-US" sz="900" b="1">
                 <a:solidFill>
                   <a:schemeClr val="bg1"/>
                 </a:solidFill>
                 <a:latin typeface="Adobe Clean" panose="020B0503020404020204" pitchFamily="34" charset="0"/>
               </a:rPr>
-              <a:t>비즈니스</a:t>
-            </a:r>
-            <a:r>
-              <a:rPr lang="de-de" sz="900" dirty="0">
+              <a:t>Business</a:t>
+            </a:r>
+            <a:r>
+              <a:rPr lang="en-US" sz="900">
                 <a:solidFill>
                   <a:schemeClr val="bg1"/>
                 </a:solidFill>
                 <a:latin typeface="Adobe Clean Light" panose="020B0303020404020204" pitchFamily="34" charset="0"/>
               </a:rPr>
-              <a:t> | 엔터프라이즈 | 엘리트</a:t>
+              <a:t> | Enterprise | Elite</a:t>
             </a:r>
           </a:p>
           <a:p>
@@ -1931,15 +2151,15 @@
               </a:spcBef>
             </a:pPr>
             <a:r>
-              <a:rPr lang="de-de" sz="900" dirty="0">
+              <a:rPr lang="en-US" sz="900">
                 <a:solidFill>
                   <a:schemeClr val="bg1"/>
                 </a:solidFill>
                 <a:latin typeface="Adobe Clean SemiLight" panose="020B0403020404020204" pitchFamily="34" charset="0"/>
               </a:rPr>
-              <a:t>Adobe는 비즈니스를 지원하는 데 도움이 되는 포괄적인 기술 리소스를 제공합니다. Experience Cloud 라이선스 구독의 일부로 포함되며 비즈니스 지원 패키지에서 더욱 향상되었습니다. 비즈니스 지원에는 Adobe Experience League를 통한 개인 맞춤형 학습 경로 및 모니터링되는 커뮤니티 포럼 액세스가 포함됩니다. 또한 상세한 심층적 기술 제품 설명서 및 최신 릴리스 정보를 활용할 수도 있습니다. 비즈니스 고객은 또한 전화나 지원 웹 포털을 통해 제품 쿼리에 대한 기술 지원 팀의 서비스를 이용하여 가장 중요한 시기에 비즈니스를 보호할 수 있습니다. BUSINESS 고객은 가장 중요한 지원 요청에 대한 지원 사례 에스컬레이션 관리 외에도 계정 지원 리드로부터 정기적인 커뮤니케이션 및 업데이트를 받게 됩니다. </a:t>
-            </a:r>
-            <a:endParaRPr lang="en-US" sz="900" dirty="0">
+              <a:t>Adobe provides a comprehensive range of technical resources to help support your business, included as part of your Experience Cloud license subscription and enhanced in the BUSINESS support package. BUSINESS support includes access to personalized learning paths and monitored community forums via the Adobe Experience League. You can also take advantage of our detailed and in-depth technical product documentation and current release notes. BUSINESS customers also benefit from access to our technical support teams for any product query via either the telephone or the support web portal, to help protect your business at the most critical times. BUSINESS customers will receive regular communications and updates from their Account Support Lead in addition to support case escalation management for your most critical of support requests. </a:t>
+            </a:r>
+            <a:endParaRPr lang="en-US" sz="900">
               <a:solidFill>
                 <a:schemeClr val="bg1"/>
               </a:solidFill>
@@ -2012,16 +2232,24 @@
               </a:spcBef>
             </a:pPr>
             <a:r>
-              <a:rPr lang="de-de" spc="-5" dirty="0"/>
-              <a:t>©2021 Adobe. All Rights Reserved. Adobe</a:t>
-            </a:r>
-            <a:r>
-              <a:rPr lang="de-de" spc="60" dirty="0"/>
+              <a:rPr spc="-5"/>
+              <a:t>©202</a:t>
+            </a:r>
+            <a:r>
+              <a:rPr lang="en-US" spc="-5"/>
+              <a:t>1</a:t>
+            </a:r>
+            <a:r>
+              <a:rPr spc="-5"/>
+              <a:t> Adobe. All Rights Reserved. Adobe</a:t>
+            </a:r>
+            <a:r>
+              <a:rPr spc="60"/>
               <a:t> </a:t>
             </a:r>
             <a:r>
-              <a:rPr lang="de-de" spc="-5" dirty="0"/>
-              <a:t>기밀.</a:t>
+              <a:rPr spc="-5"/>
+              <a:t>Confidential.</a:t>
             </a:r>
           </a:p>
         </p:txBody>
@@ -2035,14 +2263,14 @@
           <p:nvPr>
             <p:extLst>
               <p:ext uri="{D42A27DB-BD31-4B8C-83A1-F6EECF244321}">
-                <p14:modId xmlns:p14="http://schemas.microsoft.com/office/powerpoint/2010/main" val="1939579510"/>
+                <p14:modId xmlns:p14="http://schemas.microsoft.com/office/powerpoint/2010/main" val="852543156"/>
               </p:ext>
             </p:extLst>
           </p:nvPr>
         </p:nvGraphicFramePr>
         <p:xfrm>
-          <a:off x="121146" y="7475985"/>
-          <a:ext cx="7498852" cy="2119744"/>
+          <a:off x="118872" y="7475985"/>
+          <a:ext cx="7498851" cy="2223598"/>
         </p:xfrm>
         <a:graphic>
           <a:graphicData uri="http://schemas.openxmlformats.org/drawingml/2006/table">
@@ -2051,7 +2279,7 @@
                 <a:tableStyleId>{2D5ABB26-0587-4C30-8999-92F81FD0307C}</a:tableStyleId>
               </a:tblPr>
               <a:tblGrid>
-                <a:gridCol w="4698745">
+                <a:gridCol w="4698744">
                   <a:extLst>
                     <a:ext uri="{9D8B030D-6E8A-4147-A177-3AD203B41FA5}">
                       <a16:colId xmlns:a16="http://schemas.microsoft.com/office/drawing/2014/main" val="20000"/>
@@ -2073,7 +2301,7 @@
                   </a:extLst>
                 </a:gridCol>
               </a:tblGrid>
-              <a:tr h="274318">
+              <a:tr h="291248">
                 <a:tc>
                   <a:txBody>
                     <a:bodyPr/>
@@ -2088,22 +2316,22 @@
                         </a:spcBef>
                       </a:pPr>
                       <a:r>
-                        <a:rPr lang="de-de" sz="900" spc="0" dirty="0">
+                        <a:rPr sz="900" spc="0">
                           <a:solidFill>
                             <a:srgbClr val="020302"/>
                           </a:solidFill>
                           <a:latin typeface="Adobe Clean"/>
                           <a:cs typeface="Adobe Clean"/>
                         </a:rPr>
-                        <a:t>우선 순위</a:t>
+                        <a:t>Priority</a:t>
                       </a:r>
-                      <a:endParaRPr sz="900" spc="0" dirty="0">
+                      <a:endParaRPr sz="900" spc="0">
                         <a:latin typeface="Adobe Clean"/>
                         <a:cs typeface="Adobe Clean"/>
                       </a:endParaRPr>
                     </a:p>
                   </a:txBody>
-                  <a:tcPr marL="0" marR="0" marT="7620" marB="0" anchor="ctr">
+                  <a:tcPr marL="0" marR="0" marT="7620" marB="0">
                     <a:lnL w="3175">
                       <a:solidFill>
                         <a:srgbClr val="B7B8B8"/>
@@ -2147,22 +2375,22 @@
                         </a:spcBef>
                       </a:pPr>
                       <a:r>
-                        <a:rPr lang="de-de" sz="900" spc="0" dirty="0">
+                        <a:rPr sz="900" spc="0">
                           <a:solidFill>
                             <a:srgbClr val="020302"/>
                           </a:solidFill>
                           <a:latin typeface="Adobe Clean"/>
                           <a:cs typeface="Adobe Clean"/>
                         </a:rPr>
-                        <a:t>온라인 지원</a:t>
+                        <a:t>Online Support</a:t>
                       </a:r>
-                      <a:endParaRPr sz="900" spc="0" dirty="0">
+                      <a:endParaRPr sz="900" spc="0">
                         <a:latin typeface="Adobe Clean"/>
                         <a:cs typeface="Adobe Clean"/>
                       </a:endParaRPr>
                     </a:p>
                   </a:txBody>
-                  <a:tcPr anchor="ctr">
+                  <a:tcPr marL="182880" marT="91440" anchor="ctr">
                     <a:lnL w="3175">
                       <a:solidFill>
                         <a:srgbClr val="B7B8B8"/>
@@ -2197,7 +2425,7 @@
                     <a:bodyPr/>
                     <a:lstStyle/>
                     <a:p>
-                      <a:pPr marL="92710" algn="ctr">
+                      <a:pPr marL="92710">
                         <a:lnSpc>
                           <a:spcPct val="100000"/>
                         </a:lnSpc>
@@ -2206,22 +2434,42 @@
                         </a:spcBef>
                       </a:pPr>
                       <a:r>
-                        <a:rPr lang="de-de" sz="900" spc="0" dirty="0">
+                        <a:rPr sz="900" spc="0">
                           <a:solidFill>
                             <a:srgbClr val="FFFFFF"/>
                           </a:solidFill>
                           <a:latin typeface="Adobe Clean"/>
                           <a:cs typeface="Adobe Clean"/>
                         </a:rPr>
-                        <a:t>비즈니스 지원</a:t>
+                        <a:t>Business</a:t>
                       </a:r>
-                      <a:endParaRPr sz="900" spc="0" dirty="0">
+                      <a:r>
+                        <a:rPr lang="en-US" sz="900" spc="0">
+                          <a:solidFill>
+                            <a:srgbClr val="FFFFFF"/>
+                          </a:solidFill>
+                          <a:latin typeface="Adobe Clean"/>
+                          <a:cs typeface="Adobe Clean"/>
+                        </a:rPr>
+                        <a:t> </a:t>
+                      </a:r>
+                      <a:r>
+                        <a:rPr sz="900" spc="0">
+                          <a:solidFill>
+                            <a:srgbClr val="FFFFFF"/>
+                          </a:solidFill>
+                          <a:latin typeface="Adobe Clean"/>
+                          <a:cs typeface="Adobe Clean"/>
+                        </a:rPr>
+                        <a:t>Support</a:t>
+                      </a:r>
+                      <a:endParaRPr sz="900" spc="0">
                         <a:latin typeface="Adobe Clean"/>
                         <a:cs typeface="Adobe Clean"/>
                       </a:endParaRPr>
                     </a:p>
                   </a:txBody>
-                  <a:tcPr anchor="ctr">
+                  <a:tcPr marL="182880" marT="91440" anchor="ctr">
                     <a:lnL w="3175">
                       <a:solidFill>
                         <a:srgbClr val="B7B8B8"/>
@@ -2257,7 +2505,7 @@
                   </a:ext>
                 </a:extLst>
               </a:tr>
-              <a:tr h="484755">
+              <a:tr h="514672">
                 <a:tc>
                   <a:txBody>
                     <a:bodyPr/>
@@ -2272,16 +2520,16 @@
                         </a:spcBef>
                       </a:pPr>
                       <a:r>
-                        <a:rPr lang="de-de" sz="900" b="1" spc="0" dirty="0">
+                        <a:rPr sz="900" b="1" spc="0">
                           <a:solidFill>
                             <a:srgbClr val="020302"/>
                           </a:solidFill>
                           <a:latin typeface="Adobe Clean"/>
                           <a:cs typeface="Adobe Clean"/>
                         </a:rPr>
-                        <a:t>우선 순위 1</a:t>
+                        <a:t>PRIORITY 1</a:t>
                       </a:r>
-                      <a:endParaRPr sz="900" spc="0" dirty="0">
+                      <a:endParaRPr sz="900" spc="0">
                         <a:latin typeface="Adobe Clean"/>
                         <a:cs typeface="Adobe Clean"/>
                       </a:endParaRPr>
@@ -2305,16 +2553,16 @@
                         <a:defRPr/>
                       </a:pPr>
                       <a:r>
-                        <a:rPr lang="de-de" sz="900" b="0" i="0" spc="0" dirty="0">
+                        <a:rPr lang="en-US" sz="900" b="0" i="0" spc="0">
                           <a:solidFill>
                             <a:srgbClr val="000000"/>
                           </a:solidFill>
                           <a:effectLst/>
                           <a:latin typeface="Adobe Clean Light" panose="020B0303020404020204" pitchFamily="34" charset="0"/>
                         </a:rPr>
-                        <a:t>고객의 생산 비즈니스 기능이 다운되었거나 심각한 데이터 손실 또는 서비스 저하가 발생했으며 기능 및 사용성을 복원하기 위해 즉각적인 주의가 필요합니다.</a:t>
+                        <a:t>Customer's production business functions are down or have significant data loss or service degradation and immediate attention is required to restore functionality and usability</a:t>
                       </a:r>
-                      <a:endParaRPr lang="en-US" sz="900" b="0" i="0" spc="0" dirty="0">
+                      <a:endParaRPr lang="en-US" sz="900" b="0" i="0" spc="0">
                         <a:latin typeface="Adobe Clean Light" panose="020B0303020404020204" pitchFamily="34" charset="0"/>
                         <a:cs typeface="AdobeClean-Light"/>
                       </a:endParaRPr>
@@ -2361,22 +2609,62 @@
                         </a:spcBef>
                       </a:pPr>
                       <a:r>
-                        <a:rPr lang="de-de" sz="900" spc="0" dirty="0">
+                        <a:rPr sz="900" spc="0">
                           <a:solidFill>
                             <a:srgbClr val="020302"/>
                           </a:solidFill>
                           <a:latin typeface="AdobeClean-Light"/>
                           <a:cs typeface="AdobeClean-Light"/>
                         </a:rPr>
-                        <a:t>24x7 /           1시간</a:t>
+                        <a:t>24x7</a:t>
                       </a:r>
-                      <a:endParaRPr sz="900" spc="0" dirty="0">
+                      <a:r>
+                        <a:rPr lang="en-US" sz="900" spc="0">
+                          <a:solidFill>
+                            <a:srgbClr val="020302"/>
+                          </a:solidFill>
+                          <a:latin typeface="AdobeClean-Light"/>
+                          <a:cs typeface="AdobeClean-Light"/>
+                        </a:rPr>
+                        <a:t> </a:t>
+                      </a:r>
+                      <a:r>
+                        <a:rPr sz="900" spc="0">
+                          <a:solidFill>
+                            <a:srgbClr val="020302"/>
+                          </a:solidFill>
+                          <a:latin typeface="AdobeClean-Light"/>
+                          <a:cs typeface="AdobeClean-Light"/>
+                        </a:rPr>
+                        <a:t>/</a:t>
+                      </a:r>
+                      <a:r>
+                        <a:rPr lang="en-US" sz="900" spc="0">
+                          <a:solidFill>
+                            <a:srgbClr val="020302"/>
+                          </a:solidFill>
+                          <a:latin typeface="AdobeClean-Light"/>
+                          <a:cs typeface="AdobeClean-Light"/>
+                        </a:rPr>
+                        <a:t> </a:t>
+                      </a:r>
+                      <a:r>
+                        <a:rPr sz="900" spc="0">
+                          <a:solidFill>
+                            <a:srgbClr val="020302"/>
+                          </a:solidFill>
+                          <a:latin typeface="AdobeClean-Light"/>
+                          <a:cs typeface="AdobeClean-Light"/>
+                        </a:rPr>
+                        <a:t>1 hour</a:t>
+                      </a:r>
+                      <a:endParaRPr sz="900" spc="0">
                         <a:latin typeface="AdobeClean-Light"/>
                         <a:cs typeface="AdobeClean-Light"/>
                       </a:endParaRPr>
                     </a:p>
                   </a:txBody>
-                  <a:tcPr anchor="ctr">
+                  <a:tcPr marL="0" marR="0" marT="91440" marB="91440" anchor="ctr" anchorCtr="1">
                     <a:lnL w="3175">
                       <a:solidFill>
                         <a:srgbClr val="B7B8B8"/>
@@ -2417,22 +2705,62 @@
                         </a:spcBef>
                       </a:pPr>
                       <a:r>
-                        <a:rPr lang="de-de" sz="900" spc="0" dirty="0">
+                        <a:rPr sz="900" spc="0">
                           <a:solidFill>
                             <a:srgbClr val="020302"/>
                           </a:solidFill>
                           <a:latin typeface="AdobeClean-Light"/>
                           <a:cs typeface="AdobeClean-Light"/>
                         </a:rPr>
-                        <a:t>24x7 /          1시간</a:t>
+                        <a:t>24x7</a:t>
                       </a:r>
-                      <a:endParaRPr sz="900" spc="0" dirty="0">
+                      <a:r>
+                        <a:rPr lang="en-US" sz="900" spc="0">
+                          <a:solidFill>
+                            <a:srgbClr val="020302"/>
+                          </a:solidFill>
+                          <a:latin typeface="AdobeClean-Light"/>
+                          <a:cs typeface="AdobeClean-Light"/>
+                        </a:rPr>
+                        <a:t> </a:t>
+                      </a:r>
+                      <a:r>
+                        <a:rPr sz="900" spc="0">
+                          <a:solidFill>
+                            <a:srgbClr val="020302"/>
+                          </a:solidFill>
+                          <a:latin typeface="AdobeClean-Light"/>
+                          <a:cs typeface="AdobeClean-Light"/>
+                        </a:rPr>
+                        <a:t>/</a:t>
+                      </a:r>
+                      <a:r>
+                        <a:rPr lang="en-US" sz="900" spc="0">
+                          <a:solidFill>
+                            <a:srgbClr val="020302"/>
+                          </a:solidFill>
+                          <a:latin typeface="AdobeClean-Light"/>
+                          <a:cs typeface="AdobeClean-Light"/>
+                        </a:rPr>
+                        <a:t> </a:t>
+                      </a:r>
+                      <a:r>
+                        <a:rPr sz="900" spc="0">
+                          <a:solidFill>
+                            <a:srgbClr val="020302"/>
+                          </a:solidFill>
+                          <a:latin typeface="AdobeClean-Light"/>
+                          <a:cs typeface="AdobeClean-Light"/>
+                        </a:rPr>
+                        <a:t>1 hour</a:t>
+                      </a:r>
+                      <a:endParaRPr sz="900" spc="0">
                         <a:latin typeface="AdobeClean-Light"/>
                         <a:cs typeface="AdobeClean-Light"/>
                       </a:endParaRPr>
                     </a:p>
                   </a:txBody>
-                  <a:tcPr anchor="ctr">
+                  <a:tcPr marL="0" marR="0" marT="91440" marB="91440" anchor="ctr" anchorCtr="1">
                     <a:lnL w="3175">
                       <a:solidFill>
                         <a:srgbClr val="B7B8B8"/>
@@ -2470,7 +2798,7 @@
                   </a:ext>
                 </a:extLst>
               </a:tr>
-              <a:tr h="484755">
+              <a:tr h="514672">
                 <a:tc>
                   <a:txBody>
                     <a:bodyPr/>
@@ -2485,16 +2813,16 @@
                         </a:spcBef>
                       </a:pPr>
                       <a:r>
-                        <a:rPr lang="de-de" sz="900" b="1" spc="0" dirty="0">
+                        <a:rPr sz="900" b="1" spc="0">
                           <a:solidFill>
                             <a:srgbClr val="020302"/>
                           </a:solidFill>
                           <a:latin typeface="Adobe Clean"/>
                           <a:cs typeface="Adobe Clean"/>
                         </a:rPr>
-                        <a:t>우선 순위 2</a:t>
+                        <a:t>PRIORITY 2</a:t>
                       </a:r>
-                      <a:endParaRPr sz="900" spc="0" dirty="0">
+                      <a:endParaRPr sz="900" spc="0">
                         <a:latin typeface="Adobe Clean"/>
                         <a:cs typeface="Adobe Clean"/>
                       </a:endParaRPr>
@@ -2509,16 +2837,16 @@
                         </a:spcBef>
                       </a:pPr>
                       <a:r>
-                        <a:rPr lang="de-de" sz="900" b="0" i="0" spc="0" dirty="0">
+                        <a:rPr lang="en-US" sz="900" b="0" i="0" spc="0">
                           <a:solidFill>
                             <a:srgbClr val="000000"/>
                           </a:solidFill>
                           <a:effectLst/>
                           <a:latin typeface="Adobe Clean Light" panose="020B0303020404020204" pitchFamily="34" charset="0"/>
                         </a:rPr>
-                        <a:t>고객의 비즈니스 기능에 심각한 서비스 저하 또는 잠재적인 데이터 손실이 있거나 주요 기능이 영향을 받습니다. </a:t>
+                        <a:t>Customer's business functions have major service degradation or potential data loss, or a major feature is impacted </a:t>
                       </a:r>
-                      <a:endParaRPr lang="en-US" sz="900" b="0" i="0" spc="0" dirty="0">
+                      <a:endParaRPr lang="en-US" sz="900" b="0" i="0" spc="0">
                         <a:latin typeface="Adobe Clean Light" panose="020B0303020404020204" pitchFamily="34" charset="0"/>
                         <a:cs typeface="AdobeClean-Light"/>
                       </a:endParaRPr>
@@ -2565,22 +2893,82 @@
                         </a:spcBef>
                       </a:pPr>
                       <a:r>
-                        <a:rPr lang="de-de" sz="900" spc="0" dirty="0">
+                        <a:rPr sz="900" spc="0">
                           <a:solidFill>
                             <a:srgbClr val="020302"/>
                           </a:solidFill>
                           <a:latin typeface="AdobeClean-Light"/>
                           <a:cs typeface="AdobeClean-Light"/>
                         </a:rPr>
-                        <a:t>업무 시간 /     4시간</a:t>
+                        <a:t>Business</a:t>
                       </a:r>
-                      <a:endParaRPr sz="900" spc="0" dirty="0">
+                      <a:r>
+                        <a:rPr lang="en-US" sz="900" spc="0">
+                          <a:solidFill>
+                            <a:srgbClr val="020302"/>
+                          </a:solidFill>
+                          <a:latin typeface="AdobeClean-Light"/>
+                          <a:cs typeface="AdobeClean-Light"/>
+                        </a:rPr>
+                        <a:t> </a:t>
+                      </a:r>
+                      <a:r>
+                        <a:rPr sz="900" spc="0">
+                          <a:solidFill>
+                            <a:srgbClr val="020302"/>
+                          </a:solidFill>
+                          <a:latin typeface="AdobeClean-Light"/>
+                          <a:cs typeface="AdobeClean-Light"/>
+                        </a:rPr>
+                        <a:t>hours</a:t>
+                      </a:r>
+                      <a:r>
+                        <a:rPr lang="en-US" sz="900" spc="0">
+                          <a:solidFill>
+                            <a:srgbClr val="020302"/>
+                          </a:solidFill>
+                          <a:latin typeface="AdobeClean-Light"/>
+                          <a:cs typeface="AdobeClean-Light"/>
+                        </a:rPr>
+                        <a:t> </a:t>
+                      </a:r>
+                      <a:r>
+                        <a:rPr sz="900" spc="0">
+                          <a:solidFill>
+                            <a:srgbClr val="020302"/>
+                          </a:solidFill>
+                          <a:latin typeface="AdobeClean-Light"/>
+                          <a:cs typeface="AdobeClean-Light"/>
+                        </a:rPr>
+                        <a:t>/</a:t>
+                      </a:r>
+                      <a:r>
+                        <a:rPr lang="en-US" sz="900" spc="0">
+                          <a:solidFill>
+                            <a:srgbClr val="020302"/>
+                          </a:solidFill>
+                          <a:latin typeface="AdobeClean-Light"/>
+                          <a:cs typeface="AdobeClean-Light"/>
+                        </a:rPr>
+                        <a:t> </a:t>
+                      </a:r>
+                      <a:r>
+                        <a:rPr sz="900" spc="0">
+                          <a:solidFill>
+                            <a:srgbClr val="020302"/>
+                          </a:solidFill>
+                          <a:latin typeface="AdobeClean-Light"/>
+                          <a:cs typeface="AdobeClean-Light"/>
+                        </a:rPr>
+                        <a:t>4 hours</a:t>
+                      </a:r>
+                      <a:endParaRPr sz="900" spc="0">
                         <a:latin typeface="AdobeClean-Light"/>
                         <a:cs typeface="AdobeClean-Light"/>
                       </a:endParaRPr>
                     </a:p>
                   </a:txBody>
-                  <a:tcPr anchor="ctr">
+                  <a:tcPr marL="0" marR="0" marT="91440" marB="91440" anchor="ctr" anchorCtr="1">
                     <a:lnL w="3175">
                       <a:solidFill>
                         <a:srgbClr val="B7B8B8"/>
@@ -2621,22 +3009,92 @@
                         </a:spcBef>
                       </a:pPr>
                       <a:r>
-                        <a:rPr lang="de-de" sz="900" spc="0" dirty="0">
+                        <a:rPr lang="en-US" sz="900" spc="0">
                           <a:solidFill>
                             <a:srgbClr val="020302"/>
                           </a:solidFill>
                           <a:latin typeface="AdobeClean-Light"/>
                           <a:cs typeface="AdobeClean-Light"/>
                         </a:rPr>
-                        <a:t>업무 시간 /      2시간</a:t>
+                        <a:t>    </a:t>
                       </a:r>
-                      <a:endParaRPr sz="900" spc="0" dirty="0">
+                      <a:r>
+                        <a:rPr sz="900" spc="0">
+                          <a:solidFill>
+                            <a:srgbClr val="020302"/>
+                          </a:solidFill>
+                          <a:latin typeface="AdobeClean-Light"/>
+                          <a:cs typeface="AdobeClean-Light"/>
+                        </a:rPr>
+                        <a:t>Business</a:t>
+                      </a:r>
+                      <a:r>
+                        <a:rPr lang="en-US" sz="900" spc="0">
+                          <a:solidFill>
+                            <a:srgbClr val="020302"/>
+                          </a:solidFill>
+                          <a:latin typeface="AdobeClean-Light"/>
+                          <a:cs typeface="AdobeClean-Light"/>
+                        </a:rPr>
+                        <a:t> </a:t>
+                      </a:r>
+                      <a:r>
+                        <a:rPr sz="900" spc="0">
+                          <a:solidFill>
+                            <a:srgbClr val="020302"/>
+                          </a:solidFill>
+                          <a:latin typeface="AdobeClean-Light"/>
+                          <a:cs typeface="AdobeClean-Light"/>
+                        </a:rPr>
+                        <a:t>hours</a:t>
+                      </a:r>
+                      <a:r>
+                        <a:rPr lang="en-US" sz="900" spc="0">
+                          <a:solidFill>
+                            <a:srgbClr val="020302"/>
+                          </a:solidFill>
+                          <a:latin typeface="AdobeClean-Light"/>
+                          <a:cs typeface="AdobeClean-Light"/>
+                        </a:rPr>
+                        <a:t> / </a:t>
+                      </a:r>
+                      <a:r>
+                        <a:rPr sz="900" spc="0">
+                          <a:solidFill>
+                            <a:srgbClr val="020302"/>
+                          </a:solidFill>
+                          <a:latin typeface="AdobeClean-Light"/>
+                          <a:cs typeface="AdobeClean-Light"/>
+                        </a:rPr>
+                        <a:t>2</a:t>
+                      </a:r>
+                      <a:r>
+                        <a:rPr lang="en-US" sz="900" spc="0">
+                          <a:solidFill>
+                            <a:srgbClr val="020302"/>
+                          </a:solidFill>
+                          <a:latin typeface="AdobeClean-Light"/>
+                          <a:cs typeface="AdobeClean-Light"/>
+                        </a:rPr>
+                        <a:t> </a:t>
+                      </a:r>
+                      <a:r>
+                        <a:rPr sz="900" spc="0">
+                          <a:solidFill>
+                            <a:srgbClr val="020302"/>
+                          </a:solidFill>
+                          <a:latin typeface="AdobeClean-Light"/>
+                          <a:cs typeface="AdobeClean-Light"/>
+                        </a:rPr>
+                        <a:t>hours</a:t>
+                      </a:r>
+                      <a:endParaRPr sz="900" spc="0">
                         <a:latin typeface="AdobeClean-Light"/>
                         <a:cs typeface="AdobeClean-Light"/>
                       </a:endParaRPr>
                     </a:p>
                   </a:txBody>
-                  <a:tcPr anchor="ctr">
+                  <a:tcPr marL="0" marR="0" marT="91440" marB="91440" anchor="ctr" anchorCtr="1">
                     <a:lnL w="3175">
                       <a:solidFill>
                         <a:srgbClr val="B7B8B8"/>
@@ -2674,7 +3132,7 @@
                   </a:ext>
                 </a:extLst>
               </a:tr>
-              <a:tr h="484756">
+              <a:tr h="514673">
                 <a:tc>
                   <a:txBody>
                     <a:bodyPr/>
@@ -2689,16 +3147,16 @@
                         </a:spcBef>
                       </a:pPr>
                       <a:r>
-                        <a:rPr lang="de-de" sz="900" b="1" spc="0" dirty="0">
+                        <a:rPr sz="900" b="1" spc="0">
                           <a:solidFill>
                             <a:srgbClr val="020302"/>
                           </a:solidFill>
                           <a:latin typeface="Adobe Clean"/>
                           <a:cs typeface="Adobe Clean"/>
                         </a:rPr>
-                        <a:t>우선 순위 3</a:t>
+                        <a:t>PRIORITY 3</a:t>
                       </a:r>
-                      <a:endParaRPr sz="900" spc="0" dirty="0">
+                      <a:endParaRPr sz="900" spc="0">
                         <a:latin typeface="Adobe Clean"/>
                         <a:cs typeface="Adobe Clean"/>
                       </a:endParaRPr>
@@ -2713,7 +3171,7 @@
                         </a:spcBef>
                       </a:pPr>
                       <a:r>
-                        <a:rPr kumimoji="0" lang="de-de" sz="900" b="0" i="0" u="none" strike="noStrike" kern="1200" cap="none" spc="0" normalizeH="0" baseline="0" noProof="0" dirty="0">
+                        <a:rPr kumimoji="0" lang="en-US" sz="900" b="0" i="0" u="none" strike="noStrike" kern="1200" cap="none" spc="0" normalizeH="0" baseline="0" noProof="0">
                           <a:ln>
                             <a:noFill/>
                           </a:ln>
@@ -2727,9 +3185,9 @@
                           <a:ea typeface="+mn-ea"/>
                           <a:cs typeface="+mn-cs"/>
                         </a:rPr>
-                        <a:t>고객의 비즈니스 기능에 약간의 서비스 저하가 있지만 비즈니스 기능을 계속할 수 있게 하는 솔루션/해결 방법이 있습니다. </a:t>
+                        <a:t>Customer's business functions have minor service degradation but there exists a solution/workaround allowing business functions to continue </a:t>
                       </a:r>
-                      <a:endParaRPr lang="en-US" sz="900" b="0" i="0" spc="0" dirty="0">
+                      <a:endParaRPr lang="en-US" sz="900" b="0" i="0" spc="0">
                         <a:latin typeface="Adobe Clean Light" panose="020B0303020404020204" pitchFamily="34" charset="0"/>
                         <a:cs typeface="AdobeClean-Light"/>
                       </a:endParaRPr>
@@ -2776,22 +3234,92 @@
                         </a:spcBef>
                       </a:pPr>
                       <a:r>
-                        <a:rPr lang="de-de" sz="900" spc="0" dirty="0">
+                        <a:rPr lang="en-US" sz="900" spc="0">
                           <a:solidFill>
                             <a:srgbClr val="020302"/>
                           </a:solidFill>
                           <a:latin typeface="AdobeClean-Light"/>
                           <a:cs typeface="AdobeClean-Light"/>
                         </a:rPr>
-                        <a:t>업무 시간 /     6시간</a:t>
+                        <a:t>   </a:t>
                       </a:r>
-                      <a:endParaRPr sz="900" spc="0" dirty="0">
+                      <a:r>
+                        <a:rPr sz="900" spc="0">
+                          <a:solidFill>
+                            <a:srgbClr val="020302"/>
+                          </a:solidFill>
+                          <a:latin typeface="AdobeClean-Light"/>
+                          <a:cs typeface="AdobeClean-Light"/>
+                        </a:rPr>
+                        <a:t>Business</a:t>
+                      </a:r>
+                      <a:r>
+                        <a:rPr lang="en-US" sz="900" spc="0">
+                          <a:solidFill>
+                            <a:srgbClr val="020302"/>
+                          </a:solidFill>
+                          <a:latin typeface="AdobeClean-Light"/>
+                          <a:cs typeface="AdobeClean-Light"/>
+                        </a:rPr>
+                        <a:t> </a:t>
+                      </a:r>
+                      <a:r>
+                        <a:rPr sz="900" spc="0">
+                          <a:solidFill>
+                            <a:srgbClr val="020302"/>
+                          </a:solidFill>
+                          <a:latin typeface="AdobeClean-Light"/>
+                          <a:cs typeface="AdobeClean-Light"/>
+                        </a:rPr>
+                        <a:t>hours</a:t>
+                      </a:r>
+                      <a:r>
+                        <a:rPr lang="en-US" sz="900" spc="0">
+                          <a:solidFill>
+                            <a:srgbClr val="020302"/>
+                          </a:solidFill>
+                          <a:latin typeface="AdobeClean-Light"/>
+                          <a:cs typeface="AdobeClean-Light"/>
+                        </a:rPr>
+                        <a:t> / </a:t>
+                      </a:r>
+                      <a:r>
+                        <a:rPr sz="900" spc="0">
+                          <a:solidFill>
+                            <a:srgbClr val="020302"/>
+                          </a:solidFill>
+                          <a:latin typeface="AdobeClean-Light"/>
+                          <a:cs typeface="AdobeClean-Light"/>
+                        </a:rPr>
+                        <a:t>6</a:t>
+                      </a:r>
+                      <a:r>
+                        <a:rPr lang="en-US" sz="900" spc="0">
+                          <a:solidFill>
+                            <a:srgbClr val="020302"/>
+                          </a:solidFill>
+                          <a:latin typeface="AdobeClean-Light"/>
+                          <a:cs typeface="AdobeClean-Light"/>
+                        </a:rPr>
+                        <a:t> </a:t>
+                      </a:r>
+                      <a:r>
+                        <a:rPr sz="900" spc="0">
+                          <a:solidFill>
+                            <a:srgbClr val="020302"/>
+                          </a:solidFill>
+                          <a:latin typeface="AdobeClean-Light"/>
+                          <a:cs typeface="AdobeClean-Light"/>
+                        </a:rPr>
+                        <a:t>hours</a:t>
+                      </a:r>
+                      <a:endParaRPr sz="900" spc="0">
                         <a:latin typeface="AdobeClean-Light"/>
                         <a:cs typeface="AdobeClean-Light"/>
                       </a:endParaRPr>
                     </a:p>
                   </a:txBody>
-                  <a:tcPr anchor="ctr">
+                  <a:tcPr marL="0" marR="0" marT="91440" marB="91440" anchor="ctr" anchorCtr="1">
                     <a:lnL w="3175">
                       <a:solidFill>
                         <a:srgbClr val="B7B8B8"/>
@@ -2832,22 +3360,82 @@
                         </a:spcBef>
                       </a:pPr>
                       <a:r>
-                        <a:rPr lang="de-de" sz="900" spc="0" dirty="0">
+                        <a:rPr sz="900" spc="0">
                           <a:solidFill>
                             <a:srgbClr val="020302"/>
                           </a:solidFill>
                           <a:latin typeface="AdobeClean-Light"/>
                           <a:cs typeface="AdobeClean-Light"/>
                         </a:rPr>
-                        <a:t>업무 시간 /     4시간</a:t>
+                        <a:t>Business</a:t>
                       </a:r>
-                      <a:endParaRPr sz="900" spc="0" dirty="0">
+                      <a:r>
+                        <a:rPr lang="en-US" sz="900" spc="0">
+                          <a:solidFill>
+                            <a:srgbClr val="020302"/>
+                          </a:solidFill>
+                          <a:latin typeface="AdobeClean-Light"/>
+                          <a:cs typeface="AdobeClean-Light"/>
+                        </a:rPr>
+                        <a:t> </a:t>
+                      </a:r>
+                      <a:r>
+                        <a:rPr sz="900" spc="0">
+                          <a:solidFill>
+                            <a:srgbClr val="020302"/>
+                          </a:solidFill>
+                          <a:latin typeface="AdobeClean-Light"/>
+                          <a:cs typeface="AdobeClean-Light"/>
+                        </a:rPr>
+                        <a:t>hours</a:t>
+                      </a:r>
+                      <a:r>
+                        <a:rPr lang="en-US" sz="900" spc="0">
+                          <a:solidFill>
+                            <a:srgbClr val="020302"/>
+                          </a:solidFill>
+                          <a:latin typeface="AdobeClean-Light"/>
+                          <a:cs typeface="AdobeClean-Light"/>
+                        </a:rPr>
+                        <a:t> </a:t>
+                      </a:r>
+                      <a:r>
+                        <a:rPr sz="900" spc="0">
+                          <a:solidFill>
+                            <a:srgbClr val="020302"/>
+                          </a:solidFill>
+                          <a:latin typeface="AdobeClean-Light"/>
+                          <a:cs typeface="AdobeClean-Light"/>
+                        </a:rPr>
+                        <a:t>/ 4</a:t>
+                      </a:r>
+                      <a:r>
+                        <a:rPr lang="en-US" sz="900" spc="0">
+                          <a:solidFill>
+                            <a:srgbClr val="020302"/>
+                          </a:solidFill>
+                          <a:latin typeface="AdobeClean-Light"/>
+                          <a:cs typeface="AdobeClean-Light"/>
+                        </a:rPr>
+                        <a:t> </a:t>
+                      </a:r>
+                      <a:r>
+                        <a:rPr sz="900" spc="0">
+                          <a:solidFill>
+                            <a:srgbClr val="020302"/>
+                          </a:solidFill>
+                          <a:latin typeface="AdobeClean-Light"/>
+                          <a:cs typeface="AdobeClean-Light"/>
+                        </a:rPr>
+                        <a:t>hours</a:t>
+                      </a:r>
+                      <a:endParaRPr sz="900" spc="0">
                         <a:latin typeface="AdobeClean-Light"/>
                         <a:cs typeface="AdobeClean-Light"/>
                       </a:endParaRPr>
                     </a:p>
                   </a:txBody>
-                  <a:tcPr anchor="ctr">
+                  <a:tcPr marL="0" marR="0" marT="91440" marB="91440" anchor="ctr" anchorCtr="1">
                     <a:lnL w="3175">
                       <a:solidFill>
                         <a:srgbClr val="B7B8B8"/>
@@ -2885,7 +3473,7 @@
                   </a:ext>
                 </a:extLst>
               </a:tr>
-              <a:tr h="359998">
+              <a:tr h="388333">
                 <a:tc>
                   <a:txBody>
                     <a:bodyPr/>
@@ -2900,16 +3488,16 @@
                         </a:spcBef>
                       </a:pPr>
                       <a:r>
-                        <a:rPr lang="de-de" sz="900" b="1" spc="0" dirty="0">
+                        <a:rPr sz="900" b="1" spc="0">
                           <a:solidFill>
                             <a:srgbClr val="020302"/>
                           </a:solidFill>
                           <a:latin typeface="Adobe Clean"/>
                           <a:cs typeface="Adobe Clean"/>
                         </a:rPr>
-                        <a:t>우선 순위 4</a:t>
+                        <a:t>PRIORITY 4</a:t>
                       </a:r>
-                      <a:endParaRPr sz="900" spc="0" dirty="0">
+                      <a:endParaRPr sz="900" spc="0">
                         <a:latin typeface="Adobe Clean"/>
                         <a:cs typeface="Adobe Clean"/>
                       </a:endParaRPr>
@@ -2933,16 +3521,16 @@
                         <a:defRPr/>
                       </a:pPr>
                       <a:r>
-                        <a:rPr lang="de-de" sz="900" b="0" i="0" spc="0" dirty="0">
+                        <a:rPr lang="en-US" sz="900" b="0" i="0" spc="0">
                           <a:solidFill>
                             <a:srgbClr val="000000"/>
                           </a:solidFill>
                           <a:effectLst/>
                           <a:latin typeface="Adobe Clean Light" panose="020B0303020404020204" pitchFamily="34" charset="0"/>
                         </a:rPr>
-                        <a:t>현재 제품 기능에 관한 일반적인 질문 또는 개선 요청입니다.</a:t>
+                        <a:t>General question regarding current product functionality or an enhancement request</a:t>
                       </a:r>
-                      <a:endParaRPr lang="en-US" sz="900" b="0" i="0" spc="0" dirty="0">
+                      <a:endParaRPr lang="en-US" sz="900" b="0" i="0" spc="0">
                         <a:latin typeface="Adobe Clean Light" panose="020B0303020404020204" pitchFamily="34" charset="0"/>
                         <a:cs typeface="AdobeClean-Light"/>
                       </a:endParaRPr>
@@ -2989,22 +3577,72 @@
                         </a:spcBef>
                       </a:pPr>
                       <a:r>
-                        <a:rPr lang="de-de" sz="900" spc="0" dirty="0">
+                        <a:rPr lang="en-US" sz="900" spc="0">
                           <a:solidFill>
                             <a:srgbClr val="020302"/>
                           </a:solidFill>
                           <a:latin typeface="AdobeClean-Light"/>
                           <a:cs typeface="AdobeClean-Light"/>
                         </a:rPr>
-                        <a:t>업무일 /      3일</a:t>
+                        <a:t>  </a:t>
                       </a:r>
-                      <a:endParaRPr sz="900" spc="0" dirty="0">
+                      <a:r>
+                        <a:rPr sz="900" spc="0">
+                          <a:solidFill>
+                            <a:srgbClr val="020302"/>
+                          </a:solidFill>
+                          <a:latin typeface="AdobeClean-Light"/>
+                          <a:cs typeface="AdobeClean-Light"/>
+                        </a:rPr>
+                        <a:t>Business</a:t>
+                      </a:r>
+                      <a:r>
+                        <a:rPr lang="en-US" sz="900" spc="0">
+                          <a:solidFill>
+                            <a:srgbClr val="020302"/>
+                          </a:solidFill>
+                          <a:latin typeface="AdobeClean-Light"/>
+                          <a:cs typeface="AdobeClean-Light"/>
+                        </a:rPr>
+                        <a:t> </a:t>
+                      </a:r>
+                      <a:r>
+                        <a:rPr sz="900" spc="0">
+                          <a:solidFill>
+                            <a:srgbClr val="020302"/>
+                          </a:solidFill>
+                          <a:latin typeface="AdobeClean-Light"/>
+                          <a:cs typeface="AdobeClean-Light"/>
+                        </a:rPr>
+                        <a:t>days</a:t>
+                      </a:r>
+                      <a:r>
+                        <a:rPr lang="en-US" sz="900" spc="0">
+                          <a:solidFill>
+                            <a:srgbClr val="020302"/>
+                          </a:solidFill>
+                          <a:latin typeface="AdobeClean-Light"/>
+                          <a:cs typeface="AdobeClean-Light"/>
+                        </a:rPr>
+                        <a:t> / </a:t>
+                      </a:r>
+                      <a:r>
+                        <a:rPr sz="900" spc="0">
+                          <a:solidFill>
+                            <a:srgbClr val="020302"/>
+                          </a:solidFill>
+                          <a:latin typeface="AdobeClean-Light"/>
+                          <a:cs typeface="AdobeClean-Light"/>
+                        </a:rPr>
+                        <a:t>3 days</a:t>
+                      </a:r>
+                      <a:endParaRPr sz="900" spc="0">
                         <a:latin typeface="AdobeClean-Light"/>
                         <a:cs typeface="AdobeClean-Light"/>
                       </a:endParaRPr>
                     </a:p>
                   </a:txBody>
-                  <a:tcPr anchor="ctr">
+                  <a:tcPr marL="0" marR="0" marT="91440" marB="91440" anchor="ctr" anchorCtr="1">
                     <a:lnL w="3175">
                       <a:solidFill>
                         <a:srgbClr val="B7B8B8"/>
@@ -3045,49 +3683,82 @@
                         </a:spcBef>
                       </a:pPr>
                       <a:r>
-                        <a:rPr lang="de-de" sz="900" spc="0" dirty="0">
+                        <a:rPr sz="900" spc="0">
                           <a:solidFill>
                             <a:srgbClr val="020302"/>
                           </a:solidFill>
                           <a:latin typeface="AdobeClean-Light"/>
                           <a:cs typeface="AdobeClean-Light"/>
                         </a:rPr>
-                        <a:t>업무일 / </a:t>
+                        <a:t>Business</a:t>
                       </a:r>
-                      <a:endParaRPr lang="en-US" sz="900" spc="0" dirty="0">
-                        <a:solidFill>
-                          <a:srgbClr val="020302"/>
-                        </a:solidFill>
-                        <a:latin typeface="AdobeClean-Light"/>
-                        <a:cs typeface="AdobeClean-Light"/>
-                      </a:endParaRPr>
-                    </a:p>
-                    <a:p>
-                      <a:pPr marL="370840" marR="223520" indent="-202565" algn="ctr">
-                        <a:lnSpc>
-                          <a:spcPct val="100000"/>
-                        </a:lnSpc>
-                        <a:spcBef>
-                          <a:spcPts val="155"/>
-                        </a:spcBef>
-                      </a:pPr>
                       <a:r>
-                        <a:rPr lang="de-de" sz="900" spc="0" dirty="0">
+                        <a:rPr lang="en-US" sz="900" spc="0">
                           <a:solidFill>
                             <a:srgbClr val="020302"/>
                           </a:solidFill>
                           <a:latin typeface="AdobeClean-Light"/>
                           <a:cs typeface="AdobeClean-Light"/>
                         </a:rPr>
-                        <a:t>  1일</a:t>
+                        <a:t> </a:t>
                       </a:r>
-                      <a:endParaRPr sz="900" spc="0" dirty="0">
+                      <a:r>
+                        <a:rPr sz="900" spc="0">
+                          <a:solidFill>
+                            <a:srgbClr val="020302"/>
+                          </a:solidFill>
+                          <a:latin typeface="AdobeClean-Light"/>
+                          <a:cs typeface="AdobeClean-Light"/>
+                        </a:rPr>
+                        <a:t>day</a:t>
+                      </a:r>
+                      <a:r>
+                        <a:rPr lang="en-US" sz="900" spc="0">
+                          <a:solidFill>
+                            <a:srgbClr val="020302"/>
+                          </a:solidFill>
+                          <a:latin typeface="AdobeClean-Light"/>
+                          <a:cs typeface="AdobeClean-Light"/>
+                        </a:rPr>
+                        <a:t>s </a:t>
+                      </a:r>
+                      <a:r>
+                        <a:rPr sz="900" spc="0">
+                          <a:solidFill>
+                            <a:srgbClr val="020302"/>
+                          </a:solidFill>
+                          <a:latin typeface="AdobeClean-Light"/>
+                          <a:cs typeface="AdobeClean-Light"/>
+                        </a:rPr>
+                        <a:t>/</a:t>
+                      </a:r>
+                      <a:r>
+                        <a:rPr lang="en-US" sz="900" spc="0">
+                          <a:solidFill>
+                            <a:srgbClr val="020302"/>
+                          </a:solidFill>
+                          <a:latin typeface="AdobeClean-Light"/>
+                          <a:cs typeface="AdobeClean-Light"/>
+                        </a:rPr>
+                        <a:t> </a:t>
+                      </a:r>
+                      <a:r>
+                        <a:rPr sz="900" spc="0">
+                          <a:solidFill>
+                            <a:srgbClr val="020302"/>
+                          </a:solidFill>
+                          <a:latin typeface="AdobeClean-Light"/>
+                          <a:cs typeface="AdobeClean-Light"/>
+                        </a:rPr>
+                        <a:t>1 day</a:t>
+                      </a:r>
+                      <a:endParaRPr sz="900" spc="0">
                         <a:latin typeface="AdobeClean-Light"/>
                         <a:cs typeface="AdobeClean-Light"/>
                       </a:endParaRPr>
                     </a:p>
                   </a:txBody>
-                  <a:tcPr anchor="ctr">
+                  <a:tcPr marL="0" marR="0" marT="91440" marB="91440" anchor="ctr" anchorCtr="1">
                     <a:lnL w="3175">
                       <a:solidFill>
                         <a:srgbClr val="B7B8B8"/>
@@ -3195,7 +3866,7 @@
                     <a:bodyPr/>
                     <a:lstStyle/>
                     <a:p>
-                      <a:endParaRPr lang="en-US" dirty="0"/>
+                      <a:endParaRPr lang="en-US"/>
                     </a:p>
                   </a:txBody>
                   <a:tcPr/>
@@ -3233,17 +3904,17 @@
                         <a:defRPr/>
                       </a:pPr>
                       <a:r>
-                        <a:rPr lang="de-de" sz="900" spc="-20" dirty="0">
+                        <a:rPr lang="en-US" sz="900" spc="-20">
                           <a:solidFill>
                             <a:srgbClr val="404040"/>
                           </a:solidFill>
                           <a:latin typeface="Adobe Clean"/>
                           <a:cs typeface="Adobe Clean"/>
                         </a:rPr>
-                        <a:t>온라인 </a:t>
+                        <a:t>Online </a:t>
                       </a:r>
                       <a:r>
-                        <a:rPr lang="de-de" sz="900" spc="-135" dirty="0">
+                        <a:rPr lang="en-US" sz="900" spc="-135">
                           <a:solidFill>
                             <a:srgbClr val="404040"/>
                           </a:solidFill>
@@ -3253,16 +3924,16 @@
                         <a:t> </a:t>
                       </a:r>
                       <a:r>
-                        <a:rPr lang="de-de" sz="900" spc="-20" dirty="0">
+                        <a:rPr lang="en-US" sz="900" spc="-20">
                           <a:solidFill>
                             <a:srgbClr val="404040"/>
                           </a:solidFill>
                           <a:latin typeface="Adobe Clean"/>
                           <a:cs typeface="Adobe Clean"/>
                         </a:rPr>
-                        <a:t>지원</a:t>
+                        <a:t>Support</a:t>
                       </a:r>
-                      <a:endParaRPr lang="en-US" sz="900" dirty="0">
+                      <a:endParaRPr lang="en-US" sz="900">
                         <a:latin typeface="Adobe Clean"/>
                         <a:cs typeface="Adobe Clean"/>
                       </a:endParaRPr>
@@ -3306,16 +3977,36 @@
                         </a:spcBef>
                       </a:pPr>
                       <a:r>
-                        <a:rPr lang="de-de" sz="900" spc="-20" dirty="0">
+                        <a:rPr sz="900" spc="-20">
                           <a:solidFill>
                             <a:srgbClr val="FFFFFF"/>
                           </a:solidFill>
                           <a:latin typeface="Adobe Clean"/>
                           <a:cs typeface="Adobe Clean"/>
                         </a:rPr>
-                        <a:t>비즈니스 지원</a:t>
+                        <a:t>Business</a:t>
                       </a:r>
-                      <a:endParaRPr sz="900" dirty="0">
+                      <a:r>
+                        <a:rPr lang="en-US" sz="900" spc="-20">
+                          <a:solidFill>
+                            <a:srgbClr val="FFFFFF"/>
+                          </a:solidFill>
+                          <a:latin typeface="Adobe Clean"/>
+                          <a:cs typeface="Adobe Clean"/>
+                        </a:rPr>
+                        <a:t> </a:t>
+                      </a:r>
+                      <a:r>
+                        <a:rPr sz="900" spc="-20">
+                          <a:solidFill>
+                            <a:srgbClr val="FFFFFF"/>
+                          </a:solidFill>
+                          <a:latin typeface="Adobe Clean"/>
+                          <a:cs typeface="Adobe Clean"/>
+                        </a:rPr>
+                        <a:t>Support</a:t>
+                      </a:r>
+                      <a:endParaRPr sz="900">
                         <a:latin typeface="Adobe Clean"/>
                         <a:cs typeface="Adobe Clean"/>
                       </a:endParaRPr>
@@ -3363,7 +4054,7 @@
                     <a:bodyPr/>
                     <a:lstStyle/>
                     <a:p>
-                      <a:endParaRPr lang="en-US" dirty="0"/>
+                      <a:endParaRPr lang="en-US"/>
                     </a:p>
                   </a:txBody>
                   <a:tcPr/>
@@ -3400,7 +4091,7 @@
                         <a:tabLst/>
                         <a:defRPr/>
                       </a:pPr>
-                      <a:endParaRPr lang="en-US" sz="800" i="1" dirty="0">
+                      <a:endParaRPr lang="en-US" sz="800" i="1">
                         <a:solidFill>
                           <a:sysClr val="windowText" lastClr="000000"/>
                         </a:solidFill>
@@ -3464,13 +4155,13 @@
                         <a:defRPr/>
                       </a:pPr>
                       <a:r>
-                        <a:rPr lang="de-de" sz="800" i="1" dirty="0">
+                        <a:rPr lang="en-US" sz="800" i="1">
                           <a:solidFill>
                             <a:schemeClr val="bg1"/>
                           </a:solidFill>
                           <a:latin typeface="Adobe Clean Light" panose="020B0303020404020204" pitchFamily="34" charset="0"/>
                         </a:rPr>
-                        <a:t>유료 지원($)</a:t>
+                        <a:t>Paid Support ($)</a:t>
                       </a:r>
                     </a:p>
                   </a:txBody>
@@ -3534,16 +4225,16 @@
                         </a:spcBef>
                       </a:pPr>
                       <a:r>
-                        <a:rPr lang="de-de" sz="1000" b="1" i="0" spc="0" dirty="0">
+                        <a:rPr lang="en-US" sz="1000" b="1" i="0" spc="0">
                           <a:solidFill>
                             <a:schemeClr val="bg1"/>
                           </a:solidFill>
                           <a:latin typeface="Adobe Clean" panose="020B0503020404020204" pitchFamily="34" charset="0"/>
                           <a:cs typeface="AdobeClean-Light"/>
                         </a:rPr>
-                        <a:t>할당된 전문가</a:t>
+                        <a:t>Assigned Experts</a:t>
                       </a:r>
-                      <a:endParaRPr sz="1000" b="1" i="0" spc="0" dirty="0">
+                      <a:endParaRPr sz="1000" b="1" i="0" spc="0">
                         <a:solidFill>
                           <a:schemeClr val="bg1"/>
                         </a:solidFill>
@@ -3596,16 +4287,16 @@
                         </a:spcBef>
                       </a:pPr>
                       <a:r>
-                        <a:rPr lang="de-de" sz="900" spc="0" dirty="0">
+                        <a:rPr sz="900" spc="0">
                           <a:solidFill>
                             <a:srgbClr val="020302"/>
                           </a:solidFill>
                           <a:latin typeface="AdobeClean-Light"/>
                           <a:cs typeface="AdobeClean-Light"/>
                         </a:rPr>
-                        <a:t>계정 지원 리드</a:t>
+                        <a:t>Account Support Lead</a:t>
                       </a:r>
-                      <a:endParaRPr sz="900" spc="0" dirty="0">
+                      <a:endParaRPr sz="900" spc="0">
                         <a:latin typeface="AdobeClean-Light"/>
                         <a:cs typeface="AdobeClean-Light"/>
                       </a:endParaRPr>
@@ -3651,7 +4342,7 @@
                           <a:spcPts val="470"/>
                         </a:spcBef>
                       </a:pPr>
-                      <a:endParaRPr sz="900" dirty="0">
+                      <a:endParaRPr sz="900">
                         <a:latin typeface="Wingdings"/>
                         <a:cs typeface="Wingdings"/>
                       </a:endParaRPr>
@@ -3693,7 +4384,7 @@
                         </a:spcBef>
                       </a:pPr>
                       <a:r>
-                        <a:rPr lang="de-de" sz="900" dirty="0">
+                        <a:rPr sz="900">
                           <a:solidFill>
                             <a:srgbClr val="020302"/>
                           </a:solidFill>
@@ -3702,7 +4393,7 @@
                         </a:rPr>
                         <a:t></a:t>
                       </a:r>
-                      <a:endParaRPr sz="900" dirty="0">
+                      <a:endParaRPr sz="900">
                         <a:latin typeface="Wingdings"/>
                         <a:cs typeface="Wingdings"/>
                       </a:endParaRPr>
@@ -3745,7 +4436,7 @@
                           <a:spcPts val="459"/>
                         </a:spcBef>
                       </a:pPr>
-                      <a:endParaRPr sz="900" dirty="0">
+                      <a:endParaRPr sz="900">
                         <a:latin typeface="AdobeClean-Light"/>
                         <a:cs typeface="AdobeClean-Light"/>
                       </a:endParaRPr>
@@ -3783,16 +4474,16 @@
                         </a:spcBef>
                       </a:pPr>
                       <a:r>
-                        <a:rPr lang="de-de" sz="900" spc="0" dirty="0">
+                        <a:rPr sz="900" spc="0">
                           <a:solidFill>
                             <a:srgbClr val="020302"/>
                           </a:solidFill>
                           <a:latin typeface="AdobeClean-Light"/>
                           <a:cs typeface="AdobeClean-Light"/>
                         </a:rPr>
-                        <a:t>지정 지원 엔지니어</a:t>
+                        <a:t>Named Support Engineer</a:t>
                       </a:r>
-                      <a:endParaRPr sz="900" spc="0" dirty="0">
+                      <a:endParaRPr sz="900" spc="0">
                         <a:latin typeface="AdobeClean-Light"/>
                         <a:cs typeface="AdobeClean-Light"/>
                       </a:endParaRPr>
@@ -3823,7 +4514,7 @@
                           <a:spcPct val="100000"/>
                         </a:lnSpc>
                       </a:pPr>
-                      <a:endParaRPr sz="900" dirty="0">
+                      <a:endParaRPr sz="900">
                         <a:latin typeface="Times New Roman"/>
                         <a:cs typeface="Times New Roman"/>
                       </a:endParaRPr>
@@ -3852,7 +4543,7 @@
                           <a:spcPct val="100000"/>
                         </a:lnSpc>
                       </a:pPr>
-                      <a:endParaRPr sz="900" dirty="0">
+                      <a:endParaRPr sz="900">
                         <a:latin typeface="Times New Roman"/>
                         <a:cs typeface="Times New Roman"/>
                       </a:endParaRPr>
@@ -3886,7 +4577,7 @@
                           <a:spcPts val="500"/>
                         </a:spcBef>
                       </a:pPr>
-                      <a:endParaRPr sz="900" dirty="0">
+                      <a:endParaRPr sz="900">
                         <a:latin typeface="AdobeClean-Light"/>
                         <a:cs typeface="AdobeClean-Light"/>
                       </a:endParaRPr>
@@ -3936,16 +4627,16 @@
                         </a:spcBef>
                       </a:pPr>
                       <a:r>
-                        <a:rPr lang="de-de" sz="900" spc="0" dirty="0">
+                        <a:rPr sz="900" spc="0">
                           <a:solidFill>
                             <a:srgbClr val="020302"/>
                           </a:solidFill>
                           <a:latin typeface="AdobeClean-Light"/>
                           <a:cs typeface="AdobeClean-Light"/>
                         </a:rPr>
-                        <a:t>기술 계정 관리자</a:t>
+                        <a:t>Technical Account Manager</a:t>
                       </a:r>
-                      <a:endParaRPr sz="900" spc="0" dirty="0">
+                      <a:endParaRPr sz="900" spc="0">
                         <a:latin typeface="AdobeClean-Light"/>
                         <a:cs typeface="AdobeClean-Light"/>
                       </a:endParaRPr>
@@ -3982,7 +4673,7 @@
                           <a:spcPct val="100000"/>
                         </a:lnSpc>
                       </a:pPr>
-                      <a:endParaRPr sz="900" dirty="0">
+                      <a:endParaRPr sz="900">
                         <a:latin typeface="Times New Roman"/>
                         <a:cs typeface="Times New Roman"/>
                       </a:endParaRPr>
@@ -4020,7 +4711,7 @@
                           <a:spcPct val="100000"/>
                         </a:lnSpc>
                       </a:pPr>
-                      <a:endParaRPr sz="900" dirty="0">
+                      <a:endParaRPr sz="900">
                         <a:latin typeface="Times New Roman"/>
                         <a:cs typeface="Times New Roman"/>
                       </a:endParaRPr>
@@ -4064,16 +4755,16 @@
                         </a:spcBef>
                       </a:pPr>
                       <a:r>
-                        <a:rPr lang="de-de" sz="1000" b="1" i="0" spc="0" dirty="0">
+                        <a:rPr lang="en-US" sz="1000" b="1" i="0" spc="0">
                           <a:solidFill>
                             <a:schemeClr val="bg1"/>
                           </a:solidFill>
                           <a:latin typeface="Adobe Clean" panose="020B0503020404020204" pitchFamily="34" charset="0"/>
                           <a:cs typeface="AdobeClean-Light"/>
                         </a:rPr>
-                        <a:t>지원 서비스</a:t>
+                        <a:t>Support Services</a:t>
                       </a:r>
-                      <a:endParaRPr sz="1000" b="1" i="0" spc="0" dirty="0">
+                      <a:endParaRPr sz="1000" b="1" i="0" spc="0">
                         <a:solidFill>
                           <a:schemeClr val="bg1"/>
                         </a:solidFill>
@@ -4135,16 +4826,26 @@
                         </a:spcBef>
                       </a:pPr>
                       <a:r>
-                        <a:rPr lang="de-de" sz="900" spc="0" dirty="0">
+                        <a:rPr lang="en-US" sz="900" spc="0">
                           <a:solidFill>
                             <a:srgbClr val="020302"/>
                           </a:solidFill>
                           <a:latin typeface="AdobeClean-Light"/>
                           <a:cs typeface="AdobeClean-Light"/>
                         </a:rPr>
-                        <a:t>온라인 지원</a:t>
+                        <a:t>Online</a:t>
                       </a:r>
-                      <a:endParaRPr sz="900" spc="0" dirty="0">
+                      <a:r>
+                        <a:rPr sz="900" spc="0">
+                          <a:solidFill>
+                            <a:srgbClr val="020302"/>
+                          </a:solidFill>
+                          <a:latin typeface="AdobeClean-Light"/>
+                          <a:cs typeface="AdobeClean-Light"/>
+                        </a:rPr>
+                        <a:t> Support</a:t>
+                      </a:r>
+                      <a:endParaRPr sz="900" spc="0">
                         <a:latin typeface="AdobeClean-Light"/>
                         <a:cs typeface="AdobeClean-Light"/>
                       </a:endParaRPr>
@@ -4185,17 +4886,17 @@
                         </a:spcBef>
                       </a:pPr>
                       <a:r>
-                        <a:rPr lang="de-de" sz="900" spc="-25" dirty="0">
+                        <a:rPr sz="900" spc="-25">
                           <a:solidFill>
                             <a:srgbClr val="020302"/>
                           </a:solidFill>
                           <a:latin typeface="AdobeClean-Light"/>
                           <a:cs typeface="AdobeClean-Light"/>
                         </a:rPr>
-                        <a:t>업무</a:t>
+                        <a:t>Business</a:t>
                       </a:r>
                       <a:r>
-                        <a:rPr lang="de-de" sz="900" spc="-15" dirty="0">
+                        <a:rPr sz="900" spc="-15">
                           <a:solidFill>
                             <a:srgbClr val="020302"/>
                           </a:solidFill>
@@ -4205,16 +4906,16 @@
                         <a:t> </a:t>
                       </a:r>
                       <a:r>
-                        <a:rPr lang="de-de" sz="900" spc="-30" dirty="0">
+                        <a:rPr sz="900" spc="-30">
                           <a:solidFill>
                             <a:srgbClr val="020302"/>
                           </a:solidFill>
                           <a:latin typeface="AdobeClean-Light"/>
                           <a:cs typeface="AdobeClean-Light"/>
                         </a:rPr>
-                        <a:t>시간</a:t>
+                        <a:t>hours</a:t>
                       </a:r>
-                      <a:endParaRPr sz="900" dirty="0">
+                      <a:endParaRPr sz="900">
                         <a:latin typeface="AdobeClean-Light"/>
                         <a:cs typeface="AdobeClean-Light"/>
                       </a:endParaRPr>
@@ -4256,17 +4957,17 @@
                         </a:spcBef>
                       </a:pPr>
                       <a:r>
-                        <a:rPr lang="de-de" sz="900" spc="-25" dirty="0">
+                        <a:rPr sz="900" spc="-25">
                           <a:solidFill>
                             <a:srgbClr val="020302"/>
                           </a:solidFill>
                           <a:latin typeface="AdobeClean-Light"/>
                           <a:cs typeface="AdobeClean-Light"/>
                         </a:rPr>
-                        <a:t>업무</a:t>
+                        <a:t>Business</a:t>
                       </a:r>
                       <a:r>
-                        <a:rPr lang="de-de" sz="900" spc="-15" dirty="0">
+                        <a:rPr sz="900" spc="-15">
                           <a:solidFill>
                             <a:srgbClr val="020302"/>
                           </a:solidFill>
@@ -4276,16 +4977,16 @@
                         <a:t> </a:t>
                       </a:r>
                       <a:r>
-                        <a:rPr lang="de-de" sz="900" spc="-30" dirty="0">
+                        <a:rPr sz="900" spc="-30">
                           <a:solidFill>
                             <a:srgbClr val="020302"/>
                           </a:solidFill>
                           <a:latin typeface="AdobeClean-Light"/>
                           <a:cs typeface="AdobeClean-Light"/>
                         </a:rPr>
-                        <a:t>시간</a:t>
+                        <a:t>hours</a:t>
                       </a:r>
-                      <a:endParaRPr sz="900" dirty="0">
+                      <a:endParaRPr sz="900">
                         <a:latin typeface="AdobeClean-Light"/>
                         <a:cs typeface="AdobeClean-Light"/>
                       </a:endParaRPr>
@@ -4328,7 +5029,7 @@
                           <a:spcPts val="455"/>
                         </a:spcBef>
                       </a:pPr>
-                      <a:endParaRPr sz="900" dirty="0">
+                      <a:endParaRPr sz="900">
                         <a:latin typeface="AdobeClean-Light"/>
                         <a:cs typeface="AdobeClean-Light"/>
                       </a:endParaRPr>
@@ -4369,16 +5070,36 @@
                         </a:spcBef>
                       </a:pPr>
                       <a:r>
-                        <a:rPr lang="de-de" sz="900" spc="0" dirty="0">
+                        <a:rPr sz="900" spc="0">
                           <a:solidFill>
                             <a:srgbClr val="020302"/>
                           </a:solidFill>
                           <a:latin typeface="AdobeClean-Light"/>
                           <a:cs typeface="AdobeClean-Light"/>
                         </a:rPr>
-                        <a:t>24x7x365 P1 문제 지원</a:t>
+                        <a:t>24x7</a:t>
                       </a:r>
-                      <a:endParaRPr sz="900" spc="0" dirty="0">
+                      <a:r>
+                        <a:rPr lang="en-US" sz="900" spc="0">
+                          <a:solidFill>
+                            <a:srgbClr val="020302"/>
+                          </a:solidFill>
+                          <a:latin typeface="AdobeClean-Light"/>
+                          <a:cs typeface="AdobeClean-Light"/>
+                        </a:rPr>
+                        <a:t>x365</a:t>
+                      </a:r>
+                      <a:r>
+                        <a:rPr sz="900" spc="0">
+                          <a:solidFill>
+                            <a:srgbClr val="020302"/>
+                          </a:solidFill>
+                          <a:latin typeface="AdobeClean-Light"/>
+                          <a:cs typeface="AdobeClean-Light"/>
+                        </a:rPr>
+                        <a:t> P1 Issue Support</a:t>
+                      </a:r>
+                      <a:endParaRPr sz="900" spc="0">
                         <a:latin typeface="AdobeClean-Light"/>
                         <a:cs typeface="AdobeClean-Light"/>
                       </a:endParaRPr>
@@ -4413,7 +5134,7 @@
                         </a:spcBef>
                       </a:pPr>
                       <a:r>
-                        <a:rPr lang="de-de" sz="900" dirty="0">
+                        <a:rPr sz="900">
                           <a:solidFill>
                             <a:srgbClr val="020302"/>
                           </a:solidFill>
@@ -4422,7 +5143,7 @@
                         </a:rPr>
                         <a:t></a:t>
                       </a:r>
-                      <a:endParaRPr sz="900" dirty="0">
+                      <a:endParaRPr sz="900">
                         <a:latin typeface="Wingdings"/>
                         <a:cs typeface="Wingdings"/>
                       </a:endParaRPr>
@@ -4455,7 +5176,7 @@
                         </a:spcBef>
                       </a:pPr>
                       <a:r>
-                        <a:rPr lang="de-de" sz="900" dirty="0">
+                        <a:rPr sz="900">
                           <a:solidFill>
                             <a:srgbClr val="020302"/>
                           </a:solidFill>
@@ -4464,7 +5185,7 @@
                         </a:rPr>
                         <a:t></a:t>
                       </a:r>
-                      <a:endParaRPr sz="900" dirty="0">
+                      <a:endParaRPr sz="900">
                         <a:latin typeface="Wingdings"/>
                         <a:cs typeface="Wingdings"/>
                       </a:endParaRPr>
@@ -4498,7 +5219,7 @@
                           <a:spcPts val="455"/>
                         </a:spcBef>
                       </a:pPr>
-                      <a:endParaRPr sz="900" dirty="0">
+                      <a:endParaRPr sz="900">
                         <a:latin typeface="AdobeClean-Light"/>
                         <a:cs typeface="AdobeClean-Light"/>
                       </a:endParaRPr>
@@ -4548,16 +5269,16 @@
                         </a:spcBef>
                       </a:pPr>
                       <a:r>
-                        <a:rPr lang="de-de" sz="900" spc="0" dirty="0">
+                        <a:rPr lang="en-US" sz="900" spc="0">
                           <a:solidFill>
                             <a:srgbClr val="020302"/>
                           </a:solidFill>
                           <a:latin typeface="AdobeClean-Light"/>
                           <a:cs typeface="AdobeClean-Light"/>
                         </a:rPr>
-                        <a:t>지정된 지원 담당자(제품당)</a:t>
+                        <a:t>Named Support Contacts (per product)</a:t>
                       </a:r>
-                      <a:endParaRPr sz="900" spc="0" dirty="0">
+                      <a:endParaRPr sz="900" spc="0">
                         <a:latin typeface="AdobeClean-Light"/>
                         <a:cs typeface="AdobeClean-Light"/>
                       </a:endParaRPr>
@@ -4598,7 +5319,7 @@
                         </a:spcBef>
                       </a:pPr>
                       <a:r>
-                        <a:rPr lang="de-de" sz="900" dirty="0">
+                        <a:rPr sz="900">
                           <a:solidFill>
                             <a:srgbClr val="020302"/>
                           </a:solidFill>
@@ -4607,7 +5328,7 @@
                         </a:rPr>
                         <a:t>4</a:t>
                       </a:r>
-                      <a:endParaRPr sz="900" dirty="0">
+                      <a:endParaRPr sz="900">
                         <a:latin typeface="AdobeClean-Light"/>
                         <a:cs typeface="AdobeClean-Light"/>
                       </a:endParaRPr>
@@ -4640,7 +5361,7 @@
                         </a:spcBef>
                       </a:pPr>
                       <a:r>
-                        <a:rPr lang="de-de" sz="900" dirty="0">
+                        <a:rPr sz="900">
                           <a:solidFill>
                             <a:srgbClr val="020302"/>
                           </a:solidFill>
@@ -4649,7 +5370,7 @@
                         </a:rPr>
                         <a:t>6</a:t>
                       </a:r>
-                      <a:endParaRPr sz="900" dirty="0">
+                      <a:endParaRPr sz="900">
                         <a:latin typeface="AdobeClean-Light"/>
                         <a:cs typeface="AdobeClean-Light"/>
                       </a:endParaRPr>
@@ -4683,7 +5404,7 @@
                           <a:spcPts val="455"/>
                         </a:spcBef>
                       </a:pPr>
-                      <a:endParaRPr sz="900" dirty="0">
+                      <a:endParaRPr sz="900">
                         <a:latin typeface="AdobeClean-Light"/>
                         <a:cs typeface="AdobeClean-Light"/>
                       </a:endParaRPr>
@@ -4724,16 +5445,16 @@
                         </a:spcBef>
                       </a:pPr>
                       <a:r>
-                        <a:rPr lang="de-de" sz="900" spc="0" dirty="0">
+                        <a:rPr lang="en-US" sz="900" spc="0">
                           <a:solidFill>
                             <a:srgbClr val="020302"/>
                           </a:solidFill>
                           <a:latin typeface="AdobeClean-Light"/>
                           <a:cs typeface="AdobeClean-Light"/>
                         </a:rPr>
-                        <a:t>실시간 전화 지원</a:t>
+                        <a:t>Live Telephone Support</a:t>
                       </a:r>
-                      <a:endParaRPr sz="900" spc="0" dirty="0">
+                      <a:endParaRPr sz="900" spc="0">
                         <a:latin typeface="AdobeClean-Light"/>
                         <a:cs typeface="AdobeClean-Light"/>
                       </a:endParaRPr>
@@ -4767,7 +5488,7 @@
                           <a:spcPts val="464"/>
                         </a:spcBef>
                       </a:pPr>
-                      <a:endParaRPr sz="900" dirty="0">
+                      <a:endParaRPr sz="900">
                         <a:latin typeface="Wingdings"/>
                         <a:cs typeface="Wingdings"/>
                       </a:endParaRPr>
@@ -4800,7 +5521,7 @@
                         </a:spcBef>
                       </a:pPr>
                       <a:r>
-                        <a:rPr lang="de-de" sz="900" dirty="0">
+                        <a:rPr sz="900">
                           <a:solidFill>
                             <a:srgbClr val="020302"/>
                           </a:solidFill>
@@ -4809,7 +5530,7 @@
                         </a:rPr>
                         <a:t></a:t>
                       </a:r>
-                      <a:endParaRPr sz="900" dirty="0">
+                      <a:endParaRPr sz="900">
                         <a:latin typeface="Wingdings"/>
                         <a:cs typeface="Wingdings"/>
                       </a:endParaRPr>
@@ -4843,7 +5564,7 @@
                           <a:spcPts val="459"/>
                         </a:spcBef>
                       </a:pPr>
-                      <a:endParaRPr sz="900" dirty="0">
+                      <a:endParaRPr sz="900">
                         <a:latin typeface="AdobeClean-Light"/>
                         <a:cs typeface="AdobeClean-Light"/>
                       </a:endParaRPr>
@@ -4884,16 +5605,16 @@
                         </a:spcBef>
                       </a:pPr>
                       <a:r>
-                        <a:rPr lang="de-de" sz="900" spc="0" dirty="0">
+                        <a:rPr sz="900" spc="0">
                           <a:solidFill>
                             <a:srgbClr val="020302"/>
                           </a:solidFill>
                           <a:latin typeface="AdobeClean-Light"/>
                           <a:cs typeface="AdobeClean-Light"/>
                         </a:rPr>
-                        <a:t>에스컬레이션 관리</a:t>
+                        <a:t>Escalation Management</a:t>
                       </a:r>
-                      <a:endParaRPr sz="900" spc="0" dirty="0">
+                      <a:endParaRPr sz="900" spc="0">
                         <a:latin typeface="AdobeClean-Light"/>
                         <a:cs typeface="AdobeClean-Light"/>
                       </a:endParaRPr>
@@ -4927,7 +5648,7 @@
                           <a:spcPts val="470"/>
                         </a:spcBef>
                       </a:pPr>
-                      <a:endParaRPr sz="900" dirty="0">
+                      <a:endParaRPr sz="900">
                         <a:latin typeface="Wingdings"/>
                         <a:cs typeface="Wingdings"/>
                       </a:endParaRPr>
@@ -4960,7 +5681,7 @@
                         </a:spcBef>
                       </a:pPr>
                       <a:r>
-                        <a:rPr lang="de-de" sz="900" dirty="0">
+                        <a:rPr sz="900">
                           <a:solidFill>
                             <a:srgbClr val="020302"/>
                           </a:solidFill>
@@ -4969,7 +5690,7 @@
                         </a:rPr>
                         <a:t></a:t>
                       </a:r>
-                      <a:endParaRPr sz="900" dirty="0">
+                      <a:endParaRPr sz="900">
                         <a:latin typeface="Wingdings"/>
                         <a:cs typeface="Wingdings"/>
                       </a:endParaRPr>
@@ -5003,7 +5724,7 @@
                           <a:spcPts val="450"/>
                         </a:spcBef>
                       </a:pPr>
-                      <a:endParaRPr sz="900" dirty="0">
+                      <a:endParaRPr sz="900">
                         <a:latin typeface="AdobeClean-Light"/>
                         <a:cs typeface="AdobeClean-Light"/>
                       </a:endParaRPr>
@@ -5044,16 +5765,26 @@
                         </a:spcBef>
                       </a:pPr>
                       <a:r>
-                        <a:rPr lang="de-de" sz="900" spc="0" dirty="0">
+                        <a:rPr sz="900" spc="0">
                           <a:solidFill>
                             <a:srgbClr val="020302"/>
                           </a:solidFill>
                           <a:latin typeface="AdobeClean-Light"/>
                           <a:cs typeface="AdobeClean-Light"/>
                         </a:rPr>
-                        <a:t>연간 서비스 리뷰</a:t>
+                        <a:t>Service Reviews </a:t>
                       </a:r>
-                      <a:endParaRPr sz="900" spc="0" dirty="0">
+                      <a:r>
+                        <a:rPr lang="en-US" sz="900" spc="0">
+                          <a:solidFill>
+                            <a:srgbClr val="020302"/>
+                          </a:solidFill>
+                          <a:latin typeface="AdobeClean-Light"/>
+                          <a:cs typeface="AdobeClean-Light"/>
+                        </a:rPr>
+                        <a:t>per Year</a:t>
+                      </a:r>
+                      <a:endParaRPr sz="900" spc="0">
                         <a:latin typeface="AdobeClean-Light"/>
                         <a:cs typeface="AdobeClean-Light"/>
                       </a:endParaRPr>
@@ -5084,7 +5815,7 @@
                           <a:spcPct val="100000"/>
                         </a:lnSpc>
                       </a:pPr>
-                      <a:endParaRPr sz="900" dirty="0">
+                      <a:endParaRPr sz="900">
                         <a:latin typeface="Times New Roman"/>
                         <a:cs typeface="Times New Roman"/>
                       </a:endParaRPr>
@@ -5113,7 +5844,7 @@
                           <a:spcPct val="100000"/>
                         </a:lnSpc>
                       </a:pPr>
-                      <a:endParaRPr sz="900" dirty="0">
+                      <a:endParaRPr sz="900">
                         <a:latin typeface="Times New Roman"/>
                         <a:cs typeface="Times New Roman"/>
                       </a:endParaRPr>
@@ -5158,13 +5889,13 @@
                         </a:spcBef>
                       </a:pPr>
                       <a:r>
-                        <a:rPr lang="de-de" sz="900" spc="0" dirty="0">
+                        <a:rPr lang="en-US" sz="900" spc="0">
                           <a:latin typeface="AdobeClean-Light"/>
                           <a:cs typeface="AdobeClean-Light"/>
                         </a:rPr>
-                        <a:t>연간 전문가 세션</a:t>
+                        <a:t>Expert Sessions per Year</a:t>
                       </a:r>
-                      <a:endParaRPr sz="900" spc="0" dirty="0">
+                      <a:endParaRPr sz="900" spc="0">
                         <a:latin typeface="AdobeClean-Light"/>
                         <a:cs typeface="AdobeClean-Light"/>
                       </a:endParaRPr>
@@ -5201,7 +5932,7 @@
                           <a:spcPct val="100000"/>
                         </a:lnSpc>
                       </a:pPr>
-                      <a:endParaRPr sz="900" dirty="0">
+                      <a:endParaRPr sz="900">
                         <a:latin typeface="Times New Roman"/>
                         <a:cs typeface="Times New Roman"/>
                       </a:endParaRPr>
@@ -5230,7 +5961,7 @@
                           <a:spcPct val="100000"/>
                         </a:lnSpc>
                       </a:pPr>
-                      <a:endParaRPr sz="900" dirty="0">
+                      <a:endParaRPr sz="900">
                         <a:latin typeface="Times New Roman"/>
                         <a:cs typeface="Times New Roman"/>
                       </a:endParaRPr>
@@ -5275,13 +6006,13 @@
                         </a:spcBef>
                       </a:pPr>
                       <a:r>
-                        <a:rPr lang="de-de" sz="900" spc="0" dirty="0">
+                        <a:rPr lang="en-US" sz="900" spc="0">
                           <a:latin typeface="AdobeClean-Light"/>
                           <a:cs typeface="AdobeClean-Light"/>
                         </a:rPr>
-                        <a:t>사례 검토</a:t>
+                        <a:t>Case Reviews</a:t>
                       </a:r>
-                      <a:endParaRPr sz="900" spc="0" dirty="0">
+                      <a:endParaRPr sz="900" spc="0">
                         <a:latin typeface="AdobeClean-Light"/>
                         <a:cs typeface="AdobeClean-Light"/>
                       </a:endParaRPr>
@@ -5318,7 +6049,7 @@
                           <a:spcPct val="100000"/>
                         </a:lnSpc>
                       </a:pPr>
-                      <a:endParaRPr sz="900" dirty="0">
+                      <a:endParaRPr sz="900">
                         <a:latin typeface="Times New Roman"/>
                         <a:cs typeface="Times New Roman"/>
                       </a:endParaRPr>
@@ -5347,7 +6078,7 @@
                           <a:spcPct val="100000"/>
                         </a:lnSpc>
                       </a:pPr>
-                      <a:endParaRPr sz="900" dirty="0">
+                      <a:endParaRPr sz="900">
                         <a:latin typeface="Times New Roman"/>
                         <a:cs typeface="Times New Roman"/>
                       </a:endParaRPr>
@@ -5381,7 +6112,7 @@
                           <a:spcPts val="459"/>
                         </a:spcBef>
                       </a:pPr>
-                      <a:endParaRPr sz="900" dirty="0">
+                      <a:endParaRPr sz="900">
                         <a:latin typeface="AdobeClean-Light"/>
                         <a:cs typeface="AdobeClean-Light"/>
                       </a:endParaRPr>
@@ -5431,16 +6162,26 @@
                         </a:spcBef>
                       </a:pPr>
                       <a:r>
-                        <a:rPr lang="de-de" sz="900" spc="0" dirty="0">
+                        <a:rPr sz="900" spc="0">
                           <a:solidFill>
                             <a:srgbClr val="020302"/>
                           </a:solidFill>
                           <a:latin typeface="AdobeClean-Light"/>
                           <a:cs typeface="AdobeClean-Light"/>
                         </a:rPr>
-                        <a:t>이벤트 관리</a:t>
+                        <a:t>Event </a:t>
                       </a:r>
-                      <a:endParaRPr sz="900" spc="0" dirty="0">
+                      <a:r>
+                        <a:rPr lang="en-US" sz="900" spc="0">
+                          <a:solidFill>
+                            <a:srgbClr val="020302"/>
+                          </a:solidFill>
+                          <a:latin typeface="AdobeClean-Light"/>
+                          <a:cs typeface="AdobeClean-Light"/>
+                        </a:rPr>
+                        <a:t>Management</a:t>
+                      </a:r>
+                      <a:endParaRPr sz="900" spc="0">
                         <a:latin typeface="AdobeClean-Light"/>
                         <a:cs typeface="AdobeClean-Light"/>
                       </a:endParaRPr>
@@ -5477,7 +6218,7 @@
                           <a:spcPct val="100000"/>
                         </a:lnSpc>
                       </a:pPr>
-                      <a:endParaRPr sz="900" dirty="0">
+                      <a:endParaRPr sz="900">
                         <a:latin typeface="Times New Roman"/>
                         <a:cs typeface="Times New Roman"/>
                       </a:endParaRPr>
@@ -5506,7 +6247,7 @@
                           <a:spcPct val="100000"/>
                         </a:lnSpc>
                       </a:pPr>
-                      <a:endParaRPr sz="900" dirty="0">
+                      <a:endParaRPr sz="900">
                         <a:latin typeface="Times New Roman"/>
                         <a:cs typeface="Times New Roman"/>
                       </a:endParaRPr>
@@ -5540,7 +6281,7 @@
                           <a:spcPts val="465"/>
                         </a:spcBef>
                       </a:pPr>
-                      <a:endParaRPr sz="900" dirty="0">
+                      <a:endParaRPr sz="900">
                         <a:latin typeface="AdobeClean-Light"/>
                         <a:cs typeface="AdobeClean-Light"/>
                       </a:endParaRPr>
@@ -5581,16 +6322,36 @@
                         </a:spcBef>
                       </a:pPr>
                       <a:r>
-                        <a:rPr lang="de-de" sz="900" spc="0" dirty="0">
+                        <a:rPr sz="900" spc="0">
                           <a:solidFill>
                             <a:srgbClr val="020302"/>
                           </a:solidFill>
                           <a:latin typeface="AdobeClean-Light"/>
                           <a:cs typeface="AdobeClean-Light"/>
                         </a:rPr>
-                        <a:t>환경 검토, 유지 관리 및 모니터링</a:t>
+                        <a:t>Environment</a:t>
                       </a:r>
-                      <a:endParaRPr sz="900" spc="0" dirty="0">
+                      <a:r>
+                        <a:rPr lang="en-US" sz="900" spc="0">
+                          <a:solidFill>
+                            <a:srgbClr val="020302"/>
+                          </a:solidFill>
+                          <a:latin typeface="AdobeClean-Light"/>
+                          <a:cs typeface="AdobeClean-Light"/>
+                        </a:rPr>
+                        <a:t> </a:t>
+                      </a:r>
+                      <a:r>
+                        <a:rPr sz="900" spc="0">
+                          <a:solidFill>
+                            <a:srgbClr val="020302"/>
+                          </a:solidFill>
+                          <a:latin typeface="AdobeClean-Light"/>
+                          <a:cs typeface="AdobeClean-Light"/>
+                        </a:rPr>
+                        <a:t>Review, Maintenance &amp; Monitoring</a:t>
+                      </a:r>
+                      <a:endParaRPr sz="900" spc="0">
                         <a:latin typeface="AdobeClean-Light"/>
                         <a:cs typeface="AdobeClean-Light"/>
                       </a:endParaRPr>
@@ -5621,7 +6382,7 @@
                           <a:spcPct val="100000"/>
                         </a:lnSpc>
                       </a:pPr>
-                      <a:endParaRPr sz="900" dirty="0">
+                      <a:endParaRPr sz="900">
                         <a:latin typeface="Times New Roman"/>
                         <a:cs typeface="Times New Roman"/>
                       </a:endParaRPr>
@@ -5650,7 +6411,7 @@
                           <a:spcPct val="100000"/>
                         </a:lnSpc>
                       </a:pPr>
-                      <a:endParaRPr sz="900" dirty="0">
+                      <a:endParaRPr sz="900">
                         <a:latin typeface="Times New Roman"/>
                         <a:cs typeface="Times New Roman"/>
                       </a:endParaRPr>
@@ -5684,7 +6445,7 @@
                           <a:spcPts val="500"/>
                         </a:spcBef>
                       </a:pPr>
-                      <a:endParaRPr sz="900" dirty="0">
+                      <a:endParaRPr sz="900">
                         <a:latin typeface="AdobeClean-Light"/>
                         <a:cs typeface="AdobeClean-Light"/>
                       </a:endParaRPr>
@@ -5725,16 +6486,16 @@
                         </a:spcBef>
                       </a:pPr>
                       <a:r>
-                        <a:rPr lang="de-de" sz="900" spc="0" dirty="0">
+                        <a:rPr sz="900" spc="0">
                           <a:solidFill>
                             <a:srgbClr val="020302"/>
                           </a:solidFill>
                           <a:latin typeface="AdobeClean-Light"/>
                           <a:cs typeface="AdobeClean-Light"/>
                         </a:rPr>
-                        <a:t>릴리스, 마이그레이션, 업그레이드 및 제품 로드맵 검토</a:t>
+                        <a:t>Release, Migration, Upgrade &amp; Product Roadmap Review</a:t>
                       </a:r>
-                      <a:endParaRPr sz="900" spc="0" dirty="0">
+                      <a:endParaRPr sz="900" spc="0">
                         <a:latin typeface="AdobeClean-Light"/>
                         <a:cs typeface="AdobeClean-Light"/>
                       </a:endParaRPr>
@@ -5765,7 +6526,7 @@
                           <a:spcPct val="100000"/>
                         </a:lnSpc>
                       </a:pPr>
-                      <a:endParaRPr sz="900" dirty="0">
+                      <a:endParaRPr sz="900">
                         <a:latin typeface="Times New Roman"/>
                         <a:cs typeface="Times New Roman"/>
                       </a:endParaRPr>
@@ -5794,7 +6555,7 @@
                           <a:spcPct val="100000"/>
                         </a:lnSpc>
                       </a:pPr>
-                      <a:endParaRPr sz="900" dirty="0">
+                      <a:endParaRPr sz="900">
                         <a:latin typeface="Times New Roman"/>
                         <a:cs typeface="Times New Roman"/>
                       </a:endParaRPr>
@@ -5828,7 +6589,7 @@
                           <a:spcPts val="530"/>
                         </a:spcBef>
                       </a:pPr>
-                      <a:endParaRPr sz="900" dirty="0">
+                      <a:endParaRPr sz="900">
                         <a:latin typeface="AdobeClean-Light"/>
                         <a:cs typeface="AdobeClean-Light"/>
                       </a:endParaRPr>
@@ -5878,11 +6639,11 @@
                         </a:spcBef>
                       </a:pPr>
                       <a:r>
-                        <a:rPr lang="de-de" sz="900" spc="0" dirty="0">
+                        <a:rPr sz="900" spc="0">
                           <a:latin typeface="AdobeClean-Light"/>
                           <a:cs typeface="AdobeClean-Light"/>
                         </a:rPr>
-                        <a:t>클라우드 지원 활동 – Experience Manager as Cloud</a:t>
+                        <a:t>Cloud Support Activities – Experience Manager as Cloud</a:t>
                       </a:r>
                     </a:p>
                   </a:txBody>
@@ -5917,7 +6678,7 @@
                           <a:spcPct val="100000"/>
                         </a:lnSpc>
                       </a:pPr>
-                      <a:endParaRPr sz="900" dirty="0">
+                      <a:endParaRPr sz="900">
                         <a:latin typeface="Times New Roman"/>
                         <a:cs typeface="Times New Roman"/>
                       </a:endParaRPr>
@@ -5955,7 +6716,7 @@
                           <a:spcPct val="100000"/>
                         </a:lnSpc>
                       </a:pPr>
-                      <a:endParaRPr sz="900" dirty="0">
+                      <a:endParaRPr sz="900">
                         <a:latin typeface="Times New Roman"/>
                         <a:cs typeface="Times New Roman"/>
                       </a:endParaRPr>
@@ -5999,16 +6760,16 @@
                         </a:spcBef>
                       </a:pPr>
                       <a:r>
-                        <a:rPr lang="de-de" sz="1000" b="1" i="0" spc="0" dirty="0">
+                        <a:rPr lang="en-US" sz="1000" b="1" i="0" spc="0">
                           <a:solidFill>
                             <a:schemeClr val="bg1"/>
                           </a:solidFill>
                           <a:latin typeface="Adobe Clean" panose="020B0503020404020204" pitchFamily="34" charset="0"/>
                           <a:cs typeface="AdobeClean-Light"/>
                         </a:rPr>
-                        <a:t>현장 서비스</a:t>
+                        <a:t>Field Services</a:t>
                       </a:r>
-                      <a:endParaRPr sz="1000" b="1" i="0" spc="0" dirty="0">
+                      <a:endParaRPr sz="1000" b="1" i="0" spc="0">
                         <a:solidFill>
                           <a:schemeClr val="bg1"/>
                         </a:solidFill>
@@ -6067,16 +6828,16 @@
                         </a:spcBef>
                       </a:pPr>
                       <a:r>
-                        <a:rPr lang="de-de" sz="900" spc="0" dirty="0">
+                        <a:rPr sz="900" spc="0">
                           <a:solidFill>
                             <a:srgbClr val="020302"/>
                           </a:solidFill>
                           <a:latin typeface="AdobeClean-Light"/>
                           <a:cs typeface="AdobeClean-Light"/>
                         </a:rPr>
-                        <a:t>출시 자문 서비스 – 새로운 솔루션의 첫 해</a:t>
+                        <a:t>Launch Advisory Services – First Year of new solution</a:t>
                       </a:r>
-                      <a:endParaRPr sz="900" spc="0" dirty="0">
+                      <a:endParaRPr sz="900" spc="0">
                         <a:latin typeface="AdobeClean-Light"/>
                         <a:cs typeface="AdobeClean-Light"/>
                       </a:endParaRPr>
@@ -6091,11 +6852,11 @@
                         </a:spcBef>
                       </a:pPr>
                       <a:r>
-                        <a:rPr lang="de-de" sz="900" spc="0" dirty="0">
+                        <a:rPr sz="900" spc="0">
                           <a:latin typeface="AdobeClean-Light"/>
                           <a:cs typeface="AdobeClean-Light"/>
                         </a:rPr>
-                        <a:t>현장 서비스 활동 </a:t>
+                        <a:t>Field Service Activities </a:t>
                       </a:r>
                     </a:p>
                   </a:txBody>
@@ -6136,7 +6897,7 @@
                           <a:spcPct val="100000"/>
                         </a:lnSpc>
                       </a:pPr>
-                      <a:endParaRPr sz="900" dirty="0">
+                      <a:endParaRPr sz="900">
                         <a:latin typeface="Times New Roman"/>
                         <a:cs typeface="Times New Roman"/>
                       </a:endParaRPr>
@@ -6174,7 +6935,7 @@
                           <a:spcPct val="100000"/>
                         </a:lnSpc>
                       </a:pPr>
-                      <a:endParaRPr sz="900" dirty="0">
+                      <a:endParaRPr sz="900">
                         <a:latin typeface="Times New Roman"/>
                         <a:cs typeface="Times New Roman"/>
                       </a:endParaRPr>
@@ -6259,7 +7020,7 @@
                           <a:spcPct val="100000"/>
                         </a:lnSpc>
                       </a:pPr>
-                      <a:endParaRPr sz="900" dirty="0">
+                      <a:endParaRPr sz="900">
                         <a:latin typeface="Times New Roman"/>
                         <a:cs typeface="Times New Roman"/>
                       </a:endParaRPr>
@@ -6280,12 +7041,12 @@
                     <a:bodyPr/>
                     <a:lstStyle/>
                     <a:p>
-                      <a:pPr marL="0" algn="l" rtl="0">
+                      <a:pPr>
                         <a:lnSpc>
                           <a:spcPct val="100000"/>
                         </a:lnSpc>
                       </a:pPr>
-                      <a:endParaRPr sz="900" dirty="0">
+                      <a:endParaRPr sz="900">
                         <a:latin typeface="Times New Roman"/>
                         <a:cs typeface="Times New Roman"/>
                       </a:endParaRPr>
@@ -6344,7 +7105,7 @@
           <a:lstStyle/>
           <a:p>
             <a:r>
-              <a:rPr lang="de-de" sz="700" i="1" dirty="0">
+              <a:rPr lang="en-US" sz="700" i="1">
                 <a:solidFill>
                   <a:schemeClr val="bg1"/>
                 </a:solidFill>
@@ -6547,15 +7308,15 @@
               </a:spcBef>
             </a:pPr>
             <a:r>
-              <a:rPr lang="de-de" sz="1000" dirty="0">
+              <a:rPr lang="en-US" sz="1000">
                 <a:solidFill>
                   <a:srgbClr val="000000"/>
                 </a:solidFill>
                 <a:latin typeface="Adobe Clean Light" panose="020B0303020404020204" pitchFamily="34" charset="0"/>
               </a:rPr>
-              <a:t>사례를 사전에 모니터링하고, 팀 간의 공동 작업을 주도하고, 온보딩 웨비나를 제공하고, 서비스 보고를 실행하고, 비기술적 지원을 제공하고, Adobe 지원 내에서 에스컬레이션 지점 및 내부 지지 역할을 하는 지정된 계정 지원 리드입니다.</a:t>
-            </a:r>
-            <a:endParaRPr lang="en-US" sz="1000" dirty="0">
+              <a:t>A designated Account Support Lead to proactively monitor cases, drive cross-team collaboration, deliver onboarding webinars, run service reports, provide non-technical support assistance, and function as your escalation point and internal advocate within Adobe Support.</a:t>
+            </a:r>
+            <a:endParaRPr lang="en-US" sz="1000">
               <a:latin typeface="Adobe Clean Light" panose="020B0303020404020204" pitchFamily="34" charset="0"/>
               <a:cs typeface="AdobeClean-Light"/>
             </a:endParaRPr>
@@ -6571,14 +7332,14 @@
         <p:spPr>
           <a:xfrm>
             <a:off x="2836967" y="8618616"/>
-            <a:ext cx="2286000" cy="487313"/>
+            <a:ext cx="2286000" cy="641201"/>
           </a:xfrm>
           <a:prstGeom prst="rect">
             <a:avLst/>
           </a:prstGeom>
         </p:spPr>
         <p:txBody>
-          <a:bodyPr vert="horz" wrap="square" lIns="0" tIns="12700" rIns="0" bIns="0" rtlCol="0">
+          <a:bodyPr vert="horz" wrap="square" lIns="0" tIns="12700" rIns="0" bIns="0" rtlCol="0" anchor="t">
             <a:spAutoFit/>
           </a:bodyPr>
           <a:lstStyle/>
@@ -6595,28 +7356,48 @@
               </a:tabLst>
             </a:pPr>
             <a:r>
-              <a:rPr lang="de-de" sz="1000" dirty="0">
+              <a:rPr sz="1000">
                 <a:solidFill>
                   <a:srgbClr val="020302"/>
                 </a:solidFill>
                 <a:latin typeface="AdobeClean-Light"/>
                 <a:cs typeface="AdobeClean-Light"/>
               </a:rPr>
-              <a:t>답변을 얻고 사례 제출 관련 도움을 받을 수 있는</a:t>
-            </a:r>
-            <a:endParaRPr lang="en-US" sz="1000" dirty="0">
-              <a:solidFill>
-                <a:srgbClr val="020302"/>
-              </a:solidFill>
-              <a:latin typeface="AdobeClean-Light"/>
-              <a:cs typeface="AdobeClean-Light"/>
-            </a:endParaRPr>
+              <a:t>Start a chat session to get answers</a:t>
+            </a:r>
+            <a:r>
+              <a:rPr lang="en-US" sz="1000">
+                <a:solidFill>
+                  <a:srgbClr val="020302"/>
+                </a:solidFill>
+                <a:latin typeface="AdobeClean-Light"/>
+                <a:cs typeface="AdobeClean-Light"/>
+              </a:rPr>
+              <a:t> &amp; </a:t>
+            </a:r>
+            <a:r>
+              <a:rPr sz="1000">
+                <a:solidFill>
+                  <a:srgbClr val="020302"/>
+                </a:solidFill>
+                <a:latin typeface="AdobeClean-Light"/>
+                <a:cs typeface="AdobeClean-Light"/>
+              </a:rPr>
+              <a:t>help with case submission</a:t>
+            </a:r>
+            <a:r>
+              <a:rPr lang="en-US" sz="1000">
+                <a:solidFill>
+                  <a:srgbClr val="020302"/>
+                </a:solidFill>
+                <a:latin typeface="AdobeClean-Light"/>
+                <a:cs typeface="AdobeClean-Light"/>
+              </a:rPr>
+              <a:t>.</a:t>
+            </a:r>
           </a:p>
           <a:p>
             <a:pPr marL="33020" marR="159385">
-              <a:lnSpc>
-                <a:spcPct val="100000"/>
-              </a:lnSpc>
               <a:spcBef>
                 <a:spcPts val="100"/>
               </a:spcBef>
@@ -6625,36 +7406,36 @@
               </a:tabLst>
             </a:pPr>
             <a:r>
-              <a:rPr lang="de-de" sz="1000" dirty="0">
-                <a:solidFill>
-                  <a:srgbClr val="020302"/>
-                </a:solidFill>
-                <a:latin typeface="AdobeClean-Light"/>
-                <a:cs typeface="AdobeClean-Light"/>
-              </a:rPr>
-              <a:t> 채팅 세션을 시작합니다.</a:t>
-            </a:r>
-            <a:r>
-              <a:rPr lang="de-de" sz="1000" i="1" dirty="0">
+              <a:rPr sz="1000" i="1">
                 <a:solidFill>
                   <a:srgbClr val="7A7A7A"/>
                 </a:solidFill>
                 <a:latin typeface="AdobeClean-LightIt"/>
                 <a:cs typeface="AdobeClean-LightIt"/>
               </a:rPr>
-              <a:t>*모든 제품에 라이브 채팅이 지원되는 것은 아닙니다</a:t>
-            </a:r>
-            <a:r>
-              <a:rPr lang="de-de" sz="900" i="1" dirty="0">
+              <a:t>*Not all products have live chat support</a:t>
+            </a:r>
+            <a:r>
+              <a:rPr sz="900" i="1">
                 <a:solidFill>
                   <a:srgbClr val="7A7A7A"/>
                 </a:solidFill>
                 <a:latin typeface="AdobeClean-LightIt"/>
                 <a:cs typeface="AdobeClean-LightIt"/>
               </a:rPr>
-              <a:t>.  </a:t>
-            </a:r>
-            <a:endParaRPr sz="900" dirty="0">
+              <a:t>.</a:t>
+            </a:r>
+            <a:r>
+              <a:rPr lang="en-US" sz="900" i="1">
+                <a:solidFill>
+                  <a:srgbClr val="7A7A7A"/>
+                </a:solidFill>
+                <a:latin typeface="AdobeClean-LightIt"/>
+                <a:cs typeface="AdobeClean-LightIt"/>
+              </a:rPr>
+              <a:t>  </a:t>
+            </a:r>
+            <a:endParaRPr sz="900">
               <a:latin typeface="AdobeClean-Light"/>
               <a:cs typeface="AdobeClean-Light"/>
             </a:endParaRPr>
@@ -6733,12 +7514,12 @@
               <a:defRPr/>
             </a:pPr>
             <a:r>
-              <a:rPr lang="de-de" sz="1200" dirty="0">
+              <a:rPr lang="en-US" sz="1200">
                 <a:solidFill>
                   <a:srgbClr val="000000"/>
                 </a:solidFill>
               </a:rPr>
-              <a:t>커뮤니티 포럼</a:t>
+              <a:t>Community Forums</a:t>
             </a:r>
           </a:p>
         </p:txBody>
@@ -6781,12 +7562,12 @@
               </a:spcAft>
             </a:pPr>
             <a:r>
-              <a:rPr lang="de-de" sz="1200" b="1" dirty="0">
+              <a:rPr lang="en-US" sz="1200" b="1">
                 <a:latin typeface="+mj-lt"/>
                 <a:ea typeface="Open Sans" pitchFamily="34" charset="0"/>
                 <a:cs typeface="Open Sans" pitchFamily="34" charset="0"/>
               </a:rPr>
-              <a:t>온라인 포럼</a:t>
+              <a:t>Online Forums</a:t>
             </a:r>
           </a:p>
         </p:txBody>
@@ -6819,13 +7600,13 @@
           <a:lstStyle/>
           <a:p>
             <a:r>
-              <a:rPr lang="de-de" sz="1000" dirty="0">
+              <a:rPr lang="en-US" sz="1000">
                 <a:solidFill>
                   <a:srgbClr val="000000"/>
                 </a:solidFill>
                 <a:latin typeface="Adobe Clean Light" panose="020B0303020404020204" pitchFamily="34" charset="0"/>
               </a:rPr>
-              <a:t>기술 솔루션, 제품 문서, FAQ 등 증가하는 데이터베이스에 대한 지속적인 온라인 액세스. 수천 명의 고객이 소통하여 모범 사례와 진행 중 얻은 개선 사항을 공유할 수 있습니다.</a:t>
+              <a:t>Continuous online access to a growing database of technical solutions, product documentation, FAQs and more. Thousands of customers can connect to share best practices and lessons learned.</a:t>
             </a:r>
           </a:p>
         </p:txBody>
@@ -6868,12 +7649,12 @@
               </a:spcAft>
             </a:pPr>
             <a:r>
-              <a:rPr lang="de-de" sz="1200" b="1" dirty="0">
+              <a:rPr lang="en-US" sz="1200" b="1">
                 <a:latin typeface="+mj-lt"/>
                 <a:ea typeface="Open Sans" pitchFamily="34" charset="0"/>
                 <a:cs typeface="Open Sans" pitchFamily="34" charset="0"/>
               </a:rPr>
-              <a:t>셀프 가이드 여정</a:t>
+              <a:t>Self-guided Journeys</a:t>
             </a:r>
           </a:p>
         </p:txBody>
@@ -6906,13 +7687,13 @@
           <a:lstStyle/>
           <a:p>
             <a:r>
-              <a:rPr lang="de-de" sz="1000" dirty="0">
+              <a:rPr lang="en-US" sz="1000">
                 <a:solidFill>
                   <a:srgbClr val="000000"/>
                 </a:solidFill>
                 <a:latin typeface="Adobe Clean Light" panose="020B0303020404020204" pitchFamily="34" charset="0"/>
               </a:rPr>
-              <a:t>Experience 업체는 Experience League로 만들어집니다. 고객은 개인 맞춤형 학습을 통해 고객 경험 관리 능력에 시동을 걸어 기술을 개발하고 글로벌 동료 커뮤니티와 교류하며 경력 발전에 도움이 되는 인정을 얻을 수 있습니다.</a:t>
+              <a:t>Experience Makers are made with Experience League. Customers can kickstart their Customer Experience Management abilities with personalized learning to develop skills, engage with a global community of peers, and earn career advancing recognition.</a:t>
             </a:r>
           </a:p>
         </p:txBody>
@@ -6960,12 +7741,12 @@
               <a:defRPr/>
             </a:pPr>
             <a:r>
-              <a:rPr lang="de-de" sz="1200" dirty="0">
+              <a:rPr lang="en-US" sz="1200">
                 <a:solidFill>
                   <a:srgbClr val="000000"/>
                 </a:solidFill>
               </a:rPr>
-              <a:t>라이브 채팅 지원*</a:t>
+              <a:t>Live Chat  Support*</a:t>
             </a:r>
           </a:p>
         </p:txBody>
@@ -7008,12 +7789,12 @@
               </a:spcAft>
             </a:pPr>
             <a:r>
-              <a:rPr lang="de-de" sz="1200" b="1" dirty="0">
+              <a:rPr lang="en-US" sz="1200" b="1">
                 <a:latin typeface="+mj-lt"/>
                 <a:ea typeface="Open Sans" pitchFamily="34" charset="0"/>
                 <a:cs typeface="Open Sans" pitchFamily="34" charset="0"/>
               </a:rPr>
-              <a:t>채팅 지원</a:t>
+              <a:t>Chat Support</a:t>
             </a:r>
           </a:p>
         </p:txBody>
@@ -7061,7 +7842,7 @@
               <a:defRPr/>
             </a:pPr>
             <a:r>
-              <a:rPr lang="de-de" sz="1200" dirty="0">
+              <a:rPr lang="en-US" sz="1200">
                 <a:solidFill>
                   <a:srgbClr val="000000"/>
                 </a:solidFill>
@@ -7109,12 +7890,12 @@
               </a:spcAft>
             </a:pPr>
             <a:r>
-              <a:rPr lang="de-de" sz="1200" b="1" dirty="0">
+              <a:rPr lang="en-US" sz="1200" b="1">
                 <a:latin typeface="+mj-lt"/>
                 <a:ea typeface="Open Sans" pitchFamily="34" charset="0"/>
                 <a:cs typeface="Open Sans" pitchFamily="34" charset="0"/>
               </a:rPr>
-              <a:t>전화 지원</a:t>
+              <a:t>Phone Support</a:t>
             </a:r>
           </a:p>
         </p:txBody>
@@ -7147,21 +7928,21 @@
           <a:lstStyle/>
           <a:p>
             <a:r>
-              <a:rPr lang="de-de" sz="1000" dirty="0">
+              <a:rPr lang="en-US" sz="1000">
                 <a:solidFill>
                   <a:srgbClr val="020302"/>
                 </a:solidFill>
                 <a:latin typeface="AdobeClean-Light"/>
               </a:rPr>
-              <a:t>승인된 사용자 또는 지정 지원 담당자</a:t>
-            </a:r>
-            <a:r>
-              <a:rPr lang="de-de" sz="1000" dirty="0">
+              <a:t>Authorized users or Named Support Contacts </a:t>
+            </a:r>
+            <a:r>
+              <a:rPr lang="en-US" sz="1000">
                 <a:latin typeface="Adobe Clean Light" panose="020B0303020404020204" pitchFamily="34" charset="0"/>
               </a:rPr>
-              <a:t>는 사용 가능한 모든 채널(P1용 전화 포함)을 통해 문제를 제출하고 귀사를 대신하여 기술 지원 팀과 상호 작용할 수 있습니다. </a:t>
-            </a:r>
-            <a:endParaRPr lang="en-US" sz="1000" dirty="0">
+              <a:t>can submit issues through all available  channels (including phone for P1) and interact with our technical support team on behalf of your company. </a:t>
+            </a:r>
+            <a:endParaRPr lang="en-US" sz="1000">
               <a:solidFill>
                 <a:srgbClr val="000000"/>
               </a:solidFill>
@@ -7189,7 +7970,7 @@
         <p:spPr>
           <a:xfrm>
             <a:off x="5253416" y="9862966"/>
-            <a:ext cx="2518984" cy="132729"/>
+            <a:ext cx="2270125" cy="132729"/>
           </a:xfrm>
           <a:prstGeom prst="rect">
             <a:avLst/>
@@ -7210,16 +7991,24 @@
               </a:spcBef>
             </a:pPr>
             <a:r>
-              <a:rPr lang="de-de" spc="-5" dirty="0"/>
-              <a:t>©2021 Adobe. All Rights Reserved. Adobe</a:t>
-            </a:r>
-            <a:r>
-              <a:rPr lang="de-de" spc="60" dirty="0"/>
+              <a:rPr spc="-5"/>
+              <a:t>©202</a:t>
+            </a:r>
+            <a:r>
+              <a:rPr lang="en-US" spc="-5"/>
+              <a:t>1</a:t>
+            </a:r>
+            <a:r>
+              <a:rPr spc="-5"/>
+              <a:t> Adobe. All Rights Reserved. Adobe</a:t>
+            </a:r>
+            <a:r>
+              <a:rPr spc="60"/>
               <a:t> </a:t>
             </a:r>
             <a:r>
-              <a:rPr lang="de-de" spc="-5" dirty="0"/>
-              <a:t>기밀.</a:t>
+              <a:rPr spc="-5"/>
+              <a:t>Confidential.</a:t>
             </a:r>
           </a:p>
         </p:txBody>
@@ -7262,13 +8051,13 @@
               </a:spcAft>
             </a:pPr>
             <a:r>
-              <a:rPr lang="de-de" sz="1200" b="1" spc="-10" dirty="0">
+              <a:rPr lang="en-US" sz="1200" b="1" spc="-10">
                 <a:solidFill>
                   <a:srgbClr val="020302"/>
                 </a:solidFill>
                 <a:latin typeface="+mj-lt"/>
               </a:rPr>
-              <a:t>계정 지원 리드</a:t>
+              <a:t>Account Support Lead</a:t>
             </a:r>
           </a:p>
         </p:txBody>
@@ -7357,16 +8146,16 @@
               </a:spcBef>
             </a:pPr>
             <a:r>
-              <a:rPr lang="de-de" sz="1400" b="1" spc="-10" dirty="0">
+              <a:rPr lang="en-US" sz="1400" b="1" spc="-10">
                 <a:solidFill>
                   <a:srgbClr val="020302"/>
                 </a:solidFill>
                 <a:latin typeface="Adobe Clean"/>
                 <a:cs typeface="Adobe Clean"/>
               </a:rPr>
-              <a:t>온라인 지원 기능</a:t>
-            </a:r>
-            <a:endParaRPr lang="en-US" sz="1400" dirty="0">
+              <a:t>Online Support Features</a:t>
+            </a:r>
+            <a:endParaRPr lang="en-US" sz="1400">
               <a:latin typeface="Adobe Clean"/>
               <a:cs typeface="Adobe Clean"/>
             </a:endParaRPr>
@@ -7457,16 +8246,16 @@
               </a:spcBef>
             </a:pPr>
             <a:r>
-              <a:rPr lang="de-de" sz="1400" b="1" spc="-10" dirty="0">
+              <a:rPr lang="en-US" sz="1400" b="1" spc="-10">
                 <a:solidFill>
                   <a:srgbClr val="020302"/>
                 </a:solidFill>
                 <a:latin typeface="Adobe Clean"/>
                 <a:cs typeface="Adobe Clean"/>
               </a:rPr>
-              <a:t>비즈니스 지원 기능</a:t>
-            </a:r>
-            <a:endParaRPr lang="en-US" sz="1400" dirty="0">
+              <a:t>Business  Support Features</a:t>
+            </a:r>
+            <a:endParaRPr lang="en-US" sz="1400">
               <a:latin typeface="Adobe Clean"/>
               <a:cs typeface="Adobe Clean"/>
             </a:endParaRPr>
@@ -7509,12 +8298,12 @@
               </a:spcBef>
             </a:pPr>
             <a:r>
-              <a:rPr lang="de-de" sz="1000" dirty="0">
+              <a:rPr lang="en-US" sz="1000">
                 <a:latin typeface="Adobe Clean Light" panose="020B0303020404020204" pitchFamily="34" charset="0"/>
               </a:rPr>
-              <a:t>고객은 지역별 지원 시간 동안 모든 P2, P3, P4 문제에 대해 전화를 통해 지원 사례를 제출할 수 있습니다. 지원을 요청할 수 있는 횟수에는 상한선이 없습니다. 고객은 또한 지원 팀에 콜백을 요청하거나 공유 원격 데스크탑 세션을 사용하여 문제를 시연하거나 해결하기 위한 회의를 요청할 수 있습니다.</a:t>
-            </a:r>
-            <a:endParaRPr lang="en-US" sz="1000" dirty="0">
+              <a:t>Customers can submit support cases via Phone for all P2, P3, P4 issues during regional support hours. There are no upper limits on the number of times you can call into support. Customers can also request a call back from support or request a meeting to demonstrate or work through an issue using a shared remote desktop session.</a:t>
+            </a:r>
+            <a:endParaRPr lang="en-US" sz="1000">
               <a:latin typeface="Adobe Clean Light" panose="020B0303020404020204" pitchFamily="34" charset="0"/>
               <a:cs typeface="AdobeClean-Light"/>
             </a:endParaRPr>
@@ -7559,13 +8348,13 @@
               </a:spcAft>
             </a:pPr>
             <a:r>
-              <a:rPr lang="de-de" sz="1200" b="1" spc="-10" dirty="0">
+              <a:rPr lang="en-US" sz="1200" b="1" spc="-10">
                 <a:solidFill>
                   <a:srgbClr val="020302"/>
                 </a:solidFill>
                 <a:latin typeface="+mj-lt"/>
               </a:rPr>
-              <a:t>실시간 전화 지원</a:t>
+              <a:t>Live Telephone Support</a:t>
             </a:r>
           </a:p>
         </p:txBody>
@@ -7606,15 +8395,15 @@
               </a:spcBef>
             </a:pPr>
             <a:r>
-              <a:rPr lang="de-de" sz="1000" dirty="0">
+              <a:rPr lang="en-US" sz="1000">
                 <a:solidFill>
                   <a:srgbClr val="4B4B4B"/>
                 </a:solidFill>
                 <a:latin typeface="Adobe Clean Light" panose="020B0303020404020204" pitchFamily="34" charset="0"/>
               </a:rPr>
-              <a:t>에스컬레이션 지원 및 정기 업데이트를 제공하고 진행 중인 지원 요청에서 가장 중요한 것에 우선 순위를 부여할 수 있는 Adobe 내의 지정된 담당자입니다.</a:t>
-            </a:r>
-            <a:endParaRPr lang="en-US" sz="1000" dirty="0">
+              <a:t>A designated point of contact within Adobe who can provide escalation assistance, regular updates and ensure priority is given to your most critical open support requests.</a:t>
+            </a:r>
+            <a:endParaRPr lang="en-US" sz="1000">
               <a:latin typeface="Adobe Clean Light" panose="020B0303020404020204" pitchFamily="34" charset="0"/>
               <a:cs typeface="AdobeClean-Light"/>
             </a:endParaRPr>
@@ -7659,13 +8448,13 @@
               </a:spcAft>
             </a:pPr>
             <a:r>
-              <a:rPr lang="de-de" sz="1200" b="1" spc="-10" dirty="0">
+              <a:rPr lang="en-US" sz="1200" b="1" spc="-10">
                 <a:solidFill>
                   <a:srgbClr val="020302"/>
                 </a:solidFill>
                 <a:latin typeface="+mj-lt"/>
               </a:rPr>
-              <a:t>에스컬레이션 관리</a:t>
+              <a:t>Escalation Management</a:t>
             </a:r>
           </a:p>
         </p:txBody>
@@ -7713,12 +8502,12 @@
               <a:defRPr/>
             </a:pPr>
             <a:r>
-              <a:rPr lang="de-de" sz="1200" dirty="0">
+              <a:rPr lang="en-US" sz="1200">
                 <a:solidFill>
                   <a:srgbClr val="000000"/>
                 </a:solidFill>
               </a:rPr>
-              <a:t>오피스 아워</a:t>
+              <a:t>Office Hours</a:t>
             </a:r>
           </a:p>
         </p:txBody>
@@ -7761,12 +8550,12 @@
               </a:spcAft>
             </a:pPr>
             <a:r>
-              <a:rPr lang="de-de" sz="1200" b="1" dirty="0">
+              <a:rPr lang="en-US" sz="1200" b="1">
                 <a:latin typeface="+mj-lt"/>
                 <a:ea typeface="Open Sans" pitchFamily="34" charset="0"/>
                 <a:cs typeface="Open Sans" pitchFamily="34" charset="0"/>
               </a:rPr>
-              <a:t>웨비나</a:t>
+              <a:t>Webinars</a:t>
             </a:r>
           </a:p>
         </p:txBody>
@@ -7799,13 +8588,13 @@
           <a:lstStyle/>
           <a:p>
             <a:r>
-              <a:rPr lang="de-de" sz="1000" dirty="0">
+              <a:rPr lang="en-US" sz="1000">
                 <a:solidFill>
                   <a:srgbClr val="000000"/>
                 </a:solidFill>
                 <a:latin typeface="Adobe Clean Light" panose="020B0303020404020204" pitchFamily="34" charset="0"/>
               </a:rPr>
-              <a:t>오피스 아워(Office Hours)는 Adobe 고객 지원 팀에서 진행하는 이니셔티브입니다. 이러한 세션은 참가자가 문제를 해결하도록 관련 정보를 제공하여 도움을 주고 Adobe Experience Cloud를 성공적으로 사용할 수 있는 팁과 요령을 제공하기 위해 설계되었습니다.</a:t>
+              <a:t>Office Hours is an initiative led by the Adobe Customer Support team. These sessions are designed to inform as well as help participants troubleshoot problems and provide tips and tricks to be successful with Adobe Experience Cloud.</a:t>
             </a:r>
           </a:p>
         </p:txBody>
@@ -7848,12 +8637,12 @@
               </a:spcAft>
             </a:pPr>
             <a:r>
-              <a:rPr lang="de-de" sz="1200" b="1" dirty="0">
+              <a:rPr lang="en-US" sz="1200" b="1">
                 <a:latin typeface="+mj-lt"/>
                 <a:ea typeface="Open Sans" pitchFamily="34" charset="0"/>
                 <a:cs typeface="Open Sans" pitchFamily="34" charset="0"/>
               </a:rPr>
-              <a:t>24/7 지원 포털</a:t>
+              <a:t>24/7 Support Portal</a:t>
             </a:r>
           </a:p>
         </p:txBody>
@@ -7886,30 +8675,37 @@
           <a:lstStyle/>
           <a:p>
             <a:r>
-              <a:rPr lang="de-de" sz="1000" dirty="0">
+              <a:rPr lang="en-US" sz="1000">
                 <a:solidFill>
                   <a:srgbClr val="000000"/>
                 </a:solidFill>
                 <a:latin typeface="Adobe Clean Light" panose="020B0303020404020204" pitchFamily="34" charset="0"/>
               </a:rPr>
-              <a:t>지원 요청을 제출하고 사례 상태를 검토하고 기술 자료, 뉴스 및 알림, 추천 팁 등과 같은 기타 리소스를 검색할 수 있는 온라인 </a:t>
-            </a:r>
-            <a:br/>
-            <a:r>
-              <a:rPr lang="de-de" sz="1000" dirty="0">
+              <a:t>On-demand access to the online </a:t>
+            </a:r>
+            <a:br>
+              <a:rPr lang="en-US" sz="1000">
                 <a:solidFill>
                   <a:srgbClr val="000000"/>
                 </a:solidFill>
                 <a:latin typeface="Adobe Clean Light" panose="020B0303020404020204" pitchFamily="34" charset="0"/>
               </a:rPr>
-              <a:t>자가 진단 지원 포털에 대한 온디맨드 액세스입니다.</a:t>
+            </a:br>
+            <a:r>
+              <a:rPr lang="en-US" sz="1000">
+                <a:solidFill>
+                  <a:srgbClr val="000000"/>
+                </a:solidFill>
+                <a:latin typeface="Adobe Clean Light" panose="020B0303020404020204" pitchFamily="34" charset="0"/>
+              </a:rPr>
+              <a:t>Self-help Support Portal to submit support requests, review case status, and browse other resources, like our knowledgebase, news and alerts, featured tips, and more.</a:t>
             </a:r>
           </a:p>
         </p:txBody>
       </p:sp>
       <p:pic>
         <p:nvPicPr>
-          <p:cNvPr id="13" name="Graphic 12" descr="플레이북 개요">
+          <p:cNvPr id="13" name="Graphic 12" descr="Playbook outline">
             <a:extLst>
               <a:ext uri="{FF2B5EF4-FFF2-40B4-BE49-F238E27FC236}">
                 <a16:creationId xmlns:a16="http://schemas.microsoft.com/office/drawing/2014/main" id="{EA91EF06-4BFE-9B42-9A4B-1146BB3FDFD3}"/>
@@ -7948,7 +8744,7 @@
       </p:pic>
       <p:pic>
         <p:nvPicPr>
-          <p:cNvPr id="15" name="Graphic 14" descr="사용자 개요">
+          <p:cNvPr id="15" name="Graphic 14" descr="User outline">
             <a:extLst>
               <a:ext uri="{FF2B5EF4-FFF2-40B4-BE49-F238E27FC236}">
                 <a16:creationId xmlns:a16="http://schemas.microsoft.com/office/drawing/2014/main" id="{432C176A-FCAC-A645-A2E4-E6AD4A602868}"/>
@@ -8014,10 +8810,10 @@
           <a:lstStyle/>
           <a:p>
             <a:r>
-              <a:rPr lang="de-de" sz="1200" b="1" dirty="0">
+              <a:rPr lang="en-US" sz="1200" b="1">
                 <a:latin typeface="+mj-lt"/>
               </a:rPr>
-              <a:t>비즈니스 서비스</a:t>
+              <a:t>Business Services</a:t>
             </a:r>
           </a:p>
         </p:txBody>
@@ -8058,12 +8854,12 @@
               </a:spcBef>
             </a:pPr>
             <a:r>
-              <a:rPr lang="de-de" sz="1000" dirty="0">
+              <a:rPr lang="en-US" sz="1000">
                 <a:latin typeface="Adobe Clean Light" panose="020B0303020404020204" pitchFamily="34" charset="0"/>
               </a:rPr>
-              <a:t>계정 지원 리드가 비즈니스 지원 서비스의 개요를 다루는 웨비나를 진행합니다.  </a:t>
-            </a:r>
-            <a:endParaRPr lang="en-US" sz="1000" dirty="0">
+              <a:t>An Account Support Lead will host webinars covering an overview of business support services.  </a:t>
+            </a:r>
+            <a:endParaRPr lang="en-US" sz="1000">
               <a:latin typeface="Adobe Clean Light" panose="020B0303020404020204" pitchFamily="34" charset="0"/>
               <a:cs typeface="AdobeClean-Light"/>
             </a:endParaRPr>
@@ -8127,7 +8923,7 @@
       </p:sp>
       <p:pic>
         <p:nvPicPr>
-          <p:cNvPr id="8" name="Graphic 7" descr="콜 센터 개요">
+          <p:cNvPr id="8" name="Graphic 7" descr="Call center outline">
             <a:extLst>
               <a:ext uri="{FF2B5EF4-FFF2-40B4-BE49-F238E27FC236}">
                 <a16:creationId xmlns:a16="http://schemas.microsoft.com/office/drawing/2014/main" id="{76C5F4CC-9EB1-9A40-B7CD-9238D7CBD210}"/>
@@ -8166,7 +8962,7 @@
       </p:pic>
       <p:pic>
         <p:nvPicPr>
-          <p:cNvPr id="12" name="Graphic 11" descr="말풍선 개요">
+          <p:cNvPr id="12" name="Graphic 11" descr="Chat bubble outline">
             <a:extLst>
               <a:ext uri="{FF2B5EF4-FFF2-40B4-BE49-F238E27FC236}">
                 <a16:creationId xmlns:a16="http://schemas.microsoft.com/office/drawing/2014/main" id="{622BBF30-302E-BB48-9742-E046EB16E213}"/>
@@ -8205,7 +9001,7 @@
       </p:pic>
       <p:pic>
         <p:nvPicPr>
-          <p:cNvPr id="16" name="Graphic 15" descr="나침반 개요">
+          <p:cNvPr id="16" name="Graphic 15" descr="Compass outline">
             <a:extLst>
               <a:ext uri="{FF2B5EF4-FFF2-40B4-BE49-F238E27FC236}">
                 <a16:creationId xmlns:a16="http://schemas.microsoft.com/office/drawing/2014/main" id="{8D3635BD-68A2-174E-92F8-1EE608E3F409}"/>
@@ -8244,7 +9040,7 @@
       </p:pic>
       <p:pic>
         <p:nvPicPr>
-          <p:cNvPr id="18" name="Graphic 17" descr="스피커폰 개요">
+          <p:cNvPr id="18" name="Graphic 17" descr="Speaker phone outline">
             <a:extLst>
               <a:ext uri="{FF2B5EF4-FFF2-40B4-BE49-F238E27FC236}">
                 <a16:creationId xmlns:a16="http://schemas.microsoft.com/office/drawing/2014/main" id="{CD7C3546-DF6C-1748-9DE2-3DE0B393FD70}"/>
@@ -8283,7 +9079,7 @@
       </p:pic>
       <p:pic>
         <p:nvPicPr>
-          <p:cNvPr id="20" name="Graphic 19" descr="고객 리뷰 개요">
+          <p:cNvPr id="20" name="Graphic 19" descr="Customer review outline">
             <a:extLst>
               <a:ext uri="{FF2B5EF4-FFF2-40B4-BE49-F238E27FC236}">
                 <a16:creationId xmlns:a16="http://schemas.microsoft.com/office/drawing/2014/main" id="{88BA5AB9-C7BF-714C-B301-F3911BFCE82B}"/>
@@ -8322,7 +9118,7 @@
       </p:pic>
       <p:pic>
         <p:nvPicPr>
-          <p:cNvPr id="24" name="Graphic 23" descr="길잡이 개요">
+          <p:cNvPr id="24" name="Graphic 23" descr="Signpost outline">
             <a:extLst>
               <a:ext uri="{FF2B5EF4-FFF2-40B4-BE49-F238E27FC236}">
                 <a16:creationId xmlns:a16="http://schemas.microsoft.com/office/drawing/2014/main" id="{98A2CDD0-0973-5C41-9864-EAF96E20A224}"/>
@@ -8361,7 +9157,7 @@
       </p:pic>
       <p:pic>
         <p:nvPicPr>
-          <p:cNvPr id="26" name="Graphic 25" descr="인터넷 개요">
+          <p:cNvPr id="26" name="Graphic 25" descr="Internet outline">
             <a:extLst>
               <a:ext uri="{FF2B5EF4-FFF2-40B4-BE49-F238E27FC236}">
                 <a16:creationId xmlns:a16="http://schemas.microsoft.com/office/drawing/2014/main" id="{D97D0963-4E70-534E-A452-83995F1FACDE}"/>
@@ -8400,7 +9196,7 @@
       </p:pic>
       <p:pic>
         <p:nvPicPr>
-          <p:cNvPr id="28" name="Graphic 27" descr="원격 학습 언어 개요">
+          <p:cNvPr id="28" name="Graphic 27" descr="Remote learning language outline">
             <a:extLst>
               <a:ext uri="{FF2B5EF4-FFF2-40B4-BE49-F238E27FC236}">
                 <a16:creationId xmlns:a16="http://schemas.microsoft.com/office/drawing/2014/main" id="{5F425BA3-573C-1A4A-9418-FC3AB02B28C2}"/>
@@ -8535,12 +9331,12 @@
               <a:defRPr/>
             </a:pPr>
             <a:r>
-              <a:rPr lang="de-de" sz="1200" dirty="0">
+              <a:rPr lang="en-US" sz="1200">
                 <a:solidFill>
                   <a:srgbClr val="000000"/>
                 </a:solidFill>
               </a:rPr>
-              <a:t>자가 진단 포털</a:t>
+              <a:t>Self– Help Portal</a:t>
             </a:r>
           </a:p>
         </p:txBody>
@@ -8588,7 +9384,7 @@
               <a:defRPr/>
             </a:pPr>
             <a:r>
-              <a:rPr lang="de-de" sz="1200" dirty="0">
+              <a:rPr lang="en-US" sz="1200">
                 <a:solidFill>
                   <a:srgbClr val="000000"/>
                 </a:solidFill>
@@ -8650,17 +9446,17 @@
               </a:lnSpc>
             </a:pPr>
             <a:r>
-              <a:rPr lang="de-de" sz="500" spc="-5" dirty="0">
+              <a:rPr sz="500" spc="-5">
                 <a:solidFill>
                   <a:srgbClr val="6C6C6C"/>
                 </a:solidFill>
                 <a:latin typeface="Adobe Clean"/>
                 <a:cs typeface="Adobe Clean"/>
               </a:rPr>
-              <a:t>© 2020 Adobe.  All Rights Reserved. </a:t>
-            </a:r>
-            <a:r>
-              <a:rPr lang="de-de" sz="500" dirty="0">
+              <a:t>©2020 Adobe. All Rights Reserved. </a:t>
+            </a:r>
+            <a:r>
+              <a:rPr sz="500">
                 <a:solidFill>
                   <a:srgbClr val="6C6C6C"/>
                 </a:solidFill>
@@ -8670,7 +9466,7 @@
               <a:t>Adobe</a:t>
             </a:r>
             <a:r>
-              <a:rPr lang="de-de" sz="500" spc="5" dirty="0">
+              <a:rPr sz="500" spc="5">
                 <a:solidFill>
                   <a:srgbClr val="6C6C6C"/>
                 </a:solidFill>
@@ -8680,14 +9476,14 @@
               <a:t> </a:t>
             </a:r>
             <a:r>
-              <a:rPr lang="de-de" sz="500" spc="-5" dirty="0">
+              <a:rPr sz="500" spc="-5">
                 <a:solidFill>
                   <a:srgbClr val="6C6C6C"/>
                 </a:solidFill>
                 <a:latin typeface="Adobe Clean"/>
                 <a:cs typeface="Adobe Clean"/>
               </a:rPr>
-              <a:t>기밀.</a:t>
+              <a:t>Confidential.</a:t>
             </a:r>
             <a:endParaRPr sz="500">
               <a:latin typeface="Adobe Clean"/>
@@ -8718,17 +9514,17 @@
               </a:spcBef>
             </a:pPr>
             <a:r>
-              <a:rPr lang="de-de" sz="800" spc="-5" dirty="0">
+              <a:rPr sz="800" spc="-5">
                 <a:solidFill>
                   <a:srgbClr val="6D6D6D"/>
                 </a:solidFill>
                 <a:latin typeface="Adobe Clean"/>
                 <a:cs typeface="Adobe Clean"/>
               </a:rPr>
-              <a:t>© 2020 Adobe.  All Rights Reserved. Adobe</a:t>
-            </a:r>
-            <a:r>
-              <a:rPr lang="de-de" sz="800" spc="75" dirty="0">
+              <a:t>©2020 Adobe. All Rights Reserved. Adobe</a:t>
+            </a:r>
+            <a:r>
+              <a:rPr sz="800" spc="75">
                 <a:solidFill>
                   <a:srgbClr val="6D6D6D"/>
                 </a:solidFill>
@@ -8738,14 +9534,14 @@
               <a:t> </a:t>
             </a:r>
             <a:r>
-              <a:rPr lang="de-de" sz="800" spc="-5" dirty="0">
+              <a:rPr sz="800" spc="-5">
                 <a:solidFill>
                   <a:srgbClr val="6D6D6D"/>
                 </a:solidFill>
                 <a:latin typeface="Adobe Clean"/>
                 <a:cs typeface="Adobe Clean"/>
               </a:rPr>
-              <a:t>기밀.</a:t>
+              <a:t>Confidential.</a:t>
             </a:r>
             <a:endParaRPr sz="800">
               <a:latin typeface="Adobe Clean"/>
@@ -8834,16 +9630,16 @@
               </a:spcBef>
             </a:pPr>
             <a:r>
-              <a:rPr lang="de-de" sz="1400" b="1" spc="-15" dirty="0">
+              <a:rPr lang="en-US" sz="1400" b="1" spc="-15">
                 <a:solidFill>
                   <a:srgbClr val="020302"/>
                 </a:solidFill>
                 <a:latin typeface="Adobe Clean"/>
                 <a:cs typeface="Adobe Clean"/>
               </a:rPr>
-              <a:t>리소스</a:t>
-            </a:r>
-            <a:endParaRPr sz="1400" dirty="0">
+              <a:t>Resources</a:t>
+            </a:r>
+            <a:endParaRPr sz="1400">
               <a:latin typeface="Adobe Clean"/>
               <a:cs typeface="Adobe Clean"/>
             </a:endParaRPr>
@@ -8880,7 +9676,7 @@
               </a:spcBef>
             </a:pPr>
             <a:r>
-              <a:rPr lang="de-de" sz="800" spc="-15" dirty="0">
+              <a:rPr sz="800" spc="-15">
                 <a:solidFill>
                   <a:srgbClr val="777879"/>
                 </a:solidFill>
@@ -8901,7 +9697,7 @@
               </a:lnSpc>
             </a:pPr>
             <a:r>
-              <a:rPr lang="de-de" sz="800" spc="-15" dirty="0">
+              <a:rPr sz="800" spc="-15">
                 <a:solidFill>
                   <a:srgbClr val="777879"/>
                 </a:solidFill>
@@ -8911,7 +9707,7 @@
               <a:t>345 Park</a:t>
             </a:r>
             <a:r>
-              <a:rPr lang="de-de" sz="800" spc="-100" dirty="0">
+              <a:rPr sz="800" spc="-100">
                 <a:solidFill>
                   <a:srgbClr val="777879"/>
                 </a:solidFill>
@@ -8921,7 +9717,7 @@
               <a:t> </a:t>
             </a:r>
             <a:r>
-              <a:rPr lang="de-de" sz="800" spc="-15" dirty="0">
+              <a:rPr sz="800" spc="-15">
                 <a:solidFill>
                   <a:srgbClr val="777879"/>
                 </a:solidFill>
@@ -8942,7 +9738,7 @@
               </a:lnSpc>
             </a:pPr>
             <a:r>
-              <a:rPr lang="de-de" sz="800" spc="-10" dirty="0">
+              <a:rPr sz="800" spc="-10">
                 <a:solidFill>
                   <a:srgbClr val="777879"/>
                 </a:solidFill>
@@ -8952,7 +9748,7 @@
               <a:t>San </a:t>
             </a:r>
             <a:r>
-              <a:rPr lang="de-de" sz="800" spc="-15" dirty="0">
+              <a:rPr sz="800" spc="-15">
                 <a:solidFill>
                   <a:srgbClr val="777879"/>
                 </a:solidFill>
@@ -8962,7 +9758,7 @@
               <a:t>Jose,</a:t>
             </a:r>
             <a:r>
-              <a:rPr lang="de-de" sz="800" spc="-140" dirty="0">
+              <a:rPr sz="800" spc="-140">
                 <a:solidFill>
                   <a:srgbClr val="777879"/>
                 </a:solidFill>
@@ -8972,7 +9768,7 @@
               <a:t> </a:t>
             </a:r>
             <a:r>
-              <a:rPr lang="de-de" sz="800" spc="-20" dirty="0">
+              <a:rPr sz="800" spc="-20">
                 <a:solidFill>
                   <a:srgbClr val="777879"/>
                 </a:solidFill>
@@ -8996,7 +9792,7 @@
               </a:spcBef>
             </a:pPr>
             <a:r>
-              <a:rPr lang="de-de" sz="800" spc="-10" dirty="0">
+              <a:rPr sz="800" spc="-10">
                 <a:solidFill>
                   <a:srgbClr val="777879"/>
                 </a:solidFill>
@@ -9020,7 +9816,7 @@
               </a:spcBef>
             </a:pPr>
             <a:r>
-              <a:rPr lang="de-de" sz="800" u="sng" spc="-25" dirty="0">
+              <a:rPr sz="800" u="sng" spc="-25">
                 <a:solidFill>
                   <a:srgbClr val="5F5F5F"/>
                 </a:solidFill>
@@ -9033,7 +9829,7 @@
                 <a:cs typeface="Adobe Clean"/>
                 <a:hlinkClick r:id="rId3"/>
               </a:rPr>
-              <a:t>www.adobe.com/kr/</a:t>
+              <a:t>www.adobe.com</a:t>
             </a:r>
             <a:endParaRPr sz="800">
               <a:latin typeface="Adobe Clean"/>
@@ -9199,7 +9995,7 @@
           </a:prstGeom>
         </p:spPr>
         <p:txBody>
-          <a:bodyPr vert="horz" wrap="square" lIns="0" tIns="29845" rIns="0" bIns="0" rtlCol="0">
+          <a:bodyPr vert="horz" wrap="square" lIns="0" tIns="29845" rIns="0" bIns="0" rtlCol="0" anchor="t">
             <a:spAutoFit/>
           </a:bodyPr>
           <a:lstStyle/>
@@ -9213,17 +10009,17 @@
               </a:spcBef>
             </a:pPr>
             <a:r>
-              <a:rPr lang="de-de" sz="1100" i="1" spc="-10" dirty="0">
+              <a:rPr sz="1100" i="1" spc="-10">
                 <a:solidFill>
                   <a:srgbClr val="777879"/>
                 </a:solidFill>
                 <a:latin typeface="AdobeClean-LightIt"/>
                 <a:cs typeface="AdobeClean-LightIt"/>
               </a:rPr>
-              <a:t>Adobe</a:t>
-            </a:r>
-            <a:r>
-              <a:rPr lang="de-de" sz="1100" i="1" spc="-50" dirty="0">
+              <a:t>To</a:t>
+            </a:r>
+            <a:r>
+              <a:rPr sz="1100" i="1" spc="-50">
                 <a:solidFill>
                   <a:srgbClr val="777879"/>
                 </a:solidFill>
@@ -9233,17 +10029,17 @@
               <a:t> </a:t>
             </a:r>
             <a:r>
-              <a:rPr lang="de-de" sz="1100" i="1" spc="-15" dirty="0">
+              <a:rPr sz="1100" i="1" spc="-15">
                 <a:solidFill>
                   <a:srgbClr val="777879"/>
                 </a:solidFill>
                 <a:latin typeface="AdobeClean-LightIt"/>
                 <a:cs typeface="AdobeClean-LightIt"/>
               </a:rPr>
-              <a:t>지원</a:t>
-            </a:r>
-            <a:r>
-              <a:rPr lang="de-de" sz="1100" i="1" spc="-40" dirty="0">
+              <a:t>learn</a:t>
+            </a:r>
+            <a:r>
+              <a:rPr sz="1100" i="1" spc="-40">
                 <a:solidFill>
                   <a:srgbClr val="777879"/>
                 </a:solidFill>
@@ -9253,17 +10049,17 @@
               <a:t> </a:t>
             </a:r>
             <a:r>
-              <a:rPr lang="de-de" sz="1100" i="1" spc="-15" dirty="0">
+              <a:rPr sz="1100" i="1" spc="-15">
                 <a:solidFill>
                   <a:srgbClr val="777879"/>
                 </a:solidFill>
                 <a:latin typeface="AdobeClean-LightIt"/>
                 <a:cs typeface="AdobeClean-LightIt"/>
               </a:rPr>
-              <a:t>서비스</a:t>
-            </a:r>
-            <a:r>
-              <a:rPr lang="de-de" sz="1100" i="1" spc="-45" dirty="0">
+              <a:t>more</a:t>
+            </a:r>
+            <a:r>
+              <a:rPr sz="1100" i="1" spc="-45">
                 <a:solidFill>
                   <a:srgbClr val="777879"/>
                 </a:solidFill>
@@ -9273,17 +10069,17 @@
               <a:t> </a:t>
             </a:r>
             <a:r>
-              <a:rPr lang="de-de" sz="1100" i="1" spc="-15" dirty="0">
+              <a:rPr sz="1100" i="1" spc="-15">
                 <a:solidFill>
                   <a:srgbClr val="777879"/>
                 </a:solidFill>
                 <a:latin typeface="AdobeClean-LightIt"/>
                 <a:cs typeface="AdobeClean-LightIt"/>
               </a:rPr>
-              <a:t>제공</a:t>
-            </a:r>
-            <a:r>
-              <a:rPr lang="de-de" sz="1100" i="1" spc="-45" dirty="0">
+              <a:t>about</a:t>
+            </a:r>
+            <a:r>
+              <a:rPr sz="1100" i="1" spc="-45">
                 <a:solidFill>
                   <a:srgbClr val="777879"/>
                 </a:solidFill>
@@ -9293,17 +10089,17 @@
               <a:t> </a:t>
             </a:r>
             <a:r>
-              <a:rPr lang="de-de" sz="1100" i="1" spc="-15" dirty="0">
+              <a:rPr sz="1100" i="1" spc="-15">
                 <a:solidFill>
                   <a:srgbClr val="777879"/>
                 </a:solidFill>
                 <a:latin typeface="AdobeClean-LightIt"/>
                 <a:cs typeface="AdobeClean-LightIt"/>
               </a:rPr>
-              <a:t>사항</a:t>
-            </a:r>
-            <a:r>
-              <a:rPr lang="de-de" sz="1100" i="1" spc="-50" dirty="0">
+              <a:t>Adobe</a:t>
+            </a:r>
+            <a:r>
+              <a:rPr sz="1100" i="1" spc="-50">
                 <a:solidFill>
                   <a:srgbClr val="777879"/>
                 </a:solidFill>
@@ -9313,27 +10109,27 @@
               <a:t> </a:t>
             </a:r>
             <a:r>
-              <a:rPr lang="de-de" sz="1100" i="1" spc="-15" dirty="0">
+              <a:rPr sz="1100" i="1" spc="-15">
                 <a:solidFill>
                   <a:srgbClr val="777879"/>
                 </a:solidFill>
                 <a:latin typeface="AdobeClean-LightIt"/>
                 <a:cs typeface="AdobeClean-LightIt"/>
               </a:rPr>
-              <a:t>및 </a:t>
-            </a:r>
-            <a:r>
-              <a:rPr lang="de-de" sz="1100" i="1" spc="-75" dirty="0">
+              <a:t>Support</a:t>
+            </a:r>
+            <a:r>
+              <a:rPr lang="en-US" sz="1100" i="1" spc="-15">
                 <a:solidFill>
                   <a:srgbClr val="777879"/>
                 </a:solidFill>
                 <a:latin typeface="AdobeClean-LightIt"/>
                 <a:cs typeface="AdobeClean-LightIt"/>
               </a:rPr>
-              <a:t>적합한</a:t>
-            </a:r>
-            <a:r>
-              <a:rPr lang="de-de" sz="1100" i="1" spc="-15" dirty="0">
+              <a:t> Offerings</a:t>
+            </a:r>
+            <a:r>
+              <a:rPr sz="1100" i="1" spc="-75">
                 <a:solidFill>
                   <a:srgbClr val="777879"/>
                 </a:solidFill>
@@ -9343,17 +10139,17 @@
               <a:t> </a:t>
             </a:r>
             <a:r>
-              <a:rPr lang="de-de" sz="1100" i="1" spc="-50" dirty="0">
+              <a:rPr sz="1100" i="1" spc="-15">
                 <a:solidFill>
                   <a:srgbClr val="777879"/>
                 </a:solidFill>
                 <a:latin typeface="AdobeClean-LightIt"/>
                 <a:cs typeface="AdobeClean-LightIt"/>
               </a:rPr>
-              <a:t>지원</a:t>
-            </a:r>
-            <a:r>
-              <a:rPr lang="de-de" sz="1100" i="1" spc="-15" dirty="0">
+              <a:t>and</a:t>
+            </a:r>
+            <a:r>
+              <a:rPr sz="1100" i="1" spc="-50">
                 <a:solidFill>
                   <a:srgbClr val="777879"/>
                 </a:solidFill>
@@ -9363,17 +10159,17 @@
               <a:t> </a:t>
             </a:r>
             <a:r>
-              <a:rPr lang="de-de" sz="1100" i="1" spc="-55" dirty="0">
+              <a:rPr sz="1100" i="1" spc="-15">
                 <a:solidFill>
                   <a:srgbClr val="777879"/>
                 </a:solidFill>
                 <a:latin typeface="AdobeClean-LightIt"/>
                 <a:cs typeface="AdobeClean-LightIt"/>
               </a:rPr>
-              <a:t>수준에</a:t>
-            </a:r>
-            <a:r>
-              <a:rPr lang="de-de" sz="1100" i="1" spc="-15" dirty="0">
+              <a:t>the</a:t>
+            </a:r>
+            <a:r>
+              <a:rPr sz="1100" i="1" spc="-55">
                 <a:solidFill>
                   <a:srgbClr val="777879"/>
                 </a:solidFill>
@@ -9383,17 +10179,17 @@
               <a:t> </a:t>
             </a:r>
             <a:r>
-              <a:rPr lang="de-de" sz="1100" i="1" spc="-95" dirty="0">
+              <a:rPr sz="1100" i="1" spc="-15">
                 <a:solidFill>
                   <a:srgbClr val="777879"/>
                 </a:solidFill>
                 <a:latin typeface="AdobeClean-LightIt"/>
                 <a:cs typeface="AdobeClean-LightIt"/>
               </a:rPr>
-              <a:t>대해</a:t>
-            </a:r>
-            <a:r>
-              <a:rPr lang="de-de" sz="1100" i="1" spc="-15" dirty="0">
+              <a:t>right</a:t>
+            </a:r>
+            <a:r>
+              <a:rPr sz="1100" i="1" spc="-95">
                 <a:solidFill>
                   <a:srgbClr val="777879"/>
                 </a:solidFill>
@@ -9403,17 +10199,17 @@
               <a:t> </a:t>
             </a:r>
             <a:r>
-              <a:rPr lang="de-de" sz="1100" i="1" spc="-55" dirty="0">
+              <a:rPr sz="1100" i="1" spc="-15">
                 <a:solidFill>
                   <a:srgbClr val="777879"/>
                 </a:solidFill>
                 <a:latin typeface="AdobeClean-LightIt"/>
                 <a:cs typeface="AdobeClean-LightIt"/>
               </a:rPr>
-              <a:t>자세히</a:t>
-            </a:r>
-            <a:r>
-              <a:rPr lang="de-de" sz="1100" i="1" spc="-15" dirty="0">
+              <a:t>level</a:t>
+            </a:r>
+            <a:r>
+              <a:rPr sz="1100" i="1" spc="-55">
                 <a:solidFill>
                   <a:srgbClr val="777879"/>
                 </a:solidFill>
@@ -9423,17 +10219,17 @@
               <a:t> </a:t>
             </a:r>
             <a:r>
-              <a:rPr lang="de-de" sz="1100" i="1" spc="-85" dirty="0">
+              <a:rPr sz="1100" i="1" spc="-15">
                 <a:solidFill>
                   <a:srgbClr val="777879"/>
                 </a:solidFill>
                 <a:latin typeface="AdobeClean-LightIt"/>
                 <a:cs typeface="AdobeClean-LightIt"/>
               </a:rPr>
-              <a:t>알아보려면</a:t>
-            </a:r>
-            <a:r>
-              <a:rPr lang="de-de" sz="1100" i="1" spc="-15" dirty="0">
+              <a:t>for</a:t>
+            </a:r>
+            <a:r>
+              <a:rPr sz="1100" i="1" spc="-85">
                 <a:solidFill>
                   <a:srgbClr val="777879"/>
                 </a:solidFill>
@@ -9443,17 +10239,17 @@
               <a:t> </a:t>
             </a:r>
             <a:r>
-              <a:rPr lang="de-de" sz="1100" i="1" spc="-65" dirty="0">
+              <a:rPr sz="1100" i="1" spc="-15">
                 <a:solidFill>
                   <a:srgbClr val="777879"/>
                 </a:solidFill>
                 <a:latin typeface="AdobeClean-LightIt"/>
                 <a:cs typeface="AdobeClean-LightIt"/>
               </a:rPr>
-              <a:t>지정</a:t>
-            </a:r>
-            <a:r>
-              <a:rPr lang="de-de" sz="1100" i="1" spc="-15" dirty="0">
+              <a:t>you,</a:t>
+            </a:r>
+            <a:r>
+              <a:rPr sz="1100" i="1" spc="-65">
                 <a:solidFill>
                   <a:srgbClr val="777879"/>
                 </a:solidFill>
@@ -9463,17 +10259,17 @@
               <a:t> </a:t>
             </a:r>
             <a:r>
-              <a:rPr lang="de-de" sz="1100" i="1" spc="-85" dirty="0">
+              <a:rPr sz="1100" i="1" spc="-15">
                 <a:solidFill>
                   <a:srgbClr val="777879"/>
                 </a:solidFill>
                 <a:latin typeface="AdobeClean-LightIt"/>
                 <a:cs typeface="AdobeClean-LightIt"/>
               </a:rPr>
-              <a:t>계정</a:t>
-            </a:r>
-            <a:r>
-              <a:rPr lang="de-de" sz="1100" i="1" spc="-15" dirty="0">
+              <a:t>contact</a:t>
+            </a:r>
+            <a:r>
+              <a:rPr sz="1100" i="1" spc="-85">
                 <a:solidFill>
                   <a:srgbClr val="777879"/>
                 </a:solidFill>
@@ -9483,17 +10279,17 @@
               <a:t> </a:t>
             </a:r>
             <a:r>
-              <a:rPr lang="de-de" sz="1100" i="1" spc="-70" dirty="0">
+              <a:rPr sz="1100" i="1" spc="-15">
                 <a:solidFill>
                   <a:srgbClr val="777879"/>
                 </a:solidFill>
                 <a:latin typeface="AdobeClean-LightIt"/>
                 <a:cs typeface="AdobeClean-LightIt"/>
               </a:rPr>
-              <a:t>관리자(NAM)</a:t>
-            </a:r>
-            <a:r>
-              <a:rPr lang="de-de" sz="1100" i="1" spc="-15" dirty="0">
+              <a:t>your</a:t>
+            </a:r>
+            <a:r>
+              <a:rPr sz="1100" i="1" spc="-70">
                 <a:solidFill>
                   <a:srgbClr val="777879"/>
                 </a:solidFill>
@@ -9503,17 +10299,17 @@
               <a:t> </a:t>
             </a:r>
             <a:r>
-              <a:rPr lang="de-de" sz="1100" i="1" spc="-55" dirty="0">
+              <a:rPr sz="1100" i="1" spc="-15">
                 <a:solidFill>
                   <a:srgbClr val="777879"/>
                 </a:solidFill>
                 <a:latin typeface="AdobeClean-LightIt"/>
                 <a:cs typeface="AdobeClean-LightIt"/>
               </a:rPr>
-              <a:t>또는</a:t>
-            </a:r>
-            <a:r>
-              <a:rPr lang="de-de" sz="1100" i="1" spc="-25" dirty="0">
+              <a:t>Named</a:t>
+            </a:r>
+            <a:r>
+              <a:rPr sz="1100" i="1" spc="-55">
                 <a:solidFill>
                   <a:srgbClr val="777879"/>
                 </a:solidFill>
@@ -9523,17 +10319,17 @@
               <a:t> </a:t>
             </a:r>
             <a:r>
-              <a:rPr lang="de-de" sz="1100" i="1" spc="-120" dirty="0">
+              <a:rPr sz="1100" i="1" spc="-25">
                 <a:solidFill>
                   <a:srgbClr val="777879"/>
                 </a:solidFill>
                 <a:latin typeface="AdobeClean-LightIt"/>
                 <a:cs typeface="AdobeClean-LightIt"/>
               </a:rPr>
-              <a:t>고객</a:t>
-            </a:r>
-            <a:r>
-              <a:rPr lang="de-de" sz="1100" i="1" spc="-20" dirty="0">
+              <a:t>Account</a:t>
+            </a:r>
+            <a:r>
+              <a:rPr sz="1100" i="1" spc="-120">
                 <a:solidFill>
                   <a:srgbClr val="777879"/>
                 </a:solidFill>
@@ -9543,56 +10339,106 @@
               <a:t> </a:t>
             </a:r>
             <a:r>
-              <a:rPr lang="de-de" sz="1100" i="1" spc="-15" dirty="0">
+              <a:rPr sz="1100" i="1" spc="-20">
                 <a:solidFill>
                   <a:srgbClr val="777879"/>
                 </a:solidFill>
                 <a:latin typeface="AdobeClean-LightIt"/>
                 <a:cs typeface="AdobeClean-LightIt"/>
               </a:rPr>
-              <a:t>성공</a:t>
-            </a:r>
-            <a:r>
-              <a:rPr lang="de-de" sz="1100" i="1" spc="-10" dirty="0">
+              <a:t>Manager</a:t>
+            </a:r>
+            <a:r>
+              <a:rPr lang="en-US" sz="1100" i="1" spc="-20">
                 <a:solidFill>
                   <a:srgbClr val="777879"/>
                 </a:solidFill>
                 <a:latin typeface="AdobeClean-LightIt"/>
                 <a:cs typeface="AdobeClean-LightIt"/>
               </a:rPr>
-              <a:t> </a:t>
-            </a:r>
-            <a:r>
-              <a:rPr lang="de-de" sz="1100" i="1" spc="-15" dirty="0">
+              <a:t> </a:t>
+            </a:r>
+            <a:r>
+              <a:rPr sz="1100" i="1" spc="-20">
                 <a:solidFill>
                   <a:srgbClr val="777879"/>
                 </a:solidFill>
                 <a:latin typeface="AdobeClean-LightIt"/>
                 <a:cs typeface="AdobeClean-LightIt"/>
               </a:rPr>
-              <a:t>관리자(CSM)에게</a:t>
-            </a:r>
-            <a:r>
-              <a:rPr lang="de-de" sz="1100" i="1" spc="-20" dirty="0">
+              <a:t> </a:t>
+            </a:r>
+            <a:r>
+              <a:rPr sz="1100" i="1" spc="-15">
                 <a:solidFill>
                   <a:srgbClr val="777879"/>
                 </a:solidFill>
                 <a:latin typeface="AdobeClean-LightIt"/>
                 <a:cs typeface="AdobeClean-LightIt"/>
               </a:rPr>
-              <a:t> </a:t>
-            </a:r>
-            <a:r>
-              <a:rPr lang="de-de" sz="1100" i="1" spc="-180" dirty="0">
+              <a:t>(NAM) </a:t>
+            </a:r>
+            <a:r>
+              <a:rPr sz="1100" i="1" spc="-10">
                 <a:solidFill>
                   <a:srgbClr val="777879"/>
                 </a:solidFill>
                 <a:latin typeface="AdobeClean-LightIt"/>
                 <a:cs typeface="AdobeClean-LightIt"/>
               </a:rPr>
-              <a:t>문의하십시오.</a:t>
-            </a:r>
-            <a:endParaRPr sz="1100" dirty="0">
+              <a:t>or </a:t>
+            </a:r>
+            <a:r>
+              <a:rPr sz="1100" i="1" spc="-15">
+                <a:solidFill>
+                  <a:srgbClr val="777879"/>
+                </a:solidFill>
+                <a:latin typeface="AdobeClean-LightIt"/>
+                <a:cs typeface="AdobeClean-LightIt"/>
+              </a:rPr>
+              <a:t>Customer</a:t>
+            </a:r>
+            <a:r>
+              <a:rPr lang="en-US" sz="1100" i="1" spc="-15">
+                <a:solidFill>
+                  <a:srgbClr val="777879"/>
+                </a:solidFill>
+                <a:latin typeface="AdobeClean-LightIt"/>
+                <a:cs typeface="AdobeClean-LightIt"/>
+              </a:rPr>
+              <a:t> </a:t>
+            </a:r>
+            <a:r>
+              <a:rPr lang="en-US" sz="1100" i="1" spc="-20">
+                <a:solidFill>
+                  <a:srgbClr val="777879"/>
+                </a:solidFill>
+                <a:latin typeface="AdobeClean-LightIt"/>
+                <a:cs typeface="AdobeClean-LightIt"/>
+              </a:rPr>
+              <a:t>Success </a:t>
+            </a:r>
+            <a:r>
+              <a:rPr lang="en-US" sz="1100" i="1" spc="-15">
+                <a:solidFill>
+                  <a:srgbClr val="777879"/>
+                </a:solidFill>
+                <a:latin typeface="AdobeClean-LightIt"/>
+                <a:cs typeface="AdobeClean-LightIt"/>
+              </a:rPr>
+              <a:t>Manager </a:t>
+            </a:r>
+            <a:r>
+              <a:rPr sz="1100" i="1" spc="-15">
+                <a:solidFill>
+                  <a:srgbClr val="777879"/>
+                </a:solidFill>
+                <a:latin typeface="AdobeClean-LightIt"/>
+                <a:cs typeface="AdobeClean-LightIt"/>
+              </a:rPr>
+              <a:t>(CSM)</a:t>
+            </a:r>
+            <a:endParaRPr sz="1100">
               <a:latin typeface="AdobeClean-LightIt"/>
               <a:cs typeface="AdobeClean-LightIt"/>
             </a:endParaRPr>
@@ -9607,36 +10453,56 @@
               </a:spcBef>
             </a:pPr>
             <a:r>
-              <a:rPr lang="de-de" sz="800" spc="-5" dirty="0">
+              <a:rPr sz="800" spc="-5">
                 <a:solidFill>
                   <a:srgbClr val="6D6D6D"/>
                 </a:solidFill>
                 <a:latin typeface="Adobe Clean"/>
                 <a:cs typeface="Adobe Clean"/>
               </a:rPr>
-              <a:t>©2021 Adobe. All Rights Reserved. Adobe</a:t>
-            </a:r>
-            <a:r>
-              <a:rPr lang="de-de" sz="800" spc="75" dirty="0">
+              <a:t>©202</a:t>
+            </a:r>
+            <a:r>
+              <a:rPr lang="en-US" sz="800" spc="-5">
                 <a:solidFill>
                   <a:srgbClr val="6D6D6D"/>
                 </a:solidFill>
                 <a:latin typeface="Adobe Clean"/>
                 <a:cs typeface="Adobe Clean"/>
               </a:rPr>
-              <a:t> </a:t>
-            </a:r>
-            <a:r>
-              <a:rPr lang="de-de" sz="800" spc="-5" dirty="0">
+              <a:t>1</a:t>
+            </a:r>
+            <a:r>
+              <a:rPr sz="800" spc="-5">
                 <a:solidFill>
                   <a:srgbClr val="6D6D6D"/>
                 </a:solidFill>
                 <a:latin typeface="Adobe Clean"/>
                 <a:cs typeface="Adobe Clean"/>
               </a:rPr>
-              <a:t>기밀.</a:t>
-            </a:r>
-            <a:endParaRPr sz="800" dirty="0">
+              <a:t> Adobe. All Rights Reserved. Adobe</a:t>
+            </a:r>
+            <a:r>
+              <a:rPr sz="800" spc="75">
+                <a:solidFill>
+                  <a:srgbClr val="6D6D6D"/>
+                </a:solidFill>
+                <a:latin typeface="Adobe Clean"/>
+                <a:cs typeface="Adobe Clean"/>
+              </a:rPr>
+              <a:t> </a:t>
+            </a:r>
+            <a:r>
+              <a:rPr sz="800" spc="-5">
+                <a:solidFill>
+                  <a:srgbClr val="6D6D6D"/>
+                </a:solidFill>
+                <a:latin typeface="Adobe Clean"/>
+                <a:cs typeface="Adobe Clean"/>
+              </a:rPr>
+              <a:t>Confidential.</a:t>
+            </a:r>
+            <a:endParaRPr sz="800">
               <a:latin typeface="Adobe Clean"/>
               <a:cs typeface="Adobe Clean"/>
             </a:endParaRPr>
@@ -9657,7 +10523,7 @@
         </p:nvSpPr>
         <p:spPr>
           <a:xfrm>
-            <a:off x="171129" y="5057379"/>
+            <a:off x="197233" y="5031270"/>
             <a:ext cx="6476646" cy="755976"/>
           </a:xfrm>
           <a:prstGeom prst="rect">
@@ -9665,157 +10531,47 @@
           </a:prstGeom>
         </p:spPr>
         <p:txBody>
-          <a:bodyPr vert="horz" wrap="square" lIns="0" tIns="116205" rIns="0" bIns="0" rtlCol="0">
+          <a:bodyPr vert="horz" wrap="square" lIns="0" tIns="116205" rIns="0" bIns="0" rtlCol="0" anchor="t">
             <a:spAutoFit/>
           </a:bodyPr>
           <a:lstStyle/>
           <a:p>
-            <a:pPr lvl="0">
+            <a:pPr>
               <a:spcBef>
                 <a:spcPts val="915"/>
               </a:spcBef>
             </a:pPr>
             <a:r>
-              <a:rPr lang="en-US" altLang="ko-KR" sz="1400" b="1" spc="-15" dirty="0">
+              <a:rPr lang="en-US" sz="1400" b="1" spc="-15">
                 <a:solidFill>
                   <a:srgbClr val="020302"/>
                 </a:solidFill>
                 <a:latin typeface="Adobe Clean"/>
                 <a:cs typeface="Adobe Clean"/>
               </a:rPr>
-              <a:t>Adobe </a:t>
-            </a:r>
-            <a:r>
-              <a:rPr lang="ko-KR" altLang="en-US" sz="1400" b="1" spc="-15" dirty="0">
-                <a:solidFill>
-                  <a:srgbClr val="020302"/>
-                </a:solidFill>
-                <a:latin typeface="Adobe Clean"/>
-                <a:cs typeface="Adobe Clean"/>
-              </a:rPr>
-              <a:t>지원의 지역적 범위</a:t>
-            </a:r>
-            <a:r>
-              <a:rPr lang="en-US" altLang="ko-KR" sz="1400" b="1" spc="-15" dirty="0">
-                <a:solidFill>
-                  <a:srgbClr val="020302"/>
-                </a:solidFill>
-                <a:latin typeface="Adobe Clean"/>
-                <a:cs typeface="Adobe Clean"/>
-              </a:rPr>
-              <a:t>, </a:t>
-            </a:r>
-            <a:r>
-              <a:rPr lang="ko-KR" altLang="en-US" sz="1400" b="1" spc="-15" dirty="0">
-                <a:solidFill>
-                  <a:srgbClr val="020302"/>
-                </a:solidFill>
-                <a:latin typeface="Adobe Clean"/>
-                <a:cs typeface="Adobe Clean"/>
-              </a:rPr>
-              <a:t>로컬 운영 시간 및 언어 지원</a:t>
-            </a:r>
-            <a:endParaRPr lang="pl-PL" altLang="ko-KR" sz="1400" b="1" spc="-15" dirty="0">
-              <a:solidFill>
-                <a:srgbClr val="020302"/>
-              </a:solidFill>
-              <a:latin typeface="Adobe Clean"/>
-              <a:cs typeface="Adobe Clean"/>
+              <a:t>Regional scope of Adobe Support, Local Hours Of Operation And Language Support</a:t>
+            </a:r>
+            <a:endParaRPr lang="en-US" sz="1400" spc="-15">
+              <a:ea typeface="+mn-lt"/>
+              <a:cs typeface="+mn-lt"/>
             </a:endParaRPr>
           </a:p>
           <a:p>
-            <a:pPr lvl="0">
+            <a:pPr>
               <a:spcBef>
                 <a:spcPts val="915"/>
               </a:spcBef>
             </a:pPr>
             <a:r>
-              <a:rPr lang="en-US" altLang="ko-KR" sz="1000" spc="-15" dirty="0">
+              <a:rPr lang="en-US" sz="1000" spc="-15">
                 <a:solidFill>
                   <a:srgbClr val="1F1F1F"/>
                 </a:solidFill>
                 <a:latin typeface="AdobeClean-Light"/>
               </a:rPr>
-              <a:t>Adobe </a:t>
-            </a:r>
-            <a:r>
-              <a:rPr lang="ko-KR" altLang="en-US" sz="1000" spc="-15" dirty="0">
-                <a:solidFill>
-                  <a:srgbClr val="1F1F1F"/>
-                </a:solidFill>
-                <a:latin typeface="AdobeClean-Light"/>
-              </a:rPr>
-              <a:t>지원의 지역적 범위는 </a:t>
-            </a:r>
-            <a:r>
-              <a:rPr lang="en-US" altLang="ko-KR" sz="1000" spc="-15" dirty="0">
-                <a:solidFill>
-                  <a:srgbClr val="1F1F1F"/>
-                </a:solidFill>
-                <a:latin typeface="AdobeClean-Light"/>
-              </a:rPr>
-              <a:t>(</a:t>
-            </a:r>
-            <a:r>
-              <a:rPr lang="ko-KR" altLang="en-US" sz="1000" spc="-15" dirty="0">
-                <a:solidFill>
-                  <a:srgbClr val="1F1F1F"/>
-                </a:solidFill>
-                <a:latin typeface="AdobeClean-Light"/>
-              </a:rPr>
-              <a:t>판매 주문서 또는 기타 </a:t>
-            </a:r>
-            <a:r>
-              <a:rPr lang="en-US" altLang="ko-KR" sz="1000" spc="-15" dirty="0">
-                <a:solidFill>
-                  <a:srgbClr val="1F1F1F"/>
-                </a:solidFill>
-                <a:latin typeface="AdobeClean-Light"/>
-              </a:rPr>
-              <a:t>Adobe </a:t>
-            </a:r>
-            <a:r>
-              <a:rPr lang="ko-KR" altLang="en-US" sz="1000" spc="-15" dirty="0">
-                <a:solidFill>
-                  <a:srgbClr val="1F1F1F"/>
-                </a:solidFill>
-                <a:latin typeface="AdobeClean-Light"/>
-              </a:rPr>
-              <a:t>지원 구매 문서를 통해</a:t>
-            </a:r>
-            <a:r>
-              <a:rPr lang="en-US" altLang="ko-KR" sz="1000" spc="-15" dirty="0">
-                <a:solidFill>
-                  <a:srgbClr val="1F1F1F"/>
-                </a:solidFill>
-                <a:latin typeface="AdobeClean-Light"/>
-              </a:rPr>
-              <a:t>) </a:t>
-            </a:r>
-            <a:r>
-              <a:rPr lang="ko-KR" altLang="en-US" sz="1000" spc="-15" dirty="0">
-                <a:solidFill>
-                  <a:srgbClr val="1F1F1F"/>
-                </a:solidFill>
-                <a:latin typeface="AdobeClean-Light"/>
-              </a:rPr>
-              <a:t>고객의 청구 주소를 다음 지역 중 하나에 맞춤으로써 설정됩니다</a:t>
-            </a:r>
-            <a:r>
-              <a:rPr lang="en-US" altLang="ko-KR" sz="1000" spc="-15" dirty="0">
-                <a:solidFill>
-                  <a:srgbClr val="1F1F1F"/>
-                </a:solidFill>
-                <a:latin typeface="AdobeClean-Light"/>
-              </a:rPr>
-              <a:t>.</a:t>
-            </a:r>
-            <a:endParaRPr lang="de-de" sz="1000" spc="-15" dirty="0">
-              <a:solidFill>
-                <a:srgbClr val="1F1F1F"/>
-              </a:solidFill>
-              <a:latin typeface="AdobeClean-Light"/>
-            </a:endParaRPr>
+              <a:t>The Regional scope of Adobe Support is established by aligning the customer's billing address (via the Sales Order or other Adobe Support purchasing document) to one of the following regions:</a:t>
+            </a:r>
+            <a:endParaRPr lang="en-US"/>
           </a:p>
         </p:txBody>
       </p:sp>
@@ -9834,14 +10590,14 @@
           <p:nvPr>
             <p:extLst>
               <p:ext uri="{D42A27DB-BD31-4B8C-83A1-F6EECF244321}">
-                <p14:modId xmlns:p14="http://schemas.microsoft.com/office/powerpoint/2010/main" val="1952712647"/>
+                <p14:modId xmlns:p14="http://schemas.microsoft.com/office/powerpoint/2010/main" val="2969235217"/>
               </p:ext>
             </p:extLst>
           </p:nvPr>
         </p:nvGraphicFramePr>
         <p:xfrm>
           <a:off x="171128" y="5907213"/>
-          <a:ext cx="7391400" cy="1559560"/>
+          <a:ext cx="7391400" cy="1503680"/>
         </p:xfrm>
         <a:graphic>
           <a:graphicData uri="http://schemas.openxmlformats.org/drawingml/2006/table">
@@ -9887,13 +10643,13 @@
                     <a:p>
                       <a:pPr algn="ctr"/>
                       <a:r>
-                        <a:rPr lang="de-de" sz="1100" dirty="0">
+                        <a:rPr lang="en-US" sz="1100">
                           <a:solidFill>
                             <a:schemeClr val="tx1"/>
                           </a:solidFill>
-                          <a:latin typeface="Adobe Clean" panose="020B0503020404020204" pitchFamily="34" charset="0"/>
+                          <a:latin typeface="Adobe Clean"/>
                         </a:rPr>
-                        <a:t>미주</a:t>
+                        <a:t>Americas</a:t>
                       </a:r>
                     </a:p>
                   </a:txBody>
@@ -9952,13 +10708,13 @@
                     <a:p>
                       <a:pPr algn="ctr"/>
                       <a:r>
-                        <a:rPr lang="de-de" sz="1100" dirty="0">
+                        <a:rPr lang="en-US" sz="1100">
                           <a:solidFill>
                             <a:schemeClr val="tx1"/>
                           </a:solidFill>
-                          <a:latin typeface="Adobe Clean" panose="020B0503020404020204" pitchFamily="34" charset="0"/>
+                          <a:latin typeface="Adobe Clean"/>
                         </a:rPr>
-                        <a:t>유럽, 중동 및 아프리카</a:t>
+                        <a:t>Europe, Middle East &amp; Africa</a:t>
                       </a:r>
                     </a:p>
                   </a:txBody>
@@ -10017,13 +10773,13 @@
                     <a:p>
                       <a:pPr algn="ctr"/>
                       <a:r>
-                        <a:rPr lang="de-de" sz="1100" dirty="0">
+                        <a:rPr lang="en-US" sz="1100">
                           <a:solidFill>
                             <a:schemeClr val="tx1"/>
                           </a:solidFill>
-                          <a:latin typeface="Adobe Clean" panose="020B0503020404020204" pitchFamily="34" charset="0"/>
+                          <a:latin typeface="Adobe Clean"/>
                         </a:rPr>
-                        <a:t>아시아 태평양</a:t>
+                        <a:t>Asia Pacific</a:t>
                       </a:r>
                     </a:p>
                   </a:txBody>
@@ -10082,24 +10838,24 @@
                     <a:p>
                       <a:pPr algn="ctr"/>
                       <a:r>
-                        <a:rPr lang="de-de" sz="1100" dirty="0">
+                        <a:rPr lang="en-US" sz="1100">
                           <a:solidFill>
                             <a:schemeClr val="tx1"/>
                           </a:solidFill>
-                          <a:latin typeface="Adobe Clean" panose="020B0503020404020204" pitchFamily="34" charset="0"/>
+                          <a:latin typeface="Adobe Clean"/>
                         </a:rPr>
-                        <a:t>일본 </a:t>
+                        <a:t>Japan </a:t>
                       </a:r>
                       <a:r>
-                        <a:rPr lang="de-de" sz="1100" baseline="30000" dirty="0">
+                        <a:rPr lang="en-US" sz="1100" baseline="30000">
                           <a:solidFill>
                             <a:schemeClr val="tx1"/>
                           </a:solidFill>
-                          <a:latin typeface="Adobe Clean" panose="020B0503020404020204" pitchFamily="34" charset="0"/>
+                          <a:latin typeface="Adobe Clean"/>
                         </a:rPr>
-                        <a:t>1 </a:t>
+                        <a:t>1 </a:t>
                       </a:r>
-                      <a:endParaRPr lang="en-US" sz="1100" dirty="0">
+                      <a:endParaRPr lang="en-US" sz="1100">
                         <a:solidFill>
                           <a:schemeClr val="tx1"/>
                         </a:solidFill>
@@ -10169,13 +10925,13 @@
                     <a:p>
                       <a:pPr algn="ctr"/>
                       <a:r>
-                        <a:rPr lang="de-de" sz="1100" dirty="0">
+                        <a:rPr lang="en-US" sz="1100">
                           <a:solidFill>
                             <a:schemeClr val="tx1"/>
                           </a:solidFill>
-                          <a:latin typeface="Adobe Clean" panose="020B0503020404020204" pitchFamily="34" charset="0"/>
+                          <a:latin typeface="Adobe Clean"/>
                         </a:rPr>
-                        <a:t>오전 6시~오후 5시 30분</a:t>
+                        <a:t>6 am – 5:30 pm</a:t>
                       </a:r>
                     </a:p>
                   </a:txBody>
@@ -10234,13 +10990,13 @@
                     <a:p>
                       <a:pPr algn="ctr"/>
                       <a:r>
-                        <a:rPr lang="de-de" sz="1100" dirty="0">
+                        <a:rPr lang="en-US" sz="1100">
                           <a:solidFill>
                             <a:schemeClr val="tx1"/>
                           </a:solidFill>
-                          <a:latin typeface="Adobe Clean" panose="020B0503020404020204" pitchFamily="34" charset="0"/>
+                          <a:latin typeface="Adobe Clean"/>
                         </a:rPr>
-                        <a:t>오전 9시~오후 5시</a:t>
+                        <a:t>9 am – 5 pm</a:t>
                       </a:r>
                     </a:p>
                   </a:txBody>
@@ -10299,13 +11055,13 @@
                     <a:p>
                       <a:pPr algn="ctr"/>
                       <a:r>
-                        <a:rPr lang="de-de" sz="1100" dirty="0">
+                        <a:rPr lang="en-US" sz="1100">
                           <a:solidFill>
                             <a:schemeClr val="tx1"/>
                           </a:solidFill>
-                          <a:latin typeface="Adobe Clean" panose="020B0503020404020204" pitchFamily="34" charset="0"/>
+                          <a:latin typeface="Adobe Clean"/>
                         </a:rPr>
-                        <a:t>오전 9시~오후 5시</a:t>
+                        <a:t>9 am – 5 pm</a:t>
                       </a:r>
                     </a:p>
                   </a:txBody>
@@ -10364,13 +11120,13 @@
                     <a:p>
                       <a:pPr algn="ctr"/>
                       <a:r>
-                        <a:rPr lang="de-de" sz="1100" dirty="0">
+                        <a:rPr lang="en-US" sz="1100">
                           <a:solidFill>
                             <a:schemeClr val="tx1"/>
                           </a:solidFill>
-                          <a:latin typeface="Adobe Clean" panose="020B0503020404020204" pitchFamily="34" charset="0"/>
+                          <a:latin typeface="Adobe Clean"/>
                         </a:rPr>
-                        <a:t>오전 9시~오후 5시 30분</a:t>
+                        <a:t>9 am – 5:30 pm</a:t>
                       </a:r>
                     </a:p>
                   </a:txBody>
@@ -10450,7 +11206,7 @@
                         <a:buNone/>
                       </a:pPr>
                       <a:r>
-                        <a:rPr lang="de-de" sz="1100" b="1" i="0" u="none" strike="noStrike" kern="0" cap="none" spc="0" normalizeH="0" baseline="30000" noProof="0" dirty="0">
+                        <a:rPr lang="en-US" sz="1100" b="1" i="0" u="none" strike="noStrike" kern="0" cap="none" spc="0" normalizeH="0" baseline="30000" noProof="0">
                           <a:ln>
                             <a:noFill/>
                           </a:ln>
@@ -10464,15 +11220,15 @@
                         <a:t> </a:t>
                       </a:r>
                       <a:r>
-                        <a:rPr lang="de-de" sz="1100" dirty="0">
+                        <a:rPr lang="en-US" sz="1100">
                           <a:solidFill>
                             <a:schemeClr val="tx1"/>
                           </a:solidFill>
                           <a:latin typeface="Adobe Clean"/>
                         </a:rPr>
-                        <a:t>언어 지원은 영어와 일본어로만 제공됩니다.</a:t>
+                        <a:t>Language support is only available in English and Japanese.</a:t>
                       </a:r>
-                      <a:endParaRPr lang="en-US" dirty="0">
+                      <a:endParaRPr lang="en-US">
                         <a:latin typeface="Adobe Clean"/>
                       </a:endParaRPr>
                     </a:p>
@@ -10493,18 +11249,18 @@
                         <a:buNone/>
                       </a:pPr>
                       <a:r>
-                        <a:rPr lang="de-de" sz="1100" i="1" dirty="0">
+                        <a:rPr lang="en-US" sz="1100" i="1">
                           <a:solidFill>
                             <a:schemeClr val="tx1"/>
                           </a:solidFill>
                           <a:latin typeface="Adobe Clean"/>
                         </a:rPr>
-                        <a:t>*Adobe Commerce에서는 일본어 지원이 제외됩니다.</a:t>
+                        <a:t>*Adobe Commerce excludes Japanese languages support.</a:t>
                       </a:r>
                     </a:p>
                     <a:p>
                       <a:pPr algn="ctr"/>
-                      <a:endParaRPr kumimoji="0" lang="en-US" sz="1100" b="1" i="0" u="none" strike="noStrike" kern="0" cap="none" spc="0" normalizeH="0" baseline="30000" noProof="0" dirty="0">
+                      <a:endParaRPr kumimoji="0" lang="en-US" sz="1100" b="1" i="0" u="none" strike="noStrike" kern="0" cap="none" spc="0" normalizeH="0" baseline="30000" noProof="0">
                         <a:ln>
                           <a:noFill/>
                         </a:ln>
@@ -10522,81 +11278,38 @@
                     <a:p>
                       <a:pPr algn="ctr"/>
                       <a:r>
-                        <a:rPr lang="de-de" sz="1100" i="0" dirty="0">
+                        <a:rPr lang="en-US" sz="1100" i="0">
                           <a:solidFill>
                             <a:schemeClr val="tx1"/>
                           </a:solidFill>
-                          <a:latin typeface="Adobe Clean" panose="020B0503020404020204" pitchFamily="34" charset="0"/>
+                          <a:latin typeface="Adobe Clean"/>
                         </a:rPr>
-                        <a:t> </a:t>
+                        <a:t> </a:t>
                       </a:r>
                       <a:r>
-                        <a:rPr lang="de-de" sz="1100" i="0" baseline="30000" dirty="0">
+                        <a:rPr lang="en-US" sz="1100" i="0" baseline="30000">
                           <a:solidFill>
                             <a:schemeClr val="tx1"/>
                           </a:solidFill>
-                          <a:latin typeface="Adobe Clean" panose="020B0503020404020204" pitchFamily="34" charset="0"/>
+                          <a:latin typeface="Adobe Clean"/>
                         </a:rPr>
                         <a:t>1 </a:t>
                       </a:r>
                       <a:r>
-                        <a:rPr lang="ko-KR" altLang="en-US" sz="1100" i="0" dirty="0">
+                        <a:rPr lang="en-US" sz="1100" i="0">
                           <a:solidFill>
                             <a:schemeClr val="tx1"/>
                           </a:solidFill>
-                          <a:latin typeface="Adobe Clean" panose="020B0503020404020204" pitchFamily="34" charset="0"/>
+                          <a:latin typeface="Adobe Clean"/>
                         </a:rPr>
-                        <a:t>일본에서 </a:t>
+                        <a:t>P2, P3, P4 cases are limited to business hours only in Japan.</a:t>
                       </a:r>
-                      <a:r>
-                        <a:rPr lang="en-US" altLang="ko-KR" sz="1100" i="0" dirty="0">
-                          <a:solidFill>
-                            <a:schemeClr val="tx1"/>
-                          </a:solidFill>
-                          <a:latin typeface="Adobe Clean" panose="020B0503020404020204" pitchFamily="34" charset="0"/>
-                        </a:rPr>
-                        <a:t>P2, P3, P4 </a:t>
-                      </a:r>
-                      <a:r>
-                        <a:rPr lang="ko-KR" altLang="en-US" sz="1100" i="0" dirty="0">
-                          <a:solidFill>
-                            <a:schemeClr val="tx1"/>
-                          </a:solidFill>
-                          <a:latin typeface="Adobe Clean" panose="020B0503020404020204" pitchFamily="34" charset="0"/>
-                        </a:rPr>
-                        <a:t>사례는 업무 시간으로만 제한됩니다</a:t>
-                      </a:r>
-                      <a:r>
-                        <a:rPr lang="en-US" altLang="ko-KR" sz="1100" i="0" dirty="0">
-                          <a:solidFill>
-                            <a:schemeClr val="tx1"/>
-                          </a:solidFill>
-                          <a:latin typeface="Adobe Clean" panose="020B0503020404020204" pitchFamily="34" charset="0"/>
-                        </a:rPr>
-                        <a:t>.</a:t>
-                      </a:r>
-                      <a:endParaRPr lang="de-de" sz="1100" b="1" i="0" dirty="0">
+                      <a:endParaRPr lang="en-US" sz="1100" b="1" i="0">
                         <a:solidFill>
                           <a:schemeClr val="tx1"/>
                         </a:solidFill>
-                        <a:latin typeface="Adobe Clean" panose="020B0503020404020204" pitchFamily="34" charset="0"/>
+                        <a:latin typeface="Adobe Clean"/>
                       </a:endParaRPr>
-                    </a:p>
-                    <a:p>
-                      <a:r>
-                        <a:rPr lang="de-de" sz="1100" b="1" i="0" u="none" strike="noStrike" kern="0" cap="none" spc="0" normalizeH="0" baseline="30000" noProof="0" dirty="0">
-                          <a:ln>
-                            <a:noFill/>
-                          </a:ln>
-                          <a:effectLst/>
-                          <a:uLnTx/>
-                          <a:uFillTx/>
-                          <a:latin typeface="Adobe Clean"/>
-                          <a:ea typeface="+mn-ea"/>
-                          <a:cs typeface="+mn-cs"/>
-                        </a:rPr>
-                        <a:t>.</a:t>
-                      </a:r>
                     </a:p>
                   </a:txBody>
                   <a:tcPr anchor="ctr">
@@ -10652,7 +11365,7 @@
                     <a:bodyPr/>
                     <a:lstStyle/>
                     <a:p>
-                      <a:endParaRPr lang="en-US" sz="1100" dirty="0">
+                      <a:endParaRPr lang="en-US" sz="1100">
                         <a:solidFill>
                           <a:schemeClr val="tx1"/>
                         </a:solidFill>
@@ -10713,7 +11426,7 @@
                     <a:bodyPr/>
                     <a:lstStyle/>
                     <a:p>
-                      <a:endParaRPr lang="en-US" sz="1100" dirty="0">
+                      <a:endParaRPr lang="en-US" sz="1100">
                         <a:solidFill>
                           <a:schemeClr val="tx1"/>
                         </a:solidFill>
@@ -10774,7 +11487,7 @@
                     <a:bodyPr/>
                     <a:lstStyle/>
                     <a:p>
-                      <a:endParaRPr lang="en-US" sz="1100" dirty="0">
+                      <a:endParaRPr lang="en-US" sz="1100">
                         <a:solidFill>
                           <a:schemeClr val="tx1"/>
                         </a:solidFill>
@@ -10938,8 +11651,8 @@
         </p:nvSpPr>
         <p:spPr>
           <a:xfrm>
-            <a:off x="2743200" y="8528519"/>
-            <a:ext cx="1045329" cy="385445"/>
+            <a:off x="2840871" y="8528519"/>
+            <a:ext cx="810895" cy="385445"/>
           </a:xfrm>
           <a:prstGeom prst="rect">
             <a:avLst/>
@@ -10951,7 +11664,7 @@
           </a:bodyPr>
           <a:lstStyle/>
           <a:p>
-            <a:pPr marL="14288" marR="5080" indent="-14288" algn="ctr">
+            <a:pPr marL="139065" marR="5080" indent="-139065">
               <a:lnSpc>
                 <a:spcPts val="1390"/>
               </a:lnSpc>
@@ -10960,36 +11673,126 @@
               </a:spcBef>
             </a:pPr>
             <a:r>
-              <a:rPr lang="de-de" sz="1200" b="1" spc="-15" dirty="0">
+              <a:rPr sz="1200" b="1" spc="-15">
                 <a:solidFill>
                   <a:srgbClr val="FFFFFF"/>
                 </a:solidFill>
                 <a:latin typeface="Adobe Clean"/>
                 <a:cs typeface="Adobe Clean"/>
               </a:rPr>
-              <a:t>탁월한</a:t>
-            </a:r>
-            <a:r>
-              <a:rPr lang="de-de" sz="1200" b="1" dirty="0">
+              <a:t>U</a:t>
+            </a:r>
+            <a:r>
+              <a:rPr sz="1200" b="1" spc="-20">
                 <a:solidFill>
                   <a:srgbClr val="FFFFFF"/>
                 </a:solidFill>
                 <a:latin typeface="Adobe Clean"/>
                 <a:cs typeface="Adobe Clean"/>
               </a:rPr>
-              <a:t> </a:t>
-            </a:r>
-            <a:r>
-              <a:rPr lang="de-de" sz="1200" b="1" spc="-25" dirty="0">
+              <a:t>n</a:t>
+            </a:r>
+            <a:r>
+              <a:rPr sz="1200" b="1" spc="-25">
                 <a:solidFill>
                   <a:srgbClr val="FFFFFF"/>
                 </a:solidFill>
                 <a:latin typeface="Adobe Clean"/>
                 <a:cs typeface="Adobe Clean"/>
               </a:rPr>
-              <a:t>전문성</a:t>
-            </a:r>
-            <a:endParaRPr sz="1200" dirty="0">
+              <a:t>p</a:t>
+            </a:r>
+            <a:r>
+              <a:rPr sz="1200" b="1" spc="-15">
+                <a:solidFill>
+                  <a:srgbClr val="FFFFFF"/>
+                </a:solidFill>
+                <a:latin typeface="Adobe Clean"/>
+                <a:cs typeface="Adobe Clean"/>
+              </a:rPr>
+              <a:t>a</a:t>
+            </a:r>
+            <a:r>
+              <a:rPr sz="1200" b="1" spc="-25">
+                <a:solidFill>
+                  <a:srgbClr val="FFFFFF"/>
+                </a:solidFill>
+                <a:latin typeface="Adobe Clean"/>
+                <a:cs typeface="Adobe Clean"/>
+              </a:rPr>
+              <a:t>r</a:t>
+            </a:r>
+            <a:r>
+              <a:rPr sz="1200" b="1" spc="-15">
+                <a:solidFill>
+                  <a:srgbClr val="FFFFFF"/>
+                </a:solidFill>
+                <a:latin typeface="Adobe Clean"/>
+                <a:cs typeface="Adobe Clean"/>
+              </a:rPr>
+              <a:t>a</a:t>
+            </a:r>
+            <a:r>
+              <a:rPr sz="1200" b="1" spc="-30">
+                <a:solidFill>
+                  <a:srgbClr val="FFFFFF"/>
+                </a:solidFill>
+                <a:latin typeface="Adobe Clean"/>
+                <a:cs typeface="Adobe Clean"/>
+              </a:rPr>
+              <a:t>ll</a:t>
+            </a:r>
+            <a:r>
+              <a:rPr sz="1200" b="1" spc="-25">
+                <a:solidFill>
+                  <a:srgbClr val="FFFFFF"/>
+                </a:solidFill>
+                <a:latin typeface="Adobe Clean"/>
+                <a:cs typeface="Adobe Clean"/>
+              </a:rPr>
+              <a:t>e</a:t>
+            </a:r>
+            <a:r>
+              <a:rPr sz="1200" b="1" spc="-30">
+                <a:solidFill>
+                  <a:srgbClr val="FFFFFF"/>
+                </a:solidFill>
+                <a:latin typeface="Adobe Clean"/>
+                <a:cs typeface="Adobe Clean"/>
+              </a:rPr>
+              <a:t>l</a:t>
+            </a:r>
+            <a:r>
+              <a:rPr sz="1200" b="1" spc="-25">
+                <a:solidFill>
+                  <a:srgbClr val="FFFFFF"/>
+                </a:solidFill>
+                <a:latin typeface="Adobe Clean"/>
+                <a:cs typeface="Adobe Clean"/>
+              </a:rPr>
+              <a:t>e</a:t>
+            </a:r>
+            <a:r>
+              <a:rPr sz="1200" b="1">
+                <a:solidFill>
+                  <a:srgbClr val="FFFFFF"/>
+                </a:solidFill>
+                <a:latin typeface="Adobe Clean"/>
+                <a:cs typeface="Adobe Clean"/>
+              </a:rPr>
+              <a:t>d  </a:t>
+            </a:r>
+            <a:r>
+              <a:rPr sz="1200" b="1" spc="-25">
+                <a:solidFill>
+                  <a:srgbClr val="FFFFFF"/>
+                </a:solidFill>
+                <a:latin typeface="Adobe Clean"/>
+                <a:cs typeface="Adobe Clean"/>
+              </a:rPr>
+              <a:t>Expertise</a:t>
+            </a:r>
+            <a:endParaRPr sz="1200">
               <a:latin typeface="Adobe Clean"/>
               <a:cs typeface="Adobe Clean"/>
             </a:endParaRPr>
@@ -11023,7 +11826,7 @@
           </a:bodyPr>
           <a:lstStyle/>
           <a:p>
-            <a:pPr marL="14288" marR="5080" indent="-14288" algn="ctr">
+            <a:pPr marL="139065" marR="5080" indent="-139065">
               <a:lnSpc>
                 <a:spcPts val="1390"/>
               </a:lnSpc>
@@ -11032,16 +11835,16 @@
               </a:spcBef>
             </a:pPr>
             <a:r>
-              <a:rPr lang="de-de" sz="1200" b="1" spc="-15" dirty="0">
+              <a:rPr lang="en-US" sz="1200" b="1" spc="-15">
                 <a:solidFill>
                   <a:srgbClr val="FFFFFF"/>
                 </a:solidFill>
                 <a:latin typeface="Adobe Clean"/>
                 <a:cs typeface="Adobe Clean"/>
               </a:rPr>
-              <a:t>신속한 지원</a:t>
-            </a:r>
-            <a:endParaRPr sz="1200" dirty="0">
+              <a:t>Accelerated Support</a:t>
+            </a:r>
+            <a:endParaRPr sz="1200">
               <a:latin typeface="Adobe Clean"/>
               <a:cs typeface="Adobe Clean"/>
             </a:endParaRPr>
@@ -11062,8 +11865,8 @@
         </p:nvSpPr>
         <p:spPr>
           <a:xfrm>
-            <a:off x="6517939" y="8543943"/>
-            <a:ext cx="721061" cy="384080"/>
+            <a:off x="6624119" y="8543943"/>
+            <a:ext cx="510540" cy="385445"/>
           </a:xfrm>
           <a:prstGeom prst="rect">
             <a:avLst/>
@@ -11075,7 +11878,7 @@
           </a:bodyPr>
           <a:lstStyle/>
           <a:p>
-            <a:pPr marL="14288" marR="5080" indent="-14288" algn="ctr">
+            <a:pPr marL="50800" marR="5080" indent="-51435">
               <a:lnSpc>
                 <a:spcPts val="1390"/>
               </a:lnSpc>
@@ -11084,36 +11887,106 @@
               </a:spcBef>
             </a:pPr>
             <a:r>
-              <a:rPr lang="de-de" sz="1200" b="1" spc="-50" dirty="0">
+              <a:rPr sz="1200" b="1" spc="-50">
                 <a:solidFill>
                   <a:srgbClr val="FFFFFF"/>
                 </a:solidFill>
                 <a:latin typeface="Adobe Clean"/>
                 <a:cs typeface="Adobe Clean"/>
               </a:rPr>
-              <a:t>전략적</a:t>
-            </a:r>
-            <a:r>
-              <a:rPr lang="de-de" sz="1200" b="1" dirty="0">
+              <a:t>S</a:t>
+            </a:r>
+            <a:r>
+              <a:rPr sz="1200" b="1" spc="-20">
                 <a:solidFill>
                   <a:srgbClr val="FFFFFF"/>
                 </a:solidFill>
                 <a:latin typeface="Adobe Clean"/>
                 <a:cs typeface="Adobe Clean"/>
               </a:rPr>
-              <a:t> </a:t>
-            </a:r>
-            <a:r>
-              <a:rPr lang="de-de" sz="1200" b="1" spc="-45" dirty="0">
+              <a:t>t</a:t>
+            </a:r>
+            <a:r>
+              <a:rPr sz="1200" b="1" spc="-75">
                 <a:solidFill>
                   <a:srgbClr val="FFFFFF"/>
                 </a:solidFill>
                 <a:latin typeface="Adobe Clean"/>
                 <a:cs typeface="Adobe Clean"/>
               </a:rPr>
-              <a:t>조언</a:t>
-            </a:r>
-            <a:endParaRPr sz="1200" dirty="0">
+              <a:t>r</a:t>
+            </a:r>
+            <a:r>
+              <a:rPr sz="1200" b="1" spc="-90">
+                <a:solidFill>
+                  <a:srgbClr val="FFFFFF"/>
+                </a:solidFill>
+                <a:latin typeface="Adobe Clean"/>
+                <a:cs typeface="Adobe Clean"/>
+              </a:rPr>
+              <a:t>a</a:t>
+            </a:r>
+            <a:r>
+              <a:rPr sz="1200" b="1" spc="-55">
+                <a:solidFill>
+                  <a:srgbClr val="FFFFFF"/>
+                </a:solidFill>
+                <a:latin typeface="Adobe Clean"/>
+                <a:cs typeface="Adobe Clean"/>
+              </a:rPr>
+              <a:t>t</a:t>
+            </a:r>
+            <a:r>
+              <a:rPr sz="1200" b="1" spc="-100">
+                <a:solidFill>
+                  <a:srgbClr val="FFFFFF"/>
+                </a:solidFill>
+                <a:latin typeface="Adobe Clean"/>
+                <a:cs typeface="Adobe Clean"/>
+              </a:rPr>
+              <a:t>e</a:t>
+            </a:r>
+            <a:r>
+              <a:rPr sz="1200" b="1" spc="-80">
+                <a:solidFill>
+                  <a:srgbClr val="FFFFFF"/>
+                </a:solidFill>
+                <a:latin typeface="Adobe Clean"/>
+                <a:cs typeface="Adobe Clean"/>
+              </a:rPr>
+              <a:t>g</a:t>
+            </a:r>
+            <a:r>
+              <a:rPr sz="1200" b="1" spc="-35">
+                <a:solidFill>
+                  <a:srgbClr val="FFFFFF"/>
+                </a:solidFill>
+                <a:latin typeface="Adobe Clean"/>
+                <a:cs typeface="Adobe Clean"/>
+              </a:rPr>
+              <a:t>i</a:t>
+            </a:r>
+            <a:r>
+              <a:rPr sz="1200" b="1">
+                <a:solidFill>
+                  <a:srgbClr val="FFFFFF"/>
+                </a:solidFill>
+                <a:latin typeface="Adobe Clean"/>
+                <a:cs typeface="Adobe Clean"/>
+              </a:rPr>
+              <a:t>c  </a:t>
+            </a:r>
+            <a:r>
+              <a:rPr sz="1200" b="1" spc="-45">
+                <a:solidFill>
+                  <a:srgbClr val="FFFFFF"/>
+                </a:solidFill>
+                <a:latin typeface="Adobe Clean"/>
+                <a:cs typeface="Adobe Clean"/>
+              </a:rPr>
+              <a:t>Advice</a:t>
+            </a:r>
+            <a:endParaRPr sz="1200">
               <a:latin typeface="Adobe Clean"/>
               <a:cs typeface="Adobe Clean"/>
             </a:endParaRPr>
@@ -11132,7 +12005,13 @@
           <p:cNvGraphicFramePr>
             <a:graphicFrameLocks noGrp="1"/>
           </p:cNvGraphicFramePr>
-          <p:nvPr/>
+          <p:nvPr>
+            <p:extLst>
+              <p:ext uri="{D42A27DB-BD31-4B8C-83A1-F6EECF244321}">
+                <p14:modId xmlns:p14="http://schemas.microsoft.com/office/powerpoint/2010/main" val="3773282750"/>
+              </p:ext>
+            </p:extLst>
+          </p:nvPr>
         </p:nvGraphicFramePr>
         <p:xfrm>
           <a:off x="194236" y="1059345"/>
@@ -11167,22 +12046,22 @@
                     <a:lstStyle/>
                     <a:p>
                       <a:r>
-                        <a:rPr lang="de-de" sz="1100" b="0" dirty="0">
+                        <a:rPr lang="en-US" sz="1100" b="0">
                           <a:solidFill>
                             <a:schemeClr val="tx1"/>
                           </a:solidFill>
-                          <a:latin typeface="Adobe Clean" panose="020B0503020404020204" pitchFamily="34" charset="0"/>
+                          <a:latin typeface="Adobe Clean"/>
                           <a:ea typeface="+mn-ea"/>
                           <a:cs typeface="+mn-cs"/>
                           <a:hlinkClick r:id="rId7"/>
                         </a:rPr>
                         <a:t>Experience League</a:t>
                       </a:r>
-                      <a:endParaRPr lang="en-US" sz="1100" b="0" dirty="0">
+                      <a:endParaRPr lang="en-US" sz="1100" b="0">
                         <a:solidFill>
                           <a:schemeClr val="tx1"/>
                         </a:solidFill>
-                        <a:latin typeface="Adobe Clean" panose="020B0503020404020204" pitchFamily="34" charset="0"/>
+                        <a:latin typeface="Adobe Clean"/>
                         <a:ea typeface="+mn-ea"/>
                         <a:cs typeface="+mn-cs"/>
                       </a:endParaRPr>
@@ -11241,7 +12120,7 @@
                     <a:bodyPr/>
                     <a:lstStyle/>
                     <a:p>
-                      <a:pPr marL="0" marR="0" lvl="0" indent="0" defTabSz="914400" eaLnBrk="1" fontAlgn="auto" latinLnBrk="0" hangingPunct="1">
+                      <a:pPr marL="0" marR="0" lvl="0" indent="0" eaLnBrk="1" fontAlgn="auto" latinLnBrk="0" hangingPunct="1">
                         <a:lnSpc>
                           <a:spcPct val="100000"/>
                         </a:lnSpc>
@@ -11255,20 +12134,26 @@
                         <a:buSzTx/>
                         <a:buFontTx/>
                         <a:buNone/>
-                        <a:tabLst/>
-                        <a:defRPr/>
                       </a:pPr>
                       <a:r>
-                        <a:rPr lang="de-de" sz="1000" b="0" kern="1200" dirty="0">
+                        <a:rPr lang="en-US" sz="1000" b="0" kern="1200">
                           <a:solidFill>
                             <a:srgbClr val="000000"/>
                           </a:solidFill>
-                          <a:latin typeface="Adobe Clean Light" panose="020B0303020404020204" pitchFamily="34" charset="0"/>
+                          <a:latin typeface="Adobe Clean Light"/>
                           <a:ea typeface="+mn-ea"/>
                           <a:cs typeface="+mn-cs"/>
                         </a:rPr>
-                        <a:t>Experience League를 통해 Adobe는 기업이 Adobe 투자에서 기대하는 가치를 달성하도록 지원합니다. 고객이 자기 주도 튜토리얼, 제품 설명서, 강의식 교육, 커뮤니티 및 기술 지원을 포함하는 개인 맞춤형 성공 경로를 따라가며 배우고, 교류하고, 성장할 수 있는 통합된 공간입니다. </a:t>
+                        <a:t>Experience League is how Adobe helps businesses achieve the value they expect from their Adobe investment. It’s the unified place where customers can learn, connect, and grow along a personalized path to success that includes self-help tutorials, product documentation, instructor-led training, community and technical support. </a:t>
                       </a:r>
+                      <a:endParaRPr lang="en-US" sz="1000" b="0" kern="1200">
+                        <a:solidFill>
+                          <a:srgbClr val="000000"/>
+                        </a:solidFill>
+                        <a:latin typeface="Adobe Clean Light" panose="020B0303020404020204" pitchFamily="34" charset="0"/>
+                        <a:ea typeface="+mn-ea"/>
+                        <a:cs typeface="+mn-cs"/>
+                      </a:endParaRPr>
                     </a:p>
                   </a:txBody>
                   <a:tcPr anchor="ctr">
@@ -11349,36 +12234,36 @@
                         <a:defRPr/>
                       </a:pPr>
                       <a:r>
-                        <a:rPr lang="de-de" sz="1100" dirty="0">
+                        <a:rPr lang="en-US" sz="1100">
                           <a:solidFill>
                             <a:schemeClr val="dk1"/>
                           </a:solidFill>
                           <a:effectLst/>
-                          <a:latin typeface="Adobe Clean" panose="020B0503020404020204" pitchFamily="34" charset="0"/>
+                          <a:latin typeface="Adobe Clean"/>
                           <a:ea typeface="+mn-ea"/>
                           <a:cs typeface="+mn-cs"/>
                           <a:hlinkClick r:id="rId8"/>
                         </a:rPr>
-                        <a:t>교육</a:t>
+                        <a:t>Training</a:t>
                       </a:r>
                       <a:r>
-                        <a:rPr lang="de-de" sz="1100" dirty="0">
+                        <a:rPr lang="en-US" sz="1100">
                           <a:solidFill>
                             <a:schemeClr val="dk1"/>
                           </a:solidFill>
                           <a:effectLst/>
-                          <a:latin typeface="Adobe Clean" panose="020B0503020404020204" pitchFamily="34" charset="0"/>
+                          <a:latin typeface="Adobe Clean"/>
                           <a:ea typeface="+mn-ea"/>
                           <a:cs typeface="+mn-cs"/>
                         </a:rPr>
                         <a:t> </a:t>
                       </a:r>
-                      <a:endParaRPr lang="en-US" sz="1100" dirty="0">
+                      <a:endParaRPr lang="en-US" sz="1100">
                         <a:solidFill>
                           <a:schemeClr val="tx1"/>
                         </a:solidFill>
                         <a:effectLst/>
-                        <a:latin typeface="Adobe Clean" panose="020B0503020404020204" pitchFamily="34" charset="0"/>
+                        <a:latin typeface="Adobe Clean"/>
                         <a:ea typeface="+mn-ea"/>
                         <a:cs typeface="+mn-cs"/>
                       </a:endParaRPr>
@@ -11455,15 +12340,15 @@
                         <a:defRPr/>
                       </a:pPr>
                       <a:r>
-                        <a:rPr lang="de-de" sz="1000" kern="1200" dirty="0">
+                        <a:rPr lang="en-US" sz="1000" kern="1200">
                           <a:solidFill>
                             <a:srgbClr val="000000"/>
                           </a:solidFill>
-                          <a:latin typeface="Adobe Clean Light" panose="020B0303020404020204" pitchFamily="34" charset="0"/>
+                          <a:latin typeface="Adobe Clean Light"/>
                           <a:ea typeface="+mn-ea"/>
                           <a:cs typeface="+mn-cs"/>
                         </a:rPr>
-                        <a:t>Adobe 디지털 학습 서비스 과정은 Experience League에서 액세스할 수 있습니다. 학습 과정은 주문형 수업과 강의식 수업을 모두 통합합니다. 여기에서 시장 가치를 인정받은 기술을 습득하고 조직에 포지셔닝하여 성공으로 이끌 수 있습니다.</a:t>
+                        <a:t>Adobe Digital Learning Services courses are accessible from Experience League. Learning courses integrate both on-demand and instructor-led lessons.  Here you can accrue skills that have recognized market value and position them to drive success in your organizations.</a:t>
                       </a:r>
                     </a:p>
                   </a:txBody>
@@ -11545,24 +12430,24 @@
                         <a:defRPr/>
                       </a:pPr>
                       <a:r>
-                        <a:rPr lang="de-de" sz="1100" dirty="0">
+                        <a:rPr lang="en-US" sz="1100">
                           <a:solidFill>
                             <a:schemeClr val="tx1"/>
                           </a:solidFill>
                           <a:effectLst/>
-                          <a:latin typeface="Adobe Clean" panose="020B0503020404020204" pitchFamily="34" charset="0"/>
+                          <a:latin typeface="Adobe Clean"/>
                           <a:ea typeface="+mn-ea"/>
                           <a:cs typeface="+mn-cs"/>
                           <a:hlinkClick r:id="rId9"/>
                         </a:rPr>
-                        <a:t>생산 문제 및 시스템 중단</a:t>
+                        <a:t>Production Issues &amp; System Outages</a:t>
                       </a:r>
-                      <a:endParaRPr lang="en-US" sz="1100" dirty="0">
+                      <a:endParaRPr lang="en-US" sz="1100">
                         <a:solidFill>
                           <a:schemeClr val="tx1"/>
                         </a:solidFill>
                         <a:effectLst/>
-                        <a:latin typeface="Adobe Clean" panose="020B0503020404020204" pitchFamily="34" charset="0"/>
+                        <a:latin typeface="Adobe Clean"/>
                         <a:ea typeface="+mn-ea"/>
                         <a:cs typeface="+mn-cs"/>
                       </a:endParaRPr>
@@ -11621,7 +12506,7 @@
                     <a:bodyPr/>
                     <a:lstStyle/>
                     <a:p>
-                      <a:pPr marL="0" marR="0" lvl="0" indent="0" defTabSz="914400" eaLnBrk="1" fontAlgn="auto" latinLnBrk="0" hangingPunct="1">
+                      <a:pPr marL="0" marR="0" lvl="0" indent="0" eaLnBrk="1" fontAlgn="auto" latinLnBrk="0" hangingPunct="1">
                         <a:lnSpc>
                           <a:spcPct val="100000"/>
                         </a:lnSpc>
@@ -11635,20 +12520,26 @@
                         <a:buSzTx/>
                         <a:buFontTx/>
                         <a:buNone/>
-                        <a:tabLst/>
-                        <a:defRPr/>
                       </a:pPr>
                       <a:r>
-                        <a:rPr lang="de-de" sz="1000" kern="1200" dirty="0">
+                        <a:rPr lang="en-US" sz="1000" kern="1200">
                           <a:solidFill>
                             <a:srgbClr val="000000"/>
                           </a:solidFill>
-                          <a:latin typeface="Adobe Clean Light" panose="020B0303020404020204" pitchFamily="34" charset="0"/>
+                          <a:latin typeface="Adobe Clean Light"/>
                           <a:ea typeface="+mn-ea"/>
                           <a:cs typeface="+mn-cs"/>
                         </a:rPr>
-                        <a:t>Status.adobe.com은 다중 테넌트 환경에 배포된 모든 Adobe 제품 및 서비스의 상태 정보를 전달합니다. 고객은 구독 기본 설정을 선택하여 Adobe가 제품 이벤트를 생성 업데이트 또는 해결할 때마다 이메일 알림을 받을 수 있습니다. 여기에는 예정된 유지 관리 또는 다양한 심각도 수준의 서비스 문제가 포함될 수 있습니다. </a:t>
+                        <a:t>Status.adobe.com conveys the health information of all Adobe products and services that are deployed in multi-tenant environments. Customers can choose their subscription preferences to get email notifications whenever Adobe creates, updates or resolves a product event. This can include scheduled maintenance or service issues of varying levels of severity. </a:t>
                       </a:r>
+                      <a:endParaRPr lang="en-US" sz="1000" kern="1200">
+                        <a:solidFill>
+                          <a:srgbClr val="000000"/>
+                        </a:solidFill>
+                        <a:latin typeface="Adobe Clean Light" panose="020B0303020404020204" pitchFamily="34" charset="0"/>
+                        <a:ea typeface="+mn-ea"/>
+                        <a:cs typeface="+mn-cs"/>
+                      </a:endParaRPr>
                     </a:p>
                   </a:txBody>
                   <a:tcPr anchor="ctr">
@@ -11729,24 +12620,24 @@
                         <a:defRPr/>
                       </a:pPr>
                       <a:r>
-                        <a:rPr lang="de-de" sz="1100" b="0" i="0" dirty="0">
+                        <a:rPr lang="en-US" sz="1100" b="0" i="0">
                           <a:solidFill>
                             <a:schemeClr val="dk1"/>
                           </a:solidFill>
                           <a:effectLst/>
-                          <a:latin typeface="Adobe Clean" panose="020B0503020404020204" pitchFamily="34" charset="0"/>
+                          <a:latin typeface="Adobe Clean"/>
                           <a:ea typeface="+mn-ea"/>
                           <a:cs typeface="+mn-cs"/>
-                          <a:hlinkClick r:id="rId10" tooltip="https://helpx.adobe.com/kr/support/programs/enterprise-support-programs/premier-support-business.html"/>
+                          <a:hlinkClick r:id="rId10" tooltip="https://helpx.adobe.com/support/programs/enterprise-support-programs/premier-support-business.html"/>
                         </a:rPr>
-                        <a:t>비즈니스 지원 웹 사이트</a:t>
+                        <a:t>Business Support Website</a:t>
                       </a:r>
-                      <a:endParaRPr lang="en-US" sz="1100" b="0" i="0" dirty="0">
+                      <a:endParaRPr lang="en-US" sz="1100" b="0" i="0">
                         <a:solidFill>
                           <a:schemeClr val="dk1"/>
                         </a:solidFill>
                         <a:effectLst/>
-                        <a:latin typeface="Adobe Clean" panose="020B0503020404020204" pitchFamily="34" charset="0"/>
+                        <a:latin typeface="Adobe Clean"/>
                         <a:ea typeface="+mn-ea"/>
                         <a:cs typeface="+mn-cs"/>
                       </a:endParaRPr>
@@ -11806,16 +12697,24 @@
                     <a:lstStyle/>
                     <a:p>
                       <a:r>
-                        <a:rPr lang="de-de" sz="1000" kern="1200" dirty="0">
+                        <a:rPr lang="en-US" sz="1000" kern="1200">
                           <a:solidFill>
                             <a:srgbClr val="000000"/>
                           </a:solidFill>
-                          <a:latin typeface="Adobe Clean Light" panose="020B0303020404020204" pitchFamily="34" charset="0"/>
+                          <a:latin typeface="Adobe Clean Light"/>
                           <a:ea typeface="+mn-ea"/>
                           <a:cs typeface="+mn-cs"/>
                         </a:rPr>
-                        <a:t>Adobe 비즈니스 지원 웹 사이트입니다.</a:t>
+                        <a:t>Adobe Business Support website.</a:t>
                       </a:r>
+                      <a:endParaRPr lang="en-US" sz="1000" kern="1200">
+                        <a:solidFill>
+                          <a:srgbClr val="000000"/>
+                        </a:solidFill>
+                        <a:latin typeface="Adobe Clean Light" panose="020B0303020404020204" pitchFamily="34" charset="0"/>
+                        <a:ea typeface="+mn-ea"/>
+                        <a:cs typeface="+mn-cs"/>
+                      </a:endParaRPr>
                     </a:p>
                   </a:txBody>
                   <a:tcPr anchor="ctr">
@@ -11896,24 +12795,24 @@
                         <a:defRPr/>
                       </a:pPr>
                       <a:r>
-                        <a:rPr lang="de-de" sz="1100" dirty="0">
+                        <a:rPr lang="en-US" sz="1100">
                           <a:solidFill>
                             <a:schemeClr val="tx1"/>
                           </a:solidFill>
                           <a:effectLst/>
-                          <a:latin typeface="Adobe Clean" panose="020B0503020404020204" pitchFamily="34" charset="0"/>
+                          <a:latin typeface="Adobe Clean"/>
                           <a:ea typeface="+mn-ea"/>
                           <a:cs typeface="+mn-cs"/>
                           <a:hlinkClick r:id="rId11"/>
                         </a:rPr>
-                        <a:t>약관</a:t>
+                        <a:t>Terms and Conditions</a:t>
                       </a:r>
-                      <a:endParaRPr lang="en-US" sz="1100" dirty="0">
+                      <a:endParaRPr lang="en-US" sz="1100">
                         <a:solidFill>
                           <a:schemeClr val="tx1"/>
                         </a:solidFill>
                         <a:effectLst/>
-                        <a:latin typeface="Adobe Clean" panose="020B0503020404020204" pitchFamily="34" charset="0"/>
+                        <a:latin typeface="Adobe Clean"/>
                         <a:ea typeface="+mn-ea"/>
                         <a:cs typeface="+mn-cs"/>
                       </a:endParaRPr>
@@ -11973,16 +12872,24 @@
                     <a:lstStyle/>
                     <a:p>
                       <a:r>
-                        <a:rPr lang="de-de" sz="1000" kern="1200" dirty="0">
+                        <a:rPr lang="en-US" sz="1000" kern="1200">
                           <a:solidFill>
                             <a:srgbClr val="000000"/>
                           </a:solidFill>
-                          <a:latin typeface="Adobe Clean Light" panose="020B0303020404020204" pitchFamily="34" charset="0"/>
+                          <a:latin typeface="Adobe Clean Light"/>
                           <a:ea typeface="+mn-ea"/>
                           <a:cs typeface="+mn-cs"/>
                         </a:rPr>
-                        <a:t>지원 서비스 제공 사항을 자세히 설명하는 약관입니다.</a:t>
+                        <a:t>Terms and conditions detailing Support Services offerings.</a:t>
                       </a:r>
+                      <a:endParaRPr lang="en-US" sz="1000" kern="1200">
+                        <a:solidFill>
+                          <a:srgbClr val="000000"/>
+                        </a:solidFill>
+                        <a:latin typeface="Adobe Clean Light" panose="020B0303020404020204" pitchFamily="34" charset="0"/>
+                        <a:ea typeface="+mn-ea"/>
+                        <a:cs typeface="+mn-cs"/>
+                      </a:endParaRPr>
                     </a:p>
                   </a:txBody>
                   <a:tcPr anchor="ctr">
@@ -12045,7 +12952,7 @@
       </p:graphicFrame>
       <p:pic>
         <p:nvPicPr>
-          <p:cNvPr id="8" name="Graphic 7" descr="타겟 개요">
+          <p:cNvPr id="8" name="Graphic 7" descr="Target outline">
             <a:extLst>
               <a:ext uri="{FF2B5EF4-FFF2-40B4-BE49-F238E27FC236}">
                 <a16:creationId xmlns:a16="http://schemas.microsoft.com/office/drawing/2014/main" id="{1EAA263E-04A7-0D46-952E-EA3033B45116}"/>
@@ -12084,7 +12991,7 @@
       </p:pic>
       <p:pic>
         <p:nvPicPr>
-          <p:cNvPr id="10" name="Graphic 9" descr="로켓 개요">
+          <p:cNvPr id="10" name="Graphic 9" descr="Rocket outline">
             <a:extLst>
               <a:ext uri="{FF2B5EF4-FFF2-40B4-BE49-F238E27FC236}">
                 <a16:creationId xmlns:a16="http://schemas.microsoft.com/office/drawing/2014/main" id="{A068EBC3-B418-4E4A-A520-101CA4B39F23}"/>
@@ -12123,7 +13030,7 @@
       </p:pic>
       <p:pic>
         <p:nvPicPr>
-          <p:cNvPr id="12" name="Graphic 11" descr="메달 개요">
+          <p:cNvPr id="12" name="Graphic 11" descr="Medal outline">
             <a:extLst>
               <a:ext uri="{FF2B5EF4-FFF2-40B4-BE49-F238E27FC236}">
                 <a16:creationId xmlns:a16="http://schemas.microsoft.com/office/drawing/2014/main" id="{C7BEFC2D-0CA6-0448-B9FA-6E1581CA6D36}"/>
@@ -12752,21 +13659,6 @@
 </file>
 
 <file path=customXml/item1.xml><?xml version="1.0" encoding="utf-8"?>
-<p:properties xmlns:p="http://schemas.microsoft.com/office/2006/metadata/properties" xmlns:xsi="http://www.w3.org/2001/XMLSchema-instance" xmlns:pc="http://schemas.microsoft.com/office/infopath/2007/PartnerControls">
-  <documentManagement/>
-</p:properties>
-</file>
-
-<file path=customXml/item2.xml><?xml version="1.0" encoding="utf-8"?>
-<?mso-contentType ?>
-<FormTemplates xmlns="http://schemas.microsoft.com/sharepoint/v3/contenttype/forms">
-  <Display>DocumentLibraryForm</Display>
-  <Edit>DocumentLibraryForm</Edit>
-  <New>DocumentLibraryForm</New>
-</FormTemplates>
-</file>
-
-<file path=customXml/item3.xml><?xml version="1.0" encoding="utf-8"?>
 <ct:contentTypeSchema xmlns:ct="http://schemas.microsoft.com/office/2006/metadata/contentType" xmlns:ma="http://schemas.microsoft.com/office/2006/metadata/properties/metaAttributes" ct:_="" ma:_="" ma:contentTypeName="Document" ma:contentTypeID="0x010100E783BF6876BCC646A459363AF21A7736" ma:contentTypeVersion="10" ma:contentTypeDescription="Create a new document." ma:contentTypeScope="" ma:versionID="c4ffda7f4f415767600769e454c2ea87">
   <xsd:schema xmlns:xsd="http://www.w3.org/2001/XMLSchema" xmlns:xs="http://www.w3.org/2001/XMLSchema" xmlns:p="http://schemas.microsoft.com/office/2006/metadata/properties" xmlns:ns2="8a053bff-88be-49e4-9a87-e748e18b8b62" xmlns:ns3="6c8368ec-3776-49b5-a5bb-90648cf9530f" targetNamespace="http://schemas.microsoft.com/office/2006/metadata/properties" ma:root="true" ma:fieldsID="df3ec33bccc23e23bce7bc897fad43d1" ns2:_="" ns3:_="">
     <xsd:import namespace="8a053bff-88be-49e4-9a87-e748e18b8b62"/>
@@ -12971,11 +13863,36 @@
 </ct:contentTypeSchema>
 </file>
 
+<file path=customXml/item2.xml><?xml version="1.0" encoding="utf-8"?>
+<?mso-contentType ?>
+<FormTemplates xmlns="http://schemas.microsoft.com/sharepoint/v3/contenttype/forms">
+  <Display>DocumentLibraryForm</Display>
+  <Edit>DocumentLibraryForm</Edit>
+  <New>DocumentLibraryForm</New>
+</FormTemplates>
+</file>
+
+<file path=customXml/item3.xml><?xml version="1.0" encoding="utf-8"?>
+<p:properties xmlns:p="http://schemas.microsoft.com/office/2006/metadata/properties" xmlns:xsi="http://www.w3.org/2001/XMLSchema-instance" xmlns:pc="http://schemas.microsoft.com/office/infopath/2007/PartnerControls">
+  <documentManagement/>
+</p:properties>
+</file>
+
 <file path=customXml/itemProps1.xml><?xml version="1.0" encoding="utf-8"?>
-<ds:datastoreItem xmlns:ds="http://schemas.openxmlformats.org/officeDocument/2006/customXml" ds:itemID="{10FC3CAF-E6F1-40E3-87D4-6B781C97D6B4}">
+<ds:datastoreItem xmlns:ds="http://schemas.openxmlformats.org/officeDocument/2006/customXml" ds:itemID="{E0DB8BDF-6DA8-4ABC-A3CA-043AFD674CFC}">
   <ds:schemaRefs>
+    <ds:schemaRef ds:uri="6c8368ec-3776-49b5-a5bb-90648cf9530f"/>
+    <ds:schemaRef ds:uri="8a053bff-88be-49e4-9a87-e748e18b8b62"/>
+    <ds:schemaRef ds:uri="http://purl.org/dc/elements/1.1/"/>
+    <ds:schemaRef ds:uri="http://purl.org/dc/terms/"/>
+    <ds:schemaRef ds:uri="http://schemas.microsoft.com/internal/obd"/>
+    <ds:schemaRef ds:uri="http://schemas.microsoft.com/office/2006/documentManagement/types"/>
+    <ds:schemaRef ds:uri="http://schemas.microsoft.com/office/2006/metadata/contentType"/>
     <ds:schemaRef ds:uri="http://schemas.microsoft.com/office/2006/metadata/properties"/>
+    <ds:schemaRef ds:uri="http://schemas.microsoft.com/office/2006/metadata/properties/metaAttributes"/>
     <ds:schemaRef ds:uri="http://schemas.microsoft.com/office/infopath/2007/PartnerControls"/>
+    <ds:schemaRef ds:uri="http://schemas.openxmlformats.org/package/2006/metadata/core-properties"/>
+    <ds:schemaRef ds:uri="http://www.w3.org/2001/XMLSchema"/>
   </ds:schemaRefs>
 </ds:datastoreItem>
 </file>
@@ -12989,20 +13906,18 @@
 </file>
 
 <file path=customXml/itemProps3.xml><?xml version="1.0" encoding="utf-8"?>
-<ds:datastoreItem xmlns:ds="http://schemas.openxmlformats.org/officeDocument/2006/customXml" ds:itemID="{E0DB8BDF-6DA8-4ABC-A3CA-043AFD674CFC}">
+<ds:datastoreItem xmlns:ds="http://schemas.openxmlformats.org/officeDocument/2006/customXml" ds:itemID="{10FC3CAF-E6F1-40E3-87D4-6B781C97D6B4}">
   <ds:schemaRefs>
-    <ds:schemaRef ds:uri="http://schemas.microsoft.com/office/2006/metadata/contentType"/>
-    <ds:schemaRef ds:uri="http://schemas.microsoft.com/office/2006/metadata/properties/metaAttributes"/>
-    <ds:schemaRef ds:uri="http://www.w3.org/2001/XMLSchema"/>
+    <ds:schemaRef ds:uri="6c8368ec-3776-49b5-a5bb-90648cf9530f"/>
+    <ds:schemaRef ds:uri="8a053bff-88be-49e4-9a87-e748e18b8b62"/>
+    <ds:schemaRef ds:uri="http://purl.org/dc/dcmitype/"/>
+    <ds:schemaRef ds:uri="http://purl.org/dc/elements/1.1/"/>
+    <ds:schemaRef ds:uri="http://purl.org/dc/terms/"/>
+    <ds:schemaRef ds:uri="http://schemas.microsoft.com/office/2006/documentManagement/types"/>
     <ds:schemaRef ds:uri="http://schemas.microsoft.com/office/2006/metadata/properties"/>
-    <ds:schemaRef ds:uri="8a053bff-88be-49e4-9a87-e748e18b8b62"/>
-    <ds:schemaRef ds:uri="6c8368ec-3776-49b5-a5bb-90648cf9530f"/>
-    <ds:schemaRef ds:uri="http://schemas.microsoft.com/office/2006/documentManagement/types"/>
     <ds:schemaRef ds:uri="http://schemas.microsoft.com/office/infopath/2007/PartnerControls"/>
     <ds:schemaRef ds:uri="http://schemas.openxmlformats.org/package/2006/metadata/core-properties"/>
-    <ds:schemaRef ds:uri="http://purl.org/dc/elements/1.1/"/>
-    <ds:schemaRef ds:uri="http://purl.org/dc/terms/"/>
-    <ds:schemaRef ds:uri="http://schemas.microsoft.com/internal/obd"/>
+    <ds:schemaRef ds:uri="http://www.w3.org/XML/1998/namespace"/>
   </ds:schemaRefs>
 </ds:datastoreItem>
 </file>
--- a/help/data-sheets/assets/BusinessSupportDatasheet.pptx
+++ b/help/data-sheets/assets/BusinessSupportDatasheet.pptx
@@ -143,85 +143,15 @@
 <file path=ppt/revisionInfo.xml><?xml version="1.0" encoding="utf-8"?>
 <p1510:revInfo xmlns:a="http://schemas.openxmlformats.org/drawingml/2006/main" xmlns:r="http://schemas.openxmlformats.org/officeDocument/2006/relationships" xmlns:p1510="http://schemas.microsoft.com/office/powerpoint/2015/10/main">
   <p1510:revLst>
-    <p1510:client id="{61630BD6-9AE9-064C-B39F-AFA945B82B3E}" v="202" dt="2021-10-13T19:21:08.267"/>
-    <p1510:client id="{AC30C20D-1316-8ECC-DADD-39CCEC6A7FCF}" v="9" dt="2021-10-13T19:03:35.035"/>
+    <p1510:client id="{06B13378-B080-7F0F-51A5-F9203CEE57ED}" v="370" dt="2021-08-25T22:26:24.850"/>
+    <p1510:client id="{9E385600-BF81-FC49-9ED0-E33BC37F7908}" v="55" dt="2021-08-04T08:16:13.478"/>
+    <p1510:client id="{CA5D33DF-AE75-BCA1-B9BC-A7CD44D2F3C7}" v="2" dt="2021-08-25T22:38:18.624"/>
   </p1510:revLst>
 </p1510:revInfo>
 </file>
 
 <file path=ppt/changesInfos/changesInfo1.xml><?xml version="1.0" encoding="utf-8"?>
 <pc:chgInfo xmlns:a="http://schemas.openxmlformats.org/drawingml/2006/main" xmlns:r="http://schemas.openxmlformats.org/officeDocument/2006/relationships" xmlns:ac="http://schemas.microsoft.com/office/drawing/2013/main/command" xmlns:pc="http://schemas.microsoft.com/office/powerpoint/2013/main/command">
-  <pc:docChgLst>
-    <pc:chgData name="Akilah Johnson" userId="S::akjohnso@adobe.com::2fa3aa60-0c9c-4d06-bae2-795983241227" providerId="AD" clId="Web-{4D8E0410-E0CE-85E2-0F84-C1BF4F647622}"/>
-    <pc:docChg chg="modSld">
-      <pc:chgData name="Akilah Johnson" userId="S::akjohnso@adobe.com::2fa3aa60-0c9c-4d06-bae2-795983241227" providerId="AD" clId="Web-{4D8E0410-E0CE-85E2-0F84-C1BF4F647622}" dt="2021-09-22T22:57:04.802" v="5"/>
-      <pc:docMkLst>
-        <pc:docMk/>
-      </pc:docMkLst>
-      <pc:sldChg chg="modSp">
-        <pc:chgData name="Akilah Johnson" userId="S::akjohnso@adobe.com::2fa3aa60-0c9c-4d06-bae2-795983241227" providerId="AD" clId="Web-{4D8E0410-E0CE-85E2-0F84-C1BF4F647622}" dt="2021-09-22T22:57:04.802" v="5"/>
-        <pc:sldMkLst>
-          <pc:docMk/>
-          <pc:sldMk cId="1050037809" sldId="261"/>
-        </pc:sldMkLst>
-        <pc:graphicFrameChg chg="mod modGraphic">
-          <ac:chgData name="Akilah Johnson" userId="S::akjohnso@adobe.com::2fa3aa60-0c9c-4d06-bae2-795983241227" providerId="AD" clId="Web-{4D8E0410-E0CE-85E2-0F84-C1BF4F647622}" dt="2021-09-22T22:57:04.802" v="5"/>
-          <ac:graphicFrameMkLst>
-            <pc:docMk/>
-            <pc:sldMk cId="1050037809" sldId="261"/>
-            <ac:graphicFrameMk id="25" creationId="{3A91F5B0-3974-A14D-A146-FB590F2AAD18}"/>
-          </ac:graphicFrameMkLst>
-        </pc:graphicFrameChg>
-      </pc:sldChg>
-    </pc:docChg>
-  </pc:docChgLst>
-  <pc:docChgLst>
-    <pc:chgData name="Akilah Johnson" userId="S::akjohnso@adobe.com::2fa3aa60-0c9c-4d06-bae2-795983241227" providerId="AD" clId="Web-{019F6A09-DCDA-BB53-9E3C-5BA3B13E26BB}"/>
-    <pc:docChg chg="modSld">
-      <pc:chgData name="Akilah Johnson" userId="S::akjohnso@adobe.com::2fa3aa60-0c9c-4d06-bae2-795983241227" providerId="AD" clId="Web-{019F6A09-DCDA-BB53-9E3C-5BA3B13E26BB}" dt="2021-10-12T17:10:36.752" v="17" actId="20577"/>
-      <pc:docMkLst>
-        <pc:docMk/>
-      </pc:docMkLst>
-      <pc:sldChg chg="modSp">
-        <pc:chgData name="Akilah Johnson" userId="S::akjohnso@adobe.com::2fa3aa60-0c9c-4d06-bae2-795983241227" providerId="AD" clId="Web-{019F6A09-DCDA-BB53-9E3C-5BA3B13E26BB}" dt="2021-10-12T17:09:32.112" v="2" actId="20577"/>
-        <pc:sldMkLst>
-          <pc:docMk/>
-          <pc:sldMk cId="0" sldId="257"/>
-        </pc:sldMkLst>
-        <pc:spChg chg="mod">
-          <ac:chgData name="Akilah Johnson" userId="S::akjohnso@adobe.com::2fa3aa60-0c9c-4d06-bae2-795983241227" providerId="AD" clId="Web-{019F6A09-DCDA-BB53-9E3C-5BA3B13E26BB}" dt="2021-10-12T17:09:32.112" v="2" actId="20577"/>
-          <ac:spMkLst>
-            <pc:docMk/>
-            <pc:sldMk cId="0" sldId="257"/>
-            <ac:spMk id="46" creationId="{00000000-0000-0000-0000-000000000000}"/>
-          </ac:spMkLst>
-        </pc:spChg>
-      </pc:sldChg>
-      <pc:sldChg chg="modSp">
-        <pc:chgData name="Akilah Johnson" userId="S::akjohnso@adobe.com::2fa3aa60-0c9c-4d06-bae2-795983241227" providerId="AD" clId="Web-{019F6A09-DCDA-BB53-9E3C-5BA3B13E26BB}" dt="2021-10-12T17:10:36.752" v="17" actId="20577"/>
-        <pc:sldMkLst>
-          <pc:docMk/>
-          <pc:sldMk cId="1050037809" sldId="261"/>
-        </pc:sldMkLst>
-        <pc:spChg chg="mod">
-          <ac:chgData name="Akilah Johnson" userId="S::akjohnso@adobe.com::2fa3aa60-0c9c-4d06-bae2-795983241227" providerId="AD" clId="Web-{019F6A09-DCDA-BB53-9E3C-5BA3B13E26BB}" dt="2021-10-12T17:10:36.752" v="17" actId="20577"/>
-          <ac:spMkLst>
-            <pc:docMk/>
-            <pc:sldMk cId="1050037809" sldId="261"/>
-            <ac:spMk id="56" creationId="{00000000-0000-0000-0000-000000000000}"/>
-          </ac:spMkLst>
-        </pc:spChg>
-        <pc:graphicFrameChg chg="mod modGraphic">
-          <ac:chgData name="Akilah Johnson" userId="S::akjohnso@adobe.com::2fa3aa60-0c9c-4d06-bae2-795983241227" providerId="AD" clId="Web-{019F6A09-DCDA-BB53-9E3C-5BA3B13E26BB}" dt="2021-10-12T17:09:41.471" v="6"/>
-          <ac:graphicFrameMkLst>
-            <pc:docMk/>
-            <pc:sldMk cId="1050037809" sldId="261"/>
-            <ac:graphicFrameMk id="111" creationId="{D8653CEC-4213-DE40-9BAF-D1E3318FF89C}"/>
-          </ac:graphicFrameMkLst>
-        </pc:graphicFrameChg>
-      </pc:sldChg>
-    </pc:docChg>
-  </pc:docChgLst>
   <pc:docChgLst>
     <pc:chgData name="Andy Witt" userId="S::awitt@adobe.com::e9157bdf-53b2-40e4-9459-936793d75696" providerId="AD" clId="Web-{06B13378-B080-7F0F-51A5-F9203CEE57ED}"/>
     <pc:docChg chg="modSld">
@@ -241,150 +171,6 @@
             <pc:docMk/>
             <pc:sldMk cId="1050037809" sldId="261"/>
             <ac:graphicFrameMk id="25" creationId="{3A91F5B0-3974-A14D-A146-FB590F2AAD18}"/>
-          </ac:graphicFrameMkLst>
-        </pc:graphicFrameChg>
-      </pc:sldChg>
-    </pc:docChg>
-  </pc:docChgLst>
-  <pc:docChgLst>
-    <pc:chgData name="Akilah Johnson" userId="S::akjohnso@adobe.com::2fa3aa60-0c9c-4d06-bae2-795983241227" providerId="AD" clId="Web-{71D6CFBF-0EA2-99B0-93F4-22F19EF0AE4E}"/>
-    <pc:docChg chg="modSld">
-      <pc:chgData name="Akilah Johnson" userId="S::akjohnso@adobe.com::2fa3aa60-0c9c-4d06-bae2-795983241227" providerId="AD" clId="Web-{71D6CFBF-0EA2-99B0-93F4-22F19EF0AE4E}" dt="2021-09-22T19:06:58.732" v="1" actId="1076"/>
-      <pc:docMkLst>
-        <pc:docMk/>
-      </pc:docMkLst>
-      <pc:sldChg chg="modSp">
-        <pc:chgData name="Akilah Johnson" userId="S::akjohnso@adobe.com::2fa3aa60-0c9c-4d06-bae2-795983241227" providerId="AD" clId="Web-{71D6CFBF-0EA2-99B0-93F4-22F19EF0AE4E}" dt="2021-09-22T19:06:58.732" v="1" actId="1076"/>
-        <pc:sldMkLst>
-          <pc:docMk/>
-          <pc:sldMk cId="1050037809" sldId="261"/>
-        </pc:sldMkLst>
-        <pc:spChg chg="mod">
-          <ac:chgData name="Akilah Johnson" userId="S::akjohnso@adobe.com::2fa3aa60-0c9c-4d06-bae2-795983241227" providerId="AD" clId="Web-{71D6CFBF-0EA2-99B0-93F4-22F19EF0AE4E}" dt="2021-09-22T19:06:58.732" v="1" actId="1076"/>
-          <ac:spMkLst>
-            <pc:docMk/>
-            <pc:sldMk cId="1050037809" sldId="261"/>
-            <ac:spMk id="64" creationId="{41467BDC-3D83-D844-B922-CD07E94E5AAB}"/>
-          </ac:spMkLst>
-        </pc:spChg>
-      </pc:sldChg>
-    </pc:docChg>
-  </pc:docChgLst>
-  <pc:docChgLst>
-    <pc:chgData name="Akilah Johnson" userId="S::akjohnso@adobe.com::2fa3aa60-0c9c-4d06-bae2-795983241227" providerId="AD" clId="Web-{D428A0AE-54E2-30D2-C574-7A0742876CCF}"/>
-    <pc:docChg chg="modSld">
-      <pc:chgData name="Akilah Johnson" userId="S::akjohnso@adobe.com::2fa3aa60-0c9c-4d06-bae2-795983241227" providerId="AD" clId="Web-{D428A0AE-54E2-30D2-C574-7A0742876CCF}" dt="2021-10-12T19:11:25.330" v="0" actId="20577"/>
-      <pc:docMkLst>
-        <pc:docMk/>
-      </pc:docMkLst>
-      <pc:sldChg chg="modSp">
-        <pc:chgData name="Akilah Johnson" userId="S::akjohnso@adobe.com::2fa3aa60-0c9c-4d06-bae2-795983241227" providerId="AD" clId="Web-{D428A0AE-54E2-30D2-C574-7A0742876CCF}" dt="2021-10-12T19:11:25.330" v="0" actId="20577"/>
-        <pc:sldMkLst>
-          <pc:docMk/>
-          <pc:sldMk cId="0" sldId="256"/>
-        </pc:sldMkLst>
-        <pc:spChg chg="mod">
-          <ac:chgData name="Akilah Johnson" userId="S::akjohnso@adobe.com::2fa3aa60-0c9c-4d06-bae2-795983241227" providerId="AD" clId="Web-{D428A0AE-54E2-30D2-C574-7A0742876CCF}" dt="2021-10-12T19:11:25.330" v="0" actId="20577"/>
-          <ac:spMkLst>
-            <pc:docMk/>
-            <pc:sldMk cId="0" sldId="256"/>
-            <ac:spMk id="4" creationId="{00000000-0000-0000-0000-000000000000}"/>
-          </ac:spMkLst>
-        </pc:spChg>
-      </pc:sldChg>
-    </pc:docChg>
-  </pc:docChgLst>
-  <pc:docChgLst>
-    <pc:chgData name="Lauren Schutte" userId="S::schutte@adobe.com::6e08b2d3-447a-4d66-86be-444d50df187f" providerId="AD" clId="Web-{AC30C20D-1316-8ECC-DADD-39CCEC6A7FCF}"/>
-    <pc:docChg chg="modSld">
-      <pc:chgData name="Lauren Schutte" userId="S::schutte@adobe.com::6e08b2d3-447a-4d66-86be-444d50df187f" providerId="AD" clId="Web-{AC30C20D-1316-8ECC-DADD-39CCEC6A7FCF}" dt="2021-10-13T19:03:35.035" v="8" actId="1076"/>
-      <pc:docMkLst>
-        <pc:docMk/>
-      </pc:docMkLst>
-      <pc:sldChg chg="modSp">
-        <pc:chgData name="Lauren Schutte" userId="S::schutte@adobe.com::6e08b2d3-447a-4d66-86be-444d50df187f" providerId="AD" clId="Web-{AC30C20D-1316-8ECC-DADD-39CCEC6A7FCF}" dt="2021-10-13T19:03:35.035" v="8" actId="1076"/>
-        <pc:sldMkLst>
-          <pc:docMk/>
-          <pc:sldMk cId="0" sldId="256"/>
-        </pc:sldMkLst>
-        <pc:spChg chg="mod">
-          <ac:chgData name="Lauren Schutte" userId="S::schutte@adobe.com::6e08b2d3-447a-4d66-86be-444d50df187f" providerId="AD" clId="Web-{AC30C20D-1316-8ECC-DADD-39CCEC6A7FCF}" dt="2021-10-13T19:03:27.878" v="7" actId="14100"/>
-          <ac:spMkLst>
-            <pc:docMk/>
-            <pc:sldMk cId="0" sldId="256"/>
-            <ac:spMk id="3" creationId="{00000000-0000-0000-0000-000000000000}"/>
-          </ac:spMkLst>
-        </pc:spChg>
-        <pc:spChg chg="mod">
-          <ac:chgData name="Lauren Schutte" userId="S::schutte@adobe.com::6e08b2d3-447a-4d66-86be-444d50df187f" providerId="AD" clId="Web-{AC30C20D-1316-8ECC-DADD-39CCEC6A7FCF}" dt="2021-10-13T19:03:35.035" v="8" actId="1076"/>
-          <ac:spMkLst>
-            <pc:docMk/>
-            <pc:sldMk cId="0" sldId="256"/>
-            <ac:spMk id="5" creationId="{00000000-0000-0000-0000-000000000000}"/>
-          </ac:spMkLst>
-        </pc:spChg>
-      </pc:sldChg>
-    </pc:docChg>
-  </pc:docChgLst>
-  <pc:docChgLst>
-    <pc:chgData name="Akilah Johnson" userId="S::akjohnso@adobe.com::2fa3aa60-0c9c-4d06-bae2-795983241227" providerId="AD" clId="Web-{AFB92C2B-405E-C597-0988-18F97C53104C}"/>
-    <pc:docChg chg="modSld">
-      <pc:chgData name="Akilah Johnson" userId="S::akjohnso@adobe.com::2fa3aa60-0c9c-4d06-bae2-795983241227" providerId="AD" clId="Web-{AFB92C2B-405E-C597-0988-18F97C53104C}" dt="2021-09-22T18:53:26.184" v="29"/>
-      <pc:docMkLst>
-        <pc:docMk/>
-      </pc:docMkLst>
-      <pc:sldChg chg="modSp">
-        <pc:chgData name="Akilah Johnson" userId="S::akjohnso@adobe.com::2fa3aa60-0c9c-4d06-bae2-795983241227" providerId="AD" clId="Web-{AFB92C2B-405E-C597-0988-18F97C53104C}" dt="2021-09-22T18:53:26.184" v="29"/>
-        <pc:sldMkLst>
-          <pc:docMk/>
-          <pc:sldMk cId="1050037809" sldId="261"/>
-        </pc:sldMkLst>
-        <pc:spChg chg="mod">
-          <ac:chgData name="Akilah Johnson" userId="S::akjohnso@adobe.com::2fa3aa60-0c9c-4d06-bae2-795983241227" providerId="AD" clId="Web-{AFB92C2B-405E-C597-0988-18F97C53104C}" dt="2021-09-22T18:53:05.841" v="5" actId="20577"/>
-          <ac:spMkLst>
-            <pc:docMk/>
-            <pc:sldMk cId="1050037809" sldId="261"/>
-            <ac:spMk id="64" creationId="{41467BDC-3D83-D844-B922-CD07E94E5AAB}"/>
-          </ac:spMkLst>
-        </pc:spChg>
-        <pc:graphicFrameChg chg="mod modGraphic">
-          <ac:chgData name="Akilah Johnson" userId="S::akjohnso@adobe.com::2fa3aa60-0c9c-4d06-bae2-795983241227" providerId="AD" clId="Web-{AFB92C2B-405E-C597-0988-18F97C53104C}" dt="2021-09-22T18:53:26.184" v="29"/>
-          <ac:graphicFrameMkLst>
-            <pc:docMk/>
-            <pc:sldMk cId="1050037809" sldId="261"/>
-            <ac:graphicFrameMk id="25" creationId="{3A91F5B0-3974-A14D-A146-FB590F2AAD18}"/>
-          </ac:graphicFrameMkLst>
-        </pc:graphicFrameChg>
-      </pc:sldChg>
-    </pc:docChg>
-  </pc:docChgLst>
-  <pc:docChgLst>
-    <pc:chgData name="Lauren Schutte" userId="6e08b2d3-447a-4d66-86be-444d50df187f" providerId="ADAL" clId="{61630BD6-9AE9-064C-B39F-AFA945B82B3E}"/>
-    <pc:docChg chg="undo custSel modSld">
-      <pc:chgData name="Lauren Schutte" userId="6e08b2d3-447a-4d66-86be-444d50df187f" providerId="ADAL" clId="{61630BD6-9AE9-064C-B39F-AFA945B82B3E}" dt="2021-10-13T19:21:08.267" v="201" actId="20577"/>
-      <pc:docMkLst>
-        <pc:docMk/>
-      </pc:docMkLst>
-      <pc:sldChg chg="modSp mod">
-        <pc:chgData name="Lauren Schutte" userId="6e08b2d3-447a-4d66-86be-444d50df187f" providerId="ADAL" clId="{61630BD6-9AE9-064C-B39F-AFA945B82B3E}" dt="2021-10-13T19:21:08.267" v="201" actId="20577"/>
-        <pc:sldMkLst>
-          <pc:docMk/>
-          <pc:sldMk cId="0" sldId="256"/>
-        </pc:sldMkLst>
-        <pc:spChg chg="mod">
-          <ac:chgData name="Lauren Schutte" userId="6e08b2d3-447a-4d66-86be-444d50df187f" providerId="ADAL" clId="{61630BD6-9AE9-064C-B39F-AFA945B82B3E}" dt="2021-10-13T19:03:44.344" v="3" actId="1076"/>
-          <ac:spMkLst>
-            <pc:docMk/>
-            <pc:sldMk cId="0" sldId="256"/>
-            <ac:spMk id="3" creationId="{00000000-0000-0000-0000-000000000000}"/>
-          </ac:spMkLst>
-        </pc:spChg>
-        <pc:graphicFrameChg chg="mod modGraphic">
-          <ac:chgData name="Lauren Schutte" userId="6e08b2d3-447a-4d66-86be-444d50df187f" providerId="ADAL" clId="{61630BD6-9AE9-064C-B39F-AFA945B82B3E}" dt="2021-10-13T19:21:08.267" v="201" actId="20577"/>
-          <ac:graphicFrameMkLst>
-            <pc:docMk/>
-            <pc:sldMk cId="0" sldId="256"/>
-            <ac:graphicFrameMk id="9" creationId="{00000000-0000-0000-0000-000000000000}"/>
           </ac:graphicFrameMkLst>
         </pc:graphicFrameChg>
       </pc:sldChg>
@@ -499,7 +285,7 @@
           <a:p>
             <a:fld id="{FB81873C-0B24-F04A-98A1-90E0A78F7E8A}" type="datetimeFigureOut">
               <a:rPr lang="en-US" smtClean="0"/>
-              <a:t>10/13/2021</a:t>
+              <a:t>10/11/21</a:t>
             </a:fld>
             <a:endParaRPr lang="en-US"/>
           </a:p>
@@ -810,7 +596,7 @@
           <a:bodyPr/>
           <a:lstStyle/>
           <a:p>
-            <a:endParaRPr lang="en-US"/>
+            <a:endParaRPr lang="en-US" dirty="0"/>
           </a:p>
         </p:txBody>
       </p:sp>
@@ -894,7 +680,7 @@
           <a:bodyPr/>
           <a:lstStyle/>
           <a:p>
-            <a:endParaRPr lang="en-US"/>
+            <a:endParaRPr lang="en-US" dirty="0"/>
           </a:p>
         </p:txBody>
       </p:sp>
@@ -978,7 +764,7 @@
           <a:bodyPr/>
           <a:lstStyle/>
           <a:p>
-            <a:endParaRPr lang="en-US"/>
+            <a:endParaRPr lang="en-US" dirty="0"/>
           </a:p>
         </p:txBody>
       </p:sp>
@@ -1122,7 +908,7 @@
           <a:p>
             <a:fld id="{1D8BD707-D9CF-40AE-B4C6-C98DA3205C09}" type="datetimeFigureOut">
               <a:rPr lang="en-US"/>
-              <a:t>10/13/2021</a:t>
+              <a:t>10/11/21</a:t>
             </a:fld>
             <a:endParaRPr lang="en-US"/>
           </a:p>
@@ -1210,23 +996,23 @@
               </a:spcBef>
             </a:pPr>
             <a:r>
-              <a:rPr spc="-5"/>
+              <a:rPr spc="-5" dirty="0"/>
               <a:t>©202</a:t>
             </a:r>
             <a:r>
-              <a:rPr lang="en-US" spc="-5"/>
+              <a:rPr lang="en-US" spc="-5" dirty="0"/>
               <a:t>1 </a:t>
             </a:r>
             <a:r>
-              <a:rPr spc="-5"/>
+              <a:rPr spc="-5" dirty="0"/>
               <a:t>Adobe. All Rights Reserved. Adobe</a:t>
             </a:r>
             <a:r>
-              <a:rPr spc="60"/>
+              <a:rPr spc="60" dirty="0"/>
               <a:t> </a:t>
             </a:r>
             <a:r>
-              <a:rPr spc="-5"/>
+              <a:rPr spc="-5" dirty="0"/>
               <a:t>Confidential.</a:t>
             </a:r>
           </a:p>
@@ -1314,7 +1100,7 @@
           <a:p>
             <a:fld id="{1D8BD707-D9CF-40AE-B4C6-C98DA3205C09}" type="datetimeFigureOut">
               <a:rPr lang="en-US"/>
-              <a:t>10/13/2021</a:t>
+              <a:t>10/11/21</a:t>
             </a:fld>
             <a:endParaRPr lang="en-US"/>
           </a:p>
@@ -1402,23 +1188,23 @@
               </a:spcBef>
             </a:pPr>
             <a:r>
-              <a:rPr spc="-5"/>
+              <a:rPr spc="-5" dirty="0"/>
               <a:t>©202</a:t>
             </a:r>
             <a:r>
-              <a:rPr lang="en-US" spc="-5"/>
+              <a:rPr lang="en-US" spc="-5" dirty="0"/>
               <a:t>1</a:t>
             </a:r>
             <a:r>
-              <a:rPr spc="-5"/>
+              <a:rPr spc="-5" dirty="0"/>
               <a:t> Adobe. All Rights Reserved. Adobe</a:t>
             </a:r>
             <a:r>
-              <a:rPr spc="60"/>
+              <a:rPr spc="60" dirty="0"/>
               <a:t> </a:t>
             </a:r>
             <a:r>
-              <a:rPr spc="-5"/>
+              <a:rPr spc="-5" dirty="0"/>
               <a:t>Confidential.</a:t>
             </a:r>
           </a:p>
@@ -1573,23 +1359,23 @@
               </a:spcBef>
             </a:pPr>
             <a:r>
-              <a:rPr spc="-5"/>
+              <a:rPr spc="-5" dirty="0"/>
               <a:t>©202</a:t>
             </a:r>
             <a:r>
-              <a:rPr lang="en-US" spc="-5"/>
+              <a:rPr lang="en-US" spc="-5" dirty="0"/>
               <a:t>1</a:t>
             </a:r>
             <a:r>
-              <a:rPr spc="-5"/>
+              <a:rPr spc="-5" dirty="0"/>
               <a:t> Adobe. All Rights Reserved. Adobe</a:t>
             </a:r>
             <a:r>
-              <a:rPr spc="60"/>
+              <a:rPr spc="60" dirty="0"/>
               <a:t> </a:t>
             </a:r>
             <a:r>
-              <a:rPr spc="-5"/>
+              <a:rPr spc="-5" dirty="0"/>
               <a:t>Confidential.</a:t>
             </a:r>
           </a:p>
@@ -1632,7 +1418,7 @@
           <a:p>
             <a:fld id="{1D8BD707-D9CF-40AE-B4C6-C98DA3205C09}" type="datetimeFigureOut">
               <a:rPr lang="en-US"/>
-              <a:t>10/13/2021</a:t>
+              <a:t>10/11/21</a:t>
             </a:fld>
             <a:endParaRPr lang="en-US"/>
           </a:p>
@@ -1886,8 +1672,8 @@
         </p:nvSpPr>
         <p:spPr>
           <a:xfrm>
-            <a:off x="168565" y="7162363"/>
-            <a:ext cx="2800350" cy="238760"/>
+            <a:off x="168564" y="7162363"/>
+            <a:ext cx="3870035" cy="229037"/>
           </a:xfrm>
           <a:prstGeom prst="rect">
             <a:avLst/>
@@ -1908,7 +1694,7 @@
               </a:spcBef>
             </a:pPr>
             <a:r>
-              <a:rPr sz="1400" b="1" u="heavy" spc="10">
+              <a:rPr lang="de-de" sz="1400" b="1" u="heavy" spc="10" dirty="0">
                 <a:solidFill>
                   <a:srgbClr val="020302"/>
                 </a:solidFill>
@@ -1920,10 +1706,10 @@
                 <a:latin typeface="Adobe Clean"/>
                 <a:cs typeface="Adobe Clean"/>
               </a:rPr>
-              <a:t>Service </a:t>
-            </a:r>
-            <a:r>
-              <a:rPr sz="1400" b="1" u="heavy" spc="-10">
+              <a:t>서비스 </a:t>
+            </a:r>
+            <a:r>
+              <a:rPr lang="de-de" sz="1400" b="1" u="heavy" spc="-10" dirty="0">
                 <a:solidFill>
                   <a:srgbClr val="020302"/>
                 </a:solidFill>
@@ -1935,10 +1721,10 @@
                 <a:latin typeface="Adobe Clean"/>
                 <a:cs typeface="Adobe Clean"/>
               </a:rPr>
-              <a:t>Level </a:t>
-            </a:r>
-            <a:r>
-              <a:rPr sz="1400" b="1" u="heavy" spc="-45">
+              <a:t>수준 </a:t>
+            </a:r>
+            <a:r>
+              <a:rPr lang="de-de" sz="1400" b="1" u="heavy" spc="-45" dirty="0">
                 <a:solidFill>
                   <a:srgbClr val="020302"/>
                 </a:solidFill>
@@ -1950,10 +1736,10 @@
                 <a:latin typeface="Adobe Clean"/>
                 <a:cs typeface="Adobe Clean"/>
               </a:rPr>
-              <a:t>Targets: </a:t>
-            </a:r>
-            <a:r>
-              <a:rPr sz="1400" b="1" u="heavy" spc="-10">
+              <a:t>목표: </a:t>
+            </a:r>
+            <a:r>
+              <a:rPr lang="de-de" sz="1400" b="1" u="heavy" spc="-10" dirty="0">
                 <a:solidFill>
                   <a:srgbClr val="020302"/>
                 </a:solidFill>
@@ -1965,10 +1751,10 @@
                 <a:latin typeface="Adobe Clean"/>
                 <a:cs typeface="Adobe Clean"/>
               </a:rPr>
-              <a:t>Initial</a:t>
-            </a:r>
-            <a:r>
-              <a:rPr sz="1400" b="1" u="heavy" spc="-140">
+              <a:t>초기</a:t>
+            </a:r>
+            <a:r>
+              <a:rPr lang="de-de" sz="1400" b="1" u="heavy" spc="-140" dirty="0">
                 <a:solidFill>
                   <a:srgbClr val="020302"/>
                 </a:solidFill>
@@ -1983,7 +1769,7 @@
               <a:t> </a:t>
             </a:r>
             <a:r>
-              <a:rPr sz="1400" b="1" u="heavy" spc="-15">
+              <a:rPr lang="de-de" sz="1400" b="1" u="heavy" spc="-15" dirty="0">
                 <a:solidFill>
                   <a:srgbClr val="020302"/>
                 </a:solidFill>
@@ -1995,9 +1781,9 @@
                 <a:latin typeface="Adobe Clean"/>
                 <a:cs typeface="Adobe Clean"/>
               </a:rPr>
-              <a:t>Response</a:t>
-            </a:r>
-            <a:endParaRPr sz="1400">
+              <a:t>대응</a:t>
+            </a:r>
+            <a:endParaRPr sz="1400" dirty="0">
               <a:latin typeface="Adobe Clean"/>
               <a:cs typeface="Adobe Clean"/>
             </a:endParaRPr>
@@ -2053,7 +1839,7 @@
           </a:prstGeom>
         </p:spPr>
         <p:txBody>
-          <a:bodyPr vert="horz" wrap="square" lIns="0" tIns="12700" rIns="0" bIns="0" rtlCol="0" anchor="t">
+          <a:bodyPr vert="horz" wrap="square" lIns="0" tIns="12700" rIns="0" bIns="0" rtlCol="0">
             <a:spAutoFit/>
           </a:bodyPr>
           <a:lstStyle/>
@@ -2067,18 +1853,12 @@
               </a:spcBef>
             </a:pPr>
             <a:r>
-              <a:rPr sz="2300">
-                <a:latin typeface="Adobe Clean"/>
+              <a:rPr lang="de-de" sz="2300" dirty="0">
+                <a:latin typeface="Adobe Clean" panose="020B0503020404020204" pitchFamily="34" charset="0"/>
               </a:rPr>
-              <a:t>ADOBE </a:t>
-            </a:r>
-            <a:r>
-              <a:rPr lang="en-US" sz="2300">
-                <a:latin typeface="Adobe Clean"/>
-              </a:rPr>
-              <a:t>SUPPORT PLANS</a:t>
-            </a:r>
-            <a:endParaRPr sz="2300">
+              <a:t>Adobe 지원 서비스 제공 사항</a:t>
+            </a:r>
+            <a:endParaRPr sz="2300" dirty="0">
               <a:latin typeface="Adobe Clean" panose="020B0503020404020204" pitchFamily="34" charset="0"/>
             </a:endParaRPr>
           </a:p>
@@ -2092,7 +1872,7 @@
         </p:nvSpPr>
         <p:spPr>
           <a:xfrm>
-            <a:off x="121147" y="531160"/>
+            <a:off x="121147" y="635935"/>
             <a:ext cx="5865216" cy="1269065"/>
           </a:xfrm>
           <a:prstGeom prst="rect">
@@ -2114,31 +1894,31 @@
               </a:spcBef>
             </a:pPr>
             <a:r>
-              <a:rPr lang="en-US" sz="900">
+              <a:rPr lang="de-de" sz="900" dirty="0">
                 <a:solidFill>
                   <a:schemeClr val="bg1"/>
                 </a:solidFill>
                 <a:latin typeface="Adobe Clean Light" panose="020B0303020404020204" pitchFamily="34" charset="0"/>
               </a:rPr>
-              <a:t>Online | </a:t>
-            </a:r>
-            <a:r>
-              <a:rPr lang="en-US" sz="900" b="1">
+              <a:t>온라인 | </a:t>
+            </a:r>
+            <a:r>
+              <a:rPr lang="de-de" sz="900" b="1" dirty="0">
                 <a:solidFill>
                   <a:schemeClr val="bg1"/>
                 </a:solidFill>
                 <a:latin typeface="Adobe Clean" panose="020B0503020404020204" pitchFamily="34" charset="0"/>
               </a:rPr>
-              <a:t>Business</a:t>
-            </a:r>
-            <a:r>
-              <a:rPr lang="en-US" sz="900">
+              <a:t>비즈니스</a:t>
+            </a:r>
+            <a:r>
+              <a:rPr lang="de-de" sz="900" dirty="0">
                 <a:solidFill>
                   <a:schemeClr val="bg1"/>
                 </a:solidFill>
                 <a:latin typeface="Adobe Clean Light" panose="020B0303020404020204" pitchFamily="34" charset="0"/>
               </a:rPr>
-              <a:t> | Enterprise | Elite</a:t>
+              <a:t> | 엔터프라이즈 | 엘리트</a:t>
             </a:r>
           </a:p>
           <a:p>
@@ -2151,15 +1931,15 @@
               </a:spcBef>
             </a:pPr>
             <a:r>
-              <a:rPr lang="en-US" sz="900">
+              <a:rPr lang="de-de" sz="900" dirty="0">
                 <a:solidFill>
                   <a:schemeClr val="bg1"/>
                 </a:solidFill>
                 <a:latin typeface="Adobe Clean SemiLight" panose="020B0403020404020204" pitchFamily="34" charset="0"/>
               </a:rPr>
-              <a:t>Adobe provides a comprehensive range of technical resources to help support your business, included as part of your Experience Cloud license subscription and enhanced in the BUSINESS support package. BUSINESS support includes access to personalized learning paths and monitored community forums via the Adobe Experience League. You can also take advantage of our detailed and in-depth technical product documentation and current release notes. BUSINESS customers also benefit from access to our technical support teams for any product query via either the telephone or the support web portal, to help protect your business at the most critical times. BUSINESS customers will receive regular communications and updates from their Account Support Lead in addition to support case escalation management for your most critical of support requests. </a:t>
-            </a:r>
-            <a:endParaRPr lang="en-US" sz="900">
+              <a:t>Adobe는 비즈니스를 지원하는 데 도움이 되는 포괄적인 기술 리소스를 제공합니다. Experience Cloud 라이선스 구독의 일부로 포함되며 비즈니스 지원 패키지에서 더욱 향상되었습니다. 비즈니스 지원에는 Adobe Experience League를 통한 개인 맞춤형 학습 경로 및 모니터링되는 커뮤니티 포럼 액세스가 포함됩니다. 또한 상세한 심층적 기술 제품 설명서 및 최신 릴리스 정보를 활용할 수도 있습니다. 비즈니스 고객은 또한 전화나 지원 웹 포털을 통해 제품 쿼리에 대한 기술 지원 팀의 서비스를 이용하여 가장 중요한 시기에 비즈니스를 보호할 수 있습니다. BUSINESS 고객은 가장 중요한 지원 요청에 대한 지원 사례 에스컬레이션 관리 외에도 계정 지원 리드로부터 정기적인 커뮤니케이션 및 업데이트를 받게 됩니다. </a:t>
+            </a:r>
+            <a:endParaRPr lang="en-US" sz="900" dirty="0">
               <a:solidFill>
                 <a:schemeClr val="bg1"/>
               </a:solidFill>
@@ -2232,24 +2012,16 @@
               </a:spcBef>
             </a:pPr>
             <a:r>
-              <a:rPr spc="-5"/>
-              <a:t>©202</a:t>
-            </a:r>
-            <a:r>
-              <a:rPr lang="en-US" spc="-5"/>
-              <a:t>1</a:t>
-            </a:r>
-            <a:r>
-              <a:rPr spc="-5"/>
-              <a:t> Adobe. All Rights Reserved. Adobe</a:t>
-            </a:r>
-            <a:r>
-              <a:rPr spc="60"/>
+              <a:rPr lang="de-de" spc="-5" dirty="0"/>
+              <a:t>©2021 Adobe. All Rights Reserved. Adobe</a:t>
+            </a:r>
+            <a:r>
+              <a:rPr lang="de-de" spc="60" dirty="0"/>
               <a:t> </a:t>
             </a:r>
             <a:r>
-              <a:rPr spc="-5"/>
-              <a:t>Confidential.</a:t>
+              <a:rPr lang="de-de" spc="-5" dirty="0"/>
+              <a:t>기밀.</a:t>
             </a:r>
           </a:p>
         </p:txBody>
@@ -2263,14 +2035,14 @@
           <p:nvPr>
             <p:extLst>
               <p:ext uri="{D42A27DB-BD31-4B8C-83A1-F6EECF244321}">
-                <p14:modId xmlns:p14="http://schemas.microsoft.com/office/powerpoint/2010/main" val="852543156"/>
+                <p14:modId xmlns:p14="http://schemas.microsoft.com/office/powerpoint/2010/main" val="1939579510"/>
               </p:ext>
             </p:extLst>
           </p:nvPr>
         </p:nvGraphicFramePr>
         <p:xfrm>
-          <a:off x="118872" y="7475985"/>
-          <a:ext cx="7498851" cy="2223598"/>
+          <a:off x="121146" y="7475985"/>
+          <a:ext cx="7498852" cy="2119744"/>
         </p:xfrm>
         <a:graphic>
           <a:graphicData uri="http://schemas.openxmlformats.org/drawingml/2006/table">
@@ -2279,7 +2051,7 @@
                 <a:tableStyleId>{2D5ABB26-0587-4C30-8999-92F81FD0307C}</a:tableStyleId>
               </a:tblPr>
               <a:tblGrid>
-                <a:gridCol w="4698744">
+                <a:gridCol w="4698745">
                   <a:extLst>
                     <a:ext uri="{9D8B030D-6E8A-4147-A177-3AD203B41FA5}">
                       <a16:colId xmlns:a16="http://schemas.microsoft.com/office/drawing/2014/main" val="20000"/>
@@ -2301,7 +2073,7 @@
                   </a:extLst>
                 </a:gridCol>
               </a:tblGrid>
-              <a:tr h="291248">
+              <a:tr h="274318">
                 <a:tc>
                   <a:txBody>
                     <a:bodyPr/>
@@ -2316,22 +2088,22 @@
                         </a:spcBef>
                       </a:pPr>
                       <a:r>
-                        <a:rPr sz="900" spc="0">
+                        <a:rPr lang="de-de" sz="900" spc="0" dirty="0">
                           <a:solidFill>
                             <a:srgbClr val="020302"/>
                           </a:solidFill>
                           <a:latin typeface="Adobe Clean"/>
                           <a:cs typeface="Adobe Clean"/>
                         </a:rPr>
-                        <a:t>Priority</a:t>
+                        <a:t>우선 순위</a:t>
                       </a:r>
-                      <a:endParaRPr sz="900" spc="0">
+                      <a:endParaRPr sz="900" spc="0" dirty="0">
                         <a:latin typeface="Adobe Clean"/>
                         <a:cs typeface="Adobe Clean"/>
                       </a:endParaRPr>
                     </a:p>
                   </a:txBody>
-                  <a:tcPr marL="0" marR="0" marT="7620" marB="0">
+                  <a:tcPr marL="0" marR="0" marT="7620" marB="0" anchor="ctr">
                     <a:lnL w="3175">
                       <a:solidFill>
                         <a:srgbClr val="B7B8B8"/>
@@ -2375,22 +2147,22 @@
                         </a:spcBef>
                       </a:pPr>
                       <a:r>
-                        <a:rPr sz="900" spc="0">
+                        <a:rPr lang="de-de" sz="900" spc="0" dirty="0">
                           <a:solidFill>
                             <a:srgbClr val="020302"/>
                           </a:solidFill>
                           <a:latin typeface="Adobe Clean"/>
                           <a:cs typeface="Adobe Clean"/>
                         </a:rPr>
-                        <a:t>Online Support</a:t>
+                        <a:t>온라인 지원</a:t>
                       </a:r>
-                      <a:endParaRPr sz="900" spc="0">
+                      <a:endParaRPr sz="900" spc="0" dirty="0">
                         <a:latin typeface="Adobe Clean"/>
                         <a:cs typeface="Adobe Clean"/>
                       </a:endParaRPr>
                     </a:p>
                   </a:txBody>
-                  <a:tcPr marL="182880" marT="91440" anchor="ctr">
+                  <a:tcPr anchor="ctr">
                     <a:lnL w="3175">
                       <a:solidFill>
                         <a:srgbClr val="B7B8B8"/>
@@ -2425,7 +2197,7 @@
                     <a:bodyPr/>
                     <a:lstStyle/>
                     <a:p>
-                      <a:pPr marL="92710">
+                      <a:pPr marL="92710" algn="ctr">
                         <a:lnSpc>
                           <a:spcPct val="100000"/>
                         </a:lnSpc>
@@ -2434,42 +2206,22 @@
                         </a:spcBef>
                       </a:pPr>
                       <a:r>
-                        <a:rPr sz="900" spc="0">
+                        <a:rPr lang="de-de" sz="900" spc="0" dirty="0">
                           <a:solidFill>
                             <a:srgbClr val="FFFFFF"/>
                           </a:solidFill>
                           <a:latin typeface="Adobe Clean"/>
                           <a:cs typeface="Adobe Clean"/>
                         </a:rPr>
-                        <a:t>Business</a:t>
+                        <a:t>비즈니스 지원</a:t>
                       </a:r>
-                      <a:r>
-                        <a:rPr lang="en-US" sz="900" spc="0">
-                          <a:solidFill>
-                            <a:srgbClr val="FFFFFF"/>
-                          </a:solidFill>
-                          <a:latin typeface="Adobe Clean"/>
-                          <a:cs typeface="Adobe Clean"/>
-                        </a:rPr>
-                        <a:t> </a:t>
-                      </a:r>
-                      <a:r>
-                        <a:rPr sz="900" spc="0">
-                          <a:solidFill>
-                            <a:srgbClr val="FFFFFF"/>
-                          </a:solidFill>
-                          <a:latin typeface="Adobe Clean"/>
-                          <a:cs typeface="Adobe Clean"/>
-                        </a:rPr>
-                        <a:t>Support</a:t>
-                      </a:r>
-                      <a:endParaRPr sz="900" spc="0">
+                      <a:endParaRPr sz="900" spc="0" dirty="0">
                         <a:latin typeface="Adobe Clean"/>
                         <a:cs typeface="Adobe Clean"/>
                       </a:endParaRPr>
                     </a:p>
                   </a:txBody>
-                  <a:tcPr marL="182880" marT="91440" anchor="ctr">
+                  <a:tcPr anchor="ctr">
                     <a:lnL w="3175">
                       <a:solidFill>
                         <a:srgbClr val="B7B8B8"/>
@@ -2505,7 +2257,7 @@
                   </a:ext>
                 </a:extLst>
               </a:tr>
-              <a:tr h="514672">
+              <a:tr h="484755">
                 <a:tc>
                   <a:txBody>
                     <a:bodyPr/>
@@ -2520,16 +2272,16 @@
                         </a:spcBef>
                       </a:pPr>
                       <a:r>
-                        <a:rPr sz="900" b="1" spc="0">
+                        <a:rPr lang="de-de" sz="900" b="1" spc="0" dirty="0">
                           <a:solidFill>
                             <a:srgbClr val="020302"/>
                           </a:solidFill>
                           <a:latin typeface="Adobe Clean"/>
                           <a:cs typeface="Adobe Clean"/>
                         </a:rPr>
-                        <a:t>PRIORITY 1</a:t>
+                        <a:t>우선 순위 1</a:t>
                       </a:r>
-                      <a:endParaRPr sz="900" spc="0">
+                      <a:endParaRPr sz="900" spc="0" dirty="0">
                         <a:latin typeface="Adobe Clean"/>
                         <a:cs typeface="Adobe Clean"/>
                       </a:endParaRPr>
@@ -2553,16 +2305,16 @@
                         <a:defRPr/>
                       </a:pPr>
                       <a:r>
-                        <a:rPr lang="en-US" sz="900" b="0" i="0" spc="0">
+                        <a:rPr lang="de-de" sz="900" b="0" i="0" spc="0" dirty="0">
                           <a:solidFill>
                             <a:srgbClr val="000000"/>
                           </a:solidFill>
                           <a:effectLst/>
                           <a:latin typeface="Adobe Clean Light" panose="020B0303020404020204" pitchFamily="34" charset="0"/>
                         </a:rPr>
-                        <a:t>Customer's production business functions are down or have significant data loss or service degradation and immediate attention is required to restore functionality and usability</a:t>
+                        <a:t>고객의 생산 비즈니스 기능이 다운되었거나 심각한 데이터 손실 또는 서비스 저하가 발생했으며 기능 및 사용성을 복원하기 위해 즉각적인 주의가 필요합니다.</a:t>
                       </a:r>
-                      <a:endParaRPr lang="en-US" sz="900" b="0" i="0" spc="0">
+                      <a:endParaRPr lang="en-US" sz="900" b="0" i="0" spc="0" dirty="0">
                         <a:latin typeface="Adobe Clean Light" panose="020B0303020404020204" pitchFamily="34" charset="0"/>
                         <a:cs typeface="AdobeClean-Light"/>
                       </a:endParaRPr>
@@ -2609,62 +2361,22 @@
                         </a:spcBef>
                       </a:pPr>
                       <a:r>
-                        <a:rPr sz="900" spc="0">
+                        <a:rPr lang="de-de" sz="900" spc="0" dirty="0">
                           <a:solidFill>
                             <a:srgbClr val="020302"/>
                           </a:solidFill>
                           <a:latin typeface="AdobeClean-Light"/>
                           <a:cs typeface="AdobeClean-Light"/>
                         </a:rPr>
-                        <a:t>24x7</a:t>
+                        <a:t>24x7 /           1시간</a:t>
                       </a:r>
-                      <a:r>
-                        <a:rPr lang="en-US" sz="900" spc="0">
-                          <a:solidFill>
-                            <a:srgbClr val="020302"/>
-                          </a:solidFill>
-                          <a:latin typeface="AdobeClean-Light"/>
-                          <a:cs typeface="AdobeClean-Light"/>
-                        </a:rPr>
-                        <a:t> </a:t>
-                      </a:r>
-                      <a:r>
-                        <a:rPr sz="900" spc="0">
-                          <a:solidFill>
-                            <a:srgbClr val="020302"/>
-                          </a:solidFill>
-                          <a:latin typeface="AdobeClean-Light"/>
-                          <a:cs typeface="AdobeClean-Light"/>
-                        </a:rPr>
-                        <a:t>/</a:t>
-                      </a:r>
-                      <a:r>
-                        <a:rPr lang="en-US" sz="900" spc="0">
-                          <a:solidFill>
-                            <a:srgbClr val="020302"/>
-                          </a:solidFill>
-                          <a:latin typeface="AdobeClean-Light"/>
-                          <a:cs typeface="AdobeClean-Light"/>
-                        </a:rPr>
-                        <a:t> </a:t>
-                      </a:r>
-                      <a:r>
-                        <a:rPr sz="900" spc="0">
-                          <a:solidFill>
-                            <a:srgbClr val="020302"/>
-                          </a:solidFill>
-                          <a:latin typeface="AdobeClean-Light"/>
-                          <a:cs typeface="AdobeClean-Light"/>
-                        </a:rPr>
-                        <a:t>1 hour</a:t>
-                      </a:r>
-                      <a:endParaRPr sz="900" spc="0">
+                      <a:endParaRPr sz="900" spc="0" dirty="0">
                         <a:latin typeface="AdobeClean-Light"/>
                         <a:cs typeface="AdobeClean-Light"/>
                       </a:endParaRPr>
                     </a:p>
                   </a:txBody>
-                  <a:tcPr marL="0" marR="0" marT="91440" marB="91440" anchor="ctr" anchorCtr="1">
+                  <a:tcPr anchor="ctr">
                     <a:lnL w="3175">
                       <a:solidFill>
                         <a:srgbClr val="B7B8B8"/>
@@ -2705,62 +2417,22 @@
                         </a:spcBef>
                       </a:pPr>
                       <a:r>
-                        <a:rPr sz="900" spc="0">
+                        <a:rPr lang="de-de" sz="900" spc="0" dirty="0">
                           <a:solidFill>
                             <a:srgbClr val="020302"/>
                           </a:solidFill>
                           <a:latin typeface="AdobeClean-Light"/>
                           <a:cs typeface="AdobeClean-Light"/>
                         </a:rPr>
-                        <a:t>24x7</a:t>
+                        <a:t>24x7 /          1시간</a:t>
                       </a:r>
-                      <a:r>
-                        <a:rPr lang="en-US" sz="900" spc="0">
-                          <a:solidFill>
-                            <a:srgbClr val="020302"/>
-                          </a:solidFill>
-                          <a:latin typeface="AdobeClean-Light"/>
-                          <a:cs typeface="AdobeClean-Light"/>
-                        </a:rPr>
-                        <a:t> </a:t>
-                      </a:r>
-                      <a:r>
-                        <a:rPr sz="900" spc="0">
-                          <a:solidFill>
-                            <a:srgbClr val="020302"/>
-                          </a:solidFill>
-                          <a:latin typeface="AdobeClean-Light"/>
-                          <a:cs typeface="AdobeClean-Light"/>
-                        </a:rPr>
-                        <a:t>/</a:t>
-                      </a:r>
-                      <a:r>
-                        <a:rPr lang="en-US" sz="900" spc="0">
-                          <a:solidFill>
-                            <a:srgbClr val="020302"/>
-                          </a:solidFill>
-                          <a:latin typeface="AdobeClean-Light"/>
-                          <a:cs typeface="AdobeClean-Light"/>
-                        </a:rPr>
-                        <a:t> </a:t>
-                      </a:r>
-                      <a:r>
-                        <a:rPr sz="900" spc="0">
-                          <a:solidFill>
-                            <a:srgbClr val="020302"/>
-                          </a:solidFill>
-                          <a:latin typeface="AdobeClean-Light"/>
-                          <a:cs typeface="AdobeClean-Light"/>
-                        </a:rPr>
-                        <a:t>1 hour</a:t>
-                      </a:r>
-                      <a:endParaRPr sz="900" spc="0">
+                      <a:endParaRPr sz="900" spc="0" dirty="0">
                         <a:latin typeface="AdobeClean-Light"/>
                         <a:cs typeface="AdobeClean-Light"/>
                       </a:endParaRPr>
                     </a:p>
                   </a:txBody>
-                  <a:tcPr marL="0" marR="0" marT="91440" marB="91440" anchor="ctr" anchorCtr="1">
+                  <a:tcPr anchor="ctr">
                     <a:lnL w="3175">
                       <a:solidFill>
                         <a:srgbClr val="B7B8B8"/>
@@ -2798,7 +2470,7 @@
                   </a:ext>
                 </a:extLst>
               </a:tr>
-              <a:tr h="514672">
+              <a:tr h="484755">
                 <a:tc>
                   <a:txBody>
                     <a:bodyPr/>
@@ -2813,16 +2485,16 @@
                         </a:spcBef>
                       </a:pPr>
                       <a:r>
-                        <a:rPr sz="900" b="1" spc="0">
+                        <a:rPr lang="de-de" sz="900" b="1" spc="0" dirty="0">
                           <a:solidFill>
                             <a:srgbClr val="020302"/>
                           </a:solidFill>
                           <a:latin typeface="Adobe Clean"/>
                           <a:cs typeface="Adobe Clean"/>
                         </a:rPr>
-                        <a:t>PRIORITY 2</a:t>
+                        <a:t>우선 순위 2</a:t>
                       </a:r>
-                      <a:endParaRPr sz="900" spc="0">
+                      <a:endParaRPr sz="900" spc="0" dirty="0">
                         <a:latin typeface="Adobe Clean"/>
                         <a:cs typeface="Adobe Clean"/>
                       </a:endParaRPr>
@@ -2837,16 +2509,16 @@
                         </a:spcBef>
                       </a:pPr>
                       <a:r>
-                        <a:rPr lang="en-US" sz="900" b="0" i="0" spc="0">
+                        <a:rPr lang="de-de" sz="900" b="0" i="0" spc="0" dirty="0">
                           <a:solidFill>
                             <a:srgbClr val="000000"/>
                           </a:solidFill>
                           <a:effectLst/>
                           <a:latin typeface="Adobe Clean Light" panose="020B0303020404020204" pitchFamily="34" charset="0"/>
                         </a:rPr>
-                        <a:t>Customer's business functions have major service degradation or potential data loss, or a major feature is impacted </a:t>
+                        <a:t>고객의 비즈니스 기능에 심각한 서비스 저하 또는 잠재적인 데이터 손실이 있거나 주요 기능이 영향을 받습니다. </a:t>
                       </a:r>
-                      <a:endParaRPr lang="en-US" sz="900" b="0" i="0" spc="0">
+                      <a:endParaRPr lang="en-US" sz="900" b="0" i="0" spc="0" dirty="0">
                         <a:latin typeface="Adobe Clean Light" panose="020B0303020404020204" pitchFamily="34" charset="0"/>
                         <a:cs typeface="AdobeClean-Light"/>
                       </a:endParaRPr>
@@ -2893,82 +2565,22 @@
                         </a:spcBef>
                       </a:pPr>
                       <a:r>
-                        <a:rPr sz="900" spc="0">
+                        <a:rPr lang="de-de" sz="900" spc="0" dirty="0">
                           <a:solidFill>
                             <a:srgbClr val="020302"/>
                           </a:solidFill>
                           <a:latin typeface="AdobeClean-Light"/>
                           <a:cs typeface="AdobeClean-Light"/>
                         </a:rPr>
-                        <a:t>Business</a:t>
+                        <a:t>업무 시간 /     4시간</a:t>
                       </a:r>
-                      <a:r>
-                        <a:rPr lang="en-US" sz="900" spc="0">
-                          <a:solidFill>
-                            <a:srgbClr val="020302"/>
-                          </a:solidFill>
-                          <a:latin typeface="AdobeClean-Light"/>
-                          <a:cs typeface="AdobeClean-Light"/>
-                        </a:rPr>
-                        <a:t> </a:t>
-                      </a:r>
-                      <a:r>
-                        <a:rPr sz="900" spc="0">
-                          <a:solidFill>
-                            <a:srgbClr val="020302"/>
-                          </a:solidFill>
-                          <a:latin typeface="AdobeClean-Light"/>
-                          <a:cs typeface="AdobeClean-Light"/>
-                        </a:rPr>
-                        <a:t>hours</a:t>
-                      </a:r>
-                      <a:r>
-                        <a:rPr lang="en-US" sz="900" spc="0">
-                          <a:solidFill>
-                            <a:srgbClr val="020302"/>
-                          </a:solidFill>
-                          <a:latin typeface="AdobeClean-Light"/>
-                          <a:cs typeface="AdobeClean-Light"/>
-                        </a:rPr>
-                        <a:t> </a:t>
-                      </a:r>
-                      <a:r>
-                        <a:rPr sz="900" spc="0">
-                          <a:solidFill>
-                            <a:srgbClr val="020302"/>
-                          </a:solidFill>
-                          <a:latin typeface="AdobeClean-Light"/>
-                          <a:cs typeface="AdobeClean-Light"/>
-                        </a:rPr>
-                        <a:t>/</a:t>
-                      </a:r>
-                      <a:r>
-                        <a:rPr lang="en-US" sz="900" spc="0">
-                          <a:solidFill>
-                            <a:srgbClr val="020302"/>
-                          </a:solidFill>
-                          <a:latin typeface="AdobeClean-Light"/>
-                          <a:cs typeface="AdobeClean-Light"/>
-                        </a:rPr>
-                        <a:t> </a:t>
-                      </a:r>
-                      <a:r>
-                        <a:rPr sz="900" spc="0">
-                          <a:solidFill>
-                            <a:srgbClr val="020302"/>
-                          </a:solidFill>
-                          <a:latin typeface="AdobeClean-Light"/>
-                          <a:cs typeface="AdobeClean-Light"/>
-                        </a:rPr>
-                        <a:t>4 hours</a:t>
-                      </a:r>
-                      <a:endParaRPr sz="900" spc="0">
+                      <a:endParaRPr sz="900" spc="0" dirty="0">
                         <a:latin typeface="AdobeClean-Light"/>
                         <a:cs typeface="AdobeClean-Light"/>
                       </a:endParaRPr>
                     </a:p>
                   </a:txBody>
-                  <a:tcPr marL="0" marR="0" marT="91440" marB="91440" anchor="ctr" anchorCtr="1">
+                  <a:tcPr anchor="ctr">
                     <a:lnL w="3175">
                       <a:solidFill>
                         <a:srgbClr val="B7B8B8"/>
@@ -3009,92 +2621,22 @@
                         </a:spcBef>
                       </a:pPr>
                       <a:r>
-                        <a:rPr lang="en-US" sz="900" spc="0">
+                        <a:rPr lang="de-de" sz="900" spc="0" dirty="0">
                           <a:solidFill>
                             <a:srgbClr val="020302"/>
                           </a:solidFill>
                           <a:latin typeface="AdobeClean-Light"/>
                           <a:cs typeface="AdobeClean-Light"/>
                         </a:rPr>
-                        <a:t>    </a:t>
+                        <a:t>업무 시간 /      2시간</a:t>
                       </a:r>
-                      <a:r>
-                        <a:rPr sz="900" spc="0">
-                          <a:solidFill>
-                            <a:srgbClr val="020302"/>
-                          </a:solidFill>
-                          <a:latin typeface="AdobeClean-Light"/>
-                          <a:cs typeface="AdobeClean-Light"/>
-                        </a:rPr>
-                        <a:t>Business</a:t>
-                      </a:r>
-                      <a:r>
-                        <a:rPr lang="en-US" sz="900" spc="0">
-                          <a:solidFill>
-                            <a:srgbClr val="020302"/>
-                          </a:solidFill>
-                          <a:latin typeface="AdobeClean-Light"/>
-                          <a:cs typeface="AdobeClean-Light"/>
-                        </a:rPr>
-                        <a:t> </a:t>
-                      </a:r>
-                      <a:r>
-                        <a:rPr sz="900" spc="0">
-                          <a:solidFill>
-                            <a:srgbClr val="020302"/>
-                          </a:solidFill>
-                          <a:latin typeface="AdobeClean-Light"/>
-                          <a:cs typeface="AdobeClean-Light"/>
-                        </a:rPr>
-                        <a:t>hours</a:t>
-                      </a:r>
-                      <a:r>
-                        <a:rPr lang="en-US" sz="900" spc="0">
-                          <a:solidFill>
-                            <a:srgbClr val="020302"/>
-                          </a:solidFill>
-                          <a:latin typeface="AdobeClean-Light"/>
-                          <a:cs typeface="AdobeClean-Light"/>
-                        </a:rPr>
-                        <a:t> / </a:t>
-                      </a:r>
-                      <a:r>
-                        <a:rPr sz="900" spc="0">
-                          <a:solidFill>
-                            <a:srgbClr val="020302"/>
-                          </a:solidFill>
-                          <a:latin typeface="AdobeClean-Light"/>
-                          <a:cs typeface="AdobeClean-Light"/>
-                        </a:rPr>
-                        <a:t>2</a:t>
-                      </a:r>
-                      <a:r>
-                        <a:rPr lang="en-US" sz="900" spc="0">
-                          <a:solidFill>
-                            <a:srgbClr val="020302"/>
-                          </a:solidFill>
-                          <a:latin typeface="AdobeClean-Light"/>
-                          <a:cs typeface="AdobeClean-Light"/>
-                        </a:rPr>
-                        <a:t> </a:t>
-                      </a:r>
-                      <a:r>
-                        <a:rPr sz="900" spc="0">
-                          <a:solidFill>
-                            <a:srgbClr val="020302"/>
-                          </a:solidFill>
-                          <a:latin typeface="AdobeClean-Light"/>
-                          <a:cs typeface="AdobeClean-Light"/>
-                        </a:rPr>
-                        <a:t>hours</a:t>
-                      </a:r>
-                      <a:endParaRPr sz="900" spc="0">
+                      <a:endParaRPr sz="900" spc="0" dirty="0">
                         <a:latin typeface="AdobeClean-Light"/>
                         <a:cs typeface="AdobeClean-Light"/>
                       </a:endParaRPr>
                     </a:p>
                   </a:txBody>
-                  <a:tcPr marL="0" marR="0" marT="91440" marB="91440" anchor="ctr" anchorCtr="1">
+                  <a:tcPr anchor="ctr">
                     <a:lnL w="3175">
                       <a:solidFill>
                         <a:srgbClr val="B7B8B8"/>
@@ -3132,7 +2674,7 @@
                   </a:ext>
                 </a:extLst>
               </a:tr>
-              <a:tr h="514673">
+              <a:tr h="484756">
                 <a:tc>
                   <a:txBody>
                     <a:bodyPr/>
@@ -3147,16 +2689,16 @@
                         </a:spcBef>
                       </a:pPr>
                       <a:r>
-                        <a:rPr sz="900" b="1" spc="0">
+                        <a:rPr lang="de-de" sz="900" b="1" spc="0" dirty="0">
                           <a:solidFill>
                             <a:srgbClr val="020302"/>
                           </a:solidFill>
                           <a:latin typeface="Adobe Clean"/>
                           <a:cs typeface="Adobe Clean"/>
                         </a:rPr>
-                        <a:t>PRIORITY 3</a:t>
+                        <a:t>우선 순위 3</a:t>
                       </a:r>
-                      <a:endParaRPr sz="900" spc="0">
+                      <a:endParaRPr sz="900" spc="0" dirty="0">
                         <a:latin typeface="Adobe Clean"/>
                         <a:cs typeface="Adobe Clean"/>
                       </a:endParaRPr>
@@ -3171,7 +2713,7 @@
                         </a:spcBef>
                       </a:pPr>
                       <a:r>
-                        <a:rPr kumimoji="0" lang="en-US" sz="900" b="0" i="0" u="none" strike="noStrike" kern="1200" cap="none" spc="0" normalizeH="0" baseline="0" noProof="0">
+                        <a:rPr kumimoji="0" lang="de-de" sz="900" b="0" i="0" u="none" strike="noStrike" kern="1200" cap="none" spc="0" normalizeH="0" baseline="0" noProof="0" dirty="0">
                           <a:ln>
                             <a:noFill/>
                           </a:ln>
@@ -3185,9 +2727,9 @@
                           <a:ea typeface="+mn-ea"/>
                           <a:cs typeface="+mn-cs"/>
                         </a:rPr>
-                        <a:t>Customer's business functions have minor service degradation but there exists a solution/workaround allowing business functions to continue </a:t>
+                        <a:t>고객의 비즈니스 기능에 약간의 서비스 저하가 있지만 비즈니스 기능을 계속할 수 있게 하는 솔루션/해결 방법이 있습니다. </a:t>
                       </a:r>
-                      <a:endParaRPr lang="en-US" sz="900" b="0" i="0" spc="0">
+                      <a:endParaRPr lang="en-US" sz="900" b="0" i="0" spc="0" dirty="0">
                         <a:latin typeface="Adobe Clean Light" panose="020B0303020404020204" pitchFamily="34" charset="0"/>
                         <a:cs typeface="AdobeClean-Light"/>
                       </a:endParaRPr>
@@ -3234,92 +2776,22 @@
                         </a:spcBef>
                       </a:pPr>
                       <a:r>
-                        <a:rPr lang="en-US" sz="900" spc="0">
+                        <a:rPr lang="de-de" sz="900" spc="0" dirty="0">
                           <a:solidFill>
                             <a:srgbClr val="020302"/>
                           </a:solidFill>
                           <a:latin typeface="AdobeClean-Light"/>
                           <a:cs typeface="AdobeClean-Light"/>
                         </a:rPr>
-                        <a:t>   </a:t>
+                        <a:t>업무 시간 /     6시간</a:t>
                       </a:r>
-                      <a:r>
-                        <a:rPr sz="900" spc="0">
-                          <a:solidFill>
-                            <a:srgbClr val="020302"/>
-                          </a:solidFill>
-                          <a:latin typeface="AdobeClean-Light"/>
-                          <a:cs typeface="AdobeClean-Light"/>
-                        </a:rPr>
-                        <a:t>Business</a:t>
-                      </a:r>
-                      <a:r>
-                        <a:rPr lang="en-US" sz="900" spc="0">
-                          <a:solidFill>
-                            <a:srgbClr val="020302"/>
-                          </a:solidFill>
-                          <a:latin typeface="AdobeClean-Light"/>
-                          <a:cs typeface="AdobeClean-Light"/>
-                        </a:rPr>
-                        <a:t> </a:t>
-                      </a:r>
-                      <a:r>
-                        <a:rPr sz="900" spc="0">
-                          <a:solidFill>
-                            <a:srgbClr val="020302"/>
-                          </a:solidFill>
-                          <a:latin typeface="AdobeClean-Light"/>
-                          <a:cs typeface="AdobeClean-Light"/>
-                        </a:rPr>
-                        <a:t>hours</a:t>
-                      </a:r>
-                      <a:r>
-                        <a:rPr lang="en-US" sz="900" spc="0">
-                          <a:solidFill>
-                            <a:srgbClr val="020302"/>
-                          </a:solidFill>
-                          <a:latin typeface="AdobeClean-Light"/>
-                          <a:cs typeface="AdobeClean-Light"/>
-                        </a:rPr>
-                        <a:t> / </a:t>
-                      </a:r>
-                      <a:r>
-                        <a:rPr sz="900" spc="0">
-                          <a:solidFill>
-                            <a:srgbClr val="020302"/>
-                          </a:solidFill>
-                          <a:latin typeface="AdobeClean-Light"/>
-                          <a:cs typeface="AdobeClean-Light"/>
-                        </a:rPr>
-                        <a:t>6</a:t>
-                      </a:r>
-                      <a:r>
-                        <a:rPr lang="en-US" sz="900" spc="0">
-                          <a:solidFill>
-                            <a:srgbClr val="020302"/>
-                          </a:solidFill>
-                          <a:latin typeface="AdobeClean-Light"/>
-                          <a:cs typeface="AdobeClean-Light"/>
-                        </a:rPr>
-                        <a:t> </a:t>
-                      </a:r>
-                      <a:r>
-                        <a:rPr sz="900" spc="0">
-                          <a:solidFill>
-                            <a:srgbClr val="020302"/>
-                          </a:solidFill>
-                          <a:latin typeface="AdobeClean-Light"/>
-                          <a:cs typeface="AdobeClean-Light"/>
-                        </a:rPr>
-                        <a:t>hours</a:t>
-                      </a:r>
-                      <a:endParaRPr sz="900" spc="0">
+                      <a:endParaRPr sz="900" spc="0" dirty="0">
                         <a:latin typeface="AdobeClean-Light"/>
                         <a:cs typeface="AdobeClean-Light"/>
                       </a:endParaRPr>
                     </a:p>
                   </a:txBody>
-                  <a:tcPr marL="0" marR="0" marT="91440" marB="91440" anchor="ctr" anchorCtr="1">
+                  <a:tcPr anchor="ctr">
                     <a:lnL w="3175">
                       <a:solidFill>
                         <a:srgbClr val="B7B8B8"/>
@@ -3360,82 +2832,22 @@
                         </a:spcBef>
                       </a:pPr>
                       <a:r>
-                        <a:rPr sz="900" spc="0">
+                        <a:rPr lang="de-de" sz="900" spc="0" dirty="0">
                           <a:solidFill>
                             <a:srgbClr val="020302"/>
                           </a:solidFill>
                           <a:latin typeface="AdobeClean-Light"/>
                           <a:cs typeface="AdobeClean-Light"/>
                         </a:rPr>
-                        <a:t>Business</a:t>
+                        <a:t>업무 시간 /     4시간</a:t>
                       </a:r>
-                      <a:r>
-                        <a:rPr lang="en-US" sz="900" spc="0">
-                          <a:solidFill>
-                            <a:srgbClr val="020302"/>
-                          </a:solidFill>
-                          <a:latin typeface="AdobeClean-Light"/>
-                          <a:cs typeface="AdobeClean-Light"/>
-                        </a:rPr>
-                        <a:t> </a:t>
-                      </a:r>
-                      <a:r>
-                        <a:rPr sz="900" spc="0">
-                          <a:solidFill>
-                            <a:srgbClr val="020302"/>
-                          </a:solidFill>
-                          <a:latin typeface="AdobeClean-Light"/>
-                          <a:cs typeface="AdobeClean-Light"/>
-                        </a:rPr>
-                        <a:t>hours</a:t>
-                      </a:r>
-                      <a:r>
-                        <a:rPr lang="en-US" sz="900" spc="0">
-                          <a:solidFill>
-                            <a:srgbClr val="020302"/>
-                          </a:solidFill>
-                          <a:latin typeface="AdobeClean-Light"/>
-                          <a:cs typeface="AdobeClean-Light"/>
-                        </a:rPr>
-                        <a:t> </a:t>
-                      </a:r>
-                      <a:r>
-                        <a:rPr sz="900" spc="0">
-                          <a:solidFill>
-                            <a:srgbClr val="020302"/>
-                          </a:solidFill>
-                          <a:latin typeface="AdobeClean-Light"/>
-                          <a:cs typeface="AdobeClean-Light"/>
-                        </a:rPr>
-                        <a:t>/ 4</a:t>
-                      </a:r>
-                      <a:r>
-                        <a:rPr lang="en-US" sz="900" spc="0">
-                          <a:solidFill>
-                            <a:srgbClr val="020302"/>
-                          </a:solidFill>
-                          <a:latin typeface="AdobeClean-Light"/>
-                          <a:cs typeface="AdobeClean-Light"/>
-                        </a:rPr>
-                        <a:t> </a:t>
-                      </a:r>
-                      <a:r>
-                        <a:rPr sz="900" spc="0">
-                          <a:solidFill>
-                            <a:srgbClr val="020302"/>
-                          </a:solidFill>
-                          <a:latin typeface="AdobeClean-Light"/>
-                          <a:cs typeface="AdobeClean-Light"/>
-                        </a:rPr>
-                        <a:t>hours</a:t>
-                      </a:r>
-                      <a:endParaRPr sz="900" spc="0">
+                      <a:endParaRPr sz="900" spc="0" dirty="0">
                         <a:latin typeface="AdobeClean-Light"/>
                         <a:cs typeface="AdobeClean-Light"/>
                       </a:endParaRPr>
                     </a:p>
                   </a:txBody>
-                  <a:tcPr marL="0" marR="0" marT="91440" marB="91440" anchor="ctr" anchorCtr="1">
+                  <a:tcPr anchor="ctr">
                     <a:lnL w="3175">
                       <a:solidFill>
                         <a:srgbClr val="B7B8B8"/>
@@ -3473,7 +2885,7 @@
                   </a:ext>
                 </a:extLst>
               </a:tr>
-              <a:tr h="388333">
+              <a:tr h="359998">
                 <a:tc>
                   <a:txBody>
                     <a:bodyPr/>
@@ -3488,16 +2900,16 @@
                         </a:spcBef>
                       </a:pPr>
                       <a:r>
-                        <a:rPr sz="900" b="1" spc="0">
+                        <a:rPr lang="de-de" sz="900" b="1" spc="0" dirty="0">
                           <a:solidFill>
                             <a:srgbClr val="020302"/>
                           </a:solidFill>
                           <a:latin typeface="Adobe Clean"/>
                           <a:cs typeface="Adobe Clean"/>
                         </a:rPr>
-                        <a:t>PRIORITY 4</a:t>
+                        <a:t>우선 순위 4</a:t>
                       </a:r>
-                      <a:endParaRPr sz="900" spc="0">
+                      <a:endParaRPr sz="900" spc="0" dirty="0">
                         <a:latin typeface="Adobe Clean"/>
                         <a:cs typeface="Adobe Clean"/>
                       </a:endParaRPr>
@@ -3521,16 +2933,16 @@
                         <a:defRPr/>
                       </a:pPr>
                       <a:r>
-                        <a:rPr lang="en-US" sz="900" b="0" i="0" spc="0">
+                        <a:rPr lang="de-de" sz="900" b="0" i="0" spc="0" dirty="0">
                           <a:solidFill>
                             <a:srgbClr val="000000"/>
                           </a:solidFill>
                           <a:effectLst/>
                           <a:latin typeface="Adobe Clean Light" panose="020B0303020404020204" pitchFamily="34" charset="0"/>
                         </a:rPr>
-                        <a:t>General question regarding current product functionality or an enhancement request</a:t>
+                        <a:t>현재 제품 기능에 관한 일반적인 질문 또는 개선 요청입니다.</a:t>
                       </a:r>
-                      <a:endParaRPr lang="en-US" sz="900" b="0" i="0" spc="0">
+                      <a:endParaRPr lang="en-US" sz="900" b="0" i="0" spc="0" dirty="0">
                         <a:latin typeface="Adobe Clean Light" panose="020B0303020404020204" pitchFamily="34" charset="0"/>
                         <a:cs typeface="AdobeClean-Light"/>
                       </a:endParaRPr>
@@ -3577,72 +2989,22 @@
                         </a:spcBef>
                       </a:pPr>
                       <a:r>
-                        <a:rPr lang="en-US" sz="900" spc="0">
+                        <a:rPr lang="de-de" sz="900" spc="0" dirty="0">
                           <a:solidFill>
                             <a:srgbClr val="020302"/>
                           </a:solidFill>
                           <a:latin typeface="AdobeClean-Light"/>
                           <a:cs typeface="AdobeClean-Light"/>
                         </a:rPr>
-                        <a:t>  </a:t>
+                        <a:t>업무일 /      3일</a:t>
                       </a:r>
-                      <a:r>
-                        <a:rPr sz="900" spc="0">
-                          <a:solidFill>
-                            <a:srgbClr val="020302"/>
-                          </a:solidFill>
-                          <a:latin typeface="AdobeClean-Light"/>
-                          <a:cs typeface="AdobeClean-Light"/>
-                        </a:rPr>
-                        <a:t>Business</a:t>
-                      </a:r>
-                      <a:r>
-                        <a:rPr lang="en-US" sz="900" spc="0">
-                          <a:solidFill>
-                            <a:srgbClr val="020302"/>
-                          </a:solidFill>
-                          <a:latin typeface="AdobeClean-Light"/>
-                          <a:cs typeface="AdobeClean-Light"/>
-                        </a:rPr>
-                        <a:t> </a:t>
-                      </a:r>
-                      <a:r>
-                        <a:rPr sz="900" spc="0">
-                          <a:solidFill>
-                            <a:srgbClr val="020302"/>
-                          </a:solidFill>
-                          <a:latin typeface="AdobeClean-Light"/>
-                          <a:cs typeface="AdobeClean-Light"/>
-                        </a:rPr>
-                        <a:t>days</a:t>
-                      </a:r>
-                      <a:r>
-                        <a:rPr lang="en-US" sz="900" spc="0">
-                          <a:solidFill>
-                            <a:srgbClr val="020302"/>
-                          </a:solidFill>
-                          <a:latin typeface="AdobeClean-Light"/>
-                          <a:cs typeface="AdobeClean-Light"/>
-                        </a:rPr>
-                        <a:t> / </a:t>
-                      </a:r>
-                      <a:r>
-                        <a:rPr sz="900" spc="0">
-                          <a:solidFill>
-                            <a:srgbClr val="020302"/>
-                          </a:solidFill>
-                          <a:latin typeface="AdobeClean-Light"/>
-                          <a:cs typeface="AdobeClean-Light"/>
-                        </a:rPr>
-                        <a:t>3 days</a:t>
-                      </a:r>
-                      <a:endParaRPr sz="900" spc="0">
+                      <a:endParaRPr sz="900" spc="0" dirty="0">
                         <a:latin typeface="AdobeClean-Light"/>
                         <a:cs typeface="AdobeClean-Light"/>
                       </a:endParaRPr>
                     </a:p>
                   </a:txBody>
-                  <a:tcPr marL="0" marR="0" marT="91440" marB="91440" anchor="ctr" anchorCtr="1">
+                  <a:tcPr anchor="ctr">
                     <a:lnL w="3175">
                       <a:solidFill>
                         <a:srgbClr val="B7B8B8"/>
@@ -3683,82 +3045,49 @@
                         </a:spcBef>
                       </a:pPr>
                       <a:r>
-                        <a:rPr sz="900" spc="0">
+                        <a:rPr lang="de-de" sz="900" spc="0" dirty="0">
                           <a:solidFill>
                             <a:srgbClr val="020302"/>
                           </a:solidFill>
                           <a:latin typeface="AdobeClean-Light"/>
                           <a:cs typeface="AdobeClean-Light"/>
                         </a:rPr>
-                        <a:t>Business</a:t>
+                        <a:t>업무일 / </a:t>
                       </a:r>
+                      <a:endParaRPr lang="en-US" sz="900" spc="0" dirty="0">
+                        <a:solidFill>
+                          <a:srgbClr val="020302"/>
+                        </a:solidFill>
+                        <a:latin typeface="AdobeClean-Light"/>
+                        <a:cs typeface="AdobeClean-Light"/>
+                      </a:endParaRPr>
+                    </a:p>
+                    <a:p>
+                      <a:pPr marL="370840" marR="223520" indent="-202565" algn="ctr">
+                        <a:lnSpc>
+                          <a:spcPct val="100000"/>
+                        </a:lnSpc>
+                        <a:spcBef>
+                          <a:spcPts val="155"/>
+                        </a:spcBef>
+                      </a:pPr>
                       <a:r>
-                        <a:rPr lang="en-US" sz="900" spc="0">
+                        <a:rPr lang="de-de" sz="900" spc="0" dirty="0">
                           <a:solidFill>
                             <a:srgbClr val="020302"/>
                           </a:solidFill>
                           <a:latin typeface="AdobeClean-Light"/>
                           <a:cs typeface="AdobeClean-Light"/>
                         </a:rPr>
-                        <a:t> </a:t>
+                        <a:t>  1일</a:t>
                       </a:r>
-                      <a:r>
-                        <a:rPr sz="900" spc="0">
-                          <a:solidFill>
-                            <a:srgbClr val="020302"/>
-                          </a:solidFill>
-                          <a:latin typeface="AdobeClean-Light"/>
-                          <a:cs typeface="AdobeClean-Light"/>
-                        </a:rPr>
-                        <a:t>day</a:t>
-                      </a:r>
-                      <a:r>
-                        <a:rPr lang="en-US" sz="900" spc="0">
-                          <a:solidFill>
-                            <a:srgbClr val="020302"/>
-                          </a:solidFill>
-                          <a:latin typeface="AdobeClean-Light"/>
-                          <a:cs typeface="AdobeClean-Light"/>
-                        </a:rPr>
-                        <a:t>s </a:t>
-                      </a:r>
-                      <a:r>
-                        <a:rPr sz="900" spc="0">
-                          <a:solidFill>
-                            <a:srgbClr val="020302"/>
-                          </a:solidFill>
-                          <a:latin typeface="AdobeClean-Light"/>
-                          <a:cs typeface="AdobeClean-Light"/>
-                        </a:rPr>
-                        <a:t>/</a:t>
-                      </a:r>
-                      <a:r>
-                        <a:rPr lang="en-US" sz="900" spc="0">
-                          <a:solidFill>
-                            <a:srgbClr val="020302"/>
-                          </a:solidFill>
-                          <a:latin typeface="AdobeClean-Light"/>
-                          <a:cs typeface="AdobeClean-Light"/>
-                        </a:rPr>
-                        <a:t> </a:t>
-                      </a:r>
-                      <a:r>
-                        <a:rPr sz="900" spc="0">
-                          <a:solidFill>
-                            <a:srgbClr val="020302"/>
-                          </a:solidFill>
-                          <a:latin typeface="AdobeClean-Light"/>
-                          <a:cs typeface="AdobeClean-Light"/>
-                        </a:rPr>
-                        <a:t>1 day</a:t>
-                      </a:r>
-                      <a:endParaRPr sz="900" spc="0">
+                      <a:endParaRPr sz="900" spc="0" dirty="0">
                         <a:latin typeface="AdobeClean-Light"/>
                         <a:cs typeface="AdobeClean-Light"/>
                       </a:endParaRPr>
                     </a:p>
                   </a:txBody>
-                  <a:tcPr marL="0" marR="0" marT="91440" marB="91440" anchor="ctr" anchorCtr="1">
+                  <a:tcPr anchor="ctr">
                     <a:lnL w="3175">
                       <a:solidFill>
                         <a:srgbClr val="B7B8B8"/>
@@ -3866,7 +3195,7 @@
                     <a:bodyPr/>
                     <a:lstStyle/>
                     <a:p>
-                      <a:endParaRPr lang="en-US"/>
+                      <a:endParaRPr lang="en-US" dirty="0"/>
                     </a:p>
                   </a:txBody>
                   <a:tcPr/>
@@ -3904,17 +3233,17 @@
                         <a:defRPr/>
                       </a:pPr>
                       <a:r>
-                        <a:rPr lang="en-US" sz="900" spc="-20">
+                        <a:rPr lang="de-de" sz="900" spc="-20" dirty="0">
                           <a:solidFill>
                             <a:srgbClr val="404040"/>
                           </a:solidFill>
                           <a:latin typeface="Adobe Clean"/>
                           <a:cs typeface="Adobe Clean"/>
                         </a:rPr>
-                        <a:t>Online </a:t>
+                        <a:t>온라인 </a:t>
                       </a:r>
                       <a:r>
-                        <a:rPr lang="en-US" sz="900" spc="-135">
+                        <a:rPr lang="de-de" sz="900" spc="-135" dirty="0">
                           <a:solidFill>
                             <a:srgbClr val="404040"/>
                           </a:solidFill>
@@ -3924,16 +3253,16 @@
                         <a:t> </a:t>
                       </a:r>
                       <a:r>
-                        <a:rPr lang="en-US" sz="900" spc="-20">
+                        <a:rPr lang="de-de" sz="900" spc="-20" dirty="0">
                           <a:solidFill>
                             <a:srgbClr val="404040"/>
                           </a:solidFill>
                           <a:latin typeface="Adobe Clean"/>
                           <a:cs typeface="Adobe Clean"/>
                         </a:rPr>
-                        <a:t>Support</a:t>
+                        <a:t>지원</a:t>
                       </a:r>
-                      <a:endParaRPr lang="en-US" sz="900">
+                      <a:endParaRPr lang="en-US" sz="900" dirty="0">
                         <a:latin typeface="Adobe Clean"/>
                         <a:cs typeface="Adobe Clean"/>
                       </a:endParaRPr>
@@ -3977,36 +3306,16 @@
                         </a:spcBef>
                       </a:pPr>
                       <a:r>
-                        <a:rPr sz="900" spc="-20">
+                        <a:rPr lang="de-de" sz="900" spc="-20" dirty="0">
                           <a:solidFill>
                             <a:srgbClr val="FFFFFF"/>
                           </a:solidFill>
                           <a:latin typeface="Adobe Clean"/>
                           <a:cs typeface="Adobe Clean"/>
                         </a:rPr>
-                        <a:t>Business</a:t>
+                        <a:t>비즈니스 지원</a:t>
                       </a:r>
-                      <a:r>
-                        <a:rPr lang="en-US" sz="900" spc="-20">
-                          <a:solidFill>
-                            <a:srgbClr val="FFFFFF"/>
-                          </a:solidFill>
-                          <a:latin typeface="Adobe Clean"/>
-                          <a:cs typeface="Adobe Clean"/>
-                        </a:rPr>
-                        <a:t> </a:t>
-                      </a:r>
-                      <a:r>
-                        <a:rPr sz="900" spc="-20">
-                          <a:solidFill>
-                            <a:srgbClr val="FFFFFF"/>
-                          </a:solidFill>
-                          <a:latin typeface="Adobe Clean"/>
-                          <a:cs typeface="Adobe Clean"/>
-                        </a:rPr>
-                        <a:t>Support</a:t>
-                      </a:r>
-                      <a:endParaRPr sz="900">
+                      <a:endParaRPr sz="900" dirty="0">
                         <a:latin typeface="Adobe Clean"/>
                         <a:cs typeface="Adobe Clean"/>
                       </a:endParaRPr>
@@ -4054,7 +3363,7 @@
                     <a:bodyPr/>
                     <a:lstStyle/>
                     <a:p>
-                      <a:endParaRPr lang="en-US"/>
+                      <a:endParaRPr lang="en-US" dirty="0"/>
                     </a:p>
                   </a:txBody>
                   <a:tcPr/>
@@ -4091,7 +3400,7 @@
                         <a:tabLst/>
                         <a:defRPr/>
                       </a:pPr>
-                      <a:endParaRPr lang="en-US" sz="800" i="1">
+                      <a:endParaRPr lang="en-US" sz="800" i="1" dirty="0">
                         <a:solidFill>
                           <a:sysClr val="windowText" lastClr="000000"/>
                         </a:solidFill>
@@ -4155,13 +3464,13 @@
                         <a:defRPr/>
                       </a:pPr>
                       <a:r>
-                        <a:rPr lang="en-US" sz="800" i="1">
+                        <a:rPr lang="de-de" sz="800" i="1" dirty="0">
                           <a:solidFill>
                             <a:schemeClr val="bg1"/>
                           </a:solidFill>
                           <a:latin typeface="Adobe Clean Light" panose="020B0303020404020204" pitchFamily="34" charset="0"/>
                         </a:rPr>
-                        <a:t>Paid Support ($)</a:t>
+                        <a:t>유료 지원($)</a:t>
                       </a:r>
                     </a:p>
                   </a:txBody>
@@ -4225,16 +3534,16 @@
                         </a:spcBef>
                       </a:pPr>
                       <a:r>
-                        <a:rPr lang="en-US" sz="1000" b="1" i="0" spc="0">
+                        <a:rPr lang="de-de" sz="1000" b="1" i="0" spc="0" dirty="0">
                           <a:solidFill>
                             <a:schemeClr val="bg1"/>
                           </a:solidFill>
                           <a:latin typeface="Adobe Clean" panose="020B0503020404020204" pitchFamily="34" charset="0"/>
                           <a:cs typeface="AdobeClean-Light"/>
                         </a:rPr>
-                        <a:t>Assigned Experts</a:t>
+                        <a:t>할당된 전문가</a:t>
                       </a:r>
-                      <a:endParaRPr sz="1000" b="1" i="0" spc="0">
+                      <a:endParaRPr sz="1000" b="1" i="0" spc="0" dirty="0">
                         <a:solidFill>
                           <a:schemeClr val="bg1"/>
                         </a:solidFill>
@@ -4287,16 +3596,16 @@
                         </a:spcBef>
                       </a:pPr>
                       <a:r>
-                        <a:rPr sz="900" spc="0">
+                        <a:rPr lang="de-de" sz="900" spc="0" dirty="0">
                           <a:solidFill>
                             <a:srgbClr val="020302"/>
                           </a:solidFill>
                           <a:latin typeface="AdobeClean-Light"/>
                           <a:cs typeface="AdobeClean-Light"/>
                         </a:rPr>
-                        <a:t>Account Support Lead</a:t>
+                        <a:t>계정 지원 리드</a:t>
                       </a:r>
-                      <a:endParaRPr sz="900" spc="0">
+                      <a:endParaRPr sz="900" spc="0" dirty="0">
                         <a:latin typeface="AdobeClean-Light"/>
                         <a:cs typeface="AdobeClean-Light"/>
                       </a:endParaRPr>
@@ -4342,7 +3651,7 @@
                           <a:spcPts val="470"/>
                         </a:spcBef>
                       </a:pPr>
-                      <a:endParaRPr sz="900">
+                      <a:endParaRPr sz="900" dirty="0">
                         <a:latin typeface="Wingdings"/>
                         <a:cs typeface="Wingdings"/>
                       </a:endParaRPr>
@@ -4384,7 +3693,7 @@
                         </a:spcBef>
                       </a:pPr>
                       <a:r>
-                        <a:rPr sz="900">
+                        <a:rPr lang="de-de" sz="900" dirty="0">
                           <a:solidFill>
                             <a:srgbClr val="020302"/>
                           </a:solidFill>
@@ -4393,7 +3702,7 @@
                         </a:rPr>
                         <a:t></a:t>
                       </a:r>
-                      <a:endParaRPr sz="900">
+                      <a:endParaRPr sz="900" dirty="0">
                         <a:latin typeface="Wingdings"/>
                         <a:cs typeface="Wingdings"/>
                       </a:endParaRPr>
@@ -4436,7 +3745,7 @@
                           <a:spcPts val="459"/>
                         </a:spcBef>
                       </a:pPr>
-                      <a:endParaRPr sz="900">
+                      <a:endParaRPr sz="900" dirty="0">
                         <a:latin typeface="AdobeClean-Light"/>
                         <a:cs typeface="AdobeClean-Light"/>
                       </a:endParaRPr>
@@ -4474,16 +3783,16 @@
                         </a:spcBef>
                       </a:pPr>
                       <a:r>
-                        <a:rPr sz="900" spc="0">
+                        <a:rPr lang="de-de" sz="900" spc="0" dirty="0">
                           <a:solidFill>
                             <a:srgbClr val="020302"/>
                           </a:solidFill>
                           <a:latin typeface="AdobeClean-Light"/>
                           <a:cs typeface="AdobeClean-Light"/>
                         </a:rPr>
-                        <a:t>Named Support Engineer</a:t>
+                        <a:t>지정 지원 엔지니어</a:t>
                       </a:r>
-                      <a:endParaRPr sz="900" spc="0">
+                      <a:endParaRPr sz="900" spc="0" dirty="0">
                         <a:latin typeface="AdobeClean-Light"/>
                         <a:cs typeface="AdobeClean-Light"/>
                       </a:endParaRPr>
@@ -4514,7 +3823,7 @@
                           <a:spcPct val="100000"/>
                         </a:lnSpc>
                       </a:pPr>
-                      <a:endParaRPr sz="900">
+                      <a:endParaRPr sz="900" dirty="0">
                         <a:latin typeface="Times New Roman"/>
                         <a:cs typeface="Times New Roman"/>
                       </a:endParaRPr>
@@ -4543,7 +3852,7 @@
                           <a:spcPct val="100000"/>
                         </a:lnSpc>
                       </a:pPr>
-                      <a:endParaRPr sz="900">
+                      <a:endParaRPr sz="900" dirty="0">
                         <a:latin typeface="Times New Roman"/>
                         <a:cs typeface="Times New Roman"/>
                       </a:endParaRPr>
@@ -4577,7 +3886,7 @@
                           <a:spcPts val="500"/>
                         </a:spcBef>
                       </a:pPr>
-                      <a:endParaRPr sz="900">
+                      <a:endParaRPr sz="900" dirty="0">
                         <a:latin typeface="AdobeClean-Light"/>
                         <a:cs typeface="AdobeClean-Light"/>
                       </a:endParaRPr>
@@ -4627,16 +3936,16 @@
                         </a:spcBef>
                       </a:pPr>
                       <a:r>
-                        <a:rPr sz="900" spc="0">
+                        <a:rPr lang="de-de" sz="900" spc="0" dirty="0">
                           <a:solidFill>
                             <a:srgbClr val="020302"/>
                           </a:solidFill>
                           <a:latin typeface="AdobeClean-Light"/>
                           <a:cs typeface="AdobeClean-Light"/>
                         </a:rPr>
-                        <a:t>Technical Account Manager</a:t>
+                        <a:t>기술 계정 관리자</a:t>
                       </a:r>
-                      <a:endParaRPr sz="900" spc="0">
+                      <a:endParaRPr sz="900" spc="0" dirty="0">
                         <a:latin typeface="AdobeClean-Light"/>
                         <a:cs typeface="AdobeClean-Light"/>
                       </a:endParaRPr>
@@ -4673,7 +3982,7 @@
                           <a:spcPct val="100000"/>
                         </a:lnSpc>
                       </a:pPr>
-                      <a:endParaRPr sz="900">
+                      <a:endParaRPr sz="900" dirty="0">
                         <a:latin typeface="Times New Roman"/>
                         <a:cs typeface="Times New Roman"/>
                       </a:endParaRPr>
@@ -4711,7 +4020,7 @@
                           <a:spcPct val="100000"/>
                         </a:lnSpc>
                       </a:pPr>
-                      <a:endParaRPr sz="900">
+                      <a:endParaRPr sz="900" dirty="0">
                         <a:latin typeface="Times New Roman"/>
                         <a:cs typeface="Times New Roman"/>
                       </a:endParaRPr>
@@ -4755,16 +4064,16 @@
                         </a:spcBef>
                       </a:pPr>
                       <a:r>
-                        <a:rPr lang="en-US" sz="1000" b="1" i="0" spc="0">
+                        <a:rPr lang="de-de" sz="1000" b="1" i="0" spc="0" dirty="0">
                           <a:solidFill>
                             <a:schemeClr val="bg1"/>
                           </a:solidFill>
                           <a:latin typeface="Adobe Clean" panose="020B0503020404020204" pitchFamily="34" charset="0"/>
                           <a:cs typeface="AdobeClean-Light"/>
                         </a:rPr>
-                        <a:t>Support Services</a:t>
+                        <a:t>지원 서비스</a:t>
                       </a:r>
-                      <a:endParaRPr sz="1000" b="1" i="0" spc="0">
+                      <a:endParaRPr sz="1000" b="1" i="0" spc="0" dirty="0">
                         <a:solidFill>
                           <a:schemeClr val="bg1"/>
                         </a:solidFill>
@@ -4826,26 +4135,16 @@
                         </a:spcBef>
                       </a:pPr>
                       <a:r>
-                        <a:rPr lang="en-US" sz="900" spc="0">
+                        <a:rPr lang="de-de" sz="900" spc="0" dirty="0">
                           <a:solidFill>
                             <a:srgbClr val="020302"/>
                           </a:solidFill>
                           <a:latin typeface="AdobeClean-Light"/>
                           <a:cs typeface="AdobeClean-Light"/>
                         </a:rPr>
-                        <a:t>Online</a:t>
+                        <a:t>온라인 지원</a:t>
                       </a:r>
-                      <a:r>
-                        <a:rPr sz="900" spc="0">
-                          <a:solidFill>
-                            <a:srgbClr val="020302"/>
-                          </a:solidFill>
-                          <a:latin typeface="AdobeClean-Light"/>
-                          <a:cs typeface="AdobeClean-Light"/>
-                        </a:rPr>
-                        <a:t> Support</a:t>
-                      </a:r>
-                      <a:endParaRPr sz="900" spc="0">
+                      <a:endParaRPr sz="900" spc="0" dirty="0">
                         <a:latin typeface="AdobeClean-Light"/>
                         <a:cs typeface="AdobeClean-Light"/>
                       </a:endParaRPr>
@@ -4886,17 +4185,17 @@
                         </a:spcBef>
                       </a:pPr>
                       <a:r>
-                        <a:rPr sz="900" spc="-25">
+                        <a:rPr lang="de-de" sz="900" spc="-25" dirty="0">
                           <a:solidFill>
                             <a:srgbClr val="020302"/>
                           </a:solidFill>
                           <a:latin typeface="AdobeClean-Light"/>
                           <a:cs typeface="AdobeClean-Light"/>
                         </a:rPr>
-                        <a:t>Business</a:t>
+                        <a:t>업무</a:t>
                       </a:r>
                       <a:r>
-                        <a:rPr sz="900" spc="-15">
+                        <a:rPr lang="de-de" sz="900" spc="-15" dirty="0">
                           <a:solidFill>
                             <a:srgbClr val="020302"/>
                           </a:solidFill>
@@ -4906,16 +4205,16 @@
                         <a:t> </a:t>
                       </a:r>
                       <a:r>
-                        <a:rPr sz="900" spc="-30">
+                        <a:rPr lang="de-de" sz="900" spc="-30" dirty="0">
                           <a:solidFill>
                             <a:srgbClr val="020302"/>
                           </a:solidFill>
                           <a:latin typeface="AdobeClean-Light"/>
                           <a:cs typeface="AdobeClean-Light"/>
                         </a:rPr>
-                        <a:t>hours</a:t>
+                        <a:t>시간</a:t>
                       </a:r>
-                      <a:endParaRPr sz="900">
+                      <a:endParaRPr sz="900" dirty="0">
                         <a:latin typeface="AdobeClean-Light"/>
                         <a:cs typeface="AdobeClean-Light"/>
                       </a:endParaRPr>
@@ -4957,17 +4256,17 @@
                         </a:spcBef>
                       </a:pPr>
                       <a:r>
-                        <a:rPr sz="900" spc="-25">
+                        <a:rPr lang="de-de" sz="900" spc="-25" dirty="0">
                           <a:solidFill>
                             <a:srgbClr val="020302"/>
                           </a:solidFill>
                           <a:latin typeface="AdobeClean-Light"/>
                           <a:cs typeface="AdobeClean-Light"/>
                         </a:rPr>
-                        <a:t>Business</a:t>
+                        <a:t>업무</a:t>
                       </a:r>
                       <a:r>
-                        <a:rPr sz="900" spc="-15">
+                        <a:rPr lang="de-de" sz="900" spc="-15" dirty="0">
                           <a:solidFill>
                             <a:srgbClr val="020302"/>
                           </a:solidFill>
@@ -4977,16 +4276,16 @@
                         <a:t> </a:t>
                       </a:r>
                       <a:r>
-                        <a:rPr sz="900" spc="-30">
+                        <a:rPr lang="de-de" sz="900" spc="-30" dirty="0">
                           <a:solidFill>
                             <a:srgbClr val="020302"/>
                           </a:solidFill>
                           <a:latin typeface="AdobeClean-Light"/>
                           <a:cs typeface="AdobeClean-Light"/>
                         </a:rPr>
-                        <a:t>hours</a:t>
+                        <a:t>시간</a:t>
                       </a:r>
-                      <a:endParaRPr sz="900">
+                      <a:endParaRPr sz="900" dirty="0">
                         <a:latin typeface="AdobeClean-Light"/>
                         <a:cs typeface="AdobeClean-Light"/>
                       </a:endParaRPr>
@@ -5029,7 +4328,7 @@
                           <a:spcPts val="455"/>
                         </a:spcBef>
                       </a:pPr>
-                      <a:endParaRPr sz="900">
+                      <a:endParaRPr sz="900" dirty="0">
                         <a:latin typeface="AdobeClean-Light"/>
                         <a:cs typeface="AdobeClean-Light"/>
                       </a:endParaRPr>
@@ -5070,36 +4369,16 @@
                         </a:spcBef>
                       </a:pPr>
                       <a:r>
-                        <a:rPr sz="900" spc="0">
+                        <a:rPr lang="de-de" sz="900" spc="0" dirty="0">
                           <a:solidFill>
                             <a:srgbClr val="020302"/>
                           </a:solidFill>
                           <a:latin typeface="AdobeClean-Light"/>
                           <a:cs typeface="AdobeClean-Light"/>
                         </a:rPr>
-                        <a:t>24x7</a:t>
+                        <a:t>24x7x365 P1 문제 지원</a:t>
                       </a:r>
-                      <a:r>
-                        <a:rPr lang="en-US" sz="900" spc="0">
-                          <a:solidFill>
-                            <a:srgbClr val="020302"/>
-                          </a:solidFill>
-                          <a:latin typeface="AdobeClean-Light"/>
-                          <a:cs typeface="AdobeClean-Light"/>
-                        </a:rPr>
-                        <a:t>x365</a:t>
-                      </a:r>
-                      <a:r>
-                        <a:rPr sz="900" spc="0">
-                          <a:solidFill>
-                            <a:srgbClr val="020302"/>
-                          </a:solidFill>
-                          <a:latin typeface="AdobeClean-Light"/>
-                          <a:cs typeface="AdobeClean-Light"/>
-                        </a:rPr>
-                        <a:t> P1 Issue Support</a:t>
-                      </a:r>
-                      <a:endParaRPr sz="900" spc="0">
+                      <a:endParaRPr sz="900" spc="0" dirty="0">
                         <a:latin typeface="AdobeClean-Light"/>
                         <a:cs typeface="AdobeClean-Light"/>
                       </a:endParaRPr>
@@ -5134,7 +4413,7 @@
                         </a:spcBef>
                       </a:pPr>
                       <a:r>
-                        <a:rPr sz="900">
+                        <a:rPr lang="de-de" sz="900" dirty="0">
                           <a:solidFill>
                             <a:srgbClr val="020302"/>
                           </a:solidFill>
@@ -5143,7 +4422,7 @@
                         </a:rPr>
                         <a:t></a:t>
                       </a:r>
-                      <a:endParaRPr sz="900">
+                      <a:endParaRPr sz="900" dirty="0">
                         <a:latin typeface="Wingdings"/>
                         <a:cs typeface="Wingdings"/>
                       </a:endParaRPr>
@@ -5176,7 +4455,7 @@
                         </a:spcBef>
                       </a:pPr>
                       <a:r>
-                        <a:rPr sz="900">
+                        <a:rPr lang="de-de" sz="900" dirty="0">
                           <a:solidFill>
                             <a:srgbClr val="020302"/>
                           </a:solidFill>
@@ -5185,7 +4464,7 @@
                         </a:rPr>
                         <a:t></a:t>
                       </a:r>
-                      <a:endParaRPr sz="900">
+                      <a:endParaRPr sz="900" dirty="0">
                         <a:latin typeface="Wingdings"/>
                         <a:cs typeface="Wingdings"/>
                       </a:endParaRPr>
@@ -5219,7 +4498,7 @@
                           <a:spcPts val="455"/>
                         </a:spcBef>
                       </a:pPr>
-                      <a:endParaRPr sz="900">
+                      <a:endParaRPr sz="900" dirty="0">
                         <a:latin typeface="AdobeClean-Light"/>
                         <a:cs typeface="AdobeClean-Light"/>
                       </a:endParaRPr>
@@ -5269,16 +4548,16 @@
                         </a:spcBef>
                       </a:pPr>
                       <a:r>
-                        <a:rPr lang="en-US" sz="900" spc="0">
+                        <a:rPr lang="de-de" sz="900" spc="0" dirty="0">
                           <a:solidFill>
                             <a:srgbClr val="020302"/>
                           </a:solidFill>
                           <a:latin typeface="AdobeClean-Light"/>
                           <a:cs typeface="AdobeClean-Light"/>
                         </a:rPr>
-                        <a:t>Named Support Contacts (per product)</a:t>
+                        <a:t>지정된 지원 담당자(제품당)</a:t>
                       </a:r>
-                      <a:endParaRPr sz="900" spc="0">
+                      <a:endParaRPr sz="900" spc="0" dirty="0">
                         <a:latin typeface="AdobeClean-Light"/>
                         <a:cs typeface="AdobeClean-Light"/>
                       </a:endParaRPr>
@@ -5319,7 +4598,7 @@
                         </a:spcBef>
                       </a:pPr>
                       <a:r>
-                        <a:rPr sz="900">
+                        <a:rPr lang="de-de" sz="900" dirty="0">
                           <a:solidFill>
                             <a:srgbClr val="020302"/>
                           </a:solidFill>
@@ -5328,7 +4607,7 @@
                         </a:rPr>
                         <a:t>4</a:t>
                       </a:r>
-                      <a:endParaRPr sz="900">
+                      <a:endParaRPr sz="900" dirty="0">
                         <a:latin typeface="AdobeClean-Light"/>
                         <a:cs typeface="AdobeClean-Light"/>
                       </a:endParaRPr>
@@ -5361,7 +4640,7 @@
                         </a:spcBef>
                       </a:pPr>
                       <a:r>
-                        <a:rPr sz="900">
+                        <a:rPr lang="de-de" sz="900" dirty="0">
                           <a:solidFill>
                             <a:srgbClr val="020302"/>
                           </a:solidFill>
@@ -5370,7 +4649,7 @@
                         </a:rPr>
                         <a:t>6</a:t>
                       </a:r>
-                      <a:endParaRPr sz="900">
+                      <a:endParaRPr sz="900" dirty="0">
                         <a:latin typeface="AdobeClean-Light"/>
                         <a:cs typeface="AdobeClean-Light"/>
                       </a:endParaRPr>
@@ -5404,7 +4683,7 @@
                           <a:spcPts val="455"/>
                         </a:spcBef>
                       </a:pPr>
-                      <a:endParaRPr sz="900">
+                      <a:endParaRPr sz="900" dirty="0">
                         <a:latin typeface="AdobeClean-Light"/>
                         <a:cs typeface="AdobeClean-Light"/>
                       </a:endParaRPr>
@@ -5445,16 +4724,16 @@
                         </a:spcBef>
                       </a:pPr>
                       <a:r>
-                        <a:rPr lang="en-US" sz="900" spc="0">
+                        <a:rPr lang="de-de" sz="900" spc="0" dirty="0">
                           <a:solidFill>
                             <a:srgbClr val="020302"/>
                           </a:solidFill>
                           <a:latin typeface="AdobeClean-Light"/>
                           <a:cs typeface="AdobeClean-Light"/>
                         </a:rPr>
-                        <a:t>Live Telephone Support</a:t>
+                        <a:t>실시간 전화 지원</a:t>
                       </a:r>
-                      <a:endParaRPr sz="900" spc="0">
+                      <a:endParaRPr sz="900" spc="0" dirty="0">
                         <a:latin typeface="AdobeClean-Light"/>
                         <a:cs typeface="AdobeClean-Light"/>
                       </a:endParaRPr>
@@ -5488,7 +4767,7 @@
                           <a:spcPts val="464"/>
                         </a:spcBef>
                       </a:pPr>
-                      <a:endParaRPr sz="900">
+                      <a:endParaRPr sz="900" dirty="0">
                         <a:latin typeface="Wingdings"/>
                         <a:cs typeface="Wingdings"/>
                       </a:endParaRPr>
@@ -5521,7 +4800,7 @@
                         </a:spcBef>
                       </a:pPr>
                       <a:r>
-                        <a:rPr sz="900">
+                        <a:rPr lang="de-de" sz="900" dirty="0">
                           <a:solidFill>
                             <a:srgbClr val="020302"/>
                           </a:solidFill>
@@ -5530,7 +4809,7 @@
                         </a:rPr>
                         <a:t></a:t>
                       </a:r>
-                      <a:endParaRPr sz="900">
+                      <a:endParaRPr sz="900" dirty="0">
                         <a:latin typeface="Wingdings"/>
                         <a:cs typeface="Wingdings"/>
                       </a:endParaRPr>
@@ -5564,7 +4843,7 @@
                           <a:spcPts val="459"/>
                         </a:spcBef>
                       </a:pPr>
-                      <a:endParaRPr sz="900">
+                      <a:endParaRPr sz="900" dirty="0">
                         <a:latin typeface="AdobeClean-Light"/>
                         <a:cs typeface="AdobeClean-Light"/>
                       </a:endParaRPr>
@@ -5605,16 +4884,16 @@
                         </a:spcBef>
                       </a:pPr>
                       <a:r>
-                        <a:rPr sz="900" spc="0">
+                        <a:rPr lang="de-de" sz="900" spc="0" dirty="0">
                           <a:solidFill>
                             <a:srgbClr val="020302"/>
                           </a:solidFill>
                           <a:latin typeface="AdobeClean-Light"/>
                           <a:cs typeface="AdobeClean-Light"/>
                         </a:rPr>
-                        <a:t>Escalation Management</a:t>
+                        <a:t>에스컬레이션 관리</a:t>
                       </a:r>
-                      <a:endParaRPr sz="900" spc="0">
+                      <a:endParaRPr sz="900" spc="0" dirty="0">
                         <a:latin typeface="AdobeClean-Light"/>
                         <a:cs typeface="AdobeClean-Light"/>
                       </a:endParaRPr>
@@ -5648,7 +4927,7 @@
                           <a:spcPts val="470"/>
                         </a:spcBef>
                       </a:pPr>
-                      <a:endParaRPr sz="900">
+                      <a:endParaRPr sz="900" dirty="0">
                         <a:latin typeface="Wingdings"/>
                         <a:cs typeface="Wingdings"/>
                       </a:endParaRPr>
@@ -5681,7 +4960,7 @@
                         </a:spcBef>
                       </a:pPr>
                       <a:r>
-                        <a:rPr sz="900">
+                        <a:rPr lang="de-de" sz="900" dirty="0">
                           <a:solidFill>
                             <a:srgbClr val="020302"/>
                           </a:solidFill>
@@ -5690,7 +4969,7 @@
                         </a:rPr>
                         <a:t></a:t>
                       </a:r>
-                      <a:endParaRPr sz="900">
+                      <a:endParaRPr sz="900" dirty="0">
                         <a:latin typeface="Wingdings"/>
                         <a:cs typeface="Wingdings"/>
                       </a:endParaRPr>
@@ -5724,7 +5003,7 @@
                           <a:spcPts val="450"/>
                         </a:spcBef>
                       </a:pPr>
-                      <a:endParaRPr sz="900">
+                      <a:endParaRPr sz="900" dirty="0">
                         <a:latin typeface="AdobeClean-Light"/>
                         <a:cs typeface="AdobeClean-Light"/>
                       </a:endParaRPr>
@@ -5765,26 +5044,16 @@
                         </a:spcBef>
                       </a:pPr>
                       <a:r>
-                        <a:rPr sz="900" spc="0">
+                        <a:rPr lang="de-de" sz="900" spc="0" dirty="0">
                           <a:solidFill>
                             <a:srgbClr val="020302"/>
                           </a:solidFill>
                           <a:latin typeface="AdobeClean-Light"/>
                           <a:cs typeface="AdobeClean-Light"/>
                         </a:rPr>
-                        <a:t>Service Reviews </a:t>
+                        <a:t>연간 서비스 리뷰</a:t>
                       </a:r>
-                      <a:r>
-                        <a:rPr lang="en-US" sz="900" spc="0">
-                          <a:solidFill>
-                            <a:srgbClr val="020302"/>
-                          </a:solidFill>
-                          <a:latin typeface="AdobeClean-Light"/>
-                          <a:cs typeface="AdobeClean-Light"/>
-                        </a:rPr>
-                        <a:t>per Year</a:t>
-                      </a:r>
-                      <a:endParaRPr sz="900" spc="0">
+                      <a:endParaRPr sz="900" spc="0" dirty="0">
                         <a:latin typeface="AdobeClean-Light"/>
                         <a:cs typeface="AdobeClean-Light"/>
                       </a:endParaRPr>
@@ -5815,7 +5084,7 @@
                           <a:spcPct val="100000"/>
                         </a:lnSpc>
                       </a:pPr>
-                      <a:endParaRPr sz="900">
+                      <a:endParaRPr sz="900" dirty="0">
                         <a:latin typeface="Times New Roman"/>
                         <a:cs typeface="Times New Roman"/>
                       </a:endParaRPr>
@@ -5844,7 +5113,7 @@
                           <a:spcPct val="100000"/>
                         </a:lnSpc>
                       </a:pPr>
-                      <a:endParaRPr sz="900">
+                      <a:endParaRPr sz="900" dirty="0">
                         <a:latin typeface="Times New Roman"/>
                         <a:cs typeface="Times New Roman"/>
                       </a:endParaRPr>
@@ -5889,13 +5158,13 @@
                         </a:spcBef>
                       </a:pPr>
                       <a:r>
-                        <a:rPr lang="en-US" sz="900" spc="0">
+                        <a:rPr lang="de-de" sz="900" spc="0" dirty="0">
                           <a:latin typeface="AdobeClean-Light"/>
                           <a:cs typeface="AdobeClean-Light"/>
                         </a:rPr>
-                        <a:t>Expert Sessions per Year</a:t>
+                        <a:t>연간 전문가 세션</a:t>
                       </a:r>
-                      <a:endParaRPr sz="900" spc="0">
+                      <a:endParaRPr sz="900" spc="0" dirty="0">
                         <a:latin typeface="AdobeClean-Light"/>
                         <a:cs typeface="AdobeClean-Light"/>
                       </a:endParaRPr>
@@ -5932,7 +5201,7 @@
                           <a:spcPct val="100000"/>
                         </a:lnSpc>
                       </a:pPr>
-                      <a:endParaRPr sz="900">
+                      <a:endParaRPr sz="900" dirty="0">
                         <a:latin typeface="Times New Roman"/>
                         <a:cs typeface="Times New Roman"/>
                       </a:endParaRPr>
@@ -5961,7 +5230,7 @@
                           <a:spcPct val="100000"/>
                         </a:lnSpc>
                       </a:pPr>
-                      <a:endParaRPr sz="900">
+                      <a:endParaRPr sz="900" dirty="0">
                         <a:latin typeface="Times New Roman"/>
                         <a:cs typeface="Times New Roman"/>
                       </a:endParaRPr>
@@ -6006,13 +5275,13 @@
                         </a:spcBef>
                       </a:pPr>
                       <a:r>
-                        <a:rPr lang="en-US" sz="900" spc="0">
+                        <a:rPr lang="de-de" sz="900" spc="0" dirty="0">
                           <a:latin typeface="AdobeClean-Light"/>
                           <a:cs typeface="AdobeClean-Light"/>
                         </a:rPr>
-                        <a:t>Case Reviews</a:t>
+                        <a:t>사례 검토</a:t>
                       </a:r>
-                      <a:endParaRPr sz="900" spc="0">
+                      <a:endParaRPr sz="900" spc="0" dirty="0">
                         <a:latin typeface="AdobeClean-Light"/>
                         <a:cs typeface="AdobeClean-Light"/>
                       </a:endParaRPr>
@@ -6049,7 +5318,7 @@
                           <a:spcPct val="100000"/>
                         </a:lnSpc>
                       </a:pPr>
-                      <a:endParaRPr sz="900">
+                      <a:endParaRPr sz="900" dirty="0">
                         <a:latin typeface="Times New Roman"/>
                         <a:cs typeface="Times New Roman"/>
                       </a:endParaRPr>
@@ -6078,7 +5347,7 @@
                           <a:spcPct val="100000"/>
                         </a:lnSpc>
                       </a:pPr>
-                      <a:endParaRPr sz="900">
+                      <a:endParaRPr sz="900" dirty="0">
                         <a:latin typeface="Times New Roman"/>
                         <a:cs typeface="Times New Roman"/>
                       </a:endParaRPr>
@@ -6112,7 +5381,7 @@
                           <a:spcPts val="459"/>
                         </a:spcBef>
                       </a:pPr>
-                      <a:endParaRPr sz="900">
+                      <a:endParaRPr sz="900" dirty="0">
                         <a:latin typeface="AdobeClean-Light"/>
                         <a:cs typeface="AdobeClean-Light"/>
                       </a:endParaRPr>
@@ -6162,26 +5431,16 @@
                         </a:spcBef>
                       </a:pPr>
                       <a:r>
-                        <a:rPr sz="900" spc="0">
+                        <a:rPr lang="de-de" sz="900" spc="0" dirty="0">
                           <a:solidFill>
                             <a:srgbClr val="020302"/>
                           </a:solidFill>
                           <a:latin typeface="AdobeClean-Light"/>
                           <a:cs typeface="AdobeClean-Light"/>
                         </a:rPr>
-                        <a:t>Event </a:t>
+                        <a:t>이벤트 관리</a:t>
                       </a:r>
-                      <a:r>
-                        <a:rPr lang="en-US" sz="900" spc="0">
-                          <a:solidFill>
-                            <a:srgbClr val="020302"/>
-                          </a:solidFill>
-                          <a:latin typeface="AdobeClean-Light"/>
-                          <a:cs typeface="AdobeClean-Light"/>
-                        </a:rPr>
-                        <a:t>Management</a:t>
-                      </a:r>
-                      <a:endParaRPr sz="900" spc="0">
+                      <a:endParaRPr sz="900" spc="0" dirty="0">
                         <a:latin typeface="AdobeClean-Light"/>
                         <a:cs typeface="AdobeClean-Light"/>
                       </a:endParaRPr>
@@ -6218,7 +5477,7 @@
                           <a:spcPct val="100000"/>
                         </a:lnSpc>
                       </a:pPr>
-                      <a:endParaRPr sz="900">
+                      <a:endParaRPr sz="900" dirty="0">
                         <a:latin typeface="Times New Roman"/>
                         <a:cs typeface="Times New Roman"/>
                       </a:endParaRPr>
@@ -6247,7 +5506,7 @@
                           <a:spcPct val="100000"/>
                         </a:lnSpc>
                       </a:pPr>
-                      <a:endParaRPr sz="900">
+                      <a:endParaRPr sz="900" dirty="0">
                         <a:latin typeface="Times New Roman"/>
                         <a:cs typeface="Times New Roman"/>
                       </a:endParaRPr>
@@ -6281,7 +5540,7 @@
                           <a:spcPts val="465"/>
                         </a:spcBef>
                       </a:pPr>
-                      <a:endParaRPr sz="900">
+                      <a:endParaRPr sz="900" dirty="0">
                         <a:latin typeface="AdobeClean-Light"/>
                         <a:cs typeface="AdobeClean-Light"/>
                       </a:endParaRPr>
@@ -6322,36 +5581,16 @@
                         </a:spcBef>
                       </a:pPr>
                       <a:r>
-                        <a:rPr sz="900" spc="0">
+                        <a:rPr lang="de-de" sz="900" spc="0" dirty="0">
                           <a:solidFill>
                             <a:srgbClr val="020302"/>
                           </a:solidFill>
                           <a:latin typeface="AdobeClean-Light"/>
                           <a:cs typeface="AdobeClean-Light"/>
                         </a:rPr>
-                        <a:t>Environment</a:t>
+                        <a:t>환경 검토, 유지 관리 및 모니터링</a:t>
                       </a:r>
-                      <a:r>
-                        <a:rPr lang="en-US" sz="900" spc="0">
-                          <a:solidFill>
-                            <a:srgbClr val="020302"/>
-                          </a:solidFill>
-                          <a:latin typeface="AdobeClean-Light"/>
-                          <a:cs typeface="AdobeClean-Light"/>
-                        </a:rPr>
-                        <a:t> </a:t>
-                      </a:r>
-                      <a:r>
-                        <a:rPr sz="900" spc="0">
-                          <a:solidFill>
-                            <a:srgbClr val="020302"/>
-                          </a:solidFill>
-                          <a:latin typeface="AdobeClean-Light"/>
-                          <a:cs typeface="AdobeClean-Light"/>
-                        </a:rPr>
-                        <a:t>Review, Maintenance &amp; Monitoring</a:t>
-                      </a:r>
-                      <a:endParaRPr sz="900" spc="0">
+                      <a:endParaRPr sz="900" spc="0" dirty="0">
                         <a:latin typeface="AdobeClean-Light"/>
                         <a:cs typeface="AdobeClean-Light"/>
                       </a:endParaRPr>
@@ -6382,7 +5621,7 @@
                           <a:spcPct val="100000"/>
                         </a:lnSpc>
                       </a:pPr>
-                      <a:endParaRPr sz="900">
+                      <a:endParaRPr sz="900" dirty="0">
                         <a:latin typeface="Times New Roman"/>
                         <a:cs typeface="Times New Roman"/>
                       </a:endParaRPr>
@@ -6411,7 +5650,7 @@
                           <a:spcPct val="100000"/>
                         </a:lnSpc>
                       </a:pPr>
-                      <a:endParaRPr sz="900">
+                      <a:endParaRPr sz="900" dirty="0">
                         <a:latin typeface="Times New Roman"/>
                         <a:cs typeface="Times New Roman"/>
                       </a:endParaRPr>
@@ -6445,7 +5684,7 @@
                           <a:spcPts val="500"/>
                         </a:spcBef>
                       </a:pPr>
-                      <a:endParaRPr sz="900">
+                      <a:endParaRPr sz="900" dirty="0">
                         <a:latin typeface="AdobeClean-Light"/>
                         <a:cs typeface="AdobeClean-Light"/>
                       </a:endParaRPr>
@@ -6486,16 +5725,16 @@
                         </a:spcBef>
                       </a:pPr>
                       <a:r>
-                        <a:rPr sz="900" spc="0">
+                        <a:rPr lang="de-de" sz="900" spc="0" dirty="0">
                           <a:solidFill>
                             <a:srgbClr val="020302"/>
                           </a:solidFill>
                           <a:latin typeface="AdobeClean-Light"/>
                           <a:cs typeface="AdobeClean-Light"/>
                         </a:rPr>
-                        <a:t>Release, Migration, Upgrade &amp; Product Roadmap Review</a:t>
+                        <a:t>릴리스, 마이그레이션, 업그레이드 및 제품 로드맵 검토</a:t>
                       </a:r>
-                      <a:endParaRPr sz="900" spc="0">
+                      <a:endParaRPr sz="900" spc="0" dirty="0">
                         <a:latin typeface="AdobeClean-Light"/>
                         <a:cs typeface="AdobeClean-Light"/>
                       </a:endParaRPr>
@@ -6526,7 +5765,7 @@
                           <a:spcPct val="100000"/>
                         </a:lnSpc>
                       </a:pPr>
-                      <a:endParaRPr sz="900">
+                      <a:endParaRPr sz="900" dirty="0">
                         <a:latin typeface="Times New Roman"/>
                         <a:cs typeface="Times New Roman"/>
                       </a:endParaRPr>
@@ -6555,7 +5794,7 @@
                           <a:spcPct val="100000"/>
                         </a:lnSpc>
                       </a:pPr>
-                      <a:endParaRPr sz="900">
+                      <a:endParaRPr sz="900" dirty="0">
                         <a:latin typeface="Times New Roman"/>
                         <a:cs typeface="Times New Roman"/>
                       </a:endParaRPr>
@@ -6589,7 +5828,7 @@
                           <a:spcPts val="530"/>
                         </a:spcBef>
                       </a:pPr>
-                      <a:endParaRPr sz="900">
+                      <a:endParaRPr sz="900" dirty="0">
                         <a:latin typeface="AdobeClean-Light"/>
                         <a:cs typeface="AdobeClean-Light"/>
                       </a:endParaRPr>
@@ -6639,11 +5878,11 @@
                         </a:spcBef>
                       </a:pPr>
                       <a:r>
-                        <a:rPr sz="900" spc="0">
+                        <a:rPr lang="de-de" sz="900" spc="0" dirty="0">
                           <a:latin typeface="AdobeClean-Light"/>
                           <a:cs typeface="AdobeClean-Light"/>
                         </a:rPr>
-                        <a:t>Cloud Support Activities – Experience Manager as Cloud</a:t>
+                        <a:t>클라우드 지원 활동 – Experience Manager as Cloud</a:t>
                       </a:r>
                     </a:p>
                   </a:txBody>
@@ -6678,7 +5917,7 @@
                           <a:spcPct val="100000"/>
                         </a:lnSpc>
                       </a:pPr>
-                      <a:endParaRPr sz="900">
+                      <a:endParaRPr sz="900" dirty="0">
                         <a:latin typeface="Times New Roman"/>
                         <a:cs typeface="Times New Roman"/>
                       </a:endParaRPr>
@@ -6716,7 +5955,7 @@
                           <a:spcPct val="100000"/>
                         </a:lnSpc>
                       </a:pPr>
-                      <a:endParaRPr sz="900">
+                      <a:endParaRPr sz="900" dirty="0">
                         <a:latin typeface="Times New Roman"/>
                         <a:cs typeface="Times New Roman"/>
                       </a:endParaRPr>
@@ -6760,16 +5999,16 @@
                         </a:spcBef>
                       </a:pPr>
                       <a:r>
-                        <a:rPr lang="en-US" sz="1000" b="1" i="0" spc="0">
+                        <a:rPr lang="de-de" sz="1000" b="1" i="0" spc="0" dirty="0">
                           <a:solidFill>
                             <a:schemeClr val="bg1"/>
                           </a:solidFill>
                           <a:latin typeface="Adobe Clean" panose="020B0503020404020204" pitchFamily="34" charset="0"/>
                           <a:cs typeface="AdobeClean-Light"/>
                         </a:rPr>
-                        <a:t>Field Services</a:t>
+                        <a:t>현장 서비스</a:t>
                       </a:r>
-                      <a:endParaRPr sz="1000" b="1" i="0" spc="0">
+                      <a:endParaRPr sz="1000" b="1" i="0" spc="0" dirty="0">
                         <a:solidFill>
                           <a:schemeClr val="bg1"/>
                         </a:solidFill>
@@ -6828,16 +6067,16 @@
                         </a:spcBef>
                       </a:pPr>
                       <a:r>
-                        <a:rPr sz="900" spc="0">
+                        <a:rPr lang="de-de" sz="900" spc="0" dirty="0">
                           <a:solidFill>
                             <a:srgbClr val="020302"/>
                           </a:solidFill>
                           <a:latin typeface="AdobeClean-Light"/>
                           <a:cs typeface="AdobeClean-Light"/>
                         </a:rPr>
-                        <a:t>Launch Advisory Services – First Year of new solution</a:t>
+                        <a:t>출시 자문 서비스 – 새로운 솔루션의 첫 해</a:t>
                       </a:r>
-                      <a:endParaRPr sz="900" spc="0">
+                      <a:endParaRPr sz="900" spc="0" dirty="0">
                         <a:latin typeface="AdobeClean-Light"/>
                         <a:cs typeface="AdobeClean-Light"/>
                       </a:endParaRPr>
@@ -6852,11 +6091,11 @@
                         </a:spcBef>
                       </a:pPr>
                       <a:r>
-                        <a:rPr sz="900" spc="0">
+                        <a:rPr lang="de-de" sz="900" spc="0" dirty="0">
                           <a:latin typeface="AdobeClean-Light"/>
                           <a:cs typeface="AdobeClean-Light"/>
                         </a:rPr>
-                        <a:t>Field Service Activities </a:t>
+                        <a:t>현장 서비스 활동 </a:t>
                       </a:r>
                     </a:p>
                   </a:txBody>
@@ -6897,7 +6136,7 @@
                           <a:spcPct val="100000"/>
                         </a:lnSpc>
                       </a:pPr>
-                      <a:endParaRPr sz="900">
+                      <a:endParaRPr sz="900" dirty="0">
                         <a:latin typeface="Times New Roman"/>
                         <a:cs typeface="Times New Roman"/>
                       </a:endParaRPr>
@@ -6935,7 +6174,7 @@
                           <a:spcPct val="100000"/>
                         </a:lnSpc>
                       </a:pPr>
-                      <a:endParaRPr sz="900">
+                      <a:endParaRPr sz="900" dirty="0">
                         <a:latin typeface="Times New Roman"/>
                         <a:cs typeface="Times New Roman"/>
                       </a:endParaRPr>
@@ -7020,7 +6259,7 @@
                           <a:spcPct val="100000"/>
                         </a:lnSpc>
                       </a:pPr>
-                      <a:endParaRPr sz="900">
+                      <a:endParaRPr sz="900" dirty="0">
                         <a:latin typeface="Times New Roman"/>
                         <a:cs typeface="Times New Roman"/>
                       </a:endParaRPr>
@@ -7041,12 +6280,12 @@
                     <a:bodyPr/>
                     <a:lstStyle/>
                     <a:p>
-                      <a:pPr>
+                      <a:pPr marL="0" algn="l" rtl="0">
                         <a:lnSpc>
                           <a:spcPct val="100000"/>
                         </a:lnSpc>
                       </a:pPr>
-                      <a:endParaRPr sz="900">
+                      <a:endParaRPr sz="900" dirty="0">
                         <a:latin typeface="Times New Roman"/>
                         <a:cs typeface="Times New Roman"/>
                       </a:endParaRPr>
@@ -7105,7 +6344,7 @@
           <a:lstStyle/>
           <a:p>
             <a:r>
-              <a:rPr lang="en-US" sz="700" i="1">
+              <a:rPr lang="de-de" sz="700" i="1" dirty="0">
                 <a:solidFill>
                   <a:schemeClr val="bg1"/>
                 </a:solidFill>
@@ -7308,15 +6547,15 @@
               </a:spcBef>
             </a:pPr>
             <a:r>
-              <a:rPr lang="en-US" sz="1000">
+              <a:rPr lang="de-de" sz="1000" dirty="0">
                 <a:solidFill>
                   <a:srgbClr val="000000"/>
                 </a:solidFill>
                 <a:latin typeface="Adobe Clean Light" panose="020B0303020404020204" pitchFamily="34" charset="0"/>
               </a:rPr>
-              <a:t>A designated Account Support Lead to proactively monitor cases, drive cross-team collaboration, deliver onboarding webinars, run service reports, provide non-technical support assistance, and function as your escalation point and internal advocate within Adobe Support.</a:t>
-            </a:r>
-            <a:endParaRPr lang="en-US" sz="1000">
+              <a:t>사례를 사전에 모니터링하고, 팀 간의 공동 작업을 주도하고, 온보딩 웨비나를 제공하고, 서비스 보고를 실행하고, 비기술적 지원을 제공하고, Adobe 지원 내에서 에스컬레이션 지점 및 내부 지지 역할을 하는 지정된 계정 지원 리드입니다.</a:t>
+            </a:r>
+            <a:endParaRPr lang="en-US" sz="1000" dirty="0">
               <a:latin typeface="Adobe Clean Light" panose="020B0303020404020204" pitchFamily="34" charset="0"/>
               <a:cs typeface="AdobeClean-Light"/>
             </a:endParaRPr>
@@ -7332,14 +6571,14 @@
         <p:spPr>
           <a:xfrm>
             <a:off x="2836967" y="8618616"/>
-            <a:ext cx="2286000" cy="641201"/>
+            <a:ext cx="2286000" cy="487313"/>
           </a:xfrm>
           <a:prstGeom prst="rect">
             <a:avLst/>
           </a:prstGeom>
         </p:spPr>
         <p:txBody>
-          <a:bodyPr vert="horz" wrap="square" lIns="0" tIns="12700" rIns="0" bIns="0" rtlCol="0" anchor="t">
+          <a:bodyPr vert="horz" wrap="square" lIns="0" tIns="12700" rIns="0" bIns="0" rtlCol="0">
             <a:spAutoFit/>
           </a:bodyPr>
           <a:lstStyle/>
@@ -7356,48 +6595,28 @@
               </a:tabLst>
             </a:pPr>
             <a:r>
-              <a:rPr sz="1000">
+              <a:rPr lang="de-de" sz="1000" dirty="0">
                 <a:solidFill>
                   <a:srgbClr val="020302"/>
                 </a:solidFill>
                 <a:latin typeface="AdobeClean-Light"/>
                 <a:cs typeface="AdobeClean-Light"/>
               </a:rPr>
-              <a:t>Start a chat session to get answers</a:t>
-            </a:r>
-            <a:r>
-              <a:rPr lang="en-US" sz="1000">
-                <a:solidFill>
-                  <a:srgbClr val="020302"/>
-                </a:solidFill>
-                <a:latin typeface="AdobeClean-Light"/>
-                <a:cs typeface="AdobeClean-Light"/>
-              </a:rPr>
-              <a:t> &amp; </a:t>
-            </a:r>
-            <a:r>
-              <a:rPr sz="1000">
-                <a:solidFill>
-                  <a:srgbClr val="020302"/>
-                </a:solidFill>
-                <a:latin typeface="AdobeClean-Light"/>
-                <a:cs typeface="AdobeClean-Light"/>
-              </a:rPr>
-              <a:t>help with case submission</a:t>
-            </a:r>
-            <a:r>
-              <a:rPr lang="en-US" sz="1000">
-                <a:solidFill>
-                  <a:srgbClr val="020302"/>
-                </a:solidFill>
-                <a:latin typeface="AdobeClean-Light"/>
-                <a:cs typeface="AdobeClean-Light"/>
-              </a:rPr>
-              <a:t>.</a:t>
-            </a:r>
+              <a:t>답변을 얻고 사례 제출 관련 도움을 받을 수 있는</a:t>
+            </a:r>
+            <a:endParaRPr lang="en-US" sz="1000" dirty="0">
+              <a:solidFill>
+                <a:srgbClr val="020302"/>
+              </a:solidFill>
+              <a:latin typeface="AdobeClean-Light"/>
+              <a:cs typeface="AdobeClean-Light"/>
+            </a:endParaRPr>
           </a:p>
           <a:p>
             <a:pPr marL="33020" marR="159385">
+              <a:lnSpc>
+                <a:spcPct val="100000"/>
+              </a:lnSpc>
               <a:spcBef>
                 <a:spcPts val="100"/>
               </a:spcBef>
@@ -7406,36 +6625,36 @@
               </a:tabLst>
             </a:pPr>
             <a:r>
-              <a:rPr sz="1000" i="1">
+              <a:rPr lang="de-de" sz="1000" dirty="0">
+                <a:solidFill>
+                  <a:srgbClr val="020302"/>
+                </a:solidFill>
+                <a:latin typeface="AdobeClean-Light"/>
+                <a:cs typeface="AdobeClean-Light"/>
+              </a:rPr>
+              <a:t> 채팅 세션을 시작합니다.</a:t>
+            </a:r>
+            <a:r>
+              <a:rPr lang="de-de" sz="1000" i="1" dirty="0">
                 <a:solidFill>
                   <a:srgbClr val="7A7A7A"/>
                 </a:solidFill>
                 <a:latin typeface="AdobeClean-LightIt"/>
                 <a:cs typeface="AdobeClean-LightIt"/>
               </a:rPr>
-              <a:t>*Not all products have live chat support</a:t>
-            </a:r>
-            <a:r>
-              <a:rPr sz="900" i="1">
+              <a:t>*모든 제품에 라이브 채팅이 지원되는 것은 아닙니다</a:t>
+            </a:r>
+            <a:r>
+              <a:rPr lang="de-de" sz="900" i="1" dirty="0">
                 <a:solidFill>
                   <a:srgbClr val="7A7A7A"/>
                 </a:solidFill>
                 <a:latin typeface="AdobeClean-LightIt"/>
                 <a:cs typeface="AdobeClean-LightIt"/>
               </a:rPr>
-              <a:t>.</a:t>
-            </a:r>
-            <a:r>
-              <a:rPr lang="en-US" sz="900" i="1">
-                <a:solidFill>
-                  <a:srgbClr val="7A7A7A"/>
-                </a:solidFill>
-                <a:latin typeface="AdobeClean-LightIt"/>
-                <a:cs typeface="AdobeClean-LightIt"/>
-              </a:rPr>
-              <a:t>  </a:t>
-            </a:r>
-            <a:endParaRPr sz="900">
+              <a:t>.  </a:t>
+            </a:r>
+            <a:endParaRPr sz="900" dirty="0">
               <a:latin typeface="AdobeClean-Light"/>
               <a:cs typeface="AdobeClean-Light"/>
             </a:endParaRPr>
@@ -7514,12 +6733,12 @@
               <a:defRPr/>
             </a:pPr>
             <a:r>
-              <a:rPr lang="en-US" sz="1200">
+              <a:rPr lang="de-de" sz="1200" dirty="0">
                 <a:solidFill>
                   <a:srgbClr val="000000"/>
                 </a:solidFill>
               </a:rPr>
-              <a:t>Community Forums</a:t>
+              <a:t>커뮤니티 포럼</a:t>
             </a:r>
           </a:p>
         </p:txBody>
@@ -7562,12 +6781,12 @@
               </a:spcAft>
             </a:pPr>
             <a:r>
-              <a:rPr lang="en-US" sz="1200" b="1">
+              <a:rPr lang="de-de" sz="1200" b="1" dirty="0">
                 <a:latin typeface="+mj-lt"/>
                 <a:ea typeface="Open Sans" pitchFamily="34" charset="0"/>
                 <a:cs typeface="Open Sans" pitchFamily="34" charset="0"/>
               </a:rPr>
-              <a:t>Online Forums</a:t>
+              <a:t>온라인 포럼</a:t>
             </a:r>
           </a:p>
         </p:txBody>
@@ -7600,13 +6819,13 @@
           <a:lstStyle/>
           <a:p>
             <a:r>
-              <a:rPr lang="en-US" sz="1000">
+              <a:rPr lang="de-de" sz="1000" dirty="0">
                 <a:solidFill>
                   <a:srgbClr val="000000"/>
                 </a:solidFill>
                 <a:latin typeface="Adobe Clean Light" panose="020B0303020404020204" pitchFamily="34" charset="0"/>
               </a:rPr>
-              <a:t>Continuous online access to a growing database of technical solutions, product documentation, FAQs and more. Thousands of customers can connect to share best practices and lessons learned.</a:t>
+              <a:t>기술 솔루션, 제품 문서, FAQ 등 증가하는 데이터베이스에 대한 지속적인 온라인 액세스. 수천 명의 고객이 소통하여 모범 사례와 진행 중 얻은 개선 사항을 공유할 수 있습니다.</a:t>
             </a:r>
           </a:p>
         </p:txBody>
@@ -7649,12 +6868,12 @@
               </a:spcAft>
             </a:pPr>
             <a:r>
-              <a:rPr lang="en-US" sz="1200" b="1">
+              <a:rPr lang="de-de" sz="1200" b="1" dirty="0">
                 <a:latin typeface="+mj-lt"/>
                 <a:ea typeface="Open Sans" pitchFamily="34" charset="0"/>
                 <a:cs typeface="Open Sans" pitchFamily="34" charset="0"/>
               </a:rPr>
-              <a:t>Self-guided Journeys</a:t>
+              <a:t>셀프 가이드 여정</a:t>
             </a:r>
           </a:p>
         </p:txBody>
@@ -7687,13 +6906,13 @@
           <a:lstStyle/>
           <a:p>
             <a:r>
-              <a:rPr lang="en-US" sz="1000">
+              <a:rPr lang="de-de" sz="1000" dirty="0">
                 <a:solidFill>
                   <a:srgbClr val="000000"/>
                 </a:solidFill>
                 <a:latin typeface="Adobe Clean Light" panose="020B0303020404020204" pitchFamily="34" charset="0"/>
               </a:rPr>
-              <a:t>Experience Makers are made with Experience League. Customers can kickstart their Customer Experience Management abilities with personalized learning to develop skills, engage with a global community of peers, and earn career advancing recognition.</a:t>
+              <a:t>Experience 업체는 Experience League로 만들어집니다. 고객은 개인 맞춤형 학습을 통해 고객 경험 관리 능력에 시동을 걸어 기술을 개발하고 글로벌 동료 커뮤니티와 교류하며 경력 발전에 도움이 되는 인정을 얻을 수 있습니다.</a:t>
             </a:r>
           </a:p>
         </p:txBody>
@@ -7741,12 +6960,12 @@
               <a:defRPr/>
             </a:pPr>
             <a:r>
-              <a:rPr lang="en-US" sz="1200">
+              <a:rPr lang="de-de" sz="1200" dirty="0">
                 <a:solidFill>
                   <a:srgbClr val="000000"/>
                 </a:solidFill>
               </a:rPr>
-              <a:t>Live Chat  Support*</a:t>
+              <a:t>라이브 채팅 지원*</a:t>
             </a:r>
           </a:p>
         </p:txBody>
@@ -7789,12 +7008,12 @@
               </a:spcAft>
             </a:pPr>
             <a:r>
-              <a:rPr lang="en-US" sz="1200" b="1">
+              <a:rPr lang="de-de" sz="1200" b="1" dirty="0">
                 <a:latin typeface="+mj-lt"/>
                 <a:ea typeface="Open Sans" pitchFamily="34" charset="0"/>
                 <a:cs typeface="Open Sans" pitchFamily="34" charset="0"/>
               </a:rPr>
-              <a:t>Chat Support</a:t>
+              <a:t>채팅 지원</a:t>
             </a:r>
           </a:p>
         </p:txBody>
@@ -7842,7 +7061,7 @@
               <a:defRPr/>
             </a:pPr>
             <a:r>
-              <a:rPr lang="en-US" sz="1200">
+              <a:rPr lang="de-de" sz="1200" dirty="0">
                 <a:solidFill>
                   <a:srgbClr val="000000"/>
                 </a:solidFill>
@@ -7890,12 +7109,12 @@
               </a:spcAft>
             </a:pPr>
             <a:r>
-              <a:rPr lang="en-US" sz="1200" b="1">
+              <a:rPr lang="de-de" sz="1200" b="1" dirty="0">
                 <a:latin typeface="+mj-lt"/>
                 <a:ea typeface="Open Sans" pitchFamily="34" charset="0"/>
                 <a:cs typeface="Open Sans" pitchFamily="34" charset="0"/>
               </a:rPr>
-              <a:t>Phone Support</a:t>
+              <a:t>전화 지원</a:t>
             </a:r>
           </a:p>
         </p:txBody>
@@ -7928,21 +7147,21 @@
           <a:lstStyle/>
           <a:p>
             <a:r>
-              <a:rPr lang="en-US" sz="1000">
+              <a:rPr lang="de-de" sz="1000" dirty="0">
                 <a:solidFill>
                   <a:srgbClr val="020302"/>
                 </a:solidFill>
                 <a:latin typeface="AdobeClean-Light"/>
               </a:rPr>
-              <a:t>Authorized users or Named Support Contacts </a:t>
-            </a:r>
-            <a:r>
-              <a:rPr lang="en-US" sz="1000">
+              <a:t>승인된 사용자 또는 지정 지원 담당자</a:t>
+            </a:r>
+            <a:r>
+              <a:rPr lang="de-de" sz="1000" dirty="0">
                 <a:latin typeface="Adobe Clean Light" panose="020B0303020404020204" pitchFamily="34" charset="0"/>
               </a:rPr>
-              <a:t>can submit issues through all available  channels (including phone for P1) and interact with our technical support team on behalf of your company. </a:t>
-            </a:r>
-            <a:endParaRPr lang="en-US" sz="1000">
+              <a:t>는 사용 가능한 모든 채널(P1용 전화 포함)을 통해 문제를 제출하고 귀사를 대신하여 기술 지원 팀과 상호 작용할 수 있습니다. </a:t>
+            </a:r>
+            <a:endParaRPr lang="en-US" sz="1000" dirty="0">
               <a:solidFill>
                 <a:srgbClr val="000000"/>
               </a:solidFill>
@@ -7970,7 +7189,7 @@
         <p:spPr>
           <a:xfrm>
             <a:off x="5253416" y="9862966"/>
-            <a:ext cx="2270125" cy="132729"/>
+            <a:ext cx="2518984" cy="132729"/>
           </a:xfrm>
           <a:prstGeom prst="rect">
             <a:avLst/>
@@ -7991,24 +7210,16 @@
               </a:spcBef>
             </a:pPr>
             <a:r>
-              <a:rPr spc="-5"/>
-              <a:t>©202</a:t>
-            </a:r>
-            <a:r>
-              <a:rPr lang="en-US" spc="-5"/>
-              <a:t>1</a:t>
-            </a:r>
-            <a:r>
-              <a:rPr spc="-5"/>
-              <a:t> Adobe. All Rights Reserved. Adobe</a:t>
-            </a:r>
-            <a:r>
-              <a:rPr spc="60"/>
+              <a:rPr lang="de-de" spc="-5" dirty="0"/>
+              <a:t>©2021 Adobe. All Rights Reserved. Adobe</a:t>
+            </a:r>
+            <a:r>
+              <a:rPr lang="de-de" spc="60" dirty="0"/>
               <a:t> </a:t>
             </a:r>
             <a:r>
-              <a:rPr spc="-5"/>
-              <a:t>Confidential.</a:t>
+              <a:rPr lang="de-de" spc="-5" dirty="0"/>
+              <a:t>기밀.</a:t>
             </a:r>
           </a:p>
         </p:txBody>
@@ -8051,13 +7262,13 @@
               </a:spcAft>
             </a:pPr>
             <a:r>
-              <a:rPr lang="en-US" sz="1200" b="1" spc="-10">
+              <a:rPr lang="de-de" sz="1200" b="1" spc="-10" dirty="0">
                 <a:solidFill>
                   <a:srgbClr val="020302"/>
                 </a:solidFill>
                 <a:latin typeface="+mj-lt"/>
               </a:rPr>
-              <a:t>Account Support Lead</a:t>
+              <a:t>계정 지원 리드</a:t>
             </a:r>
           </a:p>
         </p:txBody>
@@ -8146,16 +7357,16 @@
               </a:spcBef>
             </a:pPr>
             <a:r>
-              <a:rPr lang="en-US" sz="1400" b="1" spc="-10">
+              <a:rPr lang="de-de" sz="1400" b="1" spc="-10" dirty="0">
                 <a:solidFill>
                   <a:srgbClr val="020302"/>
                 </a:solidFill>
                 <a:latin typeface="Adobe Clean"/>
                 <a:cs typeface="Adobe Clean"/>
               </a:rPr>
-              <a:t>Online Support Features</a:t>
-            </a:r>
-            <a:endParaRPr lang="en-US" sz="1400">
+              <a:t>온라인 지원 기능</a:t>
+            </a:r>
+            <a:endParaRPr lang="en-US" sz="1400" dirty="0">
               <a:latin typeface="Adobe Clean"/>
               <a:cs typeface="Adobe Clean"/>
             </a:endParaRPr>
@@ -8246,16 +7457,16 @@
               </a:spcBef>
             </a:pPr>
             <a:r>
-              <a:rPr lang="en-US" sz="1400" b="1" spc="-10">
+              <a:rPr lang="de-de" sz="1400" b="1" spc="-10" dirty="0">
                 <a:solidFill>
                   <a:srgbClr val="020302"/>
                 </a:solidFill>
                 <a:latin typeface="Adobe Clean"/>
                 <a:cs typeface="Adobe Clean"/>
               </a:rPr>
-              <a:t>Business  Support Features</a:t>
-            </a:r>
-            <a:endParaRPr lang="en-US" sz="1400">
+              <a:t>비즈니스 지원 기능</a:t>
+            </a:r>
+            <a:endParaRPr lang="en-US" sz="1400" dirty="0">
               <a:latin typeface="Adobe Clean"/>
               <a:cs typeface="Adobe Clean"/>
             </a:endParaRPr>
@@ -8298,12 +7509,12 @@
               </a:spcBef>
             </a:pPr>
             <a:r>
-              <a:rPr lang="en-US" sz="1000">
+              <a:rPr lang="de-de" sz="1000" dirty="0">
                 <a:latin typeface="Adobe Clean Light" panose="020B0303020404020204" pitchFamily="34" charset="0"/>
               </a:rPr>
-              <a:t>Customers can submit support cases via Phone for all P2, P3, P4 issues during regional support hours. There are no upper limits on the number of times you can call into support. Customers can also request a call back from support or request a meeting to demonstrate or work through an issue using a shared remote desktop session.</a:t>
-            </a:r>
-            <a:endParaRPr lang="en-US" sz="1000">
+              <a:t>고객은 지역별 지원 시간 동안 모든 P2, P3, P4 문제에 대해 전화를 통해 지원 사례를 제출할 수 있습니다. 지원을 요청할 수 있는 횟수에는 상한선이 없습니다. 고객은 또한 지원 팀에 콜백을 요청하거나 공유 원격 데스크탑 세션을 사용하여 문제를 시연하거나 해결하기 위한 회의를 요청할 수 있습니다.</a:t>
+            </a:r>
+            <a:endParaRPr lang="en-US" sz="1000" dirty="0">
               <a:latin typeface="Adobe Clean Light" panose="020B0303020404020204" pitchFamily="34" charset="0"/>
               <a:cs typeface="AdobeClean-Light"/>
             </a:endParaRPr>
@@ -8348,13 +7559,13 @@
               </a:spcAft>
             </a:pPr>
             <a:r>
-              <a:rPr lang="en-US" sz="1200" b="1" spc="-10">
+              <a:rPr lang="de-de" sz="1200" b="1" spc="-10" dirty="0">
                 <a:solidFill>
                   <a:srgbClr val="020302"/>
                 </a:solidFill>
                 <a:latin typeface="+mj-lt"/>
               </a:rPr>
-              <a:t>Live Telephone Support</a:t>
+              <a:t>실시간 전화 지원</a:t>
             </a:r>
           </a:p>
         </p:txBody>
@@ -8395,15 +7606,15 @@
               </a:spcBef>
             </a:pPr>
             <a:r>
-              <a:rPr lang="en-US" sz="1000">
+              <a:rPr lang="de-de" sz="1000" dirty="0">
                 <a:solidFill>
                   <a:srgbClr val="4B4B4B"/>
                 </a:solidFill>
                 <a:latin typeface="Adobe Clean Light" panose="020B0303020404020204" pitchFamily="34" charset="0"/>
               </a:rPr>
-              <a:t>A designated point of contact within Adobe who can provide escalation assistance, regular updates and ensure priority is given to your most critical open support requests.</a:t>
-            </a:r>
-            <a:endParaRPr lang="en-US" sz="1000">
+              <a:t>에스컬레이션 지원 및 정기 업데이트를 제공하고 진행 중인 지원 요청에서 가장 중요한 것에 우선 순위를 부여할 수 있는 Adobe 내의 지정된 담당자입니다.</a:t>
+            </a:r>
+            <a:endParaRPr lang="en-US" sz="1000" dirty="0">
               <a:latin typeface="Adobe Clean Light" panose="020B0303020404020204" pitchFamily="34" charset="0"/>
               <a:cs typeface="AdobeClean-Light"/>
             </a:endParaRPr>
@@ -8448,13 +7659,13 @@
               </a:spcAft>
             </a:pPr>
             <a:r>
-              <a:rPr lang="en-US" sz="1200" b="1" spc="-10">
+              <a:rPr lang="de-de" sz="1200" b="1" spc="-10" dirty="0">
                 <a:solidFill>
                   <a:srgbClr val="020302"/>
                 </a:solidFill>
                 <a:latin typeface="+mj-lt"/>
               </a:rPr>
-              <a:t>Escalation Management</a:t>
+              <a:t>에스컬레이션 관리</a:t>
             </a:r>
           </a:p>
         </p:txBody>
@@ -8502,12 +7713,12 @@
               <a:defRPr/>
             </a:pPr>
             <a:r>
-              <a:rPr lang="en-US" sz="1200">
+              <a:rPr lang="de-de" sz="1200" dirty="0">
                 <a:solidFill>
                   <a:srgbClr val="000000"/>
                 </a:solidFill>
               </a:rPr>
-              <a:t>Office Hours</a:t>
+              <a:t>오피스 아워</a:t>
             </a:r>
           </a:p>
         </p:txBody>
@@ -8550,12 +7761,12 @@
               </a:spcAft>
             </a:pPr>
             <a:r>
-              <a:rPr lang="en-US" sz="1200" b="1">
+              <a:rPr lang="de-de" sz="1200" b="1" dirty="0">
                 <a:latin typeface="+mj-lt"/>
                 <a:ea typeface="Open Sans" pitchFamily="34" charset="0"/>
                 <a:cs typeface="Open Sans" pitchFamily="34" charset="0"/>
               </a:rPr>
-              <a:t>Webinars</a:t>
+              <a:t>웨비나</a:t>
             </a:r>
           </a:p>
         </p:txBody>
@@ -8588,13 +7799,13 @@
           <a:lstStyle/>
           <a:p>
             <a:r>
-              <a:rPr lang="en-US" sz="1000">
+              <a:rPr lang="de-de" sz="1000" dirty="0">
                 <a:solidFill>
                   <a:srgbClr val="000000"/>
                 </a:solidFill>
                 <a:latin typeface="Adobe Clean Light" panose="020B0303020404020204" pitchFamily="34" charset="0"/>
               </a:rPr>
-              <a:t>Office Hours is an initiative led by the Adobe Customer Support team. These sessions are designed to inform as well as help participants troubleshoot problems and provide tips and tricks to be successful with Adobe Experience Cloud.</a:t>
+              <a:t>오피스 아워(Office Hours)는 Adobe 고객 지원 팀에서 진행하는 이니셔티브입니다. 이러한 세션은 참가자가 문제를 해결하도록 관련 정보를 제공하여 도움을 주고 Adobe Experience Cloud를 성공적으로 사용할 수 있는 팁과 요령을 제공하기 위해 설계되었습니다.</a:t>
             </a:r>
           </a:p>
         </p:txBody>
@@ -8637,12 +7848,12 @@
               </a:spcAft>
             </a:pPr>
             <a:r>
-              <a:rPr lang="en-US" sz="1200" b="1">
+              <a:rPr lang="de-de" sz="1200" b="1" dirty="0">
                 <a:latin typeface="+mj-lt"/>
                 <a:ea typeface="Open Sans" pitchFamily="34" charset="0"/>
                 <a:cs typeface="Open Sans" pitchFamily="34" charset="0"/>
               </a:rPr>
-              <a:t>24/7 Support Portal</a:t>
+              <a:t>24/7 지원 포털</a:t>
             </a:r>
           </a:p>
         </p:txBody>
@@ -8675,37 +7886,30 @@
           <a:lstStyle/>
           <a:p>
             <a:r>
-              <a:rPr lang="en-US" sz="1000">
+              <a:rPr lang="de-de" sz="1000" dirty="0">
                 <a:solidFill>
                   <a:srgbClr val="000000"/>
                 </a:solidFill>
                 <a:latin typeface="Adobe Clean Light" panose="020B0303020404020204" pitchFamily="34" charset="0"/>
               </a:rPr>
-              <a:t>On-demand access to the online </a:t>
-            </a:r>
-            <a:br>
-              <a:rPr lang="en-US" sz="1000">
+              <a:t>지원 요청을 제출하고 사례 상태를 검토하고 기술 자료, 뉴스 및 알림, 추천 팁 등과 같은 기타 리소스를 검색할 수 있는 온라인 </a:t>
+            </a:r>
+            <a:br/>
+            <a:r>
+              <a:rPr lang="de-de" sz="1000" dirty="0">
                 <a:solidFill>
                   <a:srgbClr val="000000"/>
                 </a:solidFill>
                 <a:latin typeface="Adobe Clean Light" panose="020B0303020404020204" pitchFamily="34" charset="0"/>
               </a:rPr>
-            </a:br>
-            <a:r>
-              <a:rPr lang="en-US" sz="1000">
-                <a:solidFill>
-                  <a:srgbClr val="000000"/>
-                </a:solidFill>
-                <a:latin typeface="Adobe Clean Light" panose="020B0303020404020204" pitchFamily="34" charset="0"/>
-              </a:rPr>
-              <a:t>Self-help Support Portal to submit support requests, review case status, and browse other resources, like our knowledgebase, news and alerts, featured tips, and more.</a:t>
+              <a:t>자가 진단 지원 포털에 대한 온디맨드 액세스입니다.</a:t>
             </a:r>
           </a:p>
         </p:txBody>
       </p:sp>
       <p:pic>
         <p:nvPicPr>
-          <p:cNvPr id="13" name="Graphic 12" descr="Playbook outline">
+          <p:cNvPr id="13" name="Graphic 12" descr="플레이북 개요">
             <a:extLst>
               <a:ext uri="{FF2B5EF4-FFF2-40B4-BE49-F238E27FC236}">
                 <a16:creationId xmlns:a16="http://schemas.microsoft.com/office/drawing/2014/main" id="{EA91EF06-4BFE-9B42-9A4B-1146BB3FDFD3}"/>
@@ -8744,7 +7948,7 @@
       </p:pic>
       <p:pic>
         <p:nvPicPr>
-          <p:cNvPr id="15" name="Graphic 14" descr="User outline">
+          <p:cNvPr id="15" name="Graphic 14" descr="사용자 개요">
             <a:extLst>
               <a:ext uri="{FF2B5EF4-FFF2-40B4-BE49-F238E27FC236}">
                 <a16:creationId xmlns:a16="http://schemas.microsoft.com/office/drawing/2014/main" id="{432C176A-FCAC-A645-A2E4-E6AD4A602868}"/>
@@ -8810,10 +8014,10 @@
           <a:lstStyle/>
           <a:p>
             <a:r>
-              <a:rPr lang="en-US" sz="1200" b="1">
+              <a:rPr lang="de-de" sz="1200" b="1" dirty="0">
                 <a:latin typeface="+mj-lt"/>
               </a:rPr>
-              <a:t>Business Services</a:t>
+              <a:t>비즈니스 서비스</a:t>
             </a:r>
           </a:p>
         </p:txBody>
@@ -8854,12 +8058,12 @@
               </a:spcBef>
             </a:pPr>
             <a:r>
-              <a:rPr lang="en-US" sz="1000">
+              <a:rPr lang="de-de" sz="1000" dirty="0">
                 <a:latin typeface="Adobe Clean Light" panose="020B0303020404020204" pitchFamily="34" charset="0"/>
               </a:rPr>
-              <a:t>An Account Support Lead will host webinars covering an overview of business support services.  </a:t>
-            </a:r>
-            <a:endParaRPr lang="en-US" sz="1000">
+              <a:t>계정 지원 리드가 비즈니스 지원 서비스의 개요를 다루는 웨비나를 진행합니다.  </a:t>
+            </a:r>
+            <a:endParaRPr lang="en-US" sz="1000" dirty="0">
               <a:latin typeface="Adobe Clean Light" panose="020B0303020404020204" pitchFamily="34" charset="0"/>
               <a:cs typeface="AdobeClean-Light"/>
             </a:endParaRPr>
@@ -8923,7 +8127,7 @@
       </p:sp>
       <p:pic>
         <p:nvPicPr>
-          <p:cNvPr id="8" name="Graphic 7" descr="Call center outline">
+          <p:cNvPr id="8" name="Graphic 7" descr="콜 센터 개요">
             <a:extLst>
               <a:ext uri="{FF2B5EF4-FFF2-40B4-BE49-F238E27FC236}">
                 <a16:creationId xmlns:a16="http://schemas.microsoft.com/office/drawing/2014/main" id="{76C5F4CC-9EB1-9A40-B7CD-9238D7CBD210}"/>
@@ -8962,7 +8166,7 @@
       </p:pic>
       <p:pic>
         <p:nvPicPr>
-          <p:cNvPr id="12" name="Graphic 11" descr="Chat bubble outline">
+          <p:cNvPr id="12" name="Graphic 11" descr="말풍선 개요">
             <a:extLst>
               <a:ext uri="{FF2B5EF4-FFF2-40B4-BE49-F238E27FC236}">
                 <a16:creationId xmlns:a16="http://schemas.microsoft.com/office/drawing/2014/main" id="{622BBF30-302E-BB48-9742-E046EB16E213}"/>
@@ -9001,7 +8205,7 @@
       </p:pic>
       <p:pic>
         <p:nvPicPr>
-          <p:cNvPr id="16" name="Graphic 15" descr="Compass outline">
+          <p:cNvPr id="16" name="Graphic 15" descr="나침반 개요">
             <a:extLst>
               <a:ext uri="{FF2B5EF4-FFF2-40B4-BE49-F238E27FC236}">
                 <a16:creationId xmlns:a16="http://schemas.microsoft.com/office/drawing/2014/main" id="{8D3635BD-68A2-174E-92F8-1EE608E3F409}"/>
@@ -9040,7 +8244,7 @@
       </p:pic>
       <p:pic>
         <p:nvPicPr>
-          <p:cNvPr id="18" name="Graphic 17" descr="Speaker phone outline">
+          <p:cNvPr id="18" name="Graphic 17" descr="스피커폰 개요">
             <a:extLst>
               <a:ext uri="{FF2B5EF4-FFF2-40B4-BE49-F238E27FC236}">
                 <a16:creationId xmlns:a16="http://schemas.microsoft.com/office/drawing/2014/main" id="{CD7C3546-DF6C-1748-9DE2-3DE0B393FD70}"/>
@@ -9079,7 +8283,7 @@
       </p:pic>
       <p:pic>
         <p:nvPicPr>
-          <p:cNvPr id="20" name="Graphic 19" descr="Customer review outline">
+          <p:cNvPr id="20" name="Graphic 19" descr="고객 리뷰 개요">
             <a:extLst>
               <a:ext uri="{FF2B5EF4-FFF2-40B4-BE49-F238E27FC236}">
                 <a16:creationId xmlns:a16="http://schemas.microsoft.com/office/drawing/2014/main" id="{88BA5AB9-C7BF-714C-B301-F3911BFCE82B}"/>
@@ -9118,7 +8322,7 @@
       </p:pic>
       <p:pic>
         <p:nvPicPr>
-          <p:cNvPr id="24" name="Graphic 23" descr="Signpost outline">
+          <p:cNvPr id="24" name="Graphic 23" descr="길잡이 개요">
             <a:extLst>
               <a:ext uri="{FF2B5EF4-FFF2-40B4-BE49-F238E27FC236}">
                 <a16:creationId xmlns:a16="http://schemas.microsoft.com/office/drawing/2014/main" id="{98A2CDD0-0973-5C41-9864-EAF96E20A224}"/>
@@ -9157,7 +8361,7 @@
       </p:pic>
       <p:pic>
         <p:nvPicPr>
-          <p:cNvPr id="26" name="Graphic 25" descr="Internet outline">
+          <p:cNvPr id="26" name="Graphic 25" descr="인터넷 개요">
             <a:extLst>
               <a:ext uri="{FF2B5EF4-FFF2-40B4-BE49-F238E27FC236}">
                 <a16:creationId xmlns:a16="http://schemas.microsoft.com/office/drawing/2014/main" id="{D97D0963-4E70-534E-A452-83995F1FACDE}"/>
@@ -9196,7 +8400,7 @@
       </p:pic>
       <p:pic>
         <p:nvPicPr>
-          <p:cNvPr id="28" name="Graphic 27" descr="Remote learning language outline">
+          <p:cNvPr id="28" name="Graphic 27" descr="원격 학습 언어 개요">
             <a:extLst>
               <a:ext uri="{FF2B5EF4-FFF2-40B4-BE49-F238E27FC236}">
                 <a16:creationId xmlns:a16="http://schemas.microsoft.com/office/drawing/2014/main" id="{5F425BA3-573C-1A4A-9418-FC3AB02B28C2}"/>
@@ -9331,12 +8535,12 @@
               <a:defRPr/>
             </a:pPr>
             <a:r>
-              <a:rPr lang="en-US" sz="1200">
+              <a:rPr lang="de-de" sz="1200" dirty="0">
                 <a:solidFill>
                   <a:srgbClr val="000000"/>
                 </a:solidFill>
               </a:rPr>
-              <a:t>Self– Help Portal</a:t>
+              <a:t>자가 진단 포털</a:t>
             </a:r>
           </a:p>
         </p:txBody>
@@ -9384,7 +8588,7 @@
               <a:defRPr/>
             </a:pPr>
             <a:r>
-              <a:rPr lang="en-US" sz="1200">
+              <a:rPr lang="de-de" sz="1200" dirty="0">
                 <a:solidFill>
                   <a:srgbClr val="000000"/>
                 </a:solidFill>
@@ -9446,17 +8650,17 @@
               </a:lnSpc>
             </a:pPr>
             <a:r>
-              <a:rPr sz="500" spc="-5">
+              <a:rPr lang="de-de" sz="500" spc="-5" dirty="0">
                 <a:solidFill>
                   <a:srgbClr val="6C6C6C"/>
                 </a:solidFill>
                 <a:latin typeface="Adobe Clean"/>
                 <a:cs typeface="Adobe Clean"/>
               </a:rPr>
-              <a:t>©2020 Adobe. All Rights Reserved. </a:t>
-            </a:r>
-            <a:r>
-              <a:rPr sz="500">
+              <a:t>© 2020 Adobe.  All Rights Reserved. </a:t>
+            </a:r>
+            <a:r>
+              <a:rPr lang="de-de" sz="500" dirty="0">
                 <a:solidFill>
                   <a:srgbClr val="6C6C6C"/>
                 </a:solidFill>
@@ -9466,7 +8670,7 @@
               <a:t>Adobe</a:t>
             </a:r>
             <a:r>
-              <a:rPr sz="500" spc="5">
+              <a:rPr lang="de-de" sz="500" spc="5" dirty="0">
                 <a:solidFill>
                   <a:srgbClr val="6C6C6C"/>
                 </a:solidFill>
@@ -9476,14 +8680,14 @@
               <a:t> </a:t>
             </a:r>
             <a:r>
-              <a:rPr sz="500" spc="-5">
+              <a:rPr lang="de-de" sz="500" spc="-5" dirty="0">
                 <a:solidFill>
                   <a:srgbClr val="6C6C6C"/>
                 </a:solidFill>
                 <a:latin typeface="Adobe Clean"/>
                 <a:cs typeface="Adobe Clean"/>
               </a:rPr>
-              <a:t>Confidential.</a:t>
+              <a:t>기밀.</a:t>
             </a:r>
             <a:endParaRPr sz="500">
               <a:latin typeface="Adobe Clean"/>
@@ -9514,17 +8718,17 @@
               </a:spcBef>
             </a:pPr>
             <a:r>
-              <a:rPr sz="800" spc="-5">
+              <a:rPr lang="de-de" sz="800" spc="-5" dirty="0">
                 <a:solidFill>
                   <a:srgbClr val="6D6D6D"/>
                 </a:solidFill>
                 <a:latin typeface="Adobe Clean"/>
                 <a:cs typeface="Adobe Clean"/>
               </a:rPr>
-              <a:t>©2020 Adobe. All Rights Reserved. Adobe</a:t>
-            </a:r>
-            <a:r>
-              <a:rPr sz="800" spc="75">
+              <a:t>© 2020 Adobe.  All Rights Reserved. Adobe</a:t>
+            </a:r>
+            <a:r>
+              <a:rPr lang="de-de" sz="800" spc="75" dirty="0">
                 <a:solidFill>
                   <a:srgbClr val="6D6D6D"/>
                 </a:solidFill>
@@ -9534,14 +8738,14 @@
               <a:t> </a:t>
             </a:r>
             <a:r>
-              <a:rPr sz="800" spc="-5">
+              <a:rPr lang="de-de" sz="800" spc="-5" dirty="0">
                 <a:solidFill>
                   <a:srgbClr val="6D6D6D"/>
                 </a:solidFill>
                 <a:latin typeface="Adobe Clean"/>
                 <a:cs typeface="Adobe Clean"/>
               </a:rPr>
-              <a:t>Confidential.</a:t>
+              <a:t>기밀.</a:t>
             </a:r>
             <a:endParaRPr sz="800">
               <a:latin typeface="Adobe Clean"/>
@@ -9630,16 +8834,16 @@
               </a:spcBef>
             </a:pPr>
             <a:r>
-              <a:rPr lang="en-US" sz="1400" b="1" spc="-15">
+              <a:rPr lang="de-de" sz="1400" b="1" spc="-15" dirty="0">
                 <a:solidFill>
                   <a:srgbClr val="020302"/>
                 </a:solidFill>
                 <a:latin typeface="Adobe Clean"/>
                 <a:cs typeface="Adobe Clean"/>
               </a:rPr>
-              <a:t>Resources</a:t>
-            </a:r>
-            <a:endParaRPr sz="1400">
+              <a:t>리소스</a:t>
+            </a:r>
+            <a:endParaRPr sz="1400" dirty="0">
               <a:latin typeface="Adobe Clean"/>
               <a:cs typeface="Adobe Clean"/>
             </a:endParaRPr>
@@ -9676,7 +8880,7 @@
               </a:spcBef>
             </a:pPr>
             <a:r>
-              <a:rPr sz="800" spc="-15">
+              <a:rPr lang="de-de" sz="800" spc="-15" dirty="0">
                 <a:solidFill>
                   <a:srgbClr val="777879"/>
                 </a:solidFill>
@@ -9697,7 +8901,7 @@
               </a:lnSpc>
             </a:pPr>
             <a:r>
-              <a:rPr sz="800" spc="-15">
+              <a:rPr lang="de-de" sz="800" spc="-15" dirty="0">
                 <a:solidFill>
                   <a:srgbClr val="777879"/>
                 </a:solidFill>
@@ -9707,7 +8911,7 @@
               <a:t>345 Park</a:t>
             </a:r>
             <a:r>
-              <a:rPr sz="800" spc="-100">
+              <a:rPr lang="de-de" sz="800" spc="-100" dirty="0">
                 <a:solidFill>
                   <a:srgbClr val="777879"/>
                 </a:solidFill>
@@ -9717,7 +8921,7 @@
               <a:t> </a:t>
             </a:r>
             <a:r>
-              <a:rPr sz="800" spc="-15">
+              <a:rPr lang="de-de" sz="800" spc="-15" dirty="0">
                 <a:solidFill>
                   <a:srgbClr val="777879"/>
                 </a:solidFill>
@@ -9738,7 +8942,7 @@
               </a:lnSpc>
             </a:pPr>
             <a:r>
-              <a:rPr sz="800" spc="-10">
+              <a:rPr lang="de-de" sz="800" spc="-10" dirty="0">
                 <a:solidFill>
                   <a:srgbClr val="777879"/>
                 </a:solidFill>
@@ -9748,7 +8952,7 @@
               <a:t>San </a:t>
             </a:r>
             <a:r>
-              <a:rPr sz="800" spc="-15">
+              <a:rPr lang="de-de" sz="800" spc="-15" dirty="0">
                 <a:solidFill>
                   <a:srgbClr val="777879"/>
                 </a:solidFill>
@@ -9758,7 +8962,7 @@
               <a:t>Jose,</a:t>
             </a:r>
             <a:r>
-              <a:rPr sz="800" spc="-140">
+              <a:rPr lang="de-de" sz="800" spc="-140" dirty="0">
                 <a:solidFill>
                   <a:srgbClr val="777879"/>
                 </a:solidFill>
@@ -9768,7 +8972,7 @@
               <a:t> </a:t>
             </a:r>
             <a:r>
-              <a:rPr sz="800" spc="-20">
+              <a:rPr lang="de-de" sz="800" spc="-20" dirty="0">
                 <a:solidFill>
                   <a:srgbClr val="777879"/>
                 </a:solidFill>
@@ -9792,7 +8996,7 @@
               </a:spcBef>
             </a:pPr>
             <a:r>
-              <a:rPr sz="800" spc="-10">
+              <a:rPr lang="de-de" sz="800" spc="-10" dirty="0">
                 <a:solidFill>
                   <a:srgbClr val="777879"/>
                 </a:solidFill>
@@ -9816,7 +9020,7 @@
               </a:spcBef>
             </a:pPr>
             <a:r>
-              <a:rPr sz="800" u="sng" spc="-25">
+              <a:rPr lang="de-de" sz="800" u="sng" spc="-25" dirty="0">
                 <a:solidFill>
                   <a:srgbClr val="5F5F5F"/>
                 </a:solidFill>
@@ -9829,7 +9033,7 @@
                 <a:cs typeface="Adobe Clean"/>
                 <a:hlinkClick r:id="rId3"/>
               </a:rPr>
-              <a:t>www.adobe.com</a:t>
+              <a:t>www.adobe.com/kr/</a:t>
             </a:r>
             <a:endParaRPr sz="800">
               <a:latin typeface="Adobe Clean"/>
@@ -9995,7 +9199,7 @@
           </a:prstGeom>
         </p:spPr>
         <p:txBody>
-          <a:bodyPr vert="horz" wrap="square" lIns="0" tIns="29845" rIns="0" bIns="0" rtlCol="0" anchor="t">
+          <a:bodyPr vert="horz" wrap="square" lIns="0" tIns="29845" rIns="0" bIns="0" rtlCol="0">
             <a:spAutoFit/>
           </a:bodyPr>
           <a:lstStyle/>
@@ -10009,17 +9213,17 @@
               </a:spcBef>
             </a:pPr>
             <a:r>
-              <a:rPr sz="1100" i="1" spc="-10">
+              <a:rPr lang="de-de" sz="1100" i="1" spc="-10" dirty="0">
                 <a:solidFill>
                   <a:srgbClr val="777879"/>
                 </a:solidFill>
                 <a:latin typeface="AdobeClean-LightIt"/>
                 <a:cs typeface="AdobeClean-LightIt"/>
               </a:rPr>
-              <a:t>To</a:t>
-            </a:r>
-            <a:r>
-              <a:rPr sz="1100" i="1" spc="-50">
+              <a:t>Adobe</a:t>
+            </a:r>
+            <a:r>
+              <a:rPr lang="de-de" sz="1100" i="1" spc="-50" dirty="0">
                 <a:solidFill>
                   <a:srgbClr val="777879"/>
                 </a:solidFill>
@@ -10029,17 +9233,17 @@
               <a:t> </a:t>
             </a:r>
             <a:r>
-              <a:rPr sz="1100" i="1" spc="-15">
+              <a:rPr lang="de-de" sz="1100" i="1" spc="-15" dirty="0">
                 <a:solidFill>
                   <a:srgbClr val="777879"/>
                 </a:solidFill>
                 <a:latin typeface="AdobeClean-LightIt"/>
                 <a:cs typeface="AdobeClean-LightIt"/>
               </a:rPr>
-              <a:t>learn</a:t>
-            </a:r>
-            <a:r>
-              <a:rPr sz="1100" i="1" spc="-40">
+              <a:t>지원</a:t>
+            </a:r>
+            <a:r>
+              <a:rPr lang="de-de" sz="1100" i="1" spc="-40" dirty="0">
                 <a:solidFill>
                   <a:srgbClr val="777879"/>
                 </a:solidFill>
@@ -10049,17 +9253,17 @@
               <a:t> </a:t>
             </a:r>
             <a:r>
-              <a:rPr sz="1100" i="1" spc="-15">
+              <a:rPr lang="de-de" sz="1100" i="1" spc="-15" dirty="0">
                 <a:solidFill>
                   <a:srgbClr val="777879"/>
                 </a:solidFill>
                 <a:latin typeface="AdobeClean-LightIt"/>
                 <a:cs typeface="AdobeClean-LightIt"/>
               </a:rPr>
-              <a:t>more</a:t>
-            </a:r>
-            <a:r>
-              <a:rPr sz="1100" i="1" spc="-45">
+              <a:t>서비스</a:t>
+            </a:r>
+            <a:r>
+              <a:rPr lang="de-de" sz="1100" i="1" spc="-45" dirty="0">
                 <a:solidFill>
                   <a:srgbClr val="777879"/>
                 </a:solidFill>
@@ -10069,17 +9273,17 @@
               <a:t> </a:t>
             </a:r>
             <a:r>
-              <a:rPr sz="1100" i="1" spc="-15">
+              <a:rPr lang="de-de" sz="1100" i="1" spc="-15" dirty="0">
                 <a:solidFill>
                   <a:srgbClr val="777879"/>
                 </a:solidFill>
                 <a:latin typeface="AdobeClean-LightIt"/>
                 <a:cs typeface="AdobeClean-LightIt"/>
               </a:rPr>
-              <a:t>about</a:t>
-            </a:r>
-            <a:r>
-              <a:rPr sz="1100" i="1" spc="-45">
+              <a:t>제공</a:t>
+            </a:r>
+            <a:r>
+              <a:rPr lang="de-de" sz="1100" i="1" spc="-45" dirty="0">
                 <a:solidFill>
                   <a:srgbClr val="777879"/>
                 </a:solidFill>
@@ -10089,17 +9293,17 @@
               <a:t> </a:t>
             </a:r>
             <a:r>
-              <a:rPr sz="1100" i="1" spc="-15">
+              <a:rPr lang="de-de" sz="1100" i="1" spc="-15" dirty="0">
                 <a:solidFill>
                   <a:srgbClr val="777879"/>
                 </a:solidFill>
                 <a:latin typeface="AdobeClean-LightIt"/>
                 <a:cs typeface="AdobeClean-LightIt"/>
               </a:rPr>
-              <a:t>Adobe</a:t>
-            </a:r>
-            <a:r>
-              <a:rPr sz="1100" i="1" spc="-50">
+              <a:t>사항</a:t>
+            </a:r>
+            <a:r>
+              <a:rPr lang="de-de" sz="1100" i="1" spc="-50" dirty="0">
                 <a:solidFill>
                   <a:srgbClr val="777879"/>
                 </a:solidFill>
@@ -10109,27 +9313,27 @@
               <a:t> </a:t>
             </a:r>
             <a:r>
-              <a:rPr sz="1100" i="1" spc="-15">
+              <a:rPr lang="de-de" sz="1100" i="1" spc="-15" dirty="0">
                 <a:solidFill>
                   <a:srgbClr val="777879"/>
                 </a:solidFill>
                 <a:latin typeface="AdobeClean-LightIt"/>
                 <a:cs typeface="AdobeClean-LightIt"/>
               </a:rPr>
-              <a:t>Support</a:t>
-            </a:r>
-            <a:r>
-              <a:rPr lang="en-US" sz="1100" i="1" spc="-15">
+              <a:t>및 </a:t>
+            </a:r>
+            <a:r>
+              <a:rPr lang="de-de" sz="1100" i="1" spc="-75" dirty="0">
                 <a:solidFill>
                   <a:srgbClr val="777879"/>
                 </a:solidFill>
                 <a:latin typeface="AdobeClean-LightIt"/>
                 <a:cs typeface="AdobeClean-LightIt"/>
               </a:rPr>
-              <a:t> Offerings</a:t>
-            </a:r>
-            <a:r>
-              <a:rPr sz="1100" i="1" spc="-75">
+              <a:t>적합한</a:t>
+            </a:r>
+            <a:r>
+              <a:rPr lang="de-de" sz="1100" i="1" spc="-15" dirty="0">
                 <a:solidFill>
                   <a:srgbClr val="777879"/>
                 </a:solidFill>
@@ -10139,17 +9343,17 @@
               <a:t> </a:t>
             </a:r>
             <a:r>
-              <a:rPr sz="1100" i="1" spc="-15">
+              <a:rPr lang="de-de" sz="1100" i="1" spc="-50" dirty="0">
                 <a:solidFill>
                   <a:srgbClr val="777879"/>
                 </a:solidFill>
                 <a:latin typeface="AdobeClean-LightIt"/>
                 <a:cs typeface="AdobeClean-LightIt"/>
               </a:rPr>
-              <a:t>and</a:t>
-            </a:r>
-            <a:r>
-              <a:rPr sz="1100" i="1" spc="-50">
+              <a:t>지원</a:t>
+            </a:r>
+            <a:r>
+              <a:rPr lang="de-de" sz="1100" i="1" spc="-15" dirty="0">
                 <a:solidFill>
                   <a:srgbClr val="777879"/>
                 </a:solidFill>
@@ -10159,17 +9363,17 @@
               <a:t> </a:t>
             </a:r>
             <a:r>
-              <a:rPr sz="1100" i="1" spc="-15">
+              <a:rPr lang="de-de" sz="1100" i="1" spc="-55" dirty="0">
                 <a:solidFill>
                   <a:srgbClr val="777879"/>
                 </a:solidFill>
                 <a:latin typeface="AdobeClean-LightIt"/>
                 <a:cs typeface="AdobeClean-LightIt"/>
               </a:rPr>
-              <a:t>the</a:t>
-            </a:r>
-            <a:r>
-              <a:rPr sz="1100" i="1" spc="-55">
+              <a:t>수준에</a:t>
+            </a:r>
+            <a:r>
+              <a:rPr lang="de-de" sz="1100" i="1" spc="-15" dirty="0">
                 <a:solidFill>
                   <a:srgbClr val="777879"/>
                 </a:solidFill>
@@ -10179,17 +9383,17 @@
               <a:t> </a:t>
             </a:r>
             <a:r>
-              <a:rPr sz="1100" i="1" spc="-15">
+              <a:rPr lang="de-de" sz="1100" i="1" spc="-95" dirty="0">
                 <a:solidFill>
                   <a:srgbClr val="777879"/>
                 </a:solidFill>
                 <a:latin typeface="AdobeClean-LightIt"/>
                 <a:cs typeface="AdobeClean-LightIt"/>
               </a:rPr>
-              <a:t>right</a:t>
-            </a:r>
-            <a:r>
-              <a:rPr sz="1100" i="1" spc="-95">
+              <a:t>대해</a:t>
+            </a:r>
+            <a:r>
+              <a:rPr lang="de-de" sz="1100" i="1" spc="-15" dirty="0">
                 <a:solidFill>
                   <a:srgbClr val="777879"/>
                 </a:solidFill>
@@ -10199,17 +9403,17 @@
               <a:t> </a:t>
             </a:r>
             <a:r>
-              <a:rPr sz="1100" i="1" spc="-15">
+              <a:rPr lang="de-de" sz="1100" i="1" spc="-55" dirty="0">
                 <a:solidFill>
                   <a:srgbClr val="777879"/>
                 </a:solidFill>
                 <a:latin typeface="AdobeClean-LightIt"/>
                 <a:cs typeface="AdobeClean-LightIt"/>
               </a:rPr>
-              <a:t>level</a:t>
-            </a:r>
-            <a:r>
-              <a:rPr sz="1100" i="1" spc="-55">
+              <a:t>자세히</a:t>
+            </a:r>
+            <a:r>
+              <a:rPr lang="de-de" sz="1100" i="1" spc="-15" dirty="0">
                 <a:solidFill>
                   <a:srgbClr val="777879"/>
                 </a:solidFill>
@@ -10219,17 +9423,17 @@
               <a:t> </a:t>
             </a:r>
             <a:r>
-              <a:rPr sz="1100" i="1" spc="-15">
+              <a:rPr lang="de-de" sz="1100" i="1" spc="-85" dirty="0">
                 <a:solidFill>
                   <a:srgbClr val="777879"/>
                 </a:solidFill>
                 <a:latin typeface="AdobeClean-LightIt"/>
                 <a:cs typeface="AdobeClean-LightIt"/>
               </a:rPr>
-              <a:t>for</a:t>
-            </a:r>
-            <a:r>
-              <a:rPr sz="1100" i="1" spc="-85">
+              <a:t>알아보려면</a:t>
+            </a:r>
+            <a:r>
+              <a:rPr lang="de-de" sz="1100" i="1" spc="-15" dirty="0">
                 <a:solidFill>
                   <a:srgbClr val="777879"/>
                 </a:solidFill>
@@ -10239,17 +9443,17 @@
               <a:t> </a:t>
             </a:r>
             <a:r>
-              <a:rPr sz="1100" i="1" spc="-15">
+              <a:rPr lang="de-de" sz="1100" i="1" spc="-65" dirty="0">
                 <a:solidFill>
                   <a:srgbClr val="777879"/>
                 </a:solidFill>
                 <a:latin typeface="AdobeClean-LightIt"/>
                 <a:cs typeface="AdobeClean-LightIt"/>
               </a:rPr>
-              <a:t>you,</a:t>
-            </a:r>
-            <a:r>
-              <a:rPr sz="1100" i="1" spc="-65">
+              <a:t>지정</a:t>
+            </a:r>
+            <a:r>
+              <a:rPr lang="de-de" sz="1100" i="1" spc="-15" dirty="0">
                 <a:solidFill>
                   <a:srgbClr val="777879"/>
                 </a:solidFill>
@@ -10259,17 +9463,17 @@
               <a:t> </a:t>
             </a:r>
             <a:r>
-              <a:rPr sz="1100" i="1" spc="-15">
+              <a:rPr lang="de-de" sz="1100" i="1" spc="-85" dirty="0">
                 <a:solidFill>
                   <a:srgbClr val="777879"/>
                 </a:solidFill>
                 <a:latin typeface="AdobeClean-LightIt"/>
                 <a:cs typeface="AdobeClean-LightIt"/>
               </a:rPr>
-              <a:t>contact</a:t>
-            </a:r>
-            <a:r>
-              <a:rPr sz="1100" i="1" spc="-85">
+              <a:t>계정</a:t>
+            </a:r>
+            <a:r>
+              <a:rPr lang="de-de" sz="1100" i="1" spc="-15" dirty="0">
                 <a:solidFill>
                   <a:srgbClr val="777879"/>
                 </a:solidFill>
@@ -10279,17 +9483,17 @@
               <a:t> </a:t>
             </a:r>
             <a:r>
-              <a:rPr sz="1100" i="1" spc="-15">
+              <a:rPr lang="de-de" sz="1100" i="1" spc="-70" dirty="0">
                 <a:solidFill>
                   <a:srgbClr val="777879"/>
                 </a:solidFill>
                 <a:latin typeface="AdobeClean-LightIt"/>
                 <a:cs typeface="AdobeClean-LightIt"/>
               </a:rPr>
-              <a:t>your</a:t>
-            </a:r>
-            <a:r>
-              <a:rPr sz="1100" i="1" spc="-70">
+              <a:t>관리자(NAM)</a:t>
+            </a:r>
+            <a:r>
+              <a:rPr lang="de-de" sz="1100" i="1" spc="-15" dirty="0">
                 <a:solidFill>
                   <a:srgbClr val="777879"/>
                 </a:solidFill>
@@ -10299,17 +9503,17 @@
               <a:t> </a:t>
             </a:r>
             <a:r>
-              <a:rPr sz="1100" i="1" spc="-15">
+              <a:rPr lang="de-de" sz="1100" i="1" spc="-55" dirty="0">
                 <a:solidFill>
                   <a:srgbClr val="777879"/>
                 </a:solidFill>
                 <a:latin typeface="AdobeClean-LightIt"/>
                 <a:cs typeface="AdobeClean-LightIt"/>
               </a:rPr>
-              <a:t>Named</a:t>
-            </a:r>
-            <a:r>
-              <a:rPr sz="1100" i="1" spc="-55">
+              <a:t>또는</a:t>
+            </a:r>
+            <a:r>
+              <a:rPr lang="de-de" sz="1100" i="1" spc="-25" dirty="0">
                 <a:solidFill>
                   <a:srgbClr val="777879"/>
                 </a:solidFill>
@@ -10319,17 +9523,17 @@
               <a:t> </a:t>
             </a:r>
             <a:r>
-              <a:rPr sz="1100" i="1" spc="-25">
+              <a:rPr lang="de-de" sz="1100" i="1" spc="-120" dirty="0">
                 <a:solidFill>
                   <a:srgbClr val="777879"/>
                 </a:solidFill>
                 <a:latin typeface="AdobeClean-LightIt"/>
                 <a:cs typeface="AdobeClean-LightIt"/>
               </a:rPr>
-              <a:t>Account</a:t>
-            </a:r>
-            <a:r>
-              <a:rPr sz="1100" i="1" spc="-120">
+              <a:t>고객</a:t>
+            </a:r>
+            <a:r>
+              <a:rPr lang="de-de" sz="1100" i="1" spc="-20" dirty="0">
                 <a:solidFill>
                   <a:srgbClr val="777879"/>
                 </a:solidFill>
@@ -10339,27 +9543,17 @@
               <a:t> </a:t>
             </a:r>
             <a:r>
-              <a:rPr sz="1100" i="1" spc="-20">
+              <a:rPr lang="de-de" sz="1100" i="1" spc="-15" dirty="0">
                 <a:solidFill>
                   <a:srgbClr val="777879"/>
                 </a:solidFill>
                 <a:latin typeface="AdobeClean-LightIt"/>
                 <a:cs typeface="AdobeClean-LightIt"/>
               </a:rPr>
-              <a:t>Manager</a:t>
-            </a:r>
-            <a:r>
-              <a:rPr lang="en-US" sz="1100" i="1" spc="-20">
-                <a:solidFill>
-                  <a:srgbClr val="777879"/>
-                </a:solidFill>
-                <a:latin typeface="AdobeClean-LightIt"/>
-                <a:cs typeface="AdobeClean-LightIt"/>
-              </a:rPr>
-              <a:t> </a:t>
-            </a:r>
-            <a:r>
-              <a:rPr sz="1100" i="1" spc="-20">
+              <a:t>성공</a:t>
+            </a:r>
+            <a:r>
+              <a:rPr lang="de-de" sz="1100" i="1" spc="-10" dirty="0">
                 <a:solidFill>
                   <a:srgbClr val="777879"/>
                 </a:solidFill>
@@ -10369,76 +9563,36 @@
               <a:t> </a:t>
             </a:r>
             <a:r>
-              <a:rPr sz="1100" i="1" spc="-15">
+              <a:rPr lang="de-de" sz="1100" i="1" spc="-15" dirty="0">
                 <a:solidFill>
                   <a:srgbClr val="777879"/>
                 </a:solidFill>
                 <a:latin typeface="AdobeClean-LightIt"/>
                 <a:cs typeface="AdobeClean-LightIt"/>
               </a:rPr>
-              <a:t>(NAM) </a:t>
-            </a:r>
-            <a:r>
-              <a:rPr sz="1100" i="1" spc="-10">
+              <a:t>관리자(CSM)에게</a:t>
+            </a:r>
+            <a:r>
+              <a:rPr lang="de-de" sz="1100" i="1" spc="-20" dirty="0">
                 <a:solidFill>
                   <a:srgbClr val="777879"/>
                 </a:solidFill>
                 <a:latin typeface="AdobeClean-LightIt"/>
                 <a:cs typeface="AdobeClean-LightIt"/>
               </a:rPr>
-              <a:t>or </a:t>
-            </a:r>
-            <a:r>
-              <a:rPr sz="1100" i="1" spc="-15">
+              <a:t> </a:t>
+            </a:r>
+            <a:r>
+              <a:rPr lang="de-de" sz="1100" i="1" spc="-180" dirty="0">
                 <a:solidFill>
                   <a:srgbClr val="777879"/>
                 </a:solidFill>
                 <a:latin typeface="AdobeClean-LightIt"/>
                 <a:cs typeface="AdobeClean-LightIt"/>
               </a:rPr>
-              <a:t>Customer</a:t>
-            </a:r>
-            <a:r>
-              <a:rPr lang="en-US" sz="1100" i="1" spc="-15">
-                <a:solidFill>
-                  <a:srgbClr val="777879"/>
-                </a:solidFill>
-                <a:latin typeface="AdobeClean-LightIt"/>
-                <a:cs typeface="AdobeClean-LightIt"/>
-              </a:rPr>
-              <a:t> </a:t>
-            </a:r>
-            <a:r>
-              <a:rPr lang="en-US" sz="1100" i="1" spc="-20">
-                <a:solidFill>
-                  <a:srgbClr val="777879"/>
-                </a:solidFill>
-                <a:latin typeface="AdobeClean-LightIt"/>
-                <a:cs typeface="AdobeClean-LightIt"/>
-              </a:rPr>
-              <a:t>Success </a:t>
-            </a:r>
-            <a:r>
-              <a:rPr lang="en-US" sz="1100" i="1" spc="-15">
-                <a:solidFill>
-                  <a:srgbClr val="777879"/>
-                </a:solidFill>
-                <a:latin typeface="AdobeClean-LightIt"/>
-                <a:cs typeface="AdobeClean-LightIt"/>
-              </a:rPr>
-              <a:t>Manager </a:t>
-            </a:r>
-            <a:r>
-              <a:rPr sz="1100" i="1" spc="-15">
-                <a:solidFill>
-                  <a:srgbClr val="777879"/>
-                </a:solidFill>
-                <a:latin typeface="AdobeClean-LightIt"/>
-                <a:cs typeface="AdobeClean-LightIt"/>
-              </a:rPr>
-              <a:t>(CSM)</a:t>
-            </a:r>
-            <a:endParaRPr sz="1100">
+              <a:t>문의하십시오.</a:t>
+            </a:r>
+            <a:endParaRPr sz="1100" dirty="0">
               <a:latin typeface="AdobeClean-LightIt"/>
               <a:cs typeface="AdobeClean-LightIt"/>
             </a:endParaRPr>
@@ -10453,37 +9607,17 @@
               </a:spcBef>
             </a:pPr>
             <a:r>
-              <a:rPr sz="800" spc="-5">
+              <a:rPr lang="de-de" sz="800" spc="-5" dirty="0">
                 <a:solidFill>
                   <a:srgbClr val="6D6D6D"/>
                 </a:solidFill>
                 <a:latin typeface="Adobe Clean"/>
                 <a:cs typeface="Adobe Clean"/>
               </a:rPr>
-              <a:t>©202</a:t>
-            </a:r>
-            <a:r>
-              <a:rPr lang="en-US" sz="800" spc="-5">
-                <a:solidFill>
-                  <a:srgbClr val="6D6D6D"/>
-                </a:solidFill>
-                <a:latin typeface="Adobe Clean"/>
-                <a:cs typeface="Adobe Clean"/>
-              </a:rPr>
-              <a:t>1</a:t>
-            </a:r>
-            <a:r>
-              <a:rPr sz="800" spc="-5">
-                <a:solidFill>
-                  <a:srgbClr val="6D6D6D"/>
-                </a:solidFill>
-                <a:latin typeface="Adobe Clean"/>
-                <a:cs typeface="Adobe Clean"/>
-              </a:rPr>
-              <a:t> Adobe. All Rights Reserved. Adobe</a:t>
-            </a:r>
-            <a:r>
-              <a:rPr sz="800" spc="75">
+              <a:t>©2021 Adobe. All Rights Reserved. Adobe</a:t>
+            </a:r>
+            <a:r>
+              <a:rPr lang="de-de" sz="800" spc="75" dirty="0">
                 <a:solidFill>
                   <a:srgbClr val="6D6D6D"/>
                 </a:solidFill>
@@ -10493,16 +9627,16 @@
               <a:t> </a:t>
             </a:r>
             <a:r>
-              <a:rPr sz="800" spc="-5">
+              <a:rPr lang="de-de" sz="800" spc="-5" dirty="0">
                 <a:solidFill>
                   <a:srgbClr val="6D6D6D"/>
                 </a:solidFill>
                 <a:latin typeface="Adobe Clean"/>
                 <a:cs typeface="Adobe Clean"/>
               </a:rPr>
-              <a:t>Confidential.</a:t>
-            </a:r>
-            <a:endParaRPr sz="800">
+              <a:t>기밀.</a:t>
+            </a:r>
+            <a:endParaRPr sz="800" dirty="0">
               <a:latin typeface="Adobe Clean"/>
               <a:cs typeface="Adobe Clean"/>
             </a:endParaRPr>
@@ -10523,7 +9657,7 @@
         </p:nvSpPr>
         <p:spPr>
           <a:xfrm>
-            <a:off x="197233" y="5031270"/>
+            <a:off x="171129" y="5057379"/>
             <a:ext cx="6476646" cy="755976"/>
           </a:xfrm>
           <a:prstGeom prst="rect">
@@ -10531,47 +9665,157 @@
           </a:prstGeom>
         </p:spPr>
         <p:txBody>
-          <a:bodyPr vert="horz" wrap="square" lIns="0" tIns="116205" rIns="0" bIns="0" rtlCol="0" anchor="t">
+          <a:bodyPr vert="horz" wrap="square" lIns="0" tIns="116205" rIns="0" bIns="0" rtlCol="0">
             <a:spAutoFit/>
           </a:bodyPr>
           <a:lstStyle/>
           <a:p>
-            <a:pPr>
+            <a:pPr lvl="0">
               <a:spcBef>
                 <a:spcPts val="915"/>
               </a:spcBef>
             </a:pPr>
             <a:r>
-              <a:rPr lang="en-US" sz="1400" b="1" spc="-15">
+              <a:rPr lang="en-US" altLang="ko-KR" sz="1400" b="1" spc="-15" dirty="0">
                 <a:solidFill>
                   <a:srgbClr val="020302"/>
                 </a:solidFill>
                 <a:latin typeface="Adobe Clean"/>
                 <a:cs typeface="Adobe Clean"/>
               </a:rPr>
-              <a:t>Regional scope of Adobe Support, Local Hours Of Operation And Language Support</a:t>
-            </a:r>
-            <a:endParaRPr lang="en-US" sz="1400" spc="-15">
-              <a:ea typeface="+mn-lt"/>
-              <a:cs typeface="+mn-lt"/>
+              <a:t>Adobe </a:t>
+            </a:r>
+            <a:r>
+              <a:rPr lang="ko-KR" altLang="en-US" sz="1400" b="1" spc="-15" dirty="0">
+                <a:solidFill>
+                  <a:srgbClr val="020302"/>
+                </a:solidFill>
+                <a:latin typeface="Adobe Clean"/>
+                <a:cs typeface="Adobe Clean"/>
+              </a:rPr>
+              <a:t>지원의 지역적 범위</a:t>
+            </a:r>
+            <a:r>
+              <a:rPr lang="en-US" altLang="ko-KR" sz="1400" b="1" spc="-15" dirty="0">
+                <a:solidFill>
+                  <a:srgbClr val="020302"/>
+                </a:solidFill>
+                <a:latin typeface="Adobe Clean"/>
+                <a:cs typeface="Adobe Clean"/>
+              </a:rPr>
+              <a:t>, </a:t>
+            </a:r>
+            <a:r>
+              <a:rPr lang="ko-KR" altLang="en-US" sz="1400" b="1" spc="-15" dirty="0">
+                <a:solidFill>
+                  <a:srgbClr val="020302"/>
+                </a:solidFill>
+                <a:latin typeface="Adobe Clean"/>
+                <a:cs typeface="Adobe Clean"/>
+              </a:rPr>
+              <a:t>로컬 운영 시간 및 언어 지원</a:t>
+            </a:r>
+            <a:endParaRPr lang="pl-PL" altLang="ko-KR" sz="1400" b="1" spc="-15" dirty="0">
+              <a:solidFill>
+                <a:srgbClr val="020302"/>
+              </a:solidFill>
+              <a:latin typeface="Adobe Clean"/>
+              <a:cs typeface="Adobe Clean"/>
             </a:endParaRPr>
           </a:p>
           <a:p>
-            <a:pPr>
+            <a:pPr lvl="0">
               <a:spcBef>
                 <a:spcPts val="915"/>
               </a:spcBef>
             </a:pPr>
             <a:r>
-              <a:rPr lang="en-US" sz="1000" spc="-15">
+              <a:rPr lang="en-US" altLang="ko-KR" sz="1000" spc="-15" dirty="0">
                 <a:solidFill>
                   <a:srgbClr val="1F1F1F"/>
                 </a:solidFill>
                 <a:latin typeface="AdobeClean-Light"/>
               </a:rPr>
-              <a:t>The Regional scope of Adobe Support is established by aligning the customer's billing address (via the Sales Order or other Adobe Support purchasing document) to one of the following regions:</a:t>
-            </a:r>
-            <a:endParaRPr lang="en-US"/>
+              <a:t>Adobe </a:t>
+            </a:r>
+            <a:r>
+              <a:rPr lang="ko-KR" altLang="en-US" sz="1000" spc="-15" dirty="0">
+                <a:solidFill>
+                  <a:srgbClr val="1F1F1F"/>
+                </a:solidFill>
+                <a:latin typeface="AdobeClean-Light"/>
+              </a:rPr>
+              <a:t>지원의 지역적 범위는 </a:t>
+            </a:r>
+            <a:r>
+              <a:rPr lang="en-US" altLang="ko-KR" sz="1000" spc="-15" dirty="0">
+                <a:solidFill>
+                  <a:srgbClr val="1F1F1F"/>
+                </a:solidFill>
+                <a:latin typeface="AdobeClean-Light"/>
+              </a:rPr>
+              <a:t>(</a:t>
+            </a:r>
+            <a:r>
+              <a:rPr lang="ko-KR" altLang="en-US" sz="1000" spc="-15" dirty="0">
+                <a:solidFill>
+                  <a:srgbClr val="1F1F1F"/>
+                </a:solidFill>
+                <a:latin typeface="AdobeClean-Light"/>
+              </a:rPr>
+              <a:t>판매 주문서 또는 기타 </a:t>
+            </a:r>
+            <a:r>
+              <a:rPr lang="en-US" altLang="ko-KR" sz="1000" spc="-15" dirty="0">
+                <a:solidFill>
+                  <a:srgbClr val="1F1F1F"/>
+                </a:solidFill>
+                <a:latin typeface="AdobeClean-Light"/>
+              </a:rPr>
+              <a:t>Adobe </a:t>
+            </a:r>
+            <a:r>
+              <a:rPr lang="ko-KR" altLang="en-US" sz="1000" spc="-15" dirty="0">
+                <a:solidFill>
+                  <a:srgbClr val="1F1F1F"/>
+                </a:solidFill>
+                <a:latin typeface="AdobeClean-Light"/>
+              </a:rPr>
+              <a:t>지원 구매 문서를 통해</a:t>
+            </a:r>
+            <a:r>
+              <a:rPr lang="en-US" altLang="ko-KR" sz="1000" spc="-15" dirty="0">
+                <a:solidFill>
+                  <a:srgbClr val="1F1F1F"/>
+                </a:solidFill>
+                <a:latin typeface="AdobeClean-Light"/>
+              </a:rPr>
+              <a:t>) </a:t>
+            </a:r>
+            <a:r>
+              <a:rPr lang="ko-KR" altLang="en-US" sz="1000" spc="-15" dirty="0">
+                <a:solidFill>
+                  <a:srgbClr val="1F1F1F"/>
+                </a:solidFill>
+                <a:latin typeface="AdobeClean-Light"/>
+              </a:rPr>
+              <a:t>고객의 청구 주소를 다음 지역 중 하나에 맞춤으로써 설정됩니다</a:t>
+            </a:r>
+            <a:r>
+              <a:rPr lang="en-US" altLang="ko-KR" sz="1000" spc="-15" dirty="0">
+                <a:solidFill>
+                  <a:srgbClr val="1F1F1F"/>
+                </a:solidFill>
+                <a:latin typeface="AdobeClean-Light"/>
+              </a:rPr>
+              <a:t>.</a:t>
+            </a:r>
+            <a:endParaRPr lang="de-de" sz="1000" spc="-15" dirty="0">
+              <a:solidFill>
+                <a:srgbClr val="1F1F1F"/>
+              </a:solidFill>
+              <a:latin typeface="AdobeClean-Light"/>
+            </a:endParaRPr>
           </a:p>
         </p:txBody>
       </p:sp>
@@ -10590,14 +9834,14 @@
           <p:nvPr>
             <p:extLst>
               <p:ext uri="{D42A27DB-BD31-4B8C-83A1-F6EECF244321}">
-                <p14:modId xmlns:p14="http://schemas.microsoft.com/office/powerpoint/2010/main" val="2969235217"/>
+                <p14:modId xmlns:p14="http://schemas.microsoft.com/office/powerpoint/2010/main" val="1952712647"/>
               </p:ext>
             </p:extLst>
           </p:nvPr>
         </p:nvGraphicFramePr>
         <p:xfrm>
           <a:off x="171128" y="5907213"/>
-          <a:ext cx="7391400" cy="1503680"/>
+          <a:ext cx="7391400" cy="1559560"/>
         </p:xfrm>
         <a:graphic>
           <a:graphicData uri="http://schemas.openxmlformats.org/drawingml/2006/table">
@@ -10643,13 +9887,13 @@
                     <a:p>
                       <a:pPr algn="ctr"/>
                       <a:r>
-                        <a:rPr lang="en-US" sz="1100">
+                        <a:rPr lang="de-de" sz="1100" dirty="0">
                           <a:solidFill>
                             <a:schemeClr val="tx1"/>
                           </a:solidFill>
-                          <a:latin typeface="Adobe Clean"/>
+                          <a:latin typeface="Adobe Clean" panose="020B0503020404020204" pitchFamily="34" charset="0"/>
                         </a:rPr>
-                        <a:t>Americas</a:t>
+                        <a:t>미주</a:t>
                       </a:r>
                     </a:p>
                   </a:txBody>
@@ -10708,13 +9952,13 @@
                     <a:p>
                       <a:pPr algn="ctr"/>
                       <a:r>
-                        <a:rPr lang="en-US" sz="1100">
+                        <a:rPr lang="de-de" sz="1100" dirty="0">
                           <a:solidFill>
                             <a:schemeClr val="tx1"/>
                           </a:solidFill>
-                          <a:latin typeface="Adobe Clean"/>
+                          <a:latin typeface="Adobe Clean" panose="020B0503020404020204" pitchFamily="34" charset="0"/>
                         </a:rPr>
-                        <a:t>Europe, Middle East &amp; Africa</a:t>
+                        <a:t>유럽, 중동 및 아프리카</a:t>
                       </a:r>
                     </a:p>
                   </a:txBody>
@@ -10773,13 +10017,13 @@
                     <a:p>
                       <a:pPr algn="ctr"/>
                       <a:r>
-                        <a:rPr lang="en-US" sz="1100">
+                        <a:rPr lang="de-de" sz="1100" dirty="0">
                           <a:solidFill>
                             <a:schemeClr val="tx1"/>
                           </a:solidFill>
-                          <a:latin typeface="Adobe Clean"/>
+                          <a:latin typeface="Adobe Clean" panose="020B0503020404020204" pitchFamily="34" charset="0"/>
                         </a:rPr>
-                        <a:t>Asia Pacific</a:t>
+                        <a:t>아시아 태평양</a:t>
                       </a:r>
                     </a:p>
                   </a:txBody>
@@ -10838,24 +10082,24 @@
                     <a:p>
                       <a:pPr algn="ctr"/>
                       <a:r>
-                        <a:rPr lang="en-US" sz="1100">
+                        <a:rPr lang="de-de" sz="1100" dirty="0">
                           <a:solidFill>
                             <a:schemeClr val="tx1"/>
                           </a:solidFill>
-                          <a:latin typeface="Adobe Clean"/>
+                          <a:latin typeface="Adobe Clean" panose="020B0503020404020204" pitchFamily="34" charset="0"/>
                         </a:rPr>
-                        <a:t>Japan </a:t>
+                        <a:t>일본 </a:t>
                       </a:r>
                       <a:r>
-                        <a:rPr lang="en-US" sz="1100" baseline="30000">
+                        <a:rPr lang="de-de" sz="1100" baseline="30000" dirty="0">
                           <a:solidFill>
                             <a:schemeClr val="tx1"/>
                           </a:solidFill>
-                          <a:latin typeface="Adobe Clean"/>
+                          <a:latin typeface="Adobe Clean" panose="020B0503020404020204" pitchFamily="34" charset="0"/>
                         </a:rPr>
-                        <a:t>1 </a:t>
+                        <a:t>1 </a:t>
                       </a:r>
-                      <a:endParaRPr lang="en-US" sz="1100">
+                      <a:endParaRPr lang="en-US" sz="1100" dirty="0">
                         <a:solidFill>
                           <a:schemeClr val="tx1"/>
                         </a:solidFill>
@@ -10925,13 +10169,13 @@
                     <a:p>
                       <a:pPr algn="ctr"/>
                       <a:r>
-                        <a:rPr lang="en-US" sz="1100">
+                        <a:rPr lang="de-de" sz="1100" dirty="0">
                           <a:solidFill>
                             <a:schemeClr val="tx1"/>
                           </a:solidFill>
-                          <a:latin typeface="Adobe Clean"/>
+                          <a:latin typeface="Adobe Clean" panose="020B0503020404020204" pitchFamily="34" charset="0"/>
                         </a:rPr>
-                        <a:t>6 am – 5:30 pm</a:t>
+                        <a:t>오전 6시~오후 5시 30분</a:t>
                       </a:r>
                     </a:p>
                   </a:txBody>
@@ -10990,13 +10234,13 @@
                     <a:p>
                       <a:pPr algn="ctr"/>
                       <a:r>
-                        <a:rPr lang="en-US" sz="1100">
+                        <a:rPr lang="de-de" sz="1100" dirty="0">
                           <a:solidFill>
                             <a:schemeClr val="tx1"/>
                           </a:solidFill>
-                          <a:latin typeface="Adobe Clean"/>
+                          <a:latin typeface="Adobe Clean" panose="020B0503020404020204" pitchFamily="34" charset="0"/>
                         </a:rPr>
-                        <a:t>9 am – 5 pm</a:t>
+                        <a:t>오전 9시~오후 5시</a:t>
                       </a:r>
                     </a:p>
                   </a:txBody>
@@ -11055,13 +10299,13 @@
                     <a:p>
                       <a:pPr algn="ctr"/>
                       <a:r>
-                        <a:rPr lang="en-US" sz="1100">
+                        <a:rPr lang="de-de" sz="1100" dirty="0">
                           <a:solidFill>
                             <a:schemeClr val="tx1"/>
                           </a:solidFill>
-                          <a:latin typeface="Adobe Clean"/>
+                          <a:latin typeface="Adobe Clean" panose="020B0503020404020204" pitchFamily="34" charset="0"/>
                         </a:rPr>
-                        <a:t>9 am – 5 pm</a:t>
+                        <a:t>오전 9시~오후 5시</a:t>
                       </a:r>
                     </a:p>
                   </a:txBody>
@@ -11120,13 +10364,13 @@
                     <a:p>
                       <a:pPr algn="ctr"/>
                       <a:r>
-                        <a:rPr lang="en-US" sz="1100">
+                        <a:rPr lang="de-de" sz="1100" dirty="0">
                           <a:solidFill>
                             <a:schemeClr val="tx1"/>
                           </a:solidFill>
-                          <a:latin typeface="Adobe Clean"/>
+                          <a:latin typeface="Adobe Clean" panose="020B0503020404020204" pitchFamily="34" charset="0"/>
                         </a:rPr>
-                        <a:t>9 am – 5:30 pm</a:t>
+                        <a:t>오전 9시~오후 5시 30분</a:t>
                       </a:r>
                     </a:p>
                   </a:txBody>
@@ -11206,7 +10450,7 @@
                         <a:buNone/>
                       </a:pPr>
                       <a:r>
-                        <a:rPr lang="en-US" sz="1100" b="1" i="0" u="none" strike="noStrike" kern="0" cap="none" spc="0" normalizeH="0" baseline="30000" noProof="0">
+                        <a:rPr lang="de-de" sz="1100" b="1" i="0" u="none" strike="noStrike" kern="0" cap="none" spc="0" normalizeH="0" baseline="30000" noProof="0" dirty="0">
                           <a:ln>
                             <a:noFill/>
                           </a:ln>
@@ -11220,15 +10464,15 @@
                         <a:t> </a:t>
                       </a:r>
                       <a:r>
-                        <a:rPr lang="en-US" sz="1100">
+                        <a:rPr lang="de-de" sz="1100" dirty="0">
                           <a:solidFill>
                             <a:schemeClr val="tx1"/>
                           </a:solidFill>
                           <a:latin typeface="Adobe Clean"/>
                         </a:rPr>
-                        <a:t>Language support is only available in English and Japanese.</a:t>
+                        <a:t>언어 지원은 영어와 일본어로만 제공됩니다.</a:t>
                       </a:r>
-                      <a:endParaRPr lang="en-US">
+                      <a:endParaRPr lang="en-US" dirty="0">
                         <a:latin typeface="Adobe Clean"/>
                       </a:endParaRPr>
                     </a:p>
@@ -11249,18 +10493,18 @@
                         <a:buNone/>
                       </a:pPr>
                       <a:r>
-                        <a:rPr lang="en-US" sz="1100" i="1">
+                        <a:rPr lang="de-de" sz="1100" i="1" dirty="0">
                           <a:solidFill>
                             <a:schemeClr val="tx1"/>
                           </a:solidFill>
                           <a:latin typeface="Adobe Clean"/>
                         </a:rPr>
-                        <a:t>*Adobe Commerce excludes Japanese languages support.</a:t>
+                        <a:t>*Adobe Commerce에서는 일본어 지원이 제외됩니다.</a:t>
                       </a:r>
                     </a:p>
                     <a:p>
                       <a:pPr algn="ctr"/>
-                      <a:endParaRPr kumimoji="0" lang="en-US" sz="1100" b="1" i="0" u="none" strike="noStrike" kern="0" cap="none" spc="0" normalizeH="0" baseline="30000" noProof="0">
+                      <a:endParaRPr kumimoji="0" lang="en-US" sz="1100" b="1" i="0" u="none" strike="noStrike" kern="0" cap="none" spc="0" normalizeH="0" baseline="30000" noProof="0" dirty="0">
                         <a:ln>
                           <a:noFill/>
                         </a:ln>
@@ -11278,38 +10522,81 @@
                     <a:p>
                       <a:pPr algn="ctr"/>
                       <a:r>
-                        <a:rPr lang="en-US" sz="1100" i="0">
+                        <a:rPr lang="de-de" sz="1100" i="0" dirty="0">
                           <a:solidFill>
                             <a:schemeClr val="tx1"/>
                           </a:solidFill>
-                          <a:latin typeface="Adobe Clean"/>
+                          <a:latin typeface="Adobe Clean" panose="020B0503020404020204" pitchFamily="34" charset="0"/>
                         </a:rPr>
-                        <a:t> </a:t>
+                        <a:t> </a:t>
                       </a:r>
                       <a:r>
-                        <a:rPr lang="en-US" sz="1100" i="0" baseline="30000">
+                        <a:rPr lang="de-de" sz="1100" i="0" baseline="30000" dirty="0">
                           <a:solidFill>
                             <a:schemeClr val="tx1"/>
                           </a:solidFill>
-                          <a:latin typeface="Adobe Clean"/>
+                          <a:latin typeface="Adobe Clean" panose="020B0503020404020204" pitchFamily="34" charset="0"/>
                         </a:rPr>
                         <a:t>1 </a:t>
                       </a:r>
                       <a:r>
-                        <a:rPr lang="en-US" sz="1100" i="0">
+                        <a:rPr lang="ko-KR" altLang="en-US" sz="1100" i="0" dirty="0">
                           <a:solidFill>
                             <a:schemeClr val="tx1"/>
                           </a:solidFill>
-                          <a:latin typeface="Adobe Clean"/>
+                          <a:latin typeface="Adobe Clean" panose="020B0503020404020204" pitchFamily="34" charset="0"/>
                         </a:rPr>
-                        <a:t>P2, P3, P4 cases are limited to business hours only in Japan.</a:t>
+                        <a:t>일본에서 </a:t>
                       </a:r>
-                      <a:endParaRPr lang="en-US" sz="1100" b="1" i="0">
+                      <a:r>
+                        <a:rPr lang="en-US" altLang="ko-KR" sz="1100" i="0" dirty="0">
+                          <a:solidFill>
+                            <a:schemeClr val="tx1"/>
+                          </a:solidFill>
+                          <a:latin typeface="Adobe Clean" panose="020B0503020404020204" pitchFamily="34" charset="0"/>
+                        </a:rPr>
+                        <a:t>P2, P3, P4 </a:t>
+                      </a:r>
+                      <a:r>
+                        <a:rPr lang="ko-KR" altLang="en-US" sz="1100" i="0" dirty="0">
+                          <a:solidFill>
+                            <a:schemeClr val="tx1"/>
+                          </a:solidFill>
+                          <a:latin typeface="Adobe Clean" panose="020B0503020404020204" pitchFamily="34" charset="0"/>
+                        </a:rPr>
+                        <a:t>사례는 업무 시간으로만 제한됩니다</a:t>
+                      </a:r>
+                      <a:r>
+                        <a:rPr lang="en-US" altLang="ko-KR" sz="1100" i="0" dirty="0">
+                          <a:solidFill>
+                            <a:schemeClr val="tx1"/>
+                          </a:solidFill>
+                          <a:latin typeface="Adobe Clean" panose="020B0503020404020204" pitchFamily="34" charset="0"/>
+                        </a:rPr>
+                        <a:t>.</a:t>
+                      </a:r>
+                      <a:endParaRPr lang="de-de" sz="1100" b="1" i="0" dirty="0">
                         <a:solidFill>
                           <a:schemeClr val="tx1"/>
                         </a:solidFill>
-                        <a:latin typeface="Adobe Clean"/>
+                        <a:latin typeface="Adobe Clean" panose="020B0503020404020204" pitchFamily="34" charset="0"/>
                       </a:endParaRPr>
+                    </a:p>
+                    <a:p>
+                      <a:r>
+                        <a:rPr lang="de-de" sz="1100" b="1" i="0" u="none" strike="noStrike" kern="0" cap="none" spc="0" normalizeH="0" baseline="30000" noProof="0" dirty="0">
+                          <a:ln>
+                            <a:noFill/>
+                          </a:ln>
+                          <a:effectLst/>
+                          <a:uLnTx/>
+                          <a:uFillTx/>
+                          <a:latin typeface="Adobe Clean"/>
+                          <a:ea typeface="+mn-ea"/>
+                          <a:cs typeface="+mn-cs"/>
+                        </a:rPr>
+                        <a:t>.</a:t>
+                      </a:r>
                     </a:p>
                   </a:txBody>
                   <a:tcPr anchor="ctr">
@@ -11365,7 +10652,7 @@
                     <a:bodyPr/>
                     <a:lstStyle/>
                     <a:p>
-                      <a:endParaRPr lang="en-US" sz="1100">
+                      <a:endParaRPr lang="en-US" sz="1100" dirty="0">
                         <a:solidFill>
                           <a:schemeClr val="tx1"/>
                         </a:solidFill>
@@ -11426,7 +10713,7 @@
                     <a:bodyPr/>
                     <a:lstStyle/>
                     <a:p>
-                      <a:endParaRPr lang="en-US" sz="1100">
+                      <a:endParaRPr lang="en-US" sz="1100" dirty="0">
                         <a:solidFill>
                           <a:schemeClr val="tx1"/>
                         </a:solidFill>
@@ -11487,7 +10774,7 @@
                     <a:bodyPr/>
                     <a:lstStyle/>
                     <a:p>
-                      <a:endParaRPr lang="en-US" sz="1100">
+                      <a:endParaRPr lang="en-US" sz="1100" dirty="0">
                         <a:solidFill>
                           <a:schemeClr val="tx1"/>
                         </a:solidFill>
@@ -11651,8 +10938,8 @@
         </p:nvSpPr>
         <p:spPr>
           <a:xfrm>
-            <a:off x="2840871" y="8528519"/>
-            <a:ext cx="810895" cy="385445"/>
+            <a:off x="2743200" y="8528519"/>
+            <a:ext cx="1045329" cy="385445"/>
           </a:xfrm>
           <a:prstGeom prst="rect">
             <a:avLst/>
@@ -11664,7 +10951,7 @@
           </a:bodyPr>
           <a:lstStyle/>
           <a:p>
-            <a:pPr marL="139065" marR="5080" indent="-139065">
+            <a:pPr marL="14288" marR="5080" indent="-14288" algn="ctr">
               <a:lnSpc>
                 <a:spcPts val="1390"/>
               </a:lnSpc>
@@ -11673,126 +10960,36 @@
               </a:spcBef>
             </a:pPr>
             <a:r>
-              <a:rPr sz="1200" b="1" spc="-15">
+              <a:rPr lang="de-de" sz="1200" b="1" spc="-15" dirty="0">
                 <a:solidFill>
                   <a:srgbClr val="FFFFFF"/>
                 </a:solidFill>
                 <a:latin typeface="Adobe Clean"/>
                 <a:cs typeface="Adobe Clean"/>
               </a:rPr>
-              <a:t>U</a:t>
-            </a:r>
-            <a:r>
-              <a:rPr sz="1200" b="1" spc="-20">
+              <a:t>탁월한</a:t>
+            </a:r>
+            <a:r>
+              <a:rPr lang="de-de" sz="1200" b="1" dirty="0">
                 <a:solidFill>
                   <a:srgbClr val="FFFFFF"/>
                 </a:solidFill>
                 <a:latin typeface="Adobe Clean"/>
                 <a:cs typeface="Adobe Clean"/>
               </a:rPr>
-              <a:t>n</a:t>
-            </a:r>
-            <a:r>
-              <a:rPr sz="1200" b="1" spc="-25">
+              <a:t> </a:t>
+            </a:r>
+            <a:r>
+              <a:rPr lang="de-de" sz="1200" b="1" spc="-25" dirty="0">
                 <a:solidFill>
                   <a:srgbClr val="FFFFFF"/>
                 </a:solidFill>
                 <a:latin typeface="Adobe Clean"/>
                 <a:cs typeface="Adobe Clean"/>
               </a:rPr>
-              <a:t>p</a:t>
-            </a:r>
-            <a:r>
-              <a:rPr sz="1200" b="1" spc="-15">
-                <a:solidFill>
-                  <a:srgbClr val="FFFFFF"/>
-                </a:solidFill>
-                <a:latin typeface="Adobe Clean"/>
-                <a:cs typeface="Adobe Clean"/>
-              </a:rPr>
-              <a:t>a</a:t>
-            </a:r>
-            <a:r>
-              <a:rPr sz="1200" b="1" spc="-25">
-                <a:solidFill>
-                  <a:srgbClr val="FFFFFF"/>
-                </a:solidFill>
-                <a:latin typeface="Adobe Clean"/>
-                <a:cs typeface="Adobe Clean"/>
-              </a:rPr>
-              <a:t>r</a:t>
-            </a:r>
-            <a:r>
-              <a:rPr sz="1200" b="1" spc="-15">
-                <a:solidFill>
-                  <a:srgbClr val="FFFFFF"/>
-                </a:solidFill>
-                <a:latin typeface="Adobe Clean"/>
-                <a:cs typeface="Adobe Clean"/>
-              </a:rPr>
-              <a:t>a</a:t>
-            </a:r>
-            <a:r>
-              <a:rPr sz="1200" b="1" spc="-30">
-                <a:solidFill>
-                  <a:srgbClr val="FFFFFF"/>
-                </a:solidFill>
-                <a:latin typeface="Adobe Clean"/>
-                <a:cs typeface="Adobe Clean"/>
-              </a:rPr>
-              <a:t>ll</a:t>
-            </a:r>
-            <a:r>
-              <a:rPr sz="1200" b="1" spc="-25">
-                <a:solidFill>
-                  <a:srgbClr val="FFFFFF"/>
-                </a:solidFill>
-                <a:latin typeface="Adobe Clean"/>
-                <a:cs typeface="Adobe Clean"/>
-              </a:rPr>
-              <a:t>e</a:t>
-            </a:r>
-            <a:r>
-              <a:rPr sz="1200" b="1" spc="-30">
-                <a:solidFill>
-                  <a:srgbClr val="FFFFFF"/>
-                </a:solidFill>
-                <a:latin typeface="Adobe Clean"/>
-                <a:cs typeface="Adobe Clean"/>
-              </a:rPr>
-              <a:t>l</a:t>
-            </a:r>
-            <a:r>
-              <a:rPr sz="1200" b="1" spc="-25">
-                <a:solidFill>
-                  <a:srgbClr val="FFFFFF"/>
-                </a:solidFill>
-                <a:latin typeface="Adobe Clean"/>
-                <a:cs typeface="Adobe Clean"/>
-              </a:rPr>
-              <a:t>e</a:t>
-            </a:r>
-            <a:r>
-              <a:rPr sz="1200" b="1">
-                <a:solidFill>
-                  <a:srgbClr val="FFFFFF"/>
-                </a:solidFill>
-                <a:latin typeface="Adobe Clean"/>
-                <a:cs typeface="Adobe Clean"/>
-              </a:rPr>
-              <a:t>d  </a:t>
-            </a:r>
-            <a:r>
-              <a:rPr sz="1200" b="1" spc="-25">
-                <a:solidFill>
-                  <a:srgbClr val="FFFFFF"/>
-                </a:solidFill>
-                <a:latin typeface="Adobe Clean"/>
-                <a:cs typeface="Adobe Clean"/>
-              </a:rPr>
-              <a:t>Expertise</a:t>
-            </a:r>
-            <a:endParaRPr sz="1200">
+              <a:t>전문성</a:t>
+            </a:r>
+            <a:endParaRPr sz="1200" dirty="0">
               <a:latin typeface="Adobe Clean"/>
               <a:cs typeface="Adobe Clean"/>
             </a:endParaRPr>
@@ -11826,7 +11023,7 @@
           </a:bodyPr>
           <a:lstStyle/>
           <a:p>
-            <a:pPr marL="139065" marR="5080" indent="-139065">
+            <a:pPr marL="14288" marR="5080" indent="-14288" algn="ctr">
               <a:lnSpc>
                 <a:spcPts val="1390"/>
               </a:lnSpc>
@@ -11835,16 +11032,16 @@
               </a:spcBef>
             </a:pPr>
             <a:r>
-              <a:rPr lang="en-US" sz="1200" b="1" spc="-15">
+              <a:rPr lang="de-de" sz="1200" b="1" spc="-15" dirty="0">
                 <a:solidFill>
                   <a:srgbClr val="FFFFFF"/>
                 </a:solidFill>
                 <a:latin typeface="Adobe Clean"/>
                 <a:cs typeface="Adobe Clean"/>
               </a:rPr>
-              <a:t>Accelerated Support</a:t>
-            </a:r>
-            <a:endParaRPr sz="1200">
+              <a:t>신속한 지원</a:t>
+            </a:r>
+            <a:endParaRPr sz="1200" dirty="0">
               <a:latin typeface="Adobe Clean"/>
               <a:cs typeface="Adobe Clean"/>
             </a:endParaRPr>
@@ -11865,8 +11062,8 @@
         </p:nvSpPr>
         <p:spPr>
           <a:xfrm>
-            <a:off x="6624119" y="8543943"/>
-            <a:ext cx="510540" cy="385445"/>
+            <a:off x="6517939" y="8543943"/>
+            <a:ext cx="721061" cy="384080"/>
           </a:xfrm>
           <a:prstGeom prst="rect">
             <a:avLst/>
@@ -11878,7 +11075,7 @@
           </a:bodyPr>
           <a:lstStyle/>
           <a:p>
-            <a:pPr marL="50800" marR="5080" indent="-51435">
+            <a:pPr marL="14288" marR="5080" indent="-14288" algn="ctr">
               <a:lnSpc>
                 <a:spcPts val="1390"/>
               </a:lnSpc>
@@ -11887,106 +11084,36 @@
               </a:spcBef>
             </a:pPr>
             <a:r>
-              <a:rPr sz="1200" b="1" spc="-50">
+              <a:rPr lang="de-de" sz="1200" b="1" spc="-50" dirty="0">
                 <a:solidFill>
                   <a:srgbClr val="FFFFFF"/>
                 </a:solidFill>
                 <a:latin typeface="Adobe Clean"/>
                 <a:cs typeface="Adobe Clean"/>
               </a:rPr>
-              <a:t>S</a:t>
-            </a:r>
-            <a:r>
-              <a:rPr sz="1200" b="1" spc="-20">
+              <a:t>전략적</a:t>
+            </a:r>
+            <a:r>
+              <a:rPr lang="de-de" sz="1200" b="1" dirty="0">
                 <a:solidFill>
                   <a:srgbClr val="FFFFFF"/>
                 </a:solidFill>
                 <a:latin typeface="Adobe Clean"/>
                 <a:cs typeface="Adobe Clean"/>
               </a:rPr>
-              <a:t>t</a:t>
-            </a:r>
-            <a:r>
-              <a:rPr sz="1200" b="1" spc="-75">
+              <a:t> </a:t>
+            </a:r>
+            <a:r>
+              <a:rPr lang="de-de" sz="1200" b="1" spc="-45" dirty="0">
                 <a:solidFill>
                   <a:srgbClr val="FFFFFF"/>
                 </a:solidFill>
                 <a:latin typeface="Adobe Clean"/>
                 <a:cs typeface="Adobe Clean"/>
               </a:rPr>
-              <a:t>r</a:t>
-            </a:r>
-            <a:r>
-              <a:rPr sz="1200" b="1" spc="-90">
-                <a:solidFill>
-                  <a:srgbClr val="FFFFFF"/>
-                </a:solidFill>
-                <a:latin typeface="Adobe Clean"/>
-                <a:cs typeface="Adobe Clean"/>
-              </a:rPr>
-              <a:t>a</a:t>
-            </a:r>
-            <a:r>
-              <a:rPr sz="1200" b="1" spc="-55">
-                <a:solidFill>
-                  <a:srgbClr val="FFFFFF"/>
-                </a:solidFill>
-                <a:latin typeface="Adobe Clean"/>
-                <a:cs typeface="Adobe Clean"/>
-              </a:rPr>
-              <a:t>t</a:t>
-            </a:r>
-            <a:r>
-              <a:rPr sz="1200" b="1" spc="-100">
-                <a:solidFill>
-                  <a:srgbClr val="FFFFFF"/>
-                </a:solidFill>
-                <a:latin typeface="Adobe Clean"/>
-                <a:cs typeface="Adobe Clean"/>
-              </a:rPr>
-              <a:t>e</a:t>
-            </a:r>
-            <a:r>
-              <a:rPr sz="1200" b="1" spc="-80">
-                <a:solidFill>
-                  <a:srgbClr val="FFFFFF"/>
-                </a:solidFill>
-                <a:latin typeface="Adobe Clean"/>
-                <a:cs typeface="Adobe Clean"/>
-              </a:rPr>
-              <a:t>g</a:t>
-            </a:r>
-            <a:r>
-              <a:rPr sz="1200" b="1" spc="-35">
-                <a:solidFill>
-                  <a:srgbClr val="FFFFFF"/>
-                </a:solidFill>
-                <a:latin typeface="Adobe Clean"/>
-                <a:cs typeface="Adobe Clean"/>
-              </a:rPr>
-              <a:t>i</a:t>
-            </a:r>
-            <a:r>
-              <a:rPr sz="1200" b="1">
-                <a:solidFill>
-                  <a:srgbClr val="FFFFFF"/>
-                </a:solidFill>
-                <a:latin typeface="Adobe Clean"/>
-                <a:cs typeface="Adobe Clean"/>
-              </a:rPr>
-              <a:t>c  </a:t>
-            </a:r>
-            <a:r>
-              <a:rPr sz="1200" b="1" spc="-45">
-                <a:solidFill>
-                  <a:srgbClr val="FFFFFF"/>
-                </a:solidFill>
-                <a:latin typeface="Adobe Clean"/>
-                <a:cs typeface="Adobe Clean"/>
-              </a:rPr>
-              <a:t>Advice</a:t>
-            </a:r>
-            <a:endParaRPr sz="1200">
+              <a:t>조언</a:t>
+            </a:r>
+            <a:endParaRPr sz="1200" dirty="0">
               <a:latin typeface="Adobe Clean"/>
               <a:cs typeface="Adobe Clean"/>
             </a:endParaRPr>
@@ -12005,13 +11132,7 @@
           <p:cNvGraphicFramePr>
             <a:graphicFrameLocks noGrp="1"/>
           </p:cNvGraphicFramePr>
-          <p:nvPr>
-            <p:extLst>
-              <p:ext uri="{D42A27DB-BD31-4B8C-83A1-F6EECF244321}">
-                <p14:modId xmlns:p14="http://schemas.microsoft.com/office/powerpoint/2010/main" val="3773282750"/>
-              </p:ext>
-            </p:extLst>
-          </p:nvPr>
+          <p:nvPr/>
         </p:nvGraphicFramePr>
         <p:xfrm>
           <a:off x="194236" y="1059345"/>
@@ -12046,22 +11167,22 @@
                     <a:lstStyle/>
                     <a:p>
                       <a:r>
-                        <a:rPr lang="en-US" sz="1100" b="0">
+                        <a:rPr lang="de-de" sz="1100" b="0" dirty="0">
                           <a:solidFill>
                             <a:schemeClr val="tx1"/>
                           </a:solidFill>
-                          <a:latin typeface="Adobe Clean"/>
+                          <a:latin typeface="Adobe Clean" panose="020B0503020404020204" pitchFamily="34" charset="0"/>
                           <a:ea typeface="+mn-ea"/>
                           <a:cs typeface="+mn-cs"/>
                           <a:hlinkClick r:id="rId7"/>
                         </a:rPr>
                         <a:t>Experience League</a:t>
                       </a:r>
-                      <a:endParaRPr lang="en-US" sz="1100" b="0">
+                      <a:endParaRPr lang="en-US" sz="1100" b="0" dirty="0">
                         <a:solidFill>
                           <a:schemeClr val="tx1"/>
                         </a:solidFill>
-                        <a:latin typeface="Adobe Clean"/>
+                        <a:latin typeface="Adobe Clean" panose="020B0503020404020204" pitchFamily="34" charset="0"/>
                         <a:ea typeface="+mn-ea"/>
                         <a:cs typeface="+mn-cs"/>
                       </a:endParaRPr>
@@ -12120,7 +11241,7 @@
                     <a:bodyPr/>
                     <a:lstStyle/>
                     <a:p>
-                      <a:pPr marL="0" marR="0" lvl="0" indent="0" eaLnBrk="1" fontAlgn="auto" latinLnBrk="0" hangingPunct="1">
+                      <a:pPr marL="0" marR="0" lvl="0" indent="0" defTabSz="914400" eaLnBrk="1" fontAlgn="auto" latinLnBrk="0" hangingPunct="1">
                         <a:lnSpc>
                           <a:spcPct val="100000"/>
                         </a:lnSpc>
@@ -12134,26 +11255,20 @@
                         <a:buSzTx/>
                         <a:buFontTx/>
                         <a:buNone/>
+                        <a:tabLst/>
+                        <a:defRPr/>
                       </a:pPr>
                       <a:r>
-                        <a:rPr lang="en-US" sz="1000" b="0" kern="1200">
+                        <a:rPr lang="de-de" sz="1000" b="0" kern="1200" dirty="0">
                           <a:solidFill>
                             <a:srgbClr val="000000"/>
                           </a:solidFill>
-                          <a:latin typeface="Adobe Clean Light"/>
+                          <a:latin typeface="Adobe Clean Light" panose="020B0303020404020204" pitchFamily="34" charset="0"/>
                           <a:ea typeface="+mn-ea"/>
                           <a:cs typeface="+mn-cs"/>
                         </a:rPr>
-                        <a:t>Experience League is how Adobe helps businesses achieve the value they expect from their Adobe investment. It’s the unified place where customers can learn, connect, and grow along a personalized path to success that includes self-help tutorials, product documentation, instructor-led training, community and technical support. </a:t>
+                        <a:t>Experience League를 통해 Adobe는 기업이 Adobe 투자에서 기대하는 가치를 달성하도록 지원합니다. 고객이 자기 주도 튜토리얼, 제품 설명서, 강의식 교육, 커뮤니티 및 기술 지원을 포함하는 개인 맞춤형 성공 경로를 따라가며 배우고, 교류하고, 성장할 수 있는 통합된 공간입니다. </a:t>
                       </a:r>
-                      <a:endParaRPr lang="en-US" sz="1000" b="0" kern="1200">
-                        <a:solidFill>
-                          <a:srgbClr val="000000"/>
-                        </a:solidFill>
-                        <a:latin typeface="Adobe Clean Light" panose="020B0303020404020204" pitchFamily="34" charset="0"/>
-                        <a:ea typeface="+mn-ea"/>
-                        <a:cs typeface="+mn-cs"/>
-                      </a:endParaRPr>
                     </a:p>
                   </a:txBody>
                   <a:tcPr anchor="ctr">
@@ -12234,36 +11349,36 @@
                         <a:defRPr/>
                       </a:pPr>
                       <a:r>
-                        <a:rPr lang="en-US" sz="1100">
+                        <a:rPr lang="de-de" sz="1100" dirty="0">
                           <a:solidFill>
                             <a:schemeClr val="dk1"/>
                           </a:solidFill>
                           <a:effectLst/>
-                          <a:latin typeface="Adobe Clean"/>
+                          <a:latin typeface="Adobe Clean" panose="020B0503020404020204" pitchFamily="34" charset="0"/>
                           <a:ea typeface="+mn-ea"/>
                           <a:cs typeface="+mn-cs"/>
                           <a:hlinkClick r:id="rId8"/>
                         </a:rPr>
-                        <a:t>Training</a:t>
+                        <a:t>교육</a:t>
                       </a:r>
                       <a:r>
-                        <a:rPr lang="en-US" sz="1100">
+                        <a:rPr lang="de-de" sz="1100" dirty="0">
                           <a:solidFill>
                             <a:schemeClr val="dk1"/>
                           </a:solidFill>
                           <a:effectLst/>
-                          <a:latin typeface="Adobe Clean"/>
+                          <a:latin typeface="Adobe Clean" panose="020B0503020404020204" pitchFamily="34" charset="0"/>
                           <a:ea typeface="+mn-ea"/>
                           <a:cs typeface="+mn-cs"/>
                         </a:rPr>
                         <a:t> </a:t>
                       </a:r>
-                      <a:endParaRPr lang="en-US" sz="1100">
+                      <a:endParaRPr lang="en-US" sz="1100" dirty="0">
                         <a:solidFill>
                           <a:schemeClr val="tx1"/>
                         </a:solidFill>
                         <a:effectLst/>
-                        <a:latin typeface="Adobe Clean"/>
+                        <a:latin typeface="Adobe Clean" panose="020B0503020404020204" pitchFamily="34" charset="0"/>
                         <a:ea typeface="+mn-ea"/>
                         <a:cs typeface="+mn-cs"/>
                       </a:endParaRPr>
@@ -12340,15 +11455,15 @@
                         <a:defRPr/>
                       </a:pPr>
                       <a:r>
-                        <a:rPr lang="en-US" sz="1000" kern="1200">
+                        <a:rPr lang="de-de" sz="1000" kern="1200" dirty="0">
                           <a:solidFill>
                             <a:srgbClr val="000000"/>
                           </a:solidFill>
-                          <a:latin typeface="Adobe Clean Light"/>
+                          <a:latin typeface="Adobe Clean Light" panose="020B0303020404020204" pitchFamily="34" charset="0"/>
                           <a:ea typeface="+mn-ea"/>
                           <a:cs typeface="+mn-cs"/>
                         </a:rPr>
-                        <a:t>Adobe Digital Learning Services courses are accessible from Experience League. Learning courses integrate both on-demand and instructor-led lessons.  Here you can accrue skills that have recognized market value and position them to drive success in your organizations.</a:t>
+                        <a:t>Adobe 디지털 학습 서비스 과정은 Experience League에서 액세스할 수 있습니다. 학습 과정은 주문형 수업과 강의식 수업을 모두 통합합니다. 여기에서 시장 가치를 인정받은 기술을 습득하고 조직에 포지셔닝하여 성공으로 이끌 수 있습니다.</a:t>
                       </a:r>
                     </a:p>
                   </a:txBody>
@@ -12430,24 +11545,24 @@
                         <a:defRPr/>
                       </a:pPr>
                       <a:r>
-                        <a:rPr lang="en-US" sz="1100">
+                        <a:rPr lang="de-de" sz="1100" dirty="0">
                           <a:solidFill>
                             <a:schemeClr val="tx1"/>
                           </a:solidFill>
                           <a:effectLst/>
-                          <a:latin typeface="Adobe Clean"/>
+                          <a:latin typeface="Adobe Clean" panose="020B0503020404020204" pitchFamily="34" charset="0"/>
                           <a:ea typeface="+mn-ea"/>
                           <a:cs typeface="+mn-cs"/>
                           <a:hlinkClick r:id="rId9"/>
                         </a:rPr>
-                        <a:t>Production Issues &amp; System Outages</a:t>
+                        <a:t>생산 문제 및 시스템 중단</a:t>
                       </a:r>
-                      <a:endParaRPr lang="en-US" sz="1100">
+                      <a:endParaRPr lang="en-US" sz="1100" dirty="0">
                         <a:solidFill>
                           <a:schemeClr val="tx1"/>
                         </a:solidFill>
                         <a:effectLst/>
-                        <a:latin typeface="Adobe Clean"/>
+                        <a:latin typeface="Adobe Clean" panose="020B0503020404020204" pitchFamily="34" charset="0"/>
                         <a:ea typeface="+mn-ea"/>
                         <a:cs typeface="+mn-cs"/>
                       </a:endParaRPr>
@@ -12506,7 +11621,7 @@
                     <a:bodyPr/>
                     <a:lstStyle/>
                     <a:p>
-                      <a:pPr marL="0" marR="0" lvl="0" indent="0" eaLnBrk="1" fontAlgn="auto" latinLnBrk="0" hangingPunct="1">
+                      <a:pPr marL="0" marR="0" lvl="0" indent="0" defTabSz="914400" eaLnBrk="1" fontAlgn="auto" latinLnBrk="0" hangingPunct="1">
                         <a:lnSpc>
                           <a:spcPct val="100000"/>
                         </a:lnSpc>
@@ -12520,26 +11635,20 @@
                         <a:buSzTx/>
                         <a:buFontTx/>
                         <a:buNone/>
+                        <a:tabLst/>
+                        <a:defRPr/>
                       </a:pPr>
                       <a:r>
-                        <a:rPr lang="en-US" sz="1000" kern="1200">
+                        <a:rPr lang="de-de" sz="1000" kern="1200" dirty="0">
                           <a:solidFill>
                             <a:srgbClr val="000000"/>
                           </a:solidFill>
-                          <a:latin typeface="Adobe Clean Light"/>
+                          <a:latin typeface="Adobe Clean Light" panose="020B0303020404020204" pitchFamily="34" charset="0"/>
                           <a:ea typeface="+mn-ea"/>
                           <a:cs typeface="+mn-cs"/>
                         </a:rPr>
-                        <a:t>Status.adobe.com conveys the health information of all Adobe products and services that are deployed in multi-tenant environments. Customers can choose their subscription preferences to get email notifications whenever Adobe creates, updates or resolves a product event. This can include scheduled maintenance or service issues of varying levels of severity. </a:t>
+                        <a:t>Status.adobe.com은 다중 테넌트 환경에 배포된 모든 Adobe 제품 및 서비스의 상태 정보를 전달합니다. 고객은 구독 기본 설정을 선택하여 Adobe가 제품 이벤트를 생성 업데이트 또는 해결할 때마다 이메일 알림을 받을 수 있습니다. 여기에는 예정된 유지 관리 또는 다양한 심각도 수준의 서비스 문제가 포함될 수 있습니다. </a:t>
                       </a:r>
-                      <a:endParaRPr lang="en-US" sz="1000" kern="1200">
-                        <a:solidFill>
-                          <a:srgbClr val="000000"/>
-                        </a:solidFill>
-                        <a:latin typeface="Adobe Clean Light" panose="020B0303020404020204" pitchFamily="34" charset="0"/>
-                        <a:ea typeface="+mn-ea"/>
-                        <a:cs typeface="+mn-cs"/>
-                      </a:endParaRPr>
                     </a:p>
                   </a:txBody>
                   <a:tcPr anchor="ctr">
@@ -12620,24 +11729,24 @@
                         <a:defRPr/>
                       </a:pPr>
                       <a:r>
-                        <a:rPr lang="en-US" sz="1100" b="0" i="0">
+                        <a:rPr lang="de-de" sz="1100" b="0" i="0" dirty="0">
                           <a:solidFill>
                             <a:schemeClr val="dk1"/>
                           </a:solidFill>
                           <a:effectLst/>
-                          <a:latin typeface="Adobe Clean"/>
+                          <a:latin typeface="Adobe Clean" panose="020B0503020404020204" pitchFamily="34" charset="0"/>
                           <a:ea typeface="+mn-ea"/>
                           <a:cs typeface="+mn-cs"/>
-                          <a:hlinkClick r:id="rId10" tooltip="https://helpx.adobe.com/support/programs/enterprise-support-programs/premier-support-business.html"/>
+                          <a:hlinkClick r:id="rId10" tooltip="https://helpx.adobe.com/kr/support/programs/enterprise-support-programs/premier-support-business.html"/>
                         </a:rPr>
-                        <a:t>Business Support Website</a:t>
+                        <a:t>비즈니스 지원 웹 사이트</a:t>
                       </a:r>
-                      <a:endParaRPr lang="en-US" sz="1100" b="0" i="0">
+                      <a:endParaRPr lang="en-US" sz="1100" b="0" i="0" dirty="0">
                         <a:solidFill>
                           <a:schemeClr val="dk1"/>
                         </a:solidFill>
                         <a:effectLst/>
-                        <a:latin typeface="Adobe Clean"/>
+                        <a:latin typeface="Adobe Clean" panose="020B0503020404020204" pitchFamily="34" charset="0"/>
                         <a:ea typeface="+mn-ea"/>
                         <a:cs typeface="+mn-cs"/>
                       </a:endParaRPr>
@@ -12697,24 +11806,16 @@
                     <a:lstStyle/>
                     <a:p>
                       <a:r>
-                        <a:rPr lang="en-US" sz="1000" kern="1200">
+                        <a:rPr lang="de-de" sz="1000" kern="1200" dirty="0">
                           <a:solidFill>
                             <a:srgbClr val="000000"/>
                           </a:solidFill>
-                          <a:latin typeface="Adobe Clean Light"/>
+                          <a:latin typeface="Adobe Clean Light" panose="020B0303020404020204" pitchFamily="34" charset="0"/>
                           <a:ea typeface="+mn-ea"/>
                           <a:cs typeface="+mn-cs"/>
                         </a:rPr>
-                        <a:t>Adobe Business Support website.</a:t>
+                        <a:t>Adobe 비즈니스 지원 웹 사이트입니다.</a:t>
                       </a:r>
-                      <a:endParaRPr lang="en-US" sz="1000" kern="1200">
-                        <a:solidFill>
-                          <a:srgbClr val="000000"/>
-                        </a:solidFill>
-                        <a:latin typeface="Adobe Clean Light" panose="020B0303020404020204" pitchFamily="34" charset="0"/>
-                        <a:ea typeface="+mn-ea"/>
-                        <a:cs typeface="+mn-cs"/>
-                      </a:endParaRPr>
                     </a:p>
                   </a:txBody>
                   <a:tcPr anchor="ctr">
@@ -12795,24 +11896,24 @@
                         <a:defRPr/>
                       </a:pPr>
                       <a:r>
-                        <a:rPr lang="en-US" sz="1100">
+                        <a:rPr lang="de-de" sz="1100" dirty="0">
                           <a:solidFill>
                             <a:schemeClr val="tx1"/>
                           </a:solidFill>
                           <a:effectLst/>
-                          <a:latin typeface="Adobe Clean"/>
+                          <a:latin typeface="Adobe Clean" panose="020B0503020404020204" pitchFamily="34" charset="0"/>
                           <a:ea typeface="+mn-ea"/>
                           <a:cs typeface="+mn-cs"/>
                           <a:hlinkClick r:id="rId11"/>
                         </a:rPr>
-                        <a:t>Terms and Conditions</a:t>
+                        <a:t>약관</a:t>
                       </a:r>
-                      <a:endParaRPr lang="en-US" sz="1100">
+                      <a:endParaRPr lang="en-US" sz="1100" dirty="0">
                         <a:solidFill>
                           <a:schemeClr val="tx1"/>
                         </a:solidFill>
                         <a:effectLst/>
-                        <a:latin typeface="Adobe Clean"/>
+                        <a:latin typeface="Adobe Clean" panose="020B0503020404020204" pitchFamily="34" charset="0"/>
                         <a:ea typeface="+mn-ea"/>
                         <a:cs typeface="+mn-cs"/>
                       </a:endParaRPr>
@@ -12872,24 +11973,16 @@
                     <a:lstStyle/>
                     <a:p>
                       <a:r>
-                        <a:rPr lang="en-US" sz="1000" kern="1200">
+                        <a:rPr lang="de-de" sz="1000" kern="1200" dirty="0">
                           <a:solidFill>
                             <a:srgbClr val="000000"/>
                           </a:solidFill>
-                          <a:latin typeface="Adobe Clean Light"/>
+                          <a:latin typeface="Adobe Clean Light" panose="020B0303020404020204" pitchFamily="34" charset="0"/>
                           <a:ea typeface="+mn-ea"/>
                           <a:cs typeface="+mn-cs"/>
                         </a:rPr>
-                        <a:t>Terms and conditions detailing Support Services offerings.</a:t>
+                        <a:t>지원 서비스 제공 사항을 자세히 설명하는 약관입니다.</a:t>
                       </a:r>
-                      <a:endParaRPr lang="en-US" sz="1000" kern="1200">
-                        <a:solidFill>
-                          <a:srgbClr val="000000"/>
-                        </a:solidFill>
-                        <a:latin typeface="Adobe Clean Light" panose="020B0303020404020204" pitchFamily="34" charset="0"/>
-                        <a:ea typeface="+mn-ea"/>
-                        <a:cs typeface="+mn-cs"/>
-                      </a:endParaRPr>
                     </a:p>
                   </a:txBody>
                   <a:tcPr anchor="ctr">
@@ -12952,7 +12045,7 @@
       </p:graphicFrame>
       <p:pic>
         <p:nvPicPr>
-          <p:cNvPr id="8" name="Graphic 7" descr="Target outline">
+          <p:cNvPr id="8" name="Graphic 7" descr="타겟 개요">
             <a:extLst>
               <a:ext uri="{FF2B5EF4-FFF2-40B4-BE49-F238E27FC236}">
                 <a16:creationId xmlns:a16="http://schemas.microsoft.com/office/drawing/2014/main" id="{1EAA263E-04A7-0D46-952E-EA3033B45116}"/>
@@ -12991,7 +12084,7 @@
       </p:pic>
       <p:pic>
         <p:nvPicPr>
-          <p:cNvPr id="10" name="Graphic 9" descr="Rocket outline">
+          <p:cNvPr id="10" name="Graphic 9" descr="로켓 개요">
             <a:extLst>
               <a:ext uri="{FF2B5EF4-FFF2-40B4-BE49-F238E27FC236}">
                 <a16:creationId xmlns:a16="http://schemas.microsoft.com/office/drawing/2014/main" id="{A068EBC3-B418-4E4A-A520-101CA4B39F23}"/>
@@ -13030,7 +12123,7 @@
       </p:pic>
       <p:pic>
         <p:nvPicPr>
-          <p:cNvPr id="12" name="Graphic 11" descr="Medal outline">
+          <p:cNvPr id="12" name="Graphic 11" descr="메달 개요">
             <a:extLst>
               <a:ext uri="{FF2B5EF4-FFF2-40B4-BE49-F238E27FC236}">
                 <a16:creationId xmlns:a16="http://schemas.microsoft.com/office/drawing/2014/main" id="{C7BEFC2D-0CA6-0448-B9FA-6E1581CA6D36}"/>
@@ -13659,6 +12752,21 @@
 </file>
 
 <file path=customXml/item1.xml><?xml version="1.0" encoding="utf-8"?>
+<p:properties xmlns:p="http://schemas.microsoft.com/office/2006/metadata/properties" xmlns:xsi="http://www.w3.org/2001/XMLSchema-instance" xmlns:pc="http://schemas.microsoft.com/office/infopath/2007/PartnerControls">
+  <documentManagement/>
+</p:properties>
+</file>
+
+<file path=customXml/item2.xml><?xml version="1.0" encoding="utf-8"?>
+<?mso-contentType ?>
+<FormTemplates xmlns="http://schemas.microsoft.com/sharepoint/v3/contenttype/forms">
+  <Display>DocumentLibraryForm</Display>
+  <Edit>DocumentLibraryForm</Edit>
+  <New>DocumentLibraryForm</New>
+</FormTemplates>
+</file>
+
+<file path=customXml/item3.xml><?xml version="1.0" encoding="utf-8"?>
 <ct:contentTypeSchema xmlns:ct="http://schemas.microsoft.com/office/2006/metadata/contentType" xmlns:ma="http://schemas.microsoft.com/office/2006/metadata/properties/metaAttributes" ct:_="" ma:_="" ma:contentTypeName="Document" ma:contentTypeID="0x010100E783BF6876BCC646A459363AF21A7736" ma:contentTypeVersion="10" ma:contentTypeDescription="Create a new document." ma:contentTypeScope="" ma:versionID="c4ffda7f4f415767600769e454c2ea87">
   <xsd:schema xmlns:xsd="http://www.w3.org/2001/XMLSchema" xmlns:xs="http://www.w3.org/2001/XMLSchema" xmlns:p="http://schemas.microsoft.com/office/2006/metadata/properties" xmlns:ns2="8a053bff-88be-49e4-9a87-e748e18b8b62" xmlns:ns3="6c8368ec-3776-49b5-a5bb-90648cf9530f" targetNamespace="http://schemas.microsoft.com/office/2006/metadata/properties" ma:root="true" ma:fieldsID="df3ec33bccc23e23bce7bc897fad43d1" ns2:_="" ns3:_="">
     <xsd:import namespace="8a053bff-88be-49e4-9a87-e748e18b8b62"/>
@@ -13863,36 +12971,11 @@
 </ct:contentTypeSchema>
 </file>
 
-<file path=customXml/item2.xml><?xml version="1.0" encoding="utf-8"?>
-<?mso-contentType ?>
-<FormTemplates xmlns="http://schemas.microsoft.com/sharepoint/v3/contenttype/forms">
-  <Display>DocumentLibraryForm</Display>
-  <Edit>DocumentLibraryForm</Edit>
-  <New>DocumentLibraryForm</New>
-</FormTemplates>
-</file>
-
-<file path=customXml/item3.xml><?xml version="1.0" encoding="utf-8"?>
-<p:properties xmlns:p="http://schemas.microsoft.com/office/2006/metadata/properties" xmlns:xsi="http://www.w3.org/2001/XMLSchema-instance" xmlns:pc="http://schemas.microsoft.com/office/infopath/2007/PartnerControls">
-  <documentManagement/>
-</p:properties>
-</file>
-
 <file path=customXml/itemProps1.xml><?xml version="1.0" encoding="utf-8"?>
-<ds:datastoreItem xmlns:ds="http://schemas.openxmlformats.org/officeDocument/2006/customXml" ds:itemID="{E0DB8BDF-6DA8-4ABC-A3CA-043AFD674CFC}">
+<ds:datastoreItem xmlns:ds="http://schemas.openxmlformats.org/officeDocument/2006/customXml" ds:itemID="{10FC3CAF-E6F1-40E3-87D4-6B781C97D6B4}">
   <ds:schemaRefs>
-    <ds:schemaRef ds:uri="6c8368ec-3776-49b5-a5bb-90648cf9530f"/>
-    <ds:schemaRef ds:uri="8a053bff-88be-49e4-9a87-e748e18b8b62"/>
-    <ds:schemaRef ds:uri="http://purl.org/dc/elements/1.1/"/>
-    <ds:schemaRef ds:uri="http://purl.org/dc/terms/"/>
-    <ds:schemaRef ds:uri="http://schemas.microsoft.com/internal/obd"/>
-    <ds:schemaRef ds:uri="http://schemas.microsoft.com/office/2006/documentManagement/types"/>
-    <ds:schemaRef ds:uri="http://schemas.microsoft.com/office/2006/metadata/contentType"/>
     <ds:schemaRef ds:uri="http://schemas.microsoft.com/office/2006/metadata/properties"/>
-    <ds:schemaRef ds:uri="http://schemas.microsoft.com/office/2006/metadata/properties/metaAttributes"/>
     <ds:schemaRef ds:uri="http://schemas.microsoft.com/office/infopath/2007/PartnerControls"/>
-    <ds:schemaRef ds:uri="http://schemas.openxmlformats.org/package/2006/metadata/core-properties"/>
-    <ds:schemaRef ds:uri="http://www.w3.org/2001/XMLSchema"/>
   </ds:schemaRefs>
 </ds:datastoreItem>
 </file>
@@ -13906,18 +12989,20 @@
 </file>
 
 <file path=customXml/itemProps3.xml><?xml version="1.0" encoding="utf-8"?>
-<ds:datastoreItem xmlns:ds="http://schemas.openxmlformats.org/officeDocument/2006/customXml" ds:itemID="{10FC3CAF-E6F1-40E3-87D4-6B781C97D6B4}">
+<ds:datastoreItem xmlns:ds="http://schemas.openxmlformats.org/officeDocument/2006/customXml" ds:itemID="{E0DB8BDF-6DA8-4ABC-A3CA-043AFD674CFC}">
   <ds:schemaRefs>
+    <ds:schemaRef ds:uri="http://schemas.microsoft.com/office/2006/metadata/contentType"/>
+    <ds:schemaRef ds:uri="http://schemas.microsoft.com/office/2006/metadata/properties/metaAttributes"/>
+    <ds:schemaRef ds:uri="http://www.w3.org/2001/XMLSchema"/>
+    <ds:schemaRef ds:uri="http://schemas.microsoft.com/office/2006/metadata/properties"/>
+    <ds:schemaRef ds:uri="8a053bff-88be-49e4-9a87-e748e18b8b62"/>
     <ds:schemaRef ds:uri="6c8368ec-3776-49b5-a5bb-90648cf9530f"/>
-    <ds:schemaRef ds:uri="8a053bff-88be-49e4-9a87-e748e18b8b62"/>
-    <ds:schemaRef ds:uri="http://purl.org/dc/dcmitype/"/>
+    <ds:schemaRef ds:uri="http://schemas.microsoft.com/office/2006/documentManagement/types"/>
+    <ds:schemaRef ds:uri="http://schemas.microsoft.com/office/infopath/2007/PartnerControls"/>
+    <ds:schemaRef ds:uri="http://schemas.openxmlformats.org/package/2006/metadata/core-properties"/>
     <ds:schemaRef ds:uri="http://purl.org/dc/elements/1.1/"/>
     <ds:schemaRef ds:uri="http://purl.org/dc/terms/"/>
-    <ds:schemaRef ds:uri="http://schemas.microsoft.com/office/2006/documentManagement/types"/>
-    <ds:schemaRef ds:uri="http://schemas.microsoft.com/office/2006/metadata/properties"/>
-    <ds:schemaRef ds:uri="http://schemas.microsoft.com/office/infopath/2007/PartnerControls"/>
-    <ds:schemaRef ds:uri="http://schemas.openxmlformats.org/package/2006/metadata/core-properties"/>
-    <ds:schemaRef ds:uri="http://www.w3.org/XML/1998/namespace"/>
+    <ds:schemaRef ds:uri="http://schemas.microsoft.com/internal/obd"/>
   </ds:schemaRefs>
 </ds:datastoreItem>
 </file>
--- a/help/data-sheets/assets/BusinessSupportDatasheet.pptx
+++ b/help/data-sheets/assets/BusinessSupportDatasheet.pptx
@@ -285,7 +285,7 @@
           <a:p>
             <a:fld id="{FB81873C-0B24-F04A-98A1-90E0A78F7E8A}" type="datetimeFigureOut">
               <a:rPr lang="en-US" smtClean="0"/>
-              <a:t>10/11/21</a:t>
+              <a:t>11/18/21</a:t>
             </a:fld>
             <a:endParaRPr lang="en-US"/>
           </a:p>
@@ -908,7 +908,7 @@
           <a:p>
             <a:fld id="{1D8BD707-D9CF-40AE-B4C6-C98DA3205C09}" type="datetimeFigureOut">
               <a:rPr lang="en-US"/>
-              <a:t>10/11/21</a:t>
+              <a:t>11/18/21</a:t>
             </a:fld>
             <a:endParaRPr lang="en-US"/>
           </a:p>
@@ -1100,7 +1100,7 @@
           <a:p>
             <a:fld id="{1D8BD707-D9CF-40AE-B4C6-C98DA3205C09}" type="datetimeFigureOut">
               <a:rPr lang="en-US"/>
-              <a:t>10/11/21</a:t>
+              <a:t>11/18/21</a:t>
             </a:fld>
             <a:endParaRPr lang="en-US"/>
           </a:p>
@@ -1418,7 +1418,7 @@
           <a:p>
             <a:fld id="{1D8BD707-D9CF-40AE-B4C6-C98DA3205C09}" type="datetimeFigureOut">
               <a:rPr lang="en-US"/>
-              <a:t>10/11/21</a:t>
+              <a:t>11/18/21</a:t>
             </a:fld>
             <a:endParaRPr lang="en-US"/>
           </a:p>
@@ -1853,10 +1853,16 @@
               </a:spcBef>
             </a:pPr>
             <a:r>
-              <a:rPr lang="de-de" sz="2300" dirty="0">
+              <a:rPr lang="de-de" sz="2300" spc="-229" dirty="0">
                 <a:latin typeface="Adobe Clean" panose="020B0503020404020204" pitchFamily="34" charset="0"/>
               </a:rPr>
-              <a:t>Adobe 지원 서비스 제공 사항</a:t>
+              <a:t>Adobe   </a:t>
+            </a:r>
+            <a:r>
+              <a:rPr lang="ko-KR" altLang="en-US" sz="2300" spc="-229" dirty="0">
+                <a:latin typeface="Adobe Clean" panose="020B0503020404020204" pitchFamily="34" charset="0"/>
+              </a:rPr>
+              <a:t>지원 플랜</a:t>
             </a:r>
             <a:endParaRPr sz="2300" dirty="0">
               <a:latin typeface="Adobe Clean" panose="020B0503020404020204" pitchFamily="34" charset="0"/>
@@ -2035,14 +2041,14 @@
           <p:nvPr>
             <p:extLst>
               <p:ext uri="{D42A27DB-BD31-4B8C-83A1-F6EECF244321}">
-                <p14:modId xmlns:p14="http://schemas.microsoft.com/office/powerpoint/2010/main" val="1939579510"/>
+                <p14:modId xmlns:p14="http://schemas.microsoft.com/office/powerpoint/2010/main" val="366689513"/>
               </p:ext>
             </p:extLst>
           </p:nvPr>
         </p:nvGraphicFramePr>
         <p:xfrm>
           <a:off x="121146" y="7475985"/>
-          <a:ext cx="7498852" cy="2119744"/>
+          <a:ext cx="7466799" cy="2088582"/>
         </p:xfrm>
         <a:graphic>
           <a:graphicData uri="http://schemas.openxmlformats.org/drawingml/2006/table">
@@ -2058,7 +2064,7 @@
                     </a:ext>
                   </a:extLst>
                 </a:gridCol>
-                <a:gridCol w="1400053">
+                <a:gridCol w="1368000">
                   <a:extLst>
                     <a:ext uri="{9D8B030D-6E8A-4147-A177-3AD203B41FA5}">
                       <a16:colId xmlns:a16="http://schemas.microsoft.com/office/drawing/2014/main" val="20001"/>
@@ -2103,7 +2109,7 @@
                       </a:endParaRPr>
                     </a:p>
                   </a:txBody>
-                  <a:tcPr marL="0" marR="0" marT="7620" marB="0" anchor="ctr">
+                  <a:tcPr marL="0" marR="0" marT="0" marB="0" anchor="ctr">
                     <a:lnL w="3175">
                       <a:solidFill>
                         <a:srgbClr val="B7B8B8"/>
@@ -2138,13 +2144,14 @@
                     <a:bodyPr/>
                     <a:lstStyle/>
                     <a:p>
-                      <a:pPr marL="135255" algn="ctr">
+                      <a:pPr marL="15875" indent="0" algn="ctr">
                         <a:lnSpc>
                           <a:spcPct val="100000"/>
                         </a:lnSpc>
                         <a:spcBef>
                           <a:spcPts val="60"/>
                         </a:spcBef>
+                        <a:tabLst/>
                       </a:pPr>
                       <a:r>
                         <a:rPr lang="de-de" sz="900" spc="0" dirty="0">
@@ -2162,7 +2169,7 @@
                       </a:endParaRPr>
                     </a:p>
                   </a:txBody>
-                  <a:tcPr anchor="ctr">
+                  <a:tcPr marL="0" marR="0" marT="0" marB="0" anchor="ctr">
                     <a:lnL w="3175">
                       <a:solidFill>
                         <a:srgbClr val="B7B8B8"/>
@@ -2197,13 +2204,14 @@
                     <a:bodyPr/>
                     <a:lstStyle/>
                     <a:p>
-                      <a:pPr marL="92710" algn="ctr">
+                      <a:pPr marL="15875" indent="0" algn="ctr">
                         <a:lnSpc>
                           <a:spcPct val="100000"/>
                         </a:lnSpc>
                         <a:spcBef>
                           <a:spcPts val="60"/>
                         </a:spcBef>
+                        <a:tabLst/>
                       </a:pPr>
                       <a:r>
                         <a:rPr lang="de-de" sz="900" spc="0" dirty="0">
@@ -2221,7 +2229,7 @@
                       </a:endParaRPr>
                     </a:p>
                   </a:txBody>
-                  <a:tcPr anchor="ctr">
+                  <a:tcPr marL="0" marR="0" marT="0" marB="0" anchor="ctr">
                     <a:lnL w="3175">
                       <a:solidFill>
                         <a:srgbClr val="B7B8B8"/>
@@ -2320,7 +2328,7 @@
                       </a:endParaRPr>
                     </a:p>
                   </a:txBody>
-                  <a:tcPr marL="0" marR="0" marT="3810" marB="0">
+                  <a:tcPr marL="0" marR="0" marT="0" marB="0">
                     <a:lnL w="3175">
                       <a:solidFill>
                         <a:srgbClr val="B7B8B8"/>
@@ -2368,7 +2376,27 @@
                           <a:latin typeface="AdobeClean-Light"/>
                           <a:cs typeface="AdobeClean-Light"/>
                         </a:rPr>
-                        <a:t>24x7 /           1시간</a:t>
+                        <a:t>24x7 /</a:t>
+                      </a:r>
+                      <a:r>
+                        <a:rPr lang="de-DE" sz="900" spc="0" dirty="0">
+                          <a:solidFill>
+                            <a:srgbClr val="020302"/>
+                          </a:solidFill>
+                          <a:latin typeface="AdobeClean-Light"/>
+                          <a:cs typeface="AdobeClean-Light"/>
+                        </a:rPr>
+                        <a:t> </a:t>
+                      </a:r>
+                      <a:r>
+                        <a:rPr lang="de-de" sz="900" spc="0" dirty="0">
+                          <a:solidFill>
+                            <a:srgbClr val="020302"/>
+                          </a:solidFill>
+                          <a:latin typeface="AdobeClean-Light"/>
+                          <a:cs typeface="AdobeClean-Light"/>
+                        </a:rPr>
+                        <a:t>1시간</a:t>
                       </a:r>
                       <a:endParaRPr sz="900" spc="0" dirty="0">
                         <a:latin typeface="AdobeClean-Light"/>
@@ -2376,7 +2404,7 @@
                       </a:endParaRPr>
                     </a:p>
                   </a:txBody>
-                  <a:tcPr anchor="ctr">
+                  <a:tcPr marL="0" marR="0" marT="0" marB="0" anchor="ctr">
                     <a:lnL w="3175">
                       <a:solidFill>
                         <a:srgbClr val="B7B8B8"/>
@@ -2424,7 +2452,27 @@
                           <a:latin typeface="AdobeClean-Light"/>
                           <a:cs typeface="AdobeClean-Light"/>
                         </a:rPr>
-                        <a:t>24x7 /          1시간</a:t>
+                        <a:t>24x7 /</a:t>
+                      </a:r>
+                      <a:r>
+                        <a:rPr lang="de-DE" sz="900" spc="0" dirty="0">
+                          <a:solidFill>
+                            <a:srgbClr val="020302"/>
+                          </a:solidFill>
+                          <a:latin typeface="AdobeClean-Light"/>
+                          <a:cs typeface="AdobeClean-Light"/>
+                        </a:rPr>
+                        <a:t> </a:t>
+                      </a:r>
+                      <a:r>
+                        <a:rPr lang="de-de" sz="900" spc="0" dirty="0">
+                          <a:solidFill>
+                            <a:srgbClr val="020302"/>
+                          </a:solidFill>
+                          <a:latin typeface="AdobeClean-Light"/>
+                          <a:cs typeface="AdobeClean-Light"/>
+                        </a:rPr>
+                        <a:t>1시간</a:t>
                       </a:r>
                       <a:endParaRPr sz="900" spc="0" dirty="0">
                         <a:latin typeface="AdobeClean-Light"/>
@@ -2432,7 +2480,7 @@
                       </a:endParaRPr>
                     </a:p>
                   </a:txBody>
-                  <a:tcPr anchor="ctr">
+                  <a:tcPr marL="0" marR="0" marT="0" marB="0" anchor="ctr">
                     <a:lnL w="3175">
                       <a:solidFill>
                         <a:srgbClr val="B7B8B8"/>
@@ -2524,7 +2572,7 @@
                       </a:endParaRPr>
                     </a:p>
                   </a:txBody>
-                  <a:tcPr marL="0" marR="0" marT="3810" marB="0">
+                  <a:tcPr marL="0" marR="0" marT="0" marB="0">
                     <a:lnL w="3175">
                       <a:solidFill>
                         <a:srgbClr val="B7B8B8"/>
@@ -2572,7 +2620,47 @@
                           <a:latin typeface="AdobeClean-Light"/>
                           <a:cs typeface="AdobeClean-Light"/>
                         </a:rPr>
-                        <a:t>업무 시간 /     4시간</a:t>
+                        <a:t>업무 </a:t>
+                      </a:r>
+                      <a:r>
+                        <a:rPr lang="de-de" sz="900" spc="0" dirty="0" err="1">
+                          <a:solidFill>
+                            <a:srgbClr val="020302"/>
+                          </a:solidFill>
+                          <a:latin typeface="AdobeClean-Light"/>
+                          <a:cs typeface="AdobeClean-Light"/>
+                        </a:rPr>
+                        <a:t>시간</a:t>
+                      </a:r>
+                      <a:r>
+                        <a:rPr lang="de-de" sz="900" spc="0" dirty="0">
+                          <a:solidFill>
+                            <a:srgbClr val="020302"/>
+                          </a:solidFill>
+                          <a:latin typeface="AdobeClean-Light"/>
+                          <a:cs typeface="AdobeClean-Light"/>
+                        </a:rPr>
+                        <a:t> /</a:t>
+                      </a:r>
+                      <a:r>
+                        <a:rPr lang="de-DE" sz="900" spc="0" dirty="0">
+                          <a:solidFill>
+                            <a:srgbClr val="020302"/>
+                          </a:solidFill>
+                          <a:latin typeface="AdobeClean-Light"/>
+                          <a:cs typeface="AdobeClean-Light"/>
+                        </a:rPr>
+                        <a:t> </a:t>
+                      </a:r>
+                      <a:r>
+                        <a:rPr lang="de-de" sz="900" spc="0" dirty="0">
+                          <a:solidFill>
+                            <a:srgbClr val="020302"/>
+                          </a:solidFill>
+                          <a:latin typeface="AdobeClean-Light"/>
+                          <a:cs typeface="AdobeClean-Light"/>
+                        </a:rPr>
+                        <a:t>4시간</a:t>
                       </a:r>
                       <a:endParaRPr sz="900" spc="0" dirty="0">
                         <a:latin typeface="AdobeClean-Light"/>
@@ -2580,7 +2668,7 @@
                       </a:endParaRPr>
                     </a:p>
                   </a:txBody>
-                  <a:tcPr anchor="ctr">
+                  <a:tcPr marL="0" marR="0" marT="0" marB="0" anchor="ctr">
                     <a:lnL w="3175">
                       <a:solidFill>
                         <a:srgbClr val="B7B8B8"/>
@@ -2628,7 +2716,47 @@
                           <a:latin typeface="AdobeClean-Light"/>
                           <a:cs typeface="AdobeClean-Light"/>
                         </a:rPr>
-                        <a:t>업무 시간 /      2시간</a:t>
+                        <a:t>업무 </a:t>
+                      </a:r>
+                      <a:r>
+                        <a:rPr lang="de-de" sz="900" spc="0" dirty="0" err="1">
+                          <a:solidFill>
+                            <a:srgbClr val="020302"/>
+                          </a:solidFill>
+                          <a:latin typeface="AdobeClean-Light"/>
+                          <a:cs typeface="AdobeClean-Light"/>
+                        </a:rPr>
+                        <a:t>시간</a:t>
+                      </a:r>
+                      <a:r>
+                        <a:rPr lang="de-de" sz="900" spc="0" dirty="0">
+                          <a:solidFill>
+                            <a:srgbClr val="020302"/>
+                          </a:solidFill>
+                          <a:latin typeface="AdobeClean-Light"/>
+                          <a:cs typeface="AdobeClean-Light"/>
+                        </a:rPr>
+                        <a:t> /</a:t>
+                      </a:r>
+                      <a:r>
+                        <a:rPr lang="de-DE" sz="900" spc="0" dirty="0">
+                          <a:solidFill>
+                            <a:srgbClr val="020302"/>
+                          </a:solidFill>
+                          <a:latin typeface="AdobeClean-Light"/>
+                          <a:cs typeface="AdobeClean-Light"/>
+                        </a:rPr>
+                        <a:t> </a:t>
+                      </a:r>
+                      <a:r>
+                        <a:rPr lang="de-de" sz="900" spc="0" dirty="0">
+                          <a:solidFill>
+                            <a:srgbClr val="020302"/>
+                          </a:solidFill>
+                          <a:latin typeface="AdobeClean-Light"/>
+                          <a:cs typeface="AdobeClean-Light"/>
+                        </a:rPr>
+                        <a:t>2시간</a:t>
                       </a:r>
                       <a:endParaRPr sz="900" spc="0" dirty="0">
                         <a:latin typeface="AdobeClean-Light"/>
@@ -2636,7 +2764,7 @@
                       </a:endParaRPr>
                     </a:p>
                   </a:txBody>
-                  <a:tcPr anchor="ctr">
+                  <a:tcPr marL="0" marR="0" marT="0" marB="0" anchor="ctr">
                     <a:lnL w="3175">
                       <a:solidFill>
                         <a:srgbClr val="B7B8B8"/>
@@ -2735,7 +2863,7 @@
                       </a:endParaRPr>
                     </a:p>
                   </a:txBody>
-                  <a:tcPr marL="0" marR="0" marT="3810" marB="0">
+                  <a:tcPr marL="0" marR="0" marT="0" marB="0">
                     <a:lnL w="3175">
                       <a:solidFill>
                         <a:srgbClr val="B7B8B8"/>
@@ -2783,7 +2911,47 @@
                           <a:latin typeface="AdobeClean-Light"/>
                           <a:cs typeface="AdobeClean-Light"/>
                         </a:rPr>
-                        <a:t>업무 시간 /     6시간</a:t>
+                        <a:t>업무 </a:t>
+                      </a:r>
+                      <a:r>
+                        <a:rPr lang="de-de" sz="900" spc="0" dirty="0" err="1">
+                          <a:solidFill>
+                            <a:srgbClr val="020302"/>
+                          </a:solidFill>
+                          <a:latin typeface="AdobeClean-Light"/>
+                          <a:cs typeface="AdobeClean-Light"/>
+                        </a:rPr>
+                        <a:t>시간</a:t>
+                      </a:r>
+                      <a:r>
+                        <a:rPr lang="de-de" sz="900" spc="0" dirty="0">
+                          <a:solidFill>
+                            <a:srgbClr val="020302"/>
+                          </a:solidFill>
+                          <a:latin typeface="AdobeClean-Light"/>
+                          <a:cs typeface="AdobeClean-Light"/>
+                        </a:rPr>
+                        <a:t> /</a:t>
+                      </a:r>
+                      <a:r>
+                        <a:rPr lang="de-DE" sz="900" spc="0" dirty="0">
+                          <a:solidFill>
+                            <a:srgbClr val="020302"/>
+                          </a:solidFill>
+                          <a:latin typeface="AdobeClean-Light"/>
+                          <a:cs typeface="AdobeClean-Light"/>
+                        </a:rPr>
+                        <a:t> </a:t>
+                      </a:r>
+                      <a:r>
+                        <a:rPr lang="de-de" sz="900" spc="0" dirty="0">
+                          <a:solidFill>
+                            <a:srgbClr val="020302"/>
+                          </a:solidFill>
+                          <a:latin typeface="AdobeClean-Light"/>
+                          <a:cs typeface="AdobeClean-Light"/>
+                        </a:rPr>
+                        <a:t>6시간</a:t>
                       </a:r>
                       <a:endParaRPr sz="900" spc="0" dirty="0">
                         <a:latin typeface="AdobeClean-Light"/>
@@ -2791,7 +2959,7 @@
                       </a:endParaRPr>
                     </a:p>
                   </a:txBody>
-                  <a:tcPr anchor="ctr">
+                  <a:tcPr marL="0" marR="0" marT="0" marB="0" anchor="ctr">
                     <a:lnL w="3175">
                       <a:solidFill>
                         <a:srgbClr val="B7B8B8"/>
@@ -2839,7 +3007,47 @@
                           <a:latin typeface="AdobeClean-Light"/>
                           <a:cs typeface="AdobeClean-Light"/>
                         </a:rPr>
-                        <a:t>업무 시간 /     4시간</a:t>
+                        <a:t>업무 </a:t>
+                      </a:r>
+                      <a:r>
+                        <a:rPr lang="de-de" sz="900" spc="0" dirty="0" err="1">
+                          <a:solidFill>
+                            <a:srgbClr val="020302"/>
+                          </a:solidFill>
+                          <a:latin typeface="AdobeClean-Light"/>
+                          <a:cs typeface="AdobeClean-Light"/>
+                        </a:rPr>
+                        <a:t>시간</a:t>
+                      </a:r>
+                      <a:r>
+                        <a:rPr lang="de-de" sz="900" spc="0" dirty="0">
+                          <a:solidFill>
+                            <a:srgbClr val="020302"/>
+                          </a:solidFill>
+                          <a:latin typeface="AdobeClean-Light"/>
+                          <a:cs typeface="AdobeClean-Light"/>
+                        </a:rPr>
+                        <a:t> /</a:t>
+                      </a:r>
+                      <a:r>
+                        <a:rPr lang="de-DE" sz="900" spc="0" dirty="0">
+                          <a:solidFill>
+                            <a:srgbClr val="020302"/>
+                          </a:solidFill>
+                          <a:latin typeface="AdobeClean-Light"/>
+                          <a:cs typeface="AdobeClean-Light"/>
+                        </a:rPr>
+                        <a:t> </a:t>
+                      </a:r>
+                      <a:r>
+                        <a:rPr lang="de-de" sz="900" spc="0" dirty="0">
+                          <a:solidFill>
+                            <a:srgbClr val="020302"/>
+                          </a:solidFill>
+                          <a:latin typeface="AdobeClean-Light"/>
+                          <a:cs typeface="AdobeClean-Light"/>
+                        </a:rPr>
+                        <a:t>4시간</a:t>
                       </a:r>
                       <a:endParaRPr sz="900" spc="0" dirty="0">
                         <a:latin typeface="AdobeClean-Light"/>
@@ -2847,7 +3055,7 @@
                       </a:endParaRPr>
                     </a:p>
                   </a:txBody>
-                  <a:tcPr anchor="ctr">
+                  <a:tcPr marL="0" marR="0" marT="0" marB="0" anchor="ctr">
                     <a:lnL w="3175">
                       <a:solidFill>
                         <a:srgbClr val="B7B8B8"/>
@@ -2948,7 +3156,7 @@
                       </a:endParaRPr>
                     </a:p>
                   </a:txBody>
-                  <a:tcPr marL="0" marR="0" marT="1905" marB="0">
+                  <a:tcPr marL="0" marR="0" marT="0" marB="0">
                     <a:lnL w="3175">
                       <a:solidFill>
                         <a:srgbClr val="B7B8B8"/>
@@ -2989,6 +3197,16 @@
                         </a:spcBef>
                       </a:pPr>
                       <a:r>
+                        <a:rPr lang="de-de" sz="900" spc="0" dirty="0" err="1">
+                          <a:solidFill>
+                            <a:srgbClr val="020302"/>
+                          </a:solidFill>
+                          <a:latin typeface="AdobeClean-Light"/>
+                          <a:cs typeface="AdobeClean-Light"/>
+                        </a:rPr>
+                        <a:t>업무일</a:t>
+                      </a:r>
+                      <a:r>
                         <a:rPr lang="de-de" sz="900" spc="0" dirty="0">
                           <a:solidFill>
                             <a:srgbClr val="020302"/>
@@ -2996,7 +3214,27 @@
                           <a:latin typeface="AdobeClean-Light"/>
                           <a:cs typeface="AdobeClean-Light"/>
                         </a:rPr>
-                        <a:t>업무일 /      3일</a:t>
+                        <a:t> /</a:t>
+                      </a:r>
+                      <a:r>
+                        <a:rPr lang="de-DE" sz="900" spc="0" dirty="0">
+                          <a:solidFill>
+                            <a:srgbClr val="020302"/>
+                          </a:solidFill>
+                          <a:latin typeface="AdobeClean-Light"/>
+                          <a:cs typeface="AdobeClean-Light"/>
+                        </a:rPr>
+                        <a:t> </a:t>
+                      </a:r>
+                      <a:r>
+                        <a:rPr lang="de-de" sz="900" spc="0" dirty="0">
+                          <a:solidFill>
+                            <a:srgbClr val="020302"/>
+                          </a:solidFill>
+                          <a:latin typeface="AdobeClean-Light"/>
+                          <a:cs typeface="AdobeClean-Light"/>
+                        </a:rPr>
+                        <a:t>3일</a:t>
                       </a:r>
                       <a:endParaRPr sz="900" spc="0" dirty="0">
                         <a:latin typeface="AdobeClean-Light"/>
@@ -3004,7 +3242,7 @@
                       </a:endParaRPr>
                     </a:p>
                   </a:txBody>
-                  <a:tcPr anchor="ctr">
+                  <a:tcPr marL="0" marR="0" marT="0" marB="0" anchor="ctr">
                     <a:lnL w="3175">
                       <a:solidFill>
                         <a:srgbClr val="B7B8B8"/>
@@ -3045,32 +3283,15 @@
                         </a:spcBef>
                       </a:pPr>
                       <a:r>
-                        <a:rPr lang="de-de" sz="900" spc="0" dirty="0">
+                        <a:rPr lang="de-de" sz="900" spc="0" dirty="0" err="1">
                           <a:solidFill>
                             <a:srgbClr val="020302"/>
                           </a:solidFill>
                           <a:latin typeface="AdobeClean-Light"/>
                           <a:cs typeface="AdobeClean-Light"/>
                         </a:rPr>
-                        <a:t>업무일 / </a:t>
+                        <a:t>업무일</a:t>
                       </a:r>
-                      <a:endParaRPr lang="en-US" sz="900" spc="0" dirty="0">
-                        <a:solidFill>
-                          <a:srgbClr val="020302"/>
-                        </a:solidFill>
-                        <a:latin typeface="AdobeClean-Light"/>
-                        <a:cs typeface="AdobeClean-Light"/>
-                      </a:endParaRPr>
-                    </a:p>
-                    <a:p>
-                      <a:pPr marL="370840" marR="223520" indent="-202565" algn="ctr">
-                        <a:lnSpc>
-                          <a:spcPct val="100000"/>
-                        </a:lnSpc>
-                        <a:spcBef>
-                          <a:spcPts val="155"/>
-                        </a:spcBef>
-                      </a:pPr>
                       <a:r>
                         <a:rPr lang="de-de" sz="900" spc="0" dirty="0">
                           <a:solidFill>
@@ -3079,7 +3300,27 @@
                           <a:latin typeface="AdobeClean-Light"/>
                           <a:cs typeface="AdobeClean-Light"/>
                         </a:rPr>
-                        <a:t>  1일</a:t>
+                        <a:t> /</a:t>
+                      </a:r>
+                      <a:r>
+                        <a:rPr lang="pl-PL" sz="900" spc="0" dirty="0">
+                          <a:solidFill>
+                            <a:srgbClr val="020302"/>
+                          </a:solidFill>
+                          <a:latin typeface="AdobeClean-Light"/>
+                          <a:cs typeface="AdobeClean-Light"/>
+                        </a:rPr>
+                        <a:t> </a:t>
+                      </a:r>
+                      <a:r>
+                        <a:rPr lang="de-de" sz="900" spc="0" dirty="0">
+                          <a:solidFill>
+                            <a:srgbClr val="020302"/>
+                          </a:solidFill>
+                          <a:latin typeface="AdobeClean-Light"/>
+                          <a:cs typeface="AdobeClean-Light"/>
+                        </a:rPr>
+                        <a:t>1일</a:t>
                       </a:r>
                       <a:endParaRPr sz="900" spc="0" dirty="0">
                         <a:latin typeface="AdobeClean-Light"/>
@@ -3087,7 +3328,7 @@
                       </a:endParaRPr>
                     </a:p>
                   </a:txBody>
-                  <a:tcPr anchor="ctr">
+                  <a:tcPr marL="0" marR="0" marT="0" marB="0" anchor="ctr">
                     <a:lnL w="3175">
                       <a:solidFill>
                         <a:srgbClr val="B7B8B8"/>
@@ -12752,12 +12993,6 @@
 </file>
 
 <file path=customXml/item1.xml><?xml version="1.0" encoding="utf-8"?>
-<p:properties xmlns:p="http://schemas.microsoft.com/office/2006/metadata/properties" xmlns:xsi="http://www.w3.org/2001/XMLSchema-instance" xmlns:pc="http://schemas.microsoft.com/office/infopath/2007/PartnerControls">
-  <documentManagement/>
-</p:properties>
-</file>
-
-<file path=customXml/item2.xml><?xml version="1.0" encoding="utf-8"?>
 <?mso-contentType ?>
 <FormTemplates xmlns="http://schemas.microsoft.com/sharepoint/v3/contenttype/forms">
   <Display>DocumentLibraryForm</Display>
@@ -12766,7 +13001,7 @@
 </FormTemplates>
 </file>
 
-<file path=customXml/item3.xml><?xml version="1.0" encoding="utf-8"?>
+<file path=customXml/item2.xml><?xml version="1.0" encoding="utf-8"?>
 <ct:contentTypeSchema xmlns:ct="http://schemas.microsoft.com/office/2006/metadata/contentType" xmlns:ma="http://schemas.microsoft.com/office/2006/metadata/properties/metaAttributes" ct:_="" ma:_="" ma:contentTypeName="Document" ma:contentTypeID="0x010100E783BF6876BCC646A459363AF21A7736" ma:contentTypeVersion="10" ma:contentTypeDescription="Create a new document." ma:contentTypeScope="" ma:versionID="c4ffda7f4f415767600769e454c2ea87">
   <xsd:schema xmlns:xsd="http://www.w3.org/2001/XMLSchema" xmlns:xs="http://www.w3.org/2001/XMLSchema" xmlns:p="http://schemas.microsoft.com/office/2006/metadata/properties" xmlns:ns2="8a053bff-88be-49e4-9a87-e748e18b8b62" xmlns:ns3="6c8368ec-3776-49b5-a5bb-90648cf9530f" targetNamespace="http://schemas.microsoft.com/office/2006/metadata/properties" ma:root="true" ma:fieldsID="df3ec33bccc23e23bce7bc897fad43d1" ns2:_="" ns3:_="">
     <xsd:import namespace="8a053bff-88be-49e4-9a87-e748e18b8b62"/>
@@ -12971,16 +13206,13 @@
 </ct:contentTypeSchema>
 </file>
 
-<file path=customXml/itemProps1.xml><?xml version="1.0" encoding="utf-8"?>
-<ds:datastoreItem xmlns:ds="http://schemas.openxmlformats.org/officeDocument/2006/customXml" ds:itemID="{10FC3CAF-E6F1-40E3-87D4-6B781C97D6B4}">
-  <ds:schemaRefs>
-    <ds:schemaRef ds:uri="http://schemas.microsoft.com/office/2006/metadata/properties"/>
-    <ds:schemaRef ds:uri="http://schemas.microsoft.com/office/infopath/2007/PartnerControls"/>
-  </ds:schemaRefs>
-</ds:datastoreItem>
+<file path=customXml/item3.xml><?xml version="1.0" encoding="utf-8"?>
+<p:properties xmlns:p="http://schemas.microsoft.com/office/2006/metadata/properties" xmlns:xsi="http://www.w3.org/2001/XMLSchema-instance" xmlns:pc="http://schemas.microsoft.com/office/infopath/2007/PartnerControls">
+  <documentManagement/>
+</p:properties>
 </file>
 
-<file path=customXml/itemProps2.xml><?xml version="1.0" encoding="utf-8"?>
+<file path=customXml/itemProps1.xml><?xml version="1.0" encoding="utf-8"?>
 <ds:datastoreItem xmlns:ds="http://schemas.openxmlformats.org/officeDocument/2006/customXml" ds:itemID="{95AE3B0B-E909-400C-B0B3-909FB50E07DE}">
   <ds:schemaRefs>
     <ds:schemaRef ds:uri="http://schemas.microsoft.com/sharepoint/v3/contenttype/forms"/>
@@ -12988,7 +13220,7 @@
 </ds:datastoreItem>
 </file>
 
-<file path=customXml/itemProps3.xml><?xml version="1.0" encoding="utf-8"?>
+<file path=customXml/itemProps2.xml><?xml version="1.0" encoding="utf-8"?>
 <ds:datastoreItem xmlns:ds="http://schemas.openxmlformats.org/officeDocument/2006/customXml" ds:itemID="{E0DB8BDF-6DA8-4ABC-A3CA-043AFD674CFC}">
   <ds:schemaRefs>
     <ds:schemaRef ds:uri="http://schemas.microsoft.com/office/2006/metadata/contentType"/>
@@ -13005,4 +13237,13 @@
     <ds:schemaRef ds:uri="http://schemas.microsoft.com/internal/obd"/>
   </ds:schemaRefs>
 </ds:datastoreItem>
+</file>
+
+<file path=customXml/itemProps3.xml><?xml version="1.0" encoding="utf-8"?>
+<ds:datastoreItem xmlns:ds="http://schemas.openxmlformats.org/officeDocument/2006/customXml" ds:itemID="{10FC3CAF-E6F1-40E3-87D4-6B781C97D6B4}">
+  <ds:schemaRefs>
+    <ds:schemaRef ds:uri="http://schemas.microsoft.com/office/2006/metadata/properties"/>
+    <ds:schemaRef ds:uri="http://schemas.microsoft.com/office/infopath/2007/PartnerControls"/>
+  </ds:schemaRefs>
+</ds:datastoreItem>
 </file>
--- a/help/data-sheets/assets/BusinessSupportDatasheet.pptx
+++ b/help/data-sheets/assets/BusinessSupportDatasheet.pptx
@@ -143,15 +143,85 @@
 <file path=ppt/revisionInfo.xml><?xml version="1.0" encoding="utf-8"?>
 <p1510:revInfo xmlns:a="http://schemas.openxmlformats.org/drawingml/2006/main" xmlns:r="http://schemas.openxmlformats.org/officeDocument/2006/relationships" xmlns:p1510="http://schemas.microsoft.com/office/powerpoint/2015/10/main">
   <p1510:revLst>
-    <p1510:client id="{06B13378-B080-7F0F-51A5-F9203CEE57ED}" v="370" dt="2021-08-25T22:26:24.850"/>
-    <p1510:client id="{9E385600-BF81-FC49-9ED0-E33BC37F7908}" v="55" dt="2021-08-04T08:16:13.478"/>
-    <p1510:client id="{CA5D33DF-AE75-BCA1-B9BC-A7CD44D2F3C7}" v="2" dt="2021-08-25T22:38:18.624"/>
+    <p1510:client id="{61630BD6-9AE9-064C-B39F-AFA945B82B3E}" v="202" dt="2021-10-13T19:21:08.267"/>
+    <p1510:client id="{AC30C20D-1316-8ECC-DADD-39CCEC6A7FCF}" v="9" dt="2021-10-13T19:03:35.035"/>
   </p1510:revLst>
 </p1510:revInfo>
 </file>
 
 <file path=ppt/changesInfos/changesInfo1.xml><?xml version="1.0" encoding="utf-8"?>
 <pc:chgInfo xmlns:a="http://schemas.openxmlformats.org/drawingml/2006/main" xmlns:r="http://schemas.openxmlformats.org/officeDocument/2006/relationships" xmlns:ac="http://schemas.microsoft.com/office/drawing/2013/main/command" xmlns:pc="http://schemas.microsoft.com/office/powerpoint/2013/main/command">
+  <pc:docChgLst>
+    <pc:chgData name="Akilah Johnson" userId="S::akjohnso@adobe.com::2fa3aa60-0c9c-4d06-bae2-795983241227" providerId="AD" clId="Web-{4D8E0410-E0CE-85E2-0F84-C1BF4F647622}"/>
+    <pc:docChg chg="modSld">
+      <pc:chgData name="Akilah Johnson" userId="S::akjohnso@adobe.com::2fa3aa60-0c9c-4d06-bae2-795983241227" providerId="AD" clId="Web-{4D8E0410-E0CE-85E2-0F84-C1BF4F647622}" dt="2021-09-22T22:57:04.802" v="5"/>
+      <pc:docMkLst>
+        <pc:docMk/>
+      </pc:docMkLst>
+      <pc:sldChg chg="modSp">
+        <pc:chgData name="Akilah Johnson" userId="S::akjohnso@adobe.com::2fa3aa60-0c9c-4d06-bae2-795983241227" providerId="AD" clId="Web-{4D8E0410-E0CE-85E2-0F84-C1BF4F647622}" dt="2021-09-22T22:57:04.802" v="5"/>
+        <pc:sldMkLst>
+          <pc:docMk/>
+          <pc:sldMk cId="1050037809" sldId="261"/>
+        </pc:sldMkLst>
+        <pc:graphicFrameChg chg="mod modGraphic">
+          <ac:chgData name="Akilah Johnson" userId="S::akjohnso@adobe.com::2fa3aa60-0c9c-4d06-bae2-795983241227" providerId="AD" clId="Web-{4D8E0410-E0CE-85E2-0F84-C1BF4F647622}" dt="2021-09-22T22:57:04.802" v="5"/>
+          <ac:graphicFrameMkLst>
+            <pc:docMk/>
+            <pc:sldMk cId="1050037809" sldId="261"/>
+            <ac:graphicFrameMk id="25" creationId="{3A91F5B0-3974-A14D-A146-FB590F2AAD18}"/>
+          </ac:graphicFrameMkLst>
+        </pc:graphicFrameChg>
+      </pc:sldChg>
+    </pc:docChg>
+  </pc:docChgLst>
+  <pc:docChgLst>
+    <pc:chgData name="Akilah Johnson" userId="S::akjohnso@adobe.com::2fa3aa60-0c9c-4d06-bae2-795983241227" providerId="AD" clId="Web-{019F6A09-DCDA-BB53-9E3C-5BA3B13E26BB}"/>
+    <pc:docChg chg="modSld">
+      <pc:chgData name="Akilah Johnson" userId="S::akjohnso@adobe.com::2fa3aa60-0c9c-4d06-bae2-795983241227" providerId="AD" clId="Web-{019F6A09-DCDA-BB53-9E3C-5BA3B13E26BB}" dt="2021-10-12T17:10:36.752" v="17" actId="20577"/>
+      <pc:docMkLst>
+        <pc:docMk/>
+      </pc:docMkLst>
+      <pc:sldChg chg="modSp">
+        <pc:chgData name="Akilah Johnson" userId="S::akjohnso@adobe.com::2fa3aa60-0c9c-4d06-bae2-795983241227" providerId="AD" clId="Web-{019F6A09-DCDA-BB53-9E3C-5BA3B13E26BB}" dt="2021-10-12T17:09:32.112" v="2" actId="20577"/>
+        <pc:sldMkLst>
+          <pc:docMk/>
+          <pc:sldMk cId="0" sldId="257"/>
+        </pc:sldMkLst>
+        <pc:spChg chg="mod">
+          <ac:chgData name="Akilah Johnson" userId="S::akjohnso@adobe.com::2fa3aa60-0c9c-4d06-bae2-795983241227" providerId="AD" clId="Web-{019F6A09-DCDA-BB53-9E3C-5BA3B13E26BB}" dt="2021-10-12T17:09:32.112" v="2" actId="20577"/>
+          <ac:spMkLst>
+            <pc:docMk/>
+            <pc:sldMk cId="0" sldId="257"/>
+            <ac:spMk id="46" creationId="{00000000-0000-0000-0000-000000000000}"/>
+          </ac:spMkLst>
+        </pc:spChg>
+      </pc:sldChg>
+      <pc:sldChg chg="modSp">
+        <pc:chgData name="Akilah Johnson" userId="S::akjohnso@adobe.com::2fa3aa60-0c9c-4d06-bae2-795983241227" providerId="AD" clId="Web-{019F6A09-DCDA-BB53-9E3C-5BA3B13E26BB}" dt="2021-10-12T17:10:36.752" v="17" actId="20577"/>
+        <pc:sldMkLst>
+          <pc:docMk/>
+          <pc:sldMk cId="1050037809" sldId="261"/>
+        </pc:sldMkLst>
+        <pc:spChg chg="mod">
+          <ac:chgData name="Akilah Johnson" userId="S::akjohnso@adobe.com::2fa3aa60-0c9c-4d06-bae2-795983241227" providerId="AD" clId="Web-{019F6A09-DCDA-BB53-9E3C-5BA3B13E26BB}" dt="2021-10-12T17:10:36.752" v="17" actId="20577"/>
+          <ac:spMkLst>
+            <pc:docMk/>
+            <pc:sldMk cId="1050037809" sldId="261"/>
+            <ac:spMk id="56" creationId="{00000000-0000-0000-0000-000000000000}"/>
+          </ac:spMkLst>
+        </pc:spChg>
+        <pc:graphicFrameChg chg="mod modGraphic">
+          <ac:chgData name="Akilah Johnson" userId="S::akjohnso@adobe.com::2fa3aa60-0c9c-4d06-bae2-795983241227" providerId="AD" clId="Web-{019F6A09-DCDA-BB53-9E3C-5BA3B13E26BB}" dt="2021-10-12T17:09:41.471" v="6"/>
+          <ac:graphicFrameMkLst>
+            <pc:docMk/>
+            <pc:sldMk cId="1050037809" sldId="261"/>
+            <ac:graphicFrameMk id="111" creationId="{D8653CEC-4213-DE40-9BAF-D1E3318FF89C}"/>
+          </ac:graphicFrameMkLst>
+        </pc:graphicFrameChg>
+      </pc:sldChg>
+    </pc:docChg>
+  </pc:docChgLst>
   <pc:docChgLst>
     <pc:chgData name="Andy Witt" userId="S::awitt@adobe.com::e9157bdf-53b2-40e4-9459-936793d75696" providerId="AD" clId="Web-{06B13378-B080-7F0F-51A5-F9203CEE57ED}"/>
     <pc:docChg chg="modSld">
@@ -171,6 +241,150 @@
             <pc:docMk/>
             <pc:sldMk cId="1050037809" sldId="261"/>
             <ac:graphicFrameMk id="25" creationId="{3A91F5B0-3974-A14D-A146-FB590F2AAD18}"/>
+          </ac:graphicFrameMkLst>
+        </pc:graphicFrameChg>
+      </pc:sldChg>
+    </pc:docChg>
+  </pc:docChgLst>
+  <pc:docChgLst>
+    <pc:chgData name="Akilah Johnson" userId="S::akjohnso@adobe.com::2fa3aa60-0c9c-4d06-bae2-795983241227" providerId="AD" clId="Web-{D428A0AE-54E2-30D2-C574-7A0742876CCF}"/>
+    <pc:docChg chg="modSld">
+      <pc:chgData name="Akilah Johnson" userId="S::akjohnso@adobe.com::2fa3aa60-0c9c-4d06-bae2-795983241227" providerId="AD" clId="Web-{D428A0AE-54E2-30D2-C574-7A0742876CCF}" dt="2021-10-12T19:11:25.330" v="0" actId="20577"/>
+      <pc:docMkLst>
+        <pc:docMk/>
+      </pc:docMkLst>
+      <pc:sldChg chg="modSp">
+        <pc:chgData name="Akilah Johnson" userId="S::akjohnso@adobe.com::2fa3aa60-0c9c-4d06-bae2-795983241227" providerId="AD" clId="Web-{D428A0AE-54E2-30D2-C574-7A0742876CCF}" dt="2021-10-12T19:11:25.330" v="0" actId="20577"/>
+        <pc:sldMkLst>
+          <pc:docMk/>
+          <pc:sldMk cId="0" sldId="256"/>
+        </pc:sldMkLst>
+        <pc:spChg chg="mod">
+          <ac:chgData name="Akilah Johnson" userId="S::akjohnso@adobe.com::2fa3aa60-0c9c-4d06-bae2-795983241227" providerId="AD" clId="Web-{D428A0AE-54E2-30D2-C574-7A0742876CCF}" dt="2021-10-12T19:11:25.330" v="0" actId="20577"/>
+          <ac:spMkLst>
+            <pc:docMk/>
+            <pc:sldMk cId="0" sldId="256"/>
+            <ac:spMk id="4" creationId="{00000000-0000-0000-0000-000000000000}"/>
+          </ac:spMkLst>
+        </pc:spChg>
+      </pc:sldChg>
+    </pc:docChg>
+  </pc:docChgLst>
+  <pc:docChgLst>
+    <pc:chgData name="Akilah Johnson" userId="S::akjohnso@adobe.com::2fa3aa60-0c9c-4d06-bae2-795983241227" providerId="AD" clId="Web-{71D6CFBF-0EA2-99B0-93F4-22F19EF0AE4E}"/>
+    <pc:docChg chg="modSld">
+      <pc:chgData name="Akilah Johnson" userId="S::akjohnso@adobe.com::2fa3aa60-0c9c-4d06-bae2-795983241227" providerId="AD" clId="Web-{71D6CFBF-0EA2-99B0-93F4-22F19EF0AE4E}" dt="2021-09-22T19:06:58.732" v="1" actId="1076"/>
+      <pc:docMkLst>
+        <pc:docMk/>
+      </pc:docMkLst>
+      <pc:sldChg chg="modSp">
+        <pc:chgData name="Akilah Johnson" userId="S::akjohnso@adobe.com::2fa3aa60-0c9c-4d06-bae2-795983241227" providerId="AD" clId="Web-{71D6CFBF-0EA2-99B0-93F4-22F19EF0AE4E}" dt="2021-09-22T19:06:58.732" v="1" actId="1076"/>
+        <pc:sldMkLst>
+          <pc:docMk/>
+          <pc:sldMk cId="1050037809" sldId="261"/>
+        </pc:sldMkLst>
+        <pc:spChg chg="mod">
+          <ac:chgData name="Akilah Johnson" userId="S::akjohnso@adobe.com::2fa3aa60-0c9c-4d06-bae2-795983241227" providerId="AD" clId="Web-{71D6CFBF-0EA2-99B0-93F4-22F19EF0AE4E}" dt="2021-09-22T19:06:58.732" v="1" actId="1076"/>
+          <ac:spMkLst>
+            <pc:docMk/>
+            <pc:sldMk cId="1050037809" sldId="261"/>
+            <ac:spMk id="64" creationId="{41467BDC-3D83-D844-B922-CD07E94E5AAB}"/>
+          </ac:spMkLst>
+        </pc:spChg>
+      </pc:sldChg>
+    </pc:docChg>
+  </pc:docChgLst>
+  <pc:docChgLst>
+    <pc:chgData name="Lauren Schutte" userId="S::schutte@adobe.com::6e08b2d3-447a-4d66-86be-444d50df187f" providerId="AD" clId="Web-{AC30C20D-1316-8ECC-DADD-39CCEC6A7FCF}"/>
+    <pc:docChg chg="modSld">
+      <pc:chgData name="Lauren Schutte" userId="S::schutte@adobe.com::6e08b2d3-447a-4d66-86be-444d50df187f" providerId="AD" clId="Web-{AC30C20D-1316-8ECC-DADD-39CCEC6A7FCF}" dt="2021-10-13T19:03:35.035" v="8" actId="1076"/>
+      <pc:docMkLst>
+        <pc:docMk/>
+      </pc:docMkLst>
+      <pc:sldChg chg="modSp">
+        <pc:chgData name="Lauren Schutte" userId="S::schutte@adobe.com::6e08b2d3-447a-4d66-86be-444d50df187f" providerId="AD" clId="Web-{AC30C20D-1316-8ECC-DADD-39CCEC6A7FCF}" dt="2021-10-13T19:03:35.035" v="8" actId="1076"/>
+        <pc:sldMkLst>
+          <pc:docMk/>
+          <pc:sldMk cId="0" sldId="256"/>
+        </pc:sldMkLst>
+        <pc:spChg chg="mod">
+          <ac:chgData name="Lauren Schutte" userId="S::schutte@adobe.com::6e08b2d3-447a-4d66-86be-444d50df187f" providerId="AD" clId="Web-{AC30C20D-1316-8ECC-DADD-39CCEC6A7FCF}" dt="2021-10-13T19:03:27.878" v="7" actId="14100"/>
+          <ac:spMkLst>
+            <pc:docMk/>
+            <pc:sldMk cId="0" sldId="256"/>
+            <ac:spMk id="3" creationId="{00000000-0000-0000-0000-000000000000}"/>
+          </ac:spMkLst>
+        </pc:spChg>
+        <pc:spChg chg="mod">
+          <ac:chgData name="Lauren Schutte" userId="S::schutte@adobe.com::6e08b2d3-447a-4d66-86be-444d50df187f" providerId="AD" clId="Web-{AC30C20D-1316-8ECC-DADD-39CCEC6A7FCF}" dt="2021-10-13T19:03:35.035" v="8" actId="1076"/>
+          <ac:spMkLst>
+            <pc:docMk/>
+            <pc:sldMk cId="0" sldId="256"/>
+            <ac:spMk id="5" creationId="{00000000-0000-0000-0000-000000000000}"/>
+          </ac:spMkLst>
+        </pc:spChg>
+      </pc:sldChg>
+    </pc:docChg>
+  </pc:docChgLst>
+  <pc:docChgLst>
+    <pc:chgData name="Akilah Johnson" userId="S::akjohnso@adobe.com::2fa3aa60-0c9c-4d06-bae2-795983241227" providerId="AD" clId="Web-{AFB92C2B-405E-C597-0988-18F97C53104C}"/>
+    <pc:docChg chg="modSld">
+      <pc:chgData name="Akilah Johnson" userId="S::akjohnso@adobe.com::2fa3aa60-0c9c-4d06-bae2-795983241227" providerId="AD" clId="Web-{AFB92C2B-405E-C597-0988-18F97C53104C}" dt="2021-09-22T18:53:26.184" v="29"/>
+      <pc:docMkLst>
+        <pc:docMk/>
+      </pc:docMkLst>
+      <pc:sldChg chg="modSp">
+        <pc:chgData name="Akilah Johnson" userId="S::akjohnso@adobe.com::2fa3aa60-0c9c-4d06-bae2-795983241227" providerId="AD" clId="Web-{AFB92C2B-405E-C597-0988-18F97C53104C}" dt="2021-09-22T18:53:26.184" v="29"/>
+        <pc:sldMkLst>
+          <pc:docMk/>
+          <pc:sldMk cId="1050037809" sldId="261"/>
+        </pc:sldMkLst>
+        <pc:spChg chg="mod">
+          <ac:chgData name="Akilah Johnson" userId="S::akjohnso@adobe.com::2fa3aa60-0c9c-4d06-bae2-795983241227" providerId="AD" clId="Web-{AFB92C2B-405E-C597-0988-18F97C53104C}" dt="2021-09-22T18:53:05.841" v="5" actId="20577"/>
+          <ac:spMkLst>
+            <pc:docMk/>
+            <pc:sldMk cId="1050037809" sldId="261"/>
+            <ac:spMk id="64" creationId="{41467BDC-3D83-D844-B922-CD07E94E5AAB}"/>
+          </ac:spMkLst>
+        </pc:spChg>
+        <pc:graphicFrameChg chg="mod modGraphic">
+          <ac:chgData name="Akilah Johnson" userId="S::akjohnso@adobe.com::2fa3aa60-0c9c-4d06-bae2-795983241227" providerId="AD" clId="Web-{AFB92C2B-405E-C597-0988-18F97C53104C}" dt="2021-09-22T18:53:26.184" v="29"/>
+          <ac:graphicFrameMkLst>
+            <pc:docMk/>
+            <pc:sldMk cId="1050037809" sldId="261"/>
+            <ac:graphicFrameMk id="25" creationId="{3A91F5B0-3974-A14D-A146-FB590F2AAD18}"/>
+          </ac:graphicFrameMkLst>
+        </pc:graphicFrameChg>
+      </pc:sldChg>
+    </pc:docChg>
+  </pc:docChgLst>
+  <pc:docChgLst>
+    <pc:chgData name="Lauren Schutte" userId="6e08b2d3-447a-4d66-86be-444d50df187f" providerId="ADAL" clId="{61630BD6-9AE9-064C-B39F-AFA945B82B3E}"/>
+    <pc:docChg chg="undo custSel modSld">
+      <pc:chgData name="Lauren Schutte" userId="6e08b2d3-447a-4d66-86be-444d50df187f" providerId="ADAL" clId="{61630BD6-9AE9-064C-B39F-AFA945B82B3E}" dt="2021-10-13T19:21:08.267" v="201" actId="20577"/>
+      <pc:docMkLst>
+        <pc:docMk/>
+      </pc:docMkLst>
+      <pc:sldChg chg="modSp mod">
+        <pc:chgData name="Lauren Schutte" userId="6e08b2d3-447a-4d66-86be-444d50df187f" providerId="ADAL" clId="{61630BD6-9AE9-064C-B39F-AFA945B82B3E}" dt="2021-10-13T19:21:08.267" v="201" actId="20577"/>
+        <pc:sldMkLst>
+          <pc:docMk/>
+          <pc:sldMk cId="0" sldId="256"/>
+        </pc:sldMkLst>
+        <pc:spChg chg="mod">
+          <ac:chgData name="Lauren Schutte" userId="6e08b2d3-447a-4d66-86be-444d50df187f" providerId="ADAL" clId="{61630BD6-9AE9-064C-B39F-AFA945B82B3E}" dt="2021-10-13T19:03:44.344" v="3" actId="1076"/>
+          <ac:spMkLst>
+            <pc:docMk/>
+            <pc:sldMk cId="0" sldId="256"/>
+            <ac:spMk id="3" creationId="{00000000-0000-0000-0000-000000000000}"/>
+          </ac:spMkLst>
+        </pc:spChg>
+        <pc:graphicFrameChg chg="mod modGraphic">
+          <ac:chgData name="Lauren Schutte" userId="6e08b2d3-447a-4d66-86be-444d50df187f" providerId="ADAL" clId="{61630BD6-9AE9-064C-B39F-AFA945B82B3E}" dt="2021-10-13T19:21:08.267" v="201" actId="20577"/>
+          <ac:graphicFrameMkLst>
+            <pc:docMk/>
+            <pc:sldMk cId="0" sldId="256"/>
+            <ac:graphicFrameMk id="9" creationId="{00000000-0000-0000-0000-000000000000}"/>
           </ac:graphicFrameMkLst>
         </pc:graphicFrameChg>
       </pc:sldChg>
@@ -285,7 +499,7 @@
           <a:p>
             <a:fld id="{FB81873C-0B24-F04A-98A1-90E0A78F7E8A}" type="datetimeFigureOut">
               <a:rPr lang="en-US" smtClean="0"/>
-              <a:t>11/18/21</a:t>
+              <a:t>12/7/21</a:t>
             </a:fld>
             <a:endParaRPr lang="en-US"/>
           </a:p>
@@ -596,7 +810,7 @@
           <a:bodyPr/>
           <a:lstStyle/>
           <a:p>
-            <a:endParaRPr lang="en-US" dirty="0"/>
+            <a:endParaRPr lang="en-US"/>
           </a:p>
         </p:txBody>
       </p:sp>
@@ -680,7 +894,7 @@
           <a:bodyPr/>
           <a:lstStyle/>
           <a:p>
-            <a:endParaRPr lang="en-US" dirty="0"/>
+            <a:endParaRPr lang="en-US"/>
           </a:p>
         </p:txBody>
       </p:sp>
@@ -764,7 +978,7 @@
           <a:bodyPr/>
           <a:lstStyle/>
           <a:p>
-            <a:endParaRPr lang="en-US" dirty="0"/>
+            <a:endParaRPr lang="en-US"/>
           </a:p>
         </p:txBody>
       </p:sp>
@@ -908,7 +1122,7 @@
           <a:p>
             <a:fld id="{1D8BD707-D9CF-40AE-B4C6-C98DA3205C09}" type="datetimeFigureOut">
               <a:rPr lang="en-US"/>
-              <a:t>11/18/21</a:t>
+              <a:t>12/7/21</a:t>
             </a:fld>
             <a:endParaRPr lang="en-US"/>
           </a:p>
@@ -996,23 +1210,23 @@
               </a:spcBef>
             </a:pPr>
             <a:r>
-              <a:rPr spc="-5" dirty="0"/>
+              <a:rPr spc="-5"/>
               <a:t>©202</a:t>
             </a:r>
             <a:r>
-              <a:rPr lang="en-US" spc="-5" dirty="0"/>
+              <a:rPr lang="en-US" spc="-5"/>
               <a:t>1 </a:t>
             </a:r>
             <a:r>
-              <a:rPr spc="-5" dirty="0"/>
+              <a:rPr spc="-5"/>
               <a:t>Adobe. All Rights Reserved. Adobe</a:t>
             </a:r>
             <a:r>
-              <a:rPr spc="60" dirty="0"/>
+              <a:rPr spc="60"/>
               <a:t> </a:t>
             </a:r>
             <a:r>
-              <a:rPr spc="-5" dirty="0"/>
+              <a:rPr spc="-5"/>
               <a:t>Confidential.</a:t>
             </a:r>
           </a:p>
@@ -1100,7 +1314,7 @@
           <a:p>
             <a:fld id="{1D8BD707-D9CF-40AE-B4C6-C98DA3205C09}" type="datetimeFigureOut">
               <a:rPr lang="en-US"/>
-              <a:t>11/18/21</a:t>
+              <a:t>12/7/21</a:t>
             </a:fld>
             <a:endParaRPr lang="en-US"/>
           </a:p>
@@ -1188,23 +1402,23 @@
               </a:spcBef>
             </a:pPr>
             <a:r>
-              <a:rPr spc="-5" dirty="0"/>
+              <a:rPr spc="-5"/>
               <a:t>©202</a:t>
             </a:r>
             <a:r>
-              <a:rPr lang="en-US" spc="-5" dirty="0"/>
+              <a:rPr lang="en-US" spc="-5"/>
               <a:t>1</a:t>
             </a:r>
             <a:r>
-              <a:rPr spc="-5" dirty="0"/>
+              <a:rPr spc="-5"/>
               <a:t> Adobe. All Rights Reserved. Adobe</a:t>
             </a:r>
             <a:r>
-              <a:rPr spc="60" dirty="0"/>
+              <a:rPr spc="60"/>
               <a:t> </a:t>
             </a:r>
             <a:r>
-              <a:rPr spc="-5" dirty="0"/>
+              <a:rPr spc="-5"/>
               <a:t>Confidential.</a:t>
             </a:r>
           </a:p>
@@ -1359,23 +1573,23 @@
               </a:spcBef>
             </a:pPr>
             <a:r>
-              <a:rPr spc="-5" dirty="0"/>
+              <a:rPr spc="-5"/>
               <a:t>©202</a:t>
             </a:r>
             <a:r>
-              <a:rPr lang="en-US" spc="-5" dirty="0"/>
+              <a:rPr lang="en-US" spc="-5"/>
               <a:t>1</a:t>
             </a:r>
             <a:r>
-              <a:rPr spc="-5" dirty="0"/>
+              <a:rPr spc="-5"/>
               <a:t> Adobe. All Rights Reserved. Adobe</a:t>
             </a:r>
             <a:r>
-              <a:rPr spc="60" dirty="0"/>
+              <a:rPr spc="60"/>
               <a:t> </a:t>
             </a:r>
             <a:r>
-              <a:rPr spc="-5" dirty="0"/>
+              <a:rPr spc="-5"/>
               <a:t>Confidential.</a:t>
             </a:r>
           </a:p>
@@ -1418,7 +1632,7 @@
           <a:p>
             <a:fld id="{1D8BD707-D9CF-40AE-B4C6-C98DA3205C09}" type="datetimeFigureOut">
               <a:rPr lang="en-US"/>
-              <a:t>11/18/21</a:t>
+              <a:t>12/7/21</a:t>
             </a:fld>
             <a:endParaRPr lang="en-US"/>
           </a:p>
@@ -1672,8 +1886,8 @@
         </p:nvSpPr>
         <p:spPr>
           <a:xfrm>
-            <a:off x="168564" y="7162363"/>
-            <a:ext cx="3870035" cy="229037"/>
+            <a:off x="168565" y="7162363"/>
+            <a:ext cx="2800350" cy="238760"/>
           </a:xfrm>
           <a:prstGeom prst="rect">
             <a:avLst/>
@@ -1694,7 +1908,7 @@
               </a:spcBef>
             </a:pPr>
             <a:r>
-              <a:rPr lang="de-de" sz="1400" b="1" u="heavy" spc="10" dirty="0">
+              <a:rPr sz="1400" b="1" u="heavy" spc="10">
                 <a:solidFill>
                   <a:srgbClr val="020302"/>
                 </a:solidFill>
@@ -1706,10 +1920,10 @@
                 <a:latin typeface="Adobe Clean"/>
                 <a:cs typeface="Adobe Clean"/>
               </a:rPr>
-              <a:t>서비스 </a:t>
-            </a:r>
-            <a:r>
-              <a:rPr lang="de-de" sz="1400" b="1" u="heavy" spc="-10" dirty="0">
+              <a:t>Service </a:t>
+            </a:r>
+            <a:r>
+              <a:rPr sz="1400" b="1" u="heavy" spc="-10">
                 <a:solidFill>
                   <a:srgbClr val="020302"/>
                 </a:solidFill>
@@ -1721,10 +1935,10 @@
                 <a:latin typeface="Adobe Clean"/>
                 <a:cs typeface="Adobe Clean"/>
               </a:rPr>
-              <a:t>수준 </a:t>
-            </a:r>
-            <a:r>
-              <a:rPr lang="de-de" sz="1400" b="1" u="heavy" spc="-45" dirty="0">
+              <a:t>Level </a:t>
+            </a:r>
+            <a:r>
+              <a:rPr sz="1400" b="1" u="heavy" spc="-45">
                 <a:solidFill>
                   <a:srgbClr val="020302"/>
                 </a:solidFill>
@@ -1736,10 +1950,10 @@
                 <a:latin typeface="Adobe Clean"/>
                 <a:cs typeface="Adobe Clean"/>
               </a:rPr>
-              <a:t>목표: </a:t>
-            </a:r>
-            <a:r>
-              <a:rPr lang="de-de" sz="1400" b="1" u="heavy" spc="-10" dirty="0">
+              <a:t>Targets: </a:t>
+            </a:r>
+            <a:r>
+              <a:rPr sz="1400" b="1" u="heavy" spc="-10">
                 <a:solidFill>
                   <a:srgbClr val="020302"/>
                 </a:solidFill>
@@ -1751,10 +1965,10 @@
                 <a:latin typeface="Adobe Clean"/>
                 <a:cs typeface="Adobe Clean"/>
               </a:rPr>
-              <a:t>초기</a:t>
-            </a:r>
-            <a:r>
-              <a:rPr lang="de-de" sz="1400" b="1" u="heavy" spc="-140" dirty="0">
+              <a:t>Initial</a:t>
+            </a:r>
+            <a:r>
+              <a:rPr sz="1400" b="1" u="heavy" spc="-140">
                 <a:solidFill>
                   <a:srgbClr val="020302"/>
                 </a:solidFill>
@@ -1769,7 +1983,7 @@
               <a:t> </a:t>
             </a:r>
             <a:r>
-              <a:rPr lang="de-de" sz="1400" b="1" u="heavy" spc="-15" dirty="0">
+              <a:rPr sz="1400" b="1" u="heavy" spc="-15">
                 <a:solidFill>
                   <a:srgbClr val="020302"/>
                 </a:solidFill>
@@ -1781,9 +1995,9 @@
                 <a:latin typeface="Adobe Clean"/>
                 <a:cs typeface="Adobe Clean"/>
               </a:rPr>
-              <a:t>대응</a:t>
-            </a:r>
-            <a:endParaRPr sz="1400" dirty="0">
+              <a:t>Response</a:t>
+            </a:r>
+            <a:endParaRPr sz="1400">
               <a:latin typeface="Adobe Clean"/>
               <a:cs typeface="Adobe Clean"/>
             </a:endParaRPr>
@@ -1839,7 +2053,7 @@
           </a:prstGeom>
         </p:spPr>
         <p:txBody>
-          <a:bodyPr vert="horz" wrap="square" lIns="0" tIns="12700" rIns="0" bIns="0" rtlCol="0">
+          <a:bodyPr vert="horz" wrap="square" lIns="0" tIns="12700" rIns="0" bIns="0" rtlCol="0" anchor="t">
             <a:spAutoFit/>
           </a:bodyPr>
           <a:lstStyle/>
@@ -1853,18 +2067,18 @@
               </a:spcBef>
             </a:pPr>
             <a:r>
-              <a:rPr lang="de-de" sz="2300" spc="-229" dirty="0">
-                <a:latin typeface="Adobe Clean" panose="020B0503020404020204" pitchFamily="34" charset="0"/>
-              </a:rPr>
-              <a:t>Adobe   </a:t>
-            </a:r>
-            <a:r>
-              <a:rPr lang="ko-KR" altLang="en-US" sz="2300" spc="-229" dirty="0">
-                <a:latin typeface="Adobe Clean" panose="020B0503020404020204" pitchFamily="34" charset="0"/>
-              </a:rPr>
-              <a:t>지원 플랜</a:t>
-            </a:r>
-            <a:endParaRPr sz="2300" dirty="0">
+              <a:rPr sz="2300">
+                <a:latin typeface="Adobe Clean"/>
+              </a:rPr>
+              <a:t>ADOBE </a:t>
+            </a:r>
+            <a:r>
+              <a:rPr lang="en-US" sz="2300">
+                <a:latin typeface="Adobe Clean"/>
+              </a:rPr>
+              <a:t>SUPPORT PLANS</a:t>
+            </a:r>
+            <a:endParaRPr sz="2300">
               <a:latin typeface="Adobe Clean" panose="020B0503020404020204" pitchFamily="34" charset="0"/>
             </a:endParaRPr>
           </a:p>
@@ -1878,7 +2092,7 @@
         </p:nvSpPr>
         <p:spPr>
           <a:xfrm>
-            <a:off x="121147" y="635935"/>
+            <a:off x="121147" y="531160"/>
             <a:ext cx="5865216" cy="1269065"/>
           </a:xfrm>
           <a:prstGeom prst="rect">
@@ -1900,31 +2114,31 @@
               </a:spcBef>
             </a:pPr>
             <a:r>
-              <a:rPr lang="de-de" sz="900" dirty="0">
+              <a:rPr lang="en-US" sz="900">
                 <a:solidFill>
                   <a:schemeClr val="bg1"/>
                 </a:solidFill>
                 <a:latin typeface="Adobe Clean Light" panose="020B0303020404020204" pitchFamily="34" charset="0"/>
               </a:rPr>
-              <a:t>온라인 | </a:t>
-            </a:r>
-            <a:r>
-              <a:rPr lang="de-de" sz="900" b="1" dirty="0">
+              <a:t>Online | </a:t>
+            </a:r>
+            <a:r>
+              <a:rPr lang="en-US" sz="900" b="1">
                 <a:solidFill>
                   <a:schemeClr val="bg1"/>
                 </a:solidFill>
                 <a:latin typeface="Adobe Clean" panose="020B0503020404020204" pitchFamily="34" charset="0"/>
               </a:rPr>
-              <a:t>비즈니스</a:t>
-            </a:r>
-            <a:r>
-              <a:rPr lang="de-de" sz="900" dirty="0">
+              <a:t>Business</a:t>
+            </a:r>
+            <a:r>
+              <a:rPr lang="en-US" sz="900">
                 <a:solidFill>
                   <a:schemeClr val="bg1"/>
                 </a:solidFill>
                 <a:latin typeface="Adobe Clean Light" panose="020B0303020404020204" pitchFamily="34" charset="0"/>
               </a:rPr>
-              <a:t> | 엔터프라이즈 | 엘리트</a:t>
+              <a:t> | Enterprise | Elite</a:t>
             </a:r>
           </a:p>
           <a:p>
@@ -1937,15 +2151,15 @@
               </a:spcBef>
             </a:pPr>
             <a:r>
-              <a:rPr lang="de-de" sz="900" dirty="0">
+              <a:rPr lang="en-US" sz="900">
                 <a:solidFill>
                   <a:schemeClr val="bg1"/>
                 </a:solidFill>
                 <a:latin typeface="Adobe Clean SemiLight" panose="020B0403020404020204" pitchFamily="34" charset="0"/>
               </a:rPr>
-              <a:t>Adobe는 비즈니스를 지원하는 데 도움이 되는 포괄적인 기술 리소스를 제공합니다. Experience Cloud 라이선스 구독의 일부로 포함되며 비즈니스 지원 패키지에서 더욱 향상되었습니다. 비즈니스 지원에는 Adobe Experience League를 통한 개인 맞춤형 학습 경로 및 모니터링되는 커뮤니티 포럼 액세스가 포함됩니다. 또한 상세한 심층적 기술 제품 설명서 및 최신 릴리스 정보를 활용할 수도 있습니다. 비즈니스 고객은 또한 전화나 지원 웹 포털을 통해 제품 쿼리에 대한 기술 지원 팀의 서비스를 이용하여 가장 중요한 시기에 비즈니스를 보호할 수 있습니다. BUSINESS 고객은 가장 중요한 지원 요청에 대한 지원 사례 에스컬레이션 관리 외에도 계정 지원 리드로부터 정기적인 커뮤니케이션 및 업데이트를 받게 됩니다. </a:t>
-            </a:r>
-            <a:endParaRPr lang="en-US" sz="900" dirty="0">
+              <a:t>Adobe provides a comprehensive range of technical resources to help support your business, included as part of your Experience Cloud license subscription and enhanced in the BUSINESS support package. BUSINESS support includes access to personalized learning paths and monitored community forums via the Adobe Experience League. You can also take advantage of our detailed and in-depth technical product documentation and current release notes. BUSINESS customers also benefit from access to our technical support teams for any product query via either the telephone or the support web portal, to help protect your business at the most critical times. BUSINESS customers will receive regular communications and updates from their Account Support Lead in addition to support case escalation management for your most critical of support requests. </a:t>
+            </a:r>
+            <a:endParaRPr lang="en-US" sz="900">
               <a:solidFill>
                 <a:schemeClr val="bg1"/>
               </a:solidFill>
@@ -2018,16 +2232,24 @@
               </a:spcBef>
             </a:pPr>
             <a:r>
-              <a:rPr lang="de-de" spc="-5" dirty="0"/>
-              <a:t>©2021 Adobe. All Rights Reserved. Adobe</a:t>
-            </a:r>
-            <a:r>
-              <a:rPr lang="de-de" spc="60" dirty="0"/>
+              <a:rPr spc="-5"/>
+              <a:t>©202</a:t>
+            </a:r>
+            <a:r>
+              <a:rPr lang="en-US" spc="-5"/>
+              <a:t>1</a:t>
+            </a:r>
+            <a:r>
+              <a:rPr spc="-5"/>
+              <a:t> Adobe. All Rights Reserved. Adobe</a:t>
+            </a:r>
+            <a:r>
+              <a:rPr spc="60"/>
               <a:t> </a:t>
             </a:r>
             <a:r>
-              <a:rPr lang="de-de" spc="-5" dirty="0"/>
-              <a:t>기밀.</a:t>
+              <a:rPr spc="-5"/>
+              <a:t>Confidential.</a:t>
             </a:r>
           </a:p>
         </p:txBody>
@@ -2041,14 +2263,14 @@
           <p:nvPr>
             <p:extLst>
               <p:ext uri="{D42A27DB-BD31-4B8C-83A1-F6EECF244321}">
-                <p14:modId xmlns:p14="http://schemas.microsoft.com/office/powerpoint/2010/main" val="366689513"/>
+                <p14:modId xmlns:p14="http://schemas.microsoft.com/office/powerpoint/2010/main" val="852543156"/>
               </p:ext>
             </p:extLst>
           </p:nvPr>
         </p:nvGraphicFramePr>
         <p:xfrm>
-          <a:off x="121146" y="7475985"/>
-          <a:ext cx="7466799" cy="2088582"/>
+          <a:off x="118872" y="7475985"/>
+          <a:ext cx="7498851" cy="2223598"/>
         </p:xfrm>
         <a:graphic>
           <a:graphicData uri="http://schemas.openxmlformats.org/drawingml/2006/table">
@@ -2057,14 +2279,14 @@
                 <a:tableStyleId>{2D5ABB26-0587-4C30-8999-92F81FD0307C}</a:tableStyleId>
               </a:tblPr>
               <a:tblGrid>
-                <a:gridCol w="4698745">
+                <a:gridCol w="4698744">
                   <a:extLst>
                     <a:ext uri="{9D8B030D-6E8A-4147-A177-3AD203B41FA5}">
                       <a16:colId xmlns:a16="http://schemas.microsoft.com/office/drawing/2014/main" val="20000"/>
                     </a:ext>
                   </a:extLst>
                 </a:gridCol>
-                <a:gridCol w="1368000">
+                <a:gridCol w="1400053">
                   <a:extLst>
                     <a:ext uri="{9D8B030D-6E8A-4147-A177-3AD203B41FA5}">
                       <a16:colId xmlns:a16="http://schemas.microsoft.com/office/drawing/2014/main" val="20001"/>
@@ -2079,7 +2301,7 @@
                   </a:extLst>
                 </a:gridCol>
               </a:tblGrid>
-              <a:tr h="274318">
+              <a:tr h="291248">
                 <a:tc>
                   <a:txBody>
                     <a:bodyPr/>
@@ -2094,22 +2316,22 @@
                         </a:spcBef>
                       </a:pPr>
                       <a:r>
-                        <a:rPr lang="de-de" sz="900" spc="0" dirty="0">
+                        <a:rPr sz="900" spc="0">
                           <a:solidFill>
                             <a:srgbClr val="020302"/>
                           </a:solidFill>
                           <a:latin typeface="Adobe Clean"/>
                           <a:cs typeface="Adobe Clean"/>
                         </a:rPr>
-                        <a:t>우선 순위</a:t>
+                        <a:t>Priority</a:t>
                       </a:r>
-                      <a:endParaRPr sz="900" spc="0" dirty="0">
+                      <a:endParaRPr sz="900" spc="0">
                         <a:latin typeface="Adobe Clean"/>
                         <a:cs typeface="Adobe Clean"/>
                       </a:endParaRPr>
                     </a:p>
                   </a:txBody>
-                  <a:tcPr marL="0" marR="0" marT="0" marB="0" anchor="ctr">
+                  <a:tcPr marL="0" marR="0" marT="7620" marB="0">
                     <a:lnL w="3175">
                       <a:solidFill>
                         <a:srgbClr val="B7B8B8"/>
@@ -2144,32 +2366,31 @@
                     <a:bodyPr/>
                     <a:lstStyle/>
                     <a:p>
-                      <a:pPr marL="15875" indent="0" algn="ctr">
+                      <a:pPr marL="135255" algn="ctr">
                         <a:lnSpc>
                           <a:spcPct val="100000"/>
                         </a:lnSpc>
                         <a:spcBef>
                           <a:spcPts val="60"/>
                         </a:spcBef>
-                        <a:tabLst/>
                       </a:pPr>
                       <a:r>
-                        <a:rPr lang="de-de" sz="900" spc="0" dirty="0">
+                        <a:rPr sz="900" spc="0">
                           <a:solidFill>
                             <a:srgbClr val="020302"/>
                           </a:solidFill>
                           <a:latin typeface="Adobe Clean"/>
                           <a:cs typeface="Adobe Clean"/>
                         </a:rPr>
-                        <a:t>온라인 지원</a:t>
+                        <a:t>Online Support</a:t>
                       </a:r>
-                      <a:endParaRPr sz="900" spc="0" dirty="0">
+                      <a:endParaRPr sz="900" spc="0">
                         <a:latin typeface="Adobe Clean"/>
                         <a:cs typeface="Adobe Clean"/>
                       </a:endParaRPr>
                     </a:p>
                   </a:txBody>
-                  <a:tcPr marL="0" marR="0" marT="0" marB="0" anchor="ctr">
+                  <a:tcPr marL="182880" marT="91440" anchor="ctr">
                     <a:lnL w="3175">
                       <a:solidFill>
                         <a:srgbClr val="B7B8B8"/>
@@ -2204,32 +2425,51 @@
                     <a:bodyPr/>
                     <a:lstStyle/>
                     <a:p>
-                      <a:pPr marL="15875" indent="0" algn="ctr">
+                      <a:pPr marL="92710">
                         <a:lnSpc>
                           <a:spcPct val="100000"/>
                         </a:lnSpc>
                         <a:spcBef>
                           <a:spcPts val="60"/>
                         </a:spcBef>
-                        <a:tabLst/>
                       </a:pPr>
                       <a:r>
-                        <a:rPr lang="de-de" sz="900" spc="0" dirty="0">
+                        <a:rPr sz="900" spc="0">
                           <a:solidFill>
                             <a:srgbClr val="FFFFFF"/>
                           </a:solidFill>
                           <a:latin typeface="Adobe Clean"/>
                           <a:cs typeface="Adobe Clean"/>
                         </a:rPr>
-                        <a:t>비즈니스 지원</a:t>
+                        <a:t>Business</a:t>
                       </a:r>
-                      <a:endParaRPr sz="900" spc="0" dirty="0">
+                      <a:r>
+                        <a:rPr lang="en-US" sz="900" spc="0">
+                          <a:solidFill>
+                            <a:srgbClr val="FFFFFF"/>
+                          </a:solidFill>
+                          <a:latin typeface="Adobe Clean"/>
+                          <a:cs typeface="Adobe Clean"/>
+                        </a:rPr>
+                        <a:t> </a:t>
+                      </a:r>
+                      <a:r>
+                        <a:rPr sz="900" spc="0">
+                          <a:solidFill>
+                            <a:srgbClr val="FFFFFF"/>
+                          </a:solidFill>
+                          <a:latin typeface="Adobe Clean"/>
+                          <a:cs typeface="Adobe Clean"/>
+                        </a:rPr>
+                        <a:t>Support</a:t>
+                      </a:r>
+                      <a:endParaRPr sz="900" spc="0">
                         <a:latin typeface="Adobe Clean"/>
                         <a:cs typeface="Adobe Clean"/>
                       </a:endParaRPr>
                     </a:p>
                   </a:txBody>
-                  <a:tcPr marL="0" marR="0" marT="0" marB="0" anchor="ctr">
+                  <a:tcPr marL="182880" marT="91440" anchor="ctr">
                     <a:lnL w="3175">
                       <a:solidFill>
                         <a:srgbClr val="B7B8B8"/>
@@ -2265,7 +2505,7 @@
                   </a:ext>
                 </a:extLst>
               </a:tr>
-              <a:tr h="484755">
+              <a:tr h="514672">
                 <a:tc>
                   <a:txBody>
                     <a:bodyPr/>
@@ -2280,16 +2520,16 @@
                         </a:spcBef>
                       </a:pPr>
                       <a:r>
-                        <a:rPr lang="de-de" sz="900" b="1" spc="0" dirty="0">
+                        <a:rPr sz="900" b="1" spc="0">
                           <a:solidFill>
                             <a:srgbClr val="020302"/>
                           </a:solidFill>
                           <a:latin typeface="Adobe Clean"/>
                           <a:cs typeface="Adobe Clean"/>
                         </a:rPr>
-                        <a:t>우선 순위 1</a:t>
+                        <a:t>PRIORITY 1</a:t>
                       </a:r>
-                      <a:endParaRPr sz="900" spc="0" dirty="0">
+                      <a:endParaRPr sz="900" spc="0">
                         <a:latin typeface="Adobe Clean"/>
                         <a:cs typeface="Adobe Clean"/>
                       </a:endParaRPr>
@@ -2313,22 +2553,22 @@
                         <a:defRPr/>
                       </a:pPr>
                       <a:r>
-                        <a:rPr lang="de-de" sz="900" b="0" i="0" spc="0" dirty="0">
+                        <a:rPr lang="en-US" sz="900" b="0" i="0" spc="0">
                           <a:solidFill>
                             <a:srgbClr val="000000"/>
                           </a:solidFill>
                           <a:effectLst/>
                           <a:latin typeface="Adobe Clean Light" panose="020B0303020404020204" pitchFamily="34" charset="0"/>
                         </a:rPr>
-                        <a:t>고객의 생산 비즈니스 기능이 다운되었거나 심각한 데이터 손실 또는 서비스 저하가 발생했으며 기능 및 사용성을 복원하기 위해 즉각적인 주의가 필요합니다.</a:t>
+                        <a:t>Customer's production business functions are down or have significant data loss or service degradation and immediate attention is required to restore functionality and usability</a:t>
                       </a:r>
-                      <a:endParaRPr lang="en-US" sz="900" b="0" i="0" spc="0" dirty="0">
+                      <a:endParaRPr lang="en-US" sz="900" b="0" i="0" spc="0">
                         <a:latin typeface="Adobe Clean Light" panose="020B0303020404020204" pitchFamily="34" charset="0"/>
                         <a:cs typeface="AdobeClean-Light"/>
                       </a:endParaRPr>
                     </a:p>
                   </a:txBody>
-                  <a:tcPr marL="0" marR="0" marT="0" marB="0">
+                  <a:tcPr marL="0" marR="0" marT="3810" marB="0">
                     <a:lnL w="3175">
                       <a:solidFill>
                         <a:srgbClr val="B7B8B8"/>
@@ -2369,17 +2609,17 @@
                         </a:spcBef>
                       </a:pPr>
                       <a:r>
-                        <a:rPr lang="de-de" sz="900" spc="0" dirty="0">
+                        <a:rPr sz="900" spc="0">
                           <a:solidFill>
                             <a:srgbClr val="020302"/>
                           </a:solidFill>
                           <a:latin typeface="AdobeClean-Light"/>
                           <a:cs typeface="AdobeClean-Light"/>
                         </a:rPr>
-                        <a:t>24x7 /</a:t>
+                        <a:t>24x7</a:t>
                       </a:r>
                       <a:r>
-                        <a:rPr lang="de-DE" sz="900" spc="0" dirty="0">
+                        <a:rPr lang="en-US" sz="900" spc="0">
                           <a:solidFill>
                             <a:srgbClr val="020302"/>
                           </a:solidFill>
@@ -2389,22 +2629,42 @@
                         <a:t> </a:t>
                       </a:r>
                       <a:r>
-                        <a:rPr lang="de-de" sz="900" spc="0" dirty="0">
+                        <a:rPr sz="900" spc="0">
                           <a:solidFill>
                             <a:srgbClr val="020302"/>
                           </a:solidFill>
                           <a:latin typeface="AdobeClean-Light"/>
                           <a:cs typeface="AdobeClean-Light"/>
                         </a:rPr>
-                        <a:t>1시간</a:t>
+                        <a:t>/</a:t>
                       </a:r>
-                      <a:endParaRPr sz="900" spc="0" dirty="0">
+                      <a:r>
+                        <a:rPr lang="en-US" sz="900" spc="0">
+                          <a:solidFill>
+                            <a:srgbClr val="020302"/>
+                          </a:solidFill>
+                          <a:latin typeface="AdobeClean-Light"/>
+                          <a:cs typeface="AdobeClean-Light"/>
+                        </a:rPr>
+                        <a:t> </a:t>
+                      </a:r>
+                      <a:r>
+                        <a:rPr sz="900" spc="0">
+                          <a:solidFill>
+                            <a:srgbClr val="020302"/>
+                          </a:solidFill>
+                          <a:latin typeface="AdobeClean-Light"/>
+                          <a:cs typeface="AdobeClean-Light"/>
+                        </a:rPr>
+                        <a:t>1 hour</a:t>
+                      </a:r>
+                      <a:endParaRPr sz="900" spc="0">
                         <a:latin typeface="AdobeClean-Light"/>
                         <a:cs typeface="AdobeClean-Light"/>
                       </a:endParaRPr>
                     </a:p>
                   </a:txBody>
-                  <a:tcPr marL="0" marR="0" marT="0" marB="0" anchor="ctr">
+                  <a:tcPr marL="0" marR="0" marT="91440" marB="91440" anchor="ctr" anchorCtr="1">
                     <a:lnL w="3175">
                       <a:solidFill>
                         <a:srgbClr val="B7B8B8"/>
@@ -2445,17 +2705,17 @@
                         </a:spcBef>
                       </a:pPr>
                       <a:r>
-                        <a:rPr lang="de-de" sz="900" spc="0" dirty="0">
+                        <a:rPr sz="900" spc="0">
                           <a:solidFill>
                             <a:srgbClr val="020302"/>
                           </a:solidFill>
                           <a:latin typeface="AdobeClean-Light"/>
                           <a:cs typeface="AdobeClean-Light"/>
                         </a:rPr>
-                        <a:t>24x7 /</a:t>
+                        <a:t>24x7</a:t>
                       </a:r>
                       <a:r>
-                        <a:rPr lang="de-DE" sz="900" spc="0" dirty="0">
+                        <a:rPr lang="en-US" sz="900" spc="0">
                           <a:solidFill>
                             <a:srgbClr val="020302"/>
                           </a:solidFill>
@@ -2465,22 +2725,42 @@
                         <a:t> </a:t>
                       </a:r>
                       <a:r>
-                        <a:rPr lang="de-de" sz="900" spc="0" dirty="0">
+                        <a:rPr sz="900" spc="0">
                           <a:solidFill>
                             <a:srgbClr val="020302"/>
                           </a:solidFill>
                           <a:latin typeface="AdobeClean-Light"/>
                           <a:cs typeface="AdobeClean-Light"/>
                         </a:rPr>
-                        <a:t>1시간</a:t>
+                        <a:t>/</a:t>
                       </a:r>
-                      <a:endParaRPr sz="900" spc="0" dirty="0">
+                      <a:r>
+                        <a:rPr lang="en-US" sz="900" spc="0">
+                          <a:solidFill>
+                            <a:srgbClr val="020302"/>
+                          </a:solidFill>
+                          <a:latin typeface="AdobeClean-Light"/>
+                          <a:cs typeface="AdobeClean-Light"/>
+                        </a:rPr>
+                        <a:t> </a:t>
+                      </a:r>
+                      <a:r>
+                        <a:rPr sz="900" spc="0">
+                          <a:solidFill>
+                            <a:srgbClr val="020302"/>
+                          </a:solidFill>
+                          <a:latin typeface="AdobeClean-Light"/>
+                          <a:cs typeface="AdobeClean-Light"/>
+                        </a:rPr>
+                        <a:t>1 hour</a:t>
+                      </a:r>
+                      <a:endParaRPr sz="900" spc="0">
                         <a:latin typeface="AdobeClean-Light"/>
                         <a:cs typeface="AdobeClean-Light"/>
                       </a:endParaRPr>
                     </a:p>
                   </a:txBody>
-                  <a:tcPr marL="0" marR="0" marT="0" marB="0" anchor="ctr">
+                  <a:tcPr marL="0" marR="0" marT="91440" marB="91440" anchor="ctr" anchorCtr="1">
                     <a:lnL w="3175">
                       <a:solidFill>
                         <a:srgbClr val="B7B8B8"/>
@@ -2518,7 +2798,7 @@
                   </a:ext>
                 </a:extLst>
               </a:tr>
-              <a:tr h="484755">
+              <a:tr h="514672">
                 <a:tc>
                   <a:txBody>
                     <a:bodyPr/>
@@ -2533,16 +2813,16 @@
                         </a:spcBef>
                       </a:pPr>
                       <a:r>
-                        <a:rPr lang="de-de" sz="900" b="1" spc="0" dirty="0">
+                        <a:rPr sz="900" b="1" spc="0">
                           <a:solidFill>
                             <a:srgbClr val="020302"/>
                           </a:solidFill>
                           <a:latin typeface="Adobe Clean"/>
                           <a:cs typeface="Adobe Clean"/>
                         </a:rPr>
-                        <a:t>우선 순위 2</a:t>
+                        <a:t>PRIORITY 2</a:t>
                       </a:r>
-                      <a:endParaRPr sz="900" spc="0" dirty="0">
+                      <a:endParaRPr sz="900" spc="0">
                         <a:latin typeface="Adobe Clean"/>
                         <a:cs typeface="Adobe Clean"/>
                       </a:endParaRPr>
@@ -2557,22 +2837,22 @@
                         </a:spcBef>
                       </a:pPr>
                       <a:r>
-                        <a:rPr lang="de-de" sz="900" b="0" i="0" spc="0" dirty="0">
+                        <a:rPr lang="en-US" sz="900" b="0" i="0" spc="0">
                           <a:solidFill>
                             <a:srgbClr val="000000"/>
                           </a:solidFill>
                           <a:effectLst/>
                           <a:latin typeface="Adobe Clean Light" panose="020B0303020404020204" pitchFamily="34" charset="0"/>
                         </a:rPr>
-                        <a:t>고객의 비즈니스 기능에 심각한 서비스 저하 또는 잠재적인 데이터 손실이 있거나 주요 기능이 영향을 받습니다. </a:t>
+                        <a:t>Customer's business functions have major service degradation or potential data loss, or a major feature is impacted </a:t>
                       </a:r>
-                      <a:endParaRPr lang="en-US" sz="900" b="0" i="0" spc="0" dirty="0">
+                      <a:endParaRPr lang="en-US" sz="900" b="0" i="0" spc="0">
                         <a:latin typeface="Adobe Clean Light" panose="020B0303020404020204" pitchFamily="34" charset="0"/>
                         <a:cs typeface="AdobeClean-Light"/>
                       </a:endParaRPr>
                     </a:p>
                   </a:txBody>
-                  <a:tcPr marL="0" marR="0" marT="0" marB="0">
+                  <a:tcPr marL="0" marR="0" marT="3810" marB="0">
                     <a:lnL w="3175">
                       <a:solidFill>
                         <a:srgbClr val="B7B8B8"/>
@@ -2613,37 +2893,17 @@
                         </a:spcBef>
                       </a:pPr>
                       <a:r>
-                        <a:rPr lang="de-de" sz="900" spc="0" dirty="0">
+                        <a:rPr sz="900" spc="0">
                           <a:solidFill>
                             <a:srgbClr val="020302"/>
                           </a:solidFill>
                           <a:latin typeface="AdobeClean-Light"/>
                           <a:cs typeface="AdobeClean-Light"/>
                         </a:rPr>
-                        <a:t>업무 </a:t>
+                        <a:t>Business</a:t>
                       </a:r>
                       <a:r>
-                        <a:rPr lang="de-de" sz="900" spc="0" dirty="0" err="1">
-                          <a:solidFill>
-                            <a:srgbClr val="020302"/>
-                          </a:solidFill>
-                          <a:latin typeface="AdobeClean-Light"/>
-                          <a:cs typeface="AdobeClean-Light"/>
-                        </a:rPr>
-                        <a:t>시간</a:t>
-                      </a:r>
-                      <a:r>
-                        <a:rPr lang="de-de" sz="900" spc="0" dirty="0">
-                          <a:solidFill>
-                            <a:srgbClr val="020302"/>
-                          </a:solidFill>
-                          <a:latin typeface="AdobeClean-Light"/>
-                          <a:cs typeface="AdobeClean-Light"/>
-                        </a:rPr>
-                        <a:t> /</a:t>
-                      </a:r>
-                      <a:r>
-                        <a:rPr lang="de-DE" sz="900" spc="0" dirty="0">
+                        <a:rPr lang="en-US" sz="900" spc="0">
                           <a:solidFill>
                             <a:srgbClr val="020302"/>
                           </a:solidFill>
@@ -2653,22 +2913,62 @@
                         <a:t> </a:t>
                       </a:r>
                       <a:r>
-                        <a:rPr lang="de-de" sz="900" spc="0" dirty="0">
+                        <a:rPr sz="900" spc="0">
                           <a:solidFill>
                             <a:srgbClr val="020302"/>
                           </a:solidFill>
                           <a:latin typeface="AdobeClean-Light"/>
                           <a:cs typeface="AdobeClean-Light"/>
                         </a:rPr>
-                        <a:t>4시간</a:t>
+                        <a:t>hours</a:t>
                       </a:r>
-                      <a:endParaRPr sz="900" spc="0" dirty="0">
+                      <a:r>
+                        <a:rPr lang="en-US" sz="900" spc="0">
+                          <a:solidFill>
+                            <a:srgbClr val="020302"/>
+                          </a:solidFill>
+                          <a:latin typeface="AdobeClean-Light"/>
+                          <a:cs typeface="AdobeClean-Light"/>
+                        </a:rPr>
+                        <a:t> </a:t>
+                      </a:r>
+                      <a:r>
+                        <a:rPr sz="900" spc="0">
+                          <a:solidFill>
+                            <a:srgbClr val="020302"/>
+                          </a:solidFill>
+                          <a:latin typeface="AdobeClean-Light"/>
+                          <a:cs typeface="AdobeClean-Light"/>
+                        </a:rPr>
+                        <a:t>/</a:t>
+                      </a:r>
+                      <a:r>
+                        <a:rPr lang="en-US" sz="900" spc="0">
+                          <a:solidFill>
+                            <a:srgbClr val="020302"/>
+                          </a:solidFill>
+                          <a:latin typeface="AdobeClean-Light"/>
+                          <a:cs typeface="AdobeClean-Light"/>
+                        </a:rPr>
+                        <a:t> </a:t>
+                      </a:r>
+                      <a:r>
+                        <a:rPr sz="900" spc="0">
+                          <a:solidFill>
+                            <a:srgbClr val="020302"/>
+                          </a:solidFill>
+                          <a:latin typeface="AdobeClean-Light"/>
+                          <a:cs typeface="AdobeClean-Light"/>
+                        </a:rPr>
+                        <a:t>4 hours</a:t>
+                      </a:r>
+                      <a:endParaRPr sz="900" spc="0">
                         <a:latin typeface="AdobeClean-Light"/>
                         <a:cs typeface="AdobeClean-Light"/>
                       </a:endParaRPr>
                     </a:p>
                   </a:txBody>
-                  <a:tcPr marL="0" marR="0" marT="0" marB="0" anchor="ctr">
+                  <a:tcPr marL="0" marR="0" marT="91440" marB="91440" anchor="ctr" anchorCtr="1">
                     <a:lnL w="3175">
                       <a:solidFill>
                         <a:srgbClr val="B7B8B8"/>
@@ -2709,37 +3009,27 @@
                         </a:spcBef>
                       </a:pPr>
                       <a:r>
-                        <a:rPr lang="de-de" sz="900" spc="0" dirty="0">
+                        <a:rPr lang="en-US" sz="900" spc="0">
                           <a:solidFill>
                             <a:srgbClr val="020302"/>
                           </a:solidFill>
                           <a:latin typeface="AdobeClean-Light"/>
                           <a:cs typeface="AdobeClean-Light"/>
                         </a:rPr>
-                        <a:t>업무 </a:t>
+                        <a:t>    </a:t>
                       </a:r>
                       <a:r>
-                        <a:rPr lang="de-de" sz="900" spc="0" dirty="0" err="1">
+                        <a:rPr sz="900" spc="0">
                           <a:solidFill>
                             <a:srgbClr val="020302"/>
                           </a:solidFill>
                           <a:latin typeface="AdobeClean-Light"/>
                           <a:cs typeface="AdobeClean-Light"/>
                         </a:rPr>
-                        <a:t>시간</a:t>
+                        <a:t>Business</a:t>
                       </a:r>
                       <a:r>
-                        <a:rPr lang="de-de" sz="900" spc="0" dirty="0">
-                          <a:solidFill>
-                            <a:srgbClr val="020302"/>
-                          </a:solidFill>
-                          <a:latin typeface="AdobeClean-Light"/>
-                          <a:cs typeface="AdobeClean-Light"/>
-                        </a:rPr>
-                        <a:t> /</a:t>
-                      </a:r>
-                      <a:r>
-                        <a:rPr lang="de-DE" sz="900" spc="0" dirty="0">
+                        <a:rPr lang="en-US" sz="900" spc="0">
                           <a:solidFill>
                             <a:srgbClr val="020302"/>
                           </a:solidFill>
@@ -2749,22 +3039,62 @@
                         <a:t> </a:t>
                       </a:r>
                       <a:r>
-                        <a:rPr lang="de-de" sz="900" spc="0" dirty="0">
+                        <a:rPr sz="900" spc="0">
                           <a:solidFill>
                             <a:srgbClr val="020302"/>
                           </a:solidFill>
                           <a:latin typeface="AdobeClean-Light"/>
                           <a:cs typeface="AdobeClean-Light"/>
                         </a:rPr>
-                        <a:t>2시간</a:t>
+                        <a:t>hours</a:t>
                       </a:r>
-                      <a:endParaRPr sz="900" spc="0" dirty="0">
+                      <a:r>
+                        <a:rPr lang="en-US" sz="900" spc="0">
+                          <a:solidFill>
+                            <a:srgbClr val="020302"/>
+                          </a:solidFill>
+                          <a:latin typeface="AdobeClean-Light"/>
+                          <a:cs typeface="AdobeClean-Light"/>
+                        </a:rPr>
+                        <a:t> / </a:t>
+                      </a:r>
+                      <a:r>
+                        <a:rPr sz="900" spc="0">
+                          <a:solidFill>
+                            <a:srgbClr val="020302"/>
+                          </a:solidFill>
+                          <a:latin typeface="AdobeClean-Light"/>
+                          <a:cs typeface="AdobeClean-Light"/>
+                        </a:rPr>
+                        <a:t>2</a:t>
+                      </a:r>
+                      <a:r>
+                        <a:rPr lang="en-US" sz="900" spc="0">
+                          <a:solidFill>
+                            <a:srgbClr val="020302"/>
+                          </a:solidFill>
+                          <a:latin typeface="AdobeClean-Light"/>
+                          <a:cs typeface="AdobeClean-Light"/>
+                        </a:rPr>
+                        <a:t> </a:t>
+                      </a:r>
+                      <a:r>
+                        <a:rPr sz="900" spc="0">
+                          <a:solidFill>
+                            <a:srgbClr val="020302"/>
+                          </a:solidFill>
+                          <a:latin typeface="AdobeClean-Light"/>
+                          <a:cs typeface="AdobeClean-Light"/>
+                        </a:rPr>
+                        <a:t>hours</a:t>
+                      </a:r>
+                      <a:endParaRPr sz="900" spc="0">
                         <a:latin typeface="AdobeClean-Light"/>
                         <a:cs typeface="AdobeClean-Light"/>
                       </a:endParaRPr>
                     </a:p>
                   </a:txBody>
-                  <a:tcPr marL="0" marR="0" marT="0" marB="0" anchor="ctr">
+                  <a:tcPr marL="0" marR="0" marT="91440" marB="91440" anchor="ctr" anchorCtr="1">
                     <a:lnL w="3175">
                       <a:solidFill>
                         <a:srgbClr val="B7B8B8"/>
@@ -2802,7 +3132,7 @@
                   </a:ext>
                 </a:extLst>
               </a:tr>
-              <a:tr h="484756">
+              <a:tr h="514673">
                 <a:tc>
                   <a:txBody>
                     <a:bodyPr/>
@@ -2817,16 +3147,16 @@
                         </a:spcBef>
                       </a:pPr>
                       <a:r>
-                        <a:rPr lang="de-de" sz="900" b="1" spc="0" dirty="0">
+                        <a:rPr sz="900" b="1" spc="0">
                           <a:solidFill>
                             <a:srgbClr val="020302"/>
                           </a:solidFill>
                           <a:latin typeface="Adobe Clean"/>
                           <a:cs typeface="Adobe Clean"/>
                         </a:rPr>
-                        <a:t>우선 순위 3</a:t>
+                        <a:t>PRIORITY 3</a:t>
                       </a:r>
-                      <a:endParaRPr sz="900" spc="0" dirty="0">
+                      <a:endParaRPr sz="900" spc="0">
                         <a:latin typeface="Adobe Clean"/>
                         <a:cs typeface="Adobe Clean"/>
                       </a:endParaRPr>
@@ -2841,7 +3171,7 @@
                         </a:spcBef>
                       </a:pPr>
                       <a:r>
-                        <a:rPr kumimoji="0" lang="de-de" sz="900" b="0" i="0" u="none" strike="noStrike" kern="1200" cap="none" spc="0" normalizeH="0" baseline="0" noProof="0" dirty="0">
+                        <a:rPr kumimoji="0" lang="en-US" sz="900" b="0" i="0" u="none" strike="noStrike" kern="1200" cap="none" spc="0" normalizeH="0" baseline="0" noProof="0">
                           <a:ln>
                             <a:noFill/>
                           </a:ln>
@@ -2855,15 +3185,15 @@
                           <a:ea typeface="+mn-ea"/>
                           <a:cs typeface="+mn-cs"/>
                         </a:rPr>
-                        <a:t>고객의 비즈니스 기능에 약간의 서비스 저하가 있지만 비즈니스 기능을 계속할 수 있게 하는 솔루션/해결 방법이 있습니다. </a:t>
+                        <a:t>Customer's business functions have minor service degradation but there exists a solution/workaround allowing business functions to continue </a:t>
                       </a:r>
-                      <a:endParaRPr lang="en-US" sz="900" b="0" i="0" spc="0" dirty="0">
+                      <a:endParaRPr lang="en-US" sz="900" b="0" i="0" spc="0">
                         <a:latin typeface="Adobe Clean Light" panose="020B0303020404020204" pitchFamily="34" charset="0"/>
                         <a:cs typeface="AdobeClean-Light"/>
                       </a:endParaRPr>
                     </a:p>
                   </a:txBody>
-                  <a:tcPr marL="0" marR="0" marT="0" marB="0">
+                  <a:tcPr marL="0" marR="0" marT="3810" marB="0">
                     <a:lnL w="3175">
                       <a:solidFill>
                         <a:srgbClr val="B7B8B8"/>
@@ -2904,37 +3234,27 @@
                         </a:spcBef>
                       </a:pPr>
                       <a:r>
-                        <a:rPr lang="de-de" sz="900" spc="0" dirty="0">
+                        <a:rPr lang="en-US" sz="900" spc="0">
                           <a:solidFill>
                             <a:srgbClr val="020302"/>
                           </a:solidFill>
                           <a:latin typeface="AdobeClean-Light"/>
                           <a:cs typeface="AdobeClean-Light"/>
                         </a:rPr>
-                        <a:t>업무 </a:t>
+                        <a:t>   </a:t>
                       </a:r>
                       <a:r>
-                        <a:rPr lang="de-de" sz="900" spc="0" dirty="0" err="1">
+                        <a:rPr sz="900" spc="0">
                           <a:solidFill>
                             <a:srgbClr val="020302"/>
                           </a:solidFill>
                           <a:latin typeface="AdobeClean-Light"/>
                           <a:cs typeface="AdobeClean-Light"/>
                         </a:rPr>
-                        <a:t>시간</a:t>
+                        <a:t>Business</a:t>
                       </a:r>
                       <a:r>
-                        <a:rPr lang="de-de" sz="900" spc="0" dirty="0">
-                          <a:solidFill>
-                            <a:srgbClr val="020302"/>
-                          </a:solidFill>
-                          <a:latin typeface="AdobeClean-Light"/>
-                          <a:cs typeface="AdobeClean-Light"/>
-                        </a:rPr>
-                        <a:t> /</a:t>
-                      </a:r>
-                      <a:r>
-                        <a:rPr lang="de-DE" sz="900" spc="0" dirty="0">
+                        <a:rPr lang="en-US" sz="900" spc="0">
                           <a:solidFill>
                             <a:srgbClr val="020302"/>
                           </a:solidFill>
@@ -2944,22 +3264,62 @@
                         <a:t> </a:t>
                       </a:r>
                       <a:r>
-                        <a:rPr lang="de-de" sz="900" spc="0" dirty="0">
+                        <a:rPr sz="900" spc="0">
                           <a:solidFill>
                             <a:srgbClr val="020302"/>
                           </a:solidFill>
                           <a:latin typeface="AdobeClean-Light"/>
                           <a:cs typeface="AdobeClean-Light"/>
                         </a:rPr>
-                        <a:t>6시간</a:t>
+                        <a:t>hours</a:t>
                       </a:r>
-                      <a:endParaRPr sz="900" spc="0" dirty="0">
+                      <a:r>
+                        <a:rPr lang="en-US" sz="900" spc="0">
+                          <a:solidFill>
+                            <a:srgbClr val="020302"/>
+                          </a:solidFill>
+                          <a:latin typeface="AdobeClean-Light"/>
+                          <a:cs typeface="AdobeClean-Light"/>
+                        </a:rPr>
+                        <a:t> / </a:t>
+                      </a:r>
+                      <a:r>
+                        <a:rPr sz="900" spc="0">
+                          <a:solidFill>
+                            <a:srgbClr val="020302"/>
+                          </a:solidFill>
+                          <a:latin typeface="AdobeClean-Light"/>
+                          <a:cs typeface="AdobeClean-Light"/>
+                        </a:rPr>
+                        <a:t>6</a:t>
+                      </a:r>
+                      <a:r>
+                        <a:rPr lang="en-US" sz="900" spc="0">
+                          <a:solidFill>
+                            <a:srgbClr val="020302"/>
+                          </a:solidFill>
+                          <a:latin typeface="AdobeClean-Light"/>
+                          <a:cs typeface="AdobeClean-Light"/>
+                        </a:rPr>
+                        <a:t> </a:t>
+                      </a:r>
+                      <a:r>
+                        <a:rPr sz="900" spc="0">
+                          <a:solidFill>
+                            <a:srgbClr val="020302"/>
+                          </a:solidFill>
+                          <a:latin typeface="AdobeClean-Light"/>
+                          <a:cs typeface="AdobeClean-Light"/>
+                        </a:rPr>
+                        <a:t>hours</a:t>
+                      </a:r>
+                      <a:endParaRPr sz="900" spc="0">
                         <a:latin typeface="AdobeClean-Light"/>
                         <a:cs typeface="AdobeClean-Light"/>
                       </a:endParaRPr>
                     </a:p>
                   </a:txBody>
-                  <a:tcPr marL="0" marR="0" marT="0" marB="0" anchor="ctr">
+                  <a:tcPr marL="0" marR="0" marT="91440" marB="91440" anchor="ctr" anchorCtr="1">
                     <a:lnL w="3175">
                       <a:solidFill>
                         <a:srgbClr val="B7B8B8"/>
@@ -3000,37 +3360,17 @@
                         </a:spcBef>
                       </a:pPr>
                       <a:r>
-                        <a:rPr lang="de-de" sz="900" spc="0" dirty="0">
+                        <a:rPr sz="900" spc="0">
                           <a:solidFill>
                             <a:srgbClr val="020302"/>
                           </a:solidFill>
                           <a:latin typeface="AdobeClean-Light"/>
                           <a:cs typeface="AdobeClean-Light"/>
                         </a:rPr>
-                        <a:t>업무 </a:t>
+                        <a:t>Business</a:t>
                       </a:r>
                       <a:r>
-                        <a:rPr lang="de-de" sz="900" spc="0" dirty="0" err="1">
-                          <a:solidFill>
-                            <a:srgbClr val="020302"/>
-                          </a:solidFill>
-                          <a:latin typeface="AdobeClean-Light"/>
-                          <a:cs typeface="AdobeClean-Light"/>
-                        </a:rPr>
-                        <a:t>시간</a:t>
-                      </a:r>
-                      <a:r>
-                        <a:rPr lang="de-de" sz="900" spc="0" dirty="0">
-                          <a:solidFill>
-                            <a:srgbClr val="020302"/>
-                          </a:solidFill>
-                          <a:latin typeface="AdobeClean-Light"/>
-                          <a:cs typeface="AdobeClean-Light"/>
-                        </a:rPr>
-                        <a:t> /</a:t>
-                      </a:r>
-                      <a:r>
-                        <a:rPr lang="de-DE" sz="900" spc="0" dirty="0">
+                        <a:rPr lang="en-US" sz="900" spc="0">
                           <a:solidFill>
                             <a:srgbClr val="020302"/>
                           </a:solidFill>
@@ -3040,22 +3380,62 @@
                         <a:t> </a:t>
                       </a:r>
                       <a:r>
-                        <a:rPr lang="de-de" sz="900" spc="0" dirty="0">
+                        <a:rPr sz="900" spc="0">
                           <a:solidFill>
                             <a:srgbClr val="020302"/>
                           </a:solidFill>
                           <a:latin typeface="AdobeClean-Light"/>
                           <a:cs typeface="AdobeClean-Light"/>
                         </a:rPr>
-                        <a:t>4시간</a:t>
+                        <a:t>hours</a:t>
                       </a:r>
-                      <a:endParaRPr sz="900" spc="0" dirty="0">
+                      <a:r>
+                        <a:rPr lang="en-US" sz="900" spc="0">
+                          <a:solidFill>
+                            <a:srgbClr val="020302"/>
+                          </a:solidFill>
+                          <a:latin typeface="AdobeClean-Light"/>
+                          <a:cs typeface="AdobeClean-Light"/>
+                        </a:rPr>
+                        <a:t> </a:t>
+                      </a:r>
+                      <a:r>
+                        <a:rPr sz="900" spc="0">
+                          <a:solidFill>
+                            <a:srgbClr val="020302"/>
+                          </a:solidFill>
+                          <a:latin typeface="AdobeClean-Light"/>
+                          <a:cs typeface="AdobeClean-Light"/>
+                        </a:rPr>
+                        <a:t>/ 4</a:t>
+                      </a:r>
+                      <a:r>
+                        <a:rPr lang="en-US" sz="900" spc="0">
+                          <a:solidFill>
+                            <a:srgbClr val="020302"/>
+                          </a:solidFill>
+                          <a:latin typeface="AdobeClean-Light"/>
+                          <a:cs typeface="AdobeClean-Light"/>
+                        </a:rPr>
+                        <a:t> </a:t>
+                      </a:r>
+                      <a:r>
+                        <a:rPr sz="900" spc="0">
+                          <a:solidFill>
+                            <a:srgbClr val="020302"/>
+                          </a:solidFill>
+                          <a:latin typeface="AdobeClean-Light"/>
+                          <a:cs typeface="AdobeClean-Light"/>
+                        </a:rPr>
+                        <a:t>hours</a:t>
+                      </a:r>
+                      <a:endParaRPr sz="900" spc="0">
                         <a:latin typeface="AdobeClean-Light"/>
                         <a:cs typeface="AdobeClean-Light"/>
                       </a:endParaRPr>
                     </a:p>
                   </a:txBody>
-                  <a:tcPr marL="0" marR="0" marT="0" marB="0" anchor="ctr">
+                  <a:tcPr marL="0" marR="0" marT="91440" marB="91440" anchor="ctr" anchorCtr="1">
                     <a:lnL w="3175">
                       <a:solidFill>
                         <a:srgbClr val="B7B8B8"/>
@@ -3093,7 +3473,7 @@
                   </a:ext>
                 </a:extLst>
               </a:tr>
-              <a:tr h="359998">
+              <a:tr h="388333">
                 <a:tc>
                   <a:txBody>
                     <a:bodyPr/>
@@ -3108,16 +3488,16 @@
                         </a:spcBef>
                       </a:pPr>
                       <a:r>
-                        <a:rPr lang="de-de" sz="900" b="1" spc="0" dirty="0">
+                        <a:rPr sz="900" b="1" spc="0">
                           <a:solidFill>
                             <a:srgbClr val="020302"/>
                           </a:solidFill>
                           <a:latin typeface="Adobe Clean"/>
                           <a:cs typeface="Adobe Clean"/>
                         </a:rPr>
-                        <a:t>우선 순위 4</a:t>
+                        <a:t>PRIORITY 4</a:t>
                       </a:r>
-                      <a:endParaRPr sz="900" spc="0" dirty="0">
+                      <a:endParaRPr sz="900" spc="0">
                         <a:latin typeface="Adobe Clean"/>
                         <a:cs typeface="Adobe Clean"/>
                       </a:endParaRPr>
@@ -3141,22 +3521,22 @@
                         <a:defRPr/>
                       </a:pPr>
                       <a:r>
-                        <a:rPr lang="de-de" sz="900" b="0" i="0" spc="0" dirty="0">
+                        <a:rPr lang="en-US" sz="900" b="0" i="0" spc="0">
                           <a:solidFill>
                             <a:srgbClr val="000000"/>
                           </a:solidFill>
                           <a:effectLst/>
                           <a:latin typeface="Adobe Clean Light" panose="020B0303020404020204" pitchFamily="34" charset="0"/>
                         </a:rPr>
-                        <a:t>현재 제품 기능에 관한 일반적인 질문 또는 개선 요청입니다.</a:t>
+                        <a:t>General question regarding current product functionality or an enhancement request</a:t>
                       </a:r>
-                      <a:endParaRPr lang="en-US" sz="900" b="0" i="0" spc="0" dirty="0">
+                      <a:endParaRPr lang="en-US" sz="900" b="0" i="0" spc="0">
                         <a:latin typeface="Adobe Clean Light" panose="020B0303020404020204" pitchFamily="34" charset="0"/>
                         <a:cs typeface="AdobeClean-Light"/>
                       </a:endParaRPr>
                     </a:p>
                   </a:txBody>
-                  <a:tcPr marL="0" marR="0" marT="0" marB="0">
+                  <a:tcPr marL="0" marR="0" marT="1905" marB="0">
                     <a:lnL w="3175">
                       <a:solidFill>
                         <a:srgbClr val="B7B8B8"/>
@@ -3197,27 +3577,27 @@
                         </a:spcBef>
                       </a:pPr>
                       <a:r>
-                        <a:rPr lang="de-de" sz="900" spc="0" dirty="0" err="1">
+                        <a:rPr lang="en-US" sz="900" spc="0">
                           <a:solidFill>
                             <a:srgbClr val="020302"/>
                           </a:solidFill>
                           <a:latin typeface="AdobeClean-Light"/>
                           <a:cs typeface="AdobeClean-Light"/>
                         </a:rPr>
-                        <a:t>업무일</a:t>
+                        <a:t>  </a:t>
                       </a:r>
                       <a:r>
-                        <a:rPr lang="de-de" sz="900" spc="0" dirty="0">
+                        <a:rPr sz="900" spc="0">
                           <a:solidFill>
                             <a:srgbClr val="020302"/>
                           </a:solidFill>
                           <a:latin typeface="AdobeClean-Light"/>
                           <a:cs typeface="AdobeClean-Light"/>
                         </a:rPr>
-                        <a:t> /</a:t>
+                        <a:t>Business</a:t>
                       </a:r>
                       <a:r>
-                        <a:rPr lang="de-DE" sz="900" spc="0" dirty="0">
+                        <a:rPr lang="en-US" sz="900" spc="0">
                           <a:solidFill>
                             <a:srgbClr val="020302"/>
                           </a:solidFill>
@@ -3227,22 +3607,42 @@
                         <a:t> </a:t>
                       </a:r>
                       <a:r>
-                        <a:rPr lang="de-de" sz="900" spc="0" dirty="0">
+                        <a:rPr sz="900" spc="0">
                           <a:solidFill>
                             <a:srgbClr val="020302"/>
                           </a:solidFill>
                           <a:latin typeface="AdobeClean-Light"/>
                           <a:cs typeface="AdobeClean-Light"/>
                         </a:rPr>
-                        <a:t>3일</a:t>
+                        <a:t>days</a:t>
                       </a:r>
-                      <a:endParaRPr sz="900" spc="0" dirty="0">
+                      <a:r>
+                        <a:rPr lang="en-US" sz="900" spc="0">
+                          <a:solidFill>
+                            <a:srgbClr val="020302"/>
+                          </a:solidFill>
+                          <a:latin typeface="AdobeClean-Light"/>
+                          <a:cs typeface="AdobeClean-Light"/>
+                        </a:rPr>
+                        <a:t> / </a:t>
+                      </a:r>
+                      <a:r>
+                        <a:rPr sz="900" spc="0">
+                          <a:solidFill>
+                            <a:srgbClr val="020302"/>
+                          </a:solidFill>
+                          <a:latin typeface="AdobeClean-Light"/>
+                          <a:cs typeface="AdobeClean-Light"/>
+                        </a:rPr>
+                        <a:t>3 days</a:t>
+                      </a:r>
+                      <a:endParaRPr sz="900" spc="0">
                         <a:latin typeface="AdobeClean-Light"/>
                         <a:cs typeface="AdobeClean-Light"/>
                       </a:endParaRPr>
                     </a:p>
                   </a:txBody>
-                  <a:tcPr marL="0" marR="0" marT="0" marB="0" anchor="ctr">
+                  <a:tcPr marL="0" marR="0" marT="91440" marB="91440" anchor="ctr" anchorCtr="1">
                     <a:lnL w="3175">
                       <a:solidFill>
                         <a:srgbClr val="B7B8B8"/>
@@ -3283,27 +3683,17 @@
                         </a:spcBef>
                       </a:pPr>
                       <a:r>
-                        <a:rPr lang="de-de" sz="900" spc="0" dirty="0" err="1">
+                        <a:rPr sz="900" spc="0">
                           <a:solidFill>
                             <a:srgbClr val="020302"/>
                           </a:solidFill>
                           <a:latin typeface="AdobeClean-Light"/>
                           <a:cs typeface="AdobeClean-Light"/>
                         </a:rPr>
-                        <a:t>업무일</a:t>
+                        <a:t>Business</a:t>
                       </a:r>
                       <a:r>
-                        <a:rPr lang="de-de" sz="900" spc="0" dirty="0">
-                          <a:solidFill>
-                            <a:srgbClr val="020302"/>
-                          </a:solidFill>
-                          <a:latin typeface="AdobeClean-Light"/>
-                          <a:cs typeface="AdobeClean-Light"/>
-                        </a:rPr>
-                        <a:t> /</a:t>
-                      </a:r>
-                      <a:r>
-                        <a:rPr lang="pl-PL" sz="900" spc="0" dirty="0">
+                        <a:rPr lang="en-US" sz="900" spc="0">
                           <a:solidFill>
                             <a:srgbClr val="020302"/>
                           </a:solidFill>
@@ -3313,22 +3703,62 @@
                         <a:t> </a:t>
                       </a:r>
                       <a:r>
-                        <a:rPr lang="de-de" sz="900" spc="0" dirty="0">
+                        <a:rPr sz="900" spc="0">
                           <a:solidFill>
                             <a:srgbClr val="020302"/>
                           </a:solidFill>
                           <a:latin typeface="AdobeClean-Light"/>
                           <a:cs typeface="AdobeClean-Light"/>
                         </a:rPr>
-                        <a:t>1일</a:t>
+                        <a:t>day</a:t>
                       </a:r>
-                      <a:endParaRPr sz="900" spc="0" dirty="0">
+                      <a:r>
+                        <a:rPr lang="en-US" sz="900" spc="0">
+                          <a:solidFill>
+                            <a:srgbClr val="020302"/>
+                          </a:solidFill>
+                          <a:latin typeface="AdobeClean-Light"/>
+                          <a:cs typeface="AdobeClean-Light"/>
+                        </a:rPr>
+                        <a:t>s </a:t>
+                      </a:r>
+                      <a:r>
+                        <a:rPr sz="900" spc="0">
+                          <a:solidFill>
+                            <a:srgbClr val="020302"/>
+                          </a:solidFill>
+                          <a:latin typeface="AdobeClean-Light"/>
+                          <a:cs typeface="AdobeClean-Light"/>
+                        </a:rPr>
+                        <a:t>/</a:t>
+                      </a:r>
+                      <a:r>
+                        <a:rPr lang="en-US" sz="900" spc="0">
+                          <a:solidFill>
+                            <a:srgbClr val="020302"/>
+                          </a:solidFill>
+                          <a:latin typeface="AdobeClean-Light"/>
+                          <a:cs typeface="AdobeClean-Light"/>
+                        </a:rPr>
+                        <a:t> </a:t>
+                      </a:r>
+                      <a:r>
+                        <a:rPr sz="900" spc="0">
+                          <a:solidFill>
+                            <a:srgbClr val="020302"/>
+                          </a:solidFill>
+                          <a:latin typeface="AdobeClean-Light"/>
+                          <a:cs typeface="AdobeClean-Light"/>
+                        </a:rPr>
+                        <a:t>1 day</a:t>
+                      </a:r>
+                      <a:endParaRPr sz="900" spc="0">
                         <a:latin typeface="AdobeClean-Light"/>
                         <a:cs typeface="AdobeClean-Light"/>
                       </a:endParaRPr>
                     </a:p>
                   </a:txBody>
-                  <a:tcPr marL="0" marR="0" marT="0" marB="0" anchor="ctr">
+                  <a:tcPr marL="0" marR="0" marT="91440" marB="91440" anchor="ctr" anchorCtr="1">
                     <a:lnL w="3175">
                       <a:solidFill>
                         <a:srgbClr val="B7B8B8"/>
@@ -3436,7 +3866,7 @@
                     <a:bodyPr/>
                     <a:lstStyle/>
                     <a:p>
-                      <a:endParaRPr lang="en-US" dirty="0"/>
+                      <a:endParaRPr lang="en-US"/>
                     </a:p>
                   </a:txBody>
                   <a:tcPr/>
@@ -3474,17 +3904,17 @@
                         <a:defRPr/>
                       </a:pPr>
                       <a:r>
-                        <a:rPr lang="de-de" sz="900" spc="-20" dirty="0">
+                        <a:rPr lang="en-US" sz="900" spc="-20">
                           <a:solidFill>
                             <a:srgbClr val="404040"/>
                           </a:solidFill>
                           <a:latin typeface="Adobe Clean"/>
                           <a:cs typeface="Adobe Clean"/>
                         </a:rPr>
-                        <a:t>온라인 </a:t>
+                        <a:t>Online </a:t>
                       </a:r>
                       <a:r>
-                        <a:rPr lang="de-de" sz="900" spc="-135" dirty="0">
+                        <a:rPr lang="en-US" sz="900" spc="-135">
                           <a:solidFill>
                             <a:srgbClr val="404040"/>
                           </a:solidFill>
@@ -3494,16 +3924,16 @@
                         <a:t> </a:t>
                       </a:r>
                       <a:r>
-                        <a:rPr lang="de-de" sz="900" spc="-20" dirty="0">
+                        <a:rPr lang="en-US" sz="900" spc="-20">
                           <a:solidFill>
                             <a:srgbClr val="404040"/>
                           </a:solidFill>
                           <a:latin typeface="Adobe Clean"/>
                           <a:cs typeface="Adobe Clean"/>
                         </a:rPr>
-                        <a:t>지원</a:t>
+                        <a:t>Support</a:t>
                       </a:r>
-                      <a:endParaRPr lang="en-US" sz="900" dirty="0">
+                      <a:endParaRPr lang="en-US" sz="900">
                         <a:latin typeface="Adobe Clean"/>
                         <a:cs typeface="Adobe Clean"/>
                       </a:endParaRPr>
@@ -3547,16 +3977,36 @@
                         </a:spcBef>
                       </a:pPr>
                       <a:r>
-                        <a:rPr lang="de-de" sz="900" spc="-20" dirty="0">
+                        <a:rPr sz="900" spc="-20">
                           <a:solidFill>
                             <a:srgbClr val="FFFFFF"/>
                           </a:solidFill>
                           <a:latin typeface="Adobe Clean"/>
                           <a:cs typeface="Adobe Clean"/>
                         </a:rPr>
-                        <a:t>비즈니스 지원</a:t>
+                        <a:t>Business</a:t>
                       </a:r>
-                      <a:endParaRPr sz="900" dirty="0">
+                      <a:r>
+                        <a:rPr lang="en-US" sz="900" spc="-20">
+                          <a:solidFill>
+                            <a:srgbClr val="FFFFFF"/>
+                          </a:solidFill>
+                          <a:latin typeface="Adobe Clean"/>
+                          <a:cs typeface="Adobe Clean"/>
+                        </a:rPr>
+                        <a:t> </a:t>
+                      </a:r>
+                      <a:r>
+                        <a:rPr sz="900" spc="-20">
+                          <a:solidFill>
+                            <a:srgbClr val="FFFFFF"/>
+                          </a:solidFill>
+                          <a:latin typeface="Adobe Clean"/>
+                          <a:cs typeface="Adobe Clean"/>
+                        </a:rPr>
+                        <a:t>Support</a:t>
+                      </a:r>
+                      <a:endParaRPr sz="900">
                         <a:latin typeface="Adobe Clean"/>
                         <a:cs typeface="Adobe Clean"/>
                       </a:endParaRPr>
@@ -3604,7 +4054,7 @@
                     <a:bodyPr/>
                     <a:lstStyle/>
                     <a:p>
-                      <a:endParaRPr lang="en-US" dirty="0"/>
+                      <a:endParaRPr lang="en-US"/>
                     </a:p>
                   </a:txBody>
                   <a:tcPr/>
@@ -3641,7 +4091,7 @@
                         <a:tabLst/>
                         <a:defRPr/>
                       </a:pPr>
-                      <a:endParaRPr lang="en-US" sz="800" i="1" dirty="0">
+                      <a:endParaRPr lang="en-US" sz="800" i="1">
                         <a:solidFill>
                           <a:sysClr val="windowText" lastClr="000000"/>
                         </a:solidFill>
@@ -3705,13 +4155,13 @@
                         <a:defRPr/>
                       </a:pPr>
                       <a:r>
-                        <a:rPr lang="de-de" sz="800" i="1" dirty="0">
+                        <a:rPr lang="en-US" sz="800" i="1">
                           <a:solidFill>
                             <a:schemeClr val="bg1"/>
                           </a:solidFill>
                           <a:latin typeface="Adobe Clean Light" panose="020B0303020404020204" pitchFamily="34" charset="0"/>
                         </a:rPr>
-                        <a:t>유료 지원($)</a:t>
+                        <a:t>Paid Support ($)</a:t>
                       </a:r>
                     </a:p>
                   </a:txBody>
@@ -3775,16 +4225,16 @@
                         </a:spcBef>
                       </a:pPr>
                       <a:r>
-                        <a:rPr lang="de-de" sz="1000" b="1" i="0" spc="0" dirty="0">
+                        <a:rPr lang="en-US" sz="1000" b="1" i="0" spc="0">
                           <a:solidFill>
                             <a:schemeClr val="bg1"/>
                           </a:solidFill>
                           <a:latin typeface="Adobe Clean" panose="020B0503020404020204" pitchFamily="34" charset="0"/>
                           <a:cs typeface="AdobeClean-Light"/>
                         </a:rPr>
-                        <a:t>할당된 전문가</a:t>
+                        <a:t>Assigned Experts</a:t>
                       </a:r>
-                      <a:endParaRPr sz="1000" b="1" i="0" spc="0" dirty="0">
+                      <a:endParaRPr sz="1000" b="1" i="0" spc="0">
                         <a:solidFill>
                           <a:schemeClr val="bg1"/>
                         </a:solidFill>
@@ -3837,16 +4287,16 @@
                         </a:spcBef>
                       </a:pPr>
                       <a:r>
-                        <a:rPr lang="de-de" sz="900" spc="0" dirty="0">
+                        <a:rPr sz="900" spc="0">
                           <a:solidFill>
                             <a:srgbClr val="020302"/>
                           </a:solidFill>
                           <a:latin typeface="AdobeClean-Light"/>
                           <a:cs typeface="AdobeClean-Light"/>
                         </a:rPr>
-                        <a:t>계정 지원 리드</a:t>
+                        <a:t>Account Support Lead</a:t>
                       </a:r>
-                      <a:endParaRPr sz="900" spc="0" dirty="0">
+                      <a:endParaRPr sz="900" spc="0">
                         <a:latin typeface="AdobeClean-Light"/>
                         <a:cs typeface="AdobeClean-Light"/>
                       </a:endParaRPr>
@@ -3892,7 +4342,7 @@
                           <a:spcPts val="470"/>
                         </a:spcBef>
                       </a:pPr>
-                      <a:endParaRPr sz="900" dirty="0">
+                      <a:endParaRPr sz="900">
                         <a:latin typeface="Wingdings"/>
                         <a:cs typeface="Wingdings"/>
                       </a:endParaRPr>
@@ -3934,7 +4384,7 @@
                         </a:spcBef>
                       </a:pPr>
                       <a:r>
-                        <a:rPr lang="de-de" sz="900" dirty="0">
+                        <a:rPr sz="900">
                           <a:solidFill>
                             <a:srgbClr val="020302"/>
                           </a:solidFill>
@@ -3943,7 +4393,7 @@
                         </a:rPr>
                         <a:t></a:t>
                       </a:r>
-                      <a:endParaRPr sz="900" dirty="0">
+                      <a:endParaRPr sz="900">
                         <a:latin typeface="Wingdings"/>
                         <a:cs typeface="Wingdings"/>
                       </a:endParaRPr>
@@ -3986,7 +4436,7 @@
                           <a:spcPts val="459"/>
                         </a:spcBef>
                       </a:pPr>
-                      <a:endParaRPr sz="900" dirty="0">
+                      <a:endParaRPr sz="900">
                         <a:latin typeface="AdobeClean-Light"/>
                         <a:cs typeface="AdobeClean-Light"/>
                       </a:endParaRPr>
@@ -4024,16 +4474,16 @@
                         </a:spcBef>
                       </a:pPr>
                       <a:r>
-                        <a:rPr lang="de-de" sz="900" spc="0" dirty="0">
+                        <a:rPr sz="900" spc="0">
                           <a:solidFill>
                             <a:srgbClr val="020302"/>
                           </a:solidFill>
                           <a:latin typeface="AdobeClean-Light"/>
                           <a:cs typeface="AdobeClean-Light"/>
                         </a:rPr>
-                        <a:t>지정 지원 엔지니어</a:t>
+                        <a:t>Named Support Engineer</a:t>
                       </a:r>
-                      <a:endParaRPr sz="900" spc="0" dirty="0">
+                      <a:endParaRPr sz="900" spc="0">
                         <a:latin typeface="AdobeClean-Light"/>
                         <a:cs typeface="AdobeClean-Light"/>
                       </a:endParaRPr>
@@ -4064,7 +4514,7 @@
                           <a:spcPct val="100000"/>
                         </a:lnSpc>
                       </a:pPr>
-                      <a:endParaRPr sz="900" dirty="0">
+                      <a:endParaRPr sz="900">
                         <a:latin typeface="Times New Roman"/>
                         <a:cs typeface="Times New Roman"/>
                       </a:endParaRPr>
@@ -4093,7 +4543,7 @@
                           <a:spcPct val="100000"/>
                         </a:lnSpc>
                       </a:pPr>
-                      <a:endParaRPr sz="900" dirty="0">
+                      <a:endParaRPr sz="900">
                         <a:latin typeface="Times New Roman"/>
                         <a:cs typeface="Times New Roman"/>
                       </a:endParaRPr>
@@ -4127,7 +4577,7 @@
                           <a:spcPts val="500"/>
                         </a:spcBef>
                       </a:pPr>
-                      <a:endParaRPr sz="900" dirty="0">
+                      <a:endParaRPr sz="900">
                         <a:latin typeface="AdobeClean-Light"/>
                         <a:cs typeface="AdobeClean-Light"/>
                       </a:endParaRPr>
@@ -4177,16 +4627,16 @@
                         </a:spcBef>
                       </a:pPr>
                       <a:r>
-                        <a:rPr lang="de-de" sz="900" spc="0" dirty="0">
+                        <a:rPr sz="900" spc="0">
                           <a:solidFill>
                             <a:srgbClr val="020302"/>
                           </a:solidFill>
                           <a:latin typeface="AdobeClean-Light"/>
                           <a:cs typeface="AdobeClean-Light"/>
                         </a:rPr>
-                        <a:t>기술 계정 관리자</a:t>
+                        <a:t>Technical Account Manager</a:t>
                       </a:r>
-                      <a:endParaRPr sz="900" spc="0" dirty="0">
+                      <a:endParaRPr sz="900" spc="0">
                         <a:latin typeface="AdobeClean-Light"/>
                         <a:cs typeface="AdobeClean-Light"/>
                       </a:endParaRPr>
@@ -4223,7 +4673,7 @@
                           <a:spcPct val="100000"/>
                         </a:lnSpc>
                       </a:pPr>
-                      <a:endParaRPr sz="900" dirty="0">
+                      <a:endParaRPr sz="900">
                         <a:latin typeface="Times New Roman"/>
                         <a:cs typeface="Times New Roman"/>
                       </a:endParaRPr>
@@ -4261,7 +4711,7 @@
                           <a:spcPct val="100000"/>
                         </a:lnSpc>
                       </a:pPr>
-                      <a:endParaRPr sz="900" dirty="0">
+                      <a:endParaRPr sz="900">
                         <a:latin typeface="Times New Roman"/>
                         <a:cs typeface="Times New Roman"/>
                       </a:endParaRPr>
@@ -4305,16 +4755,16 @@
                         </a:spcBef>
                       </a:pPr>
                       <a:r>
-                        <a:rPr lang="de-de" sz="1000" b="1" i="0" spc="0" dirty="0">
+                        <a:rPr lang="en-US" sz="1000" b="1" i="0" spc="0">
                           <a:solidFill>
                             <a:schemeClr val="bg1"/>
                           </a:solidFill>
                           <a:latin typeface="Adobe Clean" panose="020B0503020404020204" pitchFamily="34" charset="0"/>
                           <a:cs typeface="AdobeClean-Light"/>
                         </a:rPr>
-                        <a:t>지원 서비스</a:t>
+                        <a:t>Support Services</a:t>
                       </a:r>
-                      <a:endParaRPr sz="1000" b="1" i="0" spc="0" dirty="0">
+                      <a:endParaRPr sz="1000" b="1" i="0" spc="0">
                         <a:solidFill>
                           <a:schemeClr val="bg1"/>
                         </a:solidFill>
@@ -4376,16 +4826,26 @@
                         </a:spcBef>
                       </a:pPr>
                       <a:r>
-                        <a:rPr lang="de-de" sz="900" spc="0" dirty="0">
+                        <a:rPr lang="en-US" sz="900" spc="0">
                           <a:solidFill>
                             <a:srgbClr val="020302"/>
                           </a:solidFill>
                           <a:latin typeface="AdobeClean-Light"/>
                           <a:cs typeface="AdobeClean-Light"/>
                         </a:rPr>
-                        <a:t>온라인 지원</a:t>
+                        <a:t>Online</a:t>
                       </a:r>
-                      <a:endParaRPr sz="900" spc="0" dirty="0">
+                      <a:r>
+                        <a:rPr sz="900" spc="0">
+                          <a:solidFill>
+                            <a:srgbClr val="020302"/>
+                          </a:solidFill>
+                          <a:latin typeface="AdobeClean-Light"/>
+                          <a:cs typeface="AdobeClean-Light"/>
+                        </a:rPr>
+                        <a:t> Support</a:t>
+                      </a:r>
+                      <a:endParaRPr sz="900" spc="0">
                         <a:latin typeface="AdobeClean-Light"/>
                         <a:cs typeface="AdobeClean-Light"/>
                       </a:endParaRPr>
@@ -4426,17 +4886,17 @@
                         </a:spcBef>
                       </a:pPr>
                       <a:r>
-                        <a:rPr lang="de-de" sz="900" spc="-25" dirty="0">
+                        <a:rPr sz="900" spc="-25">
                           <a:solidFill>
                             <a:srgbClr val="020302"/>
                           </a:solidFill>
                           <a:latin typeface="AdobeClean-Light"/>
                           <a:cs typeface="AdobeClean-Light"/>
                         </a:rPr>
-                        <a:t>업무</a:t>
+                        <a:t>Business</a:t>
                       </a:r>
                       <a:r>
-                        <a:rPr lang="de-de" sz="900" spc="-15" dirty="0">
+                        <a:rPr sz="900" spc="-15">
                           <a:solidFill>
                             <a:srgbClr val="020302"/>
                           </a:solidFill>
@@ -4446,16 +4906,16 @@
                         <a:t> </a:t>
                       </a:r>
                       <a:r>
-                        <a:rPr lang="de-de" sz="900" spc="-30" dirty="0">
+                        <a:rPr sz="900" spc="-30">
                           <a:solidFill>
                             <a:srgbClr val="020302"/>
                           </a:solidFill>
                           <a:latin typeface="AdobeClean-Light"/>
                           <a:cs typeface="AdobeClean-Light"/>
                         </a:rPr>
-                        <a:t>시간</a:t>
+                        <a:t>hours</a:t>
                       </a:r>
-                      <a:endParaRPr sz="900" dirty="0">
+                      <a:endParaRPr sz="900">
                         <a:latin typeface="AdobeClean-Light"/>
                         <a:cs typeface="AdobeClean-Light"/>
                       </a:endParaRPr>
@@ -4497,17 +4957,17 @@
                         </a:spcBef>
                       </a:pPr>
                       <a:r>
-                        <a:rPr lang="de-de" sz="900" spc="-25" dirty="0">
+                        <a:rPr sz="900" spc="-25">
                           <a:solidFill>
                             <a:srgbClr val="020302"/>
                           </a:solidFill>
                           <a:latin typeface="AdobeClean-Light"/>
                           <a:cs typeface="AdobeClean-Light"/>
                         </a:rPr>
-                        <a:t>업무</a:t>
+                        <a:t>Business</a:t>
                       </a:r>
                       <a:r>
-                        <a:rPr lang="de-de" sz="900" spc="-15" dirty="0">
+                        <a:rPr sz="900" spc="-15">
                           <a:solidFill>
                             <a:srgbClr val="020302"/>
                           </a:solidFill>
@@ -4517,16 +4977,16 @@
                         <a:t> </a:t>
                       </a:r>
                       <a:r>
-                        <a:rPr lang="de-de" sz="900" spc="-30" dirty="0">
+                        <a:rPr sz="900" spc="-30">
                           <a:solidFill>
                             <a:srgbClr val="020302"/>
                           </a:solidFill>
                           <a:latin typeface="AdobeClean-Light"/>
                           <a:cs typeface="AdobeClean-Light"/>
                         </a:rPr>
-                        <a:t>시간</a:t>
+                        <a:t>hours</a:t>
                       </a:r>
-                      <a:endParaRPr sz="900" dirty="0">
+                      <a:endParaRPr sz="900">
                         <a:latin typeface="AdobeClean-Light"/>
                         <a:cs typeface="AdobeClean-Light"/>
                       </a:endParaRPr>
@@ -4569,7 +5029,7 @@
                           <a:spcPts val="455"/>
                         </a:spcBef>
                       </a:pPr>
-                      <a:endParaRPr sz="900" dirty="0">
+                      <a:endParaRPr sz="900">
                         <a:latin typeface="AdobeClean-Light"/>
                         <a:cs typeface="AdobeClean-Light"/>
                       </a:endParaRPr>
@@ -4610,16 +5070,36 @@
                         </a:spcBef>
                       </a:pPr>
                       <a:r>
-                        <a:rPr lang="de-de" sz="900" spc="0" dirty="0">
+                        <a:rPr sz="900" spc="0">
                           <a:solidFill>
                             <a:srgbClr val="020302"/>
                           </a:solidFill>
                           <a:latin typeface="AdobeClean-Light"/>
                           <a:cs typeface="AdobeClean-Light"/>
                         </a:rPr>
-                        <a:t>24x7x365 P1 문제 지원</a:t>
+                        <a:t>24x7</a:t>
                       </a:r>
-                      <a:endParaRPr sz="900" spc="0" dirty="0">
+                      <a:r>
+                        <a:rPr lang="en-US" sz="900" spc="0">
+                          <a:solidFill>
+                            <a:srgbClr val="020302"/>
+                          </a:solidFill>
+                          <a:latin typeface="AdobeClean-Light"/>
+                          <a:cs typeface="AdobeClean-Light"/>
+                        </a:rPr>
+                        <a:t>x365</a:t>
+                      </a:r>
+                      <a:r>
+                        <a:rPr sz="900" spc="0">
+                          <a:solidFill>
+                            <a:srgbClr val="020302"/>
+                          </a:solidFill>
+                          <a:latin typeface="AdobeClean-Light"/>
+                          <a:cs typeface="AdobeClean-Light"/>
+                        </a:rPr>
+                        <a:t> P1 Issue Support</a:t>
+                      </a:r>
+                      <a:endParaRPr sz="900" spc="0">
                         <a:latin typeface="AdobeClean-Light"/>
                         <a:cs typeface="AdobeClean-Light"/>
                       </a:endParaRPr>
@@ -4654,7 +5134,7 @@
                         </a:spcBef>
                       </a:pPr>
                       <a:r>
-                        <a:rPr lang="de-de" sz="900" dirty="0">
+                        <a:rPr sz="900">
                           <a:solidFill>
                             <a:srgbClr val="020302"/>
                           </a:solidFill>
@@ -4663,7 +5143,7 @@
                         </a:rPr>
                         <a:t></a:t>
                       </a:r>
-                      <a:endParaRPr sz="900" dirty="0">
+                      <a:endParaRPr sz="900">
                         <a:latin typeface="Wingdings"/>
                         <a:cs typeface="Wingdings"/>
                       </a:endParaRPr>
@@ -4696,7 +5176,7 @@
                         </a:spcBef>
                       </a:pPr>
                       <a:r>
-                        <a:rPr lang="de-de" sz="900" dirty="0">
+                        <a:rPr sz="900">
                           <a:solidFill>
                             <a:srgbClr val="020302"/>
                           </a:solidFill>
@@ -4705,7 +5185,7 @@
                         </a:rPr>
                         <a:t></a:t>
                       </a:r>
-                      <a:endParaRPr sz="900" dirty="0">
+                      <a:endParaRPr sz="900">
                         <a:latin typeface="Wingdings"/>
                         <a:cs typeface="Wingdings"/>
                       </a:endParaRPr>
@@ -4739,7 +5219,7 @@
                           <a:spcPts val="455"/>
                         </a:spcBef>
                       </a:pPr>
-                      <a:endParaRPr sz="900" dirty="0">
+                      <a:endParaRPr sz="900">
                         <a:latin typeface="AdobeClean-Light"/>
                         <a:cs typeface="AdobeClean-Light"/>
                       </a:endParaRPr>
@@ -4789,16 +5269,16 @@
                         </a:spcBef>
                       </a:pPr>
                       <a:r>
-                        <a:rPr lang="de-de" sz="900" spc="0" dirty="0">
+                        <a:rPr lang="en-US" sz="900" spc="0">
                           <a:solidFill>
                             <a:srgbClr val="020302"/>
                           </a:solidFill>
                           <a:latin typeface="AdobeClean-Light"/>
                           <a:cs typeface="AdobeClean-Light"/>
                         </a:rPr>
-                        <a:t>지정된 지원 담당자(제품당)</a:t>
+                        <a:t>Named Support Contacts (per product)</a:t>
                       </a:r>
-                      <a:endParaRPr sz="900" spc="0" dirty="0">
+                      <a:endParaRPr sz="900" spc="0">
                         <a:latin typeface="AdobeClean-Light"/>
                         <a:cs typeface="AdobeClean-Light"/>
                       </a:endParaRPr>
@@ -4839,7 +5319,7 @@
                         </a:spcBef>
                       </a:pPr>
                       <a:r>
-                        <a:rPr lang="de-de" sz="900" dirty="0">
+                        <a:rPr sz="900">
                           <a:solidFill>
                             <a:srgbClr val="020302"/>
                           </a:solidFill>
@@ -4848,7 +5328,7 @@
                         </a:rPr>
                         <a:t>4</a:t>
                       </a:r>
-                      <a:endParaRPr sz="900" dirty="0">
+                      <a:endParaRPr sz="900">
                         <a:latin typeface="AdobeClean-Light"/>
                         <a:cs typeface="AdobeClean-Light"/>
                       </a:endParaRPr>
@@ -4881,7 +5361,7 @@
                         </a:spcBef>
                       </a:pPr>
                       <a:r>
-                        <a:rPr lang="de-de" sz="900" dirty="0">
+                        <a:rPr sz="900">
                           <a:solidFill>
                             <a:srgbClr val="020302"/>
                           </a:solidFill>
@@ -4890,7 +5370,7 @@
                         </a:rPr>
                         <a:t>6</a:t>
                       </a:r>
-                      <a:endParaRPr sz="900" dirty="0">
+                      <a:endParaRPr sz="900">
                         <a:latin typeface="AdobeClean-Light"/>
                         <a:cs typeface="AdobeClean-Light"/>
                       </a:endParaRPr>
@@ -4924,7 +5404,7 @@
                           <a:spcPts val="455"/>
                         </a:spcBef>
                       </a:pPr>
-                      <a:endParaRPr sz="900" dirty="0">
+                      <a:endParaRPr sz="900">
                         <a:latin typeface="AdobeClean-Light"/>
                         <a:cs typeface="AdobeClean-Light"/>
                       </a:endParaRPr>
@@ -4965,16 +5445,16 @@
                         </a:spcBef>
                       </a:pPr>
                       <a:r>
-                        <a:rPr lang="de-de" sz="900" spc="0" dirty="0">
+                        <a:rPr lang="en-US" sz="900" spc="0">
                           <a:solidFill>
                             <a:srgbClr val="020302"/>
                           </a:solidFill>
                           <a:latin typeface="AdobeClean-Light"/>
                           <a:cs typeface="AdobeClean-Light"/>
                         </a:rPr>
-                        <a:t>실시간 전화 지원</a:t>
+                        <a:t>Live Telephone Support</a:t>
                       </a:r>
-                      <a:endParaRPr sz="900" spc="0" dirty="0">
+                      <a:endParaRPr sz="900" spc="0">
                         <a:latin typeface="AdobeClean-Light"/>
                         <a:cs typeface="AdobeClean-Light"/>
                       </a:endParaRPr>
@@ -5008,7 +5488,7 @@
                           <a:spcPts val="464"/>
                         </a:spcBef>
                       </a:pPr>
-                      <a:endParaRPr sz="900" dirty="0">
+                      <a:endParaRPr sz="900">
                         <a:latin typeface="Wingdings"/>
                         <a:cs typeface="Wingdings"/>
                       </a:endParaRPr>
@@ -5041,7 +5521,7 @@
                         </a:spcBef>
                       </a:pPr>
                       <a:r>
-                        <a:rPr lang="de-de" sz="900" dirty="0">
+                        <a:rPr sz="900">
                           <a:solidFill>
                             <a:srgbClr val="020302"/>
                           </a:solidFill>
@@ -5050,7 +5530,7 @@
                         </a:rPr>
                         <a:t></a:t>
                       </a:r>
-                      <a:endParaRPr sz="900" dirty="0">
+                      <a:endParaRPr sz="900">
                         <a:latin typeface="Wingdings"/>
                         <a:cs typeface="Wingdings"/>
                       </a:endParaRPr>
@@ -5084,7 +5564,7 @@
                           <a:spcPts val="459"/>
                         </a:spcBef>
                       </a:pPr>
-                      <a:endParaRPr sz="900" dirty="0">
+                      <a:endParaRPr sz="900">
                         <a:latin typeface="AdobeClean-Light"/>
                         <a:cs typeface="AdobeClean-Light"/>
                       </a:endParaRPr>
@@ -5125,16 +5605,16 @@
                         </a:spcBef>
                       </a:pPr>
                       <a:r>
-                        <a:rPr lang="de-de" sz="900" spc="0" dirty="0">
+                        <a:rPr sz="900" spc="0">
                           <a:solidFill>
                             <a:srgbClr val="020302"/>
                           </a:solidFill>
                           <a:latin typeface="AdobeClean-Light"/>
                           <a:cs typeface="AdobeClean-Light"/>
                         </a:rPr>
-                        <a:t>에스컬레이션 관리</a:t>
+                        <a:t>Escalation Management</a:t>
                       </a:r>
-                      <a:endParaRPr sz="900" spc="0" dirty="0">
+                      <a:endParaRPr sz="900" spc="0">
                         <a:latin typeface="AdobeClean-Light"/>
                         <a:cs typeface="AdobeClean-Light"/>
                       </a:endParaRPr>
@@ -5168,7 +5648,7 @@
                           <a:spcPts val="470"/>
                         </a:spcBef>
                       </a:pPr>
-                      <a:endParaRPr sz="900" dirty="0">
+                      <a:endParaRPr sz="900">
                         <a:latin typeface="Wingdings"/>
                         <a:cs typeface="Wingdings"/>
                       </a:endParaRPr>
@@ -5201,7 +5681,7 @@
                         </a:spcBef>
                       </a:pPr>
                       <a:r>
-                        <a:rPr lang="de-de" sz="900" dirty="0">
+                        <a:rPr sz="900">
                           <a:solidFill>
                             <a:srgbClr val="020302"/>
                           </a:solidFill>
@@ -5210,7 +5690,7 @@
                         </a:rPr>
                         <a:t></a:t>
                       </a:r>
-                      <a:endParaRPr sz="900" dirty="0">
+                      <a:endParaRPr sz="900">
                         <a:latin typeface="Wingdings"/>
                         <a:cs typeface="Wingdings"/>
                       </a:endParaRPr>
@@ -5244,7 +5724,7 @@
                           <a:spcPts val="450"/>
                         </a:spcBef>
                       </a:pPr>
-                      <a:endParaRPr sz="900" dirty="0">
+                      <a:endParaRPr sz="900">
                         <a:latin typeface="AdobeClean-Light"/>
                         <a:cs typeface="AdobeClean-Light"/>
                       </a:endParaRPr>
@@ -5285,16 +5765,26 @@
                         </a:spcBef>
                       </a:pPr>
                       <a:r>
-                        <a:rPr lang="de-de" sz="900" spc="0" dirty="0">
+                        <a:rPr sz="900" spc="0">
                           <a:solidFill>
                             <a:srgbClr val="020302"/>
                           </a:solidFill>
                           <a:latin typeface="AdobeClean-Light"/>
                           <a:cs typeface="AdobeClean-Light"/>
                         </a:rPr>
-                        <a:t>연간 서비스 리뷰</a:t>
+                        <a:t>Service Reviews </a:t>
                       </a:r>
-                      <a:endParaRPr sz="900" spc="0" dirty="0">
+                      <a:r>
+                        <a:rPr lang="en-US" sz="900" spc="0">
+                          <a:solidFill>
+                            <a:srgbClr val="020302"/>
+                          </a:solidFill>
+                          <a:latin typeface="AdobeClean-Light"/>
+                          <a:cs typeface="AdobeClean-Light"/>
+                        </a:rPr>
+                        <a:t>per Year</a:t>
+                      </a:r>
+                      <a:endParaRPr sz="900" spc="0">
                         <a:latin typeface="AdobeClean-Light"/>
                         <a:cs typeface="AdobeClean-Light"/>
                       </a:endParaRPr>
@@ -5325,7 +5815,7 @@
                           <a:spcPct val="100000"/>
                         </a:lnSpc>
                       </a:pPr>
-                      <a:endParaRPr sz="900" dirty="0">
+                      <a:endParaRPr sz="900">
                         <a:latin typeface="Times New Roman"/>
                         <a:cs typeface="Times New Roman"/>
                       </a:endParaRPr>
@@ -5354,7 +5844,7 @@
                           <a:spcPct val="100000"/>
                         </a:lnSpc>
                       </a:pPr>
-                      <a:endParaRPr sz="900" dirty="0">
+                      <a:endParaRPr sz="900">
                         <a:latin typeface="Times New Roman"/>
                         <a:cs typeface="Times New Roman"/>
                       </a:endParaRPr>
@@ -5399,13 +5889,13 @@
                         </a:spcBef>
                       </a:pPr>
                       <a:r>
-                        <a:rPr lang="de-de" sz="900" spc="0" dirty="0">
+                        <a:rPr lang="en-US" sz="900" spc="0">
                           <a:latin typeface="AdobeClean-Light"/>
                           <a:cs typeface="AdobeClean-Light"/>
                         </a:rPr>
-                        <a:t>연간 전문가 세션</a:t>
+                        <a:t>Expert Sessions per Year</a:t>
                       </a:r>
-                      <a:endParaRPr sz="900" spc="0" dirty="0">
+                      <a:endParaRPr sz="900" spc="0">
                         <a:latin typeface="AdobeClean-Light"/>
                         <a:cs typeface="AdobeClean-Light"/>
                       </a:endParaRPr>
@@ -5442,7 +5932,7 @@
                           <a:spcPct val="100000"/>
                         </a:lnSpc>
                       </a:pPr>
-                      <a:endParaRPr sz="900" dirty="0">
+                      <a:endParaRPr sz="900">
                         <a:latin typeface="Times New Roman"/>
                         <a:cs typeface="Times New Roman"/>
                       </a:endParaRPr>
@@ -5471,7 +5961,7 @@
                           <a:spcPct val="100000"/>
                         </a:lnSpc>
                       </a:pPr>
-                      <a:endParaRPr sz="900" dirty="0">
+                      <a:endParaRPr sz="900">
                         <a:latin typeface="Times New Roman"/>
                         <a:cs typeface="Times New Roman"/>
                       </a:endParaRPr>
@@ -5516,13 +6006,13 @@
                         </a:spcBef>
                       </a:pPr>
                       <a:r>
-                        <a:rPr lang="de-de" sz="900" spc="0" dirty="0">
+                        <a:rPr lang="en-US" sz="900" spc="0">
                           <a:latin typeface="AdobeClean-Light"/>
                           <a:cs typeface="AdobeClean-Light"/>
                         </a:rPr>
-                        <a:t>사례 검토</a:t>
+                        <a:t>Case Reviews</a:t>
                       </a:r>
-                      <a:endParaRPr sz="900" spc="0" dirty="0">
+                      <a:endParaRPr sz="900" spc="0">
                         <a:latin typeface="AdobeClean-Light"/>
                         <a:cs typeface="AdobeClean-Light"/>
                       </a:endParaRPr>
@@ -5559,7 +6049,7 @@
                           <a:spcPct val="100000"/>
                         </a:lnSpc>
                       </a:pPr>
-                      <a:endParaRPr sz="900" dirty="0">
+                      <a:endParaRPr sz="900">
                         <a:latin typeface="Times New Roman"/>
                         <a:cs typeface="Times New Roman"/>
                       </a:endParaRPr>
@@ -5588,7 +6078,7 @@
                           <a:spcPct val="100000"/>
                         </a:lnSpc>
                       </a:pPr>
-                      <a:endParaRPr sz="900" dirty="0">
+                      <a:endParaRPr sz="900">
                         <a:latin typeface="Times New Roman"/>
                         <a:cs typeface="Times New Roman"/>
                       </a:endParaRPr>
@@ -5622,7 +6112,7 @@
                           <a:spcPts val="459"/>
                         </a:spcBef>
                       </a:pPr>
-                      <a:endParaRPr sz="900" dirty="0">
+                      <a:endParaRPr sz="900">
                         <a:latin typeface="AdobeClean-Light"/>
                         <a:cs typeface="AdobeClean-Light"/>
                       </a:endParaRPr>
@@ -5672,16 +6162,26 @@
                         </a:spcBef>
                       </a:pPr>
                       <a:r>
-                        <a:rPr lang="de-de" sz="900" spc="0" dirty="0">
+                        <a:rPr sz="900" spc="0">
                           <a:solidFill>
                             <a:srgbClr val="020302"/>
                           </a:solidFill>
                           <a:latin typeface="AdobeClean-Light"/>
                           <a:cs typeface="AdobeClean-Light"/>
                         </a:rPr>
-                        <a:t>이벤트 관리</a:t>
+                        <a:t>Event </a:t>
                       </a:r>
-                      <a:endParaRPr sz="900" spc="0" dirty="0">
+                      <a:r>
+                        <a:rPr lang="en-US" sz="900" spc="0">
+                          <a:solidFill>
+                            <a:srgbClr val="020302"/>
+                          </a:solidFill>
+                          <a:latin typeface="AdobeClean-Light"/>
+                          <a:cs typeface="AdobeClean-Light"/>
+                        </a:rPr>
+                        <a:t>Management</a:t>
+                      </a:r>
+                      <a:endParaRPr sz="900" spc="0">
                         <a:latin typeface="AdobeClean-Light"/>
                         <a:cs typeface="AdobeClean-Light"/>
                       </a:endParaRPr>
@@ -5718,7 +6218,7 @@
                           <a:spcPct val="100000"/>
                         </a:lnSpc>
                       </a:pPr>
-                      <a:endParaRPr sz="900" dirty="0">
+                      <a:endParaRPr sz="900">
                         <a:latin typeface="Times New Roman"/>
                         <a:cs typeface="Times New Roman"/>
                       </a:endParaRPr>
@@ -5747,7 +6247,7 @@
                           <a:spcPct val="100000"/>
                         </a:lnSpc>
                       </a:pPr>
-                      <a:endParaRPr sz="900" dirty="0">
+                      <a:endParaRPr sz="900">
                         <a:latin typeface="Times New Roman"/>
                         <a:cs typeface="Times New Roman"/>
                       </a:endParaRPr>
@@ -5781,7 +6281,7 @@
                           <a:spcPts val="465"/>
                         </a:spcBef>
                       </a:pPr>
-                      <a:endParaRPr sz="900" dirty="0">
+                      <a:endParaRPr sz="900">
                         <a:latin typeface="AdobeClean-Light"/>
                         <a:cs typeface="AdobeClean-Light"/>
                       </a:endParaRPr>
@@ -5822,16 +6322,36 @@
                         </a:spcBef>
                       </a:pPr>
                       <a:r>
-                        <a:rPr lang="de-de" sz="900" spc="0" dirty="0">
+                        <a:rPr sz="900" spc="0">
                           <a:solidFill>
                             <a:srgbClr val="020302"/>
                           </a:solidFill>
                           <a:latin typeface="AdobeClean-Light"/>
                           <a:cs typeface="AdobeClean-Light"/>
                         </a:rPr>
-                        <a:t>환경 검토, 유지 관리 및 모니터링</a:t>
+                        <a:t>Environment</a:t>
                       </a:r>
-                      <a:endParaRPr sz="900" spc="0" dirty="0">
+                      <a:r>
+                        <a:rPr lang="en-US" sz="900" spc="0">
+                          <a:solidFill>
+                            <a:srgbClr val="020302"/>
+                          </a:solidFill>
+                          <a:latin typeface="AdobeClean-Light"/>
+                          <a:cs typeface="AdobeClean-Light"/>
+                        </a:rPr>
+                        <a:t> </a:t>
+                      </a:r>
+                      <a:r>
+                        <a:rPr sz="900" spc="0">
+                          <a:solidFill>
+                            <a:srgbClr val="020302"/>
+                          </a:solidFill>
+                          <a:latin typeface="AdobeClean-Light"/>
+                          <a:cs typeface="AdobeClean-Light"/>
+                        </a:rPr>
+                        <a:t>Review, Maintenance &amp; Monitoring</a:t>
+                      </a:r>
+                      <a:endParaRPr sz="900" spc="0">
                         <a:latin typeface="AdobeClean-Light"/>
                         <a:cs typeface="AdobeClean-Light"/>
                       </a:endParaRPr>
@@ -5862,7 +6382,7 @@
                           <a:spcPct val="100000"/>
                         </a:lnSpc>
                       </a:pPr>
-                      <a:endParaRPr sz="900" dirty="0">
+                      <a:endParaRPr sz="900">
                         <a:latin typeface="Times New Roman"/>
                         <a:cs typeface="Times New Roman"/>
                       </a:endParaRPr>
@@ -5891,7 +6411,7 @@
                           <a:spcPct val="100000"/>
                         </a:lnSpc>
                       </a:pPr>
-                      <a:endParaRPr sz="900" dirty="0">
+                      <a:endParaRPr sz="900">
                         <a:latin typeface="Times New Roman"/>
                         <a:cs typeface="Times New Roman"/>
                       </a:endParaRPr>
@@ -5925,7 +6445,7 @@
                           <a:spcPts val="500"/>
                         </a:spcBef>
                       </a:pPr>
-                      <a:endParaRPr sz="900" dirty="0">
+                      <a:endParaRPr sz="900">
                         <a:latin typeface="AdobeClean-Light"/>
                         <a:cs typeface="AdobeClean-Light"/>
                       </a:endParaRPr>
@@ -5966,16 +6486,16 @@
                         </a:spcBef>
                       </a:pPr>
                       <a:r>
-                        <a:rPr lang="de-de" sz="900" spc="0" dirty="0">
+                        <a:rPr sz="900" spc="0">
                           <a:solidFill>
                             <a:srgbClr val="020302"/>
                           </a:solidFill>
                           <a:latin typeface="AdobeClean-Light"/>
                           <a:cs typeface="AdobeClean-Light"/>
                         </a:rPr>
-                        <a:t>릴리스, 마이그레이션, 업그레이드 및 제품 로드맵 검토</a:t>
+                        <a:t>Release, Migration, Upgrade &amp; Product Roadmap Review</a:t>
                       </a:r>
-                      <a:endParaRPr sz="900" spc="0" dirty="0">
+                      <a:endParaRPr sz="900" spc="0">
                         <a:latin typeface="AdobeClean-Light"/>
                         <a:cs typeface="AdobeClean-Light"/>
                       </a:endParaRPr>
@@ -6006,7 +6526,7 @@
                           <a:spcPct val="100000"/>
                         </a:lnSpc>
                       </a:pPr>
-                      <a:endParaRPr sz="900" dirty="0">
+                      <a:endParaRPr sz="900">
                         <a:latin typeface="Times New Roman"/>
                         <a:cs typeface="Times New Roman"/>
                       </a:endParaRPr>
@@ -6035,7 +6555,7 @@
                           <a:spcPct val="100000"/>
                         </a:lnSpc>
                       </a:pPr>
-                      <a:endParaRPr sz="900" dirty="0">
+                      <a:endParaRPr sz="900">
                         <a:latin typeface="Times New Roman"/>
                         <a:cs typeface="Times New Roman"/>
                       </a:endParaRPr>
@@ -6069,7 +6589,7 @@
                           <a:spcPts val="530"/>
                         </a:spcBef>
                       </a:pPr>
-                      <a:endParaRPr sz="900" dirty="0">
+                      <a:endParaRPr sz="900">
                         <a:latin typeface="AdobeClean-Light"/>
                         <a:cs typeface="AdobeClean-Light"/>
                       </a:endParaRPr>
@@ -6119,11 +6639,11 @@
                         </a:spcBef>
                       </a:pPr>
                       <a:r>
-                        <a:rPr lang="de-de" sz="900" spc="0" dirty="0">
+                        <a:rPr sz="900" spc="0">
                           <a:latin typeface="AdobeClean-Light"/>
                           <a:cs typeface="AdobeClean-Light"/>
                         </a:rPr>
-                        <a:t>클라우드 지원 활동 – Experience Manager as Cloud</a:t>
+                        <a:t>Cloud Support Activities – Experience Manager as Cloud</a:t>
                       </a:r>
                     </a:p>
                   </a:txBody>
@@ -6158,7 +6678,7 @@
                           <a:spcPct val="100000"/>
                         </a:lnSpc>
                       </a:pPr>
-                      <a:endParaRPr sz="900" dirty="0">
+                      <a:endParaRPr sz="900">
                         <a:latin typeface="Times New Roman"/>
                         <a:cs typeface="Times New Roman"/>
                       </a:endParaRPr>
@@ -6196,7 +6716,7 @@
                           <a:spcPct val="100000"/>
                         </a:lnSpc>
                       </a:pPr>
-                      <a:endParaRPr sz="900" dirty="0">
+                      <a:endParaRPr sz="900">
                         <a:latin typeface="Times New Roman"/>
                         <a:cs typeface="Times New Roman"/>
                       </a:endParaRPr>
@@ -6240,16 +6760,16 @@
                         </a:spcBef>
                       </a:pPr>
                       <a:r>
-                        <a:rPr lang="de-de" sz="1000" b="1" i="0" spc="0" dirty="0">
+                        <a:rPr lang="en-US" sz="1000" b="1" i="0" spc="0">
                           <a:solidFill>
                             <a:schemeClr val="bg1"/>
                           </a:solidFill>
                           <a:latin typeface="Adobe Clean" panose="020B0503020404020204" pitchFamily="34" charset="0"/>
                           <a:cs typeface="AdobeClean-Light"/>
                         </a:rPr>
-                        <a:t>현장 서비스</a:t>
+                        <a:t>Field Services</a:t>
                       </a:r>
-                      <a:endParaRPr sz="1000" b="1" i="0" spc="0" dirty="0">
+                      <a:endParaRPr sz="1000" b="1" i="0" spc="0">
                         <a:solidFill>
                           <a:schemeClr val="bg1"/>
                         </a:solidFill>
@@ -6308,16 +6828,16 @@
                         </a:spcBef>
                       </a:pPr>
                       <a:r>
-                        <a:rPr lang="de-de" sz="900" spc="0" dirty="0">
+                        <a:rPr sz="900" spc="0">
                           <a:solidFill>
                             <a:srgbClr val="020302"/>
                           </a:solidFill>
                           <a:latin typeface="AdobeClean-Light"/>
                           <a:cs typeface="AdobeClean-Light"/>
                         </a:rPr>
-                        <a:t>출시 자문 서비스 – 새로운 솔루션의 첫 해</a:t>
+                        <a:t>Launch Advisory Services – First Year of new solution</a:t>
                       </a:r>
-                      <a:endParaRPr sz="900" spc="0" dirty="0">
+                      <a:endParaRPr sz="900" spc="0">
                         <a:latin typeface="AdobeClean-Light"/>
                         <a:cs typeface="AdobeClean-Light"/>
                       </a:endParaRPr>
@@ -6332,11 +6852,11 @@
                         </a:spcBef>
                       </a:pPr>
                       <a:r>
-                        <a:rPr lang="de-de" sz="900" spc="0" dirty="0">
+                        <a:rPr sz="900" spc="0">
                           <a:latin typeface="AdobeClean-Light"/>
                           <a:cs typeface="AdobeClean-Light"/>
                         </a:rPr>
-                        <a:t>현장 서비스 활동 </a:t>
+                        <a:t>Field Service Activities </a:t>
                       </a:r>
                     </a:p>
                   </a:txBody>
@@ -6377,7 +6897,7 @@
                           <a:spcPct val="100000"/>
                         </a:lnSpc>
                       </a:pPr>
-                      <a:endParaRPr sz="900" dirty="0">
+                      <a:endParaRPr sz="900">
                         <a:latin typeface="Times New Roman"/>
                         <a:cs typeface="Times New Roman"/>
                       </a:endParaRPr>
@@ -6415,7 +6935,7 @@
                           <a:spcPct val="100000"/>
                         </a:lnSpc>
                       </a:pPr>
-                      <a:endParaRPr sz="900" dirty="0">
+                      <a:endParaRPr sz="900">
                         <a:latin typeface="Times New Roman"/>
                         <a:cs typeface="Times New Roman"/>
                       </a:endParaRPr>
@@ -6500,7 +7020,7 @@
                           <a:spcPct val="100000"/>
                         </a:lnSpc>
                       </a:pPr>
-                      <a:endParaRPr sz="900" dirty="0">
+                      <a:endParaRPr sz="900">
                         <a:latin typeface="Times New Roman"/>
                         <a:cs typeface="Times New Roman"/>
                       </a:endParaRPr>
@@ -6521,12 +7041,12 @@
                     <a:bodyPr/>
                     <a:lstStyle/>
                     <a:p>
-                      <a:pPr marL="0" algn="l" rtl="0">
+                      <a:pPr>
                         <a:lnSpc>
                           <a:spcPct val="100000"/>
                         </a:lnSpc>
                       </a:pPr>
-                      <a:endParaRPr sz="900" dirty="0">
+                      <a:endParaRPr sz="900">
                         <a:latin typeface="Times New Roman"/>
                         <a:cs typeface="Times New Roman"/>
                       </a:endParaRPr>
@@ -6585,7 +7105,7 @@
           <a:lstStyle/>
           <a:p>
             <a:r>
-              <a:rPr lang="de-de" sz="700" i="1" dirty="0">
+              <a:rPr lang="en-US" sz="700" i="1">
                 <a:solidFill>
                   <a:schemeClr val="bg1"/>
                 </a:solidFill>
@@ -6788,15 +7308,15 @@
               </a:spcBef>
             </a:pPr>
             <a:r>
-              <a:rPr lang="de-de" sz="1000" dirty="0">
+              <a:rPr lang="en-US" sz="1000">
                 <a:solidFill>
                   <a:srgbClr val="000000"/>
                 </a:solidFill>
                 <a:latin typeface="Adobe Clean Light" panose="020B0303020404020204" pitchFamily="34" charset="0"/>
               </a:rPr>
-              <a:t>사례를 사전에 모니터링하고, 팀 간의 공동 작업을 주도하고, 온보딩 웨비나를 제공하고, 서비스 보고를 실행하고, 비기술적 지원을 제공하고, Adobe 지원 내에서 에스컬레이션 지점 및 내부 지지 역할을 하는 지정된 계정 지원 리드입니다.</a:t>
-            </a:r>
-            <a:endParaRPr lang="en-US" sz="1000" dirty="0">
+              <a:t>A designated Account Support Lead to proactively monitor cases, drive cross-team collaboration, deliver onboarding webinars, run service reports, provide non-technical support assistance, and function as your escalation point and internal advocate within Adobe Support.</a:t>
+            </a:r>
+            <a:endParaRPr lang="en-US" sz="1000">
               <a:latin typeface="Adobe Clean Light" panose="020B0303020404020204" pitchFamily="34" charset="0"/>
               <a:cs typeface="AdobeClean-Light"/>
             </a:endParaRPr>
@@ -6812,14 +7332,14 @@
         <p:spPr>
           <a:xfrm>
             <a:off x="2836967" y="8618616"/>
-            <a:ext cx="2286000" cy="487313"/>
+            <a:ext cx="2286000" cy="641201"/>
           </a:xfrm>
           <a:prstGeom prst="rect">
             <a:avLst/>
           </a:prstGeom>
         </p:spPr>
         <p:txBody>
-          <a:bodyPr vert="horz" wrap="square" lIns="0" tIns="12700" rIns="0" bIns="0" rtlCol="0">
+          <a:bodyPr vert="horz" wrap="square" lIns="0" tIns="12700" rIns="0" bIns="0" rtlCol="0" anchor="t">
             <a:spAutoFit/>
           </a:bodyPr>
           <a:lstStyle/>
@@ -6836,28 +7356,48 @@
               </a:tabLst>
             </a:pPr>
             <a:r>
-              <a:rPr lang="de-de" sz="1000" dirty="0">
+              <a:rPr sz="1000">
                 <a:solidFill>
                   <a:srgbClr val="020302"/>
                 </a:solidFill>
                 <a:latin typeface="AdobeClean-Light"/>
                 <a:cs typeface="AdobeClean-Light"/>
               </a:rPr>
-              <a:t>답변을 얻고 사례 제출 관련 도움을 받을 수 있는</a:t>
-            </a:r>
-            <a:endParaRPr lang="en-US" sz="1000" dirty="0">
-              <a:solidFill>
-                <a:srgbClr val="020302"/>
-              </a:solidFill>
-              <a:latin typeface="AdobeClean-Light"/>
-              <a:cs typeface="AdobeClean-Light"/>
-            </a:endParaRPr>
+              <a:t>Start a chat session to get answers</a:t>
+            </a:r>
+            <a:r>
+              <a:rPr lang="en-US" sz="1000">
+                <a:solidFill>
+                  <a:srgbClr val="020302"/>
+                </a:solidFill>
+                <a:latin typeface="AdobeClean-Light"/>
+                <a:cs typeface="AdobeClean-Light"/>
+              </a:rPr>
+              <a:t> &amp; </a:t>
+            </a:r>
+            <a:r>
+              <a:rPr sz="1000">
+                <a:solidFill>
+                  <a:srgbClr val="020302"/>
+                </a:solidFill>
+                <a:latin typeface="AdobeClean-Light"/>
+                <a:cs typeface="AdobeClean-Light"/>
+              </a:rPr>
+              <a:t>help with case submission</a:t>
+            </a:r>
+            <a:r>
+              <a:rPr lang="en-US" sz="1000">
+                <a:solidFill>
+                  <a:srgbClr val="020302"/>
+                </a:solidFill>
+                <a:latin typeface="AdobeClean-Light"/>
+                <a:cs typeface="AdobeClean-Light"/>
+              </a:rPr>
+              <a:t>.</a:t>
+            </a:r>
           </a:p>
           <a:p>
             <a:pPr marL="33020" marR="159385">
-              <a:lnSpc>
-                <a:spcPct val="100000"/>
-              </a:lnSpc>
               <a:spcBef>
                 <a:spcPts val="100"/>
               </a:spcBef>
@@ -6866,36 +7406,36 @@
               </a:tabLst>
             </a:pPr>
             <a:r>
-              <a:rPr lang="de-de" sz="1000" dirty="0">
-                <a:solidFill>
-                  <a:srgbClr val="020302"/>
-                </a:solidFill>
-                <a:latin typeface="AdobeClean-Light"/>
-                <a:cs typeface="AdobeClean-Light"/>
-              </a:rPr>
-              <a:t> 채팅 세션을 시작합니다.</a:t>
-            </a:r>
-            <a:r>
-              <a:rPr lang="de-de" sz="1000" i="1" dirty="0">
+              <a:rPr sz="1000" i="1">
                 <a:solidFill>
                   <a:srgbClr val="7A7A7A"/>
                 </a:solidFill>
                 <a:latin typeface="AdobeClean-LightIt"/>
                 <a:cs typeface="AdobeClean-LightIt"/>
               </a:rPr>
-              <a:t>*모든 제품에 라이브 채팅이 지원되는 것은 아닙니다</a:t>
-            </a:r>
-            <a:r>
-              <a:rPr lang="de-de" sz="900" i="1" dirty="0">
+              <a:t>*Not all products have live chat support</a:t>
+            </a:r>
+            <a:r>
+              <a:rPr sz="900" i="1">
                 <a:solidFill>
                   <a:srgbClr val="7A7A7A"/>
                 </a:solidFill>
                 <a:latin typeface="AdobeClean-LightIt"/>
                 <a:cs typeface="AdobeClean-LightIt"/>
               </a:rPr>
-              <a:t>.  </a:t>
-            </a:r>
-            <a:endParaRPr sz="900" dirty="0">
+              <a:t>.</a:t>
+            </a:r>
+            <a:r>
+              <a:rPr lang="en-US" sz="900" i="1">
+                <a:solidFill>
+                  <a:srgbClr val="7A7A7A"/>
+                </a:solidFill>
+                <a:latin typeface="AdobeClean-LightIt"/>
+                <a:cs typeface="AdobeClean-LightIt"/>
+              </a:rPr>
+              <a:t>  </a:t>
+            </a:r>
+            <a:endParaRPr sz="900">
               <a:latin typeface="AdobeClean-Light"/>
               <a:cs typeface="AdobeClean-Light"/>
             </a:endParaRPr>
@@ -6974,12 +7514,12 @@
               <a:defRPr/>
             </a:pPr>
             <a:r>
-              <a:rPr lang="de-de" sz="1200" dirty="0">
+              <a:rPr lang="en-US" sz="1200">
                 <a:solidFill>
                   <a:srgbClr val="000000"/>
                 </a:solidFill>
               </a:rPr>
-              <a:t>커뮤니티 포럼</a:t>
+              <a:t>Community Forums</a:t>
             </a:r>
           </a:p>
         </p:txBody>
@@ -7022,12 +7562,12 @@
               </a:spcAft>
             </a:pPr>
             <a:r>
-              <a:rPr lang="de-de" sz="1200" b="1" dirty="0">
+              <a:rPr lang="en-US" sz="1200" b="1">
                 <a:latin typeface="+mj-lt"/>
                 <a:ea typeface="Open Sans" pitchFamily="34" charset="0"/>
                 <a:cs typeface="Open Sans" pitchFamily="34" charset="0"/>
               </a:rPr>
-              <a:t>온라인 포럼</a:t>
+              <a:t>Online Forums</a:t>
             </a:r>
           </a:p>
         </p:txBody>
@@ -7060,13 +7600,13 @@
           <a:lstStyle/>
           <a:p>
             <a:r>
-              <a:rPr lang="de-de" sz="1000" dirty="0">
+              <a:rPr lang="en-US" sz="1000">
                 <a:solidFill>
                   <a:srgbClr val="000000"/>
                 </a:solidFill>
                 <a:latin typeface="Adobe Clean Light" panose="020B0303020404020204" pitchFamily="34" charset="0"/>
               </a:rPr>
-              <a:t>기술 솔루션, 제품 문서, FAQ 등 증가하는 데이터베이스에 대한 지속적인 온라인 액세스. 수천 명의 고객이 소통하여 모범 사례와 진행 중 얻은 개선 사항을 공유할 수 있습니다.</a:t>
+              <a:t>Continuous online access to a growing database of technical solutions, product documentation, FAQs and more. Thousands of customers can connect to share best practices and lessons learned.</a:t>
             </a:r>
           </a:p>
         </p:txBody>
@@ -7109,12 +7649,12 @@
               </a:spcAft>
             </a:pPr>
             <a:r>
-              <a:rPr lang="de-de" sz="1200" b="1" dirty="0">
+              <a:rPr lang="en-US" sz="1200" b="1">
                 <a:latin typeface="+mj-lt"/>
                 <a:ea typeface="Open Sans" pitchFamily="34" charset="0"/>
                 <a:cs typeface="Open Sans" pitchFamily="34" charset="0"/>
               </a:rPr>
-              <a:t>셀프 가이드 여정</a:t>
+              <a:t>Self-guided Journeys</a:t>
             </a:r>
           </a:p>
         </p:txBody>
@@ -7147,13 +7687,13 @@
           <a:lstStyle/>
           <a:p>
             <a:r>
-              <a:rPr lang="de-de" sz="1000" dirty="0">
+              <a:rPr lang="en-US" sz="1000">
                 <a:solidFill>
                   <a:srgbClr val="000000"/>
                 </a:solidFill>
                 <a:latin typeface="Adobe Clean Light" panose="020B0303020404020204" pitchFamily="34" charset="0"/>
               </a:rPr>
-              <a:t>Experience 업체는 Experience League로 만들어집니다. 고객은 개인 맞춤형 학습을 통해 고객 경험 관리 능력에 시동을 걸어 기술을 개발하고 글로벌 동료 커뮤니티와 교류하며 경력 발전에 도움이 되는 인정을 얻을 수 있습니다.</a:t>
+              <a:t>Experience Makers are made with Experience League. Customers can kickstart their Customer Experience Management abilities with personalized learning to develop skills, engage with a global community of peers, and earn career advancing recognition.</a:t>
             </a:r>
           </a:p>
         </p:txBody>
@@ -7201,12 +7741,12 @@
               <a:defRPr/>
             </a:pPr>
             <a:r>
-              <a:rPr lang="de-de" sz="1200" dirty="0">
+              <a:rPr lang="en-US" sz="1200">
                 <a:solidFill>
                   <a:srgbClr val="000000"/>
                 </a:solidFill>
               </a:rPr>
-              <a:t>라이브 채팅 지원*</a:t>
+              <a:t>Live Chat  Support*</a:t>
             </a:r>
           </a:p>
         </p:txBody>
@@ -7249,12 +7789,12 @@
               </a:spcAft>
             </a:pPr>
             <a:r>
-              <a:rPr lang="de-de" sz="1200" b="1" dirty="0">
+              <a:rPr lang="en-US" sz="1200" b="1">
                 <a:latin typeface="+mj-lt"/>
                 <a:ea typeface="Open Sans" pitchFamily="34" charset="0"/>
                 <a:cs typeface="Open Sans" pitchFamily="34" charset="0"/>
               </a:rPr>
-              <a:t>채팅 지원</a:t>
+              <a:t>Chat Support</a:t>
             </a:r>
           </a:p>
         </p:txBody>
@@ -7302,7 +7842,7 @@
               <a:defRPr/>
             </a:pPr>
             <a:r>
-              <a:rPr lang="de-de" sz="1200" dirty="0">
+              <a:rPr lang="en-US" sz="1200">
                 <a:solidFill>
                   <a:srgbClr val="000000"/>
                 </a:solidFill>
@@ -7350,12 +7890,12 @@
               </a:spcAft>
             </a:pPr>
             <a:r>
-              <a:rPr lang="de-de" sz="1200" b="1" dirty="0">
+              <a:rPr lang="en-US" sz="1200" b="1">
                 <a:latin typeface="+mj-lt"/>
                 <a:ea typeface="Open Sans" pitchFamily="34" charset="0"/>
                 <a:cs typeface="Open Sans" pitchFamily="34" charset="0"/>
               </a:rPr>
-              <a:t>전화 지원</a:t>
+              <a:t>Phone Support</a:t>
             </a:r>
           </a:p>
         </p:txBody>
@@ -7388,21 +7928,21 @@
           <a:lstStyle/>
           <a:p>
             <a:r>
-              <a:rPr lang="de-de" sz="1000" dirty="0">
+              <a:rPr lang="en-US" sz="1000">
                 <a:solidFill>
                   <a:srgbClr val="020302"/>
                 </a:solidFill>
                 <a:latin typeface="AdobeClean-Light"/>
               </a:rPr>
-              <a:t>승인된 사용자 또는 지정 지원 담당자</a:t>
-            </a:r>
-            <a:r>
-              <a:rPr lang="de-de" sz="1000" dirty="0">
+              <a:t>Authorized users or Named Support Contacts </a:t>
+            </a:r>
+            <a:r>
+              <a:rPr lang="en-US" sz="1000">
                 <a:latin typeface="Adobe Clean Light" panose="020B0303020404020204" pitchFamily="34" charset="0"/>
               </a:rPr>
-              <a:t>는 사용 가능한 모든 채널(P1용 전화 포함)을 통해 문제를 제출하고 귀사를 대신하여 기술 지원 팀과 상호 작용할 수 있습니다. </a:t>
-            </a:r>
-            <a:endParaRPr lang="en-US" sz="1000" dirty="0">
+              <a:t>can submit issues through all available  channels (including phone for P1) and interact with our technical support team on behalf of your company. </a:t>
+            </a:r>
+            <a:endParaRPr lang="en-US" sz="1000">
               <a:solidFill>
                 <a:srgbClr val="000000"/>
               </a:solidFill>
@@ -7430,7 +7970,7 @@
         <p:spPr>
           <a:xfrm>
             <a:off x="5253416" y="9862966"/>
-            <a:ext cx="2518984" cy="132729"/>
+            <a:ext cx="2270125" cy="132729"/>
           </a:xfrm>
           <a:prstGeom prst="rect">
             <a:avLst/>
@@ -7451,16 +7991,24 @@
               </a:spcBef>
             </a:pPr>
             <a:r>
-              <a:rPr lang="de-de" spc="-5" dirty="0"/>
-              <a:t>©2021 Adobe. All Rights Reserved. Adobe</a:t>
-            </a:r>
-            <a:r>
-              <a:rPr lang="de-de" spc="60" dirty="0"/>
+              <a:rPr spc="-5"/>
+              <a:t>©202</a:t>
+            </a:r>
+            <a:r>
+              <a:rPr lang="en-US" spc="-5"/>
+              <a:t>1</a:t>
+            </a:r>
+            <a:r>
+              <a:rPr spc="-5"/>
+              <a:t> Adobe. All Rights Reserved. Adobe</a:t>
+            </a:r>
+            <a:r>
+              <a:rPr spc="60"/>
               <a:t> </a:t>
             </a:r>
             <a:r>
-              <a:rPr lang="de-de" spc="-5" dirty="0"/>
-              <a:t>기밀.</a:t>
+              <a:rPr spc="-5"/>
+              <a:t>Confidential.</a:t>
             </a:r>
           </a:p>
         </p:txBody>
@@ -7503,13 +8051,13 @@
               </a:spcAft>
             </a:pPr>
             <a:r>
-              <a:rPr lang="de-de" sz="1200" b="1" spc="-10" dirty="0">
+              <a:rPr lang="en-US" sz="1200" b="1" spc="-10">
                 <a:solidFill>
                   <a:srgbClr val="020302"/>
                 </a:solidFill>
                 <a:latin typeface="+mj-lt"/>
               </a:rPr>
-              <a:t>계정 지원 리드</a:t>
+              <a:t>Account Support Lead</a:t>
             </a:r>
           </a:p>
         </p:txBody>
@@ -7598,16 +8146,16 @@
               </a:spcBef>
             </a:pPr>
             <a:r>
-              <a:rPr lang="de-de" sz="1400" b="1" spc="-10" dirty="0">
+              <a:rPr lang="en-US" sz="1400" b="1" spc="-10">
                 <a:solidFill>
                   <a:srgbClr val="020302"/>
                 </a:solidFill>
                 <a:latin typeface="Adobe Clean"/>
                 <a:cs typeface="Adobe Clean"/>
               </a:rPr>
-              <a:t>온라인 지원 기능</a:t>
-            </a:r>
-            <a:endParaRPr lang="en-US" sz="1400" dirty="0">
+              <a:t>Online Support Features</a:t>
+            </a:r>
+            <a:endParaRPr lang="en-US" sz="1400">
               <a:latin typeface="Adobe Clean"/>
               <a:cs typeface="Adobe Clean"/>
             </a:endParaRPr>
@@ -7698,16 +8246,16 @@
               </a:spcBef>
             </a:pPr>
             <a:r>
-              <a:rPr lang="de-de" sz="1400" b="1" spc="-10" dirty="0">
+              <a:rPr lang="en-US" sz="1400" b="1" spc="-10">
                 <a:solidFill>
                   <a:srgbClr val="020302"/>
                 </a:solidFill>
                 <a:latin typeface="Adobe Clean"/>
                 <a:cs typeface="Adobe Clean"/>
               </a:rPr>
-              <a:t>비즈니스 지원 기능</a:t>
-            </a:r>
-            <a:endParaRPr lang="en-US" sz="1400" dirty="0">
+              <a:t>Business  Support Features</a:t>
+            </a:r>
+            <a:endParaRPr lang="en-US" sz="1400">
               <a:latin typeface="Adobe Clean"/>
               <a:cs typeface="Adobe Clean"/>
             </a:endParaRPr>
@@ -7750,12 +8298,12 @@
               </a:spcBef>
             </a:pPr>
             <a:r>
-              <a:rPr lang="de-de" sz="1000" dirty="0">
+              <a:rPr lang="en-US" sz="1000">
                 <a:latin typeface="Adobe Clean Light" panose="020B0303020404020204" pitchFamily="34" charset="0"/>
               </a:rPr>
-              <a:t>고객은 지역별 지원 시간 동안 모든 P2, P3, P4 문제에 대해 전화를 통해 지원 사례를 제출할 수 있습니다. 지원을 요청할 수 있는 횟수에는 상한선이 없습니다. 고객은 또한 지원 팀에 콜백을 요청하거나 공유 원격 데스크탑 세션을 사용하여 문제를 시연하거나 해결하기 위한 회의를 요청할 수 있습니다.</a:t>
-            </a:r>
-            <a:endParaRPr lang="en-US" sz="1000" dirty="0">
+              <a:t>Customers can submit support cases via Phone for all P2, P3, P4 issues during regional support hours. There are no upper limits on the number of times you can call into support. Customers can also request a call back from support or request a meeting to demonstrate or work through an issue using a shared remote desktop session.</a:t>
+            </a:r>
+            <a:endParaRPr lang="en-US" sz="1000">
               <a:latin typeface="Adobe Clean Light" panose="020B0303020404020204" pitchFamily="34" charset="0"/>
               <a:cs typeface="AdobeClean-Light"/>
             </a:endParaRPr>
@@ -7800,13 +8348,13 @@
               </a:spcAft>
             </a:pPr>
             <a:r>
-              <a:rPr lang="de-de" sz="1200" b="1" spc="-10" dirty="0">
+              <a:rPr lang="en-US" sz="1200" b="1" spc="-10">
                 <a:solidFill>
                   <a:srgbClr val="020302"/>
                 </a:solidFill>
                 <a:latin typeface="+mj-lt"/>
               </a:rPr>
-              <a:t>실시간 전화 지원</a:t>
+              <a:t>Live Telephone Support</a:t>
             </a:r>
           </a:p>
         </p:txBody>
@@ -7847,15 +8395,15 @@
               </a:spcBef>
             </a:pPr>
             <a:r>
-              <a:rPr lang="de-de" sz="1000" dirty="0">
+              <a:rPr lang="en-US" sz="1000">
                 <a:solidFill>
                   <a:srgbClr val="4B4B4B"/>
                 </a:solidFill>
                 <a:latin typeface="Adobe Clean Light" panose="020B0303020404020204" pitchFamily="34" charset="0"/>
               </a:rPr>
-              <a:t>에스컬레이션 지원 및 정기 업데이트를 제공하고 진행 중인 지원 요청에서 가장 중요한 것에 우선 순위를 부여할 수 있는 Adobe 내의 지정된 담당자입니다.</a:t>
-            </a:r>
-            <a:endParaRPr lang="en-US" sz="1000" dirty="0">
+              <a:t>A designated point of contact within Adobe who can provide escalation assistance, regular updates and ensure priority is given to your most critical open support requests.</a:t>
+            </a:r>
+            <a:endParaRPr lang="en-US" sz="1000">
               <a:latin typeface="Adobe Clean Light" panose="020B0303020404020204" pitchFamily="34" charset="0"/>
               <a:cs typeface="AdobeClean-Light"/>
             </a:endParaRPr>
@@ -7900,13 +8448,13 @@
               </a:spcAft>
             </a:pPr>
             <a:r>
-              <a:rPr lang="de-de" sz="1200" b="1" spc="-10" dirty="0">
+              <a:rPr lang="en-US" sz="1200" b="1" spc="-10">
                 <a:solidFill>
                   <a:srgbClr val="020302"/>
                 </a:solidFill>
                 <a:latin typeface="+mj-lt"/>
               </a:rPr>
-              <a:t>에스컬레이션 관리</a:t>
+              <a:t>Escalation Management</a:t>
             </a:r>
           </a:p>
         </p:txBody>
@@ -7954,12 +8502,12 @@
               <a:defRPr/>
             </a:pPr>
             <a:r>
-              <a:rPr lang="de-de" sz="1200" dirty="0">
+              <a:rPr lang="en-US" sz="1200">
                 <a:solidFill>
                   <a:srgbClr val="000000"/>
                 </a:solidFill>
               </a:rPr>
-              <a:t>오피스 아워</a:t>
+              <a:t>Office Hours</a:t>
             </a:r>
           </a:p>
         </p:txBody>
@@ -8002,12 +8550,12 @@
               </a:spcAft>
             </a:pPr>
             <a:r>
-              <a:rPr lang="de-de" sz="1200" b="1" dirty="0">
+              <a:rPr lang="en-US" sz="1200" b="1">
                 <a:latin typeface="+mj-lt"/>
                 <a:ea typeface="Open Sans" pitchFamily="34" charset="0"/>
                 <a:cs typeface="Open Sans" pitchFamily="34" charset="0"/>
               </a:rPr>
-              <a:t>웨비나</a:t>
+              <a:t>Webinars</a:t>
             </a:r>
           </a:p>
         </p:txBody>
@@ -8040,13 +8588,13 @@
           <a:lstStyle/>
           <a:p>
             <a:r>
-              <a:rPr lang="de-de" sz="1000" dirty="0">
+              <a:rPr lang="en-US" sz="1000">
                 <a:solidFill>
                   <a:srgbClr val="000000"/>
                 </a:solidFill>
                 <a:latin typeface="Adobe Clean Light" panose="020B0303020404020204" pitchFamily="34" charset="0"/>
               </a:rPr>
-              <a:t>오피스 아워(Office Hours)는 Adobe 고객 지원 팀에서 진행하는 이니셔티브입니다. 이러한 세션은 참가자가 문제를 해결하도록 관련 정보를 제공하여 도움을 주고 Adobe Experience Cloud를 성공적으로 사용할 수 있는 팁과 요령을 제공하기 위해 설계되었습니다.</a:t>
+              <a:t>Office Hours is an initiative led by the Adobe Customer Support team. These sessions are designed to inform as well as help participants troubleshoot problems and provide tips and tricks to be successful with Adobe Experience Cloud.</a:t>
             </a:r>
           </a:p>
         </p:txBody>
@@ -8089,12 +8637,12 @@
               </a:spcAft>
             </a:pPr>
             <a:r>
-              <a:rPr lang="de-de" sz="1200" b="1" dirty="0">
+              <a:rPr lang="en-US" sz="1200" b="1">
                 <a:latin typeface="+mj-lt"/>
                 <a:ea typeface="Open Sans" pitchFamily="34" charset="0"/>
                 <a:cs typeface="Open Sans" pitchFamily="34" charset="0"/>
               </a:rPr>
-              <a:t>24/7 지원 포털</a:t>
+              <a:t>24/7 Support Portal</a:t>
             </a:r>
           </a:p>
         </p:txBody>
@@ -8127,30 +8675,37 @@
           <a:lstStyle/>
           <a:p>
             <a:r>
-              <a:rPr lang="de-de" sz="1000" dirty="0">
+              <a:rPr lang="en-US" sz="1000">
                 <a:solidFill>
                   <a:srgbClr val="000000"/>
                 </a:solidFill>
                 <a:latin typeface="Adobe Clean Light" panose="020B0303020404020204" pitchFamily="34" charset="0"/>
               </a:rPr>
-              <a:t>지원 요청을 제출하고 사례 상태를 검토하고 기술 자료, 뉴스 및 알림, 추천 팁 등과 같은 기타 리소스를 검색할 수 있는 온라인 </a:t>
-            </a:r>
-            <a:br/>
-            <a:r>
-              <a:rPr lang="de-de" sz="1000" dirty="0">
+              <a:t>On-demand access to the online </a:t>
+            </a:r>
+            <a:br>
+              <a:rPr lang="en-US" sz="1000">
                 <a:solidFill>
                   <a:srgbClr val="000000"/>
                 </a:solidFill>
                 <a:latin typeface="Adobe Clean Light" panose="020B0303020404020204" pitchFamily="34" charset="0"/>
               </a:rPr>
-              <a:t>자가 진단 지원 포털에 대한 온디맨드 액세스입니다.</a:t>
+            </a:br>
+            <a:r>
+              <a:rPr lang="en-US" sz="1000">
+                <a:solidFill>
+                  <a:srgbClr val="000000"/>
+                </a:solidFill>
+                <a:latin typeface="Adobe Clean Light" panose="020B0303020404020204" pitchFamily="34" charset="0"/>
+              </a:rPr>
+              <a:t>Self-help Support Portal to submit support requests, review case status, and browse other resources, like our knowledgebase, news and alerts, featured tips, and more.</a:t>
             </a:r>
           </a:p>
         </p:txBody>
       </p:sp>
       <p:pic>
         <p:nvPicPr>
-          <p:cNvPr id="13" name="Graphic 12" descr="플레이북 개요">
+          <p:cNvPr id="13" name="Graphic 12" descr="Playbook outline">
             <a:extLst>
               <a:ext uri="{FF2B5EF4-FFF2-40B4-BE49-F238E27FC236}">
                 <a16:creationId xmlns:a16="http://schemas.microsoft.com/office/drawing/2014/main" id="{EA91EF06-4BFE-9B42-9A4B-1146BB3FDFD3}"/>
@@ -8189,7 +8744,7 @@
       </p:pic>
       <p:pic>
         <p:nvPicPr>
-          <p:cNvPr id="15" name="Graphic 14" descr="사용자 개요">
+          <p:cNvPr id="15" name="Graphic 14" descr="User outline">
             <a:extLst>
               <a:ext uri="{FF2B5EF4-FFF2-40B4-BE49-F238E27FC236}">
                 <a16:creationId xmlns:a16="http://schemas.microsoft.com/office/drawing/2014/main" id="{432C176A-FCAC-A645-A2E4-E6AD4A602868}"/>
@@ -8255,10 +8810,10 @@
           <a:lstStyle/>
           <a:p>
             <a:r>
-              <a:rPr lang="de-de" sz="1200" b="1" dirty="0">
+              <a:rPr lang="en-US" sz="1200" b="1">
                 <a:latin typeface="+mj-lt"/>
               </a:rPr>
-              <a:t>비즈니스 서비스</a:t>
+              <a:t>Business Services</a:t>
             </a:r>
           </a:p>
         </p:txBody>
@@ -8299,12 +8854,12 @@
               </a:spcBef>
             </a:pPr>
             <a:r>
-              <a:rPr lang="de-de" sz="1000" dirty="0">
+              <a:rPr lang="en-US" sz="1000">
                 <a:latin typeface="Adobe Clean Light" panose="020B0303020404020204" pitchFamily="34" charset="0"/>
               </a:rPr>
-              <a:t>계정 지원 리드가 비즈니스 지원 서비스의 개요를 다루는 웨비나를 진행합니다.  </a:t>
-            </a:r>
-            <a:endParaRPr lang="en-US" sz="1000" dirty="0">
+              <a:t>An Account Support Lead will host webinars covering an overview of business support services.  </a:t>
+            </a:r>
+            <a:endParaRPr lang="en-US" sz="1000">
               <a:latin typeface="Adobe Clean Light" panose="020B0303020404020204" pitchFamily="34" charset="0"/>
               <a:cs typeface="AdobeClean-Light"/>
             </a:endParaRPr>
@@ -8368,7 +8923,7 @@
       </p:sp>
       <p:pic>
         <p:nvPicPr>
-          <p:cNvPr id="8" name="Graphic 7" descr="콜 센터 개요">
+          <p:cNvPr id="8" name="Graphic 7" descr="Call center outline">
             <a:extLst>
               <a:ext uri="{FF2B5EF4-FFF2-40B4-BE49-F238E27FC236}">
                 <a16:creationId xmlns:a16="http://schemas.microsoft.com/office/drawing/2014/main" id="{76C5F4CC-9EB1-9A40-B7CD-9238D7CBD210}"/>
@@ -8407,7 +8962,7 @@
       </p:pic>
       <p:pic>
         <p:nvPicPr>
-          <p:cNvPr id="12" name="Graphic 11" descr="말풍선 개요">
+          <p:cNvPr id="12" name="Graphic 11" descr="Chat bubble outline">
             <a:extLst>
               <a:ext uri="{FF2B5EF4-FFF2-40B4-BE49-F238E27FC236}">
                 <a16:creationId xmlns:a16="http://schemas.microsoft.com/office/drawing/2014/main" id="{622BBF30-302E-BB48-9742-E046EB16E213}"/>
@@ -8446,7 +9001,7 @@
       </p:pic>
       <p:pic>
         <p:nvPicPr>
-          <p:cNvPr id="16" name="Graphic 15" descr="나침반 개요">
+          <p:cNvPr id="16" name="Graphic 15" descr="Compass outline">
             <a:extLst>
               <a:ext uri="{FF2B5EF4-FFF2-40B4-BE49-F238E27FC236}">
                 <a16:creationId xmlns:a16="http://schemas.microsoft.com/office/drawing/2014/main" id="{8D3635BD-68A2-174E-92F8-1EE608E3F409}"/>
@@ -8485,7 +9040,7 @@
       </p:pic>
       <p:pic>
         <p:nvPicPr>
-          <p:cNvPr id="18" name="Graphic 17" descr="스피커폰 개요">
+          <p:cNvPr id="18" name="Graphic 17" descr="Speaker phone outline">
             <a:extLst>
               <a:ext uri="{FF2B5EF4-FFF2-40B4-BE49-F238E27FC236}">
                 <a16:creationId xmlns:a16="http://schemas.microsoft.com/office/drawing/2014/main" id="{CD7C3546-DF6C-1748-9DE2-3DE0B393FD70}"/>
@@ -8524,7 +9079,7 @@
       </p:pic>
       <p:pic>
         <p:nvPicPr>
-          <p:cNvPr id="20" name="Graphic 19" descr="고객 리뷰 개요">
+          <p:cNvPr id="20" name="Graphic 19" descr="Customer review outline">
             <a:extLst>
               <a:ext uri="{FF2B5EF4-FFF2-40B4-BE49-F238E27FC236}">
                 <a16:creationId xmlns:a16="http://schemas.microsoft.com/office/drawing/2014/main" id="{88BA5AB9-C7BF-714C-B301-F3911BFCE82B}"/>
@@ -8563,7 +9118,7 @@
       </p:pic>
       <p:pic>
         <p:nvPicPr>
-          <p:cNvPr id="24" name="Graphic 23" descr="길잡이 개요">
+          <p:cNvPr id="24" name="Graphic 23" descr="Signpost outline">
             <a:extLst>
               <a:ext uri="{FF2B5EF4-FFF2-40B4-BE49-F238E27FC236}">
                 <a16:creationId xmlns:a16="http://schemas.microsoft.com/office/drawing/2014/main" id="{98A2CDD0-0973-5C41-9864-EAF96E20A224}"/>
@@ -8602,7 +9157,7 @@
       </p:pic>
       <p:pic>
         <p:nvPicPr>
-          <p:cNvPr id="26" name="Graphic 25" descr="인터넷 개요">
+          <p:cNvPr id="26" name="Graphic 25" descr="Internet outline">
             <a:extLst>
               <a:ext uri="{FF2B5EF4-FFF2-40B4-BE49-F238E27FC236}">
                 <a16:creationId xmlns:a16="http://schemas.microsoft.com/office/drawing/2014/main" id="{D97D0963-4E70-534E-A452-83995F1FACDE}"/>
@@ -8641,7 +9196,7 @@
       </p:pic>
       <p:pic>
         <p:nvPicPr>
-          <p:cNvPr id="28" name="Graphic 27" descr="원격 학습 언어 개요">
+          <p:cNvPr id="28" name="Graphic 27" descr="Remote learning language outline">
             <a:extLst>
               <a:ext uri="{FF2B5EF4-FFF2-40B4-BE49-F238E27FC236}">
                 <a16:creationId xmlns:a16="http://schemas.microsoft.com/office/drawing/2014/main" id="{5F425BA3-573C-1A4A-9418-FC3AB02B28C2}"/>
@@ -8776,12 +9331,12 @@
               <a:defRPr/>
             </a:pPr>
             <a:r>
-              <a:rPr lang="de-de" sz="1200" dirty="0">
+              <a:rPr lang="en-US" sz="1200">
                 <a:solidFill>
                   <a:srgbClr val="000000"/>
                 </a:solidFill>
               </a:rPr>
-              <a:t>자가 진단 포털</a:t>
+              <a:t>Self– Help Portal</a:t>
             </a:r>
           </a:p>
         </p:txBody>
@@ -8829,7 +9384,7 @@
               <a:defRPr/>
             </a:pPr>
             <a:r>
-              <a:rPr lang="de-de" sz="1200" dirty="0">
+              <a:rPr lang="en-US" sz="1200">
                 <a:solidFill>
                   <a:srgbClr val="000000"/>
                 </a:solidFill>
@@ -8891,17 +9446,17 @@
               </a:lnSpc>
             </a:pPr>
             <a:r>
-              <a:rPr lang="de-de" sz="500" spc="-5" dirty="0">
+              <a:rPr sz="500" spc="-5">
                 <a:solidFill>
                   <a:srgbClr val="6C6C6C"/>
                 </a:solidFill>
                 <a:latin typeface="Adobe Clean"/>
                 <a:cs typeface="Adobe Clean"/>
               </a:rPr>
-              <a:t>© 2020 Adobe.  All Rights Reserved. </a:t>
-            </a:r>
-            <a:r>
-              <a:rPr lang="de-de" sz="500" dirty="0">
+              <a:t>©2020 Adobe. All Rights Reserved. </a:t>
+            </a:r>
+            <a:r>
+              <a:rPr sz="500">
                 <a:solidFill>
                   <a:srgbClr val="6C6C6C"/>
                 </a:solidFill>
@@ -8911,7 +9466,7 @@
               <a:t>Adobe</a:t>
             </a:r>
             <a:r>
-              <a:rPr lang="de-de" sz="500" spc="5" dirty="0">
+              <a:rPr sz="500" spc="5">
                 <a:solidFill>
                   <a:srgbClr val="6C6C6C"/>
                 </a:solidFill>
@@ -8921,14 +9476,14 @@
               <a:t> </a:t>
             </a:r>
             <a:r>
-              <a:rPr lang="de-de" sz="500" spc="-5" dirty="0">
+              <a:rPr sz="500" spc="-5">
                 <a:solidFill>
                   <a:srgbClr val="6C6C6C"/>
                 </a:solidFill>
                 <a:latin typeface="Adobe Clean"/>
                 <a:cs typeface="Adobe Clean"/>
               </a:rPr>
-              <a:t>기밀.</a:t>
+              <a:t>Confidential.</a:t>
             </a:r>
             <a:endParaRPr sz="500">
               <a:latin typeface="Adobe Clean"/>
@@ -8959,17 +9514,17 @@
               </a:spcBef>
             </a:pPr>
             <a:r>
-              <a:rPr lang="de-de" sz="800" spc="-5" dirty="0">
+              <a:rPr sz="800" spc="-5">
                 <a:solidFill>
                   <a:srgbClr val="6D6D6D"/>
                 </a:solidFill>
                 <a:latin typeface="Adobe Clean"/>
                 <a:cs typeface="Adobe Clean"/>
               </a:rPr>
-              <a:t>© 2020 Adobe.  All Rights Reserved. Adobe</a:t>
-            </a:r>
-            <a:r>
-              <a:rPr lang="de-de" sz="800" spc="75" dirty="0">
+              <a:t>©2020 Adobe. All Rights Reserved. Adobe</a:t>
+            </a:r>
+            <a:r>
+              <a:rPr sz="800" spc="75">
                 <a:solidFill>
                   <a:srgbClr val="6D6D6D"/>
                 </a:solidFill>
@@ -8979,14 +9534,14 @@
               <a:t> </a:t>
             </a:r>
             <a:r>
-              <a:rPr lang="de-de" sz="800" spc="-5" dirty="0">
+              <a:rPr sz="800" spc="-5">
                 <a:solidFill>
                   <a:srgbClr val="6D6D6D"/>
                 </a:solidFill>
                 <a:latin typeface="Adobe Clean"/>
                 <a:cs typeface="Adobe Clean"/>
               </a:rPr>
-              <a:t>기밀.</a:t>
+              <a:t>Confidential.</a:t>
             </a:r>
             <a:endParaRPr sz="800">
               <a:latin typeface="Adobe Clean"/>
@@ -9075,16 +9630,16 @@
               </a:spcBef>
             </a:pPr>
             <a:r>
-              <a:rPr lang="de-de" sz="1400" b="1" spc="-15" dirty="0">
+              <a:rPr lang="en-US" sz="1400" b="1" spc="-15">
                 <a:solidFill>
                   <a:srgbClr val="020302"/>
                 </a:solidFill>
                 <a:latin typeface="Adobe Clean"/>
                 <a:cs typeface="Adobe Clean"/>
               </a:rPr>
-              <a:t>리소스</a:t>
-            </a:r>
-            <a:endParaRPr sz="1400" dirty="0">
+              <a:t>Resources</a:t>
+            </a:r>
+            <a:endParaRPr sz="1400">
               <a:latin typeface="Adobe Clean"/>
               <a:cs typeface="Adobe Clean"/>
             </a:endParaRPr>
@@ -9121,7 +9676,7 @@
               </a:spcBef>
             </a:pPr>
             <a:r>
-              <a:rPr lang="de-de" sz="800" spc="-15" dirty="0">
+              <a:rPr sz="800" spc="-15">
                 <a:solidFill>
                   <a:srgbClr val="777879"/>
                 </a:solidFill>
@@ -9142,7 +9697,7 @@
               </a:lnSpc>
             </a:pPr>
             <a:r>
-              <a:rPr lang="de-de" sz="800" spc="-15" dirty="0">
+              <a:rPr sz="800" spc="-15">
                 <a:solidFill>
                   <a:srgbClr val="777879"/>
                 </a:solidFill>
@@ -9152,7 +9707,7 @@
               <a:t>345 Park</a:t>
             </a:r>
             <a:r>
-              <a:rPr lang="de-de" sz="800" spc="-100" dirty="0">
+              <a:rPr sz="800" spc="-100">
                 <a:solidFill>
                   <a:srgbClr val="777879"/>
                 </a:solidFill>
@@ -9162,7 +9717,7 @@
               <a:t> </a:t>
             </a:r>
             <a:r>
-              <a:rPr lang="de-de" sz="800" spc="-15" dirty="0">
+              <a:rPr sz="800" spc="-15">
                 <a:solidFill>
                   <a:srgbClr val="777879"/>
                 </a:solidFill>
@@ -9183,7 +9738,7 @@
               </a:lnSpc>
             </a:pPr>
             <a:r>
-              <a:rPr lang="de-de" sz="800" spc="-10" dirty="0">
+              <a:rPr sz="800" spc="-10">
                 <a:solidFill>
                   <a:srgbClr val="777879"/>
                 </a:solidFill>
@@ -9193,7 +9748,7 @@
               <a:t>San </a:t>
             </a:r>
             <a:r>
-              <a:rPr lang="de-de" sz="800" spc="-15" dirty="0">
+              <a:rPr sz="800" spc="-15">
                 <a:solidFill>
                   <a:srgbClr val="777879"/>
                 </a:solidFill>
@@ -9203,7 +9758,7 @@
               <a:t>Jose,</a:t>
             </a:r>
             <a:r>
-              <a:rPr lang="de-de" sz="800" spc="-140" dirty="0">
+              <a:rPr sz="800" spc="-140">
                 <a:solidFill>
                   <a:srgbClr val="777879"/>
                 </a:solidFill>
@@ -9213,7 +9768,7 @@
               <a:t> </a:t>
             </a:r>
             <a:r>
-              <a:rPr lang="de-de" sz="800" spc="-20" dirty="0">
+              <a:rPr sz="800" spc="-20">
                 <a:solidFill>
                   <a:srgbClr val="777879"/>
                 </a:solidFill>
@@ -9237,7 +9792,7 @@
               </a:spcBef>
             </a:pPr>
             <a:r>
-              <a:rPr lang="de-de" sz="800" spc="-10" dirty="0">
+              <a:rPr sz="800" spc="-10">
                 <a:solidFill>
                   <a:srgbClr val="777879"/>
                 </a:solidFill>
@@ -9261,7 +9816,7 @@
               </a:spcBef>
             </a:pPr>
             <a:r>
-              <a:rPr lang="de-de" sz="800" u="sng" spc="-25" dirty="0">
+              <a:rPr sz="800" u="sng" spc="-25">
                 <a:solidFill>
                   <a:srgbClr val="5F5F5F"/>
                 </a:solidFill>
@@ -9274,7 +9829,7 @@
                 <a:cs typeface="Adobe Clean"/>
                 <a:hlinkClick r:id="rId3"/>
               </a:rPr>
-              <a:t>www.adobe.com/kr/</a:t>
+              <a:t>www.adobe.com</a:t>
             </a:r>
             <a:endParaRPr sz="800">
               <a:latin typeface="Adobe Clean"/>
@@ -9440,7 +9995,7 @@
           </a:prstGeom>
         </p:spPr>
         <p:txBody>
-          <a:bodyPr vert="horz" wrap="square" lIns="0" tIns="29845" rIns="0" bIns="0" rtlCol="0">
+          <a:bodyPr vert="horz" wrap="square" lIns="0" tIns="29845" rIns="0" bIns="0" rtlCol="0" anchor="t">
             <a:spAutoFit/>
           </a:bodyPr>
           <a:lstStyle/>
@@ -9454,17 +10009,17 @@
               </a:spcBef>
             </a:pPr>
             <a:r>
-              <a:rPr lang="de-de" sz="1100" i="1" spc="-10" dirty="0">
+              <a:rPr sz="1100" i="1" spc="-10">
                 <a:solidFill>
                   <a:srgbClr val="777879"/>
                 </a:solidFill>
                 <a:latin typeface="AdobeClean-LightIt"/>
                 <a:cs typeface="AdobeClean-LightIt"/>
               </a:rPr>
-              <a:t>Adobe</a:t>
-            </a:r>
-            <a:r>
-              <a:rPr lang="de-de" sz="1100" i="1" spc="-50" dirty="0">
+              <a:t>To</a:t>
+            </a:r>
+            <a:r>
+              <a:rPr sz="1100" i="1" spc="-50">
                 <a:solidFill>
                   <a:srgbClr val="777879"/>
                 </a:solidFill>
@@ -9474,17 +10029,17 @@
               <a:t> </a:t>
             </a:r>
             <a:r>
-              <a:rPr lang="de-de" sz="1100" i="1" spc="-15" dirty="0">
+              <a:rPr sz="1100" i="1" spc="-15">
                 <a:solidFill>
                   <a:srgbClr val="777879"/>
                 </a:solidFill>
                 <a:latin typeface="AdobeClean-LightIt"/>
                 <a:cs typeface="AdobeClean-LightIt"/>
               </a:rPr>
-              <a:t>지원</a:t>
-            </a:r>
-            <a:r>
-              <a:rPr lang="de-de" sz="1100" i="1" spc="-40" dirty="0">
+              <a:t>learn</a:t>
+            </a:r>
+            <a:r>
+              <a:rPr sz="1100" i="1" spc="-40">
                 <a:solidFill>
                   <a:srgbClr val="777879"/>
                 </a:solidFill>
@@ -9494,17 +10049,17 @@
               <a:t> </a:t>
             </a:r>
             <a:r>
-              <a:rPr lang="de-de" sz="1100" i="1" spc="-15" dirty="0">
+              <a:rPr sz="1100" i="1" spc="-15">
                 <a:solidFill>
                   <a:srgbClr val="777879"/>
                 </a:solidFill>
                 <a:latin typeface="AdobeClean-LightIt"/>
                 <a:cs typeface="AdobeClean-LightIt"/>
               </a:rPr>
-              <a:t>서비스</a:t>
-            </a:r>
-            <a:r>
-              <a:rPr lang="de-de" sz="1100" i="1" spc="-45" dirty="0">
+              <a:t>more</a:t>
+            </a:r>
+            <a:r>
+              <a:rPr sz="1100" i="1" spc="-45">
                 <a:solidFill>
                   <a:srgbClr val="777879"/>
                 </a:solidFill>
@@ -9514,17 +10069,17 @@
               <a:t> </a:t>
             </a:r>
             <a:r>
-              <a:rPr lang="de-de" sz="1100" i="1" spc="-15" dirty="0">
+              <a:rPr sz="1100" i="1" spc="-15">
                 <a:solidFill>
                   <a:srgbClr val="777879"/>
                 </a:solidFill>
                 <a:latin typeface="AdobeClean-LightIt"/>
                 <a:cs typeface="AdobeClean-LightIt"/>
               </a:rPr>
-              <a:t>제공</a:t>
-            </a:r>
-            <a:r>
-              <a:rPr lang="de-de" sz="1100" i="1" spc="-45" dirty="0">
+              <a:t>about</a:t>
+            </a:r>
+            <a:r>
+              <a:rPr sz="1100" i="1" spc="-45">
                 <a:solidFill>
                   <a:srgbClr val="777879"/>
                 </a:solidFill>
@@ -9534,17 +10089,17 @@
               <a:t> </a:t>
             </a:r>
             <a:r>
-              <a:rPr lang="de-de" sz="1100" i="1" spc="-15" dirty="0">
+              <a:rPr sz="1100" i="1" spc="-15">
                 <a:solidFill>
                   <a:srgbClr val="777879"/>
                 </a:solidFill>
                 <a:latin typeface="AdobeClean-LightIt"/>
                 <a:cs typeface="AdobeClean-LightIt"/>
               </a:rPr>
-              <a:t>사항</a:t>
-            </a:r>
-            <a:r>
-              <a:rPr lang="de-de" sz="1100" i="1" spc="-50" dirty="0">
+              <a:t>Adobe</a:t>
+            </a:r>
+            <a:r>
+              <a:rPr sz="1100" i="1" spc="-50">
                 <a:solidFill>
                   <a:srgbClr val="777879"/>
                 </a:solidFill>
@@ -9554,27 +10109,27 @@
               <a:t> </a:t>
             </a:r>
             <a:r>
-              <a:rPr lang="de-de" sz="1100" i="1" spc="-15" dirty="0">
+              <a:rPr sz="1100" i="1" spc="-15">
                 <a:solidFill>
                   <a:srgbClr val="777879"/>
                 </a:solidFill>
                 <a:latin typeface="AdobeClean-LightIt"/>
                 <a:cs typeface="AdobeClean-LightIt"/>
               </a:rPr>
-              <a:t>및 </a:t>
-            </a:r>
-            <a:r>
-              <a:rPr lang="de-de" sz="1100" i="1" spc="-75" dirty="0">
+              <a:t>Support</a:t>
+            </a:r>
+            <a:r>
+              <a:rPr lang="en-US" sz="1100" i="1" spc="-15">
                 <a:solidFill>
                   <a:srgbClr val="777879"/>
                 </a:solidFill>
                 <a:latin typeface="AdobeClean-LightIt"/>
                 <a:cs typeface="AdobeClean-LightIt"/>
               </a:rPr>
-              <a:t>적합한</a:t>
-            </a:r>
-            <a:r>
-              <a:rPr lang="de-de" sz="1100" i="1" spc="-15" dirty="0">
+              <a:t> Offerings</a:t>
+            </a:r>
+            <a:r>
+              <a:rPr sz="1100" i="1" spc="-75">
                 <a:solidFill>
                   <a:srgbClr val="777879"/>
                 </a:solidFill>
@@ -9584,17 +10139,17 @@
               <a:t> </a:t>
             </a:r>
             <a:r>
-              <a:rPr lang="de-de" sz="1100" i="1" spc="-50" dirty="0">
+              <a:rPr sz="1100" i="1" spc="-15">
                 <a:solidFill>
                   <a:srgbClr val="777879"/>
                 </a:solidFill>
                 <a:latin typeface="AdobeClean-LightIt"/>
                 <a:cs typeface="AdobeClean-LightIt"/>
               </a:rPr>
-              <a:t>지원</a:t>
-            </a:r>
-            <a:r>
-              <a:rPr lang="de-de" sz="1100" i="1" spc="-15" dirty="0">
+              <a:t>and</a:t>
+            </a:r>
+            <a:r>
+              <a:rPr sz="1100" i="1" spc="-50">
                 <a:solidFill>
                   <a:srgbClr val="777879"/>
                 </a:solidFill>
@@ -9604,17 +10159,17 @@
               <a:t> </a:t>
             </a:r>
             <a:r>
-              <a:rPr lang="de-de" sz="1100" i="1" spc="-55" dirty="0">
+              <a:rPr sz="1100" i="1" spc="-15">
                 <a:solidFill>
                   <a:srgbClr val="777879"/>
                 </a:solidFill>
                 <a:latin typeface="AdobeClean-LightIt"/>
                 <a:cs typeface="AdobeClean-LightIt"/>
               </a:rPr>
-              <a:t>수준에</a:t>
-            </a:r>
-            <a:r>
-              <a:rPr lang="de-de" sz="1100" i="1" spc="-15" dirty="0">
+              <a:t>the</a:t>
+            </a:r>
+            <a:r>
+              <a:rPr sz="1100" i="1" spc="-55">
                 <a:solidFill>
                   <a:srgbClr val="777879"/>
                 </a:solidFill>
@@ -9624,17 +10179,17 @@
               <a:t> </a:t>
             </a:r>
             <a:r>
-              <a:rPr lang="de-de" sz="1100" i="1" spc="-95" dirty="0">
+              <a:rPr sz="1100" i="1" spc="-15">
                 <a:solidFill>
                   <a:srgbClr val="777879"/>
                 </a:solidFill>
                 <a:latin typeface="AdobeClean-LightIt"/>
                 <a:cs typeface="AdobeClean-LightIt"/>
               </a:rPr>
-              <a:t>대해</a:t>
-            </a:r>
-            <a:r>
-              <a:rPr lang="de-de" sz="1100" i="1" spc="-15" dirty="0">
+              <a:t>right</a:t>
+            </a:r>
+            <a:r>
+              <a:rPr sz="1100" i="1" spc="-95">
                 <a:solidFill>
                   <a:srgbClr val="777879"/>
                 </a:solidFill>
@@ -9644,17 +10199,17 @@
               <a:t> </a:t>
             </a:r>
             <a:r>
-              <a:rPr lang="de-de" sz="1100" i="1" spc="-55" dirty="0">
+              <a:rPr sz="1100" i="1" spc="-15">
                 <a:solidFill>
                   <a:srgbClr val="777879"/>
                 </a:solidFill>
                 <a:latin typeface="AdobeClean-LightIt"/>
                 <a:cs typeface="AdobeClean-LightIt"/>
               </a:rPr>
-              <a:t>자세히</a:t>
-            </a:r>
-            <a:r>
-              <a:rPr lang="de-de" sz="1100" i="1" spc="-15" dirty="0">
+              <a:t>level</a:t>
+            </a:r>
+            <a:r>
+              <a:rPr sz="1100" i="1" spc="-55">
                 <a:solidFill>
                   <a:srgbClr val="777879"/>
                 </a:solidFill>
@@ -9664,17 +10219,17 @@
               <a:t> </a:t>
             </a:r>
             <a:r>
-              <a:rPr lang="de-de" sz="1100" i="1" spc="-85" dirty="0">
+              <a:rPr sz="1100" i="1" spc="-15">
                 <a:solidFill>
                   <a:srgbClr val="777879"/>
                 </a:solidFill>
                 <a:latin typeface="AdobeClean-LightIt"/>
                 <a:cs typeface="AdobeClean-LightIt"/>
               </a:rPr>
-              <a:t>알아보려면</a:t>
-            </a:r>
-            <a:r>
-              <a:rPr lang="de-de" sz="1100" i="1" spc="-15" dirty="0">
+              <a:t>for</a:t>
+            </a:r>
+            <a:r>
+              <a:rPr sz="1100" i="1" spc="-85">
                 <a:solidFill>
                   <a:srgbClr val="777879"/>
                 </a:solidFill>
@@ -9684,17 +10239,17 @@
               <a:t> </a:t>
             </a:r>
             <a:r>
-              <a:rPr lang="de-de" sz="1100" i="1" spc="-65" dirty="0">
+              <a:rPr sz="1100" i="1" spc="-15">
                 <a:solidFill>
                   <a:srgbClr val="777879"/>
                 </a:solidFill>
                 <a:latin typeface="AdobeClean-LightIt"/>
                 <a:cs typeface="AdobeClean-LightIt"/>
               </a:rPr>
-              <a:t>지정</a:t>
-            </a:r>
-            <a:r>
-              <a:rPr lang="de-de" sz="1100" i="1" spc="-15" dirty="0">
+              <a:t>you,</a:t>
+            </a:r>
+            <a:r>
+              <a:rPr sz="1100" i="1" spc="-65">
                 <a:solidFill>
                   <a:srgbClr val="777879"/>
                 </a:solidFill>
@@ -9704,17 +10259,17 @@
               <a:t> </a:t>
             </a:r>
             <a:r>
-              <a:rPr lang="de-de" sz="1100" i="1" spc="-85" dirty="0">
+              <a:rPr sz="1100" i="1" spc="-15">
                 <a:solidFill>
                   <a:srgbClr val="777879"/>
                 </a:solidFill>
                 <a:latin typeface="AdobeClean-LightIt"/>
                 <a:cs typeface="AdobeClean-LightIt"/>
               </a:rPr>
-              <a:t>계정</a:t>
-            </a:r>
-            <a:r>
-              <a:rPr lang="de-de" sz="1100" i="1" spc="-15" dirty="0">
+              <a:t>contact</a:t>
+            </a:r>
+            <a:r>
+              <a:rPr sz="1100" i="1" spc="-85">
                 <a:solidFill>
                   <a:srgbClr val="777879"/>
                 </a:solidFill>
@@ -9724,17 +10279,17 @@
               <a:t> </a:t>
             </a:r>
             <a:r>
-              <a:rPr lang="de-de" sz="1100" i="1" spc="-70" dirty="0">
+              <a:rPr sz="1100" i="1" spc="-15">
                 <a:solidFill>
                   <a:srgbClr val="777879"/>
                 </a:solidFill>
                 <a:latin typeface="AdobeClean-LightIt"/>
                 <a:cs typeface="AdobeClean-LightIt"/>
               </a:rPr>
-              <a:t>관리자(NAM)</a:t>
-            </a:r>
-            <a:r>
-              <a:rPr lang="de-de" sz="1100" i="1" spc="-15" dirty="0">
+              <a:t>your</a:t>
+            </a:r>
+            <a:r>
+              <a:rPr sz="1100" i="1" spc="-70">
                 <a:solidFill>
                   <a:srgbClr val="777879"/>
                 </a:solidFill>
@@ -9744,17 +10299,17 @@
               <a:t> </a:t>
             </a:r>
             <a:r>
-              <a:rPr lang="de-de" sz="1100" i="1" spc="-55" dirty="0">
+              <a:rPr sz="1100" i="1" spc="-15">
                 <a:solidFill>
                   <a:srgbClr val="777879"/>
                 </a:solidFill>
                 <a:latin typeface="AdobeClean-LightIt"/>
                 <a:cs typeface="AdobeClean-LightIt"/>
               </a:rPr>
-              <a:t>또는</a:t>
-            </a:r>
-            <a:r>
-              <a:rPr lang="de-de" sz="1100" i="1" spc="-25" dirty="0">
+              <a:t>Named</a:t>
+            </a:r>
+            <a:r>
+              <a:rPr sz="1100" i="1" spc="-55">
                 <a:solidFill>
                   <a:srgbClr val="777879"/>
                 </a:solidFill>
@@ -9764,17 +10319,17 @@
               <a:t> </a:t>
             </a:r>
             <a:r>
-              <a:rPr lang="de-de" sz="1100" i="1" spc="-120" dirty="0">
+              <a:rPr sz="1100" i="1" spc="-25">
                 <a:solidFill>
                   <a:srgbClr val="777879"/>
                 </a:solidFill>
                 <a:latin typeface="AdobeClean-LightIt"/>
                 <a:cs typeface="AdobeClean-LightIt"/>
               </a:rPr>
-              <a:t>고객</a:t>
-            </a:r>
-            <a:r>
-              <a:rPr lang="de-de" sz="1100" i="1" spc="-20" dirty="0">
+              <a:t>Account</a:t>
+            </a:r>
+            <a:r>
+              <a:rPr sz="1100" i="1" spc="-120">
                 <a:solidFill>
                   <a:srgbClr val="777879"/>
                 </a:solidFill>
@@ -9784,56 +10339,106 @@
               <a:t> </a:t>
             </a:r>
             <a:r>
-              <a:rPr lang="de-de" sz="1100" i="1" spc="-15" dirty="0">
+              <a:rPr sz="1100" i="1" spc="-20">
                 <a:solidFill>
                   <a:srgbClr val="777879"/>
                 </a:solidFill>
                 <a:latin typeface="AdobeClean-LightIt"/>
                 <a:cs typeface="AdobeClean-LightIt"/>
               </a:rPr>
-              <a:t>성공</a:t>
-            </a:r>
-            <a:r>
-              <a:rPr lang="de-de" sz="1100" i="1" spc="-10" dirty="0">
+              <a:t>Manager</a:t>
+            </a:r>
+            <a:r>
+              <a:rPr lang="en-US" sz="1100" i="1" spc="-20">
                 <a:solidFill>
                   <a:srgbClr val="777879"/>
                 </a:solidFill>
                 <a:latin typeface="AdobeClean-LightIt"/>
                 <a:cs typeface="AdobeClean-LightIt"/>
               </a:rPr>
-              <a:t> </a:t>
-            </a:r>
-            <a:r>
-              <a:rPr lang="de-de" sz="1100" i="1" spc="-15" dirty="0">
+              <a:t> </a:t>
+            </a:r>
+            <a:r>
+              <a:rPr sz="1100" i="1" spc="-20">
                 <a:solidFill>
                   <a:srgbClr val="777879"/>
                 </a:solidFill>
                 <a:latin typeface="AdobeClean-LightIt"/>
                 <a:cs typeface="AdobeClean-LightIt"/>
               </a:rPr>
-              <a:t>관리자(CSM)에게</a:t>
-            </a:r>
-            <a:r>
-              <a:rPr lang="de-de" sz="1100" i="1" spc="-20" dirty="0">
+              <a:t> </a:t>
+            </a:r>
+            <a:r>
+              <a:rPr sz="1100" i="1" spc="-15">
                 <a:solidFill>
                   <a:srgbClr val="777879"/>
                 </a:solidFill>
                 <a:latin typeface="AdobeClean-LightIt"/>
                 <a:cs typeface="AdobeClean-LightIt"/>
               </a:rPr>
-              <a:t> </a:t>
-            </a:r>
-            <a:r>
-              <a:rPr lang="de-de" sz="1100" i="1" spc="-180" dirty="0">
+              <a:t>(NAM) </a:t>
+            </a:r>
+            <a:r>
+              <a:rPr sz="1100" i="1" spc="-10">
                 <a:solidFill>
                   <a:srgbClr val="777879"/>
                 </a:solidFill>
                 <a:latin typeface="AdobeClean-LightIt"/>
                 <a:cs typeface="AdobeClean-LightIt"/>
               </a:rPr>
-              <a:t>문의하십시오.</a:t>
-            </a:r>
-            <a:endParaRPr sz="1100" dirty="0">
+              <a:t>or </a:t>
+            </a:r>
+            <a:r>
+              <a:rPr sz="1100" i="1" spc="-15">
+                <a:solidFill>
+                  <a:srgbClr val="777879"/>
+                </a:solidFill>
+                <a:latin typeface="AdobeClean-LightIt"/>
+                <a:cs typeface="AdobeClean-LightIt"/>
+              </a:rPr>
+              <a:t>Customer</a:t>
+            </a:r>
+            <a:r>
+              <a:rPr lang="en-US" sz="1100" i="1" spc="-15">
+                <a:solidFill>
+                  <a:srgbClr val="777879"/>
+                </a:solidFill>
+                <a:latin typeface="AdobeClean-LightIt"/>
+                <a:cs typeface="AdobeClean-LightIt"/>
+              </a:rPr>
+              <a:t> </a:t>
+            </a:r>
+            <a:r>
+              <a:rPr lang="en-US" sz="1100" i="1" spc="-20">
+                <a:solidFill>
+                  <a:srgbClr val="777879"/>
+                </a:solidFill>
+                <a:latin typeface="AdobeClean-LightIt"/>
+                <a:cs typeface="AdobeClean-LightIt"/>
+              </a:rPr>
+              <a:t>Success </a:t>
+            </a:r>
+            <a:r>
+              <a:rPr lang="en-US" sz="1100" i="1" spc="-15">
+                <a:solidFill>
+                  <a:srgbClr val="777879"/>
+                </a:solidFill>
+                <a:latin typeface="AdobeClean-LightIt"/>
+                <a:cs typeface="AdobeClean-LightIt"/>
+              </a:rPr>
+              <a:t>Manager </a:t>
+            </a:r>
+            <a:r>
+              <a:rPr sz="1100" i="1" spc="-15">
+                <a:solidFill>
+                  <a:srgbClr val="777879"/>
+                </a:solidFill>
+                <a:latin typeface="AdobeClean-LightIt"/>
+                <a:cs typeface="AdobeClean-LightIt"/>
+              </a:rPr>
+              <a:t>(CSM)</a:t>
+            </a:r>
+            <a:endParaRPr sz="1100">
               <a:latin typeface="AdobeClean-LightIt"/>
               <a:cs typeface="AdobeClean-LightIt"/>
             </a:endParaRPr>
@@ -9848,36 +10453,56 @@
               </a:spcBef>
             </a:pPr>
             <a:r>
-              <a:rPr lang="de-de" sz="800" spc="-5" dirty="0">
+              <a:rPr sz="800" spc="-5">
                 <a:solidFill>
                   <a:srgbClr val="6D6D6D"/>
                 </a:solidFill>
                 <a:latin typeface="Adobe Clean"/>
                 <a:cs typeface="Adobe Clean"/>
               </a:rPr>
-              <a:t>©2021 Adobe. All Rights Reserved. Adobe</a:t>
-            </a:r>
-            <a:r>
-              <a:rPr lang="de-de" sz="800" spc="75" dirty="0">
+              <a:t>©202</a:t>
+            </a:r>
+            <a:r>
+              <a:rPr lang="en-US" sz="800" spc="-5">
                 <a:solidFill>
                   <a:srgbClr val="6D6D6D"/>
                 </a:solidFill>
                 <a:latin typeface="Adobe Clean"/>
                 <a:cs typeface="Adobe Clean"/>
               </a:rPr>
-              <a:t> </a:t>
-            </a:r>
-            <a:r>
-              <a:rPr lang="de-de" sz="800" spc="-5" dirty="0">
+              <a:t>1</a:t>
+            </a:r>
+            <a:r>
+              <a:rPr sz="800" spc="-5">
                 <a:solidFill>
                   <a:srgbClr val="6D6D6D"/>
                 </a:solidFill>
                 <a:latin typeface="Adobe Clean"/>
                 <a:cs typeface="Adobe Clean"/>
               </a:rPr>
-              <a:t>기밀.</a:t>
-            </a:r>
-            <a:endParaRPr sz="800" dirty="0">
+              <a:t> Adobe. All Rights Reserved. Adobe</a:t>
+            </a:r>
+            <a:r>
+              <a:rPr sz="800" spc="75">
+                <a:solidFill>
+                  <a:srgbClr val="6D6D6D"/>
+                </a:solidFill>
+                <a:latin typeface="Adobe Clean"/>
+                <a:cs typeface="Adobe Clean"/>
+              </a:rPr>
+              <a:t> </a:t>
+            </a:r>
+            <a:r>
+              <a:rPr sz="800" spc="-5">
+                <a:solidFill>
+                  <a:srgbClr val="6D6D6D"/>
+                </a:solidFill>
+                <a:latin typeface="Adobe Clean"/>
+                <a:cs typeface="Adobe Clean"/>
+              </a:rPr>
+              <a:t>Confidential.</a:t>
+            </a:r>
+            <a:endParaRPr sz="800">
               <a:latin typeface="Adobe Clean"/>
               <a:cs typeface="Adobe Clean"/>
             </a:endParaRPr>
@@ -9898,7 +10523,7 @@
         </p:nvSpPr>
         <p:spPr>
           <a:xfrm>
-            <a:off x="171129" y="5057379"/>
+            <a:off x="197233" y="5031270"/>
             <a:ext cx="6476646" cy="755976"/>
           </a:xfrm>
           <a:prstGeom prst="rect">
@@ -9906,157 +10531,47 @@
           </a:prstGeom>
         </p:spPr>
         <p:txBody>
-          <a:bodyPr vert="horz" wrap="square" lIns="0" tIns="116205" rIns="0" bIns="0" rtlCol="0">
+          <a:bodyPr vert="horz" wrap="square" lIns="0" tIns="116205" rIns="0" bIns="0" rtlCol="0" anchor="t">
             <a:spAutoFit/>
           </a:bodyPr>
           <a:lstStyle/>
           <a:p>
-            <a:pPr lvl="0">
+            <a:pPr>
               <a:spcBef>
                 <a:spcPts val="915"/>
               </a:spcBef>
             </a:pPr>
             <a:r>
-              <a:rPr lang="en-US" altLang="ko-KR" sz="1400" b="1" spc="-15" dirty="0">
+              <a:rPr lang="en-US" sz="1400" b="1" spc="-15">
                 <a:solidFill>
                   <a:srgbClr val="020302"/>
                 </a:solidFill>
                 <a:latin typeface="Adobe Clean"/>
                 <a:cs typeface="Adobe Clean"/>
               </a:rPr>
-              <a:t>Adobe </a:t>
-            </a:r>
-            <a:r>
-              <a:rPr lang="ko-KR" altLang="en-US" sz="1400" b="1" spc="-15" dirty="0">
-                <a:solidFill>
-                  <a:srgbClr val="020302"/>
-                </a:solidFill>
-                <a:latin typeface="Adobe Clean"/>
-                <a:cs typeface="Adobe Clean"/>
-              </a:rPr>
-              <a:t>지원의 지역적 범위</a:t>
-            </a:r>
-            <a:r>
-              <a:rPr lang="en-US" altLang="ko-KR" sz="1400" b="1" spc="-15" dirty="0">
-                <a:solidFill>
-                  <a:srgbClr val="020302"/>
-                </a:solidFill>
-                <a:latin typeface="Adobe Clean"/>
-                <a:cs typeface="Adobe Clean"/>
-              </a:rPr>
-              <a:t>, </a:t>
-            </a:r>
-            <a:r>
-              <a:rPr lang="ko-KR" altLang="en-US" sz="1400" b="1" spc="-15" dirty="0">
-                <a:solidFill>
-                  <a:srgbClr val="020302"/>
-                </a:solidFill>
-                <a:latin typeface="Adobe Clean"/>
-                <a:cs typeface="Adobe Clean"/>
-              </a:rPr>
-              <a:t>로컬 운영 시간 및 언어 지원</a:t>
-            </a:r>
-            <a:endParaRPr lang="pl-PL" altLang="ko-KR" sz="1400" b="1" spc="-15" dirty="0">
-              <a:solidFill>
-                <a:srgbClr val="020302"/>
-              </a:solidFill>
-              <a:latin typeface="Adobe Clean"/>
-              <a:cs typeface="Adobe Clean"/>
+              <a:t>Regional scope of Adobe Support, Local Hours Of Operation And Language Support</a:t>
+            </a:r>
+            <a:endParaRPr lang="en-US" sz="1400" spc="-15">
+              <a:ea typeface="+mn-lt"/>
+              <a:cs typeface="+mn-lt"/>
             </a:endParaRPr>
           </a:p>
           <a:p>
-            <a:pPr lvl="0">
+            <a:pPr>
               <a:spcBef>
                 <a:spcPts val="915"/>
               </a:spcBef>
             </a:pPr>
             <a:r>
-              <a:rPr lang="en-US" altLang="ko-KR" sz="1000" spc="-15" dirty="0">
+              <a:rPr lang="en-US" sz="1000" spc="-15">
                 <a:solidFill>
                   <a:srgbClr val="1F1F1F"/>
                 </a:solidFill>
                 <a:latin typeface="AdobeClean-Light"/>
               </a:rPr>
-              <a:t>Adobe </a:t>
-            </a:r>
-            <a:r>
-              <a:rPr lang="ko-KR" altLang="en-US" sz="1000" spc="-15" dirty="0">
-                <a:solidFill>
-                  <a:srgbClr val="1F1F1F"/>
-                </a:solidFill>
-                <a:latin typeface="AdobeClean-Light"/>
-              </a:rPr>
-              <a:t>지원의 지역적 범위는 </a:t>
-            </a:r>
-            <a:r>
-              <a:rPr lang="en-US" altLang="ko-KR" sz="1000" spc="-15" dirty="0">
-                <a:solidFill>
-                  <a:srgbClr val="1F1F1F"/>
-                </a:solidFill>
-                <a:latin typeface="AdobeClean-Light"/>
-              </a:rPr>
-              <a:t>(</a:t>
-            </a:r>
-            <a:r>
-              <a:rPr lang="ko-KR" altLang="en-US" sz="1000" spc="-15" dirty="0">
-                <a:solidFill>
-                  <a:srgbClr val="1F1F1F"/>
-                </a:solidFill>
-                <a:latin typeface="AdobeClean-Light"/>
-              </a:rPr>
-              <a:t>판매 주문서 또는 기타 </a:t>
-            </a:r>
-            <a:r>
-              <a:rPr lang="en-US" altLang="ko-KR" sz="1000" spc="-15" dirty="0">
-                <a:solidFill>
-                  <a:srgbClr val="1F1F1F"/>
-                </a:solidFill>
-                <a:latin typeface="AdobeClean-Light"/>
-              </a:rPr>
-              <a:t>Adobe </a:t>
-            </a:r>
-            <a:r>
-              <a:rPr lang="ko-KR" altLang="en-US" sz="1000" spc="-15" dirty="0">
-                <a:solidFill>
-                  <a:srgbClr val="1F1F1F"/>
-                </a:solidFill>
-                <a:latin typeface="AdobeClean-Light"/>
-              </a:rPr>
-              <a:t>지원 구매 문서를 통해</a:t>
-            </a:r>
-            <a:r>
-              <a:rPr lang="en-US" altLang="ko-KR" sz="1000" spc="-15" dirty="0">
-                <a:solidFill>
-                  <a:srgbClr val="1F1F1F"/>
-                </a:solidFill>
-                <a:latin typeface="AdobeClean-Light"/>
-              </a:rPr>
-              <a:t>) </a:t>
-            </a:r>
-            <a:r>
-              <a:rPr lang="ko-KR" altLang="en-US" sz="1000" spc="-15" dirty="0">
-                <a:solidFill>
-                  <a:srgbClr val="1F1F1F"/>
-                </a:solidFill>
-                <a:latin typeface="AdobeClean-Light"/>
-              </a:rPr>
-              <a:t>고객의 청구 주소를 다음 지역 중 하나에 맞춤으로써 설정됩니다</a:t>
-            </a:r>
-            <a:r>
-              <a:rPr lang="en-US" altLang="ko-KR" sz="1000" spc="-15" dirty="0">
-                <a:solidFill>
-                  <a:srgbClr val="1F1F1F"/>
-                </a:solidFill>
-                <a:latin typeface="AdobeClean-Light"/>
-              </a:rPr>
-              <a:t>.</a:t>
-            </a:r>
-            <a:endParaRPr lang="de-de" sz="1000" spc="-15" dirty="0">
-              <a:solidFill>
-                <a:srgbClr val="1F1F1F"/>
-              </a:solidFill>
-              <a:latin typeface="AdobeClean-Light"/>
-            </a:endParaRPr>
+              <a:t>The Regional scope of Adobe Support is established by aligning the customer's billing address (via the Sales Order or other Adobe Support purchasing document) to one of the following regions:</a:t>
+            </a:r>
+            <a:endParaRPr lang="en-US"/>
           </a:p>
         </p:txBody>
       </p:sp>
@@ -10075,14 +10590,14 @@
           <p:nvPr>
             <p:extLst>
               <p:ext uri="{D42A27DB-BD31-4B8C-83A1-F6EECF244321}">
-                <p14:modId xmlns:p14="http://schemas.microsoft.com/office/powerpoint/2010/main" val="1952712647"/>
+                <p14:modId xmlns:p14="http://schemas.microsoft.com/office/powerpoint/2010/main" val="914484175"/>
               </p:ext>
             </p:extLst>
           </p:nvPr>
         </p:nvGraphicFramePr>
         <p:xfrm>
           <a:off x="171128" y="5907213"/>
-          <a:ext cx="7391400" cy="1559560"/>
+          <a:ext cx="7391400" cy="1503680"/>
         </p:xfrm>
         <a:graphic>
           <a:graphicData uri="http://schemas.openxmlformats.org/drawingml/2006/table">
@@ -10128,13 +10643,13 @@
                     <a:p>
                       <a:pPr algn="ctr"/>
                       <a:r>
-                        <a:rPr lang="de-de" sz="1100" dirty="0">
+                        <a:rPr lang="en-US" sz="1100">
                           <a:solidFill>
                             <a:schemeClr val="tx1"/>
                           </a:solidFill>
-                          <a:latin typeface="Adobe Clean" panose="020B0503020404020204" pitchFamily="34" charset="0"/>
+                          <a:latin typeface="Adobe Clean"/>
                         </a:rPr>
-                        <a:t>미주</a:t>
+                        <a:t>Americas</a:t>
                       </a:r>
                     </a:p>
                   </a:txBody>
@@ -10193,13 +10708,13 @@
                     <a:p>
                       <a:pPr algn="ctr"/>
                       <a:r>
-                        <a:rPr lang="de-de" sz="1100" dirty="0">
+                        <a:rPr lang="en-US" sz="1100">
                           <a:solidFill>
                             <a:schemeClr val="tx1"/>
                           </a:solidFill>
-                          <a:latin typeface="Adobe Clean" panose="020B0503020404020204" pitchFamily="34" charset="0"/>
+                          <a:latin typeface="Adobe Clean"/>
                         </a:rPr>
-                        <a:t>유럽, 중동 및 아프리카</a:t>
+                        <a:t>Europe, Middle East &amp; Africa</a:t>
                       </a:r>
                     </a:p>
                   </a:txBody>
@@ -10258,13 +10773,13 @@
                     <a:p>
                       <a:pPr algn="ctr"/>
                       <a:r>
-                        <a:rPr lang="de-de" sz="1100" dirty="0">
+                        <a:rPr lang="en-US" sz="1100">
                           <a:solidFill>
                             <a:schemeClr val="tx1"/>
                           </a:solidFill>
-                          <a:latin typeface="Adobe Clean" panose="020B0503020404020204" pitchFamily="34" charset="0"/>
+                          <a:latin typeface="Adobe Clean"/>
                         </a:rPr>
-                        <a:t>아시아 태평양</a:t>
+                        <a:t>Asia Pacific</a:t>
                       </a:r>
                     </a:p>
                   </a:txBody>
@@ -10323,24 +10838,24 @@
                     <a:p>
                       <a:pPr algn="ctr"/>
                       <a:r>
-                        <a:rPr lang="de-de" sz="1100" dirty="0">
+                        <a:rPr lang="en-US" sz="1100">
                           <a:solidFill>
                             <a:schemeClr val="tx1"/>
                           </a:solidFill>
-                          <a:latin typeface="Adobe Clean" panose="020B0503020404020204" pitchFamily="34" charset="0"/>
+                          <a:latin typeface="Adobe Clean"/>
                         </a:rPr>
-                        <a:t>일본 </a:t>
+                        <a:t>Japan </a:t>
                       </a:r>
                       <a:r>
-                        <a:rPr lang="de-de" sz="1100" baseline="30000" dirty="0">
+                        <a:rPr lang="en-US" sz="1100" baseline="30000">
                           <a:solidFill>
                             <a:schemeClr val="tx1"/>
                           </a:solidFill>
-                          <a:latin typeface="Adobe Clean" panose="020B0503020404020204" pitchFamily="34" charset="0"/>
+                          <a:latin typeface="Adobe Clean"/>
                         </a:rPr>
-                        <a:t>1 </a:t>
+                        <a:t>1 </a:t>
                       </a:r>
-                      <a:endParaRPr lang="en-US" sz="1100" dirty="0">
+                      <a:endParaRPr lang="en-US" sz="1100">
                         <a:solidFill>
                           <a:schemeClr val="tx1"/>
                         </a:solidFill>
@@ -10410,13 +10925,13 @@
                     <a:p>
                       <a:pPr algn="ctr"/>
                       <a:r>
-                        <a:rPr lang="de-de" sz="1100" dirty="0">
+                        <a:rPr lang="en-US" sz="1100">
                           <a:solidFill>
                             <a:schemeClr val="tx1"/>
                           </a:solidFill>
-                          <a:latin typeface="Adobe Clean" panose="020B0503020404020204" pitchFamily="34" charset="0"/>
+                          <a:latin typeface="Adobe Clean"/>
                         </a:rPr>
-                        <a:t>오전 6시~오후 5시 30분</a:t>
+                        <a:t>6 am – 5:30 pm</a:t>
                       </a:r>
                     </a:p>
                   </a:txBody>
@@ -10475,13 +10990,13 @@
                     <a:p>
                       <a:pPr algn="ctr"/>
                       <a:r>
-                        <a:rPr lang="de-de" sz="1100" dirty="0">
+                        <a:rPr lang="en-US" sz="1100">
                           <a:solidFill>
                             <a:schemeClr val="tx1"/>
                           </a:solidFill>
-                          <a:latin typeface="Adobe Clean" panose="020B0503020404020204" pitchFamily="34" charset="0"/>
+                          <a:latin typeface="Adobe Clean"/>
                         </a:rPr>
-                        <a:t>오전 9시~오후 5시</a:t>
+                        <a:t>9 am – 5 pm</a:t>
                       </a:r>
                     </a:p>
                   </a:txBody>
@@ -10540,13 +11055,13 @@
                     <a:p>
                       <a:pPr algn="ctr"/>
                       <a:r>
-                        <a:rPr lang="de-de" sz="1100" dirty="0">
+                        <a:rPr lang="en-US" sz="1100">
                           <a:solidFill>
                             <a:schemeClr val="tx1"/>
                           </a:solidFill>
-                          <a:latin typeface="Adobe Clean" panose="020B0503020404020204" pitchFamily="34" charset="0"/>
+                          <a:latin typeface="Adobe Clean"/>
                         </a:rPr>
-                        <a:t>오전 9시~오후 5시</a:t>
+                        <a:t>9 am – 5 pm</a:t>
                       </a:r>
                     </a:p>
                   </a:txBody>
@@ -10605,13 +11120,13 @@
                     <a:p>
                       <a:pPr algn="ctr"/>
                       <a:r>
-                        <a:rPr lang="de-de" sz="1100" dirty="0">
+                        <a:rPr lang="en-US" sz="1100">
                           <a:solidFill>
                             <a:schemeClr val="tx1"/>
                           </a:solidFill>
-                          <a:latin typeface="Adobe Clean" panose="020B0503020404020204" pitchFamily="34" charset="0"/>
+                          <a:latin typeface="Adobe Clean"/>
                         </a:rPr>
-                        <a:t>오전 9시~오후 5시 30분</a:t>
+                        <a:t>9 am – 5:30 pm</a:t>
                       </a:r>
                     </a:p>
                   </a:txBody>
@@ -10691,7 +11206,7 @@
                         <a:buNone/>
                       </a:pPr>
                       <a:r>
-                        <a:rPr lang="de-de" sz="1100" b="1" i="0" u="none" strike="noStrike" kern="0" cap="none" spc="0" normalizeH="0" baseline="30000" noProof="0" dirty="0">
+                        <a:rPr lang="en-US" sz="1100" b="1" i="0" u="none" strike="noStrike" kern="0" cap="none" spc="0" normalizeH="0" baseline="30000" noProof="0" dirty="0">
                           <a:ln>
                             <a:noFill/>
                           </a:ln>
@@ -10705,13 +11220,13 @@
                         <a:t> </a:t>
                       </a:r>
                       <a:r>
-                        <a:rPr lang="de-de" sz="1100" dirty="0">
+                        <a:rPr lang="en-US" sz="1100" dirty="0">
                           <a:solidFill>
                             <a:schemeClr val="tx1"/>
                           </a:solidFill>
                           <a:latin typeface="Adobe Clean"/>
                         </a:rPr>
-                        <a:t>언어 지원은 영어와 일본어로만 제공됩니다.</a:t>
+                        <a:t>Language support is only available in English and Japanese.</a:t>
                       </a:r>
                       <a:endParaRPr lang="en-US" dirty="0">
                         <a:latin typeface="Adobe Clean"/>
@@ -10734,13 +11249,13 @@
                         <a:buNone/>
                       </a:pPr>
                       <a:r>
-                        <a:rPr lang="de-de" sz="1100" i="1" dirty="0">
+                        <a:rPr lang="en-US" sz="1100" i="1" dirty="0">
                           <a:solidFill>
                             <a:schemeClr val="tx1"/>
                           </a:solidFill>
                           <a:latin typeface="Adobe Clean"/>
                         </a:rPr>
-                        <a:t>*Adobe Commerce에서는 일본어 지원이 제외됩니다.</a:t>
+                        <a:t>*Adobe Commerce excludes Japanese languages support. </a:t>
                       </a:r>
                     </a:p>
                     <a:p>
@@ -10763,81 +11278,38 @@
                     <a:p>
                       <a:pPr algn="ctr"/>
                       <a:r>
-                        <a:rPr lang="de-de" sz="1100" i="0" dirty="0">
+                        <a:rPr lang="en-US" sz="1100" i="0" dirty="0">
                           <a:solidFill>
                             <a:schemeClr val="tx1"/>
                           </a:solidFill>
-                          <a:latin typeface="Adobe Clean" panose="020B0503020404020204" pitchFamily="34" charset="0"/>
+                          <a:latin typeface="Adobe Clean"/>
                         </a:rPr>
-                        <a:t> </a:t>
+                        <a:t> </a:t>
                       </a:r>
                       <a:r>
-                        <a:rPr lang="de-de" sz="1100" i="0" baseline="30000" dirty="0">
+                        <a:rPr lang="en-US" sz="1100" i="0" baseline="30000" dirty="0">
                           <a:solidFill>
                             <a:schemeClr val="tx1"/>
                           </a:solidFill>
-                          <a:latin typeface="Adobe Clean" panose="020B0503020404020204" pitchFamily="34" charset="0"/>
+                          <a:latin typeface="Adobe Clean"/>
                         </a:rPr>
                         <a:t>1 </a:t>
                       </a:r>
                       <a:r>
-                        <a:rPr lang="ko-KR" altLang="en-US" sz="1100" i="0" dirty="0">
+                        <a:rPr lang="en-US" sz="1100" i="0" dirty="0">
                           <a:solidFill>
                             <a:schemeClr val="tx1"/>
                           </a:solidFill>
-                          <a:latin typeface="Adobe Clean" panose="020B0503020404020204" pitchFamily="34" charset="0"/>
+                          <a:latin typeface="Adobe Clean"/>
                         </a:rPr>
-                        <a:t>일본에서 </a:t>
+                        <a:t>P2, P3, P4 cases are limited to business hours only in Japan.</a:t>
                       </a:r>
-                      <a:r>
-                        <a:rPr lang="en-US" altLang="ko-KR" sz="1100" i="0" dirty="0">
-                          <a:solidFill>
-                            <a:schemeClr val="tx1"/>
-                          </a:solidFill>
-                          <a:latin typeface="Adobe Clean" panose="020B0503020404020204" pitchFamily="34" charset="0"/>
-                        </a:rPr>
-                        <a:t>P2, P3, P4 </a:t>
-                      </a:r>
-                      <a:r>
-                        <a:rPr lang="ko-KR" altLang="en-US" sz="1100" i="0" dirty="0">
-                          <a:solidFill>
-                            <a:schemeClr val="tx1"/>
-                          </a:solidFill>
-                          <a:latin typeface="Adobe Clean" panose="020B0503020404020204" pitchFamily="34" charset="0"/>
-                        </a:rPr>
-                        <a:t>사례는 업무 시간으로만 제한됩니다</a:t>
-                      </a:r>
-                      <a:r>
-                        <a:rPr lang="en-US" altLang="ko-KR" sz="1100" i="0" dirty="0">
-                          <a:solidFill>
-                            <a:schemeClr val="tx1"/>
-                          </a:solidFill>
-                          <a:latin typeface="Adobe Clean" panose="020B0503020404020204" pitchFamily="34" charset="0"/>
-                        </a:rPr>
-                        <a:t>.</a:t>
-                      </a:r>
-                      <a:endParaRPr lang="de-de" sz="1100" b="1" i="0" dirty="0">
+                      <a:endParaRPr lang="en-US" sz="1100" b="1" i="0" dirty="0">
                         <a:solidFill>
                           <a:schemeClr val="tx1"/>
                         </a:solidFill>
-                        <a:latin typeface="Adobe Clean" panose="020B0503020404020204" pitchFamily="34" charset="0"/>
+                        <a:latin typeface="Adobe Clean"/>
                       </a:endParaRPr>
-                    </a:p>
-                    <a:p>
-                      <a:r>
-                        <a:rPr lang="de-de" sz="1100" b="1" i="0" u="none" strike="noStrike" kern="0" cap="none" spc="0" normalizeH="0" baseline="30000" noProof="0" dirty="0">
-                          <a:ln>
-                            <a:noFill/>
-                          </a:ln>
-                          <a:effectLst/>
-                          <a:uLnTx/>
-                          <a:uFillTx/>
-                          <a:latin typeface="Adobe Clean"/>
-                          <a:ea typeface="+mn-ea"/>
-                          <a:cs typeface="+mn-cs"/>
-                        </a:rPr>
-                        <a:t>.</a:t>
-                      </a:r>
                     </a:p>
                   </a:txBody>
                   <a:tcPr anchor="ctr">
@@ -10893,7 +11365,7 @@
                     <a:bodyPr/>
                     <a:lstStyle/>
                     <a:p>
-                      <a:endParaRPr lang="en-US" sz="1100" dirty="0">
+                      <a:endParaRPr lang="en-US" sz="1100">
                         <a:solidFill>
                           <a:schemeClr val="tx1"/>
                         </a:solidFill>
@@ -10954,7 +11426,7 @@
                     <a:bodyPr/>
                     <a:lstStyle/>
                     <a:p>
-                      <a:endParaRPr lang="en-US" sz="1100" dirty="0">
+                      <a:endParaRPr lang="en-US" sz="1100">
                         <a:solidFill>
                           <a:schemeClr val="tx1"/>
                         </a:solidFill>
@@ -11015,7 +11487,7 @@
                     <a:bodyPr/>
                     <a:lstStyle/>
                     <a:p>
-                      <a:endParaRPr lang="en-US" sz="1100" dirty="0">
+                      <a:endParaRPr lang="en-US" sz="1100">
                         <a:solidFill>
                           <a:schemeClr val="tx1"/>
                         </a:solidFill>
@@ -11179,8 +11651,8 @@
         </p:nvSpPr>
         <p:spPr>
           <a:xfrm>
-            <a:off x="2743200" y="8528519"/>
-            <a:ext cx="1045329" cy="385445"/>
+            <a:off x="2840871" y="8528519"/>
+            <a:ext cx="810895" cy="385445"/>
           </a:xfrm>
           <a:prstGeom prst="rect">
             <a:avLst/>
@@ -11192,7 +11664,7 @@
           </a:bodyPr>
           <a:lstStyle/>
           <a:p>
-            <a:pPr marL="14288" marR="5080" indent="-14288" algn="ctr">
+            <a:pPr marL="139065" marR="5080" indent="-139065">
               <a:lnSpc>
                 <a:spcPts val="1390"/>
               </a:lnSpc>
@@ -11201,36 +11673,126 @@
               </a:spcBef>
             </a:pPr>
             <a:r>
-              <a:rPr lang="de-de" sz="1200" b="1" spc="-15" dirty="0">
+              <a:rPr sz="1200" b="1" spc="-15">
                 <a:solidFill>
                   <a:srgbClr val="FFFFFF"/>
                 </a:solidFill>
                 <a:latin typeface="Adobe Clean"/>
                 <a:cs typeface="Adobe Clean"/>
               </a:rPr>
-              <a:t>탁월한</a:t>
-            </a:r>
-            <a:r>
-              <a:rPr lang="de-de" sz="1200" b="1" dirty="0">
+              <a:t>U</a:t>
+            </a:r>
+            <a:r>
+              <a:rPr sz="1200" b="1" spc="-20">
                 <a:solidFill>
                   <a:srgbClr val="FFFFFF"/>
                 </a:solidFill>
                 <a:latin typeface="Adobe Clean"/>
                 <a:cs typeface="Adobe Clean"/>
               </a:rPr>
-              <a:t> </a:t>
-            </a:r>
-            <a:r>
-              <a:rPr lang="de-de" sz="1200" b="1" spc="-25" dirty="0">
+              <a:t>n</a:t>
+            </a:r>
+            <a:r>
+              <a:rPr sz="1200" b="1" spc="-25">
                 <a:solidFill>
                   <a:srgbClr val="FFFFFF"/>
                 </a:solidFill>
                 <a:latin typeface="Adobe Clean"/>
                 <a:cs typeface="Adobe Clean"/>
               </a:rPr>
-              <a:t>전문성</a:t>
-            </a:r>
-            <a:endParaRPr sz="1200" dirty="0">
+              <a:t>p</a:t>
+            </a:r>
+            <a:r>
+              <a:rPr sz="1200" b="1" spc="-15">
+                <a:solidFill>
+                  <a:srgbClr val="FFFFFF"/>
+                </a:solidFill>
+                <a:latin typeface="Adobe Clean"/>
+                <a:cs typeface="Adobe Clean"/>
+              </a:rPr>
+              <a:t>a</a:t>
+            </a:r>
+            <a:r>
+              <a:rPr sz="1200" b="1" spc="-25">
+                <a:solidFill>
+                  <a:srgbClr val="FFFFFF"/>
+                </a:solidFill>
+                <a:latin typeface="Adobe Clean"/>
+                <a:cs typeface="Adobe Clean"/>
+              </a:rPr>
+              <a:t>r</a:t>
+            </a:r>
+            <a:r>
+              <a:rPr sz="1200" b="1" spc="-15">
+                <a:solidFill>
+                  <a:srgbClr val="FFFFFF"/>
+                </a:solidFill>
+                <a:latin typeface="Adobe Clean"/>
+                <a:cs typeface="Adobe Clean"/>
+              </a:rPr>
+              <a:t>a</a:t>
+            </a:r>
+            <a:r>
+              <a:rPr sz="1200" b="1" spc="-30">
+                <a:solidFill>
+                  <a:srgbClr val="FFFFFF"/>
+                </a:solidFill>
+                <a:latin typeface="Adobe Clean"/>
+                <a:cs typeface="Adobe Clean"/>
+              </a:rPr>
+              <a:t>ll</a:t>
+            </a:r>
+            <a:r>
+              <a:rPr sz="1200" b="1" spc="-25">
+                <a:solidFill>
+                  <a:srgbClr val="FFFFFF"/>
+                </a:solidFill>
+                <a:latin typeface="Adobe Clean"/>
+                <a:cs typeface="Adobe Clean"/>
+              </a:rPr>
+              <a:t>e</a:t>
+            </a:r>
+            <a:r>
+              <a:rPr sz="1200" b="1" spc="-30">
+                <a:solidFill>
+                  <a:srgbClr val="FFFFFF"/>
+                </a:solidFill>
+                <a:latin typeface="Adobe Clean"/>
+                <a:cs typeface="Adobe Clean"/>
+              </a:rPr>
+              <a:t>l</a:t>
+            </a:r>
+            <a:r>
+              <a:rPr sz="1200" b="1" spc="-25">
+                <a:solidFill>
+                  <a:srgbClr val="FFFFFF"/>
+                </a:solidFill>
+                <a:latin typeface="Adobe Clean"/>
+                <a:cs typeface="Adobe Clean"/>
+              </a:rPr>
+              <a:t>e</a:t>
+            </a:r>
+            <a:r>
+              <a:rPr sz="1200" b="1">
+                <a:solidFill>
+                  <a:srgbClr val="FFFFFF"/>
+                </a:solidFill>
+                <a:latin typeface="Adobe Clean"/>
+                <a:cs typeface="Adobe Clean"/>
+              </a:rPr>
+              <a:t>d  </a:t>
+            </a:r>
+            <a:r>
+              <a:rPr sz="1200" b="1" spc="-25">
+                <a:solidFill>
+                  <a:srgbClr val="FFFFFF"/>
+                </a:solidFill>
+                <a:latin typeface="Adobe Clean"/>
+                <a:cs typeface="Adobe Clean"/>
+              </a:rPr>
+              <a:t>Expertise</a:t>
+            </a:r>
+            <a:endParaRPr sz="1200">
               <a:latin typeface="Adobe Clean"/>
               <a:cs typeface="Adobe Clean"/>
             </a:endParaRPr>
@@ -11264,7 +11826,7 @@
           </a:bodyPr>
           <a:lstStyle/>
           <a:p>
-            <a:pPr marL="14288" marR="5080" indent="-14288" algn="ctr">
+            <a:pPr marL="139065" marR="5080" indent="-139065">
               <a:lnSpc>
                 <a:spcPts val="1390"/>
               </a:lnSpc>
@@ -11273,16 +11835,16 @@
               </a:spcBef>
             </a:pPr>
             <a:r>
-              <a:rPr lang="de-de" sz="1200" b="1" spc="-15" dirty="0">
+              <a:rPr lang="en-US" sz="1200" b="1" spc="-15">
                 <a:solidFill>
                   <a:srgbClr val="FFFFFF"/>
                 </a:solidFill>
                 <a:latin typeface="Adobe Clean"/>
                 <a:cs typeface="Adobe Clean"/>
               </a:rPr>
-              <a:t>신속한 지원</a:t>
-            </a:r>
-            <a:endParaRPr sz="1200" dirty="0">
+              <a:t>Accelerated Support</a:t>
+            </a:r>
+            <a:endParaRPr sz="1200">
               <a:latin typeface="Adobe Clean"/>
               <a:cs typeface="Adobe Clean"/>
             </a:endParaRPr>
@@ -11303,8 +11865,8 @@
         </p:nvSpPr>
         <p:spPr>
           <a:xfrm>
-            <a:off x="6517939" y="8543943"/>
-            <a:ext cx="721061" cy="384080"/>
+            <a:off x="6624119" y="8543943"/>
+            <a:ext cx="510540" cy="385445"/>
           </a:xfrm>
           <a:prstGeom prst="rect">
             <a:avLst/>
@@ -11316,7 +11878,7 @@
           </a:bodyPr>
           <a:lstStyle/>
           <a:p>
-            <a:pPr marL="14288" marR="5080" indent="-14288" algn="ctr">
+            <a:pPr marL="50800" marR="5080" indent="-51435">
               <a:lnSpc>
                 <a:spcPts val="1390"/>
               </a:lnSpc>
@@ -11325,36 +11887,106 @@
               </a:spcBef>
             </a:pPr>
             <a:r>
-              <a:rPr lang="de-de" sz="1200" b="1" spc="-50" dirty="0">
+              <a:rPr sz="1200" b="1" spc="-50">
                 <a:solidFill>
                   <a:srgbClr val="FFFFFF"/>
                 </a:solidFill>
                 <a:latin typeface="Adobe Clean"/>
                 <a:cs typeface="Adobe Clean"/>
               </a:rPr>
-              <a:t>전략적</a:t>
-            </a:r>
-            <a:r>
-              <a:rPr lang="de-de" sz="1200" b="1" dirty="0">
+              <a:t>S</a:t>
+            </a:r>
+            <a:r>
+              <a:rPr sz="1200" b="1" spc="-20">
                 <a:solidFill>
                   <a:srgbClr val="FFFFFF"/>
                 </a:solidFill>
                 <a:latin typeface="Adobe Clean"/>
                 <a:cs typeface="Adobe Clean"/>
               </a:rPr>
-              <a:t> </a:t>
-            </a:r>
-            <a:r>
-              <a:rPr lang="de-de" sz="1200" b="1" spc="-45" dirty="0">
+              <a:t>t</a:t>
+            </a:r>
+            <a:r>
+              <a:rPr sz="1200" b="1" spc="-75">
                 <a:solidFill>
                   <a:srgbClr val="FFFFFF"/>
                 </a:solidFill>
                 <a:latin typeface="Adobe Clean"/>
                 <a:cs typeface="Adobe Clean"/>
               </a:rPr>
-              <a:t>조언</a:t>
-            </a:r>
-            <a:endParaRPr sz="1200" dirty="0">
+              <a:t>r</a:t>
+            </a:r>
+            <a:r>
+              <a:rPr sz="1200" b="1" spc="-90">
+                <a:solidFill>
+                  <a:srgbClr val="FFFFFF"/>
+                </a:solidFill>
+                <a:latin typeface="Adobe Clean"/>
+                <a:cs typeface="Adobe Clean"/>
+              </a:rPr>
+              <a:t>a</a:t>
+            </a:r>
+            <a:r>
+              <a:rPr sz="1200" b="1" spc="-55">
+                <a:solidFill>
+                  <a:srgbClr val="FFFFFF"/>
+                </a:solidFill>
+                <a:latin typeface="Adobe Clean"/>
+                <a:cs typeface="Adobe Clean"/>
+              </a:rPr>
+              <a:t>t</a:t>
+            </a:r>
+            <a:r>
+              <a:rPr sz="1200" b="1" spc="-100">
+                <a:solidFill>
+                  <a:srgbClr val="FFFFFF"/>
+                </a:solidFill>
+                <a:latin typeface="Adobe Clean"/>
+                <a:cs typeface="Adobe Clean"/>
+              </a:rPr>
+              <a:t>e</a:t>
+            </a:r>
+            <a:r>
+              <a:rPr sz="1200" b="1" spc="-80">
+                <a:solidFill>
+                  <a:srgbClr val="FFFFFF"/>
+                </a:solidFill>
+                <a:latin typeface="Adobe Clean"/>
+                <a:cs typeface="Adobe Clean"/>
+              </a:rPr>
+              <a:t>g</a:t>
+            </a:r>
+            <a:r>
+              <a:rPr sz="1200" b="1" spc="-35">
+                <a:solidFill>
+                  <a:srgbClr val="FFFFFF"/>
+                </a:solidFill>
+                <a:latin typeface="Adobe Clean"/>
+                <a:cs typeface="Adobe Clean"/>
+              </a:rPr>
+              <a:t>i</a:t>
+            </a:r>
+            <a:r>
+              <a:rPr sz="1200" b="1">
+                <a:solidFill>
+                  <a:srgbClr val="FFFFFF"/>
+                </a:solidFill>
+                <a:latin typeface="Adobe Clean"/>
+                <a:cs typeface="Adobe Clean"/>
+              </a:rPr>
+              <a:t>c  </a:t>
+            </a:r>
+            <a:r>
+              <a:rPr sz="1200" b="1" spc="-45">
+                <a:solidFill>
+                  <a:srgbClr val="FFFFFF"/>
+                </a:solidFill>
+                <a:latin typeface="Adobe Clean"/>
+                <a:cs typeface="Adobe Clean"/>
+              </a:rPr>
+              <a:t>Advice</a:t>
+            </a:r>
+            <a:endParaRPr sz="1200">
               <a:latin typeface="Adobe Clean"/>
               <a:cs typeface="Adobe Clean"/>
             </a:endParaRPr>
@@ -11373,7 +12005,13 @@
           <p:cNvGraphicFramePr>
             <a:graphicFrameLocks noGrp="1"/>
           </p:cNvGraphicFramePr>
-          <p:nvPr/>
+          <p:nvPr>
+            <p:extLst>
+              <p:ext uri="{D42A27DB-BD31-4B8C-83A1-F6EECF244321}">
+                <p14:modId xmlns:p14="http://schemas.microsoft.com/office/powerpoint/2010/main" val="3773282750"/>
+              </p:ext>
+            </p:extLst>
+          </p:nvPr>
         </p:nvGraphicFramePr>
         <p:xfrm>
           <a:off x="194236" y="1059345"/>
@@ -11408,22 +12046,22 @@
                     <a:lstStyle/>
                     <a:p>
                       <a:r>
-                        <a:rPr lang="de-de" sz="1100" b="0" dirty="0">
+                        <a:rPr lang="en-US" sz="1100" b="0">
                           <a:solidFill>
                             <a:schemeClr val="tx1"/>
                           </a:solidFill>
-                          <a:latin typeface="Adobe Clean" panose="020B0503020404020204" pitchFamily="34" charset="0"/>
+                          <a:latin typeface="Adobe Clean"/>
                           <a:ea typeface="+mn-ea"/>
                           <a:cs typeface="+mn-cs"/>
                           <a:hlinkClick r:id="rId7"/>
                         </a:rPr>
                         <a:t>Experience League</a:t>
                       </a:r>
-                      <a:endParaRPr lang="en-US" sz="1100" b="0" dirty="0">
+                      <a:endParaRPr lang="en-US" sz="1100" b="0">
                         <a:solidFill>
                           <a:schemeClr val="tx1"/>
                         </a:solidFill>
-                        <a:latin typeface="Adobe Clean" panose="020B0503020404020204" pitchFamily="34" charset="0"/>
+                        <a:latin typeface="Adobe Clean"/>
                         <a:ea typeface="+mn-ea"/>
                         <a:cs typeface="+mn-cs"/>
                       </a:endParaRPr>
@@ -11482,7 +12120,7 @@
                     <a:bodyPr/>
                     <a:lstStyle/>
                     <a:p>
-                      <a:pPr marL="0" marR="0" lvl="0" indent="0" defTabSz="914400" eaLnBrk="1" fontAlgn="auto" latinLnBrk="0" hangingPunct="1">
+                      <a:pPr marL="0" marR="0" lvl="0" indent="0" eaLnBrk="1" fontAlgn="auto" latinLnBrk="0" hangingPunct="1">
                         <a:lnSpc>
                           <a:spcPct val="100000"/>
                         </a:lnSpc>
@@ -11496,20 +12134,26 @@
                         <a:buSzTx/>
                         <a:buFontTx/>
                         <a:buNone/>
-                        <a:tabLst/>
-                        <a:defRPr/>
                       </a:pPr>
                       <a:r>
-                        <a:rPr lang="de-de" sz="1000" b="0" kern="1200" dirty="0">
+                        <a:rPr lang="en-US" sz="1000" b="0" kern="1200">
                           <a:solidFill>
                             <a:srgbClr val="000000"/>
                           </a:solidFill>
-                          <a:latin typeface="Adobe Clean Light" panose="020B0303020404020204" pitchFamily="34" charset="0"/>
+                          <a:latin typeface="Adobe Clean Light"/>
                           <a:ea typeface="+mn-ea"/>
                           <a:cs typeface="+mn-cs"/>
                         </a:rPr>
-                        <a:t>Experience League를 통해 Adobe는 기업이 Adobe 투자에서 기대하는 가치를 달성하도록 지원합니다. 고객이 자기 주도 튜토리얼, 제품 설명서, 강의식 교육, 커뮤니티 및 기술 지원을 포함하는 개인 맞춤형 성공 경로를 따라가며 배우고, 교류하고, 성장할 수 있는 통합된 공간입니다. </a:t>
+                        <a:t>Experience League is how Adobe helps businesses achieve the value they expect from their Adobe investment. It’s the unified place where customers can learn, connect, and grow along a personalized path to success that includes self-help tutorials, product documentation, instructor-led training, community and technical support. </a:t>
                       </a:r>
+                      <a:endParaRPr lang="en-US" sz="1000" b="0" kern="1200">
+                        <a:solidFill>
+                          <a:srgbClr val="000000"/>
+                        </a:solidFill>
+                        <a:latin typeface="Adobe Clean Light" panose="020B0303020404020204" pitchFamily="34" charset="0"/>
+                        <a:ea typeface="+mn-ea"/>
+                        <a:cs typeface="+mn-cs"/>
+                      </a:endParaRPr>
                     </a:p>
                   </a:txBody>
                   <a:tcPr anchor="ctr">
@@ -11590,36 +12234,36 @@
                         <a:defRPr/>
                       </a:pPr>
                       <a:r>
-                        <a:rPr lang="de-de" sz="1100" dirty="0">
+                        <a:rPr lang="en-US" sz="1100">
                           <a:solidFill>
                             <a:schemeClr val="dk1"/>
                           </a:solidFill>
                           <a:effectLst/>
-                          <a:latin typeface="Adobe Clean" panose="020B0503020404020204" pitchFamily="34" charset="0"/>
+                          <a:latin typeface="Adobe Clean"/>
                           <a:ea typeface="+mn-ea"/>
                           <a:cs typeface="+mn-cs"/>
                           <a:hlinkClick r:id="rId8"/>
                         </a:rPr>
-                        <a:t>교육</a:t>
+                        <a:t>Training</a:t>
                       </a:r>
                       <a:r>
-                        <a:rPr lang="de-de" sz="1100" dirty="0">
+                        <a:rPr lang="en-US" sz="1100">
                           <a:solidFill>
                             <a:schemeClr val="dk1"/>
                           </a:solidFill>
                           <a:effectLst/>
-                          <a:latin typeface="Adobe Clean" panose="020B0503020404020204" pitchFamily="34" charset="0"/>
+                          <a:latin typeface="Adobe Clean"/>
                           <a:ea typeface="+mn-ea"/>
                           <a:cs typeface="+mn-cs"/>
                         </a:rPr>
                         <a:t> </a:t>
                       </a:r>
-                      <a:endParaRPr lang="en-US" sz="1100" dirty="0">
+                      <a:endParaRPr lang="en-US" sz="1100">
                         <a:solidFill>
                           <a:schemeClr val="tx1"/>
                         </a:solidFill>
                         <a:effectLst/>
-                        <a:latin typeface="Adobe Clean" panose="020B0503020404020204" pitchFamily="34" charset="0"/>
+                        <a:latin typeface="Adobe Clean"/>
                         <a:ea typeface="+mn-ea"/>
                         <a:cs typeface="+mn-cs"/>
                       </a:endParaRPr>
@@ -11696,15 +12340,15 @@
                         <a:defRPr/>
                       </a:pPr>
                       <a:r>
-                        <a:rPr lang="de-de" sz="1000" kern="1200" dirty="0">
+                        <a:rPr lang="en-US" sz="1000" kern="1200">
                           <a:solidFill>
                             <a:srgbClr val="000000"/>
                           </a:solidFill>
-                          <a:latin typeface="Adobe Clean Light" panose="020B0303020404020204" pitchFamily="34" charset="0"/>
+                          <a:latin typeface="Adobe Clean Light"/>
                           <a:ea typeface="+mn-ea"/>
                           <a:cs typeface="+mn-cs"/>
                         </a:rPr>
-                        <a:t>Adobe 디지털 학습 서비스 과정은 Experience League에서 액세스할 수 있습니다. 학습 과정은 주문형 수업과 강의식 수업을 모두 통합합니다. 여기에서 시장 가치를 인정받은 기술을 습득하고 조직에 포지셔닝하여 성공으로 이끌 수 있습니다.</a:t>
+                        <a:t>Adobe Digital Learning Services courses are accessible from Experience League. Learning courses integrate both on-demand and instructor-led lessons.  Here you can accrue skills that have recognized market value and position them to drive success in your organizations.</a:t>
                       </a:r>
                     </a:p>
                   </a:txBody>
@@ -11786,24 +12430,24 @@
                         <a:defRPr/>
                       </a:pPr>
                       <a:r>
-                        <a:rPr lang="de-de" sz="1100" dirty="0">
+                        <a:rPr lang="en-US" sz="1100">
                           <a:solidFill>
                             <a:schemeClr val="tx1"/>
                           </a:solidFill>
                           <a:effectLst/>
-                          <a:latin typeface="Adobe Clean" panose="020B0503020404020204" pitchFamily="34" charset="0"/>
+                          <a:latin typeface="Adobe Clean"/>
                           <a:ea typeface="+mn-ea"/>
                           <a:cs typeface="+mn-cs"/>
                           <a:hlinkClick r:id="rId9"/>
                         </a:rPr>
-                        <a:t>생산 문제 및 시스템 중단</a:t>
+                        <a:t>Production Issues &amp; System Outages</a:t>
                       </a:r>
-                      <a:endParaRPr lang="en-US" sz="1100" dirty="0">
+                      <a:endParaRPr lang="en-US" sz="1100">
                         <a:solidFill>
                           <a:schemeClr val="tx1"/>
                         </a:solidFill>
                         <a:effectLst/>
-                        <a:latin typeface="Adobe Clean" panose="020B0503020404020204" pitchFamily="34" charset="0"/>
+                        <a:latin typeface="Adobe Clean"/>
                         <a:ea typeface="+mn-ea"/>
                         <a:cs typeface="+mn-cs"/>
                       </a:endParaRPr>
@@ -11862,7 +12506,7 @@
                     <a:bodyPr/>
                     <a:lstStyle/>
                     <a:p>
-                      <a:pPr marL="0" marR="0" lvl="0" indent="0" defTabSz="914400" eaLnBrk="1" fontAlgn="auto" latinLnBrk="0" hangingPunct="1">
+                      <a:pPr marL="0" marR="0" lvl="0" indent="0" eaLnBrk="1" fontAlgn="auto" latinLnBrk="0" hangingPunct="1">
                         <a:lnSpc>
                           <a:spcPct val="100000"/>
                         </a:lnSpc>
@@ -11876,20 +12520,26 @@
                         <a:buSzTx/>
                         <a:buFontTx/>
                         <a:buNone/>
-                        <a:tabLst/>
-                        <a:defRPr/>
                       </a:pPr>
                       <a:r>
-                        <a:rPr lang="de-de" sz="1000" kern="1200" dirty="0">
+                        <a:rPr lang="en-US" sz="1000" kern="1200">
                           <a:solidFill>
                             <a:srgbClr val="000000"/>
                           </a:solidFill>
-                          <a:latin typeface="Adobe Clean Light" panose="020B0303020404020204" pitchFamily="34" charset="0"/>
+                          <a:latin typeface="Adobe Clean Light"/>
                           <a:ea typeface="+mn-ea"/>
                           <a:cs typeface="+mn-cs"/>
                         </a:rPr>
-                        <a:t>Status.adobe.com은 다중 테넌트 환경에 배포된 모든 Adobe 제품 및 서비스의 상태 정보를 전달합니다. 고객은 구독 기본 설정을 선택하여 Adobe가 제품 이벤트를 생성 업데이트 또는 해결할 때마다 이메일 알림을 받을 수 있습니다. 여기에는 예정된 유지 관리 또는 다양한 심각도 수준의 서비스 문제가 포함될 수 있습니다. </a:t>
+                        <a:t>Status.adobe.com conveys the health information of all Adobe products and services that are deployed in multi-tenant environments. Customers can choose their subscription preferences to get email notifications whenever Adobe creates, updates or resolves a product event. This can include scheduled maintenance or service issues of varying levels of severity. </a:t>
                       </a:r>
+                      <a:endParaRPr lang="en-US" sz="1000" kern="1200">
+                        <a:solidFill>
+                          <a:srgbClr val="000000"/>
+                        </a:solidFill>
+                        <a:latin typeface="Adobe Clean Light" panose="020B0303020404020204" pitchFamily="34" charset="0"/>
+                        <a:ea typeface="+mn-ea"/>
+                        <a:cs typeface="+mn-cs"/>
+                      </a:endParaRPr>
                     </a:p>
                   </a:txBody>
                   <a:tcPr anchor="ctr">
@@ -11970,24 +12620,24 @@
                         <a:defRPr/>
                       </a:pPr>
                       <a:r>
-                        <a:rPr lang="de-de" sz="1100" b="0" i="0" dirty="0">
+                        <a:rPr lang="en-US" sz="1100" b="0" i="0">
                           <a:solidFill>
                             <a:schemeClr val="dk1"/>
                           </a:solidFill>
                           <a:effectLst/>
-                          <a:latin typeface="Adobe Clean" panose="020B0503020404020204" pitchFamily="34" charset="0"/>
+                          <a:latin typeface="Adobe Clean"/>
                           <a:ea typeface="+mn-ea"/>
                           <a:cs typeface="+mn-cs"/>
-                          <a:hlinkClick r:id="rId10" tooltip="https://helpx.adobe.com/kr/support/programs/enterprise-support-programs/premier-support-business.html"/>
+                          <a:hlinkClick r:id="rId10" tooltip="https://helpx.adobe.com/support/programs/enterprise-support-programs/premier-support-business.html"/>
                         </a:rPr>
-                        <a:t>비즈니스 지원 웹 사이트</a:t>
+                        <a:t>Business Support Website</a:t>
                       </a:r>
-                      <a:endParaRPr lang="en-US" sz="1100" b="0" i="0" dirty="0">
+                      <a:endParaRPr lang="en-US" sz="1100" b="0" i="0">
                         <a:solidFill>
                           <a:schemeClr val="dk1"/>
                         </a:solidFill>
                         <a:effectLst/>
-                        <a:latin typeface="Adobe Clean" panose="020B0503020404020204" pitchFamily="34" charset="0"/>
+                        <a:latin typeface="Adobe Clean"/>
                         <a:ea typeface="+mn-ea"/>
                         <a:cs typeface="+mn-cs"/>
                       </a:endParaRPr>
@@ -12047,16 +12697,24 @@
                     <a:lstStyle/>
                     <a:p>
                       <a:r>
-                        <a:rPr lang="de-de" sz="1000" kern="1200" dirty="0">
+                        <a:rPr lang="en-US" sz="1000" kern="1200">
                           <a:solidFill>
                             <a:srgbClr val="000000"/>
                           </a:solidFill>
-                          <a:latin typeface="Adobe Clean Light" panose="020B0303020404020204" pitchFamily="34" charset="0"/>
+                          <a:latin typeface="Adobe Clean Light"/>
                           <a:ea typeface="+mn-ea"/>
                           <a:cs typeface="+mn-cs"/>
                         </a:rPr>
-                        <a:t>Adobe 비즈니스 지원 웹 사이트입니다.</a:t>
+                        <a:t>Adobe Business Support website.</a:t>
                       </a:r>
+                      <a:endParaRPr lang="en-US" sz="1000" kern="1200">
+                        <a:solidFill>
+                          <a:srgbClr val="000000"/>
+                        </a:solidFill>
+                        <a:latin typeface="Adobe Clean Light" panose="020B0303020404020204" pitchFamily="34" charset="0"/>
+                        <a:ea typeface="+mn-ea"/>
+                        <a:cs typeface="+mn-cs"/>
+                      </a:endParaRPr>
                     </a:p>
                   </a:txBody>
                   <a:tcPr anchor="ctr">
@@ -12137,24 +12795,24 @@
                         <a:defRPr/>
                       </a:pPr>
                       <a:r>
-                        <a:rPr lang="de-de" sz="1100" dirty="0">
+                        <a:rPr lang="en-US" sz="1100">
                           <a:solidFill>
                             <a:schemeClr val="tx1"/>
                           </a:solidFill>
                           <a:effectLst/>
-                          <a:latin typeface="Adobe Clean" panose="020B0503020404020204" pitchFamily="34" charset="0"/>
+                          <a:latin typeface="Adobe Clean"/>
                           <a:ea typeface="+mn-ea"/>
                           <a:cs typeface="+mn-cs"/>
                           <a:hlinkClick r:id="rId11"/>
                         </a:rPr>
-                        <a:t>약관</a:t>
+                        <a:t>Terms and Conditions</a:t>
                       </a:r>
-                      <a:endParaRPr lang="en-US" sz="1100" dirty="0">
+                      <a:endParaRPr lang="en-US" sz="1100">
                         <a:solidFill>
                           <a:schemeClr val="tx1"/>
                         </a:solidFill>
                         <a:effectLst/>
-                        <a:latin typeface="Adobe Clean" panose="020B0503020404020204" pitchFamily="34" charset="0"/>
+                        <a:latin typeface="Adobe Clean"/>
                         <a:ea typeface="+mn-ea"/>
                         <a:cs typeface="+mn-cs"/>
                       </a:endParaRPr>
@@ -12214,16 +12872,24 @@
                     <a:lstStyle/>
                     <a:p>
                       <a:r>
-                        <a:rPr lang="de-de" sz="1000" kern="1200" dirty="0">
+                        <a:rPr lang="en-US" sz="1000" kern="1200">
                           <a:solidFill>
                             <a:srgbClr val="000000"/>
                           </a:solidFill>
-                          <a:latin typeface="Adobe Clean Light" panose="020B0303020404020204" pitchFamily="34" charset="0"/>
+                          <a:latin typeface="Adobe Clean Light"/>
                           <a:ea typeface="+mn-ea"/>
                           <a:cs typeface="+mn-cs"/>
                         </a:rPr>
-                        <a:t>지원 서비스 제공 사항을 자세히 설명하는 약관입니다.</a:t>
+                        <a:t>Terms and conditions detailing Support Services offerings.</a:t>
                       </a:r>
+                      <a:endParaRPr lang="en-US" sz="1000" kern="1200">
+                        <a:solidFill>
+                          <a:srgbClr val="000000"/>
+                        </a:solidFill>
+                        <a:latin typeface="Adobe Clean Light" panose="020B0303020404020204" pitchFamily="34" charset="0"/>
+                        <a:ea typeface="+mn-ea"/>
+                        <a:cs typeface="+mn-cs"/>
+                      </a:endParaRPr>
                     </a:p>
                   </a:txBody>
                   <a:tcPr anchor="ctr">
@@ -12286,7 +12952,7 @@
       </p:graphicFrame>
       <p:pic>
         <p:nvPicPr>
-          <p:cNvPr id="8" name="Graphic 7" descr="타겟 개요">
+          <p:cNvPr id="8" name="Graphic 7" descr="Target outline">
             <a:extLst>
               <a:ext uri="{FF2B5EF4-FFF2-40B4-BE49-F238E27FC236}">
                 <a16:creationId xmlns:a16="http://schemas.microsoft.com/office/drawing/2014/main" id="{1EAA263E-04A7-0D46-952E-EA3033B45116}"/>
@@ -12325,7 +12991,7 @@
       </p:pic>
       <p:pic>
         <p:nvPicPr>
-          <p:cNvPr id="10" name="Graphic 9" descr="로켓 개요">
+          <p:cNvPr id="10" name="Graphic 9" descr="Rocket outline">
             <a:extLst>
               <a:ext uri="{FF2B5EF4-FFF2-40B4-BE49-F238E27FC236}">
                 <a16:creationId xmlns:a16="http://schemas.microsoft.com/office/drawing/2014/main" id="{A068EBC3-B418-4E4A-A520-101CA4B39F23}"/>
@@ -12364,7 +13030,7 @@
       </p:pic>
       <p:pic>
         <p:nvPicPr>
-          <p:cNvPr id="12" name="Graphic 11" descr="메달 개요">
+          <p:cNvPr id="12" name="Graphic 11" descr="Medal outline">
             <a:extLst>
               <a:ext uri="{FF2B5EF4-FFF2-40B4-BE49-F238E27FC236}">
                 <a16:creationId xmlns:a16="http://schemas.microsoft.com/office/drawing/2014/main" id="{C7BEFC2D-0CA6-0448-B9FA-6E1581CA6D36}"/>
@@ -12993,6 +13659,12 @@
 </file>
 
 <file path=customXml/item1.xml><?xml version="1.0" encoding="utf-8"?>
+<p:properties xmlns:p="http://schemas.microsoft.com/office/2006/metadata/properties" xmlns:xsi="http://www.w3.org/2001/XMLSchema-instance" xmlns:pc="http://schemas.microsoft.com/office/infopath/2007/PartnerControls">
+  <documentManagement/>
+</p:properties>
+</file>
+
+<file path=customXml/item2.xml><?xml version="1.0" encoding="utf-8"?>
 <?mso-contentType ?>
 <FormTemplates xmlns="http://schemas.microsoft.com/sharepoint/v3/contenttype/forms">
   <Display>DocumentLibraryForm</Display>
@@ -13001,7 +13673,7 @@
 </FormTemplates>
 </file>
 
-<file path=customXml/item2.xml><?xml version="1.0" encoding="utf-8"?>
+<file path=customXml/item3.xml><?xml version="1.0" encoding="utf-8"?>
 <ct:contentTypeSchema xmlns:ct="http://schemas.microsoft.com/office/2006/metadata/contentType" xmlns:ma="http://schemas.microsoft.com/office/2006/metadata/properties/metaAttributes" ct:_="" ma:_="" ma:contentTypeName="Document" ma:contentTypeID="0x010100E783BF6876BCC646A459363AF21A7736" ma:contentTypeVersion="10" ma:contentTypeDescription="Create a new document." ma:contentTypeScope="" ma:versionID="c4ffda7f4f415767600769e454c2ea87">
   <xsd:schema xmlns:xsd="http://www.w3.org/2001/XMLSchema" xmlns:xs="http://www.w3.org/2001/XMLSchema" xmlns:p="http://schemas.microsoft.com/office/2006/metadata/properties" xmlns:ns2="8a053bff-88be-49e4-9a87-e748e18b8b62" xmlns:ns3="6c8368ec-3776-49b5-a5bb-90648cf9530f" targetNamespace="http://schemas.microsoft.com/office/2006/metadata/properties" ma:root="true" ma:fieldsID="df3ec33bccc23e23bce7bc897fad43d1" ns2:_="" ns3:_="">
     <xsd:import namespace="8a053bff-88be-49e4-9a87-e748e18b8b62"/>
@@ -13206,13 +13878,24 @@
 </ct:contentTypeSchema>
 </file>
 
-<file path=customXml/item3.xml><?xml version="1.0" encoding="utf-8"?>
-<p:properties xmlns:p="http://schemas.microsoft.com/office/2006/metadata/properties" xmlns:xsi="http://www.w3.org/2001/XMLSchema-instance" xmlns:pc="http://schemas.microsoft.com/office/infopath/2007/PartnerControls">
-  <documentManagement/>
-</p:properties>
+<file path=customXml/itemProps1.xml><?xml version="1.0" encoding="utf-8"?>
+<ds:datastoreItem xmlns:ds="http://schemas.openxmlformats.org/officeDocument/2006/customXml" ds:itemID="{10FC3CAF-E6F1-40E3-87D4-6B781C97D6B4}">
+  <ds:schemaRefs>
+    <ds:schemaRef ds:uri="6c8368ec-3776-49b5-a5bb-90648cf9530f"/>
+    <ds:schemaRef ds:uri="8a053bff-88be-49e4-9a87-e748e18b8b62"/>
+    <ds:schemaRef ds:uri="http://purl.org/dc/dcmitype/"/>
+    <ds:schemaRef ds:uri="http://purl.org/dc/elements/1.1/"/>
+    <ds:schemaRef ds:uri="http://purl.org/dc/terms/"/>
+    <ds:schemaRef ds:uri="http://schemas.microsoft.com/office/2006/documentManagement/types"/>
+    <ds:schemaRef ds:uri="http://schemas.microsoft.com/office/2006/metadata/properties"/>
+    <ds:schemaRef ds:uri="http://schemas.microsoft.com/office/infopath/2007/PartnerControls"/>
+    <ds:schemaRef ds:uri="http://schemas.openxmlformats.org/package/2006/metadata/core-properties"/>
+    <ds:schemaRef ds:uri="http://www.w3.org/XML/1998/namespace"/>
+  </ds:schemaRefs>
+</ds:datastoreItem>
 </file>
 
-<file path=customXml/itemProps1.xml><?xml version="1.0" encoding="utf-8"?>
+<file path=customXml/itemProps2.xml><?xml version="1.0" encoding="utf-8"?>
 <ds:datastoreItem xmlns:ds="http://schemas.openxmlformats.org/officeDocument/2006/customXml" ds:itemID="{95AE3B0B-E909-400C-B0B3-909FB50E07DE}">
   <ds:schemaRefs>
     <ds:schemaRef ds:uri="http://schemas.microsoft.com/sharepoint/v3/contenttype/forms"/>
@@ -13220,30 +13903,21 @@
 </ds:datastoreItem>
 </file>
 
-<file path=customXml/itemProps2.xml><?xml version="1.0" encoding="utf-8"?>
+<file path=customXml/itemProps3.xml><?xml version="1.0" encoding="utf-8"?>
 <ds:datastoreItem xmlns:ds="http://schemas.openxmlformats.org/officeDocument/2006/customXml" ds:itemID="{E0DB8BDF-6DA8-4ABC-A3CA-043AFD674CFC}">
   <ds:schemaRefs>
-    <ds:schemaRef ds:uri="http://schemas.microsoft.com/office/2006/metadata/contentType"/>
-    <ds:schemaRef ds:uri="http://schemas.microsoft.com/office/2006/metadata/properties/metaAttributes"/>
-    <ds:schemaRef ds:uri="http://www.w3.org/2001/XMLSchema"/>
-    <ds:schemaRef ds:uri="http://schemas.microsoft.com/office/2006/metadata/properties"/>
+    <ds:schemaRef ds:uri="6c8368ec-3776-49b5-a5bb-90648cf9530f"/>
     <ds:schemaRef ds:uri="8a053bff-88be-49e4-9a87-e748e18b8b62"/>
-    <ds:schemaRef ds:uri="6c8368ec-3776-49b5-a5bb-90648cf9530f"/>
-    <ds:schemaRef ds:uri="http://schemas.microsoft.com/office/2006/documentManagement/types"/>
-    <ds:schemaRef ds:uri="http://schemas.microsoft.com/office/infopath/2007/PartnerControls"/>
-    <ds:schemaRef ds:uri="http://schemas.openxmlformats.org/package/2006/metadata/core-properties"/>
     <ds:schemaRef ds:uri="http://purl.org/dc/elements/1.1/"/>
     <ds:schemaRef ds:uri="http://purl.org/dc/terms/"/>
     <ds:schemaRef ds:uri="http://schemas.microsoft.com/internal/obd"/>
-  </ds:schemaRefs>
-</ds:datastoreItem>
-</file>
-
-<file path=customXml/itemProps3.xml><?xml version="1.0" encoding="utf-8"?>
-<ds:datastoreItem xmlns:ds="http://schemas.openxmlformats.org/officeDocument/2006/customXml" ds:itemID="{10FC3CAF-E6F1-40E3-87D4-6B781C97D6B4}">
-  <ds:schemaRefs>
+    <ds:schemaRef ds:uri="http://schemas.microsoft.com/office/2006/documentManagement/types"/>
+    <ds:schemaRef ds:uri="http://schemas.microsoft.com/office/2006/metadata/contentType"/>
     <ds:schemaRef ds:uri="http://schemas.microsoft.com/office/2006/metadata/properties"/>
+    <ds:schemaRef ds:uri="http://schemas.microsoft.com/office/2006/metadata/properties/metaAttributes"/>
     <ds:schemaRef ds:uri="http://schemas.microsoft.com/office/infopath/2007/PartnerControls"/>
+    <ds:schemaRef ds:uri="http://schemas.openxmlformats.org/package/2006/metadata/core-properties"/>
+    <ds:schemaRef ds:uri="http://www.w3.org/2001/XMLSchema"/>
   </ds:schemaRefs>
 </ds:datastoreItem>
 </file>
--- a/help/data-sheets/assets/BusinessSupportDatasheet.pptx
+++ b/help/data-sheets/assets/BusinessSupportDatasheet.pptx
@@ -143,85 +143,15 @@
 <file path=ppt/revisionInfo.xml><?xml version="1.0" encoding="utf-8"?>
 <p1510:revInfo xmlns:a="http://schemas.openxmlformats.org/drawingml/2006/main" xmlns:r="http://schemas.openxmlformats.org/officeDocument/2006/relationships" xmlns:p1510="http://schemas.microsoft.com/office/powerpoint/2015/10/main">
   <p1510:revLst>
-    <p1510:client id="{61630BD6-9AE9-064C-B39F-AFA945B82B3E}" v="202" dt="2021-10-13T19:21:08.267"/>
-    <p1510:client id="{AC30C20D-1316-8ECC-DADD-39CCEC6A7FCF}" v="9" dt="2021-10-13T19:03:35.035"/>
+    <p1510:client id="{06B13378-B080-7F0F-51A5-F9203CEE57ED}" v="370" dt="2021-08-25T22:26:24.850"/>
+    <p1510:client id="{9E385600-BF81-FC49-9ED0-E33BC37F7908}" v="55" dt="2021-08-04T08:16:13.478"/>
+    <p1510:client id="{CA5D33DF-AE75-BCA1-B9BC-A7CD44D2F3C7}" v="2" dt="2021-08-25T22:38:18.624"/>
   </p1510:revLst>
 </p1510:revInfo>
 </file>
 
 <file path=ppt/changesInfos/changesInfo1.xml><?xml version="1.0" encoding="utf-8"?>
 <pc:chgInfo xmlns:a="http://schemas.openxmlformats.org/drawingml/2006/main" xmlns:r="http://schemas.openxmlformats.org/officeDocument/2006/relationships" xmlns:ac="http://schemas.microsoft.com/office/drawing/2013/main/command" xmlns:pc="http://schemas.microsoft.com/office/powerpoint/2013/main/command">
-  <pc:docChgLst>
-    <pc:chgData name="Akilah Johnson" userId="S::akjohnso@adobe.com::2fa3aa60-0c9c-4d06-bae2-795983241227" providerId="AD" clId="Web-{4D8E0410-E0CE-85E2-0F84-C1BF4F647622}"/>
-    <pc:docChg chg="modSld">
-      <pc:chgData name="Akilah Johnson" userId="S::akjohnso@adobe.com::2fa3aa60-0c9c-4d06-bae2-795983241227" providerId="AD" clId="Web-{4D8E0410-E0CE-85E2-0F84-C1BF4F647622}" dt="2021-09-22T22:57:04.802" v="5"/>
-      <pc:docMkLst>
-        <pc:docMk/>
-      </pc:docMkLst>
-      <pc:sldChg chg="modSp">
-        <pc:chgData name="Akilah Johnson" userId="S::akjohnso@adobe.com::2fa3aa60-0c9c-4d06-bae2-795983241227" providerId="AD" clId="Web-{4D8E0410-E0CE-85E2-0F84-C1BF4F647622}" dt="2021-09-22T22:57:04.802" v="5"/>
-        <pc:sldMkLst>
-          <pc:docMk/>
-          <pc:sldMk cId="1050037809" sldId="261"/>
-        </pc:sldMkLst>
-        <pc:graphicFrameChg chg="mod modGraphic">
-          <ac:chgData name="Akilah Johnson" userId="S::akjohnso@adobe.com::2fa3aa60-0c9c-4d06-bae2-795983241227" providerId="AD" clId="Web-{4D8E0410-E0CE-85E2-0F84-C1BF4F647622}" dt="2021-09-22T22:57:04.802" v="5"/>
-          <ac:graphicFrameMkLst>
-            <pc:docMk/>
-            <pc:sldMk cId="1050037809" sldId="261"/>
-            <ac:graphicFrameMk id="25" creationId="{3A91F5B0-3974-A14D-A146-FB590F2AAD18}"/>
-          </ac:graphicFrameMkLst>
-        </pc:graphicFrameChg>
-      </pc:sldChg>
-    </pc:docChg>
-  </pc:docChgLst>
-  <pc:docChgLst>
-    <pc:chgData name="Akilah Johnson" userId="S::akjohnso@adobe.com::2fa3aa60-0c9c-4d06-bae2-795983241227" providerId="AD" clId="Web-{019F6A09-DCDA-BB53-9E3C-5BA3B13E26BB}"/>
-    <pc:docChg chg="modSld">
-      <pc:chgData name="Akilah Johnson" userId="S::akjohnso@adobe.com::2fa3aa60-0c9c-4d06-bae2-795983241227" providerId="AD" clId="Web-{019F6A09-DCDA-BB53-9E3C-5BA3B13E26BB}" dt="2021-10-12T17:10:36.752" v="17" actId="20577"/>
-      <pc:docMkLst>
-        <pc:docMk/>
-      </pc:docMkLst>
-      <pc:sldChg chg="modSp">
-        <pc:chgData name="Akilah Johnson" userId="S::akjohnso@adobe.com::2fa3aa60-0c9c-4d06-bae2-795983241227" providerId="AD" clId="Web-{019F6A09-DCDA-BB53-9E3C-5BA3B13E26BB}" dt="2021-10-12T17:09:32.112" v="2" actId="20577"/>
-        <pc:sldMkLst>
-          <pc:docMk/>
-          <pc:sldMk cId="0" sldId="257"/>
-        </pc:sldMkLst>
-        <pc:spChg chg="mod">
-          <ac:chgData name="Akilah Johnson" userId="S::akjohnso@adobe.com::2fa3aa60-0c9c-4d06-bae2-795983241227" providerId="AD" clId="Web-{019F6A09-DCDA-BB53-9E3C-5BA3B13E26BB}" dt="2021-10-12T17:09:32.112" v="2" actId="20577"/>
-          <ac:spMkLst>
-            <pc:docMk/>
-            <pc:sldMk cId="0" sldId="257"/>
-            <ac:spMk id="46" creationId="{00000000-0000-0000-0000-000000000000}"/>
-          </ac:spMkLst>
-        </pc:spChg>
-      </pc:sldChg>
-      <pc:sldChg chg="modSp">
-        <pc:chgData name="Akilah Johnson" userId="S::akjohnso@adobe.com::2fa3aa60-0c9c-4d06-bae2-795983241227" providerId="AD" clId="Web-{019F6A09-DCDA-BB53-9E3C-5BA3B13E26BB}" dt="2021-10-12T17:10:36.752" v="17" actId="20577"/>
-        <pc:sldMkLst>
-          <pc:docMk/>
-          <pc:sldMk cId="1050037809" sldId="261"/>
-        </pc:sldMkLst>
-        <pc:spChg chg="mod">
-          <ac:chgData name="Akilah Johnson" userId="S::akjohnso@adobe.com::2fa3aa60-0c9c-4d06-bae2-795983241227" providerId="AD" clId="Web-{019F6A09-DCDA-BB53-9E3C-5BA3B13E26BB}" dt="2021-10-12T17:10:36.752" v="17" actId="20577"/>
-          <ac:spMkLst>
-            <pc:docMk/>
-            <pc:sldMk cId="1050037809" sldId="261"/>
-            <ac:spMk id="56" creationId="{00000000-0000-0000-0000-000000000000}"/>
-          </ac:spMkLst>
-        </pc:spChg>
-        <pc:graphicFrameChg chg="mod modGraphic">
-          <ac:chgData name="Akilah Johnson" userId="S::akjohnso@adobe.com::2fa3aa60-0c9c-4d06-bae2-795983241227" providerId="AD" clId="Web-{019F6A09-DCDA-BB53-9E3C-5BA3B13E26BB}" dt="2021-10-12T17:09:41.471" v="6"/>
-          <ac:graphicFrameMkLst>
-            <pc:docMk/>
-            <pc:sldMk cId="1050037809" sldId="261"/>
-            <ac:graphicFrameMk id="111" creationId="{D8653CEC-4213-DE40-9BAF-D1E3318FF89C}"/>
-          </ac:graphicFrameMkLst>
-        </pc:graphicFrameChg>
-      </pc:sldChg>
-    </pc:docChg>
-  </pc:docChgLst>
   <pc:docChgLst>
     <pc:chgData name="Andy Witt" userId="S::awitt@adobe.com::e9157bdf-53b2-40e4-9459-936793d75696" providerId="AD" clId="Web-{06B13378-B080-7F0F-51A5-F9203CEE57ED}"/>
     <pc:docChg chg="modSld">
@@ -241,150 +171,6 @@
             <pc:docMk/>
             <pc:sldMk cId="1050037809" sldId="261"/>
             <ac:graphicFrameMk id="25" creationId="{3A91F5B0-3974-A14D-A146-FB590F2AAD18}"/>
-          </ac:graphicFrameMkLst>
-        </pc:graphicFrameChg>
-      </pc:sldChg>
-    </pc:docChg>
-  </pc:docChgLst>
-  <pc:docChgLst>
-    <pc:chgData name="Akilah Johnson" userId="S::akjohnso@adobe.com::2fa3aa60-0c9c-4d06-bae2-795983241227" providerId="AD" clId="Web-{D428A0AE-54E2-30D2-C574-7A0742876CCF}"/>
-    <pc:docChg chg="modSld">
-      <pc:chgData name="Akilah Johnson" userId="S::akjohnso@adobe.com::2fa3aa60-0c9c-4d06-bae2-795983241227" providerId="AD" clId="Web-{D428A0AE-54E2-30D2-C574-7A0742876CCF}" dt="2021-10-12T19:11:25.330" v="0" actId="20577"/>
-      <pc:docMkLst>
-        <pc:docMk/>
-      </pc:docMkLst>
-      <pc:sldChg chg="modSp">
-        <pc:chgData name="Akilah Johnson" userId="S::akjohnso@adobe.com::2fa3aa60-0c9c-4d06-bae2-795983241227" providerId="AD" clId="Web-{D428A0AE-54E2-30D2-C574-7A0742876CCF}" dt="2021-10-12T19:11:25.330" v="0" actId="20577"/>
-        <pc:sldMkLst>
-          <pc:docMk/>
-          <pc:sldMk cId="0" sldId="256"/>
-        </pc:sldMkLst>
-        <pc:spChg chg="mod">
-          <ac:chgData name="Akilah Johnson" userId="S::akjohnso@adobe.com::2fa3aa60-0c9c-4d06-bae2-795983241227" providerId="AD" clId="Web-{D428A0AE-54E2-30D2-C574-7A0742876CCF}" dt="2021-10-12T19:11:25.330" v="0" actId="20577"/>
-          <ac:spMkLst>
-            <pc:docMk/>
-            <pc:sldMk cId="0" sldId="256"/>
-            <ac:spMk id="4" creationId="{00000000-0000-0000-0000-000000000000}"/>
-          </ac:spMkLst>
-        </pc:spChg>
-      </pc:sldChg>
-    </pc:docChg>
-  </pc:docChgLst>
-  <pc:docChgLst>
-    <pc:chgData name="Akilah Johnson" userId="S::akjohnso@adobe.com::2fa3aa60-0c9c-4d06-bae2-795983241227" providerId="AD" clId="Web-{71D6CFBF-0EA2-99B0-93F4-22F19EF0AE4E}"/>
-    <pc:docChg chg="modSld">
-      <pc:chgData name="Akilah Johnson" userId="S::akjohnso@adobe.com::2fa3aa60-0c9c-4d06-bae2-795983241227" providerId="AD" clId="Web-{71D6CFBF-0EA2-99B0-93F4-22F19EF0AE4E}" dt="2021-09-22T19:06:58.732" v="1" actId="1076"/>
-      <pc:docMkLst>
-        <pc:docMk/>
-      </pc:docMkLst>
-      <pc:sldChg chg="modSp">
-        <pc:chgData name="Akilah Johnson" userId="S::akjohnso@adobe.com::2fa3aa60-0c9c-4d06-bae2-795983241227" providerId="AD" clId="Web-{71D6CFBF-0EA2-99B0-93F4-22F19EF0AE4E}" dt="2021-09-22T19:06:58.732" v="1" actId="1076"/>
-        <pc:sldMkLst>
-          <pc:docMk/>
-          <pc:sldMk cId="1050037809" sldId="261"/>
-        </pc:sldMkLst>
-        <pc:spChg chg="mod">
-          <ac:chgData name="Akilah Johnson" userId="S::akjohnso@adobe.com::2fa3aa60-0c9c-4d06-bae2-795983241227" providerId="AD" clId="Web-{71D6CFBF-0EA2-99B0-93F4-22F19EF0AE4E}" dt="2021-09-22T19:06:58.732" v="1" actId="1076"/>
-          <ac:spMkLst>
-            <pc:docMk/>
-            <pc:sldMk cId="1050037809" sldId="261"/>
-            <ac:spMk id="64" creationId="{41467BDC-3D83-D844-B922-CD07E94E5AAB}"/>
-          </ac:spMkLst>
-        </pc:spChg>
-      </pc:sldChg>
-    </pc:docChg>
-  </pc:docChgLst>
-  <pc:docChgLst>
-    <pc:chgData name="Lauren Schutte" userId="S::schutte@adobe.com::6e08b2d3-447a-4d66-86be-444d50df187f" providerId="AD" clId="Web-{AC30C20D-1316-8ECC-DADD-39CCEC6A7FCF}"/>
-    <pc:docChg chg="modSld">
-      <pc:chgData name="Lauren Schutte" userId="S::schutte@adobe.com::6e08b2d3-447a-4d66-86be-444d50df187f" providerId="AD" clId="Web-{AC30C20D-1316-8ECC-DADD-39CCEC6A7FCF}" dt="2021-10-13T19:03:35.035" v="8" actId="1076"/>
-      <pc:docMkLst>
-        <pc:docMk/>
-      </pc:docMkLst>
-      <pc:sldChg chg="modSp">
-        <pc:chgData name="Lauren Schutte" userId="S::schutte@adobe.com::6e08b2d3-447a-4d66-86be-444d50df187f" providerId="AD" clId="Web-{AC30C20D-1316-8ECC-DADD-39CCEC6A7FCF}" dt="2021-10-13T19:03:35.035" v="8" actId="1076"/>
-        <pc:sldMkLst>
-          <pc:docMk/>
-          <pc:sldMk cId="0" sldId="256"/>
-        </pc:sldMkLst>
-        <pc:spChg chg="mod">
-          <ac:chgData name="Lauren Schutte" userId="S::schutte@adobe.com::6e08b2d3-447a-4d66-86be-444d50df187f" providerId="AD" clId="Web-{AC30C20D-1316-8ECC-DADD-39CCEC6A7FCF}" dt="2021-10-13T19:03:27.878" v="7" actId="14100"/>
-          <ac:spMkLst>
-            <pc:docMk/>
-            <pc:sldMk cId="0" sldId="256"/>
-            <ac:spMk id="3" creationId="{00000000-0000-0000-0000-000000000000}"/>
-          </ac:spMkLst>
-        </pc:spChg>
-        <pc:spChg chg="mod">
-          <ac:chgData name="Lauren Schutte" userId="S::schutte@adobe.com::6e08b2d3-447a-4d66-86be-444d50df187f" providerId="AD" clId="Web-{AC30C20D-1316-8ECC-DADD-39CCEC6A7FCF}" dt="2021-10-13T19:03:35.035" v="8" actId="1076"/>
-          <ac:spMkLst>
-            <pc:docMk/>
-            <pc:sldMk cId="0" sldId="256"/>
-            <ac:spMk id="5" creationId="{00000000-0000-0000-0000-000000000000}"/>
-          </ac:spMkLst>
-        </pc:spChg>
-      </pc:sldChg>
-    </pc:docChg>
-  </pc:docChgLst>
-  <pc:docChgLst>
-    <pc:chgData name="Akilah Johnson" userId="S::akjohnso@adobe.com::2fa3aa60-0c9c-4d06-bae2-795983241227" providerId="AD" clId="Web-{AFB92C2B-405E-C597-0988-18F97C53104C}"/>
-    <pc:docChg chg="modSld">
-      <pc:chgData name="Akilah Johnson" userId="S::akjohnso@adobe.com::2fa3aa60-0c9c-4d06-bae2-795983241227" providerId="AD" clId="Web-{AFB92C2B-405E-C597-0988-18F97C53104C}" dt="2021-09-22T18:53:26.184" v="29"/>
-      <pc:docMkLst>
-        <pc:docMk/>
-      </pc:docMkLst>
-      <pc:sldChg chg="modSp">
-        <pc:chgData name="Akilah Johnson" userId="S::akjohnso@adobe.com::2fa3aa60-0c9c-4d06-bae2-795983241227" providerId="AD" clId="Web-{AFB92C2B-405E-C597-0988-18F97C53104C}" dt="2021-09-22T18:53:26.184" v="29"/>
-        <pc:sldMkLst>
-          <pc:docMk/>
-          <pc:sldMk cId="1050037809" sldId="261"/>
-        </pc:sldMkLst>
-        <pc:spChg chg="mod">
-          <ac:chgData name="Akilah Johnson" userId="S::akjohnso@adobe.com::2fa3aa60-0c9c-4d06-bae2-795983241227" providerId="AD" clId="Web-{AFB92C2B-405E-C597-0988-18F97C53104C}" dt="2021-09-22T18:53:05.841" v="5" actId="20577"/>
-          <ac:spMkLst>
-            <pc:docMk/>
-            <pc:sldMk cId="1050037809" sldId="261"/>
-            <ac:spMk id="64" creationId="{41467BDC-3D83-D844-B922-CD07E94E5AAB}"/>
-          </ac:spMkLst>
-        </pc:spChg>
-        <pc:graphicFrameChg chg="mod modGraphic">
-          <ac:chgData name="Akilah Johnson" userId="S::akjohnso@adobe.com::2fa3aa60-0c9c-4d06-bae2-795983241227" providerId="AD" clId="Web-{AFB92C2B-405E-C597-0988-18F97C53104C}" dt="2021-09-22T18:53:26.184" v="29"/>
-          <ac:graphicFrameMkLst>
-            <pc:docMk/>
-            <pc:sldMk cId="1050037809" sldId="261"/>
-            <ac:graphicFrameMk id="25" creationId="{3A91F5B0-3974-A14D-A146-FB590F2AAD18}"/>
-          </ac:graphicFrameMkLst>
-        </pc:graphicFrameChg>
-      </pc:sldChg>
-    </pc:docChg>
-  </pc:docChgLst>
-  <pc:docChgLst>
-    <pc:chgData name="Lauren Schutte" userId="6e08b2d3-447a-4d66-86be-444d50df187f" providerId="ADAL" clId="{61630BD6-9AE9-064C-B39F-AFA945B82B3E}"/>
-    <pc:docChg chg="undo custSel modSld">
-      <pc:chgData name="Lauren Schutte" userId="6e08b2d3-447a-4d66-86be-444d50df187f" providerId="ADAL" clId="{61630BD6-9AE9-064C-B39F-AFA945B82B3E}" dt="2021-10-13T19:21:08.267" v="201" actId="20577"/>
-      <pc:docMkLst>
-        <pc:docMk/>
-      </pc:docMkLst>
-      <pc:sldChg chg="modSp mod">
-        <pc:chgData name="Lauren Schutte" userId="6e08b2d3-447a-4d66-86be-444d50df187f" providerId="ADAL" clId="{61630BD6-9AE9-064C-B39F-AFA945B82B3E}" dt="2021-10-13T19:21:08.267" v="201" actId="20577"/>
-        <pc:sldMkLst>
-          <pc:docMk/>
-          <pc:sldMk cId="0" sldId="256"/>
-        </pc:sldMkLst>
-        <pc:spChg chg="mod">
-          <ac:chgData name="Lauren Schutte" userId="6e08b2d3-447a-4d66-86be-444d50df187f" providerId="ADAL" clId="{61630BD6-9AE9-064C-B39F-AFA945B82B3E}" dt="2021-10-13T19:03:44.344" v="3" actId="1076"/>
-          <ac:spMkLst>
-            <pc:docMk/>
-            <pc:sldMk cId="0" sldId="256"/>
-            <ac:spMk id="3" creationId="{00000000-0000-0000-0000-000000000000}"/>
-          </ac:spMkLst>
-        </pc:spChg>
-        <pc:graphicFrameChg chg="mod modGraphic">
-          <ac:chgData name="Lauren Schutte" userId="6e08b2d3-447a-4d66-86be-444d50df187f" providerId="ADAL" clId="{61630BD6-9AE9-064C-B39F-AFA945B82B3E}" dt="2021-10-13T19:21:08.267" v="201" actId="20577"/>
-          <ac:graphicFrameMkLst>
-            <pc:docMk/>
-            <pc:sldMk cId="0" sldId="256"/>
-            <ac:graphicFrameMk id="9" creationId="{00000000-0000-0000-0000-000000000000}"/>
           </ac:graphicFrameMkLst>
         </pc:graphicFrameChg>
       </pc:sldChg>
@@ -499,7 +285,7 @@
           <a:p>
             <a:fld id="{FB81873C-0B24-F04A-98A1-90E0A78F7E8A}" type="datetimeFigureOut">
               <a:rPr lang="en-US" smtClean="0"/>
-              <a:t>12/7/21</a:t>
+              <a:t>11/18/21</a:t>
             </a:fld>
             <a:endParaRPr lang="en-US"/>
           </a:p>
@@ -810,7 +596,7 @@
           <a:bodyPr/>
           <a:lstStyle/>
           <a:p>
-            <a:endParaRPr lang="en-US"/>
+            <a:endParaRPr lang="en-US" dirty="0"/>
           </a:p>
         </p:txBody>
       </p:sp>
@@ -894,7 +680,7 @@
           <a:bodyPr/>
           <a:lstStyle/>
           <a:p>
-            <a:endParaRPr lang="en-US"/>
+            <a:endParaRPr lang="en-US" dirty="0"/>
           </a:p>
         </p:txBody>
       </p:sp>
@@ -978,7 +764,7 @@
           <a:bodyPr/>
           <a:lstStyle/>
           <a:p>
-            <a:endParaRPr lang="en-US"/>
+            <a:endParaRPr lang="en-US" dirty="0"/>
           </a:p>
         </p:txBody>
       </p:sp>
@@ -1122,7 +908,7 @@
           <a:p>
             <a:fld id="{1D8BD707-D9CF-40AE-B4C6-C98DA3205C09}" type="datetimeFigureOut">
               <a:rPr lang="en-US"/>
-              <a:t>12/7/21</a:t>
+              <a:t>11/18/21</a:t>
             </a:fld>
             <a:endParaRPr lang="en-US"/>
           </a:p>
@@ -1210,23 +996,23 @@
               </a:spcBef>
             </a:pPr>
             <a:r>
-              <a:rPr spc="-5"/>
+              <a:rPr spc="-5" dirty="0"/>
               <a:t>©202</a:t>
             </a:r>
             <a:r>
-              <a:rPr lang="en-US" spc="-5"/>
+              <a:rPr lang="en-US" spc="-5" dirty="0"/>
               <a:t>1 </a:t>
             </a:r>
             <a:r>
-              <a:rPr spc="-5"/>
+              <a:rPr spc="-5" dirty="0"/>
               <a:t>Adobe. All Rights Reserved. Adobe</a:t>
             </a:r>
             <a:r>
-              <a:rPr spc="60"/>
+              <a:rPr spc="60" dirty="0"/>
               <a:t> </a:t>
             </a:r>
             <a:r>
-              <a:rPr spc="-5"/>
+              <a:rPr spc="-5" dirty="0"/>
               <a:t>Confidential.</a:t>
             </a:r>
           </a:p>
@@ -1314,7 +1100,7 @@
           <a:p>
             <a:fld id="{1D8BD707-D9CF-40AE-B4C6-C98DA3205C09}" type="datetimeFigureOut">
               <a:rPr lang="en-US"/>
-              <a:t>12/7/21</a:t>
+              <a:t>11/18/21</a:t>
             </a:fld>
             <a:endParaRPr lang="en-US"/>
           </a:p>
@@ -1402,23 +1188,23 @@
               </a:spcBef>
             </a:pPr>
             <a:r>
-              <a:rPr spc="-5"/>
+              <a:rPr spc="-5" dirty="0"/>
               <a:t>©202</a:t>
             </a:r>
             <a:r>
-              <a:rPr lang="en-US" spc="-5"/>
+              <a:rPr lang="en-US" spc="-5" dirty="0"/>
               <a:t>1</a:t>
             </a:r>
             <a:r>
-              <a:rPr spc="-5"/>
+              <a:rPr spc="-5" dirty="0"/>
               <a:t> Adobe. All Rights Reserved. Adobe</a:t>
             </a:r>
             <a:r>
-              <a:rPr spc="60"/>
+              <a:rPr spc="60" dirty="0"/>
               <a:t> </a:t>
             </a:r>
             <a:r>
-              <a:rPr spc="-5"/>
+              <a:rPr spc="-5" dirty="0"/>
               <a:t>Confidential.</a:t>
             </a:r>
           </a:p>
@@ -1573,23 +1359,23 @@
               </a:spcBef>
             </a:pPr>
             <a:r>
-              <a:rPr spc="-5"/>
+              <a:rPr spc="-5" dirty="0"/>
               <a:t>©202</a:t>
             </a:r>
             <a:r>
-              <a:rPr lang="en-US" spc="-5"/>
+              <a:rPr lang="en-US" spc="-5" dirty="0"/>
               <a:t>1</a:t>
             </a:r>
             <a:r>
-              <a:rPr spc="-5"/>
+              <a:rPr spc="-5" dirty="0"/>
               <a:t> Adobe. All Rights Reserved. Adobe</a:t>
             </a:r>
             <a:r>
-              <a:rPr spc="60"/>
+              <a:rPr spc="60" dirty="0"/>
               <a:t> </a:t>
             </a:r>
             <a:r>
-              <a:rPr spc="-5"/>
+              <a:rPr spc="-5" dirty="0"/>
               <a:t>Confidential.</a:t>
             </a:r>
           </a:p>
@@ -1632,7 +1418,7 @@
           <a:p>
             <a:fld id="{1D8BD707-D9CF-40AE-B4C6-C98DA3205C09}" type="datetimeFigureOut">
               <a:rPr lang="en-US"/>
-              <a:t>12/7/21</a:t>
+              <a:t>11/18/21</a:t>
             </a:fld>
             <a:endParaRPr lang="en-US"/>
           </a:p>
@@ -1886,8 +1672,8 @@
         </p:nvSpPr>
         <p:spPr>
           <a:xfrm>
-            <a:off x="168565" y="7162363"/>
-            <a:ext cx="2800350" cy="238760"/>
+            <a:off x="168564" y="7162363"/>
+            <a:ext cx="3870035" cy="229037"/>
           </a:xfrm>
           <a:prstGeom prst="rect">
             <a:avLst/>
@@ -1908,7 +1694,7 @@
               </a:spcBef>
             </a:pPr>
             <a:r>
-              <a:rPr sz="1400" b="1" u="heavy" spc="10">
+              <a:rPr lang="de-de" sz="1400" b="1" u="heavy" spc="10" dirty="0">
                 <a:solidFill>
                   <a:srgbClr val="020302"/>
                 </a:solidFill>
@@ -1920,10 +1706,10 @@
                 <a:latin typeface="Adobe Clean"/>
                 <a:cs typeface="Adobe Clean"/>
               </a:rPr>
-              <a:t>Service </a:t>
-            </a:r>
-            <a:r>
-              <a:rPr sz="1400" b="1" u="heavy" spc="-10">
+              <a:t>서비스 </a:t>
+            </a:r>
+            <a:r>
+              <a:rPr lang="de-de" sz="1400" b="1" u="heavy" spc="-10" dirty="0">
                 <a:solidFill>
                   <a:srgbClr val="020302"/>
                 </a:solidFill>
@@ -1935,10 +1721,10 @@
                 <a:latin typeface="Adobe Clean"/>
                 <a:cs typeface="Adobe Clean"/>
               </a:rPr>
-              <a:t>Level </a:t>
-            </a:r>
-            <a:r>
-              <a:rPr sz="1400" b="1" u="heavy" spc="-45">
+              <a:t>수준 </a:t>
+            </a:r>
+            <a:r>
+              <a:rPr lang="de-de" sz="1400" b="1" u="heavy" spc="-45" dirty="0">
                 <a:solidFill>
                   <a:srgbClr val="020302"/>
                 </a:solidFill>
@@ -1950,10 +1736,10 @@
                 <a:latin typeface="Adobe Clean"/>
                 <a:cs typeface="Adobe Clean"/>
               </a:rPr>
-              <a:t>Targets: </a:t>
-            </a:r>
-            <a:r>
-              <a:rPr sz="1400" b="1" u="heavy" spc="-10">
+              <a:t>목표: </a:t>
+            </a:r>
+            <a:r>
+              <a:rPr lang="de-de" sz="1400" b="1" u="heavy" spc="-10" dirty="0">
                 <a:solidFill>
                   <a:srgbClr val="020302"/>
                 </a:solidFill>
@@ -1965,10 +1751,10 @@
                 <a:latin typeface="Adobe Clean"/>
                 <a:cs typeface="Adobe Clean"/>
               </a:rPr>
-              <a:t>Initial</a:t>
-            </a:r>
-            <a:r>
-              <a:rPr sz="1400" b="1" u="heavy" spc="-140">
+              <a:t>초기</a:t>
+            </a:r>
+            <a:r>
+              <a:rPr lang="de-de" sz="1400" b="1" u="heavy" spc="-140" dirty="0">
                 <a:solidFill>
                   <a:srgbClr val="020302"/>
                 </a:solidFill>
@@ -1983,7 +1769,7 @@
               <a:t> </a:t>
             </a:r>
             <a:r>
-              <a:rPr sz="1400" b="1" u="heavy" spc="-15">
+              <a:rPr lang="de-de" sz="1400" b="1" u="heavy" spc="-15" dirty="0">
                 <a:solidFill>
                   <a:srgbClr val="020302"/>
                 </a:solidFill>
@@ -1995,9 +1781,9 @@
                 <a:latin typeface="Adobe Clean"/>
                 <a:cs typeface="Adobe Clean"/>
               </a:rPr>
-              <a:t>Response</a:t>
-            </a:r>
-            <a:endParaRPr sz="1400">
+              <a:t>대응</a:t>
+            </a:r>
+            <a:endParaRPr sz="1400" dirty="0">
               <a:latin typeface="Adobe Clean"/>
               <a:cs typeface="Adobe Clean"/>
             </a:endParaRPr>
@@ -2053,7 +1839,7 @@
           </a:prstGeom>
         </p:spPr>
         <p:txBody>
-          <a:bodyPr vert="horz" wrap="square" lIns="0" tIns="12700" rIns="0" bIns="0" rtlCol="0" anchor="t">
+          <a:bodyPr vert="horz" wrap="square" lIns="0" tIns="12700" rIns="0" bIns="0" rtlCol="0">
             <a:spAutoFit/>
           </a:bodyPr>
           <a:lstStyle/>
@@ -2067,18 +1853,18 @@
               </a:spcBef>
             </a:pPr>
             <a:r>
-              <a:rPr sz="2300">
-                <a:latin typeface="Adobe Clean"/>
+              <a:rPr lang="de-de" sz="2300" spc="-229" dirty="0">
+                <a:latin typeface="Adobe Clean" panose="020B0503020404020204" pitchFamily="34" charset="0"/>
               </a:rPr>
-              <a:t>ADOBE </a:t>
-            </a:r>
-            <a:r>
-              <a:rPr lang="en-US" sz="2300">
-                <a:latin typeface="Adobe Clean"/>
+              <a:t>Adobe   </a:t>
+            </a:r>
+            <a:r>
+              <a:rPr lang="ko-KR" altLang="en-US" sz="2300" spc="-229" dirty="0">
+                <a:latin typeface="Adobe Clean" panose="020B0503020404020204" pitchFamily="34" charset="0"/>
               </a:rPr>
-              <a:t>SUPPORT PLANS</a:t>
-            </a:r>
-            <a:endParaRPr sz="2300">
+              <a:t>지원 플랜</a:t>
+            </a:r>
+            <a:endParaRPr sz="2300" dirty="0">
               <a:latin typeface="Adobe Clean" panose="020B0503020404020204" pitchFamily="34" charset="0"/>
             </a:endParaRPr>
           </a:p>
@@ -2092,7 +1878,7 @@
         </p:nvSpPr>
         <p:spPr>
           <a:xfrm>
-            <a:off x="121147" y="531160"/>
+            <a:off x="121147" y="635935"/>
             <a:ext cx="5865216" cy="1269065"/>
           </a:xfrm>
           <a:prstGeom prst="rect">
@@ -2114,31 +1900,31 @@
               </a:spcBef>
             </a:pPr>
             <a:r>
-              <a:rPr lang="en-US" sz="900">
+              <a:rPr lang="de-de" sz="900" dirty="0">
                 <a:solidFill>
                   <a:schemeClr val="bg1"/>
                 </a:solidFill>
                 <a:latin typeface="Adobe Clean Light" panose="020B0303020404020204" pitchFamily="34" charset="0"/>
               </a:rPr>
-              <a:t>Online | </a:t>
-            </a:r>
-            <a:r>
-              <a:rPr lang="en-US" sz="900" b="1">
+              <a:t>온라인 | </a:t>
+            </a:r>
+            <a:r>
+              <a:rPr lang="de-de" sz="900" b="1" dirty="0">
                 <a:solidFill>
                   <a:schemeClr val="bg1"/>
                 </a:solidFill>
                 <a:latin typeface="Adobe Clean" panose="020B0503020404020204" pitchFamily="34" charset="0"/>
               </a:rPr>
-              <a:t>Business</a:t>
-            </a:r>
-            <a:r>
-              <a:rPr lang="en-US" sz="900">
+              <a:t>비즈니스</a:t>
+            </a:r>
+            <a:r>
+              <a:rPr lang="de-de" sz="900" dirty="0">
                 <a:solidFill>
                   <a:schemeClr val="bg1"/>
                 </a:solidFill>
                 <a:latin typeface="Adobe Clean Light" panose="020B0303020404020204" pitchFamily="34" charset="0"/>
               </a:rPr>
-              <a:t> | Enterprise | Elite</a:t>
+              <a:t> | 엔터프라이즈 | 엘리트</a:t>
             </a:r>
           </a:p>
           <a:p>
@@ -2151,15 +1937,15 @@
               </a:spcBef>
             </a:pPr>
             <a:r>
-              <a:rPr lang="en-US" sz="900">
+              <a:rPr lang="de-de" sz="900" dirty="0">
                 <a:solidFill>
                   <a:schemeClr val="bg1"/>
                 </a:solidFill>
                 <a:latin typeface="Adobe Clean SemiLight" panose="020B0403020404020204" pitchFamily="34" charset="0"/>
               </a:rPr>
-              <a:t>Adobe provides a comprehensive range of technical resources to help support your business, included as part of your Experience Cloud license subscription and enhanced in the BUSINESS support package. BUSINESS support includes access to personalized learning paths and monitored community forums via the Adobe Experience League. You can also take advantage of our detailed and in-depth technical product documentation and current release notes. BUSINESS customers also benefit from access to our technical support teams for any product query via either the telephone or the support web portal, to help protect your business at the most critical times. BUSINESS customers will receive regular communications and updates from their Account Support Lead in addition to support case escalation management for your most critical of support requests. </a:t>
-            </a:r>
-            <a:endParaRPr lang="en-US" sz="900">
+              <a:t>Adobe는 비즈니스를 지원하는 데 도움이 되는 포괄적인 기술 리소스를 제공합니다. Experience Cloud 라이선스 구독의 일부로 포함되며 비즈니스 지원 패키지에서 더욱 향상되었습니다. 비즈니스 지원에는 Adobe Experience League를 통한 개인 맞춤형 학습 경로 및 모니터링되는 커뮤니티 포럼 액세스가 포함됩니다. 또한 상세한 심층적 기술 제품 설명서 및 최신 릴리스 정보를 활용할 수도 있습니다. 비즈니스 고객은 또한 전화나 지원 웹 포털을 통해 제품 쿼리에 대한 기술 지원 팀의 서비스를 이용하여 가장 중요한 시기에 비즈니스를 보호할 수 있습니다. BUSINESS 고객은 가장 중요한 지원 요청에 대한 지원 사례 에스컬레이션 관리 외에도 계정 지원 리드로부터 정기적인 커뮤니케이션 및 업데이트를 받게 됩니다. </a:t>
+            </a:r>
+            <a:endParaRPr lang="en-US" sz="900" dirty="0">
               <a:solidFill>
                 <a:schemeClr val="bg1"/>
               </a:solidFill>
@@ -2232,24 +2018,16 @@
               </a:spcBef>
             </a:pPr>
             <a:r>
-              <a:rPr spc="-5"/>
-              <a:t>©202</a:t>
-            </a:r>
-            <a:r>
-              <a:rPr lang="en-US" spc="-5"/>
-              <a:t>1</a:t>
-            </a:r>
-            <a:r>
-              <a:rPr spc="-5"/>
-              <a:t> Adobe. All Rights Reserved. Adobe</a:t>
-            </a:r>
-            <a:r>
-              <a:rPr spc="60"/>
+              <a:rPr lang="de-de" spc="-5" dirty="0"/>
+              <a:t>©2021 Adobe. All Rights Reserved. Adobe</a:t>
+            </a:r>
+            <a:r>
+              <a:rPr lang="de-de" spc="60" dirty="0"/>
               <a:t> </a:t>
             </a:r>
             <a:r>
-              <a:rPr spc="-5"/>
-              <a:t>Confidential.</a:t>
+              <a:rPr lang="de-de" spc="-5" dirty="0"/>
+              <a:t>기밀.</a:t>
             </a:r>
           </a:p>
         </p:txBody>
@@ -2263,14 +2041,14 @@
           <p:nvPr>
             <p:extLst>
               <p:ext uri="{D42A27DB-BD31-4B8C-83A1-F6EECF244321}">
-                <p14:modId xmlns:p14="http://schemas.microsoft.com/office/powerpoint/2010/main" val="852543156"/>
+                <p14:modId xmlns:p14="http://schemas.microsoft.com/office/powerpoint/2010/main" val="366689513"/>
               </p:ext>
             </p:extLst>
           </p:nvPr>
         </p:nvGraphicFramePr>
         <p:xfrm>
-          <a:off x="118872" y="7475985"/>
-          <a:ext cx="7498851" cy="2223598"/>
+          <a:off x="121146" y="7475985"/>
+          <a:ext cx="7466799" cy="2088582"/>
         </p:xfrm>
         <a:graphic>
           <a:graphicData uri="http://schemas.openxmlformats.org/drawingml/2006/table">
@@ -2279,14 +2057,14 @@
                 <a:tableStyleId>{2D5ABB26-0587-4C30-8999-92F81FD0307C}</a:tableStyleId>
               </a:tblPr>
               <a:tblGrid>
-                <a:gridCol w="4698744">
+                <a:gridCol w="4698745">
                   <a:extLst>
                     <a:ext uri="{9D8B030D-6E8A-4147-A177-3AD203B41FA5}">
                       <a16:colId xmlns:a16="http://schemas.microsoft.com/office/drawing/2014/main" val="20000"/>
                     </a:ext>
                   </a:extLst>
                 </a:gridCol>
-                <a:gridCol w="1400053">
+                <a:gridCol w="1368000">
                   <a:extLst>
                     <a:ext uri="{9D8B030D-6E8A-4147-A177-3AD203B41FA5}">
                       <a16:colId xmlns:a16="http://schemas.microsoft.com/office/drawing/2014/main" val="20001"/>
@@ -2301,7 +2079,7 @@
                   </a:extLst>
                 </a:gridCol>
               </a:tblGrid>
-              <a:tr h="291248">
+              <a:tr h="274318">
                 <a:tc>
                   <a:txBody>
                     <a:bodyPr/>
@@ -2316,22 +2094,22 @@
                         </a:spcBef>
                       </a:pPr>
                       <a:r>
-                        <a:rPr sz="900" spc="0">
+                        <a:rPr lang="de-de" sz="900" spc="0" dirty="0">
                           <a:solidFill>
                             <a:srgbClr val="020302"/>
                           </a:solidFill>
                           <a:latin typeface="Adobe Clean"/>
                           <a:cs typeface="Adobe Clean"/>
                         </a:rPr>
-                        <a:t>Priority</a:t>
+                        <a:t>우선 순위</a:t>
                       </a:r>
-                      <a:endParaRPr sz="900" spc="0">
+                      <a:endParaRPr sz="900" spc="0" dirty="0">
                         <a:latin typeface="Adobe Clean"/>
                         <a:cs typeface="Adobe Clean"/>
                       </a:endParaRPr>
                     </a:p>
                   </a:txBody>
-                  <a:tcPr marL="0" marR="0" marT="7620" marB="0">
+                  <a:tcPr marL="0" marR="0" marT="0" marB="0" anchor="ctr">
                     <a:lnL w="3175">
                       <a:solidFill>
                         <a:srgbClr val="B7B8B8"/>
@@ -2366,31 +2144,32 @@
                     <a:bodyPr/>
                     <a:lstStyle/>
                     <a:p>
-                      <a:pPr marL="135255" algn="ctr">
+                      <a:pPr marL="15875" indent="0" algn="ctr">
                         <a:lnSpc>
                           <a:spcPct val="100000"/>
                         </a:lnSpc>
                         <a:spcBef>
                           <a:spcPts val="60"/>
                         </a:spcBef>
+                        <a:tabLst/>
                       </a:pPr>
                       <a:r>
-                        <a:rPr sz="900" spc="0">
+                        <a:rPr lang="de-de" sz="900" spc="0" dirty="0">
                           <a:solidFill>
                             <a:srgbClr val="020302"/>
                           </a:solidFill>
                           <a:latin typeface="Adobe Clean"/>
                           <a:cs typeface="Adobe Clean"/>
                         </a:rPr>
-                        <a:t>Online Support</a:t>
+                        <a:t>온라인 지원</a:t>
                       </a:r>
-                      <a:endParaRPr sz="900" spc="0">
+                      <a:endParaRPr sz="900" spc="0" dirty="0">
                         <a:latin typeface="Adobe Clean"/>
                         <a:cs typeface="Adobe Clean"/>
                       </a:endParaRPr>
                     </a:p>
                   </a:txBody>
-                  <a:tcPr marL="182880" marT="91440" anchor="ctr">
+                  <a:tcPr marL="0" marR="0" marT="0" marB="0" anchor="ctr">
                     <a:lnL w="3175">
                       <a:solidFill>
                         <a:srgbClr val="B7B8B8"/>
@@ -2425,51 +2204,32 @@
                     <a:bodyPr/>
                     <a:lstStyle/>
                     <a:p>
-                      <a:pPr marL="92710">
+                      <a:pPr marL="15875" indent="0" algn="ctr">
                         <a:lnSpc>
                           <a:spcPct val="100000"/>
                         </a:lnSpc>
                         <a:spcBef>
                           <a:spcPts val="60"/>
                         </a:spcBef>
+                        <a:tabLst/>
                       </a:pPr>
                       <a:r>
-                        <a:rPr sz="900" spc="0">
+                        <a:rPr lang="de-de" sz="900" spc="0" dirty="0">
                           <a:solidFill>
                             <a:srgbClr val="FFFFFF"/>
                           </a:solidFill>
                           <a:latin typeface="Adobe Clean"/>
                           <a:cs typeface="Adobe Clean"/>
                         </a:rPr>
-                        <a:t>Business</a:t>
+                        <a:t>비즈니스 지원</a:t>
                       </a:r>
-                      <a:r>
-                        <a:rPr lang="en-US" sz="900" spc="0">
-                          <a:solidFill>
-                            <a:srgbClr val="FFFFFF"/>
-                          </a:solidFill>
-                          <a:latin typeface="Adobe Clean"/>
-                          <a:cs typeface="Adobe Clean"/>
-                        </a:rPr>
-                        <a:t> </a:t>
-                      </a:r>
-                      <a:r>
-                        <a:rPr sz="900" spc="0">
-                          <a:solidFill>
-                            <a:srgbClr val="FFFFFF"/>
-                          </a:solidFill>
-                          <a:latin typeface="Adobe Clean"/>
-                          <a:cs typeface="Adobe Clean"/>
-                        </a:rPr>
-                        <a:t>Support</a:t>
-                      </a:r>
-                      <a:endParaRPr sz="900" spc="0">
+                      <a:endParaRPr sz="900" spc="0" dirty="0">
                         <a:latin typeface="Adobe Clean"/>
                         <a:cs typeface="Adobe Clean"/>
                       </a:endParaRPr>
                     </a:p>
                   </a:txBody>
-                  <a:tcPr marL="182880" marT="91440" anchor="ctr">
+                  <a:tcPr marL="0" marR="0" marT="0" marB="0" anchor="ctr">
                     <a:lnL w="3175">
                       <a:solidFill>
                         <a:srgbClr val="B7B8B8"/>
@@ -2505,7 +2265,7 @@
                   </a:ext>
                 </a:extLst>
               </a:tr>
-              <a:tr h="514672">
+              <a:tr h="484755">
                 <a:tc>
                   <a:txBody>
                     <a:bodyPr/>
@@ -2520,16 +2280,16 @@
                         </a:spcBef>
                       </a:pPr>
                       <a:r>
-                        <a:rPr sz="900" b="1" spc="0">
+                        <a:rPr lang="de-de" sz="900" b="1" spc="0" dirty="0">
                           <a:solidFill>
                             <a:srgbClr val="020302"/>
                           </a:solidFill>
                           <a:latin typeface="Adobe Clean"/>
                           <a:cs typeface="Adobe Clean"/>
                         </a:rPr>
-                        <a:t>PRIORITY 1</a:t>
+                        <a:t>우선 순위 1</a:t>
                       </a:r>
-                      <a:endParaRPr sz="900" spc="0">
+                      <a:endParaRPr sz="900" spc="0" dirty="0">
                         <a:latin typeface="Adobe Clean"/>
                         <a:cs typeface="Adobe Clean"/>
                       </a:endParaRPr>
@@ -2553,22 +2313,22 @@
                         <a:defRPr/>
                       </a:pPr>
                       <a:r>
-                        <a:rPr lang="en-US" sz="900" b="0" i="0" spc="0">
+                        <a:rPr lang="de-de" sz="900" b="0" i="0" spc="0" dirty="0">
                           <a:solidFill>
                             <a:srgbClr val="000000"/>
                           </a:solidFill>
                           <a:effectLst/>
                           <a:latin typeface="Adobe Clean Light" panose="020B0303020404020204" pitchFamily="34" charset="0"/>
                         </a:rPr>
-                        <a:t>Customer's production business functions are down or have significant data loss or service degradation and immediate attention is required to restore functionality and usability</a:t>
+                        <a:t>고객의 생산 비즈니스 기능이 다운되었거나 심각한 데이터 손실 또는 서비스 저하가 발생했으며 기능 및 사용성을 복원하기 위해 즉각적인 주의가 필요합니다.</a:t>
                       </a:r>
-                      <a:endParaRPr lang="en-US" sz="900" b="0" i="0" spc="0">
+                      <a:endParaRPr lang="en-US" sz="900" b="0" i="0" spc="0" dirty="0">
                         <a:latin typeface="Adobe Clean Light" panose="020B0303020404020204" pitchFamily="34" charset="0"/>
                         <a:cs typeface="AdobeClean-Light"/>
                       </a:endParaRPr>
                     </a:p>
                   </a:txBody>
-                  <a:tcPr marL="0" marR="0" marT="3810" marB="0">
+                  <a:tcPr marL="0" marR="0" marT="0" marB="0">
                     <a:lnL w="3175">
                       <a:solidFill>
                         <a:srgbClr val="B7B8B8"/>
@@ -2609,17 +2369,17 @@
                         </a:spcBef>
                       </a:pPr>
                       <a:r>
-                        <a:rPr sz="900" spc="0">
+                        <a:rPr lang="de-de" sz="900" spc="0" dirty="0">
                           <a:solidFill>
                             <a:srgbClr val="020302"/>
                           </a:solidFill>
                           <a:latin typeface="AdobeClean-Light"/>
                           <a:cs typeface="AdobeClean-Light"/>
                         </a:rPr>
-                        <a:t>24x7</a:t>
+                        <a:t>24x7 /</a:t>
                       </a:r>
                       <a:r>
-                        <a:rPr lang="en-US" sz="900" spc="0">
+                        <a:rPr lang="de-DE" sz="900" spc="0" dirty="0">
                           <a:solidFill>
                             <a:srgbClr val="020302"/>
                           </a:solidFill>
@@ -2629,42 +2389,22 @@
                         <a:t> </a:t>
                       </a:r>
                       <a:r>
-                        <a:rPr sz="900" spc="0">
+                        <a:rPr lang="de-de" sz="900" spc="0" dirty="0">
                           <a:solidFill>
                             <a:srgbClr val="020302"/>
                           </a:solidFill>
                           <a:latin typeface="AdobeClean-Light"/>
                           <a:cs typeface="AdobeClean-Light"/>
                         </a:rPr>
-                        <a:t>/</a:t>
+                        <a:t>1시간</a:t>
                       </a:r>
-                      <a:r>
-                        <a:rPr lang="en-US" sz="900" spc="0">
-                          <a:solidFill>
-                            <a:srgbClr val="020302"/>
-                          </a:solidFill>
-                          <a:latin typeface="AdobeClean-Light"/>
-                          <a:cs typeface="AdobeClean-Light"/>
-                        </a:rPr>
-                        <a:t> </a:t>
-                      </a:r>
-                      <a:r>
-                        <a:rPr sz="900" spc="0">
-                          <a:solidFill>
-                            <a:srgbClr val="020302"/>
-                          </a:solidFill>
-                          <a:latin typeface="AdobeClean-Light"/>
-                          <a:cs typeface="AdobeClean-Light"/>
-                        </a:rPr>
-                        <a:t>1 hour</a:t>
-                      </a:r>
-                      <a:endParaRPr sz="900" spc="0">
+                      <a:endParaRPr sz="900" spc="0" dirty="0">
                         <a:latin typeface="AdobeClean-Light"/>
                         <a:cs typeface="AdobeClean-Light"/>
                       </a:endParaRPr>
                     </a:p>
                   </a:txBody>
-                  <a:tcPr marL="0" marR="0" marT="91440" marB="91440" anchor="ctr" anchorCtr="1">
+                  <a:tcPr marL="0" marR="0" marT="0" marB="0" anchor="ctr">
                     <a:lnL w="3175">
                       <a:solidFill>
                         <a:srgbClr val="B7B8B8"/>
@@ -2705,17 +2445,17 @@
                         </a:spcBef>
                       </a:pPr>
                       <a:r>
-                        <a:rPr sz="900" spc="0">
+                        <a:rPr lang="de-de" sz="900" spc="0" dirty="0">
                           <a:solidFill>
                             <a:srgbClr val="020302"/>
                           </a:solidFill>
                           <a:latin typeface="AdobeClean-Light"/>
                           <a:cs typeface="AdobeClean-Light"/>
                         </a:rPr>
-                        <a:t>24x7</a:t>
+                        <a:t>24x7 /</a:t>
                       </a:r>
                       <a:r>
-                        <a:rPr lang="en-US" sz="900" spc="0">
+                        <a:rPr lang="de-DE" sz="900" spc="0" dirty="0">
                           <a:solidFill>
                             <a:srgbClr val="020302"/>
                           </a:solidFill>
@@ -2725,42 +2465,22 @@
                         <a:t> </a:t>
                       </a:r>
                       <a:r>
-                        <a:rPr sz="900" spc="0">
+                        <a:rPr lang="de-de" sz="900" spc="0" dirty="0">
                           <a:solidFill>
                             <a:srgbClr val="020302"/>
                           </a:solidFill>
                           <a:latin typeface="AdobeClean-Light"/>
                           <a:cs typeface="AdobeClean-Light"/>
                         </a:rPr>
-                        <a:t>/</a:t>
+                        <a:t>1시간</a:t>
                       </a:r>
-                      <a:r>
-                        <a:rPr lang="en-US" sz="900" spc="0">
-                          <a:solidFill>
-                            <a:srgbClr val="020302"/>
-                          </a:solidFill>
-                          <a:latin typeface="AdobeClean-Light"/>
-                          <a:cs typeface="AdobeClean-Light"/>
-                        </a:rPr>
-                        <a:t> </a:t>
-                      </a:r>
-                      <a:r>
-                        <a:rPr sz="900" spc="0">
-                          <a:solidFill>
-                            <a:srgbClr val="020302"/>
-                          </a:solidFill>
-                          <a:latin typeface="AdobeClean-Light"/>
-                          <a:cs typeface="AdobeClean-Light"/>
-                        </a:rPr>
-                        <a:t>1 hour</a:t>
-                      </a:r>
-                      <a:endParaRPr sz="900" spc="0">
+                      <a:endParaRPr sz="900" spc="0" dirty="0">
                         <a:latin typeface="AdobeClean-Light"/>
                         <a:cs typeface="AdobeClean-Light"/>
                       </a:endParaRPr>
                     </a:p>
                   </a:txBody>
-                  <a:tcPr marL="0" marR="0" marT="91440" marB="91440" anchor="ctr" anchorCtr="1">
+                  <a:tcPr marL="0" marR="0" marT="0" marB="0" anchor="ctr">
                     <a:lnL w="3175">
                       <a:solidFill>
                         <a:srgbClr val="B7B8B8"/>
@@ -2798,7 +2518,7 @@
                   </a:ext>
                 </a:extLst>
               </a:tr>
-              <a:tr h="514672">
+              <a:tr h="484755">
                 <a:tc>
                   <a:txBody>
                     <a:bodyPr/>
@@ -2813,16 +2533,16 @@
                         </a:spcBef>
                       </a:pPr>
                       <a:r>
-                        <a:rPr sz="900" b="1" spc="0">
+                        <a:rPr lang="de-de" sz="900" b="1" spc="0" dirty="0">
                           <a:solidFill>
                             <a:srgbClr val="020302"/>
                           </a:solidFill>
                           <a:latin typeface="Adobe Clean"/>
                           <a:cs typeface="Adobe Clean"/>
                         </a:rPr>
-                        <a:t>PRIORITY 2</a:t>
+                        <a:t>우선 순위 2</a:t>
                       </a:r>
-                      <a:endParaRPr sz="900" spc="0">
+                      <a:endParaRPr sz="900" spc="0" dirty="0">
                         <a:latin typeface="Adobe Clean"/>
                         <a:cs typeface="Adobe Clean"/>
                       </a:endParaRPr>
@@ -2837,22 +2557,22 @@
                         </a:spcBef>
                       </a:pPr>
                       <a:r>
-                        <a:rPr lang="en-US" sz="900" b="0" i="0" spc="0">
+                        <a:rPr lang="de-de" sz="900" b="0" i="0" spc="0" dirty="0">
                           <a:solidFill>
                             <a:srgbClr val="000000"/>
                           </a:solidFill>
                           <a:effectLst/>
                           <a:latin typeface="Adobe Clean Light" panose="020B0303020404020204" pitchFamily="34" charset="0"/>
                         </a:rPr>
-                        <a:t>Customer's business functions have major service degradation or potential data loss, or a major feature is impacted </a:t>
+                        <a:t>고객의 비즈니스 기능에 심각한 서비스 저하 또는 잠재적인 데이터 손실이 있거나 주요 기능이 영향을 받습니다. </a:t>
                       </a:r>
-                      <a:endParaRPr lang="en-US" sz="900" b="0" i="0" spc="0">
+                      <a:endParaRPr lang="en-US" sz="900" b="0" i="0" spc="0" dirty="0">
                         <a:latin typeface="Adobe Clean Light" panose="020B0303020404020204" pitchFamily="34" charset="0"/>
                         <a:cs typeface="AdobeClean-Light"/>
                       </a:endParaRPr>
                     </a:p>
                   </a:txBody>
-                  <a:tcPr marL="0" marR="0" marT="3810" marB="0">
+                  <a:tcPr marL="0" marR="0" marT="0" marB="0">
                     <a:lnL w="3175">
                       <a:solidFill>
                         <a:srgbClr val="B7B8B8"/>
@@ -2893,17 +2613,37 @@
                         </a:spcBef>
                       </a:pPr>
                       <a:r>
-                        <a:rPr sz="900" spc="0">
+                        <a:rPr lang="de-de" sz="900" spc="0" dirty="0">
                           <a:solidFill>
                             <a:srgbClr val="020302"/>
                           </a:solidFill>
                           <a:latin typeface="AdobeClean-Light"/>
                           <a:cs typeface="AdobeClean-Light"/>
                         </a:rPr>
-                        <a:t>Business</a:t>
+                        <a:t>업무 </a:t>
                       </a:r>
                       <a:r>
-                        <a:rPr lang="en-US" sz="900" spc="0">
+                        <a:rPr lang="de-de" sz="900" spc="0" dirty="0" err="1">
+                          <a:solidFill>
+                            <a:srgbClr val="020302"/>
+                          </a:solidFill>
+                          <a:latin typeface="AdobeClean-Light"/>
+                          <a:cs typeface="AdobeClean-Light"/>
+                        </a:rPr>
+                        <a:t>시간</a:t>
+                      </a:r>
+                      <a:r>
+                        <a:rPr lang="de-de" sz="900" spc="0" dirty="0">
+                          <a:solidFill>
+                            <a:srgbClr val="020302"/>
+                          </a:solidFill>
+                          <a:latin typeface="AdobeClean-Light"/>
+                          <a:cs typeface="AdobeClean-Light"/>
+                        </a:rPr>
+                        <a:t> /</a:t>
+                      </a:r>
+                      <a:r>
+                        <a:rPr lang="de-DE" sz="900" spc="0" dirty="0">
                           <a:solidFill>
                             <a:srgbClr val="020302"/>
                           </a:solidFill>
@@ -2913,62 +2653,22 @@
                         <a:t> </a:t>
                       </a:r>
                       <a:r>
-                        <a:rPr sz="900" spc="0">
+                        <a:rPr lang="de-de" sz="900" spc="0" dirty="0">
                           <a:solidFill>
                             <a:srgbClr val="020302"/>
                           </a:solidFill>
                           <a:latin typeface="AdobeClean-Light"/>
                           <a:cs typeface="AdobeClean-Light"/>
                         </a:rPr>
-                        <a:t>hours</a:t>
+                        <a:t>4시간</a:t>
                       </a:r>
-                      <a:r>
-                        <a:rPr lang="en-US" sz="900" spc="0">
-                          <a:solidFill>
-                            <a:srgbClr val="020302"/>
-                          </a:solidFill>
-                          <a:latin typeface="AdobeClean-Light"/>
-                          <a:cs typeface="AdobeClean-Light"/>
-                        </a:rPr>
-                        <a:t> </a:t>
-                      </a:r>
-                      <a:r>
-                        <a:rPr sz="900" spc="0">
-                          <a:solidFill>
-                            <a:srgbClr val="020302"/>
-                          </a:solidFill>
-                          <a:latin typeface="AdobeClean-Light"/>
-                          <a:cs typeface="AdobeClean-Light"/>
-                        </a:rPr>
-                        <a:t>/</a:t>
-                      </a:r>
-                      <a:r>
-                        <a:rPr lang="en-US" sz="900" spc="0">
-                          <a:solidFill>
-                            <a:srgbClr val="020302"/>
-                          </a:solidFill>
-                          <a:latin typeface="AdobeClean-Light"/>
-                          <a:cs typeface="AdobeClean-Light"/>
-                        </a:rPr>
-                        <a:t> </a:t>
-                      </a:r>
-                      <a:r>
-                        <a:rPr sz="900" spc="0">
-                          <a:solidFill>
-                            <a:srgbClr val="020302"/>
-                          </a:solidFill>
-                          <a:latin typeface="AdobeClean-Light"/>
-                          <a:cs typeface="AdobeClean-Light"/>
-                        </a:rPr>
-                        <a:t>4 hours</a:t>
-                      </a:r>
-                      <a:endParaRPr sz="900" spc="0">
+                      <a:endParaRPr sz="900" spc="0" dirty="0">
                         <a:latin typeface="AdobeClean-Light"/>
                         <a:cs typeface="AdobeClean-Light"/>
                       </a:endParaRPr>
                     </a:p>
                   </a:txBody>
-                  <a:tcPr marL="0" marR="0" marT="91440" marB="91440" anchor="ctr" anchorCtr="1">
+                  <a:tcPr marL="0" marR="0" marT="0" marB="0" anchor="ctr">
                     <a:lnL w="3175">
                       <a:solidFill>
                         <a:srgbClr val="B7B8B8"/>
@@ -3009,27 +2709,37 @@
                         </a:spcBef>
                       </a:pPr>
                       <a:r>
-                        <a:rPr lang="en-US" sz="900" spc="0">
+                        <a:rPr lang="de-de" sz="900" spc="0" dirty="0">
                           <a:solidFill>
                             <a:srgbClr val="020302"/>
                           </a:solidFill>
                           <a:latin typeface="AdobeClean-Light"/>
                           <a:cs typeface="AdobeClean-Light"/>
                         </a:rPr>
-                        <a:t>    </a:t>
+                        <a:t>업무 </a:t>
                       </a:r>
                       <a:r>
-                        <a:rPr sz="900" spc="0">
+                        <a:rPr lang="de-de" sz="900" spc="0" dirty="0" err="1">
                           <a:solidFill>
                             <a:srgbClr val="020302"/>
                           </a:solidFill>
                           <a:latin typeface="AdobeClean-Light"/>
                           <a:cs typeface="AdobeClean-Light"/>
                         </a:rPr>
-                        <a:t>Business</a:t>
+                        <a:t>시간</a:t>
                       </a:r>
                       <a:r>
-                        <a:rPr lang="en-US" sz="900" spc="0">
+                        <a:rPr lang="de-de" sz="900" spc="0" dirty="0">
+                          <a:solidFill>
+                            <a:srgbClr val="020302"/>
+                          </a:solidFill>
+                          <a:latin typeface="AdobeClean-Light"/>
+                          <a:cs typeface="AdobeClean-Light"/>
+                        </a:rPr>
+                        <a:t> /</a:t>
+                      </a:r>
+                      <a:r>
+                        <a:rPr lang="de-DE" sz="900" spc="0" dirty="0">
                           <a:solidFill>
                             <a:srgbClr val="020302"/>
                           </a:solidFill>
@@ -3039,62 +2749,22 @@
                         <a:t> </a:t>
                       </a:r>
                       <a:r>
-                        <a:rPr sz="900" spc="0">
+                        <a:rPr lang="de-de" sz="900" spc="0" dirty="0">
                           <a:solidFill>
                             <a:srgbClr val="020302"/>
                           </a:solidFill>
                           <a:latin typeface="AdobeClean-Light"/>
                           <a:cs typeface="AdobeClean-Light"/>
                         </a:rPr>
-                        <a:t>hours</a:t>
+                        <a:t>2시간</a:t>
                       </a:r>
-                      <a:r>
-                        <a:rPr lang="en-US" sz="900" spc="0">
-                          <a:solidFill>
-                            <a:srgbClr val="020302"/>
-                          </a:solidFill>
-                          <a:latin typeface="AdobeClean-Light"/>
-                          <a:cs typeface="AdobeClean-Light"/>
-                        </a:rPr>
-                        <a:t> / </a:t>
-                      </a:r>
-                      <a:r>
-                        <a:rPr sz="900" spc="0">
-                          <a:solidFill>
-                            <a:srgbClr val="020302"/>
-                          </a:solidFill>
-                          <a:latin typeface="AdobeClean-Light"/>
-                          <a:cs typeface="AdobeClean-Light"/>
-                        </a:rPr>
-                        <a:t>2</a:t>
-                      </a:r>
-                      <a:r>
-                        <a:rPr lang="en-US" sz="900" spc="0">
-                          <a:solidFill>
-                            <a:srgbClr val="020302"/>
-                          </a:solidFill>
-                          <a:latin typeface="AdobeClean-Light"/>
-                          <a:cs typeface="AdobeClean-Light"/>
-                        </a:rPr>
-                        <a:t> </a:t>
-                      </a:r>
-                      <a:r>
-                        <a:rPr sz="900" spc="0">
-                          <a:solidFill>
-                            <a:srgbClr val="020302"/>
-                          </a:solidFill>
-                          <a:latin typeface="AdobeClean-Light"/>
-                          <a:cs typeface="AdobeClean-Light"/>
-                        </a:rPr>
-                        <a:t>hours</a:t>
-                      </a:r>
-                      <a:endParaRPr sz="900" spc="0">
+                      <a:endParaRPr sz="900" spc="0" dirty="0">
                         <a:latin typeface="AdobeClean-Light"/>
                         <a:cs typeface="AdobeClean-Light"/>
                       </a:endParaRPr>
                     </a:p>
                   </a:txBody>
-                  <a:tcPr marL="0" marR="0" marT="91440" marB="91440" anchor="ctr" anchorCtr="1">
+                  <a:tcPr marL="0" marR="0" marT="0" marB="0" anchor="ctr">
                     <a:lnL w="3175">
                       <a:solidFill>
                         <a:srgbClr val="B7B8B8"/>
@@ -3132,7 +2802,7 @@
                   </a:ext>
                 </a:extLst>
               </a:tr>
-              <a:tr h="514673">
+              <a:tr h="484756">
                 <a:tc>
                   <a:txBody>
                     <a:bodyPr/>
@@ -3147,16 +2817,16 @@
                         </a:spcBef>
                       </a:pPr>
                       <a:r>
-                        <a:rPr sz="900" b="1" spc="0">
+                        <a:rPr lang="de-de" sz="900" b="1" spc="0" dirty="0">
                           <a:solidFill>
                             <a:srgbClr val="020302"/>
                           </a:solidFill>
                           <a:latin typeface="Adobe Clean"/>
                           <a:cs typeface="Adobe Clean"/>
                         </a:rPr>
-                        <a:t>PRIORITY 3</a:t>
+                        <a:t>우선 순위 3</a:t>
                       </a:r>
-                      <a:endParaRPr sz="900" spc="0">
+                      <a:endParaRPr sz="900" spc="0" dirty="0">
                         <a:latin typeface="Adobe Clean"/>
                         <a:cs typeface="Adobe Clean"/>
                       </a:endParaRPr>
@@ -3171,7 +2841,7 @@
                         </a:spcBef>
                       </a:pPr>
                       <a:r>
-                        <a:rPr kumimoji="0" lang="en-US" sz="900" b="0" i="0" u="none" strike="noStrike" kern="1200" cap="none" spc="0" normalizeH="0" baseline="0" noProof="0">
+                        <a:rPr kumimoji="0" lang="de-de" sz="900" b="0" i="0" u="none" strike="noStrike" kern="1200" cap="none" spc="0" normalizeH="0" baseline="0" noProof="0" dirty="0">
                           <a:ln>
                             <a:noFill/>
                           </a:ln>
@@ -3185,15 +2855,15 @@
                           <a:ea typeface="+mn-ea"/>
                           <a:cs typeface="+mn-cs"/>
                         </a:rPr>
-                        <a:t>Customer's business functions have minor service degradation but there exists a solution/workaround allowing business functions to continue </a:t>
+                        <a:t>고객의 비즈니스 기능에 약간의 서비스 저하가 있지만 비즈니스 기능을 계속할 수 있게 하는 솔루션/해결 방법이 있습니다. </a:t>
                       </a:r>
-                      <a:endParaRPr lang="en-US" sz="900" b="0" i="0" spc="0">
+                      <a:endParaRPr lang="en-US" sz="900" b="0" i="0" spc="0" dirty="0">
                         <a:latin typeface="Adobe Clean Light" panose="020B0303020404020204" pitchFamily="34" charset="0"/>
                         <a:cs typeface="AdobeClean-Light"/>
                       </a:endParaRPr>
                     </a:p>
                   </a:txBody>
-                  <a:tcPr marL="0" marR="0" marT="3810" marB="0">
+                  <a:tcPr marL="0" marR="0" marT="0" marB="0">
                     <a:lnL w="3175">
                       <a:solidFill>
                         <a:srgbClr val="B7B8B8"/>
@@ -3234,27 +2904,37 @@
                         </a:spcBef>
                       </a:pPr>
                       <a:r>
-                        <a:rPr lang="en-US" sz="900" spc="0">
+                        <a:rPr lang="de-de" sz="900" spc="0" dirty="0">
                           <a:solidFill>
                             <a:srgbClr val="020302"/>
                           </a:solidFill>
                           <a:latin typeface="AdobeClean-Light"/>
                           <a:cs typeface="AdobeClean-Light"/>
                         </a:rPr>
-                        <a:t>   </a:t>
+                        <a:t>업무 </a:t>
                       </a:r>
                       <a:r>
-                        <a:rPr sz="900" spc="0">
+                        <a:rPr lang="de-de" sz="900" spc="0" dirty="0" err="1">
                           <a:solidFill>
                             <a:srgbClr val="020302"/>
                           </a:solidFill>
                           <a:latin typeface="AdobeClean-Light"/>
                           <a:cs typeface="AdobeClean-Light"/>
                         </a:rPr>
-                        <a:t>Business</a:t>
+                        <a:t>시간</a:t>
                       </a:r>
                       <a:r>
-                        <a:rPr lang="en-US" sz="900" spc="0">
+                        <a:rPr lang="de-de" sz="900" spc="0" dirty="0">
+                          <a:solidFill>
+                            <a:srgbClr val="020302"/>
+                          </a:solidFill>
+                          <a:latin typeface="AdobeClean-Light"/>
+                          <a:cs typeface="AdobeClean-Light"/>
+                        </a:rPr>
+                        <a:t> /</a:t>
+                      </a:r>
+                      <a:r>
+                        <a:rPr lang="de-DE" sz="900" spc="0" dirty="0">
                           <a:solidFill>
                             <a:srgbClr val="020302"/>
                           </a:solidFill>
@@ -3264,62 +2944,22 @@
                         <a:t> </a:t>
                       </a:r>
                       <a:r>
-                        <a:rPr sz="900" spc="0">
+                        <a:rPr lang="de-de" sz="900" spc="0" dirty="0">
                           <a:solidFill>
                             <a:srgbClr val="020302"/>
                           </a:solidFill>
                           <a:latin typeface="AdobeClean-Light"/>
                           <a:cs typeface="AdobeClean-Light"/>
                         </a:rPr>
-                        <a:t>hours</a:t>
+                        <a:t>6시간</a:t>
                       </a:r>
-                      <a:r>
-                        <a:rPr lang="en-US" sz="900" spc="0">
-                          <a:solidFill>
-                            <a:srgbClr val="020302"/>
-                          </a:solidFill>
-                          <a:latin typeface="AdobeClean-Light"/>
-                          <a:cs typeface="AdobeClean-Light"/>
-                        </a:rPr>
-                        <a:t> / </a:t>
-                      </a:r>
-                      <a:r>
-                        <a:rPr sz="900" spc="0">
-                          <a:solidFill>
-                            <a:srgbClr val="020302"/>
-                          </a:solidFill>
-                          <a:latin typeface="AdobeClean-Light"/>
-                          <a:cs typeface="AdobeClean-Light"/>
-                        </a:rPr>
-                        <a:t>6</a:t>
-                      </a:r>
-                      <a:r>
-                        <a:rPr lang="en-US" sz="900" spc="0">
-                          <a:solidFill>
-                            <a:srgbClr val="020302"/>
-                          </a:solidFill>
-                          <a:latin typeface="AdobeClean-Light"/>
-                          <a:cs typeface="AdobeClean-Light"/>
-                        </a:rPr>
-                        <a:t> </a:t>
-                      </a:r>
-                      <a:r>
-                        <a:rPr sz="900" spc="0">
-                          <a:solidFill>
-                            <a:srgbClr val="020302"/>
-                          </a:solidFill>
-                          <a:latin typeface="AdobeClean-Light"/>
-                          <a:cs typeface="AdobeClean-Light"/>
-                        </a:rPr>
-                        <a:t>hours</a:t>
-                      </a:r>
-                      <a:endParaRPr sz="900" spc="0">
+                      <a:endParaRPr sz="900" spc="0" dirty="0">
                         <a:latin typeface="AdobeClean-Light"/>
                         <a:cs typeface="AdobeClean-Light"/>
                       </a:endParaRPr>
                     </a:p>
                   </a:txBody>
-                  <a:tcPr marL="0" marR="0" marT="91440" marB="91440" anchor="ctr" anchorCtr="1">
+                  <a:tcPr marL="0" marR="0" marT="0" marB="0" anchor="ctr">
                     <a:lnL w="3175">
                       <a:solidFill>
                         <a:srgbClr val="B7B8B8"/>
@@ -3360,17 +3000,37 @@
                         </a:spcBef>
                       </a:pPr>
                       <a:r>
-                        <a:rPr sz="900" spc="0">
+                        <a:rPr lang="de-de" sz="900" spc="0" dirty="0">
                           <a:solidFill>
                             <a:srgbClr val="020302"/>
                           </a:solidFill>
                           <a:latin typeface="AdobeClean-Light"/>
                           <a:cs typeface="AdobeClean-Light"/>
                         </a:rPr>
-                        <a:t>Business</a:t>
+                        <a:t>업무 </a:t>
                       </a:r>
                       <a:r>
-                        <a:rPr lang="en-US" sz="900" spc="0">
+                        <a:rPr lang="de-de" sz="900" spc="0" dirty="0" err="1">
+                          <a:solidFill>
+                            <a:srgbClr val="020302"/>
+                          </a:solidFill>
+                          <a:latin typeface="AdobeClean-Light"/>
+                          <a:cs typeface="AdobeClean-Light"/>
+                        </a:rPr>
+                        <a:t>시간</a:t>
+                      </a:r>
+                      <a:r>
+                        <a:rPr lang="de-de" sz="900" spc="0" dirty="0">
+                          <a:solidFill>
+                            <a:srgbClr val="020302"/>
+                          </a:solidFill>
+                          <a:latin typeface="AdobeClean-Light"/>
+                          <a:cs typeface="AdobeClean-Light"/>
+                        </a:rPr>
+                        <a:t> /</a:t>
+                      </a:r>
+                      <a:r>
+                        <a:rPr lang="de-DE" sz="900" spc="0" dirty="0">
                           <a:solidFill>
                             <a:srgbClr val="020302"/>
                           </a:solidFill>
@@ -3380,62 +3040,22 @@
                         <a:t> </a:t>
                       </a:r>
                       <a:r>
-                        <a:rPr sz="900" spc="0">
+                        <a:rPr lang="de-de" sz="900" spc="0" dirty="0">
                           <a:solidFill>
                             <a:srgbClr val="020302"/>
                           </a:solidFill>
                           <a:latin typeface="AdobeClean-Light"/>
                           <a:cs typeface="AdobeClean-Light"/>
                         </a:rPr>
-                        <a:t>hours</a:t>
+                        <a:t>4시간</a:t>
                       </a:r>
-                      <a:r>
-                        <a:rPr lang="en-US" sz="900" spc="0">
-                          <a:solidFill>
-                            <a:srgbClr val="020302"/>
-                          </a:solidFill>
-                          <a:latin typeface="AdobeClean-Light"/>
-                          <a:cs typeface="AdobeClean-Light"/>
-                        </a:rPr>
-                        <a:t> </a:t>
-                      </a:r>
-                      <a:r>
-                        <a:rPr sz="900" spc="0">
-                          <a:solidFill>
-                            <a:srgbClr val="020302"/>
-                          </a:solidFill>
-                          <a:latin typeface="AdobeClean-Light"/>
-                          <a:cs typeface="AdobeClean-Light"/>
-                        </a:rPr>
-                        <a:t>/ 4</a:t>
-                      </a:r>
-                      <a:r>
-                        <a:rPr lang="en-US" sz="900" spc="0">
-                          <a:solidFill>
-                            <a:srgbClr val="020302"/>
-                          </a:solidFill>
-                          <a:latin typeface="AdobeClean-Light"/>
-                          <a:cs typeface="AdobeClean-Light"/>
-                        </a:rPr>
-                        <a:t> </a:t>
-                      </a:r>
-                      <a:r>
-                        <a:rPr sz="900" spc="0">
-                          <a:solidFill>
-                            <a:srgbClr val="020302"/>
-                          </a:solidFill>
-                          <a:latin typeface="AdobeClean-Light"/>
-                          <a:cs typeface="AdobeClean-Light"/>
-                        </a:rPr>
-                        <a:t>hours</a:t>
-                      </a:r>
-                      <a:endParaRPr sz="900" spc="0">
+                      <a:endParaRPr sz="900" spc="0" dirty="0">
                         <a:latin typeface="AdobeClean-Light"/>
                         <a:cs typeface="AdobeClean-Light"/>
                       </a:endParaRPr>
                     </a:p>
                   </a:txBody>
-                  <a:tcPr marL="0" marR="0" marT="91440" marB="91440" anchor="ctr" anchorCtr="1">
+                  <a:tcPr marL="0" marR="0" marT="0" marB="0" anchor="ctr">
                     <a:lnL w="3175">
                       <a:solidFill>
                         <a:srgbClr val="B7B8B8"/>
@@ -3473,7 +3093,7 @@
                   </a:ext>
                 </a:extLst>
               </a:tr>
-              <a:tr h="388333">
+              <a:tr h="359998">
                 <a:tc>
                   <a:txBody>
                     <a:bodyPr/>
@@ -3488,16 +3108,16 @@
                         </a:spcBef>
                       </a:pPr>
                       <a:r>
-                        <a:rPr sz="900" b="1" spc="0">
+                        <a:rPr lang="de-de" sz="900" b="1" spc="0" dirty="0">
                           <a:solidFill>
                             <a:srgbClr val="020302"/>
                           </a:solidFill>
                           <a:latin typeface="Adobe Clean"/>
                           <a:cs typeface="Adobe Clean"/>
                         </a:rPr>
-                        <a:t>PRIORITY 4</a:t>
+                        <a:t>우선 순위 4</a:t>
                       </a:r>
-                      <a:endParaRPr sz="900" spc="0">
+                      <a:endParaRPr sz="900" spc="0" dirty="0">
                         <a:latin typeface="Adobe Clean"/>
                         <a:cs typeface="Adobe Clean"/>
                       </a:endParaRPr>
@@ -3521,22 +3141,22 @@
                         <a:defRPr/>
                       </a:pPr>
                       <a:r>
-                        <a:rPr lang="en-US" sz="900" b="0" i="0" spc="0">
+                        <a:rPr lang="de-de" sz="900" b="0" i="0" spc="0" dirty="0">
                           <a:solidFill>
                             <a:srgbClr val="000000"/>
                           </a:solidFill>
                           <a:effectLst/>
                           <a:latin typeface="Adobe Clean Light" panose="020B0303020404020204" pitchFamily="34" charset="0"/>
                         </a:rPr>
-                        <a:t>General question regarding current product functionality or an enhancement request</a:t>
+                        <a:t>현재 제품 기능에 관한 일반적인 질문 또는 개선 요청입니다.</a:t>
                       </a:r>
-                      <a:endParaRPr lang="en-US" sz="900" b="0" i="0" spc="0">
+                      <a:endParaRPr lang="en-US" sz="900" b="0" i="0" spc="0" dirty="0">
                         <a:latin typeface="Adobe Clean Light" panose="020B0303020404020204" pitchFamily="34" charset="0"/>
                         <a:cs typeface="AdobeClean-Light"/>
                       </a:endParaRPr>
                     </a:p>
                   </a:txBody>
-                  <a:tcPr marL="0" marR="0" marT="1905" marB="0">
+                  <a:tcPr marL="0" marR="0" marT="0" marB="0">
                     <a:lnL w="3175">
                       <a:solidFill>
                         <a:srgbClr val="B7B8B8"/>
@@ -3577,27 +3197,27 @@
                         </a:spcBef>
                       </a:pPr>
                       <a:r>
-                        <a:rPr lang="en-US" sz="900" spc="0">
+                        <a:rPr lang="de-de" sz="900" spc="0" dirty="0" err="1">
                           <a:solidFill>
                             <a:srgbClr val="020302"/>
                           </a:solidFill>
                           <a:latin typeface="AdobeClean-Light"/>
                           <a:cs typeface="AdobeClean-Light"/>
                         </a:rPr>
-                        <a:t>  </a:t>
+                        <a:t>업무일</a:t>
                       </a:r>
                       <a:r>
-                        <a:rPr sz="900" spc="0">
+                        <a:rPr lang="de-de" sz="900" spc="0" dirty="0">
                           <a:solidFill>
                             <a:srgbClr val="020302"/>
                           </a:solidFill>
                           <a:latin typeface="AdobeClean-Light"/>
                           <a:cs typeface="AdobeClean-Light"/>
                         </a:rPr>
-                        <a:t>Business</a:t>
+                        <a:t> /</a:t>
                       </a:r>
                       <a:r>
-                        <a:rPr lang="en-US" sz="900" spc="0">
+                        <a:rPr lang="de-DE" sz="900" spc="0" dirty="0">
                           <a:solidFill>
                             <a:srgbClr val="020302"/>
                           </a:solidFill>
@@ -3607,42 +3227,22 @@
                         <a:t> </a:t>
                       </a:r>
                       <a:r>
-                        <a:rPr sz="900" spc="0">
+                        <a:rPr lang="de-de" sz="900" spc="0" dirty="0">
                           <a:solidFill>
                             <a:srgbClr val="020302"/>
                           </a:solidFill>
                           <a:latin typeface="AdobeClean-Light"/>
                           <a:cs typeface="AdobeClean-Light"/>
                         </a:rPr>
-                        <a:t>days</a:t>
+                        <a:t>3일</a:t>
                       </a:r>
-                      <a:r>
-                        <a:rPr lang="en-US" sz="900" spc="0">
-                          <a:solidFill>
-                            <a:srgbClr val="020302"/>
-                          </a:solidFill>
-                          <a:latin typeface="AdobeClean-Light"/>
-                          <a:cs typeface="AdobeClean-Light"/>
-                        </a:rPr>
-                        <a:t> / </a:t>
-                      </a:r>
-                      <a:r>
-                        <a:rPr sz="900" spc="0">
-                          <a:solidFill>
-                            <a:srgbClr val="020302"/>
-                          </a:solidFill>
-                          <a:latin typeface="AdobeClean-Light"/>
-                          <a:cs typeface="AdobeClean-Light"/>
-                        </a:rPr>
-                        <a:t>3 days</a:t>
-                      </a:r>
-                      <a:endParaRPr sz="900" spc="0">
+                      <a:endParaRPr sz="900" spc="0" dirty="0">
                         <a:latin typeface="AdobeClean-Light"/>
                         <a:cs typeface="AdobeClean-Light"/>
                       </a:endParaRPr>
                     </a:p>
                   </a:txBody>
-                  <a:tcPr marL="0" marR="0" marT="91440" marB="91440" anchor="ctr" anchorCtr="1">
+                  <a:tcPr marL="0" marR="0" marT="0" marB="0" anchor="ctr">
                     <a:lnL w="3175">
                       <a:solidFill>
                         <a:srgbClr val="B7B8B8"/>
@@ -3683,17 +3283,27 @@
                         </a:spcBef>
                       </a:pPr>
                       <a:r>
-                        <a:rPr sz="900" spc="0">
+                        <a:rPr lang="de-de" sz="900" spc="0" dirty="0" err="1">
                           <a:solidFill>
                             <a:srgbClr val="020302"/>
                           </a:solidFill>
                           <a:latin typeface="AdobeClean-Light"/>
                           <a:cs typeface="AdobeClean-Light"/>
                         </a:rPr>
-                        <a:t>Business</a:t>
+                        <a:t>업무일</a:t>
                       </a:r>
                       <a:r>
-                        <a:rPr lang="en-US" sz="900" spc="0">
+                        <a:rPr lang="de-de" sz="900" spc="0" dirty="0">
+                          <a:solidFill>
+                            <a:srgbClr val="020302"/>
+                          </a:solidFill>
+                          <a:latin typeface="AdobeClean-Light"/>
+                          <a:cs typeface="AdobeClean-Light"/>
+                        </a:rPr>
+                        <a:t> /</a:t>
+                      </a:r>
+                      <a:r>
+                        <a:rPr lang="pl-PL" sz="900" spc="0" dirty="0">
                           <a:solidFill>
                             <a:srgbClr val="020302"/>
                           </a:solidFill>
@@ -3703,62 +3313,22 @@
                         <a:t> </a:t>
                       </a:r>
                       <a:r>
-                        <a:rPr sz="900" spc="0">
+                        <a:rPr lang="de-de" sz="900" spc="0" dirty="0">
                           <a:solidFill>
                             <a:srgbClr val="020302"/>
                           </a:solidFill>
                           <a:latin typeface="AdobeClean-Light"/>
                           <a:cs typeface="AdobeClean-Light"/>
                         </a:rPr>
-                        <a:t>day</a:t>
+                        <a:t>1일</a:t>
                       </a:r>
-                      <a:r>
-                        <a:rPr lang="en-US" sz="900" spc="0">
-                          <a:solidFill>
-                            <a:srgbClr val="020302"/>
-                          </a:solidFill>
-                          <a:latin typeface="AdobeClean-Light"/>
-                          <a:cs typeface="AdobeClean-Light"/>
-                        </a:rPr>
-                        <a:t>s </a:t>
-                      </a:r>
-                      <a:r>
-                        <a:rPr sz="900" spc="0">
-                          <a:solidFill>
-                            <a:srgbClr val="020302"/>
-                          </a:solidFill>
-                          <a:latin typeface="AdobeClean-Light"/>
-                          <a:cs typeface="AdobeClean-Light"/>
-                        </a:rPr>
-                        <a:t>/</a:t>
-                      </a:r>
-                      <a:r>
-                        <a:rPr lang="en-US" sz="900" spc="0">
-                          <a:solidFill>
-                            <a:srgbClr val="020302"/>
-                          </a:solidFill>
-                          <a:latin typeface="AdobeClean-Light"/>
-                          <a:cs typeface="AdobeClean-Light"/>
-                        </a:rPr>
-                        <a:t> </a:t>
-                      </a:r>
-                      <a:r>
-                        <a:rPr sz="900" spc="0">
-                          <a:solidFill>
-                            <a:srgbClr val="020302"/>
-                          </a:solidFill>
-                          <a:latin typeface="AdobeClean-Light"/>
-                          <a:cs typeface="AdobeClean-Light"/>
-                        </a:rPr>
-                        <a:t>1 day</a:t>
-                      </a:r>
-                      <a:endParaRPr sz="900" spc="0">
+                      <a:endParaRPr sz="900" spc="0" dirty="0">
                         <a:latin typeface="AdobeClean-Light"/>
                         <a:cs typeface="AdobeClean-Light"/>
                       </a:endParaRPr>
                     </a:p>
                   </a:txBody>
-                  <a:tcPr marL="0" marR="0" marT="91440" marB="91440" anchor="ctr" anchorCtr="1">
+                  <a:tcPr marL="0" marR="0" marT="0" marB="0" anchor="ctr">
                     <a:lnL w="3175">
                       <a:solidFill>
                         <a:srgbClr val="B7B8B8"/>
@@ -3866,7 +3436,7 @@
                     <a:bodyPr/>
                     <a:lstStyle/>
                     <a:p>
-                      <a:endParaRPr lang="en-US"/>
+                      <a:endParaRPr lang="en-US" dirty="0"/>
                     </a:p>
                   </a:txBody>
                   <a:tcPr/>
@@ -3904,17 +3474,17 @@
                         <a:defRPr/>
                       </a:pPr>
                       <a:r>
-                        <a:rPr lang="en-US" sz="900" spc="-20">
+                        <a:rPr lang="de-de" sz="900" spc="-20" dirty="0">
                           <a:solidFill>
                             <a:srgbClr val="404040"/>
                           </a:solidFill>
                           <a:latin typeface="Adobe Clean"/>
                           <a:cs typeface="Adobe Clean"/>
                         </a:rPr>
-                        <a:t>Online </a:t>
+                        <a:t>온라인 </a:t>
                       </a:r>
                       <a:r>
-                        <a:rPr lang="en-US" sz="900" spc="-135">
+                        <a:rPr lang="de-de" sz="900" spc="-135" dirty="0">
                           <a:solidFill>
                             <a:srgbClr val="404040"/>
                           </a:solidFill>
@@ -3924,16 +3494,16 @@
                         <a:t> </a:t>
                       </a:r>
                       <a:r>
-                        <a:rPr lang="en-US" sz="900" spc="-20">
+                        <a:rPr lang="de-de" sz="900" spc="-20" dirty="0">
                           <a:solidFill>
                             <a:srgbClr val="404040"/>
                           </a:solidFill>
                           <a:latin typeface="Adobe Clean"/>
                           <a:cs typeface="Adobe Clean"/>
                         </a:rPr>
-                        <a:t>Support</a:t>
+                        <a:t>지원</a:t>
                       </a:r>
-                      <a:endParaRPr lang="en-US" sz="900">
+                      <a:endParaRPr lang="en-US" sz="900" dirty="0">
                         <a:latin typeface="Adobe Clean"/>
                         <a:cs typeface="Adobe Clean"/>
                       </a:endParaRPr>
@@ -3977,36 +3547,16 @@
                         </a:spcBef>
                       </a:pPr>
                       <a:r>
-                        <a:rPr sz="900" spc="-20">
+                        <a:rPr lang="de-de" sz="900" spc="-20" dirty="0">
                           <a:solidFill>
                             <a:srgbClr val="FFFFFF"/>
                           </a:solidFill>
                           <a:latin typeface="Adobe Clean"/>
                           <a:cs typeface="Adobe Clean"/>
                         </a:rPr>
-                        <a:t>Business</a:t>
+                        <a:t>비즈니스 지원</a:t>
                       </a:r>
-                      <a:r>
-                        <a:rPr lang="en-US" sz="900" spc="-20">
-                          <a:solidFill>
-                            <a:srgbClr val="FFFFFF"/>
-                          </a:solidFill>
-                          <a:latin typeface="Adobe Clean"/>
-                          <a:cs typeface="Adobe Clean"/>
-                        </a:rPr>
-                        <a:t> </a:t>
-                      </a:r>
-                      <a:r>
-                        <a:rPr sz="900" spc="-20">
-                          <a:solidFill>
-                            <a:srgbClr val="FFFFFF"/>
-                          </a:solidFill>
-                          <a:latin typeface="Adobe Clean"/>
-                          <a:cs typeface="Adobe Clean"/>
-                        </a:rPr>
-                        <a:t>Support</a:t>
-                      </a:r>
-                      <a:endParaRPr sz="900">
+                      <a:endParaRPr sz="900" dirty="0">
                         <a:latin typeface="Adobe Clean"/>
                         <a:cs typeface="Adobe Clean"/>
                       </a:endParaRPr>
@@ -4054,7 +3604,7 @@
                     <a:bodyPr/>
                     <a:lstStyle/>
                     <a:p>
-                      <a:endParaRPr lang="en-US"/>
+                      <a:endParaRPr lang="en-US" dirty="0"/>
                     </a:p>
                   </a:txBody>
                   <a:tcPr/>
@@ -4091,7 +3641,7 @@
                         <a:tabLst/>
                         <a:defRPr/>
                       </a:pPr>
-                      <a:endParaRPr lang="en-US" sz="800" i="1">
+                      <a:endParaRPr lang="en-US" sz="800" i="1" dirty="0">
                         <a:solidFill>
                           <a:sysClr val="windowText" lastClr="000000"/>
                         </a:solidFill>
@@ -4155,13 +3705,13 @@
                         <a:defRPr/>
                       </a:pPr>
                       <a:r>
-                        <a:rPr lang="en-US" sz="800" i="1">
+                        <a:rPr lang="de-de" sz="800" i="1" dirty="0">
                           <a:solidFill>
                             <a:schemeClr val="bg1"/>
                           </a:solidFill>
                           <a:latin typeface="Adobe Clean Light" panose="020B0303020404020204" pitchFamily="34" charset="0"/>
                         </a:rPr>
-                        <a:t>Paid Support ($)</a:t>
+                        <a:t>유료 지원($)</a:t>
                       </a:r>
                     </a:p>
                   </a:txBody>
@@ -4225,16 +3775,16 @@
                         </a:spcBef>
                       </a:pPr>
                       <a:r>
-                        <a:rPr lang="en-US" sz="1000" b="1" i="0" spc="0">
+                        <a:rPr lang="de-de" sz="1000" b="1" i="0" spc="0" dirty="0">
                           <a:solidFill>
                             <a:schemeClr val="bg1"/>
                           </a:solidFill>
                           <a:latin typeface="Adobe Clean" panose="020B0503020404020204" pitchFamily="34" charset="0"/>
                           <a:cs typeface="AdobeClean-Light"/>
                         </a:rPr>
-                        <a:t>Assigned Experts</a:t>
+                        <a:t>할당된 전문가</a:t>
                       </a:r>
-                      <a:endParaRPr sz="1000" b="1" i="0" spc="0">
+                      <a:endParaRPr sz="1000" b="1" i="0" spc="0" dirty="0">
                         <a:solidFill>
                           <a:schemeClr val="bg1"/>
                         </a:solidFill>
@@ -4287,16 +3837,16 @@
                         </a:spcBef>
                       </a:pPr>
                       <a:r>
-                        <a:rPr sz="900" spc="0">
+                        <a:rPr lang="de-de" sz="900" spc="0" dirty="0">
                           <a:solidFill>
                             <a:srgbClr val="020302"/>
                           </a:solidFill>
                           <a:latin typeface="AdobeClean-Light"/>
                           <a:cs typeface="AdobeClean-Light"/>
                         </a:rPr>
-                        <a:t>Account Support Lead</a:t>
+                        <a:t>계정 지원 리드</a:t>
                       </a:r>
-                      <a:endParaRPr sz="900" spc="0">
+                      <a:endParaRPr sz="900" spc="0" dirty="0">
                         <a:latin typeface="AdobeClean-Light"/>
                         <a:cs typeface="AdobeClean-Light"/>
                       </a:endParaRPr>
@@ -4342,7 +3892,7 @@
                           <a:spcPts val="470"/>
                         </a:spcBef>
                       </a:pPr>
-                      <a:endParaRPr sz="900">
+                      <a:endParaRPr sz="900" dirty="0">
                         <a:latin typeface="Wingdings"/>
                         <a:cs typeface="Wingdings"/>
                       </a:endParaRPr>
@@ -4384,7 +3934,7 @@
                         </a:spcBef>
                       </a:pPr>
                       <a:r>
-                        <a:rPr sz="900">
+                        <a:rPr lang="de-de" sz="900" dirty="0">
                           <a:solidFill>
                             <a:srgbClr val="020302"/>
                           </a:solidFill>
@@ -4393,7 +3943,7 @@
                         </a:rPr>
                         <a:t></a:t>
                       </a:r>
-                      <a:endParaRPr sz="900">
+                      <a:endParaRPr sz="900" dirty="0">
                         <a:latin typeface="Wingdings"/>
                         <a:cs typeface="Wingdings"/>
                       </a:endParaRPr>
@@ -4436,7 +3986,7 @@
                           <a:spcPts val="459"/>
                         </a:spcBef>
                       </a:pPr>
-                      <a:endParaRPr sz="900">
+                      <a:endParaRPr sz="900" dirty="0">
                         <a:latin typeface="AdobeClean-Light"/>
                         <a:cs typeface="AdobeClean-Light"/>
                       </a:endParaRPr>
@@ -4474,16 +4024,16 @@
                         </a:spcBef>
                       </a:pPr>
                       <a:r>
-                        <a:rPr sz="900" spc="0">
+                        <a:rPr lang="de-de" sz="900" spc="0" dirty="0">
                           <a:solidFill>
                             <a:srgbClr val="020302"/>
                           </a:solidFill>
                           <a:latin typeface="AdobeClean-Light"/>
                           <a:cs typeface="AdobeClean-Light"/>
                         </a:rPr>
-                        <a:t>Named Support Engineer</a:t>
+                        <a:t>지정 지원 엔지니어</a:t>
                       </a:r>
-                      <a:endParaRPr sz="900" spc="0">
+                      <a:endParaRPr sz="900" spc="0" dirty="0">
                         <a:latin typeface="AdobeClean-Light"/>
                         <a:cs typeface="AdobeClean-Light"/>
                       </a:endParaRPr>
@@ -4514,7 +4064,7 @@
                           <a:spcPct val="100000"/>
                         </a:lnSpc>
                       </a:pPr>
-                      <a:endParaRPr sz="900">
+                      <a:endParaRPr sz="900" dirty="0">
                         <a:latin typeface="Times New Roman"/>
                         <a:cs typeface="Times New Roman"/>
                       </a:endParaRPr>
@@ -4543,7 +4093,7 @@
                           <a:spcPct val="100000"/>
                         </a:lnSpc>
                       </a:pPr>
-                      <a:endParaRPr sz="900">
+                      <a:endParaRPr sz="900" dirty="0">
                         <a:latin typeface="Times New Roman"/>
                         <a:cs typeface="Times New Roman"/>
                       </a:endParaRPr>
@@ -4577,7 +4127,7 @@
                           <a:spcPts val="500"/>
                         </a:spcBef>
                       </a:pPr>
-                      <a:endParaRPr sz="900">
+                      <a:endParaRPr sz="900" dirty="0">
                         <a:latin typeface="AdobeClean-Light"/>
                         <a:cs typeface="AdobeClean-Light"/>
                       </a:endParaRPr>
@@ -4627,16 +4177,16 @@
                         </a:spcBef>
                       </a:pPr>
                       <a:r>
-                        <a:rPr sz="900" spc="0">
+                        <a:rPr lang="de-de" sz="900" spc="0" dirty="0">
                           <a:solidFill>
                             <a:srgbClr val="020302"/>
                           </a:solidFill>
                           <a:latin typeface="AdobeClean-Light"/>
                           <a:cs typeface="AdobeClean-Light"/>
                         </a:rPr>
-                        <a:t>Technical Account Manager</a:t>
+                        <a:t>기술 계정 관리자</a:t>
                       </a:r>
-                      <a:endParaRPr sz="900" spc="0">
+                      <a:endParaRPr sz="900" spc="0" dirty="0">
                         <a:latin typeface="AdobeClean-Light"/>
                         <a:cs typeface="AdobeClean-Light"/>
                       </a:endParaRPr>
@@ -4673,7 +4223,7 @@
                           <a:spcPct val="100000"/>
                         </a:lnSpc>
                       </a:pPr>
-                      <a:endParaRPr sz="900">
+                      <a:endParaRPr sz="900" dirty="0">
                         <a:latin typeface="Times New Roman"/>
                         <a:cs typeface="Times New Roman"/>
                       </a:endParaRPr>
@@ -4711,7 +4261,7 @@
                           <a:spcPct val="100000"/>
                         </a:lnSpc>
                       </a:pPr>
-                      <a:endParaRPr sz="900">
+                      <a:endParaRPr sz="900" dirty="0">
                         <a:latin typeface="Times New Roman"/>
                         <a:cs typeface="Times New Roman"/>
                       </a:endParaRPr>
@@ -4755,16 +4305,16 @@
                         </a:spcBef>
                       </a:pPr>
                       <a:r>
-                        <a:rPr lang="en-US" sz="1000" b="1" i="0" spc="0">
+                        <a:rPr lang="de-de" sz="1000" b="1" i="0" spc="0" dirty="0">
                           <a:solidFill>
                             <a:schemeClr val="bg1"/>
                           </a:solidFill>
                           <a:latin typeface="Adobe Clean" panose="020B0503020404020204" pitchFamily="34" charset="0"/>
                           <a:cs typeface="AdobeClean-Light"/>
                         </a:rPr>
-                        <a:t>Support Services</a:t>
+                        <a:t>지원 서비스</a:t>
                       </a:r>
-                      <a:endParaRPr sz="1000" b="1" i="0" spc="0">
+                      <a:endParaRPr sz="1000" b="1" i="0" spc="0" dirty="0">
                         <a:solidFill>
                           <a:schemeClr val="bg1"/>
                         </a:solidFill>
@@ -4826,26 +4376,16 @@
                         </a:spcBef>
                       </a:pPr>
                       <a:r>
-                        <a:rPr lang="en-US" sz="900" spc="0">
+                        <a:rPr lang="de-de" sz="900" spc="0" dirty="0">
                           <a:solidFill>
                             <a:srgbClr val="020302"/>
                           </a:solidFill>
                           <a:latin typeface="AdobeClean-Light"/>
                           <a:cs typeface="AdobeClean-Light"/>
                         </a:rPr>
-                        <a:t>Online</a:t>
+                        <a:t>온라인 지원</a:t>
                       </a:r>
-                      <a:r>
-                        <a:rPr sz="900" spc="0">
-                          <a:solidFill>
-                            <a:srgbClr val="020302"/>
-                          </a:solidFill>
-                          <a:latin typeface="AdobeClean-Light"/>
-                          <a:cs typeface="AdobeClean-Light"/>
-                        </a:rPr>
-                        <a:t> Support</a:t>
-                      </a:r>
-                      <a:endParaRPr sz="900" spc="0">
+                      <a:endParaRPr sz="900" spc="0" dirty="0">
                         <a:latin typeface="AdobeClean-Light"/>
                         <a:cs typeface="AdobeClean-Light"/>
                       </a:endParaRPr>
@@ -4886,17 +4426,17 @@
                         </a:spcBef>
                       </a:pPr>
                       <a:r>
-                        <a:rPr sz="900" spc="-25">
+                        <a:rPr lang="de-de" sz="900" spc="-25" dirty="0">
                           <a:solidFill>
                             <a:srgbClr val="020302"/>
                           </a:solidFill>
                           <a:latin typeface="AdobeClean-Light"/>
                           <a:cs typeface="AdobeClean-Light"/>
                         </a:rPr>
-                        <a:t>Business</a:t>
+                        <a:t>업무</a:t>
                       </a:r>
                       <a:r>
-                        <a:rPr sz="900" spc="-15">
+                        <a:rPr lang="de-de" sz="900" spc="-15" dirty="0">
                           <a:solidFill>
                             <a:srgbClr val="020302"/>
                           </a:solidFill>
@@ -4906,16 +4446,16 @@
                         <a:t> </a:t>
                       </a:r>
                       <a:r>
-                        <a:rPr sz="900" spc="-30">
+                        <a:rPr lang="de-de" sz="900" spc="-30" dirty="0">
                           <a:solidFill>
                             <a:srgbClr val="020302"/>
                           </a:solidFill>
                           <a:latin typeface="AdobeClean-Light"/>
                           <a:cs typeface="AdobeClean-Light"/>
                         </a:rPr>
-                        <a:t>hours</a:t>
+                        <a:t>시간</a:t>
                       </a:r>
-                      <a:endParaRPr sz="900">
+                      <a:endParaRPr sz="900" dirty="0">
                         <a:latin typeface="AdobeClean-Light"/>
                         <a:cs typeface="AdobeClean-Light"/>
                       </a:endParaRPr>
@@ -4957,17 +4497,17 @@
                         </a:spcBef>
                       </a:pPr>
                       <a:r>
-                        <a:rPr sz="900" spc="-25">
+                        <a:rPr lang="de-de" sz="900" spc="-25" dirty="0">
                           <a:solidFill>
                             <a:srgbClr val="020302"/>
                           </a:solidFill>
                           <a:latin typeface="AdobeClean-Light"/>
                           <a:cs typeface="AdobeClean-Light"/>
                         </a:rPr>
-                        <a:t>Business</a:t>
+                        <a:t>업무</a:t>
                       </a:r>
                       <a:r>
-                        <a:rPr sz="900" spc="-15">
+                        <a:rPr lang="de-de" sz="900" spc="-15" dirty="0">
                           <a:solidFill>
                             <a:srgbClr val="020302"/>
                           </a:solidFill>
@@ -4977,16 +4517,16 @@
                         <a:t> </a:t>
                       </a:r>
                       <a:r>
-                        <a:rPr sz="900" spc="-30">
+                        <a:rPr lang="de-de" sz="900" spc="-30" dirty="0">
                           <a:solidFill>
                             <a:srgbClr val="020302"/>
                           </a:solidFill>
                           <a:latin typeface="AdobeClean-Light"/>
                           <a:cs typeface="AdobeClean-Light"/>
                         </a:rPr>
-                        <a:t>hours</a:t>
+                        <a:t>시간</a:t>
                       </a:r>
-                      <a:endParaRPr sz="900">
+                      <a:endParaRPr sz="900" dirty="0">
                         <a:latin typeface="AdobeClean-Light"/>
                         <a:cs typeface="AdobeClean-Light"/>
                       </a:endParaRPr>
@@ -5029,7 +4569,7 @@
                           <a:spcPts val="455"/>
                         </a:spcBef>
                       </a:pPr>
-                      <a:endParaRPr sz="900">
+                      <a:endParaRPr sz="900" dirty="0">
                         <a:latin typeface="AdobeClean-Light"/>
                         <a:cs typeface="AdobeClean-Light"/>
                       </a:endParaRPr>
@@ -5070,36 +4610,16 @@
                         </a:spcBef>
                       </a:pPr>
                       <a:r>
-                        <a:rPr sz="900" spc="0">
+                        <a:rPr lang="de-de" sz="900" spc="0" dirty="0">
                           <a:solidFill>
                             <a:srgbClr val="020302"/>
                           </a:solidFill>
                           <a:latin typeface="AdobeClean-Light"/>
                           <a:cs typeface="AdobeClean-Light"/>
                         </a:rPr>
-                        <a:t>24x7</a:t>
+                        <a:t>24x7x365 P1 문제 지원</a:t>
                       </a:r>
-                      <a:r>
-                        <a:rPr lang="en-US" sz="900" spc="0">
-                          <a:solidFill>
-                            <a:srgbClr val="020302"/>
-                          </a:solidFill>
-                          <a:latin typeface="AdobeClean-Light"/>
-                          <a:cs typeface="AdobeClean-Light"/>
-                        </a:rPr>
-                        <a:t>x365</a:t>
-                      </a:r>
-                      <a:r>
-                        <a:rPr sz="900" spc="0">
-                          <a:solidFill>
-                            <a:srgbClr val="020302"/>
-                          </a:solidFill>
-                          <a:latin typeface="AdobeClean-Light"/>
-                          <a:cs typeface="AdobeClean-Light"/>
-                        </a:rPr>
-                        <a:t> P1 Issue Support</a:t>
-                      </a:r>
-                      <a:endParaRPr sz="900" spc="0">
+                      <a:endParaRPr sz="900" spc="0" dirty="0">
                         <a:latin typeface="AdobeClean-Light"/>
                         <a:cs typeface="AdobeClean-Light"/>
                       </a:endParaRPr>
@@ -5134,7 +4654,7 @@
                         </a:spcBef>
                       </a:pPr>
                       <a:r>
-                        <a:rPr sz="900">
+                        <a:rPr lang="de-de" sz="900" dirty="0">
                           <a:solidFill>
                             <a:srgbClr val="020302"/>
                           </a:solidFill>
@@ -5143,7 +4663,7 @@
                         </a:rPr>
                         <a:t></a:t>
                       </a:r>
-                      <a:endParaRPr sz="900">
+                      <a:endParaRPr sz="900" dirty="0">
                         <a:latin typeface="Wingdings"/>
                         <a:cs typeface="Wingdings"/>
                       </a:endParaRPr>
@@ -5176,7 +4696,7 @@
                         </a:spcBef>
                       </a:pPr>
                       <a:r>
-                        <a:rPr sz="900">
+                        <a:rPr lang="de-de" sz="900" dirty="0">
                           <a:solidFill>
                             <a:srgbClr val="020302"/>
                           </a:solidFill>
@@ -5185,7 +4705,7 @@
                         </a:rPr>
                         <a:t></a:t>
                       </a:r>
-                      <a:endParaRPr sz="900">
+                      <a:endParaRPr sz="900" dirty="0">
                         <a:latin typeface="Wingdings"/>
                         <a:cs typeface="Wingdings"/>
                       </a:endParaRPr>
@@ -5219,7 +4739,7 @@
                           <a:spcPts val="455"/>
                         </a:spcBef>
                       </a:pPr>
-                      <a:endParaRPr sz="900">
+                      <a:endParaRPr sz="900" dirty="0">
                         <a:latin typeface="AdobeClean-Light"/>
                         <a:cs typeface="AdobeClean-Light"/>
                       </a:endParaRPr>
@@ -5269,16 +4789,16 @@
                         </a:spcBef>
                       </a:pPr>
                       <a:r>
-                        <a:rPr lang="en-US" sz="900" spc="0">
+                        <a:rPr lang="de-de" sz="900" spc="0" dirty="0">
                           <a:solidFill>
                             <a:srgbClr val="020302"/>
                           </a:solidFill>
                           <a:latin typeface="AdobeClean-Light"/>
                           <a:cs typeface="AdobeClean-Light"/>
                         </a:rPr>
-                        <a:t>Named Support Contacts (per product)</a:t>
+                        <a:t>지정된 지원 담당자(제품당)</a:t>
                       </a:r>
-                      <a:endParaRPr sz="900" spc="0">
+                      <a:endParaRPr sz="900" spc="0" dirty="0">
                         <a:latin typeface="AdobeClean-Light"/>
                         <a:cs typeface="AdobeClean-Light"/>
                       </a:endParaRPr>
@@ -5319,7 +4839,7 @@
                         </a:spcBef>
                       </a:pPr>
                       <a:r>
-                        <a:rPr sz="900">
+                        <a:rPr lang="de-de" sz="900" dirty="0">
                           <a:solidFill>
                             <a:srgbClr val="020302"/>
                           </a:solidFill>
@@ -5328,7 +4848,7 @@
                         </a:rPr>
                         <a:t>4</a:t>
                       </a:r>
-                      <a:endParaRPr sz="900">
+                      <a:endParaRPr sz="900" dirty="0">
                         <a:latin typeface="AdobeClean-Light"/>
                         <a:cs typeface="AdobeClean-Light"/>
                       </a:endParaRPr>
@@ -5361,7 +4881,7 @@
                         </a:spcBef>
                       </a:pPr>
                       <a:r>
-                        <a:rPr sz="900">
+                        <a:rPr lang="de-de" sz="900" dirty="0">
                           <a:solidFill>
                             <a:srgbClr val="020302"/>
                           </a:solidFill>
@@ -5370,7 +4890,7 @@
                         </a:rPr>
                         <a:t>6</a:t>
                       </a:r>
-                      <a:endParaRPr sz="900">
+                      <a:endParaRPr sz="900" dirty="0">
                         <a:latin typeface="AdobeClean-Light"/>
                         <a:cs typeface="AdobeClean-Light"/>
                       </a:endParaRPr>
@@ -5404,7 +4924,7 @@
                           <a:spcPts val="455"/>
                         </a:spcBef>
                       </a:pPr>
-                      <a:endParaRPr sz="900">
+                      <a:endParaRPr sz="900" dirty="0">
                         <a:latin typeface="AdobeClean-Light"/>
                         <a:cs typeface="AdobeClean-Light"/>
                       </a:endParaRPr>
@@ -5445,16 +4965,16 @@
                         </a:spcBef>
                       </a:pPr>
                       <a:r>
-                        <a:rPr lang="en-US" sz="900" spc="0">
+                        <a:rPr lang="de-de" sz="900" spc="0" dirty="0">
                           <a:solidFill>
                             <a:srgbClr val="020302"/>
                           </a:solidFill>
                           <a:latin typeface="AdobeClean-Light"/>
                           <a:cs typeface="AdobeClean-Light"/>
                         </a:rPr>
-                        <a:t>Live Telephone Support</a:t>
+                        <a:t>실시간 전화 지원</a:t>
                       </a:r>
-                      <a:endParaRPr sz="900" spc="0">
+                      <a:endParaRPr sz="900" spc="0" dirty="0">
                         <a:latin typeface="AdobeClean-Light"/>
                         <a:cs typeface="AdobeClean-Light"/>
                       </a:endParaRPr>
@@ -5488,7 +5008,7 @@
                           <a:spcPts val="464"/>
                         </a:spcBef>
                       </a:pPr>
-                      <a:endParaRPr sz="900">
+                      <a:endParaRPr sz="900" dirty="0">
                         <a:latin typeface="Wingdings"/>
                         <a:cs typeface="Wingdings"/>
                       </a:endParaRPr>
@@ -5521,7 +5041,7 @@
                         </a:spcBef>
                       </a:pPr>
                       <a:r>
-                        <a:rPr sz="900">
+                        <a:rPr lang="de-de" sz="900" dirty="0">
                           <a:solidFill>
                             <a:srgbClr val="020302"/>
                           </a:solidFill>
@@ -5530,7 +5050,7 @@
                         </a:rPr>
                         <a:t></a:t>
                       </a:r>
-                      <a:endParaRPr sz="900">
+                      <a:endParaRPr sz="900" dirty="0">
                         <a:latin typeface="Wingdings"/>
                         <a:cs typeface="Wingdings"/>
                       </a:endParaRPr>
@@ -5564,7 +5084,7 @@
                           <a:spcPts val="459"/>
                         </a:spcBef>
                       </a:pPr>
-                      <a:endParaRPr sz="900">
+                      <a:endParaRPr sz="900" dirty="0">
                         <a:latin typeface="AdobeClean-Light"/>
                         <a:cs typeface="AdobeClean-Light"/>
                       </a:endParaRPr>
@@ -5605,16 +5125,16 @@
                         </a:spcBef>
                       </a:pPr>
                       <a:r>
-                        <a:rPr sz="900" spc="0">
+                        <a:rPr lang="de-de" sz="900" spc="0" dirty="0">
                           <a:solidFill>
                             <a:srgbClr val="020302"/>
                           </a:solidFill>
                           <a:latin typeface="AdobeClean-Light"/>
                           <a:cs typeface="AdobeClean-Light"/>
                         </a:rPr>
-                        <a:t>Escalation Management</a:t>
+                        <a:t>에스컬레이션 관리</a:t>
                       </a:r>
-                      <a:endParaRPr sz="900" spc="0">
+                      <a:endParaRPr sz="900" spc="0" dirty="0">
                         <a:latin typeface="AdobeClean-Light"/>
                         <a:cs typeface="AdobeClean-Light"/>
                       </a:endParaRPr>
@@ -5648,7 +5168,7 @@
                           <a:spcPts val="470"/>
                         </a:spcBef>
                       </a:pPr>
-                      <a:endParaRPr sz="900">
+                      <a:endParaRPr sz="900" dirty="0">
                         <a:latin typeface="Wingdings"/>
                         <a:cs typeface="Wingdings"/>
                       </a:endParaRPr>
@@ -5681,7 +5201,7 @@
                         </a:spcBef>
                       </a:pPr>
                       <a:r>
-                        <a:rPr sz="900">
+                        <a:rPr lang="de-de" sz="900" dirty="0">
                           <a:solidFill>
                             <a:srgbClr val="020302"/>
                           </a:solidFill>
@@ -5690,7 +5210,7 @@
                         </a:rPr>
                         <a:t></a:t>
                       </a:r>
-                      <a:endParaRPr sz="900">
+                      <a:endParaRPr sz="900" dirty="0">
                         <a:latin typeface="Wingdings"/>
                         <a:cs typeface="Wingdings"/>
                       </a:endParaRPr>
@@ -5724,7 +5244,7 @@
                           <a:spcPts val="450"/>
                         </a:spcBef>
                       </a:pPr>
-                      <a:endParaRPr sz="900">
+                      <a:endParaRPr sz="900" dirty="0">
                         <a:latin typeface="AdobeClean-Light"/>
                         <a:cs typeface="AdobeClean-Light"/>
                       </a:endParaRPr>
@@ -5765,26 +5285,16 @@
                         </a:spcBef>
                       </a:pPr>
                       <a:r>
-                        <a:rPr sz="900" spc="0">
+                        <a:rPr lang="de-de" sz="900" spc="0" dirty="0">
                           <a:solidFill>
                             <a:srgbClr val="020302"/>
                           </a:solidFill>
                           <a:latin typeface="AdobeClean-Light"/>
                           <a:cs typeface="AdobeClean-Light"/>
                         </a:rPr>
-                        <a:t>Service Reviews </a:t>
+                        <a:t>연간 서비스 리뷰</a:t>
                       </a:r>
-                      <a:r>
-                        <a:rPr lang="en-US" sz="900" spc="0">
-                          <a:solidFill>
-                            <a:srgbClr val="020302"/>
-                          </a:solidFill>
-                          <a:latin typeface="AdobeClean-Light"/>
-                          <a:cs typeface="AdobeClean-Light"/>
-                        </a:rPr>
-                        <a:t>per Year</a:t>
-                      </a:r>
-                      <a:endParaRPr sz="900" spc="0">
+                      <a:endParaRPr sz="900" spc="0" dirty="0">
                         <a:latin typeface="AdobeClean-Light"/>
                         <a:cs typeface="AdobeClean-Light"/>
                       </a:endParaRPr>
@@ -5815,7 +5325,7 @@
                           <a:spcPct val="100000"/>
                         </a:lnSpc>
                       </a:pPr>
-                      <a:endParaRPr sz="900">
+                      <a:endParaRPr sz="900" dirty="0">
                         <a:latin typeface="Times New Roman"/>
                         <a:cs typeface="Times New Roman"/>
                       </a:endParaRPr>
@@ -5844,7 +5354,7 @@
                           <a:spcPct val="100000"/>
                         </a:lnSpc>
                       </a:pPr>
-                      <a:endParaRPr sz="900">
+                      <a:endParaRPr sz="900" dirty="0">
                         <a:latin typeface="Times New Roman"/>
                         <a:cs typeface="Times New Roman"/>
                       </a:endParaRPr>
@@ -5889,13 +5399,13 @@
                         </a:spcBef>
                       </a:pPr>
                       <a:r>
-                        <a:rPr lang="en-US" sz="900" spc="0">
+                        <a:rPr lang="de-de" sz="900" spc="0" dirty="0">
                           <a:latin typeface="AdobeClean-Light"/>
                           <a:cs typeface="AdobeClean-Light"/>
                         </a:rPr>
-                        <a:t>Expert Sessions per Year</a:t>
+                        <a:t>연간 전문가 세션</a:t>
                       </a:r>
-                      <a:endParaRPr sz="900" spc="0">
+                      <a:endParaRPr sz="900" spc="0" dirty="0">
                         <a:latin typeface="AdobeClean-Light"/>
                         <a:cs typeface="AdobeClean-Light"/>
                       </a:endParaRPr>
@@ -5932,7 +5442,7 @@
                           <a:spcPct val="100000"/>
                         </a:lnSpc>
                       </a:pPr>
-                      <a:endParaRPr sz="900">
+                      <a:endParaRPr sz="900" dirty="0">
                         <a:latin typeface="Times New Roman"/>
                         <a:cs typeface="Times New Roman"/>
                       </a:endParaRPr>
@@ -5961,7 +5471,7 @@
                           <a:spcPct val="100000"/>
                         </a:lnSpc>
                       </a:pPr>
-                      <a:endParaRPr sz="900">
+                      <a:endParaRPr sz="900" dirty="0">
                         <a:latin typeface="Times New Roman"/>
                         <a:cs typeface="Times New Roman"/>
                       </a:endParaRPr>
@@ -6006,13 +5516,13 @@
                         </a:spcBef>
                       </a:pPr>
                       <a:r>
-                        <a:rPr lang="en-US" sz="900" spc="0">
+                        <a:rPr lang="de-de" sz="900" spc="0" dirty="0">
                           <a:latin typeface="AdobeClean-Light"/>
                           <a:cs typeface="AdobeClean-Light"/>
                         </a:rPr>
-                        <a:t>Case Reviews</a:t>
+                        <a:t>사례 검토</a:t>
                       </a:r>
-                      <a:endParaRPr sz="900" spc="0">
+                      <a:endParaRPr sz="900" spc="0" dirty="0">
                         <a:latin typeface="AdobeClean-Light"/>
                         <a:cs typeface="AdobeClean-Light"/>
                       </a:endParaRPr>
@@ -6049,7 +5559,7 @@
                           <a:spcPct val="100000"/>
                         </a:lnSpc>
                       </a:pPr>
-                      <a:endParaRPr sz="900">
+                      <a:endParaRPr sz="900" dirty="0">
                         <a:latin typeface="Times New Roman"/>
                         <a:cs typeface="Times New Roman"/>
                       </a:endParaRPr>
@@ -6078,7 +5588,7 @@
                           <a:spcPct val="100000"/>
                         </a:lnSpc>
                       </a:pPr>
-                      <a:endParaRPr sz="900">
+                      <a:endParaRPr sz="900" dirty="0">
                         <a:latin typeface="Times New Roman"/>
                         <a:cs typeface="Times New Roman"/>
                       </a:endParaRPr>
@@ -6112,7 +5622,7 @@
                           <a:spcPts val="459"/>
                         </a:spcBef>
                       </a:pPr>
-                      <a:endParaRPr sz="900">
+                      <a:endParaRPr sz="900" dirty="0">
                         <a:latin typeface="AdobeClean-Light"/>
                         <a:cs typeface="AdobeClean-Light"/>
                       </a:endParaRPr>
@@ -6162,26 +5672,16 @@
                         </a:spcBef>
                       </a:pPr>
                       <a:r>
-                        <a:rPr sz="900" spc="0">
+                        <a:rPr lang="de-de" sz="900" spc="0" dirty="0">
                           <a:solidFill>
                             <a:srgbClr val="020302"/>
                           </a:solidFill>
                           <a:latin typeface="AdobeClean-Light"/>
                           <a:cs typeface="AdobeClean-Light"/>
                         </a:rPr>
-                        <a:t>Event </a:t>
+                        <a:t>이벤트 관리</a:t>
                       </a:r>
-                      <a:r>
-                        <a:rPr lang="en-US" sz="900" spc="0">
-                          <a:solidFill>
-                            <a:srgbClr val="020302"/>
-                          </a:solidFill>
-                          <a:latin typeface="AdobeClean-Light"/>
-                          <a:cs typeface="AdobeClean-Light"/>
-                        </a:rPr>
-                        <a:t>Management</a:t>
-                      </a:r>
-                      <a:endParaRPr sz="900" spc="0">
+                      <a:endParaRPr sz="900" spc="0" dirty="0">
                         <a:latin typeface="AdobeClean-Light"/>
                         <a:cs typeface="AdobeClean-Light"/>
                       </a:endParaRPr>
@@ -6218,7 +5718,7 @@
                           <a:spcPct val="100000"/>
                         </a:lnSpc>
                       </a:pPr>
-                      <a:endParaRPr sz="900">
+                      <a:endParaRPr sz="900" dirty="0">
                         <a:latin typeface="Times New Roman"/>
                         <a:cs typeface="Times New Roman"/>
                       </a:endParaRPr>
@@ -6247,7 +5747,7 @@
                           <a:spcPct val="100000"/>
                         </a:lnSpc>
                       </a:pPr>
-                      <a:endParaRPr sz="900">
+                      <a:endParaRPr sz="900" dirty="0">
                         <a:latin typeface="Times New Roman"/>
                         <a:cs typeface="Times New Roman"/>
                       </a:endParaRPr>
@@ -6281,7 +5781,7 @@
                           <a:spcPts val="465"/>
                         </a:spcBef>
                       </a:pPr>
-                      <a:endParaRPr sz="900">
+                      <a:endParaRPr sz="900" dirty="0">
                         <a:latin typeface="AdobeClean-Light"/>
                         <a:cs typeface="AdobeClean-Light"/>
                       </a:endParaRPr>
@@ -6322,36 +5822,16 @@
                         </a:spcBef>
                       </a:pPr>
                       <a:r>
-                        <a:rPr sz="900" spc="0">
+                        <a:rPr lang="de-de" sz="900" spc="0" dirty="0">
                           <a:solidFill>
                             <a:srgbClr val="020302"/>
                           </a:solidFill>
                           <a:latin typeface="AdobeClean-Light"/>
                           <a:cs typeface="AdobeClean-Light"/>
                         </a:rPr>
-                        <a:t>Environment</a:t>
+                        <a:t>환경 검토, 유지 관리 및 모니터링</a:t>
                       </a:r>
-                      <a:r>
-                        <a:rPr lang="en-US" sz="900" spc="0">
-                          <a:solidFill>
-                            <a:srgbClr val="020302"/>
-                          </a:solidFill>
-                          <a:latin typeface="AdobeClean-Light"/>
-                          <a:cs typeface="AdobeClean-Light"/>
-                        </a:rPr>
-                        <a:t> </a:t>
-                      </a:r>
-                      <a:r>
-                        <a:rPr sz="900" spc="0">
-                          <a:solidFill>
-                            <a:srgbClr val="020302"/>
-                          </a:solidFill>
-                          <a:latin typeface="AdobeClean-Light"/>
-                          <a:cs typeface="AdobeClean-Light"/>
-                        </a:rPr>
-                        <a:t>Review, Maintenance &amp; Monitoring</a:t>
-                      </a:r>
-                      <a:endParaRPr sz="900" spc="0">
+                      <a:endParaRPr sz="900" spc="0" dirty="0">
                         <a:latin typeface="AdobeClean-Light"/>
                         <a:cs typeface="AdobeClean-Light"/>
                       </a:endParaRPr>
@@ -6382,7 +5862,7 @@
                           <a:spcPct val="100000"/>
                         </a:lnSpc>
                       </a:pPr>
-                      <a:endParaRPr sz="900">
+                      <a:endParaRPr sz="900" dirty="0">
                         <a:latin typeface="Times New Roman"/>
                         <a:cs typeface="Times New Roman"/>
                       </a:endParaRPr>
@@ -6411,7 +5891,7 @@
                           <a:spcPct val="100000"/>
                         </a:lnSpc>
                       </a:pPr>
-                      <a:endParaRPr sz="900">
+                      <a:endParaRPr sz="900" dirty="0">
                         <a:latin typeface="Times New Roman"/>
                         <a:cs typeface="Times New Roman"/>
                       </a:endParaRPr>
@@ -6445,7 +5925,7 @@
                           <a:spcPts val="500"/>
                         </a:spcBef>
                       </a:pPr>
-                      <a:endParaRPr sz="900">
+                      <a:endParaRPr sz="900" dirty="0">
                         <a:latin typeface="AdobeClean-Light"/>
                         <a:cs typeface="AdobeClean-Light"/>
                       </a:endParaRPr>
@@ -6486,16 +5966,16 @@
                         </a:spcBef>
                       </a:pPr>
                       <a:r>
-                        <a:rPr sz="900" spc="0">
+                        <a:rPr lang="de-de" sz="900" spc="0" dirty="0">
                           <a:solidFill>
                             <a:srgbClr val="020302"/>
                           </a:solidFill>
                           <a:latin typeface="AdobeClean-Light"/>
                           <a:cs typeface="AdobeClean-Light"/>
                         </a:rPr>
-                        <a:t>Release, Migration, Upgrade &amp; Product Roadmap Review</a:t>
+                        <a:t>릴리스, 마이그레이션, 업그레이드 및 제품 로드맵 검토</a:t>
                       </a:r>
-                      <a:endParaRPr sz="900" spc="0">
+                      <a:endParaRPr sz="900" spc="0" dirty="0">
                         <a:latin typeface="AdobeClean-Light"/>
                         <a:cs typeface="AdobeClean-Light"/>
                       </a:endParaRPr>
@@ -6526,7 +6006,7 @@
                           <a:spcPct val="100000"/>
                         </a:lnSpc>
                       </a:pPr>
-                      <a:endParaRPr sz="900">
+                      <a:endParaRPr sz="900" dirty="0">
                         <a:latin typeface="Times New Roman"/>
                         <a:cs typeface="Times New Roman"/>
                       </a:endParaRPr>
@@ -6555,7 +6035,7 @@
                           <a:spcPct val="100000"/>
                         </a:lnSpc>
                       </a:pPr>
-                      <a:endParaRPr sz="900">
+                      <a:endParaRPr sz="900" dirty="0">
                         <a:latin typeface="Times New Roman"/>
                         <a:cs typeface="Times New Roman"/>
                       </a:endParaRPr>
@@ -6589,7 +6069,7 @@
                           <a:spcPts val="530"/>
                         </a:spcBef>
                       </a:pPr>
-                      <a:endParaRPr sz="900">
+                      <a:endParaRPr sz="900" dirty="0">
                         <a:latin typeface="AdobeClean-Light"/>
                         <a:cs typeface="AdobeClean-Light"/>
                       </a:endParaRPr>
@@ -6639,11 +6119,11 @@
                         </a:spcBef>
                       </a:pPr>
                       <a:r>
-                        <a:rPr sz="900" spc="0">
+                        <a:rPr lang="de-de" sz="900" spc="0" dirty="0">
                           <a:latin typeface="AdobeClean-Light"/>
                           <a:cs typeface="AdobeClean-Light"/>
                         </a:rPr>
-                        <a:t>Cloud Support Activities – Experience Manager as Cloud</a:t>
+                        <a:t>클라우드 지원 활동 – Experience Manager as Cloud</a:t>
                       </a:r>
                     </a:p>
                   </a:txBody>
@@ -6678,7 +6158,7 @@
                           <a:spcPct val="100000"/>
                         </a:lnSpc>
                       </a:pPr>
-                      <a:endParaRPr sz="900">
+                      <a:endParaRPr sz="900" dirty="0">
                         <a:latin typeface="Times New Roman"/>
                         <a:cs typeface="Times New Roman"/>
                       </a:endParaRPr>
@@ -6716,7 +6196,7 @@
                           <a:spcPct val="100000"/>
                         </a:lnSpc>
                       </a:pPr>
-                      <a:endParaRPr sz="900">
+                      <a:endParaRPr sz="900" dirty="0">
                         <a:latin typeface="Times New Roman"/>
                         <a:cs typeface="Times New Roman"/>
                       </a:endParaRPr>
@@ -6760,16 +6240,16 @@
                         </a:spcBef>
                       </a:pPr>
                       <a:r>
-                        <a:rPr lang="en-US" sz="1000" b="1" i="0" spc="0">
+                        <a:rPr lang="de-de" sz="1000" b="1" i="0" spc="0" dirty="0">
                           <a:solidFill>
                             <a:schemeClr val="bg1"/>
                           </a:solidFill>
                           <a:latin typeface="Adobe Clean" panose="020B0503020404020204" pitchFamily="34" charset="0"/>
                           <a:cs typeface="AdobeClean-Light"/>
                         </a:rPr>
-                        <a:t>Field Services</a:t>
+                        <a:t>현장 서비스</a:t>
                       </a:r>
-                      <a:endParaRPr sz="1000" b="1" i="0" spc="0">
+                      <a:endParaRPr sz="1000" b="1" i="0" spc="0" dirty="0">
                         <a:solidFill>
                           <a:schemeClr val="bg1"/>
                         </a:solidFill>
@@ -6828,16 +6308,16 @@
                         </a:spcBef>
                       </a:pPr>
                       <a:r>
-                        <a:rPr sz="900" spc="0">
+                        <a:rPr lang="de-de" sz="900" spc="0" dirty="0">
                           <a:solidFill>
                             <a:srgbClr val="020302"/>
                           </a:solidFill>
                           <a:latin typeface="AdobeClean-Light"/>
                           <a:cs typeface="AdobeClean-Light"/>
                         </a:rPr>
-                        <a:t>Launch Advisory Services – First Year of new solution</a:t>
+                        <a:t>출시 자문 서비스 – 새로운 솔루션의 첫 해</a:t>
                       </a:r>
-                      <a:endParaRPr sz="900" spc="0">
+                      <a:endParaRPr sz="900" spc="0" dirty="0">
                         <a:latin typeface="AdobeClean-Light"/>
                         <a:cs typeface="AdobeClean-Light"/>
                       </a:endParaRPr>
@@ -6852,11 +6332,11 @@
                         </a:spcBef>
                       </a:pPr>
                       <a:r>
-                        <a:rPr sz="900" spc="0">
+                        <a:rPr lang="de-de" sz="900" spc="0" dirty="0">
                           <a:latin typeface="AdobeClean-Light"/>
                           <a:cs typeface="AdobeClean-Light"/>
                         </a:rPr>
-                        <a:t>Field Service Activities </a:t>
+                        <a:t>현장 서비스 활동 </a:t>
                       </a:r>
                     </a:p>
                   </a:txBody>
@@ -6897,7 +6377,7 @@
                           <a:spcPct val="100000"/>
                         </a:lnSpc>
                       </a:pPr>
-                      <a:endParaRPr sz="900">
+                      <a:endParaRPr sz="900" dirty="0">
                         <a:latin typeface="Times New Roman"/>
                         <a:cs typeface="Times New Roman"/>
                       </a:endParaRPr>
@@ -6935,7 +6415,7 @@
                           <a:spcPct val="100000"/>
                         </a:lnSpc>
                       </a:pPr>
-                      <a:endParaRPr sz="900">
+                      <a:endParaRPr sz="900" dirty="0">
                         <a:latin typeface="Times New Roman"/>
                         <a:cs typeface="Times New Roman"/>
                       </a:endParaRPr>
@@ -7020,7 +6500,7 @@
                           <a:spcPct val="100000"/>
                         </a:lnSpc>
                       </a:pPr>
-                      <a:endParaRPr sz="900">
+                      <a:endParaRPr sz="900" dirty="0">
                         <a:latin typeface="Times New Roman"/>
                         <a:cs typeface="Times New Roman"/>
                       </a:endParaRPr>
@@ -7041,12 +6521,12 @@
                     <a:bodyPr/>
                     <a:lstStyle/>
                     <a:p>
-                      <a:pPr>
+                      <a:pPr marL="0" algn="l" rtl="0">
                         <a:lnSpc>
                           <a:spcPct val="100000"/>
                         </a:lnSpc>
                       </a:pPr>
-                      <a:endParaRPr sz="900">
+                      <a:endParaRPr sz="900" dirty="0">
                         <a:latin typeface="Times New Roman"/>
                         <a:cs typeface="Times New Roman"/>
                       </a:endParaRPr>
@@ -7105,7 +6585,7 @@
           <a:lstStyle/>
           <a:p>
             <a:r>
-              <a:rPr lang="en-US" sz="700" i="1">
+              <a:rPr lang="de-de" sz="700" i="1" dirty="0">
                 <a:solidFill>
                   <a:schemeClr val="bg1"/>
                 </a:solidFill>
@@ -7308,15 +6788,15 @@
               </a:spcBef>
             </a:pPr>
             <a:r>
-              <a:rPr lang="en-US" sz="1000">
+              <a:rPr lang="de-de" sz="1000" dirty="0">
                 <a:solidFill>
                   <a:srgbClr val="000000"/>
                 </a:solidFill>
                 <a:latin typeface="Adobe Clean Light" panose="020B0303020404020204" pitchFamily="34" charset="0"/>
               </a:rPr>
-              <a:t>A designated Account Support Lead to proactively monitor cases, drive cross-team collaboration, deliver onboarding webinars, run service reports, provide non-technical support assistance, and function as your escalation point and internal advocate within Adobe Support.</a:t>
-            </a:r>
-            <a:endParaRPr lang="en-US" sz="1000">
+              <a:t>사례를 사전에 모니터링하고, 팀 간의 공동 작업을 주도하고, 온보딩 웨비나를 제공하고, 서비스 보고를 실행하고, 비기술적 지원을 제공하고, Adobe 지원 내에서 에스컬레이션 지점 및 내부 지지 역할을 하는 지정된 계정 지원 리드입니다.</a:t>
+            </a:r>
+            <a:endParaRPr lang="en-US" sz="1000" dirty="0">
               <a:latin typeface="Adobe Clean Light" panose="020B0303020404020204" pitchFamily="34" charset="0"/>
               <a:cs typeface="AdobeClean-Light"/>
             </a:endParaRPr>
@@ -7332,14 +6812,14 @@
         <p:spPr>
           <a:xfrm>
             <a:off x="2836967" y="8618616"/>
-            <a:ext cx="2286000" cy="641201"/>
+            <a:ext cx="2286000" cy="487313"/>
           </a:xfrm>
           <a:prstGeom prst="rect">
             <a:avLst/>
           </a:prstGeom>
         </p:spPr>
         <p:txBody>
-          <a:bodyPr vert="horz" wrap="square" lIns="0" tIns="12700" rIns="0" bIns="0" rtlCol="0" anchor="t">
+          <a:bodyPr vert="horz" wrap="square" lIns="0" tIns="12700" rIns="0" bIns="0" rtlCol="0">
             <a:spAutoFit/>
           </a:bodyPr>
           <a:lstStyle/>
@@ -7356,48 +6836,28 @@
               </a:tabLst>
             </a:pPr>
             <a:r>
-              <a:rPr sz="1000">
+              <a:rPr lang="de-de" sz="1000" dirty="0">
                 <a:solidFill>
                   <a:srgbClr val="020302"/>
                 </a:solidFill>
                 <a:latin typeface="AdobeClean-Light"/>
                 <a:cs typeface="AdobeClean-Light"/>
               </a:rPr>
-              <a:t>Start a chat session to get answers</a:t>
-            </a:r>
-            <a:r>
-              <a:rPr lang="en-US" sz="1000">
-                <a:solidFill>
-                  <a:srgbClr val="020302"/>
-                </a:solidFill>
-                <a:latin typeface="AdobeClean-Light"/>
-                <a:cs typeface="AdobeClean-Light"/>
-              </a:rPr>
-              <a:t> &amp; </a:t>
-            </a:r>
-            <a:r>
-              <a:rPr sz="1000">
-                <a:solidFill>
-                  <a:srgbClr val="020302"/>
-                </a:solidFill>
-                <a:latin typeface="AdobeClean-Light"/>
-                <a:cs typeface="AdobeClean-Light"/>
-              </a:rPr>
-              <a:t>help with case submission</a:t>
-            </a:r>
-            <a:r>
-              <a:rPr lang="en-US" sz="1000">
-                <a:solidFill>
-                  <a:srgbClr val="020302"/>
-                </a:solidFill>
-                <a:latin typeface="AdobeClean-Light"/>
-                <a:cs typeface="AdobeClean-Light"/>
-              </a:rPr>
-              <a:t>.</a:t>
-            </a:r>
+              <a:t>답변을 얻고 사례 제출 관련 도움을 받을 수 있는</a:t>
+            </a:r>
+            <a:endParaRPr lang="en-US" sz="1000" dirty="0">
+              <a:solidFill>
+                <a:srgbClr val="020302"/>
+              </a:solidFill>
+              <a:latin typeface="AdobeClean-Light"/>
+              <a:cs typeface="AdobeClean-Light"/>
+            </a:endParaRPr>
           </a:p>
           <a:p>
             <a:pPr marL="33020" marR="159385">
+              <a:lnSpc>
+                <a:spcPct val="100000"/>
+              </a:lnSpc>
               <a:spcBef>
                 <a:spcPts val="100"/>
               </a:spcBef>
@@ -7406,36 +6866,36 @@
               </a:tabLst>
             </a:pPr>
             <a:r>
-              <a:rPr sz="1000" i="1">
+              <a:rPr lang="de-de" sz="1000" dirty="0">
+                <a:solidFill>
+                  <a:srgbClr val="020302"/>
+                </a:solidFill>
+                <a:latin typeface="AdobeClean-Light"/>
+                <a:cs typeface="AdobeClean-Light"/>
+              </a:rPr>
+              <a:t> 채팅 세션을 시작합니다.</a:t>
+            </a:r>
+            <a:r>
+              <a:rPr lang="de-de" sz="1000" i="1" dirty="0">
                 <a:solidFill>
                   <a:srgbClr val="7A7A7A"/>
                 </a:solidFill>
                 <a:latin typeface="AdobeClean-LightIt"/>
                 <a:cs typeface="AdobeClean-LightIt"/>
               </a:rPr>
-              <a:t>*Not all products have live chat support</a:t>
-            </a:r>
-            <a:r>
-              <a:rPr sz="900" i="1">
+              <a:t>*모든 제품에 라이브 채팅이 지원되는 것은 아닙니다</a:t>
+            </a:r>
+            <a:r>
+              <a:rPr lang="de-de" sz="900" i="1" dirty="0">
                 <a:solidFill>
                   <a:srgbClr val="7A7A7A"/>
                 </a:solidFill>
                 <a:latin typeface="AdobeClean-LightIt"/>
                 <a:cs typeface="AdobeClean-LightIt"/>
               </a:rPr>
-              <a:t>.</a:t>
-            </a:r>
-            <a:r>
-              <a:rPr lang="en-US" sz="900" i="1">
-                <a:solidFill>
-                  <a:srgbClr val="7A7A7A"/>
-                </a:solidFill>
-                <a:latin typeface="AdobeClean-LightIt"/>
-                <a:cs typeface="AdobeClean-LightIt"/>
-              </a:rPr>
-              <a:t>  </a:t>
-            </a:r>
-            <a:endParaRPr sz="900">
+              <a:t>.  </a:t>
+            </a:r>
+            <a:endParaRPr sz="900" dirty="0">
               <a:latin typeface="AdobeClean-Light"/>
               <a:cs typeface="AdobeClean-Light"/>
             </a:endParaRPr>
@@ -7514,12 +6974,12 @@
               <a:defRPr/>
             </a:pPr>
             <a:r>
-              <a:rPr lang="en-US" sz="1200">
+              <a:rPr lang="de-de" sz="1200" dirty="0">
                 <a:solidFill>
                   <a:srgbClr val="000000"/>
                 </a:solidFill>
               </a:rPr>
-              <a:t>Community Forums</a:t>
+              <a:t>커뮤니티 포럼</a:t>
             </a:r>
           </a:p>
         </p:txBody>
@@ -7562,12 +7022,12 @@
               </a:spcAft>
             </a:pPr>
             <a:r>
-              <a:rPr lang="en-US" sz="1200" b="1">
+              <a:rPr lang="de-de" sz="1200" b="1" dirty="0">
                 <a:latin typeface="+mj-lt"/>
                 <a:ea typeface="Open Sans" pitchFamily="34" charset="0"/>
                 <a:cs typeface="Open Sans" pitchFamily="34" charset="0"/>
               </a:rPr>
-              <a:t>Online Forums</a:t>
+              <a:t>온라인 포럼</a:t>
             </a:r>
           </a:p>
         </p:txBody>
@@ -7600,13 +7060,13 @@
           <a:lstStyle/>
           <a:p>
             <a:r>
-              <a:rPr lang="en-US" sz="1000">
+              <a:rPr lang="de-de" sz="1000" dirty="0">
                 <a:solidFill>
                   <a:srgbClr val="000000"/>
                 </a:solidFill>
                 <a:latin typeface="Adobe Clean Light" panose="020B0303020404020204" pitchFamily="34" charset="0"/>
               </a:rPr>
-              <a:t>Continuous online access to a growing database of technical solutions, product documentation, FAQs and more. Thousands of customers can connect to share best practices and lessons learned.</a:t>
+              <a:t>기술 솔루션, 제품 문서, FAQ 등 증가하는 데이터베이스에 대한 지속적인 온라인 액세스. 수천 명의 고객이 소통하여 모범 사례와 진행 중 얻은 개선 사항을 공유할 수 있습니다.</a:t>
             </a:r>
           </a:p>
         </p:txBody>
@@ -7649,12 +7109,12 @@
               </a:spcAft>
             </a:pPr>
             <a:r>
-              <a:rPr lang="en-US" sz="1200" b="1">
+              <a:rPr lang="de-de" sz="1200" b="1" dirty="0">
                 <a:latin typeface="+mj-lt"/>
                 <a:ea typeface="Open Sans" pitchFamily="34" charset="0"/>
                 <a:cs typeface="Open Sans" pitchFamily="34" charset="0"/>
               </a:rPr>
-              <a:t>Self-guided Journeys</a:t>
+              <a:t>셀프 가이드 여정</a:t>
             </a:r>
           </a:p>
         </p:txBody>
@@ -7687,13 +7147,13 @@
           <a:lstStyle/>
           <a:p>
             <a:r>
-              <a:rPr lang="en-US" sz="1000">
+              <a:rPr lang="de-de" sz="1000" dirty="0">
                 <a:solidFill>
                   <a:srgbClr val="000000"/>
                 </a:solidFill>
                 <a:latin typeface="Adobe Clean Light" panose="020B0303020404020204" pitchFamily="34" charset="0"/>
               </a:rPr>
-              <a:t>Experience Makers are made with Experience League. Customers can kickstart their Customer Experience Management abilities with personalized learning to develop skills, engage with a global community of peers, and earn career advancing recognition.</a:t>
+              <a:t>Experience 업체는 Experience League로 만들어집니다. 고객은 개인 맞춤형 학습을 통해 고객 경험 관리 능력에 시동을 걸어 기술을 개발하고 글로벌 동료 커뮤니티와 교류하며 경력 발전에 도움이 되는 인정을 얻을 수 있습니다.</a:t>
             </a:r>
           </a:p>
         </p:txBody>
@@ -7741,12 +7201,12 @@
               <a:defRPr/>
             </a:pPr>
             <a:r>
-              <a:rPr lang="en-US" sz="1200">
+              <a:rPr lang="de-de" sz="1200" dirty="0">
                 <a:solidFill>
                   <a:srgbClr val="000000"/>
                 </a:solidFill>
               </a:rPr>
-              <a:t>Live Chat  Support*</a:t>
+              <a:t>라이브 채팅 지원*</a:t>
             </a:r>
           </a:p>
         </p:txBody>
@@ -7789,12 +7249,12 @@
               </a:spcAft>
             </a:pPr>
             <a:r>
-              <a:rPr lang="en-US" sz="1200" b="1">
+              <a:rPr lang="de-de" sz="1200" b="1" dirty="0">
                 <a:latin typeface="+mj-lt"/>
                 <a:ea typeface="Open Sans" pitchFamily="34" charset="0"/>
                 <a:cs typeface="Open Sans" pitchFamily="34" charset="0"/>
               </a:rPr>
-              <a:t>Chat Support</a:t>
+              <a:t>채팅 지원</a:t>
             </a:r>
           </a:p>
         </p:txBody>
@@ -7842,7 +7302,7 @@
               <a:defRPr/>
             </a:pPr>
             <a:r>
-              <a:rPr lang="en-US" sz="1200">
+              <a:rPr lang="de-de" sz="1200" dirty="0">
                 <a:solidFill>
                   <a:srgbClr val="000000"/>
                 </a:solidFill>
@@ -7890,12 +7350,12 @@
               </a:spcAft>
             </a:pPr>
             <a:r>
-              <a:rPr lang="en-US" sz="1200" b="1">
+              <a:rPr lang="de-de" sz="1200" b="1" dirty="0">
                 <a:latin typeface="+mj-lt"/>
                 <a:ea typeface="Open Sans" pitchFamily="34" charset="0"/>
                 <a:cs typeface="Open Sans" pitchFamily="34" charset="0"/>
               </a:rPr>
-              <a:t>Phone Support</a:t>
+              <a:t>전화 지원</a:t>
             </a:r>
           </a:p>
         </p:txBody>
@@ -7928,21 +7388,21 @@
           <a:lstStyle/>
           <a:p>
             <a:r>
-              <a:rPr lang="en-US" sz="1000">
+              <a:rPr lang="de-de" sz="1000" dirty="0">
                 <a:solidFill>
                   <a:srgbClr val="020302"/>
                 </a:solidFill>
                 <a:latin typeface="AdobeClean-Light"/>
               </a:rPr>
-              <a:t>Authorized users or Named Support Contacts </a:t>
-            </a:r>
-            <a:r>
-              <a:rPr lang="en-US" sz="1000">
+              <a:t>승인된 사용자 또는 지정 지원 담당자</a:t>
+            </a:r>
+            <a:r>
+              <a:rPr lang="de-de" sz="1000" dirty="0">
                 <a:latin typeface="Adobe Clean Light" panose="020B0303020404020204" pitchFamily="34" charset="0"/>
               </a:rPr>
-              <a:t>can submit issues through all available  channels (including phone for P1) and interact with our technical support team on behalf of your company. </a:t>
-            </a:r>
-            <a:endParaRPr lang="en-US" sz="1000">
+              <a:t>는 사용 가능한 모든 채널(P1용 전화 포함)을 통해 문제를 제출하고 귀사를 대신하여 기술 지원 팀과 상호 작용할 수 있습니다. </a:t>
+            </a:r>
+            <a:endParaRPr lang="en-US" sz="1000" dirty="0">
               <a:solidFill>
                 <a:srgbClr val="000000"/>
               </a:solidFill>
@@ -7970,7 +7430,7 @@
         <p:spPr>
           <a:xfrm>
             <a:off x="5253416" y="9862966"/>
-            <a:ext cx="2270125" cy="132729"/>
+            <a:ext cx="2518984" cy="132729"/>
           </a:xfrm>
           <a:prstGeom prst="rect">
             <a:avLst/>
@@ -7991,24 +7451,16 @@
               </a:spcBef>
             </a:pPr>
             <a:r>
-              <a:rPr spc="-5"/>
-              <a:t>©202</a:t>
-            </a:r>
-            <a:r>
-              <a:rPr lang="en-US" spc="-5"/>
-              <a:t>1</a:t>
-            </a:r>
-            <a:r>
-              <a:rPr spc="-5"/>
-              <a:t> Adobe. All Rights Reserved. Adobe</a:t>
-            </a:r>
-            <a:r>
-              <a:rPr spc="60"/>
+              <a:rPr lang="de-de" spc="-5" dirty="0"/>
+              <a:t>©2021 Adobe. All Rights Reserved. Adobe</a:t>
+            </a:r>
+            <a:r>
+              <a:rPr lang="de-de" spc="60" dirty="0"/>
               <a:t> </a:t>
             </a:r>
             <a:r>
-              <a:rPr spc="-5"/>
-              <a:t>Confidential.</a:t>
+              <a:rPr lang="de-de" spc="-5" dirty="0"/>
+              <a:t>기밀.</a:t>
             </a:r>
           </a:p>
         </p:txBody>
@@ -8051,13 +7503,13 @@
               </a:spcAft>
             </a:pPr>
             <a:r>
-              <a:rPr lang="en-US" sz="1200" b="1" spc="-10">
+              <a:rPr lang="de-de" sz="1200" b="1" spc="-10" dirty="0">
                 <a:solidFill>
                   <a:srgbClr val="020302"/>
                 </a:solidFill>
                 <a:latin typeface="+mj-lt"/>
               </a:rPr>
-              <a:t>Account Support Lead</a:t>
+              <a:t>계정 지원 리드</a:t>
             </a:r>
           </a:p>
         </p:txBody>
@@ -8146,16 +7598,16 @@
               </a:spcBef>
             </a:pPr>
             <a:r>
-              <a:rPr lang="en-US" sz="1400" b="1" spc="-10">
+              <a:rPr lang="de-de" sz="1400" b="1" spc="-10" dirty="0">
                 <a:solidFill>
                   <a:srgbClr val="020302"/>
                 </a:solidFill>
                 <a:latin typeface="Adobe Clean"/>
                 <a:cs typeface="Adobe Clean"/>
               </a:rPr>
-              <a:t>Online Support Features</a:t>
-            </a:r>
-            <a:endParaRPr lang="en-US" sz="1400">
+              <a:t>온라인 지원 기능</a:t>
+            </a:r>
+            <a:endParaRPr lang="en-US" sz="1400" dirty="0">
               <a:latin typeface="Adobe Clean"/>
               <a:cs typeface="Adobe Clean"/>
             </a:endParaRPr>
@@ -8246,16 +7698,16 @@
               </a:spcBef>
             </a:pPr>
             <a:r>
-              <a:rPr lang="en-US" sz="1400" b="1" spc="-10">
+              <a:rPr lang="de-de" sz="1400" b="1" spc="-10" dirty="0">
                 <a:solidFill>
                   <a:srgbClr val="020302"/>
                 </a:solidFill>
                 <a:latin typeface="Adobe Clean"/>
                 <a:cs typeface="Adobe Clean"/>
               </a:rPr>
-              <a:t>Business  Support Features</a:t>
-            </a:r>
-            <a:endParaRPr lang="en-US" sz="1400">
+              <a:t>비즈니스 지원 기능</a:t>
+            </a:r>
+            <a:endParaRPr lang="en-US" sz="1400" dirty="0">
               <a:latin typeface="Adobe Clean"/>
               <a:cs typeface="Adobe Clean"/>
             </a:endParaRPr>
@@ -8298,12 +7750,12 @@
               </a:spcBef>
             </a:pPr>
             <a:r>
-              <a:rPr lang="en-US" sz="1000">
+              <a:rPr lang="de-de" sz="1000" dirty="0">
                 <a:latin typeface="Adobe Clean Light" panose="020B0303020404020204" pitchFamily="34" charset="0"/>
               </a:rPr>
-              <a:t>Customers can submit support cases via Phone for all P2, P3, P4 issues during regional support hours. There are no upper limits on the number of times you can call into support. Customers can also request a call back from support or request a meeting to demonstrate or work through an issue using a shared remote desktop session.</a:t>
-            </a:r>
-            <a:endParaRPr lang="en-US" sz="1000">
+              <a:t>고객은 지역별 지원 시간 동안 모든 P2, P3, P4 문제에 대해 전화를 통해 지원 사례를 제출할 수 있습니다. 지원을 요청할 수 있는 횟수에는 상한선이 없습니다. 고객은 또한 지원 팀에 콜백을 요청하거나 공유 원격 데스크탑 세션을 사용하여 문제를 시연하거나 해결하기 위한 회의를 요청할 수 있습니다.</a:t>
+            </a:r>
+            <a:endParaRPr lang="en-US" sz="1000" dirty="0">
               <a:latin typeface="Adobe Clean Light" panose="020B0303020404020204" pitchFamily="34" charset="0"/>
               <a:cs typeface="AdobeClean-Light"/>
             </a:endParaRPr>
@@ -8348,13 +7800,13 @@
               </a:spcAft>
             </a:pPr>
             <a:r>
-              <a:rPr lang="en-US" sz="1200" b="1" spc="-10">
+              <a:rPr lang="de-de" sz="1200" b="1" spc="-10" dirty="0">
                 <a:solidFill>
                   <a:srgbClr val="020302"/>
                 </a:solidFill>
                 <a:latin typeface="+mj-lt"/>
               </a:rPr>
-              <a:t>Live Telephone Support</a:t>
+              <a:t>실시간 전화 지원</a:t>
             </a:r>
           </a:p>
         </p:txBody>
@@ -8395,15 +7847,15 @@
               </a:spcBef>
             </a:pPr>
             <a:r>
-              <a:rPr lang="en-US" sz="1000">
+              <a:rPr lang="de-de" sz="1000" dirty="0">
                 <a:solidFill>
                   <a:srgbClr val="4B4B4B"/>
                 </a:solidFill>
                 <a:latin typeface="Adobe Clean Light" panose="020B0303020404020204" pitchFamily="34" charset="0"/>
               </a:rPr>
-              <a:t>A designated point of contact within Adobe who can provide escalation assistance, regular updates and ensure priority is given to your most critical open support requests.</a:t>
-            </a:r>
-            <a:endParaRPr lang="en-US" sz="1000">
+              <a:t>에스컬레이션 지원 및 정기 업데이트를 제공하고 진행 중인 지원 요청에서 가장 중요한 것에 우선 순위를 부여할 수 있는 Adobe 내의 지정된 담당자입니다.</a:t>
+            </a:r>
+            <a:endParaRPr lang="en-US" sz="1000" dirty="0">
               <a:latin typeface="Adobe Clean Light" panose="020B0303020404020204" pitchFamily="34" charset="0"/>
               <a:cs typeface="AdobeClean-Light"/>
             </a:endParaRPr>
@@ -8448,13 +7900,13 @@
               </a:spcAft>
             </a:pPr>
             <a:r>
-              <a:rPr lang="en-US" sz="1200" b="1" spc="-10">
+              <a:rPr lang="de-de" sz="1200" b="1" spc="-10" dirty="0">
                 <a:solidFill>
                   <a:srgbClr val="020302"/>
                 </a:solidFill>
                 <a:latin typeface="+mj-lt"/>
               </a:rPr>
-              <a:t>Escalation Management</a:t>
+              <a:t>에스컬레이션 관리</a:t>
             </a:r>
           </a:p>
         </p:txBody>
@@ -8502,12 +7954,12 @@
               <a:defRPr/>
             </a:pPr>
             <a:r>
-              <a:rPr lang="en-US" sz="1200">
+              <a:rPr lang="de-de" sz="1200" dirty="0">
                 <a:solidFill>
                   <a:srgbClr val="000000"/>
                 </a:solidFill>
               </a:rPr>
-              <a:t>Office Hours</a:t>
+              <a:t>오피스 아워</a:t>
             </a:r>
           </a:p>
         </p:txBody>
@@ -8550,12 +8002,12 @@
               </a:spcAft>
             </a:pPr>
             <a:r>
-              <a:rPr lang="en-US" sz="1200" b="1">
+              <a:rPr lang="de-de" sz="1200" b="1" dirty="0">
                 <a:latin typeface="+mj-lt"/>
                 <a:ea typeface="Open Sans" pitchFamily="34" charset="0"/>
                 <a:cs typeface="Open Sans" pitchFamily="34" charset="0"/>
               </a:rPr>
-              <a:t>Webinars</a:t>
+              <a:t>웨비나</a:t>
             </a:r>
           </a:p>
         </p:txBody>
@@ -8588,13 +8040,13 @@
           <a:lstStyle/>
           <a:p>
             <a:r>
-              <a:rPr lang="en-US" sz="1000">
+              <a:rPr lang="de-de" sz="1000" dirty="0">
                 <a:solidFill>
                   <a:srgbClr val="000000"/>
                 </a:solidFill>
                 <a:latin typeface="Adobe Clean Light" panose="020B0303020404020204" pitchFamily="34" charset="0"/>
               </a:rPr>
-              <a:t>Office Hours is an initiative led by the Adobe Customer Support team. These sessions are designed to inform as well as help participants troubleshoot problems and provide tips and tricks to be successful with Adobe Experience Cloud.</a:t>
+              <a:t>오피스 아워(Office Hours)는 Adobe 고객 지원 팀에서 진행하는 이니셔티브입니다. 이러한 세션은 참가자가 문제를 해결하도록 관련 정보를 제공하여 도움을 주고 Adobe Experience Cloud를 성공적으로 사용할 수 있는 팁과 요령을 제공하기 위해 설계되었습니다.</a:t>
             </a:r>
           </a:p>
         </p:txBody>
@@ -8637,12 +8089,12 @@
               </a:spcAft>
             </a:pPr>
             <a:r>
-              <a:rPr lang="en-US" sz="1200" b="1">
+              <a:rPr lang="de-de" sz="1200" b="1" dirty="0">
                 <a:latin typeface="+mj-lt"/>
                 <a:ea typeface="Open Sans" pitchFamily="34" charset="0"/>
                 <a:cs typeface="Open Sans" pitchFamily="34" charset="0"/>
               </a:rPr>
-              <a:t>24/7 Support Portal</a:t>
+              <a:t>24/7 지원 포털</a:t>
             </a:r>
           </a:p>
         </p:txBody>
@@ -8675,37 +8127,30 @@
           <a:lstStyle/>
           <a:p>
             <a:r>
-              <a:rPr lang="en-US" sz="1000">
+              <a:rPr lang="de-de" sz="1000" dirty="0">
                 <a:solidFill>
                   <a:srgbClr val="000000"/>
                 </a:solidFill>
                 <a:latin typeface="Adobe Clean Light" panose="020B0303020404020204" pitchFamily="34" charset="0"/>
               </a:rPr>
-              <a:t>On-demand access to the online </a:t>
-            </a:r>
-            <a:br>
-              <a:rPr lang="en-US" sz="1000">
+              <a:t>지원 요청을 제출하고 사례 상태를 검토하고 기술 자료, 뉴스 및 알림, 추천 팁 등과 같은 기타 리소스를 검색할 수 있는 온라인 </a:t>
+            </a:r>
+            <a:br/>
+            <a:r>
+              <a:rPr lang="de-de" sz="1000" dirty="0">
                 <a:solidFill>
                   <a:srgbClr val="000000"/>
                 </a:solidFill>
                 <a:latin typeface="Adobe Clean Light" panose="020B0303020404020204" pitchFamily="34" charset="0"/>
               </a:rPr>
-            </a:br>
-            <a:r>
-              <a:rPr lang="en-US" sz="1000">
-                <a:solidFill>
-                  <a:srgbClr val="000000"/>
-                </a:solidFill>
-                <a:latin typeface="Adobe Clean Light" panose="020B0303020404020204" pitchFamily="34" charset="0"/>
-              </a:rPr>
-              <a:t>Self-help Support Portal to submit support requests, review case status, and browse other resources, like our knowledgebase, news and alerts, featured tips, and more.</a:t>
+              <a:t>자가 진단 지원 포털에 대한 온디맨드 액세스입니다.</a:t>
             </a:r>
           </a:p>
         </p:txBody>
       </p:sp>
       <p:pic>
         <p:nvPicPr>
-          <p:cNvPr id="13" name="Graphic 12" descr="Playbook outline">
+          <p:cNvPr id="13" name="Graphic 12" descr="플레이북 개요">
             <a:extLst>
               <a:ext uri="{FF2B5EF4-FFF2-40B4-BE49-F238E27FC236}">
                 <a16:creationId xmlns:a16="http://schemas.microsoft.com/office/drawing/2014/main" id="{EA91EF06-4BFE-9B42-9A4B-1146BB3FDFD3}"/>
@@ -8744,7 +8189,7 @@
       </p:pic>
       <p:pic>
         <p:nvPicPr>
-          <p:cNvPr id="15" name="Graphic 14" descr="User outline">
+          <p:cNvPr id="15" name="Graphic 14" descr="사용자 개요">
             <a:extLst>
               <a:ext uri="{FF2B5EF4-FFF2-40B4-BE49-F238E27FC236}">
                 <a16:creationId xmlns:a16="http://schemas.microsoft.com/office/drawing/2014/main" id="{432C176A-FCAC-A645-A2E4-E6AD4A602868}"/>
@@ -8810,10 +8255,10 @@
           <a:lstStyle/>
           <a:p>
             <a:r>
-              <a:rPr lang="en-US" sz="1200" b="1">
+              <a:rPr lang="de-de" sz="1200" b="1" dirty="0">
                 <a:latin typeface="+mj-lt"/>
               </a:rPr>
-              <a:t>Business Services</a:t>
+              <a:t>비즈니스 서비스</a:t>
             </a:r>
           </a:p>
         </p:txBody>
@@ -8854,12 +8299,12 @@
               </a:spcBef>
             </a:pPr>
             <a:r>
-              <a:rPr lang="en-US" sz="1000">
+              <a:rPr lang="de-de" sz="1000" dirty="0">
                 <a:latin typeface="Adobe Clean Light" panose="020B0303020404020204" pitchFamily="34" charset="0"/>
               </a:rPr>
-              <a:t>An Account Support Lead will host webinars covering an overview of business support services.  </a:t>
-            </a:r>
-            <a:endParaRPr lang="en-US" sz="1000">
+              <a:t>계정 지원 리드가 비즈니스 지원 서비스의 개요를 다루는 웨비나를 진행합니다.  </a:t>
+            </a:r>
+            <a:endParaRPr lang="en-US" sz="1000" dirty="0">
               <a:latin typeface="Adobe Clean Light" panose="020B0303020404020204" pitchFamily="34" charset="0"/>
               <a:cs typeface="AdobeClean-Light"/>
             </a:endParaRPr>
@@ -8923,7 +8368,7 @@
       </p:sp>
       <p:pic>
         <p:nvPicPr>
-          <p:cNvPr id="8" name="Graphic 7" descr="Call center outline">
+          <p:cNvPr id="8" name="Graphic 7" descr="콜 센터 개요">
             <a:extLst>
               <a:ext uri="{FF2B5EF4-FFF2-40B4-BE49-F238E27FC236}">
                 <a16:creationId xmlns:a16="http://schemas.microsoft.com/office/drawing/2014/main" id="{76C5F4CC-9EB1-9A40-B7CD-9238D7CBD210}"/>
@@ -8962,7 +8407,7 @@
       </p:pic>
       <p:pic>
         <p:nvPicPr>
-          <p:cNvPr id="12" name="Graphic 11" descr="Chat bubble outline">
+          <p:cNvPr id="12" name="Graphic 11" descr="말풍선 개요">
             <a:extLst>
               <a:ext uri="{FF2B5EF4-FFF2-40B4-BE49-F238E27FC236}">
                 <a16:creationId xmlns:a16="http://schemas.microsoft.com/office/drawing/2014/main" id="{622BBF30-302E-BB48-9742-E046EB16E213}"/>
@@ -9001,7 +8446,7 @@
       </p:pic>
       <p:pic>
         <p:nvPicPr>
-          <p:cNvPr id="16" name="Graphic 15" descr="Compass outline">
+          <p:cNvPr id="16" name="Graphic 15" descr="나침반 개요">
             <a:extLst>
               <a:ext uri="{FF2B5EF4-FFF2-40B4-BE49-F238E27FC236}">
                 <a16:creationId xmlns:a16="http://schemas.microsoft.com/office/drawing/2014/main" id="{8D3635BD-68A2-174E-92F8-1EE608E3F409}"/>
@@ -9040,7 +8485,7 @@
       </p:pic>
       <p:pic>
         <p:nvPicPr>
-          <p:cNvPr id="18" name="Graphic 17" descr="Speaker phone outline">
+          <p:cNvPr id="18" name="Graphic 17" descr="스피커폰 개요">
             <a:extLst>
               <a:ext uri="{FF2B5EF4-FFF2-40B4-BE49-F238E27FC236}">
                 <a16:creationId xmlns:a16="http://schemas.microsoft.com/office/drawing/2014/main" id="{CD7C3546-DF6C-1748-9DE2-3DE0B393FD70}"/>
@@ -9079,7 +8524,7 @@
       </p:pic>
       <p:pic>
         <p:nvPicPr>
-          <p:cNvPr id="20" name="Graphic 19" descr="Customer review outline">
+          <p:cNvPr id="20" name="Graphic 19" descr="고객 리뷰 개요">
             <a:extLst>
               <a:ext uri="{FF2B5EF4-FFF2-40B4-BE49-F238E27FC236}">
                 <a16:creationId xmlns:a16="http://schemas.microsoft.com/office/drawing/2014/main" id="{88BA5AB9-C7BF-714C-B301-F3911BFCE82B}"/>
@@ -9118,7 +8563,7 @@
       </p:pic>
       <p:pic>
         <p:nvPicPr>
-          <p:cNvPr id="24" name="Graphic 23" descr="Signpost outline">
+          <p:cNvPr id="24" name="Graphic 23" descr="길잡이 개요">
             <a:extLst>
               <a:ext uri="{FF2B5EF4-FFF2-40B4-BE49-F238E27FC236}">
                 <a16:creationId xmlns:a16="http://schemas.microsoft.com/office/drawing/2014/main" id="{98A2CDD0-0973-5C41-9864-EAF96E20A224}"/>
@@ -9157,7 +8602,7 @@
       </p:pic>
       <p:pic>
         <p:nvPicPr>
-          <p:cNvPr id="26" name="Graphic 25" descr="Internet outline">
+          <p:cNvPr id="26" name="Graphic 25" descr="인터넷 개요">
             <a:extLst>
               <a:ext uri="{FF2B5EF4-FFF2-40B4-BE49-F238E27FC236}">
                 <a16:creationId xmlns:a16="http://schemas.microsoft.com/office/drawing/2014/main" id="{D97D0963-4E70-534E-A452-83995F1FACDE}"/>
@@ -9196,7 +8641,7 @@
       </p:pic>
       <p:pic>
         <p:nvPicPr>
-          <p:cNvPr id="28" name="Graphic 27" descr="Remote learning language outline">
+          <p:cNvPr id="28" name="Graphic 27" descr="원격 학습 언어 개요">
             <a:extLst>
               <a:ext uri="{FF2B5EF4-FFF2-40B4-BE49-F238E27FC236}">
                 <a16:creationId xmlns:a16="http://schemas.microsoft.com/office/drawing/2014/main" id="{5F425BA3-573C-1A4A-9418-FC3AB02B28C2}"/>
@@ -9331,12 +8776,12 @@
               <a:defRPr/>
             </a:pPr>
             <a:r>
-              <a:rPr lang="en-US" sz="1200">
+              <a:rPr lang="de-de" sz="1200" dirty="0">
                 <a:solidFill>
                   <a:srgbClr val="000000"/>
                 </a:solidFill>
               </a:rPr>
-              <a:t>Self– Help Portal</a:t>
+              <a:t>자가 진단 포털</a:t>
             </a:r>
           </a:p>
         </p:txBody>
@@ -9384,7 +8829,7 @@
               <a:defRPr/>
             </a:pPr>
             <a:r>
-              <a:rPr lang="en-US" sz="1200">
+              <a:rPr lang="de-de" sz="1200" dirty="0">
                 <a:solidFill>
                   <a:srgbClr val="000000"/>
                 </a:solidFill>
@@ -9446,17 +8891,17 @@
               </a:lnSpc>
             </a:pPr>
             <a:r>
-              <a:rPr sz="500" spc="-5">
+              <a:rPr lang="de-de" sz="500" spc="-5" dirty="0">
                 <a:solidFill>
                   <a:srgbClr val="6C6C6C"/>
                 </a:solidFill>
                 <a:latin typeface="Adobe Clean"/>
                 <a:cs typeface="Adobe Clean"/>
               </a:rPr>
-              <a:t>©2020 Adobe. All Rights Reserved. </a:t>
-            </a:r>
-            <a:r>
-              <a:rPr sz="500">
+              <a:t>© 2020 Adobe.  All Rights Reserved. </a:t>
+            </a:r>
+            <a:r>
+              <a:rPr lang="de-de" sz="500" dirty="0">
                 <a:solidFill>
                   <a:srgbClr val="6C6C6C"/>
                 </a:solidFill>
@@ -9466,7 +8911,7 @@
               <a:t>Adobe</a:t>
             </a:r>
             <a:r>
-              <a:rPr sz="500" spc="5">
+              <a:rPr lang="de-de" sz="500" spc="5" dirty="0">
                 <a:solidFill>
                   <a:srgbClr val="6C6C6C"/>
                 </a:solidFill>
@@ -9476,14 +8921,14 @@
               <a:t> </a:t>
             </a:r>
             <a:r>
-              <a:rPr sz="500" spc="-5">
+              <a:rPr lang="de-de" sz="500" spc="-5" dirty="0">
                 <a:solidFill>
                   <a:srgbClr val="6C6C6C"/>
                 </a:solidFill>
                 <a:latin typeface="Adobe Clean"/>
                 <a:cs typeface="Adobe Clean"/>
               </a:rPr>
-              <a:t>Confidential.</a:t>
+              <a:t>기밀.</a:t>
             </a:r>
             <a:endParaRPr sz="500">
               <a:latin typeface="Adobe Clean"/>
@@ -9514,17 +8959,17 @@
               </a:spcBef>
             </a:pPr>
             <a:r>
-              <a:rPr sz="800" spc="-5">
+              <a:rPr lang="de-de" sz="800" spc="-5" dirty="0">
                 <a:solidFill>
                   <a:srgbClr val="6D6D6D"/>
                 </a:solidFill>
                 <a:latin typeface="Adobe Clean"/>
                 <a:cs typeface="Adobe Clean"/>
               </a:rPr>
-              <a:t>©2020 Adobe. All Rights Reserved. Adobe</a:t>
-            </a:r>
-            <a:r>
-              <a:rPr sz="800" spc="75">
+              <a:t>© 2020 Adobe.  All Rights Reserved. Adobe</a:t>
+            </a:r>
+            <a:r>
+              <a:rPr lang="de-de" sz="800" spc="75" dirty="0">
                 <a:solidFill>
                   <a:srgbClr val="6D6D6D"/>
                 </a:solidFill>
@@ -9534,14 +8979,14 @@
               <a:t> </a:t>
             </a:r>
             <a:r>
-              <a:rPr sz="800" spc="-5">
+              <a:rPr lang="de-de" sz="800" spc="-5" dirty="0">
                 <a:solidFill>
                   <a:srgbClr val="6D6D6D"/>
                 </a:solidFill>
                 <a:latin typeface="Adobe Clean"/>
                 <a:cs typeface="Adobe Clean"/>
               </a:rPr>
-              <a:t>Confidential.</a:t>
+              <a:t>기밀.</a:t>
             </a:r>
             <a:endParaRPr sz="800">
               <a:latin typeface="Adobe Clean"/>
@@ -9630,16 +9075,16 @@
               </a:spcBef>
             </a:pPr>
             <a:r>
-              <a:rPr lang="en-US" sz="1400" b="1" spc="-15">
+              <a:rPr lang="de-de" sz="1400" b="1" spc="-15" dirty="0">
                 <a:solidFill>
                   <a:srgbClr val="020302"/>
                 </a:solidFill>
                 <a:latin typeface="Adobe Clean"/>
                 <a:cs typeface="Adobe Clean"/>
               </a:rPr>
-              <a:t>Resources</a:t>
-            </a:r>
-            <a:endParaRPr sz="1400">
+              <a:t>리소스</a:t>
+            </a:r>
+            <a:endParaRPr sz="1400" dirty="0">
               <a:latin typeface="Adobe Clean"/>
               <a:cs typeface="Adobe Clean"/>
             </a:endParaRPr>
@@ -9676,7 +9121,7 @@
               </a:spcBef>
             </a:pPr>
             <a:r>
-              <a:rPr sz="800" spc="-15">
+              <a:rPr lang="de-de" sz="800" spc="-15" dirty="0">
                 <a:solidFill>
                   <a:srgbClr val="777879"/>
                 </a:solidFill>
@@ -9697,7 +9142,7 @@
               </a:lnSpc>
             </a:pPr>
             <a:r>
-              <a:rPr sz="800" spc="-15">
+              <a:rPr lang="de-de" sz="800" spc="-15" dirty="0">
                 <a:solidFill>
                   <a:srgbClr val="777879"/>
                 </a:solidFill>
@@ -9707,7 +9152,7 @@
               <a:t>345 Park</a:t>
             </a:r>
             <a:r>
-              <a:rPr sz="800" spc="-100">
+              <a:rPr lang="de-de" sz="800" spc="-100" dirty="0">
                 <a:solidFill>
                   <a:srgbClr val="777879"/>
                 </a:solidFill>
@@ -9717,7 +9162,7 @@
               <a:t> </a:t>
             </a:r>
             <a:r>
-              <a:rPr sz="800" spc="-15">
+              <a:rPr lang="de-de" sz="800" spc="-15" dirty="0">
                 <a:solidFill>
                   <a:srgbClr val="777879"/>
                 </a:solidFill>
@@ -9738,7 +9183,7 @@
               </a:lnSpc>
             </a:pPr>
             <a:r>
-              <a:rPr sz="800" spc="-10">
+              <a:rPr lang="de-de" sz="800" spc="-10" dirty="0">
                 <a:solidFill>
                   <a:srgbClr val="777879"/>
                 </a:solidFill>
@@ -9748,7 +9193,7 @@
               <a:t>San </a:t>
             </a:r>
             <a:r>
-              <a:rPr sz="800" spc="-15">
+              <a:rPr lang="de-de" sz="800" spc="-15" dirty="0">
                 <a:solidFill>
                   <a:srgbClr val="777879"/>
                 </a:solidFill>
@@ -9758,7 +9203,7 @@
               <a:t>Jose,</a:t>
             </a:r>
             <a:r>
-              <a:rPr sz="800" spc="-140">
+              <a:rPr lang="de-de" sz="800" spc="-140" dirty="0">
                 <a:solidFill>
                   <a:srgbClr val="777879"/>
                 </a:solidFill>
@@ -9768,7 +9213,7 @@
               <a:t> </a:t>
             </a:r>
             <a:r>
-              <a:rPr sz="800" spc="-20">
+              <a:rPr lang="de-de" sz="800" spc="-20" dirty="0">
                 <a:solidFill>
                   <a:srgbClr val="777879"/>
                 </a:solidFill>
@@ -9792,7 +9237,7 @@
               </a:spcBef>
             </a:pPr>
             <a:r>
-              <a:rPr sz="800" spc="-10">
+              <a:rPr lang="de-de" sz="800" spc="-10" dirty="0">
                 <a:solidFill>
                   <a:srgbClr val="777879"/>
                 </a:solidFill>
@@ -9816,7 +9261,7 @@
               </a:spcBef>
             </a:pPr>
             <a:r>
-              <a:rPr sz="800" u="sng" spc="-25">
+              <a:rPr lang="de-de" sz="800" u="sng" spc="-25" dirty="0">
                 <a:solidFill>
                   <a:srgbClr val="5F5F5F"/>
                 </a:solidFill>
@@ -9829,7 +9274,7 @@
                 <a:cs typeface="Adobe Clean"/>
                 <a:hlinkClick r:id="rId3"/>
               </a:rPr>
-              <a:t>www.adobe.com</a:t>
+              <a:t>www.adobe.com/kr/</a:t>
             </a:r>
             <a:endParaRPr sz="800">
               <a:latin typeface="Adobe Clean"/>
@@ -9995,7 +9440,7 @@
           </a:prstGeom>
         </p:spPr>
         <p:txBody>
-          <a:bodyPr vert="horz" wrap="square" lIns="0" tIns="29845" rIns="0" bIns="0" rtlCol="0" anchor="t">
+          <a:bodyPr vert="horz" wrap="square" lIns="0" tIns="29845" rIns="0" bIns="0" rtlCol="0">
             <a:spAutoFit/>
           </a:bodyPr>
           <a:lstStyle/>
@@ -10009,17 +9454,17 @@
               </a:spcBef>
             </a:pPr>
             <a:r>
-              <a:rPr sz="1100" i="1" spc="-10">
+              <a:rPr lang="de-de" sz="1100" i="1" spc="-10" dirty="0">
                 <a:solidFill>
                   <a:srgbClr val="777879"/>
                 </a:solidFill>
                 <a:latin typeface="AdobeClean-LightIt"/>
                 <a:cs typeface="AdobeClean-LightIt"/>
               </a:rPr>
-              <a:t>To</a:t>
-            </a:r>
-            <a:r>
-              <a:rPr sz="1100" i="1" spc="-50">
+              <a:t>Adobe</a:t>
+            </a:r>
+            <a:r>
+              <a:rPr lang="de-de" sz="1100" i="1" spc="-50" dirty="0">
                 <a:solidFill>
                   <a:srgbClr val="777879"/>
                 </a:solidFill>
@@ -10029,17 +9474,17 @@
               <a:t> </a:t>
             </a:r>
             <a:r>
-              <a:rPr sz="1100" i="1" spc="-15">
+              <a:rPr lang="de-de" sz="1100" i="1" spc="-15" dirty="0">
                 <a:solidFill>
                   <a:srgbClr val="777879"/>
                 </a:solidFill>
                 <a:latin typeface="AdobeClean-LightIt"/>
                 <a:cs typeface="AdobeClean-LightIt"/>
               </a:rPr>
-              <a:t>learn</a:t>
-            </a:r>
-            <a:r>
-              <a:rPr sz="1100" i="1" spc="-40">
+              <a:t>지원</a:t>
+            </a:r>
+            <a:r>
+              <a:rPr lang="de-de" sz="1100" i="1" spc="-40" dirty="0">
                 <a:solidFill>
                   <a:srgbClr val="777879"/>
                 </a:solidFill>
@@ -10049,17 +9494,17 @@
               <a:t> </a:t>
             </a:r>
             <a:r>
-              <a:rPr sz="1100" i="1" spc="-15">
+              <a:rPr lang="de-de" sz="1100" i="1" spc="-15" dirty="0">
                 <a:solidFill>
                   <a:srgbClr val="777879"/>
                 </a:solidFill>
                 <a:latin typeface="AdobeClean-LightIt"/>
                 <a:cs typeface="AdobeClean-LightIt"/>
               </a:rPr>
-              <a:t>more</a:t>
-            </a:r>
-            <a:r>
-              <a:rPr sz="1100" i="1" spc="-45">
+              <a:t>서비스</a:t>
+            </a:r>
+            <a:r>
+              <a:rPr lang="de-de" sz="1100" i="1" spc="-45" dirty="0">
                 <a:solidFill>
                   <a:srgbClr val="777879"/>
                 </a:solidFill>
@@ -10069,17 +9514,17 @@
               <a:t> </a:t>
             </a:r>
             <a:r>
-              <a:rPr sz="1100" i="1" spc="-15">
+              <a:rPr lang="de-de" sz="1100" i="1" spc="-15" dirty="0">
                 <a:solidFill>
                   <a:srgbClr val="777879"/>
                 </a:solidFill>
                 <a:latin typeface="AdobeClean-LightIt"/>
                 <a:cs typeface="AdobeClean-LightIt"/>
               </a:rPr>
-              <a:t>about</a:t>
-            </a:r>
-            <a:r>
-              <a:rPr sz="1100" i="1" spc="-45">
+              <a:t>제공</a:t>
+            </a:r>
+            <a:r>
+              <a:rPr lang="de-de" sz="1100" i="1" spc="-45" dirty="0">
                 <a:solidFill>
                   <a:srgbClr val="777879"/>
                 </a:solidFill>
@@ -10089,17 +9534,17 @@
               <a:t> </a:t>
             </a:r>
             <a:r>
-              <a:rPr sz="1100" i="1" spc="-15">
+              <a:rPr lang="de-de" sz="1100" i="1" spc="-15" dirty="0">
                 <a:solidFill>
                   <a:srgbClr val="777879"/>
                 </a:solidFill>
                 <a:latin typeface="AdobeClean-LightIt"/>
                 <a:cs typeface="AdobeClean-LightIt"/>
               </a:rPr>
-              <a:t>Adobe</a:t>
-            </a:r>
-            <a:r>
-              <a:rPr sz="1100" i="1" spc="-50">
+              <a:t>사항</a:t>
+            </a:r>
+            <a:r>
+              <a:rPr lang="de-de" sz="1100" i="1" spc="-50" dirty="0">
                 <a:solidFill>
                   <a:srgbClr val="777879"/>
                 </a:solidFill>
@@ -10109,27 +9554,27 @@
               <a:t> </a:t>
             </a:r>
             <a:r>
-              <a:rPr sz="1100" i="1" spc="-15">
+              <a:rPr lang="de-de" sz="1100" i="1" spc="-15" dirty="0">
                 <a:solidFill>
                   <a:srgbClr val="777879"/>
                 </a:solidFill>
                 <a:latin typeface="AdobeClean-LightIt"/>
                 <a:cs typeface="AdobeClean-LightIt"/>
               </a:rPr>
-              <a:t>Support</a:t>
-            </a:r>
-            <a:r>
-              <a:rPr lang="en-US" sz="1100" i="1" spc="-15">
+              <a:t>및 </a:t>
+            </a:r>
+            <a:r>
+              <a:rPr lang="de-de" sz="1100" i="1" spc="-75" dirty="0">
                 <a:solidFill>
                   <a:srgbClr val="777879"/>
                 </a:solidFill>
                 <a:latin typeface="AdobeClean-LightIt"/>
                 <a:cs typeface="AdobeClean-LightIt"/>
               </a:rPr>
-              <a:t> Offerings</a:t>
-            </a:r>
-            <a:r>
-              <a:rPr sz="1100" i="1" spc="-75">
+              <a:t>적합한</a:t>
+            </a:r>
+            <a:r>
+              <a:rPr lang="de-de" sz="1100" i="1" spc="-15" dirty="0">
                 <a:solidFill>
                   <a:srgbClr val="777879"/>
                 </a:solidFill>
@@ -10139,17 +9584,17 @@
               <a:t> </a:t>
             </a:r>
             <a:r>
-              <a:rPr sz="1100" i="1" spc="-15">
+              <a:rPr lang="de-de" sz="1100" i="1" spc="-50" dirty="0">
                 <a:solidFill>
                   <a:srgbClr val="777879"/>
                 </a:solidFill>
                 <a:latin typeface="AdobeClean-LightIt"/>
                 <a:cs typeface="AdobeClean-LightIt"/>
               </a:rPr>
-              <a:t>and</a:t>
-            </a:r>
-            <a:r>
-              <a:rPr sz="1100" i="1" spc="-50">
+              <a:t>지원</a:t>
+            </a:r>
+            <a:r>
+              <a:rPr lang="de-de" sz="1100" i="1" spc="-15" dirty="0">
                 <a:solidFill>
                   <a:srgbClr val="777879"/>
                 </a:solidFill>
@@ -10159,17 +9604,17 @@
               <a:t> </a:t>
             </a:r>
             <a:r>
-              <a:rPr sz="1100" i="1" spc="-15">
+              <a:rPr lang="de-de" sz="1100" i="1" spc="-55" dirty="0">
                 <a:solidFill>
                   <a:srgbClr val="777879"/>
                 </a:solidFill>
                 <a:latin typeface="AdobeClean-LightIt"/>
                 <a:cs typeface="AdobeClean-LightIt"/>
               </a:rPr>
-              <a:t>the</a:t>
-            </a:r>
-            <a:r>
-              <a:rPr sz="1100" i="1" spc="-55">
+              <a:t>수준에</a:t>
+            </a:r>
+            <a:r>
+              <a:rPr lang="de-de" sz="1100" i="1" spc="-15" dirty="0">
                 <a:solidFill>
                   <a:srgbClr val="777879"/>
                 </a:solidFill>
@@ -10179,17 +9624,17 @@
               <a:t> </a:t>
             </a:r>
             <a:r>
-              <a:rPr sz="1100" i="1" spc="-15">
+              <a:rPr lang="de-de" sz="1100" i="1" spc="-95" dirty="0">
                 <a:solidFill>
                   <a:srgbClr val="777879"/>
                 </a:solidFill>
                 <a:latin typeface="AdobeClean-LightIt"/>
                 <a:cs typeface="AdobeClean-LightIt"/>
               </a:rPr>
-              <a:t>right</a:t>
-            </a:r>
-            <a:r>
-              <a:rPr sz="1100" i="1" spc="-95">
+              <a:t>대해</a:t>
+            </a:r>
+            <a:r>
+              <a:rPr lang="de-de" sz="1100" i="1" spc="-15" dirty="0">
                 <a:solidFill>
                   <a:srgbClr val="777879"/>
                 </a:solidFill>
@@ -10199,17 +9644,17 @@
               <a:t> </a:t>
             </a:r>
             <a:r>
-              <a:rPr sz="1100" i="1" spc="-15">
+              <a:rPr lang="de-de" sz="1100" i="1" spc="-55" dirty="0">
                 <a:solidFill>
                   <a:srgbClr val="777879"/>
                 </a:solidFill>
                 <a:latin typeface="AdobeClean-LightIt"/>
                 <a:cs typeface="AdobeClean-LightIt"/>
               </a:rPr>
-              <a:t>level</a:t>
-            </a:r>
-            <a:r>
-              <a:rPr sz="1100" i="1" spc="-55">
+              <a:t>자세히</a:t>
+            </a:r>
+            <a:r>
+              <a:rPr lang="de-de" sz="1100" i="1" spc="-15" dirty="0">
                 <a:solidFill>
                   <a:srgbClr val="777879"/>
                 </a:solidFill>
@@ -10219,17 +9664,17 @@
               <a:t> </a:t>
             </a:r>
             <a:r>
-              <a:rPr sz="1100" i="1" spc="-15">
+              <a:rPr lang="de-de" sz="1100" i="1" spc="-85" dirty="0">
                 <a:solidFill>
                   <a:srgbClr val="777879"/>
                 </a:solidFill>
                 <a:latin typeface="AdobeClean-LightIt"/>
                 <a:cs typeface="AdobeClean-LightIt"/>
               </a:rPr>
-              <a:t>for</a:t>
-            </a:r>
-            <a:r>
-              <a:rPr sz="1100" i="1" spc="-85">
+              <a:t>알아보려면</a:t>
+            </a:r>
+            <a:r>
+              <a:rPr lang="de-de" sz="1100" i="1" spc="-15" dirty="0">
                 <a:solidFill>
                   <a:srgbClr val="777879"/>
                 </a:solidFill>
@@ -10239,17 +9684,17 @@
               <a:t> </a:t>
             </a:r>
             <a:r>
-              <a:rPr sz="1100" i="1" spc="-15">
+              <a:rPr lang="de-de" sz="1100" i="1" spc="-65" dirty="0">
                 <a:solidFill>
                   <a:srgbClr val="777879"/>
                 </a:solidFill>
                 <a:latin typeface="AdobeClean-LightIt"/>
                 <a:cs typeface="AdobeClean-LightIt"/>
               </a:rPr>
-              <a:t>you,</a:t>
-            </a:r>
-            <a:r>
-              <a:rPr sz="1100" i="1" spc="-65">
+              <a:t>지정</a:t>
+            </a:r>
+            <a:r>
+              <a:rPr lang="de-de" sz="1100" i="1" spc="-15" dirty="0">
                 <a:solidFill>
                   <a:srgbClr val="777879"/>
                 </a:solidFill>
@@ -10259,17 +9704,17 @@
               <a:t> </a:t>
             </a:r>
             <a:r>
-              <a:rPr sz="1100" i="1" spc="-15">
+              <a:rPr lang="de-de" sz="1100" i="1" spc="-85" dirty="0">
                 <a:solidFill>
                   <a:srgbClr val="777879"/>
                 </a:solidFill>
                 <a:latin typeface="AdobeClean-LightIt"/>
                 <a:cs typeface="AdobeClean-LightIt"/>
               </a:rPr>
-              <a:t>contact</a:t>
-            </a:r>
-            <a:r>
-              <a:rPr sz="1100" i="1" spc="-85">
+              <a:t>계정</a:t>
+            </a:r>
+            <a:r>
+              <a:rPr lang="de-de" sz="1100" i="1" spc="-15" dirty="0">
                 <a:solidFill>
                   <a:srgbClr val="777879"/>
                 </a:solidFill>
@@ -10279,17 +9724,17 @@
               <a:t> </a:t>
             </a:r>
             <a:r>
-              <a:rPr sz="1100" i="1" spc="-15">
+              <a:rPr lang="de-de" sz="1100" i="1" spc="-70" dirty="0">
                 <a:solidFill>
                   <a:srgbClr val="777879"/>
                 </a:solidFill>
                 <a:latin typeface="AdobeClean-LightIt"/>
                 <a:cs typeface="AdobeClean-LightIt"/>
               </a:rPr>
-              <a:t>your</a:t>
-            </a:r>
-            <a:r>
-              <a:rPr sz="1100" i="1" spc="-70">
+              <a:t>관리자(NAM)</a:t>
+            </a:r>
+            <a:r>
+              <a:rPr lang="de-de" sz="1100" i="1" spc="-15" dirty="0">
                 <a:solidFill>
                   <a:srgbClr val="777879"/>
                 </a:solidFill>
@@ -10299,17 +9744,17 @@
               <a:t> </a:t>
             </a:r>
             <a:r>
-              <a:rPr sz="1100" i="1" spc="-15">
+              <a:rPr lang="de-de" sz="1100" i="1" spc="-55" dirty="0">
                 <a:solidFill>
                   <a:srgbClr val="777879"/>
                 </a:solidFill>
                 <a:latin typeface="AdobeClean-LightIt"/>
                 <a:cs typeface="AdobeClean-LightIt"/>
               </a:rPr>
-              <a:t>Named</a:t>
-            </a:r>
-            <a:r>
-              <a:rPr sz="1100" i="1" spc="-55">
+              <a:t>또는</a:t>
+            </a:r>
+            <a:r>
+              <a:rPr lang="de-de" sz="1100" i="1" spc="-25" dirty="0">
                 <a:solidFill>
                   <a:srgbClr val="777879"/>
                 </a:solidFill>
@@ -10319,17 +9764,17 @@
               <a:t> </a:t>
             </a:r>
             <a:r>
-              <a:rPr sz="1100" i="1" spc="-25">
+              <a:rPr lang="de-de" sz="1100" i="1" spc="-120" dirty="0">
                 <a:solidFill>
                   <a:srgbClr val="777879"/>
                 </a:solidFill>
                 <a:latin typeface="AdobeClean-LightIt"/>
                 <a:cs typeface="AdobeClean-LightIt"/>
               </a:rPr>
-              <a:t>Account</a:t>
-            </a:r>
-            <a:r>
-              <a:rPr sz="1100" i="1" spc="-120">
+              <a:t>고객</a:t>
+            </a:r>
+            <a:r>
+              <a:rPr lang="de-de" sz="1100" i="1" spc="-20" dirty="0">
                 <a:solidFill>
                   <a:srgbClr val="777879"/>
                 </a:solidFill>
@@ -10339,27 +9784,17 @@
               <a:t> </a:t>
             </a:r>
             <a:r>
-              <a:rPr sz="1100" i="1" spc="-20">
+              <a:rPr lang="de-de" sz="1100" i="1" spc="-15" dirty="0">
                 <a:solidFill>
                   <a:srgbClr val="777879"/>
                 </a:solidFill>
                 <a:latin typeface="AdobeClean-LightIt"/>
                 <a:cs typeface="AdobeClean-LightIt"/>
               </a:rPr>
-              <a:t>Manager</a:t>
-            </a:r>
-            <a:r>
-              <a:rPr lang="en-US" sz="1100" i="1" spc="-20">
-                <a:solidFill>
-                  <a:srgbClr val="777879"/>
-                </a:solidFill>
-                <a:latin typeface="AdobeClean-LightIt"/>
-                <a:cs typeface="AdobeClean-LightIt"/>
-              </a:rPr>
-              <a:t> </a:t>
-            </a:r>
-            <a:r>
-              <a:rPr sz="1100" i="1" spc="-20">
+              <a:t>성공</a:t>
+            </a:r>
+            <a:r>
+              <a:rPr lang="de-de" sz="1100" i="1" spc="-10" dirty="0">
                 <a:solidFill>
                   <a:srgbClr val="777879"/>
                 </a:solidFill>
@@ -10369,76 +9804,36 @@
               <a:t> </a:t>
             </a:r>
             <a:r>
-              <a:rPr sz="1100" i="1" spc="-15">
+              <a:rPr lang="de-de" sz="1100" i="1" spc="-15" dirty="0">
                 <a:solidFill>
                   <a:srgbClr val="777879"/>
                 </a:solidFill>
                 <a:latin typeface="AdobeClean-LightIt"/>
                 <a:cs typeface="AdobeClean-LightIt"/>
               </a:rPr>
-              <a:t>(NAM) </a:t>
-            </a:r>
-            <a:r>
-              <a:rPr sz="1100" i="1" spc="-10">
+              <a:t>관리자(CSM)에게</a:t>
+            </a:r>
+            <a:r>
+              <a:rPr lang="de-de" sz="1100" i="1" spc="-20" dirty="0">
                 <a:solidFill>
                   <a:srgbClr val="777879"/>
                 </a:solidFill>
                 <a:latin typeface="AdobeClean-LightIt"/>
                 <a:cs typeface="AdobeClean-LightIt"/>
               </a:rPr>
-              <a:t>or </a:t>
-            </a:r>
-            <a:r>
-              <a:rPr sz="1100" i="1" spc="-15">
+              <a:t> </a:t>
+            </a:r>
+            <a:r>
+              <a:rPr lang="de-de" sz="1100" i="1" spc="-180" dirty="0">
                 <a:solidFill>
                   <a:srgbClr val="777879"/>
                 </a:solidFill>
                 <a:latin typeface="AdobeClean-LightIt"/>
                 <a:cs typeface="AdobeClean-LightIt"/>
               </a:rPr>
-              <a:t>Customer</a:t>
-            </a:r>
-            <a:r>
-              <a:rPr lang="en-US" sz="1100" i="1" spc="-15">
-                <a:solidFill>
-                  <a:srgbClr val="777879"/>
-                </a:solidFill>
-                <a:latin typeface="AdobeClean-LightIt"/>
-                <a:cs typeface="AdobeClean-LightIt"/>
-              </a:rPr>
-              <a:t> </a:t>
-            </a:r>
-            <a:r>
-              <a:rPr lang="en-US" sz="1100" i="1" spc="-20">
-                <a:solidFill>
-                  <a:srgbClr val="777879"/>
-                </a:solidFill>
-                <a:latin typeface="AdobeClean-LightIt"/>
-                <a:cs typeface="AdobeClean-LightIt"/>
-              </a:rPr>
-              <a:t>Success </a:t>
-            </a:r>
-            <a:r>
-              <a:rPr lang="en-US" sz="1100" i="1" spc="-15">
-                <a:solidFill>
-                  <a:srgbClr val="777879"/>
-                </a:solidFill>
-                <a:latin typeface="AdobeClean-LightIt"/>
-                <a:cs typeface="AdobeClean-LightIt"/>
-              </a:rPr>
-              <a:t>Manager </a:t>
-            </a:r>
-            <a:r>
-              <a:rPr sz="1100" i="1" spc="-15">
-                <a:solidFill>
-                  <a:srgbClr val="777879"/>
-                </a:solidFill>
-                <a:latin typeface="AdobeClean-LightIt"/>
-                <a:cs typeface="AdobeClean-LightIt"/>
-              </a:rPr>
-              <a:t>(CSM)</a:t>
-            </a:r>
-            <a:endParaRPr sz="1100">
+              <a:t>문의하십시오.</a:t>
+            </a:r>
+            <a:endParaRPr sz="1100" dirty="0">
               <a:latin typeface="AdobeClean-LightIt"/>
               <a:cs typeface="AdobeClean-LightIt"/>
             </a:endParaRPr>
@@ -10453,37 +9848,17 @@
               </a:spcBef>
             </a:pPr>
             <a:r>
-              <a:rPr sz="800" spc="-5">
+              <a:rPr lang="de-de" sz="800" spc="-5" dirty="0">
                 <a:solidFill>
                   <a:srgbClr val="6D6D6D"/>
                 </a:solidFill>
                 <a:latin typeface="Adobe Clean"/>
                 <a:cs typeface="Adobe Clean"/>
               </a:rPr>
-              <a:t>©202</a:t>
-            </a:r>
-            <a:r>
-              <a:rPr lang="en-US" sz="800" spc="-5">
-                <a:solidFill>
-                  <a:srgbClr val="6D6D6D"/>
-                </a:solidFill>
-                <a:latin typeface="Adobe Clean"/>
-                <a:cs typeface="Adobe Clean"/>
-              </a:rPr>
-              <a:t>1</a:t>
-            </a:r>
-            <a:r>
-              <a:rPr sz="800" spc="-5">
-                <a:solidFill>
-                  <a:srgbClr val="6D6D6D"/>
-                </a:solidFill>
-                <a:latin typeface="Adobe Clean"/>
-                <a:cs typeface="Adobe Clean"/>
-              </a:rPr>
-              <a:t> Adobe. All Rights Reserved. Adobe</a:t>
-            </a:r>
-            <a:r>
-              <a:rPr sz="800" spc="75">
+              <a:t>©2021 Adobe. All Rights Reserved. Adobe</a:t>
+            </a:r>
+            <a:r>
+              <a:rPr lang="de-de" sz="800" spc="75" dirty="0">
                 <a:solidFill>
                   <a:srgbClr val="6D6D6D"/>
                 </a:solidFill>
@@ -10493,16 +9868,16 @@
               <a:t> </a:t>
             </a:r>
             <a:r>
-              <a:rPr sz="800" spc="-5">
+              <a:rPr lang="de-de" sz="800" spc="-5" dirty="0">
                 <a:solidFill>
                   <a:srgbClr val="6D6D6D"/>
                 </a:solidFill>
                 <a:latin typeface="Adobe Clean"/>
                 <a:cs typeface="Adobe Clean"/>
               </a:rPr>
-              <a:t>Confidential.</a:t>
-            </a:r>
-            <a:endParaRPr sz="800">
+              <a:t>기밀.</a:t>
+            </a:r>
+            <a:endParaRPr sz="800" dirty="0">
               <a:latin typeface="Adobe Clean"/>
               <a:cs typeface="Adobe Clean"/>
             </a:endParaRPr>
@@ -10523,7 +9898,7 @@
         </p:nvSpPr>
         <p:spPr>
           <a:xfrm>
-            <a:off x="197233" y="5031270"/>
+            <a:off x="171129" y="5057379"/>
             <a:ext cx="6476646" cy="755976"/>
           </a:xfrm>
           <a:prstGeom prst="rect">
@@ -10531,47 +9906,157 @@
           </a:prstGeom>
         </p:spPr>
         <p:txBody>
-          <a:bodyPr vert="horz" wrap="square" lIns="0" tIns="116205" rIns="0" bIns="0" rtlCol="0" anchor="t">
+          <a:bodyPr vert="horz" wrap="square" lIns="0" tIns="116205" rIns="0" bIns="0" rtlCol="0">
             <a:spAutoFit/>
           </a:bodyPr>
           <a:lstStyle/>
           <a:p>
-            <a:pPr>
+            <a:pPr lvl="0">
               <a:spcBef>
                 <a:spcPts val="915"/>
               </a:spcBef>
             </a:pPr>
             <a:r>
-              <a:rPr lang="en-US" sz="1400" b="1" spc="-15">
+              <a:rPr lang="en-US" altLang="ko-KR" sz="1400" b="1" spc="-15" dirty="0">
                 <a:solidFill>
                   <a:srgbClr val="020302"/>
                 </a:solidFill>
                 <a:latin typeface="Adobe Clean"/>
                 <a:cs typeface="Adobe Clean"/>
               </a:rPr>
-              <a:t>Regional scope of Adobe Support, Local Hours Of Operation And Language Support</a:t>
-            </a:r>
-            <a:endParaRPr lang="en-US" sz="1400" spc="-15">
-              <a:ea typeface="+mn-lt"/>
-              <a:cs typeface="+mn-lt"/>
+              <a:t>Adobe </a:t>
+            </a:r>
+            <a:r>
+              <a:rPr lang="ko-KR" altLang="en-US" sz="1400" b="1" spc="-15" dirty="0">
+                <a:solidFill>
+                  <a:srgbClr val="020302"/>
+                </a:solidFill>
+                <a:latin typeface="Adobe Clean"/>
+                <a:cs typeface="Adobe Clean"/>
+              </a:rPr>
+              <a:t>지원의 지역적 범위</a:t>
+            </a:r>
+            <a:r>
+              <a:rPr lang="en-US" altLang="ko-KR" sz="1400" b="1" spc="-15" dirty="0">
+                <a:solidFill>
+                  <a:srgbClr val="020302"/>
+                </a:solidFill>
+                <a:latin typeface="Adobe Clean"/>
+                <a:cs typeface="Adobe Clean"/>
+              </a:rPr>
+              <a:t>, </a:t>
+            </a:r>
+            <a:r>
+              <a:rPr lang="ko-KR" altLang="en-US" sz="1400" b="1" spc="-15" dirty="0">
+                <a:solidFill>
+                  <a:srgbClr val="020302"/>
+                </a:solidFill>
+                <a:latin typeface="Adobe Clean"/>
+                <a:cs typeface="Adobe Clean"/>
+              </a:rPr>
+              <a:t>로컬 운영 시간 및 언어 지원</a:t>
+            </a:r>
+            <a:endParaRPr lang="pl-PL" altLang="ko-KR" sz="1400" b="1" spc="-15" dirty="0">
+              <a:solidFill>
+                <a:srgbClr val="020302"/>
+              </a:solidFill>
+              <a:latin typeface="Adobe Clean"/>
+              <a:cs typeface="Adobe Clean"/>
             </a:endParaRPr>
           </a:p>
           <a:p>
-            <a:pPr>
+            <a:pPr lvl="0">
               <a:spcBef>
                 <a:spcPts val="915"/>
               </a:spcBef>
             </a:pPr>
             <a:r>
-              <a:rPr lang="en-US" sz="1000" spc="-15">
+              <a:rPr lang="en-US" altLang="ko-KR" sz="1000" spc="-15" dirty="0">
                 <a:solidFill>
                   <a:srgbClr val="1F1F1F"/>
                 </a:solidFill>
                 <a:latin typeface="AdobeClean-Light"/>
               </a:rPr>
-              <a:t>The Regional scope of Adobe Support is established by aligning the customer's billing address (via the Sales Order or other Adobe Support purchasing document) to one of the following regions:</a:t>
-            </a:r>
-            <a:endParaRPr lang="en-US"/>
+              <a:t>Adobe </a:t>
+            </a:r>
+            <a:r>
+              <a:rPr lang="ko-KR" altLang="en-US" sz="1000" spc="-15" dirty="0">
+                <a:solidFill>
+                  <a:srgbClr val="1F1F1F"/>
+                </a:solidFill>
+                <a:latin typeface="AdobeClean-Light"/>
+              </a:rPr>
+              <a:t>지원의 지역적 범위는 </a:t>
+            </a:r>
+            <a:r>
+              <a:rPr lang="en-US" altLang="ko-KR" sz="1000" spc="-15" dirty="0">
+                <a:solidFill>
+                  <a:srgbClr val="1F1F1F"/>
+                </a:solidFill>
+                <a:latin typeface="AdobeClean-Light"/>
+              </a:rPr>
+              <a:t>(</a:t>
+            </a:r>
+            <a:r>
+              <a:rPr lang="ko-KR" altLang="en-US" sz="1000" spc="-15" dirty="0">
+                <a:solidFill>
+                  <a:srgbClr val="1F1F1F"/>
+                </a:solidFill>
+                <a:latin typeface="AdobeClean-Light"/>
+              </a:rPr>
+              <a:t>판매 주문서 또는 기타 </a:t>
+            </a:r>
+            <a:r>
+              <a:rPr lang="en-US" altLang="ko-KR" sz="1000" spc="-15" dirty="0">
+                <a:solidFill>
+                  <a:srgbClr val="1F1F1F"/>
+                </a:solidFill>
+                <a:latin typeface="AdobeClean-Light"/>
+              </a:rPr>
+              <a:t>Adobe </a:t>
+            </a:r>
+            <a:r>
+              <a:rPr lang="ko-KR" altLang="en-US" sz="1000" spc="-15" dirty="0">
+                <a:solidFill>
+                  <a:srgbClr val="1F1F1F"/>
+                </a:solidFill>
+                <a:latin typeface="AdobeClean-Light"/>
+              </a:rPr>
+              <a:t>지원 구매 문서를 통해</a:t>
+            </a:r>
+            <a:r>
+              <a:rPr lang="en-US" altLang="ko-KR" sz="1000" spc="-15" dirty="0">
+                <a:solidFill>
+                  <a:srgbClr val="1F1F1F"/>
+                </a:solidFill>
+                <a:latin typeface="AdobeClean-Light"/>
+              </a:rPr>
+              <a:t>) </a:t>
+            </a:r>
+            <a:r>
+              <a:rPr lang="ko-KR" altLang="en-US" sz="1000" spc="-15" dirty="0">
+                <a:solidFill>
+                  <a:srgbClr val="1F1F1F"/>
+                </a:solidFill>
+                <a:latin typeface="AdobeClean-Light"/>
+              </a:rPr>
+              <a:t>고객의 청구 주소를 다음 지역 중 하나에 맞춤으로써 설정됩니다</a:t>
+            </a:r>
+            <a:r>
+              <a:rPr lang="en-US" altLang="ko-KR" sz="1000" spc="-15" dirty="0">
+                <a:solidFill>
+                  <a:srgbClr val="1F1F1F"/>
+                </a:solidFill>
+                <a:latin typeface="AdobeClean-Light"/>
+              </a:rPr>
+              <a:t>.</a:t>
+            </a:r>
+            <a:endParaRPr lang="de-de" sz="1000" spc="-15" dirty="0">
+              <a:solidFill>
+                <a:srgbClr val="1F1F1F"/>
+              </a:solidFill>
+              <a:latin typeface="AdobeClean-Light"/>
+            </a:endParaRPr>
           </a:p>
         </p:txBody>
       </p:sp>
@@ -10590,14 +10075,14 @@
           <p:nvPr>
             <p:extLst>
               <p:ext uri="{D42A27DB-BD31-4B8C-83A1-F6EECF244321}">
-                <p14:modId xmlns:p14="http://schemas.microsoft.com/office/powerpoint/2010/main" val="914484175"/>
+                <p14:modId xmlns:p14="http://schemas.microsoft.com/office/powerpoint/2010/main" val="1952712647"/>
               </p:ext>
             </p:extLst>
           </p:nvPr>
         </p:nvGraphicFramePr>
         <p:xfrm>
           <a:off x="171128" y="5907213"/>
-          <a:ext cx="7391400" cy="1503680"/>
+          <a:ext cx="7391400" cy="1559560"/>
         </p:xfrm>
         <a:graphic>
           <a:graphicData uri="http://schemas.openxmlformats.org/drawingml/2006/table">
@@ -10643,13 +10128,13 @@
                     <a:p>
                       <a:pPr algn="ctr"/>
                       <a:r>
-                        <a:rPr lang="en-US" sz="1100">
+                        <a:rPr lang="de-de" sz="1100" dirty="0">
                           <a:solidFill>
                             <a:schemeClr val="tx1"/>
                           </a:solidFill>
-                          <a:latin typeface="Adobe Clean"/>
+                          <a:latin typeface="Adobe Clean" panose="020B0503020404020204" pitchFamily="34" charset="0"/>
                         </a:rPr>
-                        <a:t>Americas</a:t>
+                        <a:t>미주</a:t>
                       </a:r>
                     </a:p>
                   </a:txBody>
@@ -10708,13 +10193,13 @@
                     <a:p>
                       <a:pPr algn="ctr"/>
                       <a:r>
-                        <a:rPr lang="en-US" sz="1100">
+                        <a:rPr lang="de-de" sz="1100" dirty="0">
                           <a:solidFill>
                             <a:schemeClr val="tx1"/>
                           </a:solidFill>
-                          <a:latin typeface="Adobe Clean"/>
+                          <a:latin typeface="Adobe Clean" panose="020B0503020404020204" pitchFamily="34" charset="0"/>
                         </a:rPr>
-                        <a:t>Europe, Middle East &amp; Africa</a:t>
+                        <a:t>유럽, 중동 및 아프리카</a:t>
                       </a:r>
                     </a:p>
                   </a:txBody>
@@ -10773,13 +10258,13 @@
                     <a:p>
                       <a:pPr algn="ctr"/>
                       <a:r>
-                        <a:rPr lang="en-US" sz="1100">
+                        <a:rPr lang="de-de" sz="1100" dirty="0">
                           <a:solidFill>
                             <a:schemeClr val="tx1"/>
                           </a:solidFill>
-                          <a:latin typeface="Adobe Clean"/>
+                          <a:latin typeface="Adobe Clean" panose="020B0503020404020204" pitchFamily="34" charset="0"/>
                         </a:rPr>
-                        <a:t>Asia Pacific</a:t>
+                        <a:t>아시아 태평양</a:t>
                       </a:r>
                     </a:p>
                   </a:txBody>
@@ -10838,24 +10323,24 @@
                     <a:p>
                       <a:pPr algn="ctr"/>
                       <a:r>
-                        <a:rPr lang="en-US" sz="1100">
+                        <a:rPr lang="de-de" sz="1100" dirty="0">
                           <a:solidFill>
                             <a:schemeClr val="tx1"/>
                           </a:solidFill>
-                          <a:latin typeface="Adobe Clean"/>
+                          <a:latin typeface="Adobe Clean" panose="020B0503020404020204" pitchFamily="34" charset="0"/>
                         </a:rPr>
-                        <a:t>Japan </a:t>
+                        <a:t>일본 </a:t>
                       </a:r>
                       <a:r>
-                        <a:rPr lang="en-US" sz="1100" baseline="30000">
+                        <a:rPr lang="de-de" sz="1100" baseline="30000" dirty="0">
                           <a:solidFill>
                             <a:schemeClr val="tx1"/>
                           </a:solidFill>
-                          <a:latin typeface="Adobe Clean"/>
+                          <a:latin typeface="Adobe Clean" panose="020B0503020404020204" pitchFamily="34" charset="0"/>
                         </a:rPr>
-                        <a:t>1 </a:t>
+                        <a:t>1 </a:t>
                       </a:r>
-                      <a:endParaRPr lang="en-US" sz="1100">
+                      <a:endParaRPr lang="en-US" sz="1100" dirty="0">
                         <a:solidFill>
                           <a:schemeClr val="tx1"/>
                         </a:solidFill>
@@ -10925,13 +10410,13 @@
                     <a:p>
                       <a:pPr algn="ctr"/>
                       <a:r>
-                        <a:rPr lang="en-US" sz="1100">
+                        <a:rPr lang="de-de" sz="1100" dirty="0">
                           <a:solidFill>
                             <a:schemeClr val="tx1"/>
                           </a:solidFill>
-                          <a:latin typeface="Adobe Clean"/>
+                          <a:latin typeface="Adobe Clean" panose="020B0503020404020204" pitchFamily="34" charset="0"/>
                         </a:rPr>
-                        <a:t>6 am – 5:30 pm</a:t>
+                        <a:t>오전 6시~오후 5시 30분</a:t>
                       </a:r>
                     </a:p>
                   </a:txBody>
@@ -10990,13 +10475,13 @@
                     <a:p>
                       <a:pPr algn="ctr"/>
                       <a:r>
-                        <a:rPr lang="en-US" sz="1100">
+                        <a:rPr lang="de-de" sz="1100" dirty="0">
                           <a:solidFill>
                             <a:schemeClr val="tx1"/>
                           </a:solidFill>
-                          <a:latin typeface="Adobe Clean"/>
+                          <a:latin typeface="Adobe Clean" panose="020B0503020404020204" pitchFamily="34" charset="0"/>
                         </a:rPr>
-                        <a:t>9 am – 5 pm</a:t>
+                        <a:t>오전 9시~오후 5시</a:t>
                       </a:r>
                     </a:p>
                   </a:txBody>
@@ -11055,13 +10540,13 @@
                     <a:p>
                       <a:pPr algn="ctr"/>
                       <a:r>
-                        <a:rPr lang="en-US" sz="1100">
+                        <a:rPr lang="de-de" sz="1100" dirty="0">
                           <a:solidFill>
                             <a:schemeClr val="tx1"/>
                           </a:solidFill>
-                          <a:latin typeface="Adobe Clean"/>
+                          <a:latin typeface="Adobe Clean" panose="020B0503020404020204" pitchFamily="34" charset="0"/>
                         </a:rPr>
-                        <a:t>9 am – 5 pm</a:t>
+                        <a:t>오전 9시~오후 5시</a:t>
                       </a:r>
                     </a:p>
                   </a:txBody>
@@ -11120,13 +10605,13 @@
                     <a:p>
                       <a:pPr algn="ctr"/>
                       <a:r>
-                        <a:rPr lang="en-US" sz="1100">
+                        <a:rPr lang="de-de" sz="1100" dirty="0">
                           <a:solidFill>
                             <a:schemeClr val="tx1"/>
                           </a:solidFill>
-                          <a:latin typeface="Adobe Clean"/>
+                          <a:latin typeface="Adobe Clean" panose="020B0503020404020204" pitchFamily="34" charset="0"/>
                         </a:rPr>
-                        <a:t>9 am – 5:30 pm</a:t>
+                        <a:t>오전 9시~오후 5시 30분</a:t>
                       </a:r>
                     </a:p>
                   </a:txBody>
@@ -11206,7 +10691,7 @@
                         <a:buNone/>
                       </a:pPr>
                       <a:r>
-                        <a:rPr lang="en-US" sz="1100" b="1" i="0" u="none" strike="noStrike" kern="0" cap="none" spc="0" normalizeH="0" baseline="30000" noProof="0" dirty="0">
+                        <a:rPr lang="de-de" sz="1100" b="1" i="0" u="none" strike="noStrike" kern="0" cap="none" spc="0" normalizeH="0" baseline="30000" noProof="0" dirty="0">
                           <a:ln>
                             <a:noFill/>
                           </a:ln>
@@ -11220,13 +10705,13 @@
                         <a:t> </a:t>
                       </a:r>
                       <a:r>
-                        <a:rPr lang="en-US" sz="1100" dirty="0">
+                        <a:rPr lang="de-de" sz="1100" dirty="0">
                           <a:solidFill>
                             <a:schemeClr val="tx1"/>
                           </a:solidFill>
                           <a:latin typeface="Adobe Clean"/>
                         </a:rPr>
-                        <a:t>Language support is only available in English and Japanese.</a:t>
+                        <a:t>언어 지원은 영어와 일본어로만 제공됩니다.</a:t>
                       </a:r>
                       <a:endParaRPr lang="en-US" dirty="0">
                         <a:latin typeface="Adobe Clean"/>
@@ -11249,13 +10734,13 @@
                         <a:buNone/>
                       </a:pPr>
                       <a:r>
-                        <a:rPr lang="en-US" sz="1100" i="1" dirty="0">
+                        <a:rPr lang="de-de" sz="1100" i="1" dirty="0">
                           <a:solidFill>
                             <a:schemeClr val="tx1"/>
                           </a:solidFill>
                           <a:latin typeface="Adobe Clean"/>
                         </a:rPr>
-                        <a:t>*Adobe Commerce excludes Japanese languages support. </a:t>
+                        <a:t>*Adobe Commerce에서는 일본어 지원이 제외됩니다.</a:t>
                       </a:r>
                     </a:p>
                     <a:p>
@@ -11278,38 +10763,81 @@
                     <a:p>
                       <a:pPr algn="ctr"/>
                       <a:r>
-                        <a:rPr lang="en-US" sz="1100" i="0" dirty="0">
+                        <a:rPr lang="de-de" sz="1100" i="0" dirty="0">
                           <a:solidFill>
                             <a:schemeClr val="tx1"/>
                           </a:solidFill>
-                          <a:latin typeface="Adobe Clean"/>
+                          <a:latin typeface="Adobe Clean" panose="020B0503020404020204" pitchFamily="34" charset="0"/>
                         </a:rPr>
-                        <a:t> </a:t>
+                        <a:t> </a:t>
                       </a:r>
                       <a:r>
-                        <a:rPr lang="en-US" sz="1100" i="0" baseline="30000" dirty="0">
+                        <a:rPr lang="de-de" sz="1100" i="0" baseline="30000" dirty="0">
                           <a:solidFill>
                             <a:schemeClr val="tx1"/>
                           </a:solidFill>
-                          <a:latin typeface="Adobe Clean"/>
+                          <a:latin typeface="Adobe Clean" panose="020B0503020404020204" pitchFamily="34" charset="0"/>
                         </a:rPr>
                         <a:t>1 </a:t>
                       </a:r>
                       <a:r>
-                        <a:rPr lang="en-US" sz="1100" i="0" dirty="0">
+                        <a:rPr lang="ko-KR" altLang="en-US" sz="1100" i="0" dirty="0">
                           <a:solidFill>
                             <a:schemeClr val="tx1"/>
                           </a:solidFill>
-                          <a:latin typeface="Adobe Clean"/>
+                          <a:latin typeface="Adobe Clean" panose="020B0503020404020204" pitchFamily="34" charset="0"/>
                         </a:rPr>
-                        <a:t>P2, P3, P4 cases are limited to business hours only in Japan.</a:t>
+                        <a:t>일본에서 </a:t>
                       </a:r>
-                      <a:endParaRPr lang="en-US" sz="1100" b="1" i="0" dirty="0">
+                      <a:r>
+                        <a:rPr lang="en-US" altLang="ko-KR" sz="1100" i="0" dirty="0">
+                          <a:solidFill>
+                            <a:schemeClr val="tx1"/>
+                          </a:solidFill>
+                          <a:latin typeface="Adobe Clean" panose="020B0503020404020204" pitchFamily="34" charset="0"/>
+                        </a:rPr>
+                        <a:t>P2, P3, P4 </a:t>
+                      </a:r>
+                      <a:r>
+                        <a:rPr lang="ko-KR" altLang="en-US" sz="1100" i="0" dirty="0">
+                          <a:solidFill>
+                            <a:schemeClr val="tx1"/>
+                          </a:solidFill>
+                          <a:latin typeface="Adobe Clean" panose="020B0503020404020204" pitchFamily="34" charset="0"/>
+                        </a:rPr>
+                        <a:t>사례는 업무 시간으로만 제한됩니다</a:t>
+                      </a:r>
+                      <a:r>
+                        <a:rPr lang="en-US" altLang="ko-KR" sz="1100" i="0" dirty="0">
+                          <a:solidFill>
+                            <a:schemeClr val="tx1"/>
+                          </a:solidFill>
+                          <a:latin typeface="Adobe Clean" panose="020B0503020404020204" pitchFamily="34" charset="0"/>
+                        </a:rPr>
+                        <a:t>.</a:t>
+                      </a:r>
+                      <a:endParaRPr lang="de-de" sz="1100" b="1" i="0" dirty="0">
                         <a:solidFill>
                           <a:schemeClr val="tx1"/>
                         </a:solidFill>
-                        <a:latin typeface="Adobe Clean"/>
+                        <a:latin typeface="Adobe Clean" panose="020B0503020404020204" pitchFamily="34" charset="0"/>
                       </a:endParaRPr>
+                    </a:p>
+                    <a:p>
+                      <a:r>
+                        <a:rPr lang="de-de" sz="1100" b="1" i="0" u="none" strike="noStrike" kern="0" cap="none" spc="0" normalizeH="0" baseline="30000" noProof="0" dirty="0">
+                          <a:ln>
+                            <a:noFill/>
+                          </a:ln>
+                          <a:effectLst/>
+                          <a:uLnTx/>
+                          <a:uFillTx/>
+                          <a:latin typeface="Adobe Clean"/>
+                          <a:ea typeface="+mn-ea"/>
+                          <a:cs typeface="+mn-cs"/>
+                        </a:rPr>
+                        <a:t>.</a:t>
+                      </a:r>
                     </a:p>
                   </a:txBody>
                   <a:tcPr anchor="ctr">
@@ -11365,7 +10893,7 @@
                     <a:bodyPr/>
                     <a:lstStyle/>
                     <a:p>
-                      <a:endParaRPr lang="en-US" sz="1100">
+                      <a:endParaRPr lang="en-US" sz="1100" dirty="0">
                         <a:solidFill>
                           <a:schemeClr val="tx1"/>
                         </a:solidFill>
@@ -11426,7 +10954,7 @@
                     <a:bodyPr/>
                     <a:lstStyle/>
                     <a:p>
-                      <a:endParaRPr lang="en-US" sz="1100">
+                      <a:endParaRPr lang="en-US" sz="1100" dirty="0">
                         <a:solidFill>
                           <a:schemeClr val="tx1"/>
                         </a:solidFill>
@@ -11487,7 +11015,7 @@
                     <a:bodyPr/>
                     <a:lstStyle/>
                     <a:p>
-                      <a:endParaRPr lang="en-US" sz="1100">
+                      <a:endParaRPr lang="en-US" sz="1100" dirty="0">
                         <a:solidFill>
                           <a:schemeClr val="tx1"/>
                         </a:solidFill>
@@ -11651,8 +11179,8 @@
         </p:nvSpPr>
         <p:spPr>
           <a:xfrm>
-            <a:off x="2840871" y="8528519"/>
-            <a:ext cx="810895" cy="385445"/>
+            <a:off x="2743200" y="8528519"/>
+            <a:ext cx="1045329" cy="385445"/>
           </a:xfrm>
           <a:prstGeom prst="rect">
             <a:avLst/>
@@ -11664,7 +11192,7 @@
           </a:bodyPr>
           <a:lstStyle/>
           <a:p>
-            <a:pPr marL="139065" marR="5080" indent="-139065">
+            <a:pPr marL="14288" marR="5080" indent="-14288" algn="ctr">
               <a:lnSpc>
                 <a:spcPts val="1390"/>
               </a:lnSpc>
@@ -11673,126 +11201,36 @@
               </a:spcBef>
             </a:pPr>
             <a:r>
-              <a:rPr sz="1200" b="1" spc="-15">
+              <a:rPr lang="de-de" sz="1200" b="1" spc="-15" dirty="0">
                 <a:solidFill>
                   <a:srgbClr val="FFFFFF"/>
                 </a:solidFill>
                 <a:latin typeface="Adobe Clean"/>
                 <a:cs typeface="Adobe Clean"/>
               </a:rPr>
-              <a:t>U</a:t>
-            </a:r>
-            <a:r>
-              <a:rPr sz="1200" b="1" spc="-20">
+              <a:t>탁월한</a:t>
+            </a:r>
+            <a:r>
+              <a:rPr lang="de-de" sz="1200" b="1" dirty="0">
                 <a:solidFill>
                   <a:srgbClr val="FFFFFF"/>
                 </a:solidFill>
                 <a:latin typeface="Adobe Clean"/>
                 <a:cs typeface="Adobe Clean"/>
               </a:rPr>
-              <a:t>n</a:t>
-            </a:r>
-            <a:r>
-              <a:rPr sz="1200" b="1" spc="-25">
+              <a:t> </a:t>
+            </a:r>
+            <a:r>
+              <a:rPr lang="de-de" sz="1200" b="1" spc="-25" dirty="0">
                 <a:solidFill>
                   <a:srgbClr val="FFFFFF"/>
                 </a:solidFill>
                 <a:latin typeface="Adobe Clean"/>
                 <a:cs typeface="Adobe Clean"/>
               </a:rPr>
-              <a:t>p</a:t>
-            </a:r>
-            <a:r>
-              <a:rPr sz="1200" b="1" spc="-15">
-                <a:solidFill>
-                  <a:srgbClr val="FFFFFF"/>
-                </a:solidFill>
-                <a:latin typeface="Adobe Clean"/>
-                <a:cs typeface="Adobe Clean"/>
-              </a:rPr>
-              <a:t>a</a:t>
-            </a:r>
-            <a:r>
-              <a:rPr sz="1200" b="1" spc="-25">
-                <a:solidFill>
-                  <a:srgbClr val="FFFFFF"/>
-                </a:solidFill>
-                <a:latin typeface="Adobe Clean"/>
-                <a:cs typeface="Adobe Clean"/>
-              </a:rPr>
-              <a:t>r</a:t>
-            </a:r>
-            <a:r>
-              <a:rPr sz="1200" b="1" spc="-15">
-                <a:solidFill>
-                  <a:srgbClr val="FFFFFF"/>
-                </a:solidFill>
-                <a:latin typeface="Adobe Clean"/>
-                <a:cs typeface="Adobe Clean"/>
-              </a:rPr>
-              <a:t>a</a:t>
-            </a:r>
-            <a:r>
-              <a:rPr sz="1200" b="1" spc="-30">
-                <a:solidFill>
-                  <a:srgbClr val="FFFFFF"/>
-                </a:solidFill>
-                <a:latin typeface="Adobe Clean"/>
-                <a:cs typeface="Adobe Clean"/>
-              </a:rPr>
-              <a:t>ll</a:t>
-            </a:r>
-            <a:r>
-              <a:rPr sz="1200" b="1" spc="-25">
-                <a:solidFill>
-                  <a:srgbClr val="FFFFFF"/>
-                </a:solidFill>
-                <a:latin typeface="Adobe Clean"/>
-                <a:cs typeface="Adobe Clean"/>
-              </a:rPr>
-              <a:t>e</a:t>
-            </a:r>
-            <a:r>
-              <a:rPr sz="1200" b="1" spc="-30">
-                <a:solidFill>
-                  <a:srgbClr val="FFFFFF"/>
-                </a:solidFill>
-                <a:latin typeface="Adobe Clean"/>
-                <a:cs typeface="Adobe Clean"/>
-              </a:rPr>
-              <a:t>l</a:t>
-            </a:r>
-            <a:r>
-              <a:rPr sz="1200" b="1" spc="-25">
-                <a:solidFill>
-                  <a:srgbClr val="FFFFFF"/>
-                </a:solidFill>
-                <a:latin typeface="Adobe Clean"/>
-                <a:cs typeface="Adobe Clean"/>
-              </a:rPr>
-              <a:t>e</a:t>
-            </a:r>
-            <a:r>
-              <a:rPr sz="1200" b="1">
-                <a:solidFill>
-                  <a:srgbClr val="FFFFFF"/>
-                </a:solidFill>
-                <a:latin typeface="Adobe Clean"/>
-                <a:cs typeface="Adobe Clean"/>
-              </a:rPr>
-              <a:t>d  </a:t>
-            </a:r>
-            <a:r>
-              <a:rPr sz="1200" b="1" spc="-25">
-                <a:solidFill>
-                  <a:srgbClr val="FFFFFF"/>
-                </a:solidFill>
-                <a:latin typeface="Adobe Clean"/>
-                <a:cs typeface="Adobe Clean"/>
-              </a:rPr>
-              <a:t>Expertise</a:t>
-            </a:r>
-            <a:endParaRPr sz="1200">
+              <a:t>전문성</a:t>
+            </a:r>
+            <a:endParaRPr sz="1200" dirty="0">
               <a:latin typeface="Adobe Clean"/>
               <a:cs typeface="Adobe Clean"/>
             </a:endParaRPr>
@@ -11826,7 +11264,7 @@
           </a:bodyPr>
           <a:lstStyle/>
           <a:p>
-            <a:pPr marL="139065" marR="5080" indent="-139065">
+            <a:pPr marL="14288" marR="5080" indent="-14288" algn="ctr">
               <a:lnSpc>
                 <a:spcPts val="1390"/>
               </a:lnSpc>
@@ -11835,16 +11273,16 @@
               </a:spcBef>
             </a:pPr>
             <a:r>
-              <a:rPr lang="en-US" sz="1200" b="1" spc="-15">
+              <a:rPr lang="de-de" sz="1200" b="1" spc="-15" dirty="0">
                 <a:solidFill>
                   <a:srgbClr val="FFFFFF"/>
                 </a:solidFill>
                 <a:latin typeface="Adobe Clean"/>
                 <a:cs typeface="Adobe Clean"/>
               </a:rPr>
-              <a:t>Accelerated Support</a:t>
-            </a:r>
-            <a:endParaRPr sz="1200">
+              <a:t>신속한 지원</a:t>
+            </a:r>
+            <a:endParaRPr sz="1200" dirty="0">
               <a:latin typeface="Adobe Clean"/>
               <a:cs typeface="Adobe Clean"/>
             </a:endParaRPr>
@@ -11865,8 +11303,8 @@
         </p:nvSpPr>
         <p:spPr>
           <a:xfrm>
-            <a:off x="6624119" y="8543943"/>
-            <a:ext cx="510540" cy="385445"/>
+            <a:off x="6517939" y="8543943"/>
+            <a:ext cx="721061" cy="384080"/>
           </a:xfrm>
           <a:prstGeom prst="rect">
             <a:avLst/>
@@ -11878,7 +11316,7 @@
           </a:bodyPr>
           <a:lstStyle/>
           <a:p>
-            <a:pPr marL="50800" marR="5080" indent="-51435">
+            <a:pPr marL="14288" marR="5080" indent="-14288" algn="ctr">
               <a:lnSpc>
                 <a:spcPts val="1390"/>
               </a:lnSpc>
@@ -11887,106 +11325,36 @@
               </a:spcBef>
             </a:pPr>
             <a:r>
-              <a:rPr sz="1200" b="1" spc="-50">
+              <a:rPr lang="de-de" sz="1200" b="1" spc="-50" dirty="0">
                 <a:solidFill>
                   <a:srgbClr val="FFFFFF"/>
                 </a:solidFill>
                 <a:latin typeface="Adobe Clean"/>
                 <a:cs typeface="Adobe Clean"/>
               </a:rPr>
-              <a:t>S</a:t>
-            </a:r>
-            <a:r>
-              <a:rPr sz="1200" b="1" spc="-20">
+              <a:t>전략적</a:t>
+            </a:r>
+            <a:r>
+              <a:rPr lang="de-de" sz="1200" b="1" dirty="0">
                 <a:solidFill>
                   <a:srgbClr val="FFFFFF"/>
                 </a:solidFill>
                 <a:latin typeface="Adobe Clean"/>
                 <a:cs typeface="Adobe Clean"/>
               </a:rPr>
-              <a:t>t</a:t>
-            </a:r>
-            <a:r>
-              <a:rPr sz="1200" b="1" spc="-75">
+              <a:t> </a:t>
+            </a:r>
+            <a:r>
+              <a:rPr lang="de-de" sz="1200" b="1" spc="-45" dirty="0">
                 <a:solidFill>
                   <a:srgbClr val="FFFFFF"/>
                 </a:solidFill>
                 <a:latin typeface="Adobe Clean"/>
                 <a:cs typeface="Adobe Clean"/>
               </a:rPr>
-              <a:t>r</a:t>
-            </a:r>
-            <a:r>
-              <a:rPr sz="1200" b="1" spc="-90">
-                <a:solidFill>
-                  <a:srgbClr val="FFFFFF"/>
-                </a:solidFill>
-                <a:latin typeface="Adobe Clean"/>
-                <a:cs typeface="Adobe Clean"/>
-              </a:rPr>
-              <a:t>a</a:t>
-            </a:r>
-            <a:r>
-              <a:rPr sz="1200" b="1" spc="-55">
-                <a:solidFill>
-                  <a:srgbClr val="FFFFFF"/>
-                </a:solidFill>
-                <a:latin typeface="Adobe Clean"/>
-                <a:cs typeface="Adobe Clean"/>
-              </a:rPr>
-              <a:t>t</a:t>
-            </a:r>
-            <a:r>
-              <a:rPr sz="1200" b="1" spc="-100">
-                <a:solidFill>
-                  <a:srgbClr val="FFFFFF"/>
-                </a:solidFill>
-                <a:latin typeface="Adobe Clean"/>
-                <a:cs typeface="Adobe Clean"/>
-              </a:rPr>
-              <a:t>e</a:t>
-            </a:r>
-            <a:r>
-              <a:rPr sz="1200" b="1" spc="-80">
-                <a:solidFill>
-                  <a:srgbClr val="FFFFFF"/>
-                </a:solidFill>
-                <a:latin typeface="Adobe Clean"/>
-                <a:cs typeface="Adobe Clean"/>
-              </a:rPr>
-              <a:t>g</a:t>
-            </a:r>
-            <a:r>
-              <a:rPr sz="1200" b="1" spc="-35">
-                <a:solidFill>
-                  <a:srgbClr val="FFFFFF"/>
-                </a:solidFill>
-                <a:latin typeface="Adobe Clean"/>
-                <a:cs typeface="Adobe Clean"/>
-              </a:rPr>
-              <a:t>i</a:t>
-            </a:r>
-            <a:r>
-              <a:rPr sz="1200" b="1">
-                <a:solidFill>
-                  <a:srgbClr val="FFFFFF"/>
-                </a:solidFill>
-                <a:latin typeface="Adobe Clean"/>
-                <a:cs typeface="Adobe Clean"/>
-              </a:rPr>
-              <a:t>c  </a:t>
-            </a:r>
-            <a:r>
-              <a:rPr sz="1200" b="1" spc="-45">
-                <a:solidFill>
-                  <a:srgbClr val="FFFFFF"/>
-                </a:solidFill>
-                <a:latin typeface="Adobe Clean"/>
-                <a:cs typeface="Adobe Clean"/>
-              </a:rPr>
-              <a:t>Advice</a:t>
-            </a:r>
-            <a:endParaRPr sz="1200">
+              <a:t>조언</a:t>
+            </a:r>
+            <a:endParaRPr sz="1200" dirty="0">
               <a:latin typeface="Adobe Clean"/>
               <a:cs typeface="Adobe Clean"/>
             </a:endParaRPr>
@@ -12005,13 +11373,7 @@
           <p:cNvGraphicFramePr>
             <a:graphicFrameLocks noGrp="1"/>
           </p:cNvGraphicFramePr>
-          <p:nvPr>
-            <p:extLst>
-              <p:ext uri="{D42A27DB-BD31-4B8C-83A1-F6EECF244321}">
-                <p14:modId xmlns:p14="http://schemas.microsoft.com/office/powerpoint/2010/main" val="3773282750"/>
-              </p:ext>
-            </p:extLst>
-          </p:nvPr>
+          <p:nvPr/>
         </p:nvGraphicFramePr>
         <p:xfrm>
           <a:off x="194236" y="1059345"/>
@@ -12046,22 +11408,22 @@
                     <a:lstStyle/>
                     <a:p>
                       <a:r>
-                        <a:rPr lang="en-US" sz="1100" b="0">
+                        <a:rPr lang="de-de" sz="1100" b="0" dirty="0">
                           <a:solidFill>
                             <a:schemeClr val="tx1"/>
                           </a:solidFill>
-                          <a:latin typeface="Adobe Clean"/>
+                          <a:latin typeface="Adobe Clean" panose="020B0503020404020204" pitchFamily="34" charset="0"/>
                           <a:ea typeface="+mn-ea"/>
                           <a:cs typeface="+mn-cs"/>
                           <a:hlinkClick r:id="rId7"/>
                         </a:rPr>
                         <a:t>Experience League</a:t>
                       </a:r>
-                      <a:endParaRPr lang="en-US" sz="1100" b="0">
+                      <a:endParaRPr lang="en-US" sz="1100" b="0" dirty="0">
                         <a:solidFill>
                           <a:schemeClr val="tx1"/>
                         </a:solidFill>
-                        <a:latin typeface="Adobe Clean"/>
+                        <a:latin typeface="Adobe Clean" panose="020B0503020404020204" pitchFamily="34" charset="0"/>
                         <a:ea typeface="+mn-ea"/>
                         <a:cs typeface="+mn-cs"/>
                       </a:endParaRPr>
@@ -12120,7 +11482,7 @@
                     <a:bodyPr/>
                     <a:lstStyle/>
                     <a:p>
-                      <a:pPr marL="0" marR="0" lvl="0" indent="0" eaLnBrk="1" fontAlgn="auto" latinLnBrk="0" hangingPunct="1">
+                      <a:pPr marL="0" marR="0" lvl="0" indent="0" defTabSz="914400" eaLnBrk="1" fontAlgn="auto" latinLnBrk="0" hangingPunct="1">
                         <a:lnSpc>
                           <a:spcPct val="100000"/>
                         </a:lnSpc>
@@ -12134,26 +11496,20 @@
                         <a:buSzTx/>
                         <a:buFontTx/>
                         <a:buNone/>
+                        <a:tabLst/>
+                        <a:defRPr/>
                       </a:pPr>
                       <a:r>
-                        <a:rPr lang="en-US" sz="1000" b="0" kern="1200">
+                        <a:rPr lang="de-de" sz="1000" b="0" kern="1200" dirty="0">
                           <a:solidFill>
                             <a:srgbClr val="000000"/>
                           </a:solidFill>
-                          <a:latin typeface="Adobe Clean Light"/>
+                          <a:latin typeface="Adobe Clean Light" panose="020B0303020404020204" pitchFamily="34" charset="0"/>
                           <a:ea typeface="+mn-ea"/>
                           <a:cs typeface="+mn-cs"/>
                         </a:rPr>
-                        <a:t>Experience League is how Adobe helps businesses achieve the value they expect from their Adobe investment. It’s the unified place where customers can learn, connect, and grow along a personalized path to success that includes self-help tutorials, product documentation, instructor-led training, community and technical support. </a:t>
+                        <a:t>Experience League를 통해 Adobe는 기업이 Adobe 투자에서 기대하는 가치를 달성하도록 지원합니다. 고객이 자기 주도 튜토리얼, 제품 설명서, 강의식 교육, 커뮤니티 및 기술 지원을 포함하는 개인 맞춤형 성공 경로를 따라가며 배우고, 교류하고, 성장할 수 있는 통합된 공간입니다. </a:t>
                       </a:r>
-                      <a:endParaRPr lang="en-US" sz="1000" b="0" kern="1200">
-                        <a:solidFill>
-                          <a:srgbClr val="000000"/>
-                        </a:solidFill>
-                        <a:latin typeface="Adobe Clean Light" panose="020B0303020404020204" pitchFamily="34" charset="0"/>
-                        <a:ea typeface="+mn-ea"/>
-                        <a:cs typeface="+mn-cs"/>
-                      </a:endParaRPr>
                     </a:p>
                   </a:txBody>
                   <a:tcPr anchor="ctr">
@@ -12234,36 +11590,36 @@
                         <a:defRPr/>
                       </a:pPr>
                       <a:r>
-                        <a:rPr lang="en-US" sz="1100">
+                        <a:rPr lang="de-de" sz="1100" dirty="0">
                           <a:solidFill>
                             <a:schemeClr val="dk1"/>
                           </a:solidFill>
                           <a:effectLst/>
-                          <a:latin typeface="Adobe Clean"/>
+                          <a:latin typeface="Adobe Clean" panose="020B0503020404020204" pitchFamily="34" charset="0"/>
                           <a:ea typeface="+mn-ea"/>
                           <a:cs typeface="+mn-cs"/>
                           <a:hlinkClick r:id="rId8"/>
                         </a:rPr>
-                        <a:t>Training</a:t>
+                        <a:t>교육</a:t>
                       </a:r>
                       <a:r>
-                        <a:rPr lang="en-US" sz="1100">
+                        <a:rPr lang="de-de" sz="1100" dirty="0">
                           <a:solidFill>
                             <a:schemeClr val="dk1"/>
                           </a:solidFill>
                           <a:effectLst/>
-                          <a:latin typeface="Adobe Clean"/>
+                          <a:latin typeface="Adobe Clean" panose="020B0503020404020204" pitchFamily="34" charset="0"/>
                           <a:ea typeface="+mn-ea"/>
                           <a:cs typeface="+mn-cs"/>
                         </a:rPr>
                         <a:t> </a:t>
                       </a:r>
-                      <a:endParaRPr lang="en-US" sz="1100">
+                      <a:endParaRPr lang="en-US" sz="1100" dirty="0">
                         <a:solidFill>
                           <a:schemeClr val="tx1"/>
                         </a:solidFill>
                         <a:effectLst/>
-                        <a:latin typeface="Adobe Clean"/>
+                        <a:latin typeface="Adobe Clean" panose="020B0503020404020204" pitchFamily="34" charset="0"/>
                         <a:ea typeface="+mn-ea"/>
                         <a:cs typeface="+mn-cs"/>
                       </a:endParaRPr>
@@ -12340,15 +11696,15 @@
                         <a:defRPr/>
                       </a:pPr>
                       <a:r>
-                        <a:rPr lang="en-US" sz="1000" kern="1200">
+                        <a:rPr lang="de-de" sz="1000" kern="1200" dirty="0">
                           <a:solidFill>
                             <a:srgbClr val="000000"/>
                           </a:solidFill>
-                          <a:latin typeface="Adobe Clean Light"/>
+                          <a:latin typeface="Adobe Clean Light" panose="020B0303020404020204" pitchFamily="34" charset="0"/>
                           <a:ea typeface="+mn-ea"/>
                           <a:cs typeface="+mn-cs"/>
                         </a:rPr>
-                        <a:t>Adobe Digital Learning Services courses are accessible from Experience League. Learning courses integrate both on-demand and instructor-led lessons.  Here you can accrue skills that have recognized market value and position them to drive success in your organizations.</a:t>
+                        <a:t>Adobe 디지털 학습 서비스 과정은 Experience League에서 액세스할 수 있습니다. 학습 과정은 주문형 수업과 강의식 수업을 모두 통합합니다. 여기에서 시장 가치를 인정받은 기술을 습득하고 조직에 포지셔닝하여 성공으로 이끌 수 있습니다.</a:t>
                       </a:r>
                     </a:p>
                   </a:txBody>
@@ -12430,24 +11786,24 @@
                         <a:defRPr/>
                       </a:pPr>
                       <a:r>
-                        <a:rPr lang="en-US" sz="1100">
+                        <a:rPr lang="de-de" sz="1100" dirty="0">
                           <a:solidFill>
                             <a:schemeClr val="tx1"/>
                           </a:solidFill>
                           <a:effectLst/>
-                          <a:latin typeface="Adobe Clean"/>
+                          <a:latin typeface="Adobe Clean" panose="020B0503020404020204" pitchFamily="34" charset="0"/>
                           <a:ea typeface="+mn-ea"/>
                           <a:cs typeface="+mn-cs"/>
                           <a:hlinkClick r:id="rId9"/>
                         </a:rPr>
-                        <a:t>Production Issues &amp; System Outages</a:t>
+                        <a:t>생산 문제 및 시스템 중단</a:t>
                       </a:r>
-                      <a:endParaRPr lang="en-US" sz="1100">
+                      <a:endParaRPr lang="en-US" sz="1100" dirty="0">
                         <a:solidFill>
                           <a:schemeClr val="tx1"/>
                         </a:solidFill>
                         <a:effectLst/>
-                        <a:latin typeface="Adobe Clean"/>
+                        <a:latin typeface="Adobe Clean" panose="020B0503020404020204" pitchFamily="34" charset="0"/>
                         <a:ea typeface="+mn-ea"/>
                         <a:cs typeface="+mn-cs"/>
                       </a:endParaRPr>
@@ -12506,7 +11862,7 @@
                     <a:bodyPr/>
                     <a:lstStyle/>
                     <a:p>
-                      <a:pPr marL="0" marR="0" lvl="0" indent="0" eaLnBrk="1" fontAlgn="auto" latinLnBrk="0" hangingPunct="1">
+                      <a:pPr marL="0" marR="0" lvl="0" indent="0" defTabSz="914400" eaLnBrk="1" fontAlgn="auto" latinLnBrk="0" hangingPunct="1">
                         <a:lnSpc>
                           <a:spcPct val="100000"/>
                         </a:lnSpc>
@@ -12520,26 +11876,20 @@
                         <a:buSzTx/>
                         <a:buFontTx/>
                         <a:buNone/>
+                        <a:tabLst/>
+                        <a:defRPr/>
                       </a:pPr>
                       <a:r>
-                        <a:rPr lang="en-US" sz="1000" kern="1200">
+                        <a:rPr lang="de-de" sz="1000" kern="1200" dirty="0">
                           <a:solidFill>
                             <a:srgbClr val="000000"/>
                           </a:solidFill>
-                          <a:latin typeface="Adobe Clean Light"/>
+                          <a:latin typeface="Adobe Clean Light" panose="020B0303020404020204" pitchFamily="34" charset="0"/>
                           <a:ea typeface="+mn-ea"/>
                           <a:cs typeface="+mn-cs"/>
                         </a:rPr>
-                        <a:t>Status.adobe.com conveys the health information of all Adobe products and services that are deployed in multi-tenant environments. Customers can choose their subscription preferences to get email notifications whenever Adobe creates, updates or resolves a product event. This can include scheduled maintenance or service issues of varying levels of severity. </a:t>
+                        <a:t>Status.adobe.com은 다중 테넌트 환경에 배포된 모든 Adobe 제품 및 서비스의 상태 정보를 전달합니다. 고객은 구독 기본 설정을 선택하여 Adobe가 제품 이벤트를 생성 업데이트 또는 해결할 때마다 이메일 알림을 받을 수 있습니다. 여기에는 예정된 유지 관리 또는 다양한 심각도 수준의 서비스 문제가 포함될 수 있습니다. </a:t>
                       </a:r>
-                      <a:endParaRPr lang="en-US" sz="1000" kern="1200">
-                        <a:solidFill>
-                          <a:srgbClr val="000000"/>
-                        </a:solidFill>
-                        <a:latin typeface="Adobe Clean Light" panose="020B0303020404020204" pitchFamily="34" charset="0"/>
-                        <a:ea typeface="+mn-ea"/>
-                        <a:cs typeface="+mn-cs"/>
-                      </a:endParaRPr>
                     </a:p>
                   </a:txBody>
                   <a:tcPr anchor="ctr">
@@ -12620,24 +11970,24 @@
                         <a:defRPr/>
                       </a:pPr>
                       <a:r>
-                        <a:rPr lang="en-US" sz="1100" b="0" i="0">
+                        <a:rPr lang="de-de" sz="1100" b="0" i="0" dirty="0">
                           <a:solidFill>
                             <a:schemeClr val="dk1"/>
                           </a:solidFill>
                           <a:effectLst/>
-                          <a:latin typeface="Adobe Clean"/>
+                          <a:latin typeface="Adobe Clean" panose="020B0503020404020204" pitchFamily="34" charset="0"/>
                           <a:ea typeface="+mn-ea"/>
                           <a:cs typeface="+mn-cs"/>
-                          <a:hlinkClick r:id="rId10" tooltip="https://helpx.adobe.com/support/programs/enterprise-support-programs/premier-support-business.html"/>
+                          <a:hlinkClick r:id="rId10" tooltip="https://helpx.adobe.com/kr/support/programs/enterprise-support-programs/premier-support-business.html"/>
                         </a:rPr>
-                        <a:t>Business Support Website</a:t>
+                        <a:t>비즈니스 지원 웹 사이트</a:t>
                       </a:r>
-                      <a:endParaRPr lang="en-US" sz="1100" b="0" i="0">
+                      <a:endParaRPr lang="en-US" sz="1100" b="0" i="0" dirty="0">
                         <a:solidFill>
                           <a:schemeClr val="dk1"/>
                         </a:solidFill>
                         <a:effectLst/>
-                        <a:latin typeface="Adobe Clean"/>
+                        <a:latin typeface="Adobe Clean" panose="020B0503020404020204" pitchFamily="34" charset="0"/>
                         <a:ea typeface="+mn-ea"/>
                         <a:cs typeface="+mn-cs"/>
                       </a:endParaRPr>
@@ -12697,24 +12047,16 @@
                     <a:lstStyle/>
                     <a:p>
                       <a:r>
-                        <a:rPr lang="en-US" sz="1000" kern="1200">
+                        <a:rPr lang="de-de" sz="1000" kern="1200" dirty="0">
                           <a:solidFill>
                             <a:srgbClr val="000000"/>
                           </a:solidFill>
-                          <a:latin typeface="Adobe Clean Light"/>
+                          <a:latin typeface="Adobe Clean Light" panose="020B0303020404020204" pitchFamily="34" charset="0"/>
                           <a:ea typeface="+mn-ea"/>
                           <a:cs typeface="+mn-cs"/>
                         </a:rPr>
-                        <a:t>Adobe Business Support website.</a:t>
+                        <a:t>Adobe 비즈니스 지원 웹 사이트입니다.</a:t>
                       </a:r>
-                      <a:endParaRPr lang="en-US" sz="1000" kern="1200">
-                        <a:solidFill>
-                          <a:srgbClr val="000000"/>
-                        </a:solidFill>
-                        <a:latin typeface="Adobe Clean Light" panose="020B0303020404020204" pitchFamily="34" charset="0"/>
-                        <a:ea typeface="+mn-ea"/>
-                        <a:cs typeface="+mn-cs"/>
-                      </a:endParaRPr>
                     </a:p>
                   </a:txBody>
                   <a:tcPr anchor="ctr">
@@ -12795,24 +12137,24 @@
                         <a:defRPr/>
                       </a:pPr>
                       <a:r>
-                        <a:rPr lang="en-US" sz="1100">
+                        <a:rPr lang="de-de" sz="1100" dirty="0">
                           <a:solidFill>
                             <a:schemeClr val="tx1"/>
                           </a:solidFill>
                           <a:effectLst/>
-                          <a:latin typeface="Adobe Clean"/>
+                          <a:latin typeface="Adobe Clean" panose="020B0503020404020204" pitchFamily="34" charset="0"/>
                           <a:ea typeface="+mn-ea"/>
                           <a:cs typeface="+mn-cs"/>
                           <a:hlinkClick r:id="rId11"/>
                         </a:rPr>
-                        <a:t>Terms and Conditions</a:t>
+                        <a:t>약관</a:t>
                       </a:r>
-                      <a:endParaRPr lang="en-US" sz="1100">
+                      <a:endParaRPr lang="en-US" sz="1100" dirty="0">
                         <a:solidFill>
                           <a:schemeClr val="tx1"/>
                         </a:solidFill>
                         <a:effectLst/>
-                        <a:latin typeface="Adobe Clean"/>
+                        <a:latin typeface="Adobe Clean" panose="020B0503020404020204" pitchFamily="34" charset="0"/>
                         <a:ea typeface="+mn-ea"/>
                         <a:cs typeface="+mn-cs"/>
                       </a:endParaRPr>
@@ -12872,24 +12214,16 @@
                     <a:lstStyle/>
                     <a:p>
                       <a:r>
-                        <a:rPr lang="en-US" sz="1000" kern="1200">
+                        <a:rPr lang="de-de" sz="1000" kern="1200" dirty="0">
                           <a:solidFill>
                             <a:srgbClr val="000000"/>
                           </a:solidFill>
-                          <a:latin typeface="Adobe Clean Light"/>
+                          <a:latin typeface="Adobe Clean Light" panose="020B0303020404020204" pitchFamily="34" charset="0"/>
                           <a:ea typeface="+mn-ea"/>
                           <a:cs typeface="+mn-cs"/>
                         </a:rPr>
-                        <a:t>Terms and conditions detailing Support Services offerings.</a:t>
+                        <a:t>지원 서비스 제공 사항을 자세히 설명하는 약관입니다.</a:t>
                       </a:r>
-                      <a:endParaRPr lang="en-US" sz="1000" kern="1200">
-                        <a:solidFill>
-                          <a:srgbClr val="000000"/>
-                        </a:solidFill>
-                        <a:latin typeface="Adobe Clean Light" panose="020B0303020404020204" pitchFamily="34" charset="0"/>
-                        <a:ea typeface="+mn-ea"/>
-                        <a:cs typeface="+mn-cs"/>
-                      </a:endParaRPr>
                     </a:p>
                   </a:txBody>
                   <a:tcPr anchor="ctr">
@@ -12952,7 +12286,7 @@
       </p:graphicFrame>
       <p:pic>
         <p:nvPicPr>
-          <p:cNvPr id="8" name="Graphic 7" descr="Target outline">
+          <p:cNvPr id="8" name="Graphic 7" descr="타겟 개요">
             <a:extLst>
               <a:ext uri="{FF2B5EF4-FFF2-40B4-BE49-F238E27FC236}">
                 <a16:creationId xmlns:a16="http://schemas.microsoft.com/office/drawing/2014/main" id="{1EAA263E-04A7-0D46-952E-EA3033B45116}"/>
@@ -12991,7 +12325,7 @@
       </p:pic>
       <p:pic>
         <p:nvPicPr>
-          <p:cNvPr id="10" name="Graphic 9" descr="Rocket outline">
+          <p:cNvPr id="10" name="Graphic 9" descr="로켓 개요">
             <a:extLst>
               <a:ext uri="{FF2B5EF4-FFF2-40B4-BE49-F238E27FC236}">
                 <a16:creationId xmlns:a16="http://schemas.microsoft.com/office/drawing/2014/main" id="{A068EBC3-B418-4E4A-A520-101CA4B39F23}"/>
@@ -13030,7 +12364,7 @@
       </p:pic>
       <p:pic>
         <p:nvPicPr>
-          <p:cNvPr id="12" name="Graphic 11" descr="Medal outline">
+          <p:cNvPr id="12" name="Graphic 11" descr="메달 개요">
             <a:extLst>
               <a:ext uri="{FF2B5EF4-FFF2-40B4-BE49-F238E27FC236}">
                 <a16:creationId xmlns:a16="http://schemas.microsoft.com/office/drawing/2014/main" id="{C7BEFC2D-0CA6-0448-B9FA-6E1581CA6D36}"/>
@@ -13659,12 +12993,6 @@
 </file>
 
 <file path=customXml/item1.xml><?xml version="1.0" encoding="utf-8"?>
-<p:properties xmlns:p="http://schemas.microsoft.com/office/2006/metadata/properties" xmlns:xsi="http://www.w3.org/2001/XMLSchema-instance" xmlns:pc="http://schemas.microsoft.com/office/infopath/2007/PartnerControls">
-  <documentManagement/>
-</p:properties>
-</file>
-
-<file path=customXml/item2.xml><?xml version="1.0" encoding="utf-8"?>
 <?mso-contentType ?>
 <FormTemplates xmlns="http://schemas.microsoft.com/sharepoint/v3/contenttype/forms">
   <Display>DocumentLibraryForm</Display>
@@ -13673,7 +13001,7 @@
 </FormTemplates>
 </file>
 
-<file path=customXml/item3.xml><?xml version="1.0" encoding="utf-8"?>
+<file path=customXml/item2.xml><?xml version="1.0" encoding="utf-8"?>
 <ct:contentTypeSchema xmlns:ct="http://schemas.microsoft.com/office/2006/metadata/contentType" xmlns:ma="http://schemas.microsoft.com/office/2006/metadata/properties/metaAttributes" ct:_="" ma:_="" ma:contentTypeName="Document" ma:contentTypeID="0x010100E783BF6876BCC646A459363AF21A7736" ma:contentTypeVersion="10" ma:contentTypeDescription="Create a new document." ma:contentTypeScope="" ma:versionID="c4ffda7f4f415767600769e454c2ea87">
   <xsd:schema xmlns:xsd="http://www.w3.org/2001/XMLSchema" xmlns:xs="http://www.w3.org/2001/XMLSchema" xmlns:p="http://schemas.microsoft.com/office/2006/metadata/properties" xmlns:ns2="8a053bff-88be-49e4-9a87-e748e18b8b62" xmlns:ns3="6c8368ec-3776-49b5-a5bb-90648cf9530f" targetNamespace="http://schemas.microsoft.com/office/2006/metadata/properties" ma:root="true" ma:fieldsID="df3ec33bccc23e23bce7bc897fad43d1" ns2:_="" ns3:_="">
     <xsd:import namespace="8a053bff-88be-49e4-9a87-e748e18b8b62"/>
@@ -13878,24 +13206,13 @@
 </ct:contentTypeSchema>
 </file>
 
-<file path=customXml/itemProps1.xml><?xml version="1.0" encoding="utf-8"?>
-<ds:datastoreItem xmlns:ds="http://schemas.openxmlformats.org/officeDocument/2006/customXml" ds:itemID="{10FC3CAF-E6F1-40E3-87D4-6B781C97D6B4}">
-  <ds:schemaRefs>
-    <ds:schemaRef ds:uri="6c8368ec-3776-49b5-a5bb-90648cf9530f"/>
-    <ds:schemaRef ds:uri="8a053bff-88be-49e4-9a87-e748e18b8b62"/>
-    <ds:schemaRef ds:uri="http://purl.org/dc/dcmitype/"/>
-    <ds:schemaRef ds:uri="http://purl.org/dc/elements/1.1/"/>
-    <ds:schemaRef ds:uri="http://purl.org/dc/terms/"/>
-    <ds:schemaRef ds:uri="http://schemas.microsoft.com/office/2006/documentManagement/types"/>
-    <ds:schemaRef ds:uri="http://schemas.microsoft.com/office/2006/metadata/properties"/>
-    <ds:schemaRef ds:uri="http://schemas.microsoft.com/office/infopath/2007/PartnerControls"/>
-    <ds:schemaRef ds:uri="http://schemas.openxmlformats.org/package/2006/metadata/core-properties"/>
-    <ds:schemaRef ds:uri="http://www.w3.org/XML/1998/namespace"/>
-  </ds:schemaRefs>
-</ds:datastoreItem>
+<file path=customXml/item3.xml><?xml version="1.0" encoding="utf-8"?>
+<p:properties xmlns:p="http://schemas.microsoft.com/office/2006/metadata/properties" xmlns:xsi="http://www.w3.org/2001/XMLSchema-instance" xmlns:pc="http://schemas.microsoft.com/office/infopath/2007/PartnerControls">
+  <documentManagement/>
+</p:properties>
 </file>
 
-<file path=customXml/itemProps2.xml><?xml version="1.0" encoding="utf-8"?>
+<file path=customXml/itemProps1.xml><?xml version="1.0" encoding="utf-8"?>
 <ds:datastoreItem xmlns:ds="http://schemas.openxmlformats.org/officeDocument/2006/customXml" ds:itemID="{95AE3B0B-E909-400C-B0B3-909FB50E07DE}">
   <ds:schemaRefs>
     <ds:schemaRef ds:uri="http://schemas.microsoft.com/sharepoint/v3/contenttype/forms"/>
@@ -13903,21 +13220,30 @@
 </ds:datastoreItem>
 </file>
 
-<file path=customXml/itemProps3.xml><?xml version="1.0" encoding="utf-8"?>
+<file path=customXml/itemProps2.xml><?xml version="1.0" encoding="utf-8"?>
 <ds:datastoreItem xmlns:ds="http://schemas.openxmlformats.org/officeDocument/2006/customXml" ds:itemID="{E0DB8BDF-6DA8-4ABC-A3CA-043AFD674CFC}">
   <ds:schemaRefs>
+    <ds:schemaRef ds:uri="http://schemas.microsoft.com/office/2006/metadata/contentType"/>
+    <ds:schemaRef ds:uri="http://schemas.microsoft.com/office/2006/metadata/properties/metaAttributes"/>
+    <ds:schemaRef ds:uri="http://www.w3.org/2001/XMLSchema"/>
+    <ds:schemaRef ds:uri="http://schemas.microsoft.com/office/2006/metadata/properties"/>
+    <ds:schemaRef ds:uri="8a053bff-88be-49e4-9a87-e748e18b8b62"/>
     <ds:schemaRef ds:uri="6c8368ec-3776-49b5-a5bb-90648cf9530f"/>
-    <ds:schemaRef ds:uri="8a053bff-88be-49e4-9a87-e748e18b8b62"/>
+    <ds:schemaRef ds:uri="http://schemas.microsoft.com/office/2006/documentManagement/types"/>
+    <ds:schemaRef ds:uri="http://schemas.microsoft.com/office/infopath/2007/PartnerControls"/>
+    <ds:schemaRef ds:uri="http://schemas.openxmlformats.org/package/2006/metadata/core-properties"/>
     <ds:schemaRef ds:uri="http://purl.org/dc/elements/1.1/"/>
     <ds:schemaRef ds:uri="http://purl.org/dc/terms/"/>
     <ds:schemaRef ds:uri="http://schemas.microsoft.com/internal/obd"/>
-    <ds:schemaRef ds:uri="http://schemas.microsoft.com/office/2006/documentManagement/types"/>
-    <ds:schemaRef ds:uri="http://schemas.microsoft.com/office/2006/metadata/contentType"/>
+  </ds:schemaRefs>
+</ds:datastoreItem>
+</file>
+
+<file path=customXml/itemProps3.xml><?xml version="1.0" encoding="utf-8"?>
+<ds:datastoreItem xmlns:ds="http://schemas.openxmlformats.org/officeDocument/2006/customXml" ds:itemID="{10FC3CAF-E6F1-40E3-87D4-6B781C97D6B4}">
+  <ds:schemaRefs>
     <ds:schemaRef ds:uri="http://schemas.microsoft.com/office/2006/metadata/properties"/>
-    <ds:schemaRef ds:uri="http://schemas.microsoft.com/office/2006/metadata/properties/metaAttributes"/>
     <ds:schemaRef ds:uri="http://schemas.microsoft.com/office/infopath/2007/PartnerControls"/>
-    <ds:schemaRef ds:uri="http://schemas.openxmlformats.org/package/2006/metadata/core-properties"/>
-    <ds:schemaRef ds:uri="http://www.w3.org/2001/XMLSchema"/>
   </ds:schemaRefs>
 </ds:datastoreItem>
 </file>
--- a/help/data-sheets/assets/BusinessSupportDatasheet.pptx
+++ b/help/data-sheets/assets/BusinessSupportDatasheet.pptx
@@ -140,18 +140,222 @@
 </p:cmAuthorLst>
 </file>
 
-<file path=ppt/revisionInfo.xml><?xml version="1.0" encoding="utf-8"?>
-<p1510:revInfo xmlns:a="http://schemas.openxmlformats.org/drawingml/2006/main" xmlns:r="http://schemas.openxmlformats.org/officeDocument/2006/relationships" xmlns:p1510="http://schemas.microsoft.com/office/powerpoint/2015/10/main">
-  <p1510:revLst>
-    <p1510:client id="{06B13378-B080-7F0F-51A5-F9203CEE57ED}" v="370" dt="2021-08-25T22:26:24.850"/>
-    <p1510:client id="{9E385600-BF81-FC49-9ED0-E33BC37F7908}" v="55" dt="2021-08-04T08:16:13.478"/>
-    <p1510:client id="{CA5D33DF-AE75-BCA1-B9BC-A7CD44D2F3C7}" v="2" dt="2021-08-25T22:38:18.624"/>
-  </p1510:revLst>
-</p1510:revInfo>
-</file>
-
 <file path=ppt/changesInfos/changesInfo1.xml><?xml version="1.0" encoding="utf-8"?>
 <pc:chgInfo xmlns:a="http://schemas.openxmlformats.org/drawingml/2006/main" xmlns:r="http://schemas.openxmlformats.org/officeDocument/2006/relationships" xmlns:ac="http://schemas.microsoft.com/office/drawing/2013/main/command" xmlns:pc="http://schemas.microsoft.com/office/powerpoint/2013/main/command">
+  <pc:docChgLst>
+    <pc:chgData name="Akilah Johnson" userId="S::akjohnso@adobe.com::2fa3aa60-0c9c-4d06-bae2-795983241227" providerId="AD" clId="Web-{71D6CFBF-0EA2-99B0-93F4-22F19EF0AE4E}"/>
+    <pc:docChg chg="modSld">
+      <pc:chgData name="Akilah Johnson" userId="S::akjohnso@adobe.com::2fa3aa60-0c9c-4d06-bae2-795983241227" providerId="AD" clId="Web-{71D6CFBF-0EA2-99B0-93F4-22F19EF0AE4E}" dt="2021-09-22T19:06:58.732" v="1" actId="1076"/>
+      <pc:docMkLst>
+        <pc:docMk/>
+      </pc:docMkLst>
+      <pc:sldChg chg="modSp">
+        <pc:chgData name="Akilah Johnson" userId="S::akjohnso@adobe.com::2fa3aa60-0c9c-4d06-bae2-795983241227" providerId="AD" clId="Web-{71D6CFBF-0EA2-99B0-93F4-22F19EF0AE4E}" dt="2021-09-22T19:06:58.732" v="1" actId="1076"/>
+        <pc:sldMkLst>
+          <pc:docMk/>
+          <pc:sldMk cId="1050037809" sldId="261"/>
+        </pc:sldMkLst>
+        <pc:spChg chg="mod">
+          <ac:chgData name="Akilah Johnson" userId="S::akjohnso@adobe.com::2fa3aa60-0c9c-4d06-bae2-795983241227" providerId="AD" clId="Web-{71D6CFBF-0EA2-99B0-93F4-22F19EF0AE4E}" dt="2021-09-22T19:06:58.732" v="1" actId="1076"/>
+          <ac:spMkLst>
+            <pc:docMk/>
+            <pc:sldMk cId="1050037809" sldId="261"/>
+            <ac:spMk id="64" creationId="{41467BDC-3D83-D844-B922-CD07E94E5AAB}"/>
+          </ac:spMkLst>
+        </pc:spChg>
+      </pc:sldChg>
+    </pc:docChg>
+  </pc:docChgLst>
+  <pc:docChgLst>
+    <pc:chgData name="Akilah Johnson" userId="S::akjohnso@adobe.com::2fa3aa60-0c9c-4d06-bae2-795983241227" providerId="AD" clId="Web-{AFB92C2B-405E-C597-0988-18F97C53104C}"/>
+    <pc:docChg chg="modSld">
+      <pc:chgData name="Akilah Johnson" userId="S::akjohnso@adobe.com::2fa3aa60-0c9c-4d06-bae2-795983241227" providerId="AD" clId="Web-{AFB92C2B-405E-C597-0988-18F97C53104C}" dt="2021-09-22T18:53:26.184" v="29"/>
+      <pc:docMkLst>
+        <pc:docMk/>
+      </pc:docMkLst>
+      <pc:sldChg chg="modSp">
+        <pc:chgData name="Akilah Johnson" userId="S::akjohnso@adobe.com::2fa3aa60-0c9c-4d06-bae2-795983241227" providerId="AD" clId="Web-{AFB92C2B-405E-C597-0988-18F97C53104C}" dt="2021-09-22T18:53:26.184" v="29"/>
+        <pc:sldMkLst>
+          <pc:docMk/>
+          <pc:sldMk cId="1050037809" sldId="261"/>
+        </pc:sldMkLst>
+        <pc:spChg chg="mod">
+          <ac:chgData name="Akilah Johnson" userId="S::akjohnso@adobe.com::2fa3aa60-0c9c-4d06-bae2-795983241227" providerId="AD" clId="Web-{AFB92C2B-405E-C597-0988-18F97C53104C}" dt="2021-09-22T18:53:05.841" v="5" actId="20577"/>
+          <ac:spMkLst>
+            <pc:docMk/>
+            <pc:sldMk cId="1050037809" sldId="261"/>
+            <ac:spMk id="64" creationId="{41467BDC-3D83-D844-B922-CD07E94E5AAB}"/>
+          </ac:spMkLst>
+        </pc:spChg>
+        <pc:graphicFrameChg chg="mod modGraphic">
+          <ac:chgData name="Akilah Johnson" userId="S::akjohnso@adobe.com::2fa3aa60-0c9c-4d06-bae2-795983241227" providerId="AD" clId="Web-{AFB92C2B-405E-C597-0988-18F97C53104C}" dt="2021-09-22T18:53:26.184" v="29"/>
+          <ac:graphicFrameMkLst>
+            <pc:docMk/>
+            <pc:sldMk cId="1050037809" sldId="261"/>
+            <ac:graphicFrameMk id="25" creationId="{3A91F5B0-3974-A14D-A146-FB590F2AAD18}"/>
+          </ac:graphicFrameMkLst>
+        </pc:graphicFrameChg>
+      </pc:sldChg>
+    </pc:docChg>
+  </pc:docChgLst>
+  <pc:docChgLst>
+    <pc:chgData name="Akilah Johnson" userId="S::akjohnso@adobe.com::2fa3aa60-0c9c-4d06-bae2-795983241227" providerId="AD" clId="Web-{019F6A09-DCDA-BB53-9E3C-5BA3B13E26BB}"/>
+    <pc:docChg chg="modSld">
+      <pc:chgData name="Akilah Johnson" userId="S::akjohnso@adobe.com::2fa3aa60-0c9c-4d06-bae2-795983241227" providerId="AD" clId="Web-{019F6A09-DCDA-BB53-9E3C-5BA3B13E26BB}" dt="2021-10-12T17:10:36.752" v="17" actId="20577"/>
+      <pc:docMkLst>
+        <pc:docMk/>
+      </pc:docMkLst>
+      <pc:sldChg chg="modSp">
+        <pc:chgData name="Akilah Johnson" userId="S::akjohnso@adobe.com::2fa3aa60-0c9c-4d06-bae2-795983241227" providerId="AD" clId="Web-{019F6A09-DCDA-BB53-9E3C-5BA3B13E26BB}" dt="2021-10-12T17:09:32.112" v="2" actId="20577"/>
+        <pc:sldMkLst>
+          <pc:docMk/>
+          <pc:sldMk cId="0" sldId="257"/>
+        </pc:sldMkLst>
+        <pc:spChg chg="mod">
+          <ac:chgData name="Akilah Johnson" userId="S::akjohnso@adobe.com::2fa3aa60-0c9c-4d06-bae2-795983241227" providerId="AD" clId="Web-{019F6A09-DCDA-BB53-9E3C-5BA3B13E26BB}" dt="2021-10-12T17:09:32.112" v="2" actId="20577"/>
+          <ac:spMkLst>
+            <pc:docMk/>
+            <pc:sldMk cId="0" sldId="257"/>
+            <ac:spMk id="46" creationId="{00000000-0000-0000-0000-000000000000}"/>
+          </ac:spMkLst>
+        </pc:spChg>
+      </pc:sldChg>
+      <pc:sldChg chg="modSp">
+        <pc:chgData name="Akilah Johnson" userId="S::akjohnso@adobe.com::2fa3aa60-0c9c-4d06-bae2-795983241227" providerId="AD" clId="Web-{019F6A09-DCDA-BB53-9E3C-5BA3B13E26BB}" dt="2021-10-12T17:10:36.752" v="17" actId="20577"/>
+        <pc:sldMkLst>
+          <pc:docMk/>
+          <pc:sldMk cId="1050037809" sldId="261"/>
+        </pc:sldMkLst>
+        <pc:spChg chg="mod">
+          <ac:chgData name="Akilah Johnson" userId="S::akjohnso@adobe.com::2fa3aa60-0c9c-4d06-bae2-795983241227" providerId="AD" clId="Web-{019F6A09-DCDA-BB53-9E3C-5BA3B13E26BB}" dt="2021-10-12T17:10:36.752" v="17" actId="20577"/>
+          <ac:spMkLst>
+            <pc:docMk/>
+            <pc:sldMk cId="1050037809" sldId="261"/>
+            <ac:spMk id="56" creationId="{00000000-0000-0000-0000-000000000000}"/>
+          </ac:spMkLst>
+        </pc:spChg>
+        <pc:graphicFrameChg chg="mod modGraphic">
+          <ac:chgData name="Akilah Johnson" userId="S::akjohnso@adobe.com::2fa3aa60-0c9c-4d06-bae2-795983241227" providerId="AD" clId="Web-{019F6A09-DCDA-BB53-9E3C-5BA3B13E26BB}" dt="2021-10-12T17:09:41.471" v="6"/>
+          <ac:graphicFrameMkLst>
+            <pc:docMk/>
+            <pc:sldMk cId="1050037809" sldId="261"/>
+            <ac:graphicFrameMk id="111" creationId="{D8653CEC-4213-DE40-9BAF-D1E3318FF89C}"/>
+          </ac:graphicFrameMkLst>
+        </pc:graphicFrameChg>
+      </pc:sldChg>
+    </pc:docChg>
+  </pc:docChgLst>
+  <pc:docChgLst>
+    <pc:chgData name="Ankita Sood" userId="c93a62e3-2a47-429d-82c6-c2a8fd110ae7" providerId="ADAL" clId="{EADEB940-4844-7941-8DD1-C0A7CBA2737C}"/>
+    <pc:docChg chg="modSld">
+      <pc:chgData name="Ankita Sood" userId="c93a62e3-2a47-429d-82c6-c2a8fd110ae7" providerId="ADAL" clId="{EADEB940-4844-7941-8DD1-C0A7CBA2737C}" dt="2022-01-20T19:38:27.531" v="31" actId="20577"/>
+      <pc:docMkLst>
+        <pc:docMk/>
+      </pc:docMkLst>
+      <pc:sldChg chg="modSp mod">
+        <pc:chgData name="Ankita Sood" userId="c93a62e3-2a47-429d-82c6-c2a8fd110ae7" providerId="ADAL" clId="{EADEB940-4844-7941-8DD1-C0A7CBA2737C}" dt="2022-01-20T19:38:22.046" v="23" actId="20577"/>
+        <pc:sldMkLst>
+          <pc:docMk/>
+          <pc:sldMk cId="0" sldId="256"/>
+        </pc:sldMkLst>
+        <pc:spChg chg="mod">
+          <ac:chgData name="Ankita Sood" userId="c93a62e3-2a47-429d-82c6-c2a8fd110ae7" providerId="ADAL" clId="{EADEB940-4844-7941-8DD1-C0A7CBA2737C}" dt="2022-01-20T19:38:07.964" v="7" actId="20577"/>
+          <ac:spMkLst>
+            <pc:docMk/>
+            <pc:sldMk cId="0" sldId="256"/>
+            <ac:spMk id="5" creationId="{00000000-0000-0000-0000-000000000000}"/>
+          </ac:spMkLst>
+        </pc:spChg>
+        <pc:graphicFrameChg chg="modGraphic">
+          <ac:chgData name="Ankita Sood" userId="c93a62e3-2a47-429d-82c6-c2a8fd110ae7" providerId="ADAL" clId="{EADEB940-4844-7941-8DD1-C0A7CBA2737C}" dt="2022-01-20T19:38:22.046" v="23" actId="20577"/>
+          <ac:graphicFrameMkLst>
+            <pc:docMk/>
+            <pc:sldMk cId="0" sldId="256"/>
+            <ac:graphicFrameMk id="9" creationId="{00000000-0000-0000-0000-000000000000}"/>
+          </ac:graphicFrameMkLst>
+        </pc:graphicFrameChg>
+        <pc:graphicFrameChg chg="modGraphic">
+          <ac:chgData name="Ankita Sood" userId="c93a62e3-2a47-429d-82c6-c2a8fd110ae7" providerId="ADAL" clId="{EADEB940-4844-7941-8DD1-C0A7CBA2737C}" dt="2022-01-20T19:38:16.769" v="15" actId="20577"/>
+          <ac:graphicFrameMkLst>
+            <pc:docMk/>
+            <pc:sldMk cId="0" sldId="256"/>
+            <ac:graphicFrameMk id="11" creationId="{3AC7AEA2-E7A4-BD48-80EA-856168E207F6}"/>
+          </ac:graphicFrameMkLst>
+        </pc:graphicFrameChg>
+      </pc:sldChg>
+      <pc:sldChg chg="modSp mod">
+        <pc:chgData name="Ankita Sood" userId="c93a62e3-2a47-429d-82c6-c2a8fd110ae7" providerId="ADAL" clId="{EADEB940-4844-7941-8DD1-C0A7CBA2737C}" dt="2022-01-20T19:38:27.531" v="31" actId="20577"/>
+        <pc:sldMkLst>
+          <pc:docMk/>
+          <pc:sldMk cId="0" sldId="257"/>
+        </pc:sldMkLst>
+        <pc:spChg chg="mod">
+          <ac:chgData name="Ankita Sood" userId="c93a62e3-2a47-429d-82c6-c2a8fd110ae7" providerId="ADAL" clId="{EADEB940-4844-7941-8DD1-C0A7CBA2737C}" dt="2022-01-20T19:38:27.531" v="31" actId="20577"/>
+          <ac:spMkLst>
+            <pc:docMk/>
+            <pc:sldMk cId="0" sldId="257"/>
+            <ac:spMk id="44" creationId="{147009FB-1B8D-6D4F-87DF-41B5DE49EFE5}"/>
+          </ac:spMkLst>
+        </pc:spChg>
+      </pc:sldChg>
+    </pc:docChg>
+  </pc:docChgLst>
+  <pc:docChgLst>
+    <pc:chgData name="Andy Witt" userId="S::awitt@adobe.com::e9157bdf-53b2-40e4-9459-936793d75696" providerId="AD" clId="Web-{CA5D33DF-AE75-BCA1-B9BC-A7CD44D2F3C7}"/>
+    <pc:docChg chg="modSld">
+      <pc:chgData name="Andy Witt" userId="S::awitt@adobe.com::e9157bdf-53b2-40e4-9459-936793d75696" providerId="AD" clId="Web-{CA5D33DF-AE75-BCA1-B9BC-A7CD44D2F3C7}" dt="2021-08-25T22:38:18.624" v="1" actId="1076"/>
+      <pc:docMkLst>
+        <pc:docMk/>
+      </pc:docMkLst>
+      <pc:sldChg chg="modSp">
+        <pc:chgData name="Andy Witt" userId="S::awitt@adobe.com::e9157bdf-53b2-40e4-9459-936793d75696" providerId="AD" clId="Web-{CA5D33DF-AE75-BCA1-B9BC-A7CD44D2F3C7}" dt="2021-08-25T22:38:18.624" v="1" actId="1076"/>
+        <pc:sldMkLst>
+          <pc:docMk/>
+          <pc:sldMk cId="1050037809" sldId="261"/>
+        </pc:sldMkLst>
+        <pc:spChg chg="mod">
+          <ac:chgData name="Andy Witt" userId="S::awitt@adobe.com::e9157bdf-53b2-40e4-9459-936793d75696" providerId="AD" clId="Web-{CA5D33DF-AE75-BCA1-B9BC-A7CD44D2F3C7}" dt="2021-08-25T22:38:18.624" v="1" actId="1076"/>
+          <ac:spMkLst>
+            <pc:docMk/>
+            <pc:sldMk cId="1050037809" sldId="261"/>
+            <ac:spMk id="50" creationId="{043050D0-21FC-0C42-8484-7FE7C0DB771F}"/>
+          </ac:spMkLst>
+        </pc:spChg>
+      </pc:sldChg>
+    </pc:docChg>
+  </pc:docChgLst>
+  <pc:docChgLst>
+    <pc:chgData name="Lauren Schutte" userId="6e08b2d3-447a-4d66-86be-444d50df187f" providerId="ADAL" clId="{61630BD6-9AE9-064C-B39F-AFA945B82B3E}"/>
+    <pc:docChg chg="undo custSel modSld">
+      <pc:chgData name="Lauren Schutte" userId="6e08b2d3-447a-4d66-86be-444d50df187f" providerId="ADAL" clId="{61630BD6-9AE9-064C-B39F-AFA945B82B3E}" dt="2021-10-13T19:21:08.267" v="201" actId="20577"/>
+      <pc:docMkLst>
+        <pc:docMk/>
+      </pc:docMkLst>
+      <pc:sldChg chg="modSp mod">
+        <pc:chgData name="Lauren Schutte" userId="6e08b2d3-447a-4d66-86be-444d50df187f" providerId="ADAL" clId="{61630BD6-9AE9-064C-B39F-AFA945B82B3E}" dt="2021-10-13T19:21:08.267" v="201" actId="20577"/>
+        <pc:sldMkLst>
+          <pc:docMk/>
+          <pc:sldMk cId="0" sldId="256"/>
+        </pc:sldMkLst>
+        <pc:spChg chg="mod">
+          <ac:chgData name="Lauren Schutte" userId="6e08b2d3-447a-4d66-86be-444d50df187f" providerId="ADAL" clId="{61630BD6-9AE9-064C-B39F-AFA945B82B3E}" dt="2021-10-13T19:03:44.344" v="3" actId="1076"/>
+          <ac:spMkLst>
+            <pc:docMk/>
+            <pc:sldMk cId="0" sldId="256"/>
+            <ac:spMk id="3" creationId="{00000000-0000-0000-0000-000000000000}"/>
+          </ac:spMkLst>
+        </pc:spChg>
+        <pc:graphicFrameChg chg="mod modGraphic">
+          <ac:chgData name="Lauren Schutte" userId="6e08b2d3-447a-4d66-86be-444d50df187f" providerId="ADAL" clId="{61630BD6-9AE9-064C-B39F-AFA945B82B3E}" dt="2021-10-13T19:21:08.267" v="201" actId="20577"/>
+          <ac:graphicFrameMkLst>
+            <pc:docMk/>
+            <pc:sldMk cId="0" sldId="256"/>
+            <ac:graphicFrameMk id="9" creationId="{00000000-0000-0000-0000-000000000000}"/>
+          </ac:graphicFrameMkLst>
+        </pc:graphicFrameChg>
+      </pc:sldChg>
+    </pc:docChg>
+  </pc:docChgLst>
   <pc:docChgLst>
     <pc:chgData name="Andy Witt" userId="S::awitt@adobe.com::e9157bdf-53b2-40e4-9459-936793d75696" providerId="AD" clId="Web-{06B13378-B080-7F0F-51A5-F9203CEE57ED}"/>
     <pc:docChg chg="modSld">
@@ -177,24 +381,80 @@
     </pc:docChg>
   </pc:docChgLst>
   <pc:docChgLst>
-    <pc:chgData name="Andy Witt" userId="S::awitt@adobe.com::e9157bdf-53b2-40e4-9459-936793d75696" providerId="AD" clId="Web-{CA5D33DF-AE75-BCA1-B9BC-A7CD44D2F3C7}"/>
+    <pc:chgData name="Akilah Johnson" userId="S::akjohnso@adobe.com::2fa3aa60-0c9c-4d06-bae2-795983241227" providerId="AD" clId="Web-{4D8E0410-E0CE-85E2-0F84-C1BF4F647622}"/>
     <pc:docChg chg="modSld">
-      <pc:chgData name="Andy Witt" userId="S::awitt@adobe.com::e9157bdf-53b2-40e4-9459-936793d75696" providerId="AD" clId="Web-{CA5D33DF-AE75-BCA1-B9BC-A7CD44D2F3C7}" dt="2021-08-25T22:38:18.624" v="1" actId="1076"/>
+      <pc:chgData name="Akilah Johnson" userId="S::akjohnso@adobe.com::2fa3aa60-0c9c-4d06-bae2-795983241227" providerId="AD" clId="Web-{4D8E0410-E0CE-85E2-0F84-C1BF4F647622}" dt="2021-09-22T22:57:04.802" v="5"/>
       <pc:docMkLst>
         <pc:docMk/>
       </pc:docMkLst>
       <pc:sldChg chg="modSp">
-        <pc:chgData name="Andy Witt" userId="S::awitt@adobe.com::e9157bdf-53b2-40e4-9459-936793d75696" providerId="AD" clId="Web-{CA5D33DF-AE75-BCA1-B9BC-A7CD44D2F3C7}" dt="2021-08-25T22:38:18.624" v="1" actId="1076"/>
+        <pc:chgData name="Akilah Johnson" userId="S::akjohnso@adobe.com::2fa3aa60-0c9c-4d06-bae2-795983241227" providerId="AD" clId="Web-{4D8E0410-E0CE-85E2-0F84-C1BF4F647622}" dt="2021-09-22T22:57:04.802" v="5"/>
         <pc:sldMkLst>
           <pc:docMk/>
           <pc:sldMk cId="1050037809" sldId="261"/>
         </pc:sldMkLst>
+        <pc:graphicFrameChg chg="mod modGraphic">
+          <ac:chgData name="Akilah Johnson" userId="S::akjohnso@adobe.com::2fa3aa60-0c9c-4d06-bae2-795983241227" providerId="AD" clId="Web-{4D8E0410-E0CE-85E2-0F84-C1BF4F647622}" dt="2021-09-22T22:57:04.802" v="5"/>
+          <ac:graphicFrameMkLst>
+            <pc:docMk/>
+            <pc:sldMk cId="1050037809" sldId="261"/>
+            <ac:graphicFrameMk id="25" creationId="{3A91F5B0-3974-A14D-A146-FB590F2AAD18}"/>
+          </ac:graphicFrameMkLst>
+        </pc:graphicFrameChg>
+      </pc:sldChg>
+    </pc:docChg>
+  </pc:docChgLst>
+  <pc:docChgLst>
+    <pc:chgData name="Lauren Schutte" userId="S::schutte@adobe.com::6e08b2d3-447a-4d66-86be-444d50df187f" providerId="AD" clId="Web-{AC30C20D-1316-8ECC-DADD-39CCEC6A7FCF}"/>
+    <pc:docChg chg="modSld">
+      <pc:chgData name="Lauren Schutte" userId="S::schutte@adobe.com::6e08b2d3-447a-4d66-86be-444d50df187f" providerId="AD" clId="Web-{AC30C20D-1316-8ECC-DADD-39CCEC6A7FCF}" dt="2021-10-13T19:03:35.035" v="8" actId="1076"/>
+      <pc:docMkLst>
+        <pc:docMk/>
+      </pc:docMkLst>
+      <pc:sldChg chg="modSp">
+        <pc:chgData name="Lauren Schutte" userId="S::schutte@adobe.com::6e08b2d3-447a-4d66-86be-444d50df187f" providerId="AD" clId="Web-{AC30C20D-1316-8ECC-DADD-39CCEC6A7FCF}" dt="2021-10-13T19:03:35.035" v="8" actId="1076"/>
+        <pc:sldMkLst>
+          <pc:docMk/>
+          <pc:sldMk cId="0" sldId="256"/>
+        </pc:sldMkLst>
         <pc:spChg chg="mod">
-          <ac:chgData name="Andy Witt" userId="S::awitt@adobe.com::e9157bdf-53b2-40e4-9459-936793d75696" providerId="AD" clId="Web-{CA5D33DF-AE75-BCA1-B9BC-A7CD44D2F3C7}" dt="2021-08-25T22:38:18.624" v="1" actId="1076"/>
+          <ac:chgData name="Lauren Schutte" userId="S::schutte@adobe.com::6e08b2d3-447a-4d66-86be-444d50df187f" providerId="AD" clId="Web-{AC30C20D-1316-8ECC-DADD-39CCEC6A7FCF}" dt="2021-10-13T19:03:27.878" v="7" actId="14100"/>
           <ac:spMkLst>
             <pc:docMk/>
-            <pc:sldMk cId="1050037809" sldId="261"/>
-            <ac:spMk id="50" creationId="{043050D0-21FC-0C42-8484-7FE7C0DB771F}"/>
+            <pc:sldMk cId="0" sldId="256"/>
+            <ac:spMk id="3" creationId="{00000000-0000-0000-0000-000000000000}"/>
+          </ac:spMkLst>
+        </pc:spChg>
+        <pc:spChg chg="mod">
+          <ac:chgData name="Lauren Schutte" userId="S::schutte@adobe.com::6e08b2d3-447a-4d66-86be-444d50df187f" providerId="AD" clId="Web-{AC30C20D-1316-8ECC-DADD-39CCEC6A7FCF}" dt="2021-10-13T19:03:35.035" v="8" actId="1076"/>
+          <ac:spMkLst>
+            <pc:docMk/>
+            <pc:sldMk cId="0" sldId="256"/>
+            <ac:spMk id="5" creationId="{00000000-0000-0000-0000-000000000000}"/>
+          </ac:spMkLst>
+        </pc:spChg>
+      </pc:sldChg>
+    </pc:docChg>
+  </pc:docChgLst>
+  <pc:docChgLst>
+    <pc:chgData name="Akilah Johnson" userId="S::akjohnso@adobe.com::2fa3aa60-0c9c-4d06-bae2-795983241227" providerId="AD" clId="Web-{D428A0AE-54E2-30D2-C574-7A0742876CCF}"/>
+    <pc:docChg chg="modSld">
+      <pc:chgData name="Akilah Johnson" userId="S::akjohnso@adobe.com::2fa3aa60-0c9c-4d06-bae2-795983241227" providerId="AD" clId="Web-{D428A0AE-54E2-30D2-C574-7A0742876CCF}" dt="2021-10-12T19:11:25.330" v="0" actId="20577"/>
+      <pc:docMkLst>
+        <pc:docMk/>
+      </pc:docMkLst>
+      <pc:sldChg chg="modSp">
+        <pc:chgData name="Akilah Johnson" userId="S::akjohnso@adobe.com::2fa3aa60-0c9c-4d06-bae2-795983241227" providerId="AD" clId="Web-{D428A0AE-54E2-30D2-C574-7A0742876CCF}" dt="2021-10-12T19:11:25.330" v="0" actId="20577"/>
+        <pc:sldMkLst>
+          <pc:docMk/>
+          <pc:sldMk cId="0" sldId="256"/>
+        </pc:sldMkLst>
+        <pc:spChg chg="mod">
+          <ac:chgData name="Akilah Johnson" userId="S::akjohnso@adobe.com::2fa3aa60-0c9c-4d06-bae2-795983241227" providerId="AD" clId="Web-{D428A0AE-54E2-30D2-C574-7A0742876CCF}" dt="2021-10-12T19:11:25.330" v="0" actId="20577"/>
+          <ac:spMkLst>
+            <pc:docMk/>
+            <pc:sldMk cId="0" sldId="256"/>
+            <ac:spMk id="4" creationId="{00000000-0000-0000-0000-000000000000}"/>
           </ac:spMkLst>
         </pc:spChg>
       </pc:sldChg>
@@ -285,7 +545,7 @@
           <a:p>
             <a:fld id="{FB81873C-0B24-F04A-98A1-90E0A78F7E8A}" type="datetimeFigureOut">
               <a:rPr lang="en-US" smtClean="0"/>
-              <a:t>11/18/21</a:t>
+              <a:t>1/20/22</a:t>
             </a:fld>
             <a:endParaRPr lang="en-US"/>
           </a:p>
@@ -596,7 +856,7 @@
           <a:bodyPr/>
           <a:lstStyle/>
           <a:p>
-            <a:endParaRPr lang="en-US" dirty="0"/>
+            <a:endParaRPr lang="en-US"/>
           </a:p>
         </p:txBody>
       </p:sp>
@@ -680,7 +940,7 @@
           <a:bodyPr/>
           <a:lstStyle/>
           <a:p>
-            <a:endParaRPr lang="en-US" dirty="0"/>
+            <a:endParaRPr lang="en-US"/>
           </a:p>
         </p:txBody>
       </p:sp>
@@ -764,7 +1024,7 @@
           <a:bodyPr/>
           <a:lstStyle/>
           <a:p>
-            <a:endParaRPr lang="en-US" dirty="0"/>
+            <a:endParaRPr lang="en-US"/>
           </a:p>
         </p:txBody>
       </p:sp>
@@ -908,7 +1168,7 @@
           <a:p>
             <a:fld id="{1D8BD707-D9CF-40AE-B4C6-C98DA3205C09}" type="datetimeFigureOut">
               <a:rPr lang="en-US"/>
-              <a:t>11/18/21</a:t>
+              <a:t>1/20/22</a:t>
             </a:fld>
             <a:endParaRPr lang="en-US"/>
           </a:p>
@@ -996,23 +1256,23 @@
               </a:spcBef>
             </a:pPr>
             <a:r>
-              <a:rPr spc="-5" dirty="0"/>
+              <a:rPr spc="-5"/>
               <a:t>©202</a:t>
             </a:r>
             <a:r>
-              <a:rPr lang="en-US" spc="-5" dirty="0"/>
+              <a:rPr lang="en-US" spc="-5"/>
               <a:t>1 </a:t>
             </a:r>
             <a:r>
-              <a:rPr spc="-5" dirty="0"/>
+              <a:rPr spc="-5"/>
               <a:t>Adobe. All Rights Reserved. Adobe</a:t>
             </a:r>
             <a:r>
-              <a:rPr spc="60" dirty="0"/>
+              <a:rPr spc="60"/>
               <a:t> </a:t>
             </a:r>
             <a:r>
-              <a:rPr spc="-5" dirty="0"/>
+              <a:rPr spc="-5"/>
               <a:t>Confidential.</a:t>
             </a:r>
           </a:p>
@@ -1100,7 +1360,7 @@
           <a:p>
             <a:fld id="{1D8BD707-D9CF-40AE-B4C6-C98DA3205C09}" type="datetimeFigureOut">
               <a:rPr lang="en-US"/>
-              <a:t>11/18/21</a:t>
+              <a:t>1/20/22</a:t>
             </a:fld>
             <a:endParaRPr lang="en-US"/>
           </a:p>
@@ -1188,23 +1448,23 @@
               </a:spcBef>
             </a:pPr>
             <a:r>
-              <a:rPr spc="-5" dirty="0"/>
+              <a:rPr spc="-5"/>
               <a:t>©202</a:t>
             </a:r>
             <a:r>
-              <a:rPr lang="en-US" spc="-5" dirty="0"/>
+              <a:rPr lang="en-US" spc="-5"/>
               <a:t>1</a:t>
             </a:r>
             <a:r>
-              <a:rPr spc="-5" dirty="0"/>
+              <a:rPr spc="-5"/>
               <a:t> Adobe. All Rights Reserved. Adobe</a:t>
             </a:r>
             <a:r>
-              <a:rPr spc="60" dirty="0"/>
+              <a:rPr spc="60"/>
               <a:t> </a:t>
             </a:r>
             <a:r>
-              <a:rPr spc="-5" dirty="0"/>
+              <a:rPr spc="-5"/>
               <a:t>Confidential.</a:t>
             </a:r>
           </a:p>
@@ -1359,23 +1619,23 @@
               </a:spcBef>
             </a:pPr>
             <a:r>
-              <a:rPr spc="-5" dirty="0"/>
+              <a:rPr spc="-5"/>
               <a:t>©202</a:t>
             </a:r>
             <a:r>
-              <a:rPr lang="en-US" spc="-5" dirty="0"/>
+              <a:rPr lang="en-US" spc="-5"/>
               <a:t>1</a:t>
             </a:r>
             <a:r>
-              <a:rPr spc="-5" dirty="0"/>
+              <a:rPr spc="-5"/>
               <a:t> Adobe. All Rights Reserved. Adobe</a:t>
             </a:r>
             <a:r>
-              <a:rPr spc="60" dirty="0"/>
+              <a:rPr spc="60"/>
               <a:t> </a:t>
             </a:r>
             <a:r>
-              <a:rPr spc="-5" dirty="0"/>
+              <a:rPr spc="-5"/>
               <a:t>Confidential.</a:t>
             </a:r>
           </a:p>
@@ -1418,7 +1678,7 @@
           <a:p>
             <a:fld id="{1D8BD707-D9CF-40AE-B4C6-C98DA3205C09}" type="datetimeFigureOut">
               <a:rPr lang="en-US"/>
-              <a:t>11/18/21</a:t>
+              <a:t>1/20/22</a:t>
             </a:fld>
             <a:endParaRPr lang="en-US"/>
           </a:p>
@@ -1672,8 +1932,8 @@
         </p:nvSpPr>
         <p:spPr>
           <a:xfrm>
-            <a:off x="168564" y="7162363"/>
-            <a:ext cx="3870035" cy="229037"/>
+            <a:off x="168565" y="7162363"/>
+            <a:ext cx="2800350" cy="238760"/>
           </a:xfrm>
           <a:prstGeom prst="rect">
             <a:avLst/>
@@ -1694,7 +1954,7 @@
               </a:spcBef>
             </a:pPr>
             <a:r>
-              <a:rPr lang="de-de" sz="1400" b="1" u="heavy" spc="10" dirty="0">
+              <a:rPr sz="1400" b="1" u="heavy" spc="10">
                 <a:solidFill>
                   <a:srgbClr val="020302"/>
                 </a:solidFill>
@@ -1706,10 +1966,10 @@
                 <a:latin typeface="Adobe Clean"/>
                 <a:cs typeface="Adobe Clean"/>
               </a:rPr>
-              <a:t>서비스 </a:t>
-            </a:r>
-            <a:r>
-              <a:rPr lang="de-de" sz="1400" b="1" u="heavy" spc="-10" dirty="0">
+              <a:t>Service </a:t>
+            </a:r>
+            <a:r>
+              <a:rPr sz="1400" b="1" u="heavy" spc="-10">
                 <a:solidFill>
                   <a:srgbClr val="020302"/>
                 </a:solidFill>
@@ -1721,10 +1981,10 @@
                 <a:latin typeface="Adobe Clean"/>
                 <a:cs typeface="Adobe Clean"/>
               </a:rPr>
-              <a:t>수준 </a:t>
-            </a:r>
-            <a:r>
-              <a:rPr lang="de-de" sz="1400" b="1" u="heavy" spc="-45" dirty="0">
+              <a:t>Level </a:t>
+            </a:r>
+            <a:r>
+              <a:rPr sz="1400" b="1" u="heavy" spc="-45">
                 <a:solidFill>
                   <a:srgbClr val="020302"/>
                 </a:solidFill>
@@ -1736,10 +1996,10 @@
                 <a:latin typeface="Adobe Clean"/>
                 <a:cs typeface="Adobe Clean"/>
               </a:rPr>
-              <a:t>목표: </a:t>
-            </a:r>
-            <a:r>
-              <a:rPr lang="de-de" sz="1400" b="1" u="heavy" spc="-10" dirty="0">
+              <a:t>Targets: </a:t>
+            </a:r>
+            <a:r>
+              <a:rPr sz="1400" b="1" u="heavy" spc="-10">
                 <a:solidFill>
                   <a:srgbClr val="020302"/>
                 </a:solidFill>
@@ -1751,10 +2011,10 @@
                 <a:latin typeface="Adobe Clean"/>
                 <a:cs typeface="Adobe Clean"/>
               </a:rPr>
-              <a:t>초기</a:t>
-            </a:r>
-            <a:r>
-              <a:rPr lang="de-de" sz="1400" b="1" u="heavy" spc="-140" dirty="0">
+              <a:t>Initial</a:t>
+            </a:r>
+            <a:r>
+              <a:rPr sz="1400" b="1" u="heavy" spc="-140">
                 <a:solidFill>
                   <a:srgbClr val="020302"/>
                 </a:solidFill>
@@ -1769,7 +2029,7 @@
               <a:t> </a:t>
             </a:r>
             <a:r>
-              <a:rPr lang="de-de" sz="1400" b="1" u="heavy" spc="-15" dirty="0">
+              <a:rPr sz="1400" b="1" u="heavy" spc="-15">
                 <a:solidFill>
                   <a:srgbClr val="020302"/>
                 </a:solidFill>
@@ -1781,9 +2041,9 @@
                 <a:latin typeface="Adobe Clean"/>
                 <a:cs typeface="Adobe Clean"/>
               </a:rPr>
-              <a:t>대응</a:t>
-            </a:r>
-            <a:endParaRPr sz="1400" dirty="0">
+              <a:t>Response</a:t>
+            </a:r>
+            <a:endParaRPr sz="1400">
               <a:latin typeface="Adobe Clean"/>
               <a:cs typeface="Adobe Clean"/>
             </a:endParaRPr>
@@ -1839,7 +2099,7 @@
           </a:prstGeom>
         </p:spPr>
         <p:txBody>
-          <a:bodyPr vert="horz" wrap="square" lIns="0" tIns="12700" rIns="0" bIns="0" rtlCol="0">
+          <a:bodyPr vert="horz" wrap="square" lIns="0" tIns="12700" rIns="0" bIns="0" rtlCol="0" anchor="t">
             <a:spAutoFit/>
           </a:bodyPr>
           <a:lstStyle/>
@@ -1853,18 +2113,18 @@
               </a:spcBef>
             </a:pPr>
             <a:r>
-              <a:rPr lang="de-de" sz="2300" spc="-229" dirty="0">
-                <a:latin typeface="Adobe Clean" panose="020B0503020404020204" pitchFamily="34" charset="0"/>
-              </a:rPr>
-              <a:t>Adobe   </a:t>
-            </a:r>
-            <a:r>
-              <a:rPr lang="ko-KR" altLang="en-US" sz="2300" spc="-229" dirty="0">
-                <a:latin typeface="Adobe Clean" panose="020B0503020404020204" pitchFamily="34" charset="0"/>
-              </a:rPr>
-              <a:t>지원 플랜</a:t>
-            </a:r>
-            <a:endParaRPr sz="2300" dirty="0">
+              <a:rPr sz="2300">
+                <a:latin typeface="Adobe Clean"/>
+              </a:rPr>
+              <a:t>ADOBE </a:t>
+            </a:r>
+            <a:r>
+              <a:rPr lang="en-US" sz="2300">
+                <a:latin typeface="Adobe Clean"/>
+              </a:rPr>
+              <a:t>SUPPORT PLANS</a:t>
+            </a:r>
+            <a:endParaRPr sz="2300">
               <a:latin typeface="Adobe Clean" panose="020B0503020404020204" pitchFamily="34" charset="0"/>
             </a:endParaRPr>
           </a:p>
@@ -1878,7 +2138,7 @@
         </p:nvSpPr>
         <p:spPr>
           <a:xfrm>
-            <a:off x="121147" y="635935"/>
+            <a:off x="121147" y="531160"/>
             <a:ext cx="5865216" cy="1269065"/>
           </a:xfrm>
           <a:prstGeom prst="rect">
@@ -1900,31 +2160,31 @@
               </a:spcBef>
             </a:pPr>
             <a:r>
-              <a:rPr lang="de-de" sz="900" dirty="0">
+              <a:rPr lang="en-US" sz="900" dirty="0">
                 <a:solidFill>
                   <a:schemeClr val="bg1"/>
                 </a:solidFill>
                 <a:latin typeface="Adobe Clean Light" panose="020B0303020404020204" pitchFamily="34" charset="0"/>
               </a:rPr>
-              <a:t>온라인 | </a:t>
-            </a:r>
-            <a:r>
-              <a:rPr lang="de-de" sz="900" b="1" dirty="0">
+              <a:t>Standard | </a:t>
+            </a:r>
+            <a:r>
+              <a:rPr lang="en-US" sz="900" b="1" dirty="0">
                 <a:solidFill>
                   <a:schemeClr val="bg1"/>
                 </a:solidFill>
                 <a:latin typeface="Adobe Clean" panose="020B0503020404020204" pitchFamily="34" charset="0"/>
               </a:rPr>
-              <a:t>비즈니스</a:t>
-            </a:r>
-            <a:r>
-              <a:rPr lang="de-de" sz="900" dirty="0">
+              <a:t>Business</a:t>
+            </a:r>
+            <a:r>
+              <a:rPr lang="en-US" sz="900" dirty="0">
                 <a:solidFill>
                   <a:schemeClr val="bg1"/>
                 </a:solidFill>
                 <a:latin typeface="Adobe Clean Light" panose="020B0303020404020204" pitchFamily="34" charset="0"/>
               </a:rPr>
-              <a:t> | 엔터프라이즈 | 엘리트</a:t>
+              <a:t> | Enterprise | Elite</a:t>
             </a:r>
           </a:p>
           <a:p>
@@ -1937,13 +2197,13 @@
               </a:spcBef>
             </a:pPr>
             <a:r>
-              <a:rPr lang="de-de" sz="900" dirty="0">
+              <a:rPr lang="en-US" sz="900" dirty="0">
                 <a:solidFill>
                   <a:schemeClr val="bg1"/>
                 </a:solidFill>
                 <a:latin typeface="Adobe Clean SemiLight" panose="020B0403020404020204" pitchFamily="34" charset="0"/>
               </a:rPr>
-              <a:t>Adobe는 비즈니스를 지원하는 데 도움이 되는 포괄적인 기술 리소스를 제공합니다. Experience Cloud 라이선스 구독의 일부로 포함되며 비즈니스 지원 패키지에서 더욱 향상되었습니다. 비즈니스 지원에는 Adobe Experience League를 통한 개인 맞춤형 학습 경로 및 모니터링되는 커뮤니티 포럼 액세스가 포함됩니다. 또한 상세한 심층적 기술 제품 설명서 및 최신 릴리스 정보를 활용할 수도 있습니다. 비즈니스 고객은 또한 전화나 지원 웹 포털을 통해 제품 쿼리에 대한 기술 지원 팀의 서비스를 이용하여 가장 중요한 시기에 비즈니스를 보호할 수 있습니다. BUSINESS 고객은 가장 중요한 지원 요청에 대한 지원 사례 에스컬레이션 관리 외에도 계정 지원 리드로부터 정기적인 커뮤니케이션 및 업데이트를 받게 됩니다. </a:t>
+              <a:t>Adobe provides a comprehensive range of technical resources to help support your business, included as part of your Experience Cloud license subscription and enhanced in the BUSINESS support package. BUSINESS support includes access to personalized learning paths and monitored community forums via the Adobe Experience League. You can also take advantage of our detailed and in-depth technical product documentation and current release notes. BUSINESS customers also benefit from access to our technical support teams for any product query via either the telephone or the support web portal, to help protect your business at the most critical times. BUSINESS customers will receive regular communications and updates from their Account Support Lead in addition to support case escalation management for your most critical of support requests. </a:t>
             </a:r>
             <a:endParaRPr lang="en-US" sz="900" dirty="0">
               <a:solidFill>
@@ -2018,16 +2278,24 @@
               </a:spcBef>
             </a:pPr>
             <a:r>
-              <a:rPr lang="de-de" spc="-5" dirty="0"/>
-              <a:t>©2021 Adobe. All Rights Reserved. Adobe</a:t>
-            </a:r>
-            <a:r>
-              <a:rPr lang="de-de" spc="60" dirty="0"/>
+              <a:rPr spc="-5"/>
+              <a:t>©202</a:t>
+            </a:r>
+            <a:r>
+              <a:rPr lang="en-US" spc="-5"/>
+              <a:t>1</a:t>
+            </a:r>
+            <a:r>
+              <a:rPr spc="-5"/>
+              <a:t> Adobe. All Rights Reserved. Adobe</a:t>
+            </a:r>
+            <a:r>
+              <a:rPr spc="60"/>
               <a:t> </a:t>
             </a:r>
             <a:r>
-              <a:rPr lang="de-de" spc="-5" dirty="0"/>
-              <a:t>기밀.</a:t>
+              <a:rPr spc="-5"/>
+              <a:t>Confidential.</a:t>
             </a:r>
           </a:p>
         </p:txBody>
@@ -2041,14 +2309,14 @@
           <p:nvPr>
             <p:extLst>
               <p:ext uri="{D42A27DB-BD31-4B8C-83A1-F6EECF244321}">
-                <p14:modId xmlns:p14="http://schemas.microsoft.com/office/powerpoint/2010/main" val="366689513"/>
+                <p14:modId xmlns:p14="http://schemas.microsoft.com/office/powerpoint/2010/main" val="2485809364"/>
               </p:ext>
             </p:extLst>
           </p:nvPr>
         </p:nvGraphicFramePr>
         <p:xfrm>
-          <a:off x="121146" y="7475985"/>
-          <a:ext cx="7466799" cy="2088582"/>
+          <a:off x="118872" y="7475985"/>
+          <a:ext cx="7498851" cy="2223598"/>
         </p:xfrm>
         <a:graphic>
           <a:graphicData uri="http://schemas.openxmlformats.org/drawingml/2006/table">
@@ -2057,14 +2325,14 @@
                 <a:tableStyleId>{2D5ABB26-0587-4C30-8999-92F81FD0307C}</a:tableStyleId>
               </a:tblPr>
               <a:tblGrid>
-                <a:gridCol w="4698745">
+                <a:gridCol w="4698744">
                   <a:extLst>
                     <a:ext uri="{9D8B030D-6E8A-4147-A177-3AD203B41FA5}">
                       <a16:colId xmlns:a16="http://schemas.microsoft.com/office/drawing/2014/main" val="20000"/>
                     </a:ext>
                   </a:extLst>
                 </a:gridCol>
-                <a:gridCol w="1368000">
+                <a:gridCol w="1400053">
                   <a:extLst>
                     <a:ext uri="{9D8B030D-6E8A-4147-A177-3AD203B41FA5}">
                       <a16:colId xmlns:a16="http://schemas.microsoft.com/office/drawing/2014/main" val="20001"/>
@@ -2079,7 +2347,7 @@
                   </a:extLst>
                 </a:gridCol>
               </a:tblGrid>
-              <a:tr h="274318">
+              <a:tr h="291248">
                 <a:tc>
                   <a:txBody>
                     <a:bodyPr/>
@@ -2094,22 +2362,22 @@
                         </a:spcBef>
                       </a:pPr>
                       <a:r>
-                        <a:rPr lang="de-de" sz="900" spc="0" dirty="0">
+                        <a:rPr sz="900" spc="0">
                           <a:solidFill>
                             <a:srgbClr val="020302"/>
                           </a:solidFill>
                           <a:latin typeface="Adobe Clean"/>
                           <a:cs typeface="Adobe Clean"/>
                         </a:rPr>
-                        <a:t>우선 순위</a:t>
+                        <a:t>Priority</a:t>
                       </a:r>
-                      <a:endParaRPr sz="900" spc="0" dirty="0">
+                      <a:endParaRPr sz="900" spc="0">
                         <a:latin typeface="Adobe Clean"/>
                         <a:cs typeface="Adobe Clean"/>
                       </a:endParaRPr>
                     </a:p>
                   </a:txBody>
-                  <a:tcPr marL="0" marR="0" marT="0" marB="0" anchor="ctr">
+                  <a:tcPr marL="0" marR="0" marT="7620" marB="0">
                     <a:lnL w="3175">
                       <a:solidFill>
                         <a:srgbClr val="B7B8B8"/>
@@ -2144,24 +2412,33 @@
                     <a:bodyPr/>
                     <a:lstStyle/>
                     <a:p>
-                      <a:pPr marL="15875" indent="0" algn="ctr">
+                      <a:pPr marL="135255" algn="ctr">
                         <a:lnSpc>
                           <a:spcPct val="100000"/>
                         </a:lnSpc>
                         <a:spcBef>
                           <a:spcPts val="60"/>
                         </a:spcBef>
-                        <a:tabLst/>
                       </a:pPr>
                       <a:r>
-                        <a:rPr lang="de-de" sz="900" spc="0" dirty="0">
+                        <a:rPr lang="en-US" sz="900" spc="0" dirty="0">
                           <a:solidFill>
                             <a:srgbClr val="020302"/>
                           </a:solidFill>
                           <a:latin typeface="Adobe Clean"/>
                           <a:cs typeface="Adobe Clean"/>
                         </a:rPr>
-                        <a:t>온라인 지원</a:t>
+                        <a:t>Standard</a:t>
+                      </a:r>
+                      <a:r>
+                        <a:rPr sz="900" spc="0" dirty="0">
+                          <a:solidFill>
+                            <a:srgbClr val="020302"/>
+                          </a:solidFill>
+                          <a:latin typeface="Adobe Clean"/>
+                          <a:cs typeface="Adobe Clean"/>
+                        </a:rPr>
+                        <a:t> Support</a:t>
                       </a:r>
                       <a:endParaRPr sz="900" spc="0" dirty="0">
                         <a:latin typeface="Adobe Clean"/>
@@ -2169,7 +2446,7 @@
                       </a:endParaRPr>
                     </a:p>
                   </a:txBody>
-                  <a:tcPr marL="0" marR="0" marT="0" marB="0" anchor="ctr">
+                  <a:tcPr marL="182880" marT="91440" anchor="ctr">
                     <a:lnL w="3175">
                       <a:solidFill>
                         <a:srgbClr val="B7B8B8"/>
@@ -2204,32 +2481,51 @@
                     <a:bodyPr/>
                     <a:lstStyle/>
                     <a:p>
-                      <a:pPr marL="15875" indent="0" algn="ctr">
+                      <a:pPr marL="92710">
                         <a:lnSpc>
                           <a:spcPct val="100000"/>
                         </a:lnSpc>
                         <a:spcBef>
                           <a:spcPts val="60"/>
                         </a:spcBef>
-                        <a:tabLst/>
                       </a:pPr>
                       <a:r>
-                        <a:rPr lang="de-de" sz="900" spc="0" dirty="0">
+                        <a:rPr sz="900" spc="0">
                           <a:solidFill>
                             <a:srgbClr val="FFFFFF"/>
                           </a:solidFill>
                           <a:latin typeface="Adobe Clean"/>
                           <a:cs typeface="Adobe Clean"/>
                         </a:rPr>
-                        <a:t>비즈니스 지원</a:t>
+                        <a:t>Business</a:t>
                       </a:r>
-                      <a:endParaRPr sz="900" spc="0" dirty="0">
+                      <a:r>
+                        <a:rPr lang="en-US" sz="900" spc="0">
+                          <a:solidFill>
+                            <a:srgbClr val="FFFFFF"/>
+                          </a:solidFill>
+                          <a:latin typeface="Adobe Clean"/>
+                          <a:cs typeface="Adobe Clean"/>
+                        </a:rPr>
+                        <a:t> </a:t>
+                      </a:r>
+                      <a:r>
+                        <a:rPr sz="900" spc="0">
+                          <a:solidFill>
+                            <a:srgbClr val="FFFFFF"/>
+                          </a:solidFill>
+                          <a:latin typeface="Adobe Clean"/>
+                          <a:cs typeface="Adobe Clean"/>
+                        </a:rPr>
+                        <a:t>Support</a:t>
+                      </a:r>
+                      <a:endParaRPr sz="900" spc="0">
                         <a:latin typeface="Adobe Clean"/>
                         <a:cs typeface="Adobe Clean"/>
                       </a:endParaRPr>
                     </a:p>
                   </a:txBody>
-                  <a:tcPr marL="0" marR="0" marT="0" marB="0" anchor="ctr">
+                  <a:tcPr marL="182880" marT="91440" anchor="ctr">
                     <a:lnL w="3175">
                       <a:solidFill>
                         <a:srgbClr val="B7B8B8"/>
@@ -2265,7 +2561,7 @@
                   </a:ext>
                 </a:extLst>
               </a:tr>
-              <a:tr h="484755">
+              <a:tr h="514672">
                 <a:tc>
                   <a:txBody>
                     <a:bodyPr/>
@@ -2280,16 +2576,16 @@
                         </a:spcBef>
                       </a:pPr>
                       <a:r>
-                        <a:rPr lang="de-de" sz="900" b="1" spc="0" dirty="0">
+                        <a:rPr sz="900" b="1" spc="0">
                           <a:solidFill>
                             <a:srgbClr val="020302"/>
                           </a:solidFill>
                           <a:latin typeface="Adobe Clean"/>
                           <a:cs typeface="Adobe Clean"/>
                         </a:rPr>
-                        <a:t>우선 순위 1</a:t>
+                        <a:t>PRIORITY 1</a:t>
                       </a:r>
-                      <a:endParaRPr sz="900" spc="0" dirty="0">
+                      <a:endParaRPr sz="900" spc="0">
                         <a:latin typeface="Adobe Clean"/>
                         <a:cs typeface="Adobe Clean"/>
                       </a:endParaRPr>
@@ -2313,22 +2609,22 @@
                         <a:defRPr/>
                       </a:pPr>
                       <a:r>
-                        <a:rPr lang="de-de" sz="900" b="0" i="0" spc="0" dirty="0">
+                        <a:rPr lang="en-US" sz="900" b="0" i="0" spc="0">
                           <a:solidFill>
                             <a:srgbClr val="000000"/>
                           </a:solidFill>
                           <a:effectLst/>
                           <a:latin typeface="Adobe Clean Light" panose="020B0303020404020204" pitchFamily="34" charset="0"/>
                         </a:rPr>
-                        <a:t>고객의 생산 비즈니스 기능이 다운되었거나 심각한 데이터 손실 또는 서비스 저하가 발생했으며 기능 및 사용성을 복원하기 위해 즉각적인 주의가 필요합니다.</a:t>
+                        <a:t>Customer's production business functions are down or have significant data loss or service degradation and immediate attention is required to restore functionality and usability</a:t>
                       </a:r>
-                      <a:endParaRPr lang="en-US" sz="900" b="0" i="0" spc="0" dirty="0">
+                      <a:endParaRPr lang="en-US" sz="900" b="0" i="0" spc="0">
                         <a:latin typeface="Adobe Clean Light" panose="020B0303020404020204" pitchFamily="34" charset="0"/>
                         <a:cs typeface="AdobeClean-Light"/>
                       </a:endParaRPr>
                     </a:p>
                   </a:txBody>
-                  <a:tcPr marL="0" marR="0" marT="0" marB="0">
+                  <a:tcPr marL="0" marR="0" marT="3810" marB="0">
                     <a:lnL w="3175">
                       <a:solidFill>
                         <a:srgbClr val="B7B8B8"/>
@@ -2369,17 +2665,17 @@
                         </a:spcBef>
                       </a:pPr>
                       <a:r>
-                        <a:rPr lang="de-de" sz="900" spc="0" dirty="0">
+                        <a:rPr sz="900" spc="0">
                           <a:solidFill>
                             <a:srgbClr val="020302"/>
                           </a:solidFill>
                           <a:latin typeface="AdobeClean-Light"/>
                           <a:cs typeface="AdobeClean-Light"/>
                         </a:rPr>
-                        <a:t>24x7 /</a:t>
+                        <a:t>24x7</a:t>
                       </a:r>
                       <a:r>
-                        <a:rPr lang="de-DE" sz="900" spc="0" dirty="0">
+                        <a:rPr lang="en-US" sz="900" spc="0">
                           <a:solidFill>
                             <a:srgbClr val="020302"/>
                           </a:solidFill>
@@ -2389,22 +2685,42 @@
                         <a:t> </a:t>
                       </a:r>
                       <a:r>
-                        <a:rPr lang="de-de" sz="900" spc="0" dirty="0">
+                        <a:rPr sz="900" spc="0">
                           <a:solidFill>
                             <a:srgbClr val="020302"/>
                           </a:solidFill>
                           <a:latin typeface="AdobeClean-Light"/>
                           <a:cs typeface="AdobeClean-Light"/>
                         </a:rPr>
-                        <a:t>1시간</a:t>
+                        <a:t>/</a:t>
                       </a:r>
-                      <a:endParaRPr sz="900" spc="0" dirty="0">
+                      <a:r>
+                        <a:rPr lang="en-US" sz="900" spc="0">
+                          <a:solidFill>
+                            <a:srgbClr val="020302"/>
+                          </a:solidFill>
+                          <a:latin typeface="AdobeClean-Light"/>
+                          <a:cs typeface="AdobeClean-Light"/>
+                        </a:rPr>
+                        <a:t> </a:t>
+                      </a:r>
+                      <a:r>
+                        <a:rPr sz="900" spc="0">
+                          <a:solidFill>
+                            <a:srgbClr val="020302"/>
+                          </a:solidFill>
+                          <a:latin typeface="AdobeClean-Light"/>
+                          <a:cs typeface="AdobeClean-Light"/>
+                        </a:rPr>
+                        <a:t>1 hour</a:t>
+                      </a:r>
+                      <a:endParaRPr sz="900" spc="0">
                         <a:latin typeface="AdobeClean-Light"/>
                         <a:cs typeface="AdobeClean-Light"/>
                       </a:endParaRPr>
                     </a:p>
                   </a:txBody>
-                  <a:tcPr marL="0" marR="0" marT="0" marB="0" anchor="ctr">
+                  <a:tcPr marL="0" marR="0" marT="91440" marB="91440" anchor="ctr" anchorCtr="1">
                     <a:lnL w="3175">
                       <a:solidFill>
                         <a:srgbClr val="B7B8B8"/>
@@ -2445,17 +2761,17 @@
                         </a:spcBef>
                       </a:pPr>
                       <a:r>
-                        <a:rPr lang="de-de" sz="900" spc="0" dirty="0">
+                        <a:rPr sz="900" spc="0">
                           <a:solidFill>
                             <a:srgbClr val="020302"/>
                           </a:solidFill>
                           <a:latin typeface="AdobeClean-Light"/>
                           <a:cs typeface="AdobeClean-Light"/>
                         </a:rPr>
-                        <a:t>24x7 /</a:t>
+                        <a:t>24x7</a:t>
                       </a:r>
                       <a:r>
-                        <a:rPr lang="de-DE" sz="900" spc="0" dirty="0">
+                        <a:rPr lang="en-US" sz="900" spc="0">
                           <a:solidFill>
                             <a:srgbClr val="020302"/>
                           </a:solidFill>
@@ -2465,22 +2781,42 @@
                         <a:t> </a:t>
                       </a:r>
                       <a:r>
-                        <a:rPr lang="de-de" sz="900" spc="0" dirty="0">
+                        <a:rPr sz="900" spc="0">
                           <a:solidFill>
                             <a:srgbClr val="020302"/>
                           </a:solidFill>
                           <a:latin typeface="AdobeClean-Light"/>
                           <a:cs typeface="AdobeClean-Light"/>
                         </a:rPr>
-                        <a:t>1시간</a:t>
+                        <a:t>/</a:t>
                       </a:r>
-                      <a:endParaRPr sz="900" spc="0" dirty="0">
+                      <a:r>
+                        <a:rPr lang="en-US" sz="900" spc="0">
+                          <a:solidFill>
+                            <a:srgbClr val="020302"/>
+                          </a:solidFill>
+                          <a:latin typeface="AdobeClean-Light"/>
+                          <a:cs typeface="AdobeClean-Light"/>
+                        </a:rPr>
+                        <a:t> </a:t>
+                      </a:r>
+                      <a:r>
+                        <a:rPr sz="900" spc="0">
+                          <a:solidFill>
+                            <a:srgbClr val="020302"/>
+                          </a:solidFill>
+                          <a:latin typeface="AdobeClean-Light"/>
+                          <a:cs typeface="AdobeClean-Light"/>
+                        </a:rPr>
+                        <a:t>1 hour</a:t>
+                      </a:r>
+                      <a:endParaRPr sz="900" spc="0">
                         <a:latin typeface="AdobeClean-Light"/>
                         <a:cs typeface="AdobeClean-Light"/>
                       </a:endParaRPr>
                     </a:p>
                   </a:txBody>
-                  <a:tcPr marL="0" marR="0" marT="0" marB="0" anchor="ctr">
+                  <a:tcPr marL="0" marR="0" marT="91440" marB="91440" anchor="ctr" anchorCtr="1">
                     <a:lnL w="3175">
                       <a:solidFill>
                         <a:srgbClr val="B7B8B8"/>
@@ -2518,7 +2854,7 @@
                   </a:ext>
                 </a:extLst>
               </a:tr>
-              <a:tr h="484755">
+              <a:tr h="514672">
                 <a:tc>
                   <a:txBody>
                     <a:bodyPr/>
@@ -2533,16 +2869,16 @@
                         </a:spcBef>
                       </a:pPr>
                       <a:r>
-                        <a:rPr lang="de-de" sz="900" b="1" spc="0" dirty="0">
+                        <a:rPr sz="900" b="1" spc="0">
                           <a:solidFill>
                             <a:srgbClr val="020302"/>
                           </a:solidFill>
                           <a:latin typeface="Adobe Clean"/>
                           <a:cs typeface="Adobe Clean"/>
                         </a:rPr>
-                        <a:t>우선 순위 2</a:t>
+                        <a:t>PRIORITY 2</a:t>
                       </a:r>
-                      <a:endParaRPr sz="900" spc="0" dirty="0">
+                      <a:endParaRPr sz="900" spc="0">
                         <a:latin typeface="Adobe Clean"/>
                         <a:cs typeface="Adobe Clean"/>
                       </a:endParaRPr>
@@ -2557,22 +2893,22 @@
                         </a:spcBef>
                       </a:pPr>
                       <a:r>
-                        <a:rPr lang="de-de" sz="900" b="0" i="0" spc="0" dirty="0">
+                        <a:rPr lang="en-US" sz="900" b="0" i="0" spc="0">
                           <a:solidFill>
                             <a:srgbClr val="000000"/>
                           </a:solidFill>
                           <a:effectLst/>
                           <a:latin typeface="Adobe Clean Light" panose="020B0303020404020204" pitchFamily="34" charset="0"/>
                         </a:rPr>
-                        <a:t>고객의 비즈니스 기능에 심각한 서비스 저하 또는 잠재적인 데이터 손실이 있거나 주요 기능이 영향을 받습니다. </a:t>
+                        <a:t>Customer's business functions have major service degradation or potential data loss, or a major feature is impacted </a:t>
                       </a:r>
-                      <a:endParaRPr lang="en-US" sz="900" b="0" i="0" spc="0" dirty="0">
+                      <a:endParaRPr lang="en-US" sz="900" b="0" i="0" spc="0">
                         <a:latin typeface="Adobe Clean Light" panose="020B0303020404020204" pitchFamily="34" charset="0"/>
                         <a:cs typeface="AdobeClean-Light"/>
                       </a:endParaRPr>
                     </a:p>
                   </a:txBody>
-                  <a:tcPr marL="0" marR="0" marT="0" marB="0">
+                  <a:tcPr marL="0" marR="0" marT="3810" marB="0">
                     <a:lnL w="3175">
                       <a:solidFill>
                         <a:srgbClr val="B7B8B8"/>
@@ -2613,37 +2949,17 @@
                         </a:spcBef>
                       </a:pPr>
                       <a:r>
-                        <a:rPr lang="de-de" sz="900" spc="0" dirty="0">
+                        <a:rPr sz="900" spc="0">
                           <a:solidFill>
                             <a:srgbClr val="020302"/>
                           </a:solidFill>
                           <a:latin typeface="AdobeClean-Light"/>
                           <a:cs typeface="AdobeClean-Light"/>
                         </a:rPr>
-                        <a:t>업무 </a:t>
+                        <a:t>Business</a:t>
                       </a:r>
                       <a:r>
-                        <a:rPr lang="de-de" sz="900" spc="0" dirty="0" err="1">
-                          <a:solidFill>
-                            <a:srgbClr val="020302"/>
-                          </a:solidFill>
-                          <a:latin typeface="AdobeClean-Light"/>
-                          <a:cs typeface="AdobeClean-Light"/>
-                        </a:rPr>
-                        <a:t>시간</a:t>
-                      </a:r>
-                      <a:r>
-                        <a:rPr lang="de-de" sz="900" spc="0" dirty="0">
-                          <a:solidFill>
-                            <a:srgbClr val="020302"/>
-                          </a:solidFill>
-                          <a:latin typeface="AdobeClean-Light"/>
-                          <a:cs typeface="AdobeClean-Light"/>
-                        </a:rPr>
-                        <a:t> /</a:t>
-                      </a:r>
-                      <a:r>
-                        <a:rPr lang="de-DE" sz="900" spc="0" dirty="0">
+                        <a:rPr lang="en-US" sz="900" spc="0">
                           <a:solidFill>
                             <a:srgbClr val="020302"/>
                           </a:solidFill>
@@ -2653,22 +2969,62 @@
                         <a:t> </a:t>
                       </a:r>
                       <a:r>
-                        <a:rPr lang="de-de" sz="900" spc="0" dirty="0">
+                        <a:rPr sz="900" spc="0">
                           <a:solidFill>
                             <a:srgbClr val="020302"/>
                           </a:solidFill>
                           <a:latin typeface="AdobeClean-Light"/>
                           <a:cs typeface="AdobeClean-Light"/>
                         </a:rPr>
-                        <a:t>4시간</a:t>
+                        <a:t>hours</a:t>
                       </a:r>
-                      <a:endParaRPr sz="900" spc="0" dirty="0">
+                      <a:r>
+                        <a:rPr lang="en-US" sz="900" spc="0">
+                          <a:solidFill>
+                            <a:srgbClr val="020302"/>
+                          </a:solidFill>
+                          <a:latin typeface="AdobeClean-Light"/>
+                          <a:cs typeface="AdobeClean-Light"/>
+                        </a:rPr>
+                        <a:t> </a:t>
+                      </a:r>
+                      <a:r>
+                        <a:rPr sz="900" spc="0">
+                          <a:solidFill>
+                            <a:srgbClr val="020302"/>
+                          </a:solidFill>
+                          <a:latin typeface="AdobeClean-Light"/>
+                          <a:cs typeface="AdobeClean-Light"/>
+                        </a:rPr>
+                        <a:t>/</a:t>
+                      </a:r>
+                      <a:r>
+                        <a:rPr lang="en-US" sz="900" spc="0">
+                          <a:solidFill>
+                            <a:srgbClr val="020302"/>
+                          </a:solidFill>
+                          <a:latin typeface="AdobeClean-Light"/>
+                          <a:cs typeface="AdobeClean-Light"/>
+                        </a:rPr>
+                        <a:t> </a:t>
+                      </a:r>
+                      <a:r>
+                        <a:rPr sz="900" spc="0">
+                          <a:solidFill>
+                            <a:srgbClr val="020302"/>
+                          </a:solidFill>
+                          <a:latin typeface="AdobeClean-Light"/>
+                          <a:cs typeface="AdobeClean-Light"/>
+                        </a:rPr>
+                        <a:t>4 hours</a:t>
+                      </a:r>
+                      <a:endParaRPr sz="900" spc="0">
                         <a:latin typeface="AdobeClean-Light"/>
                         <a:cs typeface="AdobeClean-Light"/>
                       </a:endParaRPr>
                     </a:p>
                   </a:txBody>
-                  <a:tcPr marL="0" marR="0" marT="0" marB="0" anchor="ctr">
+                  <a:tcPr marL="0" marR="0" marT="91440" marB="91440" anchor="ctr" anchorCtr="1">
                     <a:lnL w="3175">
                       <a:solidFill>
                         <a:srgbClr val="B7B8B8"/>
@@ -2709,37 +3065,27 @@
                         </a:spcBef>
                       </a:pPr>
                       <a:r>
-                        <a:rPr lang="de-de" sz="900" spc="0" dirty="0">
+                        <a:rPr lang="en-US" sz="900" spc="0">
                           <a:solidFill>
                             <a:srgbClr val="020302"/>
                           </a:solidFill>
                           <a:latin typeface="AdobeClean-Light"/>
                           <a:cs typeface="AdobeClean-Light"/>
                         </a:rPr>
-                        <a:t>업무 </a:t>
+                        <a:t>    </a:t>
                       </a:r>
                       <a:r>
-                        <a:rPr lang="de-de" sz="900" spc="0" dirty="0" err="1">
+                        <a:rPr sz="900" spc="0">
                           <a:solidFill>
                             <a:srgbClr val="020302"/>
                           </a:solidFill>
                           <a:latin typeface="AdobeClean-Light"/>
                           <a:cs typeface="AdobeClean-Light"/>
                         </a:rPr>
-                        <a:t>시간</a:t>
+                        <a:t>Business</a:t>
                       </a:r>
                       <a:r>
-                        <a:rPr lang="de-de" sz="900" spc="0" dirty="0">
-                          <a:solidFill>
-                            <a:srgbClr val="020302"/>
-                          </a:solidFill>
-                          <a:latin typeface="AdobeClean-Light"/>
-                          <a:cs typeface="AdobeClean-Light"/>
-                        </a:rPr>
-                        <a:t> /</a:t>
-                      </a:r>
-                      <a:r>
-                        <a:rPr lang="de-DE" sz="900" spc="0" dirty="0">
+                        <a:rPr lang="en-US" sz="900" spc="0">
                           <a:solidFill>
                             <a:srgbClr val="020302"/>
                           </a:solidFill>
@@ -2749,22 +3095,62 @@
                         <a:t> </a:t>
                       </a:r>
                       <a:r>
-                        <a:rPr lang="de-de" sz="900" spc="0" dirty="0">
+                        <a:rPr sz="900" spc="0">
                           <a:solidFill>
                             <a:srgbClr val="020302"/>
                           </a:solidFill>
                           <a:latin typeface="AdobeClean-Light"/>
                           <a:cs typeface="AdobeClean-Light"/>
                         </a:rPr>
-                        <a:t>2시간</a:t>
+                        <a:t>hours</a:t>
                       </a:r>
-                      <a:endParaRPr sz="900" spc="0" dirty="0">
+                      <a:r>
+                        <a:rPr lang="en-US" sz="900" spc="0">
+                          <a:solidFill>
+                            <a:srgbClr val="020302"/>
+                          </a:solidFill>
+                          <a:latin typeface="AdobeClean-Light"/>
+                          <a:cs typeface="AdobeClean-Light"/>
+                        </a:rPr>
+                        <a:t> / </a:t>
+                      </a:r>
+                      <a:r>
+                        <a:rPr sz="900" spc="0">
+                          <a:solidFill>
+                            <a:srgbClr val="020302"/>
+                          </a:solidFill>
+                          <a:latin typeface="AdobeClean-Light"/>
+                          <a:cs typeface="AdobeClean-Light"/>
+                        </a:rPr>
+                        <a:t>2</a:t>
+                      </a:r>
+                      <a:r>
+                        <a:rPr lang="en-US" sz="900" spc="0">
+                          <a:solidFill>
+                            <a:srgbClr val="020302"/>
+                          </a:solidFill>
+                          <a:latin typeface="AdobeClean-Light"/>
+                          <a:cs typeface="AdobeClean-Light"/>
+                        </a:rPr>
+                        <a:t> </a:t>
+                      </a:r>
+                      <a:r>
+                        <a:rPr sz="900" spc="0">
+                          <a:solidFill>
+                            <a:srgbClr val="020302"/>
+                          </a:solidFill>
+                          <a:latin typeface="AdobeClean-Light"/>
+                          <a:cs typeface="AdobeClean-Light"/>
+                        </a:rPr>
+                        <a:t>hours</a:t>
+                      </a:r>
+                      <a:endParaRPr sz="900" spc="0">
                         <a:latin typeface="AdobeClean-Light"/>
                         <a:cs typeface="AdobeClean-Light"/>
                       </a:endParaRPr>
                     </a:p>
                   </a:txBody>
-                  <a:tcPr marL="0" marR="0" marT="0" marB="0" anchor="ctr">
+                  <a:tcPr marL="0" marR="0" marT="91440" marB="91440" anchor="ctr" anchorCtr="1">
                     <a:lnL w="3175">
                       <a:solidFill>
                         <a:srgbClr val="B7B8B8"/>
@@ -2802,7 +3188,7 @@
                   </a:ext>
                 </a:extLst>
               </a:tr>
-              <a:tr h="484756">
+              <a:tr h="514673">
                 <a:tc>
                   <a:txBody>
                     <a:bodyPr/>
@@ -2817,16 +3203,16 @@
                         </a:spcBef>
                       </a:pPr>
                       <a:r>
-                        <a:rPr lang="de-de" sz="900" b="1" spc="0" dirty="0">
+                        <a:rPr sz="900" b="1" spc="0">
                           <a:solidFill>
                             <a:srgbClr val="020302"/>
                           </a:solidFill>
                           <a:latin typeface="Adobe Clean"/>
                           <a:cs typeface="Adobe Clean"/>
                         </a:rPr>
-                        <a:t>우선 순위 3</a:t>
+                        <a:t>PRIORITY 3</a:t>
                       </a:r>
-                      <a:endParaRPr sz="900" spc="0" dirty="0">
+                      <a:endParaRPr sz="900" spc="0">
                         <a:latin typeface="Adobe Clean"/>
                         <a:cs typeface="Adobe Clean"/>
                       </a:endParaRPr>
@@ -2841,7 +3227,7 @@
                         </a:spcBef>
                       </a:pPr>
                       <a:r>
-                        <a:rPr kumimoji="0" lang="de-de" sz="900" b="0" i="0" u="none" strike="noStrike" kern="1200" cap="none" spc="0" normalizeH="0" baseline="0" noProof="0" dirty="0">
+                        <a:rPr kumimoji="0" lang="en-US" sz="900" b="0" i="0" u="none" strike="noStrike" kern="1200" cap="none" spc="0" normalizeH="0" baseline="0" noProof="0">
                           <a:ln>
                             <a:noFill/>
                           </a:ln>
@@ -2855,15 +3241,15 @@
                           <a:ea typeface="+mn-ea"/>
                           <a:cs typeface="+mn-cs"/>
                         </a:rPr>
-                        <a:t>고객의 비즈니스 기능에 약간의 서비스 저하가 있지만 비즈니스 기능을 계속할 수 있게 하는 솔루션/해결 방법이 있습니다. </a:t>
+                        <a:t>Customer's business functions have minor service degradation but there exists a solution/workaround allowing business functions to continue </a:t>
                       </a:r>
-                      <a:endParaRPr lang="en-US" sz="900" b="0" i="0" spc="0" dirty="0">
+                      <a:endParaRPr lang="en-US" sz="900" b="0" i="0" spc="0">
                         <a:latin typeface="Adobe Clean Light" panose="020B0303020404020204" pitchFamily="34" charset="0"/>
                         <a:cs typeface="AdobeClean-Light"/>
                       </a:endParaRPr>
                     </a:p>
                   </a:txBody>
-                  <a:tcPr marL="0" marR="0" marT="0" marB="0">
+                  <a:tcPr marL="0" marR="0" marT="3810" marB="0">
                     <a:lnL w="3175">
                       <a:solidFill>
                         <a:srgbClr val="B7B8B8"/>
@@ -2904,37 +3290,27 @@
                         </a:spcBef>
                       </a:pPr>
                       <a:r>
-                        <a:rPr lang="de-de" sz="900" spc="0" dirty="0">
+                        <a:rPr lang="en-US" sz="900" spc="0">
                           <a:solidFill>
                             <a:srgbClr val="020302"/>
                           </a:solidFill>
                           <a:latin typeface="AdobeClean-Light"/>
                           <a:cs typeface="AdobeClean-Light"/>
                         </a:rPr>
-                        <a:t>업무 </a:t>
+                        <a:t>   </a:t>
                       </a:r>
                       <a:r>
-                        <a:rPr lang="de-de" sz="900" spc="0" dirty="0" err="1">
+                        <a:rPr sz="900" spc="0">
                           <a:solidFill>
                             <a:srgbClr val="020302"/>
                           </a:solidFill>
                           <a:latin typeface="AdobeClean-Light"/>
                           <a:cs typeface="AdobeClean-Light"/>
                         </a:rPr>
-                        <a:t>시간</a:t>
+                        <a:t>Business</a:t>
                       </a:r>
                       <a:r>
-                        <a:rPr lang="de-de" sz="900" spc="0" dirty="0">
-                          <a:solidFill>
-                            <a:srgbClr val="020302"/>
-                          </a:solidFill>
-                          <a:latin typeface="AdobeClean-Light"/>
-                          <a:cs typeface="AdobeClean-Light"/>
-                        </a:rPr>
-                        <a:t> /</a:t>
-                      </a:r>
-                      <a:r>
-                        <a:rPr lang="de-DE" sz="900" spc="0" dirty="0">
+                        <a:rPr lang="en-US" sz="900" spc="0">
                           <a:solidFill>
                             <a:srgbClr val="020302"/>
                           </a:solidFill>
@@ -2944,22 +3320,62 @@
                         <a:t> </a:t>
                       </a:r>
                       <a:r>
-                        <a:rPr lang="de-de" sz="900" spc="0" dirty="0">
+                        <a:rPr sz="900" spc="0">
                           <a:solidFill>
                             <a:srgbClr val="020302"/>
                           </a:solidFill>
                           <a:latin typeface="AdobeClean-Light"/>
                           <a:cs typeface="AdobeClean-Light"/>
                         </a:rPr>
-                        <a:t>6시간</a:t>
+                        <a:t>hours</a:t>
                       </a:r>
-                      <a:endParaRPr sz="900" spc="0" dirty="0">
+                      <a:r>
+                        <a:rPr lang="en-US" sz="900" spc="0">
+                          <a:solidFill>
+                            <a:srgbClr val="020302"/>
+                          </a:solidFill>
+                          <a:latin typeface="AdobeClean-Light"/>
+                          <a:cs typeface="AdobeClean-Light"/>
+                        </a:rPr>
+                        <a:t> / </a:t>
+                      </a:r>
+                      <a:r>
+                        <a:rPr sz="900" spc="0">
+                          <a:solidFill>
+                            <a:srgbClr val="020302"/>
+                          </a:solidFill>
+                          <a:latin typeface="AdobeClean-Light"/>
+                          <a:cs typeface="AdobeClean-Light"/>
+                        </a:rPr>
+                        <a:t>6</a:t>
+                      </a:r>
+                      <a:r>
+                        <a:rPr lang="en-US" sz="900" spc="0">
+                          <a:solidFill>
+                            <a:srgbClr val="020302"/>
+                          </a:solidFill>
+                          <a:latin typeface="AdobeClean-Light"/>
+                          <a:cs typeface="AdobeClean-Light"/>
+                        </a:rPr>
+                        <a:t> </a:t>
+                      </a:r>
+                      <a:r>
+                        <a:rPr sz="900" spc="0">
+                          <a:solidFill>
+                            <a:srgbClr val="020302"/>
+                          </a:solidFill>
+                          <a:latin typeface="AdobeClean-Light"/>
+                          <a:cs typeface="AdobeClean-Light"/>
+                        </a:rPr>
+                        <a:t>hours</a:t>
+                      </a:r>
+                      <a:endParaRPr sz="900" spc="0">
                         <a:latin typeface="AdobeClean-Light"/>
                         <a:cs typeface="AdobeClean-Light"/>
                       </a:endParaRPr>
                     </a:p>
                   </a:txBody>
-                  <a:tcPr marL="0" marR="0" marT="0" marB="0" anchor="ctr">
+                  <a:tcPr marL="0" marR="0" marT="91440" marB="91440" anchor="ctr" anchorCtr="1">
                     <a:lnL w="3175">
                       <a:solidFill>
                         <a:srgbClr val="B7B8B8"/>
@@ -3000,37 +3416,17 @@
                         </a:spcBef>
                       </a:pPr>
                       <a:r>
-                        <a:rPr lang="de-de" sz="900" spc="0" dirty="0">
+                        <a:rPr sz="900" spc="0">
                           <a:solidFill>
                             <a:srgbClr val="020302"/>
                           </a:solidFill>
                           <a:latin typeface="AdobeClean-Light"/>
                           <a:cs typeface="AdobeClean-Light"/>
                         </a:rPr>
-                        <a:t>업무 </a:t>
+                        <a:t>Business</a:t>
                       </a:r>
                       <a:r>
-                        <a:rPr lang="de-de" sz="900" spc="0" dirty="0" err="1">
-                          <a:solidFill>
-                            <a:srgbClr val="020302"/>
-                          </a:solidFill>
-                          <a:latin typeface="AdobeClean-Light"/>
-                          <a:cs typeface="AdobeClean-Light"/>
-                        </a:rPr>
-                        <a:t>시간</a:t>
-                      </a:r>
-                      <a:r>
-                        <a:rPr lang="de-de" sz="900" spc="0" dirty="0">
-                          <a:solidFill>
-                            <a:srgbClr val="020302"/>
-                          </a:solidFill>
-                          <a:latin typeface="AdobeClean-Light"/>
-                          <a:cs typeface="AdobeClean-Light"/>
-                        </a:rPr>
-                        <a:t> /</a:t>
-                      </a:r>
-                      <a:r>
-                        <a:rPr lang="de-DE" sz="900" spc="0" dirty="0">
+                        <a:rPr lang="en-US" sz="900" spc="0">
                           <a:solidFill>
                             <a:srgbClr val="020302"/>
                           </a:solidFill>
@@ -3040,22 +3436,62 @@
                         <a:t> </a:t>
                       </a:r>
                       <a:r>
-                        <a:rPr lang="de-de" sz="900" spc="0" dirty="0">
+                        <a:rPr sz="900" spc="0">
                           <a:solidFill>
                             <a:srgbClr val="020302"/>
                           </a:solidFill>
                           <a:latin typeface="AdobeClean-Light"/>
                           <a:cs typeface="AdobeClean-Light"/>
                         </a:rPr>
-                        <a:t>4시간</a:t>
+                        <a:t>hours</a:t>
                       </a:r>
-                      <a:endParaRPr sz="900" spc="0" dirty="0">
+                      <a:r>
+                        <a:rPr lang="en-US" sz="900" spc="0">
+                          <a:solidFill>
+                            <a:srgbClr val="020302"/>
+                          </a:solidFill>
+                          <a:latin typeface="AdobeClean-Light"/>
+                          <a:cs typeface="AdobeClean-Light"/>
+                        </a:rPr>
+                        <a:t> </a:t>
+                      </a:r>
+                      <a:r>
+                        <a:rPr sz="900" spc="0">
+                          <a:solidFill>
+                            <a:srgbClr val="020302"/>
+                          </a:solidFill>
+                          <a:latin typeface="AdobeClean-Light"/>
+                          <a:cs typeface="AdobeClean-Light"/>
+                        </a:rPr>
+                        <a:t>/ 4</a:t>
+                      </a:r>
+                      <a:r>
+                        <a:rPr lang="en-US" sz="900" spc="0">
+                          <a:solidFill>
+                            <a:srgbClr val="020302"/>
+                          </a:solidFill>
+                          <a:latin typeface="AdobeClean-Light"/>
+                          <a:cs typeface="AdobeClean-Light"/>
+                        </a:rPr>
+                        <a:t> </a:t>
+                      </a:r>
+                      <a:r>
+                        <a:rPr sz="900" spc="0">
+                          <a:solidFill>
+                            <a:srgbClr val="020302"/>
+                          </a:solidFill>
+                          <a:latin typeface="AdobeClean-Light"/>
+                          <a:cs typeface="AdobeClean-Light"/>
+                        </a:rPr>
+                        <a:t>hours</a:t>
+                      </a:r>
+                      <a:endParaRPr sz="900" spc="0">
                         <a:latin typeface="AdobeClean-Light"/>
                         <a:cs typeface="AdobeClean-Light"/>
                       </a:endParaRPr>
                     </a:p>
                   </a:txBody>
-                  <a:tcPr marL="0" marR="0" marT="0" marB="0" anchor="ctr">
+                  <a:tcPr marL="0" marR="0" marT="91440" marB="91440" anchor="ctr" anchorCtr="1">
                     <a:lnL w="3175">
                       <a:solidFill>
                         <a:srgbClr val="B7B8B8"/>
@@ -3093,7 +3529,7 @@
                   </a:ext>
                 </a:extLst>
               </a:tr>
-              <a:tr h="359998">
+              <a:tr h="388333">
                 <a:tc>
                   <a:txBody>
                     <a:bodyPr/>
@@ -3108,16 +3544,16 @@
                         </a:spcBef>
                       </a:pPr>
                       <a:r>
-                        <a:rPr lang="de-de" sz="900" b="1" spc="0" dirty="0">
+                        <a:rPr sz="900" b="1" spc="0">
                           <a:solidFill>
                             <a:srgbClr val="020302"/>
                           </a:solidFill>
                           <a:latin typeface="Adobe Clean"/>
                           <a:cs typeface="Adobe Clean"/>
                         </a:rPr>
-                        <a:t>우선 순위 4</a:t>
+                        <a:t>PRIORITY 4</a:t>
                       </a:r>
-                      <a:endParaRPr sz="900" spc="0" dirty="0">
+                      <a:endParaRPr sz="900" spc="0">
                         <a:latin typeface="Adobe Clean"/>
                         <a:cs typeface="Adobe Clean"/>
                       </a:endParaRPr>
@@ -3141,22 +3577,22 @@
                         <a:defRPr/>
                       </a:pPr>
                       <a:r>
-                        <a:rPr lang="de-de" sz="900" b="0" i="0" spc="0" dirty="0">
+                        <a:rPr lang="en-US" sz="900" b="0" i="0" spc="0">
                           <a:solidFill>
                             <a:srgbClr val="000000"/>
                           </a:solidFill>
                           <a:effectLst/>
                           <a:latin typeface="Adobe Clean Light" panose="020B0303020404020204" pitchFamily="34" charset="0"/>
                         </a:rPr>
-                        <a:t>현재 제품 기능에 관한 일반적인 질문 또는 개선 요청입니다.</a:t>
+                        <a:t>General question regarding current product functionality or an enhancement request</a:t>
                       </a:r>
-                      <a:endParaRPr lang="en-US" sz="900" b="0" i="0" spc="0" dirty="0">
+                      <a:endParaRPr lang="en-US" sz="900" b="0" i="0" spc="0">
                         <a:latin typeface="Adobe Clean Light" panose="020B0303020404020204" pitchFamily="34" charset="0"/>
                         <a:cs typeface="AdobeClean-Light"/>
                       </a:endParaRPr>
                     </a:p>
                   </a:txBody>
-                  <a:tcPr marL="0" marR="0" marT="0" marB="0">
+                  <a:tcPr marL="0" marR="0" marT="1905" marB="0">
                     <a:lnL w="3175">
                       <a:solidFill>
                         <a:srgbClr val="B7B8B8"/>
@@ -3197,27 +3633,27 @@
                         </a:spcBef>
                       </a:pPr>
                       <a:r>
-                        <a:rPr lang="de-de" sz="900" spc="0" dirty="0" err="1">
+                        <a:rPr lang="en-US" sz="900" spc="0">
                           <a:solidFill>
                             <a:srgbClr val="020302"/>
                           </a:solidFill>
                           <a:latin typeface="AdobeClean-Light"/>
                           <a:cs typeface="AdobeClean-Light"/>
                         </a:rPr>
-                        <a:t>업무일</a:t>
+                        <a:t>  </a:t>
                       </a:r>
                       <a:r>
-                        <a:rPr lang="de-de" sz="900" spc="0" dirty="0">
+                        <a:rPr sz="900" spc="0">
                           <a:solidFill>
                             <a:srgbClr val="020302"/>
                           </a:solidFill>
                           <a:latin typeface="AdobeClean-Light"/>
                           <a:cs typeface="AdobeClean-Light"/>
                         </a:rPr>
-                        <a:t> /</a:t>
+                        <a:t>Business</a:t>
                       </a:r>
                       <a:r>
-                        <a:rPr lang="de-DE" sz="900" spc="0" dirty="0">
+                        <a:rPr lang="en-US" sz="900" spc="0">
                           <a:solidFill>
                             <a:srgbClr val="020302"/>
                           </a:solidFill>
@@ -3227,22 +3663,42 @@
                         <a:t> </a:t>
                       </a:r>
                       <a:r>
-                        <a:rPr lang="de-de" sz="900" spc="0" dirty="0">
+                        <a:rPr sz="900" spc="0">
                           <a:solidFill>
                             <a:srgbClr val="020302"/>
                           </a:solidFill>
                           <a:latin typeface="AdobeClean-Light"/>
                           <a:cs typeface="AdobeClean-Light"/>
                         </a:rPr>
-                        <a:t>3일</a:t>
+                        <a:t>days</a:t>
                       </a:r>
-                      <a:endParaRPr sz="900" spc="0" dirty="0">
+                      <a:r>
+                        <a:rPr lang="en-US" sz="900" spc="0">
+                          <a:solidFill>
+                            <a:srgbClr val="020302"/>
+                          </a:solidFill>
+                          <a:latin typeface="AdobeClean-Light"/>
+                          <a:cs typeface="AdobeClean-Light"/>
+                        </a:rPr>
+                        <a:t> / </a:t>
+                      </a:r>
+                      <a:r>
+                        <a:rPr sz="900" spc="0">
+                          <a:solidFill>
+                            <a:srgbClr val="020302"/>
+                          </a:solidFill>
+                          <a:latin typeface="AdobeClean-Light"/>
+                          <a:cs typeface="AdobeClean-Light"/>
+                        </a:rPr>
+                        <a:t>3 days</a:t>
+                      </a:r>
+                      <a:endParaRPr sz="900" spc="0">
                         <a:latin typeface="AdobeClean-Light"/>
                         <a:cs typeface="AdobeClean-Light"/>
                       </a:endParaRPr>
                     </a:p>
                   </a:txBody>
-                  <a:tcPr marL="0" marR="0" marT="0" marB="0" anchor="ctr">
+                  <a:tcPr marL="0" marR="0" marT="91440" marB="91440" anchor="ctr" anchorCtr="1">
                     <a:lnL w="3175">
                       <a:solidFill>
                         <a:srgbClr val="B7B8B8"/>
@@ -3283,27 +3739,17 @@
                         </a:spcBef>
                       </a:pPr>
                       <a:r>
-                        <a:rPr lang="de-de" sz="900" spc="0" dirty="0" err="1">
+                        <a:rPr sz="900" spc="0" dirty="0">
                           <a:solidFill>
                             <a:srgbClr val="020302"/>
                           </a:solidFill>
                           <a:latin typeface="AdobeClean-Light"/>
                           <a:cs typeface="AdobeClean-Light"/>
                         </a:rPr>
-                        <a:t>업무일</a:t>
+                        <a:t>Business</a:t>
                       </a:r>
                       <a:r>
-                        <a:rPr lang="de-de" sz="900" spc="0" dirty="0">
-                          <a:solidFill>
-                            <a:srgbClr val="020302"/>
-                          </a:solidFill>
-                          <a:latin typeface="AdobeClean-Light"/>
-                          <a:cs typeface="AdobeClean-Light"/>
-                        </a:rPr>
-                        <a:t> /</a:t>
-                      </a:r>
-                      <a:r>
-                        <a:rPr lang="pl-PL" sz="900" spc="0" dirty="0">
+                        <a:rPr lang="en-US" sz="900" spc="0" dirty="0">
                           <a:solidFill>
                             <a:srgbClr val="020302"/>
                           </a:solidFill>
@@ -3313,14 +3759,54 @@
                         <a:t> </a:t>
                       </a:r>
                       <a:r>
-                        <a:rPr lang="de-de" sz="900" spc="0" dirty="0">
+                        <a:rPr sz="900" spc="0" dirty="0">
                           <a:solidFill>
                             <a:srgbClr val="020302"/>
                           </a:solidFill>
                           <a:latin typeface="AdobeClean-Light"/>
                           <a:cs typeface="AdobeClean-Light"/>
                         </a:rPr>
-                        <a:t>1일</a:t>
+                        <a:t>day</a:t>
+                      </a:r>
+                      <a:r>
+                        <a:rPr lang="en-US" sz="900" spc="0" dirty="0">
+                          <a:solidFill>
+                            <a:srgbClr val="020302"/>
+                          </a:solidFill>
+                          <a:latin typeface="AdobeClean-Light"/>
+                          <a:cs typeface="AdobeClean-Light"/>
+                        </a:rPr>
+                        <a:t>s </a:t>
+                      </a:r>
+                      <a:r>
+                        <a:rPr sz="900" spc="0" dirty="0">
+                          <a:solidFill>
+                            <a:srgbClr val="020302"/>
+                          </a:solidFill>
+                          <a:latin typeface="AdobeClean-Light"/>
+                          <a:cs typeface="AdobeClean-Light"/>
+                        </a:rPr>
+                        <a:t>/</a:t>
+                      </a:r>
+                      <a:r>
+                        <a:rPr lang="en-US" sz="900" spc="0" dirty="0">
+                          <a:solidFill>
+                            <a:srgbClr val="020302"/>
+                          </a:solidFill>
+                          <a:latin typeface="AdobeClean-Light"/>
+                          <a:cs typeface="AdobeClean-Light"/>
+                        </a:rPr>
+                        <a:t> </a:t>
+                      </a:r>
+                      <a:r>
+                        <a:rPr sz="900" spc="0" dirty="0">
+                          <a:solidFill>
+                            <a:srgbClr val="020302"/>
+                          </a:solidFill>
+                          <a:latin typeface="AdobeClean-Light"/>
+                          <a:cs typeface="AdobeClean-Light"/>
+                        </a:rPr>
+                        <a:t>1 day</a:t>
                       </a:r>
                       <a:endParaRPr sz="900" spc="0" dirty="0">
                         <a:latin typeface="AdobeClean-Light"/>
@@ -3328,7 +3814,7 @@
                       </a:endParaRPr>
                     </a:p>
                   </a:txBody>
-                  <a:tcPr marL="0" marR="0" marT="0" marB="0" anchor="ctr">
+                  <a:tcPr marL="0" marR="0" marT="91440" marB="91440" anchor="ctr" anchorCtr="1">
                     <a:lnL w="3175">
                       <a:solidFill>
                         <a:srgbClr val="B7B8B8"/>
@@ -3385,7 +3871,7 @@
           <p:nvPr>
             <p:extLst>
               <p:ext uri="{D42A27DB-BD31-4B8C-83A1-F6EECF244321}">
-                <p14:modId xmlns:p14="http://schemas.microsoft.com/office/powerpoint/2010/main" val="116851390"/>
+                <p14:modId xmlns:p14="http://schemas.microsoft.com/office/powerpoint/2010/main" val="1162910209"/>
               </p:ext>
             </p:extLst>
           </p:nvPr>
@@ -3436,7 +3922,7 @@
                     <a:bodyPr/>
                     <a:lstStyle/>
                     <a:p>
-                      <a:endParaRPr lang="en-US" dirty="0"/>
+                      <a:endParaRPr lang="en-US"/>
                     </a:p>
                   </a:txBody>
                   <a:tcPr/>
@@ -3474,17 +3960,17 @@
                         <a:defRPr/>
                       </a:pPr>
                       <a:r>
-                        <a:rPr lang="de-de" sz="900" spc="-20" dirty="0">
+                        <a:rPr lang="en-US" sz="900" spc="-20" dirty="0">
                           <a:solidFill>
                             <a:srgbClr val="404040"/>
                           </a:solidFill>
                           <a:latin typeface="Adobe Clean"/>
                           <a:cs typeface="Adobe Clean"/>
                         </a:rPr>
-                        <a:t>온라인 </a:t>
+                        <a:t>Standard </a:t>
                       </a:r>
                       <a:r>
-                        <a:rPr lang="de-de" sz="900" spc="-135" dirty="0">
+                        <a:rPr lang="en-US" sz="900" spc="-135" dirty="0">
                           <a:solidFill>
                             <a:srgbClr val="404040"/>
                           </a:solidFill>
@@ -3494,14 +3980,14 @@
                         <a:t> </a:t>
                       </a:r>
                       <a:r>
-                        <a:rPr lang="de-de" sz="900" spc="-20" dirty="0">
+                        <a:rPr lang="en-US" sz="900" spc="-20" dirty="0">
                           <a:solidFill>
                             <a:srgbClr val="404040"/>
                           </a:solidFill>
                           <a:latin typeface="Adobe Clean"/>
                           <a:cs typeface="Adobe Clean"/>
                         </a:rPr>
-                        <a:t>지원</a:t>
+                        <a:t>Support</a:t>
                       </a:r>
                       <a:endParaRPr lang="en-US" sz="900" dirty="0">
                         <a:latin typeface="Adobe Clean"/>
@@ -3547,16 +4033,36 @@
                         </a:spcBef>
                       </a:pPr>
                       <a:r>
-                        <a:rPr lang="de-de" sz="900" spc="-20" dirty="0">
+                        <a:rPr sz="900" spc="-20">
                           <a:solidFill>
                             <a:srgbClr val="FFFFFF"/>
                           </a:solidFill>
                           <a:latin typeface="Adobe Clean"/>
                           <a:cs typeface="Adobe Clean"/>
                         </a:rPr>
-                        <a:t>비즈니스 지원</a:t>
+                        <a:t>Business</a:t>
                       </a:r>
-                      <a:endParaRPr sz="900" dirty="0">
+                      <a:r>
+                        <a:rPr lang="en-US" sz="900" spc="-20">
+                          <a:solidFill>
+                            <a:srgbClr val="FFFFFF"/>
+                          </a:solidFill>
+                          <a:latin typeface="Adobe Clean"/>
+                          <a:cs typeface="Adobe Clean"/>
+                        </a:rPr>
+                        <a:t> </a:t>
+                      </a:r>
+                      <a:r>
+                        <a:rPr sz="900" spc="-20">
+                          <a:solidFill>
+                            <a:srgbClr val="FFFFFF"/>
+                          </a:solidFill>
+                          <a:latin typeface="Adobe Clean"/>
+                          <a:cs typeface="Adobe Clean"/>
+                        </a:rPr>
+                        <a:t>Support</a:t>
+                      </a:r>
+                      <a:endParaRPr sz="900">
                         <a:latin typeface="Adobe Clean"/>
                         <a:cs typeface="Adobe Clean"/>
                       </a:endParaRPr>
@@ -3604,7 +4110,7 @@
                     <a:bodyPr/>
                     <a:lstStyle/>
                     <a:p>
-                      <a:endParaRPr lang="en-US" dirty="0"/>
+                      <a:endParaRPr lang="en-US"/>
                     </a:p>
                   </a:txBody>
                   <a:tcPr/>
@@ -3641,7 +4147,7 @@
                         <a:tabLst/>
                         <a:defRPr/>
                       </a:pPr>
-                      <a:endParaRPr lang="en-US" sz="800" i="1" dirty="0">
+                      <a:endParaRPr lang="en-US" sz="800" i="1">
                         <a:solidFill>
                           <a:sysClr val="windowText" lastClr="000000"/>
                         </a:solidFill>
@@ -3705,13 +4211,13 @@
                         <a:defRPr/>
                       </a:pPr>
                       <a:r>
-                        <a:rPr lang="de-de" sz="800" i="1" dirty="0">
+                        <a:rPr lang="en-US" sz="800" i="1">
                           <a:solidFill>
                             <a:schemeClr val="bg1"/>
                           </a:solidFill>
                           <a:latin typeface="Adobe Clean Light" panose="020B0303020404020204" pitchFamily="34" charset="0"/>
                         </a:rPr>
-                        <a:t>유료 지원($)</a:t>
+                        <a:t>Paid Support ($)</a:t>
                       </a:r>
                     </a:p>
                   </a:txBody>
@@ -3775,16 +4281,16 @@
                         </a:spcBef>
                       </a:pPr>
                       <a:r>
-                        <a:rPr lang="de-de" sz="1000" b="1" i="0" spc="0" dirty="0">
+                        <a:rPr lang="en-US" sz="1000" b="1" i="0" spc="0">
                           <a:solidFill>
                             <a:schemeClr val="bg1"/>
                           </a:solidFill>
                           <a:latin typeface="Adobe Clean" panose="020B0503020404020204" pitchFamily="34" charset="0"/>
                           <a:cs typeface="AdobeClean-Light"/>
                         </a:rPr>
-                        <a:t>할당된 전문가</a:t>
+                        <a:t>Assigned Experts</a:t>
                       </a:r>
-                      <a:endParaRPr sz="1000" b="1" i="0" spc="0" dirty="0">
+                      <a:endParaRPr sz="1000" b="1" i="0" spc="0">
                         <a:solidFill>
                           <a:schemeClr val="bg1"/>
                         </a:solidFill>
@@ -3837,16 +4343,16 @@
                         </a:spcBef>
                       </a:pPr>
                       <a:r>
-                        <a:rPr lang="de-de" sz="900" spc="0" dirty="0">
+                        <a:rPr sz="900" spc="0">
                           <a:solidFill>
                             <a:srgbClr val="020302"/>
                           </a:solidFill>
                           <a:latin typeface="AdobeClean-Light"/>
                           <a:cs typeface="AdobeClean-Light"/>
                         </a:rPr>
-                        <a:t>계정 지원 리드</a:t>
+                        <a:t>Account Support Lead</a:t>
                       </a:r>
-                      <a:endParaRPr sz="900" spc="0" dirty="0">
+                      <a:endParaRPr sz="900" spc="0">
                         <a:latin typeface="AdobeClean-Light"/>
                         <a:cs typeface="AdobeClean-Light"/>
                       </a:endParaRPr>
@@ -3892,7 +4398,7 @@
                           <a:spcPts val="470"/>
                         </a:spcBef>
                       </a:pPr>
-                      <a:endParaRPr sz="900" dirty="0">
+                      <a:endParaRPr sz="900">
                         <a:latin typeface="Wingdings"/>
                         <a:cs typeface="Wingdings"/>
                       </a:endParaRPr>
@@ -3934,7 +4440,7 @@
                         </a:spcBef>
                       </a:pPr>
                       <a:r>
-                        <a:rPr lang="de-de" sz="900" dirty="0">
+                        <a:rPr sz="900">
                           <a:solidFill>
                             <a:srgbClr val="020302"/>
                           </a:solidFill>
@@ -3943,7 +4449,7 @@
                         </a:rPr>
                         <a:t></a:t>
                       </a:r>
-                      <a:endParaRPr sz="900" dirty="0">
+                      <a:endParaRPr sz="900">
                         <a:latin typeface="Wingdings"/>
                         <a:cs typeface="Wingdings"/>
                       </a:endParaRPr>
@@ -3986,7 +4492,7 @@
                           <a:spcPts val="459"/>
                         </a:spcBef>
                       </a:pPr>
-                      <a:endParaRPr sz="900" dirty="0">
+                      <a:endParaRPr sz="900">
                         <a:latin typeface="AdobeClean-Light"/>
                         <a:cs typeface="AdobeClean-Light"/>
                       </a:endParaRPr>
@@ -4024,16 +4530,16 @@
                         </a:spcBef>
                       </a:pPr>
                       <a:r>
-                        <a:rPr lang="de-de" sz="900" spc="0" dirty="0">
+                        <a:rPr sz="900" spc="0">
                           <a:solidFill>
                             <a:srgbClr val="020302"/>
                           </a:solidFill>
                           <a:latin typeface="AdobeClean-Light"/>
                           <a:cs typeface="AdobeClean-Light"/>
                         </a:rPr>
-                        <a:t>지정 지원 엔지니어</a:t>
+                        <a:t>Named Support Engineer</a:t>
                       </a:r>
-                      <a:endParaRPr sz="900" spc="0" dirty="0">
+                      <a:endParaRPr sz="900" spc="0">
                         <a:latin typeface="AdobeClean-Light"/>
                         <a:cs typeface="AdobeClean-Light"/>
                       </a:endParaRPr>
@@ -4064,7 +4570,7 @@
                           <a:spcPct val="100000"/>
                         </a:lnSpc>
                       </a:pPr>
-                      <a:endParaRPr sz="900" dirty="0">
+                      <a:endParaRPr sz="900">
                         <a:latin typeface="Times New Roman"/>
                         <a:cs typeface="Times New Roman"/>
                       </a:endParaRPr>
@@ -4093,7 +4599,7 @@
                           <a:spcPct val="100000"/>
                         </a:lnSpc>
                       </a:pPr>
-                      <a:endParaRPr sz="900" dirty="0">
+                      <a:endParaRPr sz="900">
                         <a:latin typeface="Times New Roman"/>
                         <a:cs typeface="Times New Roman"/>
                       </a:endParaRPr>
@@ -4127,7 +4633,7 @@
                           <a:spcPts val="500"/>
                         </a:spcBef>
                       </a:pPr>
-                      <a:endParaRPr sz="900" dirty="0">
+                      <a:endParaRPr sz="900">
                         <a:latin typeface="AdobeClean-Light"/>
                         <a:cs typeface="AdobeClean-Light"/>
                       </a:endParaRPr>
@@ -4177,16 +4683,16 @@
                         </a:spcBef>
                       </a:pPr>
                       <a:r>
-                        <a:rPr lang="de-de" sz="900" spc="0" dirty="0">
+                        <a:rPr sz="900" spc="0">
                           <a:solidFill>
                             <a:srgbClr val="020302"/>
                           </a:solidFill>
                           <a:latin typeface="AdobeClean-Light"/>
                           <a:cs typeface="AdobeClean-Light"/>
                         </a:rPr>
-                        <a:t>기술 계정 관리자</a:t>
+                        <a:t>Technical Account Manager</a:t>
                       </a:r>
-                      <a:endParaRPr sz="900" spc="0" dirty="0">
+                      <a:endParaRPr sz="900" spc="0">
                         <a:latin typeface="AdobeClean-Light"/>
                         <a:cs typeface="AdobeClean-Light"/>
                       </a:endParaRPr>
@@ -4223,7 +4729,7 @@
                           <a:spcPct val="100000"/>
                         </a:lnSpc>
                       </a:pPr>
-                      <a:endParaRPr sz="900" dirty="0">
+                      <a:endParaRPr sz="900">
                         <a:latin typeface="Times New Roman"/>
                         <a:cs typeface="Times New Roman"/>
                       </a:endParaRPr>
@@ -4261,7 +4767,7 @@
                           <a:spcPct val="100000"/>
                         </a:lnSpc>
                       </a:pPr>
-                      <a:endParaRPr sz="900" dirty="0">
+                      <a:endParaRPr sz="900">
                         <a:latin typeface="Times New Roman"/>
                         <a:cs typeface="Times New Roman"/>
                       </a:endParaRPr>
@@ -4305,16 +4811,16 @@
                         </a:spcBef>
                       </a:pPr>
                       <a:r>
-                        <a:rPr lang="de-de" sz="1000" b="1" i="0" spc="0" dirty="0">
+                        <a:rPr lang="en-US" sz="1000" b="1" i="0" spc="0">
                           <a:solidFill>
                             <a:schemeClr val="bg1"/>
                           </a:solidFill>
                           <a:latin typeface="Adobe Clean" panose="020B0503020404020204" pitchFamily="34" charset="0"/>
                           <a:cs typeface="AdobeClean-Light"/>
                         </a:rPr>
-                        <a:t>지원 서비스</a:t>
+                        <a:t>Support Services</a:t>
                       </a:r>
-                      <a:endParaRPr sz="1000" b="1" i="0" spc="0" dirty="0">
+                      <a:endParaRPr sz="1000" b="1" i="0" spc="0">
                         <a:solidFill>
                           <a:schemeClr val="bg1"/>
                         </a:solidFill>
@@ -4376,16 +4882,26 @@
                         </a:spcBef>
                       </a:pPr>
                       <a:r>
-                        <a:rPr lang="de-de" sz="900" spc="0" dirty="0">
+                        <a:rPr lang="en-US" sz="900" spc="0">
                           <a:solidFill>
                             <a:srgbClr val="020302"/>
                           </a:solidFill>
                           <a:latin typeface="AdobeClean-Light"/>
                           <a:cs typeface="AdobeClean-Light"/>
                         </a:rPr>
-                        <a:t>온라인 지원</a:t>
+                        <a:t>Online</a:t>
                       </a:r>
-                      <a:endParaRPr sz="900" spc="0" dirty="0">
+                      <a:r>
+                        <a:rPr sz="900" spc="0">
+                          <a:solidFill>
+                            <a:srgbClr val="020302"/>
+                          </a:solidFill>
+                          <a:latin typeface="AdobeClean-Light"/>
+                          <a:cs typeface="AdobeClean-Light"/>
+                        </a:rPr>
+                        <a:t> Support</a:t>
+                      </a:r>
+                      <a:endParaRPr sz="900" spc="0">
                         <a:latin typeface="AdobeClean-Light"/>
                         <a:cs typeface="AdobeClean-Light"/>
                       </a:endParaRPr>
@@ -4426,17 +4942,17 @@
                         </a:spcBef>
                       </a:pPr>
                       <a:r>
-                        <a:rPr lang="de-de" sz="900" spc="-25" dirty="0">
+                        <a:rPr sz="900" spc="-25">
                           <a:solidFill>
                             <a:srgbClr val="020302"/>
                           </a:solidFill>
                           <a:latin typeface="AdobeClean-Light"/>
                           <a:cs typeface="AdobeClean-Light"/>
                         </a:rPr>
-                        <a:t>업무</a:t>
+                        <a:t>Business</a:t>
                       </a:r>
                       <a:r>
-                        <a:rPr lang="de-de" sz="900" spc="-15" dirty="0">
+                        <a:rPr sz="900" spc="-15">
                           <a:solidFill>
                             <a:srgbClr val="020302"/>
                           </a:solidFill>
@@ -4446,16 +4962,16 @@
                         <a:t> </a:t>
                       </a:r>
                       <a:r>
-                        <a:rPr lang="de-de" sz="900" spc="-30" dirty="0">
+                        <a:rPr sz="900" spc="-30">
                           <a:solidFill>
                             <a:srgbClr val="020302"/>
                           </a:solidFill>
                           <a:latin typeface="AdobeClean-Light"/>
                           <a:cs typeface="AdobeClean-Light"/>
                         </a:rPr>
-                        <a:t>시간</a:t>
+                        <a:t>hours</a:t>
                       </a:r>
-                      <a:endParaRPr sz="900" dirty="0">
+                      <a:endParaRPr sz="900">
                         <a:latin typeface="AdobeClean-Light"/>
                         <a:cs typeface="AdobeClean-Light"/>
                       </a:endParaRPr>
@@ -4497,17 +5013,17 @@
                         </a:spcBef>
                       </a:pPr>
                       <a:r>
-                        <a:rPr lang="de-de" sz="900" spc="-25" dirty="0">
+                        <a:rPr sz="900" spc="-25">
                           <a:solidFill>
                             <a:srgbClr val="020302"/>
                           </a:solidFill>
                           <a:latin typeface="AdobeClean-Light"/>
                           <a:cs typeface="AdobeClean-Light"/>
                         </a:rPr>
-                        <a:t>업무</a:t>
+                        <a:t>Business</a:t>
                       </a:r>
                       <a:r>
-                        <a:rPr lang="de-de" sz="900" spc="-15" dirty="0">
+                        <a:rPr sz="900" spc="-15">
                           <a:solidFill>
                             <a:srgbClr val="020302"/>
                           </a:solidFill>
@@ -4517,16 +5033,16 @@
                         <a:t> </a:t>
                       </a:r>
                       <a:r>
-                        <a:rPr lang="de-de" sz="900" spc="-30" dirty="0">
+                        <a:rPr sz="900" spc="-30">
                           <a:solidFill>
                             <a:srgbClr val="020302"/>
                           </a:solidFill>
                           <a:latin typeface="AdobeClean-Light"/>
                           <a:cs typeface="AdobeClean-Light"/>
                         </a:rPr>
-                        <a:t>시간</a:t>
+                        <a:t>hours</a:t>
                       </a:r>
-                      <a:endParaRPr sz="900" dirty="0">
+                      <a:endParaRPr sz="900">
                         <a:latin typeface="AdobeClean-Light"/>
                         <a:cs typeface="AdobeClean-Light"/>
                       </a:endParaRPr>
@@ -4569,7 +5085,7 @@
                           <a:spcPts val="455"/>
                         </a:spcBef>
                       </a:pPr>
-                      <a:endParaRPr sz="900" dirty="0">
+                      <a:endParaRPr sz="900">
                         <a:latin typeface="AdobeClean-Light"/>
                         <a:cs typeface="AdobeClean-Light"/>
                       </a:endParaRPr>
@@ -4610,16 +5126,36 @@
                         </a:spcBef>
                       </a:pPr>
                       <a:r>
-                        <a:rPr lang="de-de" sz="900" spc="0" dirty="0">
+                        <a:rPr sz="900" spc="0">
                           <a:solidFill>
                             <a:srgbClr val="020302"/>
                           </a:solidFill>
                           <a:latin typeface="AdobeClean-Light"/>
                           <a:cs typeface="AdobeClean-Light"/>
                         </a:rPr>
-                        <a:t>24x7x365 P1 문제 지원</a:t>
+                        <a:t>24x7</a:t>
                       </a:r>
-                      <a:endParaRPr sz="900" spc="0" dirty="0">
+                      <a:r>
+                        <a:rPr lang="en-US" sz="900" spc="0">
+                          <a:solidFill>
+                            <a:srgbClr val="020302"/>
+                          </a:solidFill>
+                          <a:latin typeface="AdobeClean-Light"/>
+                          <a:cs typeface="AdobeClean-Light"/>
+                        </a:rPr>
+                        <a:t>x365</a:t>
+                      </a:r>
+                      <a:r>
+                        <a:rPr sz="900" spc="0">
+                          <a:solidFill>
+                            <a:srgbClr val="020302"/>
+                          </a:solidFill>
+                          <a:latin typeface="AdobeClean-Light"/>
+                          <a:cs typeface="AdobeClean-Light"/>
+                        </a:rPr>
+                        <a:t> P1 Issue Support</a:t>
+                      </a:r>
+                      <a:endParaRPr sz="900" spc="0">
                         <a:latin typeface="AdobeClean-Light"/>
                         <a:cs typeface="AdobeClean-Light"/>
                       </a:endParaRPr>
@@ -4654,7 +5190,7 @@
                         </a:spcBef>
                       </a:pPr>
                       <a:r>
-                        <a:rPr lang="de-de" sz="900" dirty="0">
+                        <a:rPr sz="900">
                           <a:solidFill>
                             <a:srgbClr val="020302"/>
                           </a:solidFill>
@@ -4663,7 +5199,7 @@
                         </a:rPr>
                         <a:t></a:t>
                       </a:r>
-                      <a:endParaRPr sz="900" dirty="0">
+                      <a:endParaRPr sz="900">
                         <a:latin typeface="Wingdings"/>
                         <a:cs typeface="Wingdings"/>
                       </a:endParaRPr>
@@ -4696,7 +5232,7 @@
                         </a:spcBef>
                       </a:pPr>
                       <a:r>
-                        <a:rPr lang="de-de" sz="900" dirty="0">
+                        <a:rPr sz="900">
                           <a:solidFill>
                             <a:srgbClr val="020302"/>
                           </a:solidFill>
@@ -4705,7 +5241,7 @@
                         </a:rPr>
                         <a:t></a:t>
                       </a:r>
-                      <a:endParaRPr sz="900" dirty="0">
+                      <a:endParaRPr sz="900">
                         <a:latin typeface="Wingdings"/>
                         <a:cs typeface="Wingdings"/>
                       </a:endParaRPr>
@@ -4739,7 +5275,7 @@
                           <a:spcPts val="455"/>
                         </a:spcBef>
                       </a:pPr>
-                      <a:endParaRPr sz="900" dirty="0">
+                      <a:endParaRPr sz="900">
                         <a:latin typeface="AdobeClean-Light"/>
                         <a:cs typeface="AdobeClean-Light"/>
                       </a:endParaRPr>
@@ -4789,16 +5325,16 @@
                         </a:spcBef>
                       </a:pPr>
                       <a:r>
-                        <a:rPr lang="de-de" sz="900" spc="0" dirty="0">
+                        <a:rPr lang="en-US" sz="900" spc="0">
                           <a:solidFill>
                             <a:srgbClr val="020302"/>
                           </a:solidFill>
                           <a:latin typeface="AdobeClean-Light"/>
                           <a:cs typeface="AdobeClean-Light"/>
                         </a:rPr>
-                        <a:t>지정된 지원 담당자(제품당)</a:t>
+                        <a:t>Named Support Contacts (per product)</a:t>
                       </a:r>
-                      <a:endParaRPr sz="900" spc="0" dirty="0">
+                      <a:endParaRPr sz="900" spc="0">
                         <a:latin typeface="AdobeClean-Light"/>
                         <a:cs typeface="AdobeClean-Light"/>
                       </a:endParaRPr>
@@ -4839,7 +5375,7 @@
                         </a:spcBef>
                       </a:pPr>
                       <a:r>
-                        <a:rPr lang="de-de" sz="900" dirty="0">
+                        <a:rPr sz="900">
                           <a:solidFill>
                             <a:srgbClr val="020302"/>
                           </a:solidFill>
@@ -4848,7 +5384,7 @@
                         </a:rPr>
                         <a:t>4</a:t>
                       </a:r>
-                      <a:endParaRPr sz="900" dirty="0">
+                      <a:endParaRPr sz="900">
                         <a:latin typeface="AdobeClean-Light"/>
                         <a:cs typeface="AdobeClean-Light"/>
                       </a:endParaRPr>
@@ -4881,7 +5417,7 @@
                         </a:spcBef>
                       </a:pPr>
                       <a:r>
-                        <a:rPr lang="de-de" sz="900" dirty="0">
+                        <a:rPr sz="900">
                           <a:solidFill>
                             <a:srgbClr val="020302"/>
                           </a:solidFill>
@@ -4890,7 +5426,7 @@
                         </a:rPr>
                         <a:t>6</a:t>
                       </a:r>
-                      <a:endParaRPr sz="900" dirty="0">
+                      <a:endParaRPr sz="900">
                         <a:latin typeface="AdobeClean-Light"/>
                         <a:cs typeface="AdobeClean-Light"/>
                       </a:endParaRPr>
@@ -4924,7 +5460,7 @@
                           <a:spcPts val="455"/>
                         </a:spcBef>
                       </a:pPr>
-                      <a:endParaRPr sz="900" dirty="0">
+                      <a:endParaRPr sz="900">
                         <a:latin typeface="AdobeClean-Light"/>
                         <a:cs typeface="AdobeClean-Light"/>
                       </a:endParaRPr>
@@ -4965,16 +5501,16 @@
                         </a:spcBef>
                       </a:pPr>
                       <a:r>
-                        <a:rPr lang="de-de" sz="900" spc="0" dirty="0">
+                        <a:rPr lang="en-US" sz="900" spc="0">
                           <a:solidFill>
                             <a:srgbClr val="020302"/>
                           </a:solidFill>
                           <a:latin typeface="AdobeClean-Light"/>
                           <a:cs typeface="AdobeClean-Light"/>
                         </a:rPr>
-                        <a:t>실시간 전화 지원</a:t>
+                        <a:t>Live Telephone Support</a:t>
                       </a:r>
-                      <a:endParaRPr sz="900" spc="0" dirty="0">
+                      <a:endParaRPr sz="900" spc="0">
                         <a:latin typeface="AdobeClean-Light"/>
                         <a:cs typeface="AdobeClean-Light"/>
                       </a:endParaRPr>
@@ -5008,7 +5544,7 @@
                           <a:spcPts val="464"/>
                         </a:spcBef>
                       </a:pPr>
-                      <a:endParaRPr sz="900" dirty="0">
+                      <a:endParaRPr sz="900">
                         <a:latin typeface="Wingdings"/>
                         <a:cs typeface="Wingdings"/>
                       </a:endParaRPr>
@@ -5041,7 +5577,7 @@
                         </a:spcBef>
                       </a:pPr>
                       <a:r>
-                        <a:rPr lang="de-de" sz="900" dirty="0">
+                        <a:rPr sz="900">
                           <a:solidFill>
                             <a:srgbClr val="020302"/>
                           </a:solidFill>
@@ -5050,7 +5586,7 @@
                         </a:rPr>
                         <a:t></a:t>
                       </a:r>
-                      <a:endParaRPr sz="900" dirty="0">
+                      <a:endParaRPr sz="900">
                         <a:latin typeface="Wingdings"/>
                         <a:cs typeface="Wingdings"/>
                       </a:endParaRPr>
@@ -5084,7 +5620,7 @@
                           <a:spcPts val="459"/>
                         </a:spcBef>
                       </a:pPr>
-                      <a:endParaRPr sz="900" dirty="0">
+                      <a:endParaRPr sz="900">
                         <a:latin typeface="AdobeClean-Light"/>
                         <a:cs typeface="AdobeClean-Light"/>
                       </a:endParaRPr>
@@ -5125,16 +5661,16 @@
                         </a:spcBef>
                       </a:pPr>
                       <a:r>
-                        <a:rPr lang="de-de" sz="900" spc="0" dirty="0">
+                        <a:rPr sz="900" spc="0">
                           <a:solidFill>
                             <a:srgbClr val="020302"/>
                           </a:solidFill>
                           <a:latin typeface="AdobeClean-Light"/>
                           <a:cs typeface="AdobeClean-Light"/>
                         </a:rPr>
-                        <a:t>에스컬레이션 관리</a:t>
+                        <a:t>Escalation Management</a:t>
                       </a:r>
-                      <a:endParaRPr sz="900" spc="0" dirty="0">
+                      <a:endParaRPr sz="900" spc="0">
                         <a:latin typeface="AdobeClean-Light"/>
                         <a:cs typeface="AdobeClean-Light"/>
                       </a:endParaRPr>
@@ -5168,7 +5704,7 @@
                           <a:spcPts val="470"/>
                         </a:spcBef>
                       </a:pPr>
-                      <a:endParaRPr sz="900" dirty="0">
+                      <a:endParaRPr sz="900">
                         <a:latin typeface="Wingdings"/>
                         <a:cs typeface="Wingdings"/>
                       </a:endParaRPr>
@@ -5201,7 +5737,7 @@
                         </a:spcBef>
                       </a:pPr>
                       <a:r>
-                        <a:rPr lang="de-de" sz="900" dirty="0">
+                        <a:rPr sz="900">
                           <a:solidFill>
                             <a:srgbClr val="020302"/>
                           </a:solidFill>
@@ -5210,7 +5746,7 @@
                         </a:rPr>
                         <a:t></a:t>
                       </a:r>
-                      <a:endParaRPr sz="900" dirty="0">
+                      <a:endParaRPr sz="900">
                         <a:latin typeface="Wingdings"/>
                         <a:cs typeface="Wingdings"/>
                       </a:endParaRPr>
@@ -5244,7 +5780,7 @@
                           <a:spcPts val="450"/>
                         </a:spcBef>
                       </a:pPr>
-                      <a:endParaRPr sz="900" dirty="0">
+                      <a:endParaRPr sz="900">
                         <a:latin typeface="AdobeClean-Light"/>
                         <a:cs typeface="AdobeClean-Light"/>
                       </a:endParaRPr>
@@ -5285,16 +5821,26 @@
                         </a:spcBef>
                       </a:pPr>
                       <a:r>
-                        <a:rPr lang="de-de" sz="900" spc="0" dirty="0">
+                        <a:rPr sz="900" spc="0">
                           <a:solidFill>
                             <a:srgbClr val="020302"/>
                           </a:solidFill>
                           <a:latin typeface="AdobeClean-Light"/>
                           <a:cs typeface="AdobeClean-Light"/>
                         </a:rPr>
-                        <a:t>연간 서비스 리뷰</a:t>
+                        <a:t>Service Reviews </a:t>
                       </a:r>
-                      <a:endParaRPr sz="900" spc="0" dirty="0">
+                      <a:r>
+                        <a:rPr lang="en-US" sz="900" spc="0">
+                          <a:solidFill>
+                            <a:srgbClr val="020302"/>
+                          </a:solidFill>
+                          <a:latin typeface="AdobeClean-Light"/>
+                          <a:cs typeface="AdobeClean-Light"/>
+                        </a:rPr>
+                        <a:t>per Year</a:t>
+                      </a:r>
+                      <a:endParaRPr sz="900" spc="0">
                         <a:latin typeface="AdobeClean-Light"/>
                         <a:cs typeface="AdobeClean-Light"/>
                       </a:endParaRPr>
@@ -5325,7 +5871,7 @@
                           <a:spcPct val="100000"/>
                         </a:lnSpc>
                       </a:pPr>
-                      <a:endParaRPr sz="900" dirty="0">
+                      <a:endParaRPr sz="900">
                         <a:latin typeface="Times New Roman"/>
                         <a:cs typeface="Times New Roman"/>
                       </a:endParaRPr>
@@ -5354,7 +5900,7 @@
                           <a:spcPct val="100000"/>
                         </a:lnSpc>
                       </a:pPr>
-                      <a:endParaRPr sz="900" dirty="0">
+                      <a:endParaRPr sz="900">
                         <a:latin typeface="Times New Roman"/>
                         <a:cs typeface="Times New Roman"/>
                       </a:endParaRPr>
@@ -5399,13 +5945,13 @@
                         </a:spcBef>
                       </a:pPr>
                       <a:r>
-                        <a:rPr lang="de-de" sz="900" spc="0" dirty="0">
+                        <a:rPr lang="en-US" sz="900" spc="0">
                           <a:latin typeface="AdobeClean-Light"/>
                           <a:cs typeface="AdobeClean-Light"/>
                         </a:rPr>
-                        <a:t>연간 전문가 세션</a:t>
+                        <a:t>Expert Sessions per Year</a:t>
                       </a:r>
-                      <a:endParaRPr sz="900" spc="0" dirty="0">
+                      <a:endParaRPr sz="900" spc="0">
                         <a:latin typeface="AdobeClean-Light"/>
                         <a:cs typeface="AdobeClean-Light"/>
                       </a:endParaRPr>
@@ -5442,7 +5988,7 @@
                           <a:spcPct val="100000"/>
                         </a:lnSpc>
                       </a:pPr>
-                      <a:endParaRPr sz="900" dirty="0">
+                      <a:endParaRPr sz="900">
                         <a:latin typeface="Times New Roman"/>
                         <a:cs typeface="Times New Roman"/>
                       </a:endParaRPr>
@@ -5471,7 +6017,7 @@
                           <a:spcPct val="100000"/>
                         </a:lnSpc>
                       </a:pPr>
-                      <a:endParaRPr sz="900" dirty="0">
+                      <a:endParaRPr sz="900">
                         <a:latin typeface="Times New Roman"/>
                         <a:cs typeface="Times New Roman"/>
                       </a:endParaRPr>
@@ -5516,13 +6062,13 @@
                         </a:spcBef>
                       </a:pPr>
                       <a:r>
-                        <a:rPr lang="de-de" sz="900" spc="0" dirty="0">
+                        <a:rPr lang="en-US" sz="900" spc="0">
                           <a:latin typeface="AdobeClean-Light"/>
                           <a:cs typeface="AdobeClean-Light"/>
                         </a:rPr>
-                        <a:t>사례 검토</a:t>
+                        <a:t>Case Reviews</a:t>
                       </a:r>
-                      <a:endParaRPr sz="900" spc="0" dirty="0">
+                      <a:endParaRPr sz="900" spc="0">
                         <a:latin typeface="AdobeClean-Light"/>
                         <a:cs typeface="AdobeClean-Light"/>
                       </a:endParaRPr>
@@ -5559,7 +6105,7 @@
                           <a:spcPct val="100000"/>
                         </a:lnSpc>
                       </a:pPr>
-                      <a:endParaRPr sz="900" dirty="0">
+                      <a:endParaRPr sz="900">
                         <a:latin typeface="Times New Roman"/>
                         <a:cs typeface="Times New Roman"/>
                       </a:endParaRPr>
@@ -5588,7 +6134,7 @@
                           <a:spcPct val="100000"/>
                         </a:lnSpc>
                       </a:pPr>
-                      <a:endParaRPr sz="900" dirty="0">
+                      <a:endParaRPr sz="900">
                         <a:latin typeface="Times New Roman"/>
                         <a:cs typeface="Times New Roman"/>
                       </a:endParaRPr>
@@ -5622,7 +6168,7 @@
                           <a:spcPts val="459"/>
                         </a:spcBef>
                       </a:pPr>
-                      <a:endParaRPr sz="900" dirty="0">
+                      <a:endParaRPr sz="900">
                         <a:latin typeface="AdobeClean-Light"/>
                         <a:cs typeface="AdobeClean-Light"/>
                       </a:endParaRPr>
@@ -5672,16 +6218,26 @@
                         </a:spcBef>
                       </a:pPr>
                       <a:r>
-                        <a:rPr lang="de-de" sz="900" spc="0" dirty="0">
+                        <a:rPr sz="900" spc="0">
                           <a:solidFill>
                             <a:srgbClr val="020302"/>
                           </a:solidFill>
                           <a:latin typeface="AdobeClean-Light"/>
                           <a:cs typeface="AdobeClean-Light"/>
                         </a:rPr>
-                        <a:t>이벤트 관리</a:t>
+                        <a:t>Event </a:t>
                       </a:r>
-                      <a:endParaRPr sz="900" spc="0" dirty="0">
+                      <a:r>
+                        <a:rPr lang="en-US" sz="900" spc="0">
+                          <a:solidFill>
+                            <a:srgbClr val="020302"/>
+                          </a:solidFill>
+                          <a:latin typeface="AdobeClean-Light"/>
+                          <a:cs typeface="AdobeClean-Light"/>
+                        </a:rPr>
+                        <a:t>Management</a:t>
+                      </a:r>
+                      <a:endParaRPr sz="900" spc="0">
                         <a:latin typeface="AdobeClean-Light"/>
                         <a:cs typeface="AdobeClean-Light"/>
                       </a:endParaRPr>
@@ -5718,7 +6274,7 @@
                           <a:spcPct val="100000"/>
                         </a:lnSpc>
                       </a:pPr>
-                      <a:endParaRPr sz="900" dirty="0">
+                      <a:endParaRPr sz="900">
                         <a:latin typeface="Times New Roman"/>
                         <a:cs typeface="Times New Roman"/>
                       </a:endParaRPr>
@@ -5747,7 +6303,7 @@
                           <a:spcPct val="100000"/>
                         </a:lnSpc>
                       </a:pPr>
-                      <a:endParaRPr sz="900" dirty="0">
+                      <a:endParaRPr sz="900">
                         <a:latin typeface="Times New Roman"/>
                         <a:cs typeface="Times New Roman"/>
                       </a:endParaRPr>
@@ -5781,7 +6337,7 @@
                           <a:spcPts val="465"/>
                         </a:spcBef>
                       </a:pPr>
-                      <a:endParaRPr sz="900" dirty="0">
+                      <a:endParaRPr sz="900">
                         <a:latin typeface="AdobeClean-Light"/>
                         <a:cs typeface="AdobeClean-Light"/>
                       </a:endParaRPr>
@@ -5822,16 +6378,36 @@
                         </a:spcBef>
                       </a:pPr>
                       <a:r>
-                        <a:rPr lang="de-de" sz="900" spc="0" dirty="0">
+                        <a:rPr sz="900" spc="0">
                           <a:solidFill>
                             <a:srgbClr val="020302"/>
                           </a:solidFill>
                           <a:latin typeface="AdobeClean-Light"/>
                           <a:cs typeface="AdobeClean-Light"/>
                         </a:rPr>
-                        <a:t>환경 검토, 유지 관리 및 모니터링</a:t>
+                        <a:t>Environment</a:t>
                       </a:r>
-                      <a:endParaRPr sz="900" spc="0" dirty="0">
+                      <a:r>
+                        <a:rPr lang="en-US" sz="900" spc="0">
+                          <a:solidFill>
+                            <a:srgbClr val="020302"/>
+                          </a:solidFill>
+                          <a:latin typeface="AdobeClean-Light"/>
+                          <a:cs typeface="AdobeClean-Light"/>
+                        </a:rPr>
+                        <a:t> </a:t>
+                      </a:r>
+                      <a:r>
+                        <a:rPr sz="900" spc="0">
+                          <a:solidFill>
+                            <a:srgbClr val="020302"/>
+                          </a:solidFill>
+                          <a:latin typeface="AdobeClean-Light"/>
+                          <a:cs typeface="AdobeClean-Light"/>
+                        </a:rPr>
+                        <a:t>Review, Maintenance &amp; Monitoring</a:t>
+                      </a:r>
+                      <a:endParaRPr sz="900" spc="0">
                         <a:latin typeface="AdobeClean-Light"/>
                         <a:cs typeface="AdobeClean-Light"/>
                       </a:endParaRPr>
@@ -5862,7 +6438,7 @@
                           <a:spcPct val="100000"/>
                         </a:lnSpc>
                       </a:pPr>
-                      <a:endParaRPr sz="900" dirty="0">
+                      <a:endParaRPr sz="900">
                         <a:latin typeface="Times New Roman"/>
                         <a:cs typeface="Times New Roman"/>
                       </a:endParaRPr>
@@ -5891,7 +6467,7 @@
                           <a:spcPct val="100000"/>
                         </a:lnSpc>
                       </a:pPr>
-                      <a:endParaRPr sz="900" dirty="0">
+                      <a:endParaRPr sz="900">
                         <a:latin typeface="Times New Roman"/>
                         <a:cs typeface="Times New Roman"/>
                       </a:endParaRPr>
@@ -5925,7 +6501,7 @@
                           <a:spcPts val="500"/>
                         </a:spcBef>
                       </a:pPr>
-                      <a:endParaRPr sz="900" dirty="0">
+                      <a:endParaRPr sz="900">
                         <a:latin typeface="AdobeClean-Light"/>
                         <a:cs typeface="AdobeClean-Light"/>
                       </a:endParaRPr>
@@ -5966,16 +6542,16 @@
                         </a:spcBef>
                       </a:pPr>
                       <a:r>
-                        <a:rPr lang="de-de" sz="900" spc="0" dirty="0">
+                        <a:rPr sz="900" spc="0">
                           <a:solidFill>
                             <a:srgbClr val="020302"/>
                           </a:solidFill>
                           <a:latin typeface="AdobeClean-Light"/>
                           <a:cs typeface="AdobeClean-Light"/>
                         </a:rPr>
-                        <a:t>릴리스, 마이그레이션, 업그레이드 및 제품 로드맵 검토</a:t>
+                        <a:t>Release, Migration, Upgrade &amp; Product Roadmap Review</a:t>
                       </a:r>
-                      <a:endParaRPr sz="900" spc="0" dirty="0">
+                      <a:endParaRPr sz="900" spc="0">
                         <a:latin typeface="AdobeClean-Light"/>
                         <a:cs typeface="AdobeClean-Light"/>
                       </a:endParaRPr>
@@ -6006,7 +6582,7 @@
                           <a:spcPct val="100000"/>
                         </a:lnSpc>
                       </a:pPr>
-                      <a:endParaRPr sz="900" dirty="0">
+                      <a:endParaRPr sz="900">
                         <a:latin typeface="Times New Roman"/>
                         <a:cs typeface="Times New Roman"/>
                       </a:endParaRPr>
@@ -6035,7 +6611,7 @@
                           <a:spcPct val="100000"/>
                         </a:lnSpc>
                       </a:pPr>
-                      <a:endParaRPr sz="900" dirty="0">
+                      <a:endParaRPr sz="900">
                         <a:latin typeface="Times New Roman"/>
                         <a:cs typeface="Times New Roman"/>
                       </a:endParaRPr>
@@ -6069,7 +6645,7 @@
                           <a:spcPts val="530"/>
                         </a:spcBef>
                       </a:pPr>
-                      <a:endParaRPr sz="900" dirty="0">
+                      <a:endParaRPr sz="900">
                         <a:latin typeface="AdobeClean-Light"/>
                         <a:cs typeface="AdobeClean-Light"/>
                       </a:endParaRPr>
@@ -6119,11 +6695,11 @@
                         </a:spcBef>
                       </a:pPr>
                       <a:r>
-                        <a:rPr lang="de-de" sz="900" spc="0" dirty="0">
+                        <a:rPr sz="900" spc="0">
                           <a:latin typeface="AdobeClean-Light"/>
                           <a:cs typeface="AdobeClean-Light"/>
                         </a:rPr>
-                        <a:t>클라우드 지원 활동 – Experience Manager as Cloud</a:t>
+                        <a:t>Cloud Support Activities – Experience Manager as Cloud</a:t>
                       </a:r>
                     </a:p>
                   </a:txBody>
@@ -6158,7 +6734,7 @@
                           <a:spcPct val="100000"/>
                         </a:lnSpc>
                       </a:pPr>
-                      <a:endParaRPr sz="900" dirty="0">
+                      <a:endParaRPr sz="900">
                         <a:latin typeface="Times New Roman"/>
                         <a:cs typeface="Times New Roman"/>
                       </a:endParaRPr>
@@ -6196,7 +6772,7 @@
                           <a:spcPct val="100000"/>
                         </a:lnSpc>
                       </a:pPr>
-                      <a:endParaRPr sz="900" dirty="0">
+                      <a:endParaRPr sz="900">
                         <a:latin typeface="Times New Roman"/>
                         <a:cs typeface="Times New Roman"/>
                       </a:endParaRPr>
@@ -6240,16 +6816,16 @@
                         </a:spcBef>
                       </a:pPr>
                       <a:r>
-                        <a:rPr lang="de-de" sz="1000" b="1" i="0" spc="0" dirty="0">
+                        <a:rPr lang="en-US" sz="1000" b="1" i="0" spc="0">
                           <a:solidFill>
                             <a:schemeClr val="bg1"/>
                           </a:solidFill>
                           <a:latin typeface="Adobe Clean" panose="020B0503020404020204" pitchFamily="34" charset="0"/>
                           <a:cs typeface="AdobeClean-Light"/>
                         </a:rPr>
-                        <a:t>현장 서비스</a:t>
+                        <a:t>Field Services</a:t>
                       </a:r>
-                      <a:endParaRPr sz="1000" b="1" i="0" spc="0" dirty="0">
+                      <a:endParaRPr sz="1000" b="1" i="0" spc="0">
                         <a:solidFill>
                           <a:schemeClr val="bg1"/>
                         </a:solidFill>
@@ -6308,16 +6884,16 @@
                         </a:spcBef>
                       </a:pPr>
                       <a:r>
-                        <a:rPr lang="de-de" sz="900" spc="0" dirty="0">
+                        <a:rPr sz="900" spc="0">
                           <a:solidFill>
                             <a:srgbClr val="020302"/>
                           </a:solidFill>
                           <a:latin typeface="AdobeClean-Light"/>
                           <a:cs typeface="AdobeClean-Light"/>
                         </a:rPr>
-                        <a:t>출시 자문 서비스 – 새로운 솔루션의 첫 해</a:t>
+                        <a:t>Launch Advisory Services – First Year of new solution</a:t>
                       </a:r>
-                      <a:endParaRPr sz="900" spc="0" dirty="0">
+                      <a:endParaRPr sz="900" spc="0">
                         <a:latin typeface="AdobeClean-Light"/>
                         <a:cs typeface="AdobeClean-Light"/>
                       </a:endParaRPr>
@@ -6332,11 +6908,11 @@
                         </a:spcBef>
                       </a:pPr>
                       <a:r>
-                        <a:rPr lang="de-de" sz="900" spc="0" dirty="0">
+                        <a:rPr sz="900" spc="0">
                           <a:latin typeface="AdobeClean-Light"/>
                           <a:cs typeface="AdobeClean-Light"/>
                         </a:rPr>
-                        <a:t>현장 서비스 활동 </a:t>
+                        <a:t>Field Service Activities </a:t>
                       </a:r>
                     </a:p>
                   </a:txBody>
@@ -6377,7 +6953,7 @@
                           <a:spcPct val="100000"/>
                         </a:lnSpc>
                       </a:pPr>
-                      <a:endParaRPr sz="900" dirty="0">
+                      <a:endParaRPr sz="900">
                         <a:latin typeface="Times New Roman"/>
                         <a:cs typeface="Times New Roman"/>
                       </a:endParaRPr>
@@ -6415,7 +6991,7 @@
                           <a:spcPct val="100000"/>
                         </a:lnSpc>
                       </a:pPr>
-                      <a:endParaRPr sz="900" dirty="0">
+                      <a:endParaRPr sz="900">
                         <a:latin typeface="Times New Roman"/>
                         <a:cs typeface="Times New Roman"/>
                       </a:endParaRPr>
@@ -6500,7 +7076,7 @@
                           <a:spcPct val="100000"/>
                         </a:lnSpc>
                       </a:pPr>
-                      <a:endParaRPr sz="900" dirty="0">
+                      <a:endParaRPr sz="900">
                         <a:latin typeface="Times New Roman"/>
                         <a:cs typeface="Times New Roman"/>
                       </a:endParaRPr>
@@ -6521,7 +7097,7 @@
                     <a:bodyPr/>
                     <a:lstStyle/>
                     <a:p>
-                      <a:pPr marL="0" algn="l" rtl="0">
+                      <a:pPr>
                         <a:lnSpc>
                           <a:spcPct val="100000"/>
                         </a:lnSpc>
@@ -6585,7 +7161,7 @@
           <a:lstStyle/>
           <a:p>
             <a:r>
-              <a:rPr lang="de-de" sz="700" i="1" dirty="0">
+              <a:rPr lang="en-US" sz="700" i="1">
                 <a:solidFill>
                   <a:schemeClr val="bg1"/>
                 </a:solidFill>
@@ -6788,15 +7364,15 @@
               </a:spcBef>
             </a:pPr>
             <a:r>
-              <a:rPr lang="de-de" sz="1000" dirty="0">
+              <a:rPr lang="en-US" sz="1000">
                 <a:solidFill>
                   <a:srgbClr val="000000"/>
                 </a:solidFill>
                 <a:latin typeface="Adobe Clean Light" panose="020B0303020404020204" pitchFamily="34" charset="0"/>
               </a:rPr>
-              <a:t>사례를 사전에 모니터링하고, 팀 간의 공동 작업을 주도하고, 온보딩 웨비나를 제공하고, 서비스 보고를 실행하고, 비기술적 지원을 제공하고, Adobe 지원 내에서 에스컬레이션 지점 및 내부 지지 역할을 하는 지정된 계정 지원 리드입니다.</a:t>
-            </a:r>
-            <a:endParaRPr lang="en-US" sz="1000" dirty="0">
+              <a:t>A designated Account Support Lead to proactively monitor cases, drive cross-team collaboration, deliver onboarding webinars, run service reports, provide non-technical support assistance, and function as your escalation point and internal advocate within Adobe Support.</a:t>
+            </a:r>
+            <a:endParaRPr lang="en-US" sz="1000">
               <a:latin typeface="Adobe Clean Light" panose="020B0303020404020204" pitchFamily="34" charset="0"/>
               <a:cs typeface="AdobeClean-Light"/>
             </a:endParaRPr>
@@ -6812,14 +7388,14 @@
         <p:spPr>
           <a:xfrm>
             <a:off x="2836967" y="8618616"/>
-            <a:ext cx="2286000" cy="487313"/>
+            <a:ext cx="2286000" cy="641201"/>
           </a:xfrm>
           <a:prstGeom prst="rect">
             <a:avLst/>
           </a:prstGeom>
         </p:spPr>
         <p:txBody>
-          <a:bodyPr vert="horz" wrap="square" lIns="0" tIns="12700" rIns="0" bIns="0" rtlCol="0">
+          <a:bodyPr vert="horz" wrap="square" lIns="0" tIns="12700" rIns="0" bIns="0" rtlCol="0" anchor="t">
             <a:spAutoFit/>
           </a:bodyPr>
           <a:lstStyle/>
@@ -6836,28 +7412,48 @@
               </a:tabLst>
             </a:pPr>
             <a:r>
-              <a:rPr lang="de-de" sz="1000" dirty="0">
+              <a:rPr sz="1000">
                 <a:solidFill>
                   <a:srgbClr val="020302"/>
                 </a:solidFill>
                 <a:latin typeface="AdobeClean-Light"/>
                 <a:cs typeface="AdobeClean-Light"/>
               </a:rPr>
-              <a:t>답변을 얻고 사례 제출 관련 도움을 받을 수 있는</a:t>
-            </a:r>
-            <a:endParaRPr lang="en-US" sz="1000" dirty="0">
-              <a:solidFill>
-                <a:srgbClr val="020302"/>
-              </a:solidFill>
-              <a:latin typeface="AdobeClean-Light"/>
-              <a:cs typeface="AdobeClean-Light"/>
-            </a:endParaRPr>
+              <a:t>Start a chat session to get answers</a:t>
+            </a:r>
+            <a:r>
+              <a:rPr lang="en-US" sz="1000">
+                <a:solidFill>
+                  <a:srgbClr val="020302"/>
+                </a:solidFill>
+                <a:latin typeface="AdobeClean-Light"/>
+                <a:cs typeface="AdobeClean-Light"/>
+              </a:rPr>
+              <a:t> &amp; </a:t>
+            </a:r>
+            <a:r>
+              <a:rPr sz="1000">
+                <a:solidFill>
+                  <a:srgbClr val="020302"/>
+                </a:solidFill>
+                <a:latin typeface="AdobeClean-Light"/>
+                <a:cs typeface="AdobeClean-Light"/>
+              </a:rPr>
+              <a:t>help with case submission</a:t>
+            </a:r>
+            <a:r>
+              <a:rPr lang="en-US" sz="1000">
+                <a:solidFill>
+                  <a:srgbClr val="020302"/>
+                </a:solidFill>
+                <a:latin typeface="AdobeClean-Light"/>
+                <a:cs typeface="AdobeClean-Light"/>
+              </a:rPr>
+              <a:t>.</a:t>
+            </a:r>
           </a:p>
           <a:p>
             <a:pPr marL="33020" marR="159385">
-              <a:lnSpc>
-                <a:spcPct val="100000"/>
-              </a:lnSpc>
               <a:spcBef>
                 <a:spcPts val="100"/>
               </a:spcBef>
@@ -6866,36 +7462,36 @@
               </a:tabLst>
             </a:pPr>
             <a:r>
-              <a:rPr lang="de-de" sz="1000" dirty="0">
-                <a:solidFill>
-                  <a:srgbClr val="020302"/>
-                </a:solidFill>
-                <a:latin typeface="AdobeClean-Light"/>
-                <a:cs typeface="AdobeClean-Light"/>
-              </a:rPr>
-              <a:t> 채팅 세션을 시작합니다.</a:t>
-            </a:r>
-            <a:r>
-              <a:rPr lang="de-de" sz="1000" i="1" dirty="0">
+              <a:rPr sz="1000" i="1">
                 <a:solidFill>
                   <a:srgbClr val="7A7A7A"/>
                 </a:solidFill>
                 <a:latin typeface="AdobeClean-LightIt"/>
                 <a:cs typeface="AdobeClean-LightIt"/>
               </a:rPr>
-              <a:t>*모든 제품에 라이브 채팅이 지원되는 것은 아닙니다</a:t>
-            </a:r>
-            <a:r>
-              <a:rPr lang="de-de" sz="900" i="1" dirty="0">
+              <a:t>*Not all products have live chat support</a:t>
+            </a:r>
+            <a:r>
+              <a:rPr sz="900" i="1">
                 <a:solidFill>
                   <a:srgbClr val="7A7A7A"/>
                 </a:solidFill>
                 <a:latin typeface="AdobeClean-LightIt"/>
                 <a:cs typeface="AdobeClean-LightIt"/>
               </a:rPr>
-              <a:t>.  </a:t>
-            </a:r>
-            <a:endParaRPr sz="900" dirty="0">
+              <a:t>.</a:t>
+            </a:r>
+            <a:r>
+              <a:rPr lang="en-US" sz="900" i="1">
+                <a:solidFill>
+                  <a:srgbClr val="7A7A7A"/>
+                </a:solidFill>
+                <a:latin typeface="AdobeClean-LightIt"/>
+                <a:cs typeface="AdobeClean-LightIt"/>
+              </a:rPr>
+              <a:t>  </a:t>
+            </a:r>
+            <a:endParaRPr sz="900">
               <a:latin typeface="AdobeClean-Light"/>
               <a:cs typeface="AdobeClean-Light"/>
             </a:endParaRPr>
@@ -6974,12 +7570,12 @@
               <a:defRPr/>
             </a:pPr>
             <a:r>
-              <a:rPr lang="de-de" sz="1200" dirty="0">
+              <a:rPr lang="en-US" sz="1200">
                 <a:solidFill>
                   <a:srgbClr val="000000"/>
                 </a:solidFill>
               </a:rPr>
-              <a:t>커뮤니티 포럼</a:t>
+              <a:t>Community Forums</a:t>
             </a:r>
           </a:p>
         </p:txBody>
@@ -7022,12 +7618,12 @@
               </a:spcAft>
             </a:pPr>
             <a:r>
-              <a:rPr lang="de-de" sz="1200" b="1" dirty="0">
+              <a:rPr lang="en-US" sz="1200" b="1">
                 <a:latin typeface="+mj-lt"/>
                 <a:ea typeface="Open Sans" pitchFamily="34" charset="0"/>
                 <a:cs typeface="Open Sans" pitchFamily="34" charset="0"/>
               </a:rPr>
-              <a:t>온라인 포럼</a:t>
+              <a:t>Online Forums</a:t>
             </a:r>
           </a:p>
         </p:txBody>
@@ -7060,13 +7656,13 @@
           <a:lstStyle/>
           <a:p>
             <a:r>
-              <a:rPr lang="de-de" sz="1000" dirty="0">
+              <a:rPr lang="en-US" sz="1000">
                 <a:solidFill>
                   <a:srgbClr val="000000"/>
                 </a:solidFill>
                 <a:latin typeface="Adobe Clean Light" panose="020B0303020404020204" pitchFamily="34" charset="0"/>
               </a:rPr>
-              <a:t>기술 솔루션, 제품 문서, FAQ 등 증가하는 데이터베이스에 대한 지속적인 온라인 액세스. 수천 명의 고객이 소통하여 모범 사례와 진행 중 얻은 개선 사항을 공유할 수 있습니다.</a:t>
+              <a:t>Continuous online access to a growing database of technical solutions, product documentation, FAQs and more. Thousands of customers can connect to share best practices and lessons learned.</a:t>
             </a:r>
           </a:p>
         </p:txBody>
@@ -7109,12 +7705,12 @@
               </a:spcAft>
             </a:pPr>
             <a:r>
-              <a:rPr lang="de-de" sz="1200" b="1" dirty="0">
+              <a:rPr lang="en-US" sz="1200" b="1">
                 <a:latin typeface="+mj-lt"/>
                 <a:ea typeface="Open Sans" pitchFamily="34" charset="0"/>
                 <a:cs typeface="Open Sans" pitchFamily="34" charset="0"/>
               </a:rPr>
-              <a:t>셀프 가이드 여정</a:t>
+              <a:t>Self-guided Journeys</a:t>
             </a:r>
           </a:p>
         </p:txBody>
@@ -7147,13 +7743,13 @@
           <a:lstStyle/>
           <a:p>
             <a:r>
-              <a:rPr lang="de-de" sz="1000" dirty="0">
+              <a:rPr lang="en-US" sz="1000">
                 <a:solidFill>
                   <a:srgbClr val="000000"/>
                 </a:solidFill>
                 <a:latin typeface="Adobe Clean Light" panose="020B0303020404020204" pitchFamily="34" charset="0"/>
               </a:rPr>
-              <a:t>Experience 업체는 Experience League로 만들어집니다. 고객은 개인 맞춤형 학습을 통해 고객 경험 관리 능력에 시동을 걸어 기술을 개발하고 글로벌 동료 커뮤니티와 교류하며 경력 발전에 도움이 되는 인정을 얻을 수 있습니다.</a:t>
+              <a:t>Experience Makers are made with Experience League. Customers can kickstart their Customer Experience Management abilities with personalized learning to develop skills, engage with a global community of peers, and earn career advancing recognition.</a:t>
             </a:r>
           </a:p>
         </p:txBody>
@@ -7201,12 +7797,12 @@
               <a:defRPr/>
             </a:pPr>
             <a:r>
-              <a:rPr lang="de-de" sz="1200" dirty="0">
+              <a:rPr lang="en-US" sz="1200">
                 <a:solidFill>
                   <a:srgbClr val="000000"/>
                 </a:solidFill>
               </a:rPr>
-              <a:t>라이브 채팅 지원*</a:t>
+              <a:t>Live Chat  Support*</a:t>
             </a:r>
           </a:p>
         </p:txBody>
@@ -7249,12 +7845,12 @@
               </a:spcAft>
             </a:pPr>
             <a:r>
-              <a:rPr lang="de-de" sz="1200" b="1" dirty="0">
+              <a:rPr lang="en-US" sz="1200" b="1">
                 <a:latin typeface="+mj-lt"/>
                 <a:ea typeface="Open Sans" pitchFamily="34" charset="0"/>
                 <a:cs typeface="Open Sans" pitchFamily="34" charset="0"/>
               </a:rPr>
-              <a:t>채팅 지원</a:t>
+              <a:t>Chat Support</a:t>
             </a:r>
           </a:p>
         </p:txBody>
@@ -7302,7 +7898,7 @@
               <a:defRPr/>
             </a:pPr>
             <a:r>
-              <a:rPr lang="de-de" sz="1200" dirty="0">
+              <a:rPr lang="en-US" sz="1200">
                 <a:solidFill>
                   <a:srgbClr val="000000"/>
                 </a:solidFill>
@@ -7350,12 +7946,12 @@
               </a:spcAft>
             </a:pPr>
             <a:r>
-              <a:rPr lang="de-de" sz="1200" b="1" dirty="0">
+              <a:rPr lang="en-US" sz="1200" b="1">
                 <a:latin typeface="+mj-lt"/>
                 <a:ea typeface="Open Sans" pitchFamily="34" charset="0"/>
                 <a:cs typeface="Open Sans" pitchFamily="34" charset="0"/>
               </a:rPr>
-              <a:t>전화 지원</a:t>
+              <a:t>Phone Support</a:t>
             </a:r>
           </a:p>
         </p:txBody>
@@ -7388,21 +7984,21 @@
           <a:lstStyle/>
           <a:p>
             <a:r>
-              <a:rPr lang="de-de" sz="1000" dirty="0">
+              <a:rPr lang="en-US" sz="1000">
                 <a:solidFill>
                   <a:srgbClr val="020302"/>
                 </a:solidFill>
                 <a:latin typeface="AdobeClean-Light"/>
               </a:rPr>
-              <a:t>승인된 사용자 또는 지정 지원 담당자</a:t>
-            </a:r>
-            <a:r>
-              <a:rPr lang="de-de" sz="1000" dirty="0">
+              <a:t>Authorized users or Named Support Contacts </a:t>
+            </a:r>
+            <a:r>
+              <a:rPr lang="en-US" sz="1000">
                 <a:latin typeface="Adobe Clean Light" panose="020B0303020404020204" pitchFamily="34" charset="0"/>
               </a:rPr>
-              <a:t>는 사용 가능한 모든 채널(P1용 전화 포함)을 통해 문제를 제출하고 귀사를 대신하여 기술 지원 팀과 상호 작용할 수 있습니다. </a:t>
-            </a:r>
-            <a:endParaRPr lang="en-US" sz="1000" dirty="0">
+              <a:t>can submit issues through all available  channels (including phone for P1) and interact with our technical support team on behalf of your company. </a:t>
+            </a:r>
+            <a:endParaRPr lang="en-US" sz="1000">
               <a:solidFill>
                 <a:srgbClr val="000000"/>
               </a:solidFill>
@@ -7430,7 +8026,7 @@
         <p:spPr>
           <a:xfrm>
             <a:off x="5253416" y="9862966"/>
-            <a:ext cx="2518984" cy="132729"/>
+            <a:ext cx="2270125" cy="132729"/>
           </a:xfrm>
           <a:prstGeom prst="rect">
             <a:avLst/>
@@ -7451,16 +8047,24 @@
               </a:spcBef>
             </a:pPr>
             <a:r>
-              <a:rPr lang="de-de" spc="-5" dirty="0"/>
-              <a:t>©2021 Adobe. All Rights Reserved. Adobe</a:t>
-            </a:r>
-            <a:r>
-              <a:rPr lang="de-de" spc="60" dirty="0"/>
+              <a:rPr spc="-5"/>
+              <a:t>©202</a:t>
+            </a:r>
+            <a:r>
+              <a:rPr lang="en-US" spc="-5"/>
+              <a:t>1</a:t>
+            </a:r>
+            <a:r>
+              <a:rPr spc="-5"/>
+              <a:t> Adobe. All Rights Reserved. Adobe</a:t>
+            </a:r>
+            <a:r>
+              <a:rPr spc="60"/>
               <a:t> </a:t>
             </a:r>
             <a:r>
-              <a:rPr lang="de-de" spc="-5" dirty="0"/>
-              <a:t>기밀.</a:t>
+              <a:rPr spc="-5"/>
+              <a:t>Confidential.</a:t>
             </a:r>
           </a:p>
         </p:txBody>
@@ -7503,13 +8107,13 @@
               </a:spcAft>
             </a:pPr>
             <a:r>
-              <a:rPr lang="de-de" sz="1200" b="1" spc="-10" dirty="0">
+              <a:rPr lang="en-US" sz="1200" b="1" spc="-10">
                 <a:solidFill>
                   <a:srgbClr val="020302"/>
                 </a:solidFill>
                 <a:latin typeface="+mj-lt"/>
               </a:rPr>
-              <a:t>계정 지원 리드</a:t>
+              <a:t>Account Support Lead</a:t>
             </a:r>
           </a:p>
         </p:txBody>
@@ -7577,7 +8181,7 @@
         <p:spPr>
           <a:xfrm>
             <a:off x="318713" y="5432541"/>
-            <a:ext cx="2006640" cy="307777"/>
+            <a:ext cx="2180405" cy="307777"/>
           </a:xfrm>
           <a:prstGeom prst="rect">
             <a:avLst/>
@@ -7598,14 +8202,14 @@
               </a:spcBef>
             </a:pPr>
             <a:r>
-              <a:rPr lang="de-de" sz="1400" b="1" spc="-10" dirty="0">
+              <a:rPr lang="en-US" sz="1400" b="1" spc="-10" dirty="0">
                 <a:solidFill>
                   <a:srgbClr val="020302"/>
                 </a:solidFill>
                 <a:latin typeface="Adobe Clean"/>
                 <a:cs typeface="Adobe Clean"/>
               </a:rPr>
-              <a:t>온라인 지원 기능</a:t>
+              <a:t>Standard Support Features</a:t>
             </a:r>
             <a:endParaRPr lang="en-US" sz="1400" dirty="0">
               <a:latin typeface="Adobe Clean"/>
@@ -7698,16 +8302,16 @@
               </a:spcBef>
             </a:pPr>
             <a:r>
-              <a:rPr lang="de-de" sz="1400" b="1" spc="-10" dirty="0">
+              <a:rPr lang="en-US" sz="1400" b="1" spc="-10">
                 <a:solidFill>
                   <a:srgbClr val="020302"/>
                 </a:solidFill>
                 <a:latin typeface="Adobe Clean"/>
                 <a:cs typeface="Adobe Clean"/>
               </a:rPr>
-              <a:t>비즈니스 지원 기능</a:t>
-            </a:r>
-            <a:endParaRPr lang="en-US" sz="1400" dirty="0">
+              <a:t>Business  Support Features</a:t>
+            </a:r>
+            <a:endParaRPr lang="en-US" sz="1400">
               <a:latin typeface="Adobe Clean"/>
               <a:cs typeface="Adobe Clean"/>
             </a:endParaRPr>
@@ -7750,12 +8354,12 @@
               </a:spcBef>
             </a:pPr>
             <a:r>
-              <a:rPr lang="de-de" sz="1000" dirty="0">
+              <a:rPr lang="en-US" sz="1000">
                 <a:latin typeface="Adobe Clean Light" panose="020B0303020404020204" pitchFamily="34" charset="0"/>
               </a:rPr>
-              <a:t>고객은 지역별 지원 시간 동안 모든 P2, P3, P4 문제에 대해 전화를 통해 지원 사례를 제출할 수 있습니다. 지원을 요청할 수 있는 횟수에는 상한선이 없습니다. 고객은 또한 지원 팀에 콜백을 요청하거나 공유 원격 데스크탑 세션을 사용하여 문제를 시연하거나 해결하기 위한 회의를 요청할 수 있습니다.</a:t>
-            </a:r>
-            <a:endParaRPr lang="en-US" sz="1000" dirty="0">
+              <a:t>Customers can submit support cases via Phone for all P2, P3, P4 issues during regional support hours. There are no upper limits on the number of times you can call into support. Customers can also request a call back from support or request a meeting to demonstrate or work through an issue using a shared remote desktop session.</a:t>
+            </a:r>
+            <a:endParaRPr lang="en-US" sz="1000">
               <a:latin typeface="Adobe Clean Light" panose="020B0303020404020204" pitchFamily="34" charset="0"/>
               <a:cs typeface="AdobeClean-Light"/>
             </a:endParaRPr>
@@ -7800,13 +8404,13 @@
               </a:spcAft>
             </a:pPr>
             <a:r>
-              <a:rPr lang="de-de" sz="1200" b="1" spc="-10" dirty="0">
+              <a:rPr lang="en-US" sz="1200" b="1" spc="-10">
                 <a:solidFill>
                   <a:srgbClr val="020302"/>
                 </a:solidFill>
                 <a:latin typeface="+mj-lt"/>
               </a:rPr>
-              <a:t>실시간 전화 지원</a:t>
+              <a:t>Live Telephone Support</a:t>
             </a:r>
           </a:p>
         </p:txBody>
@@ -7847,15 +8451,15 @@
               </a:spcBef>
             </a:pPr>
             <a:r>
-              <a:rPr lang="de-de" sz="1000" dirty="0">
+              <a:rPr lang="en-US" sz="1000">
                 <a:solidFill>
                   <a:srgbClr val="4B4B4B"/>
                 </a:solidFill>
                 <a:latin typeface="Adobe Clean Light" panose="020B0303020404020204" pitchFamily="34" charset="0"/>
               </a:rPr>
-              <a:t>에스컬레이션 지원 및 정기 업데이트를 제공하고 진행 중인 지원 요청에서 가장 중요한 것에 우선 순위를 부여할 수 있는 Adobe 내의 지정된 담당자입니다.</a:t>
-            </a:r>
-            <a:endParaRPr lang="en-US" sz="1000" dirty="0">
+              <a:t>A designated point of contact within Adobe who can provide escalation assistance, regular updates and ensure priority is given to your most critical open support requests.</a:t>
+            </a:r>
+            <a:endParaRPr lang="en-US" sz="1000">
               <a:latin typeface="Adobe Clean Light" panose="020B0303020404020204" pitchFamily="34" charset="0"/>
               <a:cs typeface="AdobeClean-Light"/>
             </a:endParaRPr>
@@ -7900,13 +8504,13 @@
               </a:spcAft>
             </a:pPr>
             <a:r>
-              <a:rPr lang="de-de" sz="1200" b="1" spc="-10" dirty="0">
+              <a:rPr lang="en-US" sz="1200" b="1" spc="-10">
                 <a:solidFill>
                   <a:srgbClr val="020302"/>
                 </a:solidFill>
                 <a:latin typeface="+mj-lt"/>
               </a:rPr>
-              <a:t>에스컬레이션 관리</a:t>
+              <a:t>Escalation Management</a:t>
             </a:r>
           </a:p>
         </p:txBody>
@@ -7954,12 +8558,12 @@
               <a:defRPr/>
             </a:pPr>
             <a:r>
-              <a:rPr lang="de-de" sz="1200" dirty="0">
+              <a:rPr lang="en-US" sz="1200">
                 <a:solidFill>
                   <a:srgbClr val="000000"/>
                 </a:solidFill>
               </a:rPr>
-              <a:t>오피스 아워</a:t>
+              <a:t>Office Hours</a:t>
             </a:r>
           </a:p>
         </p:txBody>
@@ -8002,12 +8606,12 @@
               </a:spcAft>
             </a:pPr>
             <a:r>
-              <a:rPr lang="de-de" sz="1200" b="1" dirty="0">
+              <a:rPr lang="en-US" sz="1200" b="1">
                 <a:latin typeface="+mj-lt"/>
                 <a:ea typeface="Open Sans" pitchFamily="34" charset="0"/>
                 <a:cs typeface="Open Sans" pitchFamily="34" charset="0"/>
               </a:rPr>
-              <a:t>웨비나</a:t>
+              <a:t>Webinars</a:t>
             </a:r>
           </a:p>
         </p:txBody>
@@ -8040,13 +8644,13 @@
           <a:lstStyle/>
           <a:p>
             <a:r>
-              <a:rPr lang="de-de" sz="1000" dirty="0">
+              <a:rPr lang="en-US" sz="1000">
                 <a:solidFill>
                   <a:srgbClr val="000000"/>
                 </a:solidFill>
                 <a:latin typeface="Adobe Clean Light" panose="020B0303020404020204" pitchFamily="34" charset="0"/>
               </a:rPr>
-              <a:t>오피스 아워(Office Hours)는 Adobe 고객 지원 팀에서 진행하는 이니셔티브입니다. 이러한 세션은 참가자가 문제를 해결하도록 관련 정보를 제공하여 도움을 주고 Adobe Experience Cloud를 성공적으로 사용할 수 있는 팁과 요령을 제공하기 위해 설계되었습니다.</a:t>
+              <a:t>Office Hours is an initiative led by the Adobe Customer Support team. These sessions are designed to inform as well as help participants troubleshoot problems and provide tips and tricks to be successful with Adobe Experience Cloud.</a:t>
             </a:r>
           </a:p>
         </p:txBody>
@@ -8089,12 +8693,12 @@
               </a:spcAft>
             </a:pPr>
             <a:r>
-              <a:rPr lang="de-de" sz="1200" b="1" dirty="0">
+              <a:rPr lang="en-US" sz="1200" b="1">
                 <a:latin typeface="+mj-lt"/>
                 <a:ea typeface="Open Sans" pitchFamily="34" charset="0"/>
                 <a:cs typeface="Open Sans" pitchFamily="34" charset="0"/>
               </a:rPr>
-              <a:t>24/7 지원 포털</a:t>
+              <a:t>24/7 Support Portal</a:t>
             </a:r>
           </a:p>
         </p:txBody>
@@ -8127,30 +8731,37 @@
           <a:lstStyle/>
           <a:p>
             <a:r>
-              <a:rPr lang="de-de" sz="1000" dirty="0">
+              <a:rPr lang="en-US" sz="1000">
                 <a:solidFill>
                   <a:srgbClr val="000000"/>
                 </a:solidFill>
                 <a:latin typeface="Adobe Clean Light" panose="020B0303020404020204" pitchFamily="34" charset="0"/>
               </a:rPr>
-              <a:t>지원 요청을 제출하고 사례 상태를 검토하고 기술 자료, 뉴스 및 알림, 추천 팁 등과 같은 기타 리소스를 검색할 수 있는 온라인 </a:t>
-            </a:r>
-            <a:br/>
-            <a:r>
-              <a:rPr lang="de-de" sz="1000" dirty="0">
+              <a:t>On-demand access to the online </a:t>
+            </a:r>
+            <a:br>
+              <a:rPr lang="en-US" sz="1000">
                 <a:solidFill>
                   <a:srgbClr val="000000"/>
                 </a:solidFill>
                 <a:latin typeface="Adobe Clean Light" panose="020B0303020404020204" pitchFamily="34" charset="0"/>
               </a:rPr>
-              <a:t>자가 진단 지원 포털에 대한 온디맨드 액세스입니다.</a:t>
+            </a:br>
+            <a:r>
+              <a:rPr lang="en-US" sz="1000">
+                <a:solidFill>
+                  <a:srgbClr val="000000"/>
+                </a:solidFill>
+                <a:latin typeface="Adobe Clean Light" panose="020B0303020404020204" pitchFamily="34" charset="0"/>
+              </a:rPr>
+              <a:t>Self-help Support Portal to submit support requests, review case status, and browse other resources, like our knowledgebase, news and alerts, featured tips, and more.</a:t>
             </a:r>
           </a:p>
         </p:txBody>
       </p:sp>
       <p:pic>
         <p:nvPicPr>
-          <p:cNvPr id="13" name="Graphic 12" descr="플레이북 개요">
+          <p:cNvPr id="13" name="Graphic 12" descr="Playbook outline">
             <a:extLst>
               <a:ext uri="{FF2B5EF4-FFF2-40B4-BE49-F238E27FC236}">
                 <a16:creationId xmlns:a16="http://schemas.microsoft.com/office/drawing/2014/main" id="{EA91EF06-4BFE-9B42-9A4B-1146BB3FDFD3}"/>
@@ -8189,7 +8800,7 @@
       </p:pic>
       <p:pic>
         <p:nvPicPr>
-          <p:cNvPr id="15" name="Graphic 14" descr="사용자 개요">
+          <p:cNvPr id="15" name="Graphic 14" descr="User outline">
             <a:extLst>
               <a:ext uri="{FF2B5EF4-FFF2-40B4-BE49-F238E27FC236}">
                 <a16:creationId xmlns:a16="http://schemas.microsoft.com/office/drawing/2014/main" id="{432C176A-FCAC-A645-A2E4-E6AD4A602868}"/>
@@ -8255,10 +8866,10 @@
           <a:lstStyle/>
           <a:p>
             <a:r>
-              <a:rPr lang="de-de" sz="1200" b="1" dirty="0">
+              <a:rPr lang="en-US" sz="1200" b="1">
                 <a:latin typeface="+mj-lt"/>
               </a:rPr>
-              <a:t>비즈니스 서비스</a:t>
+              <a:t>Business Services</a:t>
             </a:r>
           </a:p>
         </p:txBody>
@@ -8299,12 +8910,12 @@
               </a:spcBef>
             </a:pPr>
             <a:r>
-              <a:rPr lang="de-de" sz="1000" dirty="0">
+              <a:rPr lang="en-US" sz="1000">
                 <a:latin typeface="Adobe Clean Light" panose="020B0303020404020204" pitchFamily="34" charset="0"/>
               </a:rPr>
-              <a:t>계정 지원 리드가 비즈니스 지원 서비스의 개요를 다루는 웨비나를 진행합니다.  </a:t>
-            </a:r>
-            <a:endParaRPr lang="en-US" sz="1000" dirty="0">
+              <a:t>An Account Support Lead will host webinars covering an overview of business support services.  </a:t>
+            </a:r>
+            <a:endParaRPr lang="en-US" sz="1000">
               <a:latin typeface="Adobe Clean Light" panose="020B0303020404020204" pitchFamily="34" charset="0"/>
               <a:cs typeface="AdobeClean-Light"/>
             </a:endParaRPr>
@@ -8368,7 +8979,7 @@
       </p:sp>
       <p:pic>
         <p:nvPicPr>
-          <p:cNvPr id="8" name="Graphic 7" descr="콜 센터 개요">
+          <p:cNvPr id="8" name="Graphic 7" descr="Call center outline">
             <a:extLst>
               <a:ext uri="{FF2B5EF4-FFF2-40B4-BE49-F238E27FC236}">
                 <a16:creationId xmlns:a16="http://schemas.microsoft.com/office/drawing/2014/main" id="{76C5F4CC-9EB1-9A40-B7CD-9238D7CBD210}"/>
@@ -8407,7 +9018,7 @@
       </p:pic>
       <p:pic>
         <p:nvPicPr>
-          <p:cNvPr id="12" name="Graphic 11" descr="말풍선 개요">
+          <p:cNvPr id="12" name="Graphic 11" descr="Chat bubble outline">
             <a:extLst>
               <a:ext uri="{FF2B5EF4-FFF2-40B4-BE49-F238E27FC236}">
                 <a16:creationId xmlns:a16="http://schemas.microsoft.com/office/drawing/2014/main" id="{622BBF30-302E-BB48-9742-E046EB16E213}"/>
@@ -8446,7 +9057,7 @@
       </p:pic>
       <p:pic>
         <p:nvPicPr>
-          <p:cNvPr id="16" name="Graphic 15" descr="나침반 개요">
+          <p:cNvPr id="16" name="Graphic 15" descr="Compass outline">
             <a:extLst>
               <a:ext uri="{FF2B5EF4-FFF2-40B4-BE49-F238E27FC236}">
                 <a16:creationId xmlns:a16="http://schemas.microsoft.com/office/drawing/2014/main" id="{8D3635BD-68A2-174E-92F8-1EE608E3F409}"/>
@@ -8485,7 +9096,7 @@
       </p:pic>
       <p:pic>
         <p:nvPicPr>
-          <p:cNvPr id="18" name="Graphic 17" descr="스피커폰 개요">
+          <p:cNvPr id="18" name="Graphic 17" descr="Speaker phone outline">
             <a:extLst>
               <a:ext uri="{FF2B5EF4-FFF2-40B4-BE49-F238E27FC236}">
                 <a16:creationId xmlns:a16="http://schemas.microsoft.com/office/drawing/2014/main" id="{CD7C3546-DF6C-1748-9DE2-3DE0B393FD70}"/>
@@ -8524,7 +9135,7 @@
       </p:pic>
       <p:pic>
         <p:nvPicPr>
-          <p:cNvPr id="20" name="Graphic 19" descr="고객 리뷰 개요">
+          <p:cNvPr id="20" name="Graphic 19" descr="Customer review outline">
             <a:extLst>
               <a:ext uri="{FF2B5EF4-FFF2-40B4-BE49-F238E27FC236}">
                 <a16:creationId xmlns:a16="http://schemas.microsoft.com/office/drawing/2014/main" id="{88BA5AB9-C7BF-714C-B301-F3911BFCE82B}"/>
@@ -8563,7 +9174,7 @@
       </p:pic>
       <p:pic>
         <p:nvPicPr>
-          <p:cNvPr id="24" name="Graphic 23" descr="길잡이 개요">
+          <p:cNvPr id="24" name="Graphic 23" descr="Signpost outline">
             <a:extLst>
               <a:ext uri="{FF2B5EF4-FFF2-40B4-BE49-F238E27FC236}">
                 <a16:creationId xmlns:a16="http://schemas.microsoft.com/office/drawing/2014/main" id="{98A2CDD0-0973-5C41-9864-EAF96E20A224}"/>
@@ -8602,7 +9213,7 @@
       </p:pic>
       <p:pic>
         <p:nvPicPr>
-          <p:cNvPr id="26" name="Graphic 25" descr="인터넷 개요">
+          <p:cNvPr id="26" name="Graphic 25" descr="Internet outline">
             <a:extLst>
               <a:ext uri="{FF2B5EF4-FFF2-40B4-BE49-F238E27FC236}">
                 <a16:creationId xmlns:a16="http://schemas.microsoft.com/office/drawing/2014/main" id="{D97D0963-4E70-534E-A452-83995F1FACDE}"/>
@@ -8641,7 +9252,7 @@
       </p:pic>
       <p:pic>
         <p:nvPicPr>
-          <p:cNvPr id="28" name="Graphic 27" descr="원격 학습 언어 개요">
+          <p:cNvPr id="28" name="Graphic 27" descr="Remote learning language outline">
             <a:extLst>
               <a:ext uri="{FF2B5EF4-FFF2-40B4-BE49-F238E27FC236}">
                 <a16:creationId xmlns:a16="http://schemas.microsoft.com/office/drawing/2014/main" id="{5F425BA3-573C-1A4A-9418-FC3AB02B28C2}"/>
@@ -8776,12 +9387,12 @@
               <a:defRPr/>
             </a:pPr>
             <a:r>
-              <a:rPr lang="de-de" sz="1200" dirty="0">
+              <a:rPr lang="en-US" sz="1200">
                 <a:solidFill>
                   <a:srgbClr val="000000"/>
                 </a:solidFill>
               </a:rPr>
-              <a:t>자가 진단 포털</a:t>
+              <a:t>Self– Help Portal</a:t>
             </a:r>
           </a:p>
         </p:txBody>
@@ -8829,7 +9440,7 @@
               <a:defRPr/>
             </a:pPr>
             <a:r>
-              <a:rPr lang="de-de" sz="1200" dirty="0">
+              <a:rPr lang="en-US" sz="1200">
                 <a:solidFill>
                   <a:srgbClr val="000000"/>
                 </a:solidFill>
@@ -8891,17 +9502,17 @@
               </a:lnSpc>
             </a:pPr>
             <a:r>
-              <a:rPr lang="de-de" sz="500" spc="-5" dirty="0">
+              <a:rPr sz="500" spc="-5">
                 <a:solidFill>
                   <a:srgbClr val="6C6C6C"/>
                 </a:solidFill>
                 <a:latin typeface="Adobe Clean"/>
                 <a:cs typeface="Adobe Clean"/>
               </a:rPr>
-              <a:t>© 2020 Adobe.  All Rights Reserved. </a:t>
-            </a:r>
-            <a:r>
-              <a:rPr lang="de-de" sz="500" dirty="0">
+              <a:t>©2020 Adobe. All Rights Reserved. </a:t>
+            </a:r>
+            <a:r>
+              <a:rPr sz="500">
                 <a:solidFill>
                   <a:srgbClr val="6C6C6C"/>
                 </a:solidFill>
@@ -8911,7 +9522,7 @@
               <a:t>Adobe</a:t>
             </a:r>
             <a:r>
-              <a:rPr lang="de-de" sz="500" spc="5" dirty="0">
+              <a:rPr sz="500" spc="5">
                 <a:solidFill>
                   <a:srgbClr val="6C6C6C"/>
                 </a:solidFill>
@@ -8921,14 +9532,14 @@
               <a:t> </a:t>
             </a:r>
             <a:r>
-              <a:rPr lang="de-de" sz="500" spc="-5" dirty="0">
+              <a:rPr sz="500" spc="-5">
                 <a:solidFill>
                   <a:srgbClr val="6C6C6C"/>
                 </a:solidFill>
                 <a:latin typeface="Adobe Clean"/>
                 <a:cs typeface="Adobe Clean"/>
               </a:rPr>
-              <a:t>기밀.</a:t>
+              <a:t>Confidential.</a:t>
             </a:r>
             <a:endParaRPr sz="500">
               <a:latin typeface="Adobe Clean"/>
@@ -8959,17 +9570,17 @@
               </a:spcBef>
             </a:pPr>
             <a:r>
-              <a:rPr lang="de-de" sz="800" spc="-5" dirty="0">
+              <a:rPr sz="800" spc="-5">
                 <a:solidFill>
                   <a:srgbClr val="6D6D6D"/>
                 </a:solidFill>
                 <a:latin typeface="Adobe Clean"/>
                 <a:cs typeface="Adobe Clean"/>
               </a:rPr>
-              <a:t>© 2020 Adobe.  All Rights Reserved. Adobe</a:t>
-            </a:r>
-            <a:r>
-              <a:rPr lang="de-de" sz="800" spc="75" dirty="0">
+              <a:t>©2020 Adobe. All Rights Reserved. Adobe</a:t>
+            </a:r>
+            <a:r>
+              <a:rPr sz="800" spc="75">
                 <a:solidFill>
                   <a:srgbClr val="6D6D6D"/>
                 </a:solidFill>
@@ -8979,14 +9590,14 @@
               <a:t> </a:t>
             </a:r>
             <a:r>
-              <a:rPr lang="de-de" sz="800" spc="-5" dirty="0">
+              <a:rPr sz="800" spc="-5">
                 <a:solidFill>
                   <a:srgbClr val="6D6D6D"/>
                 </a:solidFill>
                 <a:latin typeface="Adobe Clean"/>
                 <a:cs typeface="Adobe Clean"/>
               </a:rPr>
-              <a:t>기밀.</a:t>
+              <a:t>Confidential.</a:t>
             </a:r>
             <a:endParaRPr sz="800">
               <a:latin typeface="Adobe Clean"/>
@@ -9075,16 +9686,16 @@
               </a:spcBef>
             </a:pPr>
             <a:r>
-              <a:rPr lang="de-de" sz="1400" b="1" spc="-15" dirty="0">
+              <a:rPr lang="en-US" sz="1400" b="1" spc="-15">
                 <a:solidFill>
                   <a:srgbClr val="020302"/>
                 </a:solidFill>
                 <a:latin typeface="Adobe Clean"/>
                 <a:cs typeface="Adobe Clean"/>
               </a:rPr>
-              <a:t>리소스</a:t>
-            </a:r>
-            <a:endParaRPr sz="1400" dirty="0">
+              <a:t>Resources</a:t>
+            </a:r>
+            <a:endParaRPr sz="1400">
               <a:latin typeface="Adobe Clean"/>
               <a:cs typeface="Adobe Clean"/>
             </a:endParaRPr>
@@ -9121,7 +9732,7 @@
               </a:spcBef>
             </a:pPr>
             <a:r>
-              <a:rPr lang="de-de" sz="800" spc="-15" dirty="0">
+              <a:rPr sz="800" spc="-15">
                 <a:solidFill>
                   <a:srgbClr val="777879"/>
                 </a:solidFill>
@@ -9142,7 +9753,7 @@
               </a:lnSpc>
             </a:pPr>
             <a:r>
-              <a:rPr lang="de-de" sz="800" spc="-15" dirty="0">
+              <a:rPr sz="800" spc="-15">
                 <a:solidFill>
                   <a:srgbClr val="777879"/>
                 </a:solidFill>
@@ -9152,7 +9763,7 @@
               <a:t>345 Park</a:t>
             </a:r>
             <a:r>
-              <a:rPr lang="de-de" sz="800" spc="-100" dirty="0">
+              <a:rPr sz="800" spc="-100">
                 <a:solidFill>
                   <a:srgbClr val="777879"/>
                 </a:solidFill>
@@ -9162,7 +9773,7 @@
               <a:t> </a:t>
             </a:r>
             <a:r>
-              <a:rPr lang="de-de" sz="800" spc="-15" dirty="0">
+              <a:rPr sz="800" spc="-15">
                 <a:solidFill>
                   <a:srgbClr val="777879"/>
                 </a:solidFill>
@@ -9183,7 +9794,7 @@
               </a:lnSpc>
             </a:pPr>
             <a:r>
-              <a:rPr lang="de-de" sz="800" spc="-10" dirty="0">
+              <a:rPr sz="800" spc="-10">
                 <a:solidFill>
                   <a:srgbClr val="777879"/>
                 </a:solidFill>
@@ -9193,7 +9804,7 @@
               <a:t>San </a:t>
             </a:r>
             <a:r>
-              <a:rPr lang="de-de" sz="800" spc="-15" dirty="0">
+              <a:rPr sz="800" spc="-15">
                 <a:solidFill>
                   <a:srgbClr val="777879"/>
                 </a:solidFill>
@@ -9203,7 +9814,7 @@
               <a:t>Jose,</a:t>
             </a:r>
             <a:r>
-              <a:rPr lang="de-de" sz="800" spc="-140" dirty="0">
+              <a:rPr sz="800" spc="-140">
                 <a:solidFill>
                   <a:srgbClr val="777879"/>
                 </a:solidFill>
@@ -9213,7 +9824,7 @@
               <a:t> </a:t>
             </a:r>
             <a:r>
-              <a:rPr lang="de-de" sz="800" spc="-20" dirty="0">
+              <a:rPr sz="800" spc="-20">
                 <a:solidFill>
                   <a:srgbClr val="777879"/>
                 </a:solidFill>
@@ -9237,7 +9848,7 @@
               </a:spcBef>
             </a:pPr>
             <a:r>
-              <a:rPr lang="de-de" sz="800" spc="-10" dirty="0">
+              <a:rPr sz="800" spc="-10">
                 <a:solidFill>
                   <a:srgbClr val="777879"/>
                 </a:solidFill>
@@ -9261,7 +9872,7 @@
               </a:spcBef>
             </a:pPr>
             <a:r>
-              <a:rPr lang="de-de" sz="800" u="sng" spc="-25" dirty="0">
+              <a:rPr sz="800" u="sng" spc="-25">
                 <a:solidFill>
                   <a:srgbClr val="5F5F5F"/>
                 </a:solidFill>
@@ -9274,7 +9885,7 @@
                 <a:cs typeface="Adobe Clean"/>
                 <a:hlinkClick r:id="rId3"/>
               </a:rPr>
-              <a:t>www.adobe.com/kr/</a:t>
+              <a:t>www.adobe.com</a:t>
             </a:r>
             <a:endParaRPr sz="800">
               <a:latin typeface="Adobe Clean"/>
@@ -9440,7 +10051,7 @@
           </a:prstGeom>
         </p:spPr>
         <p:txBody>
-          <a:bodyPr vert="horz" wrap="square" lIns="0" tIns="29845" rIns="0" bIns="0" rtlCol="0">
+          <a:bodyPr vert="horz" wrap="square" lIns="0" tIns="29845" rIns="0" bIns="0" rtlCol="0" anchor="t">
             <a:spAutoFit/>
           </a:bodyPr>
           <a:lstStyle/>
@@ -9454,17 +10065,17 @@
               </a:spcBef>
             </a:pPr>
             <a:r>
-              <a:rPr lang="de-de" sz="1100" i="1" spc="-10" dirty="0">
+              <a:rPr sz="1100" i="1" spc="-10">
                 <a:solidFill>
                   <a:srgbClr val="777879"/>
                 </a:solidFill>
                 <a:latin typeface="AdobeClean-LightIt"/>
                 <a:cs typeface="AdobeClean-LightIt"/>
               </a:rPr>
-              <a:t>Adobe</a:t>
-            </a:r>
-            <a:r>
-              <a:rPr lang="de-de" sz="1100" i="1" spc="-50" dirty="0">
+              <a:t>To</a:t>
+            </a:r>
+            <a:r>
+              <a:rPr sz="1100" i="1" spc="-50">
                 <a:solidFill>
                   <a:srgbClr val="777879"/>
                 </a:solidFill>
@@ -9474,17 +10085,17 @@
               <a:t> </a:t>
             </a:r>
             <a:r>
-              <a:rPr lang="de-de" sz="1100" i="1" spc="-15" dirty="0">
+              <a:rPr sz="1100" i="1" spc="-15">
                 <a:solidFill>
                   <a:srgbClr val="777879"/>
                 </a:solidFill>
                 <a:latin typeface="AdobeClean-LightIt"/>
                 <a:cs typeface="AdobeClean-LightIt"/>
               </a:rPr>
-              <a:t>지원</a:t>
-            </a:r>
-            <a:r>
-              <a:rPr lang="de-de" sz="1100" i="1" spc="-40" dirty="0">
+              <a:t>learn</a:t>
+            </a:r>
+            <a:r>
+              <a:rPr sz="1100" i="1" spc="-40">
                 <a:solidFill>
                   <a:srgbClr val="777879"/>
                 </a:solidFill>
@@ -9494,17 +10105,17 @@
               <a:t> </a:t>
             </a:r>
             <a:r>
-              <a:rPr lang="de-de" sz="1100" i="1" spc="-15" dirty="0">
+              <a:rPr sz="1100" i="1" spc="-15">
                 <a:solidFill>
                   <a:srgbClr val="777879"/>
                 </a:solidFill>
                 <a:latin typeface="AdobeClean-LightIt"/>
                 <a:cs typeface="AdobeClean-LightIt"/>
               </a:rPr>
-              <a:t>서비스</a:t>
-            </a:r>
-            <a:r>
-              <a:rPr lang="de-de" sz="1100" i="1" spc="-45" dirty="0">
+              <a:t>more</a:t>
+            </a:r>
+            <a:r>
+              <a:rPr sz="1100" i="1" spc="-45">
                 <a:solidFill>
                   <a:srgbClr val="777879"/>
                 </a:solidFill>
@@ -9514,17 +10125,17 @@
               <a:t> </a:t>
             </a:r>
             <a:r>
-              <a:rPr lang="de-de" sz="1100" i="1" spc="-15" dirty="0">
+              <a:rPr sz="1100" i="1" spc="-15">
                 <a:solidFill>
                   <a:srgbClr val="777879"/>
                 </a:solidFill>
                 <a:latin typeface="AdobeClean-LightIt"/>
                 <a:cs typeface="AdobeClean-LightIt"/>
               </a:rPr>
-              <a:t>제공</a:t>
-            </a:r>
-            <a:r>
-              <a:rPr lang="de-de" sz="1100" i="1" spc="-45" dirty="0">
+              <a:t>about</a:t>
+            </a:r>
+            <a:r>
+              <a:rPr sz="1100" i="1" spc="-45">
                 <a:solidFill>
                   <a:srgbClr val="777879"/>
                 </a:solidFill>
@@ -9534,17 +10145,17 @@
               <a:t> </a:t>
             </a:r>
             <a:r>
-              <a:rPr lang="de-de" sz="1100" i="1" spc="-15" dirty="0">
+              <a:rPr sz="1100" i="1" spc="-15">
                 <a:solidFill>
                   <a:srgbClr val="777879"/>
                 </a:solidFill>
                 <a:latin typeface="AdobeClean-LightIt"/>
                 <a:cs typeface="AdobeClean-LightIt"/>
               </a:rPr>
-              <a:t>사항</a:t>
-            </a:r>
-            <a:r>
-              <a:rPr lang="de-de" sz="1100" i="1" spc="-50" dirty="0">
+              <a:t>Adobe</a:t>
+            </a:r>
+            <a:r>
+              <a:rPr sz="1100" i="1" spc="-50">
                 <a:solidFill>
                   <a:srgbClr val="777879"/>
                 </a:solidFill>
@@ -9554,27 +10165,27 @@
               <a:t> </a:t>
             </a:r>
             <a:r>
-              <a:rPr lang="de-de" sz="1100" i="1" spc="-15" dirty="0">
+              <a:rPr sz="1100" i="1" spc="-15">
                 <a:solidFill>
                   <a:srgbClr val="777879"/>
                 </a:solidFill>
                 <a:latin typeface="AdobeClean-LightIt"/>
                 <a:cs typeface="AdobeClean-LightIt"/>
               </a:rPr>
-              <a:t>및 </a:t>
-            </a:r>
-            <a:r>
-              <a:rPr lang="de-de" sz="1100" i="1" spc="-75" dirty="0">
+              <a:t>Support</a:t>
+            </a:r>
+            <a:r>
+              <a:rPr lang="en-US" sz="1100" i="1" spc="-15">
                 <a:solidFill>
                   <a:srgbClr val="777879"/>
                 </a:solidFill>
                 <a:latin typeface="AdobeClean-LightIt"/>
                 <a:cs typeface="AdobeClean-LightIt"/>
               </a:rPr>
-              <a:t>적합한</a:t>
-            </a:r>
-            <a:r>
-              <a:rPr lang="de-de" sz="1100" i="1" spc="-15" dirty="0">
+              <a:t> Offerings</a:t>
+            </a:r>
+            <a:r>
+              <a:rPr sz="1100" i="1" spc="-75">
                 <a:solidFill>
                   <a:srgbClr val="777879"/>
                 </a:solidFill>
@@ -9584,17 +10195,17 @@
               <a:t> </a:t>
             </a:r>
             <a:r>
-              <a:rPr lang="de-de" sz="1100" i="1" spc="-50" dirty="0">
+              <a:rPr sz="1100" i="1" spc="-15">
                 <a:solidFill>
                   <a:srgbClr val="777879"/>
                 </a:solidFill>
                 <a:latin typeface="AdobeClean-LightIt"/>
                 <a:cs typeface="AdobeClean-LightIt"/>
               </a:rPr>
-              <a:t>지원</a:t>
-            </a:r>
-            <a:r>
-              <a:rPr lang="de-de" sz="1100" i="1" spc="-15" dirty="0">
+              <a:t>and</a:t>
+            </a:r>
+            <a:r>
+              <a:rPr sz="1100" i="1" spc="-50">
                 <a:solidFill>
                   <a:srgbClr val="777879"/>
                 </a:solidFill>
@@ -9604,17 +10215,17 @@
               <a:t> </a:t>
             </a:r>
             <a:r>
-              <a:rPr lang="de-de" sz="1100" i="1" spc="-55" dirty="0">
+              <a:rPr sz="1100" i="1" spc="-15">
                 <a:solidFill>
                   <a:srgbClr val="777879"/>
                 </a:solidFill>
                 <a:latin typeface="AdobeClean-LightIt"/>
                 <a:cs typeface="AdobeClean-LightIt"/>
               </a:rPr>
-              <a:t>수준에</a:t>
-            </a:r>
-            <a:r>
-              <a:rPr lang="de-de" sz="1100" i="1" spc="-15" dirty="0">
+              <a:t>the</a:t>
+            </a:r>
+            <a:r>
+              <a:rPr sz="1100" i="1" spc="-55">
                 <a:solidFill>
                   <a:srgbClr val="777879"/>
                 </a:solidFill>
@@ -9624,17 +10235,17 @@
               <a:t> </a:t>
             </a:r>
             <a:r>
-              <a:rPr lang="de-de" sz="1100" i="1" spc="-95" dirty="0">
+              <a:rPr sz="1100" i="1" spc="-15">
                 <a:solidFill>
                   <a:srgbClr val="777879"/>
                 </a:solidFill>
                 <a:latin typeface="AdobeClean-LightIt"/>
                 <a:cs typeface="AdobeClean-LightIt"/>
               </a:rPr>
-              <a:t>대해</a:t>
-            </a:r>
-            <a:r>
-              <a:rPr lang="de-de" sz="1100" i="1" spc="-15" dirty="0">
+              <a:t>right</a:t>
+            </a:r>
+            <a:r>
+              <a:rPr sz="1100" i="1" spc="-95">
                 <a:solidFill>
                   <a:srgbClr val="777879"/>
                 </a:solidFill>
@@ -9644,17 +10255,17 @@
               <a:t> </a:t>
             </a:r>
             <a:r>
-              <a:rPr lang="de-de" sz="1100" i="1" spc="-55" dirty="0">
+              <a:rPr sz="1100" i="1" spc="-15">
                 <a:solidFill>
                   <a:srgbClr val="777879"/>
                 </a:solidFill>
                 <a:latin typeface="AdobeClean-LightIt"/>
                 <a:cs typeface="AdobeClean-LightIt"/>
               </a:rPr>
-              <a:t>자세히</a:t>
-            </a:r>
-            <a:r>
-              <a:rPr lang="de-de" sz="1100" i="1" spc="-15" dirty="0">
+              <a:t>level</a:t>
+            </a:r>
+            <a:r>
+              <a:rPr sz="1100" i="1" spc="-55">
                 <a:solidFill>
                   <a:srgbClr val="777879"/>
                 </a:solidFill>
@@ -9664,17 +10275,17 @@
               <a:t> </a:t>
             </a:r>
             <a:r>
-              <a:rPr lang="de-de" sz="1100" i="1" spc="-85" dirty="0">
+              <a:rPr sz="1100" i="1" spc="-15">
                 <a:solidFill>
                   <a:srgbClr val="777879"/>
                 </a:solidFill>
                 <a:latin typeface="AdobeClean-LightIt"/>
                 <a:cs typeface="AdobeClean-LightIt"/>
               </a:rPr>
-              <a:t>알아보려면</a:t>
-            </a:r>
-            <a:r>
-              <a:rPr lang="de-de" sz="1100" i="1" spc="-15" dirty="0">
+              <a:t>for</a:t>
+            </a:r>
+            <a:r>
+              <a:rPr sz="1100" i="1" spc="-85">
                 <a:solidFill>
                   <a:srgbClr val="777879"/>
                 </a:solidFill>
@@ -9684,17 +10295,17 @@
               <a:t> </a:t>
             </a:r>
             <a:r>
-              <a:rPr lang="de-de" sz="1100" i="1" spc="-65" dirty="0">
+              <a:rPr sz="1100" i="1" spc="-15">
                 <a:solidFill>
                   <a:srgbClr val="777879"/>
                 </a:solidFill>
                 <a:latin typeface="AdobeClean-LightIt"/>
                 <a:cs typeface="AdobeClean-LightIt"/>
               </a:rPr>
-              <a:t>지정</a:t>
-            </a:r>
-            <a:r>
-              <a:rPr lang="de-de" sz="1100" i="1" spc="-15" dirty="0">
+              <a:t>you,</a:t>
+            </a:r>
+            <a:r>
+              <a:rPr sz="1100" i="1" spc="-65">
                 <a:solidFill>
                   <a:srgbClr val="777879"/>
                 </a:solidFill>
@@ -9704,17 +10315,17 @@
               <a:t> </a:t>
             </a:r>
             <a:r>
-              <a:rPr lang="de-de" sz="1100" i="1" spc="-85" dirty="0">
+              <a:rPr sz="1100" i="1" spc="-15">
                 <a:solidFill>
                   <a:srgbClr val="777879"/>
                 </a:solidFill>
                 <a:latin typeface="AdobeClean-LightIt"/>
                 <a:cs typeface="AdobeClean-LightIt"/>
               </a:rPr>
-              <a:t>계정</a:t>
-            </a:r>
-            <a:r>
-              <a:rPr lang="de-de" sz="1100" i="1" spc="-15" dirty="0">
+              <a:t>contact</a:t>
+            </a:r>
+            <a:r>
+              <a:rPr sz="1100" i="1" spc="-85">
                 <a:solidFill>
                   <a:srgbClr val="777879"/>
                 </a:solidFill>
@@ -9724,17 +10335,17 @@
               <a:t> </a:t>
             </a:r>
             <a:r>
-              <a:rPr lang="de-de" sz="1100" i="1" spc="-70" dirty="0">
+              <a:rPr sz="1100" i="1" spc="-15">
                 <a:solidFill>
                   <a:srgbClr val="777879"/>
                 </a:solidFill>
                 <a:latin typeface="AdobeClean-LightIt"/>
                 <a:cs typeface="AdobeClean-LightIt"/>
               </a:rPr>
-              <a:t>관리자(NAM)</a:t>
-            </a:r>
-            <a:r>
-              <a:rPr lang="de-de" sz="1100" i="1" spc="-15" dirty="0">
+              <a:t>your</a:t>
+            </a:r>
+            <a:r>
+              <a:rPr sz="1100" i="1" spc="-70">
                 <a:solidFill>
                   <a:srgbClr val="777879"/>
                 </a:solidFill>
@@ -9744,17 +10355,17 @@
               <a:t> </a:t>
             </a:r>
             <a:r>
-              <a:rPr lang="de-de" sz="1100" i="1" spc="-55" dirty="0">
+              <a:rPr sz="1100" i="1" spc="-15">
                 <a:solidFill>
                   <a:srgbClr val="777879"/>
                 </a:solidFill>
                 <a:latin typeface="AdobeClean-LightIt"/>
                 <a:cs typeface="AdobeClean-LightIt"/>
               </a:rPr>
-              <a:t>또는</a:t>
-            </a:r>
-            <a:r>
-              <a:rPr lang="de-de" sz="1100" i="1" spc="-25" dirty="0">
+              <a:t>Named</a:t>
+            </a:r>
+            <a:r>
+              <a:rPr sz="1100" i="1" spc="-55">
                 <a:solidFill>
                   <a:srgbClr val="777879"/>
                 </a:solidFill>
@@ -9764,17 +10375,17 @@
               <a:t> </a:t>
             </a:r>
             <a:r>
-              <a:rPr lang="de-de" sz="1100" i="1" spc="-120" dirty="0">
+              <a:rPr sz="1100" i="1" spc="-25">
                 <a:solidFill>
                   <a:srgbClr val="777879"/>
                 </a:solidFill>
                 <a:latin typeface="AdobeClean-LightIt"/>
                 <a:cs typeface="AdobeClean-LightIt"/>
               </a:rPr>
-              <a:t>고객</a:t>
-            </a:r>
-            <a:r>
-              <a:rPr lang="de-de" sz="1100" i="1" spc="-20" dirty="0">
+              <a:t>Account</a:t>
+            </a:r>
+            <a:r>
+              <a:rPr sz="1100" i="1" spc="-120">
                 <a:solidFill>
                   <a:srgbClr val="777879"/>
                 </a:solidFill>
@@ -9784,56 +10395,106 @@
               <a:t> </a:t>
             </a:r>
             <a:r>
-              <a:rPr lang="de-de" sz="1100" i="1" spc="-15" dirty="0">
+              <a:rPr sz="1100" i="1" spc="-20">
                 <a:solidFill>
                   <a:srgbClr val="777879"/>
                 </a:solidFill>
                 <a:latin typeface="AdobeClean-LightIt"/>
                 <a:cs typeface="AdobeClean-LightIt"/>
               </a:rPr>
-              <a:t>성공</a:t>
-            </a:r>
-            <a:r>
-              <a:rPr lang="de-de" sz="1100" i="1" spc="-10" dirty="0">
+              <a:t>Manager</a:t>
+            </a:r>
+            <a:r>
+              <a:rPr lang="en-US" sz="1100" i="1" spc="-20">
                 <a:solidFill>
                   <a:srgbClr val="777879"/>
                 </a:solidFill>
                 <a:latin typeface="AdobeClean-LightIt"/>
                 <a:cs typeface="AdobeClean-LightIt"/>
               </a:rPr>
-              <a:t> </a:t>
-            </a:r>
-            <a:r>
-              <a:rPr lang="de-de" sz="1100" i="1" spc="-15" dirty="0">
+              <a:t> </a:t>
+            </a:r>
+            <a:r>
+              <a:rPr sz="1100" i="1" spc="-20">
                 <a:solidFill>
                   <a:srgbClr val="777879"/>
                 </a:solidFill>
                 <a:latin typeface="AdobeClean-LightIt"/>
                 <a:cs typeface="AdobeClean-LightIt"/>
               </a:rPr>
-              <a:t>관리자(CSM)에게</a:t>
-            </a:r>
-            <a:r>
-              <a:rPr lang="de-de" sz="1100" i="1" spc="-20" dirty="0">
+              <a:t> </a:t>
+            </a:r>
+            <a:r>
+              <a:rPr sz="1100" i="1" spc="-15">
                 <a:solidFill>
                   <a:srgbClr val="777879"/>
                 </a:solidFill>
                 <a:latin typeface="AdobeClean-LightIt"/>
                 <a:cs typeface="AdobeClean-LightIt"/>
               </a:rPr>
-              <a:t> </a:t>
-            </a:r>
-            <a:r>
-              <a:rPr lang="de-de" sz="1100" i="1" spc="-180" dirty="0">
+              <a:t>(NAM) </a:t>
+            </a:r>
+            <a:r>
+              <a:rPr sz="1100" i="1" spc="-10">
                 <a:solidFill>
                   <a:srgbClr val="777879"/>
                 </a:solidFill>
                 <a:latin typeface="AdobeClean-LightIt"/>
                 <a:cs typeface="AdobeClean-LightIt"/>
               </a:rPr>
-              <a:t>문의하십시오.</a:t>
-            </a:r>
-            <a:endParaRPr sz="1100" dirty="0">
+              <a:t>or </a:t>
+            </a:r>
+            <a:r>
+              <a:rPr sz="1100" i="1" spc="-15">
+                <a:solidFill>
+                  <a:srgbClr val="777879"/>
+                </a:solidFill>
+                <a:latin typeface="AdobeClean-LightIt"/>
+                <a:cs typeface="AdobeClean-LightIt"/>
+              </a:rPr>
+              <a:t>Customer</a:t>
+            </a:r>
+            <a:r>
+              <a:rPr lang="en-US" sz="1100" i="1" spc="-15">
+                <a:solidFill>
+                  <a:srgbClr val="777879"/>
+                </a:solidFill>
+                <a:latin typeface="AdobeClean-LightIt"/>
+                <a:cs typeface="AdobeClean-LightIt"/>
+              </a:rPr>
+              <a:t> </a:t>
+            </a:r>
+            <a:r>
+              <a:rPr lang="en-US" sz="1100" i="1" spc="-20">
+                <a:solidFill>
+                  <a:srgbClr val="777879"/>
+                </a:solidFill>
+                <a:latin typeface="AdobeClean-LightIt"/>
+                <a:cs typeface="AdobeClean-LightIt"/>
+              </a:rPr>
+              <a:t>Success </a:t>
+            </a:r>
+            <a:r>
+              <a:rPr lang="en-US" sz="1100" i="1" spc="-15">
+                <a:solidFill>
+                  <a:srgbClr val="777879"/>
+                </a:solidFill>
+                <a:latin typeface="AdobeClean-LightIt"/>
+                <a:cs typeface="AdobeClean-LightIt"/>
+              </a:rPr>
+              <a:t>Manager </a:t>
+            </a:r>
+            <a:r>
+              <a:rPr sz="1100" i="1" spc="-15">
+                <a:solidFill>
+                  <a:srgbClr val="777879"/>
+                </a:solidFill>
+                <a:latin typeface="AdobeClean-LightIt"/>
+                <a:cs typeface="AdobeClean-LightIt"/>
+              </a:rPr>
+              <a:t>(CSM)</a:t>
+            </a:r>
+            <a:endParaRPr sz="1100">
               <a:latin typeface="AdobeClean-LightIt"/>
               <a:cs typeface="AdobeClean-LightIt"/>
             </a:endParaRPr>
@@ -9848,36 +10509,56 @@
               </a:spcBef>
             </a:pPr>
             <a:r>
-              <a:rPr lang="de-de" sz="800" spc="-5" dirty="0">
+              <a:rPr sz="800" spc="-5">
                 <a:solidFill>
                   <a:srgbClr val="6D6D6D"/>
                 </a:solidFill>
                 <a:latin typeface="Adobe Clean"/>
                 <a:cs typeface="Adobe Clean"/>
               </a:rPr>
-              <a:t>©2021 Adobe. All Rights Reserved. Adobe</a:t>
-            </a:r>
-            <a:r>
-              <a:rPr lang="de-de" sz="800" spc="75" dirty="0">
+              <a:t>©202</a:t>
+            </a:r>
+            <a:r>
+              <a:rPr lang="en-US" sz="800" spc="-5">
                 <a:solidFill>
                   <a:srgbClr val="6D6D6D"/>
                 </a:solidFill>
                 <a:latin typeface="Adobe Clean"/>
                 <a:cs typeface="Adobe Clean"/>
               </a:rPr>
-              <a:t> </a:t>
-            </a:r>
-            <a:r>
-              <a:rPr lang="de-de" sz="800" spc="-5" dirty="0">
+              <a:t>1</a:t>
+            </a:r>
+            <a:r>
+              <a:rPr sz="800" spc="-5">
                 <a:solidFill>
                   <a:srgbClr val="6D6D6D"/>
                 </a:solidFill>
                 <a:latin typeface="Adobe Clean"/>
                 <a:cs typeface="Adobe Clean"/>
               </a:rPr>
-              <a:t>기밀.</a:t>
-            </a:r>
-            <a:endParaRPr sz="800" dirty="0">
+              <a:t> Adobe. All Rights Reserved. Adobe</a:t>
+            </a:r>
+            <a:r>
+              <a:rPr sz="800" spc="75">
+                <a:solidFill>
+                  <a:srgbClr val="6D6D6D"/>
+                </a:solidFill>
+                <a:latin typeface="Adobe Clean"/>
+                <a:cs typeface="Adobe Clean"/>
+              </a:rPr>
+              <a:t> </a:t>
+            </a:r>
+            <a:r>
+              <a:rPr sz="800" spc="-5">
+                <a:solidFill>
+                  <a:srgbClr val="6D6D6D"/>
+                </a:solidFill>
+                <a:latin typeface="Adobe Clean"/>
+                <a:cs typeface="Adobe Clean"/>
+              </a:rPr>
+              <a:t>Confidential.</a:t>
+            </a:r>
+            <a:endParaRPr sz="800">
               <a:latin typeface="Adobe Clean"/>
               <a:cs typeface="Adobe Clean"/>
             </a:endParaRPr>
@@ -9898,7 +10579,7 @@
         </p:nvSpPr>
         <p:spPr>
           <a:xfrm>
-            <a:off x="171129" y="5057379"/>
+            <a:off x="197233" y="5031270"/>
             <a:ext cx="6476646" cy="755976"/>
           </a:xfrm>
           <a:prstGeom prst="rect">
@@ -9906,157 +10587,47 @@
           </a:prstGeom>
         </p:spPr>
         <p:txBody>
-          <a:bodyPr vert="horz" wrap="square" lIns="0" tIns="116205" rIns="0" bIns="0" rtlCol="0">
+          <a:bodyPr vert="horz" wrap="square" lIns="0" tIns="116205" rIns="0" bIns="0" rtlCol="0" anchor="t">
             <a:spAutoFit/>
           </a:bodyPr>
           <a:lstStyle/>
           <a:p>
-            <a:pPr lvl="0">
+            <a:pPr>
               <a:spcBef>
                 <a:spcPts val="915"/>
               </a:spcBef>
             </a:pPr>
             <a:r>
-              <a:rPr lang="en-US" altLang="ko-KR" sz="1400" b="1" spc="-15" dirty="0">
+              <a:rPr lang="en-US" sz="1400" b="1" spc="-15">
                 <a:solidFill>
                   <a:srgbClr val="020302"/>
                 </a:solidFill>
                 <a:latin typeface="Adobe Clean"/>
                 <a:cs typeface="Adobe Clean"/>
               </a:rPr>
-              <a:t>Adobe </a:t>
-            </a:r>
-            <a:r>
-              <a:rPr lang="ko-KR" altLang="en-US" sz="1400" b="1" spc="-15" dirty="0">
-                <a:solidFill>
-                  <a:srgbClr val="020302"/>
-                </a:solidFill>
-                <a:latin typeface="Adobe Clean"/>
-                <a:cs typeface="Adobe Clean"/>
-              </a:rPr>
-              <a:t>지원의 지역적 범위</a:t>
-            </a:r>
-            <a:r>
-              <a:rPr lang="en-US" altLang="ko-KR" sz="1400" b="1" spc="-15" dirty="0">
-                <a:solidFill>
-                  <a:srgbClr val="020302"/>
-                </a:solidFill>
-                <a:latin typeface="Adobe Clean"/>
-                <a:cs typeface="Adobe Clean"/>
-              </a:rPr>
-              <a:t>, </a:t>
-            </a:r>
-            <a:r>
-              <a:rPr lang="ko-KR" altLang="en-US" sz="1400" b="1" spc="-15" dirty="0">
-                <a:solidFill>
-                  <a:srgbClr val="020302"/>
-                </a:solidFill>
-                <a:latin typeface="Adobe Clean"/>
-                <a:cs typeface="Adobe Clean"/>
-              </a:rPr>
-              <a:t>로컬 운영 시간 및 언어 지원</a:t>
-            </a:r>
-            <a:endParaRPr lang="pl-PL" altLang="ko-KR" sz="1400" b="1" spc="-15" dirty="0">
-              <a:solidFill>
-                <a:srgbClr val="020302"/>
-              </a:solidFill>
-              <a:latin typeface="Adobe Clean"/>
-              <a:cs typeface="Adobe Clean"/>
+              <a:t>Regional scope of Adobe Support, Local Hours Of Operation And Language Support</a:t>
+            </a:r>
+            <a:endParaRPr lang="en-US" sz="1400" spc="-15">
+              <a:ea typeface="+mn-lt"/>
+              <a:cs typeface="+mn-lt"/>
             </a:endParaRPr>
           </a:p>
           <a:p>
-            <a:pPr lvl="0">
+            <a:pPr>
               <a:spcBef>
                 <a:spcPts val="915"/>
               </a:spcBef>
             </a:pPr>
             <a:r>
-              <a:rPr lang="en-US" altLang="ko-KR" sz="1000" spc="-15" dirty="0">
+              <a:rPr lang="en-US" sz="1000" spc="-15">
                 <a:solidFill>
                   <a:srgbClr val="1F1F1F"/>
                 </a:solidFill>
                 <a:latin typeface="AdobeClean-Light"/>
               </a:rPr>
-              <a:t>Adobe </a:t>
-            </a:r>
-            <a:r>
-              <a:rPr lang="ko-KR" altLang="en-US" sz="1000" spc="-15" dirty="0">
-                <a:solidFill>
-                  <a:srgbClr val="1F1F1F"/>
-                </a:solidFill>
-                <a:latin typeface="AdobeClean-Light"/>
-              </a:rPr>
-              <a:t>지원의 지역적 범위는 </a:t>
-            </a:r>
-            <a:r>
-              <a:rPr lang="en-US" altLang="ko-KR" sz="1000" spc="-15" dirty="0">
-                <a:solidFill>
-                  <a:srgbClr val="1F1F1F"/>
-                </a:solidFill>
-                <a:latin typeface="AdobeClean-Light"/>
-              </a:rPr>
-              <a:t>(</a:t>
-            </a:r>
-            <a:r>
-              <a:rPr lang="ko-KR" altLang="en-US" sz="1000" spc="-15" dirty="0">
-                <a:solidFill>
-                  <a:srgbClr val="1F1F1F"/>
-                </a:solidFill>
-                <a:latin typeface="AdobeClean-Light"/>
-              </a:rPr>
-              <a:t>판매 주문서 또는 기타 </a:t>
-            </a:r>
-            <a:r>
-              <a:rPr lang="en-US" altLang="ko-KR" sz="1000" spc="-15" dirty="0">
-                <a:solidFill>
-                  <a:srgbClr val="1F1F1F"/>
-                </a:solidFill>
-                <a:latin typeface="AdobeClean-Light"/>
-              </a:rPr>
-              <a:t>Adobe </a:t>
-            </a:r>
-            <a:r>
-              <a:rPr lang="ko-KR" altLang="en-US" sz="1000" spc="-15" dirty="0">
-                <a:solidFill>
-                  <a:srgbClr val="1F1F1F"/>
-                </a:solidFill>
-                <a:latin typeface="AdobeClean-Light"/>
-              </a:rPr>
-              <a:t>지원 구매 문서를 통해</a:t>
-            </a:r>
-            <a:r>
-              <a:rPr lang="en-US" altLang="ko-KR" sz="1000" spc="-15" dirty="0">
-                <a:solidFill>
-                  <a:srgbClr val="1F1F1F"/>
-                </a:solidFill>
-                <a:latin typeface="AdobeClean-Light"/>
-              </a:rPr>
-              <a:t>) </a:t>
-            </a:r>
-            <a:r>
-              <a:rPr lang="ko-KR" altLang="en-US" sz="1000" spc="-15" dirty="0">
-                <a:solidFill>
-                  <a:srgbClr val="1F1F1F"/>
-                </a:solidFill>
-                <a:latin typeface="AdobeClean-Light"/>
-              </a:rPr>
-              <a:t>고객의 청구 주소를 다음 지역 중 하나에 맞춤으로써 설정됩니다</a:t>
-            </a:r>
-            <a:r>
-              <a:rPr lang="en-US" altLang="ko-KR" sz="1000" spc="-15" dirty="0">
-                <a:solidFill>
-                  <a:srgbClr val="1F1F1F"/>
-                </a:solidFill>
-                <a:latin typeface="AdobeClean-Light"/>
-              </a:rPr>
-              <a:t>.</a:t>
-            </a:r>
-            <a:endParaRPr lang="de-de" sz="1000" spc="-15" dirty="0">
-              <a:solidFill>
-                <a:srgbClr val="1F1F1F"/>
-              </a:solidFill>
-              <a:latin typeface="AdobeClean-Light"/>
-            </a:endParaRPr>
+              <a:t>The Regional scope of Adobe Support is established by aligning the customer's billing address (via the Sales Order or other Adobe Support purchasing document) to one of the following regions:</a:t>
+            </a:r>
+            <a:endParaRPr lang="en-US"/>
           </a:p>
         </p:txBody>
       </p:sp>
@@ -10075,14 +10646,14 @@
           <p:nvPr>
             <p:extLst>
               <p:ext uri="{D42A27DB-BD31-4B8C-83A1-F6EECF244321}">
-                <p14:modId xmlns:p14="http://schemas.microsoft.com/office/powerpoint/2010/main" val="1952712647"/>
+                <p14:modId xmlns:p14="http://schemas.microsoft.com/office/powerpoint/2010/main" val="2969235217"/>
               </p:ext>
             </p:extLst>
           </p:nvPr>
         </p:nvGraphicFramePr>
         <p:xfrm>
           <a:off x="171128" y="5907213"/>
-          <a:ext cx="7391400" cy="1559560"/>
+          <a:ext cx="7391400" cy="1503680"/>
         </p:xfrm>
         <a:graphic>
           <a:graphicData uri="http://schemas.openxmlformats.org/drawingml/2006/table">
@@ -10128,13 +10699,13 @@
                     <a:p>
                       <a:pPr algn="ctr"/>
                       <a:r>
-                        <a:rPr lang="de-de" sz="1100" dirty="0">
+                        <a:rPr lang="en-US" sz="1100">
                           <a:solidFill>
                             <a:schemeClr val="tx1"/>
                           </a:solidFill>
-                          <a:latin typeface="Adobe Clean" panose="020B0503020404020204" pitchFamily="34" charset="0"/>
+                          <a:latin typeface="Adobe Clean"/>
                         </a:rPr>
-                        <a:t>미주</a:t>
+                        <a:t>Americas</a:t>
                       </a:r>
                     </a:p>
                   </a:txBody>
@@ -10193,13 +10764,13 @@
                     <a:p>
                       <a:pPr algn="ctr"/>
                       <a:r>
-                        <a:rPr lang="de-de" sz="1100" dirty="0">
+                        <a:rPr lang="en-US" sz="1100">
                           <a:solidFill>
                             <a:schemeClr val="tx1"/>
                           </a:solidFill>
-                          <a:latin typeface="Adobe Clean" panose="020B0503020404020204" pitchFamily="34" charset="0"/>
+                          <a:latin typeface="Adobe Clean"/>
                         </a:rPr>
-                        <a:t>유럽, 중동 및 아프리카</a:t>
+                        <a:t>Europe, Middle East &amp; Africa</a:t>
                       </a:r>
                     </a:p>
                   </a:txBody>
@@ -10258,13 +10829,13 @@
                     <a:p>
                       <a:pPr algn="ctr"/>
                       <a:r>
-                        <a:rPr lang="de-de" sz="1100" dirty="0">
+                        <a:rPr lang="en-US" sz="1100">
                           <a:solidFill>
                             <a:schemeClr val="tx1"/>
                           </a:solidFill>
-                          <a:latin typeface="Adobe Clean" panose="020B0503020404020204" pitchFamily="34" charset="0"/>
+                          <a:latin typeface="Adobe Clean"/>
                         </a:rPr>
-                        <a:t>아시아 태평양</a:t>
+                        <a:t>Asia Pacific</a:t>
                       </a:r>
                     </a:p>
                   </a:txBody>
@@ -10323,24 +10894,24 @@
                     <a:p>
                       <a:pPr algn="ctr"/>
                       <a:r>
-                        <a:rPr lang="de-de" sz="1100" dirty="0">
+                        <a:rPr lang="en-US" sz="1100">
                           <a:solidFill>
                             <a:schemeClr val="tx1"/>
                           </a:solidFill>
-                          <a:latin typeface="Adobe Clean" panose="020B0503020404020204" pitchFamily="34" charset="0"/>
+                          <a:latin typeface="Adobe Clean"/>
                         </a:rPr>
-                        <a:t>일본 </a:t>
+                        <a:t>Japan </a:t>
                       </a:r>
                       <a:r>
-                        <a:rPr lang="de-de" sz="1100" baseline="30000" dirty="0">
+                        <a:rPr lang="en-US" sz="1100" baseline="30000">
                           <a:solidFill>
                             <a:schemeClr val="tx1"/>
                           </a:solidFill>
-                          <a:latin typeface="Adobe Clean" panose="020B0503020404020204" pitchFamily="34" charset="0"/>
+                          <a:latin typeface="Adobe Clean"/>
                         </a:rPr>
-                        <a:t>1 </a:t>
+                        <a:t>1 </a:t>
                       </a:r>
-                      <a:endParaRPr lang="en-US" sz="1100" dirty="0">
+                      <a:endParaRPr lang="en-US" sz="1100">
                         <a:solidFill>
                           <a:schemeClr val="tx1"/>
                         </a:solidFill>
@@ -10410,13 +10981,13 @@
                     <a:p>
                       <a:pPr algn="ctr"/>
                       <a:r>
-                        <a:rPr lang="de-de" sz="1100" dirty="0">
+                        <a:rPr lang="en-US" sz="1100">
                           <a:solidFill>
                             <a:schemeClr val="tx1"/>
                           </a:solidFill>
-                          <a:latin typeface="Adobe Clean" panose="020B0503020404020204" pitchFamily="34" charset="0"/>
+                          <a:latin typeface="Adobe Clean"/>
                         </a:rPr>
-                        <a:t>오전 6시~오후 5시 30분</a:t>
+                        <a:t>6 am – 5:30 pm</a:t>
                       </a:r>
                     </a:p>
                   </a:txBody>
@@ -10475,13 +11046,13 @@
                     <a:p>
                       <a:pPr algn="ctr"/>
                       <a:r>
-                        <a:rPr lang="de-de" sz="1100" dirty="0">
+                        <a:rPr lang="en-US" sz="1100">
                           <a:solidFill>
                             <a:schemeClr val="tx1"/>
                           </a:solidFill>
-                          <a:latin typeface="Adobe Clean" panose="020B0503020404020204" pitchFamily="34" charset="0"/>
+                          <a:latin typeface="Adobe Clean"/>
                         </a:rPr>
-                        <a:t>오전 9시~오후 5시</a:t>
+                        <a:t>9 am – 5 pm</a:t>
                       </a:r>
                     </a:p>
                   </a:txBody>
@@ -10540,13 +11111,13 @@
                     <a:p>
                       <a:pPr algn="ctr"/>
                       <a:r>
-                        <a:rPr lang="de-de" sz="1100" dirty="0">
+                        <a:rPr lang="en-US" sz="1100">
                           <a:solidFill>
                             <a:schemeClr val="tx1"/>
                           </a:solidFill>
-                          <a:latin typeface="Adobe Clean" panose="020B0503020404020204" pitchFamily="34" charset="0"/>
+                          <a:latin typeface="Adobe Clean"/>
                         </a:rPr>
-                        <a:t>오전 9시~오후 5시</a:t>
+                        <a:t>9 am – 5 pm</a:t>
                       </a:r>
                     </a:p>
                   </a:txBody>
@@ -10605,13 +11176,13 @@
                     <a:p>
                       <a:pPr algn="ctr"/>
                       <a:r>
-                        <a:rPr lang="de-de" sz="1100" dirty="0">
+                        <a:rPr lang="en-US" sz="1100">
                           <a:solidFill>
                             <a:schemeClr val="tx1"/>
                           </a:solidFill>
-                          <a:latin typeface="Adobe Clean" panose="020B0503020404020204" pitchFamily="34" charset="0"/>
+                          <a:latin typeface="Adobe Clean"/>
                         </a:rPr>
-                        <a:t>오전 9시~오후 5시 30분</a:t>
+                        <a:t>9 am – 5:30 pm</a:t>
                       </a:r>
                     </a:p>
                   </a:txBody>
@@ -10691,7 +11262,7 @@
                         <a:buNone/>
                       </a:pPr>
                       <a:r>
-                        <a:rPr lang="de-de" sz="1100" b="1" i="0" u="none" strike="noStrike" kern="0" cap="none" spc="0" normalizeH="0" baseline="30000" noProof="0" dirty="0">
+                        <a:rPr lang="en-US" sz="1100" b="1" i="0" u="none" strike="noStrike" kern="0" cap="none" spc="0" normalizeH="0" baseline="30000" noProof="0">
                           <a:ln>
                             <a:noFill/>
                           </a:ln>
@@ -10705,15 +11276,15 @@
                         <a:t> </a:t>
                       </a:r>
                       <a:r>
-                        <a:rPr lang="de-de" sz="1100" dirty="0">
+                        <a:rPr lang="en-US" sz="1100">
                           <a:solidFill>
                             <a:schemeClr val="tx1"/>
                           </a:solidFill>
                           <a:latin typeface="Adobe Clean"/>
                         </a:rPr>
-                        <a:t>언어 지원은 영어와 일본어로만 제공됩니다.</a:t>
+                        <a:t>Language support is only available in English and Japanese.</a:t>
                       </a:r>
-                      <a:endParaRPr lang="en-US" dirty="0">
+                      <a:endParaRPr lang="en-US">
                         <a:latin typeface="Adobe Clean"/>
                       </a:endParaRPr>
                     </a:p>
@@ -10734,18 +11305,18 @@
                         <a:buNone/>
                       </a:pPr>
                       <a:r>
-                        <a:rPr lang="de-de" sz="1100" i="1" dirty="0">
+                        <a:rPr lang="en-US" sz="1100" i="1">
                           <a:solidFill>
                             <a:schemeClr val="tx1"/>
                           </a:solidFill>
                           <a:latin typeface="Adobe Clean"/>
                         </a:rPr>
-                        <a:t>*Adobe Commerce에서는 일본어 지원이 제외됩니다.</a:t>
+                        <a:t>*Adobe Commerce excludes Japanese languages support.</a:t>
                       </a:r>
                     </a:p>
                     <a:p>
                       <a:pPr algn="ctr"/>
-                      <a:endParaRPr kumimoji="0" lang="en-US" sz="1100" b="1" i="0" u="none" strike="noStrike" kern="0" cap="none" spc="0" normalizeH="0" baseline="30000" noProof="0" dirty="0">
+                      <a:endParaRPr kumimoji="0" lang="en-US" sz="1100" b="1" i="0" u="none" strike="noStrike" kern="0" cap="none" spc="0" normalizeH="0" baseline="30000" noProof="0">
                         <a:ln>
                           <a:noFill/>
                         </a:ln>
@@ -10763,81 +11334,38 @@
                     <a:p>
                       <a:pPr algn="ctr"/>
                       <a:r>
-                        <a:rPr lang="de-de" sz="1100" i="0" dirty="0">
+                        <a:rPr lang="en-US" sz="1100" i="0">
                           <a:solidFill>
                             <a:schemeClr val="tx1"/>
                           </a:solidFill>
-                          <a:latin typeface="Adobe Clean" panose="020B0503020404020204" pitchFamily="34" charset="0"/>
+                          <a:latin typeface="Adobe Clean"/>
                         </a:rPr>
-                        <a:t> </a:t>
+                        <a:t> </a:t>
                       </a:r>
                       <a:r>
-                        <a:rPr lang="de-de" sz="1100" i="0" baseline="30000" dirty="0">
+                        <a:rPr lang="en-US" sz="1100" i="0" baseline="30000">
                           <a:solidFill>
                             <a:schemeClr val="tx1"/>
                           </a:solidFill>
-                          <a:latin typeface="Adobe Clean" panose="020B0503020404020204" pitchFamily="34" charset="0"/>
+                          <a:latin typeface="Adobe Clean"/>
                         </a:rPr>
                         <a:t>1 </a:t>
                       </a:r>
                       <a:r>
-                        <a:rPr lang="ko-KR" altLang="en-US" sz="1100" i="0" dirty="0">
+                        <a:rPr lang="en-US" sz="1100" i="0">
                           <a:solidFill>
                             <a:schemeClr val="tx1"/>
                           </a:solidFill>
-                          <a:latin typeface="Adobe Clean" panose="020B0503020404020204" pitchFamily="34" charset="0"/>
+                          <a:latin typeface="Adobe Clean"/>
                         </a:rPr>
-                        <a:t>일본에서 </a:t>
+                        <a:t>P2, P3, P4 cases are limited to business hours only in Japan.</a:t>
                       </a:r>
-                      <a:r>
-                        <a:rPr lang="en-US" altLang="ko-KR" sz="1100" i="0" dirty="0">
-                          <a:solidFill>
-                            <a:schemeClr val="tx1"/>
-                          </a:solidFill>
-                          <a:latin typeface="Adobe Clean" panose="020B0503020404020204" pitchFamily="34" charset="0"/>
-                        </a:rPr>
-                        <a:t>P2, P3, P4 </a:t>
-                      </a:r>
-                      <a:r>
-                        <a:rPr lang="ko-KR" altLang="en-US" sz="1100" i="0" dirty="0">
-                          <a:solidFill>
-                            <a:schemeClr val="tx1"/>
-                          </a:solidFill>
-                          <a:latin typeface="Adobe Clean" panose="020B0503020404020204" pitchFamily="34" charset="0"/>
-                        </a:rPr>
-                        <a:t>사례는 업무 시간으로만 제한됩니다</a:t>
-                      </a:r>
-                      <a:r>
-                        <a:rPr lang="en-US" altLang="ko-KR" sz="1100" i="0" dirty="0">
-                          <a:solidFill>
-                            <a:schemeClr val="tx1"/>
-                          </a:solidFill>
-                          <a:latin typeface="Adobe Clean" panose="020B0503020404020204" pitchFamily="34" charset="0"/>
-                        </a:rPr>
-                        <a:t>.</a:t>
-                      </a:r>
-                      <a:endParaRPr lang="de-de" sz="1100" b="1" i="0" dirty="0">
+                      <a:endParaRPr lang="en-US" sz="1100" b="1" i="0">
                         <a:solidFill>
                           <a:schemeClr val="tx1"/>
                         </a:solidFill>
-                        <a:latin typeface="Adobe Clean" panose="020B0503020404020204" pitchFamily="34" charset="0"/>
+                        <a:latin typeface="Adobe Clean"/>
                       </a:endParaRPr>
-                    </a:p>
-                    <a:p>
-                      <a:r>
-                        <a:rPr lang="de-de" sz="1100" b="1" i="0" u="none" strike="noStrike" kern="0" cap="none" spc="0" normalizeH="0" baseline="30000" noProof="0" dirty="0">
-                          <a:ln>
-                            <a:noFill/>
-                          </a:ln>
-                          <a:effectLst/>
-                          <a:uLnTx/>
-                          <a:uFillTx/>
-                          <a:latin typeface="Adobe Clean"/>
-                          <a:ea typeface="+mn-ea"/>
-                          <a:cs typeface="+mn-cs"/>
-                        </a:rPr>
-                        <a:t>.</a:t>
-                      </a:r>
                     </a:p>
                   </a:txBody>
                   <a:tcPr anchor="ctr">
@@ -10893,7 +11421,7 @@
                     <a:bodyPr/>
                     <a:lstStyle/>
                     <a:p>
-                      <a:endParaRPr lang="en-US" sz="1100" dirty="0">
+                      <a:endParaRPr lang="en-US" sz="1100">
                         <a:solidFill>
                           <a:schemeClr val="tx1"/>
                         </a:solidFill>
@@ -10954,7 +11482,7 @@
                     <a:bodyPr/>
                     <a:lstStyle/>
                     <a:p>
-                      <a:endParaRPr lang="en-US" sz="1100" dirty="0">
+                      <a:endParaRPr lang="en-US" sz="1100">
                         <a:solidFill>
                           <a:schemeClr val="tx1"/>
                         </a:solidFill>
@@ -11015,7 +11543,7 @@
                     <a:bodyPr/>
                     <a:lstStyle/>
                     <a:p>
-                      <a:endParaRPr lang="en-US" sz="1100" dirty="0">
+                      <a:endParaRPr lang="en-US" sz="1100">
                         <a:solidFill>
                           <a:schemeClr val="tx1"/>
                         </a:solidFill>
@@ -11179,8 +11707,8 @@
         </p:nvSpPr>
         <p:spPr>
           <a:xfrm>
-            <a:off x="2743200" y="8528519"/>
-            <a:ext cx="1045329" cy="385445"/>
+            <a:off x="2840871" y="8528519"/>
+            <a:ext cx="810895" cy="385445"/>
           </a:xfrm>
           <a:prstGeom prst="rect">
             <a:avLst/>
@@ -11192,7 +11720,7 @@
           </a:bodyPr>
           <a:lstStyle/>
           <a:p>
-            <a:pPr marL="14288" marR="5080" indent="-14288" algn="ctr">
+            <a:pPr marL="139065" marR="5080" indent="-139065">
               <a:lnSpc>
                 <a:spcPts val="1390"/>
               </a:lnSpc>
@@ -11201,36 +11729,126 @@
               </a:spcBef>
             </a:pPr>
             <a:r>
-              <a:rPr lang="de-de" sz="1200" b="1" spc="-15" dirty="0">
+              <a:rPr sz="1200" b="1" spc="-15">
                 <a:solidFill>
                   <a:srgbClr val="FFFFFF"/>
                 </a:solidFill>
                 <a:latin typeface="Adobe Clean"/>
                 <a:cs typeface="Adobe Clean"/>
               </a:rPr>
-              <a:t>탁월한</a:t>
-            </a:r>
-            <a:r>
-              <a:rPr lang="de-de" sz="1200" b="1" dirty="0">
+              <a:t>U</a:t>
+            </a:r>
+            <a:r>
+              <a:rPr sz="1200" b="1" spc="-20">
                 <a:solidFill>
                   <a:srgbClr val="FFFFFF"/>
                 </a:solidFill>
                 <a:latin typeface="Adobe Clean"/>
                 <a:cs typeface="Adobe Clean"/>
               </a:rPr>
-              <a:t> </a:t>
-            </a:r>
-            <a:r>
-              <a:rPr lang="de-de" sz="1200" b="1" spc="-25" dirty="0">
+              <a:t>n</a:t>
+            </a:r>
+            <a:r>
+              <a:rPr sz="1200" b="1" spc="-25">
                 <a:solidFill>
                   <a:srgbClr val="FFFFFF"/>
                 </a:solidFill>
                 <a:latin typeface="Adobe Clean"/>
                 <a:cs typeface="Adobe Clean"/>
               </a:rPr>
-              <a:t>전문성</a:t>
-            </a:r>
-            <a:endParaRPr sz="1200" dirty="0">
+              <a:t>p</a:t>
+            </a:r>
+            <a:r>
+              <a:rPr sz="1200" b="1" spc="-15">
+                <a:solidFill>
+                  <a:srgbClr val="FFFFFF"/>
+                </a:solidFill>
+                <a:latin typeface="Adobe Clean"/>
+                <a:cs typeface="Adobe Clean"/>
+              </a:rPr>
+              <a:t>a</a:t>
+            </a:r>
+            <a:r>
+              <a:rPr sz="1200" b="1" spc="-25">
+                <a:solidFill>
+                  <a:srgbClr val="FFFFFF"/>
+                </a:solidFill>
+                <a:latin typeface="Adobe Clean"/>
+                <a:cs typeface="Adobe Clean"/>
+              </a:rPr>
+              <a:t>r</a:t>
+            </a:r>
+            <a:r>
+              <a:rPr sz="1200" b="1" spc="-15">
+                <a:solidFill>
+                  <a:srgbClr val="FFFFFF"/>
+                </a:solidFill>
+                <a:latin typeface="Adobe Clean"/>
+                <a:cs typeface="Adobe Clean"/>
+              </a:rPr>
+              <a:t>a</a:t>
+            </a:r>
+            <a:r>
+              <a:rPr sz="1200" b="1" spc="-30">
+                <a:solidFill>
+                  <a:srgbClr val="FFFFFF"/>
+                </a:solidFill>
+                <a:latin typeface="Adobe Clean"/>
+                <a:cs typeface="Adobe Clean"/>
+              </a:rPr>
+              <a:t>ll</a:t>
+            </a:r>
+            <a:r>
+              <a:rPr sz="1200" b="1" spc="-25">
+                <a:solidFill>
+                  <a:srgbClr val="FFFFFF"/>
+                </a:solidFill>
+                <a:latin typeface="Adobe Clean"/>
+                <a:cs typeface="Adobe Clean"/>
+              </a:rPr>
+              <a:t>e</a:t>
+            </a:r>
+            <a:r>
+              <a:rPr sz="1200" b="1" spc="-30">
+                <a:solidFill>
+                  <a:srgbClr val="FFFFFF"/>
+                </a:solidFill>
+                <a:latin typeface="Adobe Clean"/>
+                <a:cs typeface="Adobe Clean"/>
+              </a:rPr>
+              <a:t>l</a:t>
+            </a:r>
+            <a:r>
+              <a:rPr sz="1200" b="1" spc="-25">
+                <a:solidFill>
+                  <a:srgbClr val="FFFFFF"/>
+                </a:solidFill>
+                <a:latin typeface="Adobe Clean"/>
+                <a:cs typeface="Adobe Clean"/>
+              </a:rPr>
+              <a:t>e</a:t>
+            </a:r>
+            <a:r>
+              <a:rPr sz="1200" b="1">
+                <a:solidFill>
+                  <a:srgbClr val="FFFFFF"/>
+                </a:solidFill>
+                <a:latin typeface="Adobe Clean"/>
+                <a:cs typeface="Adobe Clean"/>
+              </a:rPr>
+              <a:t>d  </a:t>
+            </a:r>
+            <a:r>
+              <a:rPr sz="1200" b="1" spc="-25">
+                <a:solidFill>
+                  <a:srgbClr val="FFFFFF"/>
+                </a:solidFill>
+                <a:latin typeface="Adobe Clean"/>
+                <a:cs typeface="Adobe Clean"/>
+              </a:rPr>
+              <a:t>Expertise</a:t>
+            </a:r>
+            <a:endParaRPr sz="1200">
               <a:latin typeface="Adobe Clean"/>
               <a:cs typeface="Adobe Clean"/>
             </a:endParaRPr>
@@ -11264,7 +11882,7 @@
           </a:bodyPr>
           <a:lstStyle/>
           <a:p>
-            <a:pPr marL="14288" marR="5080" indent="-14288" algn="ctr">
+            <a:pPr marL="139065" marR="5080" indent="-139065">
               <a:lnSpc>
                 <a:spcPts val="1390"/>
               </a:lnSpc>
@@ -11273,16 +11891,16 @@
               </a:spcBef>
             </a:pPr>
             <a:r>
-              <a:rPr lang="de-de" sz="1200" b="1" spc="-15" dirty="0">
+              <a:rPr lang="en-US" sz="1200" b="1" spc="-15">
                 <a:solidFill>
                   <a:srgbClr val="FFFFFF"/>
                 </a:solidFill>
                 <a:latin typeface="Adobe Clean"/>
                 <a:cs typeface="Adobe Clean"/>
               </a:rPr>
-              <a:t>신속한 지원</a:t>
-            </a:r>
-            <a:endParaRPr sz="1200" dirty="0">
+              <a:t>Accelerated Support</a:t>
+            </a:r>
+            <a:endParaRPr sz="1200">
               <a:latin typeface="Adobe Clean"/>
               <a:cs typeface="Adobe Clean"/>
             </a:endParaRPr>
@@ -11303,8 +11921,8 @@
         </p:nvSpPr>
         <p:spPr>
           <a:xfrm>
-            <a:off x="6517939" y="8543943"/>
-            <a:ext cx="721061" cy="384080"/>
+            <a:off x="6624119" y="8543943"/>
+            <a:ext cx="510540" cy="385445"/>
           </a:xfrm>
           <a:prstGeom prst="rect">
             <a:avLst/>
@@ -11316,7 +11934,7 @@
           </a:bodyPr>
           <a:lstStyle/>
           <a:p>
-            <a:pPr marL="14288" marR="5080" indent="-14288" algn="ctr">
+            <a:pPr marL="50800" marR="5080" indent="-51435">
               <a:lnSpc>
                 <a:spcPts val="1390"/>
               </a:lnSpc>
@@ -11325,36 +11943,106 @@
               </a:spcBef>
             </a:pPr>
             <a:r>
-              <a:rPr lang="de-de" sz="1200" b="1" spc="-50" dirty="0">
+              <a:rPr sz="1200" b="1" spc="-50">
                 <a:solidFill>
                   <a:srgbClr val="FFFFFF"/>
                 </a:solidFill>
                 <a:latin typeface="Adobe Clean"/>
                 <a:cs typeface="Adobe Clean"/>
               </a:rPr>
-              <a:t>전략적</a:t>
-            </a:r>
-            <a:r>
-              <a:rPr lang="de-de" sz="1200" b="1" dirty="0">
+              <a:t>S</a:t>
+            </a:r>
+            <a:r>
+              <a:rPr sz="1200" b="1" spc="-20">
                 <a:solidFill>
                   <a:srgbClr val="FFFFFF"/>
                 </a:solidFill>
                 <a:latin typeface="Adobe Clean"/>
                 <a:cs typeface="Adobe Clean"/>
               </a:rPr>
-              <a:t> </a:t>
-            </a:r>
-            <a:r>
-              <a:rPr lang="de-de" sz="1200" b="1" spc="-45" dirty="0">
+              <a:t>t</a:t>
+            </a:r>
+            <a:r>
+              <a:rPr sz="1200" b="1" spc="-75">
                 <a:solidFill>
                   <a:srgbClr val="FFFFFF"/>
                 </a:solidFill>
                 <a:latin typeface="Adobe Clean"/>
                 <a:cs typeface="Adobe Clean"/>
               </a:rPr>
-              <a:t>조언</a:t>
-            </a:r>
-            <a:endParaRPr sz="1200" dirty="0">
+              <a:t>r</a:t>
+            </a:r>
+            <a:r>
+              <a:rPr sz="1200" b="1" spc="-90">
+                <a:solidFill>
+                  <a:srgbClr val="FFFFFF"/>
+                </a:solidFill>
+                <a:latin typeface="Adobe Clean"/>
+                <a:cs typeface="Adobe Clean"/>
+              </a:rPr>
+              <a:t>a</a:t>
+            </a:r>
+            <a:r>
+              <a:rPr sz="1200" b="1" spc="-55">
+                <a:solidFill>
+                  <a:srgbClr val="FFFFFF"/>
+                </a:solidFill>
+                <a:latin typeface="Adobe Clean"/>
+                <a:cs typeface="Adobe Clean"/>
+              </a:rPr>
+              <a:t>t</a:t>
+            </a:r>
+            <a:r>
+              <a:rPr sz="1200" b="1" spc="-100">
+                <a:solidFill>
+                  <a:srgbClr val="FFFFFF"/>
+                </a:solidFill>
+                <a:latin typeface="Adobe Clean"/>
+                <a:cs typeface="Adobe Clean"/>
+              </a:rPr>
+              <a:t>e</a:t>
+            </a:r>
+            <a:r>
+              <a:rPr sz="1200" b="1" spc="-80">
+                <a:solidFill>
+                  <a:srgbClr val="FFFFFF"/>
+                </a:solidFill>
+                <a:latin typeface="Adobe Clean"/>
+                <a:cs typeface="Adobe Clean"/>
+              </a:rPr>
+              <a:t>g</a:t>
+            </a:r>
+            <a:r>
+              <a:rPr sz="1200" b="1" spc="-35">
+                <a:solidFill>
+                  <a:srgbClr val="FFFFFF"/>
+                </a:solidFill>
+                <a:latin typeface="Adobe Clean"/>
+                <a:cs typeface="Adobe Clean"/>
+              </a:rPr>
+              <a:t>i</a:t>
+            </a:r>
+            <a:r>
+              <a:rPr sz="1200" b="1">
+                <a:solidFill>
+                  <a:srgbClr val="FFFFFF"/>
+                </a:solidFill>
+                <a:latin typeface="Adobe Clean"/>
+                <a:cs typeface="Adobe Clean"/>
+              </a:rPr>
+              <a:t>c  </a:t>
+            </a:r>
+            <a:r>
+              <a:rPr sz="1200" b="1" spc="-45">
+                <a:solidFill>
+                  <a:srgbClr val="FFFFFF"/>
+                </a:solidFill>
+                <a:latin typeface="Adobe Clean"/>
+                <a:cs typeface="Adobe Clean"/>
+              </a:rPr>
+              <a:t>Advice</a:t>
+            </a:r>
+            <a:endParaRPr sz="1200">
               <a:latin typeface="Adobe Clean"/>
               <a:cs typeface="Adobe Clean"/>
             </a:endParaRPr>
@@ -11373,7 +12061,13 @@
           <p:cNvGraphicFramePr>
             <a:graphicFrameLocks noGrp="1"/>
           </p:cNvGraphicFramePr>
-          <p:nvPr/>
+          <p:nvPr>
+            <p:extLst>
+              <p:ext uri="{D42A27DB-BD31-4B8C-83A1-F6EECF244321}">
+                <p14:modId xmlns:p14="http://schemas.microsoft.com/office/powerpoint/2010/main" val="3773282750"/>
+              </p:ext>
+            </p:extLst>
+          </p:nvPr>
         </p:nvGraphicFramePr>
         <p:xfrm>
           <a:off x="194236" y="1059345"/>
@@ -11408,22 +12102,22 @@
                     <a:lstStyle/>
                     <a:p>
                       <a:r>
-                        <a:rPr lang="de-de" sz="1100" b="0" dirty="0">
+                        <a:rPr lang="en-US" sz="1100" b="0">
                           <a:solidFill>
                             <a:schemeClr val="tx1"/>
                           </a:solidFill>
-                          <a:latin typeface="Adobe Clean" panose="020B0503020404020204" pitchFamily="34" charset="0"/>
+                          <a:latin typeface="Adobe Clean"/>
                           <a:ea typeface="+mn-ea"/>
                           <a:cs typeface="+mn-cs"/>
                           <a:hlinkClick r:id="rId7"/>
                         </a:rPr>
                         <a:t>Experience League</a:t>
                       </a:r>
-                      <a:endParaRPr lang="en-US" sz="1100" b="0" dirty="0">
+                      <a:endParaRPr lang="en-US" sz="1100" b="0">
                         <a:solidFill>
                           <a:schemeClr val="tx1"/>
                         </a:solidFill>
-                        <a:latin typeface="Adobe Clean" panose="020B0503020404020204" pitchFamily="34" charset="0"/>
+                        <a:latin typeface="Adobe Clean"/>
                         <a:ea typeface="+mn-ea"/>
                         <a:cs typeface="+mn-cs"/>
                       </a:endParaRPr>
@@ -11482,7 +12176,7 @@
                     <a:bodyPr/>
                     <a:lstStyle/>
                     <a:p>
-                      <a:pPr marL="0" marR="0" lvl="0" indent="0" defTabSz="914400" eaLnBrk="1" fontAlgn="auto" latinLnBrk="0" hangingPunct="1">
+                      <a:pPr marL="0" marR="0" lvl="0" indent="0" eaLnBrk="1" fontAlgn="auto" latinLnBrk="0" hangingPunct="1">
                         <a:lnSpc>
                           <a:spcPct val="100000"/>
                         </a:lnSpc>
@@ -11496,20 +12190,26 @@
                         <a:buSzTx/>
                         <a:buFontTx/>
                         <a:buNone/>
-                        <a:tabLst/>
-                        <a:defRPr/>
                       </a:pPr>
                       <a:r>
-                        <a:rPr lang="de-de" sz="1000" b="0" kern="1200" dirty="0">
+                        <a:rPr lang="en-US" sz="1000" b="0" kern="1200">
                           <a:solidFill>
                             <a:srgbClr val="000000"/>
                           </a:solidFill>
-                          <a:latin typeface="Adobe Clean Light" panose="020B0303020404020204" pitchFamily="34" charset="0"/>
+                          <a:latin typeface="Adobe Clean Light"/>
                           <a:ea typeface="+mn-ea"/>
                           <a:cs typeface="+mn-cs"/>
                         </a:rPr>
-                        <a:t>Experience League를 통해 Adobe는 기업이 Adobe 투자에서 기대하는 가치를 달성하도록 지원합니다. 고객이 자기 주도 튜토리얼, 제품 설명서, 강의식 교육, 커뮤니티 및 기술 지원을 포함하는 개인 맞춤형 성공 경로를 따라가며 배우고, 교류하고, 성장할 수 있는 통합된 공간입니다. </a:t>
+                        <a:t>Experience League is how Adobe helps businesses achieve the value they expect from their Adobe investment. It’s the unified place where customers can learn, connect, and grow along a personalized path to success that includes self-help tutorials, product documentation, instructor-led training, community and technical support. </a:t>
                       </a:r>
+                      <a:endParaRPr lang="en-US" sz="1000" b="0" kern="1200">
+                        <a:solidFill>
+                          <a:srgbClr val="000000"/>
+                        </a:solidFill>
+                        <a:latin typeface="Adobe Clean Light" panose="020B0303020404020204" pitchFamily="34" charset="0"/>
+                        <a:ea typeface="+mn-ea"/>
+                        <a:cs typeface="+mn-cs"/>
+                      </a:endParaRPr>
                     </a:p>
                   </a:txBody>
                   <a:tcPr anchor="ctr">
@@ -11590,36 +12290,36 @@
                         <a:defRPr/>
                       </a:pPr>
                       <a:r>
-                        <a:rPr lang="de-de" sz="1100" dirty="0">
+                        <a:rPr lang="en-US" sz="1100">
                           <a:solidFill>
                             <a:schemeClr val="dk1"/>
                           </a:solidFill>
                           <a:effectLst/>
-                          <a:latin typeface="Adobe Clean" panose="020B0503020404020204" pitchFamily="34" charset="0"/>
+                          <a:latin typeface="Adobe Clean"/>
                           <a:ea typeface="+mn-ea"/>
                           <a:cs typeface="+mn-cs"/>
                           <a:hlinkClick r:id="rId8"/>
                         </a:rPr>
-                        <a:t>교육</a:t>
+                        <a:t>Training</a:t>
                       </a:r>
                       <a:r>
-                        <a:rPr lang="de-de" sz="1100" dirty="0">
+                        <a:rPr lang="en-US" sz="1100">
                           <a:solidFill>
                             <a:schemeClr val="dk1"/>
                           </a:solidFill>
                           <a:effectLst/>
-                          <a:latin typeface="Adobe Clean" panose="020B0503020404020204" pitchFamily="34" charset="0"/>
+                          <a:latin typeface="Adobe Clean"/>
                           <a:ea typeface="+mn-ea"/>
                           <a:cs typeface="+mn-cs"/>
                         </a:rPr>
                         <a:t> </a:t>
                       </a:r>
-                      <a:endParaRPr lang="en-US" sz="1100" dirty="0">
+                      <a:endParaRPr lang="en-US" sz="1100">
                         <a:solidFill>
                           <a:schemeClr val="tx1"/>
                         </a:solidFill>
                         <a:effectLst/>
-                        <a:latin typeface="Adobe Clean" panose="020B0503020404020204" pitchFamily="34" charset="0"/>
+                        <a:latin typeface="Adobe Clean"/>
                         <a:ea typeface="+mn-ea"/>
                         <a:cs typeface="+mn-cs"/>
                       </a:endParaRPr>
@@ -11696,15 +12396,15 @@
                         <a:defRPr/>
                       </a:pPr>
                       <a:r>
-                        <a:rPr lang="de-de" sz="1000" kern="1200" dirty="0">
+                        <a:rPr lang="en-US" sz="1000" kern="1200">
                           <a:solidFill>
                             <a:srgbClr val="000000"/>
                           </a:solidFill>
-                          <a:latin typeface="Adobe Clean Light" panose="020B0303020404020204" pitchFamily="34" charset="0"/>
+                          <a:latin typeface="Adobe Clean Light"/>
                           <a:ea typeface="+mn-ea"/>
                           <a:cs typeface="+mn-cs"/>
                         </a:rPr>
-                        <a:t>Adobe 디지털 학습 서비스 과정은 Experience League에서 액세스할 수 있습니다. 학습 과정은 주문형 수업과 강의식 수업을 모두 통합합니다. 여기에서 시장 가치를 인정받은 기술을 습득하고 조직에 포지셔닝하여 성공으로 이끌 수 있습니다.</a:t>
+                        <a:t>Adobe Digital Learning Services courses are accessible from Experience League. Learning courses integrate both on-demand and instructor-led lessons.  Here you can accrue skills that have recognized market value and position them to drive success in your organizations.</a:t>
                       </a:r>
                     </a:p>
                   </a:txBody>
@@ -11786,24 +12486,24 @@
                         <a:defRPr/>
                       </a:pPr>
                       <a:r>
-                        <a:rPr lang="de-de" sz="1100" dirty="0">
+                        <a:rPr lang="en-US" sz="1100">
                           <a:solidFill>
                             <a:schemeClr val="tx1"/>
                           </a:solidFill>
                           <a:effectLst/>
-                          <a:latin typeface="Adobe Clean" panose="020B0503020404020204" pitchFamily="34" charset="0"/>
+                          <a:latin typeface="Adobe Clean"/>
                           <a:ea typeface="+mn-ea"/>
                           <a:cs typeface="+mn-cs"/>
                           <a:hlinkClick r:id="rId9"/>
                         </a:rPr>
-                        <a:t>생산 문제 및 시스템 중단</a:t>
+                        <a:t>Production Issues &amp; System Outages</a:t>
                       </a:r>
-                      <a:endParaRPr lang="en-US" sz="1100" dirty="0">
+                      <a:endParaRPr lang="en-US" sz="1100">
                         <a:solidFill>
                           <a:schemeClr val="tx1"/>
                         </a:solidFill>
                         <a:effectLst/>
-                        <a:latin typeface="Adobe Clean" panose="020B0503020404020204" pitchFamily="34" charset="0"/>
+                        <a:latin typeface="Adobe Clean"/>
                         <a:ea typeface="+mn-ea"/>
                         <a:cs typeface="+mn-cs"/>
                       </a:endParaRPr>
@@ -11862,7 +12562,7 @@
                     <a:bodyPr/>
                     <a:lstStyle/>
                     <a:p>
-                      <a:pPr marL="0" marR="0" lvl="0" indent="0" defTabSz="914400" eaLnBrk="1" fontAlgn="auto" latinLnBrk="0" hangingPunct="1">
+                      <a:pPr marL="0" marR="0" lvl="0" indent="0" eaLnBrk="1" fontAlgn="auto" latinLnBrk="0" hangingPunct="1">
                         <a:lnSpc>
                           <a:spcPct val="100000"/>
                         </a:lnSpc>
@@ -11876,20 +12576,26 @@
                         <a:buSzTx/>
                         <a:buFontTx/>
                         <a:buNone/>
-                        <a:tabLst/>
-                        <a:defRPr/>
                       </a:pPr>
                       <a:r>
-                        <a:rPr lang="de-de" sz="1000" kern="1200" dirty="0">
+                        <a:rPr lang="en-US" sz="1000" kern="1200">
                           <a:solidFill>
                             <a:srgbClr val="000000"/>
                           </a:solidFill>
-                          <a:latin typeface="Adobe Clean Light" panose="020B0303020404020204" pitchFamily="34" charset="0"/>
+                          <a:latin typeface="Adobe Clean Light"/>
                           <a:ea typeface="+mn-ea"/>
                           <a:cs typeface="+mn-cs"/>
                         </a:rPr>
-                        <a:t>Status.adobe.com은 다중 테넌트 환경에 배포된 모든 Adobe 제품 및 서비스의 상태 정보를 전달합니다. 고객은 구독 기본 설정을 선택하여 Adobe가 제품 이벤트를 생성 업데이트 또는 해결할 때마다 이메일 알림을 받을 수 있습니다. 여기에는 예정된 유지 관리 또는 다양한 심각도 수준의 서비스 문제가 포함될 수 있습니다. </a:t>
+                        <a:t>Status.adobe.com conveys the health information of all Adobe products and services that are deployed in multi-tenant environments. Customers can choose their subscription preferences to get email notifications whenever Adobe creates, updates or resolves a product event. This can include scheduled maintenance or service issues of varying levels of severity. </a:t>
                       </a:r>
+                      <a:endParaRPr lang="en-US" sz="1000" kern="1200">
+                        <a:solidFill>
+                          <a:srgbClr val="000000"/>
+                        </a:solidFill>
+                        <a:latin typeface="Adobe Clean Light" panose="020B0303020404020204" pitchFamily="34" charset="0"/>
+                        <a:ea typeface="+mn-ea"/>
+                        <a:cs typeface="+mn-cs"/>
+                      </a:endParaRPr>
                     </a:p>
                   </a:txBody>
                   <a:tcPr anchor="ctr">
@@ -11970,24 +12676,24 @@
                         <a:defRPr/>
                       </a:pPr>
                       <a:r>
-                        <a:rPr lang="de-de" sz="1100" b="0" i="0" dirty="0">
+                        <a:rPr lang="en-US" sz="1100" b="0" i="0">
                           <a:solidFill>
                             <a:schemeClr val="dk1"/>
                           </a:solidFill>
                           <a:effectLst/>
-                          <a:latin typeface="Adobe Clean" panose="020B0503020404020204" pitchFamily="34" charset="0"/>
+                          <a:latin typeface="Adobe Clean"/>
                           <a:ea typeface="+mn-ea"/>
                           <a:cs typeface="+mn-cs"/>
-                          <a:hlinkClick r:id="rId10" tooltip="https://helpx.adobe.com/kr/support/programs/enterprise-support-programs/premier-support-business.html"/>
+                          <a:hlinkClick r:id="rId10" tooltip="https://helpx.adobe.com/support/programs/enterprise-support-programs/premier-support-business.html"/>
                         </a:rPr>
-                        <a:t>비즈니스 지원 웹 사이트</a:t>
+                        <a:t>Business Support Website</a:t>
                       </a:r>
-                      <a:endParaRPr lang="en-US" sz="1100" b="0" i="0" dirty="0">
+                      <a:endParaRPr lang="en-US" sz="1100" b="0" i="0">
                         <a:solidFill>
                           <a:schemeClr val="dk1"/>
                         </a:solidFill>
                         <a:effectLst/>
-                        <a:latin typeface="Adobe Clean" panose="020B0503020404020204" pitchFamily="34" charset="0"/>
+                        <a:latin typeface="Adobe Clean"/>
                         <a:ea typeface="+mn-ea"/>
                         <a:cs typeface="+mn-cs"/>
                       </a:endParaRPr>
@@ -12047,16 +12753,24 @@
                     <a:lstStyle/>
                     <a:p>
                       <a:r>
-                        <a:rPr lang="de-de" sz="1000" kern="1200" dirty="0">
+                        <a:rPr lang="en-US" sz="1000" kern="1200">
                           <a:solidFill>
                             <a:srgbClr val="000000"/>
                           </a:solidFill>
-                          <a:latin typeface="Adobe Clean Light" panose="020B0303020404020204" pitchFamily="34" charset="0"/>
+                          <a:latin typeface="Adobe Clean Light"/>
                           <a:ea typeface="+mn-ea"/>
                           <a:cs typeface="+mn-cs"/>
                         </a:rPr>
-                        <a:t>Adobe 비즈니스 지원 웹 사이트입니다.</a:t>
+                        <a:t>Adobe Business Support website.</a:t>
                       </a:r>
+                      <a:endParaRPr lang="en-US" sz="1000" kern="1200">
+                        <a:solidFill>
+                          <a:srgbClr val="000000"/>
+                        </a:solidFill>
+                        <a:latin typeface="Adobe Clean Light" panose="020B0303020404020204" pitchFamily="34" charset="0"/>
+                        <a:ea typeface="+mn-ea"/>
+                        <a:cs typeface="+mn-cs"/>
+                      </a:endParaRPr>
                     </a:p>
                   </a:txBody>
                   <a:tcPr anchor="ctr">
@@ -12137,24 +12851,24 @@
                         <a:defRPr/>
                       </a:pPr>
                       <a:r>
-                        <a:rPr lang="de-de" sz="1100" dirty="0">
+                        <a:rPr lang="en-US" sz="1100">
                           <a:solidFill>
                             <a:schemeClr val="tx1"/>
                           </a:solidFill>
                           <a:effectLst/>
-                          <a:latin typeface="Adobe Clean" panose="020B0503020404020204" pitchFamily="34" charset="0"/>
+                          <a:latin typeface="Adobe Clean"/>
                           <a:ea typeface="+mn-ea"/>
                           <a:cs typeface="+mn-cs"/>
                           <a:hlinkClick r:id="rId11"/>
                         </a:rPr>
-                        <a:t>약관</a:t>
+                        <a:t>Terms and Conditions</a:t>
                       </a:r>
-                      <a:endParaRPr lang="en-US" sz="1100" dirty="0">
+                      <a:endParaRPr lang="en-US" sz="1100">
                         <a:solidFill>
                           <a:schemeClr val="tx1"/>
                         </a:solidFill>
                         <a:effectLst/>
-                        <a:latin typeface="Adobe Clean" panose="020B0503020404020204" pitchFamily="34" charset="0"/>
+                        <a:latin typeface="Adobe Clean"/>
                         <a:ea typeface="+mn-ea"/>
                         <a:cs typeface="+mn-cs"/>
                       </a:endParaRPr>
@@ -12214,16 +12928,24 @@
                     <a:lstStyle/>
                     <a:p>
                       <a:r>
-                        <a:rPr lang="de-de" sz="1000" kern="1200" dirty="0">
+                        <a:rPr lang="en-US" sz="1000" kern="1200">
                           <a:solidFill>
                             <a:srgbClr val="000000"/>
                           </a:solidFill>
-                          <a:latin typeface="Adobe Clean Light" panose="020B0303020404020204" pitchFamily="34" charset="0"/>
+                          <a:latin typeface="Adobe Clean Light"/>
                           <a:ea typeface="+mn-ea"/>
                           <a:cs typeface="+mn-cs"/>
                         </a:rPr>
-                        <a:t>지원 서비스 제공 사항을 자세히 설명하는 약관입니다.</a:t>
+                        <a:t>Terms and conditions detailing Support Services offerings.</a:t>
                       </a:r>
+                      <a:endParaRPr lang="en-US" sz="1000" kern="1200">
+                        <a:solidFill>
+                          <a:srgbClr val="000000"/>
+                        </a:solidFill>
+                        <a:latin typeface="Adobe Clean Light" panose="020B0303020404020204" pitchFamily="34" charset="0"/>
+                        <a:ea typeface="+mn-ea"/>
+                        <a:cs typeface="+mn-cs"/>
+                      </a:endParaRPr>
                     </a:p>
                   </a:txBody>
                   <a:tcPr anchor="ctr">
@@ -12286,7 +13008,7 @@
       </p:graphicFrame>
       <p:pic>
         <p:nvPicPr>
-          <p:cNvPr id="8" name="Graphic 7" descr="타겟 개요">
+          <p:cNvPr id="8" name="Graphic 7" descr="Target outline">
             <a:extLst>
               <a:ext uri="{FF2B5EF4-FFF2-40B4-BE49-F238E27FC236}">
                 <a16:creationId xmlns:a16="http://schemas.microsoft.com/office/drawing/2014/main" id="{1EAA263E-04A7-0D46-952E-EA3033B45116}"/>
@@ -12325,7 +13047,7 @@
       </p:pic>
       <p:pic>
         <p:nvPicPr>
-          <p:cNvPr id="10" name="Graphic 9" descr="로켓 개요">
+          <p:cNvPr id="10" name="Graphic 9" descr="Rocket outline">
             <a:extLst>
               <a:ext uri="{FF2B5EF4-FFF2-40B4-BE49-F238E27FC236}">
                 <a16:creationId xmlns:a16="http://schemas.microsoft.com/office/drawing/2014/main" id="{A068EBC3-B418-4E4A-A520-101CA4B39F23}"/>
@@ -12364,7 +13086,7 @@
       </p:pic>
       <p:pic>
         <p:nvPicPr>
-          <p:cNvPr id="12" name="Graphic 11" descr="메달 개요">
+          <p:cNvPr id="12" name="Graphic 11" descr="Medal outline">
             <a:extLst>
               <a:ext uri="{FF2B5EF4-FFF2-40B4-BE49-F238E27FC236}">
                 <a16:creationId xmlns:a16="http://schemas.microsoft.com/office/drawing/2014/main" id="{C7BEFC2D-0CA6-0448-B9FA-6E1581CA6D36}"/>
@@ -12993,6 +13715,12 @@
 </file>
 
 <file path=customXml/item1.xml><?xml version="1.0" encoding="utf-8"?>
+<p:properties xmlns:p="http://schemas.microsoft.com/office/2006/metadata/properties" xmlns:xsi="http://www.w3.org/2001/XMLSchema-instance" xmlns:pc="http://schemas.microsoft.com/office/infopath/2007/PartnerControls">
+  <documentManagement/>
+</p:properties>
+</file>
+
+<file path=customXml/item2.xml><?xml version="1.0" encoding="utf-8"?>
 <?mso-contentType ?>
 <FormTemplates xmlns="http://schemas.microsoft.com/sharepoint/v3/contenttype/forms">
   <Display>DocumentLibraryForm</Display>
@@ -13001,7 +13729,7 @@
 </FormTemplates>
 </file>
 
-<file path=customXml/item2.xml><?xml version="1.0" encoding="utf-8"?>
+<file path=customXml/item3.xml><?xml version="1.0" encoding="utf-8"?>
 <ct:contentTypeSchema xmlns:ct="http://schemas.microsoft.com/office/2006/metadata/contentType" xmlns:ma="http://schemas.microsoft.com/office/2006/metadata/properties/metaAttributes" ct:_="" ma:_="" ma:contentTypeName="Document" ma:contentTypeID="0x010100E783BF6876BCC646A459363AF21A7736" ma:contentTypeVersion="10" ma:contentTypeDescription="Create a new document." ma:contentTypeScope="" ma:versionID="c4ffda7f4f415767600769e454c2ea87">
   <xsd:schema xmlns:xsd="http://www.w3.org/2001/XMLSchema" xmlns:xs="http://www.w3.org/2001/XMLSchema" xmlns:p="http://schemas.microsoft.com/office/2006/metadata/properties" xmlns:ns2="8a053bff-88be-49e4-9a87-e748e18b8b62" xmlns:ns3="6c8368ec-3776-49b5-a5bb-90648cf9530f" targetNamespace="http://schemas.microsoft.com/office/2006/metadata/properties" ma:root="true" ma:fieldsID="df3ec33bccc23e23bce7bc897fad43d1" ns2:_="" ns3:_="">
     <xsd:import namespace="8a053bff-88be-49e4-9a87-e748e18b8b62"/>
@@ -13206,13 +13934,24 @@
 </ct:contentTypeSchema>
 </file>
 
-<file path=customXml/item3.xml><?xml version="1.0" encoding="utf-8"?>
-<p:properties xmlns:p="http://schemas.microsoft.com/office/2006/metadata/properties" xmlns:xsi="http://www.w3.org/2001/XMLSchema-instance" xmlns:pc="http://schemas.microsoft.com/office/infopath/2007/PartnerControls">
-  <documentManagement/>
-</p:properties>
+<file path=customXml/itemProps1.xml><?xml version="1.0" encoding="utf-8"?>
+<ds:datastoreItem xmlns:ds="http://schemas.openxmlformats.org/officeDocument/2006/customXml" ds:itemID="{10FC3CAF-E6F1-40E3-87D4-6B781C97D6B4}">
+  <ds:schemaRefs>
+    <ds:schemaRef ds:uri="6c8368ec-3776-49b5-a5bb-90648cf9530f"/>
+    <ds:schemaRef ds:uri="http://purl.org/dc/elements/1.1/"/>
+    <ds:schemaRef ds:uri="http://schemas.openxmlformats.org/package/2006/metadata/core-properties"/>
+    <ds:schemaRef ds:uri="8a053bff-88be-49e4-9a87-e748e18b8b62"/>
+    <ds:schemaRef ds:uri="http://www.w3.org/XML/1998/namespace"/>
+    <ds:schemaRef ds:uri="http://purl.org/dc/dcmitype/"/>
+    <ds:schemaRef ds:uri="http://schemas.microsoft.com/office/2006/documentManagement/types"/>
+    <ds:schemaRef ds:uri="http://schemas.microsoft.com/office/infopath/2007/PartnerControls"/>
+    <ds:schemaRef ds:uri="http://schemas.microsoft.com/office/2006/metadata/properties"/>
+    <ds:schemaRef ds:uri="http://purl.org/dc/terms/"/>
+  </ds:schemaRefs>
+</ds:datastoreItem>
 </file>
 
-<file path=customXml/itemProps1.xml><?xml version="1.0" encoding="utf-8"?>
+<file path=customXml/itemProps2.xml><?xml version="1.0" encoding="utf-8"?>
 <ds:datastoreItem xmlns:ds="http://schemas.openxmlformats.org/officeDocument/2006/customXml" ds:itemID="{95AE3B0B-E909-400C-B0B3-909FB50E07DE}">
   <ds:schemaRefs>
     <ds:schemaRef ds:uri="http://schemas.microsoft.com/sharepoint/v3/contenttype/forms"/>
@@ -13220,30 +13959,21 @@
 </ds:datastoreItem>
 </file>
 
-<file path=customXml/itemProps2.xml><?xml version="1.0" encoding="utf-8"?>
+<file path=customXml/itemProps3.xml><?xml version="1.0" encoding="utf-8"?>
 <ds:datastoreItem xmlns:ds="http://schemas.openxmlformats.org/officeDocument/2006/customXml" ds:itemID="{E0DB8BDF-6DA8-4ABC-A3CA-043AFD674CFC}">
   <ds:schemaRefs>
-    <ds:schemaRef ds:uri="http://schemas.microsoft.com/office/2006/metadata/contentType"/>
-    <ds:schemaRef ds:uri="http://schemas.microsoft.com/office/2006/metadata/properties/metaAttributes"/>
-    <ds:schemaRef ds:uri="http://www.w3.org/2001/XMLSchema"/>
-    <ds:schemaRef ds:uri="http://schemas.microsoft.com/office/2006/metadata/properties"/>
+    <ds:schemaRef ds:uri="6c8368ec-3776-49b5-a5bb-90648cf9530f"/>
     <ds:schemaRef ds:uri="8a053bff-88be-49e4-9a87-e748e18b8b62"/>
-    <ds:schemaRef ds:uri="6c8368ec-3776-49b5-a5bb-90648cf9530f"/>
-    <ds:schemaRef ds:uri="http://schemas.microsoft.com/office/2006/documentManagement/types"/>
-    <ds:schemaRef ds:uri="http://schemas.microsoft.com/office/infopath/2007/PartnerControls"/>
-    <ds:schemaRef ds:uri="http://schemas.openxmlformats.org/package/2006/metadata/core-properties"/>
     <ds:schemaRef ds:uri="http://purl.org/dc/elements/1.1/"/>
     <ds:schemaRef ds:uri="http://purl.org/dc/terms/"/>
     <ds:schemaRef ds:uri="http://schemas.microsoft.com/internal/obd"/>
-  </ds:schemaRefs>
-</ds:datastoreItem>
-</file>
-
-<file path=customXml/itemProps3.xml><?xml version="1.0" encoding="utf-8"?>
-<ds:datastoreItem xmlns:ds="http://schemas.openxmlformats.org/officeDocument/2006/customXml" ds:itemID="{10FC3CAF-E6F1-40E3-87D4-6B781C97D6B4}">
-  <ds:schemaRefs>
+    <ds:schemaRef ds:uri="http://schemas.microsoft.com/office/2006/documentManagement/types"/>
+    <ds:schemaRef ds:uri="http://schemas.microsoft.com/office/2006/metadata/contentType"/>
     <ds:schemaRef ds:uri="http://schemas.microsoft.com/office/2006/metadata/properties"/>
+    <ds:schemaRef ds:uri="http://schemas.microsoft.com/office/2006/metadata/properties/metaAttributes"/>
     <ds:schemaRef ds:uri="http://schemas.microsoft.com/office/infopath/2007/PartnerControls"/>
+    <ds:schemaRef ds:uri="http://schemas.openxmlformats.org/package/2006/metadata/core-properties"/>
+    <ds:schemaRef ds:uri="http://www.w3.org/2001/XMLSchema"/>
   </ds:schemaRefs>
 </ds:datastoreItem>
 </file>
--- a/help/data-sheets/assets/BusinessSupportDatasheet.pptx
+++ b/help/data-sheets/assets/BusinessSupportDatasheet.pptx
@@ -140,222 +140,18 @@
 </p:cmAuthorLst>
 </file>
 
+<file path=ppt/revisionInfo.xml><?xml version="1.0" encoding="utf-8"?>
+<p1510:revInfo xmlns:a="http://schemas.openxmlformats.org/drawingml/2006/main" xmlns:r="http://schemas.openxmlformats.org/officeDocument/2006/relationships" xmlns:p1510="http://schemas.microsoft.com/office/powerpoint/2015/10/main">
+  <p1510:revLst>
+    <p1510:client id="{06B13378-B080-7F0F-51A5-F9203CEE57ED}" v="370" dt="2021-08-25T22:26:24.850"/>
+    <p1510:client id="{9E385600-BF81-FC49-9ED0-E33BC37F7908}" v="55" dt="2021-08-04T08:16:13.478"/>
+    <p1510:client id="{CA5D33DF-AE75-BCA1-B9BC-A7CD44D2F3C7}" v="2" dt="2021-08-25T22:38:18.624"/>
+  </p1510:revLst>
+</p1510:revInfo>
+</file>
+
 <file path=ppt/changesInfos/changesInfo1.xml><?xml version="1.0" encoding="utf-8"?>
 <pc:chgInfo xmlns:a="http://schemas.openxmlformats.org/drawingml/2006/main" xmlns:r="http://schemas.openxmlformats.org/officeDocument/2006/relationships" xmlns:ac="http://schemas.microsoft.com/office/drawing/2013/main/command" xmlns:pc="http://schemas.microsoft.com/office/powerpoint/2013/main/command">
-  <pc:docChgLst>
-    <pc:chgData name="Akilah Johnson" userId="S::akjohnso@adobe.com::2fa3aa60-0c9c-4d06-bae2-795983241227" providerId="AD" clId="Web-{71D6CFBF-0EA2-99B0-93F4-22F19EF0AE4E}"/>
-    <pc:docChg chg="modSld">
-      <pc:chgData name="Akilah Johnson" userId="S::akjohnso@adobe.com::2fa3aa60-0c9c-4d06-bae2-795983241227" providerId="AD" clId="Web-{71D6CFBF-0EA2-99B0-93F4-22F19EF0AE4E}" dt="2021-09-22T19:06:58.732" v="1" actId="1076"/>
-      <pc:docMkLst>
-        <pc:docMk/>
-      </pc:docMkLst>
-      <pc:sldChg chg="modSp">
-        <pc:chgData name="Akilah Johnson" userId="S::akjohnso@adobe.com::2fa3aa60-0c9c-4d06-bae2-795983241227" providerId="AD" clId="Web-{71D6CFBF-0EA2-99B0-93F4-22F19EF0AE4E}" dt="2021-09-22T19:06:58.732" v="1" actId="1076"/>
-        <pc:sldMkLst>
-          <pc:docMk/>
-          <pc:sldMk cId="1050037809" sldId="261"/>
-        </pc:sldMkLst>
-        <pc:spChg chg="mod">
-          <ac:chgData name="Akilah Johnson" userId="S::akjohnso@adobe.com::2fa3aa60-0c9c-4d06-bae2-795983241227" providerId="AD" clId="Web-{71D6CFBF-0EA2-99B0-93F4-22F19EF0AE4E}" dt="2021-09-22T19:06:58.732" v="1" actId="1076"/>
-          <ac:spMkLst>
-            <pc:docMk/>
-            <pc:sldMk cId="1050037809" sldId="261"/>
-            <ac:spMk id="64" creationId="{41467BDC-3D83-D844-B922-CD07E94E5AAB}"/>
-          </ac:spMkLst>
-        </pc:spChg>
-      </pc:sldChg>
-    </pc:docChg>
-  </pc:docChgLst>
-  <pc:docChgLst>
-    <pc:chgData name="Akilah Johnson" userId="S::akjohnso@adobe.com::2fa3aa60-0c9c-4d06-bae2-795983241227" providerId="AD" clId="Web-{AFB92C2B-405E-C597-0988-18F97C53104C}"/>
-    <pc:docChg chg="modSld">
-      <pc:chgData name="Akilah Johnson" userId="S::akjohnso@adobe.com::2fa3aa60-0c9c-4d06-bae2-795983241227" providerId="AD" clId="Web-{AFB92C2B-405E-C597-0988-18F97C53104C}" dt="2021-09-22T18:53:26.184" v="29"/>
-      <pc:docMkLst>
-        <pc:docMk/>
-      </pc:docMkLst>
-      <pc:sldChg chg="modSp">
-        <pc:chgData name="Akilah Johnson" userId="S::akjohnso@adobe.com::2fa3aa60-0c9c-4d06-bae2-795983241227" providerId="AD" clId="Web-{AFB92C2B-405E-C597-0988-18F97C53104C}" dt="2021-09-22T18:53:26.184" v="29"/>
-        <pc:sldMkLst>
-          <pc:docMk/>
-          <pc:sldMk cId="1050037809" sldId="261"/>
-        </pc:sldMkLst>
-        <pc:spChg chg="mod">
-          <ac:chgData name="Akilah Johnson" userId="S::akjohnso@adobe.com::2fa3aa60-0c9c-4d06-bae2-795983241227" providerId="AD" clId="Web-{AFB92C2B-405E-C597-0988-18F97C53104C}" dt="2021-09-22T18:53:05.841" v="5" actId="20577"/>
-          <ac:spMkLst>
-            <pc:docMk/>
-            <pc:sldMk cId="1050037809" sldId="261"/>
-            <ac:spMk id="64" creationId="{41467BDC-3D83-D844-B922-CD07E94E5AAB}"/>
-          </ac:spMkLst>
-        </pc:spChg>
-        <pc:graphicFrameChg chg="mod modGraphic">
-          <ac:chgData name="Akilah Johnson" userId="S::akjohnso@adobe.com::2fa3aa60-0c9c-4d06-bae2-795983241227" providerId="AD" clId="Web-{AFB92C2B-405E-C597-0988-18F97C53104C}" dt="2021-09-22T18:53:26.184" v="29"/>
-          <ac:graphicFrameMkLst>
-            <pc:docMk/>
-            <pc:sldMk cId="1050037809" sldId="261"/>
-            <ac:graphicFrameMk id="25" creationId="{3A91F5B0-3974-A14D-A146-FB590F2AAD18}"/>
-          </ac:graphicFrameMkLst>
-        </pc:graphicFrameChg>
-      </pc:sldChg>
-    </pc:docChg>
-  </pc:docChgLst>
-  <pc:docChgLst>
-    <pc:chgData name="Akilah Johnson" userId="S::akjohnso@adobe.com::2fa3aa60-0c9c-4d06-bae2-795983241227" providerId="AD" clId="Web-{019F6A09-DCDA-BB53-9E3C-5BA3B13E26BB}"/>
-    <pc:docChg chg="modSld">
-      <pc:chgData name="Akilah Johnson" userId="S::akjohnso@adobe.com::2fa3aa60-0c9c-4d06-bae2-795983241227" providerId="AD" clId="Web-{019F6A09-DCDA-BB53-9E3C-5BA3B13E26BB}" dt="2021-10-12T17:10:36.752" v="17" actId="20577"/>
-      <pc:docMkLst>
-        <pc:docMk/>
-      </pc:docMkLst>
-      <pc:sldChg chg="modSp">
-        <pc:chgData name="Akilah Johnson" userId="S::akjohnso@adobe.com::2fa3aa60-0c9c-4d06-bae2-795983241227" providerId="AD" clId="Web-{019F6A09-DCDA-BB53-9E3C-5BA3B13E26BB}" dt="2021-10-12T17:09:32.112" v="2" actId="20577"/>
-        <pc:sldMkLst>
-          <pc:docMk/>
-          <pc:sldMk cId="0" sldId="257"/>
-        </pc:sldMkLst>
-        <pc:spChg chg="mod">
-          <ac:chgData name="Akilah Johnson" userId="S::akjohnso@adobe.com::2fa3aa60-0c9c-4d06-bae2-795983241227" providerId="AD" clId="Web-{019F6A09-DCDA-BB53-9E3C-5BA3B13E26BB}" dt="2021-10-12T17:09:32.112" v="2" actId="20577"/>
-          <ac:spMkLst>
-            <pc:docMk/>
-            <pc:sldMk cId="0" sldId="257"/>
-            <ac:spMk id="46" creationId="{00000000-0000-0000-0000-000000000000}"/>
-          </ac:spMkLst>
-        </pc:spChg>
-      </pc:sldChg>
-      <pc:sldChg chg="modSp">
-        <pc:chgData name="Akilah Johnson" userId="S::akjohnso@adobe.com::2fa3aa60-0c9c-4d06-bae2-795983241227" providerId="AD" clId="Web-{019F6A09-DCDA-BB53-9E3C-5BA3B13E26BB}" dt="2021-10-12T17:10:36.752" v="17" actId="20577"/>
-        <pc:sldMkLst>
-          <pc:docMk/>
-          <pc:sldMk cId="1050037809" sldId="261"/>
-        </pc:sldMkLst>
-        <pc:spChg chg="mod">
-          <ac:chgData name="Akilah Johnson" userId="S::akjohnso@adobe.com::2fa3aa60-0c9c-4d06-bae2-795983241227" providerId="AD" clId="Web-{019F6A09-DCDA-BB53-9E3C-5BA3B13E26BB}" dt="2021-10-12T17:10:36.752" v="17" actId="20577"/>
-          <ac:spMkLst>
-            <pc:docMk/>
-            <pc:sldMk cId="1050037809" sldId="261"/>
-            <ac:spMk id="56" creationId="{00000000-0000-0000-0000-000000000000}"/>
-          </ac:spMkLst>
-        </pc:spChg>
-        <pc:graphicFrameChg chg="mod modGraphic">
-          <ac:chgData name="Akilah Johnson" userId="S::akjohnso@adobe.com::2fa3aa60-0c9c-4d06-bae2-795983241227" providerId="AD" clId="Web-{019F6A09-DCDA-BB53-9E3C-5BA3B13E26BB}" dt="2021-10-12T17:09:41.471" v="6"/>
-          <ac:graphicFrameMkLst>
-            <pc:docMk/>
-            <pc:sldMk cId="1050037809" sldId="261"/>
-            <ac:graphicFrameMk id="111" creationId="{D8653CEC-4213-DE40-9BAF-D1E3318FF89C}"/>
-          </ac:graphicFrameMkLst>
-        </pc:graphicFrameChg>
-      </pc:sldChg>
-    </pc:docChg>
-  </pc:docChgLst>
-  <pc:docChgLst>
-    <pc:chgData name="Ankita Sood" userId="c93a62e3-2a47-429d-82c6-c2a8fd110ae7" providerId="ADAL" clId="{EADEB940-4844-7941-8DD1-C0A7CBA2737C}"/>
-    <pc:docChg chg="modSld">
-      <pc:chgData name="Ankita Sood" userId="c93a62e3-2a47-429d-82c6-c2a8fd110ae7" providerId="ADAL" clId="{EADEB940-4844-7941-8DD1-C0A7CBA2737C}" dt="2022-01-20T19:38:27.531" v="31" actId="20577"/>
-      <pc:docMkLst>
-        <pc:docMk/>
-      </pc:docMkLst>
-      <pc:sldChg chg="modSp mod">
-        <pc:chgData name="Ankita Sood" userId="c93a62e3-2a47-429d-82c6-c2a8fd110ae7" providerId="ADAL" clId="{EADEB940-4844-7941-8DD1-C0A7CBA2737C}" dt="2022-01-20T19:38:22.046" v="23" actId="20577"/>
-        <pc:sldMkLst>
-          <pc:docMk/>
-          <pc:sldMk cId="0" sldId="256"/>
-        </pc:sldMkLst>
-        <pc:spChg chg="mod">
-          <ac:chgData name="Ankita Sood" userId="c93a62e3-2a47-429d-82c6-c2a8fd110ae7" providerId="ADAL" clId="{EADEB940-4844-7941-8DD1-C0A7CBA2737C}" dt="2022-01-20T19:38:07.964" v="7" actId="20577"/>
-          <ac:spMkLst>
-            <pc:docMk/>
-            <pc:sldMk cId="0" sldId="256"/>
-            <ac:spMk id="5" creationId="{00000000-0000-0000-0000-000000000000}"/>
-          </ac:spMkLst>
-        </pc:spChg>
-        <pc:graphicFrameChg chg="modGraphic">
-          <ac:chgData name="Ankita Sood" userId="c93a62e3-2a47-429d-82c6-c2a8fd110ae7" providerId="ADAL" clId="{EADEB940-4844-7941-8DD1-C0A7CBA2737C}" dt="2022-01-20T19:38:22.046" v="23" actId="20577"/>
-          <ac:graphicFrameMkLst>
-            <pc:docMk/>
-            <pc:sldMk cId="0" sldId="256"/>
-            <ac:graphicFrameMk id="9" creationId="{00000000-0000-0000-0000-000000000000}"/>
-          </ac:graphicFrameMkLst>
-        </pc:graphicFrameChg>
-        <pc:graphicFrameChg chg="modGraphic">
-          <ac:chgData name="Ankita Sood" userId="c93a62e3-2a47-429d-82c6-c2a8fd110ae7" providerId="ADAL" clId="{EADEB940-4844-7941-8DD1-C0A7CBA2737C}" dt="2022-01-20T19:38:16.769" v="15" actId="20577"/>
-          <ac:graphicFrameMkLst>
-            <pc:docMk/>
-            <pc:sldMk cId="0" sldId="256"/>
-            <ac:graphicFrameMk id="11" creationId="{3AC7AEA2-E7A4-BD48-80EA-856168E207F6}"/>
-          </ac:graphicFrameMkLst>
-        </pc:graphicFrameChg>
-      </pc:sldChg>
-      <pc:sldChg chg="modSp mod">
-        <pc:chgData name="Ankita Sood" userId="c93a62e3-2a47-429d-82c6-c2a8fd110ae7" providerId="ADAL" clId="{EADEB940-4844-7941-8DD1-C0A7CBA2737C}" dt="2022-01-20T19:38:27.531" v="31" actId="20577"/>
-        <pc:sldMkLst>
-          <pc:docMk/>
-          <pc:sldMk cId="0" sldId="257"/>
-        </pc:sldMkLst>
-        <pc:spChg chg="mod">
-          <ac:chgData name="Ankita Sood" userId="c93a62e3-2a47-429d-82c6-c2a8fd110ae7" providerId="ADAL" clId="{EADEB940-4844-7941-8DD1-C0A7CBA2737C}" dt="2022-01-20T19:38:27.531" v="31" actId="20577"/>
-          <ac:spMkLst>
-            <pc:docMk/>
-            <pc:sldMk cId="0" sldId="257"/>
-            <ac:spMk id="44" creationId="{147009FB-1B8D-6D4F-87DF-41B5DE49EFE5}"/>
-          </ac:spMkLst>
-        </pc:spChg>
-      </pc:sldChg>
-    </pc:docChg>
-  </pc:docChgLst>
-  <pc:docChgLst>
-    <pc:chgData name="Andy Witt" userId="S::awitt@adobe.com::e9157bdf-53b2-40e4-9459-936793d75696" providerId="AD" clId="Web-{CA5D33DF-AE75-BCA1-B9BC-A7CD44D2F3C7}"/>
-    <pc:docChg chg="modSld">
-      <pc:chgData name="Andy Witt" userId="S::awitt@adobe.com::e9157bdf-53b2-40e4-9459-936793d75696" providerId="AD" clId="Web-{CA5D33DF-AE75-BCA1-B9BC-A7CD44D2F3C7}" dt="2021-08-25T22:38:18.624" v="1" actId="1076"/>
-      <pc:docMkLst>
-        <pc:docMk/>
-      </pc:docMkLst>
-      <pc:sldChg chg="modSp">
-        <pc:chgData name="Andy Witt" userId="S::awitt@adobe.com::e9157bdf-53b2-40e4-9459-936793d75696" providerId="AD" clId="Web-{CA5D33DF-AE75-BCA1-B9BC-A7CD44D2F3C7}" dt="2021-08-25T22:38:18.624" v="1" actId="1076"/>
-        <pc:sldMkLst>
-          <pc:docMk/>
-          <pc:sldMk cId="1050037809" sldId="261"/>
-        </pc:sldMkLst>
-        <pc:spChg chg="mod">
-          <ac:chgData name="Andy Witt" userId="S::awitt@adobe.com::e9157bdf-53b2-40e4-9459-936793d75696" providerId="AD" clId="Web-{CA5D33DF-AE75-BCA1-B9BC-A7CD44D2F3C7}" dt="2021-08-25T22:38:18.624" v="1" actId="1076"/>
-          <ac:spMkLst>
-            <pc:docMk/>
-            <pc:sldMk cId="1050037809" sldId="261"/>
-            <ac:spMk id="50" creationId="{043050D0-21FC-0C42-8484-7FE7C0DB771F}"/>
-          </ac:spMkLst>
-        </pc:spChg>
-      </pc:sldChg>
-    </pc:docChg>
-  </pc:docChgLst>
-  <pc:docChgLst>
-    <pc:chgData name="Lauren Schutte" userId="6e08b2d3-447a-4d66-86be-444d50df187f" providerId="ADAL" clId="{61630BD6-9AE9-064C-B39F-AFA945B82B3E}"/>
-    <pc:docChg chg="undo custSel modSld">
-      <pc:chgData name="Lauren Schutte" userId="6e08b2d3-447a-4d66-86be-444d50df187f" providerId="ADAL" clId="{61630BD6-9AE9-064C-B39F-AFA945B82B3E}" dt="2021-10-13T19:21:08.267" v="201" actId="20577"/>
-      <pc:docMkLst>
-        <pc:docMk/>
-      </pc:docMkLst>
-      <pc:sldChg chg="modSp mod">
-        <pc:chgData name="Lauren Schutte" userId="6e08b2d3-447a-4d66-86be-444d50df187f" providerId="ADAL" clId="{61630BD6-9AE9-064C-B39F-AFA945B82B3E}" dt="2021-10-13T19:21:08.267" v="201" actId="20577"/>
-        <pc:sldMkLst>
-          <pc:docMk/>
-          <pc:sldMk cId="0" sldId="256"/>
-        </pc:sldMkLst>
-        <pc:spChg chg="mod">
-          <ac:chgData name="Lauren Schutte" userId="6e08b2d3-447a-4d66-86be-444d50df187f" providerId="ADAL" clId="{61630BD6-9AE9-064C-B39F-AFA945B82B3E}" dt="2021-10-13T19:03:44.344" v="3" actId="1076"/>
-          <ac:spMkLst>
-            <pc:docMk/>
-            <pc:sldMk cId="0" sldId="256"/>
-            <ac:spMk id="3" creationId="{00000000-0000-0000-0000-000000000000}"/>
-          </ac:spMkLst>
-        </pc:spChg>
-        <pc:graphicFrameChg chg="mod modGraphic">
-          <ac:chgData name="Lauren Schutte" userId="6e08b2d3-447a-4d66-86be-444d50df187f" providerId="ADAL" clId="{61630BD6-9AE9-064C-B39F-AFA945B82B3E}" dt="2021-10-13T19:21:08.267" v="201" actId="20577"/>
-          <ac:graphicFrameMkLst>
-            <pc:docMk/>
-            <pc:sldMk cId="0" sldId="256"/>
-            <ac:graphicFrameMk id="9" creationId="{00000000-0000-0000-0000-000000000000}"/>
-          </ac:graphicFrameMkLst>
-        </pc:graphicFrameChg>
-      </pc:sldChg>
-    </pc:docChg>
-  </pc:docChgLst>
   <pc:docChgLst>
     <pc:chgData name="Andy Witt" userId="S::awitt@adobe.com::e9157bdf-53b2-40e4-9459-936793d75696" providerId="AD" clId="Web-{06B13378-B080-7F0F-51A5-F9203CEE57ED}"/>
     <pc:docChg chg="modSld">
@@ -381,80 +177,24 @@
     </pc:docChg>
   </pc:docChgLst>
   <pc:docChgLst>
-    <pc:chgData name="Akilah Johnson" userId="S::akjohnso@adobe.com::2fa3aa60-0c9c-4d06-bae2-795983241227" providerId="AD" clId="Web-{4D8E0410-E0CE-85E2-0F84-C1BF4F647622}"/>
+    <pc:chgData name="Andy Witt" userId="S::awitt@adobe.com::e9157bdf-53b2-40e4-9459-936793d75696" providerId="AD" clId="Web-{CA5D33DF-AE75-BCA1-B9BC-A7CD44D2F3C7}"/>
     <pc:docChg chg="modSld">
-      <pc:chgData name="Akilah Johnson" userId="S::akjohnso@adobe.com::2fa3aa60-0c9c-4d06-bae2-795983241227" providerId="AD" clId="Web-{4D8E0410-E0CE-85E2-0F84-C1BF4F647622}" dt="2021-09-22T22:57:04.802" v="5"/>
+      <pc:chgData name="Andy Witt" userId="S::awitt@adobe.com::e9157bdf-53b2-40e4-9459-936793d75696" providerId="AD" clId="Web-{CA5D33DF-AE75-BCA1-B9BC-A7CD44D2F3C7}" dt="2021-08-25T22:38:18.624" v="1" actId="1076"/>
       <pc:docMkLst>
         <pc:docMk/>
       </pc:docMkLst>
       <pc:sldChg chg="modSp">
-        <pc:chgData name="Akilah Johnson" userId="S::akjohnso@adobe.com::2fa3aa60-0c9c-4d06-bae2-795983241227" providerId="AD" clId="Web-{4D8E0410-E0CE-85E2-0F84-C1BF4F647622}" dt="2021-09-22T22:57:04.802" v="5"/>
+        <pc:chgData name="Andy Witt" userId="S::awitt@adobe.com::e9157bdf-53b2-40e4-9459-936793d75696" providerId="AD" clId="Web-{CA5D33DF-AE75-BCA1-B9BC-A7CD44D2F3C7}" dt="2021-08-25T22:38:18.624" v="1" actId="1076"/>
         <pc:sldMkLst>
           <pc:docMk/>
           <pc:sldMk cId="1050037809" sldId="261"/>
         </pc:sldMkLst>
-        <pc:graphicFrameChg chg="mod modGraphic">
-          <ac:chgData name="Akilah Johnson" userId="S::akjohnso@adobe.com::2fa3aa60-0c9c-4d06-bae2-795983241227" providerId="AD" clId="Web-{4D8E0410-E0CE-85E2-0F84-C1BF4F647622}" dt="2021-09-22T22:57:04.802" v="5"/>
-          <ac:graphicFrameMkLst>
+        <pc:spChg chg="mod">
+          <ac:chgData name="Andy Witt" userId="S::awitt@adobe.com::e9157bdf-53b2-40e4-9459-936793d75696" providerId="AD" clId="Web-{CA5D33DF-AE75-BCA1-B9BC-A7CD44D2F3C7}" dt="2021-08-25T22:38:18.624" v="1" actId="1076"/>
+          <ac:spMkLst>
             <pc:docMk/>
             <pc:sldMk cId="1050037809" sldId="261"/>
-            <ac:graphicFrameMk id="25" creationId="{3A91F5B0-3974-A14D-A146-FB590F2AAD18}"/>
-          </ac:graphicFrameMkLst>
-        </pc:graphicFrameChg>
-      </pc:sldChg>
-    </pc:docChg>
-  </pc:docChgLst>
-  <pc:docChgLst>
-    <pc:chgData name="Lauren Schutte" userId="S::schutte@adobe.com::6e08b2d3-447a-4d66-86be-444d50df187f" providerId="AD" clId="Web-{AC30C20D-1316-8ECC-DADD-39CCEC6A7FCF}"/>
-    <pc:docChg chg="modSld">
-      <pc:chgData name="Lauren Schutte" userId="S::schutte@adobe.com::6e08b2d3-447a-4d66-86be-444d50df187f" providerId="AD" clId="Web-{AC30C20D-1316-8ECC-DADD-39CCEC6A7FCF}" dt="2021-10-13T19:03:35.035" v="8" actId="1076"/>
-      <pc:docMkLst>
-        <pc:docMk/>
-      </pc:docMkLst>
-      <pc:sldChg chg="modSp">
-        <pc:chgData name="Lauren Schutte" userId="S::schutte@adobe.com::6e08b2d3-447a-4d66-86be-444d50df187f" providerId="AD" clId="Web-{AC30C20D-1316-8ECC-DADD-39CCEC6A7FCF}" dt="2021-10-13T19:03:35.035" v="8" actId="1076"/>
-        <pc:sldMkLst>
-          <pc:docMk/>
-          <pc:sldMk cId="0" sldId="256"/>
-        </pc:sldMkLst>
-        <pc:spChg chg="mod">
-          <ac:chgData name="Lauren Schutte" userId="S::schutte@adobe.com::6e08b2d3-447a-4d66-86be-444d50df187f" providerId="AD" clId="Web-{AC30C20D-1316-8ECC-DADD-39CCEC6A7FCF}" dt="2021-10-13T19:03:27.878" v="7" actId="14100"/>
-          <ac:spMkLst>
-            <pc:docMk/>
-            <pc:sldMk cId="0" sldId="256"/>
-            <ac:spMk id="3" creationId="{00000000-0000-0000-0000-000000000000}"/>
-          </ac:spMkLst>
-        </pc:spChg>
-        <pc:spChg chg="mod">
-          <ac:chgData name="Lauren Schutte" userId="S::schutte@adobe.com::6e08b2d3-447a-4d66-86be-444d50df187f" providerId="AD" clId="Web-{AC30C20D-1316-8ECC-DADD-39CCEC6A7FCF}" dt="2021-10-13T19:03:35.035" v="8" actId="1076"/>
-          <ac:spMkLst>
-            <pc:docMk/>
-            <pc:sldMk cId="0" sldId="256"/>
-            <ac:spMk id="5" creationId="{00000000-0000-0000-0000-000000000000}"/>
-          </ac:spMkLst>
-        </pc:spChg>
-      </pc:sldChg>
-    </pc:docChg>
-  </pc:docChgLst>
-  <pc:docChgLst>
-    <pc:chgData name="Akilah Johnson" userId="S::akjohnso@adobe.com::2fa3aa60-0c9c-4d06-bae2-795983241227" providerId="AD" clId="Web-{D428A0AE-54E2-30D2-C574-7A0742876CCF}"/>
-    <pc:docChg chg="modSld">
-      <pc:chgData name="Akilah Johnson" userId="S::akjohnso@adobe.com::2fa3aa60-0c9c-4d06-bae2-795983241227" providerId="AD" clId="Web-{D428A0AE-54E2-30D2-C574-7A0742876CCF}" dt="2021-10-12T19:11:25.330" v="0" actId="20577"/>
-      <pc:docMkLst>
-        <pc:docMk/>
-      </pc:docMkLst>
-      <pc:sldChg chg="modSp">
-        <pc:chgData name="Akilah Johnson" userId="S::akjohnso@adobe.com::2fa3aa60-0c9c-4d06-bae2-795983241227" providerId="AD" clId="Web-{D428A0AE-54E2-30D2-C574-7A0742876CCF}" dt="2021-10-12T19:11:25.330" v="0" actId="20577"/>
-        <pc:sldMkLst>
-          <pc:docMk/>
-          <pc:sldMk cId="0" sldId="256"/>
-        </pc:sldMkLst>
-        <pc:spChg chg="mod">
-          <ac:chgData name="Akilah Johnson" userId="S::akjohnso@adobe.com::2fa3aa60-0c9c-4d06-bae2-795983241227" providerId="AD" clId="Web-{D428A0AE-54E2-30D2-C574-7A0742876CCF}" dt="2021-10-12T19:11:25.330" v="0" actId="20577"/>
-          <ac:spMkLst>
-            <pc:docMk/>
-            <pc:sldMk cId="0" sldId="256"/>
-            <ac:spMk id="4" creationId="{00000000-0000-0000-0000-000000000000}"/>
+            <ac:spMk id="50" creationId="{043050D0-21FC-0C42-8484-7FE7C0DB771F}"/>
           </ac:spMkLst>
         </pc:spChg>
       </pc:sldChg>
@@ -545,7 +285,7 @@
           <a:p>
             <a:fld id="{FB81873C-0B24-F04A-98A1-90E0A78F7E8A}" type="datetimeFigureOut">
               <a:rPr lang="en-US" smtClean="0"/>
-              <a:t>1/20/22</a:t>
+              <a:t>02/03/2022</a:t>
             </a:fld>
             <a:endParaRPr lang="en-US"/>
           </a:p>
@@ -856,7 +596,7 @@
           <a:bodyPr/>
           <a:lstStyle/>
           <a:p>
-            <a:endParaRPr lang="en-US"/>
+            <a:endParaRPr lang="en-US" dirty="0"/>
           </a:p>
         </p:txBody>
       </p:sp>
@@ -940,7 +680,7 @@
           <a:bodyPr/>
           <a:lstStyle/>
           <a:p>
-            <a:endParaRPr lang="en-US"/>
+            <a:endParaRPr lang="en-US" dirty="0"/>
           </a:p>
         </p:txBody>
       </p:sp>
@@ -1024,7 +764,7 @@
           <a:bodyPr/>
           <a:lstStyle/>
           <a:p>
-            <a:endParaRPr lang="en-US"/>
+            <a:endParaRPr lang="en-US" dirty="0"/>
           </a:p>
         </p:txBody>
       </p:sp>
@@ -1168,7 +908,7 @@
           <a:p>
             <a:fld id="{1D8BD707-D9CF-40AE-B4C6-C98DA3205C09}" type="datetimeFigureOut">
               <a:rPr lang="en-US"/>
-              <a:t>1/20/22</a:t>
+              <a:t>02/03/2022</a:t>
             </a:fld>
             <a:endParaRPr lang="en-US"/>
           </a:p>
@@ -1256,23 +996,23 @@
               </a:spcBef>
             </a:pPr>
             <a:r>
-              <a:rPr spc="-5"/>
+              <a:rPr spc="-5" dirty="0"/>
               <a:t>©202</a:t>
             </a:r>
             <a:r>
-              <a:rPr lang="en-US" spc="-5"/>
+              <a:rPr lang="en-US" spc="-5" dirty="0"/>
               <a:t>1 </a:t>
             </a:r>
             <a:r>
-              <a:rPr spc="-5"/>
+              <a:rPr spc="-5" dirty="0"/>
               <a:t>Adobe. All Rights Reserved. Adobe</a:t>
             </a:r>
             <a:r>
-              <a:rPr spc="60"/>
+              <a:rPr spc="60" dirty="0"/>
               <a:t> </a:t>
             </a:r>
             <a:r>
-              <a:rPr spc="-5"/>
+              <a:rPr spc="-5" dirty="0"/>
               <a:t>Confidential.</a:t>
             </a:r>
           </a:p>
@@ -1360,7 +1100,7 @@
           <a:p>
             <a:fld id="{1D8BD707-D9CF-40AE-B4C6-C98DA3205C09}" type="datetimeFigureOut">
               <a:rPr lang="en-US"/>
-              <a:t>1/20/22</a:t>
+              <a:t>02/03/2022</a:t>
             </a:fld>
             <a:endParaRPr lang="en-US"/>
           </a:p>
@@ -1448,23 +1188,23 @@
               </a:spcBef>
             </a:pPr>
             <a:r>
-              <a:rPr spc="-5"/>
+              <a:rPr spc="-5" dirty="0"/>
               <a:t>©202</a:t>
             </a:r>
             <a:r>
-              <a:rPr lang="en-US" spc="-5"/>
+              <a:rPr lang="en-US" spc="-5" dirty="0"/>
               <a:t>1</a:t>
             </a:r>
             <a:r>
-              <a:rPr spc="-5"/>
+              <a:rPr spc="-5" dirty="0"/>
               <a:t> Adobe. All Rights Reserved. Adobe</a:t>
             </a:r>
             <a:r>
-              <a:rPr spc="60"/>
+              <a:rPr spc="60" dirty="0"/>
               <a:t> </a:t>
             </a:r>
             <a:r>
-              <a:rPr spc="-5"/>
+              <a:rPr spc="-5" dirty="0"/>
               <a:t>Confidential.</a:t>
             </a:r>
           </a:p>
@@ -1619,23 +1359,23 @@
               </a:spcBef>
             </a:pPr>
             <a:r>
-              <a:rPr spc="-5"/>
+              <a:rPr spc="-5" dirty="0"/>
               <a:t>©202</a:t>
             </a:r>
             <a:r>
-              <a:rPr lang="en-US" spc="-5"/>
+              <a:rPr lang="en-US" spc="-5" dirty="0"/>
               <a:t>1</a:t>
             </a:r>
             <a:r>
-              <a:rPr spc="-5"/>
+              <a:rPr spc="-5" dirty="0"/>
               <a:t> Adobe. All Rights Reserved. Adobe</a:t>
             </a:r>
             <a:r>
-              <a:rPr spc="60"/>
+              <a:rPr spc="60" dirty="0"/>
               <a:t> </a:t>
             </a:r>
             <a:r>
-              <a:rPr spc="-5"/>
+              <a:rPr spc="-5" dirty="0"/>
               <a:t>Confidential.</a:t>
             </a:r>
           </a:p>
@@ -1678,7 +1418,7 @@
           <a:p>
             <a:fld id="{1D8BD707-D9CF-40AE-B4C6-C98DA3205C09}" type="datetimeFigureOut">
               <a:rPr lang="en-US"/>
-              <a:t>1/20/22</a:t>
+              <a:t>02/03/2022</a:t>
             </a:fld>
             <a:endParaRPr lang="en-US"/>
           </a:p>
@@ -1932,8 +1672,8 @@
         </p:nvSpPr>
         <p:spPr>
           <a:xfrm>
-            <a:off x="168565" y="7162363"/>
-            <a:ext cx="2800350" cy="238760"/>
+            <a:off x="168564" y="7162363"/>
+            <a:ext cx="3870035" cy="229037"/>
           </a:xfrm>
           <a:prstGeom prst="rect">
             <a:avLst/>
@@ -1954,7 +1694,7 @@
               </a:spcBef>
             </a:pPr>
             <a:r>
-              <a:rPr sz="1400" b="1" u="heavy" spc="10">
+              <a:rPr lang="de-de" sz="1400" b="1" u="heavy" spc="10" dirty="0">
                 <a:solidFill>
                   <a:srgbClr val="020302"/>
                 </a:solidFill>
@@ -1966,10 +1706,10 @@
                 <a:latin typeface="Adobe Clean"/>
                 <a:cs typeface="Adobe Clean"/>
               </a:rPr>
-              <a:t>Service </a:t>
-            </a:r>
-            <a:r>
-              <a:rPr sz="1400" b="1" u="heavy" spc="-10">
+              <a:t>서비스 </a:t>
+            </a:r>
+            <a:r>
+              <a:rPr lang="de-de" sz="1400" b="1" u="heavy" spc="-10" dirty="0">
                 <a:solidFill>
                   <a:srgbClr val="020302"/>
                 </a:solidFill>
@@ -1981,10 +1721,10 @@
                 <a:latin typeface="Adobe Clean"/>
                 <a:cs typeface="Adobe Clean"/>
               </a:rPr>
-              <a:t>Level </a:t>
-            </a:r>
-            <a:r>
-              <a:rPr sz="1400" b="1" u="heavy" spc="-45">
+              <a:t>수준 </a:t>
+            </a:r>
+            <a:r>
+              <a:rPr lang="de-de" sz="1400" b="1" u="heavy" spc="-45" dirty="0">
                 <a:solidFill>
                   <a:srgbClr val="020302"/>
                 </a:solidFill>
@@ -1996,10 +1736,10 @@
                 <a:latin typeface="Adobe Clean"/>
                 <a:cs typeface="Adobe Clean"/>
               </a:rPr>
-              <a:t>Targets: </a:t>
-            </a:r>
-            <a:r>
-              <a:rPr sz="1400" b="1" u="heavy" spc="-10">
+              <a:t>목표: </a:t>
+            </a:r>
+            <a:r>
+              <a:rPr lang="de-de" sz="1400" b="1" u="heavy" spc="-10" dirty="0">
                 <a:solidFill>
                   <a:srgbClr val="020302"/>
                 </a:solidFill>
@@ -2011,10 +1751,10 @@
                 <a:latin typeface="Adobe Clean"/>
                 <a:cs typeface="Adobe Clean"/>
               </a:rPr>
-              <a:t>Initial</a:t>
-            </a:r>
-            <a:r>
-              <a:rPr sz="1400" b="1" u="heavy" spc="-140">
+              <a:t>초기</a:t>
+            </a:r>
+            <a:r>
+              <a:rPr lang="de-de" sz="1400" b="1" u="heavy" spc="-140" dirty="0">
                 <a:solidFill>
                   <a:srgbClr val="020302"/>
                 </a:solidFill>
@@ -2029,7 +1769,7 @@
               <a:t> </a:t>
             </a:r>
             <a:r>
-              <a:rPr sz="1400" b="1" u="heavy" spc="-15">
+              <a:rPr lang="de-de" sz="1400" b="1" u="heavy" spc="-15" dirty="0">
                 <a:solidFill>
                   <a:srgbClr val="020302"/>
                 </a:solidFill>
@@ -2041,9 +1781,9 @@
                 <a:latin typeface="Adobe Clean"/>
                 <a:cs typeface="Adobe Clean"/>
               </a:rPr>
-              <a:t>Response</a:t>
-            </a:r>
-            <a:endParaRPr sz="1400">
+              <a:t>대응</a:t>
+            </a:r>
+            <a:endParaRPr sz="1400" dirty="0">
               <a:latin typeface="Adobe Clean"/>
               <a:cs typeface="Adobe Clean"/>
             </a:endParaRPr>
@@ -2099,7 +1839,7 @@
           </a:prstGeom>
         </p:spPr>
         <p:txBody>
-          <a:bodyPr vert="horz" wrap="square" lIns="0" tIns="12700" rIns="0" bIns="0" rtlCol="0" anchor="t">
+          <a:bodyPr vert="horz" wrap="square" lIns="0" tIns="12700" rIns="0" bIns="0" rtlCol="0">
             <a:spAutoFit/>
           </a:bodyPr>
           <a:lstStyle/>
@@ -2113,18 +1853,18 @@
               </a:spcBef>
             </a:pPr>
             <a:r>
-              <a:rPr sz="2300">
-                <a:latin typeface="Adobe Clean"/>
+              <a:rPr lang="de-de" sz="2300" spc="-229" dirty="0">
+                <a:latin typeface="Adobe Clean" panose="020B0503020404020204" pitchFamily="34" charset="0"/>
               </a:rPr>
-              <a:t>ADOBE </a:t>
-            </a:r>
-            <a:r>
-              <a:rPr lang="en-US" sz="2300">
-                <a:latin typeface="Adobe Clean"/>
+              <a:t>Adobe   </a:t>
+            </a:r>
+            <a:r>
+              <a:rPr lang="ko-KR" altLang="en-US" sz="2300" spc="-229" dirty="0">
+                <a:latin typeface="Adobe Clean" panose="020B0503020404020204" pitchFamily="34" charset="0"/>
               </a:rPr>
-              <a:t>SUPPORT PLANS</a:t>
-            </a:r>
-            <a:endParaRPr sz="2300">
+              <a:t>지원 플랜</a:t>
+            </a:r>
+            <a:endParaRPr sz="2300" dirty="0">
               <a:latin typeface="Adobe Clean" panose="020B0503020404020204" pitchFamily="34" charset="0"/>
             </a:endParaRPr>
           </a:p>
@@ -2138,7 +1878,7 @@
         </p:nvSpPr>
         <p:spPr>
           <a:xfrm>
-            <a:off x="121147" y="531160"/>
+            <a:off x="121147" y="635935"/>
             <a:ext cx="5865216" cy="1269065"/>
           </a:xfrm>
           <a:prstGeom prst="rect">
@@ -2160,31 +1900,40 @@
               </a:spcBef>
             </a:pPr>
             <a:r>
-              <a:rPr lang="en-US" sz="900" dirty="0">
+              <a:rPr lang="ko-KR" altLang="en-US" sz="900" dirty="0">
                 <a:solidFill>
                   <a:schemeClr val="bg1"/>
                 </a:solidFill>
                 <a:latin typeface="Adobe Clean Light" panose="020B0303020404020204" pitchFamily="34" charset="0"/>
               </a:rPr>
-              <a:t>Standard | </a:t>
-            </a:r>
-            <a:r>
-              <a:rPr lang="en-US" sz="900" b="1" dirty="0">
+              <a:t>표준</a:t>
+            </a:r>
+            <a:r>
+              <a:rPr lang="de-de" sz="900" dirty="0">
+                <a:solidFill>
+                  <a:schemeClr val="bg1"/>
+                </a:solidFill>
+                <a:latin typeface="Adobe Clean Light" panose="020B0303020404020204" pitchFamily="34" charset="0"/>
+              </a:rPr>
+              <a:t> | </a:t>
+            </a:r>
+            <a:r>
+              <a:rPr lang="de-de" sz="900" b="1" dirty="0">
                 <a:solidFill>
                   <a:schemeClr val="bg1"/>
                 </a:solidFill>
                 <a:latin typeface="Adobe Clean" panose="020B0503020404020204" pitchFamily="34" charset="0"/>
               </a:rPr>
-              <a:t>Business</a:t>
-            </a:r>
-            <a:r>
-              <a:rPr lang="en-US" sz="900" dirty="0">
+              <a:t>비즈니스</a:t>
+            </a:r>
+            <a:r>
+              <a:rPr lang="de-de" sz="900" dirty="0">
                 <a:solidFill>
                   <a:schemeClr val="bg1"/>
                 </a:solidFill>
                 <a:latin typeface="Adobe Clean Light" panose="020B0303020404020204" pitchFamily="34" charset="0"/>
               </a:rPr>
-              <a:t> | Enterprise | Elite</a:t>
+              <a:t> | 엔터프라이즈 | 엘리트</a:t>
             </a:r>
           </a:p>
           <a:p>
@@ -2197,13 +1946,13 @@
               </a:spcBef>
             </a:pPr>
             <a:r>
-              <a:rPr lang="en-US" sz="900" dirty="0">
+              <a:rPr lang="de-de" sz="900" dirty="0">
                 <a:solidFill>
                   <a:schemeClr val="bg1"/>
                 </a:solidFill>
                 <a:latin typeface="Adobe Clean SemiLight" panose="020B0403020404020204" pitchFamily="34" charset="0"/>
               </a:rPr>
-              <a:t>Adobe provides a comprehensive range of technical resources to help support your business, included as part of your Experience Cloud license subscription and enhanced in the BUSINESS support package. BUSINESS support includes access to personalized learning paths and monitored community forums via the Adobe Experience League. You can also take advantage of our detailed and in-depth technical product documentation and current release notes. BUSINESS customers also benefit from access to our technical support teams for any product query via either the telephone or the support web portal, to help protect your business at the most critical times. BUSINESS customers will receive regular communications and updates from their Account Support Lead in addition to support case escalation management for your most critical of support requests. </a:t>
+              <a:t>Adobe는 비즈니스를 지원하는 데 도움이 되는 포괄적인 기술 리소스를 제공합니다. Experience Cloud 라이선스 구독의 일부로 포함되며 비즈니스 지원 패키지에서 더욱 향상되었습니다. 비즈니스 지원에는 Adobe Experience League를 통한 개인 맞춤형 학습 경로 및 모니터링되는 커뮤니티 포럼 액세스가 포함됩니다. 또한 상세한 심층적 기술 제품 설명서 및 최신 릴리스 정보를 활용할 수도 있습니다. 비즈니스 고객은 또한 전화나 지원 웹 포털을 통해 제품 쿼리에 대한 기술 지원 팀의 서비스를 이용하여 가장 중요한 시기에 비즈니스를 보호할 수 있습니다. BUSINESS 고객은 가장 중요한 지원 요청에 대한 지원 사례 에스컬레이션 관리 외에도 계정 지원 리드로부터 정기적인 커뮤니케이션 및 업데이트를 받게 됩니다. </a:t>
             </a:r>
             <a:endParaRPr lang="en-US" sz="900" dirty="0">
               <a:solidFill>
@@ -2278,24 +2027,16 @@
               </a:spcBef>
             </a:pPr>
             <a:r>
-              <a:rPr spc="-5"/>
-              <a:t>©202</a:t>
-            </a:r>
-            <a:r>
-              <a:rPr lang="en-US" spc="-5"/>
-              <a:t>1</a:t>
-            </a:r>
-            <a:r>
-              <a:rPr spc="-5"/>
-              <a:t> Adobe. All Rights Reserved. Adobe</a:t>
-            </a:r>
-            <a:r>
-              <a:rPr spc="60"/>
+              <a:rPr lang="de-de" spc="-5" dirty="0"/>
+              <a:t>©2021 Adobe. All Rights Reserved. Adobe</a:t>
+            </a:r>
+            <a:r>
+              <a:rPr lang="de-de" spc="60" dirty="0"/>
               <a:t> </a:t>
             </a:r>
             <a:r>
-              <a:rPr spc="-5"/>
-              <a:t>Confidential.</a:t>
+              <a:rPr lang="de-de" spc="-5" dirty="0"/>
+              <a:t>기밀.</a:t>
             </a:r>
           </a:p>
         </p:txBody>
@@ -2309,14 +2050,14 @@
           <p:nvPr>
             <p:extLst>
               <p:ext uri="{D42A27DB-BD31-4B8C-83A1-F6EECF244321}">
-                <p14:modId xmlns:p14="http://schemas.microsoft.com/office/powerpoint/2010/main" val="2485809364"/>
+                <p14:modId xmlns:p14="http://schemas.microsoft.com/office/powerpoint/2010/main" val="3762933730"/>
               </p:ext>
             </p:extLst>
           </p:nvPr>
         </p:nvGraphicFramePr>
         <p:xfrm>
-          <a:off x="118872" y="7475985"/>
-          <a:ext cx="7498851" cy="2223598"/>
+          <a:off x="121146" y="7475985"/>
+          <a:ext cx="7466799" cy="2088582"/>
         </p:xfrm>
         <a:graphic>
           <a:graphicData uri="http://schemas.openxmlformats.org/drawingml/2006/table">
@@ -2325,14 +2066,14 @@
                 <a:tableStyleId>{2D5ABB26-0587-4C30-8999-92F81FD0307C}</a:tableStyleId>
               </a:tblPr>
               <a:tblGrid>
-                <a:gridCol w="4698744">
+                <a:gridCol w="4698745">
                   <a:extLst>
                     <a:ext uri="{9D8B030D-6E8A-4147-A177-3AD203B41FA5}">
                       <a16:colId xmlns:a16="http://schemas.microsoft.com/office/drawing/2014/main" val="20000"/>
                     </a:ext>
                   </a:extLst>
                 </a:gridCol>
-                <a:gridCol w="1400053">
+                <a:gridCol w="1368000">
                   <a:extLst>
                     <a:ext uri="{9D8B030D-6E8A-4147-A177-3AD203B41FA5}">
                       <a16:colId xmlns:a16="http://schemas.microsoft.com/office/drawing/2014/main" val="20001"/>
@@ -2347,7 +2088,7 @@
                   </a:extLst>
                 </a:gridCol>
               </a:tblGrid>
-              <a:tr h="291248">
+              <a:tr h="274318">
                 <a:tc>
                   <a:txBody>
                     <a:bodyPr/>
@@ -2362,22 +2103,22 @@
                         </a:spcBef>
                       </a:pPr>
                       <a:r>
-                        <a:rPr sz="900" spc="0">
+                        <a:rPr lang="de-de" sz="900" spc="0" dirty="0">
                           <a:solidFill>
                             <a:srgbClr val="020302"/>
                           </a:solidFill>
                           <a:latin typeface="Adobe Clean"/>
                           <a:cs typeface="Adobe Clean"/>
                         </a:rPr>
-                        <a:t>Priority</a:t>
+                        <a:t>우선 순위</a:t>
                       </a:r>
-                      <a:endParaRPr sz="900" spc="0">
+                      <a:endParaRPr sz="900" spc="0" dirty="0">
                         <a:latin typeface="Adobe Clean"/>
                         <a:cs typeface="Adobe Clean"/>
                       </a:endParaRPr>
                     </a:p>
                   </a:txBody>
-                  <a:tcPr marL="0" marR="0" marT="7620" marB="0">
+                  <a:tcPr marL="0" marR="0" marT="0" marB="0" anchor="ctr">
                     <a:lnL w="3175">
                       <a:solidFill>
                         <a:srgbClr val="B7B8B8"/>
@@ -2412,33 +2153,24 @@
                     <a:bodyPr/>
                     <a:lstStyle/>
                     <a:p>
-                      <a:pPr marL="135255" algn="ctr">
+                      <a:pPr marL="15875" indent="0" algn="ctr">
                         <a:lnSpc>
                           <a:spcPct val="100000"/>
                         </a:lnSpc>
                         <a:spcBef>
                           <a:spcPts val="60"/>
                         </a:spcBef>
+                        <a:tabLst/>
                       </a:pPr>
                       <a:r>
-                        <a:rPr lang="en-US" sz="900" spc="0" dirty="0">
+                        <a:rPr lang="ko-KR" altLang="en-US" sz="900" spc="0" dirty="0">
                           <a:solidFill>
                             <a:srgbClr val="020302"/>
                           </a:solidFill>
                           <a:latin typeface="Adobe Clean"/>
                           <a:cs typeface="Adobe Clean"/>
                         </a:rPr>
-                        <a:t>Standard</a:t>
-                      </a:r>
-                      <a:r>
-                        <a:rPr sz="900" spc="0" dirty="0">
-                          <a:solidFill>
-                            <a:srgbClr val="020302"/>
-                          </a:solidFill>
-                          <a:latin typeface="Adobe Clean"/>
-                          <a:cs typeface="Adobe Clean"/>
-                        </a:rPr>
-                        <a:t> Support</a:t>
+                        <a:t>표준 지원</a:t>
                       </a:r>
                       <a:endParaRPr sz="900" spc="0" dirty="0">
                         <a:latin typeface="Adobe Clean"/>
@@ -2446,7 +2178,7 @@
                       </a:endParaRPr>
                     </a:p>
                   </a:txBody>
-                  <a:tcPr marL="182880" marT="91440" anchor="ctr">
+                  <a:tcPr marL="0" marR="0" marT="0" marB="0" anchor="ctr">
                     <a:lnL w="3175">
                       <a:solidFill>
                         <a:srgbClr val="B7B8B8"/>
@@ -2481,51 +2213,32 @@
                     <a:bodyPr/>
                     <a:lstStyle/>
                     <a:p>
-                      <a:pPr marL="92710">
+                      <a:pPr marL="15875" indent="0" algn="ctr">
                         <a:lnSpc>
                           <a:spcPct val="100000"/>
                         </a:lnSpc>
                         <a:spcBef>
                           <a:spcPts val="60"/>
                         </a:spcBef>
+                        <a:tabLst/>
                       </a:pPr>
                       <a:r>
-                        <a:rPr sz="900" spc="0">
+                        <a:rPr lang="de-de" sz="900" spc="0" dirty="0">
                           <a:solidFill>
                             <a:srgbClr val="FFFFFF"/>
                           </a:solidFill>
                           <a:latin typeface="Adobe Clean"/>
                           <a:cs typeface="Adobe Clean"/>
                         </a:rPr>
-                        <a:t>Business</a:t>
+                        <a:t>비즈니스 지원</a:t>
                       </a:r>
-                      <a:r>
-                        <a:rPr lang="en-US" sz="900" spc="0">
-                          <a:solidFill>
-                            <a:srgbClr val="FFFFFF"/>
-                          </a:solidFill>
-                          <a:latin typeface="Adobe Clean"/>
-                          <a:cs typeface="Adobe Clean"/>
-                        </a:rPr>
-                        <a:t> </a:t>
-                      </a:r>
-                      <a:r>
-                        <a:rPr sz="900" spc="0">
-                          <a:solidFill>
-                            <a:srgbClr val="FFFFFF"/>
-                          </a:solidFill>
-                          <a:latin typeface="Adobe Clean"/>
-                          <a:cs typeface="Adobe Clean"/>
-                        </a:rPr>
-                        <a:t>Support</a:t>
-                      </a:r>
-                      <a:endParaRPr sz="900" spc="0">
+                      <a:endParaRPr sz="900" spc="0" dirty="0">
                         <a:latin typeface="Adobe Clean"/>
                         <a:cs typeface="Adobe Clean"/>
                       </a:endParaRPr>
                     </a:p>
                   </a:txBody>
-                  <a:tcPr marL="182880" marT="91440" anchor="ctr">
+                  <a:tcPr marL="0" marR="0" marT="0" marB="0" anchor="ctr">
                     <a:lnL w="3175">
                       <a:solidFill>
                         <a:srgbClr val="B7B8B8"/>
@@ -2561,7 +2274,7 @@
                   </a:ext>
                 </a:extLst>
               </a:tr>
-              <a:tr h="514672">
+              <a:tr h="484755">
                 <a:tc>
                   <a:txBody>
                     <a:bodyPr/>
@@ -2576,16 +2289,16 @@
                         </a:spcBef>
                       </a:pPr>
                       <a:r>
-                        <a:rPr sz="900" b="1" spc="0">
+                        <a:rPr lang="de-de" sz="900" b="1" spc="0" dirty="0">
                           <a:solidFill>
                             <a:srgbClr val="020302"/>
                           </a:solidFill>
                           <a:latin typeface="Adobe Clean"/>
                           <a:cs typeface="Adobe Clean"/>
                         </a:rPr>
-                        <a:t>PRIORITY 1</a:t>
+                        <a:t>우선 순위 1</a:t>
                       </a:r>
-                      <a:endParaRPr sz="900" spc="0">
+                      <a:endParaRPr sz="900" spc="0" dirty="0">
                         <a:latin typeface="Adobe Clean"/>
                         <a:cs typeface="Adobe Clean"/>
                       </a:endParaRPr>
@@ -2609,22 +2322,22 @@
                         <a:defRPr/>
                       </a:pPr>
                       <a:r>
-                        <a:rPr lang="en-US" sz="900" b="0" i="0" spc="0">
+                        <a:rPr lang="de-de" sz="900" b="0" i="0" spc="0" dirty="0">
                           <a:solidFill>
                             <a:srgbClr val="000000"/>
                           </a:solidFill>
                           <a:effectLst/>
                           <a:latin typeface="Adobe Clean Light" panose="020B0303020404020204" pitchFamily="34" charset="0"/>
                         </a:rPr>
-                        <a:t>Customer's production business functions are down or have significant data loss or service degradation and immediate attention is required to restore functionality and usability</a:t>
+                        <a:t>고객의 생산 비즈니스 기능이 다운되었거나 심각한 데이터 손실 또는 서비스 저하가 발생했으며 기능 및 사용성을 복원하기 위해 즉각적인 주의가 필요합니다.</a:t>
                       </a:r>
-                      <a:endParaRPr lang="en-US" sz="900" b="0" i="0" spc="0">
+                      <a:endParaRPr lang="en-US" sz="900" b="0" i="0" spc="0" dirty="0">
                         <a:latin typeface="Adobe Clean Light" panose="020B0303020404020204" pitchFamily="34" charset="0"/>
                         <a:cs typeface="AdobeClean-Light"/>
                       </a:endParaRPr>
                     </a:p>
                   </a:txBody>
-                  <a:tcPr marL="0" marR="0" marT="3810" marB="0">
+                  <a:tcPr marL="0" marR="0" marT="0" marB="0">
                     <a:lnL w="3175">
                       <a:solidFill>
                         <a:srgbClr val="B7B8B8"/>
@@ -2665,62 +2378,42 @@
                         </a:spcBef>
                       </a:pPr>
                       <a:r>
-                        <a:rPr sz="900" spc="0">
+                        <a:rPr lang="de-de" sz="900" spc="0" dirty="0">
                           <a:solidFill>
                             <a:srgbClr val="020302"/>
                           </a:solidFill>
-                          <a:latin typeface="AdobeClean-Light"/>
+                          <a:latin typeface="Adobe Clean Light" panose="020B0303020404020204" pitchFamily="34" charset="0"/>
                           <a:cs typeface="AdobeClean-Light"/>
                         </a:rPr>
-                        <a:t>24x7</a:t>
+                        <a:t>24x7 /</a:t>
                       </a:r>
                       <a:r>
-                        <a:rPr lang="en-US" sz="900" spc="0">
+                        <a:rPr lang="de-DE" sz="900" spc="0" dirty="0">
                           <a:solidFill>
                             <a:srgbClr val="020302"/>
                           </a:solidFill>
-                          <a:latin typeface="AdobeClean-Light"/>
+                          <a:latin typeface="Adobe Clean Light" panose="020B0303020404020204" pitchFamily="34" charset="0"/>
                           <a:cs typeface="AdobeClean-Light"/>
                         </a:rPr>
                         <a:t> </a:t>
                       </a:r>
                       <a:r>
-                        <a:rPr sz="900" spc="0">
+                        <a:rPr lang="de-de" sz="900" spc="0" dirty="0">
                           <a:solidFill>
                             <a:srgbClr val="020302"/>
                           </a:solidFill>
-                          <a:latin typeface="AdobeClean-Light"/>
+                          <a:latin typeface="Adobe Clean Light" panose="020B0303020404020204" pitchFamily="34" charset="0"/>
                           <a:cs typeface="AdobeClean-Light"/>
                         </a:rPr>
-                        <a:t>/</a:t>
+                        <a:t>1시간</a:t>
                       </a:r>
-                      <a:r>
-                        <a:rPr lang="en-US" sz="900" spc="0">
-                          <a:solidFill>
-                            <a:srgbClr val="020302"/>
-                          </a:solidFill>
-                          <a:latin typeface="AdobeClean-Light"/>
-                          <a:cs typeface="AdobeClean-Light"/>
-                        </a:rPr>
-                        <a:t> </a:t>
-                      </a:r>
-                      <a:r>
-                        <a:rPr sz="900" spc="0">
-                          <a:solidFill>
-                            <a:srgbClr val="020302"/>
-                          </a:solidFill>
-                          <a:latin typeface="AdobeClean-Light"/>
-                          <a:cs typeface="AdobeClean-Light"/>
-                        </a:rPr>
-                        <a:t>1 hour</a:t>
-                      </a:r>
-                      <a:endParaRPr sz="900" spc="0">
-                        <a:latin typeface="AdobeClean-Light"/>
+                      <a:endParaRPr sz="900" spc="0" dirty="0">
+                        <a:latin typeface="Adobe Clean Light" panose="020B0303020404020204" pitchFamily="34" charset="0"/>
                         <a:cs typeface="AdobeClean-Light"/>
                       </a:endParaRPr>
                     </a:p>
                   </a:txBody>
-                  <a:tcPr marL="0" marR="0" marT="91440" marB="91440" anchor="ctr" anchorCtr="1">
+                  <a:tcPr marL="0" marR="0" marT="0" marB="0" anchor="ctr">
                     <a:lnL w="3175">
                       <a:solidFill>
                         <a:srgbClr val="B7B8B8"/>
@@ -2761,62 +2454,42 @@
                         </a:spcBef>
                       </a:pPr>
                       <a:r>
-                        <a:rPr sz="900" spc="0">
+                        <a:rPr lang="de-de" sz="900" spc="0" dirty="0">
                           <a:solidFill>
                             <a:srgbClr val="020302"/>
                           </a:solidFill>
-                          <a:latin typeface="AdobeClean-Light"/>
+                          <a:latin typeface="Adobe Clean Light" panose="020B0303020404020204" pitchFamily="34" charset="0"/>
                           <a:cs typeface="AdobeClean-Light"/>
                         </a:rPr>
-                        <a:t>24x7</a:t>
+                        <a:t>24x7 /</a:t>
                       </a:r>
                       <a:r>
-                        <a:rPr lang="en-US" sz="900" spc="0">
+                        <a:rPr lang="de-DE" sz="900" spc="0" dirty="0">
                           <a:solidFill>
                             <a:srgbClr val="020302"/>
                           </a:solidFill>
-                          <a:latin typeface="AdobeClean-Light"/>
+                          <a:latin typeface="Adobe Clean Light" panose="020B0303020404020204" pitchFamily="34" charset="0"/>
                           <a:cs typeface="AdobeClean-Light"/>
                         </a:rPr>
                         <a:t> </a:t>
                       </a:r>
                       <a:r>
-                        <a:rPr sz="900" spc="0">
+                        <a:rPr lang="de-de" sz="900" spc="0" dirty="0">
                           <a:solidFill>
                             <a:srgbClr val="020302"/>
                           </a:solidFill>
-                          <a:latin typeface="AdobeClean-Light"/>
+                          <a:latin typeface="Adobe Clean Light" panose="020B0303020404020204" pitchFamily="34" charset="0"/>
                           <a:cs typeface="AdobeClean-Light"/>
                         </a:rPr>
-                        <a:t>/</a:t>
+                        <a:t>1시간</a:t>
                       </a:r>
-                      <a:r>
-                        <a:rPr lang="en-US" sz="900" spc="0">
-                          <a:solidFill>
-                            <a:srgbClr val="020302"/>
-                          </a:solidFill>
-                          <a:latin typeface="AdobeClean-Light"/>
-                          <a:cs typeface="AdobeClean-Light"/>
-                        </a:rPr>
-                        <a:t> </a:t>
-                      </a:r>
-                      <a:r>
-                        <a:rPr sz="900" spc="0">
-                          <a:solidFill>
-                            <a:srgbClr val="020302"/>
-                          </a:solidFill>
-                          <a:latin typeface="AdobeClean-Light"/>
-                          <a:cs typeface="AdobeClean-Light"/>
-                        </a:rPr>
-                        <a:t>1 hour</a:t>
-                      </a:r>
-                      <a:endParaRPr sz="900" spc="0">
-                        <a:latin typeface="AdobeClean-Light"/>
+                      <a:endParaRPr sz="900" spc="0" dirty="0">
+                        <a:latin typeface="Adobe Clean Light" panose="020B0303020404020204" pitchFamily="34" charset="0"/>
                         <a:cs typeface="AdobeClean-Light"/>
                       </a:endParaRPr>
                     </a:p>
                   </a:txBody>
-                  <a:tcPr marL="0" marR="0" marT="91440" marB="91440" anchor="ctr" anchorCtr="1">
+                  <a:tcPr marL="0" marR="0" marT="0" marB="0" anchor="ctr">
                     <a:lnL w="3175">
                       <a:solidFill>
                         <a:srgbClr val="B7B8B8"/>
@@ -2854,7 +2527,7 @@
                   </a:ext>
                 </a:extLst>
               </a:tr>
-              <a:tr h="514672">
+              <a:tr h="484755">
                 <a:tc>
                   <a:txBody>
                     <a:bodyPr/>
@@ -2869,16 +2542,16 @@
                         </a:spcBef>
                       </a:pPr>
                       <a:r>
-                        <a:rPr sz="900" b="1" spc="0">
+                        <a:rPr lang="de-de" sz="900" b="1" spc="0" dirty="0">
                           <a:solidFill>
                             <a:srgbClr val="020302"/>
                           </a:solidFill>
                           <a:latin typeface="Adobe Clean"/>
                           <a:cs typeface="Adobe Clean"/>
                         </a:rPr>
-                        <a:t>PRIORITY 2</a:t>
+                        <a:t>우선 순위 2</a:t>
                       </a:r>
-                      <a:endParaRPr sz="900" spc="0">
+                      <a:endParaRPr sz="900" spc="0" dirty="0">
                         <a:latin typeface="Adobe Clean"/>
                         <a:cs typeface="Adobe Clean"/>
                       </a:endParaRPr>
@@ -2893,22 +2566,22 @@
                         </a:spcBef>
                       </a:pPr>
                       <a:r>
-                        <a:rPr lang="en-US" sz="900" b="0" i="0" spc="0">
+                        <a:rPr lang="de-de" sz="900" b="0" i="0" spc="0" dirty="0">
                           <a:solidFill>
                             <a:srgbClr val="000000"/>
                           </a:solidFill>
                           <a:effectLst/>
                           <a:latin typeface="Adobe Clean Light" panose="020B0303020404020204" pitchFamily="34" charset="0"/>
                         </a:rPr>
-                        <a:t>Customer's business functions have major service degradation or potential data loss, or a major feature is impacted </a:t>
+                        <a:t>고객의 비즈니스 기능에 심각한 서비스 저하 또는 잠재적인 데이터 손실이 있거나 주요 기능이 영향을 받습니다. </a:t>
                       </a:r>
-                      <a:endParaRPr lang="en-US" sz="900" b="0" i="0" spc="0">
+                      <a:endParaRPr lang="en-US" sz="900" b="0" i="0" spc="0" dirty="0">
                         <a:latin typeface="Adobe Clean Light" panose="020B0303020404020204" pitchFamily="34" charset="0"/>
                         <a:cs typeface="AdobeClean-Light"/>
                       </a:endParaRPr>
                     </a:p>
                   </a:txBody>
-                  <a:tcPr marL="0" marR="0" marT="3810" marB="0">
+                  <a:tcPr marL="0" marR="0" marT="0" marB="0">
                     <a:lnL w="3175">
                       <a:solidFill>
                         <a:srgbClr val="B7B8B8"/>
@@ -2949,82 +2622,62 @@
                         </a:spcBef>
                       </a:pPr>
                       <a:r>
-                        <a:rPr sz="900" spc="0">
+                        <a:rPr lang="de-de" sz="900" spc="0" dirty="0">
                           <a:solidFill>
                             <a:srgbClr val="020302"/>
                           </a:solidFill>
-                          <a:latin typeface="AdobeClean-Light"/>
+                          <a:latin typeface="Adobe Clean Light" panose="020B0303020404020204" pitchFamily="34" charset="0"/>
                           <a:cs typeface="AdobeClean-Light"/>
                         </a:rPr>
-                        <a:t>Business</a:t>
+                        <a:t>업무 </a:t>
                       </a:r>
                       <a:r>
-                        <a:rPr lang="en-US" sz="900" spc="0">
+                        <a:rPr lang="de-de" sz="900" spc="0" dirty="0" err="1">
                           <a:solidFill>
                             <a:srgbClr val="020302"/>
                           </a:solidFill>
-                          <a:latin typeface="AdobeClean-Light"/>
+                          <a:latin typeface="Adobe Clean Light" panose="020B0303020404020204" pitchFamily="34" charset="0"/>
+                          <a:cs typeface="AdobeClean-Light"/>
+                        </a:rPr>
+                        <a:t>시간</a:t>
+                      </a:r>
+                      <a:r>
+                        <a:rPr lang="de-de" sz="900" spc="0" dirty="0">
+                          <a:solidFill>
+                            <a:srgbClr val="020302"/>
+                          </a:solidFill>
+                          <a:latin typeface="Adobe Clean Light" panose="020B0303020404020204" pitchFamily="34" charset="0"/>
+                          <a:cs typeface="AdobeClean-Light"/>
+                        </a:rPr>
+                        <a:t> /</a:t>
+                      </a:r>
+                      <a:r>
+                        <a:rPr lang="de-DE" sz="900" spc="0" dirty="0">
+                          <a:solidFill>
+                            <a:srgbClr val="020302"/>
+                          </a:solidFill>
+                          <a:latin typeface="Adobe Clean Light" panose="020B0303020404020204" pitchFamily="34" charset="0"/>
                           <a:cs typeface="AdobeClean-Light"/>
                         </a:rPr>
                         <a:t> </a:t>
                       </a:r>
                       <a:r>
-                        <a:rPr sz="900" spc="0">
+                        <a:rPr lang="de-de" sz="900" spc="0" dirty="0">
                           <a:solidFill>
                             <a:srgbClr val="020302"/>
                           </a:solidFill>
-                          <a:latin typeface="AdobeClean-Light"/>
+                          <a:latin typeface="Adobe Clean Light" panose="020B0303020404020204" pitchFamily="34" charset="0"/>
                           <a:cs typeface="AdobeClean-Light"/>
                         </a:rPr>
-                        <a:t>hours</a:t>
+                        <a:t>4시간</a:t>
                       </a:r>
-                      <a:r>
-                        <a:rPr lang="en-US" sz="900" spc="0">
-                          <a:solidFill>
-                            <a:srgbClr val="020302"/>
-                          </a:solidFill>
-                          <a:latin typeface="AdobeClean-Light"/>
-                          <a:cs typeface="AdobeClean-Light"/>
-                        </a:rPr>
-                        <a:t> </a:t>
-                      </a:r>
-                      <a:r>
-                        <a:rPr sz="900" spc="0">
-                          <a:solidFill>
-                            <a:srgbClr val="020302"/>
-                          </a:solidFill>
-                          <a:latin typeface="AdobeClean-Light"/>
-                          <a:cs typeface="AdobeClean-Light"/>
-                        </a:rPr>
-                        <a:t>/</a:t>
-                      </a:r>
-                      <a:r>
-                        <a:rPr lang="en-US" sz="900" spc="0">
-                          <a:solidFill>
-                            <a:srgbClr val="020302"/>
-                          </a:solidFill>
-                          <a:latin typeface="AdobeClean-Light"/>
-                          <a:cs typeface="AdobeClean-Light"/>
-                        </a:rPr>
-                        <a:t> </a:t>
-                      </a:r>
-                      <a:r>
-                        <a:rPr sz="900" spc="0">
-                          <a:solidFill>
-                            <a:srgbClr val="020302"/>
-                          </a:solidFill>
-                          <a:latin typeface="AdobeClean-Light"/>
-                          <a:cs typeface="AdobeClean-Light"/>
-                        </a:rPr>
-                        <a:t>4 hours</a:t>
-                      </a:r>
-                      <a:endParaRPr sz="900" spc="0">
-                        <a:latin typeface="AdobeClean-Light"/>
+                      <a:endParaRPr sz="900" spc="0" dirty="0">
+                        <a:latin typeface="Adobe Clean Light" panose="020B0303020404020204" pitchFamily="34" charset="0"/>
                         <a:cs typeface="AdobeClean-Light"/>
                       </a:endParaRPr>
                     </a:p>
                   </a:txBody>
-                  <a:tcPr marL="0" marR="0" marT="91440" marB="91440" anchor="ctr" anchorCtr="1">
+                  <a:tcPr marL="0" marR="0" marT="0" marB="0" anchor="ctr">
                     <a:lnL w="3175">
                       <a:solidFill>
                         <a:srgbClr val="B7B8B8"/>
@@ -3065,92 +2718,62 @@
                         </a:spcBef>
                       </a:pPr>
                       <a:r>
-                        <a:rPr lang="en-US" sz="900" spc="0">
+                        <a:rPr lang="de-de" sz="900" spc="0" dirty="0">
                           <a:solidFill>
                             <a:srgbClr val="020302"/>
                           </a:solidFill>
-                          <a:latin typeface="AdobeClean-Light"/>
+                          <a:latin typeface="Adobe Clean Light" panose="020B0303020404020204" pitchFamily="34" charset="0"/>
                           <a:cs typeface="AdobeClean-Light"/>
                         </a:rPr>
-                        <a:t>    </a:t>
+                        <a:t>업무 </a:t>
                       </a:r>
                       <a:r>
-                        <a:rPr sz="900" spc="0">
+                        <a:rPr lang="de-de" sz="900" spc="0" dirty="0" err="1">
                           <a:solidFill>
                             <a:srgbClr val="020302"/>
                           </a:solidFill>
-                          <a:latin typeface="AdobeClean-Light"/>
+                          <a:latin typeface="Adobe Clean Light" panose="020B0303020404020204" pitchFamily="34" charset="0"/>
                           <a:cs typeface="AdobeClean-Light"/>
                         </a:rPr>
-                        <a:t>Business</a:t>
+                        <a:t>시간</a:t>
                       </a:r>
                       <a:r>
-                        <a:rPr lang="en-US" sz="900" spc="0">
+                        <a:rPr lang="de-de" sz="900" spc="0" dirty="0">
                           <a:solidFill>
                             <a:srgbClr val="020302"/>
                           </a:solidFill>
-                          <a:latin typeface="AdobeClean-Light"/>
+                          <a:latin typeface="Adobe Clean Light" panose="020B0303020404020204" pitchFamily="34" charset="0"/>
+                          <a:cs typeface="AdobeClean-Light"/>
+                        </a:rPr>
+                        <a:t> /</a:t>
+                      </a:r>
+                      <a:r>
+                        <a:rPr lang="de-DE" sz="900" spc="0" dirty="0">
+                          <a:solidFill>
+                            <a:srgbClr val="020302"/>
+                          </a:solidFill>
+                          <a:latin typeface="Adobe Clean Light" panose="020B0303020404020204" pitchFamily="34" charset="0"/>
                           <a:cs typeface="AdobeClean-Light"/>
                         </a:rPr>
                         <a:t> </a:t>
                       </a:r>
                       <a:r>
-                        <a:rPr sz="900" spc="0">
+                        <a:rPr lang="de-de" sz="900" spc="0" dirty="0">
                           <a:solidFill>
                             <a:srgbClr val="020302"/>
                           </a:solidFill>
-                          <a:latin typeface="AdobeClean-Light"/>
+                          <a:latin typeface="Adobe Clean Light" panose="020B0303020404020204" pitchFamily="34" charset="0"/>
                           <a:cs typeface="AdobeClean-Light"/>
                         </a:rPr>
-                        <a:t>hours</a:t>
+                        <a:t>2시간</a:t>
                       </a:r>
-                      <a:r>
-                        <a:rPr lang="en-US" sz="900" spc="0">
-                          <a:solidFill>
-                            <a:srgbClr val="020302"/>
-                          </a:solidFill>
-                          <a:latin typeface="AdobeClean-Light"/>
-                          <a:cs typeface="AdobeClean-Light"/>
-                        </a:rPr>
-                        <a:t> / </a:t>
-                      </a:r>
-                      <a:r>
-                        <a:rPr sz="900" spc="0">
-                          <a:solidFill>
-                            <a:srgbClr val="020302"/>
-                          </a:solidFill>
-                          <a:latin typeface="AdobeClean-Light"/>
-                          <a:cs typeface="AdobeClean-Light"/>
-                        </a:rPr>
-                        <a:t>2</a:t>
-                      </a:r>
-                      <a:r>
-                        <a:rPr lang="en-US" sz="900" spc="0">
-                          <a:solidFill>
-                            <a:srgbClr val="020302"/>
-                          </a:solidFill>
-                          <a:latin typeface="AdobeClean-Light"/>
-                          <a:cs typeface="AdobeClean-Light"/>
-                        </a:rPr>
-                        <a:t> </a:t>
-                      </a:r>
-                      <a:r>
-                        <a:rPr sz="900" spc="0">
-                          <a:solidFill>
-                            <a:srgbClr val="020302"/>
-                          </a:solidFill>
-                          <a:latin typeface="AdobeClean-Light"/>
-                          <a:cs typeface="AdobeClean-Light"/>
-                        </a:rPr>
-                        <a:t>hours</a:t>
-                      </a:r>
-                      <a:endParaRPr sz="900" spc="0">
-                        <a:latin typeface="AdobeClean-Light"/>
+                      <a:endParaRPr sz="900" spc="0" dirty="0">
+                        <a:latin typeface="Adobe Clean Light" panose="020B0303020404020204" pitchFamily="34" charset="0"/>
                         <a:cs typeface="AdobeClean-Light"/>
                       </a:endParaRPr>
                     </a:p>
                   </a:txBody>
-                  <a:tcPr marL="0" marR="0" marT="91440" marB="91440" anchor="ctr" anchorCtr="1">
+                  <a:tcPr marL="0" marR="0" marT="0" marB="0" anchor="ctr">
                     <a:lnL w="3175">
                       <a:solidFill>
                         <a:srgbClr val="B7B8B8"/>
@@ -3188,7 +2811,7 @@
                   </a:ext>
                 </a:extLst>
               </a:tr>
-              <a:tr h="514673">
+              <a:tr h="484756">
                 <a:tc>
                   <a:txBody>
                     <a:bodyPr/>
@@ -3203,16 +2826,16 @@
                         </a:spcBef>
                       </a:pPr>
                       <a:r>
-                        <a:rPr sz="900" b="1" spc="0">
+                        <a:rPr lang="de-de" sz="900" b="1" spc="0" dirty="0">
                           <a:solidFill>
                             <a:srgbClr val="020302"/>
                           </a:solidFill>
                           <a:latin typeface="Adobe Clean"/>
                           <a:cs typeface="Adobe Clean"/>
                         </a:rPr>
-                        <a:t>PRIORITY 3</a:t>
+                        <a:t>우선 순위 3</a:t>
                       </a:r>
-                      <a:endParaRPr sz="900" spc="0">
+                      <a:endParaRPr sz="900" spc="0" dirty="0">
                         <a:latin typeface="Adobe Clean"/>
                         <a:cs typeface="Adobe Clean"/>
                       </a:endParaRPr>
@@ -3227,7 +2850,7 @@
                         </a:spcBef>
                       </a:pPr>
                       <a:r>
-                        <a:rPr kumimoji="0" lang="en-US" sz="900" b="0" i="0" u="none" strike="noStrike" kern="1200" cap="none" spc="0" normalizeH="0" baseline="0" noProof="0">
+                        <a:rPr kumimoji="0" lang="de-de" sz="900" b="0" i="0" u="none" strike="noStrike" kern="1200" cap="none" spc="0" normalizeH="0" baseline="0" noProof="0" dirty="0">
                           <a:ln>
                             <a:noFill/>
                           </a:ln>
@@ -3241,15 +2864,15 @@
                           <a:ea typeface="+mn-ea"/>
                           <a:cs typeface="+mn-cs"/>
                         </a:rPr>
-                        <a:t>Customer's business functions have minor service degradation but there exists a solution/workaround allowing business functions to continue </a:t>
+                        <a:t>고객의 비즈니스 기능에 약간의 서비스 저하가 있지만 비즈니스 기능을 계속할 수 있게 하는 솔루션/해결 방법이 있습니다. </a:t>
                       </a:r>
-                      <a:endParaRPr lang="en-US" sz="900" b="0" i="0" spc="0">
+                      <a:endParaRPr lang="en-US" sz="900" b="0" i="0" spc="0" dirty="0">
                         <a:latin typeface="Adobe Clean Light" panose="020B0303020404020204" pitchFamily="34" charset="0"/>
                         <a:cs typeface="AdobeClean-Light"/>
                       </a:endParaRPr>
                     </a:p>
                   </a:txBody>
-                  <a:tcPr marL="0" marR="0" marT="3810" marB="0">
+                  <a:tcPr marL="0" marR="0" marT="0" marB="0">
                     <a:lnL w="3175">
                       <a:solidFill>
                         <a:srgbClr val="B7B8B8"/>
@@ -3290,92 +2913,62 @@
                         </a:spcBef>
                       </a:pPr>
                       <a:r>
-                        <a:rPr lang="en-US" sz="900" spc="0">
+                        <a:rPr lang="de-de" sz="900" spc="0" dirty="0">
                           <a:solidFill>
                             <a:srgbClr val="020302"/>
                           </a:solidFill>
-                          <a:latin typeface="AdobeClean-Light"/>
+                          <a:latin typeface="Adobe Clean Light" panose="020B0303020404020204" pitchFamily="34" charset="0"/>
                           <a:cs typeface="AdobeClean-Light"/>
                         </a:rPr>
-                        <a:t>   </a:t>
+                        <a:t>업무 </a:t>
                       </a:r>
                       <a:r>
-                        <a:rPr sz="900" spc="0">
+                        <a:rPr lang="de-de" sz="900" spc="0" dirty="0" err="1">
                           <a:solidFill>
                             <a:srgbClr val="020302"/>
                           </a:solidFill>
-                          <a:latin typeface="AdobeClean-Light"/>
+                          <a:latin typeface="Adobe Clean Light" panose="020B0303020404020204" pitchFamily="34" charset="0"/>
                           <a:cs typeface="AdobeClean-Light"/>
                         </a:rPr>
-                        <a:t>Business</a:t>
+                        <a:t>시간</a:t>
                       </a:r>
                       <a:r>
-                        <a:rPr lang="en-US" sz="900" spc="0">
+                        <a:rPr lang="de-de" sz="900" spc="0" dirty="0">
                           <a:solidFill>
                             <a:srgbClr val="020302"/>
                           </a:solidFill>
-                          <a:latin typeface="AdobeClean-Light"/>
+                          <a:latin typeface="Adobe Clean Light" panose="020B0303020404020204" pitchFamily="34" charset="0"/>
+                          <a:cs typeface="AdobeClean-Light"/>
+                        </a:rPr>
+                        <a:t> /</a:t>
+                      </a:r>
+                      <a:r>
+                        <a:rPr lang="de-DE" sz="900" spc="0" dirty="0">
+                          <a:solidFill>
+                            <a:srgbClr val="020302"/>
+                          </a:solidFill>
+                          <a:latin typeface="Adobe Clean Light" panose="020B0303020404020204" pitchFamily="34" charset="0"/>
                           <a:cs typeface="AdobeClean-Light"/>
                         </a:rPr>
                         <a:t> </a:t>
                       </a:r>
                       <a:r>
-                        <a:rPr sz="900" spc="0">
+                        <a:rPr lang="de-de" sz="900" spc="0" dirty="0">
                           <a:solidFill>
                             <a:srgbClr val="020302"/>
                           </a:solidFill>
-                          <a:latin typeface="AdobeClean-Light"/>
+                          <a:latin typeface="Adobe Clean Light" panose="020B0303020404020204" pitchFamily="34" charset="0"/>
                           <a:cs typeface="AdobeClean-Light"/>
                         </a:rPr>
-                        <a:t>hours</a:t>
+                        <a:t>6시간</a:t>
                       </a:r>
-                      <a:r>
-                        <a:rPr lang="en-US" sz="900" spc="0">
-                          <a:solidFill>
-                            <a:srgbClr val="020302"/>
-                          </a:solidFill>
-                          <a:latin typeface="AdobeClean-Light"/>
-                          <a:cs typeface="AdobeClean-Light"/>
-                        </a:rPr>
-                        <a:t> / </a:t>
-                      </a:r>
-                      <a:r>
-                        <a:rPr sz="900" spc="0">
-                          <a:solidFill>
-                            <a:srgbClr val="020302"/>
-                          </a:solidFill>
-                          <a:latin typeface="AdobeClean-Light"/>
-                          <a:cs typeface="AdobeClean-Light"/>
-                        </a:rPr>
-                        <a:t>6</a:t>
-                      </a:r>
-                      <a:r>
-                        <a:rPr lang="en-US" sz="900" spc="0">
-                          <a:solidFill>
-                            <a:srgbClr val="020302"/>
-                          </a:solidFill>
-                          <a:latin typeface="AdobeClean-Light"/>
-                          <a:cs typeface="AdobeClean-Light"/>
-                        </a:rPr>
-                        <a:t> </a:t>
-                      </a:r>
-                      <a:r>
-                        <a:rPr sz="900" spc="0">
-                          <a:solidFill>
-                            <a:srgbClr val="020302"/>
-                          </a:solidFill>
-                          <a:latin typeface="AdobeClean-Light"/>
-                          <a:cs typeface="AdobeClean-Light"/>
-                        </a:rPr>
-                        <a:t>hours</a:t>
-                      </a:r>
-                      <a:endParaRPr sz="900" spc="0">
-                        <a:latin typeface="AdobeClean-Light"/>
+                      <a:endParaRPr sz="900" spc="0" dirty="0">
+                        <a:latin typeface="Adobe Clean Light" panose="020B0303020404020204" pitchFamily="34" charset="0"/>
                         <a:cs typeface="AdobeClean-Light"/>
                       </a:endParaRPr>
                     </a:p>
                   </a:txBody>
-                  <a:tcPr marL="0" marR="0" marT="91440" marB="91440" anchor="ctr" anchorCtr="1">
+                  <a:tcPr marL="0" marR="0" marT="0" marB="0" anchor="ctr">
                     <a:lnL w="3175">
                       <a:solidFill>
                         <a:srgbClr val="B7B8B8"/>
@@ -3416,82 +3009,62 @@
                         </a:spcBef>
                       </a:pPr>
                       <a:r>
-                        <a:rPr sz="900" spc="0">
+                        <a:rPr lang="de-de" sz="900" spc="0" dirty="0">
                           <a:solidFill>
                             <a:srgbClr val="020302"/>
                           </a:solidFill>
-                          <a:latin typeface="AdobeClean-Light"/>
+                          <a:latin typeface="Adobe Clean Light" panose="020B0303020404020204" pitchFamily="34" charset="0"/>
                           <a:cs typeface="AdobeClean-Light"/>
                         </a:rPr>
-                        <a:t>Business</a:t>
+                        <a:t>업무 </a:t>
                       </a:r>
                       <a:r>
-                        <a:rPr lang="en-US" sz="900" spc="0">
+                        <a:rPr lang="de-de" sz="900" spc="0" dirty="0" err="1">
                           <a:solidFill>
                             <a:srgbClr val="020302"/>
                           </a:solidFill>
-                          <a:latin typeface="AdobeClean-Light"/>
+                          <a:latin typeface="Adobe Clean Light" panose="020B0303020404020204" pitchFamily="34" charset="0"/>
+                          <a:cs typeface="AdobeClean-Light"/>
+                        </a:rPr>
+                        <a:t>시간</a:t>
+                      </a:r>
+                      <a:r>
+                        <a:rPr lang="de-de" sz="900" spc="0" dirty="0">
+                          <a:solidFill>
+                            <a:srgbClr val="020302"/>
+                          </a:solidFill>
+                          <a:latin typeface="Adobe Clean Light" panose="020B0303020404020204" pitchFamily="34" charset="0"/>
+                          <a:cs typeface="AdobeClean-Light"/>
+                        </a:rPr>
+                        <a:t> /</a:t>
+                      </a:r>
+                      <a:r>
+                        <a:rPr lang="de-DE" sz="900" spc="0" dirty="0">
+                          <a:solidFill>
+                            <a:srgbClr val="020302"/>
+                          </a:solidFill>
+                          <a:latin typeface="Adobe Clean Light" panose="020B0303020404020204" pitchFamily="34" charset="0"/>
                           <a:cs typeface="AdobeClean-Light"/>
                         </a:rPr>
                         <a:t> </a:t>
                       </a:r>
                       <a:r>
-                        <a:rPr sz="900" spc="0">
+                        <a:rPr lang="de-de" sz="900" spc="0" dirty="0">
                           <a:solidFill>
                             <a:srgbClr val="020302"/>
                           </a:solidFill>
-                          <a:latin typeface="AdobeClean-Light"/>
+                          <a:latin typeface="Adobe Clean Light" panose="020B0303020404020204" pitchFamily="34" charset="0"/>
                           <a:cs typeface="AdobeClean-Light"/>
                         </a:rPr>
-                        <a:t>hours</a:t>
+                        <a:t>4시간</a:t>
                       </a:r>
-                      <a:r>
-                        <a:rPr lang="en-US" sz="900" spc="0">
-                          <a:solidFill>
-                            <a:srgbClr val="020302"/>
-                          </a:solidFill>
-                          <a:latin typeface="AdobeClean-Light"/>
-                          <a:cs typeface="AdobeClean-Light"/>
-                        </a:rPr>
-                        <a:t> </a:t>
-                      </a:r>
-                      <a:r>
-                        <a:rPr sz="900" spc="0">
-                          <a:solidFill>
-                            <a:srgbClr val="020302"/>
-                          </a:solidFill>
-                          <a:latin typeface="AdobeClean-Light"/>
-                          <a:cs typeface="AdobeClean-Light"/>
-                        </a:rPr>
-                        <a:t>/ 4</a:t>
-                      </a:r>
-                      <a:r>
-                        <a:rPr lang="en-US" sz="900" spc="0">
-                          <a:solidFill>
-                            <a:srgbClr val="020302"/>
-                          </a:solidFill>
-                          <a:latin typeface="AdobeClean-Light"/>
-                          <a:cs typeface="AdobeClean-Light"/>
-                        </a:rPr>
-                        <a:t> </a:t>
-                      </a:r>
-                      <a:r>
-                        <a:rPr sz="900" spc="0">
-                          <a:solidFill>
-                            <a:srgbClr val="020302"/>
-                          </a:solidFill>
-                          <a:latin typeface="AdobeClean-Light"/>
-                          <a:cs typeface="AdobeClean-Light"/>
-                        </a:rPr>
-                        <a:t>hours</a:t>
-                      </a:r>
-                      <a:endParaRPr sz="900" spc="0">
-                        <a:latin typeface="AdobeClean-Light"/>
+                      <a:endParaRPr sz="900" spc="0" dirty="0">
+                        <a:latin typeface="Adobe Clean Light" panose="020B0303020404020204" pitchFamily="34" charset="0"/>
                         <a:cs typeface="AdobeClean-Light"/>
                       </a:endParaRPr>
                     </a:p>
                   </a:txBody>
-                  <a:tcPr marL="0" marR="0" marT="91440" marB="91440" anchor="ctr" anchorCtr="1">
+                  <a:tcPr marL="0" marR="0" marT="0" marB="0" anchor="ctr">
                     <a:lnL w="3175">
                       <a:solidFill>
                         <a:srgbClr val="B7B8B8"/>
@@ -3529,7 +3102,7 @@
                   </a:ext>
                 </a:extLst>
               </a:tr>
-              <a:tr h="388333">
+              <a:tr h="359998">
                 <a:tc>
                   <a:txBody>
                     <a:bodyPr/>
@@ -3544,16 +3117,16 @@
                         </a:spcBef>
                       </a:pPr>
                       <a:r>
-                        <a:rPr sz="900" b="1" spc="0">
+                        <a:rPr lang="de-de" sz="900" b="1" spc="0" dirty="0">
                           <a:solidFill>
                             <a:srgbClr val="020302"/>
                           </a:solidFill>
                           <a:latin typeface="Adobe Clean"/>
                           <a:cs typeface="Adobe Clean"/>
                         </a:rPr>
-                        <a:t>PRIORITY 4</a:t>
+                        <a:t>우선 순위 4</a:t>
                       </a:r>
-                      <a:endParaRPr sz="900" spc="0">
+                      <a:endParaRPr sz="900" spc="0" dirty="0">
                         <a:latin typeface="Adobe Clean"/>
                         <a:cs typeface="Adobe Clean"/>
                       </a:endParaRPr>
@@ -3577,22 +3150,22 @@
                         <a:defRPr/>
                       </a:pPr>
                       <a:r>
-                        <a:rPr lang="en-US" sz="900" b="0" i="0" spc="0">
+                        <a:rPr lang="de-de" sz="900" b="0" i="0" spc="0" dirty="0">
                           <a:solidFill>
                             <a:srgbClr val="000000"/>
                           </a:solidFill>
                           <a:effectLst/>
                           <a:latin typeface="Adobe Clean Light" panose="020B0303020404020204" pitchFamily="34" charset="0"/>
                         </a:rPr>
-                        <a:t>General question regarding current product functionality or an enhancement request</a:t>
+                        <a:t>현재 제품 기능에 관한 일반적인 질문 또는 개선 요청입니다.</a:t>
                       </a:r>
-                      <a:endParaRPr lang="en-US" sz="900" b="0" i="0" spc="0">
+                      <a:endParaRPr lang="en-US" sz="900" b="0" i="0" spc="0" dirty="0">
                         <a:latin typeface="Adobe Clean Light" panose="020B0303020404020204" pitchFamily="34" charset="0"/>
                         <a:cs typeface="AdobeClean-Light"/>
                       </a:endParaRPr>
                     </a:p>
                   </a:txBody>
-                  <a:tcPr marL="0" marR="0" marT="1905" marB="0">
+                  <a:tcPr marL="0" marR="0" marT="0" marB="0">
                     <a:lnL w="3175">
                       <a:solidFill>
                         <a:srgbClr val="B7B8B8"/>
@@ -3633,72 +3206,52 @@
                         </a:spcBef>
                       </a:pPr>
                       <a:r>
-                        <a:rPr lang="en-US" sz="900" spc="0">
+                        <a:rPr lang="de-de" sz="900" spc="0" dirty="0" err="1">
                           <a:solidFill>
                             <a:srgbClr val="020302"/>
                           </a:solidFill>
-                          <a:latin typeface="AdobeClean-Light"/>
+                          <a:latin typeface="Adobe Clean Light" panose="020B0303020404020204" pitchFamily="34" charset="0"/>
                           <a:cs typeface="AdobeClean-Light"/>
                         </a:rPr>
-                        <a:t>  </a:t>
+                        <a:t>업무일</a:t>
                       </a:r>
                       <a:r>
-                        <a:rPr sz="900" spc="0">
+                        <a:rPr lang="de-de" sz="900" spc="0" dirty="0">
                           <a:solidFill>
                             <a:srgbClr val="020302"/>
                           </a:solidFill>
-                          <a:latin typeface="AdobeClean-Light"/>
+                          <a:latin typeface="Adobe Clean Light" panose="020B0303020404020204" pitchFamily="34" charset="0"/>
                           <a:cs typeface="AdobeClean-Light"/>
                         </a:rPr>
-                        <a:t>Business</a:t>
+                        <a:t> /</a:t>
                       </a:r>
                       <a:r>
-                        <a:rPr lang="en-US" sz="900" spc="0">
+                        <a:rPr lang="de-DE" sz="900" spc="0" dirty="0">
                           <a:solidFill>
                             <a:srgbClr val="020302"/>
                           </a:solidFill>
-                          <a:latin typeface="AdobeClean-Light"/>
+                          <a:latin typeface="Adobe Clean Light" panose="020B0303020404020204" pitchFamily="34" charset="0"/>
                           <a:cs typeface="AdobeClean-Light"/>
                         </a:rPr>
                         <a:t> </a:t>
                       </a:r>
                       <a:r>
-                        <a:rPr sz="900" spc="0">
+                        <a:rPr lang="de-de" sz="900" spc="0" dirty="0">
                           <a:solidFill>
                             <a:srgbClr val="020302"/>
                           </a:solidFill>
-                          <a:latin typeface="AdobeClean-Light"/>
+                          <a:latin typeface="Adobe Clean Light" panose="020B0303020404020204" pitchFamily="34" charset="0"/>
                           <a:cs typeface="AdobeClean-Light"/>
                         </a:rPr>
-                        <a:t>days</a:t>
+                        <a:t>3일</a:t>
                       </a:r>
-                      <a:r>
-                        <a:rPr lang="en-US" sz="900" spc="0">
-                          <a:solidFill>
-                            <a:srgbClr val="020302"/>
-                          </a:solidFill>
-                          <a:latin typeface="AdobeClean-Light"/>
-                          <a:cs typeface="AdobeClean-Light"/>
-                        </a:rPr>
-                        <a:t> / </a:t>
-                      </a:r>
-                      <a:r>
-                        <a:rPr sz="900" spc="0">
-                          <a:solidFill>
-                            <a:srgbClr val="020302"/>
-                          </a:solidFill>
-                          <a:latin typeface="AdobeClean-Light"/>
-                          <a:cs typeface="AdobeClean-Light"/>
-                        </a:rPr>
-                        <a:t>3 days</a:t>
-                      </a:r>
-                      <a:endParaRPr sz="900" spc="0">
-                        <a:latin typeface="AdobeClean-Light"/>
+                      <a:endParaRPr sz="900" spc="0" dirty="0">
+                        <a:latin typeface="Adobe Clean Light" panose="020B0303020404020204" pitchFamily="34" charset="0"/>
                         <a:cs typeface="AdobeClean-Light"/>
                       </a:endParaRPr>
                     </a:p>
                   </a:txBody>
-                  <a:tcPr marL="0" marR="0" marT="91440" marB="91440" anchor="ctr" anchorCtr="1">
+                  <a:tcPr marL="0" marR="0" marT="0" marB="0" anchor="ctr">
                     <a:lnL w="3175">
                       <a:solidFill>
                         <a:srgbClr val="B7B8B8"/>
@@ -3739,82 +3292,52 @@
                         </a:spcBef>
                       </a:pPr>
                       <a:r>
-                        <a:rPr sz="900" spc="0" dirty="0">
+                        <a:rPr lang="de-de" sz="900" spc="0" dirty="0" err="1">
                           <a:solidFill>
                             <a:srgbClr val="020302"/>
                           </a:solidFill>
-                          <a:latin typeface="AdobeClean-Light"/>
+                          <a:latin typeface="Adobe Clean Light" panose="020B0303020404020204" pitchFamily="34" charset="0"/>
                           <a:cs typeface="AdobeClean-Light"/>
                         </a:rPr>
-                        <a:t>Business</a:t>
+                        <a:t>업무일</a:t>
                       </a:r>
                       <a:r>
-                        <a:rPr lang="en-US" sz="900" spc="0" dirty="0">
+                        <a:rPr lang="de-de" sz="900" spc="0" dirty="0">
                           <a:solidFill>
                             <a:srgbClr val="020302"/>
                           </a:solidFill>
-                          <a:latin typeface="AdobeClean-Light"/>
+                          <a:latin typeface="Adobe Clean Light" panose="020B0303020404020204" pitchFamily="34" charset="0"/>
+                          <a:cs typeface="AdobeClean-Light"/>
+                        </a:rPr>
+                        <a:t> /</a:t>
+                      </a:r>
+                      <a:r>
+                        <a:rPr lang="pl-PL" sz="900" spc="0" dirty="0">
+                          <a:solidFill>
+                            <a:srgbClr val="020302"/>
+                          </a:solidFill>
+                          <a:latin typeface="Adobe Clean Light" panose="020B0303020404020204" pitchFamily="34" charset="0"/>
                           <a:cs typeface="AdobeClean-Light"/>
                         </a:rPr>
                         <a:t> </a:t>
                       </a:r>
                       <a:r>
-                        <a:rPr sz="900" spc="0" dirty="0">
+                        <a:rPr lang="de-de" sz="900" spc="0" dirty="0">
                           <a:solidFill>
                             <a:srgbClr val="020302"/>
                           </a:solidFill>
-                          <a:latin typeface="AdobeClean-Light"/>
+                          <a:latin typeface="Adobe Clean Light" panose="020B0303020404020204" pitchFamily="34" charset="0"/>
                           <a:cs typeface="AdobeClean-Light"/>
                         </a:rPr>
-                        <a:t>day</a:t>
-                      </a:r>
-                      <a:r>
-                        <a:rPr lang="en-US" sz="900" spc="0" dirty="0">
-                          <a:solidFill>
-                            <a:srgbClr val="020302"/>
-                          </a:solidFill>
-                          <a:latin typeface="AdobeClean-Light"/>
-                          <a:cs typeface="AdobeClean-Light"/>
-                        </a:rPr>
-                        <a:t>s </a:t>
-                      </a:r>
-                      <a:r>
-                        <a:rPr sz="900" spc="0" dirty="0">
-                          <a:solidFill>
-                            <a:srgbClr val="020302"/>
-                          </a:solidFill>
-                          <a:latin typeface="AdobeClean-Light"/>
-                          <a:cs typeface="AdobeClean-Light"/>
-                        </a:rPr>
-                        <a:t>/</a:t>
-                      </a:r>
-                      <a:r>
-                        <a:rPr lang="en-US" sz="900" spc="0" dirty="0">
-                          <a:solidFill>
-                            <a:srgbClr val="020302"/>
-                          </a:solidFill>
-                          <a:latin typeface="AdobeClean-Light"/>
-                          <a:cs typeface="AdobeClean-Light"/>
-                        </a:rPr>
-                        <a:t> </a:t>
-                      </a:r>
-                      <a:r>
-                        <a:rPr sz="900" spc="0" dirty="0">
-                          <a:solidFill>
-                            <a:srgbClr val="020302"/>
-                          </a:solidFill>
-                          <a:latin typeface="AdobeClean-Light"/>
-                          <a:cs typeface="AdobeClean-Light"/>
-                        </a:rPr>
-                        <a:t>1 day</a:t>
+                        <a:t>1일</a:t>
                       </a:r>
                       <a:endParaRPr sz="900" spc="0" dirty="0">
-                        <a:latin typeface="AdobeClean-Light"/>
+                        <a:latin typeface="Adobe Clean Light" panose="020B0303020404020204" pitchFamily="34" charset="0"/>
                         <a:cs typeface="AdobeClean-Light"/>
                       </a:endParaRPr>
                     </a:p>
                   </a:txBody>
-                  <a:tcPr marL="0" marR="0" marT="91440" marB="91440" anchor="ctr" anchorCtr="1">
+                  <a:tcPr marL="0" marR="0" marT="0" marB="0" anchor="ctr">
                     <a:lnL w="3175">
                       <a:solidFill>
                         <a:srgbClr val="B7B8B8"/>
@@ -3871,7 +3394,7 @@
           <p:nvPr>
             <p:extLst>
               <p:ext uri="{D42A27DB-BD31-4B8C-83A1-F6EECF244321}">
-                <p14:modId xmlns:p14="http://schemas.microsoft.com/office/powerpoint/2010/main" val="1162910209"/>
+                <p14:modId xmlns:p14="http://schemas.microsoft.com/office/powerpoint/2010/main" val="1213404525"/>
               </p:ext>
             </p:extLst>
           </p:nvPr>
@@ -3922,7 +3445,7 @@
                     <a:bodyPr/>
                     <a:lstStyle/>
                     <a:p>
-                      <a:endParaRPr lang="en-US"/>
+                      <a:endParaRPr lang="en-US" dirty="0"/>
                     </a:p>
                   </a:txBody>
                   <a:tcPr/>
@@ -3960,34 +3483,14 @@
                         <a:defRPr/>
                       </a:pPr>
                       <a:r>
-                        <a:rPr lang="en-US" sz="900" spc="-20" dirty="0">
+                        <a:rPr lang="ko-KR" altLang="en-US" sz="900" spc="-20" dirty="0">
                           <a:solidFill>
                             <a:srgbClr val="404040"/>
                           </a:solidFill>
                           <a:latin typeface="Adobe Clean"/>
                           <a:cs typeface="Adobe Clean"/>
                         </a:rPr>
-                        <a:t>Standard </a:t>
-                      </a:r>
-                      <a:r>
-                        <a:rPr lang="en-US" sz="900" spc="-135" dirty="0">
-                          <a:solidFill>
-                            <a:srgbClr val="404040"/>
-                          </a:solidFill>
-                          <a:latin typeface="Adobe Clean"/>
-                          <a:cs typeface="Adobe Clean"/>
-                        </a:rPr>
-                        <a:t> </a:t>
-                      </a:r>
-                      <a:r>
-                        <a:rPr lang="en-US" sz="900" spc="-20" dirty="0">
-                          <a:solidFill>
-                            <a:srgbClr val="404040"/>
-                          </a:solidFill>
-                          <a:latin typeface="Adobe Clean"/>
-                          <a:cs typeface="Adobe Clean"/>
-                        </a:rPr>
-                        <a:t>Support</a:t>
+                        <a:t>표준 지원</a:t>
                       </a:r>
                       <a:endParaRPr lang="en-US" sz="900" dirty="0">
                         <a:latin typeface="Adobe Clean"/>
@@ -4033,36 +3536,16 @@
                         </a:spcBef>
                       </a:pPr>
                       <a:r>
-                        <a:rPr sz="900" spc="-20">
+                        <a:rPr lang="de-de" sz="900" spc="-20" dirty="0">
                           <a:solidFill>
                             <a:srgbClr val="FFFFFF"/>
                           </a:solidFill>
                           <a:latin typeface="Adobe Clean"/>
                           <a:cs typeface="Adobe Clean"/>
                         </a:rPr>
-                        <a:t>Business</a:t>
+                        <a:t>비즈니스 지원</a:t>
                       </a:r>
-                      <a:r>
-                        <a:rPr lang="en-US" sz="900" spc="-20">
-                          <a:solidFill>
-                            <a:srgbClr val="FFFFFF"/>
-                          </a:solidFill>
-                          <a:latin typeface="Adobe Clean"/>
-                          <a:cs typeface="Adobe Clean"/>
-                        </a:rPr>
-                        <a:t> </a:t>
-                      </a:r>
-                      <a:r>
-                        <a:rPr sz="900" spc="-20">
-                          <a:solidFill>
-                            <a:srgbClr val="FFFFFF"/>
-                          </a:solidFill>
-                          <a:latin typeface="Adobe Clean"/>
-                          <a:cs typeface="Adobe Clean"/>
-                        </a:rPr>
-                        <a:t>Support</a:t>
-                      </a:r>
-                      <a:endParaRPr sz="900">
+                      <a:endParaRPr sz="900" dirty="0">
                         <a:latin typeface="Adobe Clean"/>
                         <a:cs typeface="Adobe Clean"/>
                       </a:endParaRPr>
@@ -4110,7 +3593,7 @@
                     <a:bodyPr/>
                     <a:lstStyle/>
                     <a:p>
-                      <a:endParaRPr lang="en-US"/>
+                      <a:endParaRPr lang="en-US" dirty="0"/>
                     </a:p>
                   </a:txBody>
                   <a:tcPr/>
@@ -4147,7 +3630,7 @@
                         <a:tabLst/>
                         <a:defRPr/>
                       </a:pPr>
-                      <a:endParaRPr lang="en-US" sz="800" i="1">
+                      <a:endParaRPr lang="en-US" sz="800" i="1" dirty="0">
                         <a:solidFill>
                           <a:sysClr val="windowText" lastClr="000000"/>
                         </a:solidFill>
@@ -4211,13 +3694,13 @@
                         <a:defRPr/>
                       </a:pPr>
                       <a:r>
-                        <a:rPr lang="en-US" sz="800" i="1">
+                        <a:rPr lang="de-de" sz="800" i="1" dirty="0">
                           <a:solidFill>
                             <a:schemeClr val="bg1"/>
                           </a:solidFill>
                           <a:latin typeface="Adobe Clean Light" panose="020B0303020404020204" pitchFamily="34" charset="0"/>
                         </a:rPr>
-                        <a:t>Paid Support ($)</a:t>
+                        <a:t>유료 지원($)</a:t>
                       </a:r>
                     </a:p>
                   </a:txBody>
@@ -4281,16 +3764,16 @@
                         </a:spcBef>
                       </a:pPr>
                       <a:r>
-                        <a:rPr lang="en-US" sz="1000" b="1" i="0" spc="0">
+                        <a:rPr lang="de-de" sz="1000" b="1" i="0" spc="0" dirty="0">
                           <a:solidFill>
                             <a:schemeClr val="bg1"/>
                           </a:solidFill>
                           <a:latin typeface="Adobe Clean" panose="020B0503020404020204" pitchFamily="34" charset="0"/>
                           <a:cs typeface="AdobeClean-Light"/>
                         </a:rPr>
-                        <a:t>Assigned Experts</a:t>
+                        <a:t>할당된 전문가</a:t>
                       </a:r>
-                      <a:endParaRPr sz="1000" b="1" i="0" spc="0">
+                      <a:endParaRPr sz="1000" b="1" i="0" spc="0" dirty="0">
                         <a:solidFill>
                           <a:schemeClr val="bg1"/>
                         </a:solidFill>
@@ -4343,17 +3826,17 @@
                         </a:spcBef>
                       </a:pPr>
                       <a:r>
-                        <a:rPr sz="900" spc="0">
+                        <a:rPr lang="de-de" sz="900" spc="0" dirty="0">
                           <a:solidFill>
                             <a:srgbClr val="020302"/>
                           </a:solidFill>
-                          <a:latin typeface="AdobeClean-Light"/>
+                          <a:latin typeface="Adobe Clean Light" panose="020B0303020404020204" pitchFamily="34" charset="0"/>
                           <a:cs typeface="AdobeClean-Light"/>
                         </a:rPr>
-                        <a:t>Account Support Lead</a:t>
+                        <a:t>계정 지원 리드</a:t>
                       </a:r>
-                      <a:endParaRPr sz="900" spc="0">
-                        <a:latin typeface="AdobeClean-Light"/>
+                      <a:endParaRPr sz="900" spc="0" dirty="0">
+                        <a:latin typeface="Adobe Clean Light" panose="020B0303020404020204" pitchFamily="34" charset="0"/>
                         <a:cs typeface="AdobeClean-Light"/>
                       </a:endParaRPr>
                     </a:p>
@@ -4398,7 +3881,7 @@
                           <a:spcPts val="470"/>
                         </a:spcBef>
                       </a:pPr>
-                      <a:endParaRPr sz="900">
+                      <a:endParaRPr sz="900" dirty="0">
                         <a:latin typeface="Wingdings"/>
                         <a:cs typeface="Wingdings"/>
                       </a:endParaRPr>
@@ -4440,7 +3923,7 @@
                         </a:spcBef>
                       </a:pPr>
                       <a:r>
-                        <a:rPr sz="900">
+                        <a:rPr lang="de-de" sz="900" dirty="0">
                           <a:solidFill>
                             <a:srgbClr val="020302"/>
                           </a:solidFill>
@@ -4449,7 +3932,7 @@
                         </a:rPr>
                         <a:t></a:t>
                       </a:r>
-                      <a:endParaRPr sz="900">
+                      <a:endParaRPr sz="900" dirty="0">
                         <a:latin typeface="Wingdings"/>
                         <a:cs typeface="Wingdings"/>
                       </a:endParaRPr>
@@ -4492,7 +3975,7 @@
                           <a:spcPts val="459"/>
                         </a:spcBef>
                       </a:pPr>
-                      <a:endParaRPr sz="900">
+                      <a:endParaRPr sz="900" dirty="0">
                         <a:latin typeface="AdobeClean-Light"/>
                         <a:cs typeface="AdobeClean-Light"/>
                       </a:endParaRPr>
@@ -4530,17 +4013,17 @@
                         </a:spcBef>
                       </a:pPr>
                       <a:r>
-                        <a:rPr sz="900" spc="0">
+                        <a:rPr lang="de-de" sz="900" spc="0" dirty="0">
                           <a:solidFill>
                             <a:srgbClr val="020302"/>
                           </a:solidFill>
-                          <a:latin typeface="AdobeClean-Light"/>
+                          <a:latin typeface="Adobe Clean Light" panose="020B0303020404020204" pitchFamily="34" charset="0"/>
                           <a:cs typeface="AdobeClean-Light"/>
                         </a:rPr>
-                        <a:t>Named Support Engineer</a:t>
+                        <a:t>지정 지원 엔지니어</a:t>
                       </a:r>
-                      <a:endParaRPr sz="900" spc="0">
-                        <a:latin typeface="AdobeClean-Light"/>
+                      <a:endParaRPr sz="900" spc="0" dirty="0">
+                        <a:latin typeface="Adobe Clean Light" panose="020B0303020404020204" pitchFamily="34" charset="0"/>
                         <a:cs typeface="AdobeClean-Light"/>
                       </a:endParaRPr>
                     </a:p>
@@ -4570,7 +4053,7 @@
                           <a:spcPct val="100000"/>
                         </a:lnSpc>
                       </a:pPr>
-                      <a:endParaRPr sz="900">
+                      <a:endParaRPr sz="900" dirty="0">
                         <a:latin typeface="Times New Roman"/>
                         <a:cs typeface="Times New Roman"/>
                       </a:endParaRPr>
@@ -4599,7 +4082,7 @@
                           <a:spcPct val="100000"/>
                         </a:lnSpc>
                       </a:pPr>
-                      <a:endParaRPr sz="900">
+                      <a:endParaRPr sz="900" dirty="0">
                         <a:latin typeface="Times New Roman"/>
                         <a:cs typeface="Times New Roman"/>
                       </a:endParaRPr>
@@ -4633,7 +4116,7 @@
                           <a:spcPts val="500"/>
                         </a:spcBef>
                       </a:pPr>
-                      <a:endParaRPr sz="900">
+                      <a:endParaRPr sz="900" dirty="0">
                         <a:latin typeface="AdobeClean-Light"/>
                         <a:cs typeface="AdobeClean-Light"/>
                       </a:endParaRPr>
@@ -4683,17 +4166,17 @@
                         </a:spcBef>
                       </a:pPr>
                       <a:r>
-                        <a:rPr sz="900" spc="0">
+                        <a:rPr lang="de-de" sz="900" spc="0" dirty="0">
                           <a:solidFill>
                             <a:srgbClr val="020302"/>
                           </a:solidFill>
-                          <a:latin typeface="AdobeClean-Light"/>
+                          <a:latin typeface="Adobe Clean Light" panose="020B0303020404020204" pitchFamily="34" charset="0"/>
                           <a:cs typeface="AdobeClean-Light"/>
                         </a:rPr>
-                        <a:t>Technical Account Manager</a:t>
+                        <a:t>기술 계정 관리자</a:t>
                       </a:r>
-                      <a:endParaRPr sz="900" spc="0">
-                        <a:latin typeface="AdobeClean-Light"/>
+                      <a:endParaRPr sz="900" spc="0" dirty="0">
+                        <a:latin typeface="Adobe Clean Light" panose="020B0303020404020204" pitchFamily="34" charset="0"/>
                         <a:cs typeface="AdobeClean-Light"/>
                       </a:endParaRPr>
                     </a:p>
@@ -4729,7 +4212,7 @@
                           <a:spcPct val="100000"/>
                         </a:lnSpc>
                       </a:pPr>
-                      <a:endParaRPr sz="900">
+                      <a:endParaRPr sz="900" dirty="0">
                         <a:latin typeface="Times New Roman"/>
                         <a:cs typeface="Times New Roman"/>
                       </a:endParaRPr>
@@ -4767,7 +4250,7 @@
                           <a:spcPct val="100000"/>
                         </a:lnSpc>
                       </a:pPr>
-                      <a:endParaRPr sz="900">
+                      <a:endParaRPr sz="900" dirty="0">
                         <a:latin typeface="Times New Roman"/>
                         <a:cs typeface="Times New Roman"/>
                       </a:endParaRPr>
@@ -4811,16 +4294,16 @@
                         </a:spcBef>
                       </a:pPr>
                       <a:r>
-                        <a:rPr lang="en-US" sz="1000" b="1" i="0" spc="0">
+                        <a:rPr lang="de-de" sz="1000" b="1" i="0" spc="0" dirty="0">
                           <a:solidFill>
                             <a:schemeClr val="bg1"/>
                           </a:solidFill>
                           <a:latin typeface="Adobe Clean" panose="020B0503020404020204" pitchFamily="34" charset="0"/>
                           <a:cs typeface="AdobeClean-Light"/>
                         </a:rPr>
-                        <a:t>Support Services</a:t>
+                        <a:t>지원 서비스</a:t>
                       </a:r>
-                      <a:endParaRPr sz="1000" b="1" i="0" spc="0">
+                      <a:endParaRPr sz="1000" b="1" i="0" spc="0" dirty="0">
                         <a:solidFill>
                           <a:schemeClr val="bg1"/>
                         </a:solidFill>
@@ -4882,27 +4365,17 @@
                         </a:spcBef>
                       </a:pPr>
                       <a:r>
-                        <a:rPr lang="en-US" sz="900" spc="0">
+                        <a:rPr lang="de-de" sz="900" spc="0" dirty="0">
                           <a:solidFill>
                             <a:srgbClr val="020302"/>
                           </a:solidFill>
-                          <a:latin typeface="AdobeClean-Light"/>
+                          <a:latin typeface="Adobe Clean Light" panose="020B0303020404020204" pitchFamily="34" charset="0"/>
                           <a:cs typeface="AdobeClean-Light"/>
                         </a:rPr>
-                        <a:t>Online</a:t>
+                        <a:t>온라인 지원</a:t>
                       </a:r>
-                      <a:r>
-                        <a:rPr sz="900" spc="0">
-                          <a:solidFill>
-                            <a:srgbClr val="020302"/>
-                          </a:solidFill>
-                          <a:latin typeface="AdobeClean-Light"/>
-                          <a:cs typeface="AdobeClean-Light"/>
-                        </a:rPr>
-                        <a:t> Support</a:t>
-                      </a:r>
-                      <a:endParaRPr sz="900" spc="0">
-                        <a:latin typeface="AdobeClean-Light"/>
+                      <a:endParaRPr sz="900" spc="0" dirty="0">
+                        <a:latin typeface="Adobe Clean Light" panose="020B0303020404020204" pitchFamily="34" charset="0"/>
                         <a:cs typeface="AdobeClean-Light"/>
                       </a:endParaRPr>
                     </a:p>
@@ -4942,37 +4415,37 @@
                         </a:spcBef>
                       </a:pPr>
                       <a:r>
-                        <a:rPr sz="900" spc="-25">
+                        <a:rPr lang="de-de" sz="900" spc="-25" dirty="0">
                           <a:solidFill>
                             <a:srgbClr val="020302"/>
                           </a:solidFill>
-                          <a:latin typeface="AdobeClean-Light"/>
+                          <a:latin typeface="Adobe Clean Light" panose="020B0303020404020204" pitchFamily="34" charset="0"/>
                           <a:cs typeface="AdobeClean-Light"/>
                         </a:rPr>
-                        <a:t>Business</a:t>
+                        <a:t>업무</a:t>
                       </a:r>
                       <a:r>
-                        <a:rPr sz="900" spc="-15">
+                        <a:rPr lang="de-de" sz="900" spc="-15" dirty="0">
                           <a:solidFill>
                             <a:srgbClr val="020302"/>
                           </a:solidFill>
-                          <a:latin typeface="AdobeClean-Light"/>
+                          <a:latin typeface="Adobe Clean Light" panose="020B0303020404020204" pitchFamily="34" charset="0"/>
                           <a:cs typeface="AdobeClean-Light"/>
                         </a:rPr>
                         <a:t> </a:t>
                       </a:r>
                       <a:r>
-                        <a:rPr sz="900" spc="-30">
+                        <a:rPr lang="de-de" sz="900" spc="-30" dirty="0">
                           <a:solidFill>
                             <a:srgbClr val="020302"/>
                           </a:solidFill>
-                          <a:latin typeface="AdobeClean-Light"/>
+                          <a:latin typeface="Adobe Clean Light" panose="020B0303020404020204" pitchFamily="34" charset="0"/>
                           <a:cs typeface="AdobeClean-Light"/>
                         </a:rPr>
-                        <a:t>hours</a:t>
+                        <a:t>시간</a:t>
                       </a:r>
-                      <a:endParaRPr sz="900">
-                        <a:latin typeface="AdobeClean-Light"/>
+                      <a:endParaRPr sz="900" dirty="0">
+                        <a:latin typeface="Adobe Clean Light" panose="020B0303020404020204" pitchFamily="34" charset="0"/>
                         <a:cs typeface="AdobeClean-Light"/>
                       </a:endParaRPr>
                     </a:p>
@@ -5013,37 +4486,37 @@
                         </a:spcBef>
                       </a:pPr>
                       <a:r>
-                        <a:rPr sz="900" spc="-25">
+                        <a:rPr lang="de-de" sz="900" spc="-25" dirty="0">
                           <a:solidFill>
                             <a:srgbClr val="020302"/>
                           </a:solidFill>
-                          <a:latin typeface="AdobeClean-Light"/>
+                          <a:latin typeface="Adobe Clean Light" panose="020B0303020404020204" pitchFamily="34" charset="0"/>
                           <a:cs typeface="AdobeClean-Light"/>
                         </a:rPr>
-                        <a:t>Business</a:t>
+                        <a:t>업무</a:t>
                       </a:r>
                       <a:r>
-                        <a:rPr sz="900" spc="-15">
+                        <a:rPr lang="de-de" sz="900" spc="-15" dirty="0">
                           <a:solidFill>
                             <a:srgbClr val="020302"/>
                           </a:solidFill>
-                          <a:latin typeface="AdobeClean-Light"/>
+                          <a:latin typeface="Adobe Clean Light" panose="020B0303020404020204" pitchFamily="34" charset="0"/>
                           <a:cs typeface="AdobeClean-Light"/>
                         </a:rPr>
                         <a:t> </a:t>
                       </a:r>
                       <a:r>
-                        <a:rPr sz="900" spc="-30">
+                        <a:rPr lang="de-de" sz="900" spc="-30" dirty="0">
                           <a:solidFill>
                             <a:srgbClr val="020302"/>
                           </a:solidFill>
-                          <a:latin typeface="AdobeClean-Light"/>
+                          <a:latin typeface="Adobe Clean Light" panose="020B0303020404020204" pitchFamily="34" charset="0"/>
                           <a:cs typeface="AdobeClean-Light"/>
                         </a:rPr>
-                        <a:t>hours</a:t>
+                        <a:t>시간</a:t>
                       </a:r>
-                      <a:endParaRPr sz="900">
-                        <a:latin typeface="AdobeClean-Light"/>
+                      <a:endParaRPr sz="900" dirty="0">
+                        <a:latin typeface="Adobe Clean Light" panose="020B0303020404020204" pitchFamily="34" charset="0"/>
                         <a:cs typeface="AdobeClean-Light"/>
                       </a:endParaRPr>
                     </a:p>
@@ -5085,7 +4558,7 @@
                           <a:spcPts val="455"/>
                         </a:spcBef>
                       </a:pPr>
-                      <a:endParaRPr sz="900">
+                      <a:endParaRPr sz="900" dirty="0">
                         <a:latin typeface="AdobeClean-Light"/>
                         <a:cs typeface="AdobeClean-Light"/>
                       </a:endParaRPr>
@@ -5126,37 +4599,17 @@
                         </a:spcBef>
                       </a:pPr>
                       <a:r>
-                        <a:rPr sz="900" spc="0">
+                        <a:rPr lang="de-de" sz="900" spc="0" dirty="0">
                           <a:solidFill>
                             <a:srgbClr val="020302"/>
                           </a:solidFill>
-                          <a:latin typeface="AdobeClean-Light"/>
+                          <a:latin typeface="Adobe Clean Light" panose="020B0303020404020204" pitchFamily="34" charset="0"/>
                           <a:cs typeface="AdobeClean-Light"/>
                         </a:rPr>
-                        <a:t>24x7</a:t>
+                        <a:t>24x7x365 P1 문제 지원</a:t>
                       </a:r>
-                      <a:r>
-                        <a:rPr lang="en-US" sz="900" spc="0">
-                          <a:solidFill>
-                            <a:srgbClr val="020302"/>
-                          </a:solidFill>
-                          <a:latin typeface="AdobeClean-Light"/>
-                          <a:cs typeface="AdobeClean-Light"/>
-                        </a:rPr>
-                        <a:t>x365</a:t>
-                      </a:r>
-                      <a:r>
-                        <a:rPr sz="900" spc="0">
-                          <a:solidFill>
-                            <a:srgbClr val="020302"/>
-                          </a:solidFill>
-                          <a:latin typeface="AdobeClean-Light"/>
-                          <a:cs typeface="AdobeClean-Light"/>
-                        </a:rPr>
-                        <a:t> P1 Issue Support</a:t>
-                      </a:r>
-                      <a:endParaRPr sz="900" spc="0">
-                        <a:latin typeface="AdobeClean-Light"/>
+                      <a:endParaRPr sz="900" spc="0" dirty="0">
+                        <a:latin typeface="Adobe Clean Light" panose="020B0303020404020204" pitchFamily="34" charset="0"/>
                         <a:cs typeface="AdobeClean-Light"/>
                       </a:endParaRPr>
                     </a:p>
@@ -5190,7 +4643,7 @@
                         </a:spcBef>
                       </a:pPr>
                       <a:r>
-                        <a:rPr sz="900">
+                        <a:rPr lang="de-de" sz="900" dirty="0">
                           <a:solidFill>
                             <a:srgbClr val="020302"/>
                           </a:solidFill>
@@ -5199,7 +4652,7 @@
                         </a:rPr>
                         <a:t></a:t>
                       </a:r>
-                      <a:endParaRPr sz="900">
+                      <a:endParaRPr sz="900" dirty="0">
                         <a:latin typeface="Wingdings"/>
                         <a:cs typeface="Wingdings"/>
                       </a:endParaRPr>
@@ -5232,7 +4685,7 @@
                         </a:spcBef>
                       </a:pPr>
                       <a:r>
-                        <a:rPr sz="900">
+                        <a:rPr lang="de-de" sz="900" dirty="0">
                           <a:solidFill>
                             <a:srgbClr val="020302"/>
                           </a:solidFill>
@@ -5241,7 +4694,7 @@
                         </a:rPr>
                         <a:t></a:t>
                       </a:r>
-                      <a:endParaRPr sz="900">
+                      <a:endParaRPr sz="900" dirty="0">
                         <a:latin typeface="Wingdings"/>
                         <a:cs typeface="Wingdings"/>
                       </a:endParaRPr>
@@ -5275,7 +4728,7 @@
                           <a:spcPts val="455"/>
                         </a:spcBef>
                       </a:pPr>
-                      <a:endParaRPr sz="900">
+                      <a:endParaRPr sz="900" dirty="0">
                         <a:latin typeface="AdobeClean-Light"/>
                         <a:cs typeface="AdobeClean-Light"/>
                       </a:endParaRPr>
@@ -5325,17 +4778,17 @@
                         </a:spcBef>
                       </a:pPr>
                       <a:r>
-                        <a:rPr lang="en-US" sz="900" spc="0">
+                        <a:rPr lang="de-de" sz="900" spc="0" dirty="0">
                           <a:solidFill>
                             <a:srgbClr val="020302"/>
                           </a:solidFill>
-                          <a:latin typeface="AdobeClean-Light"/>
+                          <a:latin typeface="Adobe Clean Light" panose="020B0303020404020204" pitchFamily="34" charset="0"/>
                           <a:cs typeface="AdobeClean-Light"/>
                         </a:rPr>
-                        <a:t>Named Support Contacts (per product)</a:t>
+                        <a:t>지정된 지원 담당자(제품당)</a:t>
                       </a:r>
-                      <a:endParaRPr sz="900" spc="0">
-                        <a:latin typeface="AdobeClean-Light"/>
+                      <a:endParaRPr sz="900" spc="0" dirty="0">
+                        <a:latin typeface="Adobe Clean Light" panose="020B0303020404020204" pitchFamily="34" charset="0"/>
                         <a:cs typeface="AdobeClean-Light"/>
                       </a:endParaRPr>
                     </a:p>
@@ -5375,17 +4828,17 @@
                         </a:spcBef>
                       </a:pPr>
                       <a:r>
-                        <a:rPr sz="900">
+                        <a:rPr lang="de-de" sz="900" dirty="0">
                           <a:solidFill>
                             <a:srgbClr val="020302"/>
                           </a:solidFill>
-                          <a:latin typeface="AdobeClean-Light"/>
+                          <a:latin typeface="Adobe Clean Light" panose="020B0303020404020204" pitchFamily="34" charset="0"/>
                           <a:cs typeface="AdobeClean-Light"/>
                         </a:rPr>
                         <a:t>4</a:t>
                       </a:r>
-                      <a:endParaRPr sz="900">
-                        <a:latin typeface="AdobeClean-Light"/>
+                      <a:endParaRPr sz="900" dirty="0">
+                        <a:latin typeface="Adobe Clean Light" panose="020B0303020404020204" pitchFamily="34" charset="0"/>
                         <a:cs typeface="AdobeClean-Light"/>
                       </a:endParaRPr>
                     </a:p>
@@ -5417,17 +4870,17 @@
                         </a:spcBef>
                       </a:pPr>
                       <a:r>
-                        <a:rPr sz="900">
+                        <a:rPr lang="de-de" sz="900" dirty="0">
                           <a:solidFill>
                             <a:srgbClr val="020302"/>
                           </a:solidFill>
-                          <a:latin typeface="AdobeClean-Light"/>
+                          <a:latin typeface="Adobe Clean Light" panose="020B0303020404020204" pitchFamily="34" charset="0"/>
                           <a:cs typeface="AdobeClean-Light"/>
                         </a:rPr>
                         <a:t>6</a:t>
                       </a:r>
-                      <a:endParaRPr sz="900">
-                        <a:latin typeface="AdobeClean-Light"/>
+                      <a:endParaRPr sz="900" dirty="0">
+                        <a:latin typeface="Adobe Clean Light" panose="020B0303020404020204" pitchFamily="34" charset="0"/>
                         <a:cs typeface="AdobeClean-Light"/>
                       </a:endParaRPr>
                     </a:p>
@@ -5460,7 +4913,7 @@
                           <a:spcPts val="455"/>
                         </a:spcBef>
                       </a:pPr>
-                      <a:endParaRPr sz="900">
+                      <a:endParaRPr sz="900" dirty="0">
                         <a:latin typeface="AdobeClean-Light"/>
                         <a:cs typeface="AdobeClean-Light"/>
                       </a:endParaRPr>
@@ -5501,17 +4954,17 @@
                         </a:spcBef>
                       </a:pPr>
                       <a:r>
-                        <a:rPr lang="en-US" sz="900" spc="0">
+                        <a:rPr lang="de-de" sz="900" spc="0" dirty="0">
                           <a:solidFill>
                             <a:srgbClr val="020302"/>
                           </a:solidFill>
-                          <a:latin typeface="AdobeClean-Light"/>
+                          <a:latin typeface="Adobe Clean Light" panose="020B0303020404020204" pitchFamily="34" charset="0"/>
                           <a:cs typeface="AdobeClean-Light"/>
                         </a:rPr>
-                        <a:t>Live Telephone Support</a:t>
+                        <a:t>실시간 전화 지원</a:t>
                       </a:r>
-                      <a:endParaRPr sz="900" spc="0">
-                        <a:latin typeface="AdobeClean-Light"/>
+                      <a:endParaRPr sz="900" spc="0" dirty="0">
+                        <a:latin typeface="Adobe Clean Light" panose="020B0303020404020204" pitchFamily="34" charset="0"/>
                         <a:cs typeface="AdobeClean-Light"/>
                       </a:endParaRPr>
                     </a:p>
@@ -5544,7 +4997,7 @@
                           <a:spcPts val="464"/>
                         </a:spcBef>
                       </a:pPr>
-                      <a:endParaRPr sz="900">
+                      <a:endParaRPr sz="900" dirty="0">
                         <a:latin typeface="Wingdings"/>
                         <a:cs typeface="Wingdings"/>
                       </a:endParaRPr>
@@ -5577,7 +5030,7 @@
                         </a:spcBef>
                       </a:pPr>
                       <a:r>
-                        <a:rPr sz="900">
+                        <a:rPr lang="de-de" sz="900" dirty="0">
                           <a:solidFill>
                             <a:srgbClr val="020302"/>
                           </a:solidFill>
@@ -5586,7 +5039,7 @@
                         </a:rPr>
                         <a:t></a:t>
                       </a:r>
-                      <a:endParaRPr sz="900">
+                      <a:endParaRPr sz="900" dirty="0">
                         <a:latin typeface="Wingdings"/>
                         <a:cs typeface="Wingdings"/>
                       </a:endParaRPr>
@@ -5620,7 +5073,7 @@
                           <a:spcPts val="459"/>
                         </a:spcBef>
                       </a:pPr>
-                      <a:endParaRPr sz="900">
+                      <a:endParaRPr sz="900" dirty="0">
                         <a:latin typeface="AdobeClean-Light"/>
                         <a:cs typeface="AdobeClean-Light"/>
                       </a:endParaRPr>
@@ -5661,17 +5114,17 @@
                         </a:spcBef>
                       </a:pPr>
                       <a:r>
-                        <a:rPr sz="900" spc="0">
+                        <a:rPr lang="de-de" sz="900" spc="0" dirty="0">
                           <a:solidFill>
                             <a:srgbClr val="020302"/>
                           </a:solidFill>
-                          <a:latin typeface="AdobeClean-Light"/>
+                          <a:latin typeface="Adobe Clean Light" panose="020B0303020404020204" pitchFamily="34" charset="0"/>
                           <a:cs typeface="AdobeClean-Light"/>
                         </a:rPr>
-                        <a:t>Escalation Management</a:t>
+                        <a:t>에스컬레이션 관리</a:t>
                       </a:r>
-                      <a:endParaRPr sz="900" spc="0">
-                        <a:latin typeface="AdobeClean-Light"/>
+                      <a:endParaRPr sz="900" spc="0" dirty="0">
+                        <a:latin typeface="Adobe Clean Light" panose="020B0303020404020204" pitchFamily="34" charset="0"/>
                         <a:cs typeface="AdobeClean-Light"/>
                       </a:endParaRPr>
                     </a:p>
@@ -5704,7 +5157,7 @@
                           <a:spcPts val="470"/>
                         </a:spcBef>
                       </a:pPr>
-                      <a:endParaRPr sz="900">
+                      <a:endParaRPr sz="900" dirty="0">
                         <a:latin typeface="Wingdings"/>
                         <a:cs typeface="Wingdings"/>
                       </a:endParaRPr>
@@ -5737,7 +5190,7 @@
                         </a:spcBef>
                       </a:pPr>
                       <a:r>
-                        <a:rPr sz="900">
+                        <a:rPr lang="de-de" sz="900" dirty="0">
                           <a:solidFill>
                             <a:srgbClr val="020302"/>
                           </a:solidFill>
@@ -5746,7 +5199,7 @@
                         </a:rPr>
                         <a:t></a:t>
                       </a:r>
-                      <a:endParaRPr sz="900">
+                      <a:endParaRPr sz="900" dirty="0">
                         <a:latin typeface="Wingdings"/>
                         <a:cs typeface="Wingdings"/>
                       </a:endParaRPr>
@@ -5780,7 +5233,7 @@
                           <a:spcPts val="450"/>
                         </a:spcBef>
                       </a:pPr>
-                      <a:endParaRPr sz="900">
+                      <a:endParaRPr sz="900" dirty="0">
                         <a:latin typeface="AdobeClean-Light"/>
                         <a:cs typeface="AdobeClean-Light"/>
                       </a:endParaRPr>
@@ -5821,27 +5274,17 @@
                         </a:spcBef>
                       </a:pPr>
                       <a:r>
-                        <a:rPr sz="900" spc="0">
+                        <a:rPr lang="de-de" sz="900" spc="0" dirty="0">
                           <a:solidFill>
                             <a:srgbClr val="020302"/>
                           </a:solidFill>
-                          <a:latin typeface="AdobeClean-Light"/>
+                          <a:latin typeface="Adobe Clean Light" panose="020B0303020404020204" pitchFamily="34" charset="0"/>
                           <a:cs typeface="AdobeClean-Light"/>
                         </a:rPr>
-                        <a:t>Service Reviews </a:t>
+                        <a:t>연간 서비스 리뷰</a:t>
                       </a:r>
-                      <a:r>
-                        <a:rPr lang="en-US" sz="900" spc="0">
-                          <a:solidFill>
-                            <a:srgbClr val="020302"/>
-                          </a:solidFill>
-                          <a:latin typeface="AdobeClean-Light"/>
-                          <a:cs typeface="AdobeClean-Light"/>
-                        </a:rPr>
-                        <a:t>per Year</a:t>
-                      </a:r>
-                      <a:endParaRPr sz="900" spc="0">
-                        <a:latin typeface="AdobeClean-Light"/>
+                      <a:endParaRPr sz="900" spc="0" dirty="0">
+                        <a:latin typeface="Adobe Clean Light" panose="020B0303020404020204" pitchFamily="34" charset="0"/>
                         <a:cs typeface="AdobeClean-Light"/>
                       </a:endParaRPr>
                     </a:p>
@@ -5871,7 +5314,7 @@
                           <a:spcPct val="100000"/>
                         </a:lnSpc>
                       </a:pPr>
-                      <a:endParaRPr sz="900">
+                      <a:endParaRPr sz="900" dirty="0">
                         <a:latin typeface="Times New Roman"/>
                         <a:cs typeface="Times New Roman"/>
                       </a:endParaRPr>
@@ -5900,7 +5343,7 @@
                           <a:spcPct val="100000"/>
                         </a:lnSpc>
                       </a:pPr>
-                      <a:endParaRPr sz="900">
+                      <a:endParaRPr sz="900" dirty="0">
                         <a:latin typeface="Times New Roman"/>
                         <a:cs typeface="Times New Roman"/>
                       </a:endParaRPr>
@@ -5945,14 +5388,14 @@
                         </a:spcBef>
                       </a:pPr>
                       <a:r>
-                        <a:rPr lang="en-US" sz="900" spc="0">
-                          <a:latin typeface="AdobeClean-Light"/>
+                        <a:rPr lang="de-de" sz="900" spc="0" dirty="0">
+                          <a:latin typeface="Adobe Clean Light" panose="020B0303020404020204" pitchFamily="34" charset="0"/>
                           <a:cs typeface="AdobeClean-Light"/>
                         </a:rPr>
-                        <a:t>Expert Sessions per Year</a:t>
+                        <a:t>연간 전문가 세션</a:t>
                       </a:r>
-                      <a:endParaRPr sz="900" spc="0">
-                        <a:latin typeface="AdobeClean-Light"/>
+                      <a:endParaRPr sz="900" spc="0" dirty="0">
+                        <a:latin typeface="Adobe Clean Light" panose="020B0303020404020204" pitchFamily="34" charset="0"/>
                         <a:cs typeface="AdobeClean-Light"/>
                       </a:endParaRPr>
                     </a:p>
@@ -5988,7 +5431,7 @@
                           <a:spcPct val="100000"/>
                         </a:lnSpc>
                       </a:pPr>
-                      <a:endParaRPr sz="900">
+                      <a:endParaRPr sz="900" dirty="0">
                         <a:latin typeface="Times New Roman"/>
                         <a:cs typeface="Times New Roman"/>
                       </a:endParaRPr>
@@ -6017,7 +5460,7 @@
                           <a:spcPct val="100000"/>
                         </a:lnSpc>
                       </a:pPr>
-                      <a:endParaRPr sz="900">
+                      <a:endParaRPr sz="900" dirty="0">
                         <a:latin typeface="Times New Roman"/>
                         <a:cs typeface="Times New Roman"/>
                       </a:endParaRPr>
@@ -6062,14 +5505,14 @@
                         </a:spcBef>
                       </a:pPr>
                       <a:r>
-                        <a:rPr lang="en-US" sz="900" spc="0">
-                          <a:latin typeface="AdobeClean-Light"/>
+                        <a:rPr lang="de-de" sz="900" spc="0" dirty="0">
+                          <a:latin typeface="Adobe Clean Light" panose="020B0303020404020204" pitchFamily="34" charset="0"/>
                           <a:cs typeface="AdobeClean-Light"/>
                         </a:rPr>
-                        <a:t>Case Reviews</a:t>
+                        <a:t>사례 검토</a:t>
                       </a:r>
-                      <a:endParaRPr sz="900" spc="0">
-                        <a:latin typeface="AdobeClean-Light"/>
+                      <a:endParaRPr sz="900" spc="0" dirty="0">
+                        <a:latin typeface="Adobe Clean Light" panose="020B0303020404020204" pitchFamily="34" charset="0"/>
                         <a:cs typeface="AdobeClean-Light"/>
                       </a:endParaRPr>
                     </a:p>
@@ -6105,7 +5548,7 @@
                           <a:spcPct val="100000"/>
                         </a:lnSpc>
                       </a:pPr>
-                      <a:endParaRPr sz="900">
+                      <a:endParaRPr sz="900" dirty="0">
                         <a:latin typeface="Times New Roman"/>
                         <a:cs typeface="Times New Roman"/>
                       </a:endParaRPr>
@@ -6134,7 +5577,7 @@
                           <a:spcPct val="100000"/>
                         </a:lnSpc>
                       </a:pPr>
-                      <a:endParaRPr sz="900">
+                      <a:endParaRPr sz="900" dirty="0">
                         <a:latin typeface="Times New Roman"/>
                         <a:cs typeface="Times New Roman"/>
                       </a:endParaRPr>
@@ -6168,7 +5611,7 @@
                           <a:spcPts val="459"/>
                         </a:spcBef>
                       </a:pPr>
-                      <a:endParaRPr sz="900">
+                      <a:endParaRPr sz="900" dirty="0">
                         <a:latin typeface="AdobeClean-Light"/>
                         <a:cs typeface="AdobeClean-Light"/>
                       </a:endParaRPr>
@@ -6218,27 +5661,17 @@
                         </a:spcBef>
                       </a:pPr>
                       <a:r>
-                        <a:rPr sz="900" spc="0">
+                        <a:rPr lang="de-de" sz="900" spc="0" dirty="0">
                           <a:solidFill>
                             <a:srgbClr val="020302"/>
                           </a:solidFill>
-                          <a:latin typeface="AdobeClean-Light"/>
+                          <a:latin typeface="Adobe Clean Light" panose="020B0303020404020204" pitchFamily="34" charset="0"/>
                           <a:cs typeface="AdobeClean-Light"/>
                         </a:rPr>
-                        <a:t>Event </a:t>
+                        <a:t>이벤트 관리</a:t>
                       </a:r>
-                      <a:r>
-                        <a:rPr lang="en-US" sz="900" spc="0">
-                          <a:solidFill>
-                            <a:srgbClr val="020302"/>
-                          </a:solidFill>
-                          <a:latin typeface="AdobeClean-Light"/>
-                          <a:cs typeface="AdobeClean-Light"/>
-                        </a:rPr>
-                        <a:t>Management</a:t>
-                      </a:r>
-                      <a:endParaRPr sz="900" spc="0">
-                        <a:latin typeface="AdobeClean-Light"/>
+                      <a:endParaRPr sz="900" spc="0" dirty="0">
+                        <a:latin typeface="Adobe Clean Light" panose="020B0303020404020204" pitchFamily="34" charset="0"/>
                         <a:cs typeface="AdobeClean-Light"/>
                       </a:endParaRPr>
                     </a:p>
@@ -6274,7 +5707,7 @@
                           <a:spcPct val="100000"/>
                         </a:lnSpc>
                       </a:pPr>
-                      <a:endParaRPr sz="900">
+                      <a:endParaRPr sz="900" dirty="0">
                         <a:latin typeface="Times New Roman"/>
                         <a:cs typeface="Times New Roman"/>
                       </a:endParaRPr>
@@ -6303,7 +5736,7 @@
                           <a:spcPct val="100000"/>
                         </a:lnSpc>
                       </a:pPr>
-                      <a:endParaRPr sz="900">
+                      <a:endParaRPr sz="900" dirty="0">
                         <a:latin typeface="Times New Roman"/>
                         <a:cs typeface="Times New Roman"/>
                       </a:endParaRPr>
@@ -6337,7 +5770,7 @@
                           <a:spcPts val="465"/>
                         </a:spcBef>
                       </a:pPr>
-                      <a:endParaRPr sz="900">
+                      <a:endParaRPr sz="900" dirty="0">
                         <a:latin typeface="AdobeClean-Light"/>
                         <a:cs typeface="AdobeClean-Light"/>
                       </a:endParaRPr>
@@ -6378,37 +5811,17 @@
                         </a:spcBef>
                       </a:pPr>
                       <a:r>
-                        <a:rPr sz="900" spc="0">
+                        <a:rPr lang="de-de" sz="900" spc="0" dirty="0">
                           <a:solidFill>
                             <a:srgbClr val="020302"/>
                           </a:solidFill>
-                          <a:latin typeface="AdobeClean-Light"/>
+                          <a:latin typeface="Adobe Clean Light" panose="020B0303020404020204" pitchFamily="34" charset="0"/>
                           <a:cs typeface="AdobeClean-Light"/>
                         </a:rPr>
-                        <a:t>Environment</a:t>
+                        <a:t>환경 검토, 유지 관리 및 모니터링</a:t>
                       </a:r>
-                      <a:r>
-                        <a:rPr lang="en-US" sz="900" spc="0">
-                          <a:solidFill>
-                            <a:srgbClr val="020302"/>
-                          </a:solidFill>
-                          <a:latin typeface="AdobeClean-Light"/>
-                          <a:cs typeface="AdobeClean-Light"/>
-                        </a:rPr>
-                        <a:t> </a:t>
-                      </a:r>
-                      <a:r>
-                        <a:rPr sz="900" spc="0">
-                          <a:solidFill>
-                            <a:srgbClr val="020302"/>
-                          </a:solidFill>
-                          <a:latin typeface="AdobeClean-Light"/>
-                          <a:cs typeface="AdobeClean-Light"/>
-                        </a:rPr>
-                        <a:t>Review, Maintenance &amp; Monitoring</a:t>
-                      </a:r>
-                      <a:endParaRPr sz="900" spc="0">
-                        <a:latin typeface="AdobeClean-Light"/>
+                      <a:endParaRPr sz="900" spc="0" dirty="0">
+                        <a:latin typeface="Adobe Clean Light" panose="020B0303020404020204" pitchFamily="34" charset="0"/>
                         <a:cs typeface="AdobeClean-Light"/>
                       </a:endParaRPr>
                     </a:p>
@@ -6438,7 +5851,7 @@
                           <a:spcPct val="100000"/>
                         </a:lnSpc>
                       </a:pPr>
-                      <a:endParaRPr sz="900">
+                      <a:endParaRPr sz="900" dirty="0">
                         <a:latin typeface="Times New Roman"/>
                         <a:cs typeface="Times New Roman"/>
                       </a:endParaRPr>
@@ -6467,7 +5880,7 @@
                           <a:spcPct val="100000"/>
                         </a:lnSpc>
                       </a:pPr>
-                      <a:endParaRPr sz="900">
+                      <a:endParaRPr sz="900" dirty="0">
                         <a:latin typeface="Times New Roman"/>
                         <a:cs typeface="Times New Roman"/>
                       </a:endParaRPr>
@@ -6501,7 +5914,7 @@
                           <a:spcPts val="500"/>
                         </a:spcBef>
                       </a:pPr>
-                      <a:endParaRPr sz="900">
+                      <a:endParaRPr sz="900" dirty="0">
                         <a:latin typeface="AdobeClean-Light"/>
                         <a:cs typeface="AdobeClean-Light"/>
                       </a:endParaRPr>
@@ -6542,17 +5955,17 @@
                         </a:spcBef>
                       </a:pPr>
                       <a:r>
-                        <a:rPr sz="900" spc="0">
+                        <a:rPr lang="de-de" sz="900" spc="0" dirty="0">
                           <a:solidFill>
                             <a:srgbClr val="020302"/>
                           </a:solidFill>
-                          <a:latin typeface="AdobeClean-Light"/>
+                          <a:latin typeface="Adobe Clean Light" panose="020B0303020404020204" pitchFamily="34" charset="0"/>
                           <a:cs typeface="AdobeClean-Light"/>
                         </a:rPr>
-                        <a:t>Release, Migration, Upgrade &amp; Product Roadmap Review</a:t>
+                        <a:t>릴리스, 마이그레이션, 업그레이드 및 제품 로드맵 검토</a:t>
                       </a:r>
-                      <a:endParaRPr sz="900" spc="0">
-                        <a:latin typeface="AdobeClean-Light"/>
+                      <a:endParaRPr sz="900" spc="0" dirty="0">
+                        <a:latin typeface="Adobe Clean Light" panose="020B0303020404020204" pitchFamily="34" charset="0"/>
                         <a:cs typeface="AdobeClean-Light"/>
                       </a:endParaRPr>
                     </a:p>
@@ -6582,7 +5995,7 @@
                           <a:spcPct val="100000"/>
                         </a:lnSpc>
                       </a:pPr>
-                      <a:endParaRPr sz="900">
+                      <a:endParaRPr sz="900" dirty="0">
                         <a:latin typeface="Times New Roman"/>
                         <a:cs typeface="Times New Roman"/>
                       </a:endParaRPr>
@@ -6611,7 +6024,7 @@
                           <a:spcPct val="100000"/>
                         </a:lnSpc>
                       </a:pPr>
-                      <a:endParaRPr sz="900">
+                      <a:endParaRPr sz="900" dirty="0">
                         <a:latin typeface="Times New Roman"/>
                         <a:cs typeface="Times New Roman"/>
                       </a:endParaRPr>
@@ -6645,7 +6058,7 @@
                           <a:spcPts val="530"/>
                         </a:spcBef>
                       </a:pPr>
-                      <a:endParaRPr sz="900">
+                      <a:endParaRPr sz="900" dirty="0">
                         <a:latin typeface="AdobeClean-Light"/>
                         <a:cs typeface="AdobeClean-Light"/>
                       </a:endParaRPr>
@@ -6695,11 +6108,11 @@
                         </a:spcBef>
                       </a:pPr>
                       <a:r>
-                        <a:rPr sz="900" spc="0">
-                          <a:latin typeface="AdobeClean-Light"/>
+                        <a:rPr lang="de-de" sz="900" spc="0" dirty="0">
+                          <a:latin typeface="Adobe Clean Light" panose="020B0303020404020204" pitchFamily="34" charset="0"/>
                           <a:cs typeface="AdobeClean-Light"/>
                         </a:rPr>
-                        <a:t>Cloud Support Activities – Experience Manager as Cloud</a:t>
+                        <a:t>클라우드 지원 활동 – Experience Manager as Cloud</a:t>
                       </a:r>
                     </a:p>
                   </a:txBody>
@@ -6734,7 +6147,7 @@
                           <a:spcPct val="100000"/>
                         </a:lnSpc>
                       </a:pPr>
-                      <a:endParaRPr sz="900">
+                      <a:endParaRPr sz="900" dirty="0">
                         <a:latin typeface="Times New Roman"/>
                         <a:cs typeface="Times New Roman"/>
                       </a:endParaRPr>
@@ -6772,7 +6185,7 @@
                           <a:spcPct val="100000"/>
                         </a:lnSpc>
                       </a:pPr>
-                      <a:endParaRPr sz="900">
+                      <a:endParaRPr sz="900" dirty="0">
                         <a:latin typeface="Times New Roman"/>
                         <a:cs typeface="Times New Roman"/>
                       </a:endParaRPr>
@@ -6816,16 +6229,16 @@
                         </a:spcBef>
                       </a:pPr>
                       <a:r>
-                        <a:rPr lang="en-US" sz="1000" b="1" i="0" spc="0">
+                        <a:rPr lang="de-de" sz="1000" b="1" i="0" spc="0" dirty="0">
                           <a:solidFill>
                             <a:schemeClr val="bg1"/>
                           </a:solidFill>
                           <a:latin typeface="Adobe Clean" panose="020B0503020404020204" pitchFamily="34" charset="0"/>
                           <a:cs typeface="AdobeClean-Light"/>
                         </a:rPr>
-                        <a:t>Field Services</a:t>
+                        <a:t>현장 서비스</a:t>
                       </a:r>
-                      <a:endParaRPr sz="1000" b="1" i="0" spc="0">
+                      <a:endParaRPr sz="1000" b="1" i="0" spc="0" dirty="0">
                         <a:solidFill>
                           <a:schemeClr val="bg1"/>
                         </a:solidFill>
@@ -6884,17 +6297,17 @@
                         </a:spcBef>
                       </a:pPr>
                       <a:r>
-                        <a:rPr sz="900" spc="0">
+                        <a:rPr lang="de-de" sz="900" spc="0" dirty="0">
                           <a:solidFill>
                             <a:srgbClr val="020302"/>
                           </a:solidFill>
-                          <a:latin typeface="AdobeClean-Light"/>
+                          <a:latin typeface="Adobe Clean Light" panose="020B0303020404020204" pitchFamily="34" charset="0"/>
                           <a:cs typeface="AdobeClean-Light"/>
                         </a:rPr>
-                        <a:t>Launch Advisory Services – First Year of new solution</a:t>
+                        <a:t>출시 자문 서비스 – 새로운 솔루션의 첫 해</a:t>
                       </a:r>
-                      <a:endParaRPr sz="900" spc="0">
-                        <a:latin typeface="AdobeClean-Light"/>
+                      <a:endParaRPr sz="900" spc="0" dirty="0">
+                        <a:latin typeface="Adobe Clean Light" panose="020B0303020404020204" pitchFamily="34" charset="0"/>
                         <a:cs typeface="AdobeClean-Light"/>
                       </a:endParaRPr>
                     </a:p>
@@ -6908,11 +6321,11 @@
                         </a:spcBef>
                       </a:pPr>
                       <a:r>
-                        <a:rPr sz="900" spc="0">
-                          <a:latin typeface="AdobeClean-Light"/>
+                        <a:rPr lang="de-de" sz="900" spc="0" dirty="0">
+                          <a:latin typeface="Adobe Clean Light" panose="020B0303020404020204" pitchFamily="34" charset="0"/>
                           <a:cs typeface="AdobeClean-Light"/>
                         </a:rPr>
-                        <a:t>Field Service Activities </a:t>
+                        <a:t>현장 서비스 활동 </a:t>
                       </a:r>
                     </a:p>
                   </a:txBody>
@@ -6953,7 +6366,7 @@
                           <a:spcPct val="100000"/>
                         </a:lnSpc>
                       </a:pPr>
-                      <a:endParaRPr sz="900">
+                      <a:endParaRPr sz="900" dirty="0">
                         <a:latin typeface="Times New Roman"/>
                         <a:cs typeface="Times New Roman"/>
                       </a:endParaRPr>
@@ -6991,7 +6404,7 @@
                           <a:spcPct val="100000"/>
                         </a:lnSpc>
                       </a:pPr>
-                      <a:endParaRPr sz="900">
+                      <a:endParaRPr sz="900" dirty="0">
                         <a:latin typeface="Times New Roman"/>
                         <a:cs typeface="Times New Roman"/>
                       </a:endParaRPr>
@@ -7076,7 +6489,7 @@
                           <a:spcPct val="100000"/>
                         </a:lnSpc>
                       </a:pPr>
-                      <a:endParaRPr sz="900">
+                      <a:endParaRPr sz="900" dirty="0">
                         <a:latin typeface="Times New Roman"/>
                         <a:cs typeface="Times New Roman"/>
                       </a:endParaRPr>
@@ -7097,7 +6510,7 @@
                     <a:bodyPr/>
                     <a:lstStyle/>
                     <a:p>
-                      <a:pPr>
+                      <a:pPr marL="0" algn="l" rtl="0">
                         <a:lnSpc>
                           <a:spcPct val="100000"/>
                         </a:lnSpc>
@@ -7161,7 +6574,7 @@
           <a:lstStyle/>
           <a:p>
             <a:r>
-              <a:rPr lang="en-US" sz="700" i="1">
+              <a:rPr lang="de-de" sz="700" i="1" dirty="0">
                 <a:solidFill>
                   <a:schemeClr val="bg1"/>
                 </a:solidFill>
@@ -7343,7 +6756,7 @@
         <p:spPr>
           <a:xfrm>
             <a:off x="370040" y="1409311"/>
-            <a:ext cx="2286000" cy="1289969"/>
+            <a:ext cx="2286000" cy="1100045"/>
           </a:xfrm>
           <a:prstGeom prst="rect">
             <a:avLst/>
@@ -7364,15 +6777,15 @@
               </a:spcBef>
             </a:pPr>
             <a:r>
-              <a:rPr lang="en-US" sz="1000">
+              <a:rPr lang="de-de" sz="1000" dirty="0">
                 <a:solidFill>
                   <a:srgbClr val="000000"/>
                 </a:solidFill>
                 <a:latin typeface="Adobe Clean Light" panose="020B0303020404020204" pitchFamily="34" charset="0"/>
               </a:rPr>
-              <a:t>A designated Account Support Lead to proactively monitor cases, drive cross-team collaboration, deliver onboarding webinars, run service reports, provide non-technical support assistance, and function as your escalation point and internal advocate within Adobe Support.</a:t>
-            </a:r>
-            <a:endParaRPr lang="en-US" sz="1000">
+              <a:t>사례를 사전에 모니터링하고, 팀 간의 공동 작업을 주도하고, 온보딩 웨비나를 제공하고, 서비스 보고를 실행하고, 비기술적 지원을 제공하고, Adobe 지원 내에서 에스컬레이션 지점 및 내부 지지 역할을 하는 지정된 계정 지원 리드입니다.</a:t>
+            </a:r>
+            <a:endParaRPr lang="en-US" sz="1000" dirty="0">
               <a:latin typeface="Adobe Clean Light" panose="020B0303020404020204" pitchFamily="34" charset="0"/>
               <a:cs typeface="AdobeClean-Light"/>
             </a:endParaRPr>
@@ -7388,14 +6801,14 @@
         <p:spPr>
           <a:xfrm>
             <a:off x="2836967" y="8618616"/>
-            <a:ext cx="2286000" cy="641201"/>
+            <a:ext cx="2286000" cy="795089"/>
           </a:xfrm>
           <a:prstGeom prst="rect">
             <a:avLst/>
           </a:prstGeom>
         </p:spPr>
         <p:txBody>
-          <a:bodyPr vert="horz" wrap="square" lIns="0" tIns="12700" rIns="0" bIns="0" rtlCol="0" anchor="t">
+          <a:bodyPr vert="horz" wrap="square" lIns="0" tIns="12700" rIns="0" bIns="0" rtlCol="0">
             <a:spAutoFit/>
           </a:bodyPr>
           <a:lstStyle/>
@@ -7412,48 +6825,28 @@
               </a:tabLst>
             </a:pPr>
             <a:r>
-              <a:rPr sz="1000">
+              <a:rPr lang="de-de" sz="1000" dirty="0">
                 <a:solidFill>
                   <a:srgbClr val="020302"/>
                 </a:solidFill>
-                <a:latin typeface="AdobeClean-Light"/>
+                <a:latin typeface="Adobe Clean Light" panose="020B0303020404020204" pitchFamily="34" charset="0"/>
                 <a:cs typeface="AdobeClean-Light"/>
               </a:rPr>
-              <a:t>Start a chat session to get answers</a:t>
-            </a:r>
-            <a:r>
-              <a:rPr lang="en-US" sz="1000">
-                <a:solidFill>
-                  <a:srgbClr val="020302"/>
-                </a:solidFill>
-                <a:latin typeface="AdobeClean-Light"/>
-                <a:cs typeface="AdobeClean-Light"/>
-              </a:rPr>
-              <a:t> &amp; </a:t>
-            </a:r>
-            <a:r>
-              <a:rPr sz="1000">
-                <a:solidFill>
-                  <a:srgbClr val="020302"/>
-                </a:solidFill>
-                <a:latin typeface="AdobeClean-Light"/>
-                <a:cs typeface="AdobeClean-Light"/>
-              </a:rPr>
-              <a:t>help with case submission</a:t>
-            </a:r>
-            <a:r>
-              <a:rPr lang="en-US" sz="1000">
-                <a:solidFill>
-                  <a:srgbClr val="020302"/>
-                </a:solidFill>
-                <a:latin typeface="AdobeClean-Light"/>
-                <a:cs typeface="AdobeClean-Light"/>
-              </a:rPr>
-              <a:t>.</a:t>
-            </a:r>
+              <a:t>답변을 얻고 사례 제출 관련 도움을 받을 수 있는</a:t>
+            </a:r>
+            <a:endParaRPr lang="en-US" sz="1000" dirty="0">
+              <a:solidFill>
+                <a:srgbClr val="020302"/>
+              </a:solidFill>
+              <a:latin typeface="Adobe Clean Light" panose="020B0303020404020204" pitchFamily="34" charset="0"/>
+              <a:cs typeface="AdobeClean-Light"/>
+            </a:endParaRPr>
           </a:p>
           <a:p>
             <a:pPr marL="33020" marR="159385">
+              <a:lnSpc>
+                <a:spcPct val="100000"/>
+              </a:lnSpc>
               <a:spcBef>
                 <a:spcPts val="100"/>
               </a:spcBef>
@@ -7462,37 +6855,37 @@
               </a:tabLst>
             </a:pPr>
             <a:r>
-              <a:rPr sz="1000" i="1">
+              <a:rPr lang="de-de" sz="1000" dirty="0">
+                <a:solidFill>
+                  <a:srgbClr val="020302"/>
+                </a:solidFill>
+                <a:latin typeface="Adobe Clean Light" panose="020B0303020404020204" pitchFamily="34" charset="0"/>
+                <a:cs typeface="AdobeClean-Light"/>
+              </a:rPr>
+              <a:t> 채팅 세션을 시작합니다.</a:t>
+            </a:r>
+            <a:r>
+              <a:rPr lang="de-de" sz="1000" i="1" dirty="0">
                 <a:solidFill>
                   <a:srgbClr val="7A7A7A"/>
                 </a:solidFill>
                 <a:latin typeface="AdobeClean-LightIt"/>
                 <a:cs typeface="AdobeClean-LightIt"/>
               </a:rPr>
-              <a:t>*Not all products have live chat support</a:t>
-            </a:r>
-            <a:r>
-              <a:rPr sz="900" i="1">
+              <a:t>*모든 제품에 라이브 채팅이 지원되는 것은 아닙니다</a:t>
+            </a:r>
+            <a:r>
+              <a:rPr lang="de-de" sz="900" i="1" dirty="0">
                 <a:solidFill>
                   <a:srgbClr val="7A7A7A"/>
                 </a:solidFill>
                 <a:latin typeface="AdobeClean-LightIt"/>
                 <a:cs typeface="AdobeClean-LightIt"/>
               </a:rPr>
-              <a:t>.</a:t>
-            </a:r>
-            <a:r>
-              <a:rPr lang="en-US" sz="900" i="1">
-                <a:solidFill>
-                  <a:srgbClr val="7A7A7A"/>
-                </a:solidFill>
-                <a:latin typeface="AdobeClean-LightIt"/>
-                <a:cs typeface="AdobeClean-LightIt"/>
-              </a:rPr>
-              <a:t>  </a:t>
-            </a:r>
-            <a:endParaRPr sz="900">
-              <a:latin typeface="AdobeClean-Light"/>
+              <a:t>.  </a:t>
+            </a:r>
+            <a:endParaRPr sz="900" dirty="0">
+              <a:latin typeface="Adobe Clean Light" panose="020B0303020404020204" pitchFamily="34" charset="0"/>
               <a:cs typeface="AdobeClean-Light"/>
             </a:endParaRPr>
           </a:p>
@@ -7570,12 +6963,12 @@
               <a:defRPr/>
             </a:pPr>
             <a:r>
-              <a:rPr lang="en-US" sz="1200">
+              <a:rPr lang="de-de" sz="1200" dirty="0">
                 <a:solidFill>
                   <a:srgbClr val="000000"/>
                 </a:solidFill>
               </a:rPr>
-              <a:t>Community Forums</a:t>
+              <a:t>커뮤니티 포럼</a:t>
             </a:r>
           </a:p>
         </p:txBody>
@@ -7618,12 +7011,12 @@
               </a:spcAft>
             </a:pPr>
             <a:r>
-              <a:rPr lang="en-US" sz="1200" b="1">
+              <a:rPr lang="de-de" sz="1200" b="1" dirty="0">
                 <a:latin typeface="+mj-lt"/>
                 <a:ea typeface="Open Sans" pitchFamily="34" charset="0"/>
                 <a:cs typeface="Open Sans" pitchFamily="34" charset="0"/>
               </a:rPr>
-              <a:t>Online Forums</a:t>
+              <a:t>온라인 포럼</a:t>
             </a:r>
           </a:p>
         </p:txBody>
@@ -7656,13 +7049,13 @@
           <a:lstStyle/>
           <a:p>
             <a:r>
-              <a:rPr lang="en-US" sz="1000">
+              <a:rPr lang="de-de" sz="1000" dirty="0">
                 <a:solidFill>
                   <a:srgbClr val="000000"/>
                 </a:solidFill>
                 <a:latin typeface="Adobe Clean Light" panose="020B0303020404020204" pitchFamily="34" charset="0"/>
               </a:rPr>
-              <a:t>Continuous online access to a growing database of technical solutions, product documentation, FAQs and more. Thousands of customers can connect to share best practices and lessons learned.</a:t>
+              <a:t>기술 솔루션, 제품 문서, FAQ 등 증가하는 데이터베이스에 대한 지속적인 온라인 액세스. 수천 명의 고객이 소통하여 모범 사례와 진행 중 얻은 개선 사항을 공유할 수 있습니다.</a:t>
             </a:r>
           </a:p>
         </p:txBody>
@@ -7705,12 +7098,12 @@
               </a:spcAft>
             </a:pPr>
             <a:r>
-              <a:rPr lang="en-US" sz="1200" b="1">
+              <a:rPr lang="de-de" sz="1200" b="1" dirty="0">
                 <a:latin typeface="+mj-lt"/>
                 <a:ea typeface="Open Sans" pitchFamily="34" charset="0"/>
                 <a:cs typeface="Open Sans" pitchFamily="34" charset="0"/>
               </a:rPr>
-              <a:t>Self-guided Journeys</a:t>
+              <a:t>셀프 가이드 여정</a:t>
             </a:r>
           </a:p>
         </p:txBody>
@@ -7743,13 +7136,13 @@
           <a:lstStyle/>
           <a:p>
             <a:r>
-              <a:rPr lang="en-US" sz="1000">
+              <a:rPr lang="de-de" sz="1000" dirty="0">
                 <a:solidFill>
                   <a:srgbClr val="000000"/>
                 </a:solidFill>
                 <a:latin typeface="Adobe Clean Light" panose="020B0303020404020204" pitchFamily="34" charset="0"/>
               </a:rPr>
-              <a:t>Experience Makers are made with Experience League. Customers can kickstart their Customer Experience Management abilities with personalized learning to develop skills, engage with a global community of peers, and earn career advancing recognition.</a:t>
+              <a:t>Experience 업체는 Experience League로 만들어집니다. 고객은 개인 맞춤형 학습을 통해 고객 경험 관리 능력에 시동을 걸어 기술을 개발하고 글로벌 동료 커뮤니티와 교류하며 경력 발전에 도움이 되는 인정을 얻을 수 있습니다.</a:t>
             </a:r>
           </a:p>
         </p:txBody>
@@ -7797,12 +7190,12 @@
               <a:defRPr/>
             </a:pPr>
             <a:r>
-              <a:rPr lang="en-US" sz="1200">
+              <a:rPr lang="de-de" sz="1200" dirty="0">
                 <a:solidFill>
                   <a:srgbClr val="000000"/>
                 </a:solidFill>
               </a:rPr>
-              <a:t>Live Chat  Support*</a:t>
+              <a:t>라이브 채팅 지원*</a:t>
             </a:r>
           </a:p>
         </p:txBody>
@@ -7845,12 +7238,12 @@
               </a:spcAft>
             </a:pPr>
             <a:r>
-              <a:rPr lang="en-US" sz="1200" b="1">
+              <a:rPr lang="de-de" sz="1200" b="1" dirty="0">
                 <a:latin typeface="+mj-lt"/>
                 <a:ea typeface="Open Sans" pitchFamily="34" charset="0"/>
                 <a:cs typeface="Open Sans" pitchFamily="34" charset="0"/>
               </a:rPr>
-              <a:t>Chat Support</a:t>
+              <a:t>채팅 지원</a:t>
             </a:r>
           </a:p>
         </p:txBody>
@@ -7898,7 +7291,7 @@
               <a:defRPr/>
             </a:pPr>
             <a:r>
-              <a:rPr lang="en-US" sz="1200">
+              <a:rPr lang="de-de" sz="1200" dirty="0">
                 <a:solidFill>
                   <a:srgbClr val="000000"/>
                 </a:solidFill>
@@ -7946,12 +7339,12 @@
               </a:spcAft>
             </a:pPr>
             <a:r>
-              <a:rPr lang="en-US" sz="1200" b="1">
+              <a:rPr lang="de-de" sz="1200" b="1" dirty="0">
                 <a:latin typeface="+mj-lt"/>
                 <a:ea typeface="Open Sans" pitchFamily="34" charset="0"/>
                 <a:cs typeface="Open Sans" pitchFamily="34" charset="0"/>
               </a:rPr>
-              <a:t>Phone Support</a:t>
+              <a:t>전화 지원</a:t>
             </a:r>
           </a:p>
         </p:txBody>
@@ -7971,7 +7364,7 @@
         <p:spPr>
           <a:xfrm>
             <a:off x="2836967" y="6529249"/>
-            <a:ext cx="2286000" cy="805349"/>
+            <a:ext cx="2286000" cy="651460"/>
           </a:xfrm>
           <a:prstGeom prst="rect">
             <a:avLst/>
@@ -7984,21 +7377,21 @@
           <a:lstStyle/>
           <a:p>
             <a:r>
-              <a:rPr lang="en-US" sz="1000">
+              <a:rPr lang="de-de" sz="1000" dirty="0">
                 <a:solidFill>
                   <a:srgbClr val="020302"/>
                 </a:solidFill>
-                <a:latin typeface="AdobeClean-Light"/>
-              </a:rPr>
-              <a:t>Authorized users or Named Support Contacts </a:t>
-            </a:r>
-            <a:r>
-              <a:rPr lang="en-US" sz="1000">
                 <a:latin typeface="Adobe Clean Light" panose="020B0303020404020204" pitchFamily="34" charset="0"/>
               </a:rPr>
-              <a:t>can submit issues through all available  channels (including phone for P1) and interact with our technical support team on behalf of your company. </a:t>
-            </a:r>
-            <a:endParaRPr lang="en-US" sz="1000">
+              <a:t>승인된 사용자 또는 지정 지원 담당자</a:t>
+            </a:r>
+            <a:r>
+              <a:rPr lang="de-de" sz="1000" dirty="0">
+                <a:latin typeface="Adobe Clean Light" panose="020B0303020404020204" pitchFamily="34" charset="0"/>
+              </a:rPr>
+              <a:t>는 사용 가능한 모든 채널(P1용 전화 포함)을 통해 문제를 제출하고 귀사를 대신하여 기술 지원 팀과 상호 작용할 수 있습니다. </a:t>
+            </a:r>
+            <a:endParaRPr lang="en-US" sz="1000" dirty="0">
               <a:solidFill>
                 <a:srgbClr val="000000"/>
               </a:solidFill>
@@ -8026,7 +7419,7 @@
         <p:spPr>
           <a:xfrm>
             <a:off x="5253416" y="9862966"/>
-            <a:ext cx="2270125" cy="132729"/>
+            <a:ext cx="2518984" cy="132729"/>
           </a:xfrm>
           <a:prstGeom prst="rect">
             <a:avLst/>
@@ -8047,24 +7440,16 @@
               </a:spcBef>
             </a:pPr>
             <a:r>
-              <a:rPr spc="-5"/>
-              <a:t>©202</a:t>
-            </a:r>
-            <a:r>
-              <a:rPr lang="en-US" spc="-5"/>
-              <a:t>1</a:t>
-            </a:r>
-            <a:r>
-              <a:rPr spc="-5"/>
-              <a:t> Adobe. All Rights Reserved. Adobe</a:t>
-            </a:r>
-            <a:r>
-              <a:rPr spc="60"/>
+              <a:rPr lang="de-de" spc="-5" dirty="0"/>
+              <a:t>©2021 Adobe. All Rights Reserved. Adobe</a:t>
+            </a:r>
+            <a:r>
+              <a:rPr lang="de-de" spc="60" dirty="0"/>
               <a:t> </a:t>
             </a:r>
             <a:r>
-              <a:rPr spc="-5"/>
-              <a:t>Confidential.</a:t>
+              <a:rPr lang="de-de" spc="-5" dirty="0"/>
+              <a:t>기밀.</a:t>
             </a:r>
           </a:p>
         </p:txBody>
@@ -8107,13 +7492,13 @@
               </a:spcAft>
             </a:pPr>
             <a:r>
-              <a:rPr lang="en-US" sz="1200" b="1" spc="-10">
+              <a:rPr lang="de-de" sz="1200" b="1" spc="-10" dirty="0">
                 <a:solidFill>
                   <a:srgbClr val="020302"/>
                 </a:solidFill>
                 <a:latin typeface="+mj-lt"/>
               </a:rPr>
-              <a:t>Account Support Lead</a:t>
+              <a:t>계정 지원 리드</a:t>
             </a:r>
           </a:p>
         </p:txBody>
@@ -8181,7 +7566,7 @@
         <p:spPr>
           <a:xfrm>
             <a:off x="318713" y="5432541"/>
-            <a:ext cx="2180405" cy="307777"/>
+            <a:ext cx="1344599" cy="307777"/>
           </a:xfrm>
           <a:prstGeom prst="rect">
             <a:avLst/>
@@ -8202,14 +7587,14 @@
               </a:spcBef>
             </a:pPr>
             <a:r>
-              <a:rPr lang="en-US" sz="1400" b="1" spc="-10" dirty="0">
+              <a:rPr lang="ko-KR" altLang="en-US" sz="1400" b="1" spc="-10" dirty="0">
                 <a:solidFill>
                   <a:srgbClr val="020302"/>
                 </a:solidFill>
                 <a:latin typeface="Adobe Clean"/>
                 <a:cs typeface="Adobe Clean"/>
               </a:rPr>
-              <a:t>Standard Support Features</a:t>
+              <a:t>표준 지원 기능</a:t>
             </a:r>
             <a:endParaRPr lang="en-US" sz="1400" dirty="0">
               <a:latin typeface="Adobe Clean"/>
@@ -8302,16 +7687,16 @@
               </a:spcBef>
             </a:pPr>
             <a:r>
-              <a:rPr lang="en-US" sz="1400" b="1" spc="-10">
+              <a:rPr lang="de-de" sz="1400" b="1" spc="-10" dirty="0">
                 <a:solidFill>
                   <a:srgbClr val="020302"/>
                 </a:solidFill>
                 <a:latin typeface="Adobe Clean"/>
                 <a:cs typeface="Adobe Clean"/>
               </a:rPr>
-              <a:t>Business  Support Features</a:t>
-            </a:r>
-            <a:endParaRPr lang="en-US" sz="1400">
+              <a:t>비즈니스 지원 기능</a:t>
+            </a:r>
+            <a:endParaRPr lang="en-US" sz="1400" dirty="0">
               <a:latin typeface="Adobe Clean"/>
               <a:cs typeface="Adobe Clean"/>
             </a:endParaRPr>
@@ -8354,12 +7739,12 @@
               </a:spcBef>
             </a:pPr>
             <a:r>
-              <a:rPr lang="en-US" sz="1000">
+              <a:rPr lang="de-de" sz="1000" dirty="0">
                 <a:latin typeface="Adobe Clean Light" panose="020B0303020404020204" pitchFamily="34" charset="0"/>
               </a:rPr>
-              <a:t>Customers can submit support cases via Phone for all P2, P3, P4 issues during regional support hours. There are no upper limits on the number of times you can call into support. Customers can also request a call back from support or request a meeting to demonstrate or work through an issue using a shared remote desktop session.</a:t>
-            </a:r>
-            <a:endParaRPr lang="en-US" sz="1000">
+              <a:t>고객은 지역별 지원 시간 동안 모든 P2, P3, P4 문제에 대해 전화를 통해 지원 사례를 제출할 수 있습니다. 지원을 요청할 수 있는 횟수에는 상한선이 없습니다. 고객은 또한 지원 팀에 콜백을 요청하거나 공유 원격 데스크탑 세션을 사용하여 문제를 시연하거나 해결하기 위한 회의를 요청할 수 있습니다.</a:t>
+            </a:r>
+            <a:endParaRPr lang="en-US" sz="1000" dirty="0">
               <a:latin typeface="Adobe Clean Light" panose="020B0303020404020204" pitchFamily="34" charset="0"/>
               <a:cs typeface="AdobeClean-Light"/>
             </a:endParaRPr>
@@ -8404,13 +7789,13 @@
               </a:spcAft>
             </a:pPr>
             <a:r>
-              <a:rPr lang="en-US" sz="1200" b="1" spc="-10">
+              <a:rPr lang="de-de" sz="1200" b="1" spc="-10" dirty="0">
                 <a:solidFill>
                   <a:srgbClr val="020302"/>
                 </a:solidFill>
                 <a:latin typeface="+mj-lt"/>
               </a:rPr>
-              <a:t>Live Telephone Support</a:t>
+              <a:t>실시간 전화 지원</a:t>
             </a:r>
           </a:p>
         </p:txBody>
@@ -8430,7 +7815,7 @@
         <p:spPr>
           <a:xfrm>
             <a:off x="5376301" y="1398482"/>
-            <a:ext cx="2286000" cy="805349"/>
+            <a:ext cx="2286000" cy="651460"/>
           </a:xfrm>
           <a:prstGeom prst="rect">
             <a:avLst/>
@@ -8451,15 +7836,15 @@
               </a:spcBef>
             </a:pPr>
             <a:r>
-              <a:rPr lang="en-US" sz="1000">
+              <a:rPr lang="de-de" sz="1000" dirty="0">
                 <a:solidFill>
                   <a:srgbClr val="4B4B4B"/>
                 </a:solidFill>
                 <a:latin typeface="Adobe Clean Light" panose="020B0303020404020204" pitchFamily="34" charset="0"/>
               </a:rPr>
-              <a:t>A designated point of contact within Adobe who can provide escalation assistance, regular updates and ensure priority is given to your most critical open support requests.</a:t>
-            </a:r>
-            <a:endParaRPr lang="en-US" sz="1000">
+              <a:t>에스컬레이션 지원 및 정기 업데이트를 제공하고 진행 중인 지원 요청에서 가장 중요한 것에 우선 순위를 부여할 수 있는 Adobe 내의 지정된 담당자입니다.</a:t>
+            </a:r>
+            <a:endParaRPr lang="en-US" sz="1000" dirty="0">
               <a:latin typeface="Adobe Clean Light" panose="020B0303020404020204" pitchFamily="34" charset="0"/>
               <a:cs typeface="AdobeClean-Light"/>
             </a:endParaRPr>
@@ -8504,13 +7889,13 @@
               </a:spcAft>
             </a:pPr>
             <a:r>
-              <a:rPr lang="en-US" sz="1200" b="1" spc="-10">
+              <a:rPr lang="de-de" sz="1200" b="1" spc="-10" dirty="0">
                 <a:solidFill>
                   <a:srgbClr val="020302"/>
                 </a:solidFill>
                 <a:latin typeface="+mj-lt"/>
               </a:rPr>
-              <a:t>Escalation Management</a:t>
+              <a:t>에스컬레이션 관리</a:t>
             </a:r>
           </a:p>
         </p:txBody>
@@ -8558,12 +7943,12 @@
               <a:defRPr/>
             </a:pPr>
             <a:r>
-              <a:rPr lang="en-US" sz="1200">
+              <a:rPr lang="de-de" sz="1200" dirty="0">
                 <a:solidFill>
                   <a:srgbClr val="000000"/>
                 </a:solidFill>
               </a:rPr>
-              <a:t>Office Hours</a:t>
+              <a:t>오피스 아워</a:t>
             </a:r>
           </a:p>
         </p:txBody>
@@ -8606,12 +7991,12 @@
               </a:spcAft>
             </a:pPr>
             <a:r>
-              <a:rPr lang="en-US" sz="1200" b="1">
+              <a:rPr lang="de-de" sz="1200" b="1" dirty="0">
                 <a:latin typeface="+mj-lt"/>
                 <a:ea typeface="Open Sans" pitchFamily="34" charset="0"/>
                 <a:cs typeface="Open Sans" pitchFamily="34" charset="0"/>
               </a:rPr>
-              <a:t>Webinars</a:t>
+              <a:t>웨비나</a:t>
             </a:r>
           </a:p>
         </p:txBody>
@@ -8644,13 +8029,13 @@
           <a:lstStyle/>
           <a:p>
             <a:r>
-              <a:rPr lang="en-US" sz="1000">
+              <a:rPr lang="de-de" sz="1000" dirty="0">
                 <a:solidFill>
                   <a:srgbClr val="000000"/>
                 </a:solidFill>
                 <a:latin typeface="Adobe Clean Light" panose="020B0303020404020204" pitchFamily="34" charset="0"/>
               </a:rPr>
-              <a:t>Office Hours is an initiative led by the Adobe Customer Support team. These sessions are designed to inform as well as help participants troubleshoot problems and provide tips and tricks to be successful with Adobe Experience Cloud.</a:t>
+              <a:t>오피스 아워(Office Hours)는 Adobe 고객 지원 팀에서 진행하는 이니셔티브입니다. 이러한 세션은 참가자가 문제를 해결하도록 관련 정보를 제공하여 도움을 주고 Adobe Experience Cloud를 성공적으로 사용할 수 있는 팁과 요령을 제공하기 위해 설계되었습니다.</a:t>
             </a:r>
           </a:p>
         </p:txBody>
@@ -8693,12 +8078,12 @@
               </a:spcAft>
             </a:pPr>
             <a:r>
-              <a:rPr lang="en-US" sz="1200" b="1">
+              <a:rPr lang="de-de" sz="1200" b="1" dirty="0">
                 <a:latin typeface="+mj-lt"/>
                 <a:ea typeface="Open Sans" pitchFamily="34" charset="0"/>
                 <a:cs typeface="Open Sans" pitchFamily="34" charset="0"/>
               </a:rPr>
-              <a:t>24/7 Support Portal</a:t>
+              <a:t>24/7 지원 포털</a:t>
             </a:r>
           </a:p>
         </p:txBody>
@@ -8731,37 +8116,30 @@
           <a:lstStyle/>
           <a:p>
             <a:r>
-              <a:rPr lang="en-US" sz="1000">
+              <a:rPr lang="de-de" sz="1000" dirty="0">
                 <a:solidFill>
                   <a:srgbClr val="000000"/>
                 </a:solidFill>
                 <a:latin typeface="Adobe Clean Light" panose="020B0303020404020204" pitchFamily="34" charset="0"/>
               </a:rPr>
-              <a:t>On-demand access to the online </a:t>
-            </a:r>
-            <a:br>
-              <a:rPr lang="en-US" sz="1000">
+              <a:t>지원 요청을 제출하고 사례 상태를 검토하고 기술 자료, 뉴스 및 알림, 추천 팁 등과 같은 기타 리소스를 검색할 수 있는 온라인 </a:t>
+            </a:r>
+            <a:br/>
+            <a:r>
+              <a:rPr lang="de-de" sz="1000" dirty="0">
                 <a:solidFill>
                   <a:srgbClr val="000000"/>
                 </a:solidFill>
                 <a:latin typeface="Adobe Clean Light" panose="020B0303020404020204" pitchFamily="34" charset="0"/>
               </a:rPr>
-            </a:br>
-            <a:r>
-              <a:rPr lang="en-US" sz="1000">
-                <a:solidFill>
-                  <a:srgbClr val="000000"/>
-                </a:solidFill>
-                <a:latin typeface="Adobe Clean Light" panose="020B0303020404020204" pitchFamily="34" charset="0"/>
-              </a:rPr>
-              <a:t>Self-help Support Portal to submit support requests, review case status, and browse other resources, like our knowledgebase, news and alerts, featured tips, and more.</a:t>
+              <a:t>자가 진단 지원 포털에 대한 온디맨드 액세스입니다.</a:t>
             </a:r>
           </a:p>
         </p:txBody>
       </p:sp>
       <p:pic>
         <p:nvPicPr>
-          <p:cNvPr id="13" name="Graphic 12" descr="Playbook outline">
+          <p:cNvPr id="13" name="Graphic 12" descr="플레이북 개요">
             <a:extLst>
               <a:ext uri="{FF2B5EF4-FFF2-40B4-BE49-F238E27FC236}">
                 <a16:creationId xmlns:a16="http://schemas.microsoft.com/office/drawing/2014/main" id="{EA91EF06-4BFE-9B42-9A4B-1146BB3FDFD3}"/>
@@ -8800,7 +8178,7 @@
       </p:pic>
       <p:pic>
         <p:nvPicPr>
-          <p:cNvPr id="15" name="Graphic 14" descr="User outline">
+          <p:cNvPr id="15" name="Graphic 14" descr="사용자 개요">
             <a:extLst>
               <a:ext uri="{FF2B5EF4-FFF2-40B4-BE49-F238E27FC236}">
                 <a16:creationId xmlns:a16="http://schemas.microsoft.com/office/drawing/2014/main" id="{432C176A-FCAC-A645-A2E4-E6AD4A602868}"/>
@@ -8866,10 +8244,10 @@
           <a:lstStyle/>
           <a:p>
             <a:r>
-              <a:rPr lang="en-US" sz="1200" b="1">
+              <a:rPr lang="de-de" sz="1200" b="1" dirty="0">
                 <a:latin typeface="+mj-lt"/>
               </a:rPr>
-              <a:t>Business Services</a:t>
+              <a:t>비즈니스 서비스</a:t>
             </a:r>
           </a:p>
         </p:txBody>
@@ -8889,7 +8267,7 @@
         <p:spPr>
           <a:xfrm>
             <a:off x="370041" y="3875832"/>
-            <a:ext cx="2286000" cy="558999"/>
+            <a:ext cx="2286000" cy="381899"/>
           </a:xfrm>
           <a:prstGeom prst="rect">
             <a:avLst/>
@@ -8910,12 +8288,12 @@
               </a:spcBef>
             </a:pPr>
             <a:r>
-              <a:rPr lang="en-US" sz="1000">
+              <a:rPr lang="de-de" sz="1000" dirty="0">
                 <a:latin typeface="Adobe Clean Light" panose="020B0303020404020204" pitchFamily="34" charset="0"/>
               </a:rPr>
-              <a:t>An Account Support Lead will host webinars covering an overview of business support services.  </a:t>
-            </a:r>
-            <a:endParaRPr lang="en-US" sz="1000">
+              <a:t>계정 지원 리드가 비즈니스 지원 서비스의 개요를 다루는 웨비나를 진행합니다.  </a:t>
+            </a:r>
+            <a:endParaRPr lang="en-US" sz="1000" dirty="0">
               <a:latin typeface="Adobe Clean Light" panose="020B0303020404020204" pitchFamily="34" charset="0"/>
               <a:cs typeface="AdobeClean-Light"/>
             </a:endParaRPr>
@@ -8979,7 +8357,7 @@
       </p:sp>
       <p:pic>
         <p:nvPicPr>
-          <p:cNvPr id="8" name="Graphic 7" descr="Call center outline">
+          <p:cNvPr id="8" name="Graphic 7" descr="콜 센터 개요">
             <a:extLst>
               <a:ext uri="{FF2B5EF4-FFF2-40B4-BE49-F238E27FC236}">
                 <a16:creationId xmlns:a16="http://schemas.microsoft.com/office/drawing/2014/main" id="{76C5F4CC-9EB1-9A40-B7CD-9238D7CBD210}"/>
@@ -9018,7 +8396,7 @@
       </p:pic>
       <p:pic>
         <p:nvPicPr>
-          <p:cNvPr id="12" name="Graphic 11" descr="Chat bubble outline">
+          <p:cNvPr id="12" name="Graphic 11" descr="말풍선 개요">
             <a:extLst>
               <a:ext uri="{FF2B5EF4-FFF2-40B4-BE49-F238E27FC236}">
                 <a16:creationId xmlns:a16="http://schemas.microsoft.com/office/drawing/2014/main" id="{622BBF30-302E-BB48-9742-E046EB16E213}"/>
@@ -9057,7 +8435,7 @@
       </p:pic>
       <p:pic>
         <p:nvPicPr>
-          <p:cNvPr id="16" name="Graphic 15" descr="Compass outline">
+          <p:cNvPr id="16" name="Graphic 15" descr="나침반 개요">
             <a:extLst>
               <a:ext uri="{FF2B5EF4-FFF2-40B4-BE49-F238E27FC236}">
                 <a16:creationId xmlns:a16="http://schemas.microsoft.com/office/drawing/2014/main" id="{8D3635BD-68A2-174E-92F8-1EE608E3F409}"/>
@@ -9096,7 +8474,7 @@
       </p:pic>
       <p:pic>
         <p:nvPicPr>
-          <p:cNvPr id="18" name="Graphic 17" descr="Speaker phone outline">
+          <p:cNvPr id="18" name="Graphic 17" descr="스피커폰 개요">
             <a:extLst>
               <a:ext uri="{FF2B5EF4-FFF2-40B4-BE49-F238E27FC236}">
                 <a16:creationId xmlns:a16="http://schemas.microsoft.com/office/drawing/2014/main" id="{CD7C3546-DF6C-1748-9DE2-3DE0B393FD70}"/>
@@ -9135,7 +8513,7 @@
       </p:pic>
       <p:pic>
         <p:nvPicPr>
-          <p:cNvPr id="20" name="Graphic 19" descr="Customer review outline">
+          <p:cNvPr id="20" name="Graphic 19" descr="고객 리뷰 개요">
             <a:extLst>
               <a:ext uri="{FF2B5EF4-FFF2-40B4-BE49-F238E27FC236}">
                 <a16:creationId xmlns:a16="http://schemas.microsoft.com/office/drawing/2014/main" id="{88BA5AB9-C7BF-714C-B301-F3911BFCE82B}"/>
@@ -9174,7 +8552,7 @@
       </p:pic>
       <p:pic>
         <p:nvPicPr>
-          <p:cNvPr id="24" name="Graphic 23" descr="Signpost outline">
+          <p:cNvPr id="24" name="Graphic 23" descr="길잡이 개요">
             <a:extLst>
               <a:ext uri="{FF2B5EF4-FFF2-40B4-BE49-F238E27FC236}">
                 <a16:creationId xmlns:a16="http://schemas.microsoft.com/office/drawing/2014/main" id="{98A2CDD0-0973-5C41-9864-EAF96E20A224}"/>
@@ -9213,7 +8591,7 @@
       </p:pic>
       <p:pic>
         <p:nvPicPr>
-          <p:cNvPr id="26" name="Graphic 25" descr="Internet outline">
+          <p:cNvPr id="26" name="Graphic 25" descr="인터넷 개요">
             <a:extLst>
               <a:ext uri="{FF2B5EF4-FFF2-40B4-BE49-F238E27FC236}">
                 <a16:creationId xmlns:a16="http://schemas.microsoft.com/office/drawing/2014/main" id="{D97D0963-4E70-534E-A452-83995F1FACDE}"/>
@@ -9252,7 +8630,7 @@
       </p:pic>
       <p:pic>
         <p:nvPicPr>
-          <p:cNvPr id="28" name="Graphic 27" descr="Remote learning language outline">
+          <p:cNvPr id="28" name="Graphic 27" descr="원격 학습 언어 개요">
             <a:extLst>
               <a:ext uri="{FF2B5EF4-FFF2-40B4-BE49-F238E27FC236}">
                 <a16:creationId xmlns:a16="http://schemas.microsoft.com/office/drawing/2014/main" id="{5F425BA3-573C-1A4A-9418-FC3AB02B28C2}"/>
@@ -9387,12 +8765,12 @@
               <a:defRPr/>
             </a:pPr>
             <a:r>
-              <a:rPr lang="en-US" sz="1200">
+              <a:rPr lang="de-de" sz="1200" dirty="0">
                 <a:solidFill>
                   <a:srgbClr val="000000"/>
                 </a:solidFill>
               </a:rPr>
-              <a:t>Self– Help Portal</a:t>
+              <a:t>자가 진단 포털</a:t>
             </a:r>
           </a:p>
         </p:txBody>
@@ -9440,7 +8818,7 @@
               <a:defRPr/>
             </a:pPr>
             <a:r>
-              <a:rPr lang="en-US" sz="1200">
+              <a:rPr lang="de-de" sz="1200" dirty="0">
                 <a:solidFill>
                   <a:srgbClr val="000000"/>
                 </a:solidFill>
@@ -9502,17 +8880,17 @@
               </a:lnSpc>
             </a:pPr>
             <a:r>
-              <a:rPr sz="500" spc="-5">
+              <a:rPr lang="de-de" sz="500" spc="-5" dirty="0">
                 <a:solidFill>
                   <a:srgbClr val="6C6C6C"/>
                 </a:solidFill>
                 <a:latin typeface="Adobe Clean"/>
                 <a:cs typeface="Adobe Clean"/>
               </a:rPr>
-              <a:t>©2020 Adobe. All Rights Reserved. </a:t>
-            </a:r>
-            <a:r>
-              <a:rPr sz="500">
+              <a:t>© 2020 Adobe.  All Rights Reserved. </a:t>
+            </a:r>
+            <a:r>
+              <a:rPr lang="de-de" sz="500" dirty="0">
                 <a:solidFill>
                   <a:srgbClr val="6C6C6C"/>
                 </a:solidFill>
@@ -9522,7 +8900,7 @@
               <a:t>Adobe</a:t>
             </a:r>
             <a:r>
-              <a:rPr sz="500" spc="5">
+              <a:rPr lang="de-de" sz="500" spc="5" dirty="0">
                 <a:solidFill>
                   <a:srgbClr val="6C6C6C"/>
                 </a:solidFill>
@@ -9532,14 +8910,14 @@
               <a:t> </a:t>
             </a:r>
             <a:r>
-              <a:rPr sz="500" spc="-5">
+              <a:rPr lang="de-de" sz="500" spc="-5" dirty="0">
                 <a:solidFill>
                   <a:srgbClr val="6C6C6C"/>
                 </a:solidFill>
                 <a:latin typeface="Adobe Clean"/>
                 <a:cs typeface="Adobe Clean"/>
               </a:rPr>
-              <a:t>Confidential.</a:t>
+              <a:t>기밀.</a:t>
             </a:r>
             <a:endParaRPr sz="500">
               <a:latin typeface="Adobe Clean"/>
@@ -9570,17 +8948,17 @@
               </a:spcBef>
             </a:pPr>
             <a:r>
-              <a:rPr sz="800" spc="-5">
+              <a:rPr lang="de-de" sz="800" spc="-5" dirty="0">
                 <a:solidFill>
                   <a:srgbClr val="6D6D6D"/>
                 </a:solidFill>
                 <a:latin typeface="Adobe Clean"/>
                 <a:cs typeface="Adobe Clean"/>
               </a:rPr>
-              <a:t>©2020 Adobe. All Rights Reserved. Adobe</a:t>
-            </a:r>
-            <a:r>
-              <a:rPr sz="800" spc="75">
+              <a:t>© 2020 Adobe.  All Rights Reserved. Adobe</a:t>
+            </a:r>
+            <a:r>
+              <a:rPr lang="de-de" sz="800" spc="75" dirty="0">
                 <a:solidFill>
                   <a:srgbClr val="6D6D6D"/>
                 </a:solidFill>
@@ -9590,14 +8968,14 @@
               <a:t> </a:t>
             </a:r>
             <a:r>
-              <a:rPr sz="800" spc="-5">
+              <a:rPr lang="de-de" sz="800" spc="-5" dirty="0">
                 <a:solidFill>
                   <a:srgbClr val="6D6D6D"/>
                 </a:solidFill>
                 <a:latin typeface="Adobe Clean"/>
                 <a:cs typeface="Adobe Clean"/>
               </a:rPr>
-              <a:t>Confidential.</a:t>
+              <a:t>기밀.</a:t>
             </a:r>
             <a:endParaRPr sz="800">
               <a:latin typeface="Adobe Clean"/>
@@ -9686,16 +9064,16 @@
               </a:spcBef>
             </a:pPr>
             <a:r>
-              <a:rPr lang="en-US" sz="1400" b="1" spc="-15">
+              <a:rPr lang="de-de" sz="1400" b="1" spc="-15" dirty="0">
                 <a:solidFill>
                   <a:srgbClr val="020302"/>
                 </a:solidFill>
                 <a:latin typeface="Adobe Clean"/>
                 <a:cs typeface="Adobe Clean"/>
               </a:rPr>
-              <a:t>Resources</a:t>
-            </a:r>
-            <a:endParaRPr sz="1400">
+              <a:t>리소스</a:t>
+            </a:r>
+            <a:endParaRPr sz="1400" dirty="0">
               <a:latin typeface="Adobe Clean"/>
               <a:cs typeface="Adobe Clean"/>
             </a:endParaRPr>
@@ -9732,7 +9110,7 @@
               </a:spcBef>
             </a:pPr>
             <a:r>
-              <a:rPr sz="800" spc="-15">
+              <a:rPr lang="de-de" sz="800" spc="-15" dirty="0">
                 <a:solidFill>
                   <a:srgbClr val="777879"/>
                 </a:solidFill>
@@ -9753,7 +9131,7 @@
               </a:lnSpc>
             </a:pPr>
             <a:r>
-              <a:rPr sz="800" spc="-15">
+              <a:rPr lang="de-de" sz="800" spc="-15" dirty="0">
                 <a:solidFill>
                   <a:srgbClr val="777879"/>
                 </a:solidFill>
@@ -9763,7 +9141,7 @@
               <a:t>345 Park</a:t>
             </a:r>
             <a:r>
-              <a:rPr sz="800" spc="-100">
+              <a:rPr lang="de-de" sz="800" spc="-100" dirty="0">
                 <a:solidFill>
                   <a:srgbClr val="777879"/>
                 </a:solidFill>
@@ -9773,7 +9151,7 @@
               <a:t> </a:t>
             </a:r>
             <a:r>
-              <a:rPr sz="800" spc="-15">
+              <a:rPr lang="de-de" sz="800" spc="-15" dirty="0">
                 <a:solidFill>
                   <a:srgbClr val="777879"/>
                 </a:solidFill>
@@ -9794,7 +9172,7 @@
               </a:lnSpc>
             </a:pPr>
             <a:r>
-              <a:rPr sz="800" spc="-10">
+              <a:rPr lang="de-de" sz="800" spc="-10" dirty="0">
                 <a:solidFill>
                   <a:srgbClr val="777879"/>
                 </a:solidFill>
@@ -9804,7 +9182,7 @@
               <a:t>San </a:t>
             </a:r>
             <a:r>
-              <a:rPr sz="800" spc="-15">
+              <a:rPr lang="de-de" sz="800" spc="-15" dirty="0">
                 <a:solidFill>
                   <a:srgbClr val="777879"/>
                 </a:solidFill>
@@ -9814,7 +9192,7 @@
               <a:t>Jose,</a:t>
             </a:r>
             <a:r>
-              <a:rPr sz="800" spc="-140">
+              <a:rPr lang="de-de" sz="800" spc="-140" dirty="0">
                 <a:solidFill>
                   <a:srgbClr val="777879"/>
                 </a:solidFill>
@@ -9824,7 +9202,7 @@
               <a:t> </a:t>
             </a:r>
             <a:r>
-              <a:rPr sz="800" spc="-20">
+              <a:rPr lang="de-de" sz="800" spc="-20" dirty="0">
                 <a:solidFill>
                   <a:srgbClr val="777879"/>
                 </a:solidFill>
@@ -9848,7 +9226,7 @@
               </a:spcBef>
             </a:pPr>
             <a:r>
-              <a:rPr sz="800" spc="-10">
+              <a:rPr lang="de-de" sz="800" spc="-10" dirty="0">
                 <a:solidFill>
                   <a:srgbClr val="777879"/>
                 </a:solidFill>
@@ -9872,7 +9250,7 @@
               </a:spcBef>
             </a:pPr>
             <a:r>
-              <a:rPr sz="800" u="sng" spc="-25">
+              <a:rPr lang="de-de" sz="800" u="sng" spc="-25" dirty="0">
                 <a:solidFill>
                   <a:srgbClr val="5F5F5F"/>
                 </a:solidFill>
@@ -9885,7 +9263,7 @@
                 <a:cs typeface="Adobe Clean"/>
                 <a:hlinkClick r:id="rId3"/>
               </a:rPr>
-              <a:t>www.adobe.com</a:t>
+              <a:t>www.adobe.com/kr/</a:t>
             </a:r>
             <a:endParaRPr sz="800">
               <a:latin typeface="Adobe Clean"/>
@@ -10051,7 +9429,7 @@
           </a:prstGeom>
         </p:spPr>
         <p:txBody>
-          <a:bodyPr vert="horz" wrap="square" lIns="0" tIns="29845" rIns="0" bIns="0" rtlCol="0" anchor="t">
+          <a:bodyPr vert="horz" wrap="square" lIns="0" tIns="29845" rIns="0" bIns="0" rtlCol="0">
             <a:spAutoFit/>
           </a:bodyPr>
           <a:lstStyle/>
@@ -10065,17 +9443,17 @@
               </a:spcBef>
             </a:pPr>
             <a:r>
-              <a:rPr sz="1100" i="1" spc="-10">
+              <a:rPr lang="de-de" sz="1100" i="1" spc="-10" dirty="0">
                 <a:solidFill>
                   <a:srgbClr val="777879"/>
                 </a:solidFill>
                 <a:latin typeface="AdobeClean-LightIt"/>
                 <a:cs typeface="AdobeClean-LightIt"/>
               </a:rPr>
-              <a:t>To</a:t>
-            </a:r>
-            <a:r>
-              <a:rPr sz="1100" i="1" spc="-50">
+              <a:t>Adobe</a:t>
+            </a:r>
+            <a:r>
+              <a:rPr lang="de-de" sz="1100" i="1" spc="-50" dirty="0">
                 <a:solidFill>
                   <a:srgbClr val="777879"/>
                 </a:solidFill>
@@ -10085,17 +9463,17 @@
               <a:t> </a:t>
             </a:r>
             <a:r>
-              <a:rPr sz="1100" i="1" spc="-15">
+              <a:rPr lang="de-de" sz="1100" i="1" spc="-15" dirty="0">
                 <a:solidFill>
                   <a:srgbClr val="777879"/>
                 </a:solidFill>
                 <a:latin typeface="AdobeClean-LightIt"/>
                 <a:cs typeface="AdobeClean-LightIt"/>
               </a:rPr>
-              <a:t>learn</a:t>
-            </a:r>
-            <a:r>
-              <a:rPr sz="1100" i="1" spc="-40">
+              <a:t>지원</a:t>
+            </a:r>
+            <a:r>
+              <a:rPr lang="de-de" sz="1100" i="1" spc="-40" dirty="0">
                 <a:solidFill>
                   <a:srgbClr val="777879"/>
                 </a:solidFill>
@@ -10105,17 +9483,17 @@
               <a:t> </a:t>
             </a:r>
             <a:r>
-              <a:rPr sz="1100" i="1" spc="-15">
+              <a:rPr lang="de-de" sz="1100" i="1" spc="-15" dirty="0">
                 <a:solidFill>
                   <a:srgbClr val="777879"/>
                 </a:solidFill>
                 <a:latin typeface="AdobeClean-LightIt"/>
                 <a:cs typeface="AdobeClean-LightIt"/>
               </a:rPr>
-              <a:t>more</a:t>
-            </a:r>
-            <a:r>
-              <a:rPr sz="1100" i="1" spc="-45">
+              <a:t>서비스</a:t>
+            </a:r>
+            <a:r>
+              <a:rPr lang="de-de" sz="1100" i="1" spc="-45" dirty="0">
                 <a:solidFill>
                   <a:srgbClr val="777879"/>
                 </a:solidFill>
@@ -10125,17 +9503,17 @@
               <a:t> </a:t>
             </a:r>
             <a:r>
-              <a:rPr sz="1100" i="1" spc="-15">
+              <a:rPr lang="de-de" sz="1100" i="1" spc="-15" dirty="0">
                 <a:solidFill>
                   <a:srgbClr val="777879"/>
                 </a:solidFill>
                 <a:latin typeface="AdobeClean-LightIt"/>
                 <a:cs typeface="AdobeClean-LightIt"/>
               </a:rPr>
-              <a:t>about</a:t>
-            </a:r>
-            <a:r>
-              <a:rPr sz="1100" i="1" spc="-45">
+              <a:t>제공</a:t>
+            </a:r>
+            <a:r>
+              <a:rPr lang="de-de" sz="1100" i="1" spc="-45" dirty="0">
                 <a:solidFill>
                   <a:srgbClr val="777879"/>
                 </a:solidFill>
@@ -10145,17 +9523,17 @@
               <a:t> </a:t>
             </a:r>
             <a:r>
-              <a:rPr sz="1100" i="1" spc="-15">
+              <a:rPr lang="de-de" sz="1100" i="1" spc="-15" dirty="0">
                 <a:solidFill>
                   <a:srgbClr val="777879"/>
                 </a:solidFill>
                 <a:latin typeface="AdobeClean-LightIt"/>
                 <a:cs typeface="AdobeClean-LightIt"/>
               </a:rPr>
-              <a:t>Adobe</a:t>
-            </a:r>
-            <a:r>
-              <a:rPr sz="1100" i="1" spc="-50">
+              <a:t>사항</a:t>
+            </a:r>
+            <a:r>
+              <a:rPr lang="de-de" sz="1100" i="1" spc="-50" dirty="0">
                 <a:solidFill>
                   <a:srgbClr val="777879"/>
                 </a:solidFill>
@@ -10165,27 +9543,27 @@
               <a:t> </a:t>
             </a:r>
             <a:r>
-              <a:rPr sz="1100" i="1" spc="-15">
+              <a:rPr lang="de-de" sz="1100" i="1" spc="-15" dirty="0">
                 <a:solidFill>
                   <a:srgbClr val="777879"/>
                 </a:solidFill>
                 <a:latin typeface="AdobeClean-LightIt"/>
                 <a:cs typeface="AdobeClean-LightIt"/>
               </a:rPr>
-              <a:t>Support</a:t>
-            </a:r>
-            <a:r>
-              <a:rPr lang="en-US" sz="1100" i="1" spc="-15">
+              <a:t>및 </a:t>
+            </a:r>
+            <a:r>
+              <a:rPr lang="de-de" sz="1100" i="1" spc="-75" dirty="0">
                 <a:solidFill>
                   <a:srgbClr val="777879"/>
                 </a:solidFill>
                 <a:latin typeface="AdobeClean-LightIt"/>
                 <a:cs typeface="AdobeClean-LightIt"/>
               </a:rPr>
-              <a:t> Offerings</a:t>
-            </a:r>
-            <a:r>
-              <a:rPr sz="1100" i="1" spc="-75">
+              <a:t>적합한</a:t>
+            </a:r>
+            <a:r>
+              <a:rPr lang="de-de" sz="1100" i="1" spc="-15" dirty="0">
                 <a:solidFill>
                   <a:srgbClr val="777879"/>
                 </a:solidFill>
@@ -10195,17 +9573,17 @@
               <a:t> </a:t>
             </a:r>
             <a:r>
-              <a:rPr sz="1100" i="1" spc="-15">
+              <a:rPr lang="de-de" sz="1100" i="1" spc="-50" dirty="0">
                 <a:solidFill>
                   <a:srgbClr val="777879"/>
                 </a:solidFill>
                 <a:latin typeface="AdobeClean-LightIt"/>
                 <a:cs typeface="AdobeClean-LightIt"/>
               </a:rPr>
-              <a:t>and</a:t>
-            </a:r>
-            <a:r>
-              <a:rPr sz="1100" i="1" spc="-50">
+              <a:t>지원</a:t>
+            </a:r>
+            <a:r>
+              <a:rPr lang="de-de" sz="1100" i="1" spc="-15" dirty="0">
                 <a:solidFill>
                   <a:srgbClr val="777879"/>
                 </a:solidFill>
@@ -10215,17 +9593,17 @@
               <a:t> </a:t>
             </a:r>
             <a:r>
-              <a:rPr sz="1100" i="1" spc="-15">
+              <a:rPr lang="de-de" sz="1100" i="1" spc="-55" dirty="0">
                 <a:solidFill>
                   <a:srgbClr val="777879"/>
                 </a:solidFill>
                 <a:latin typeface="AdobeClean-LightIt"/>
                 <a:cs typeface="AdobeClean-LightIt"/>
               </a:rPr>
-              <a:t>the</a:t>
-            </a:r>
-            <a:r>
-              <a:rPr sz="1100" i="1" spc="-55">
+              <a:t>수준에</a:t>
+            </a:r>
+            <a:r>
+              <a:rPr lang="de-de" sz="1100" i="1" spc="-15" dirty="0">
                 <a:solidFill>
                   <a:srgbClr val="777879"/>
                 </a:solidFill>
@@ -10235,17 +9613,17 @@
               <a:t> </a:t>
             </a:r>
             <a:r>
-              <a:rPr sz="1100" i="1" spc="-15">
+              <a:rPr lang="de-de" sz="1100" i="1" spc="-95" dirty="0">
                 <a:solidFill>
                   <a:srgbClr val="777879"/>
                 </a:solidFill>
                 <a:latin typeface="AdobeClean-LightIt"/>
                 <a:cs typeface="AdobeClean-LightIt"/>
               </a:rPr>
-              <a:t>right</a:t>
-            </a:r>
-            <a:r>
-              <a:rPr sz="1100" i="1" spc="-95">
+              <a:t>대해</a:t>
+            </a:r>
+            <a:r>
+              <a:rPr lang="de-de" sz="1100" i="1" spc="-15" dirty="0">
                 <a:solidFill>
                   <a:srgbClr val="777879"/>
                 </a:solidFill>
@@ -10255,17 +9633,17 @@
               <a:t> </a:t>
             </a:r>
             <a:r>
-              <a:rPr sz="1100" i="1" spc="-15">
+              <a:rPr lang="de-de" sz="1100" i="1" spc="-55" dirty="0">
                 <a:solidFill>
                   <a:srgbClr val="777879"/>
                 </a:solidFill>
                 <a:latin typeface="AdobeClean-LightIt"/>
                 <a:cs typeface="AdobeClean-LightIt"/>
               </a:rPr>
-              <a:t>level</a:t>
-            </a:r>
-            <a:r>
-              <a:rPr sz="1100" i="1" spc="-55">
+              <a:t>자세히</a:t>
+            </a:r>
+            <a:r>
+              <a:rPr lang="de-de" sz="1100" i="1" spc="-15" dirty="0">
                 <a:solidFill>
                   <a:srgbClr val="777879"/>
                 </a:solidFill>
@@ -10275,17 +9653,17 @@
               <a:t> </a:t>
             </a:r>
             <a:r>
-              <a:rPr sz="1100" i="1" spc="-15">
+              <a:rPr lang="de-de" sz="1100" i="1" spc="-85" dirty="0">
                 <a:solidFill>
                   <a:srgbClr val="777879"/>
                 </a:solidFill>
                 <a:latin typeface="AdobeClean-LightIt"/>
                 <a:cs typeface="AdobeClean-LightIt"/>
               </a:rPr>
-              <a:t>for</a:t>
-            </a:r>
-            <a:r>
-              <a:rPr sz="1100" i="1" spc="-85">
+              <a:t>알아보려면</a:t>
+            </a:r>
+            <a:r>
+              <a:rPr lang="de-de" sz="1100" i="1" spc="-15" dirty="0">
                 <a:solidFill>
                   <a:srgbClr val="777879"/>
                 </a:solidFill>
@@ -10295,17 +9673,17 @@
               <a:t> </a:t>
             </a:r>
             <a:r>
-              <a:rPr sz="1100" i="1" spc="-15">
+              <a:rPr lang="de-de" sz="1100" i="1" spc="-65" dirty="0">
                 <a:solidFill>
                   <a:srgbClr val="777879"/>
                 </a:solidFill>
                 <a:latin typeface="AdobeClean-LightIt"/>
                 <a:cs typeface="AdobeClean-LightIt"/>
               </a:rPr>
-              <a:t>you,</a:t>
-            </a:r>
-            <a:r>
-              <a:rPr sz="1100" i="1" spc="-65">
+              <a:t>지정</a:t>
+            </a:r>
+            <a:r>
+              <a:rPr lang="de-de" sz="1100" i="1" spc="-15" dirty="0">
                 <a:solidFill>
                   <a:srgbClr val="777879"/>
                 </a:solidFill>
@@ -10315,17 +9693,17 @@
               <a:t> </a:t>
             </a:r>
             <a:r>
-              <a:rPr sz="1100" i="1" spc="-15">
+              <a:rPr lang="de-de" sz="1100" i="1" spc="-85" dirty="0">
                 <a:solidFill>
                   <a:srgbClr val="777879"/>
                 </a:solidFill>
                 <a:latin typeface="AdobeClean-LightIt"/>
                 <a:cs typeface="AdobeClean-LightIt"/>
               </a:rPr>
-              <a:t>contact</a:t>
-            </a:r>
-            <a:r>
-              <a:rPr sz="1100" i="1" spc="-85">
+              <a:t>계정</a:t>
+            </a:r>
+            <a:r>
+              <a:rPr lang="de-de" sz="1100" i="1" spc="-15" dirty="0">
                 <a:solidFill>
                   <a:srgbClr val="777879"/>
                 </a:solidFill>
@@ -10335,17 +9713,17 @@
               <a:t> </a:t>
             </a:r>
             <a:r>
-              <a:rPr sz="1100" i="1" spc="-15">
+              <a:rPr lang="de-de" sz="1100" i="1" spc="-70" dirty="0">
                 <a:solidFill>
                   <a:srgbClr val="777879"/>
                 </a:solidFill>
                 <a:latin typeface="AdobeClean-LightIt"/>
                 <a:cs typeface="AdobeClean-LightIt"/>
               </a:rPr>
-              <a:t>your</a:t>
-            </a:r>
-            <a:r>
-              <a:rPr sz="1100" i="1" spc="-70">
+              <a:t>관리자(NAM)</a:t>
+            </a:r>
+            <a:r>
+              <a:rPr lang="de-de" sz="1100" i="1" spc="-15" dirty="0">
                 <a:solidFill>
                   <a:srgbClr val="777879"/>
                 </a:solidFill>
@@ -10355,17 +9733,17 @@
               <a:t> </a:t>
             </a:r>
             <a:r>
-              <a:rPr sz="1100" i="1" spc="-15">
+              <a:rPr lang="de-de" sz="1100" i="1" spc="-55" dirty="0">
                 <a:solidFill>
                   <a:srgbClr val="777879"/>
                 </a:solidFill>
                 <a:latin typeface="AdobeClean-LightIt"/>
                 <a:cs typeface="AdobeClean-LightIt"/>
               </a:rPr>
-              <a:t>Named</a:t>
-            </a:r>
-            <a:r>
-              <a:rPr sz="1100" i="1" spc="-55">
+              <a:t>또는</a:t>
+            </a:r>
+            <a:r>
+              <a:rPr lang="de-de" sz="1100" i="1" spc="-25" dirty="0">
                 <a:solidFill>
                   <a:srgbClr val="777879"/>
                 </a:solidFill>
@@ -10375,17 +9753,17 @@
               <a:t> </a:t>
             </a:r>
             <a:r>
-              <a:rPr sz="1100" i="1" spc="-25">
+              <a:rPr lang="de-de" sz="1100" i="1" spc="-120" dirty="0">
                 <a:solidFill>
                   <a:srgbClr val="777879"/>
                 </a:solidFill>
                 <a:latin typeface="AdobeClean-LightIt"/>
                 <a:cs typeface="AdobeClean-LightIt"/>
               </a:rPr>
-              <a:t>Account</a:t>
-            </a:r>
-            <a:r>
-              <a:rPr sz="1100" i="1" spc="-120">
+              <a:t>고객</a:t>
+            </a:r>
+            <a:r>
+              <a:rPr lang="de-de" sz="1100" i="1" spc="-20" dirty="0">
                 <a:solidFill>
                   <a:srgbClr val="777879"/>
                 </a:solidFill>
@@ -10395,27 +9773,17 @@
               <a:t> </a:t>
             </a:r>
             <a:r>
-              <a:rPr sz="1100" i="1" spc="-20">
+              <a:rPr lang="de-de" sz="1100" i="1" spc="-15" dirty="0">
                 <a:solidFill>
                   <a:srgbClr val="777879"/>
                 </a:solidFill>
                 <a:latin typeface="AdobeClean-LightIt"/>
                 <a:cs typeface="AdobeClean-LightIt"/>
               </a:rPr>
-              <a:t>Manager</a:t>
-            </a:r>
-            <a:r>
-              <a:rPr lang="en-US" sz="1100" i="1" spc="-20">
-                <a:solidFill>
-                  <a:srgbClr val="777879"/>
-                </a:solidFill>
-                <a:latin typeface="AdobeClean-LightIt"/>
-                <a:cs typeface="AdobeClean-LightIt"/>
-              </a:rPr>
-              <a:t> </a:t>
-            </a:r>
-            <a:r>
-              <a:rPr sz="1100" i="1" spc="-20">
+              <a:t>성공</a:t>
+            </a:r>
+            <a:r>
+              <a:rPr lang="de-de" sz="1100" i="1" spc="-10" dirty="0">
                 <a:solidFill>
                   <a:srgbClr val="777879"/>
                 </a:solidFill>
@@ -10425,76 +9793,36 @@
               <a:t> </a:t>
             </a:r>
             <a:r>
-              <a:rPr sz="1100" i="1" spc="-15">
+              <a:rPr lang="de-de" sz="1100" i="1" spc="-15" dirty="0">
                 <a:solidFill>
                   <a:srgbClr val="777879"/>
                 </a:solidFill>
                 <a:latin typeface="AdobeClean-LightIt"/>
                 <a:cs typeface="AdobeClean-LightIt"/>
               </a:rPr>
-              <a:t>(NAM) </a:t>
-            </a:r>
-            <a:r>
-              <a:rPr sz="1100" i="1" spc="-10">
+              <a:t>관리자(CSM)에게</a:t>
+            </a:r>
+            <a:r>
+              <a:rPr lang="de-de" sz="1100" i="1" spc="-20" dirty="0">
                 <a:solidFill>
                   <a:srgbClr val="777879"/>
                 </a:solidFill>
                 <a:latin typeface="AdobeClean-LightIt"/>
                 <a:cs typeface="AdobeClean-LightIt"/>
               </a:rPr>
-              <a:t>or </a:t>
-            </a:r>
-            <a:r>
-              <a:rPr sz="1100" i="1" spc="-15">
+              <a:t> </a:t>
+            </a:r>
+            <a:r>
+              <a:rPr lang="de-de" sz="1100" i="1" spc="-180" dirty="0">
                 <a:solidFill>
                   <a:srgbClr val="777879"/>
                 </a:solidFill>
                 <a:latin typeface="AdobeClean-LightIt"/>
                 <a:cs typeface="AdobeClean-LightIt"/>
               </a:rPr>
-              <a:t>Customer</a:t>
-            </a:r>
-            <a:r>
-              <a:rPr lang="en-US" sz="1100" i="1" spc="-15">
-                <a:solidFill>
-                  <a:srgbClr val="777879"/>
-                </a:solidFill>
-                <a:latin typeface="AdobeClean-LightIt"/>
-                <a:cs typeface="AdobeClean-LightIt"/>
-              </a:rPr>
-              <a:t> </a:t>
-            </a:r>
-            <a:r>
-              <a:rPr lang="en-US" sz="1100" i="1" spc="-20">
-                <a:solidFill>
-                  <a:srgbClr val="777879"/>
-                </a:solidFill>
-                <a:latin typeface="AdobeClean-LightIt"/>
-                <a:cs typeface="AdobeClean-LightIt"/>
-              </a:rPr>
-              <a:t>Success </a:t>
-            </a:r>
-            <a:r>
-              <a:rPr lang="en-US" sz="1100" i="1" spc="-15">
-                <a:solidFill>
-                  <a:srgbClr val="777879"/>
-                </a:solidFill>
-                <a:latin typeface="AdobeClean-LightIt"/>
-                <a:cs typeface="AdobeClean-LightIt"/>
-              </a:rPr>
-              <a:t>Manager </a:t>
-            </a:r>
-            <a:r>
-              <a:rPr sz="1100" i="1" spc="-15">
-                <a:solidFill>
-                  <a:srgbClr val="777879"/>
-                </a:solidFill>
-                <a:latin typeface="AdobeClean-LightIt"/>
-                <a:cs typeface="AdobeClean-LightIt"/>
-              </a:rPr>
-              <a:t>(CSM)</a:t>
-            </a:r>
-            <a:endParaRPr sz="1100">
+              <a:t>문의하십시오.</a:t>
+            </a:r>
+            <a:endParaRPr sz="1100" dirty="0">
               <a:latin typeface="AdobeClean-LightIt"/>
               <a:cs typeface="AdobeClean-LightIt"/>
             </a:endParaRPr>
@@ -10509,37 +9837,17 @@
               </a:spcBef>
             </a:pPr>
             <a:r>
-              <a:rPr sz="800" spc="-5">
+              <a:rPr lang="de-de" sz="800" spc="-5" dirty="0">
                 <a:solidFill>
                   <a:srgbClr val="6D6D6D"/>
                 </a:solidFill>
                 <a:latin typeface="Adobe Clean"/>
                 <a:cs typeface="Adobe Clean"/>
               </a:rPr>
-              <a:t>©202</a:t>
-            </a:r>
-            <a:r>
-              <a:rPr lang="en-US" sz="800" spc="-5">
-                <a:solidFill>
-                  <a:srgbClr val="6D6D6D"/>
-                </a:solidFill>
-                <a:latin typeface="Adobe Clean"/>
-                <a:cs typeface="Adobe Clean"/>
-              </a:rPr>
-              <a:t>1</a:t>
-            </a:r>
-            <a:r>
-              <a:rPr sz="800" spc="-5">
-                <a:solidFill>
-                  <a:srgbClr val="6D6D6D"/>
-                </a:solidFill>
-                <a:latin typeface="Adobe Clean"/>
-                <a:cs typeface="Adobe Clean"/>
-              </a:rPr>
-              <a:t> Adobe. All Rights Reserved. Adobe</a:t>
-            </a:r>
-            <a:r>
-              <a:rPr sz="800" spc="75">
+              <a:t>©2021 Adobe. All Rights Reserved. Adobe</a:t>
+            </a:r>
+            <a:r>
+              <a:rPr lang="de-de" sz="800" spc="75" dirty="0">
                 <a:solidFill>
                   <a:srgbClr val="6D6D6D"/>
                 </a:solidFill>
@@ -10549,16 +9857,16 @@
               <a:t> </a:t>
             </a:r>
             <a:r>
-              <a:rPr sz="800" spc="-5">
+              <a:rPr lang="de-de" sz="800" spc="-5" dirty="0">
                 <a:solidFill>
                   <a:srgbClr val="6D6D6D"/>
                 </a:solidFill>
                 <a:latin typeface="Adobe Clean"/>
                 <a:cs typeface="Adobe Clean"/>
               </a:rPr>
-              <a:t>Confidential.</a:t>
-            </a:r>
-            <a:endParaRPr sz="800">
+              <a:t>기밀.</a:t>
+            </a:r>
+            <a:endParaRPr sz="800" dirty="0">
               <a:latin typeface="Adobe Clean"/>
               <a:cs typeface="Adobe Clean"/>
             </a:endParaRPr>
@@ -10579,7 +9887,7 @@
         </p:nvSpPr>
         <p:spPr>
           <a:xfrm>
-            <a:off x="197233" y="5031270"/>
+            <a:off x="171129" y="5057379"/>
             <a:ext cx="6476646" cy="755976"/>
           </a:xfrm>
           <a:prstGeom prst="rect">
@@ -10587,47 +9895,157 @@
           </a:prstGeom>
         </p:spPr>
         <p:txBody>
-          <a:bodyPr vert="horz" wrap="square" lIns="0" tIns="116205" rIns="0" bIns="0" rtlCol="0" anchor="t">
+          <a:bodyPr vert="horz" wrap="square" lIns="0" tIns="116205" rIns="0" bIns="0" rtlCol="0">
             <a:spAutoFit/>
           </a:bodyPr>
           <a:lstStyle/>
           <a:p>
-            <a:pPr>
+            <a:pPr lvl="0">
               <a:spcBef>
                 <a:spcPts val="915"/>
               </a:spcBef>
             </a:pPr>
             <a:r>
-              <a:rPr lang="en-US" sz="1400" b="1" spc="-15">
+              <a:rPr lang="en-US" altLang="ko-KR" sz="1400" b="1" spc="-15" dirty="0">
                 <a:solidFill>
                   <a:srgbClr val="020302"/>
                 </a:solidFill>
                 <a:latin typeface="Adobe Clean"/>
                 <a:cs typeface="Adobe Clean"/>
               </a:rPr>
-              <a:t>Regional scope of Adobe Support, Local Hours Of Operation And Language Support</a:t>
-            </a:r>
-            <a:endParaRPr lang="en-US" sz="1400" spc="-15">
-              <a:ea typeface="+mn-lt"/>
-              <a:cs typeface="+mn-lt"/>
+              <a:t>Adobe </a:t>
+            </a:r>
+            <a:r>
+              <a:rPr lang="ko-KR" altLang="en-US" sz="1400" b="1" spc="-15" dirty="0">
+                <a:solidFill>
+                  <a:srgbClr val="020302"/>
+                </a:solidFill>
+                <a:latin typeface="Adobe Clean"/>
+                <a:cs typeface="Adobe Clean"/>
+              </a:rPr>
+              <a:t>지원의 지역적 범위</a:t>
+            </a:r>
+            <a:r>
+              <a:rPr lang="en-US" altLang="ko-KR" sz="1400" b="1" spc="-15" dirty="0">
+                <a:solidFill>
+                  <a:srgbClr val="020302"/>
+                </a:solidFill>
+                <a:latin typeface="Adobe Clean"/>
+                <a:cs typeface="Adobe Clean"/>
+              </a:rPr>
+              <a:t>, </a:t>
+            </a:r>
+            <a:r>
+              <a:rPr lang="ko-KR" altLang="en-US" sz="1400" b="1" spc="-15" dirty="0">
+                <a:solidFill>
+                  <a:srgbClr val="020302"/>
+                </a:solidFill>
+                <a:latin typeface="Adobe Clean"/>
+                <a:cs typeface="Adobe Clean"/>
+              </a:rPr>
+              <a:t>로컬 운영 시간 및 언어 지원</a:t>
+            </a:r>
+            <a:endParaRPr lang="pl-PL" altLang="ko-KR" sz="1400" b="1" spc="-15" dirty="0">
+              <a:solidFill>
+                <a:srgbClr val="020302"/>
+              </a:solidFill>
+              <a:latin typeface="Adobe Clean"/>
+              <a:cs typeface="Adobe Clean"/>
             </a:endParaRPr>
           </a:p>
           <a:p>
-            <a:pPr>
+            <a:pPr lvl="0">
               <a:spcBef>
                 <a:spcPts val="915"/>
               </a:spcBef>
             </a:pPr>
             <a:r>
-              <a:rPr lang="en-US" sz="1000" spc="-15">
+              <a:rPr lang="en-US" altLang="ko-KR" sz="1000" spc="-15" dirty="0">
                 <a:solidFill>
                   <a:srgbClr val="1F1F1F"/>
                 </a:solidFill>
-                <a:latin typeface="AdobeClean-Light"/>
+                <a:latin typeface="Adobe Clean Light" panose="020B0303020404020204" pitchFamily="34" charset="0"/>
               </a:rPr>
-              <a:t>The Regional scope of Adobe Support is established by aligning the customer's billing address (via the Sales Order or other Adobe Support purchasing document) to one of the following regions:</a:t>
-            </a:r>
-            <a:endParaRPr lang="en-US"/>
+              <a:t>Adobe </a:t>
+            </a:r>
+            <a:r>
+              <a:rPr lang="ko-KR" altLang="en-US" sz="1000" spc="-15" dirty="0">
+                <a:solidFill>
+                  <a:srgbClr val="1F1F1F"/>
+                </a:solidFill>
+                <a:latin typeface="Adobe Clean Light" panose="020B0303020404020204" pitchFamily="34" charset="0"/>
+              </a:rPr>
+              <a:t>지원의 지역적 범위는 </a:t>
+            </a:r>
+            <a:r>
+              <a:rPr lang="en-US" altLang="ko-KR" sz="1000" spc="-15" dirty="0">
+                <a:solidFill>
+                  <a:srgbClr val="1F1F1F"/>
+                </a:solidFill>
+                <a:latin typeface="Adobe Clean Light" panose="020B0303020404020204" pitchFamily="34" charset="0"/>
+              </a:rPr>
+              <a:t>(</a:t>
+            </a:r>
+            <a:r>
+              <a:rPr lang="ko-KR" altLang="en-US" sz="1000" spc="-15" dirty="0">
+                <a:solidFill>
+                  <a:srgbClr val="1F1F1F"/>
+                </a:solidFill>
+                <a:latin typeface="Adobe Clean Light" panose="020B0303020404020204" pitchFamily="34" charset="0"/>
+              </a:rPr>
+              <a:t>판매 주문서 또는 기타 </a:t>
+            </a:r>
+            <a:r>
+              <a:rPr lang="en-US" altLang="ko-KR" sz="1000" spc="-15" dirty="0">
+                <a:solidFill>
+                  <a:srgbClr val="1F1F1F"/>
+                </a:solidFill>
+                <a:latin typeface="Adobe Clean Light" panose="020B0303020404020204" pitchFamily="34" charset="0"/>
+              </a:rPr>
+              <a:t>Adobe </a:t>
+            </a:r>
+            <a:r>
+              <a:rPr lang="ko-KR" altLang="en-US" sz="1000" spc="-15" dirty="0">
+                <a:solidFill>
+                  <a:srgbClr val="1F1F1F"/>
+                </a:solidFill>
+                <a:latin typeface="Adobe Clean Light" panose="020B0303020404020204" pitchFamily="34" charset="0"/>
+              </a:rPr>
+              <a:t>지원 구매 문서를 통해</a:t>
+            </a:r>
+            <a:r>
+              <a:rPr lang="en-US" altLang="ko-KR" sz="1000" spc="-15" dirty="0">
+                <a:solidFill>
+                  <a:srgbClr val="1F1F1F"/>
+                </a:solidFill>
+                <a:latin typeface="Adobe Clean Light" panose="020B0303020404020204" pitchFamily="34" charset="0"/>
+              </a:rPr>
+              <a:t>) </a:t>
+            </a:r>
+            <a:r>
+              <a:rPr lang="ko-KR" altLang="en-US" sz="1000" spc="-15" dirty="0">
+                <a:solidFill>
+                  <a:srgbClr val="1F1F1F"/>
+                </a:solidFill>
+                <a:latin typeface="Adobe Clean Light" panose="020B0303020404020204" pitchFamily="34" charset="0"/>
+              </a:rPr>
+              <a:t>고객의 청구 주소를 다음 지역 중 하나에 맞춤으로써 설정됩니다</a:t>
+            </a:r>
+            <a:r>
+              <a:rPr lang="en-US" altLang="ko-KR" sz="1000" spc="-15" dirty="0">
+                <a:solidFill>
+                  <a:srgbClr val="1F1F1F"/>
+                </a:solidFill>
+                <a:latin typeface="Adobe Clean Light" panose="020B0303020404020204" pitchFamily="34" charset="0"/>
+              </a:rPr>
+              <a:t>.</a:t>
+            </a:r>
+            <a:endParaRPr lang="de-de" sz="1000" spc="-15" dirty="0">
+              <a:solidFill>
+                <a:srgbClr val="1F1F1F"/>
+              </a:solidFill>
+              <a:latin typeface="Adobe Clean Light" panose="020B0303020404020204" pitchFamily="34" charset="0"/>
+            </a:endParaRPr>
           </a:p>
         </p:txBody>
       </p:sp>
@@ -10646,14 +10064,14 @@
           <p:nvPr>
             <p:extLst>
               <p:ext uri="{D42A27DB-BD31-4B8C-83A1-F6EECF244321}">
-                <p14:modId xmlns:p14="http://schemas.microsoft.com/office/powerpoint/2010/main" val="2969235217"/>
+                <p14:modId xmlns:p14="http://schemas.microsoft.com/office/powerpoint/2010/main" val="1952712647"/>
               </p:ext>
             </p:extLst>
           </p:nvPr>
         </p:nvGraphicFramePr>
         <p:xfrm>
           <a:off x="171128" y="5907213"/>
-          <a:ext cx="7391400" cy="1503680"/>
+          <a:ext cx="7391400" cy="1559560"/>
         </p:xfrm>
         <a:graphic>
           <a:graphicData uri="http://schemas.openxmlformats.org/drawingml/2006/table">
@@ -10699,13 +10117,13 @@
                     <a:p>
                       <a:pPr algn="ctr"/>
                       <a:r>
-                        <a:rPr lang="en-US" sz="1100">
+                        <a:rPr lang="de-de" sz="1100" dirty="0">
                           <a:solidFill>
                             <a:schemeClr val="tx1"/>
                           </a:solidFill>
-                          <a:latin typeface="Adobe Clean"/>
+                          <a:latin typeface="Adobe Clean" panose="020B0503020404020204" pitchFamily="34" charset="0"/>
                         </a:rPr>
-                        <a:t>Americas</a:t>
+                        <a:t>미주</a:t>
                       </a:r>
                     </a:p>
                   </a:txBody>
@@ -10764,13 +10182,13 @@
                     <a:p>
                       <a:pPr algn="ctr"/>
                       <a:r>
-                        <a:rPr lang="en-US" sz="1100">
+                        <a:rPr lang="de-de" sz="1100" dirty="0">
                           <a:solidFill>
                             <a:schemeClr val="tx1"/>
                           </a:solidFill>
-                          <a:latin typeface="Adobe Clean"/>
+                          <a:latin typeface="Adobe Clean" panose="020B0503020404020204" pitchFamily="34" charset="0"/>
                         </a:rPr>
-                        <a:t>Europe, Middle East &amp; Africa</a:t>
+                        <a:t>유럽, 중동 및 아프리카</a:t>
                       </a:r>
                     </a:p>
                   </a:txBody>
@@ -10829,13 +10247,13 @@
                     <a:p>
                       <a:pPr algn="ctr"/>
                       <a:r>
-                        <a:rPr lang="en-US" sz="1100">
+                        <a:rPr lang="de-de" sz="1100" dirty="0">
                           <a:solidFill>
                             <a:schemeClr val="tx1"/>
                           </a:solidFill>
-                          <a:latin typeface="Adobe Clean"/>
+                          <a:latin typeface="Adobe Clean" panose="020B0503020404020204" pitchFamily="34" charset="0"/>
                         </a:rPr>
-                        <a:t>Asia Pacific</a:t>
+                        <a:t>아시아 태평양</a:t>
                       </a:r>
                     </a:p>
                   </a:txBody>
@@ -10894,24 +10312,24 @@
                     <a:p>
                       <a:pPr algn="ctr"/>
                       <a:r>
-                        <a:rPr lang="en-US" sz="1100">
+                        <a:rPr lang="de-de" sz="1100" dirty="0">
                           <a:solidFill>
                             <a:schemeClr val="tx1"/>
                           </a:solidFill>
-                          <a:latin typeface="Adobe Clean"/>
+                          <a:latin typeface="Adobe Clean" panose="020B0503020404020204" pitchFamily="34" charset="0"/>
                         </a:rPr>
-                        <a:t>Japan </a:t>
+                        <a:t>일본 </a:t>
                       </a:r>
                       <a:r>
-                        <a:rPr lang="en-US" sz="1100" baseline="30000">
+                        <a:rPr lang="de-de" sz="1100" baseline="30000" dirty="0">
                           <a:solidFill>
                             <a:schemeClr val="tx1"/>
                           </a:solidFill>
-                          <a:latin typeface="Adobe Clean"/>
+                          <a:latin typeface="Adobe Clean" panose="020B0503020404020204" pitchFamily="34" charset="0"/>
                         </a:rPr>
-                        <a:t>1 </a:t>
+                        <a:t>1 </a:t>
                       </a:r>
-                      <a:endParaRPr lang="en-US" sz="1100">
+                      <a:endParaRPr lang="en-US" sz="1100" dirty="0">
                         <a:solidFill>
                           <a:schemeClr val="tx1"/>
                         </a:solidFill>
@@ -10981,13 +10399,13 @@
                     <a:p>
                       <a:pPr algn="ctr"/>
                       <a:r>
-                        <a:rPr lang="en-US" sz="1100">
+                        <a:rPr lang="de-de" sz="1100" dirty="0">
                           <a:solidFill>
                             <a:schemeClr val="tx1"/>
                           </a:solidFill>
-                          <a:latin typeface="Adobe Clean"/>
+                          <a:latin typeface="Adobe Clean" panose="020B0503020404020204" pitchFamily="34" charset="0"/>
                         </a:rPr>
-                        <a:t>6 am – 5:30 pm</a:t>
+                        <a:t>오전 6시~오후 5시 30분</a:t>
                       </a:r>
                     </a:p>
                   </a:txBody>
@@ -11046,13 +10464,13 @@
                     <a:p>
                       <a:pPr algn="ctr"/>
                       <a:r>
-                        <a:rPr lang="en-US" sz="1100">
+                        <a:rPr lang="de-de" sz="1100" dirty="0">
                           <a:solidFill>
                             <a:schemeClr val="tx1"/>
                           </a:solidFill>
-                          <a:latin typeface="Adobe Clean"/>
+                          <a:latin typeface="Adobe Clean" panose="020B0503020404020204" pitchFamily="34" charset="0"/>
                         </a:rPr>
-                        <a:t>9 am – 5 pm</a:t>
+                        <a:t>오전 9시~오후 5시</a:t>
                       </a:r>
                     </a:p>
                   </a:txBody>
@@ -11111,13 +10529,13 @@
                     <a:p>
                       <a:pPr algn="ctr"/>
                       <a:r>
-                        <a:rPr lang="en-US" sz="1100">
+                        <a:rPr lang="de-de" sz="1100" dirty="0">
                           <a:solidFill>
                             <a:schemeClr val="tx1"/>
                           </a:solidFill>
-                          <a:latin typeface="Adobe Clean"/>
+                          <a:latin typeface="Adobe Clean" panose="020B0503020404020204" pitchFamily="34" charset="0"/>
                         </a:rPr>
-                        <a:t>9 am – 5 pm</a:t>
+                        <a:t>오전 9시~오후 5시</a:t>
                       </a:r>
                     </a:p>
                   </a:txBody>
@@ -11176,13 +10594,13 @@
                     <a:p>
                       <a:pPr algn="ctr"/>
                       <a:r>
-                        <a:rPr lang="en-US" sz="1100">
+                        <a:rPr lang="de-de" sz="1100" dirty="0">
                           <a:solidFill>
                             <a:schemeClr val="tx1"/>
                           </a:solidFill>
-                          <a:latin typeface="Adobe Clean"/>
+                          <a:latin typeface="Adobe Clean" panose="020B0503020404020204" pitchFamily="34" charset="0"/>
                         </a:rPr>
-                        <a:t>9 am – 5:30 pm</a:t>
+                        <a:t>오전 9시~오후 5시 30분</a:t>
                       </a:r>
                     </a:p>
                   </a:txBody>
@@ -11262,7 +10680,7 @@
                         <a:buNone/>
                       </a:pPr>
                       <a:r>
-                        <a:rPr lang="en-US" sz="1100" b="1" i="0" u="none" strike="noStrike" kern="0" cap="none" spc="0" normalizeH="0" baseline="30000" noProof="0">
+                        <a:rPr lang="de-de" sz="1100" b="1" i="0" u="none" strike="noStrike" kern="0" cap="none" spc="0" normalizeH="0" baseline="30000" noProof="0" dirty="0">
                           <a:ln>
                             <a:noFill/>
                           </a:ln>
@@ -11276,15 +10694,15 @@
                         <a:t> </a:t>
                       </a:r>
                       <a:r>
-                        <a:rPr lang="en-US" sz="1100">
+                        <a:rPr lang="de-de" sz="1100" dirty="0">
                           <a:solidFill>
                             <a:schemeClr val="tx1"/>
                           </a:solidFill>
                           <a:latin typeface="Adobe Clean"/>
                         </a:rPr>
-                        <a:t>Language support is only available in English and Japanese.</a:t>
+                        <a:t>언어 지원은 영어와 일본어로만 제공됩니다.</a:t>
                       </a:r>
-                      <a:endParaRPr lang="en-US">
+                      <a:endParaRPr lang="en-US" dirty="0">
                         <a:latin typeface="Adobe Clean"/>
                       </a:endParaRPr>
                     </a:p>
@@ -11305,18 +10723,18 @@
                         <a:buNone/>
                       </a:pPr>
                       <a:r>
-                        <a:rPr lang="en-US" sz="1100" i="1">
+                        <a:rPr lang="de-de" sz="1100" i="1" dirty="0">
                           <a:solidFill>
                             <a:schemeClr val="tx1"/>
                           </a:solidFill>
                           <a:latin typeface="Adobe Clean"/>
                         </a:rPr>
-                        <a:t>*Adobe Commerce excludes Japanese languages support.</a:t>
+                        <a:t>*Adobe Commerce에서는 일본어 지원이 제외됩니다.</a:t>
                       </a:r>
                     </a:p>
                     <a:p>
                       <a:pPr algn="ctr"/>
-                      <a:endParaRPr kumimoji="0" lang="en-US" sz="1100" b="1" i="0" u="none" strike="noStrike" kern="0" cap="none" spc="0" normalizeH="0" baseline="30000" noProof="0">
+                      <a:endParaRPr kumimoji="0" lang="en-US" sz="1100" b="1" i="0" u="none" strike="noStrike" kern="0" cap="none" spc="0" normalizeH="0" baseline="30000" noProof="0" dirty="0">
                         <a:ln>
                           <a:noFill/>
                         </a:ln>
@@ -11334,38 +10752,81 @@
                     <a:p>
                       <a:pPr algn="ctr"/>
                       <a:r>
-                        <a:rPr lang="en-US" sz="1100" i="0">
+                        <a:rPr lang="de-de" sz="1100" i="0" dirty="0">
                           <a:solidFill>
                             <a:schemeClr val="tx1"/>
                           </a:solidFill>
-                          <a:latin typeface="Adobe Clean"/>
+                          <a:latin typeface="Adobe Clean" panose="020B0503020404020204" pitchFamily="34" charset="0"/>
                         </a:rPr>
-                        <a:t> </a:t>
+                        <a:t> </a:t>
                       </a:r>
                       <a:r>
-                        <a:rPr lang="en-US" sz="1100" i="0" baseline="30000">
+                        <a:rPr lang="de-de" sz="1100" i="0" baseline="30000" dirty="0">
                           <a:solidFill>
                             <a:schemeClr val="tx1"/>
                           </a:solidFill>
-                          <a:latin typeface="Adobe Clean"/>
+                          <a:latin typeface="Adobe Clean" panose="020B0503020404020204" pitchFamily="34" charset="0"/>
                         </a:rPr>
                         <a:t>1 </a:t>
                       </a:r>
                       <a:r>
-                        <a:rPr lang="en-US" sz="1100" i="0">
+                        <a:rPr lang="ko-KR" altLang="en-US" sz="1100" i="0" dirty="0">
                           <a:solidFill>
                             <a:schemeClr val="tx1"/>
                           </a:solidFill>
-                          <a:latin typeface="Adobe Clean"/>
+                          <a:latin typeface="Adobe Clean" panose="020B0503020404020204" pitchFamily="34" charset="0"/>
                         </a:rPr>
-                        <a:t>P2, P3, P4 cases are limited to business hours only in Japan.</a:t>
+                        <a:t>일본에서 </a:t>
                       </a:r>
-                      <a:endParaRPr lang="en-US" sz="1100" b="1" i="0">
+                      <a:r>
+                        <a:rPr lang="en-US" altLang="ko-KR" sz="1100" i="0" dirty="0">
+                          <a:solidFill>
+                            <a:schemeClr val="tx1"/>
+                          </a:solidFill>
+                          <a:latin typeface="Adobe Clean" panose="020B0503020404020204" pitchFamily="34" charset="0"/>
+                        </a:rPr>
+                        <a:t>P2, P3, P4 </a:t>
+                      </a:r>
+                      <a:r>
+                        <a:rPr lang="ko-KR" altLang="en-US" sz="1100" i="0" dirty="0">
+                          <a:solidFill>
+                            <a:schemeClr val="tx1"/>
+                          </a:solidFill>
+                          <a:latin typeface="Adobe Clean" panose="020B0503020404020204" pitchFamily="34" charset="0"/>
+                        </a:rPr>
+                        <a:t>사례는 업무 시간으로만 제한됩니다</a:t>
+                      </a:r>
+                      <a:r>
+                        <a:rPr lang="en-US" altLang="ko-KR" sz="1100" i="0" dirty="0">
+                          <a:solidFill>
+                            <a:schemeClr val="tx1"/>
+                          </a:solidFill>
+                          <a:latin typeface="Adobe Clean" panose="020B0503020404020204" pitchFamily="34" charset="0"/>
+                        </a:rPr>
+                        <a:t>.</a:t>
+                      </a:r>
+                      <a:endParaRPr lang="de-de" sz="1100" b="1" i="0" dirty="0">
                         <a:solidFill>
                           <a:schemeClr val="tx1"/>
                         </a:solidFill>
-                        <a:latin typeface="Adobe Clean"/>
+                        <a:latin typeface="Adobe Clean" panose="020B0503020404020204" pitchFamily="34" charset="0"/>
                       </a:endParaRPr>
+                    </a:p>
+                    <a:p>
+                      <a:r>
+                        <a:rPr lang="de-de" sz="1100" b="1" i="0" u="none" strike="noStrike" kern="0" cap="none" spc="0" normalizeH="0" baseline="30000" noProof="0" dirty="0">
+                          <a:ln>
+                            <a:noFill/>
+                          </a:ln>
+                          <a:effectLst/>
+                          <a:uLnTx/>
+                          <a:uFillTx/>
+                          <a:latin typeface="Adobe Clean"/>
+                          <a:ea typeface="+mn-ea"/>
+                          <a:cs typeface="+mn-cs"/>
+                        </a:rPr>
+                        <a:t>.</a:t>
+                      </a:r>
                     </a:p>
                   </a:txBody>
                   <a:tcPr anchor="ctr">
@@ -11421,7 +10882,7 @@
                     <a:bodyPr/>
                     <a:lstStyle/>
                     <a:p>
-                      <a:endParaRPr lang="en-US" sz="1100">
+                      <a:endParaRPr lang="en-US" sz="1100" dirty="0">
                         <a:solidFill>
                           <a:schemeClr val="tx1"/>
                         </a:solidFill>
@@ -11482,7 +10943,7 @@
                     <a:bodyPr/>
                     <a:lstStyle/>
                     <a:p>
-                      <a:endParaRPr lang="en-US" sz="1100">
+                      <a:endParaRPr lang="en-US" sz="1100" dirty="0">
                         <a:solidFill>
                           <a:schemeClr val="tx1"/>
                         </a:solidFill>
@@ -11543,7 +11004,7 @@
                     <a:bodyPr/>
                     <a:lstStyle/>
                     <a:p>
-                      <a:endParaRPr lang="en-US" sz="1100">
+                      <a:endParaRPr lang="en-US" sz="1100" dirty="0">
                         <a:solidFill>
                           <a:schemeClr val="tx1"/>
                         </a:solidFill>
@@ -11707,8 +11168,8 @@
         </p:nvSpPr>
         <p:spPr>
           <a:xfrm>
-            <a:off x="2840871" y="8528519"/>
-            <a:ext cx="810895" cy="385445"/>
+            <a:off x="2743200" y="8528519"/>
+            <a:ext cx="1045329" cy="385445"/>
           </a:xfrm>
           <a:prstGeom prst="rect">
             <a:avLst/>
@@ -11720,7 +11181,7 @@
           </a:bodyPr>
           <a:lstStyle/>
           <a:p>
-            <a:pPr marL="139065" marR="5080" indent="-139065">
+            <a:pPr marL="14288" marR="5080" indent="-14288" algn="ctr">
               <a:lnSpc>
                 <a:spcPts val="1390"/>
               </a:lnSpc>
@@ -11729,126 +11190,36 @@
               </a:spcBef>
             </a:pPr>
             <a:r>
-              <a:rPr sz="1200" b="1" spc="-15">
+              <a:rPr lang="de-de" sz="1200" b="1" spc="-15" dirty="0">
                 <a:solidFill>
                   <a:srgbClr val="FFFFFF"/>
                 </a:solidFill>
                 <a:latin typeface="Adobe Clean"/>
                 <a:cs typeface="Adobe Clean"/>
               </a:rPr>
-              <a:t>U</a:t>
-            </a:r>
-            <a:r>
-              <a:rPr sz="1200" b="1" spc="-20">
+              <a:t>탁월한</a:t>
+            </a:r>
+            <a:r>
+              <a:rPr lang="de-de" sz="1200" b="1" dirty="0">
                 <a:solidFill>
                   <a:srgbClr val="FFFFFF"/>
                 </a:solidFill>
                 <a:latin typeface="Adobe Clean"/>
                 <a:cs typeface="Adobe Clean"/>
               </a:rPr>
-              <a:t>n</a:t>
-            </a:r>
-            <a:r>
-              <a:rPr sz="1200" b="1" spc="-25">
+              <a:t> </a:t>
+            </a:r>
+            <a:r>
+              <a:rPr lang="de-de" sz="1200" b="1" spc="-25" dirty="0">
                 <a:solidFill>
                   <a:srgbClr val="FFFFFF"/>
                 </a:solidFill>
                 <a:latin typeface="Adobe Clean"/>
                 <a:cs typeface="Adobe Clean"/>
               </a:rPr>
-              <a:t>p</a:t>
-            </a:r>
-            <a:r>
-              <a:rPr sz="1200" b="1" spc="-15">
-                <a:solidFill>
-                  <a:srgbClr val="FFFFFF"/>
-                </a:solidFill>
-                <a:latin typeface="Adobe Clean"/>
-                <a:cs typeface="Adobe Clean"/>
-              </a:rPr>
-              <a:t>a</a:t>
-            </a:r>
-            <a:r>
-              <a:rPr sz="1200" b="1" spc="-25">
-                <a:solidFill>
-                  <a:srgbClr val="FFFFFF"/>
-                </a:solidFill>
-                <a:latin typeface="Adobe Clean"/>
-                <a:cs typeface="Adobe Clean"/>
-              </a:rPr>
-              <a:t>r</a:t>
-            </a:r>
-            <a:r>
-              <a:rPr sz="1200" b="1" spc="-15">
-                <a:solidFill>
-                  <a:srgbClr val="FFFFFF"/>
-                </a:solidFill>
-                <a:latin typeface="Adobe Clean"/>
-                <a:cs typeface="Adobe Clean"/>
-              </a:rPr>
-              <a:t>a</a:t>
-            </a:r>
-            <a:r>
-              <a:rPr sz="1200" b="1" spc="-30">
-                <a:solidFill>
-                  <a:srgbClr val="FFFFFF"/>
-                </a:solidFill>
-                <a:latin typeface="Adobe Clean"/>
-                <a:cs typeface="Adobe Clean"/>
-              </a:rPr>
-              <a:t>ll</a:t>
-            </a:r>
-            <a:r>
-              <a:rPr sz="1200" b="1" spc="-25">
-                <a:solidFill>
-                  <a:srgbClr val="FFFFFF"/>
-                </a:solidFill>
-                <a:latin typeface="Adobe Clean"/>
-                <a:cs typeface="Adobe Clean"/>
-              </a:rPr>
-              <a:t>e</a:t>
-            </a:r>
-            <a:r>
-              <a:rPr sz="1200" b="1" spc="-30">
-                <a:solidFill>
-                  <a:srgbClr val="FFFFFF"/>
-                </a:solidFill>
-                <a:latin typeface="Adobe Clean"/>
-                <a:cs typeface="Adobe Clean"/>
-              </a:rPr>
-              <a:t>l</a:t>
-            </a:r>
-            <a:r>
-              <a:rPr sz="1200" b="1" spc="-25">
-                <a:solidFill>
-                  <a:srgbClr val="FFFFFF"/>
-                </a:solidFill>
-                <a:latin typeface="Adobe Clean"/>
-                <a:cs typeface="Adobe Clean"/>
-              </a:rPr>
-              <a:t>e</a:t>
-            </a:r>
-            <a:r>
-              <a:rPr sz="1200" b="1">
-                <a:solidFill>
-                  <a:srgbClr val="FFFFFF"/>
-                </a:solidFill>
-                <a:latin typeface="Adobe Clean"/>
-                <a:cs typeface="Adobe Clean"/>
-              </a:rPr>
-              <a:t>d  </a:t>
-            </a:r>
-            <a:r>
-              <a:rPr sz="1200" b="1" spc="-25">
-                <a:solidFill>
-                  <a:srgbClr val="FFFFFF"/>
-                </a:solidFill>
-                <a:latin typeface="Adobe Clean"/>
-                <a:cs typeface="Adobe Clean"/>
-              </a:rPr>
-              <a:t>Expertise</a:t>
-            </a:r>
-            <a:endParaRPr sz="1200">
+              <a:t>전문성</a:t>
+            </a:r>
+            <a:endParaRPr sz="1200" dirty="0">
               <a:latin typeface="Adobe Clean"/>
               <a:cs typeface="Adobe Clean"/>
             </a:endParaRPr>
@@ -11882,7 +11253,7 @@
           </a:bodyPr>
           <a:lstStyle/>
           <a:p>
-            <a:pPr marL="139065" marR="5080" indent="-139065">
+            <a:pPr marL="14288" marR="5080" indent="-14288" algn="ctr">
               <a:lnSpc>
                 <a:spcPts val="1390"/>
               </a:lnSpc>
@@ -11891,16 +11262,16 @@
               </a:spcBef>
             </a:pPr>
             <a:r>
-              <a:rPr lang="en-US" sz="1200" b="1" spc="-15">
+              <a:rPr lang="de-de" sz="1200" b="1" spc="-15" dirty="0">
                 <a:solidFill>
                   <a:srgbClr val="FFFFFF"/>
                 </a:solidFill>
                 <a:latin typeface="Adobe Clean"/>
                 <a:cs typeface="Adobe Clean"/>
               </a:rPr>
-              <a:t>Accelerated Support</a:t>
-            </a:r>
-            <a:endParaRPr sz="1200">
+              <a:t>신속한 지원</a:t>
+            </a:r>
+            <a:endParaRPr sz="1200" dirty="0">
               <a:latin typeface="Adobe Clean"/>
               <a:cs typeface="Adobe Clean"/>
             </a:endParaRPr>
@@ -11921,8 +11292,8 @@
         </p:nvSpPr>
         <p:spPr>
           <a:xfrm>
-            <a:off x="6624119" y="8543943"/>
-            <a:ext cx="510540" cy="385445"/>
+            <a:off x="6517939" y="8543943"/>
+            <a:ext cx="721061" cy="384080"/>
           </a:xfrm>
           <a:prstGeom prst="rect">
             <a:avLst/>
@@ -11934,7 +11305,7 @@
           </a:bodyPr>
           <a:lstStyle/>
           <a:p>
-            <a:pPr marL="50800" marR="5080" indent="-51435">
+            <a:pPr marL="14288" marR="5080" indent="-14288" algn="ctr">
               <a:lnSpc>
                 <a:spcPts val="1390"/>
               </a:lnSpc>
@@ -11943,106 +11314,36 @@
               </a:spcBef>
             </a:pPr>
             <a:r>
-              <a:rPr sz="1200" b="1" spc="-50">
+              <a:rPr lang="de-de" sz="1200" b="1" spc="-50" dirty="0">
                 <a:solidFill>
                   <a:srgbClr val="FFFFFF"/>
                 </a:solidFill>
                 <a:latin typeface="Adobe Clean"/>
                 <a:cs typeface="Adobe Clean"/>
               </a:rPr>
-              <a:t>S</a:t>
-            </a:r>
-            <a:r>
-              <a:rPr sz="1200" b="1" spc="-20">
+              <a:t>전략적</a:t>
+            </a:r>
+            <a:r>
+              <a:rPr lang="de-de" sz="1200" b="1" dirty="0">
                 <a:solidFill>
                   <a:srgbClr val="FFFFFF"/>
                 </a:solidFill>
                 <a:latin typeface="Adobe Clean"/>
                 <a:cs typeface="Adobe Clean"/>
               </a:rPr>
-              <a:t>t</a:t>
-            </a:r>
-            <a:r>
-              <a:rPr sz="1200" b="1" spc="-75">
+              <a:t> </a:t>
+            </a:r>
+            <a:r>
+              <a:rPr lang="de-de" sz="1200" b="1" spc="-45" dirty="0">
                 <a:solidFill>
                   <a:srgbClr val="FFFFFF"/>
                 </a:solidFill>
                 <a:latin typeface="Adobe Clean"/>
                 <a:cs typeface="Adobe Clean"/>
               </a:rPr>
-              <a:t>r</a:t>
-            </a:r>
-            <a:r>
-              <a:rPr sz="1200" b="1" spc="-90">
-                <a:solidFill>
-                  <a:srgbClr val="FFFFFF"/>
-                </a:solidFill>
-                <a:latin typeface="Adobe Clean"/>
-                <a:cs typeface="Adobe Clean"/>
-              </a:rPr>
-              <a:t>a</a:t>
-            </a:r>
-            <a:r>
-              <a:rPr sz="1200" b="1" spc="-55">
-                <a:solidFill>
-                  <a:srgbClr val="FFFFFF"/>
-                </a:solidFill>
-                <a:latin typeface="Adobe Clean"/>
-                <a:cs typeface="Adobe Clean"/>
-              </a:rPr>
-              <a:t>t</a:t>
-            </a:r>
-            <a:r>
-              <a:rPr sz="1200" b="1" spc="-100">
-                <a:solidFill>
-                  <a:srgbClr val="FFFFFF"/>
-                </a:solidFill>
-                <a:latin typeface="Adobe Clean"/>
-                <a:cs typeface="Adobe Clean"/>
-              </a:rPr>
-              <a:t>e</a:t>
-            </a:r>
-            <a:r>
-              <a:rPr sz="1200" b="1" spc="-80">
-                <a:solidFill>
-                  <a:srgbClr val="FFFFFF"/>
-                </a:solidFill>
-                <a:latin typeface="Adobe Clean"/>
-                <a:cs typeface="Adobe Clean"/>
-              </a:rPr>
-              <a:t>g</a:t>
-            </a:r>
-            <a:r>
-              <a:rPr sz="1200" b="1" spc="-35">
-                <a:solidFill>
-                  <a:srgbClr val="FFFFFF"/>
-                </a:solidFill>
-                <a:latin typeface="Adobe Clean"/>
-                <a:cs typeface="Adobe Clean"/>
-              </a:rPr>
-              <a:t>i</a:t>
-            </a:r>
-            <a:r>
-              <a:rPr sz="1200" b="1">
-                <a:solidFill>
-                  <a:srgbClr val="FFFFFF"/>
-                </a:solidFill>
-                <a:latin typeface="Adobe Clean"/>
-                <a:cs typeface="Adobe Clean"/>
-              </a:rPr>
-              <a:t>c  </a:t>
-            </a:r>
-            <a:r>
-              <a:rPr sz="1200" b="1" spc="-45">
-                <a:solidFill>
-                  <a:srgbClr val="FFFFFF"/>
-                </a:solidFill>
-                <a:latin typeface="Adobe Clean"/>
-                <a:cs typeface="Adobe Clean"/>
-              </a:rPr>
-              <a:t>Advice</a:t>
-            </a:r>
-            <a:endParaRPr sz="1200">
+              <a:t>조언</a:t>
+            </a:r>
+            <a:endParaRPr sz="1200" dirty="0">
               <a:latin typeface="Adobe Clean"/>
               <a:cs typeface="Adobe Clean"/>
             </a:endParaRPr>
@@ -12061,13 +11362,7 @@
           <p:cNvGraphicFramePr>
             <a:graphicFrameLocks noGrp="1"/>
           </p:cNvGraphicFramePr>
-          <p:nvPr>
-            <p:extLst>
-              <p:ext uri="{D42A27DB-BD31-4B8C-83A1-F6EECF244321}">
-                <p14:modId xmlns:p14="http://schemas.microsoft.com/office/powerpoint/2010/main" val="3773282750"/>
-              </p:ext>
-            </p:extLst>
-          </p:nvPr>
+          <p:nvPr/>
         </p:nvGraphicFramePr>
         <p:xfrm>
           <a:off x="194236" y="1059345"/>
@@ -12102,22 +11397,22 @@
                     <a:lstStyle/>
                     <a:p>
                       <a:r>
-                        <a:rPr lang="en-US" sz="1100" b="0">
+                        <a:rPr lang="de-de" sz="1100" b="0" dirty="0">
                           <a:solidFill>
                             <a:schemeClr val="tx1"/>
                           </a:solidFill>
-                          <a:latin typeface="Adobe Clean"/>
+                          <a:latin typeface="Adobe Clean" panose="020B0503020404020204" pitchFamily="34" charset="0"/>
                           <a:ea typeface="+mn-ea"/>
                           <a:cs typeface="+mn-cs"/>
                           <a:hlinkClick r:id="rId7"/>
                         </a:rPr>
                         <a:t>Experience League</a:t>
                       </a:r>
-                      <a:endParaRPr lang="en-US" sz="1100" b="0">
+                      <a:endParaRPr lang="en-US" sz="1100" b="0" dirty="0">
                         <a:solidFill>
                           <a:schemeClr val="tx1"/>
                         </a:solidFill>
-                        <a:latin typeface="Adobe Clean"/>
+                        <a:latin typeface="Adobe Clean" panose="020B0503020404020204" pitchFamily="34" charset="0"/>
                         <a:ea typeface="+mn-ea"/>
                         <a:cs typeface="+mn-cs"/>
                       </a:endParaRPr>
@@ -12176,7 +11471,7 @@
                     <a:bodyPr/>
                     <a:lstStyle/>
                     <a:p>
-                      <a:pPr marL="0" marR="0" lvl="0" indent="0" eaLnBrk="1" fontAlgn="auto" latinLnBrk="0" hangingPunct="1">
+                      <a:pPr marL="0" marR="0" lvl="0" indent="0" defTabSz="914400" eaLnBrk="1" fontAlgn="auto" latinLnBrk="0" hangingPunct="1">
                         <a:lnSpc>
                           <a:spcPct val="100000"/>
                         </a:lnSpc>
@@ -12190,26 +11485,20 @@
                         <a:buSzTx/>
                         <a:buFontTx/>
                         <a:buNone/>
+                        <a:tabLst/>
+                        <a:defRPr/>
                       </a:pPr>
                       <a:r>
-                        <a:rPr lang="en-US" sz="1000" b="0" kern="1200">
+                        <a:rPr lang="de-de" sz="1000" b="0" kern="1200" dirty="0">
                           <a:solidFill>
                             <a:srgbClr val="000000"/>
                           </a:solidFill>
-                          <a:latin typeface="Adobe Clean Light"/>
+                          <a:latin typeface="Adobe Clean Light" panose="020B0303020404020204" pitchFamily="34" charset="0"/>
                           <a:ea typeface="+mn-ea"/>
                           <a:cs typeface="+mn-cs"/>
                         </a:rPr>
-                        <a:t>Experience League is how Adobe helps businesses achieve the value they expect from their Adobe investment. It’s the unified place where customers can learn, connect, and grow along a personalized path to success that includes self-help tutorials, product documentation, instructor-led training, community and technical support. </a:t>
+                        <a:t>Experience League를 통해 Adobe는 기업이 Adobe 투자에서 기대하는 가치를 달성하도록 지원합니다. 고객이 자기 주도 튜토리얼, 제품 설명서, 강의식 교육, 커뮤니티 및 기술 지원을 포함하는 개인 맞춤형 성공 경로를 따라가며 배우고, 교류하고, 성장할 수 있는 통합된 공간입니다. </a:t>
                       </a:r>
-                      <a:endParaRPr lang="en-US" sz="1000" b="0" kern="1200">
-                        <a:solidFill>
-                          <a:srgbClr val="000000"/>
-                        </a:solidFill>
-                        <a:latin typeface="Adobe Clean Light" panose="020B0303020404020204" pitchFamily="34" charset="0"/>
-                        <a:ea typeface="+mn-ea"/>
-                        <a:cs typeface="+mn-cs"/>
-                      </a:endParaRPr>
                     </a:p>
                   </a:txBody>
                   <a:tcPr anchor="ctr">
@@ -12290,36 +11579,36 @@
                         <a:defRPr/>
                       </a:pPr>
                       <a:r>
-                        <a:rPr lang="en-US" sz="1100">
+                        <a:rPr lang="de-de" sz="1100" dirty="0">
                           <a:solidFill>
                             <a:schemeClr val="dk1"/>
                           </a:solidFill>
                           <a:effectLst/>
-                          <a:latin typeface="Adobe Clean"/>
+                          <a:latin typeface="Adobe Clean" panose="020B0503020404020204" pitchFamily="34" charset="0"/>
                           <a:ea typeface="+mn-ea"/>
                           <a:cs typeface="+mn-cs"/>
                           <a:hlinkClick r:id="rId8"/>
                         </a:rPr>
-                        <a:t>Training</a:t>
+                        <a:t>교육</a:t>
                       </a:r>
                       <a:r>
-                        <a:rPr lang="en-US" sz="1100">
+                        <a:rPr lang="de-de" sz="1100" dirty="0">
                           <a:solidFill>
                             <a:schemeClr val="dk1"/>
                           </a:solidFill>
                           <a:effectLst/>
-                          <a:latin typeface="Adobe Clean"/>
+                          <a:latin typeface="Adobe Clean" panose="020B0503020404020204" pitchFamily="34" charset="0"/>
                           <a:ea typeface="+mn-ea"/>
                           <a:cs typeface="+mn-cs"/>
                         </a:rPr>
                         <a:t> </a:t>
                       </a:r>
-                      <a:endParaRPr lang="en-US" sz="1100">
+                      <a:endParaRPr lang="en-US" sz="1100" dirty="0">
                         <a:solidFill>
                           <a:schemeClr val="tx1"/>
                         </a:solidFill>
                         <a:effectLst/>
-                        <a:latin typeface="Adobe Clean"/>
+                        <a:latin typeface="Adobe Clean" panose="020B0503020404020204" pitchFamily="34" charset="0"/>
                         <a:ea typeface="+mn-ea"/>
                         <a:cs typeface="+mn-cs"/>
                       </a:endParaRPr>
@@ -12396,15 +11685,15 @@
                         <a:defRPr/>
                       </a:pPr>
                       <a:r>
-                        <a:rPr lang="en-US" sz="1000" kern="1200">
+                        <a:rPr lang="de-de" sz="1000" kern="1200" dirty="0">
                           <a:solidFill>
                             <a:srgbClr val="000000"/>
                           </a:solidFill>
-                          <a:latin typeface="Adobe Clean Light"/>
+                          <a:latin typeface="Adobe Clean Light" panose="020B0303020404020204" pitchFamily="34" charset="0"/>
                           <a:ea typeface="+mn-ea"/>
                           <a:cs typeface="+mn-cs"/>
                         </a:rPr>
-                        <a:t>Adobe Digital Learning Services courses are accessible from Experience League. Learning courses integrate both on-demand and instructor-led lessons.  Here you can accrue skills that have recognized market value and position them to drive success in your organizations.</a:t>
+                        <a:t>Adobe 디지털 학습 서비스 과정은 Experience League에서 액세스할 수 있습니다. 학습 과정은 주문형 수업과 강의식 수업을 모두 통합합니다. 여기에서 시장 가치를 인정받은 기술을 습득하고 조직에 포지셔닝하여 성공으로 이끌 수 있습니다.</a:t>
                       </a:r>
                     </a:p>
                   </a:txBody>
@@ -12486,24 +11775,24 @@
                         <a:defRPr/>
                       </a:pPr>
                       <a:r>
-                        <a:rPr lang="en-US" sz="1100">
+                        <a:rPr lang="de-de" sz="1100" dirty="0">
                           <a:solidFill>
                             <a:schemeClr val="tx1"/>
                           </a:solidFill>
                           <a:effectLst/>
-                          <a:latin typeface="Adobe Clean"/>
+                          <a:latin typeface="Adobe Clean" panose="020B0503020404020204" pitchFamily="34" charset="0"/>
                           <a:ea typeface="+mn-ea"/>
                           <a:cs typeface="+mn-cs"/>
                           <a:hlinkClick r:id="rId9"/>
                         </a:rPr>
-                        <a:t>Production Issues &amp; System Outages</a:t>
+                        <a:t>생산 문제 및 시스템 중단</a:t>
                       </a:r>
-                      <a:endParaRPr lang="en-US" sz="1100">
+                      <a:endParaRPr lang="en-US" sz="1100" dirty="0">
                         <a:solidFill>
                           <a:schemeClr val="tx1"/>
                         </a:solidFill>
                         <a:effectLst/>
-                        <a:latin typeface="Adobe Clean"/>
+                        <a:latin typeface="Adobe Clean" panose="020B0503020404020204" pitchFamily="34" charset="0"/>
                         <a:ea typeface="+mn-ea"/>
                         <a:cs typeface="+mn-cs"/>
                       </a:endParaRPr>
@@ -12562,7 +11851,7 @@
                     <a:bodyPr/>
                     <a:lstStyle/>
                     <a:p>
-                      <a:pPr marL="0" marR="0" lvl="0" indent="0" eaLnBrk="1" fontAlgn="auto" latinLnBrk="0" hangingPunct="1">
+                      <a:pPr marL="0" marR="0" lvl="0" indent="0" defTabSz="914400" eaLnBrk="1" fontAlgn="auto" latinLnBrk="0" hangingPunct="1">
                         <a:lnSpc>
                           <a:spcPct val="100000"/>
                         </a:lnSpc>
@@ -12576,26 +11865,20 @@
                         <a:buSzTx/>
                         <a:buFontTx/>
                         <a:buNone/>
+                        <a:tabLst/>
+                        <a:defRPr/>
                       </a:pPr>
                       <a:r>
-                        <a:rPr lang="en-US" sz="1000" kern="1200">
+                        <a:rPr lang="de-de" sz="1000" kern="1200" dirty="0">
                           <a:solidFill>
                             <a:srgbClr val="000000"/>
                           </a:solidFill>
-                          <a:latin typeface="Adobe Clean Light"/>
+                          <a:latin typeface="Adobe Clean Light" panose="020B0303020404020204" pitchFamily="34" charset="0"/>
                           <a:ea typeface="+mn-ea"/>
                           <a:cs typeface="+mn-cs"/>
                         </a:rPr>
-                        <a:t>Status.adobe.com conveys the health information of all Adobe products and services that are deployed in multi-tenant environments. Customers can choose their subscription preferences to get email notifications whenever Adobe creates, updates or resolves a product event. This can include scheduled maintenance or service issues of varying levels of severity. </a:t>
+                        <a:t>Status.adobe.com은 다중 테넌트 환경에 배포된 모든 Adobe 제품 및 서비스의 상태 정보를 전달합니다. 고객은 구독 기본 설정을 선택하여 Adobe가 제품 이벤트를 생성 업데이트 또는 해결할 때마다 이메일 알림을 받을 수 있습니다. 여기에는 예정된 유지 관리 또는 다양한 심각도 수준의 서비스 문제가 포함될 수 있습니다. </a:t>
                       </a:r>
-                      <a:endParaRPr lang="en-US" sz="1000" kern="1200">
-                        <a:solidFill>
-                          <a:srgbClr val="000000"/>
-                        </a:solidFill>
-                        <a:latin typeface="Adobe Clean Light" panose="020B0303020404020204" pitchFamily="34" charset="0"/>
-                        <a:ea typeface="+mn-ea"/>
-                        <a:cs typeface="+mn-cs"/>
-                      </a:endParaRPr>
                     </a:p>
                   </a:txBody>
                   <a:tcPr anchor="ctr">
@@ -12676,24 +11959,24 @@
                         <a:defRPr/>
                       </a:pPr>
                       <a:r>
-                        <a:rPr lang="en-US" sz="1100" b="0" i="0">
+                        <a:rPr lang="de-de" sz="1100" b="0" i="0" dirty="0">
                           <a:solidFill>
                             <a:schemeClr val="dk1"/>
                           </a:solidFill>
                           <a:effectLst/>
-                          <a:latin typeface="Adobe Clean"/>
+                          <a:latin typeface="Adobe Clean" panose="020B0503020404020204" pitchFamily="34" charset="0"/>
                           <a:ea typeface="+mn-ea"/>
                           <a:cs typeface="+mn-cs"/>
-                          <a:hlinkClick r:id="rId10" tooltip="https://helpx.adobe.com/support/programs/enterprise-support-programs/premier-support-business.html"/>
+                          <a:hlinkClick r:id="rId10" tooltip="https://helpx.adobe.com/kr/support/programs/enterprise-support-programs/premier-support-business.html"/>
                         </a:rPr>
-                        <a:t>Business Support Website</a:t>
+                        <a:t>비즈니스 지원 웹 사이트</a:t>
                       </a:r>
-                      <a:endParaRPr lang="en-US" sz="1100" b="0" i="0">
+                      <a:endParaRPr lang="en-US" sz="1100" b="0" i="0" dirty="0">
                         <a:solidFill>
                           <a:schemeClr val="dk1"/>
                         </a:solidFill>
                         <a:effectLst/>
-                        <a:latin typeface="Adobe Clean"/>
+                        <a:latin typeface="Adobe Clean" panose="020B0503020404020204" pitchFamily="34" charset="0"/>
                         <a:ea typeface="+mn-ea"/>
                         <a:cs typeface="+mn-cs"/>
                       </a:endParaRPr>
@@ -12753,24 +12036,16 @@
                     <a:lstStyle/>
                     <a:p>
                       <a:r>
-                        <a:rPr lang="en-US" sz="1000" kern="1200">
+                        <a:rPr lang="de-de" sz="1000" kern="1200" dirty="0">
                           <a:solidFill>
                             <a:srgbClr val="000000"/>
                           </a:solidFill>
-                          <a:latin typeface="Adobe Clean Light"/>
+                          <a:latin typeface="Adobe Clean Light" panose="020B0303020404020204" pitchFamily="34" charset="0"/>
                           <a:ea typeface="+mn-ea"/>
                           <a:cs typeface="+mn-cs"/>
                         </a:rPr>
-                        <a:t>Adobe Business Support website.</a:t>
+                        <a:t>Adobe 비즈니스 지원 웹 사이트입니다.</a:t>
                       </a:r>
-                      <a:endParaRPr lang="en-US" sz="1000" kern="1200">
-                        <a:solidFill>
-                          <a:srgbClr val="000000"/>
-                        </a:solidFill>
-                        <a:latin typeface="Adobe Clean Light" panose="020B0303020404020204" pitchFamily="34" charset="0"/>
-                        <a:ea typeface="+mn-ea"/>
-                        <a:cs typeface="+mn-cs"/>
-                      </a:endParaRPr>
                     </a:p>
                   </a:txBody>
                   <a:tcPr anchor="ctr">
@@ -12851,24 +12126,24 @@
                         <a:defRPr/>
                       </a:pPr>
                       <a:r>
-                        <a:rPr lang="en-US" sz="1100">
+                        <a:rPr lang="de-de" sz="1100" dirty="0">
                           <a:solidFill>
                             <a:schemeClr val="tx1"/>
                           </a:solidFill>
                           <a:effectLst/>
-                          <a:latin typeface="Adobe Clean"/>
+                          <a:latin typeface="Adobe Clean" panose="020B0503020404020204" pitchFamily="34" charset="0"/>
                           <a:ea typeface="+mn-ea"/>
                           <a:cs typeface="+mn-cs"/>
                           <a:hlinkClick r:id="rId11"/>
                         </a:rPr>
-                        <a:t>Terms and Conditions</a:t>
+                        <a:t>약관</a:t>
                       </a:r>
-                      <a:endParaRPr lang="en-US" sz="1100">
+                      <a:endParaRPr lang="en-US" sz="1100" dirty="0">
                         <a:solidFill>
                           <a:schemeClr val="tx1"/>
                         </a:solidFill>
                         <a:effectLst/>
-                        <a:latin typeface="Adobe Clean"/>
+                        <a:latin typeface="Adobe Clean" panose="020B0503020404020204" pitchFamily="34" charset="0"/>
                         <a:ea typeface="+mn-ea"/>
                         <a:cs typeface="+mn-cs"/>
                       </a:endParaRPr>
@@ -12928,24 +12203,16 @@
                     <a:lstStyle/>
                     <a:p>
                       <a:r>
-                        <a:rPr lang="en-US" sz="1000" kern="1200">
+                        <a:rPr lang="de-de" sz="1000" kern="1200" dirty="0">
                           <a:solidFill>
                             <a:srgbClr val="000000"/>
                           </a:solidFill>
-                          <a:latin typeface="Adobe Clean Light"/>
+                          <a:latin typeface="Adobe Clean Light" panose="020B0303020404020204" pitchFamily="34" charset="0"/>
                           <a:ea typeface="+mn-ea"/>
                           <a:cs typeface="+mn-cs"/>
                         </a:rPr>
-                        <a:t>Terms and conditions detailing Support Services offerings.</a:t>
+                        <a:t>지원 서비스 제공 사항을 자세히 설명하는 약관입니다.</a:t>
                       </a:r>
-                      <a:endParaRPr lang="en-US" sz="1000" kern="1200">
-                        <a:solidFill>
-                          <a:srgbClr val="000000"/>
-                        </a:solidFill>
-                        <a:latin typeface="Adobe Clean Light" panose="020B0303020404020204" pitchFamily="34" charset="0"/>
-                        <a:ea typeface="+mn-ea"/>
-                        <a:cs typeface="+mn-cs"/>
-                      </a:endParaRPr>
                     </a:p>
                   </a:txBody>
                   <a:tcPr anchor="ctr">
@@ -13008,7 +12275,7 @@
       </p:graphicFrame>
       <p:pic>
         <p:nvPicPr>
-          <p:cNvPr id="8" name="Graphic 7" descr="Target outline">
+          <p:cNvPr id="8" name="Graphic 7" descr="타겟 개요">
             <a:extLst>
               <a:ext uri="{FF2B5EF4-FFF2-40B4-BE49-F238E27FC236}">
                 <a16:creationId xmlns:a16="http://schemas.microsoft.com/office/drawing/2014/main" id="{1EAA263E-04A7-0D46-952E-EA3033B45116}"/>
@@ -13047,7 +12314,7 @@
       </p:pic>
       <p:pic>
         <p:nvPicPr>
-          <p:cNvPr id="10" name="Graphic 9" descr="Rocket outline">
+          <p:cNvPr id="10" name="Graphic 9" descr="로켓 개요">
             <a:extLst>
               <a:ext uri="{FF2B5EF4-FFF2-40B4-BE49-F238E27FC236}">
                 <a16:creationId xmlns:a16="http://schemas.microsoft.com/office/drawing/2014/main" id="{A068EBC3-B418-4E4A-A520-101CA4B39F23}"/>
@@ -13086,7 +12353,7 @@
       </p:pic>
       <p:pic>
         <p:nvPicPr>
-          <p:cNvPr id="12" name="Graphic 11" descr="Medal outline">
+          <p:cNvPr id="12" name="Graphic 11" descr="메달 개요">
             <a:extLst>
               <a:ext uri="{FF2B5EF4-FFF2-40B4-BE49-F238E27FC236}">
                 <a16:creationId xmlns:a16="http://schemas.microsoft.com/office/drawing/2014/main" id="{C7BEFC2D-0CA6-0448-B9FA-6E1581CA6D36}"/>
@@ -13715,18 +12982,18 @@
 </file>
 
 <file path=customXml/item1.xml><?xml version="1.0" encoding="utf-8"?>
-<p:properties xmlns:p="http://schemas.microsoft.com/office/2006/metadata/properties" xmlns:xsi="http://www.w3.org/2001/XMLSchema-instance" xmlns:pc="http://schemas.microsoft.com/office/infopath/2007/PartnerControls">
-  <documentManagement/>
-</p:properties>
-</file>
-
-<file path=customXml/item2.xml><?xml version="1.0" encoding="utf-8"?>
 <?mso-contentType ?>
 <FormTemplates xmlns="http://schemas.microsoft.com/sharepoint/v3/contenttype/forms">
   <Display>DocumentLibraryForm</Display>
   <Edit>DocumentLibraryForm</Edit>
   <New>DocumentLibraryForm</New>
 </FormTemplates>
+</file>
+
+<file path=customXml/item2.xml><?xml version="1.0" encoding="utf-8"?>
+<p:properties xmlns:p="http://schemas.microsoft.com/office/2006/metadata/properties" xmlns:xsi="http://www.w3.org/2001/XMLSchema-instance" xmlns:pc="http://schemas.microsoft.com/office/infopath/2007/PartnerControls">
+  <documentManagement/>
+</p:properties>
 </file>
 
 <file path=customXml/item3.xml><?xml version="1.0" encoding="utf-8"?>
@@ -13935,23 +13202,6 @@
 </file>
 
 <file path=customXml/itemProps1.xml><?xml version="1.0" encoding="utf-8"?>
-<ds:datastoreItem xmlns:ds="http://schemas.openxmlformats.org/officeDocument/2006/customXml" ds:itemID="{10FC3CAF-E6F1-40E3-87D4-6B781C97D6B4}">
-  <ds:schemaRefs>
-    <ds:schemaRef ds:uri="6c8368ec-3776-49b5-a5bb-90648cf9530f"/>
-    <ds:schemaRef ds:uri="http://purl.org/dc/elements/1.1/"/>
-    <ds:schemaRef ds:uri="http://schemas.openxmlformats.org/package/2006/metadata/core-properties"/>
-    <ds:schemaRef ds:uri="8a053bff-88be-49e4-9a87-e748e18b8b62"/>
-    <ds:schemaRef ds:uri="http://www.w3.org/XML/1998/namespace"/>
-    <ds:schemaRef ds:uri="http://purl.org/dc/dcmitype/"/>
-    <ds:schemaRef ds:uri="http://schemas.microsoft.com/office/2006/documentManagement/types"/>
-    <ds:schemaRef ds:uri="http://schemas.microsoft.com/office/infopath/2007/PartnerControls"/>
-    <ds:schemaRef ds:uri="http://schemas.microsoft.com/office/2006/metadata/properties"/>
-    <ds:schemaRef ds:uri="http://purl.org/dc/terms/"/>
-  </ds:schemaRefs>
-</ds:datastoreItem>
-</file>
-
-<file path=customXml/itemProps2.xml><?xml version="1.0" encoding="utf-8"?>
 <ds:datastoreItem xmlns:ds="http://schemas.openxmlformats.org/officeDocument/2006/customXml" ds:itemID="{95AE3B0B-E909-400C-B0B3-909FB50E07DE}">
   <ds:schemaRefs>
     <ds:schemaRef ds:uri="http://schemas.microsoft.com/sharepoint/v3/contenttype/forms"/>
@@ -13959,21 +13209,30 @@
 </ds:datastoreItem>
 </file>
 
+<file path=customXml/itemProps2.xml><?xml version="1.0" encoding="utf-8"?>
+<ds:datastoreItem xmlns:ds="http://schemas.openxmlformats.org/officeDocument/2006/customXml" ds:itemID="{10FC3CAF-E6F1-40E3-87D4-6B781C97D6B4}">
+  <ds:schemaRefs>
+    <ds:schemaRef ds:uri="http://schemas.microsoft.com/office/2006/metadata/properties"/>
+    <ds:schemaRef ds:uri="http://schemas.microsoft.com/office/infopath/2007/PartnerControls"/>
+  </ds:schemaRefs>
+</ds:datastoreItem>
+</file>
+
 <file path=customXml/itemProps3.xml><?xml version="1.0" encoding="utf-8"?>
 <ds:datastoreItem xmlns:ds="http://schemas.openxmlformats.org/officeDocument/2006/customXml" ds:itemID="{E0DB8BDF-6DA8-4ABC-A3CA-043AFD674CFC}">
   <ds:schemaRefs>
+    <ds:schemaRef ds:uri="http://schemas.microsoft.com/office/2006/metadata/contentType"/>
+    <ds:schemaRef ds:uri="http://schemas.microsoft.com/office/2006/metadata/properties/metaAttributes"/>
+    <ds:schemaRef ds:uri="http://www.w3.org/2001/XMLSchema"/>
+    <ds:schemaRef ds:uri="http://schemas.microsoft.com/office/2006/metadata/properties"/>
+    <ds:schemaRef ds:uri="8a053bff-88be-49e4-9a87-e748e18b8b62"/>
     <ds:schemaRef ds:uri="6c8368ec-3776-49b5-a5bb-90648cf9530f"/>
-    <ds:schemaRef ds:uri="8a053bff-88be-49e4-9a87-e748e18b8b62"/>
+    <ds:schemaRef ds:uri="http://schemas.microsoft.com/office/2006/documentManagement/types"/>
+    <ds:schemaRef ds:uri="http://schemas.microsoft.com/office/infopath/2007/PartnerControls"/>
+    <ds:schemaRef ds:uri="http://schemas.openxmlformats.org/package/2006/metadata/core-properties"/>
     <ds:schemaRef ds:uri="http://purl.org/dc/elements/1.1/"/>
     <ds:schemaRef ds:uri="http://purl.org/dc/terms/"/>
     <ds:schemaRef ds:uri="http://schemas.microsoft.com/internal/obd"/>
-    <ds:schemaRef ds:uri="http://schemas.microsoft.com/office/2006/documentManagement/types"/>
-    <ds:schemaRef ds:uri="http://schemas.microsoft.com/office/2006/metadata/contentType"/>
-    <ds:schemaRef ds:uri="http://schemas.microsoft.com/office/2006/metadata/properties"/>
-    <ds:schemaRef ds:uri="http://schemas.microsoft.com/office/2006/metadata/properties/metaAttributes"/>
-    <ds:schemaRef ds:uri="http://schemas.microsoft.com/office/infopath/2007/PartnerControls"/>
-    <ds:schemaRef ds:uri="http://schemas.openxmlformats.org/package/2006/metadata/core-properties"/>
-    <ds:schemaRef ds:uri="http://www.w3.org/2001/XMLSchema"/>
   </ds:schemaRefs>
 </ds:datastoreItem>
 </file>